--- a/崇拜流程_聖餐禮version.pptx
+++ b/崇拜流程_聖餐禮version.pptx
@@ -29,7 +29,7 @@
     <p:sldId id="264" r:id="rId20"/>
     <p:sldId id="265" r:id="rId21"/>
     <p:sldId id="394" r:id="rId22"/>
-    <p:sldId id="395" r:id="rId23"/>
+    <p:sldId id="418" r:id="rId23"/>
     <p:sldId id="396" r:id="rId24"/>
     <p:sldId id="397" r:id="rId25"/>
     <p:sldId id="398" r:id="rId26"/>
@@ -42,7 +42,7 @@
     <p:sldId id="405" r:id="rId33"/>
     <p:sldId id="406" r:id="rId34"/>
     <p:sldId id="407" r:id="rId35"/>
-    <p:sldId id="408" r:id="rId36"/>
+    <p:sldId id="417" r:id="rId36"/>
     <p:sldId id="409" r:id="rId37"/>
     <p:sldId id="410" r:id="rId38"/>
     <p:sldId id="411" r:id="rId39"/>
@@ -265,7 +265,7 @@
           <a:p>
             <a:fld id="{2F30D4D0-EAC7-4980-A92D-C26C9148BA0F}" type="datetimeFigureOut">
               <a:rPr lang="zh-TW" altLang="en-US" smtClean="0"/>
-              <a:t>2020/6/6</a:t>
+              <a:t>2020/7/3</a:t>
             </a:fld>
             <a:endParaRPr lang="zh-TW" altLang="en-US"/>
           </a:p>
@@ -1141,7 +1141,7 @@
           <a:p>
             <a:fld id="{5BBEAD13-0566-4C6C-97E7-55F17F24B09F}" type="datetimeFigureOut">
               <a:rPr lang="zh-TW" altLang="en-US" smtClean="0"/>
-              <a:t>2020/6/6</a:t>
+              <a:t>2020/7/3</a:t>
             </a:fld>
             <a:endParaRPr lang="zh-TW" altLang="en-US"/>
           </a:p>
@@ -1306,7 +1306,7 @@
           <a:p>
             <a:fld id="{5BBEAD13-0566-4C6C-97E7-55F17F24B09F}" type="datetimeFigureOut">
               <a:rPr lang="zh-TW" altLang="en-US" smtClean="0"/>
-              <a:t>2020/6/6</a:t>
+              <a:t>2020/7/3</a:t>
             </a:fld>
             <a:endParaRPr lang="zh-TW" altLang="en-US"/>
           </a:p>
@@ -1481,7 +1481,7 @@
           <a:p>
             <a:fld id="{5BBEAD13-0566-4C6C-97E7-55F17F24B09F}" type="datetimeFigureOut">
               <a:rPr lang="zh-TW" altLang="en-US" smtClean="0"/>
-              <a:t>2020/6/6</a:t>
+              <a:t>2020/7/3</a:t>
             </a:fld>
             <a:endParaRPr lang="zh-TW" altLang="en-US"/>
           </a:p>
@@ -1646,7 +1646,7 @@
           <a:p>
             <a:fld id="{5BBEAD13-0566-4C6C-97E7-55F17F24B09F}" type="datetimeFigureOut">
               <a:rPr lang="zh-TW" altLang="en-US" smtClean="0"/>
-              <a:t>2020/6/6</a:t>
+              <a:t>2020/7/3</a:t>
             </a:fld>
             <a:endParaRPr lang="zh-TW" altLang="en-US"/>
           </a:p>
@@ -1887,7 +1887,7 @@
           <a:p>
             <a:fld id="{5BBEAD13-0566-4C6C-97E7-55F17F24B09F}" type="datetimeFigureOut">
               <a:rPr lang="zh-TW" altLang="en-US" smtClean="0"/>
-              <a:t>2020/6/6</a:t>
+              <a:t>2020/7/3</a:t>
             </a:fld>
             <a:endParaRPr lang="zh-TW" altLang="en-US"/>
           </a:p>
@@ -2170,7 +2170,7 @@
           <a:p>
             <a:fld id="{5BBEAD13-0566-4C6C-97E7-55F17F24B09F}" type="datetimeFigureOut">
               <a:rPr lang="zh-TW" altLang="en-US" smtClean="0"/>
-              <a:t>2020/6/6</a:t>
+              <a:t>2020/7/3</a:t>
             </a:fld>
             <a:endParaRPr lang="zh-TW" altLang="en-US"/>
           </a:p>
@@ -2587,7 +2587,7 @@
           <a:p>
             <a:fld id="{5BBEAD13-0566-4C6C-97E7-55F17F24B09F}" type="datetimeFigureOut">
               <a:rPr lang="zh-TW" altLang="en-US" smtClean="0"/>
-              <a:t>2020/6/6</a:t>
+              <a:t>2020/7/3</a:t>
             </a:fld>
             <a:endParaRPr lang="zh-TW" altLang="en-US"/>
           </a:p>
@@ -2700,7 +2700,7 @@
           <a:p>
             <a:fld id="{5BBEAD13-0566-4C6C-97E7-55F17F24B09F}" type="datetimeFigureOut">
               <a:rPr lang="zh-TW" altLang="en-US" smtClean="0"/>
-              <a:t>2020/6/6</a:t>
+              <a:t>2020/7/3</a:t>
             </a:fld>
             <a:endParaRPr lang="zh-TW" altLang="en-US"/>
           </a:p>
@@ -2790,7 +2790,7 @@
           <a:p>
             <a:fld id="{5BBEAD13-0566-4C6C-97E7-55F17F24B09F}" type="datetimeFigureOut">
               <a:rPr lang="zh-TW" altLang="en-US" smtClean="0"/>
-              <a:t>2020/6/6</a:t>
+              <a:t>2020/7/3</a:t>
             </a:fld>
             <a:endParaRPr lang="zh-TW" altLang="en-US"/>
           </a:p>
@@ -3062,7 +3062,7 @@
           <a:p>
             <a:fld id="{5BBEAD13-0566-4C6C-97E7-55F17F24B09F}" type="datetimeFigureOut">
               <a:rPr lang="zh-TW" altLang="en-US" smtClean="0"/>
-              <a:t>2020/6/6</a:t>
+              <a:t>2020/7/3</a:t>
             </a:fld>
             <a:endParaRPr lang="zh-TW" altLang="en-US"/>
           </a:p>
@@ -3314,7 +3314,7 @@
           <a:p>
             <a:fld id="{5BBEAD13-0566-4C6C-97E7-55F17F24B09F}" type="datetimeFigureOut">
               <a:rPr lang="zh-TW" altLang="en-US" smtClean="0"/>
-              <a:t>2020/6/6</a:t>
+              <a:t>2020/7/3</a:t>
             </a:fld>
             <a:endParaRPr lang="zh-TW" altLang="en-US"/>
           </a:p>
@@ -3527,7 +3527,7 @@
           <a:p>
             <a:fld id="{5BBEAD13-0566-4C6C-97E7-55F17F24B09F}" type="datetimeFigureOut">
               <a:rPr lang="zh-TW" altLang="en-US" smtClean="0"/>
-              <a:t>2020/6/6</a:t>
+              <a:t>2020/7/3</a:t>
             </a:fld>
             <a:endParaRPr lang="zh-TW" altLang="en-US"/>
           </a:p>
@@ -5697,7 +5697,7 @@
               </a:spcBef>
             </a:pPr>
             <a:r>
-              <a:rPr lang="zh-CN" altLang="en-US" sz="4800" b="1" dirty="0" smtClean="0">
+              <a:rPr lang="zh-CN" altLang="en-US" sz="5400" b="1" dirty="0" smtClean="0">
                 <a:solidFill>
                   <a:srgbClr val="000066"/>
                 </a:solidFill>
@@ -5714,7 +5714,7 @@
               </a:rPr>
               <a:t>主任牧師</a:t>
             </a:r>
-            <a:endParaRPr lang="zh-TW" altLang="en-US" sz="4800" b="1" dirty="0">
+            <a:endParaRPr lang="zh-TW" altLang="en-US" sz="5400" b="1" dirty="0">
               <a:solidFill>
                 <a:srgbClr val="000066"/>
               </a:solidFill>
@@ -6176,9 +6176,9 @@
           <a:lstStyle/>
           <a:p>
             <a:r>
-              <a:rPr lang="zh-CN" altLang="en-US" sz="5400" b="1" i="1" dirty="0" smtClean="0">
-                <a:solidFill>
-                  <a:srgbClr val="000066"/>
+              <a:rPr lang="zh-CN" altLang="en-US" sz="4000" b="1" u="sng" dirty="0" smtClean="0">
+                <a:solidFill>
+                  <a:srgbClr val="660033"/>
                 </a:solidFill>
                 <a:effectLst>
                   <a:outerShdw blurRad="38100" dist="38100" dir="2700000" algn="tl">
@@ -6190,12 +6190,12 @@
                 <a:latin typeface="微軟正黑體" pitchFamily="34" charset="-120"/>
                 <a:ea typeface="微軟正黑體" pitchFamily="34" charset="-120"/>
               </a:rPr>
-              <a:t>主</a:t>
-            </a:r>
-            <a:r>
-              <a:rPr lang="zh-CN" altLang="en-US" sz="5400" b="1" i="1" dirty="0">
-                <a:solidFill>
-                  <a:srgbClr val="000066"/>
+              <a:t>宣道詩 </a:t>
+            </a:r>
+            <a:r>
+              <a:rPr lang="en-US" altLang="zh-CN" sz="4000" b="1" u="sng" dirty="0" smtClean="0">
+                <a:solidFill>
+                  <a:srgbClr val="660033"/>
                 </a:solidFill>
                 <a:effectLst>
                   <a:outerShdw blurRad="38100" dist="38100" dir="2700000" algn="tl">
@@ -6207,9 +6207,76 @@
                 <a:latin typeface="微軟正黑體" pitchFamily="34" charset="-120"/>
                 <a:ea typeface="微軟正黑體" pitchFamily="34" charset="-120"/>
               </a:rPr>
+              <a:t>100</a:t>
+            </a:r>
+            <a:r>
+              <a:rPr lang="en-US" altLang="zh-CN" sz="5400" b="1" i="1" dirty="0" smtClean="0">
+                <a:solidFill>
+                  <a:srgbClr val="660033"/>
+                </a:solidFill>
+                <a:effectLst>
+                  <a:outerShdw blurRad="38100" dist="38100" dir="2700000" algn="tl">
+                    <a:srgbClr val="000000">
+                      <a:alpha val="43137"/>
+                    </a:srgbClr>
+                  </a:outerShdw>
+                </a:effectLst>
+                <a:latin typeface="微軟正黑體" pitchFamily="34" charset="-120"/>
+                <a:ea typeface="微軟正黑體" pitchFamily="34" charset="-120"/>
+              </a:rPr>
+              <a:t/>
+            </a:r>
+            <a:br>
+              <a:rPr lang="en-US" altLang="zh-CN" sz="5400" b="1" i="1" dirty="0" smtClean="0">
+                <a:solidFill>
+                  <a:srgbClr val="660033"/>
+                </a:solidFill>
+                <a:effectLst>
+                  <a:outerShdw blurRad="38100" dist="38100" dir="2700000" algn="tl">
+                    <a:srgbClr val="000000">
+                      <a:alpha val="43137"/>
+                    </a:srgbClr>
+                  </a:outerShdw>
+                </a:effectLst>
+                <a:latin typeface="微軟正黑體" pitchFamily="34" charset="-120"/>
+                <a:ea typeface="微軟正黑體" pitchFamily="34" charset="-120"/>
+              </a:rPr>
+            </a:br>
+            <a:r>
+              <a:rPr lang="zh-CN" altLang="en-US" sz="6000" b="1" dirty="0" smtClean="0">
+                <a:solidFill>
+                  <a:srgbClr val="000066"/>
+                </a:solidFill>
+                <a:effectLst>
+                  <a:outerShdw blurRad="38100" dist="38100" dir="2700000" algn="tl">
+                    <a:srgbClr val="000000">
+                      <a:alpha val="43137"/>
+                    </a:srgbClr>
+                  </a:outerShdw>
+                </a:effectLst>
+                <a:latin typeface="微軟正黑體" pitchFamily="34" charset="-120"/>
+                <a:ea typeface="微軟正黑體" pitchFamily="34" charset="-120"/>
+              </a:rPr>
+              <a:t>主</a:t>
+            </a:r>
+            <a:r>
+              <a:rPr lang="zh-CN" altLang="en-US" sz="6000" b="1" dirty="0">
+                <a:solidFill>
+                  <a:srgbClr val="000066"/>
+                </a:solidFill>
+                <a:effectLst>
+                  <a:outerShdw blurRad="38100" dist="38100" dir="2700000" algn="tl">
+                    <a:srgbClr val="000000">
+                      <a:alpha val="43137"/>
+                    </a:srgbClr>
+                  </a:outerShdw>
+                </a:effectLst>
+                <a:latin typeface="微軟正黑體" pitchFamily="34" charset="-120"/>
+                <a:ea typeface="微軟正黑體" pitchFamily="34" charset="-120"/>
+              </a:rPr>
               <a:t>我來就袮</a:t>
             </a:r>
-            <a:endParaRPr lang="zh-TW" altLang="en-US" sz="5400" b="1" i="1" dirty="0">
+            <a:endParaRPr lang="zh-TW" altLang="en-US" sz="6000" b="1" dirty="0">
               <a:solidFill>
                 <a:srgbClr val="000066"/>
               </a:solidFill>
@@ -6229,13 +6296,20 @@
     </p:spTree>
     <p:extLst>
       <p:ext uri="{BB962C8B-B14F-4D97-AF65-F5344CB8AC3E}">
-        <p14:creationId xmlns:p14="http://schemas.microsoft.com/office/powerpoint/2010/main" val="1505588133"/>
+        <p14:creationId xmlns:p14="http://schemas.microsoft.com/office/powerpoint/2010/main" val="815254712"/>
       </p:ext>
     </p:extLst>
   </p:cSld>
   <p:clrMapOvr>
     <a:masterClrMapping/>
   </p:clrMapOvr>
+  <p:timing>
+    <p:tnLst>
+      <p:par>
+        <p:cTn id="1" dur="indefinite" restart="never" nodeType="tmRoot"/>
+      </p:par>
+    </p:tnLst>
+  </p:timing>
 </p:sld>
 </file>
 
@@ -8031,9 +8105,9 @@
           <a:lstStyle/>
           <a:p>
             <a:r>
-              <a:rPr lang="zh-TW" altLang="en-US" sz="5400" b="1" i="1" dirty="0" smtClean="0">
-                <a:solidFill>
-                  <a:srgbClr val="660033"/>
+              <a:rPr lang="zh-CN" altLang="en-US" sz="4000" b="1" u="sng" dirty="0" smtClean="0">
+                <a:solidFill>
+                  <a:srgbClr val="000066"/>
                 </a:solidFill>
                 <a:effectLst>
                   <a:outerShdw blurRad="38100" dist="38100" dir="2700000" algn="tl">
@@ -8045,12 +8119,12 @@
                 <a:latin typeface="微軟正黑體" pitchFamily="34" charset="-120"/>
                 <a:ea typeface="微軟正黑體" pitchFamily="34" charset="-120"/>
               </a:rPr>
-              <a:t>親</a:t>
-            </a:r>
-            <a:r>
-              <a:rPr lang="zh-TW" altLang="en-US" sz="5400" b="1" i="1" dirty="0">
-                <a:solidFill>
-                  <a:srgbClr val="660033"/>
+              <a:t>宣道詩 </a:t>
+            </a:r>
+            <a:r>
+              <a:rPr lang="en-US" altLang="zh-CN" sz="4000" b="1" u="sng" dirty="0" smtClean="0">
+                <a:solidFill>
+                  <a:srgbClr val="000066"/>
                 </a:solidFill>
                 <a:effectLst>
                   <a:outerShdw blurRad="38100" dist="38100" dir="2700000" algn="tl">
@@ -8062,6 +8136,73 @@
                 <a:latin typeface="微軟正黑體" pitchFamily="34" charset="-120"/>
                 <a:ea typeface="微軟正黑體" pitchFamily="34" charset="-120"/>
               </a:rPr>
+              <a:t>212</a:t>
+            </a:r>
+            <a:r>
+              <a:rPr lang="en-US" altLang="zh-CN" sz="5400" b="1" i="1" dirty="0" smtClean="0">
+                <a:solidFill>
+                  <a:srgbClr val="660033"/>
+                </a:solidFill>
+                <a:effectLst>
+                  <a:outerShdw blurRad="38100" dist="38100" dir="2700000" algn="tl">
+                    <a:srgbClr val="000000">
+                      <a:alpha val="43137"/>
+                    </a:srgbClr>
+                  </a:outerShdw>
+                </a:effectLst>
+                <a:latin typeface="微軟正黑體" pitchFamily="34" charset="-120"/>
+                <a:ea typeface="微軟正黑體" pitchFamily="34" charset="-120"/>
+              </a:rPr>
+              <a:t/>
+            </a:r>
+            <a:br>
+              <a:rPr lang="en-US" altLang="zh-CN" sz="5400" b="1" i="1" dirty="0" smtClean="0">
+                <a:solidFill>
+                  <a:srgbClr val="660033"/>
+                </a:solidFill>
+                <a:effectLst>
+                  <a:outerShdw blurRad="38100" dist="38100" dir="2700000" algn="tl">
+                    <a:srgbClr val="000000">
+                      <a:alpha val="43137"/>
+                    </a:srgbClr>
+                  </a:outerShdw>
+                </a:effectLst>
+                <a:latin typeface="微軟正黑體" pitchFamily="34" charset="-120"/>
+                <a:ea typeface="微軟正黑體" pitchFamily="34" charset="-120"/>
+              </a:rPr>
+            </a:br>
+            <a:r>
+              <a:rPr lang="zh-TW" altLang="en-US" sz="6000" b="1" dirty="0" smtClean="0">
+                <a:solidFill>
+                  <a:srgbClr val="660033"/>
+                </a:solidFill>
+                <a:effectLst>
+                  <a:outerShdw blurRad="38100" dist="38100" dir="2700000" algn="tl">
+                    <a:srgbClr val="000000">
+                      <a:alpha val="43137"/>
+                    </a:srgbClr>
+                  </a:outerShdw>
+                </a:effectLst>
+                <a:latin typeface="微軟正黑體" pitchFamily="34" charset="-120"/>
+                <a:ea typeface="微軟正黑體" pitchFamily="34" charset="-120"/>
+              </a:rPr>
+              <a:t>親</a:t>
+            </a:r>
+            <a:r>
+              <a:rPr lang="zh-TW" altLang="en-US" sz="6000" b="1" dirty="0">
+                <a:solidFill>
+                  <a:srgbClr val="660033"/>
+                </a:solidFill>
+                <a:effectLst>
+                  <a:outerShdw blurRad="38100" dist="38100" dir="2700000" algn="tl">
+                    <a:srgbClr val="000000">
+                      <a:alpha val="43137"/>
+                    </a:srgbClr>
+                  </a:outerShdw>
+                </a:effectLst>
+                <a:latin typeface="微軟正黑體" pitchFamily="34" charset="-120"/>
+                <a:ea typeface="微軟正黑體" pitchFamily="34" charset="-120"/>
+              </a:rPr>
               <a:t>愛耶穌</a:t>
             </a:r>
           </a:p>
@@ -8070,13 +8211,20 @@
     </p:spTree>
     <p:extLst>
       <p:ext uri="{BB962C8B-B14F-4D97-AF65-F5344CB8AC3E}">
-        <p14:creationId xmlns:p14="http://schemas.microsoft.com/office/powerpoint/2010/main" val="3290499200"/>
+        <p14:creationId xmlns:p14="http://schemas.microsoft.com/office/powerpoint/2010/main" val="2241400095"/>
       </p:ext>
     </p:extLst>
   </p:cSld>
   <p:clrMapOvr>
     <a:masterClrMapping/>
   </p:clrMapOvr>
+  <p:timing>
+    <p:tnLst>
+      <p:par>
+        <p:cTn id="1" dur="indefinite" restart="never" nodeType="tmRoot"/>
+      </p:par>
+    </p:tnLst>
+  </p:timing>
 </p:sld>
 </file>
 

--- a/崇拜流程_聖餐禮version.pptx
+++ b/崇拜流程_聖餐禮version.pptx
@@ -5,7 +5,7 @@
     <p:sldMasterId id="2147483648" r:id="rId1"/>
   </p:sldMasterIdLst>
   <p:notesMasterIdLst>
-    <p:notesMasterId r:id="rId55"/>
+    <p:notesMasterId r:id="rId72"/>
   </p:notesMasterIdLst>
   <p:sldIdLst>
     <p:sldId id="322" r:id="rId2"/>
@@ -29,38 +29,55 @@
     <p:sldId id="264" r:id="rId20"/>
     <p:sldId id="265" r:id="rId21"/>
     <p:sldId id="394" r:id="rId22"/>
-    <p:sldId id="418" r:id="rId23"/>
-    <p:sldId id="396" r:id="rId24"/>
-    <p:sldId id="397" r:id="rId25"/>
-    <p:sldId id="398" r:id="rId26"/>
-    <p:sldId id="399" r:id="rId27"/>
-    <p:sldId id="400" r:id="rId28"/>
-    <p:sldId id="401" r:id="rId29"/>
-    <p:sldId id="402" r:id="rId30"/>
-    <p:sldId id="403" r:id="rId31"/>
-    <p:sldId id="404" r:id="rId32"/>
-    <p:sldId id="405" r:id="rId33"/>
-    <p:sldId id="406" r:id="rId34"/>
-    <p:sldId id="407" r:id="rId35"/>
-    <p:sldId id="417" r:id="rId36"/>
-    <p:sldId id="409" r:id="rId37"/>
-    <p:sldId id="410" r:id="rId38"/>
-    <p:sldId id="411" r:id="rId39"/>
-    <p:sldId id="412" r:id="rId40"/>
-    <p:sldId id="413" r:id="rId41"/>
-    <p:sldId id="414" r:id="rId42"/>
-    <p:sldId id="415" r:id="rId43"/>
-    <p:sldId id="416" r:id="rId44"/>
-    <p:sldId id="267" r:id="rId45"/>
-    <p:sldId id="272" r:id="rId46"/>
-    <p:sldId id="319" r:id="rId47"/>
-    <p:sldId id="320" r:id="rId48"/>
-    <p:sldId id="321" r:id="rId49"/>
-    <p:sldId id="270" r:id="rId50"/>
-    <p:sldId id="291" r:id="rId51"/>
-    <p:sldId id="286" r:id="rId52"/>
-    <p:sldId id="287" r:id="rId53"/>
-    <p:sldId id="288" r:id="rId54"/>
+    <p:sldId id="419" r:id="rId23"/>
+    <p:sldId id="420" r:id="rId24"/>
+    <p:sldId id="421" r:id="rId25"/>
+    <p:sldId id="422" r:id="rId26"/>
+    <p:sldId id="423" r:id="rId27"/>
+    <p:sldId id="424" r:id="rId28"/>
+    <p:sldId id="425" r:id="rId29"/>
+    <p:sldId id="426" r:id="rId30"/>
+    <p:sldId id="427" r:id="rId31"/>
+    <p:sldId id="428" r:id="rId32"/>
+    <p:sldId id="429" r:id="rId33"/>
+    <p:sldId id="430" r:id="rId34"/>
+    <p:sldId id="431" r:id="rId35"/>
+    <p:sldId id="432" r:id="rId36"/>
+    <p:sldId id="433" r:id="rId37"/>
+    <p:sldId id="434" r:id="rId38"/>
+    <p:sldId id="435" r:id="rId39"/>
+    <p:sldId id="418" r:id="rId40"/>
+    <p:sldId id="396" r:id="rId41"/>
+    <p:sldId id="397" r:id="rId42"/>
+    <p:sldId id="398" r:id="rId43"/>
+    <p:sldId id="399" r:id="rId44"/>
+    <p:sldId id="400" r:id="rId45"/>
+    <p:sldId id="401" r:id="rId46"/>
+    <p:sldId id="402" r:id="rId47"/>
+    <p:sldId id="403" r:id="rId48"/>
+    <p:sldId id="404" r:id="rId49"/>
+    <p:sldId id="405" r:id="rId50"/>
+    <p:sldId id="406" r:id="rId51"/>
+    <p:sldId id="407" r:id="rId52"/>
+    <p:sldId id="417" r:id="rId53"/>
+    <p:sldId id="409" r:id="rId54"/>
+    <p:sldId id="410" r:id="rId55"/>
+    <p:sldId id="411" r:id="rId56"/>
+    <p:sldId id="412" r:id="rId57"/>
+    <p:sldId id="413" r:id="rId58"/>
+    <p:sldId id="414" r:id="rId59"/>
+    <p:sldId id="415" r:id="rId60"/>
+    <p:sldId id="416" r:id="rId61"/>
+    <p:sldId id="267" r:id="rId62"/>
+    <p:sldId id="272" r:id="rId63"/>
+    <p:sldId id="319" r:id="rId64"/>
+    <p:sldId id="320" r:id="rId65"/>
+    <p:sldId id="321" r:id="rId66"/>
+    <p:sldId id="270" r:id="rId67"/>
+    <p:sldId id="291" r:id="rId68"/>
+    <p:sldId id="286" r:id="rId69"/>
+    <p:sldId id="287" r:id="rId70"/>
+    <p:sldId id="288" r:id="rId71"/>
   </p:sldIdLst>
   <p:sldSz cx="9144000" cy="5143500" type="screen16x9"/>
   <p:notesSz cx="6858000" cy="9144000"/>
@@ -265,7 +282,7 @@
           <a:p>
             <a:fld id="{2F30D4D0-EAC7-4980-A92D-C26C9148BA0F}" type="datetimeFigureOut">
               <a:rPr lang="zh-TW" altLang="en-US" smtClean="0"/>
-              <a:t>2020/7/3</a:t>
+              <a:t>2020/8/1</a:t>
             </a:fld>
             <a:endParaRPr lang="zh-TW" altLang="en-US"/>
           </a:p>
@@ -1141,7 +1158,7 @@
           <a:p>
             <a:fld id="{5BBEAD13-0566-4C6C-97E7-55F17F24B09F}" type="datetimeFigureOut">
               <a:rPr lang="zh-TW" altLang="en-US" smtClean="0"/>
-              <a:t>2020/7/3</a:t>
+              <a:t>2020/8/1</a:t>
             </a:fld>
             <a:endParaRPr lang="zh-TW" altLang="en-US"/>
           </a:p>
@@ -1306,7 +1323,7 @@
           <a:p>
             <a:fld id="{5BBEAD13-0566-4C6C-97E7-55F17F24B09F}" type="datetimeFigureOut">
               <a:rPr lang="zh-TW" altLang="en-US" smtClean="0"/>
-              <a:t>2020/7/3</a:t>
+              <a:t>2020/8/1</a:t>
             </a:fld>
             <a:endParaRPr lang="zh-TW" altLang="en-US"/>
           </a:p>
@@ -1481,7 +1498,7 @@
           <a:p>
             <a:fld id="{5BBEAD13-0566-4C6C-97E7-55F17F24B09F}" type="datetimeFigureOut">
               <a:rPr lang="zh-TW" altLang="en-US" smtClean="0"/>
-              <a:t>2020/7/3</a:t>
+              <a:t>2020/8/1</a:t>
             </a:fld>
             <a:endParaRPr lang="zh-TW" altLang="en-US"/>
           </a:p>
@@ -1646,7 +1663,7 @@
           <a:p>
             <a:fld id="{5BBEAD13-0566-4C6C-97E7-55F17F24B09F}" type="datetimeFigureOut">
               <a:rPr lang="zh-TW" altLang="en-US" smtClean="0"/>
-              <a:t>2020/7/3</a:t>
+              <a:t>2020/8/1</a:t>
             </a:fld>
             <a:endParaRPr lang="zh-TW" altLang="en-US"/>
           </a:p>
@@ -1887,7 +1904,7 @@
           <a:p>
             <a:fld id="{5BBEAD13-0566-4C6C-97E7-55F17F24B09F}" type="datetimeFigureOut">
               <a:rPr lang="zh-TW" altLang="en-US" smtClean="0"/>
-              <a:t>2020/7/3</a:t>
+              <a:t>2020/8/1</a:t>
             </a:fld>
             <a:endParaRPr lang="zh-TW" altLang="en-US"/>
           </a:p>
@@ -2170,7 +2187,7 @@
           <a:p>
             <a:fld id="{5BBEAD13-0566-4C6C-97E7-55F17F24B09F}" type="datetimeFigureOut">
               <a:rPr lang="zh-TW" altLang="en-US" smtClean="0"/>
-              <a:t>2020/7/3</a:t>
+              <a:t>2020/8/1</a:t>
             </a:fld>
             <a:endParaRPr lang="zh-TW" altLang="en-US"/>
           </a:p>
@@ -2587,7 +2604,7 @@
           <a:p>
             <a:fld id="{5BBEAD13-0566-4C6C-97E7-55F17F24B09F}" type="datetimeFigureOut">
               <a:rPr lang="zh-TW" altLang="en-US" smtClean="0"/>
-              <a:t>2020/7/3</a:t>
+              <a:t>2020/8/1</a:t>
             </a:fld>
             <a:endParaRPr lang="zh-TW" altLang="en-US"/>
           </a:p>
@@ -2700,7 +2717,7 @@
           <a:p>
             <a:fld id="{5BBEAD13-0566-4C6C-97E7-55F17F24B09F}" type="datetimeFigureOut">
               <a:rPr lang="zh-TW" altLang="en-US" smtClean="0"/>
-              <a:t>2020/7/3</a:t>
+              <a:t>2020/8/1</a:t>
             </a:fld>
             <a:endParaRPr lang="zh-TW" altLang="en-US"/>
           </a:p>
@@ -2790,7 +2807,7 @@
           <a:p>
             <a:fld id="{5BBEAD13-0566-4C6C-97E7-55F17F24B09F}" type="datetimeFigureOut">
               <a:rPr lang="zh-TW" altLang="en-US" smtClean="0"/>
-              <a:t>2020/7/3</a:t>
+              <a:t>2020/8/1</a:t>
             </a:fld>
             <a:endParaRPr lang="zh-TW" altLang="en-US"/>
           </a:p>
@@ -3062,7 +3079,7 @@
           <a:p>
             <a:fld id="{5BBEAD13-0566-4C6C-97E7-55F17F24B09F}" type="datetimeFigureOut">
               <a:rPr lang="zh-TW" altLang="en-US" smtClean="0"/>
-              <a:t>2020/7/3</a:t>
+              <a:t>2020/8/1</a:t>
             </a:fld>
             <a:endParaRPr lang="zh-TW" altLang="en-US"/>
           </a:p>
@@ -3314,7 +3331,7 @@
           <a:p>
             <a:fld id="{5BBEAD13-0566-4C6C-97E7-55F17F24B09F}" type="datetimeFigureOut">
               <a:rPr lang="zh-TW" altLang="en-US" smtClean="0"/>
-              <a:t>2020/7/3</a:t>
+              <a:t>2020/8/1</a:t>
             </a:fld>
             <a:endParaRPr lang="zh-TW" altLang="en-US"/>
           </a:p>
@@ -3527,7 +3544,7 @@
           <a:p>
             <a:fld id="{5BBEAD13-0566-4C6C-97E7-55F17F24B09F}" type="datetimeFigureOut">
               <a:rPr lang="zh-TW" altLang="en-US" smtClean="0"/>
-              <a:t>2020/7/3</a:t>
+              <a:t>2020/8/1</a:t>
             </a:fld>
             <a:endParaRPr lang="zh-TW" altLang="en-US"/>
           </a:p>
@@ -5476,104 +5493,6 @@
       </p:sp>
       <p:sp>
         <p:nvSpPr>
-          <p:cNvPr id="4" name="標題 1"/>
-          <p:cNvSpPr txBox="1"/>
-          <p:nvPr/>
-        </p:nvSpPr>
-        <p:spPr>
-          <a:xfrm>
-            <a:off x="0" y="3589742"/>
-            <a:ext cx="9144000" cy="628650"/>
-          </a:xfrm>
-          <a:prstGeom prst="rect">
-            <a:avLst/>
-          </a:prstGeom>
-        </p:spPr>
-        <p:txBody>
-          <a:bodyPr anchor="ctr">
-            <a:noAutofit/>
-          </a:bodyPr>
-          <a:lstStyle/>
-          <a:p>
-            <a:pPr lvl="0" algn="ctr">
-              <a:spcBef>
-                <a:spcPct val="0"/>
-              </a:spcBef>
-            </a:pPr>
-            <a:r>
-              <a:rPr lang="zh-CN" altLang="en-US" sz="5400" b="1" dirty="0" smtClean="0">
-                <a:solidFill>
-                  <a:srgbClr val="000066"/>
-                </a:solidFill>
-                <a:effectLst>
-                  <a:outerShdw blurRad="38100" dist="38100" dir="2700000" algn="tl">
-                    <a:srgbClr val="000000">
-                      <a:alpha val="43137"/>
-                    </a:srgbClr>
-                  </a:outerShdw>
-                </a:effectLst>
-                <a:latin typeface="微軟正黑體" pitchFamily="34" charset="-120"/>
-                <a:ea typeface="微軟正黑體" pitchFamily="34" charset="-120"/>
-                <a:cs typeface="+mj-cs"/>
-              </a:rPr>
-              <a:t>黃德光</a:t>
-            </a:r>
-            <a:r>
-              <a:rPr lang="zh-CN" altLang="en-US" sz="4800" b="1" dirty="0" smtClean="0">
-                <a:solidFill>
-                  <a:srgbClr val="000066"/>
-                </a:solidFill>
-                <a:effectLst>
-                  <a:outerShdw blurRad="38100" dist="38100" dir="2700000" algn="tl">
-                    <a:srgbClr val="000000">
-                      <a:alpha val="43137"/>
-                    </a:srgbClr>
-                  </a:outerShdw>
-                </a:effectLst>
-                <a:latin typeface="微軟正黑體" pitchFamily="34" charset="-120"/>
-                <a:ea typeface="微軟正黑體" pitchFamily="34" charset="-120"/>
-                <a:cs typeface="+mj-cs"/>
-              </a:rPr>
-              <a:t> </a:t>
-            </a:r>
-            <a:r>
-              <a:rPr lang="zh-CN" altLang="en-US" sz="4000" b="1" dirty="0" smtClean="0">
-                <a:solidFill>
-                  <a:srgbClr val="000066"/>
-                </a:solidFill>
-                <a:effectLst>
-                  <a:outerShdw blurRad="38100" dist="38100" dir="2700000" algn="tl">
-                    <a:srgbClr val="000000">
-                      <a:alpha val="43137"/>
-                    </a:srgbClr>
-                  </a:outerShdw>
-                </a:effectLst>
-                <a:latin typeface="微軟正黑體" pitchFamily="34" charset="-120"/>
-                <a:ea typeface="微軟正黑體" pitchFamily="34" charset="-120"/>
-                <a:cs typeface="+mj-cs"/>
-              </a:rPr>
-              <a:t>傳道</a:t>
-            </a:r>
-            <a:endParaRPr lang="zh-TW" altLang="en-US" sz="4800" b="1" dirty="0">
-              <a:solidFill>
-                <a:srgbClr val="000066"/>
-              </a:solidFill>
-              <a:effectLst>
-                <a:outerShdw blurRad="38100" dist="38100" dir="2700000" algn="tl">
-                  <a:srgbClr val="000000">
-                    <a:alpha val="43137"/>
-                  </a:srgbClr>
-                </a:outerShdw>
-              </a:effectLst>
-              <a:latin typeface="微軟正黑體" pitchFamily="34" charset="-120"/>
-              <a:ea typeface="微軟正黑體" pitchFamily="34" charset="-120"/>
-              <a:cs typeface="+mj-cs"/>
-            </a:endParaRPr>
-          </a:p>
-        </p:txBody>
-      </p:sp>
-      <p:sp>
-        <p:nvSpPr>
           <p:cNvPr id="5" name="標題 1"/>
           <p:cNvSpPr txBox="1"/>
           <p:nvPr/>
@@ -5599,7 +5518,7 @@
               </a:spcBef>
             </a:pPr>
             <a:r>
-              <a:rPr lang="zh-CN" altLang="en-US" sz="6000" b="1" dirty="0" smtClean="0">
+              <a:rPr lang="zh-CN" altLang="en-US" sz="5400" b="1" dirty="0" smtClean="0">
                 <a:solidFill>
                   <a:srgbClr val="660033"/>
                 </a:solidFill>
@@ -5614,7 +5533,25 @@
                 <a:ea typeface="微軟正黑體" pitchFamily="34" charset="-120"/>
                 <a:cs typeface="+mj-cs"/>
               </a:rPr>
-              <a:t>主題：</a:t>
+              <a:t>主題</a:t>
+            </a:r>
+            <a:r>
+              <a:rPr lang="zh-CN" altLang="en-US" sz="6000" b="1" dirty="0" smtClean="0">
+                <a:solidFill>
+                  <a:srgbClr val="660033"/>
+                </a:solidFill>
+                <a:effectLst>
+                  <a:outerShdw blurRad="38100" dist="38100" dir="2700000" algn="tl">
+                    <a:srgbClr val="000000">
+                      <a:alpha val="43137"/>
+                    </a:srgbClr>
+                  </a:outerShdw>
+                </a:effectLst>
+                <a:latin typeface="微軟正黑體" pitchFamily="34" charset="-120"/>
+                <a:ea typeface="微軟正黑體" pitchFamily="34" charset="-120"/>
+                <a:cs typeface="+mj-cs"/>
+              </a:rPr>
+              <a:t>：</a:t>
             </a:r>
             <a:r>
               <a:rPr lang="zh-CN" altLang="en-US" sz="6000" b="1" dirty="0">
@@ -5678,7 +5615,7 @@
         </p:nvSpPr>
         <p:spPr>
           <a:xfrm>
-            <a:off x="0" y="4415572"/>
+            <a:off x="-4812" y="3657603"/>
             <a:ext cx="9144000" cy="628650"/>
           </a:xfrm>
           <a:prstGeom prst="rect">
@@ -6178,7 +6115,7 @@
             <a:r>
               <a:rPr lang="zh-CN" altLang="en-US" sz="4000" b="1" u="sng" dirty="0" smtClean="0">
                 <a:solidFill>
-                  <a:srgbClr val="660033"/>
+                  <a:srgbClr val="000066"/>
                 </a:solidFill>
                 <a:effectLst>
                   <a:outerShdw blurRad="38100" dist="38100" dir="2700000" algn="tl">
@@ -6195,7 +6132,7 @@
             <a:r>
               <a:rPr lang="en-US" altLang="zh-CN" sz="4000" b="1" u="sng" dirty="0" smtClean="0">
                 <a:solidFill>
-                  <a:srgbClr val="660033"/>
+                  <a:srgbClr val="000066"/>
                 </a:solidFill>
                 <a:effectLst>
                   <a:outerShdw blurRad="38100" dist="38100" dir="2700000" algn="tl">
@@ -6207,7 +6144,7 @@
                 <a:latin typeface="微軟正黑體" pitchFamily="34" charset="-120"/>
                 <a:ea typeface="微軟正黑體" pitchFamily="34" charset="-120"/>
               </a:rPr>
-              <a:t>100</a:t>
+              <a:t>101</a:t>
             </a:r>
             <a:r>
               <a:rPr lang="en-US" altLang="zh-CN" sz="5400" b="1" i="1" dirty="0" smtClean="0">
@@ -6243,9 +6180,9 @@
               </a:rPr>
             </a:br>
             <a:r>
-              <a:rPr lang="zh-CN" altLang="en-US" sz="6000" b="1" dirty="0" smtClean="0">
-                <a:solidFill>
-                  <a:srgbClr val="000066"/>
+              <a:rPr lang="zh-TW" altLang="en-US" sz="6000" b="1" dirty="0" smtClean="0">
+                <a:solidFill>
+                  <a:srgbClr val="660033"/>
                 </a:solidFill>
                 <a:effectLst>
                   <a:outerShdw blurRad="38100" dist="38100" dir="2700000" algn="tl">
@@ -6257,12 +6194,12 @@
                 <a:latin typeface="微軟正黑體" pitchFamily="34" charset="-120"/>
                 <a:ea typeface="微軟正黑體" pitchFamily="34" charset="-120"/>
               </a:rPr>
-              <a:t>主</a:t>
-            </a:r>
-            <a:r>
-              <a:rPr lang="zh-CN" altLang="en-US" sz="6000" b="1" dirty="0">
-                <a:solidFill>
-                  <a:srgbClr val="000066"/>
+              <a:t>我</a:t>
+            </a:r>
+            <a:r>
+              <a:rPr lang="zh-TW" altLang="en-US" sz="6000" b="1" dirty="0">
+                <a:solidFill>
+                  <a:srgbClr val="660033"/>
                 </a:solidFill>
                 <a:effectLst>
                   <a:outerShdw blurRad="38100" dist="38100" dir="2700000" algn="tl">
@@ -6274,29 +6211,15 @@
                 <a:latin typeface="微軟正黑體" pitchFamily="34" charset="-120"/>
                 <a:ea typeface="微軟正黑體" pitchFamily="34" charset="-120"/>
               </a:rPr>
-              <a:t>我來就袮</a:t>
-            </a:r>
-            <a:endParaRPr lang="zh-TW" altLang="en-US" sz="6000" b="1" dirty="0">
-              <a:solidFill>
-                <a:srgbClr val="000066"/>
-              </a:solidFill>
-              <a:effectLst>
-                <a:outerShdw blurRad="38100" dist="38100" dir="2700000" algn="tl">
-                  <a:srgbClr val="000000">
-                    <a:alpha val="43137"/>
-                  </a:srgbClr>
-                </a:outerShdw>
-              </a:effectLst>
-              <a:latin typeface="微軟正黑體" pitchFamily="34" charset="-120"/>
-              <a:ea typeface="微軟正黑體" pitchFamily="34" charset="-120"/>
-            </a:endParaRPr>
+              <a:t>只是個罪人</a:t>
+            </a:r>
           </a:p>
         </p:txBody>
       </p:sp>
     </p:spTree>
     <p:extLst>
       <p:ext uri="{BB962C8B-B14F-4D97-AF65-F5344CB8AC3E}">
-        <p14:creationId xmlns:p14="http://schemas.microsoft.com/office/powerpoint/2010/main" val="815254712"/>
+        <p14:creationId xmlns:p14="http://schemas.microsoft.com/office/powerpoint/2010/main" val="674407335"/>
       </p:ext>
     </p:extLst>
   </p:cSld>
@@ -6352,64 +6275,84 @@
           </a:bodyPr>
           <a:lstStyle/>
           <a:p>
-            <a:pPr algn="ctr">
+            <a:pPr marL="0" indent="0" algn="ctr">
               <a:buNone/>
             </a:pPr>
             <a:r>
-              <a:rPr lang="zh-CN" altLang="en-US" sz="4800" b="1" dirty="0">
-                <a:solidFill>
-                  <a:srgbClr val="000066"/>
+              <a:rPr lang="zh-TW" altLang="en-US" sz="4800" b="1" dirty="0">
+                <a:solidFill>
+                  <a:srgbClr val="660033"/>
                 </a:solidFill>
                 <a:latin typeface="Microsoft JhengHei" pitchFamily="34" charset="-120"/>
                 <a:ea typeface="Microsoft JhengHei" pitchFamily="34" charset="-120"/>
               </a:rPr>
-              <a:t>救主歡喜聲音 </a:t>
-            </a:r>
-            <a:endParaRPr lang="en-US" altLang="zh-CN" sz="4800" b="1" dirty="0" smtClean="0">
+              <a:t>我一切所有 </a:t>
+            </a:r>
+            <a:r>
+              <a:rPr lang="zh-TW" altLang="en-US" sz="4800" b="1" dirty="0" smtClean="0">
+                <a:solidFill>
+                  <a:srgbClr val="660033"/>
+                </a:solidFill>
+                <a:latin typeface="Microsoft JhengHei" pitchFamily="34" charset="-120"/>
+                <a:ea typeface="Microsoft JhengHei" pitchFamily="34" charset="-120"/>
+              </a:rPr>
+              <a:t> </a:t>
+            </a:r>
+            <a:r>
+              <a:rPr lang="zh-TW" altLang="en-US" sz="4800" b="1" dirty="0">
+                <a:solidFill>
+                  <a:srgbClr val="660033"/>
+                </a:solidFill>
+                <a:latin typeface="Microsoft JhengHei" pitchFamily="34" charset="-120"/>
+                <a:ea typeface="Microsoft JhengHei" pitchFamily="34" charset="-120"/>
+              </a:rPr>
+              <a:t>無非是接受</a:t>
+            </a:r>
+            <a:endParaRPr lang="en-US" altLang="zh-TW" sz="4800" b="1" dirty="0">
               <a:solidFill>
-                <a:srgbClr val="000066"/>
+                <a:srgbClr val="660033"/>
               </a:solidFill>
               <a:latin typeface="Microsoft JhengHei" pitchFamily="34" charset="-120"/>
               <a:ea typeface="Microsoft JhengHei" pitchFamily="34" charset="-120"/>
             </a:endParaRPr>
           </a:p>
           <a:p>
-            <a:pPr algn="ctr">
+            <a:pPr marL="0" indent="0" algn="ctr">
               <a:buNone/>
             </a:pPr>
             <a:r>
-              <a:rPr lang="zh-CN" altLang="en-US" sz="4800" b="1" dirty="0" smtClean="0">
-                <a:solidFill>
-                  <a:srgbClr val="000066"/>
+              <a:rPr lang="zh-TW" altLang="en-US" sz="4800" b="1" dirty="0">
+                <a:solidFill>
+                  <a:srgbClr val="660033"/>
                 </a:solidFill>
                 <a:latin typeface="Microsoft JhengHei" pitchFamily="34" charset="-120"/>
                 <a:ea typeface="Microsoft JhengHei" pitchFamily="34" charset="-120"/>
               </a:rPr>
-              <a:t>我</a:t>
-            </a:r>
-            <a:r>
-              <a:rPr lang="zh-CN" altLang="en-US" sz="4800" b="1" dirty="0">
-                <a:solidFill>
-                  <a:srgbClr val="000066"/>
+              <a:t>都是主賜</a:t>
+            </a:r>
+            <a:r>
+              <a:rPr lang="zh-TW" altLang="en-US" sz="4800" b="1" dirty="0" smtClean="0">
+                <a:solidFill>
+                  <a:srgbClr val="660033"/>
                 </a:solidFill>
                 <a:latin typeface="Microsoft JhengHei" pitchFamily="34" charset="-120"/>
                 <a:ea typeface="Microsoft JhengHei" pitchFamily="34" charset="-120"/>
               </a:rPr>
-              <a:t>今願前來</a:t>
-            </a:r>
-            <a:r>
-              <a:rPr lang="zh-CN" altLang="en-US" sz="4800" b="1" dirty="0" smtClean="0">
-                <a:solidFill>
-                  <a:srgbClr val="000066"/>
+              <a:t>下  </a:t>
+            </a:r>
+            <a:r>
+              <a:rPr lang="zh-TW" altLang="en-US" sz="4800" b="1" dirty="0">
+                <a:solidFill>
+                  <a:srgbClr val="660033"/>
                 </a:solidFill>
                 <a:latin typeface="Microsoft JhengHei" pitchFamily="34" charset="-120"/>
                 <a:ea typeface="Microsoft JhengHei" pitchFamily="34" charset="-120"/>
               </a:rPr>
-              <a:t>聽</a:t>
-            </a:r>
-            <a:endParaRPr lang="en-US" altLang="zh-CN" sz="4800" b="1" dirty="0">
+              <a:t>在我信之後</a:t>
+            </a:r>
+            <a:endParaRPr lang="en-US" altLang="zh-TW" sz="4800" b="1" dirty="0">
               <a:solidFill>
-                <a:srgbClr val="000066"/>
+                <a:srgbClr val="660033"/>
               </a:solidFill>
               <a:latin typeface="Microsoft JhengHei" pitchFamily="34" charset="-120"/>
               <a:ea typeface="Microsoft JhengHei" pitchFamily="34" charset="-120"/>
@@ -6425,7 +6368,7 @@
         </p:nvSpPr>
         <p:spPr>
           <a:xfrm>
-            <a:off x="827584" y="1661525"/>
+            <a:off x="251520" y="1659230"/>
             <a:ext cx="936104" cy="830997"/>
           </a:xfrm>
           <a:prstGeom prst="rect">
@@ -6442,14 +6385,14 @@
             <a:r>
               <a:rPr lang="en-US" sz="4800" b="1" dirty="0" smtClean="0">
                 <a:solidFill>
-                  <a:srgbClr val="000066"/>
+                  <a:srgbClr val="660033"/>
                 </a:solidFill>
               </a:rPr>
               <a:t>1.</a:t>
             </a:r>
             <a:endParaRPr lang="vi-VN" sz="4800" b="1" dirty="0">
               <a:solidFill>
-                <a:srgbClr val="000066"/>
+                <a:srgbClr val="660033"/>
               </a:solidFill>
             </a:endParaRPr>
           </a:p>
@@ -6458,13 +6401,20 @@
     </p:spTree>
     <p:extLst>
       <p:ext uri="{BB962C8B-B14F-4D97-AF65-F5344CB8AC3E}">
-        <p14:creationId xmlns:p14="http://schemas.microsoft.com/office/powerpoint/2010/main" val="3230806567"/>
+        <p14:creationId xmlns:p14="http://schemas.microsoft.com/office/powerpoint/2010/main" val="1093443681"/>
       </p:ext>
     </p:extLst>
   </p:cSld>
   <p:clrMapOvr>
     <a:masterClrMapping/>
   </p:clrMapOvr>
+  <p:timing>
+    <p:tnLst>
+      <p:par>
+        <p:cTn id="1" dur="indefinite" restart="never" nodeType="tmRoot"/>
+      </p:par>
+    </p:tnLst>
+  </p:timing>
 </p:sld>
 </file>
 
@@ -6507,44 +6457,44 @@
           </a:bodyPr>
           <a:lstStyle/>
           <a:p>
-            <a:pPr algn="ctr">
+            <a:pPr marL="0" indent="0" algn="ctr">
               <a:buNone/>
             </a:pPr>
             <a:r>
-              <a:rPr lang="zh-CN" altLang="en-US" sz="4800" b="1" dirty="0">
-                <a:solidFill>
-                  <a:srgbClr val="000066"/>
+              <a:rPr lang="zh-TW" altLang="en-US" sz="4800" b="1" dirty="0">
+                <a:solidFill>
+                  <a:srgbClr val="660033"/>
                 </a:solidFill>
                 <a:latin typeface="Microsoft JhengHei" pitchFamily="34" charset="-120"/>
                 <a:ea typeface="Microsoft JhengHei" pitchFamily="34" charset="-120"/>
               </a:rPr>
-              <a:t>為我罪惡流出寶血</a:t>
-            </a:r>
-            <a:endParaRPr lang="en-US" altLang="zh-CN" sz="4800" b="1" dirty="0">
+              <a:t>故我不自誇  驕傲亦憎</a:t>
+            </a:r>
+            <a:endParaRPr lang="en-US" altLang="zh-TW" sz="4800" b="1" dirty="0">
               <a:solidFill>
-                <a:srgbClr val="000066"/>
+                <a:srgbClr val="660033"/>
               </a:solidFill>
               <a:latin typeface="Microsoft JhengHei" pitchFamily="34" charset="-120"/>
               <a:ea typeface="Microsoft JhengHei" pitchFamily="34" charset="-120"/>
             </a:endParaRPr>
           </a:p>
           <a:p>
-            <a:pPr algn="ctr">
+            <a:pPr marL="0" indent="0" algn="ctr">
               <a:buNone/>
             </a:pPr>
             <a:r>
-              <a:rPr lang="zh-CN" altLang="en-US" sz="4800" b="1" dirty="0">
-                <a:solidFill>
-                  <a:srgbClr val="000066"/>
+              <a:rPr lang="zh-TW" altLang="en-US" sz="4800" b="1" dirty="0">
+                <a:solidFill>
+                  <a:srgbClr val="660033"/>
                 </a:solidFill>
                 <a:latin typeface="Microsoft JhengHei" pitchFamily="34" charset="-120"/>
                 <a:ea typeface="Microsoft JhengHei" pitchFamily="34" charset="-120"/>
               </a:rPr>
-              <a:t>使我能得生命</a:t>
-            </a:r>
-            <a:endParaRPr lang="en-US" altLang="zh-CN" sz="4800" b="1" dirty="0">
+              <a:t>我只是個罪人  蒙主恩</a:t>
+            </a:r>
+            <a:endParaRPr lang="zh-TW" altLang="en-US" sz="4800" b="1" dirty="0">
               <a:solidFill>
-                <a:srgbClr val="000066"/>
+                <a:srgbClr val="660033"/>
               </a:solidFill>
               <a:latin typeface="Microsoft JhengHei" pitchFamily="34" charset="-120"/>
               <a:ea typeface="Microsoft JhengHei" pitchFamily="34" charset="-120"/>
@@ -6560,7 +6510,7 @@
         </p:nvSpPr>
         <p:spPr>
           <a:xfrm>
-            <a:off x="827584" y="1661525"/>
+            <a:off x="251520" y="1659230"/>
             <a:ext cx="936104" cy="830997"/>
           </a:xfrm>
           <a:prstGeom prst="rect">
@@ -6577,14 +6527,14 @@
             <a:r>
               <a:rPr lang="en-US" sz="4800" b="1" dirty="0" smtClean="0">
                 <a:solidFill>
-                  <a:srgbClr val="000066"/>
+                  <a:srgbClr val="660033"/>
                 </a:solidFill>
               </a:rPr>
               <a:t>1.</a:t>
             </a:r>
             <a:endParaRPr lang="vi-VN" sz="4800" b="1" dirty="0">
               <a:solidFill>
-                <a:srgbClr val="000066"/>
+                <a:srgbClr val="660033"/>
               </a:solidFill>
             </a:endParaRPr>
           </a:p>
@@ -6593,13 +6543,20 @@
     </p:spTree>
     <p:extLst>
       <p:ext uri="{BB962C8B-B14F-4D97-AF65-F5344CB8AC3E}">
-        <p14:creationId xmlns:p14="http://schemas.microsoft.com/office/powerpoint/2010/main" val="1380446531"/>
+        <p14:creationId xmlns:p14="http://schemas.microsoft.com/office/powerpoint/2010/main" val="1042115491"/>
       </p:ext>
     </p:extLst>
   </p:cSld>
   <p:clrMapOvr>
     <a:masterClrMapping/>
   </p:clrMapOvr>
+  <p:timing>
+    <p:tnLst>
+      <p:par>
+        <p:cTn id="1" dur="indefinite" restart="never" nodeType="tmRoot"/>
+      </p:par>
+    </p:tnLst>
+  </p:timing>
 </p:sld>
 </file>
 
@@ -6642,64 +6599,44 @@
           </a:bodyPr>
           <a:lstStyle/>
           <a:p>
-            <a:pPr algn="ctr">
+            <a:pPr marL="0" indent="0" algn="ctr">
               <a:buNone/>
             </a:pPr>
             <a:r>
-              <a:rPr lang="zh-CN" altLang="en-US" sz="4800" b="1" dirty="0">
-                <a:solidFill>
-                  <a:srgbClr val="000066"/>
+              <a:rPr lang="zh-TW" altLang="en-US" sz="4800" b="1" dirty="0">
+                <a:solidFill>
+                  <a:srgbClr val="660033"/>
                 </a:solidFill>
                 <a:latin typeface="Microsoft JhengHei" pitchFamily="34" charset="-120"/>
                 <a:ea typeface="Microsoft JhengHei" pitchFamily="34" charset="-120"/>
               </a:rPr>
-              <a:t>主我來就袮  我今來就袮</a:t>
-            </a:r>
-            <a:endParaRPr lang="en-US" altLang="zh-CN" sz="4800" b="1" dirty="0">
+              <a:t>我是個罪人蒙恩典</a:t>
+            </a:r>
+            <a:endParaRPr lang="en-US" altLang="zh-TW" sz="4800" b="1" dirty="0">
               <a:solidFill>
-                <a:srgbClr val="000066"/>
+                <a:srgbClr val="660033"/>
               </a:solidFill>
               <a:latin typeface="Microsoft JhengHei" pitchFamily="34" charset="-120"/>
               <a:ea typeface="Microsoft JhengHei" pitchFamily="34" charset="-120"/>
             </a:endParaRPr>
           </a:p>
           <a:p>
-            <a:pPr algn="ctr">
+            <a:pPr marL="0" indent="0" algn="ctr">
               <a:buNone/>
             </a:pPr>
             <a:r>
-              <a:rPr lang="zh-CN" altLang="en-US" sz="4800" b="1" dirty="0">
-                <a:solidFill>
-                  <a:srgbClr val="000066"/>
+              <a:rPr lang="zh-TW" altLang="en-US" sz="4800" b="1" dirty="0">
+                <a:solidFill>
+                  <a:srgbClr val="660033"/>
                 </a:solidFill>
                 <a:latin typeface="Microsoft JhengHei" pitchFamily="34" charset="-120"/>
                 <a:ea typeface="Microsoft JhengHei" pitchFamily="34" charset="-120"/>
               </a:rPr>
-              <a:t>救主所流的寶血</a:t>
-            </a:r>
-            <a:r>
-              <a:rPr lang="en-US" altLang="zh-CN" sz="4800" b="1" dirty="0">
-                <a:solidFill>
-                  <a:srgbClr val="000066"/>
-                </a:solidFill>
-                <a:latin typeface="Microsoft JhengHei" pitchFamily="34" charset="-120"/>
-                <a:ea typeface="Microsoft JhengHei" pitchFamily="34" charset="-120"/>
-              </a:rPr>
-              <a:t>  </a:t>
-            </a:r>
-            <a:r>
-              <a:rPr lang="zh-CN" altLang="en-US" sz="4800" b="1" dirty="0">
-                <a:solidFill>
-                  <a:srgbClr val="000066"/>
-                </a:solidFill>
-                <a:latin typeface="Microsoft JhengHei" pitchFamily="34" charset="-120"/>
-                <a:ea typeface="Microsoft JhengHei" pitchFamily="34" charset="-120"/>
-              </a:rPr>
-              <a:t>洗我罪惡清潔</a:t>
-            </a:r>
-            <a:endParaRPr lang="zh-TW" altLang="en-US" sz="4800" b="1" dirty="0">
+              <a:t>一切的罪惡得赦免</a:t>
+            </a:r>
+            <a:endParaRPr lang="en-US" altLang="zh-TW" sz="4800" b="1" dirty="0">
               <a:solidFill>
-                <a:srgbClr val="000066"/>
+                <a:srgbClr val="660033"/>
               </a:solidFill>
               <a:latin typeface="Microsoft JhengHei" pitchFamily="34" charset="-120"/>
               <a:ea typeface="Microsoft JhengHei" pitchFamily="34" charset="-120"/>
@@ -6710,13 +6647,20 @@
     </p:spTree>
     <p:extLst>
       <p:ext uri="{BB962C8B-B14F-4D97-AF65-F5344CB8AC3E}">
-        <p14:creationId xmlns:p14="http://schemas.microsoft.com/office/powerpoint/2010/main" val="3341003235"/>
+        <p14:creationId xmlns:p14="http://schemas.microsoft.com/office/powerpoint/2010/main" val="2412864753"/>
       </p:ext>
     </p:extLst>
   </p:cSld>
   <p:clrMapOvr>
     <a:masterClrMapping/>
   </p:clrMapOvr>
+  <p:timing>
+    <p:tnLst>
+      <p:par>
+        <p:cTn id="1" dur="indefinite" restart="never" nodeType="tmRoot"/>
+      </p:par>
+    </p:tnLst>
+  </p:timing>
 </p:sld>
 </file>
 
@@ -6759,54 +6703,64 @@
           </a:bodyPr>
           <a:lstStyle/>
           <a:p>
-            <a:pPr algn="ctr">
+            <a:pPr marL="0" indent="0" algn="ctr">
               <a:buNone/>
             </a:pPr>
             <a:r>
-              <a:rPr lang="zh-CN" altLang="en-US" sz="4800" b="1" dirty="0">
-                <a:solidFill>
-                  <a:srgbClr val="000066"/>
+              <a:rPr lang="zh-TW" altLang="en-US" sz="4800" b="1" dirty="0">
+                <a:solidFill>
+                  <a:srgbClr val="660033"/>
                 </a:solidFill>
                 <a:latin typeface="Microsoft JhengHei" pitchFamily="34" charset="-120"/>
                 <a:ea typeface="Microsoft JhengHei" pitchFamily="34" charset="-120"/>
               </a:rPr>
-              <a:t>我這可惡罪人  </a:t>
-            </a:r>
-            <a:endParaRPr lang="en-US" altLang="zh-CN" sz="4800" b="1" dirty="0" smtClean="0">
+              <a:t>讚美主耶穌 </a:t>
+            </a:r>
+            <a:r>
+              <a:rPr lang="zh-TW" altLang="en-US" sz="4800" b="1" dirty="0" smtClean="0">
+                <a:solidFill>
+                  <a:srgbClr val="660033"/>
+                </a:solidFill>
+                <a:latin typeface="Microsoft JhengHei" pitchFamily="34" charset="-120"/>
+                <a:ea typeface="Microsoft JhengHei" pitchFamily="34" charset="-120"/>
+              </a:rPr>
+              <a:t> </a:t>
+            </a:r>
+            <a:r>
+              <a:rPr lang="zh-TW" altLang="en-US" sz="4800" b="1" dirty="0">
+                <a:solidFill>
+                  <a:srgbClr val="660033"/>
+                </a:solidFill>
+                <a:latin typeface="Microsoft JhengHei" pitchFamily="34" charset="-120"/>
+                <a:ea typeface="Microsoft JhengHei" pitchFamily="34" charset="-120"/>
+              </a:rPr>
+              <a:t>榮耀都歸耶穌</a:t>
+            </a:r>
+            <a:endParaRPr lang="en-US" altLang="zh-TW" sz="4800" b="1" dirty="0">
               <a:solidFill>
-                <a:srgbClr val="000066"/>
+                <a:srgbClr val="660033"/>
               </a:solidFill>
               <a:latin typeface="Microsoft JhengHei" pitchFamily="34" charset="-120"/>
               <a:ea typeface="Microsoft JhengHei" pitchFamily="34" charset="-120"/>
             </a:endParaRPr>
           </a:p>
           <a:p>
-            <a:pPr algn="ctr">
+            <a:pPr marL="0" indent="0" algn="ctr">
               <a:buNone/>
             </a:pPr>
             <a:r>
-              <a:rPr lang="zh-CN" altLang="en-US" sz="4800" b="1" dirty="0" smtClean="0">
-                <a:solidFill>
-                  <a:srgbClr val="000066"/>
+              <a:rPr lang="zh-TW" altLang="en-US" sz="4800" b="1" dirty="0">
+                <a:solidFill>
+                  <a:srgbClr val="660033"/>
                 </a:solidFill>
                 <a:latin typeface="Microsoft JhengHei" pitchFamily="34" charset="-120"/>
                 <a:ea typeface="Microsoft JhengHei" pitchFamily="34" charset="-120"/>
               </a:rPr>
-              <a:t>行</a:t>
-            </a:r>
-            <a:r>
-              <a:rPr lang="zh-CN" altLang="en-US" sz="4800" b="1" dirty="0">
-                <a:solidFill>
-                  <a:srgbClr val="000066"/>
-                </a:solidFill>
-                <a:latin typeface="Microsoft JhengHei" pitchFamily="34" charset="-120"/>
-                <a:ea typeface="Microsoft JhengHei" pitchFamily="34" charset="-120"/>
-              </a:rPr>
-              <a:t>善毫無能力</a:t>
-            </a:r>
-            <a:endParaRPr lang="en-US" altLang="zh-CN" sz="4800" b="1" dirty="0">
+              <a:t>我只是個罪人蒙救恩</a:t>
+            </a:r>
+            <a:endParaRPr lang="zh-TW" altLang="en-US" sz="4800" b="1" dirty="0">
               <a:solidFill>
-                <a:srgbClr val="000066"/>
+                <a:srgbClr val="660033"/>
               </a:solidFill>
               <a:latin typeface="Microsoft JhengHei" pitchFamily="34" charset="-120"/>
               <a:ea typeface="Microsoft JhengHei" pitchFamily="34" charset="-120"/>
@@ -6814,62 +6768,23 @@
           </a:p>
         </p:txBody>
       </p:sp>
-      <p:sp>
-        <p:nvSpPr>
-          <p:cNvPr id="3" name="TextBox 2"/>
-          <p:cNvSpPr txBox="1"/>
-          <p:nvPr/>
-        </p:nvSpPr>
-        <p:spPr>
-          <a:xfrm>
-            <a:off x="827584" y="1661525"/>
-            <a:ext cx="936104" cy="830997"/>
-          </a:xfrm>
-          <a:prstGeom prst="rect">
-            <a:avLst/>
-          </a:prstGeom>
-          <a:noFill/>
-        </p:spPr>
-        <p:txBody>
-          <a:bodyPr wrap="square" rtlCol="0">
-            <a:spAutoFit/>
-          </a:bodyPr>
-          <a:lstStyle/>
-          <a:p>
-            <a:r>
-              <a:rPr lang="en-US" sz="4800" b="1" dirty="0">
-                <a:solidFill>
-                  <a:srgbClr val="000066"/>
-                </a:solidFill>
-              </a:rPr>
-              <a:t>2</a:t>
-            </a:r>
-            <a:r>
-              <a:rPr lang="en-US" sz="4800" b="1" dirty="0" smtClean="0">
-                <a:solidFill>
-                  <a:srgbClr val="000066"/>
-                </a:solidFill>
-              </a:rPr>
-              <a:t>.</a:t>
-            </a:r>
-            <a:endParaRPr lang="vi-VN" sz="4800" b="1" dirty="0">
-              <a:solidFill>
-                <a:srgbClr val="000066"/>
-              </a:solidFill>
-            </a:endParaRPr>
-          </a:p>
-        </p:txBody>
-      </p:sp>
     </p:spTree>
     <p:extLst>
       <p:ext uri="{BB962C8B-B14F-4D97-AF65-F5344CB8AC3E}">
-        <p14:creationId xmlns:p14="http://schemas.microsoft.com/office/powerpoint/2010/main" val="325317521"/>
+        <p14:creationId xmlns:p14="http://schemas.microsoft.com/office/powerpoint/2010/main" val="402583779"/>
       </p:ext>
     </p:extLst>
   </p:cSld>
   <p:clrMapOvr>
     <a:masterClrMapping/>
   </p:clrMapOvr>
+  <p:timing>
+    <p:tnLst>
+      <p:par>
+        <p:cTn id="1" dur="indefinite" restart="never" nodeType="tmRoot"/>
+      </p:par>
+    </p:tnLst>
+  </p:timing>
 </p:sld>
 </file>
 
@@ -6912,44 +6827,84 @@
           </a:bodyPr>
           <a:lstStyle/>
           <a:p>
-            <a:pPr algn="ctr">
+            <a:pPr marL="0" indent="0" algn="ctr">
               <a:buNone/>
             </a:pPr>
             <a:r>
-              <a:rPr lang="zh-CN" altLang="en-US" sz="4800" b="1" dirty="0">
-                <a:solidFill>
-                  <a:srgbClr val="000066"/>
+              <a:rPr lang="zh-TW" altLang="en-US" sz="4800" b="1" dirty="0">
+                <a:solidFill>
+                  <a:srgbClr val="660033"/>
                 </a:solidFill>
                 <a:latin typeface="Microsoft JhengHei" pitchFamily="34" charset="-120"/>
                 <a:ea typeface="Microsoft JhengHei" pitchFamily="34" charset="-120"/>
               </a:rPr>
-              <a:t>惟主寶血永無更變</a:t>
-            </a:r>
-            <a:endParaRPr lang="en-US" altLang="zh-CN" sz="4800" b="1" dirty="0">
+              <a:t>以前我愚拙 </a:t>
+            </a:r>
+            <a:r>
+              <a:rPr lang="zh-TW" altLang="en-US" sz="4800" b="1" dirty="0" smtClean="0">
+                <a:solidFill>
+                  <a:srgbClr val="660033"/>
+                </a:solidFill>
+                <a:latin typeface="Microsoft JhengHei" pitchFamily="34" charset="-120"/>
+                <a:ea typeface="Microsoft JhengHei" pitchFamily="34" charset="-120"/>
+              </a:rPr>
+              <a:t> </a:t>
+            </a:r>
+            <a:r>
+              <a:rPr lang="zh-TW" altLang="en-US" sz="4800" b="1" dirty="0">
+                <a:solidFill>
+                  <a:srgbClr val="660033"/>
+                </a:solidFill>
+                <a:latin typeface="Microsoft JhengHei" pitchFamily="34" charset="-120"/>
+                <a:ea typeface="Microsoft JhengHei" pitchFamily="34" charset="-120"/>
+              </a:rPr>
+              <a:t>罪惡管我心</a:t>
+            </a:r>
+            <a:endParaRPr lang="en-US" altLang="zh-TW" sz="4800" b="1" dirty="0">
               <a:solidFill>
-                <a:srgbClr val="000066"/>
+                <a:srgbClr val="660033"/>
               </a:solidFill>
               <a:latin typeface="Microsoft JhengHei" pitchFamily="34" charset="-120"/>
               <a:ea typeface="Microsoft JhengHei" pitchFamily="34" charset="-120"/>
             </a:endParaRPr>
           </a:p>
           <a:p>
-            <a:pPr algn="ctr">
+            <a:pPr marL="0" indent="0" algn="ctr">
               <a:buNone/>
             </a:pPr>
             <a:r>
-              <a:rPr lang="zh-CN" altLang="en-US" sz="4800" b="1" dirty="0">
-                <a:solidFill>
-                  <a:srgbClr val="000066"/>
+              <a:rPr lang="zh-TW" altLang="en-US" sz="4800" b="1" dirty="0">
+                <a:solidFill>
+                  <a:srgbClr val="660033"/>
                 </a:solidFill>
                 <a:latin typeface="Microsoft JhengHei" pitchFamily="34" charset="-120"/>
                 <a:ea typeface="Microsoft JhengHei" pitchFamily="34" charset="-120"/>
               </a:rPr>
-              <a:t>洗淨心裡罪愆</a:t>
-            </a:r>
-            <a:endParaRPr lang="en-US" altLang="zh-CN" sz="4800" b="1" dirty="0">
+              <a:t>使我的腳</a:t>
+            </a:r>
+            <a:r>
+              <a:rPr lang="zh-TW" altLang="en-US" sz="4800" b="1" dirty="0" smtClean="0">
+                <a:solidFill>
+                  <a:srgbClr val="660033"/>
+                </a:solidFill>
+                <a:latin typeface="Microsoft JhengHei" pitchFamily="34" charset="-120"/>
+                <a:ea typeface="Microsoft JhengHei" pitchFamily="34" charset="-120"/>
+              </a:rPr>
+              <a:t>步  </a:t>
+            </a:r>
+            <a:r>
+              <a:rPr lang="zh-TW" altLang="en-US" sz="4800" b="1" dirty="0">
+                <a:solidFill>
+                  <a:srgbClr val="660033"/>
+                </a:solidFill>
+                <a:latin typeface="Microsoft JhengHei" pitchFamily="34" charset="-120"/>
+                <a:ea typeface="Microsoft JhengHei" pitchFamily="34" charset="-120"/>
+              </a:rPr>
+              <a:t>離天父遠行</a:t>
+            </a:r>
+            <a:endParaRPr lang="en-US" altLang="zh-TW" sz="4800" b="1" dirty="0">
               <a:solidFill>
-                <a:srgbClr val="000066"/>
+                <a:srgbClr val="660033"/>
               </a:solidFill>
               <a:latin typeface="Microsoft JhengHei" pitchFamily="34" charset="-120"/>
               <a:ea typeface="Microsoft JhengHei" pitchFamily="34" charset="-120"/>
@@ -6965,7 +6920,7 @@
         </p:nvSpPr>
         <p:spPr>
           <a:xfrm>
-            <a:off x="827584" y="1661525"/>
+            <a:off x="251520" y="1659230"/>
             <a:ext cx="936104" cy="830997"/>
           </a:xfrm>
           <a:prstGeom prst="rect">
@@ -6982,7 +6937,7 @@
             <a:r>
               <a:rPr lang="en-US" sz="4800" b="1" dirty="0">
                 <a:solidFill>
-                  <a:srgbClr val="000066"/>
+                  <a:srgbClr val="660033"/>
                 </a:solidFill>
               </a:rPr>
               <a:t>2</a:t>
@@ -6990,14 +6945,14 @@
             <a:r>
               <a:rPr lang="en-US" sz="4800" b="1" dirty="0" smtClean="0">
                 <a:solidFill>
-                  <a:srgbClr val="000066"/>
+                  <a:srgbClr val="660033"/>
                 </a:solidFill>
               </a:rPr>
               <a:t>.</a:t>
             </a:r>
             <a:endParaRPr lang="vi-VN" sz="4800" b="1" dirty="0">
               <a:solidFill>
-                <a:srgbClr val="000066"/>
+                <a:srgbClr val="660033"/>
               </a:solidFill>
             </a:endParaRPr>
           </a:p>
@@ -7006,13 +6961,20 @@
     </p:spTree>
     <p:extLst>
       <p:ext uri="{BB962C8B-B14F-4D97-AF65-F5344CB8AC3E}">
-        <p14:creationId xmlns:p14="http://schemas.microsoft.com/office/powerpoint/2010/main" val="1006953290"/>
+        <p14:creationId xmlns:p14="http://schemas.microsoft.com/office/powerpoint/2010/main" val="2916263375"/>
       </p:ext>
     </p:extLst>
   </p:cSld>
   <p:clrMapOvr>
     <a:masterClrMapping/>
   </p:clrMapOvr>
+  <p:timing>
+    <p:tnLst>
+      <p:par>
+        <p:cTn id="1" dur="indefinite" restart="never" nodeType="tmRoot"/>
+      </p:par>
+    </p:tnLst>
+  </p:timing>
 </p:sld>
 </file>
 
@@ -7055,64 +7017,44 @@
           </a:bodyPr>
           <a:lstStyle/>
           <a:p>
-            <a:pPr algn="ctr">
+            <a:pPr marL="0" indent="0" algn="ctr">
               <a:buNone/>
             </a:pPr>
             <a:r>
-              <a:rPr lang="zh-CN" altLang="en-US" sz="4800" b="1" dirty="0">
-                <a:solidFill>
-                  <a:srgbClr val="000066"/>
+              <a:rPr lang="zh-TW" altLang="en-US" sz="4800" b="1" dirty="0">
+                <a:solidFill>
+                  <a:srgbClr val="660033"/>
                 </a:solidFill>
                 <a:latin typeface="Microsoft JhengHei" pitchFamily="34" charset="-120"/>
                 <a:ea typeface="Microsoft JhengHei" pitchFamily="34" charset="-120"/>
               </a:rPr>
-              <a:t>主我來就袮  我今來就袮</a:t>
-            </a:r>
-            <a:endParaRPr lang="en-US" altLang="zh-CN" sz="4800" b="1" dirty="0">
+              <a:t>幸主已尋找  喜樂萬分</a:t>
+            </a:r>
+            <a:endParaRPr lang="en-US" altLang="zh-TW" sz="4800" b="1" dirty="0">
               <a:solidFill>
-                <a:srgbClr val="000066"/>
+                <a:srgbClr val="660033"/>
               </a:solidFill>
               <a:latin typeface="Microsoft JhengHei" pitchFamily="34" charset="-120"/>
               <a:ea typeface="Microsoft JhengHei" pitchFamily="34" charset="-120"/>
             </a:endParaRPr>
           </a:p>
           <a:p>
-            <a:pPr algn="ctr">
+            <a:pPr marL="0" indent="0" algn="ctr">
               <a:buNone/>
             </a:pPr>
             <a:r>
-              <a:rPr lang="zh-CN" altLang="en-US" sz="4800" b="1" dirty="0">
-                <a:solidFill>
-                  <a:srgbClr val="000066"/>
+              <a:rPr lang="zh-TW" altLang="en-US" sz="4800" b="1" dirty="0">
+                <a:solidFill>
+                  <a:srgbClr val="660033"/>
                 </a:solidFill>
                 <a:latin typeface="Microsoft JhengHei" pitchFamily="34" charset="-120"/>
                 <a:ea typeface="Microsoft JhengHei" pitchFamily="34" charset="-120"/>
               </a:rPr>
-              <a:t>救主所流的寶血</a:t>
-            </a:r>
-            <a:r>
-              <a:rPr lang="en-US" altLang="zh-CN" sz="4800" b="1" dirty="0">
-                <a:solidFill>
-                  <a:srgbClr val="000066"/>
-                </a:solidFill>
-                <a:latin typeface="Microsoft JhengHei" pitchFamily="34" charset="-120"/>
-                <a:ea typeface="Microsoft JhengHei" pitchFamily="34" charset="-120"/>
-              </a:rPr>
-              <a:t>  </a:t>
-            </a:r>
-            <a:r>
-              <a:rPr lang="zh-CN" altLang="en-US" sz="4800" b="1" dirty="0">
-                <a:solidFill>
-                  <a:srgbClr val="000066"/>
-                </a:solidFill>
-                <a:latin typeface="Microsoft JhengHei" pitchFamily="34" charset="-120"/>
-                <a:ea typeface="Microsoft JhengHei" pitchFamily="34" charset="-120"/>
-              </a:rPr>
-              <a:t>洗我罪惡清潔</a:t>
+              <a:t>我只是個罪人  蒙主恩</a:t>
             </a:r>
             <a:endParaRPr lang="zh-TW" altLang="en-US" sz="4800" b="1" dirty="0">
               <a:solidFill>
-                <a:srgbClr val="000066"/>
+                <a:srgbClr val="660033"/>
               </a:solidFill>
               <a:latin typeface="Microsoft JhengHei" pitchFamily="34" charset="-120"/>
               <a:ea typeface="Microsoft JhengHei" pitchFamily="34" charset="-120"/>
@@ -7120,16 +7062,69 @@
           </a:p>
         </p:txBody>
       </p:sp>
+      <p:sp>
+        <p:nvSpPr>
+          <p:cNvPr id="3" name="TextBox 2"/>
+          <p:cNvSpPr txBox="1"/>
+          <p:nvPr/>
+        </p:nvSpPr>
+        <p:spPr>
+          <a:xfrm>
+            <a:off x="251520" y="1659230"/>
+            <a:ext cx="936104" cy="830997"/>
+          </a:xfrm>
+          <a:prstGeom prst="rect">
+            <a:avLst/>
+          </a:prstGeom>
+          <a:noFill/>
+        </p:spPr>
+        <p:txBody>
+          <a:bodyPr wrap="square" rtlCol="0">
+            <a:spAutoFit/>
+          </a:bodyPr>
+          <a:lstStyle/>
+          <a:p>
+            <a:r>
+              <a:rPr lang="en-US" sz="4800" b="1" dirty="0">
+                <a:solidFill>
+                  <a:srgbClr val="660033"/>
+                </a:solidFill>
+              </a:rPr>
+              <a:t>2</a:t>
+            </a:r>
+            <a:r>
+              <a:rPr lang="en-US" sz="4800" b="1" dirty="0" smtClean="0">
+                <a:solidFill>
+                  <a:srgbClr val="660033"/>
+                </a:solidFill>
+              </a:rPr>
+              <a:t>.</a:t>
+            </a:r>
+            <a:endParaRPr lang="vi-VN" sz="4800" b="1" dirty="0">
+              <a:solidFill>
+                <a:srgbClr val="660033"/>
+              </a:solidFill>
+            </a:endParaRPr>
+          </a:p>
+        </p:txBody>
+      </p:sp>
     </p:spTree>
     <p:extLst>
       <p:ext uri="{BB962C8B-B14F-4D97-AF65-F5344CB8AC3E}">
-        <p14:creationId xmlns:p14="http://schemas.microsoft.com/office/powerpoint/2010/main" val="4119505024"/>
+        <p14:creationId xmlns:p14="http://schemas.microsoft.com/office/powerpoint/2010/main" val="1782518097"/>
       </p:ext>
     </p:extLst>
   </p:cSld>
   <p:clrMapOvr>
     <a:masterClrMapping/>
   </p:clrMapOvr>
+  <p:timing>
+    <p:tnLst>
+      <p:par>
+        <p:cTn id="1" dur="indefinite" restart="never" nodeType="tmRoot"/>
+      </p:par>
+    </p:tnLst>
+  </p:timing>
 </p:sld>
 </file>
 
@@ -7172,70 +7167,44 @@
           </a:bodyPr>
           <a:lstStyle/>
           <a:p>
-            <a:pPr algn="ctr">
-              <a:lnSpc>
-                <a:spcPct val="90000"/>
-              </a:lnSpc>
+            <a:pPr marL="0" indent="0" algn="ctr">
               <a:buNone/>
             </a:pPr>
             <a:r>
-              <a:rPr lang="zh-CN" altLang="en-US" sz="4800" b="1" dirty="0">
-                <a:solidFill>
-                  <a:srgbClr val="000066"/>
+              <a:rPr lang="zh-TW" altLang="en-US" sz="4800" b="1" dirty="0">
+                <a:solidFill>
+                  <a:srgbClr val="660033"/>
                 </a:solidFill>
                 <a:latin typeface="Microsoft JhengHei" pitchFamily="34" charset="-120"/>
                 <a:ea typeface="Microsoft JhengHei" pitchFamily="34" charset="-120"/>
               </a:rPr>
-              <a:t>求主賞賜聖靈</a:t>
-            </a:r>
-            <a:r>
-              <a:rPr lang="en-US" altLang="zh-CN" sz="4800" b="1" dirty="0">
-                <a:solidFill>
-                  <a:srgbClr val="000066"/>
-                </a:solidFill>
-                <a:latin typeface="Microsoft JhengHei" pitchFamily="34" charset="-120"/>
-                <a:ea typeface="Microsoft JhengHei" pitchFamily="34" charset="-120"/>
-              </a:rPr>
-              <a:t>  </a:t>
-            </a:r>
-            <a:endParaRPr lang="en-US" altLang="zh-CN" sz="4800" b="1" dirty="0" smtClean="0">
+              <a:t>我是個罪人蒙恩典</a:t>
+            </a:r>
+            <a:endParaRPr lang="en-US" altLang="zh-TW" sz="4800" b="1" dirty="0">
               <a:solidFill>
-                <a:srgbClr val="000066"/>
+                <a:srgbClr val="660033"/>
               </a:solidFill>
               <a:latin typeface="Microsoft JhengHei" pitchFamily="34" charset="-120"/>
               <a:ea typeface="Microsoft JhengHei" pitchFamily="34" charset="-120"/>
             </a:endParaRPr>
           </a:p>
           <a:p>
-            <a:pPr algn="ctr">
-              <a:lnSpc>
-                <a:spcPct val="90000"/>
-              </a:lnSpc>
+            <a:pPr marL="0" indent="0" algn="ctr">
               <a:buNone/>
             </a:pPr>
             <a:r>
-              <a:rPr lang="zh-CN" altLang="en-US" sz="4800" b="1" dirty="0" smtClean="0">
-                <a:solidFill>
-                  <a:srgbClr val="000066"/>
+              <a:rPr lang="zh-TW" altLang="en-US" sz="4800" b="1" dirty="0">
+                <a:solidFill>
+                  <a:srgbClr val="660033"/>
                 </a:solidFill>
                 <a:latin typeface="Microsoft JhengHei" pitchFamily="34" charset="-120"/>
                 <a:ea typeface="Microsoft JhengHei" pitchFamily="34" charset="-120"/>
               </a:rPr>
-              <a:t>激</a:t>
-            </a:r>
-            <a:r>
-              <a:rPr lang="zh-CN" altLang="en-US" sz="4800" b="1" dirty="0">
-                <a:solidFill>
-                  <a:srgbClr val="000066"/>
-                </a:solidFill>
-                <a:latin typeface="Microsoft JhengHei" pitchFamily="34" charset="-120"/>
-                <a:ea typeface="Microsoft JhengHei" pitchFamily="34" charset="-120"/>
-              </a:rPr>
-              <a:t>發愛主熱心</a:t>
-            </a:r>
-            <a:endParaRPr lang="en-US" altLang="zh-CN" sz="4800" b="1" dirty="0">
+              <a:t>一切的罪惡得赦免</a:t>
+            </a:r>
+            <a:endParaRPr lang="en-US" altLang="zh-TW" sz="4800" b="1" dirty="0">
               <a:solidFill>
-                <a:srgbClr val="000066"/>
+                <a:srgbClr val="660033"/>
               </a:solidFill>
               <a:latin typeface="Microsoft JhengHei" pitchFamily="34" charset="-120"/>
               <a:ea typeface="Microsoft JhengHei" pitchFamily="34" charset="-120"/>
@@ -7243,54 +7212,23 @@
           </a:p>
         </p:txBody>
       </p:sp>
-      <p:sp>
-        <p:nvSpPr>
-          <p:cNvPr id="3" name="TextBox 2"/>
-          <p:cNvSpPr txBox="1"/>
-          <p:nvPr/>
-        </p:nvSpPr>
-        <p:spPr>
-          <a:xfrm>
-            <a:off x="827584" y="1661525"/>
-            <a:ext cx="936104" cy="830997"/>
-          </a:xfrm>
-          <a:prstGeom prst="rect">
-            <a:avLst/>
-          </a:prstGeom>
-          <a:noFill/>
-        </p:spPr>
-        <p:txBody>
-          <a:bodyPr wrap="square" rtlCol="0">
-            <a:spAutoFit/>
-          </a:bodyPr>
-          <a:lstStyle/>
-          <a:p>
-            <a:r>
-              <a:rPr lang="en-US" sz="4800" b="1" dirty="0" smtClean="0">
-                <a:solidFill>
-                  <a:srgbClr val="000066"/>
-                </a:solidFill>
-              </a:rPr>
-              <a:t>3.</a:t>
-            </a:r>
-            <a:endParaRPr lang="vi-VN" sz="4800" b="1" dirty="0">
-              <a:solidFill>
-                <a:srgbClr val="000066"/>
-              </a:solidFill>
-            </a:endParaRPr>
-          </a:p>
-        </p:txBody>
-      </p:sp>
     </p:spTree>
     <p:extLst>
       <p:ext uri="{BB962C8B-B14F-4D97-AF65-F5344CB8AC3E}">
-        <p14:creationId xmlns:p14="http://schemas.microsoft.com/office/powerpoint/2010/main" val="60798354"/>
+        <p14:creationId xmlns:p14="http://schemas.microsoft.com/office/powerpoint/2010/main" val="193673834"/>
       </p:ext>
     </p:extLst>
   </p:cSld>
   <p:clrMapOvr>
     <a:masterClrMapping/>
   </p:clrMapOvr>
+  <p:timing>
+    <p:tnLst>
+      <p:par>
+        <p:cTn id="1" dur="indefinite" restart="never" nodeType="tmRoot"/>
+      </p:par>
+    </p:tnLst>
+  </p:timing>
 </p:sld>
 </file>
 
@@ -7421,50 +7359,64 @@
           </a:bodyPr>
           <a:lstStyle/>
           <a:p>
-            <a:pPr algn="ctr">
-              <a:lnSpc>
-                <a:spcPct val="90000"/>
-              </a:lnSpc>
+            <a:pPr marL="0" indent="0" algn="ctr">
               <a:buNone/>
             </a:pPr>
             <a:r>
-              <a:rPr lang="zh-CN" altLang="en-US" sz="4800" b="1" dirty="0">
-                <a:solidFill>
-                  <a:srgbClr val="000066"/>
+              <a:rPr lang="zh-TW" altLang="en-US" sz="4800" b="1" dirty="0">
+                <a:solidFill>
+                  <a:srgbClr val="660033"/>
                 </a:solidFill>
                 <a:latin typeface="Microsoft JhengHei" pitchFamily="34" charset="-120"/>
                 <a:ea typeface="Microsoft JhengHei" pitchFamily="34" charset="-120"/>
               </a:rPr>
-              <a:t>引導罪人歸向耶穌</a:t>
-            </a:r>
-            <a:endParaRPr lang="en-US" altLang="zh-CN" sz="4800" b="1" dirty="0">
+              <a:t>讚美主耶穌 </a:t>
+            </a:r>
+            <a:r>
+              <a:rPr lang="zh-TW" altLang="en-US" sz="4800" b="1" dirty="0" smtClean="0">
+                <a:solidFill>
+                  <a:srgbClr val="660033"/>
+                </a:solidFill>
+                <a:latin typeface="Microsoft JhengHei" pitchFamily="34" charset="-120"/>
+                <a:ea typeface="Microsoft JhengHei" pitchFamily="34" charset="-120"/>
+              </a:rPr>
+              <a:t> </a:t>
+            </a:r>
+            <a:r>
+              <a:rPr lang="zh-TW" altLang="en-US" sz="4800" b="1" dirty="0">
+                <a:solidFill>
+                  <a:srgbClr val="660033"/>
+                </a:solidFill>
+                <a:latin typeface="Microsoft JhengHei" pitchFamily="34" charset="-120"/>
+                <a:ea typeface="Microsoft JhengHei" pitchFamily="34" charset="-120"/>
+              </a:rPr>
+              <a:t>榮耀都歸耶穌</a:t>
+            </a:r>
+            <a:endParaRPr lang="en-US" altLang="zh-TW" sz="4800" b="1" dirty="0">
               <a:solidFill>
-                <a:srgbClr val="000066"/>
+                <a:srgbClr val="660033"/>
               </a:solidFill>
               <a:latin typeface="Microsoft JhengHei" pitchFamily="34" charset="-120"/>
               <a:ea typeface="Microsoft JhengHei" pitchFamily="34" charset="-120"/>
             </a:endParaRPr>
           </a:p>
           <a:p>
-            <a:pPr algn="ctr">
-              <a:lnSpc>
-                <a:spcPct val="90000"/>
-              </a:lnSpc>
+            <a:pPr marL="0" indent="0" algn="ctr">
               <a:buNone/>
             </a:pPr>
             <a:r>
-              <a:rPr lang="zh-CN" altLang="en-US" sz="4800" b="1" dirty="0">
-                <a:solidFill>
-                  <a:srgbClr val="000066"/>
+              <a:rPr lang="zh-TW" altLang="en-US" sz="4800" b="1" dirty="0">
+                <a:solidFill>
+                  <a:srgbClr val="660033"/>
                 </a:solidFill>
                 <a:latin typeface="Microsoft JhengHei" pitchFamily="34" charset="-120"/>
                 <a:ea typeface="Microsoft JhengHei" pitchFamily="34" charset="-120"/>
               </a:rPr>
-              <a:t>使主教會復興</a:t>
-            </a:r>
-            <a:endParaRPr lang="en-US" altLang="zh-CN" sz="4800" b="1" dirty="0">
+              <a:t>我只是個罪人蒙救恩</a:t>
+            </a:r>
+            <a:endParaRPr lang="zh-TW" altLang="en-US" sz="4800" b="1" dirty="0">
               <a:solidFill>
-                <a:srgbClr val="000066"/>
+                <a:srgbClr val="660033"/>
               </a:solidFill>
               <a:latin typeface="Microsoft JhengHei" pitchFamily="34" charset="-120"/>
               <a:ea typeface="Microsoft JhengHei" pitchFamily="34" charset="-120"/>
@@ -7472,54 +7424,23 @@
           </a:p>
         </p:txBody>
       </p:sp>
-      <p:sp>
-        <p:nvSpPr>
-          <p:cNvPr id="3" name="TextBox 2"/>
-          <p:cNvSpPr txBox="1"/>
-          <p:nvPr/>
-        </p:nvSpPr>
-        <p:spPr>
-          <a:xfrm>
-            <a:off x="827584" y="1661525"/>
-            <a:ext cx="936104" cy="830997"/>
-          </a:xfrm>
-          <a:prstGeom prst="rect">
-            <a:avLst/>
-          </a:prstGeom>
-          <a:noFill/>
-        </p:spPr>
-        <p:txBody>
-          <a:bodyPr wrap="square" rtlCol="0">
-            <a:spAutoFit/>
-          </a:bodyPr>
-          <a:lstStyle/>
-          <a:p>
-            <a:r>
-              <a:rPr lang="en-US" sz="4800" b="1" dirty="0" smtClean="0">
-                <a:solidFill>
-                  <a:srgbClr val="000066"/>
-                </a:solidFill>
-              </a:rPr>
-              <a:t>3.</a:t>
-            </a:r>
-            <a:endParaRPr lang="vi-VN" sz="4800" b="1" dirty="0">
-              <a:solidFill>
-                <a:srgbClr val="000066"/>
-              </a:solidFill>
-            </a:endParaRPr>
-          </a:p>
-        </p:txBody>
-      </p:sp>
     </p:spTree>
     <p:extLst>
       <p:ext uri="{BB962C8B-B14F-4D97-AF65-F5344CB8AC3E}">
-        <p14:creationId xmlns:p14="http://schemas.microsoft.com/office/powerpoint/2010/main" val="4070827866"/>
+        <p14:creationId xmlns:p14="http://schemas.microsoft.com/office/powerpoint/2010/main" val="2837599500"/>
       </p:ext>
     </p:extLst>
   </p:cSld>
   <p:clrMapOvr>
     <a:masterClrMapping/>
   </p:clrMapOvr>
+  <p:timing>
+    <p:tnLst>
+      <p:par>
+        <p:cTn id="1" dur="indefinite" restart="never" nodeType="tmRoot"/>
+      </p:par>
+    </p:tnLst>
+  </p:timing>
 </p:sld>
 </file>
 
@@ -7562,64 +7483,44 @@
           </a:bodyPr>
           <a:lstStyle/>
           <a:p>
-            <a:pPr algn="ctr">
+            <a:pPr marL="0" indent="0" algn="ctr">
               <a:buNone/>
             </a:pPr>
             <a:r>
-              <a:rPr lang="zh-CN" altLang="en-US" sz="4800" b="1" dirty="0">
-                <a:solidFill>
-                  <a:srgbClr val="000066"/>
+              <a:rPr lang="zh-TW" altLang="en-US" sz="4800" b="1" dirty="0">
+                <a:solidFill>
+                  <a:srgbClr val="660033"/>
                 </a:solidFill>
                 <a:latin typeface="Microsoft JhengHei" pitchFamily="34" charset="-120"/>
                 <a:ea typeface="Microsoft JhengHei" pitchFamily="34" charset="-120"/>
               </a:rPr>
-              <a:t>主我來就袮  我今來就袮</a:t>
-            </a:r>
-            <a:endParaRPr lang="en-US" altLang="zh-CN" sz="4800" b="1" dirty="0">
+              <a:t>流淚無功效  天堂也無份</a:t>
+            </a:r>
+            <a:endParaRPr lang="en-US" altLang="zh-TW" sz="4800" b="1" dirty="0">
               <a:solidFill>
-                <a:srgbClr val="000066"/>
+                <a:srgbClr val="660033"/>
               </a:solidFill>
               <a:latin typeface="Microsoft JhengHei" pitchFamily="34" charset="-120"/>
               <a:ea typeface="Microsoft JhengHei" pitchFamily="34" charset="-120"/>
             </a:endParaRPr>
           </a:p>
           <a:p>
-            <a:pPr algn="ctr">
+            <a:pPr marL="0" indent="0" algn="ctr">
               <a:buNone/>
             </a:pPr>
             <a:r>
-              <a:rPr lang="zh-CN" altLang="en-US" sz="4800" b="1" dirty="0">
-                <a:solidFill>
-                  <a:srgbClr val="000066"/>
+              <a:rPr lang="zh-TW" altLang="en-US" sz="4800" b="1" dirty="0">
+                <a:solidFill>
+                  <a:srgbClr val="660033"/>
                 </a:solidFill>
                 <a:latin typeface="Microsoft JhengHei" pitchFamily="34" charset="-120"/>
                 <a:ea typeface="Microsoft JhengHei" pitchFamily="34" charset="-120"/>
               </a:rPr>
-              <a:t>救主所流的寶血</a:t>
-            </a:r>
-            <a:r>
-              <a:rPr lang="en-US" altLang="zh-CN" sz="4800" b="1" dirty="0">
-                <a:solidFill>
-                  <a:srgbClr val="000066"/>
-                </a:solidFill>
-                <a:latin typeface="Microsoft JhengHei" pitchFamily="34" charset="-120"/>
-                <a:ea typeface="Microsoft JhengHei" pitchFamily="34" charset="-120"/>
-              </a:rPr>
-              <a:t>  </a:t>
-            </a:r>
-            <a:r>
-              <a:rPr lang="zh-CN" altLang="en-US" sz="4800" b="1" dirty="0">
-                <a:solidFill>
-                  <a:srgbClr val="000066"/>
-                </a:solidFill>
-                <a:latin typeface="Microsoft JhengHei" pitchFamily="34" charset="-120"/>
-                <a:ea typeface="Microsoft JhengHei" pitchFamily="34" charset="-120"/>
-              </a:rPr>
-              <a:t>洗我罪惡清潔</a:t>
-            </a:r>
-            <a:endParaRPr lang="zh-TW" altLang="en-US" sz="4800" b="1" dirty="0">
+              <a:t>主若不救我  必定要沉淪</a:t>
+            </a:r>
+            <a:endParaRPr lang="en-US" altLang="zh-TW" sz="4800" b="1" dirty="0">
               <a:solidFill>
-                <a:srgbClr val="000066"/>
+                <a:srgbClr val="660033"/>
               </a:solidFill>
               <a:latin typeface="Microsoft JhengHei" pitchFamily="34" charset="-120"/>
               <a:ea typeface="Microsoft JhengHei" pitchFamily="34" charset="-120"/>
@@ -7627,16 +7528,69 @@
           </a:p>
         </p:txBody>
       </p:sp>
+      <p:sp>
+        <p:nvSpPr>
+          <p:cNvPr id="3" name="TextBox 2"/>
+          <p:cNvSpPr txBox="1"/>
+          <p:nvPr/>
+        </p:nvSpPr>
+        <p:spPr>
+          <a:xfrm>
+            <a:off x="251520" y="1659230"/>
+            <a:ext cx="936104" cy="830997"/>
+          </a:xfrm>
+          <a:prstGeom prst="rect">
+            <a:avLst/>
+          </a:prstGeom>
+          <a:noFill/>
+        </p:spPr>
+        <p:txBody>
+          <a:bodyPr wrap="square" rtlCol="0">
+            <a:spAutoFit/>
+          </a:bodyPr>
+          <a:lstStyle/>
+          <a:p>
+            <a:r>
+              <a:rPr lang="en-US" sz="4800" b="1" dirty="0" smtClean="0">
+                <a:solidFill>
+                  <a:srgbClr val="660033"/>
+                </a:solidFill>
+              </a:rPr>
+              <a:t>3</a:t>
+            </a:r>
+            <a:r>
+              <a:rPr lang="en-US" sz="4800" b="1" dirty="0" smtClean="0">
+                <a:solidFill>
+                  <a:srgbClr val="660033"/>
+                </a:solidFill>
+              </a:rPr>
+              <a:t>.</a:t>
+            </a:r>
+            <a:endParaRPr lang="vi-VN" sz="4800" b="1" dirty="0">
+              <a:solidFill>
+                <a:srgbClr val="660033"/>
+              </a:solidFill>
+            </a:endParaRPr>
+          </a:p>
+        </p:txBody>
+      </p:sp>
     </p:spTree>
     <p:extLst>
       <p:ext uri="{BB962C8B-B14F-4D97-AF65-F5344CB8AC3E}">
-        <p14:creationId xmlns:p14="http://schemas.microsoft.com/office/powerpoint/2010/main" val="3991296862"/>
+        <p14:creationId xmlns:p14="http://schemas.microsoft.com/office/powerpoint/2010/main" val="1116881060"/>
       </p:ext>
     </p:extLst>
   </p:cSld>
   <p:clrMapOvr>
     <a:masterClrMapping/>
   </p:clrMapOvr>
+  <p:timing>
+    <p:tnLst>
+      <p:par>
+        <p:cTn id="1" dur="indefinite" restart="never" nodeType="tmRoot"/>
+      </p:par>
+    </p:tnLst>
+  </p:timing>
 </p:sld>
 </file>
 
@@ -7675,64 +7629,48 @@
         </p:spPr>
         <p:txBody>
           <a:bodyPr anchor="ctr">
-            <a:normAutofit lnSpcReduction="10000"/>
+            <a:normAutofit/>
           </a:bodyPr>
           <a:lstStyle/>
           <a:p>
-            <a:pPr algn="ctr">
-              <a:lnSpc>
-                <a:spcPct val="110000"/>
-              </a:lnSpc>
+            <a:pPr marL="0" indent="0" algn="ctr">
               <a:buNone/>
             </a:pPr>
             <a:r>
-              <a:rPr lang="zh-CN" altLang="en-US" sz="4800" b="1" dirty="0">
-                <a:solidFill>
-                  <a:srgbClr val="000066"/>
+              <a:rPr lang="zh-TW" altLang="en-US" sz="4800" b="1" dirty="0">
+                <a:solidFill>
+                  <a:srgbClr val="660033"/>
                 </a:solidFill>
                 <a:latin typeface="Microsoft JhengHei" pitchFamily="34" charset="-120"/>
                 <a:ea typeface="Microsoft JhengHei" pitchFamily="34" charset="-120"/>
               </a:rPr>
-              <a:t>美哉贖罪</a:t>
-            </a:r>
-            <a:r>
-              <a:rPr lang="zh-CN" altLang="en-US" sz="4800" b="1" dirty="0" smtClean="0">
-                <a:solidFill>
-                  <a:srgbClr val="000066"/>
-                </a:solidFill>
-                <a:latin typeface="Microsoft JhengHei" pitchFamily="34" charset="-120"/>
-                <a:ea typeface="Microsoft JhengHei" pitchFamily="34" charset="-120"/>
-              </a:rPr>
-              <a:t>寶血</a:t>
-            </a:r>
-            <a:endParaRPr lang="en-US" altLang="zh-CN" sz="4800" b="1" dirty="0">
+              <a:t>罪惡常恐嚇  怕見神面</a:t>
+            </a:r>
+            <a:endParaRPr lang="en-US" altLang="zh-TW" sz="4800" b="1" dirty="0">
               <a:solidFill>
-                <a:srgbClr val="000066"/>
+                <a:srgbClr val="660033"/>
               </a:solidFill>
               <a:latin typeface="Microsoft JhengHei" pitchFamily="34" charset="-120"/>
               <a:ea typeface="Microsoft JhengHei" pitchFamily="34" charset="-120"/>
             </a:endParaRPr>
           </a:p>
           <a:p>
-            <a:pPr algn="ctr">
-              <a:lnSpc>
-                <a:spcPct val="110000"/>
-              </a:lnSpc>
+            <a:pPr marL="0" indent="0" algn="ctr">
               <a:buNone/>
             </a:pPr>
             <a:r>
-              <a:rPr lang="zh-CN" altLang="en-US" sz="4800" b="1" dirty="0" smtClean="0">
-                <a:solidFill>
-                  <a:srgbClr val="000066"/>
+              <a:rPr lang="zh-TW" altLang="en-US" sz="4800" b="1" dirty="0">
+                <a:solidFill>
+                  <a:srgbClr val="660033"/>
                 </a:solidFill>
                 <a:latin typeface="Microsoft JhengHei" pitchFamily="34" charset="-120"/>
                 <a:ea typeface="Microsoft JhengHei" pitchFamily="34" charset="-120"/>
               </a:rPr>
-              <a:t>大哉十架能力</a:t>
-            </a:r>
-            <a:endParaRPr lang="en-US" altLang="zh-CN" sz="4800" b="1" dirty="0">
+              <a:t>我只是個罪人  蒙主恩</a:t>
+            </a:r>
+            <a:endParaRPr lang="zh-TW" altLang="en-US" sz="4800" b="1" dirty="0">
               <a:solidFill>
-                <a:srgbClr val="000066"/>
+                <a:srgbClr val="660033"/>
               </a:solidFill>
               <a:latin typeface="Microsoft JhengHei" pitchFamily="34" charset="-120"/>
               <a:ea typeface="Microsoft JhengHei" pitchFamily="34" charset="-120"/>
@@ -7748,7 +7686,7 @@
         </p:nvSpPr>
         <p:spPr>
           <a:xfrm>
-            <a:off x="827584" y="1661525"/>
+            <a:off x="251520" y="1659230"/>
             <a:ext cx="936104" cy="830997"/>
           </a:xfrm>
           <a:prstGeom prst="rect">
@@ -7763,24 +7701,24 @@
           <a:lstStyle/>
           <a:p>
             <a:r>
-              <a:rPr lang="en-US" sz="4800" b="1" dirty="0">
-                <a:solidFill>
-                  <a:srgbClr val="000066"/>
-                </a:solidFill>
-              </a:rPr>
-              <a:t>4</a:t>
-            </a:r>
-            <a:r>
               <a:rPr lang="en-US" sz="4800" b="1" dirty="0" smtClean="0">
                 <a:solidFill>
-                  <a:srgbClr val="000066"/>
+                  <a:srgbClr val="660033"/>
+                </a:solidFill>
+              </a:rPr>
+              <a:t>3</a:t>
+            </a:r>
+            <a:r>
+              <a:rPr lang="en-US" sz="4800" b="1" dirty="0" smtClean="0">
+                <a:solidFill>
+                  <a:srgbClr val="660033"/>
                 </a:solidFill>
               </a:rPr>
               <a:t>.</a:t>
             </a:r>
             <a:endParaRPr lang="vi-VN" sz="4800" b="1" dirty="0">
               <a:solidFill>
-                <a:srgbClr val="000066"/>
+                <a:srgbClr val="660033"/>
               </a:solidFill>
             </a:endParaRPr>
           </a:p>
@@ -7789,13 +7727,20 @@
     </p:spTree>
     <p:extLst>
       <p:ext uri="{BB962C8B-B14F-4D97-AF65-F5344CB8AC3E}">
-        <p14:creationId xmlns:p14="http://schemas.microsoft.com/office/powerpoint/2010/main" val="3916208534"/>
+        <p14:creationId xmlns:p14="http://schemas.microsoft.com/office/powerpoint/2010/main" val="2925648136"/>
       </p:ext>
     </p:extLst>
   </p:cSld>
   <p:clrMapOvr>
     <a:masterClrMapping/>
   </p:clrMapOvr>
+  <p:timing>
+    <p:tnLst>
+      <p:par>
+        <p:cTn id="1" dur="indefinite" restart="never" nodeType="tmRoot"/>
+      </p:par>
+    </p:tnLst>
+  </p:timing>
 </p:sld>
 </file>
 
@@ -7834,54 +7779,48 @@
         </p:spPr>
         <p:txBody>
           <a:bodyPr anchor="ctr">
-            <a:normAutofit lnSpcReduction="10000"/>
+            <a:normAutofit/>
           </a:bodyPr>
           <a:lstStyle/>
           <a:p>
-            <a:pPr algn="ctr">
-              <a:lnSpc>
-                <a:spcPct val="110000"/>
-              </a:lnSpc>
+            <a:pPr marL="0" indent="0" algn="ctr">
               <a:buNone/>
             </a:pPr>
             <a:r>
-              <a:rPr lang="zh-CN" altLang="en-US" sz="4800" b="1" dirty="0">
-                <a:solidFill>
-                  <a:srgbClr val="000066"/>
+              <a:rPr lang="zh-TW" altLang="en-US" sz="4800" b="1" dirty="0">
+                <a:solidFill>
+                  <a:srgbClr val="660033"/>
                 </a:solidFill>
                 <a:latin typeface="Microsoft JhengHei" pitchFamily="34" charset="-120"/>
                 <a:ea typeface="Microsoft JhengHei" pitchFamily="34" charset="-120"/>
               </a:rPr>
-              <a:t>奇哉耶穌替我受死</a:t>
-            </a:r>
-            <a:endParaRPr lang="en-US" altLang="zh-CN" sz="4800" b="1" dirty="0">
+              <a:t>我是個罪人蒙恩典</a:t>
+            </a:r>
+            <a:endParaRPr lang="en-US" altLang="zh-TW" sz="4800" b="1" dirty="0">
               <a:solidFill>
-                <a:srgbClr val="000066"/>
+                <a:srgbClr val="660033"/>
               </a:solidFill>
               <a:latin typeface="Microsoft JhengHei" pitchFamily="34" charset="-120"/>
               <a:ea typeface="Microsoft JhengHei" pitchFamily="34" charset="-120"/>
             </a:endParaRPr>
           </a:p>
           <a:p>
-            <a:pPr algn="ctr">
-              <a:lnSpc>
-                <a:spcPct val="110000"/>
-              </a:lnSpc>
+            <a:pPr marL="0" indent="0" algn="ctr">
               <a:buNone/>
             </a:pPr>
             <a:r>
-              <a:rPr lang="zh-CN" altLang="en-US" sz="4800" b="1" dirty="0">
-                <a:solidFill>
-                  <a:srgbClr val="000066"/>
+              <a:rPr lang="zh-TW" altLang="en-US" sz="4800" b="1" dirty="0">
+                <a:solidFill>
+                  <a:srgbClr val="660033"/>
                 </a:solidFill>
                 <a:latin typeface="Microsoft JhengHei" pitchFamily="34" charset="-120"/>
                 <a:ea typeface="Microsoft JhengHei" pitchFamily="34" charset="-120"/>
               </a:rPr>
-              <a:t>我要愛主到底</a:t>
-            </a:r>
-            <a:endParaRPr lang="en-US" altLang="zh-CN" sz="4800" b="1" dirty="0">
+              <a:t>一切的罪惡得赦免</a:t>
+            </a:r>
+            <a:endParaRPr lang="en-US" altLang="zh-TW" sz="4800" b="1" dirty="0">
               <a:solidFill>
-                <a:srgbClr val="000066"/>
+                <a:srgbClr val="660033"/>
               </a:solidFill>
               <a:latin typeface="Microsoft JhengHei" pitchFamily="34" charset="-120"/>
               <a:ea typeface="Microsoft JhengHei" pitchFamily="34" charset="-120"/>
@@ -7889,62 +7828,23 @@
           </a:p>
         </p:txBody>
       </p:sp>
-      <p:sp>
-        <p:nvSpPr>
-          <p:cNvPr id="3" name="TextBox 2"/>
-          <p:cNvSpPr txBox="1"/>
-          <p:nvPr/>
-        </p:nvSpPr>
-        <p:spPr>
-          <a:xfrm>
-            <a:off x="827584" y="1661525"/>
-            <a:ext cx="936104" cy="830997"/>
-          </a:xfrm>
-          <a:prstGeom prst="rect">
-            <a:avLst/>
-          </a:prstGeom>
-          <a:noFill/>
-        </p:spPr>
-        <p:txBody>
-          <a:bodyPr wrap="square" rtlCol="0">
-            <a:spAutoFit/>
-          </a:bodyPr>
-          <a:lstStyle/>
-          <a:p>
-            <a:r>
-              <a:rPr lang="en-US" sz="4800" b="1" dirty="0">
-                <a:solidFill>
-                  <a:srgbClr val="000066"/>
-                </a:solidFill>
-              </a:rPr>
-              <a:t>4</a:t>
-            </a:r>
-            <a:r>
-              <a:rPr lang="en-US" sz="4800" b="1" dirty="0" smtClean="0">
-                <a:solidFill>
-                  <a:srgbClr val="000066"/>
-                </a:solidFill>
-              </a:rPr>
-              <a:t>.</a:t>
-            </a:r>
-            <a:endParaRPr lang="vi-VN" sz="4800" b="1" dirty="0">
-              <a:solidFill>
-                <a:srgbClr val="000066"/>
-              </a:solidFill>
-            </a:endParaRPr>
-          </a:p>
-        </p:txBody>
-      </p:sp>
     </p:spTree>
     <p:extLst>
       <p:ext uri="{BB962C8B-B14F-4D97-AF65-F5344CB8AC3E}">
-        <p14:creationId xmlns:p14="http://schemas.microsoft.com/office/powerpoint/2010/main" val="3474531238"/>
+        <p14:creationId xmlns:p14="http://schemas.microsoft.com/office/powerpoint/2010/main" val="2844396054"/>
       </p:ext>
     </p:extLst>
   </p:cSld>
   <p:clrMapOvr>
     <a:masterClrMapping/>
   </p:clrMapOvr>
+  <p:timing>
+    <p:tnLst>
+      <p:par>
+        <p:cTn id="1" dur="indefinite" restart="never" nodeType="tmRoot"/>
+      </p:par>
+    </p:tnLst>
+  </p:timing>
 </p:sld>
 </file>
 
@@ -7987,64 +7887,64 @@
           </a:bodyPr>
           <a:lstStyle/>
           <a:p>
-            <a:pPr algn="ctr">
+            <a:pPr marL="0" indent="0" algn="ctr">
               <a:buNone/>
             </a:pPr>
             <a:r>
-              <a:rPr lang="zh-CN" altLang="en-US" sz="4800" b="1" dirty="0">
-                <a:solidFill>
-                  <a:srgbClr val="000066"/>
+              <a:rPr lang="zh-TW" altLang="en-US" sz="4800" b="1" dirty="0">
+                <a:solidFill>
+                  <a:srgbClr val="660033"/>
                 </a:solidFill>
                 <a:latin typeface="Microsoft JhengHei" pitchFamily="34" charset="-120"/>
                 <a:ea typeface="Microsoft JhengHei" pitchFamily="34" charset="-120"/>
               </a:rPr>
-              <a:t>主我來就袮  我今來就袮</a:t>
-            </a:r>
-            <a:endParaRPr lang="en-US" altLang="zh-CN" sz="4800" b="1" dirty="0">
+              <a:t>讚美主耶穌 </a:t>
+            </a:r>
+            <a:r>
+              <a:rPr lang="zh-TW" altLang="en-US" sz="4800" b="1" dirty="0" smtClean="0">
+                <a:solidFill>
+                  <a:srgbClr val="660033"/>
+                </a:solidFill>
+                <a:latin typeface="Microsoft JhengHei" pitchFamily="34" charset="-120"/>
+                <a:ea typeface="Microsoft JhengHei" pitchFamily="34" charset="-120"/>
+              </a:rPr>
+              <a:t> </a:t>
+            </a:r>
+            <a:r>
+              <a:rPr lang="zh-TW" altLang="en-US" sz="4800" b="1" dirty="0">
+                <a:solidFill>
+                  <a:srgbClr val="660033"/>
+                </a:solidFill>
+                <a:latin typeface="Microsoft JhengHei" pitchFamily="34" charset="-120"/>
+                <a:ea typeface="Microsoft JhengHei" pitchFamily="34" charset="-120"/>
+              </a:rPr>
+              <a:t>榮耀都歸耶穌</a:t>
+            </a:r>
+            <a:endParaRPr lang="en-US" altLang="zh-TW" sz="4800" b="1" dirty="0">
               <a:solidFill>
-                <a:srgbClr val="000066"/>
+                <a:srgbClr val="660033"/>
               </a:solidFill>
               <a:latin typeface="Microsoft JhengHei" pitchFamily="34" charset="-120"/>
               <a:ea typeface="Microsoft JhengHei" pitchFamily="34" charset="-120"/>
             </a:endParaRPr>
           </a:p>
           <a:p>
-            <a:pPr algn="ctr">
+            <a:pPr marL="0" indent="0" algn="ctr">
               <a:buNone/>
             </a:pPr>
             <a:r>
-              <a:rPr lang="zh-CN" altLang="en-US" sz="4800" b="1" dirty="0">
-                <a:solidFill>
-                  <a:srgbClr val="000066"/>
+              <a:rPr lang="zh-TW" altLang="en-US" sz="4800" b="1" dirty="0">
+                <a:solidFill>
+                  <a:srgbClr val="660033"/>
                 </a:solidFill>
                 <a:latin typeface="Microsoft JhengHei" pitchFamily="34" charset="-120"/>
                 <a:ea typeface="Microsoft JhengHei" pitchFamily="34" charset="-120"/>
               </a:rPr>
-              <a:t>救主所流的寶血</a:t>
-            </a:r>
-            <a:r>
-              <a:rPr lang="en-US" altLang="zh-CN" sz="4800" b="1" dirty="0">
-                <a:solidFill>
-                  <a:srgbClr val="000066"/>
-                </a:solidFill>
-                <a:latin typeface="Microsoft JhengHei" pitchFamily="34" charset="-120"/>
-                <a:ea typeface="Microsoft JhengHei" pitchFamily="34" charset="-120"/>
-              </a:rPr>
-              <a:t>  </a:t>
-            </a:r>
-            <a:r>
-              <a:rPr lang="zh-CN" altLang="en-US" sz="4800" b="1" dirty="0">
-                <a:solidFill>
-                  <a:srgbClr val="000066"/>
-                </a:solidFill>
-                <a:latin typeface="Microsoft JhengHei" pitchFamily="34" charset="-120"/>
-                <a:ea typeface="Microsoft JhengHei" pitchFamily="34" charset="-120"/>
-              </a:rPr>
-              <a:t>洗我罪惡清潔</a:t>
+              <a:t>我只是個罪人蒙救恩</a:t>
             </a:r>
             <a:endParaRPr lang="zh-TW" altLang="en-US" sz="4800" b="1" dirty="0">
               <a:solidFill>
-                <a:srgbClr val="000066"/>
+                <a:srgbClr val="660033"/>
               </a:solidFill>
               <a:latin typeface="Microsoft JhengHei" pitchFamily="34" charset="-120"/>
               <a:ea typeface="Microsoft JhengHei" pitchFamily="34" charset="-120"/>
@@ -8055,13 +7955,20 @@
     </p:spTree>
     <p:extLst>
       <p:ext uri="{BB962C8B-B14F-4D97-AF65-F5344CB8AC3E}">
-        <p14:creationId xmlns:p14="http://schemas.microsoft.com/office/powerpoint/2010/main" val="338961698"/>
+        <p14:creationId xmlns:p14="http://schemas.microsoft.com/office/powerpoint/2010/main" val="1803484428"/>
       </p:ext>
     </p:extLst>
   </p:cSld>
   <p:clrMapOvr>
     <a:masterClrMapping/>
   </p:clrMapOvr>
+  <p:timing>
+    <p:tnLst>
+      <p:par>
+        <p:cTn id="1" dur="indefinite" restart="never" nodeType="tmRoot"/>
+      </p:par>
+    </p:tnLst>
+  </p:timing>
 </p:sld>
 </file>
 
@@ -8084,134 +7991,181 @@
       </p:grpSpPr>
       <p:sp>
         <p:nvSpPr>
-          <p:cNvPr id="4" name="標題 3"/>
-          <p:cNvSpPr>
-            <a:spLocks noGrp="1"/>
-          </p:cNvSpPr>
-          <p:nvPr>
-            <p:ph type="title"/>
+          <p:cNvPr id="5" name="內容版面配置區 4"/>
+          <p:cNvSpPr>
+            <a:spLocks noGrp="1"/>
+          </p:cNvSpPr>
+          <p:nvPr>
+            <p:ph idx="1"/>
           </p:nvPr>
         </p:nvSpPr>
         <p:spPr>
           <a:xfrm>
-            <a:off x="0" y="2143135"/>
-            <a:ext cx="9144000" cy="857250"/>
+            <a:off x="0" y="1563638"/>
+            <a:ext cx="9144000" cy="1803647"/>
           </a:xfrm>
         </p:spPr>
         <p:txBody>
-          <a:bodyPr>
-            <a:noAutofit/>
+          <a:bodyPr anchor="ctr">
+            <a:normAutofit/>
           </a:bodyPr>
           <a:lstStyle/>
           <a:p>
-            <a:r>
-              <a:rPr lang="zh-CN" altLang="en-US" sz="4000" b="1" u="sng" dirty="0" smtClean="0">
-                <a:solidFill>
-                  <a:srgbClr val="000066"/>
-                </a:solidFill>
-                <a:effectLst>
-                  <a:outerShdw blurRad="38100" dist="38100" dir="2700000" algn="tl">
-                    <a:srgbClr val="000000">
-                      <a:alpha val="43137"/>
-                    </a:srgbClr>
-                  </a:outerShdw>
-                </a:effectLst>
-                <a:latin typeface="微軟正黑體" pitchFamily="34" charset="-120"/>
-                <a:ea typeface="微軟正黑體" pitchFamily="34" charset="-120"/>
-              </a:rPr>
-              <a:t>宣道詩 </a:t>
-            </a:r>
-            <a:r>
-              <a:rPr lang="en-US" altLang="zh-CN" sz="4000" b="1" u="sng" dirty="0" smtClean="0">
-                <a:solidFill>
-                  <a:srgbClr val="000066"/>
-                </a:solidFill>
-                <a:effectLst>
-                  <a:outerShdw blurRad="38100" dist="38100" dir="2700000" algn="tl">
-                    <a:srgbClr val="000000">
-                      <a:alpha val="43137"/>
-                    </a:srgbClr>
-                  </a:outerShdw>
-                </a:effectLst>
-                <a:latin typeface="微軟正黑體" pitchFamily="34" charset="-120"/>
-                <a:ea typeface="微軟正黑體" pitchFamily="34" charset="-120"/>
-              </a:rPr>
-              <a:t>212</a:t>
-            </a:r>
-            <a:r>
-              <a:rPr lang="en-US" altLang="zh-CN" sz="5400" b="1" i="1" dirty="0" smtClean="0">
-                <a:solidFill>
-                  <a:srgbClr val="660033"/>
-                </a:solidFill>
-                <a:effectLst>
-                  <a:outerShdw blurRad="38100" dist="38100" dir="2700000" algn="tl">
-                    <a:srgbClr val="000000">
-                      <a:alpha val="43137"/>
-                    </a:srgbClr>
-                  </a:outerShdw>
-                </a:effectLst>
-                <a:latin typeface="微軟正黑體" pitchFamily="34" charset="-120"/>
-                <a:ea typeface="微軟正黑體" pitchFamily="34" charset="-120"/>
-              </a:rPr>
-              <a:t/>
-            </a:r>
-            <a:br>
-              <a:rPr lang="en-US" altLang="zh-CN" sz="5400" b="1" i="1" dirty="0" smtClean="0">
-                <a:solidFill>
-                  <a:srgbClr val="660033"/>
-                </a:solidFill>
-                <a:effectLst>
-                  <a:outerShdw blurRad="38100" dist="38100" dir="2700000" algn="tl">
-                    <a:srgbClr val="000000">
-                      <a:alpha val="43137"/>
-                    </a:srgbClr>
-                  </a:outerShdw>
-                </a:effectLst>
-                <a:latin typeface="微軟正黑體" pitchFamily="34" charset="-120"/>
-                <a:ea typeface="微軟正黑體" pitchFamily="34" charset="-120"/>
-              </a:rPr>
-            </a:br>
-            <a:r>
-              <a:rPr lang="zh-TW" altLang="en-US" sz="6000" b="1" dirty="0" smtClean="0">
-                <a:solidFill>
-                  <a:srgbClr val="660033"/>
-                </a:solidFill>
-                <a:effectLst>
-                  <a:outerShdw blurRad="38100" dist="38100" dir="2700000" algn="tl">
-                    <a:srgbClr val="000000">
-                      <a:alpha val="43137"/>
-                    </a:srgbClr>
-                  </a:outerShdw>
-                </a:effectLst>
-                <a:latin typeface="微軟正黑體" pitchFamily="34" charset="-120"/>
-                <a:ea typeface="微軟正黑體" pitchFamily="34" charset="-120"/>
-              </a:rPr>
-              <a:t>親</a:t>
-            </a:r>
-            <a:r>
-              <a:rPr lang="zh-TW" altLang="en-US" sz="6000" b="1" dirty="0">
-                <a:solidFill>
-                  <a:srgbClr val="660033"/>
-                </a:solidFill>
-                <a:effectLst>
-                  <a:outerShdw blurRad="38100" dist="38100" dir="2700000" algn="tl">
-                    <a:srgbClr val="000000">
-                      <a:alpha val="43137"/>
-                    </a:srgbClr>
-                  </a:outerShdw>
-                </a:effectLst>
-                <a:latin typeface="微軟正黑體" pitchFamily="34" charset="-120"/>
-                <a:ea typeface="微軟正黑體" pitchFamily="34" charset="-120"/>
-              </a:rPr>
-              <a:t>愛耶穌</a:t>
-            </a:r>
+            <a:pPr marL="0" indent="0" algn="ctr">
+              <a:buNone/>
+            </a:pPr>
+            <a:r>
+              <a:rPr lang="zh-TW" altLang="en-US" sz="4800" b="1" dirty="0">
+                <a:solidFill>
+                  <a:srgbClr val="660033"/>
+                </a:solidFill>
+                <a:latin typeface="Microsoft JhengHei" pitchFamily="34" charset="-120"/>
+                <a:ea typeface="Microsoft JhengHei" pitchFamily="34" charset="-120"/>
+              </a:rPr>
+              <a:t>諒我</a:t>
+            </a:r>
+            <a:r>
+              <a:rPr lang="zh-CN" altLang="en-US" sz="4800" b="1" dirty="0">
+                <a:solidFill>
+                  <a:srgbClr val="660033"/>
+                </a:solidFill>
+                <a:latin typeface="Microsoft JhengHei" pitchFamily="34" charset="-120"/>
+                <a:ea typeface="Microsoft JhengHei" pitchFamily="34" charset="-120"/>
+              </a:rPr>
+              <a:t>這</a:t>
+            </a:r>
+            <a:r>
+              <a:rPr lang="zh-TW" altLang="en-US" sz="4800" b="1" dirty="0">
+                <a:solidFill>
+                  <a:srgbClr val="660033"/>
+                </a:solidFill>
+                <a:latin typeface="Microsoft JhengHei" pitchFamily="34" charset="-120"/>
+                <a:ea typeface="Microsoft JhengHei" pitchFamily="34" charset="-120"/>
+              </a:rPr>
+              <a:t>罪人  </a:t>
+            </a:r>
+            <a:r>
+              <a:rPr lang="zh-TW" altLang="en-US" sz="4800" b="1" dirty="0" smtClean="0">
+                <a:solidFill>
+                  <a:srgbClr val="660033"/>
+                </a:solidFill>
+                <a:latin typeface="Microsoft JhengHei" pitchFamily="34" charset="-120"/>
+                <a:ea typeface="Microsoft JhengHei" pitchFamily="34" charset="-120"/>
+              </a:rPr>
+              <a:t>情</a:t>
+            </a:r>
+            <a:r>
+              <a:rPr lang="zh-TW" altLang="en-US" sz="4800" b="1" dirty="0">
+                <a:solidFill>
+                  <a:srgbClr val="660033"/>
+                </a:solidFill>
+                <a:latin typeface="Microsoft JhengHei" pitchFamily="34" charset="-120"/>
+                <a:ea typeface="Microsoft JhengHei" pitchFamily="34" charset="-120"/>
+              </a:rPr>
+              <a:t>不能自禁</a:t>
+            </a:r>
+            <a:endParaRPr lang="en-US" altLang="zh-TW" sz="4800" b="1" dirty="0">
+              <a:solidFill>
+                <a:srgbClr val="660033"/>
+              </a:solidFill>
+              <a:latin typeface="Microsoft JhengHei" pitchFamily="34" charset="-120"/>
+              <a:ea typeface="Microsoft JhengHei" pitchFamily="34" charset="-120"/>
+            </a:endParaRPr>
+          </a:p>
+          <a:p>
+            <a:pPr marL="0" indent="0" algn="ctr">
+              <a:buNone/>
+            </a:pPr>
+            <a:r>
+              <a:rPr lang="zh-TW" altLang="en-US" sz="4800" b="1" dirty="0">
+                <a:solidFill>
+                  <a:srgbClr val="660033"/>
+                </a:solidFill>
+                <a:latin typeface="Microsoft JhengHei" pitchFamily="34" charset="-120"/>
+                <a:ea typeface="Microsoft JhengHei" pitchFamily="34" charset="-120"/>
+              </a:rPr>
+              <a:t>只因深愛主  </a:t>
+            </a:r>
+            <a:r>
+              <a:rPr lang="zh-TW" altLang="en-US" sz="4800" b="1" dirty="0" smtClean="0">
+                <a:solidFill>
+                  <a:srgbClr val="660033"/>
+                </a:solidFill>
+                <a:latin typeface="Microsoft JhengHei" pitchFamily="34" charset="-120"/>
+                <a:ea typeface="Microsoft JhengHei" pitchFamily="34" charset="-120"/>
+              </a:rPr>
+              <a:t>喜</a:t>
+            </a:r>
+            <a:r>
+              <a:rPr lang="zh-TW" altLang="en-US" sz="4800" b="1" dirty="0">
+                <a:solidFill>
+                  <a:srgbClr val="660033"/>
+                </a:solidFill>
+                <a:latin typeface="Microsoft JhengHei" pitchFamily="34" charset="-120"/>
+                <a:ea typeface="Microsoft JhengHei" pitchFamily="34" charset="-120"/>
+              </a:rPr>
+              <a:t>樂滿我心</a:t>
+            </a:r>
+            <a:endParaRPr lang="en-US" altLang="zh-TW" sz="4800" b="1" dirty="0">
+              <a:solidFill>
+                <a:srgbClr val="660033"/>
+              </a:solidFill>
+              <a:latin typeface="Microsoft JhengHei" pitchFamily="34" charset="-120"/>
+              <a:ea typeface="Microsoft JhengHei" pitchFamily="34" charset="-120"/>
+            </a:endParaRPr>
+          </a:p>
+        </p:txBody>
+      </p:sp>
+      <p:sp>
+        <p:nvSpPr>
+          <p:cNvPr id="3" name="TextBox 2"/>
+          <p:cNvSpPr txBox="1"/>
+          <p:nvPr/>
+        </p:nvSpPr>
+        <p:spPr>
+          <a:xfrm>
+            <a:off x="251520" y="1659230"/>
+            <a:ext cx="936104" cy="830997"/>
+          </a:xfrm>
+          <a:prstGeom prst="rect">
+            <a:avLst/>
+          </a:prstGeom>
+          <a:noFill/>
+        </p:spPr>
+        <p:txBody>
+          <a:bodyPr wrap="square" rtlCol="0">
+            <a:spAutoFit/>
+          </a:bodyPr>
+          <a:lstStyle/>
+          <a:p>
+            <a:r>
+              <a:rPr lang="en-US" sz="4800" b="1" dirty="0">
+                <a:solidFill>
+                  <a:srgbClr val="660033"/>
+                </a:solidFill>
+              </a:rPr>
+              <a:t>4</a:t>
+            </a:r>
+            <a:r>
+              <a:rPr lang="en-US" sz="4800" b="1" dirty="0" smtClean="0">
+                <a:solidFill>
+                  <a:srgbClr val="660033"/>
+                </a:solidFill>
+              </a:rPr>
+              <a:t>.</a:t>
+            </a:r>
+            <a:endParaRPr lang="vi-VN" sz="4800" b="1" dirty="0">
+              <a:solidFill>
+                <a:srgbClr val="660033"/>
+              </a:solidFill>
+            </a:endParaRPr>
           </a:p>
         </p:txBody>
       </p:sp>
     </p:spTree>
     <p:extLst>
       <p:ext uri="{BB962C8B-B14F-4D97-AF65-F5344CB8AC3E}">
-        <p14:creationId xmlns:p14="http://schemas.microsoft.com/office/powerpoint/2010/main" val="2241400095"/>
+        <p14:creationId xmlns:p14="http://schemas.microsoft.com/office/powerpoint/2010/main" val="624525261"/>
       </p:ext>
     </p:extLst>
   </p:cSld>
@@ -8267,7 +8221,7 @@
           </a:bodyPr>
           <a:lstStyle/>
           <a:p>
-            <a:pPr lvl="0" algn="ctr">
+            <a:pPr marL="0" indent="0" algn="ctr">
               <a:buNone/>
             </a:pPr>
             <a:r>
@@ -8275,83 +8229,40 @@
                 <a:solidFill>
                   <a:srgbClr val="660033"/>
                 </a:solidFill>
-                <a:latin typeface="微軟正黑體" pitchFamily="34" charset="-120"/>
-                <a:ea typeface="微軟正黑體" pitchFamily="34" charset="-120"/>
-              </a:rPr>
-              <a:t>主耶穌我愛</a:t>
-            </a:r>
-            <a:r>
-              <a:rPr lang="zh-CN" altLang="en-US" sz="4800" b="1" dirty="0">
-                <a:solidFill>
-                  <a:srgbClr val="660033"/>
-                </a:solidFill>
-                <a:latin typeface="微軟正黑體" pitchFamily="34" charset="-120"/>
-                <a:ea typeface="微軟正黑體" pitchFamily="34" charset="-120"/>
-              </a:rPr>
-              <a:t>袮</a:t>
-            </a:r>
+                <a:latin typeface="Microsoft JhengHei" pitchFamily="34" charset="-120"/>
+                <a:ea typeface="Microsoft JhengHei" pitchFamily="34" charset="-120"/>
+              </a:rPr>
+              <a:t>讓我再說明  高聲謳吟</a:t>
+            </a:r>
+            <a:endParaRPr lang="en-US" altLang="zh-TW" sz="4800" b="1" dirty="0">
+              <a:solidFill>
+                <a:srgbClr val="660033"/>
+              </a:solidFill>
+              <a:latin typeface="Microsoft JhengHei" pitchFamily="34" charset="-120"/>
+              <a:ea typeface="Microsoft JhengHei" pitchFamily="34" charset="-120"/>
+            </a:endParaRPr>
+          </a:p>
+          <a:p>
+            <a:pPr marL="0" indent="0" algn="ctr">
+              <a:buNone/>
+            </a:pPr>
             <a:r>
               <a:rPr lang="zh-TW" altLang="en-US" sz="4800" b="1" dirty="0">
                 <a:solidFill>
                   <a:srgbClr val="660033"/>
                 </a:solidFill>
-                <a:latin typeface="微軟正黑體" pitchFamily="34" charset="-120"/>
-                <a:ea typeface="微軟正黑體" pitchFamily="34" charset="-120"/>
-              </a:rPr>
-              <a:t> 深知我屬</a:t>
-            </a:r>
-            <a:r>
-              <a:rPr lang="zh-CN" altLang="en-US" sz="4800" b="1" dirty="0">
-                <a:solidFill>
-                  <a:srgbClr val="660033"/>
-                </a:solidFill>
-                <a:latin typeface="微軟正黑體" pitchFamily="34" charset="-120"/>
-                <a:ea typeface="微軟正黑體" pitchFamily="34" charset="-120"/>
-              </a:rPr>
-              <a:t>袮</a:t>
+                <a:latin typeface="Microsoft JhengHei" pitchFamily="34" charset="-120"/>
+                <a:ea typeface="Microsoft JhengHei" pitchFamily="34" charset="-120"/>
+              </a:rPr>
+              <a:t>我只是個罪人  蒙主恩</a:t>
             </a:r>
             <a:endParaRPr lang="zh-TW" altLang="en-US" sz="4800" b="1" dirty="0">
               <a:solidFill>
                 <a:srgbClr val="660033"/>
               </a:solidFill>
-              <a:latin typeface="微軟正黑體" pitchFamily="34" charset="-120"/>
-              <a:ea typeface="微軟正黑體" pitchFamily="34" charset="-120"/>
+              <a:latin typeface="Microsoft JhengHei" pitchFamily="34" charset="-120"/>
+              <a:ea typeface="Microsoft JhengHei" pitchFamily="34" charset="-120"/>
             </a:endParaRPr>
-          </a:p>
-          <a:p>
-            <a:pPr algn="ctr">
-              <a:buNone/>
-            </a:pPr>
-            <a:r>
-              <a:rPr lang="zh-TW" altLang="en-US" sz="4800" b="1" dirty="0">
-                <a:solidFill>
-                  <a:srgbClr val="660033"/>
-                </a:solidFill>
-                <a:latin typeface="微軟正黑體" pitchFamily="34" charset="-120"/>
-                <a:ea typeface="微軟正黑體" pitchFamily="34" charset="-120"/>
-              </a:rPr>
-              <a:t>世上諸樂趣願為</a:t>
-            </a:r>
-            <a:r>
-              <a:rPr lang="zh-CN" altLang="en-US" sz="4800" b="1" dirty="0">
-                <a:solidFill>
-                  <a:srgbClr val="660033"/>
-                </a:solidFill>
-                <a:latin typeface="微軟正黑體" pitchFamily="34" charset="-120"/>
-                <a:ea typeface="微軟正黑體" pitchFamily="34" charset="-120"/>
-              </a:rPr>
-              <a:t>袮</a:t>
-            </a:r>
-            <a:r>
-              <a:rPr lang="zh-TW" altLang="en-US" sz="4800" b="1" dirty="0">
-                <a:solidFill>
-                  <a:srgbClr val="660033"/>
-                </a:solidFill>
-                <a:latin typeface="微軟正黑體" pitchFamily="34" charset="-120"/>
-                <a:ea typeface="微軟正黑體" pitchFamily="34" charset="-120"/>
-              </a:rPr>
-              <a:t>全丟棄</a:t>
-            </a:r>
           </a:p>
         </p:txBody>
       </p:sp>
@@ -8378,12 +8289,20 @@
           <a:lstStyle/>
           <a:p>
             <a:r>
+              <a:rPr lang="en-US" sz="4800" b="1" dirty="0">
+                <a:solidFill>
+                  <a:srgbClr val="660033"/>
+                </a:solidFill>
+              </a:rPr>
+              <a:t>4</a:t>
+            </a:r>
+            <a:r>
               <a:rPr lang="en-US" sz="4800" b="1" dirty="0" smtClean="0">
                 <a:solidFill>
                   <a:srgbClr val="660033"/>
                 </a:solidFill>
               </a:rPr>
-              <a:t>1.</a:t>
+              <a:t>.</a:t>
             </a:r>
             <a:endParaRPr lang="vi-VN" sz="4800" b="1" dirty="0">
               <a:solidFill>
@@ -8396,13 +8315,20 @@
     </p:spTree>
     <p:extLst>
       <p:ext uri="{BB962C8B-B14F-4D97-AF65-F5344CB8AC3E}">
-        <p14:creationId xmlns:p14="http://schemas.microsoft.com/office/powerpoint/2010/main" val="2214301614"/>
+        <p14:creationId xmlns:p14="http://schemas.microsoft.com/office/powerpoint/2010/main" val="814181405"/>
       </p:ext>
     </p:extLst>
   </p:cSld>
   <p:clrMapOvr>
     <a:masterClrMapping/>
   </p:clrMapOvr>
+  <p:timing>
+    <p:tnLst>
+      <p:par>
+        <p:cTn id="1" dur="indefinite" restart="never" nodeType="tmRoot"/>
+      </p:par>
+    </p:tnLst>
+  </p:timing>
 </p:sld>
 </file>
 
@@ -8445,81 +8371,47 @@
           </a:bodyPr>
           <a:lstStyle/>
           <a:p>
-            <a:pPr algn="ctr">
+            <a:pPr marL="0" indent="0" algn="ctr">
               <a:buNone/>
             </a:pPr>
             <a:r>
-              <a:rPr lang="zh-CN" altLang="en-US" sz="4800" b="1" dirty="0">
-                <a:solidFill>
-                  <a:srgbClr val="660033"/>
-                </a:solidFill>
-                <a:latin typeface="微軟正黑體" pitchFamily="34" charset="-120"/>
-                <a:ea typeface="微軟正黑體" pitchFamily="34" charset="-120"/>
-              </a:rPr>
-              <a:t>袮</a:t>
-            </a:r>
-            <a:r>
               <a:rPr lang="zh-TW" altLang="en-US" sz="4800" b="1" dirty="0">
                 <a:solidFill>
                   <a:srgbClr val="660033"/>
                 </a:solidFill>
-                <a:latin typeface="微軟正黑體" pitchFamily="34" charset="-120"/>
-                <a:ea typeface="微軟正黑體" pitchFamily="34" charset="-120"/>
-              </a:rPr>
-              <a:t>是我救主為我還清罪債</a:t>
-            </a:r>
-          </a:p>
-          <a:p>
-            <a:pPr algn="ctr">
-              <a:buNone/>
-            </a:pPr>
-            <a:r>
-              <a:rPr lang="zh-TW" altLang="en-US" sz="4800" b="1" dirty="0">
-                <a:solidFill>
-                  <a:srgbClr val="660033"/>
-                </a:solidFill>
-                <a:latin typeface="微軟正黑體" pitchFamily="34" charset="-120"/>
-                <a:ea typeface="微軟正黑體" pitchFamily="34" charset="-120"/>
-              </a:rPr>
-              <a:t>若我曾愛救主 於今更親愛</a:t>
-            </a:r>
-          </a:p>
-        </p:txBody>
-      </p:sp>
-      <p:sp>
-        <p:nvSpPr>
-          <p:cNvPr id="3" name="TextBox 2"/>
-          <p:cNvSpPr txBox="1"/>
-          <p:nvPr/>
-        </p:nvSpPr>
-        <p:spPr>
-          <a:xfrm>
-            <a:off x="251520" y="1659230"/>
-            <a:ext cx="936104" cy="830997"/>
-          </a:xfrm>
-          <a:prstGeom prst="rect">
-            <a:avLst/>
-          </a:prstGeom>
-          <a:noFill/>
-        </p:spPr>
-        <p:txBody>
-          <a:bodyPr wrap="square" rtlCol="0">
-            <a:spAutoFit/>
-          </a:bodyPr>
-          <a:lstStyle/>
-          <a:p>
-            <a:r>
-              <a:rPr lang="en-US" sz="4800" b="1" dirty="0" smtClean="0">
-                <a:solidFill>
-                  <a:srgbClr val="660033"/>
-                </a:solidFill>
-              </a:rPr>
-              <a:t>1.</a:t>
-            </a:r>
-            <a:endParaRPr lang="vi-VN" sz="4800" b="1" dirty="0">
+                <a:latin typeface="Microsoft JhengHei" pitchFamily="34" charset="-120"/>
+                <a:ea typeface="Microsoft JhengHei" pitchFamily="34" charset="-120"/>
+              </a:rPr>
+              <a:t>我是個罪人蒙恩典</a:t>
+            </a:r>
+            <a:endParaRPr lang="en-US" altLang="zh-TW" sz="4800" b="1" dirty="0">
               <a:solidFill>
                 <a:srgbClr val="660033"/>
               </a:solidFill>
+              <a:latin typeface="Microsoft JhengHei" pitchFamily="34" charset="-120"/>
+              <a:ea typeface="Microsoft JhengHei" pitchFamily="34" charset="-120"/>
+            </a:endParaRPr>
+          </a:p>
+          <a:p>
+            <a:pPr marL="0" indent="0" algn="ctr">
+              <a:buNone/>
+            </a:pPr>
+            <a:r>
+              <a:rPr lang="zh-TW" altLang="en-US" sz="4800" b="1" dirty="0">
+                <a:solidFill>
+                  <a:srgbClr val="660033"/>
+                </a:solidFill>
+                <a:latin typeface="Microsoft JhengHei" pitchFamily="34" charset="-120"/>
+                <a:ea typeface="Microsoft JhengHei" pitchFamily="34" charset="-120"/>
+              </a:rPr>
+              <a:t>一切的罪惡得赦免</a:t>
+            </a:r>
+            <a:endParaRPr lang="en-US" altLang="zh-TW" sz="4800" b="1" dirty="0">
+              <a:solidFill>
+                <a:srgbClr val="660033"/>
+              </a:solidFill>
+              <a:latin typeface="Microsoft JhengHei" pitchFamily="34" charset="-120"/>
+              <a:ea typeface="Microsoft JhengHei" pitchFamily="34" charset="-120"/>
             </a:endParaRPr>
           </a:p>
         </p:txBody>
@@ -8527,13 +8419,20 @@
     </p:spTree>
     <p:extLst>
       <p:ext uri="{BB962C8B-B14F-4D97-AF65-F5344CB8AC3E}">
-        <p14:creationId xmlns:p14="http://schemas.microsoft.com/office/powerpoint/2010/main" val="3202768320"/>
+        <p14:creationId xmlns:p14="http://schemas.microsoft.com/office/powerpoint/2010/main" val="178682334"/>
       </p:ext>
     </p:extLst>
   </p:cSld>
   <p:clrMapOvr>
     <a:masterClrMapping/>
   </p:clrMapOvr>
+  <p:timing>
+    <p:tnLst>
+      <p:par>
+        <p:cTn id="1" dur="indefinite" restart="never" nodeType="tmRoot"/>
+      </p:par>
+    </p:tnLst>
+  </p:timing>
 </p:sld>
 </file>
 
@@ -8576,7 +8475,7 @@
           </a:bodyPr>
           <a:lstStyle/>
           <a:p>
-            <a:pPr lvl="0" algn="ctr">
+            <a:pPr marL="0" indent="0" algn="ctr">
               <a:buNone/>
             </a:pPr>
             <a:r>
@@ -8584,71 +8483,59 @@
                 <a:solidFill>
                   <a:srgbClr val="660033"/>
                 </a:solidFill>
-                <a:latin typeface="微軟正黑體" pitchFamily="34" charset="-120"/>
-                <a:ea typeface="微軟正黑體" pitchFamily="34" charset="-120"/>
-              </a:rPr>
-              <a:t>我深愛主耶穌 因主先愛我</a:t>
-            </a:r>
-          </a:p>
-          <a:p>
-            <a:pPr algn="ctr">
-              <a:buNone/>
-            </a:pPr>
+                <a:latin typeface="Microsoft JhengHei" pitchFamily="34" charset="-120"/>
+                <a:ea typeface="Microsoft JhengHei" pitchFamily="34" charset="-120"/>
+              </a:rPr>
+              <a:t>讚美主耶穌 </a:t>
+            </a:r>
+            <a:r>
+              <a:rPr lang="zh-TW" altLang="en-US" sz="4800" b="1" dirty="0" smtClean="0">
+                <a:solidFill>
+                  <a:srgbClr val="660033"/>
+                </a:solidFill>
+                <a:latin typeface="Microsoft JhengHei" pitchFamily="34" charset="-120"/>
+                <a:ea typeface="Microsoft JhengHei" pitchFamily="34" charset="-120"/>
+              </a:rPr>
+              <a:t> </a:t>
+            </a:r>
             <a:r>
               <a:rPr lang="zh-TW" altLang="en-US" sz="4800" b="1" dirty="0">
                 <a:solidFill>
                   <a:srgbClr val="660033"/>
                 </a:solidFill>
-                <a:latin typeface="微軟正黑體" pitchFamily="34" charset="-120"/>
-                <a:ea typeface="微軟正黑體" pitchFamily="34" charset="-120"/>
-              </a:rPr>
-              <a:t>在十架替我死赦免眾罪過</a:t>
-            </a:r>
-          </a:p>
-        </p:txBody>
-      </p:sp>
-      <p:sp>
-        <p:nvSpPr>
-          <p:cNvPr id="3" name="TextBox 2"/>
-          <p:cNvSpPr txBox="1"/>
-          <p:nvPr/>
-        </p:nvSpPr>
-        <p:spPr>
-          <a:xfrm>
-            <a:off x="251520" y="1659230"/>
-            <a:ext cx="936104" cy="830997"/>
-          </a:xfrm>
-          <a:prstGeom prst="rect">
-            <a:avLst/>
-          </a:prstGeom>
-          <a:noFill/>
-        </p:spPr>
-        <p:txBody>
-          <a:bodyPr wrap="square" rtlCol="0">
-            <a:spAutoFit/>
-          </a:bodyPr>
-          <a:lstStyle/>
-          <a:p>
-            <a:r>
-              <a:rPr lang="en-US" sz="4800" b="1" dirty="0">
-                <a:solidFill>
-                  <a:srgbClr val="660033"/>
-                </a:solidFill>
-              </a:rPr>
-              <a:t>2</a:t>
-            </a:r>
-            <a:r>
-              <a:rPr lang="en-US" sz="4800" b="1" dirty="0" smtClean="0">
-                <a:solidFill>
-                  <a:srgbClr val="660033"/>
-                </a:solidFill>
-              </a:rPr>
-              <a:t>.</a:t>
-            </a:r>
-            <a:endParaRPr lang="vi-VN" sz="4800" b="1" dirty="0">
+                <a:latin typeface="Microsoft JhengHei" pitchFamily="34" charset="-120"/>
+                <a:ea typeface="Microsoft JhengHei" pitchFamily="34" charset="-120"/>
+              </a:rPr>
+              <a:t>榮耀都歸耶穌</a:t>
+            </a:r>
+            <a:endParaRPr lang="en-US" altLang="zh-TW" sz="4800" b="1" dirty="0">
               <a:solidFill>
                 <a:srgbClr val="660033"/>
               </a:solidFill>
+              <a:latin typeface="Microsoft JhengHei" pitchFamily="34" charset="-120"/>
+              <a:ea typeface="Microsoft JhengHei" pitchFamily="34" charset="-120"/>
+            </a:endParaRPr>
+          </a:p>
+          <a:p>
+            <a:pPr marL="0" indent="0" algn="ctr">
+              <a:buNone/>
+            </a:pPr>
+            <a:r>
+              <a:rPr lang="zh-TW" altLang="en-US" sz="4800" b="1" dirty="0">
+                <a:solidFill>
+                  <a:srgbClr val="660033"/>
+                </a:solidFill>
+                <a:latin typeface="Microsoft JhengHei" pitchFamily="34" charset="-120"/>
+                <a:ea typeface="Microsoft JhengHei" pitchFamily="34" charset="-120"/>
+              </a:rPr>
+              <a:t>我只是個罪人蒙救恩</a:t>
+            </a:r>
+            <a:endParaRPr lang="zh-TW" altLang="en-US" sz="4800" b="1" dirty="0">
+              <a:solidFill>
+                <a:srgbClr val="660033"/>
+              </a:solidFill>
+              <a:latin typeface="Microsoft JhengHei" pitchFamily="34" charset="-120"/>
+              <a:ea typeface="Microsoft JhengHei" pitchFamily="34" charset="-120"/>
             </a:endParaRPr>
           </a:p>
         </p:txBody>
@@ -8656,13 +8543,20 @@
     </p:spTree>
     <p:extLst>
       <p:ext uri="{BB962C8B-B14F-4D97-AF65-F5344CB8AC3E}">
-        <p14:creationId xmlns:p14="http://schemas.microsoft.com/office/powerpoint/2010/main" val="202123538"/>
+        <p14:creationId xmlns:p14="http://schemas.microsoft.com/office/powerpoint/2010/main" val="4032096185"/>
       </p:ext>
     </p:extLst>
   </p:cSld>
   <p:clrMapOvr>
     <a:masterClrMapping/>
   </p:clrMapOvr>
+  <p:timing>
+    <p:tnLst>
+      <p:par>
+        <p:cTn id="1" dur="indefinite" restart="never" nodeType="tmRoot"/>
+      </p:par>
+    </p:tnLst>
+  </p:timing>
 </p:sld>
 </file>
 
@@ -8685,99 +8579,140 @@
       </p:grpSpPr>
       <p:sp>
         <p:nvSpPr>
-          <p:cNvPr id="5" name="內容版面配置區 4"/>
-          <p:cNvSpPr>
-            <a:spLocks noGrp="1"/>
-          </p:cNvSpPr>
-          <p:nvPr>
-            <p:ph idx="1"/>
+          <p:cNvPr id="4" name="標題 3"/>
+          <p:cNvSpPr>
+            <a:spLocks noGrp="1"/>
+          </p:cNvSpPr>
+          <p:nvPr>
+            <p:ph type="title"/>
           </p:nvPr>
         </p:nvSpPr>
         <p:spPr>
           <a:xfrm>
-            <a:off x="0" y="1563638"/>
-            <a:ext cx="9144000" cy="1803647"/>
+            <a:off x="0" y="2143135"/>
+            <a:ext cx="9144000" cy="857250"/>
           </a:xfrm>
         </p:spPr>
         <p:txBody>
-          <a:bodyPr anchor="ctr">
-            <a:normAutofit/>
+          <a:bodyPr>
+            <a:noAutofit/>
           </a:bodyPr>
           <a:lstStyle/>
           <a:p>
-            <a:pPr algn="ctr">
-              <a:buNone/>
-            </a:pPr>
-            <a:r>
-              <a:rPr lang="zh-TW" altLang="en-US" sz="4800" b="1" dirty="0">
-                <a:solidFill>
-                  <a:srgbClr val="660033"/>
-                </a:solidFill>
-                <a:latin typeface="微軟正黑體" pitchFamily="34" charset="-120"/>
-                <a:ea typeface="微軟正黑體" pitchFamily="34" charset="-120"/>
-              </a:rPr>
-              <a:t>主為我戴荊冠受羞辱陷害</a:t>
-            </a:r>
-          </a:p>
-          <a:p>
-            <a:pPr algn="ctr">
-              <a:buNone/>
-            </a:pPr>
-            <a:r>
-              <a:rPr lang="zh-TW" altLang="en-US" sz="4800" b="1" dirty="0">
-                <a:solidFill>
-                  <a:srgbClr val="660033"/>
-                </a:solidFill>
-                <a:latin typeface="微軟正黑體" pitchFamily="34" charset="-120"/>
-                <a:ea typeface="微軟正黑體" pitchFamily="34" charset="-120"/>
-              </a:rPr>
-              <a:t>若我曾愛救主 於今更親愛</a:t>
-            </a:r>
-          </a:p>
-        </p:txBody>
-      </p:sp>
-      <p:sp>
-        <p:nvSpPr>
-          <p:cNvPr id="3" name="TextBox 2"/>
-          <p:cNvSpPr txBox="1"/>
-          <p:nvPr/>
-        </p:nvSpPr>
-        <p:spPr>
-          <a:xfrm>
-            <a:off x="251520" y="1659230"/>
-            <a:ext cx="936104" cy="830997"/>
-          </a:xfrm>
-          <a:prstGeom prst="rect">
-            <a:avLst/>
-          </a:prstGeom>
-          <a:noFill/>
-        </p:spPr>
-        <p:txBody>
-          <a:bodyPr wrap="square" rtlCol="0">
-            <a:spAutoFit/>
-          </a:bodyPr>
-          <a:lstStyle/>
-          <a:p>
-            <a:r>
-              <a:rPr lang="en-US" sz="4800" b="1" dirty="0">
-                <a:solidFill>
-                  <a:srgbClr val="660033"/>
-                </a:solidFill>
-              </a:rPr>
-              <a:t>2</a:t>
-            </a:r>
-            <a:r>
-              <a:rPr lang="en-US" sz="4800" b="1" dirty="0" smtClean="0">
-                <a:solidFill>
-                  <a:srgbClr val="660033"/>
-                </a:solidFill>
-              </a:rPr>
-              <a:t>.</a:t>
-            </a:r>
-            <a:endParaRPr lang="vi-VN" sz="4800" b="1" dirty="0">
+            <a:r>
+              <a:rPr lang="zh-CN" altLang="en-US" sz="4000" b="1" u="sng" dirty="0" smtClean="0">
+                <a:solidFill>
+                  <a:srgbClr val="660033"/>
+                </a:solidFill>
+                <a:effectLst>
+                  <a:outerShdw blurRad="38100" dist="38100" dir="2700000" algn="tl">
+                    <a:srgbClr val="000000">
+                      <a:alpha val="43137"/>
+                    </a:srgbClr>
+                  </a:outerShdw>
+                </a:effectLst>
+                <a:latin typeface="微軟正黑體" pitchFamily="34" charset="-120"/>
+                <a:ea typeface="微軟正黑體" pitchFamily="34" charset="-120"/>
+              </a:rPr>
+              <a:t>宣道詩 </a:t>
+            </a:r>
+            <a:r>
+              <a:rPr lang="en-US" altLang="zh-CN" sz="4000" b="1" u="sng" dirty="0" smtClean="0">
+                <a:solidFill>
+                  <a:srgbClr val="660033"/>
+                </a:solidFill>
+                <a:effectLst>
+                  <a:outerShdw blurRad="38100" dist="38100" dir="2700000" algn="tl">
+                    <a:srgbClr val="000000">
+                      <a:alpha val="43137"/>
+                    </a:srgbClr>
+                  </a:outerShdw>
+                </a:effectLst>
+                <a:latin typeface="微軟正黑體" pitchFamily="34" charset="-120"/>
+                <a:ea typeface="微軟正黑體" pitchFamily="34" charset="-120"/>
+              </a:rPr>
+              <a:t>100</a:t>
+            </a:r>
+            <a:r>
+              <a:rPr lang="en-US" altLang="zh-CN" sz="5400" b="1" i="1" dirty="0" smtClean="0">
+                <a:solidFill>
+                  <a:srgbClr val="660033"/>
+                </a:solidFill>
+                <a:effectLst>
+                  <a:outerShdw blurRad="38100" dist="38100" dir="2700000" algn="tl">
+                    <a:srgbClr val="000000">
+                      <a:alpha val="43137"/>
+                    </a:srgbClr>
+                  </a:outerShdw>
+                </a:effectLst>
+                <a:latin typeface="微軟正黑體" pitchFamily="34" charset="-120"/>
+                <a:ea typeface="微軟正黑體" pitchFamily="34" charset="-120"/>
+              </a:rPr>
+              <a:t/>
+            </a:r>
+            <a:br>
+              <a:rPr lang="en-US" altLang="zh-CN" sz="5400" b="1" i="1" dirty="0" smtClean="0">
+                <a:solidFill>
+                  <a:srgbClr val="660033"/>
+                </a:solidFill>
+                <a:effectLst>
+                  <a:outerShdw blurRad="38100" dist="38100" dir="2700000" algn="tl">
+                    <a:srgbClr val="000000">
+                      <a:alpha val="43137"/>
+                    </a:srgbClr>
+                  </a:outerShdw>
+                </a:effectLst>
+                <a:latin typeface="微軟正黑體" pitchFamily="34" charset="-120"/>
+                <a:ea typeface="微軟正黑體" pitchFamily="34" charset="-120"/>
+              </a:rPr>
+            </a:br>
+            <a:r>
+              <a:rPr lang="zh-CN" altLang="en-US" sz="6000" b="1" dirty="0" smtClean="0">
+                <a:solidFill>
+                  <a:srgbClr val="000066"/>
+                </a:solidFill>
+                <a:effectLst>
+                  <a:outerShdw blurRad="38100" dist="38100" dir="2700000" algn="tl">
+                    <a:srgbClr val="000000">
+                      <a:alpha val="43137"/>
+                    </a:srgbClr>
+                  </a:outerShdw>
+                </a:effectLst>
+                <a:latin typeface="微軟正黑體" pitchFamily="34" charset="-120"/>
+                <a:ea typeface="微軟正黑體" pitchFamily="34" charset="-120"/>
+              </a:rPr>
+              <a:t>主</a:t>
+            </a:r>
+            <a:r>
+              <a:rPr lang="zh-CN" altLang="en-US" sz="6000" b="1" dirty="0">
+                <a:solidFill>
+                  <a:srgbClr val="000066"/>
+                </a:solidFill>
+                <a:effectLst>
+                  <a:outerShdw blurRad="38100" dist="38100" dir="2700000" algn="tl">
+                    <a:srgbClr val="000000">
+                      <a:alpha val="43137"/>
+                    </a:srgbClr>
+                  </a:outerShdw>
+                </a:effectLst>
+                <a:latin typeface="微軟正黑體" pitchFamily="34" charset="-120"/>
+                <a:ea typeface="微軟正黑體" pitchFamily="34" charset="-120"/>
+              </a:rPr>
+              <a:t>我來就袮</a:t>
+            </a:r>
+            <a:endParaRPr lang="zh-TW" altLang="en-US" sz="6000" b="1" dirty="0">
               <a:solidFill>
-                <a:srgbClr val="660033"/>
+                <a:srgbClr val="000066"/>
               </a:solidFill>
+              <a:effectLst>
+                <a:outerShdw blurRad="38100" dist="38100" dir="2700000" algn="tl">
+                  <a:srgbClr val="000000">
+                    <a:alpha val="43137"/>
+                  </a:srgbClr>
+                </a:outerShdw>
+              </a:effectLst>
+              <a:latin typeface="微軟正黑體" pitchFamily="34" charset="-120"/>
+              <a:ea typeface="微軟正黑體" pitchFamily="34" charset="-120"/>
             </a:endParaRPr>
           </a:p>
         </p:txBody>
@@ -8785,13 +8720,20 @@
     </p:spTree>
     <p:extLst>
       <p:ext uri="{BB962C8B-B14F-4D97-AF65-F5344CB8AC3E}">
-        <p14:creationId xmlns:p14="http://schemas.microsoft.com/office/powerpoint/2010/main" val="37888372"/>
+        <p14:creationId xmlns:p14="http://schemas.microsoft.com/office/powerpoint/2010/main" val="815254712"/>
       </p:ext>
     </p:extLst>
   </p:cSld>
   <p:clrMapOvr>
     <a:masterClrMapping/>
   </p:clrMapOvr>
+  <p:timing>
+    <p:tnLst>
+      <p:par>
+        <p:cTn id="1" dur="indefinite" restart="never" nodeType="tmRoot"/>
+      </p:par>
+    </p:tnLst>
+  </p:timing>
 </p:sld>
 </file>
 
@@ -8915,34 +8857,68 @@
           </a:bodyPr>
           <a:lstStyle/>
           <a:p>
-            <a:pPr lvl="0" algn="ctr">
+            <a:pPr algn="ctr">
               <a:buNone/>
             </a:pPr>
             <a:r>
-              <a:rPr lang="zh-TW" altLang="en-US" sz="4800" b="1" dirty="0">
-                <a:solidFill>
-                  <a:srgbClr val="660033"/>
-                </a:solidFill>
-                <a:latin typeface="微軟正黑體" pitchFamily="34" charset="-120"/>
-                <a:ea typeface="微軟正黑體" pitchFamily="34" charset="-120"/>
-              </a:rPr>
-              <a:t>無論死生憂樂 我仍愛我主</a:t>
-            </a:r>
+              <a:rPr lang="zh-CN" altLang="en-US" sz="4800" b="1" dirty="0">
+                <a:solidFill>
+                  <a:srgbClr val="000066"/>
+                </a:solidFill>
+                <a:latin typeface="Microsoft JhengHei" pitchFamily="34" charset="-120"/>
+                <a:ea typeface="Microsoft JhengHei" pitchFamily="34" charset="-120"/>
+              </a:rPr>
+              <a:t>救主歡喜聲音 </a:t>
+            </a:r>
+            <a:endParaRPr lang="en-US" altLang="zh-CN" sz="4800" b="1" dirty="0" smtClean="0">
+              <a:solidFill>
+                <a:srgbClr val="000066"/>
+              </a:solidFill>
+              <a:latin typeface="Microsoft JhengHei" pitchFamily="34" charset="-120"/>
+              <a:ea typeface="Microsoft JhengHei" pitchFamily="34" charset="-120"/>
+            </a:endParaRPr>
           </a:p>
           <a:p>
             <a:pPr algn="ctr">
               <a:buNone/>
             </a:pPr>
             <a:r>
-              <a:rPr lang="zh-TW" altLang="en-US" sz="4800" b="1" dirty="0">
-                <a:solidFill>
-                  <a:srgbClr val="660033"/>
-                </a:solidFill>
-                <a:latin typeface="微軟正黑體" pitchFamily="34" charset="-120"/>
-                <a:ea typeface="微軟正黑體" pitchFamily="34" charset="-120"/>
-              </a:rPr>
-              <a:t>在世我要時常讚美主耶穌</a:t>
-            </a:r>
+              <a:rPr lang="zh-CN" altLang="en-US" sz="4800" b="1" dirty="0" smtClean="0">
+                <a:solidFill>
+                  <a:srgbClr val="000066"/>
+                </a:solidFill>
+                <a:latin typeface="Microsoft JhengHei" pitchFamily="34" charset="-120"/>
+                <a:ea typeface="Microsoft JhengHei" pitchFamily="34" charset="-120"/>
+              </a:rPr>
+              <a:t>我</a:t>
+            </a:r>
+            <a:r>
+              <a:rPr lang="zh-CN" altLang="en-US" sz="4800" b="1" dirty="0">
+                <a:solidFill>
+                  <a:srgbClr val="000066"/>
+                </a:solidFill>
+                <a:latin typeface="Microsoft JhengHei" pitchFamily="34" charset="-120"/>
+                <a:ea typeface="Microsoft JhengHei" pitchFamily="34" charset="-120"/>
+              </a:rPr>
+              <a:t>今願前來</a:t>
+            </a:r>
+            <a:r>
+              <a:rPr lang="zh-CN" altLang="en-US" sz="4800" b="1" dirty="0" smtClean="0">
+                <a:solidFill>
+                  <a:srgbClr val="000066"/>
+                </a:solidFill>
+                <a:latin typeface="Microsoft JhengHei" pitchFamily="34" charset="-120"/>
+                <a:ea typeface="Microsoft JhengHei" pitchFamily="34" charset="-120"/>
+              </a:rPr>
+              <a:t>聽</a:t>
+            </a:r>
+            <a:endParaRPr lang="en-US" altLang="zh-CN" sz="4800" b="1" dirty="0">
+              <a:solidFill>
+                <a:srgbClr val="000066"/>
+              </a:solidFill>
+              <a:latin typeface="Microsoft JhengHei" pitchFamily="34" charset="-120"/>
+              <a:ea typeface="Microsoft JhengHei" pitchFamily="34" charset="-120"/>
+            </a:endParaRPr>
           </a:p>
         </p:txBody>
       </p:sp>
@@ -8954,7 +8930,7 @@
         </p:nvSpPr>
         <p:spPr>
           <a:xfrm>
-            <a:off x="251520" y="1659230"/>
+            <a:off x="827584" y="1661525"/>
             <a:ext cx="936104" cy="830997"/>
           </a:xfrm>
           <a:prstGeom prst="rect">
@@ -8971,14 +8947,14 @@
             <a:r>
               <a:rPr lang="en-US" sz="4800" b="1" dirty="0" smtClean="0">
                 <a:solidFill>
-                  <a:srgbClr val="660033"/>
-                </a:solidFill>
-              </a:rPr>
-              <a:t>3.</a:t>
+                  <a:srgbClr val="000066"/>
+                </a:solidFill>
+              </a:rPr>
+              <a:t>1.</a:t>
             </a:r>
             <a:endParaRPr lang="vi-VN" sz="4800" b="1" dirty="0">
               <a:solidFill>
-                <a:srgbClr val="660033"/>
+                <a:srgbClr val="000066"/>
               </a:solidFill>
             </a:endParaRPr>
           </a:p>
@@ -8987,7 +8963,7 @@
     </p:spTree>
     <p:extLst>
       <p:ext uri="{BB962C8B-B14F-4D97-AF65-F5344CB8AC3E}">
-        <p14:creationId xmlns:p14="http://schemas.microsoft.com/office/powerpoint/2010/main" val="1874551836"/>
+        <p14:creationId xmlns:p14="http://schemas.microsoft.com/office/powerpoint/2010/main" val="3230806567"/>
       </p:ext>
     </p:extLst>
   </p:cSld>
@@ -9040,30 +9016,44 @@
               <a:buNone/>
             </a:pPr>
             <a:r>
-              <a:rPr lang="zh-TW" altLang="en-US" sz="4800" b="1" dirty="0">
-                <a:solidFill>
-                  <a:srgbClr val="660033"/>
-                </a:solidFill>
-                <a:latin typeface="微軟正黑體" pitchFamily="34" charset="-120"/>
-                <a:ea typeface="微軟正黑體" pitchFamily="34" charset="-120"/>
-              </a:rPr>
-              <a:t>直到主再臨我必儆醒等待</a:t>
-            </a:r>
+              <a:rPr lang="zh-CN" altLang="en-US" sz="4800" b="1" dirty="0">
+                <a:solidFill>
+                  <a:srgbClr val="000066"/>
+                </a:solidFill>
+                <a:latin typeface="Microsoft JhengHei" pitchFamily="34" charset="-120"/>
+                <a:ea typeface="Microsoft JhengHei" pitchFamily="34" charset="-120"/>
+              </a:rPr>
+              <a:t>為我罪惡流出寶血</a:t>
+            </a:r>
+            <a:endParaRPr lang="en-US" altLang="zh-CN" sz="4800" b="1" dirty="0">
+              <a:solidFill>
+                <a:srgbClr val="000066"/>
+              </a:solidFill>
+              <a:latin typeface="Microsoft JhengHei" pitchFamily="34" charset="-120"/>
+              <a:ea typeface="Microsoft JhengHei" pitchFamily="34" charset="-120"/>
+            </a:endParaRPr>
           </a:p>
           <a:p>
             <a:pPr algn="ctr">
               <a:buNone/>
             </a:pPr>
             <a:r>
-              <a:rPr lang="zh-TW" altLang="en-US" sz="4800" b="1" dirty="0">
-                <a:solidFill>
-                  <a:srgbClr val="660033"/>
-                </a:solidFill>
-                <a:latin typeface="微軟正黑體" pitchFamily="34" charset="-120"/>
-                <a:ea typeface="微軟正黑體" pitchFamily="34" charset="-120"/>
-              </a:rPr>
-              <a:t>若我曾愛救主 於今更親愛</a:t>
-            </a:r>
+              <a:rPr lang="zh-CN" altLang="en-US" sz="4800" b="1" dirty="0">
+                <a:solidFill>
+                  <a:srgbClr val="000066"/>
+                </a:solidFill>
+                <a:latin typeface="Microsoft JhengHei" pitchFamily="34" charset="-120"/>
+                <a:ea typeface="Microsoft JhengHei" pitchFamily="34" charset="-120"/>
+              </a:rPr>
+              <a:t>使我能得生命</a:t>
+            </a:r>
+            <a:endParaRPr lang="en-US" altLang="zh-CN" sz="4800" b="1" dirty="0">
+              <a:solidFill>
+                <a:srgbClr val="000066"/>
+              </a:solidFill>
+              <a:latin typeface="Microsoft JhengHei" pitchFamily="34" charset="-120"/>
+              <a:ea typeface="Microsoft JhengHei" pitchFamily="34" charset="-120"/>
+            </a:endParaRPr>
           </a:p>
         </p:txBody>
       </p:sp>
@@ -9075,7 +9065,7 @@
         </p:nvSpPr>
         <p:spPr>
           <a:xfrm>
-            <a:off x="251520" y="1659230"/>
+            <a:off x="827584" y="1661525"/>
             <a:ext cx="936104" cy="830997"/>
           </a:xfrm>
           <a:prstGeom prst="rect">
@@ -9092,14 +9082,14 @@
             <a:r>
               <a:rPr lang="en-US" sz="4800" b="1" dirty="0" smtClean="0">
                 <a:solidFill>
-                  <a:srgbClr val="660033"/>
-                </a:solidFill>
-              </a:rPr>
-              <a:t>3.</a:t>
+                  <a:srgbClr val="000066"/>
+                </a:solidFill>
+              </a:rPr>
+              <a:t>1.</a:t>
             </a:r>
             <a:endParaRPr lang="vi-VN" sz="4800" b="1" dirty="0">
               <a:solidFill>
-                <a:srgbClr val="660033"/>
+                <a:srgbClr val="000066"/>
               </a:solidFill>
             </a:endParaRPr>
           </a:p>
@@ -9108,7 +9098,7 @@
     </p:spTree>
     <p:extLst>
       <p:ext uri="{BB962C8B-B14F-4D97-AF65-F5344CB8AC3E}">
-        <p14:creationId xmlns:p14="http://schemas.microsoft.com/office/powerpoint/2010/main" val="1584605482"/>
+        <p14:creationId xmlns:p14="http://schemas.microsoft.com/office/powerpoint/2010/main" val="1380446531"/>
       </p:ext>
     </p:extLst>
   </p:cSld>
@@ -9157,79 +9147,67 @@
           </a:bodyPr>
           <a:lstStyle/>
           <a:p>
-            <a:pPr lvl="0" algn="ctr">
+            <a:pPr algn="ctr">
               <a:buNone/>
             </a:pPr>
             <a:r>
-              <a:rPr lang="zh-TW" altLang="en-US" sz="4800" b="1" dirty="0">
-                <a:solidFill>
-                  <a:srgbClr val="660033"/>
-                </a:solidFill>
-                <a:latin typeface="微軟正黑體" pitchFamily="34" charset="-120"/>
-                <a:ea typeface="微軟正黑體" pitchFamily="34" charset="-120"/>
-              </a:rPr>
-              <a:t>主再來迎接我 永住榮耀中</a:t>
-            </a:r>
+              <a:rPr lang="zh-CN" altLang="en-US" sz="4800" b="1" dirty="0">
+                <a:solidFill>
+                  <a:srgbClr val="000066"/>
+                </a:solidFill>
+                <a:latin typeface="Microsoft JhengHei" pitchFamily="34" charset="-120"/>
+                <a:ea typeface="Microsoft JhengHei" pitchFamily="34" charset="-120"/>
+              </a:rPr>
+              <a:t>主我來就袮  我今來就袮</a:t>
+            </a:r>
+            <a:endParaRPr lang="en-US" altLang="zh-CN" sz="4800" b="1" dirty="0">
+              <a:solidFill>
+                <a:srgbClr val="000066"/>
+              </a:solidFill>
+              <a:latin typeface="Microsoft JhengHei" pitchFamily="34" charset="-120"/>
+              <a:ea typeface="Microsoft JhengHei" pitchFamily="34" charset="-120"/>
+            </a:endParaRPr>
           </a:p>
           <a:p>
             <a:pPr algn="ctr">
               <a:buNone/>
             </a:pPr>
             <a:r>
-              <a:rPr lang="zh-TW" altLang="en-US" sz="4800" b="1" dirty="0">
-                <a:solidFill>
-                  <a:srgbClr val="660033"/>
-                </a:solidFill>
-                <a:latin typeface="微軟正黑體" pitchFamily="34" charset="-120"/>
-                <a:ea typeface="微軟正黑體" pitchFamily="34" charset="-120"/>
-              </a:rPr>
-              <a:t>我必時常頌揚救主大恩寵</a:t>
-            </a:r>
-          </a:p>
-        </p:txBody>
-      </p:sp>
-      <p:sp>
-        <p:nvSpPr>
-          <p:cNvPr id="3" name="TextBox 2"/>
-          <p:cNvSpPr txBox="1"/>
-          <p:nvPr/>
-        </p:nvSpPr>
-        <p:spPr>
-          <a:xfrm>
-            <a:off x="251520" y="1659230"/>
-            <a:ext cx="936104" cy="830997"/>
-          </a:xfrm>
-          <a:prstGeom prst="rect">
-            <a:avLst/>
-          </a:prstGeom>
-          <a:noFill/>
-        </p:spPr>
-        <p:txBody>
-          <a:bodyPr wrap="square" rtlCol="0">
-            <a:spAutoFit/>
-          </a:bodyPr>
-          <a:lstStyle/>
-          <a:p>
-            <a:r>
-              <a:rPr lang="en-US" sz="4800" b="1" dirty="0">
-                <a:solidFill>
-                  <a:srgbClr val="660033"/>
-                </a:solidFill>
-              </a:rPr>
-              <a:t>4</a:t>
-            </a:r>
-            <a:r>
-              <a:rPr lang="en-US" sz="4800" b="1" dirty="0" smtClean="0">
-                <a:solidFill>
-                  <a:srgbClr val="660033"/>
-                </a:solidFill>
-              </a:rPr>
-              <a:t>.</a:t>
-            </a:r>
-            <a:endParaRPr lang="vi-VN" sz="4800" b="1" dirty="0">
+              <a:rPr lang="zh-CN" altLang="en-US" sz="4800" b="1" dirty="0">
+                <a:solidFill>
+                  <a:srgbClr val="000066"/>
+                </a:solidFill>
+                <a:latin typeface="Microsoft JhengHei" pitchFamily="34" charset="-120"/>
+                <a:ea typeface="Microsoft JhengHei" pitchFamily="34" charset="-120"/>
+              </a:rPr>
+              <a:t>救主所流的寶血</a:t>
+            </a:r>
+            <a:r>
+              <a:rPr lang="en-US" altLang="zh-CN" sz="4800" b="1" dirty="0">
+                <a:solidFill>
+                  <a:srgbClr val="000066"/>
+                </a:solidFill>
+                <a:latin typeface="Microsoft JhengHei" pitchFamily="34" charset="-120"/>
+                <a:ea typeface="Microsoft JhengHei" pitchFamily="34" charset="-120"/>
+              </a:rPr>
+              <a:t>  </a:t>
+            </a:r>
+            <a:r>
+              <a:rPr lang="zh-CN" altLang="en-US" sz="4800" b="1" dirty="0">
+                <a:solidFill>
+                  <a:srgbClr val="000066"/>
+                </a:solidFill>
+                <a:latin typeface="Microsoft JhengHei" pitchFamily="34" charset="-120"/>
+                <a:ea typeface="Microsoft JhengHei" pitchFamily="34" charset="-120"/>
+              </a:rPr>
+              <a:t>洗我罪惡清潔</a:t>
+            </a:r>
+            <a:endParaRPr lang="zh-TW" altLang="en-US" sz="4800" b="1" dirty="0">
               <a:solidFill>
-                <a:srgbClr val="660033"/>
+                <a:srgbClr val="000066"/>
               </a:solidFill>
+              <a:latin typeface="Microsoft JhengHei" pitchFamily="34" charset="-120"/>
+              <a:ea typeface="Microsoft JhengHei" pitchFamily="34" charset="-120"/>
             </a:endParaRPr>
           </a:p>
         </p:txBody>
@@ -9237,7 +9215,7 @@
     </p:spTree>
     <p:extLst>
       <p:ext uri="{BB962C8B-B14F-4D97-AF65-F5344CB8AC3E}">
-        <p14:creationId xmlns:p14="http://schemas.microsoft.com/office/powerpoint/2010/main" val="698596208"/>
+        <p14:creationId xmlns:p14="http://schemas.microsoft.com/office/powerpoint/2010/main" val="3341003235"/>
       </p:ext>
     </p:extLst>
   </p:cSld>
@@ -9290,30 +9268,54 @@
               <a:buNone/>
             </a:pPr>
             <a:r>
-              <a:rPr lang="zh-TW" altLang="en-US" sz="4800" b="1" dirty="0">
-                <a:solidFill>
-                  <a:srgbClr val="660033"/>
-                </a:solidFill>
-                <a:latin typeface="微軟正黑體" pitchFamily="34" charset="-120"/>
-                <a:ea typeface="微軟正黑體" pitchFamily="34" charset="-120"/>
-              </a:rPr>
-              <a:t>戴榮耀冠冕賞賜恩乃格外</a:t>
-            </a:r>
+              <a:rPr lang="zh-CN" altLang="en-US" sz="4800" b="1" dirty="0">
+                <a:solidFill>
+                  <a:srgbClr val="000066"/>
+                </a:solidFill>
+                <a:latin typeface="Microsoft JhengHei" pitchFamily="34" charset="-120"/>
+                <a:ea typeface="Microsoft JhengHei" pitchFamily="34" charset="-120"/>
+              </a:rPr>
+              <a:t>我這可惡罪人  </a:t>
+            </a:r>
+            <a:endParaRPr lang="en-US" altLang="zh-CN" sz="4800" b="1" dirty="0" smtClean="0">
+              <a:solidFill>
+                <a:srgbClr val="000066"/>
+              </a:solidFill>
+              <a:latin typeface="Microsoft JhengHei" pitchFamily="34" charset="-120"/>
+              <a:ea typeface="Microsoft JhengHei" pitchFamily="34" charset="-120"/>
+            </a:endParaRPr>
           </a:p>
           <a:p>
             <a:pPr algn="ctr">
               <a:buNone/>
             </a:pPr>
             <a:r>
-              <a:rPr lang="zh-TW" altLang="en-US" sz="4800" b="1" dirty="0">
-                <a:solidFill>
-                  <a:srgbClr val="660033"/>
-                </a:solidFill>
-                <a:latin typeface="微軟正黑體" pitchFamily="34" charset="-120"/>
-                <a:ea typeface="微軟正黑體" pitchFamily="34" charset="-120"/>
-              </a:rPr>
-              <a:t>若我曾愛救主 於今更親愛</a:t>
-            </a:r>
+              <a:rPr lang="zh-CN" altLang="en-US" sz="4800" b="1" dirty="0" smtClean="0">
+                <a:solidFill>
+                  <a:srgbClr val="000066"/>
+                </a:solidFill>
+                <a:latin typeface="Microsoft JhengHei" pitchFamily="34" charset="-120"/>
+                <a:ea typeface="Microsoft JhengHei" pitchFamily="34" charset="-120"/>
+              </a:rPr>
+              <a:t>行</a:t>
+            </a:r>
+            <a:r>
+              <a:rPr lang="zh-CN" altLang="en-US" sz="4800" b="1" dirty="0">
+                <a:solidFill>
+                  <a:srgbClr val="000066"/>
+                </a:solidFill>
+                <a:latin typeface="Microsoft JhengHei" pitchFamily="34" charset="-120"/>
+                <a:ea typeface="Microsoft JhengHei" pitchFamily="34" charset="-120"/>
+              </a:rPr>
+              <a:t>善毫無能力</a:t>
+            </a:r>
+            <a:endParaRPr lang="en-US" altLang="zh-CN" sz="4800" b="1" dirty="0">
+              <a:solidFill>
+                <a:srgbClr val="000066"/>
+              </a:solidFill>
+              <a:latin typeface="Microsoft JhengHei" pitchFamily="34" charset="-120"/>
+              <a:ea typeface="Microsoft JhengHei" pitchFamily="34" charset="-120"/>
+            </a:endParaRPr>
           </a:p>
         </p:txBody>
       </p:sp>
@@ -9325,7 +9327,7 @@
         </p:nvSpPr>
         <p:spPr>
           <a:xfrm>
-            <a:off x="251520" y="1659230"/>
+            <a:off x="827584" y="1661525"/>
             <a:ext cx="936104" cy="830997"/>
           </a:xfrm>
           <a:prstGeom prst="rect">
@@ -9342,22 +9344,22 @@
             <a:r>
               <a:rPr lang="en-US" sz="4800" b="1" dirty="0">
                 <a:solidFill>
-                  <a:srgbClr val="660033"/>
-                </a:solidFill>
-              </a:rPr>
-              <a:t>4</a:t>
+                  <a:srgbClr val="000066"/>
+                </a:solidFill>
+              </a:rPr>
+              <a:t>2</a:t>
             </a:r>
             <a:r>
               <a:rPr lang="en-US" sz="4800" b="1" dirty="0" smtClean="0">
                 <a:solidFill>
-                  <a:srgbClr val="660033"/>
+                  <a:srgbClr val="000066"/>
                 </a:solidFill>
               </a:rPr>
               <a:t>.</a:t>
             </a:r>
             <a:endParaRPr lang="vi-VN" sz="4800" b="1" dirty="0">
               <a:solidFill>
-                <a:srgbClr val="660033"/>
+                <a:srgbClr val="000066"/>
               </a:solidFill>
             </a:endParaRPr>
           </a:p>
@@ -9366,7 +9368,7 @@
     </p:spTree>
     <p:extLst>
       <p:ext uri="{BB962C8B-B14F-4D97-AF65-F5344CB8AC3E}">
-        <p14:creationId xmlns:p14="http://schemas.microsoft.com/office/powerpoint/2010/main" val="3797883051"/>
+        <p14:creationId xmlns:p14="http://schemas.microsoft.com/office/powerpoint/2010/main" val="325317521"/>
       </p:ext>
     </p:extLst>
   </p:cSld>
@@ -9395,106 +9397,127 @@
       </p:grpSpPr>
       <p:sp>
         <p:nvSpPr>
-          <p:cNvPr id="2" name="標題 1"/>
-          <p:cNvSpPr>
-            <a:spLocks noGrp="1"/>
-          </p:cNvSpPr>
-          <p:nvPr>
-            <p:ph type="title" idx="4294967295"/>
+          <p:cNvPr id="5" name="內容版面配置區 4"/>
+          <p:cNvSpPr>
+            <a:spLocks noGrp="1"/>
+          </p:cNvSpPr>
+          <p:nvPr>
+            <p:ph idx="1"/>
           </p:nvPr>
         </p:nvSpPr>
         <p:spPr>
           <a:xfrm>
-            <a:off x="149" y="2257505"/>
-            <a:ext cx="9144000" cy="628650"/>
+            <a:off x="0" y="1563638"/>
+            <a:ext cx="9144000" cy="1803647"/>
           </a:xfrm>
         </p:spPr>
         <p:txBody>
-          <a:bodyPr>
-            <a:noAutofit/>
+          <a:bodyPr anchor="ctr">
+            <a:normAutofit/>
           </a:bodyPr>
           <a:lstStyle/>
           <a:p>
-            <a:r>
-              <a:rPr lang="zh-CN" altLang="en-US" sz="7200" b="1" dirty="0">
-                <a:solidFill>
-                  <a:srgbClr val="000066"/>
-                </a:solidFill>
-                <a:effectLst>
-                  <a:outerShdw blurRad="38100" dist="38100" dir="2700000" algn="tl">
-                    <a:srgbClr val="000000">
-                      <a:alpha val="43137"/>
-                    </a:srgbClr>
-                  </a:outerShdw>
-                </a:effectLst>
-                <a:latin typeface="微軟正黑體" pitchFamily="34" charset="-120"/>
-                <a:ea typeface="微軟正黑體" pitchFamily="34" charset="-120"/>
-              </a:rPr>
-              <a:t>家事分</a:t>
-            </a:r>
-            <a:r>
-              <a:rPr lang="zh-CN" altLang="en-US" sz="7200" b="1" dirty="0" smtClean="0">
-                <a:solidFill>
-                  <a:srgbClr val="000066"/>
-                </a:solidFill>
-                <a:effectLst>
-                  <a:outerShdw blurRad="38100" dist="38100" dir="2700000" algn="tl">
-                    <a:srgbClr val="000000">
-                      <a:alpha val="43137"/>
-                    </a:srgbClr>
-                  </a:outerShdw>
-                </a:effectLst>
-                <a:latin typeface="微軟正黑體" pitchFamily="34" charset="-120"/>
-                <a:ea typeface="微軟正黑體" pitchFamily="34" charset="-120"/>
-              </a:rPr>
-              <a:t>享代</a:t>
-            </a:r>
-            <a:r>
-              <a:rPr lang="zh-CN" altLang="en-US" sz="7200" b="1" dirty="0">
-                <a:solidFill>
-                  <a:srgbClr val="000066"/>
-                </a:solidFill>
-                <a:effectLst>
-                  <a:outerShdw blurRad="38100" dist="38100" dir="2700000" algn="tl">
-                    <a:srgbClr val="000000">
-                      <a:alpha val="43137"/>
-                    </a:srgbClr>
-                  </a:outerShdw>
-                </a:effectLst>
-                <a:latin typeface="微軟正黑體" pitchFamily="34" charset="-120"/>
-                <a:ea typeface="微軟正黑體" pitchFamily="34" charset="-120"/>
-              </a:rPr>
-              <a:t>禱</a:t>
-            </a:r>
-            <a:endParaRPr lang="zh-TW" altLang="en-US" sz="7200" b="1" dirty="0">
+            <a:pPr algn="ctr">
+              <a:buNone/>
+            </a:pPr>
+            <a:r>
+              <a:rPr lang="zh-CN" altLang="en-US" sz="4800" b="1" dirty="0">
+                <a:solidFill>
+                  <a:srgbClr val="000066"/>
+                </a:solidFill>
+                <a:latin typeface="Microsoft JhengHei" pitchFamily="34" charset="-120"/>
+                <a:ea typeface="Microsoft JhengHei" pitchFamily="34" charset="-120"/>
+              </a:rPr>
+              <a:t>惟主寶血永無更變</a:t>
+            </a:r>
+            <a:endParaRPr lang="en-US" altLang="zh-CN" sz="4800" b="1" dirty="0">
               <a:solidFill>
                 <a:srgbClr val="000066"/>
               </a:solidFill>
-              <a:effectLst>
-                <a:outerShdw blurRad="38100" dist="38100" dir="2700000" algn="tl">
-                  <a:srgbClr val="000000">
-                    <a:alpha val="43137"/>
-                  </a:srgbClr>
-                </a:outerShdw>
-              </a:effectLst>
-              <a:latin typeface="微軟正黑體" pitchFamily="34" charset="-120"/>
-              <a:ea typeface="微軟正黑體" pitchFamily="34" charset="-120"/>
+              <a:latin typeface="Microsoft JhengHei" pitchFamily="34" charset="-120"/>
+              <a:ea typeface="Microsoft JhengHei" pitchFamily="34" charset="-120"/>
             </a:endParaRPr>
           </a:p>
+          <a:p>
+            <a:pPr algn="ctr">
+              <a:buNone/>
+            </a:pPr>
+            <a:r>
+              <a:rPr lang="zh-CN" altLang="en-US" sz="4800" b="1" dirty="0">
+                <a:solidFill>
+                  <a:srgbClr val="000066"/>
+                </a:solidFill>
+                <a:latin typeface="Microsoft JhengHei" pitchFamily="34" charset="-120"/>
+                <a:ea typeface="Microsoft JhengHei" pitchFamily="34" charset="-120"/>
+              </a:rPr>
+              <a:t>洗淨心裡罪愆</a:t>
+            </a:r>
+            <a:endParaRPr lang="en-US" altLang="zh-CN" sz="4800" b="1" dirty="0">
+              <a:solidFill>
+                <a:srgbClr val="000066"/>
+              </a:solidFill>
+              <a:latin typeface="Microsoft JhengHei" pitchFamily="34" charset="-120"/>
+              <a:ea typeface="Microsoft JhengHei" pitchFamily="34" charset="-120"/>
+            </a:endParaRPr>
+          </a:p>
+        </p:txBody>
+      </p:sp>
+      <p:sp>
+        <p:nvSpPr>
+          <p:cNvPr id="3" name="TextBox 2"/>
+          <p:cNvSpPr txBox="1"/>
+          <p:nvPr/>
+        </p:nvSpPr>
+        <p:spPr>
+          <a:xfrm>
+            <a:off x="827584" y="1661525"/>
+            <a:ext cx="936104" cy="830997"/>
+          </a:xfrm>
+          <a:prstGeom prst="rect">
+            <a:avLst/>
+          </a:prstGeom>
+          <a:noFill/>
+        </p:spPr>
+        <p:txBody>
+          <a:bodyPr wrap="square" rtlCol="0">
+            <a:spAutoFit/>
+          </a:bodyPr>
+          <a:lstStyle/>
+          <a:p>
+            <a:r>
+              <a:rPr lang="en-US" sz="4800" b="1" dirty="0">
+                <a:solidFill>
+                  <a:srgbClr val="000066"/>
+                </a:solidFill>
+              </a:rPr>
+              <a:t>2</a:t>
+            </a:r>
+            <a:r>
+              <a:rPr lang="en-US" sz="4800" b="1" dirty="0" smtClean="0">
+                <a:solidFill>
+                  <a:srgbClr val="000066"/>
+                </a:solidFill>
+              </a:rPr>
+              <a:t>.</a:t>
+            </a:r>
+            <a:endParaRPr lang="vi-VN" sz="4800" b="1" dirty="0">
+              <a:solidFill>
+                <a:srgbClr val="000066"/>
+              </a:solidFill>
+            </a:endParaRPr>
+          </a:p>
         </p:txBody>
       </p:sp>
     </p:spTree>
+    <p:extLst>
+      <p:ext uri="{BB962C8B-B14F-4D97-AF65-F5344CB8AC3E}">
+        <p14:creationId xmlns:p14="http://schemas.microsoft.com/office/powerpoint/2010/main" val="1006953290"/>
+      </p:ext>
+    </p:extLst>
   </p:cSld>
   <p:clrMapOvr>
     <a:masterClrMapping/>
   </p:clrMapOvr>
-  <p:timing>
-    <p:tnLst>
-      <p:par>
-        <p:cTn id="1" dur="indefinite" restart="never" nodeType="tmRoot"/>
-      </p:par>
-    </p:tnLst>
-  </p:timing>
 </p:sld>
 </file>
 
@@ -9517,233 +9540,101 @@
       </p:grpSpPr>
       <p:sp>
         <p:nvSpPr>
-          <p:cNvPr id="2" name="標題 1"/>
-          <p:cNvSpPr>
-            <a:spLocks noGrp="1"/>
-          </p:cNvSpPr>
-          <p:nvPr>
-            <p:ph type="title"/>
+          <p:cNvPr id="5" name="內容版面配置區 4"/>
+          <p:cNvSpPr>
+            <a:spLocks noGrp="1"/>
+          </p:cNvSpPr>
+          <p:nvPr>
+            <p:ph idx="1"/>
           </p:nvPr>
         </p:nvSpPr>
         <p:spPr>
           <a:xfrm>
-            <a:off x="0" y="300026"/>
-            <a:ext cx="8991600" cy="628650"/>
+            <a:off x="0" y="1563638"/>
+            <a:ext cx="9144000" cy="1803647"/>
           </a:xfrm>
         </p:spPr>
         <p:txBody>
-          <a:bodyPr>
-            <a:noAutofit/>
+          <a:bodyPr anchor="ctr">
+            <a:normAutofit/>
           </a:bodyPr>
           <a:lstStyle/>
           <a:p>
-            <a:r>
-              <a:rPr lang="zh-CN" altLang="en-US" sz="4000" b="1" dirty="0" smtClean="0">
-                <a:solidFill>
-                  <a:srgbClr val="000066"/>
-                </a:solidFill>
-                <a:latin typeface="微軟正黑體" pitchFamily="34" charset="-120"/>
-                <a:ea typeface="微軟正黑體" pitchFamily="34" charset="-120"/>
-              </a:rPr>
-              <a:t>三一頌</a:t>
-            </a:r>
-            <a:endParaRPr lang="zh-TW" altLang="en-US" sz="4000" b="1" dirty="0">
+            <a:pPr algn="ctr">
+              <a:buNone/>
+            </a:pPr>
+            <a:r>
+              <a:rPr lang="zh-CN" altLang="en-US" sz="4800" b="1" dirty="0">
+                <a:solidFill>
+                  <a:srgbClr val="000066"/>
+                </a:solidFill>
+                <a:latin typeface="Microsoft JhengHei" pitchFamily="34" charset="-120"/>
+                <a:ea typeface="Microsoft JhengHei" pitchFamily="34" charset="-120"/>
+              </a:rPr>
+              <a:t>主我來就袮  我今來就袮</a:t>
+            </a:r>
+            <a:endParaRPr lang="en-US" altLang="zh-CN" sz="4800" b="1" dirty="0">
               <a:solidFill>
                 <a:srgbClr val="000066"/>
               </a:solidFill>
-              <a:latin typeface="微軟正黑體" pitchFamily="34" charset="-120"/>
-              <a:ea typeface="微軟正黑體" pitchFamily="34" charset="-120"/>
+              <a:latin typeface="Microsoft JhengHei" pitchFamily="34" charset="-120"/>
+              <a:ea typeface="Microsoft JhengHei" pitchFamily="34" charset="-120"/>
             </a:endParaRPr>
           </a:p>
-        </p:txBody>
-      </p:sp>
-      <p:sp>
-        <p:nvSpPr>
-          <p:cNvPr id="4" name="內容版面配置區 3"/>
-          <p:cNvSpPr>
-            <a:spLocks noGrp="1"/>
-          </p:cNvSpPr>
-          <p:nvPr>
-            <p:ph idx="1"/>
-          </p:nvPr>
-        </p:nvSpPr>
-        <p:spPr>
-          <a:xfrm>
-            <a:off x="0" y="1285866"/>
-            <a:ext cx="9144000" cy="3857634"/>
-          </a:xfrm>
-        </p:spPr>
-        <p:txBody>
-          <a:bodyPr>
-            <a:noAutofit/>
-          </a:bodyPr>
-          <a:lstStyle/>
           <a:p>
             <a:pPr algn="ctr">
               <a:buNone/>
             </a:pPr>
             <a:r>
-              <a:rPr lang="zh-CN" altLang="en-US" sz="4800" b="1" dirty="0" smtClean="0">
-                <a:solidFill>
-                  <a:srgbClr val="000066"/>
-                </a:solidFill>
-                <a:effectLst>
-                  <a:outerShdw blurRad="50000" dist="30000" dir="5400000" algn="tl" rotWithShape="0">
-                    <a:srgbClr val="000000">
-                      <a:alpha val="30000"/>
-                    </a:srgbClr>
-                  </a:outerShdw>
-                </a:effectLst>
-                <a:latin typeface="微軟正黑體" pitchFamily="34" charset="-120"/>
-                <a:ea typeface="微軟正黑體" pitchFamily="34" charset="-120"/>
-                <a:cs typeface="+mj-cs"/>
-              </a:rPr>
-              <a:t>讚美天父愛世慈仁</a:t>
-            </a:r>
-            <a:endParaRPr lang="en-US" altLang="zh-CN" sz="4800" b="1" dirty="0" smtClean="0">
-              <a:solidFill>
-                <a:srgbClr val="000066"/>
-              </a:solidFill>
-              <a:effectLst>
-                <a:outerShdw blurRad="50000" dist="30000" dir="5400000" algn="tl" rotWithShape="0">
-                  <a:srgbClr val="000000">
-                    <a:alpha val="30000"/>
-                  </a:srgbClr>
-                </a:outerShdw>
-              </a:effectLst>
-              <a:latin typeface="微軟正黑體" pitchFamily="34" charset="-120"/>
-              <a:ea typeface="微軟正黑體" pitchFamily="34" charset="-120"/>
-              <a:cs typeface="+mj-cs"/>
-            </a:endParaRPr>
-          </a:p>
-          <a:p>
-            <a:pPr algn="ctr">
-              <a:buNone/>
-            </a:pPr>
-            <a:r>
-              <a:rPr lang="zh-CN" altLang="en-US" sz="4800" b="1" dirty="0" smtClean="0">
-                <a:solidFill>
-                  <a:srgbClr val="000066"/>
-                </a:solidFill>
-                <a:effectLst>
-                  <a:outerShdw blurRad="50000" dist="30000" dir="5400000" algn="tl" rotWithShape="0">
-                    <a:srgbClr val="000000">
-                      <a:alpha val="30000"/>
-                    </a:srgbClr>
-                  </a:outerShdw>
-                </a:effectLst>
-                <a:latin typeface="微軟正黑體" pitchFamily="34" charset="-120"/>
-                <a:ea typeface="微軟正黑體" pitchFamily="34" charset="-120"/>
-                <a:cs typeface="+mj-cs"/>
-              </a:rPr>
-              <a:t>讚美耶穌代贖洪恩</a:t>
-            </a:r>
-            <a:endParaRPr lang="en-US" altLang="zh-CN" sz="4800" b="1" dirty="0" smtClean="0">
-              <a:solidFill>
-                <a:srgbClr val="000066"/>
-              </a:solidFill>
-              <a:effectLst>
-                <a:outerShdw blurRad="50000" dist="30000" dir="5400000" algn="tl" rotWithShape="0">
-                  <a:srgbClr val="000000">
-                    <a:alpha val="30000"/>
-                  </a:srgbClr>
-                </a:outerShdw>
-              </a:effectLst>
-              <a:latin typeface="微軟正黑體" pitchFamily="34" charset="-120"/>
-              <a:ea typeface="微軟正黑體" pitchFamily="34" charset="-120"/>
-              <a:cs typeface="+mj-cs"/>
-            </a:endParaRPr>
-          </a:p>
-          <a:p>
-            <a:pPr algn="ctr">
-              <a:buNone/>
-            </a:pPr>
-            <a:r>
-              <a:rPr lang="zh-CN" altLang="en-US" sz="4800" b="1" dirty="0" smtClean="0">
-                <a:solidFill>
-                  <a:srgbClr val="000066"/>
-                </a:solidFill>
-                <a:effectLst>
-                  <a:outerShdw blurRad="50000" dist="30000" dir="5400000" algn="tl" rotWithShape="0">
-                    <a:srgbClr val="000000">
-                      <a:alpha val="30000"/>
-                    </a:srgbClr>
-                  </a:outerShdw>
-                </a:effectLst>
-                <a:latin typeface="微軟正黑體" pitchFamily="34" charset="-120"/>
-                <a:ea typeface="微軟正黑體" pitchFamily="34" charset="-120"/>
-                <a:cs typeface="+mj-cs"/>
-              </a:rPr>
-              <a:t>讚美聖靈開我茅塞</a:t>
-            </a:r>
-            <a:endParaRPr lang="en-US" altLang="zh-CN" sz="4800" b="1" dirty="0" smtClean="0">
-              <a:solidFill>
-                <a:srgbClr val="000066"/>
-              </a:solidFill>
-              <a:effectLst>
-                <a:outerShdw blurRad="50000" dist="30000" dir="5400000" algn="tl" rotWithShape="0">
-                  <a:srgbClr val="000000">
-                    <a:alpha val="30000"/>
-                  </a:srgbClr>
-                </a:outerShdw>
-              </a:effectLst>
-              <a:latin typeface="微軟正黑體" pitchFamily="34" charset="-120"/>
-              <a:ea typeface="微軟正黑體" pitchFamily="34" charset="-120"/>
-              <a:cs typeface="+mj-cs"/>
-            </a:endParaRPr>
-          </a:p>
-          <a:p>
-            <a:pPr algn="ctr">
-              <a:buNone/>
-            </a:pPr>
-            <a:r>
-              <a:rPr lang="zh-CN" altLang="en-US" sz="4800" b="1" dirty="0" smtClean="0">
-                <a:solidFill>
-                  <a:srgbClr val="000066"/>
-                </a:solidFill>
-                <a:effectLst>
-                  <a:outerShdw blurRad="50000" dist="30000" dir="5400000" algn="tl" rotWithShape="0">
-                    <a:srgbClr val="000000">
-                      <a:alpha val="30000"/>
-                    </a:srgbClr>
-                  </a:outerShdw>
-                </a:effectLst>
-                <a:latin typeface="微軟正黑體" pitchFamily="34" charset="-120"/>
-                <a:ea typeface="微軟正黑體" pitchFamily="34" charset="-120"/>
-                <a:cs typeface="+mj-cs"/>
-              </a:rPr>
-              <a:t>讚美三位合一真神</a:t>
+              <a:rPr lang="zh-CN" altLang="en-US" sz="4800" b="1" dirty="0">
+                <a:solidFill>
+                  <a:srgbClr val="000066"/>
+                </a:solidFill>
+                <a:latin typeface="Microsoft JhengHei" pitchFamily="34" charset="-120"/>
+                <a:ea typeface="Microsoft JhengHei" pitchFamily="34" charset="-120"/>
+              </a:rPr>
+              <a:t>救主所流的寶血</a:t>
+            </a:r>
+            <a:r>
+              <a:rPr lang="en-US" altLang="zh-CN" sz="4800" b="1" dirty="0">
+                <a:solidFill>
+                  <a:srgbClr val="000066"/>
+                </a:solidFill>
+                <a:latin typeface="Microsoft JhengHei" pitchFamily="34" charset="-120"/>
+                <a:ea typeface="Microsoft JhengHei" pitchFamily="34" charset="-120"/>
+              </a:rPr>
+              <a:t>  </a:t>
+            </a:r>
+            <a:r>
+              <a:rPr lang="zh-CN" altLang="en-US" sz="4800" b="1" dirty="0">
+                <a:solidFill>
+                  <a:srgbClr val="000066"/>
+                </a:solidFill>
+                <a:latin typeface="Microsoft JhengHei" pitchFamily="34" charset="-120"/>
+                <a:ea typeface="Microsoft JhengHei" pitchFamily="34" charset="-120"/>
+              </a:rPr>
+              <a:t>洗我罪惡清潔</a:t>
             </a:r>
             <a:endParaRPr lang="zh-TW" altLang="en-US" sz="4800" b="1" dirty="0">
               <a:solidFill>
                 <a:srgbClr val="000066"/>
               </a:solidFill>
-              <a:effectLst>
-                <a:outerShdw blurRad="50000" dist="30000" dir="5400000" algn="tl" rotWithShape="0">
-                  <a:srgbClr val="000000">
-                    <a:alpha val="30000"/>
-                  </a:srgbClr>
-                </a:outerShdw>
-              </a:effectLst>
-              <a:latin typeface="微軟正黑體" pitchFamily="34" charset="-120"/>
-              <a:ea typeface="微軟正黑體" pitchFamily="34" charset="-120"/>
-              <a:cs typeface="+mj-cs"/>
+              <a:latin typeface="Microsoft JhengHei" pitchFamily="34" charset="-120"/>
+              <a:ea typeface="Microsoft JhengHei" pitchFamily="34" charset="-120"/>
             </a:endParaRPr>
           </a:p>
         </p:txBody>
       </p:sp>
     </p:spTree>
+    <p:extLst>
+      <p:ext uri="{BB962C8B-B14F-4D97-AF65-F5344CB8AC3E}">
+        <p14:creationId xmlns:p14="http://schemas.microsoft.com/office/powerpoint/2010/main" val="4119505024"/>
+      </p:ext>
+    </p:extLst>
   </p:cSld>
   <p:clrMapOvr>
     <a:masterClrMapping/>
   </p:clrMapOvr>
-  <p:timing>
-    <p:tnLst>
-      <p:par>
-        <p:cTn id="1" dur="indefinite" restart="never" nodeType="tmRoot"/>
-      </p:par>
-    </p:tnLst>
-  </p:timing>
 </p:sld>
 </file>
 
@@ -9766,105 +9657,65 @@
       </p:grpSpPr>
       <p:sp>
         <p:nvSpPr>
-          <p:cNvPr id="2" name="標題 1"/>
-          <p:cNvSpPr>
-            <a:spLocks noGrp="1"/>
-          </p:cNvSpPr>
-          <p:nvPr>
-            <p:ph type="title"/>
+          <p:cNvPr id="5" name="內容版面配置區 4"/>
+          <p:cNvSpPr>
+            <a:spLocks noGrp="1"/>
+          </p:cNvSpPr>
+          <p:nvPr>
+            <p:ph idx="1"/>
           </p:nvPr>
         </p:nvSpPr>
         <p:spPr>
           <a:xfrm>
-            <a:off x="0" y="85712"/>
-            <a:ext cx="8991600" cy="628650"/>
+            <a:off x="0" y="1563638"/>
+            <a:ext cx="9144000" cy="1803647"/>
           </a:xfrm>
         </p:spPr>
         <p:txBody>
-          <a:bodyPr>
-            <a:noAutofit/>
+          <a:bodyPr anchor="ctr">
+            <a:normAutofit/>
           </a:bodyPr>
           <a:lstStyle/>
           <a:p>
-            <a:r>
-              <a:rPr lang="zh-CN" altLang="en-US" sz="4000" b="1" dirty="0" smtClean="0">
-                <a:solidFill>
-                  <a:srgbClr val="000066"/>
-                </a:solidFill>
-                <a:latin typeface="微軟正黑體" pitchFamily="34" charset="-120"/>
-                <a:ea typeface="微軟正黑體" pitchFamily="34" charset="-120"/>
-              </a:rPr>
-              <a:t>公禱文</a:t>
-            </a:r>
-            <a:endParaRPr lang="zh-TW" altLang="en-US" sz="4000" b="1" dirty="0">
-              <a:solidFill>
-                <a:srgbClr val="000066"/>
-              </a:solidFill>
-              <a:latin typeface="微軟正黑體" pitchFamily="34" charset="-120"/>
-              <a:ea typeface="微軟正黑體" pitchFamily="34" charset="-120"/>
-            </a:endParaRPr>
-          </a:p>
-        </p:txBody>
-      </p:sp>
-      <p:sp>
-        <p:nvSpPr>
-          <p:cNvPr id="4" name="內容版面配置區 3"/>
-          <p:cNvSpPr>
-            <a:spLocks noGrp="1"/>
-          </p:cNvSpPr>
-          <p:nvPr>
-            <p:ph idx="1"/>
-          </p:nvPr>
-        </p:nvSpPr>
-        <p:spPr>
-          <a:xfrm>
-            <a:off x="0" y="785800"/>
-            <a:ext cx="9144000" cy="4357718"/>
-          </a:xfrm>
-        </p:spPr>
-        <p:txBody>
-          <a:bodyPr>
-            <a:noAutofit/>
-          </a:bodyPr>
-          <a:lstStyle/>
-          <a:p>
             <a:pPr algn="ctr">
+              <a:lnSpc>
+                <a:spcPct val="90000"/>
+              </a:lnSpc>
               <a:buNone/>
             </a:pPr>
             <a:r>
-              <a:rPr lang="zh-CN" altLang="en-US" sz="4800" b="1" dirty="0" smtClean="0">
-                <a:solidFill>
-                  <a:srgbClr val="000066"/>
-                </a:solidFill>
-                <a:effectLst>
-                  <a:outerShdw blurRad="50000" dist="30000" dir="5400000" algn="tl" rotWithShape="0">
-                    <a:srgbClr val="000000">
-                      <a:alpha val="30000"/>
-                    </a:srgbClr>
-                  </a:outerShdw>
-                </a:effectLst>
-                <a:latin typeface="微軟正黑體" pitchFamily="34" charset="-120"/>
-                <a:ea typeface="微軟正黑體" pitchFamily="34" charset="-120"/>
-              </a:rPr>
-              <a:t>我們在天上的父</a:t>
+              <a:rPr lang="zh-CN" altLang="en-US" sz="4800" b="1" dirty="0">
+                <a:solidFill>
+                  <a:srgbClr val="000066"/>
+                </a:solidFill>
+                <a:latin typeface="Microsoft JhengHei" pitchFamily="34" charset="-120"/>
+                <a:ea typeface="Microsoft JhengHei" pitchFamily="34" charset="-120"/>
+              </a:rPr>
+              <a:t>求主賞賜聖靈</a:t>
+            </a:r>
+            <a:r>
+              <a:rPr lang="en-US" altLang="zh-CN" sz="4800" b="1" dirty="0">
+                <a:solidFill>
+                  <a:srgbClr val="000066"/>
+                </a:solidFill>
+                <a:latin typeface="Microsoft JhengHei" pitchFamily="34" charset="-120"/>
+                <a:ea typeface="Microsoft JhengHei" pitchFamily="34" charset="-120"/>
+              </a:rPr>
+              <a:t>  </a:t>
             </a:r>
             <a:endParaRPr lang="en-US" altLang="zh-CN" sz="4800" b="1" dirty="0" smtClean="0">
               <a:solidFill>
                 <a:srgbClr val="000066"/>
               </a:solidFill>
-              <a:effectLst>
-                <a:outerShdw blurRad="50000" dist="30000" dir="5400000" algn="tl" rotWithShape="0">
-                  <a:srgbClr val="000000">
-                    <a:alpha val="30000"/>
-                  </a:srgbClr>
-                </a:outerShdw>
-              </a:effectLst>
-              <a:latin typeface="微軟正黑體" pitchFamily="34" charset="-120"/>
-              <a:ea typeface="微軟正黑體" pitchFamily="34" charset="-120"/>
+              <a:latin typeface="Microsoft JhengHei" pitchFamily="34" charset="-120"/>
+              <a:ea typeface="Microsoft JhengHei" pitchFamily="34" charset="-120"/>
             </a:endParaRPr>
           </a:p>
           <a:p>
             <a:pPr algn="ctr">
+              <a:lnSpc>
+                <a:spcPct val="90000"/>
+              </a:lnSpc>
               <a:buNone/>
             </a:pPr>
             <a:r>
@@ -9872,206 +9723,79 @@
                 <a:solidFill>
                   <a:srgbClr val="000066"/>
                 </a:solidFill>
-                <a:effectLst>
-                  <a:outerShdw blurRad="50000" dist="30000" dir="5400000" algn="tl" rotWithShape="0">
-                    <a:srgbClr val="000000">
-                      <a:alpha val="30000"/>
-                    </a:srgbClr>
-                  </a:outerShdw>
-                </a:effectLst>
-                <a:latin typeface="微軟正黑體" pitchFamily="34" charset="-120"/>
-                <a:ea typeface="微軟正黑體" pitchFamily="34" charset="-120"/>
-              </a:rPr>
-              <a:t>願人</a:t>
-            </a:r>
-            <a:r>
-              <a:rPr lang="zh-CN" altLang="en-US" sz="4800" b="1" smtClean="0">
-                <a:solidFill>
-                  <a:srgbClr val="000066"/>
-                </a:solidFill>
-                <a:effectLst>
-                  <a:outerShdw blurRad="50000" dist="30000" dir="5400000" algn="tl" rotWithShape="0">
-                    <a:srgbClr val="000000">
-                      <a:alpha val="30000"/>
-                    </a:srgbClr>
-                  </a:outerShdw>
-                </a:effectLst>
-                <a:latin typeface="微軟正黑體" pitchFamily="34" charset="-120"/>
-                <a:ea typeface="微軟正黑體" pitchFamily="34" charset="-120"/>
-              </a:rPr>
-              <a:t>都</a:t>
-            </a:r>
-            <a:r>
-              <a:rPr lang="zh-CN" altLang="en-US" sz="4800" b="1">
-                <a:solidFill>
-                  <a:srgbClr val="000066"/>
-                </a:solidFill>
-                <a:effectLst>
-                  <a:outerShdw blurRad="50000" dist="30000" dir="5400000" algn="tl" rotWithShape="0">
-                    <a:srgbClr val="000000">
-                      <a:alpha val="30000"/>
-                    </a:srgbClr>
-                  </a:outerShdw>
-                </a:effectLst>
-                <a:latin typeface="微軟正黑體" pitchFamily="34" charset="-120"/>
-                <a:ea typeface="微軟正黑體" pitchFamily="34" charset="-120"/>
-              </a:rPr>
-              <a:t>尊父的</a:t>
-            </a:r>
-            <a:r>
-              <a:rPr lang="zh-CN" altLang="en-US" sz="4800" b="1" dirty="0" smtClean="0">
-                <a:solidFill>
-                  <a:srgbClr val="000066"/>
-                </a:solidFill>
-                <a:effectLst>
-                  <a:outerShdw blurRad="50000" dist="30000" dir="5400000" algn="tl" rotWithShape="0">
-                    <a:srgbClr val="000000">
-                      <a:alpha val="30000"/>
-                    </a:srgbClr>
-                  </a:outerShdw>
-                </a:effectLst>
-                <a:latin typeface="微軟正黑體" pitchFamily="34" charset="-120"/>
-                <a:ea typeface="微軟正黑體" pitchFamily="34" charset="-120"/>
-              </a:rPr>
-              <a:t>名為聖</a:t>
-            </a:r>
-            <a:endParaRPr lang="en-US" altLang="zh-CN" sz="4800" b="1" dirty="0" smtClean="0">
+                <a:latin typeface="Microsoft JhengHei" pitchFamily="34" charset="-120"/>
+                <a:ea typeface="Microsoft JhengHei" pitchFamily="34" charset="-120"/>
+              </a:rPr>
+              <a:t>激</a:t>
+            </a:r>
+            <a:r>
+              <a:rPr lang="zh-CN" altLang="en-US" sz="4800" b="1" dirty="0">
+                <a:solidFill>
+                  <a:srgbClr val="000066"/>
+                </a:solidFill>
+                <a:latin typeface="Microsoft JhengHei" pitchFamily="34" charset="-120"/>
+                <a:ea typeface="Microsoft JhengHei" pitchFamily="34" charset="-120"/>
+              </a:rPr>
+              <a:t>發愛主熱心</a:t>
+            </a:r>
+            <a:endParaRPr lang="en-US" altLang="zh-CN" sz="4800" b="1" dirty="0">
               <a:solidFill>
                 <a:srgbClr val="000066"/>
               </a:solidFill>
-              <a:effectLst>
-                <a:outerShdw blurRad="50000" dist="30000" dir="5400000" algn="tl" rotWithShape="0">
-                  <a:srgbClr val="000000">
-                    <a:alpha val="30000"/>
-                  </a:srgbClr>
-                </a:outerShdw>
-              </a:effectLst>
-              <a:latin typeface="微軟正黑體" pitchFamily="34" charset="-120"/>
-              <a:ea typeface="微軟正黑體" pitchFamily="34" charset="-120"/>
+              <a:latin typeface="Microsoft JhengHei" pitchFamily="34" charset="-120"/>
+              <a:ea typeface="Microsoft JhengHei" pitchFamily="34" charset="-120"/>
             </a:endParaRPr>
           </a:p>
-          <a:p>
-            <a:pPr algn="ctr">
-              <a:buNone/>
-            </a:pPr>
-            <a:r>
-              <a:rPr lang="zh-CN" altLang="en-US" sz="4800" b="1" dirty="0" smtClean="0">
-                <a:solidFill>
-                  <a:srgbClr val="000066"/>
-                </a:solidFill>
-                <a:effectLst>
-                  <a:outerShdw blurRad="50000" dist="30000" dir="5400000" algn="tl" rotWithShape="0">
-                    <a:srgbClr val="000000">
-                      <a:alpha val="30000"/>
-                    </a:srgbClr>
-                  </a:outerShdw>
-                </a:effectLst>
-                <a:latin typeface="微軟正黑體" pitchFamily="34" charset="-120"/>
-                <a:ea typeface="微軟正黑體" pitchFamily="34" charset="-120"/>
-              </a:rPr>
-              <a:t>願父的國降臨</a:t>
-            </a:r>
-            <a:endParaRPr lang="en-US" altLang="zh-CN" sz="4800" b="1" dirty="0" smtClean="0">
+        </p:txBody>
+      </p:sp>
+      <p:sp>
+        <p:nvSpPr>
+          <p:cNvPr id="3" name="TextBox 2"/>
+          <p:cNvSpPr txBox="1"/>
+          <p:nvPr/>
+        </p:nvSpPr>
+        <p:spPr>
+          <a:xfrm>
+            <a:off x="827584" y="1661525"/>
+            <a:ext cx="936104" cy="830997"/>
+          </a:xfrm>
+          <a:prstGeom prst="rect">
+            <a:avLst/>
+          </a:prstGeom>
+          <a:noFill/>
+        </p:spPr>
+        <p:txBody>
+          <a:bodyPr wrap="square" rtlCol="0">
+            <a:spAutoFit/>
+          </a:bodyPr>
+          <a:lstStyle/>
+          <a:p>
+            <a:r>
+              <a:rPr lang="en-US" sz="4800" b="1" dirty="0" smtClean="0">
+                <a:solidFill>
+                  <a:srgbClr val="000066"/>
+                </a:solidFill>
+              </a:rPr>
+              <a:t>3.</a:t>
+            </a:r>
+            <a:endParaRPr lang="vi-VN" sz="4800" b="1" dirty="0">
               <a:solidFill>
                 <a:srgbClr val="000066"/>
               </a:solidFill>
-              <a:effectLst>
-                <a:outerShdw blurRad="50000" dist="30000" dir="5400000" algn="tl" rotWithShape="0">
-                  <a:srgbClr val="000000">
-                    <a:alpha val="30000"/>
-                  </a:srgbClr>
-                </a:outerShdw>
-              </a:effectLst>
-              <a:latin typeface="微軟正黑體" pitchFamily="34" charset="-120"/>
-              <a:ea typeface="微軟正黑體" pitchFamily="34" charset="-120"/>
             </a:endParaRPr>
           </a:p>
-          <a:p>
-            <a:pPr algn="ctr">
-              <a:buNone/>
-            </a:pPr>
-            <a:r>
-              <a:rPr lang="zh-CN" altLang="en-US" sz="4800" b="1" dirty="0" smtClean="0">
-                <a:solidFill>
-                  <a:srgbClr val="000066"/>
-                </a:solidFill>
-                <a:effectLst>
-                  <a:outerShdw blurRad="50000" dist="30000" dir="5400000" algn="tl" rotWithShape="0">
-                    <a:srgbClr val="000000">
-                      <a:alpha val="30000"/>
-                    </a:srgbClr>
-                  </a:outerShdw>
-                </a:effectLst>
-                <a:latin typeface="微軟正黑體" pitchFamily="34" charset="-120"/>
-                <a:ea typeface="微軟正黑體" pitchFamily="34" charset="-120"/>
-              </a:rPr>
-              <a:t>願父的旨意行在地上</a:t>
-            </a:r>
-            <a:endParaRPr lang="en-US" altLang="zh-CN" sz="4800" b="1" dirty="0" smtClean="0">
-              <a:solidFill>
-                <a:srgbClr val="000066"/>
-              </a:solidFill>
-              <a:effectLst>
-                <a:outerShdw blurRad="50000" dist="30000" dir="5400000" algn="tl" rotWithShape="0">
-                  <a:srgbClr val="000000">
-                    <a:alpha val="30000"/>
-                  </a:srgbClr>
-                </a:outerShdw>
-              </a:effectLst>
-              <a:latin typeface="微軟正黑體" pitchFamily="34" charset="-120"/>
-              <a:ea typeface="微軟正黑體" pitchFamily="34" charset="-120"/>
-            </a:endParaRPr>
-          </a:p>
-          <a:p>
-            <a:pPr algn="ctr">
-              <a:buNone/>
-            </a:pPr>
-            <a:r>
-              <a:rPr lang="zh-CN" altLang="en-US" sz="4800" b="1" dirty="0" smtClean="0">
-                <a:solidFill>
-                  <a:srgbClr val="000066"/>
-                </a:solidFill>
-                <a:effectLst>
-                  <a:outerShdw blurRad="50000" dist="30000" dir="5400000" algn="tl" rotWithShape="0">
-                    <a:srgbClr val="000000">
-                      <a:alpha val="30000"/>
-                    </a:srgbClr>
-                  </a:outerShdw>
-                </a:effectLst>
-                <a:latin typeface="微軟正黑體" pitchFamily="34" charset="-120"/>
-                <a:ea typeface="微軟正黑體" pitchFamily="34" charset="-120"/>
-              </a:rPr>
-              <a:t>如同行在天上</a:t>
-            </a:r>
-            <a:endParaRPr lang="zh-TW" altLang="en-US" sz="4800" b="1" dirty="0">
-              <a:solidFill>
-                <a:srgbClr val="000066"/>
-              </a:solidFill>
-              <a:effectLst>
-                <a:outerShdw blurRad="50000" dist="30000" dir="5400000" algn="tl" rotWithShape="0">
-                  <a:srgbClr val="000000">
-                    <a:alpha val="30000"/>
-                  </a:srgbClr>
-                </a:outerShdw>
-              </a:effectLst>
-              <a:latin typeface="微軟正黑體" pitchFamily="34" charset="-120"/>
-              <a:ea typeface="微軟正黑體" pitchFamily="34" charset="-120"/>
-            </a:endParaRPr>
-          </a:p>
         </p:txBody>
       </p:sp>
     </p:spTree>
+    <p:extLst>
+      <p:ext uri="{BB962C8B-B14F-4D97-AF65-F5344CB8AC3E}">
+        <p14:creationId xmlns:p14="http://schemas.microsoft.com/office/powerpoint/2010/main" val="60798354"/>
+      </p:ext>
+    </p:extLst>
   </p:cSld>
   <p:clrMapOvr>
     <a:masterClrMapping/>
   </p:clrMapOvr>
-  <p:timing>
-    <p:tnLst>
-      <p:par>
-        <p:cTn id="1" dur="indefinite" restart="never" nodeType="tmRoot"/>
-      </p:par>
-    </p:tnLst>
-  </p:timing>
 </p:sld>
 </file>
 
@@ -10094,225 +9818,125 @@
       </p:grpSpPr>
       <p:sp>
         <p:nvSpPr>
-          <p:cNvPr id="2" name="標題 1"/>
-          <p:cNvSpPr>
-            <a:spLocks noGrp="1"/>
-          </p:cNvSpPr>
-          <p:nvPr>
-            <p:ph type="title"/>
+          <p:cNvPr id="5" name="內容版面配置區 4"/>
+          <p:cNvSpPr>
+            <a:spLocks noGrp="1"/>
+          </p:cNvSpPr>
+          <p:nvPr>
+            <p:ph idx="1"/>
           </p:nvPr>
         </p:nvSpPr>
         <p:spPr>
           <a:xfrm>
-            <a:off x="0" y="85712"/>
-            <a:ext cx="8991600" cy="628650"/>
+            <a:off x="0" y="1563638"/>
+            <a:ext cx="9144000" cy="1803647"/>
           </a:xfrm>
         </p:spPr>
         <p:txBody>
-          <a:bodyPr>
-            <a:noAutofit/>
+          <a:bodyPr anchor="ctr">
+            <a:normAutofit/>
           </a:bodyPr>
           <a:lstStyle/>
           <a:p>
-            <a:r>
-              <a:rPr lang="zh-CN" altLang="en-US" sz="4000" b="1" dirty="0" smtClean="0">
-                <a:solidFill>
-                  <a:srgbClr val="000066"/>
-                </a:solidFill>
-                <a:latin typeface="微軟正黑體" pitchFamily="34" charset="-120"/>
-                <a:ea typeface="微軟正黑體" pitchFamily="34" charset="-120"/>
-              </a:rPr>
-              <a:t>公禱文</a:t>
-            </a:r>
-            <a:endParaRPr lang="zh-TW" altLang="en-US" sz="4000" b="1" dirty="0">
+            <a:pPr algn="ctr">
+              <a:lnSpc>
+                <a:spcPct val="90000"/>
+              </a:lnSpc>
+              <a:buNone/>
+            </a:pPr>
+            <a:r>
+              <a:rPr lang="zh-CN" altLang="en-US" sz="4800" b="1" dirty="0">
+                <a:solidFill>
+                  <a:srgbClr val="000066"/>
+                </a:solidFill>
+                <a:latin typeface="Microsoft JhengHei" pitchFamily="34" charset="-120"/>
+                <a:ea typeface="Microsoft JhengHei" pitchFamily="34" charset="-120"/>
+              </a:rPr>
+              <a:t>引導罪人歸向耶穌</a:t>
+            </a:r>
+            <a:endParaRPr lang="en-US" altLang="zh-CN" sz="4800" b="1" dirty="0">
               <a:solidFill>
                 <a:srgbClr val="000066"/>
               </a:solidFill>
-              <a:latin typeface="微軟正黑體" pitchFamily="34" charset="-120"/>
-              <a:ea typeface="微軟正黑體" pitchFamily="34" charset="-120"/>
+              <a:latin typeface="Microsoft JhengHei" pitchFamily="34" charset="-120"/>
+              <a:ea typeface="Microsoft JhengHei" pitchFamily="34" charset="-120"/>
             </a:endParaRPr>
           </a:p>
-        </p:txBody>
-      </p:sp>
-      <p:sp>
-        <p:nvSpPr>
-          <p:cNvPr id="4" name="內容版面配置區 3"/>
-          <p:cNvSpPr>
-            <a:spLocks noGrp="1"/>
-          </p:cNvSpPr>
-          <p:nvPr>
-            <p:ph idx="1"/>
-          </p:nvPr>
-        </p:nvSpPr>
-        <p:spPr>
-          <a:xfrm>
-            <a:off x="0" y="1142990"/>
-            <a:ext cx="9144000" cy="4000528"/>
-          </a:xfrm>
-        </p:spPr>
-        <p:txBody>
-          <a:bodyPr>
-            <a:noAutofit/>
-          </a:bodyPr>
-          <a:lstStyle/>
           <a:p>
             <a:pPr algn="ctr">
+              <a:lnSpc>
+                <a:spcPct val="90000"/>
+              </a:lnSpc>
               <a:buNone/>
             </a:pPr>
             <a:r>
-              <a:rPr lang="zh-CN" altLang="en-US" sz="4800" b="1" dirty="0" smtClean="0">
-                <a:solidFill>
-                  <a:srgbClr val="000066"/>
-                </a:solidFill>
-                <a:effectLst>
-                  <a:outerShdw blurRad="50000" dist="30000" dir="5400000" algn="tl" rotWithShape="0">
-                    <a:srgbClr val="000000">
-                      <a:alpha val="30000"/>
-                    </a:srgbClr>
-                  </a:outerShdw>
-                </a:effectLst>
-                <a:latin typeface="微軟正黑體" pitchFamily="34" charset="-120"/>
-                <a:ea typeface="微軟正黑體" pitchFamily="34" charset="-120"/>
-              </a:rPr>
-              <a:t>我們日用的飲食</a:t>
-            </a:r>
-            <a:endParaRPr lang="en-US" altLang="zh-CN" sz="4800" b="1" dirty="0" smtClean="0">
+              <a:rPr lang="zh-CN" altLang="en-US" sz="4800" b="1" dirty="0">
+                <a:solidFill>
+                  <a:srgbClr val="000066"/>
+                </a:solidFill>
+                <a:latin typeface="Microsoft JhengHei" pitchFamily="34" charset="-120"/>
+                <a:ea typeface="Microsoft JhengHei" pitchFamily="34" charset="-120"/>
+              </a:rPr>
+              <a:t>使主教會復興</a:t>
+            </a:r>
+            <a:endParaRPr lang="en-US" altLang="zh-CN" sz="4800" b="1" dirty="0">
               <a:solidFill>
                 <a:srgbClr val="000066"/>
               </a:solidFill>
-              <a:effectLst>
-                <a:outerShdw blurRad="50000" dist="30000" dir="5400000" algn="tl" rotWithShape="0">
-                  <a:srgbClr val="000000">
-                    <a:alpha val="30000"/>
-                  </a:srgbClr>
-                </a:outerShdw>
-              </a:effectLst>
-              <a:latin typeface="微軟正黑體" pitchFamily="34" charset="-120"/>
-              <a:ea typeface="微軟正黑體" pitchFamily="34" charset="-120"/>
+              <a:latin typeface="Microsoft JhengHei" pitchFamily="34" charset="-120"/>
+              <a:ea typeface="Microsoft JhengHei" pitchFamily="34" charset="-120"/>
             </a:endParaRPr>
           </a:p>
-          <a:p>
-            <a:pPr algn="ctr">
-              <a:buNone/>
-            </a:pPr>
-            <a:r>
-              <a:rPr lang="zh-CN" altLang="en-US" sz="4800" b="1" dirty="0" smtClean="0">
-                <a:solidFill>
-                  <a:srgbClr val="000066"/>
-                </a:solidFill>
-                <a:effectLst>
-                  <a:outerShdw blurRad="50000" dist="30000" dir="5400000" algn="tl" rotWithShape="0">
-                    <a:srgbClr val="000000">
-                      <a:alpha val="30000"/>
-                    </a:srgbClr>
-                  </a:outerShdw>
-                </a:effectLst>
-                <a:latin typeface="微軟正黑體" pitchFamily="34" charset="-120"/>
-                <a:ea typeface="微軟正黑體" pitchFamily="34" charset="-120"/>
-              </a:rPr>
-              <a:t>今日賜給我們</a:t>
-            </a:r>
-            <a:endParaRPr lang="en-US" altLang="zh-CN" sz="4800" b="1" dirty="0" smtClean="0">
+        </p:txBody>
+      </p:sp>
+      <p:sp>
+        <p:nvSpPr>
+          <p:cNvPr id="3" name="TextBox 2"/>
+          <p:cNvSpPr txBox="1"/>
+          <p:nvPr/>
+        </p:nvSpPr>
+        <p:spPr>
+          <a:xfrm>
+            <a:off x="827584" y="1661525"/>
+            <a:ext cx="936104" cy="830997"/>
+          </a:xfrm>
+          <a:prstGeom prst="rect">
+            <a:avLst/>
+          </a:prstGeom>
+          <a:noFill/>
+        </p:spPr>
+        <p:txBody>
+          <a:bodyPr wrap="square" rtlCol="0">
+            <a:spAutoFit/>
+          </a:bodyPr>
+          <a:lstStyle/>
+          <a:p>
+            <a:r>
+              <a:rPr lang="en-US" sz="4800" b="1" dirty="0" smtClean="0">
+                <a:solidFill>
+                  <a:srgbClr val="000066"/>
+                </a:solidFill>
+              </a:rPr>
+              <a:t>3.</a:t>
+            </a:r>
+            <a:endParaRPr lang="vi-VN" sz="4800" b="1" dirty="0">
               <a:solidFill>
                 <a:srgbClr val="000066"/>
               </a:solidFill>
-              <a:effectLst>
-                <a:outerShdw blurRad="50000" dist="30000" dir="5400000" algn="tl" rotWithShape="0">
-                  <a:srgbClr val="000000">
-                    <a:alpha val="30000"/>
-                  </a:srgbClr>
-                </a:outerShdw>
-              </a:effectLst>
-              <a:latin typeface="微軟正黑體" pitchFamily="34" charset="-120"/>
-              <a:ea typeface="微軟正黑體" pitchFamily="34" charset="-120"/>
             </a:endParaRPr>
           </a:p>
-          <a:p>
-            <a:pPr algn="ctr">
-              <a:buNone/>
-            </a:pPr>
-            <a:r>
-              <a:rPr lang="zh-CN" altLang="en-US" sz="4800" b="1" dirty="0" smtClean="0">
-                <a:solidFill>
-                  <a:srgbClr val="000066"/>
-                </a:solidFill>
-                <a:effectLst>
-                  <a:outerShdw blurRad="50000" dist="30000" dir="5400000" algn="tl" rotWithShape="0">
-                    <a:srgbClr val="000000">
-                      <a:alpha val="30000"/>
-                    </a:srgbClr>
-                  </a:outerShdw>
-                </a:effectLst>
-                <a:latin typeface="微軟正黑體" pitchFamily="34" charset="-120"/>
-                <a:ea typeface="微軟正黑體" pitchFamily="34" charset="-120"/>
-              </a:rPr>
-              <a:t>免我們的債</a:t>
-            </a:r>
-            <a:endParaRPr lang="en-US" altLang="zh-CN" sz="4800" b="1" dirty="0" smtClean="0">
-              <a:solidFill>
-                <a:srgbClr val="000066"/>
-              </a:solidFill>
-              <a:effectLst>
-                <a:outerShdw blurRad="50000" dist="30000" dir="5400000" algn="tl" rotWithShape="0">
-                  <a:srgbClr val="000000">
-                    <a:alpha val="30000"/>
-                  </a:srgbClr>
-                </a:outerShdw>
-              </a:effectLst>
-              <a:latin typeface="微軟正黑體" pitchFamily="34" charset="-120"/>
-              <a:ea typeface="微軟正黑體" pitchFamily="34" charset="-120"/>
-            </a:endParaRPr>
-          </a:p>
-          <a:p>
-            <a:pPr algn="ctr">
-              <a:buNone/>
-            </a:pPr>
-            <a:r>
-              <a:rPr lang="zh-CN" altLang="en-US" sz="4800" b="1" dirty="0" smtClean="0">
-                <a:solidFill>
-                  <a:srgbClr val="000066"/>
-                </a:solidFill>
-                <a:effectLst>
-                  <a:outerShdw blurRad="50000" dist="30000" dir="5400000" algn="tl" rotWithShape="0">
-                    <a:srgbClr val="000000">
-                      <a:alpha val="30000"/>
-                    </a:srgbClr>
-                  </a:outerShdw>
-                </a:effectLst>
-                <a:latin typeface="微軟正黑體" pitchFamily="34" charset="-120"/>
-                <a:ea typeface="微軟正黑體" pitchFamily="34" charset="-120"/>
-              </a:rPr>
-              <a:t>如同我們免了人的債</a:t>
-            </a:r>
-            <a:endParaRPr lang="zh-TW" altLang="en-US" sz="4800" b="1" dirty="0" smtClean="0">
-              <a:solidFill>
-                <a:srgbClr val="000066"/>
-              </a:solidFill>
-              <a:effectLst>
-                <a:outerShdw blurRad="50000" dist="30000" dir="5400000" algn="tl" rotWithShape="0">
-                  <a:srgbClr val="000000">
-                    <a:alpha val="30000"/>
-                  </a:srgbClr>
-                </a:outerShdw>
-              </a:effectLst>
-              <a:latin typeface="微軟正黑體" pitchFamily="34" charset="-120"/>
-              <a:ea typeface="微軟正黑體" pitchFamily="34" charset="-120"/>
-            </a:endParaRPr>
-          </a:p>
         </p:txBody>
       </p:sp>
     </p:spTree>
+    <p:extLst>
+      <p:ext uri="{BB962C8B-B14F-4D97-AF65-F5344CB8AC3E}">
+        <p14:creationId xmlns:p14="http://schemas.microsoft.com/office/powerpoint/2010/main" val="4070827866"/>
+      </p:ext>
+    </p:extLst>
   </p:cSld>
   <p:clrMapOvr>
     <a:masterClrMapping/>
   </p:clrMapOvr>
-  <p:timing>
-    <p:tnLst>
-      <p:par>
-        <p:cTn id="1" dur="indefinite" restart="never" nodeType="tmRoot"/>
-      </p:par>
-    </p:tnLst>
-  </p:timing>
 </p:sld>
 </file>
 
@@ -10335,259 +9959,101 @@
       </p:grpSpPr>
       <p:sp>
         <p:nvSpPr>
-          <p:cNvPr id="2" name="標題 1"/>
-          <p:cNvSpPr>
-            <a:spLocks noGrp="1"/>
-          </p:cNvSpPr>
-          <p:nvPr>
-            <p:ph type="title"/>
+          <p:cNvPr id="5" name="內容版面配置區 4"/>
+          <p:cNvSpPr>
+            <a:spLocks noGrp="1"/>
+          </p:cNvSpPr>
+          <p:nvPr>
+            <p:ph idx="1"/>
           </p:nvPr>
         </p:nvSpPr>
         <p:spPr>
           <a:xfrm>
-            <a:off x="0" y="85712"/>
-            <a:ext cx="8991600" cy="628650"/>
+            <a:off x="0" y="1563638"/>
+            <a:ext cx="9144000" cy="1803647"/>
           </a:xfrm>
         </p:spPr>
         <p:txBody>
-          <a:bodyPr>
-            <a:noAutofit/>
+          <a:bodyPr anchor="ctr">
+            <a:normAutofit/>
           </a:bodyPr>
           <a:lstStyle/>
           <a:p>
-            <a:r>
-              <a:rPr lang="zh-CN" altLang="en-US" sz="4000" b="1" dirty="0" smtClean="0">
-                <a:solidFill>
-                  <a:srgbClr val="000066"/>
-                </a:solidFill>
-                <a:latin typeface="微軟正黑體" pitchFamily="34" charset="-120"/>
-                <a:ea typeface="微軟正黑體" pitchFamily="34" charset="-120"/>
-              </a:rPr>
-              <a:t>公禱文</a:t>
-            </a:r>
-            <a:endParaRPr lang="zh-TW" altLang="en-US" sz="4000" b="1" dirty="0">
+            <a:pPr algn="ctr">
+              <a:buNone/>
+            </a:pPr>
+            <a:r>
+              <a:rPr lang="zh-CN" altLang="en-US" sz="4800" b="1" dirty="0">
+                <a:solidFill>
+                  <a:srgbClr val="000066"/>
+                </a:solidFill>
+                <a:latin typeface="Microsoft JhengHei" pitchFamily="34" charset="-120"/>
+                <a:ea typeface="Microsoft JhengHei" pitchFamily="34" charset="-120"/>
+              </a:rPr>
+              <a:t>主我來就袮  我今來就袮</a:t>
+            </a:r>
+            <a:endParaRPr lang="en-US" altLang="zh-CN" sz="4800" b="1" dirty="0">
               <a:solidFill>
                 <a:srgbClr val="000066"/>
               </a:solidFill>
-              <a:latin typeface="微軟正黑體" pitchFamily="34" charset="-120"/>
-              <a:ea typeface="微軟正黑體" pitchFamily="34" charset="-120"/>
+              <a:latin typeface="Microsoft JhengHei" pitchFamily="34" charset="-120"/>
+              <a:ea typeface="Microsoft JhengHei" pitchFamily="34" charset="-120"/>
             </a:endParaRPr>
           </a:p>
-        </p:txBody>
-      </p:sp>
-      <p:sp>
-        <p:nvSpPr>
-          <p:cNvPr id="4" name="內容版面配置區 3"/>
-          <p:cNvSpPr>
-            <a:spLocks noGrp="1"/>
-          </p:cNvSpPr>
-          <p:nvPr>
-            <p:ph idx="1"/>
-          </p:nvPr>
-        </p:nvSpPr>
-        <p:spPr>
-          <a:xfrm>
-            <a:off x="0" y="1071552"/>
-            <a:ext cx="9144000" cy="4071966"/>
-          </a:xfrm>
-        </p:spPr>
-        <p:txBody>
-          <a:bodyPr>
-            <a:noAutofit/>
-          </a:bodyPr>
-          <a:lstStyle/>
           <a:p>
             <a:pPr algn="ctr">
               <a:buNone/>
             </a:pPr>
             <a:r>
-              <a:rPr lang="zh-CN" altLang="en-US" sz="4800" b="1" dirty="0" smtClean="0">
-                <a:solidFill>
-                  <a:srgbClr val="000066"/>
-                </a:solidFill>
-                <a:effectLst>
-                  <a:outerShdw blurRad="50000" dist="30000" dir="5400000" algn="tl" rotWithShape="0">
-                    <a:srgbClr val="000000">
-                      <a:alpha val="30000"/>
-                    </a:srgbClr>
-                  </a:outerShdw>
-                </a:effectLst>
-                <a:latin typeface="微軟正黑體" pitchFamily="34" charset="-120"/>
-                <a:ea typeface="微軟正黑體" pitchFamily="34" charset="-120"/>
-              </a:rPr>
-              <a:t>不叫我們遇見試探</a:t>
-            </a:r>
-            <a:endParaRPr lang="en-US" altLang="zh-CN" sz="4800" b="1" dirty="0" smtClean="0">
+              <a:rPr lang="zh-CN" altLang="en-US" sz="4800" b="1" dirty="0">
+                <a:solidFill>
+                  <a:srgbClr val="000066"/>
+                </a:solidFill>
+                <a:latin typeface="Microsoft JhengHei" pitchFamily="34" charset="-120"/>
+                <a:ea typeface="Microsoft JhengHei" pitchFamily="34" charset="-120"/>
+              </a:rPr>
+              <a:t>救主所流的寶血</a:t>
+            </a:r>
+            <a:r>
+              <a:rPr lang="en-US" altLang="zh-CN" sz="4800" b="1" dirty="0">
+                <a:solidFill>
+                  <a:srgbClr val="000066"/>
+                </a:solidFill>
+                <a:latin typeface="Microsoft JhengHei" pitchFamily="34" charset="-120"/>
+                <a:ea typeface="Microsoft JhengHei" pitchFamily="34" charset="-120"/>
+              </a:rPr>
+              <a:t>  </a:t>
+            </a:r>
+            <a:r>
+              <a:rPr lang="zh-CN" altLang="en-US" sz="4800" b="1" dirty="0">
+                <a:solidFill>
+                  <a:srgbClr val="000066"/>
+                </a:solidFill>
+                <a:latin typeface="Microsoft JhengHei" pitchFamily="34" charset="-120"/>
+                <a:ea typeface="Microsoft JhengHei" pitchFamily="34" charset="-120"/>
+              </a:rPr>
+              <a:t>洗我罪惡清潔</a:t>
+            </a:r>
+            <a:endParaRPr lang="zh-TW" altLang="en-US" sz="4800" b="1" dirty="0">
               <a:solidFill>
                 <a:srgbClr val="000066"/>
               </a:solidFill>
-              <a:effectLst>
-                <a:outerShdw blurRad="50000" dist="30000" dir="5400000" algn="tl" rotWithShape="0">
-                  <a:srgbClr val="000000">
-                    <a:alpha val="30000"/>
-                  </a:srgbClr>
-                </a:outerShdw>
-              </a:effectLst>
-              <a:latin typeface="微軟正黑體" pitchFamily="34" charset="-120"/>
-              <a:ea typeface="微軟正黑體" pitchFamily="34" charset="-120"/>
+              <a:latin typeface="Microsoft JhengHei" pitchFamily="34" charset="-120"/>
+              <a:ea typeface="Microsoft JhengHei" pitchFamily="34" charset="-120"/>
             </a:endParaRPr>
           </a:p>
-          <a:p>
-            <a:pPr algn="ctr">
-              <a:buNone/>
-            </a:pPr>
-            <a:r>
-              <a:rPr lang="zh-CN" altLang="en-US" sz="4800" b="1" dirty="0" smtClean="0">
-                <a:solidFill>
-                  <a:srgbClr val="000066"/>
-                </a:solidFill>
-                <a:effectLst>
-                  <a:outerShdw blurRad="50000" dist="30000" dir="5400000" algn="tl" rotWithShape="0">
-                    <a:srgbClr val="000000">
-                      <a:alpha val="30000"/>
-                    </a:srgbClr>
-                  </a:outerShdw>
-                </a:effectLst>
-                <a:latin typeface="微軟正黑體" pitchFamily="34" charset="-120"/>
-                <a:ea typeface="微軟正黑體" pitchFamily="34" charset="-120"/>
-              </a:rPr>
-              <a:t>救我們脫離兇惡</a:t>
-            </a:r>
-            <a:endParaRPr lang="en-US" altLang="zh-CN" sz="4800" b="1" dirty="0" smtClean="0">
-              <a:solidFill>
-                <a:srgbClr val="000066"/>
-              </a:solidFill>
-              <a:effectLst>
-                <a:outerShdw blurRad="50000" dist="30000" dir="5400000" algn="tl" rotWithShape="0">
-                  <a:srgbClr val="000000">
-                    <a:alpha val="30000"/>
-                  </a:srgbClr>
-                </a:outerShdw>
-              </a:effectLst>
-              <a:latin typeface="微軟正黑體" pitchFamily="34" charset="-120"/>
-              <a:ea typeface="微軟正黑體" pitchFamily="34" charset="-120"/>
-            </a:endParaRPr>
-          </a:p>
-          <a:p>
-            <a:pPr algn="ctr">
-              <a:buNone/>
-            </a:pPr>
-            <a:r>
-              <a:rPr lang="zh-CN" altLang="en-US" sz="4800" b="1" dirty="0" smtClean="0">
-                <a:solidFill>
-                  <a:srgbClr val="000066"/>
-                </a:solidFill>
-                <a:effectLst>
-                  <a:outerShdw blurRad="50000" dist="30000" dir="5400000" algn="tl" rotWithShape="0">
-                    <a:srgbClr val="000000">
-                      <a:alpha val="30000"/>
-                    </a:srgbClr>
-                  </a:outerShdw>
-                </a:effectLst>
-                <a:latin typeface="微軟正黑體" pitchFamily="34" charset="-120"/>
-                <a:ea typeface="微軟正黑體" pitchFamily="34" charset="-120"/>
-              </a:rPr>
-              <a:t>因為國度 權柄 榮耀</a:t>
-            </a:r>
-            <a:endParaRPr lang="en-US" altLang="zh-CN" sz="4800" b="1" dirty="0" smtClean="0">
-              <a:solidFill>
-                <a:srgbClr val="000066"/>
-              </a:solidFill>
-              <a:effectLst>
-                <a:outerShdw blurRad="50000" dist="30000" dir="5400000" algn="tl" rotWithShape="0">
-                  <a:srgbClr val="000000">
-                    <a:alpha val="30000"/>
-                  </a:srgbClr>
-                </a:outerShdw>
-              </a:effectLst>
-              <a:latin typeface="微軟正黑體" pitchFamily="34" charset="-120"/>
-              <a:ea typeface="微軟正黑體" pitchFamily="34" charset="-120"/>
-            </a:endParaRPr>
-          </a:p>
-          <a:p>
-            <a:pPr algn="ctr">
-              <a:buNone/>
-            </a:pPr>
-            <a:r>
-              <a:rPr lang="zh-CN" altLang="en-US" sz="4800" b="1" dirty="0" smtClean="0">
-                <a:solidFill>
-                  <a:srgbClr val="000066"/>
-                </a:solidFill>
-                <a:effectLst>
-                  <a:outerShdw blurRad="50000" dist="30000" dir="5400000" algn="tl" rotWithShape="0">
-                    <a:srgbClr val="000000">
-                      <a:alpha val="30000"/>
-                    </a:srgbClr>
-                  </a:outerShdw>
-                </a:effectLst>
-                <a:latin typeface="微軟正黑體" pitchFamily="34" charset="-120"/>
-                <a:ea typeface="微軟正黑體" pitchFamily="34" charset="-120"/>
-              </a:rPr>
-              <a:t>全是父的 直到永遠</a:t>
-            </a:r>
-            <a:r>
-              <a:rPr lang="en-US" altLang="zh-CN" sz="4800" b="1" dirty="0" smtClean="0">
-                <a:solidFill>
-                  <a:srgbClr val="000066"/>
-                </a:solidFill>
-                <a:effectLst>
-                  <a:outerShdw blurRad="50000" dist="30000" dir="5400000" algn="tl" rotWithShape="0">
-                    <a:srgbClr val="000000">
-                      <a:alpha val="30000"/>
-                    </a:srgbClr>
-                  </a:outerShdw>
-                </a:effectLst>
-                <a:latin typeface="微軟正黑體" pitchFamily="34" charset="-120"/>
-                <a:ea typeface="微軟正黑體" pitchFamily="34" charset="-120"/>
-              </a:rPr>
-              <a:t>  </a:t>
-            </a:r>
-            <a:r>
-              <a:rPr lang="zh-CN" altLang="en-US" sz="4800" b="1" dirty="0" smtClean="0">
-                <a:solidFill>
-                  <a:srgbClr val="000066"/>
-                </a:solidFill>
-                <a:effectLst>
-                  <a:outerShdw blurRad="50000" dist="30000" dir="5400000" algn="tl" rotWithShape="0">
-                    <a:srgbClr val="000000">
-                      <a:alpha val="30000"/>
-                    </a:srgbClr>
-                  </a:outerShdw>
-                </a:effectLst>
-                <a:latin typeface="微軟正黑體" pitchFamily="34" charset="-120"/>
-                <a:ea typeface="微軟正黑體" pitchFamily="34" charset="-120"/>
-              </a:rPr>
-              <a:t>阿門</a:t>
-            </a:r>
-            <a:endParaRPr lang="zh-TW" altLang="en-US" sz="4800" b="1" dirty="0" smtClean="0">
-              <a:solidFill>
-                <a:srgbClr val="000066"/>
-              </a:solidFill>
-              <a:effectLst>
-                <a:outerShdw blurRad="50000" dist="30000" dir="5400000" algn="tl" rotWithShape="0">
-                  <a:srgbClr val="000000">
-                    <a:alpha val="30000"/>
-                  </a:srgbClr>
-                </a:outerShdw>
-              </a:effectLst>
-              <a:latin typeface="微軟正黑體" pitchFamily="34" charset="-120"/>
-              <a:ea typeface="微軟正黑體" pitchFamily="34" charset="-120"/>
-            </a:endParaRPr>
-          </a:p>
         </p:txBody>
       </p:sp>
     </p:spTree>
+    <p:extLst>
+      <p:ext uri="{BB962C8B-B14F-4D97-AF65-F5344CB8AC3E}">
+        <p14:creationId xmlns:p14="http://schemas.microsoft.com/office/powerpoint/2010/main" val="3991296862"/>
+      </p:ext>
+    </p:extLst>
   </p:cSld>
   <p:clrMapOvr>
     <a:masterClrMapping/>
   </p:clrMapOvr>
-  <p:timing>
-    <p:tnLst>
-      <p:par>
-        <p:cTn id="1" dur="indefinite" restart="never" nodeType="tmRoot"/>
-      </p:par>
-    </p:tnLst>
-  </p:timing>
 </p:sld>
 </file>
 
@@ -10610,167 +10076,143 @@
       </p:grpSpPr>
       <p:sp>
         <p:nvSpPr>
-          <p:cNvPr id="2" name="標題 1"/>
-          <p:cNvSpPr>
-            <a:spLocks noGrp="1"/>
-          </p:cNvSpPr>
-          <p:nvPr>
-            <p:ph type="title" idx="4294967295"/>
+          <p:cNvPr id="5" name="內容版面配置區 4"/>
+          <p:cNvSpPr>
+            <a:spLocks noGrp="1"/>
+          </p:cNvSpPr>
+          <p:nvPr>
+            <p:ph idx="1"/>
           </p:nvPr>
         </p:nvSpPr>
         <p:spPr>
           <a:xfrm>
-            <a:off x="0" y="1635646"/>
-            <a:ext cx="9144000" cy="628650"/>
+            <a:off x="0" y="1563638"/>
+            <a:ext cx="9144000" cy="1803647"/>
           </a:xfrm>
         </p:spPr>
         <p:txBody>
-          <a:bodyPr>
-            <a:noAutofit/>
+          <a:bodyPr anchor="ctr">
+            <a:normAutofit lnSpcReduction="10000"/>
           </a:bodyPr>
           <a:lstStyle/>
           <a:p>
-            <a:pPr algn="ctr"/>
-            <a:r>
-              <a:rPr lang="zh-CN" altLang="en-US" sz="5400" b="1" dirty="0" smtClean="0">
-                <a:solidFill>
-                  <a:srgbClr val="000066"/>
-                </a:solidFill>
-                <a:effectLst>
-                  <a:outerShdw blurRad="38100" dist="38100" dir="2700000" algn="tl">
-                    <a:srgbClr val="000000">
-                      <a:alpha val="43137"/>
-                    </a:srgbClr>
-                  </a:outerShdw>
-                </a:effectLst>
-                <a:latin typeface="微軟正黑體" pitchFamily="34" charset="-120"/>
-                <a:ea typeface="微軟正黑體" pitchFamily="34" charset="-120"/>
-              </a:rPr>
-              <a:t>祝福</a:t>
-            </a:r>
-            <a:endParaRPr lang="zh-TW" altLang="en-US" sz="5400" b="1" dirty="0">
+            <a:pPr algn="ctr">
+              <a:lnSpc>
+                <a:spcPct val="110000"/>
+              </a:lnSpc>
+              <a:buNone/>
+            </a:pPr>
+            <a:r>
+              <a:rPr lang="zh-CN" altLang="en-US" sz="4800" b="1" dirty="0">
+                <a:solidFill>
+                  <a:srgbClr val="000066"/>
+                </a:solidFill>
+                <a:latin typeface="Microsoft JhengHei" pitchFamily="34" charset="-120"/>
+                <a:ea typeface="Microsoft JhengHei" pitchFamily="34" charset="-120"/>
+              </a:rPr>
+              <a:t>美哉贖罪</a:t>
+            </a:r>
+            <a:r>
+              <a:rPr lang="zh-CN" altLang="en-US" sz="4800" b="1" dirty="0" smtClean="0">
+                <a:solidFill>
+                  <a:srgbClr val="000066"/>
+                </a:solidFill>
+                <a:latin typeface="Microsoft JhengHei" pitchFamily="34" charset="-120"/>
+                <a:ea typeface="Microsoft JhengHei" pitchFamily="34" charset="-120"/>
+              </a:rPr>
+              <a:t>寶血</a:t>
+            </a:r>
+            <a:endParaRPr lang="en-US" altLang="zh-CN" sz="4800" b="1" dirty="0">
               <a:solidFill>
                 <a:srgbClr val="000066"/>
               </a:solidFill>
-              <a:effectLst>
-                <a:outerShdw blurRad="38100" dist="38100" dir="2700000" algn="tl">
-                  <a:srgbClr val="000000">
-                    <a:alpha val="43137"/>
-                  </a:srgbClr>
-                </a:outerShdw>
-              </a:effectLst>
-              <a:latin typeface="微軟正黑體" pitchFamily="34" charset="-120"/>
-              <a:ea typeface="微軟正黑體" pitchFamily="34" charset="-120"/>
+              <a:latin typeface="Microsoft JhengHei" pitchFamily="34" charset="-120"/>
+              <a:ea typeface="Microsoft JhengHei" pitchFamily="34" charset="-120"/>
             </a:endParaRPr>
           </a:p>
-        </p:txBody>
-      </p:sp>
-      <p:sp>
-        <p:nvSpPr>
-          <p:cNvPr id="3" name="矩形 2"/>
-          <p:cNvSpPr/>
+          <a:p>
+            <a:pPr algn="ctr">
+              <a:lnSpc>
+                <a:spcPct val="110000"/>
+              </a:lnSpc>
+              <a:buNone/>
+            </a:pPr>
+            <a:r>
+              <a:rPr lang="zh-CN" altLang="en-US" sz="4800" b="1" dirty="0" smtClean="0">
+                <a:solidFill>
+                  <a:srgbClr val="000066"/>
+                </a:solidFill>
+                <a:latin typeface="Microsoft JhengHei" pitchFamily="34" charset="-120"/>
+                <a:ea typeface="Microsoft JhengHei" pitchFamily="34" charset="-120"/>
+              </a:rPr>
+              <a:t>大哉十架能力</a:t>
+            </a:r>
+            <a:endParaRPr lang="en-US" altLang="zh-CN" sz="4800" b="1" dirty="0">
+              <a:solidFill>
+                <a:srgbClr val="000066"/>
+              </a:solidFill>
+              <a:latin typeface="Microsoft JhengHei" pitchFamily="34" charset="-120"/>
+              <a:ea typeface="Microsoft JhengHei" pitchFamily="34" charset="-120"/>
+            </a:endParaRPr>
+          </a:p>
+        </p:txBody>
+      </p:sp>
+      <p:sp>
+        <p:nvSpPr>
+          <p:cNvPr id="3" name="TextBox 2"/>
+          <p:cNvSpPr txBox="1"/>
           <p:nvPr/>
         </p:nvSpPr>
         <p:spPr>
           <a:xfrm>
-            <a:off x="0" y="2499742"/>
-            <a:ext cx="9144000" cy="830997"/>
+            <a:off x="827584" y="1661525"/>
+            <a:ext cx="936104" cy="830997"/>
           </a:xfrm>
           <a:prstGeom prst="rect">
             <a:avLst/>
           </a:prstGeom>
+          <a:noFill/>
         </p:spPr>
         <p:txBody>
-          <a:bodyPr wrap="square">
+          <a:bodyPr wrap="square" rtlCol="0">
             <a:spAutoFit/>
           </a:bodyPr>
           <a:lstStyle/>
           <a:p>
-            <a:pPr algn="ctr"/>
-            <a:r>
-              <a:rPr lang="en-US" altLang="zh-CN" sz="4800" b="1" dirty="0" smtClean="0">
-                <a:solidFill>
-                  <a:srgbClr val="660033"/>
-                </a:solidFill>
-                <a:effectLst>
-                  <a:outerShdw blurRad="38100" dist="38100" dir="2700000" algn="tl">
-                    <a:srgbClr val="000000">
-                      <a:alpha val="43137"/>
-                    </a:srgbClr>
-                  </a:outerShdw>
-                </a:effectLst>
-                <a:latin typeface="微軟正黑體" pitchFamily="34" charset="-120"/>
-                <a:ea typeface="微軟正黑體" pitchFamily="34" charset="-120"/>
-                <a:cs typeface="+mj-cs"/>
-              </a:rPr>
-              <a:t>(</a:t>
-            </a:r>
-            <a:r>
-              <a:rPr lang="zh-CN" altLang="en-US" sz="4800" b="1" dirty="0" smtClean="0">
-                <a:solidFill>
-                  <a:srgbClr val="660033"/>
-                </a:solidFill>
-                <a:effectLst>
-                  <a:outerShdw blurRad="38100" dist="38100" dir="2700000" algn="tl">
-                    <a:srgbClr val="000000">
-                      <a:alpha val="43137"/>
-                    </a:srgbClr>
-                  </a:outerShdw>
-                </a:effectLst>
-                <a:latin typeface="微軟正黑體" pitchFamily="34" charset="-120"/>
-                <a:ea typeface="微軟正黑體" pitchFamily="34" charset="-120"/>
-                <a:cs typeface="+mj-cs"/>
-              </a:rPr>
-              <a:t>主禮牧師</a:t>
-            </a:r>
-            <a:r>
-              <a:rPr lang="en-US" altLang="zh-CN" sz="4800" b="1" dirty="0" smtClean="0">
-                <a:solidFill>
-                  <a:srgbClr val="660033"/>
-                </a:solidFill>
-                <a:effectLst>
-                  <a:outerShdw blurRad="38100" dist="38100" dir="2700000" algn="tl">
-                    <a:srgbClr val="000000">
-                      <a:alpha val="43137"/>
-                    </a:srgbClr>
-                  </a:outerShdw>
-                </a:effectLst>
-                <a:latin typeface="微軟正黑體" pitchFamily="34" charset="-120"/>
-                <a:ea typeface="微軟正黑體" pitchFamily="34" charset="-120"/>
-                <a:cs typeface="+mj-cs"/>
-              </a:rPr>
-              <a:t>)</a:t>
-            </a:r>
-            <a:endParaRPr lang="zh-TW" altLang="en-US" sz="4800" b="1" dirty="0" smtClean="0">
+            <a:r>
+              <a:rPr lang="en-US" sz="4800" b="1" dirty="0">
+                <a:solidFill>
+                  <a:srgbClr val="000066"/>
+                </a:solidFill>
+              </a:rPr>
+              <a:t>4</a:t>
+            </a:r>
+            <a:r>
+              <a:rPr lang="en-US" sz="4800" b="1" dirty="0" smtClean="0">
+                <a:solidFill>
+                  <a:srgbClr val="000066"/>
+                </a:solidFill>
+              </a:rPr>
+              <a:t>.</a:t>
+            </a:r>
+            <a:endParaRPr lang="vi-VN" sz="4800" b="1" dirty="0">
               <a:solidFill>
-                <a:srgbClr val="660033"/>
+                <a:srgbClr val="000066"/>
               </a:solidFill>
-              <a:effectLst>
-                <a:outerShdw blurRad="38100" dist="38100" dir="2700000" algn="tl">
-                  <a:srgbClr val="000000">
-                    <a:alpha val="43137"/>
-                  </a:srgbClr>
-                </a:outerShdw>
-              </a:effectLst>
-              <a:latin typeface="微軟正黑體" pitchFamily="34" charset="-120"/>
-              <a:ea typeface="微軟正黑體" pitchFamily="34" charset="-120"/>
-              <a:cs typeface="+mj-cs"/>
             </a:endParaRPr>
           </a:p>
         </p:txBody>
       </p:sp>
     </p:spTree>
+    <p:extLst>
+      <p:ext uri="{BB962C8B-B14F-4D97-AF65-F5344CB8AC3E}">
+        <p14:creationId xmlns:p14="http://schemas.microsoft.com/office/powerpoint/2010/main" val="3916208534"/>
+      </p:ext>
+    </p:extLst>
   </p:cSld>
   <p:clrMapOvr>
     <a:masterClrMapping/>
   </p:clrMapOvr>
-  <p:timing>
-    <p:tnLst>
-      <p:par>
-        <p:cTn id="1" dur="indefinite" restart="never" nodeType="tmRoot"/>
-      </p:par>
-    </p:tnLst>
-  </p:timing>
 </p:sld>
 </file>
 
@@ -10885,157 +10327,133 @@
       </p:grpSpPr>
       <p:sp>
         <p:nvSpPr>
-          <p:cNvPr id="2" name="矩形 1"/>
-          <p:cNvSpPr/>
-          <p:nvPr/>
+          <p:cNvPr id="5" name="內容版面配置區 4"/>
+          <p:cNvSpPr>
+            <a:spLocks noGrp="1"/>
+          </p:cNvSpPr>
+          <p:nvPr>
+            <p:ph idx="1"/>
+          </p:nvPr>
         </p:nvSpPr>
         <p:spPr>
           <a:xfrm>
-            <a:off x="0" y="1570336"/>
-            <a:ext cx="9144000" cy="923330"/>
+            <a:off x="0" y="1563638"/>
+            <a:ext cx="9144000" cy="1803647"/>
+          </a:xfrm>
+        </p:spPr>
+        <p:txBody>
+          <a:bodyPr anchor="ctr">
+            <a:normAutofit lnSpcReduction="10000"/>
+          </a:bodyPr>
+          <a:lstStyle/>
+          <a:p>
+            <a:pPr algn="ctr">
+              <a:lnSpc>
+                <a:spcPct val="110000"/>
+              </a:lnSpc>
+              <a:buNone/>
+            </a:pPr>
+            <a:r>
+              <a:rPr lang="zh-CN" altLang="en-US" sz="4800" b="1" dirty="0">
+                <a:solidFill>
+                  <a:srgbClr val="000066"/>
+                </a:solidFill>
+                <a:latin typeface="Microsoft JhengHei" pitchFamily="34" charset="-120"/>
+                <a:ea typeface="Microsoft JhengHei" pitchFamily="34" charset="-120"/>
+              </a:rPr>
+              <a:t>奇哉耶穌替我受死</a:t>
+            </a:r>
+            <a:endParaRPr lang="en-US" altLang="zh-CN" sz="4800" b="1" dirty="0">
+              <a:solidFill>
+                <a:srgbClr val="000066"/>
+              </a:solidFill>
+              <a:latin typeface="Microsoft JhengHei" pitchFamily="34" charset="-120"/>
+              <a:ea typeface="Microsoft JhengHei" pitchFamily="34" charset="-120"/>
+            </a:endParaRPr>
+          </a:p>
+          <a:p>
+            <a:pPr algn="ctr">
+              <a:lnSpc>
+                <a:spcPct val="110000"/>
+              </a:lnSpc>
+              <a:buNone/>
+            </a:pPr>
+            <a:r>
+              <a:rPr lang="zh-CN" altLang="en-US" sz="4800" b="1" dirty="0">
+                <a:solidFill>
+                  <a:srgbClr val="000066"/>
+                </a:solidFill>
+                <a:latin typeface="Microsoft JhengHei" pitchFamily="34" charset="-120"/>
+                <a:ea typeface="Microsoft JhengHei" pitchFamily="34" charset="-120"/>
+              </a:rPr>
+              <a:t>我要愛主到底</a:t>
+            </a:r>
+            <a:endParaRPr lang="en-US" altLang="zh-CN" sz="4800" b="1" dirty="0">
+              <a:solidFill>
+                <a:srgbClr val="000066"/>
+              </a:solidFill>
+              <a:latin typeface="Microsoft JhengHei" pitchFamily="34" charset="-120"/>
+              <a:ea typeface="Microsoft JhengHei" pitchFamily="34" charset="-120"/>
+            </a:endParaRPr>
+          </a:p>
+        </p:txBody>
+      </p:sp>
+      <p:sp>
+        <p:nvSpPr>
+          <p:cNvPr id="3" name="TextBox 2"/>
+          <p:cNvSpPr txBox="1"/>
+          <p:nvPr/>
+        </p:nvSpPr>
+        <p:spPr>
+          <a:xfrm>
+            <a:off x="827584" y="1661525"/>
+            <a:ext cx="936104" cy="830997"/>
           </a:xfrm>
           <a:prstGeom prst="rect">
             <a:avLst/>
           </a:prstGeom>
+          <a:noFill/>
         </p:spPr>
         <p:txBody>
-          <a:bodyPr wrap="square">
+          <a:bodyPr wrap="square" rtlCol="0">
             <a:spAutoFit/>
           </a:bodyPr>
           <a:lstStyle/>
           <a:p>
-            <a:pPr algn="ctr"/>
-            <a:r>
-              <a:rPr lang="zh-CN" altLang="en-US" sz="5400" b="1" dirty="0" smtClean="0">
-                <a:solidFill>
-                  <a:srgbClr val="000066"/>
-                </a:solidFill>
-                <a:effectLst>
-                  <a:outerShdw blurRad="50000" dist="30000" dir="5400000" algn="tl" rotWithShape="0">
-                    <a:srgbClr val="000000">
-                      <a:alpha val="30000"/>
-                    </a:srgbClr>
-                  </a:outerShdw>
-                </a:effectLst>
-                <a:latin typeface="微軟正黑體" pitchFamily="34" charset="-120"/>
-                <a:ea typeface="微軟正黑體" pitchFamily="34" charset="-120"/>
-                <a:cs typeface="+mj-cs"/>
-              </a:rPr>
-              <a:t>聚會祝福歌</a:t>
-            </a:r>
-            <a:endParaRPr lang="zh-TW" altLang="en-US" sz="5400" b="1" dirty="0" smtClean="0">
+            <a:r>
+              <a:rPr lang="en-US" sz="4800" b="1" dirty="0">
+                <a:solidFill>
+                  <a:srgbClr val="000066"/>
+                </a:solidFill>
+              </a:rPr>
+              <a:t>4</a:t>
+            </a:r>
+            <a:r>
+              <a:rPr lang="en-US" sz="4800" b="1" dirty="0" smtClean="0">
+                <a:solidFill>
+                  <a:srgbClr val="000066"/>
+                </a:solidFill>
+              </a:rPr>
+              <a:t>.</a:t>
+            </a:r>
+            <a:endParaRPr lang="vi-VN" sz="4800" b="1" dirty="0">
               <a:solidFill>
                 <a:srgbClr val="000066"/>
               </a:solidFill>
-              <a:effectLst>
-                <a:outerShdw blurRad="50000" dist="30000" dir="5400000" algn="tl" rotWithShape="0">
-                  <a:srgbClr val="000000">
-                    <a:alpha val="30000"/>
-                  </a:srgbClr>
-                </a:outerShdw>
-              </a:effectLst>
-              <a:latin typeface="微軟正黑體" pitchFamily="34" charset="-120"/>
-              <a:ea typeface="微軟正黑體" pitchFamily="34" charset="-120"/>
-              <a:cs typeface="+mj-cs"/>
             </a:endParaRPr>
           </a:p>
         </p:txBody>
       </p:sp>
-      <p:sp>
-        <p:nvSpPr>
-          <p:cNvPr id="3" name="標題 1"/>
-          <p:cNvSpPr txBox="1"/>
-          <p:nvPr/>
-        </p:nvSpPr>
-        <p:spPr>
-          <a:xfrm>
-            <a:off x="0" y="2435611"/>
-            <a:ext cx="9144000" cy="964405"/>
-          </a:xfrm>
-          <a:prstGeom prst="rect">
-            <a:avLst/>
-          </a:prstGeom>
-        </p:spPr>
-        <p:txBody>
-          <a:bodyPr anchor="ctr">
-            <a:noAutofit/>
-          </a:bodyPr>
-          <a:lstStyle/>
-          <a:p>
-            <a:pPr marL="0" marR="0" lvl="0" indent="0" algn="ctr" defTabSz="914400" rtl="0" eaLnBrk="1" fontAlgn="auto" latinLnBrk="0" hangingPunct="1">
-              <a:lnSpc>
-                <a:spcPct val="100000"/>
-              </a:lnSpc>
-              <a:spcBef>
-                <a:spcPct val="0"/>
-              </a:spcBef>
-              <a:spcAft>
-                <a:spcPts val="0"/>
-              </a:spcAft>
-              <a:buClrTx/>
-              <a:buSzTx/>
-              <a:buFontTx/>
-              <a:buNone/>
-              <a:defRPr/>
-            </a:pPr>
-            <a:r>
-              <a:rPr kumimoji="0" lang="zh-CN" altLang="en-US" sz="4800" b="1" i="0" u="none" strike="noStrike" kern="1200" cap="none" spc="0" normalizeH="0" baseline="0" noProof="0" dirty="0" smtClean="0">
-                <a:ln>
-                  <a:noFill/>
-                </a:ln>
-                <a:solidFill>
-                  <a:srgbClr val="660033"/>
-                </a:solidFill>
-                <a:effectLst>
-                  <a:outerShdw blurRad="50000" dist="30000" dir="5400000" algn="tl" rotWithShape="0">
-                    <a:srgbClr val="000000">
-                      <a:alpha val="30000"/>
-                    </a:srgbClr>
-                  </a:outerShdw>
-                </a:effectLst>
-                <a:uLnTx/>
-                <a:uFillTx/>
-                <a:latin typeface="微軟正黑體" pitchFamily="34" charset="-120"/>
-                <a:ea typeface="微軟正黑體" pitchFamily="34" charset="-120"/>
-                <a:cs typeface="+mj-cs"/>
-              </a:rPr>
-              <a:t>本堂牧師領詩班退堂</a:t>
-            </a:r>
-            <a:endParaRPr kumimoji="0" lang="zh-TW" altLang="en-US" sz="4800" b="1" i="0" u="none" strike="noStrike" kern="1200" cap="none" spc="0" normalizeH="0" baseline="0" noProof="0" dirty="0">
-              <a:ln>
-                <a:noFill/>
-              </a:ln>
-              <a:solidFill>
-                <a:srgbClr val="660033"/>
-              </a:solidFill>
-              <a:effectLst>
-                <a:outerShdw blurRad="50000" dist="30000" dir="5400000" algn="tl" rotWithShape="0">
-                  <a:srgbClr val="000000">
-                    <a:alpha val="30000"/>
-                  </a:srgbClr>
-                </a:outerShdw>
-              </a:effectLst>
-              <a:uLnTx/>
-              <a:uFillTx/>
-              <a:latin typeface="微軟正黑體" pitchFamily="34" charset="-120"/>
-              <a:ea typeface="微軟正黑體" pitchFamily="34" charset="-120"/>
-              <a:cs typeface="+mj-cs"/>
-            </a:endParaRPr>
-          </a:p>
-        </p:txBody>
-      </p:sp>
     </p:spTree>
+    <p:extLst>
+      <p:ext uri="{BB962C8B-B14F-4D97-AF65-F5344CB8AC3E}">
+        <p14:creationId xmlns:p14="http://schemas.microsoft.com/office/powerpoint/2010/main" val="3474531238"/>
+      </p:ext>
+    </p:extLst>
   </p:cSld>
   <p:clrMapOvr>
     <a:masterClrMapping/>
   </p:clrMapOvr>
-  <p:timing>
-    <p:tnLst>
-      <p:par>
-        <p:cTn id="1" dur="indefinite" restart="never" nodeType="tmRoot"/>
-      </p:par>
-    </p:tnLst>
-  </p:timing>
 </p:sld>
 </file>
 
@@ -11058,175 +10476,101 @@
       </p:grpSpPr>
       <p:sp>
         <p:nvSpPr>
-          <p:cNvPr id="2" name="標題 1"/>
-          <p:cNvSpPr>
-            <a:spLocks noGrp="1"/>
-          </p:cNvSpPr>
-          <p:nvPr>
-            <p:ph type="title"/>
+          <p:cNvPr id="5" name="內容版面配置區 4"/>
+          <p:cNvSpPr>
+            <a:spLocks noGrp="1"/>
+          </p:cNvSpPr>
+          <p:nvPr>
+            <p:ph idx="1"/>
           </p:nvPr>
         </p:nvSpPr>
         <p:spPr>
           <a:xfrm>
-            <a:off x="0" y="282167"/>
-            <a:ext cx="8991600" cy="628650"/>
+            <a:off x="0" y="1563638"/>
+            <a:ext cx="9144000" cy="1803647"/>
           </a:xfrm>
         </p:spPr>
         <p:txBody>
-          <a:bodyPr>
-            <a:noAutofit/>
+          <a:bodyPr anchor="ctr">
+            <a:normAutofit/>
           </a:bodyPr>
           <a:lstStyle/>
           <a:p>
-            <a:r>
-              <a:rPr lang="zh-CN" altLang="en-US" b="1" dirty="0" smtClean="0">
-                <a:solidFill>
-                  <a:srgbClr val="660033"/>
-                </a:solidFill>
-                <a:latin typeface="微軟正黑體" pitchFamily="34" charset="-120"/>
-                <a:ea typeface="微軟正黑體" pitchFamily="34" charset="-120"/>
-              </a:rPr>
-              <a:t>主的愛</a:t>
-            </a:r>
-            <a:endParaRPr lang="zh-TW" altLang="en-US" b="1" dirty="0">
+            <a:pPr algn="ctr">
+              <a:buNone/>
+            </a:pPr>
+            <a:r>
+              <a:rPr lang="zh-CN" altLang="en-US" sz="4800" b="1" dirty="0">
+                <a:solidFill>
+                  <a:srgbClr val="000066"/>
+                </a:solidFill>
+                <a:latin typeface="Microsoft JhengHei" pitchFamily="34" charset="-120"/>
+                <a:ea typeface="Microsoft JhengHei" pitchFamily="34" charset="-120"/>
+              </a:rPr>
+              <a:t>主我來就袮  我今來就袮</a:t>
+            </a:r>
+            <a:endParaRPr lang="en-US" altLang="zh-CN" sz="4800" b="1" dirty="0">
               <a:solidFill>
-                <a:srgbClr val="660033"/>
+                <a:srgbClr val="000066"/>
               </a:solidFill>
-              <a:latin typeface="微軟正黑體" pitchFamily="34" charset="-120"/>
-              <a:ea typeface="微軟正黑體" pitchFamily="34" charset="-120"/>
+              <a:latin typeface="Microsoft JhengHei" pitchFamily="34" charset="-120"/>
+              <a:ea typeface="Microsoft JhengHei" pitchFamily="34" charset="-120"/>
             </a:endParaRPr>
           </a:p>
-        </p:txBody>
-      </p:sp>
-      <p:sp>
-        <p:nvSpPr>
-          <p:cNvPr id="4" name="內容版面配置區 3"/>
-          <p:cNvSpPr>
-            <a:spLocks noGrp="1"/>
-          </p:cNvSpPr>
-          <p:nvPr>
-            <p:ph idx="1"/>
-          </p:nvPr>
-        </p:nvSpPr>
-        <p:spPr>
-          <a:xfrm>
-            <a:off x="0" y="1085850"/>
-            <a:ext cx="9144000" cy="3600450"/>
-          </a:xfrm>
-        </p:spPr>
-        <p:txBody>
-          <a:bodyPr>
-            <a:noAutofit/>
-          </a:bodyPr>
-          <a:lstStyle/>
           <a:p>
             <a:pPr algn="ctr">
               <a:buNone/>
             </a:pPr>
             <a:r>
-              <a:rPr lang="zh-TW" altLang="en-US" sz="5400" b="1" dirty="0" smtClean="0">
-                <a:solidFill>
-                  <a:srgbClr val="660033"/>
-                </a:solidFill>
-                <a:effectLst>
-                  <a:outerShdw blurRad="50000" dist="30000" dir="5400000" algn="tl" rotWithShape="0">
-                    <a:srgbClr val="000000">
-                      <a:alpha val="30000"/>
-                    </a:srgbClr>
-                  </a:outerShdw>
-                </a:effectLst>
-                <a:latin typeface="微軟正黑體" pitchFamily="34" charset="-120"/>
-                <a:ea typeface="微軟正黑體" pitchFamily="34" charset="-120"/>
-              </a:rPr>
-              <a:t>願主的愛與你同在</a:t>
-            </a:r>
-            <a:endParaRPr lang="en-US" altLang="zh-TW" sz="5400" b="1" dirty="0" smtClean="0">
+              <a:rPr lang="zh-CN" altLang="en-US" sz="4800" b="1" dirty="0">
+                <a:solidFill>
+                  <a:srgbClr val="000066"/>
+                </a:solidFill>
+                <a:latin typeface="Microsoft JhengHei" pitchFamily="34" charset="-120"/>
+                <a:ea typeface="Microsoft JhengHei" pitchFamily="34" charset="-120"/>
+              </a:rPr>
+              <a:t>救主所流的寶血</a:t>
+            </a:r>
+            <a:r>
+              <a:rPr lang="en-US" altLang="zh-CN" sz="4800" b="1" dirty="0">
+                <a:solidFill>
+                  <a:srgbClr val="000066"/>
+                </a:solidFill>
+                <a:latin typeface="Microsoft JhengHei" pitchFamily="34" charset="-120"/>
+                <a:ea typeface="Microsoft JhengHei" pitchFamily="34" charset="-120"/>
+              </a:rPr>
+              <a:t>  </a:t>
+            </a:r>
+            <a:r>
+              <a:rPr lang="zh-CN" altLang="en-US" sz="4800" b="1" dirty="0">
+                <a:solidFill>
+                  <a:srgbClr val="000066"/>
+                </a:solidFill>
+                <a:latin typeface="Microsoft JhengHei" pitchFamily="34" charset="-120"/>
+                <a:ea typeface="Microsoft JhengHei" pitchFamily="34" charset="-120"/>
+              </a:rPr>
+              <a:t>洗我罪惡清潔</a:t>
+            </a:r>
+            <a:endParaRPr lang="zh-TW" altLang="en-US" sz="4800" b="1" dirty="0">
               <a:solidFill>
-                <a:srgbClr val="660033"/>
+                <a:srgbClr val="000066"/>
               </a:solidFill>
-              <a:effectLst>
-                <a:outerShdw blurRad="50000" dist="30000" dir="5400000" algn="tl" rotWithShape="0">
-                  <a:srgbClr val="000000">
-                    <a:alpha val="30000"/>
-                  </a:srgbClr>
-                </a:outerShdw>
-              </a:effectLst>
-              <a:latin typeface="微軟正黑體" pitchFamily="34" charset="-120"/>
-              <a:ea typeface="微軟正黑體" pitchFamily="34" charset="-120"/>
+              <a:latin typeface="Microsoft JhengHei" pitchFamily="34" charset="-120"/>
+              <a:ea typeface="Microsoft JhengHei" pitchFamily="34" charset="-120"/>
             </a:endParaRPr>
           </a:p>
-          <a:p>
-            <a:pPr algn="ctr">
-              <a:buNone/>
-            </a:pPr>
-            <a:r>
-              <a:rPr lang="zh-TW" altLang="en-US" sz="5400" b="1" dirty="0" smtClean="0">
-                <a:solidFill>
-                  <a:srgbClr val="660033"/>
-                </a:solidFill>
-                <a:effectLst>
-                  <a:outerShdw blurRad="50000" dist="30000" dir="5400000" algn="tl" rotWithShape="0">
-                    <a:srgbClr val="000000">
-                      <a:alpha val="30000"/>
-                    </a:srgbClr>
-                  </a:outerShdw>
-                </a:effectLst>
-                <a:latin typeface="微軟正黑體" pitchFamily="34" charset="-120"/>
-                <a:ea typeface="微軟正黑體" pitchFamily="34" charset="-120"/>
-              </a:rPr>
-              <a:t>無論你在何方</a:t>
-            </a:r>
-            <a:endParaRPr lang="en-US" altLang="zh-TW" sz="5400" b="1" dirty="0" smtClean="0">
-              <a:solidFill>
-                <a:srgbClr val="660033"/>
-              </a:solidFill>
-              <a:effectLst>
-                <a:outerShdw blurRad="50000" dist="30000" dir="5400000" algn="tl" rotWithShape="0">
-                  <a:srgbClr val="000000">
-                    <a:alpha val="30000"/>
-                  </a:srgbClr>
-                </a:outerShdw>
-              </a:effectLst>
-              <a:latin typeface="微軟正黑體" pitchFamily="34" charset="-120"/>
-              <a:ea typeface="微軟正黑體" pitchFamily="34" charset="-120"/>
-            </a:endParaRPr>
-          </a:p>
-          <a:p>
-            <a:pPr algn="ctr">
-              <a:buNone/>
-            </a:pPr>
-            <a:r>
-              <a:rPr lang="zh-TW" altLang="en-US" sz="5400" b="1" dirty="0" smtClean="0">
-                <a:solidFill>
-                  <a:srgbClr val="660033"/>
-                </a:solidFill>
-                <a:effectLst>
-                  <a:outerShdw blurRad="50000" dist="30000" dir="5400000" algn="tl" rotWithShape="0">
-                    <a:srgbClr val="000000">
-                      <a:alpha val="30000"/>
-                    </a:srgbClr>
-                  </a:outerShdw>
-                </a:effectLst>
-                <a:latin typeface="微軟正黑體" pitchFamily="34" charset="-120"/>
-                <a:ea typeface="微軟正黑體" pitchFamily="34" charset="-120"/>
-              </a:rPr>
-              <a:t>願祂祝福你心靈安康</a:t>
-            </a:r>
-          </a:p>
         </p:txBody>
       </p:sp>
     </p:spTree>
+    <p:extLst>
+      <p:ext uri="{BB962C8B-B14F-4D97-AF65-F5344CB8AC3E}">
+        <p14:creationId xmlns:p14="http://schemas.microsoft.com/office/powerpoint/2010/main" val="338961698"/>
+      </p:ext>
+    </p:extLst>
   </p:cSld>
   <p:clrMapOvr>
     <a:masterClrMapping/>
   </p:clrMapOvr>
-  <p:timing>
-    <p:tnLst>
-      <p:par>
-        <p:cTn id="1" dur="indefinite" restart="never" nodeType="tmRoot"/>
-      </p:par>
-    </p:tnLst>
-  </p:timing>
 </p:sld>
 </file>
 
@@ -11249,7 +10593,7 @@
       </p:grpSpPr>
       <p:sp>
         <p:nvSpPr>
-          <p:cNvPr id="2" name="標題 1"/>
+          <p:cNvPr id="4" name="標題 3"/>
           <p:cNvSpPr>
             <a:spLocks noGrp="1"/>
           </p:cNvSpPr>
@@ -11259,8 +10603,8 @@
         </p:nvSpPr>
         <p:spPr>
           <a:xfrm>
-            <a:off x="0" y="282167"/>
-            <a:ext cx="8991600" cy="628650"/>
+            <a:off x="0" y="2143135"/>
+            <a:ext cx="9144000" cy="857250"/>
           </a:xfrm>
         </p:spPr>
         <p:txBody>
@@ -11270,143 +10614,115 @@
           <a:lstStyle/>
           <a:p>
             <a:r>
-              <a:rPr lang="zh-CN" altLang="en-US" b="1" dirty="0" smtClean="0">
-                <a:solidFill>
-                  <a:srgbClr val="660033"/>
-                </a:solidFill>
-                <a:latin typeface="微軟正黑體" pitchFamily="34" charset="-120"/>
-                <a:ea typeface="微軟正黑體" pitchFamily="34" charset="-120"/>
-              </a:rPr>
-              <a:t>主的愛</a:t>
-            </a:r>
-            <a:endParaRPr lang="zh-TW" altLang="en-US" b="1" dirty="0">
-              <a:solidFill>
-                <a:srgbClr val="660033"/>
-              </a:solidFill>
-              <a:latin typeface="微軟正黑體" pitchFamily="34" charset="-120"/>
-              <a:ea typeface="微軟正黑體" pitchFamily="34" charset="-120"/>
-            </a:endParaRPr>
-          </a:p>
-        </p:txBody>
-      </p:sp>
-      <p:sp>
-        <p:nvSpPr>
-          <p:cNvPr id="4" name="內容版面配置區 3"/>
-          <p:cNvSpPr>
-            <a:spLocks noGrp="1"/>
-          </p:cNvSpPr>
-          <p:nvPr>
-            <p:ph idx="1"/>
-          </p:nvPr>
-        </p:nvSpPr>
-        <p:spPr>
-          <a:xfrm>
-            <a:off x="0" y="1085850"/>
-            <a:ext cx="9144000" cy="3600450"/>
-          </a:xfrm>
-        </p:spPr>
-        <p:txBody>
-          <a:bodyPr>
-            <a:noAutofit/>
-          </a:bodyPr>
-          <a:lstStyle/>
-          <a:p>
-            <a:pPr algn="ctr">
-              <a:buNone/>
-            </a:pPr>
-            <a:r>
-              <a:rPr lang="zh-TW" altLang="en-US" sz="5400" b="1" dirty="0" smtClean="0">
-                <a:solidFill>
-                  <a:srgbClr val="660033"/>
+              <a:rPr lang="zh-CN" altLang="en-US" sz="4000" b="1" u="sng" dirty="0" smtClean="0">
+                <a:solidFill>
+                  <a:srgbClr val="000066"/>
                 </a:solidFill>
                 <a:effectLst>
-                  <a:outerShdw blurRad="50000" dist="30000" dir="5400000" algn="tl" rotWithShape="0">
+                  <a:outerShdw blurRad="38100" dist="38100" dir="2700000" algn="tl">
                     <a:srgbClr val="000000">
-                      <a:alpha val="30000"/>
+                      <a:alpha val="43137"/>
                     </a:srgbClr>
                   </a:outerShdw>
                 </a:effectLst>
                 <a:latin typeface="微軟正黑體" pitchFamily="34" charset="-120"/>
                 <a:ea typeface="微軟正黑體" pitchFamily="34" charset="-120"/>
               </a:rPr>
-              <a:t>主的愛如流水淙淙</a:t>
-            </a:r>
-            <a:endParaRPr lang="en-US" altLang="zh-TW" sz="5400" b="1" dirty="0" smtClean="0">
-              <a:solidFill>
-                <a:srgbClr val="660033"/>
-              </a:solidFill>
-              <a:effectLst>
-                <a:outerShdw blurRad="50000" dist="30000" dir="5400000" algn="tl" rotWithShape="0">
-                  <a:srgbClr val="000000">
-                    <a:alpha val="30000"/>
-                  </a:srgbClr>
-                </a:outerShdw>
-              </a:effectLst>
-              <a:latin typeface="微軟正黑體" pitchFamily="34" charset="-120"/>
-              <a:ea typeface="微軟正黑體" pitchFamily="34" charset="-120"/>
-            </a:endParaRPr>
-          </a:p>
-          <a:p>
-            <a:pPr algn="ctr">
-              <a:buNone/>
-            </a:pPr>
-            <a:r>
-              <a:rPr lang="zh-TW" altLang="en-US" sz="5400" b="1" dirty="0" smtClean="0">
-                <a:solidFill>
-                  <a:srgbClr val="660033"/>
+              <a:t>宣道詩 </a:t>
+            </a:r>
+            <a:r>
+              <a:rPr lang="en-US" altLang="zh-CN" sz="4000" b="1" u="sng" dirty="0" smtClean="0">
+                <a:solidFill>
+                  <a:srgbClr val="000066"/>
                 </a:solidFill>
                 <a:effectLst>
-                  <a:outerShdw blurRad="50000" dist="30000" dir="5400000" algn="tl" rotWithShape="0">
+                  <a:outerShdw blurRad="38100" dist="38100" dir="2700000" algn="tl">
                     <a:srgbClr val="000000">
-                      <a:alpha val="30000"/>
+                      <a:alpha val="43137"/>
                     </a:srgbClr>
                   </a:outerShdw>
                 </a:effectLst>
                 <a:latin typeface="微軟正黑體" pitchFamily="34" charset="-120"/>
                 <a:ea typeface="微軟正黑體" pitchFamily="34" charset="-120"/>
               </a:rPr>
-              <a:t>願你分享祂這愛</a:t>
-            </a:r>
-            <a:endParaRPr lang="en-US" altLang="zh-TW" sz="5400" b="1" dirty="0" smtClean="0">
-              <a:solidFill>
-                <a:srgbClr val="660033"/>
-              </a:solidFill>
-              <a:effectLst>
-                <a:outerShdw blurRad="50000" dist="30000" dir="5400000" algn="tl" rotWithShape="0">
-                  <a:srgbClr val="000000">
-                    <a:alpha val="30000"/>
-                  </a:srgbClr>
-                </a:outerShdw>
-              </a:effectLst>
-              <a:latin typeface="微軟正黑體" pitchFamily="34" charset="-120"/>
-              <a:ea typeface="微軟正黑體" pitchFamily="34" charset="-120"/>
-            </a:endParaRPr>
-          </a:p>
-          <a:p>
-            <a:pPr algn="ctr">
-              <a:buNone/>
-            </a:pPr>
-            <a:r>
-              <a:rPr lang="zh-TW" altLang="en-US" sz="5400" b="1" dirty="0" smtClean="0">
+              <a:t>212</a:t>
+            </a:r>
+            <a:r>
+              <a:rPr lang="en-US" altLang="zh-CN" sz="5400" b="1" i="1" dirty="0" smtClean="0">
                 <a:solidFill>
                   <a:srgbClr val="660033"/>
                 </a:solidFill>
                 <a:effectLst>
-                  <a:outerShdw blurRad="50000" dist="30000" dir="5400000" algn="tl" rotWithShape="0">
+                  <a:outerShdw blurRad="38100" dist="38100" dir="2700000" algn="tl">
                     <a:srgbClr val="000000">
-                      <a:alpha val="30000"/>
+                      <a:alpha val="43137"/>
                     </a:srgbClr>
                   </a:outerShdw>
                 </a:effectLst>
                 <a:latin typeface="微軟正黑體" pitchFamily="34" charset="-120"/>
                 <a:ea typeface="微軟正黑體" pitchFamily="34" charset="-120"/>
               </a:rPr>
-              <a:t>在那漫漫的黑夜見主光</a:t>
+              <a:t/>
+            </a:r>
+            <a:br>
+              <a:rPr lang="en-US" altLang="zh-CN" sz="5400" b="1" i="1" dirty="0" smtClean="0">
+                <a:solidFill>
+                  <a:srgbClr val="660033"/>
+                </a:solidFill>
+                <a:effectLst>
+                  <a:outerShdw blurRad="38100" dist="38100" dir="2700000" algn="tl">
+                    <a:srgbClr val="000000">
+                      <a:alpha val="43137"/>
+                    </a:srgbClr>
+                  </a:outerShdw>
+                </a:effectLst>
+                <a:latin typeface="微軟正黑體" pitchFamily="34" charset="-120"/>
+                <a:ea typeface="微軟正黑體" pitchFamily="34" charset="-120"/>
+              </a:rPr>
+            </a:br>
+            <a:r>
+              <a:rPr lang="zh-TW" altLang="en-US" sz="6000" b="1" dirty="0" smtClean="0">
+                <a:solidFill>
+                  <a:srgbClr val="660033"/>
+                </a:solidFill>
+                <a:effectLst>
+                  <a:outerShdw blurRad="38100" dist="38100" dir="2700000" algn="tl">
+                    <a:srgbClr val="000000">
+                      <a:alpha val="43137"/>
+                    </a:srgbClr>
+                  </a:outerShdw>
+                </a:effectLst>
+                <a:latin typeface="微軟正黑體" pitchFamily="34" charset="-120"/>
+                <a:ea typeface="微軟正黑體" pitchFamily="34" charset="-120"/>
+              </a:rPr>
+              <a:t>親</a:t>
+            </a:r>
+            <a:r>
+              <a:rPr lang="zh-TW" altLang="en-US" sz="6000" b="1" dirty="0">
+                <a:solidFill>
+                  <a:srgbClr val="660033"/>
+                </a:solidFill>
+                <a:effectLst>
+                  <a:outerShdw blurRad="38100" dist="38100" dir="2700000" algn="tl">
+                    <a:srgbClr val="000000">
+                      <a:alpha val="43137"/>
+                    </a:srgbClr>
+                  </a:outerShdw>
+                </a:effectLst>
+                <a:latin typeface="微軟正黑體" pitchFamily="34" charset="-120"/>
+                <a:ea typeface="微軟正黑體" pitchFamily="34" charset="-120"/>
+              </a:rPr>
+              <a:t>愛耶穌</a:t>
             </a:r>
           </a:p>
         </p:txBody>
       </p:sp>
     </p:spTree>
+    <p:extLst>
+      <p:ext uri="{BB962C8B-B14F-4D97-AF65-F5344CB8AC3E}">
+        <p14:creationId xmlns:p14="http://schemas.microsoft.com/office/powerpoint/2010/main" val="2241400095"/>
+      </p:ext>
+    </p:extLst>
   </p:cSld>
   <p:clrMapOvr>
     <a:masterClrMapping/>
@@ -11440,37 +10756,70 @@
       </p:grpSpPr>
       <p:sp>
         <p:nvSpPr>
-          <p:cNvPr id="2" name="標題 1"/>
-          <p:cNvSpPr>
-            <a:spLocks noGrp="1"/>
-          </p:cNvSpPr>
-          <p:nvPr>
-            <p:ph type="title"/>
+          <p:cNvPr id="5" name="內容版面配置區 4"/>
+          <p:cNvSpPr>
+            <a:spLocks noGrp="1"/>
+          </p:cNvSpPr>
+          <p:nvPr>
+            <p:ph idx="1"/>
           </p:nvPr>
         </p:nvSpPr>
         <p:spPr>
           <a:xfrm>
-            <a:off x="0" y="282167"/>
-            <a:ext cx="8991600" cy="628650"/>
+            <a:off x="0" y="1563638"/>
+            <a:ext cx="9144000" cy="1803647"/>
           </a:xfrm>
         </p:spPr>
         <p:txBody>
-          <a:bodyPr>
-            <a:noAutofit/>
+          <a:bodyPr anchor="ctr">
+            <a:normAutofit/>
           </a:bodyPr>
           <a:lstStyle/>
           <a:p>
-            <a:r>
-              <a:rPr lang="zh-CN" altLang="en-US" b="1" dirty="0" smtClean="0">
-                <a:solidFill>
-                  <a:srgbClr val="660033"/>
-                </a:solidFill>
-                <a:latin typeface="微軟正黑體" pitchFamily="34" charset="-120"/>
-                <a:ea typeface="微軟正黑體" pitchFamily="34" charset="-120"/>
-              </a:rPr>
-              <a:t>主的愛</a:t>
-            </a:r>
-            <a:endParaRPr lang="zh-TW" altLang="en-US" b="1" dirty="0">
+            <a:pPr lvl="0" algn="ctr">
+              <a:buNone/>
+            </a:pPr>
+            <a:r>
+              <a:rPr lang="zh-TW" altLang="en-US" sz="4800" b="1" dirty="0">
+                <a:solidFill>
+                  <a:srgbClr val="660033"/>
+                </a:solidFill>
+                <a:latin typeface="微軟正黑體" pitchFamily="34" charset="-120"/>
+                <a:ea typeface="微軟正黑體" pitchFamily="34" charset="-120"/>
+              </a:rPr>
+              <a:t>主耶穌我愛</a:t>
+            </a:r>
+            <a:r>
+              <a:rPr lang="zh-CN" altLang="en-US" sz="4800" b="1" dirty="0">
+                <a:solidFill>
+                  <a:srgbClr val="660033"/>
+                </a:solidFill>
+                <a:latin typeface="微軟正黑體" pitchFamily="34" charset="-120"/>
+                <a:ea typeface="微軟正黑體" pitchFamily="34" charset="-120"/>
+              </a:rPr>
+              <a:t>袮</a:t>
+            </a:r>
+            <a:r>
+              <a:rPr lang="zh-TW" altLang="en-US" sz="4800" b="1" dirty="0">
+                <a:solidFill>
+                  <a:srgbClr val="660033"/>
+                </a:solidFill>
+                <a:latin typeface="微軟正黑體" pitchFamily="34" charset="-120"/>
+                <a:ea typeface="微軟正黑體" pitchFamily="34" charset="-120"/>
+              </a:rPr>
+              <a:t> 深知我屬</a:t>
+            </a:r>
+            <a:r>
+              <a:rPr lang="zh-CN" altLang="en-US" sz="4800" b="1" dirty="0">
+                <a:solidFill>
+                  <a:srgbClr val="660033"/>
+                </a:solidFill>
+                <a:latin typeface="微軟正黑體" pitchFamily="34" charset="-120"/>
+                <a:ea typeface="微軟正黑體" pitchFamily="34" charset="-120"/>
+              </a:rPr>
+              <a:t>袮</a:t>
+            </a:r>
+            <a:endParaRPr lang="zh-TW" altLang="en-US" sz="4800" b="1" dirty="0">
               <a:solidFill>
                 <a:srgbClr val="660033"/>
               </a:solidFill>
@@ -11478,137 +10827,851 @@
               <a:ea typeface="微軟正黑體" pitchFamily="34" charset="-120"/>
             </a:endParaRPr>
           </a:p>
-        </p:txBody>
-      </p:sp>
-      <p:sp>
-        <p:nvSpPr>
-          <p:cNvPr id="4" name="內容版面配置區 3"/>
-          <p:cNvSpPr>
-            <a:spLocks noGrp="1"/>
-          </p:cNvSpPr>
-          <p:nvPr>
-            <p:ph idx="1"/>
-          </p:nvPr>
+          <a:p>
+            <a:pPr algn="ctr">
+              <a:buNone/>
+            </a:pPr>
+            <a:r>
+              <a:rPr lang="zh-TW" altLang="en-US" sz="4800" b="1" dirty="0">
+                <a:solidFill>
+                  <a:srgbClr val="660033"/>
+                </a:solidFill>
+                <a:latin typeface="微軟正黑體" pitchFamily="34" charset="-120"/>
+                <a:ea typeface="微軟正黑體" pitchFamily="34" charset="-120"/>
+              </a:rPr>
+              <a:t>世上諸樂趣願為</a:t>
+            </a:r>
+            <a:r>
+              <a:rPr lang="zh-CN" altLang="en-US" sz="4800" b="1" dirty="0">
+                <a:solidFill>
+                  <a:srgbClr val="660033"/>
+                </a:solidFill>
+                <a:latin typeface="微軟正黑體" pitchFamily="34" charset="-120"/>
+                <a:ea typeface="微軟正黑體" pitchFamily="34" charset="-120"/>
+              </a:rPr>
+              <a:t>袮</a:t>
+            </a:r>
+            <a:r>
+              <a:rPr lang="zh-TW" altLang="en-US" sz="4800" b="1" dirty="0">
+                <a:solidFill>
+                  <a:srgbClr val="660033"/>
+                </a:solidFill>
+                <a:latin typeface="微軟正黑體" pitchFamily="34" charset="-120"/>
+                <a:ea typeface="微軟正黑體" pitchFamily="34" charset="-120"/>
+              </a:rPr>
+              <a:t>全丟棄</a:t>
+            </a:r>
+          </a:p>
+        </p:txBody>
+      </p:sp>
+      <p:sp>
+        <p:nvSpPr>
+          <p:cNvPr id="3" name="TextBox 2"/>
+          <p:cNvSpPr txBox="1"/>
+          <p:nvPr/>
         </p:nvSpPr>
         <p:spPr>
           <a:xfrm>
-            <a:off x="0" y="1085850"/>
-            <a:ext cx="9144000" cy="3600450"/>
+            <a:off x="251520" y="1659230"/>
+            <a:ext cx="936104" cy="830997"/>
           </a:xfrm>
+          <a:prstGeom prst="rect">
+            <a:avLst/>
+          </a:prstGeom>
+          <a:noFill/>
         </p:spPr>
         <p:txBody>
-          <a:bodyPr>
-            <a:noAutofit/>
+          <a:bodyPr wrap="square" rtlCol="0">
+            <a:spAutoFit/>
           </a:bodyPr>
           <a:lstStyle/>
           <a:p>
-            <a:pPr algn="ctr">
-              <a:buNone/>
-            </a:pPr>
-            <a:r>
-              <a:rPr lang="zh-TW" altLang="en-US" sz="5400" b="1" dirty="0" smtClean="0">
-                <a:solidFill>
-                  <a:srgbClr val="660033"/>
-                </a:solidFill>
-                <a:effectLst>
-                  <a:outerShdw blurRad="50000" dist="30000" dir="5400000" algn="tl" rotWithShape="0">
-                    <a:srgbClr val="000000">
-                      <a:alpha val="30000"/>
-                    </a:srgbClr>
-                  </a:outerShdw>
-                </a:effectLst>
-                <a:latin typeface="微軟正黑體" pitchFamily="34" charset="-120"/>
-                <a:ea typeface="微軟正黑體" pitchFamily="34" charset="-120"/>
-              </a:rPr>
-              <a:t>主的愛如流水淙淙</a:t>
-            </a:r>
-            <a:endParaRPr lang="en-US" altLang="zh-TW" sz="5400" b="1" dirty="0" smtClean="0">
+            <a:r>
+              <a:rPr lang="en-US" sz="4800" b="1" dirty="0" smtClean="0">
+                <a:solidFill>
+                  <a:srgbClr val="660033"/>
+                </a:solidFill>
+              </a:rPr>
+              <a:t>1.</a:t>
+            </a:r>
+            <a:endParaRPr lang="vi-VN" sz="4800" b="1" dirty="0">
               <a:solidFill>
                 <a:srgbClr val="660033"/>
               </a:solidFill>
-              <a:effectLst>
-                <a:outerShdw blurRad="50000" dist="30000" dir="5400000" algn="tl" rotWithShape="0">
-                  <a:srgbClr val="000000">
-                    <a:alpha val="30000"/>
-                  </a:srgbClr>
-                </a:outerShdw>
-              </a:effectLst>
-              <a:latin typeface="微軟正黑體" pitchFamily="34" charset="-120"/>
-              <a:ea typeface="微軟正黑體" pitchFamily="34" charset="-120"/>
             </a:endParaRPr>
           </a:p>
-          <a:p>
-            <a:pPr algn="ctr">
-              <a:buNone/>
-            </a:pPr>
-            <a:r>
-              <a:rPr lang="zh-TW" altLang="en-US" sz="5400" b="1" dirty="0" smtClean="0">
-                <a:solidFill>
-                  <a:srgbClr val="660033"/>
-                </a:solidFill>
-                <a:effectLst>
-                  <a:outerShdw blurRad="50000" dist="30000" dir="5400000" algn="tl" rotWithShape="0">
-                    <a:srgbClr val="000000">
-                      <a:alpha val="30000"/>
-                    </a:srgbClr>
-                  </a:outerShdw>
-                </a:effectLst>
-                <a:latin typeface="微軟正黑體" pitchFamily="34" charset="-120"/>
-                <a:ea typeface="微軟正黑體" pitchFamily="34" charset="-120"/>
-              </a:rPr>
-              <a:t>願你分享祂這愛</a:t>
-            </a:r>
-            <a:endParaRPr lang="en-US" altLang="zh-TW" sz="5400" b="1" dirty="0" smtClean="0">
-              <a:solidFill>
-                <a:srgbClr val="660033"/>
-              </a:solidFill>
-              <a:effectLst>
-                <a:outerShdw blurRad="50000" dist="30000" dir="5400000" algn="tl" rotWithShape="0">
-                  <a:srgbClr val="000000">
-                    <a:alpha val="30000"/>
-                  </a:srgbClr>
-                </a:outerShdw>
-              </a:effectLst>
-              <a:latin typeface="微軟正黑體" pitchFamily="34" charset="-120"/>
-              <a:ea typeface="微軟正黑體" pitchFamily="34" charset="-120"/>
-            </a:endParaRPr>
-          </a:p>
-          <a:p>
-            <a:pPr algn="ctr">
-              <a:buNone/>
-            </a:pPr>
-            <a:r>
-              <a:rPr lang="zh-TW" altLang="en-US" sz="5400" b="1" dirty="0" smtClean="0">
-                <a:solidFill>
-                  <a:srgbClr val="660033"/>
-                </a:solidFill>
-                <a:effectLst>
-                  <a:outerShdw blurRad="50000" dist="30000" dir="5400000" algn="tl" rotWithShape="0">
-                    <a:srgbClr val="000000">
-                      <a:alpha val="30000"/>
-                    </a:srgbClr>
-                  </a:outerShdw>
-                </a:effectLst>
-                <a:latin typeface="微軟正黑體" pitchFamily="34" charset="-120"/>
-                <a:ea typeface="微軟正黑體" pitchFamily="34" charset="-120"/>
-              </a:rPr>
-              <a:t>以你愛 還祂愛 永相愛</a:t>
-            </a:r>
-          </a:p>
         </p:txBody>
       </p:sp>
     </p:spTree>
+    <p:extLst>
+      <p:ext uri="{BB962C8B-B14F-4D97-AF65-F5344CB8AC3E}">
+        <p14:creationId xmlns:p14="http://schemas.microsoft.com/office/powerpoint/2010/main" val="2214301614"/>
+      </p:ext>
+    </p:extLst>
   </p:cSld>
   <p:clrMapOvr>
     <a:masterClrMapping/>
   </p:clrMapOvr>
-  <p:timing>
-    <p:tnLst>
-      <p:par>
-        <p:cTn id="1" dur="indefinite" restart="never" nodeType="tmRoot"/>
-      </p:par>
-    </p:tnLst>
-  </p:timing>
+</p:sld>
+</file>
+
+<file path=ppt/slides/slide54.xml><?xml version="1.0" encoding="utf-8"?>
+<p:sld xmlns:a="http://schemas.openxmlformats.org/drawingml/2006/main" xmlns:r="http://schemas.openxmlformats.org/officeDocument/2006/relationships" xmlns:p="http://schemas.openxmlformats.org/presentationml/2006/main">
+  <p:cSld>
+    <p:spTree>
+      <p:nvGrpSpPr>
+        <p:cNvPr id="1" name=""/>
+        <p:cNvGrpSpPr/>
+        <p:nvPr/>
+      </p:nvGrpSpPr>
+      <p:grpSpPr>
+        <a:xfrm>
+          <a:off x="0" y="0"/>
+          <a:ext cx="0" cy="0"/>
+          <a:chOff x="0" y="0"/>
+          <a:chExt cx="0" cy="0"/>
+        </a:xfrm>
+      </p:grpSpPr>
+      <p:sp>
+        <p:nvSpPr>
+          <p:cNvPr id="5" name="內容版面配置區 4"/>
+          <p:cNvSpPr>
+            <a:spLocks noGrp="1"/>
+          </p:cNvSpPr>
+          <p:nvPr>
+            <p:ph idx="1"/>
+          </p:nvPr>
+        </p:nvSpPr>
+        <p:spPr>
+          <a:xfrm>
+            <a:off x="0" y="1563638"/>
+            <a:ext cx="9144000" cy="1803647"/>
+          </a:xfrm>
+        </p:spPr>
+        <p:txBody>
+          <a:bodyPr anchor="ctr">
+            <a:normAutofit/>
+          </a:bodyPr>
+          <a:lstStyle/>
+          <a:p>
+            <a:pPr algn="ctr">
+              <a:buNone/>
+            </a:pPr>
+            <a:r>
+              <a:rPr lang="zh-CN" altLang="en-US" sz="4800" b="1" dirty="0">
+                <a:solidFill>
+                  <a:srgbClr val="660033"/>
+                </a:solidFill>
+                <a:latin typeface="微軟正黑體" pitchFamily="34" charset="-120"/>
+                <a:ea typeface="微軟正黑體" pitchFamily="34" charset="-120"/>
+              </a:rPr>
+              <a:t>袮</a:t>
+            </a:r>
+            <a:r>
+              <a:rPr lang="zh-TW" altLang="en-US" sz="4800" b="1" dirty="0">
+                <a:solidFill>
+                  <a:srgbClr val="660033"/>
+                </a:solidFill>
+                <a:latin typeface="微軟正黑體" pitchFamily="34" charset="-120"/>
+                <a:ea typeface="微軟正黑體" pitchFamily="34" charset="-120"/>
+              </a:rPr>
+              <a:t>是我救主為我還清罪債</a:t>
+            </a:r>
+          </a:p>
+          <a:p>
+            <a:pPr algn="ctr">
+              <a:buNone/>
+            </a:pPr>
+            <a:r>
+              <a:rPr lang="zh-TW" altLang="en-US" sz="4800" b="1" dirty="0">
+                <a:solidFill>
+                  <a:srgbClr val="660033"/>
+                </a:solidFill>
+                <a:latin typeface="微軟正黑體" pitchFamily="34" charset="-120"/>
+                <a:ea typeface="微軟正黑體" pitchFamily="34" charset="-120"/>
+              </a:rPr>
+              <a:t>若我曾愛救主 於今更親愛</a:t>
+            </a:r>
+          </a:p>
+        </p:txBody>
+      </p:sp>
+      <p:sp>
+        <p:nvSpPr>
+          <p:cNvPr id="3" name="TextBox 2"/>
+          <p:cNvSpPr txBox="1"/>
+          <p:nvPr/>
+        </p:nvSpPr>
+        <p:spPr>
+          <a:xfrm>
+            <a:off x="251520" y="1659230"/>
+            <a:ext cx="936104" cy="830997"/>
+          </a:xfrm>
+          <a:prstGeom prst="rect">
+            <a:avLst/>
+          </a:prstGeom>
+          <a:noFill/>
+        </p:spPr>
+        <p:txBody>
+          <a:bodyPr wrap="square" rtlCol="0">
+            <a:spAutoFit/>
+          </a:bodyPr>
+          <a:lstStyle/>
+          <a:p>
+            <a:r>
+              <a:rPr lang="en-US" sz="4800" b="1" dirty="0" smtClean="0">
+                <a:solidFill>
+                  <a:srgbClr val="660033"/>
+                </a:solidFill>
+              </a:rPr>
+              <a:t>1.</a:t>
+            </a:r>
+            <a:endParaRPr lang="vi-VN" sz="4800" b="1" dirty="0">
+              <a:solidFill>
+                <a:srgbClr val="660033"/>
+              </a:solidFill>
+            </a:endParaRPr>
+          </a:p>
+        </p:txBody>
+      </p:sp>
+    </p:spTree>
+    <p:extLst>
+      <p:ext uri="{BB962C8B-B14F-4D97-AF65-F5344CB8AC3E}">
+        <p14:creationId xmlns:p14="http://schemas.microsoft.com/office/powerpoint/2010/main" val="3202768320"/>
+      </p:ext>
+    </p:extLst>
+  </p:cSld>
+  <p:clrMapOvr>
+    <a:masterClrMapping/>
+  </p:clrMapOvr>
+</p:sld>
+</file>
+
+<file path=ppt/slides/slide55.xml><?xml version="1.0" encoding="utf-8"?>
+<p:sld xmlns:a="http://schemas.openxmlformats.org/drawingml/2006/main" xmlns:r="http://schemas.openxmlformats.org/officeDocument/2006/relationships" xmlns:p="http://schemas.openxmlformats.org/presentationml/2006/main">
+  <p:cSld>
+    <p:spTree>
+      <p:nvGrpSpPr>
+        <p:cNvPr id="1" name=""/>
+        <p:cNvGrpSpPr/>
+        <p:nvPr/>
+      </p:nvGrpSpPr>
+      <p:grpSpPr>
+        <a:xfrm>
+          <a:off x="0" y="0"/>
+          <a:ext cx="0" cy="0"/>
+          <a:chOff x="0" y="0"/>
+          <a:chExt cx="0" cy="0"/>
+        </a:xfrm>
+      </p:grpSpPr>
+      <p:sp>
+        <p:nvSpPr>
+          <p:cNvPr id="5" name="內容版面配置區 4"/>
+          <p:cNvSpPr>
+            <a:spLocks noGrp="1"/>
+          </p:cNvSpPr>
+          <p:nvPr>
+            <p:ph idx="1"/>
+          </p:nvPr>
+        </p:nvSpPr>
+        <p:spPr>
+          <a:xfrm>
+            <a:off x="0" y="1563638"/>
+            <a:ext cx="9144000" cy="1803647"/>
+          </a:xfrm>
+        </p:spPr>
+        <p:txBody>
+          <a:bodyPr anchor="ctr">
+            <a:normAutofit/>
+          </a:bodyPr>
+          <a:lstStyle/>
+          <a:p>
+            <a:pPr lvl="0" algn="ctr">
+              <a:buNone/>
+            </a:pPr>
+            <a:r>
+              <a:rPr lang="zh-TW" altLang="en-US" sz="4800" b="1" dirty="0">
+                <a:solidFill>
+                  <a:srgbClr val="660033"/>
+                </a:solidFill>
+                <a:latin typeface="微軟正黑體" pitchFamily="34" charset="-120"/>
+                <a:ea typeface="微軟正黑體" pitchFamily="34" charset="-120"/>
+              </a:rPr>
+              <a:t>我深愛主耶穌 因主先愛我</a:t>
+            </a:r>
+          </a:p>
+          <a:p>
+            <a:pPr algn="ctr">
+              <a:buNone/>
+            </a:pPr>
+            <a:r>
+              <a:rPr lang="zh-TW" altLang="en-US" sz="4800" b="1" dirty="0">
+                <a:solidFill>
+                  <a:srgbClr val="660033"/>
+                </a:solidFill>
+                <a:latin typeface="微軟正黑體" pitchFamily="34" charset="-120"/>
+                <a:ea typeface="微軟正黑體" pitchFamily="34" charset="-120"/>
+              </a:rPr>
+              <a:t>在十架替我死赦免眾罪過</a:t>
+            </a:r>
+          </a:p>
+        </p:txBody>
+      </p:sp>
+      <p:sp>
+        <p:nvSpPr>
+          <p:cNvPr id="3" name="TextBox 2"/>
+          <p:cNvSpPr txBox="1"/>
+          <p:nvPr/>
+        </p:nvSpPr>
+        <p:spPr>
+          <a:xfrm>
+            <a:off x="251520" y="1659230"/>
+            <a:ext cx="936104" cy="830997"/>
+          </a:xfrm>
+          <a:prstGeom prst="rect">
+            <a:avLst/>
+          </a:prstGeom>
+          <a:noFill/>
+        </p:spPr>
+        <p:txBody>
+          <a:bodyPr wrap="square" rtlCol="0">
+            <a:spAutoFit/>
+          </a:bodyPr>
+          <a:lstStyle/>
+          <a:p>
+            <a:r>
+              <a:rPr lang="en-US" sz="4800" b="1" dirty="0">
+                <a:solidFill>
+                  <a:srgbClr val="660033"/>
+                </a:solidFill>
+              </a:rPr>
+              <a:t>2</a:t>
+            </a:r>
+            <a:r>
+              <a:rPr lang="en-US" sz="4800" b="1" dirty="0" smtClean="0">
+                <a:solidFill>
+                  <a:srgbClr val="660033"/>
+                </a:solidFill>
+              </a:rPr>
+              <a:t>.</a:t>
+            </a:r>
+            <a:endParaRPr lang="vi-VN" sz="4800" b="1" dirty="0">
+              <a:solidFill>
+                <a:srgbClr val="660033"/>
+              </a:solidFill>
+            </a:endParaRPr>
+          </a:p>
+        </p:txBody>
+      </p:sp>
+    </p:spTree>
+    <p:extLst>
+      <p:ext uri="{BB962C8B-B14F-4D97-AF65-F5344CB8AC3E}">
+        <p14:creationId xmlns:p14="http://schemas.microsoft.com/office/powerpoint/2010/main" val="202123538"/>
+      </p:ext>
+    </p:extLst>
+  </p:cSld>
+  <p:clrMapOvr>
+    <a:masterClrMapping/>
+  </p:clrMapOvr>
+</p:sld>
+</file>
+
+<file path=ppt/slides/slide56.xml><?xml version="1.0" encoding="utf-8"?>
+<p:sld xmlns:a="http://schemas.openxmlformats.org/drawingml/2006/main" xmlns:r="http://schemas.openxmlformats.org/officeDocument/2006/relationships" xmlns:p="http://schemas.openxmlformats.org/presentationml/2006/main">
+  <p:cSld>
+    <p:spTree>
+      <p:nvGrpSpPr>
+        <p:cNvPr id="1" name=""/>
+        <p:cNvGrpSpPr/>
+        <p:nvPr/>
+      </p:nvGrpSpPr>
+      <p:grpSpPr>
+        <a:xfrm>
+          <a:off x="0" y="0"/>
+          <a:ext cx="0" cy="0"/>
+          <a:chOff x="0" y="0"/>
+          <a:chExt cx="0" cy="0"/>
+        </a:xfrm>
+      </p:grpSpPr>
+      <p:sp>
+        <p:nvSpPr>
+          <p:cNvPr id="5" name="內容版面配置區 4"/>
+          <p:cNvSpPr>
+            <a:spLocks noGrp="1"/>
+          </p:cNvSpPr>
+          <p:nvPr>
+            <p:ph idx="1"/>
+          </p:nvPr>
+        </p:nvSpPr>
+        <p:spPr>
+          <a:xfrm>
+            <a:off x="0" y="1563638"/>
+            <a:ext cx="9144000" cy="1803647"/>
+          </a:xfrm>
+        </p:spPr>
+        <p:txBody>
+          <a:bodyPr anchor="ctr">
+            <a:normAutofit/>
+          </a:bodyPr>
+          <a:lstStyle/>
+          <a:p>
+            <a:pPr algn="ctr">
+              <a:buNone/>
+            </a:pPr>
+            <a:r>
+              <a:rPr lang="zh-TW" altLang="en-US" sz="4800" b="1" dirty="0">
+                <a:solidFill>
+                  <a:srgbClr val="660033"/>
+                </a:solidFill>
+                <a:latin typeface="微軟正黑體" pitchFamily="34" charset="-120"/>
+                <a:ea typeface="微軟正黑體" pitchFamily="34" charset="-120"/>
+              </a:rPr>
+              <a:t>主為我戴荊冠受羞辱陷害</a:t>
+            </a:r>
+          </a:p>
+          <a:p>
+            <a:pPr algn="ctr">
+              <a:buNone/>
+            </a:pPr>
+            <a:r>
+              <a:rPr lang="zh-TW" altLang="en-US" sz="4800" b="1" dirty="0">
+                <a:solidFill>
+                  <a:srgbClr val="660033"/>
+                </a:solidFill>
+                <a:latin typeface="微軟正黑體" pitchFamily="34" charset="-120"/>
+                <a:ea typeface="微軟正黑體" pitchFamily="34" charset="-120"/>
+              </a:rPr>
+              <a:t>若我曾愛救主 於今更親愛</a:t>
+            </a:r>
+          </a:p>
+        </p:txBody>
+      </p:sp>
+      <p:sp>
+        <p:nvSpPr>
+          <p:cNvPr id="3" name="TextBox 2"/>
+          <p:cNvSpPr txBox="1"/>
+          <p:nvPr/>
+        </p:nvSpPr>
+        <p:spPr>
+          <a:xfrm>
+            <a:off x="251520" y="1659230"/>
+            <a:ext cx="936104" cy="830997"/>
+          </a:xfrm>
+          <a:prstGeom prst="rect">
+            <a:avLst/>
+          </a:prstGeom>
+          <a:noFill/>
+        </p:spPr>
+        <p:txBody>
+          <a:bodyPr wrap="square" rtlCol="0">
+            <a:spAutoFit/>
+          </a:bodyPr>
+          <a:lstStyle/>
+          <a:p>
+            <a:r>
+              <a:rPr lang="en-US" sz="4800" b="1" dirty="0">
+                <a:solidFill>
+                  <a:srgbClr val="660033"/>
+                </a:solidFill>
+              </a:rPr>
+              <a:t>2</a:t>
+            </a:r>
+            <a:r>
+              <a:rPr lang="en-US" sz="4800" b="1" dirty="0" smtClean="0">
+                <a:solidFill>
+                  <a:srgbClr val="660033"/>
+                </a:solidFill>
+              </a:rPr>
+              <a:t>.</a:t>
+            </a:r>
+            <a:endParaRPr lang="vi-VN" sz="4800" b="1" dirty="0">
+              <a:solidFill>
+                <a:srgbClr val="660033"/>
+              </a:solidFill>
+            </a:endParaRPr>
+          </a:p>
+        </p:txBody>
+      </p:sp>
+    </p:spTree>
+    <p:extLst>
+      <p:ext uri="{BB962C8B-B14F-4D97-AF65-F5344CB8AC3E}">
+        <p14:creationId xmlns:p14="http://schemas.microsoft.com/office/powerpoint/2010/main" val="37888372"/>
+      </p:ext>
+    </p:extLst>
+  </p:cSld>
+  <p:clrMapOvr>
+    <a:masterClrMapping/>
+  </p:clrMapOvr>
+</p:sld>
+</file>
+
+<file path=ppt/slides/slide57.xml><?xml version="1.0" encoding="utf-8"?>
+<p:sld xmlns:a="http://schemas.openxmlformats.org/drawingml/2006/main" xmlns:r="http://schemas.openxmlformats.org/officeDocument/2006/relationships" xmlns:p="http://schemas.openxmlformats.org/presentationml/2006/main">
+  <p:cSld>
+    <p:spTree>
+      <p:nvGrpSpPr>
+        <p:cNvPr id="1" name=""/>
+        <p:cNvGrpSpPr/>
+        <p:nvPr/>
+      </p:nvGrpSpPr>
+      <p:grpSpPr>
+        <a:xfrm>
+          <a:off x="0" y="0"/>
+          <a:ext cx="0" cy="0"/>
+          <a:chOff x="0" y="0"/>
+          <a:chExt cx="0" cy="0"/>
+        </a:xfrm>
+      </p:grpSpPr>
+      <p:sp>
+        <p:nvSpPr>
+          <p:cNvPr id="5" name="內容版面配置區 4"/>
+          <p:cNvSpPr>
+            <a:spLocks noGrp="1"/>
+          </p:cNvSpPr>
+          <p:nvPr>
+            <p:ph idx="1"/>
+          </p:nvPr>
+        </p:nvSpPr>
+        <p:spPr>
+          <a:xfrm>
+            <a:off x="0" y="1563638"/>
+            <a:ext cx="9144000" cy="1803647"/>
+          </a:xfrm>
+        </p:spPr>
+        <p:txBody>
+          <a:bodyPr anchor="ctr">
+            <a:normAutofit/>
+          </a:bodyPr>
+          <a:lstStyle/>
+          <a:p>
+            <a:pPr lvl="0" algn="ctr">
+              <a:buNone/>
+            </a:pPr>
+            <a:r>
+              <a:rPr lang="zh-TW" altLang="en-US" sz="4800" b="1" dirty="0">
+                <a:solidFill>
+                  <a:srgbClr val="660033"/>
+                </a:solidFill>
+                <a:latin typeface="微軟正黑體" pitchFamily="34" charset="-120"/>
+                <a:ea typeface="微軟正黑體" pitchFamily="34" charset="-120"/>
+              </a:rPr>
+              <a:t>無論死生憂樂 我仍愛我主</a:t>
+            </a:r>
+          </a:p>
+          <a:p>
+            <a:pPr algn="ctr">
+              <a:buNone/>
+            </a:pPr>
+            <a:r>
+              <a:rPr lang="zh-TW" altLang="en-US" sz="4800" b="1" dirty="0">
+                <a:solidFill>
+                  <a:srgbClr val="660033"/>
+                </a:solidFill>
+                <a:latin typeface="微軟正黑體" pitchFamily="34" charset="-120"/>
+                <a:ea typeface="微軟正黑體" pitchFamily="34" charset="-120"/>
+              </a:rPr>
+              <a:t>在世我要時常讚美主耶穌</a:t>
+            </a:r>
+          </a:p>
+        </p:txBody>
+      </p:sp>
+      <p:sp>
+        <p:nvSpPr>
+          <p:cNvPr id="3" name="TextBox 2"/>
+          <p:cNvSpPr txBox="1"/>
+          <p:nvPr/>
+        </p:nvSpPr>
+        <p:spPr>
+          <a:xfrm>
+            <a:off x="251520" y="1659230"/>
+            <a:ext cx="936104" cy="830997"/>
+          </a:xfrm>
+          <a:prstGeom prst="rect">
+            <a:avLst/>
+          </a:prstGeom>
+          <a:noFill/>
+        </p:spPr>
+        <p:txBody>
+          <a:bodyPr wrap="square" rtlCol="0">
+            <a:spAutoFit/>
+          </a:bodyPr>
+          <a:lstStyle/>
+          <a:p>
+            <a:r>
+              <a:rPr lang="en-US" sz="4800" b="1" dirty="0" smtClean="0">
+                <a:solidFill>
+                  <a:srgbClr val="660033"/>
+                </a:solidFill>
+              </a:rPr>
+              <a:t>3.</a:t>
+            </a:r>
+            <a:endParaRPr lang="vi-VN" sz="4800" b="1" dirty="0">
+              <a:solidFill>
+                <a:srgbClr val="660033"/>
+              </a:solidFill>
+            </a:endParaRPr>
+          </a:p>
+        </p:txBody>
+      </p:sp>
+    </p:spTree>
+    <p:extLst>
+      <p:ext uri="{BB962C8B-B14F-4D97-AF65-F5344CB8AC3E}">
+        <p14:creationId xmlns:p14="http://schemas.microsoft.com/office/powerpoint/2010/main" val="1874551836"/>
+      </p:ext>
+    </p:extLst>
+  </p:cSld>
+  <p:clrMapOvr>
+    <a:masterClrMapping/>
+  </p:clrMapOvr>
+</p:sld>
+</file>
+
+<file path=ppt/slides/slide58.xml><?xml version="1.0" encoding="utf-8"?>
+<p:sld xmlns:a="http://schemas.openxmlformats.org/drawingml/2006/main" xmlns:r="http://schemas.openxmlformats.org/officeDocument/2006/relationships" xmlns:p="http://schemas.openxmlformats.org/presentationml/2006/main">
+  <p:cSld>
+    <p:spTree>
+      <p:nvGrpSpPr>
+        <p:cNvPr id="1" name=""/>
+        <p:cNvGrpSpPr/>
+        <p:nvPr/>
+      </p:nvGrpSpPr>
+      <p:grpSpPr>
+        <a:xfrm>
+          <a:off x="0" y="0"/>
+          <a:ext cx="0" cy="0"/>
+          <a:chOff x="0" y="0"/>
+          <a:chExt cx="0" cy="0"/>
+        </a:xfrm>
+      </p:grpSpPr>
+      <p:sp>
+        <p:nvSpPr>
+          <p:cNvPr id="5" name="內容版面配置區 4"/>
+          <p:cNvSpPr>
+            <a:spLocks noGrp="1"/>
+          </p:cNvSpPr>
+          <p:nvPr>
+            <p:ph idx="1"/>
+          </p:nvPr>
+        </p:nvSpPr>
+        <p:spPr>
+          <a:xfrm>
+            <a:off x="0" y="1563638"/>
+            <a:ext cx="9144000" cy="1803647"/>
+          </a:xfrm>
+        </p:spPr>
+        <p:txBody>
+          <a:bodyPr anchor="ctr">
+            <a:normAutofit/>
+          </a:bodyPr>
+          <a:lstStyle/>
+          <a:p>
+            <a:pPr algn="ctr">
+              <a:buNone/>
+            </a:pPr>
+            <a:r>
+              <a:rPr lang="zh-TW" altLang="en-US" sz="4800" b="1" dirty="0">
+                <a:solidFill>
+                  <a:srgbClr val="660033"/>
+                </a:solidFill>
+                <a:latin typeface="微軟正黑體" pitchFamily="34" charset="-120"/>
+                <a:ea typeface="微軟正黑體" pitchFamily="34" charset="-120"/>
+              </a:rPr>
+              <a:t>直到主再臨我必儆醒等待</a:t>
+            </a:r>
+          </a:p>
+          <a:p>
+            <a:pPr algn="ctr">
+              <a:buNone/>
+            </a:pPr>
+            <a:r>
+              <a:rPr lang="zh-TW" altLang="en-US" sz="4800" b="1" dirty="0">
+                <a:solidFill>
+                  <a:srgbClr val="660033"/>
+                </a:solidFill>
+                <a:latin typeface="微軟正黑體" pitchFamily="34" charset="-120"/>
+                <a:ea typeface="微軟正黑體" pitchFamily="34" charset="-120"/>
+              </a:rPr>
+              <a:t>若我曾愛救主 於今更親愛</a:t>
+            </a:r>
+          </a:p>
+        </p:txBody>
+      </p:sp>
+      <p:sp>
+        <p:nvSpPr>
+          <p:cNvPr id="3" name="TextBox 2"/>
+          <p:cNvSpPr txBox="1"/>
+          <p:nvPr/>
+        </p:nvSpPr>
+        <p:spPr>
+          <a:xfrm>
+            <a:off x="251520" y="1659230"/>
+            <a:ext cx="936104" cy="830997"/>
+          </a:xfrm>
+          <a:prstGeom prst="rect">
+            <a:avLst/>
+          </a:prstGeom>
+          <a:noFill/>
+        </p:spPr>
+        <p:txBody>
+          <a:bodyPr wrap="square" rtlCol="0">
+            <a:spAutoFit/>
+          </a:bodyPr>
+          <a:lstStyle/>
+          <a:p>
+            <a:r>
+              <a:rPr lang="en-US" sz="4800" b="1" dirty="0" smtClean="0">
+                <a:solidFill>
+                  <a:srgbClr val="660033"/>
+                </a:solidFill>
+              </a:rPr>
+              <a:t>3.</a:t>
+            </a:r>
+            <a:endParaRPr lang="vi-VN" sz="4800" b="1" dirty="0">
+              <a:solidFill>
+                <a:srgbClr val="660033"/>
+              </a:solidFill>
+            </a:endParaRPr>
+          </a:p>
+        </p:txBody>
+      </p:sp>
+    </p:spTree>
+    <p:extLst>
+      <p:ext uri="{BB962C8B-B14F-4D97-AF65-F5344CB8AC3E}">
+        <p14:creationId xmlns:p14="http://schemas.microsoft.com/office/powerpoint/2010/main" val="1584605482"/>
+      </p:ext>
+    </p:extLst>
+  </p:cSld>
+  <p:clrMapOvr>
+    <a:masterClrMapping/>
+  </p:clrMapOvr>
+</p:sld>
+</file>
+
+<file path=ppt/slides/slide59.xml><?xml version="1.0" encoding="utf-8"?>
+<p:sld xmlns:a="http://schemas.openxmlformats.org/drawingml/2006/main" xmlns:r="http://schemas.openxmlformats.org/officeDocument/2006/relationships" xmlns:p="http://schemas.openxmlformats.org/presentationml/2006/main">
+  <p:cSld>
+    <p:spTree>
+      <p:nvGrpSpPr>
+        <p:cNvPr id="1" name=""/>
+        <p:cNvGrpSpPr/>
+        <p:nvPr/>
+      </p:nvGrpSpPr>
+      <p:grpSpPr>
+        <a:xfrm>
+          <a:off x="0" y="0"/>
+          <a:ext cx="0" cy="0"/>
+          <a:chOff x="0" y="0"/>
+          <a:chExt cx="0" cy="0"/>
+        </a:xfrm>
+      </p:grpSpPr>
+      <p:sp>
+        <p:nvSpPr>
+          <p:cNvPr id="5" name="內容版面配置區 4"/>
+          <p:cNvSpPr>
+            <a:spLocks noGrp="1"/>
+          </p:cNvSpPr>
+          <p:nvPr>
+            <p:ph idx="1"/>
+          </p:nvPr>
+        </p:nvSpPr>
+        <p:spPr>
+          <a:xfrm>
+            <a:off x="0" y="1563638"/>
+            <a:ext cx="9144000" cy="1803647"/>
+          </a:xfrm>
+        </p:spPr>
+        <p:txBody>
+          <a:bodyPr anchor="ctr">
+            <a:normAutofit/>
+          </a:bodyPr>
+          <a:lstStyle/>
+          <a:p>
+            <a:pPr lvl="0" algn="ctr">
+              <a:buNone/>
+            </a:pPr>
+            <a:r>
+              <a:rPr lang="zh-TW" altLang="en-US" sz="4800" b="1" dirty="0">
+                <a:solidFill>
+                  <a:srgbClr val="660033"/>
+                </a:solidFill>
+                <a:latin typeface="微軟正黑體" pitchFamily="34" charset="-120"/>
+                <a:ea typeface="微軟正黑體" pitchFamily="34" charset="-120"/>
+              </a:rPr>
+              <a:t>主再來迎接我 永住榮耀中</a:t>
+            </a:r>
+          </a:p>
+          <a:p>
+            <a:pPr algn="ctr">
+              <a:buNone/>
+            </a:pPr>
+            <a:r>
+              <a:rPr lang="zh-TW" altLang="en-US" sz="4800" b="1" dirty="0">
+                <a:solidFill>
+                  <a:srgbClr val="660033"/>
+                </a:solidFill>
+                <a:latin typeface="微軟正黑體" pitchFamily="34" charset="-120"/>
+                <a:ea typeface="微軟正黑體" pitchFamily="34" charset="-120"/>
+              </a:rPr>
+              <a:t>我必時常頌揚救主大恩寵</a:t>
+            </a:r>
+          </a:p>
+        </p:txBody>
+      </p:sp>
+      <p:sp>
+        <p:nvSpPr>
+          <p:cNvPr id="3" name="TextBox 2"/>
+          <p:cNvSpPr txBox="1"/>
+          <p:nvPr/>
+        </p:nvSpPr>
+        <p:spPr>
+          <a:xfrm>
+            <a:off x="251520" y="1659230"/>
+            <a:ext cx="936104" cy="830997"/>
+          </a:xfrm>
+          <a:prstGeom prst="rect">
+            <a:avLst/>
+          </a:prstGeom>
+          <a:noFill/>
+        </p:spPr>
+        <p:txBody>
+          <a:bodyPr wrap="square" rtlCol="0">
+            <a:spAutoFit/>
+          </a:bodyPr>
+          <a:lstStyle/>
+          <a:p>
+            <a:r>
+              <a:rPr lang="en-US" sz="4800" b="1" dirty="0">
+                <a:solidFill>
+                  <a:srgbClr val="660033"/>
+                </a:solidFill>
+              </a:rPr>
+              <a:t>4</a:t>
+            </a:r>
+            <a:r>
+              <a:rPr lang="en-US" sz="4800" b="1" dirty="0" smtClean="0">
+                <a:solidFill>
+                  <a:srgbClr val="660033"/>
+                </a:solidFill>
+              </a:rPr>
+              <a:t>.</a:t>
+            </a:r>
+            <a:endParaRPr lang="vi-VN" sz="4800" b="1" dirty="0">
+              <a:solidFill>
+                <a:srgbClr val="660033"/>
+              </a:solidFill>
+            </a:endParaRPr>
+          </a:p>
+        </p:txBody>
+      </p:sp>
+    </p:spTree>
+    <p:extLst>
+      <p:ext uri="{BB962C8B-B14F-4D97-AF65-F5344CB8AC3E}">
+        <p14:creationId xmlns:p14="http://schemas.microsoft.com/office/powerpoint/2010/main" val="698596208"/>
+      </p:ext>
+    </p:extLst>
+  </p:cSld>
+  <p:clrMapOvr>
+    <a:masterClrMapping/>
+  </p:clrMapOvr>
 </p:sld>
 </file>
 
@@ -11774,6 +11837,2088 @@
               <a:ea typeface="微軟正黑體" pitchFamily="34" charset="-120"/>
               <a:cs typeface="+mn-cs"/>
             </a:endParaRPr>
+          </a:p>
+        </p:txBody>
+      </p:sp>
+    </p:spTree>
+  </p:cSld>
+  <p:clrMapOvr>
+    <a:masterClrMapping/>
+  </p:clrMapOvr>
+  <p:timing>
+    <p:tnLst>
+      <p:par>
+        <p:cTn id="1" dur="indefinite" restart="never" nodeType="tmRoot"/>
+      </p:par>
+    </p:tnLst>
+  </p:timing>
+</p:sld>
+</file>
+
+<file path=ppt/slides/slide60.xml><?xml version="1.0" encoding="utf-8"?>
+<p:sld xmlns:a="http://schemas.openxmlformats.org/drawingml/2006/main" xmlns:r="http://schemas.openxmlformats.org/officeDocument/2006/relationships" xmlns:p="http://schemas.openxmlformats.org/presentationml/2006/main">
+  <p:cSld>
+    <p:spTree>
+      <p:nvGrpSpPr>
+        <p:cNvPr id="1" name=""/>
+        <p:cNvGrpSpPr/>
+        <p:nvPr/>
+      </p:nvGrpSpPr>
+      <p:grpSpPr>
+        <a:xfrm>
+          <a:off x="0" y="0"/>
+          <a:ext cx="0" cy="0"/>
+          <a:chOff x="0" y="0"/>
+          <a:chExt cx="0" cy="0"/>
+        </a:xfrm>
+      </p:grpSpPr>
+      <p:sp>
+        <p:nvSpPr>
+          <p:cNvPr id="5" name="內容版面配置區 4"/>
+          <p:cNvSpPr>
+            <a:spLocks noGrp="1"/>
+          </p:cNvSpPr>
+          <p:nvPr>
+            <p:ph idx="1"/>
+          </p:nvPr>
+        </p:nvSpPr>
+        <p:spPr>
+          <a:xfrm>
+            <a:off x="0" y="1563638"/>
+            <a:ext cx="9144000" cy="1803647"/>
+          </a:xfrm>
+        </p:spPr>
+        <p:txBody>
+          <a:bodyPr anchor="ctr">
+            <a:normAutofit/>
+          </a:bodyPr>
+          <a:lstStyle/>
+          <a:p>
+            <a:pPr algn="ctr">
+              <a:buNone/>
+            </a:pPr>
+            <a:r>
+              <a:rPr lang="zh-TW" altLang="en-US" sz="4800" b="1" dirty="0">
+                <a:solidFill>
+                  <a:srgbClr val="660033"/>
+                </a:solidFill>
+                <a:latin typeface="微軟正黑體" pitchFamily="34" charset="-120"/>
+                <a:ea typeface="微軟正黑體" pitchFamily="34" charset="-120"/>
+              </a:rPr>
+              <a:t>戴榮耀冠冕賞賜恩乃格外</a:t>
+            </a:r>
+          </a:p>
+          <a:p>
+            <a:pPr algn="ctr">
+              <a:buNone/>
+            </a:pPr>
+            <a:r>
+              <a:rPr lang="zh-TW" altLang="en-US" sz="4800" b="1" dirty="0">
+                <a:solidFill>
+                  <a:srgbClr val="660033"/>
+                </a:solidFill>
+                <a:latin typeface="微軟正黑體" pitchFamily="34" charset="-120"/>
+                <a:ea typeface="微軟正黑體" pitchFamily="34" charset="-120"/>
+              </a:rPr>
+              <a:t>若我曾愛救主 於今更親愛</a:t>
+            </a:r>
+          </a:p>
+        </p:txBody>
+      </p:sp>
+      <p:sp>
+        <p:nvSpPr>
+          <p:cNvPr id="3" name="TextBox 2"/>
+          <p:cNvSpPr txBox="1"/>
+          <p:nvPr/>
+        </p:nvSpPr>
+        <p:spPr>
+          <a:xfrm>
+            <a:off x="251520" y="1659230"/>
+            <a:ext cx="936104" cy="830997"/>
+          </a:xfrm>
+          <a:prstGeom prst="rect">
+            <a:avLst/>
+          </a:prstGeom>
+          <a:noFill/>
+        </p:spPr>
+        <p:txBody>
+          <a:bodyPr wrap="square" rtlCol="0">
+            <a:spAutoFit/>
+          </a:bodyPr>
+          <a:lstStyle/>
+          <a:p>
+            <a:r>
+              <a:rPr lang="en-US" sz="4800" b="1" dirty="0">
+                <a:solidFill>
+                  <a:srgbClr val="660033"/>
+                </a:solidFill>
+              </a:rPr>
+              <a:t>4</a:t>
+            </a:r>
+            <a:r>
+              <a:rPr lang="en-US" sz="4800" b="1" dirty="0" smtClean="0">
+                <a:solidFill>
+                  <a:srgbClr val="660033"/>
+                </a:solidFill>
+              </a:rPr>
+              <a:t>.</a:t>
+            </a:r>
+            <a:endParaRPr lang="vi-VN" sz="4800" b="1" dirty="0">
+              <a:solidFill>
+                <a:srgbClr val="660033"/>
+              </a:solidFill>
+            </a:endParaRPr>
+          </a:p>
+        </p:txBody>
+      </p:sp>
+    </p:spTree>
+    <p:extLst>
+      <p:ext uri="{BB962C8B-B14F-4D97-AF65-F5344CB8AC3E}">
+        <p14:creationId xmlns:p14="http://schemas.microsoft.com/office/powerpoint/2010/main" val="3797883051"/>
+      </p:ext>
+    </p:extLst>
+  </p:cSld>
+  <p:clrMapOvr>
+    <a:masterClrMapping/>
+  </p:clrMapOvr>
+</p:sld>
+</file>
+
+<file path=ppt/slides/slide61.xml><?xml version="1.0" encoding="utf-8"?>
+<p:sld xmlns:a="http://schemas.openxmlformats.org/drawingml/2006/main" xmlns:r="http://schemas.openxmlformats.org/officeDocument/2006/relationships" xmlns:p="http://schemas.openxmlformats.org/presentationml/2006/main">
+  <p:cSld>
+    <p:spTree>
+      <p:nvGrpSpPr>
+        <p:cNvPr id="1" name=""/>
+        <p:cNvGrpSpPr/>
+        <p:nvPr/>
+      </p:nvGrpSpPr>
+      <p:grpSpPr>
+        <a:xfrm>
+          <a:off x="0" y="0"/>
+          <a:ext cx="0" cy="0"/>
+          <a:chOff x="0" y="0"/>
+          <a:chExt cx="0" cy="0"/>
+        </a:xfrm>
+      </p:grpSpPr>
+      <p:sp>
+        <p:nvSpPr>
+          <p:cNvPr id="2" name="標題 1"/>
+          <p:cNvSpPr>
+            <a:spLocks noGrp="1"/>
+          </p:cNvSpPr>
+          <p:nvPr>
+            <p:ph type="title" idx="4294967295"/>
+          </p:nvPr>
+        </p:nvSpPr>
+        <p:spPr>
+          <a:xfrm>
+            <a:off x="149" y="2257505"/>
+            <a:ext cx="9144000" cy="628650"/>
+          </a:xfrm>
+        </p:spPr>
+        <p:txBody>
+          <a:bodyPr>
+            <a:noAutofit/>
+          </a:bodyPr>
+          <a:lstStyle/>
+          <a:p>
+            <a:r>
+              <a:rPr lang="zh-CN" altLang="en-US" sz="7200" b="1" dirty="0">
+                <a:solidFill>
+                  <a:srgbClr val="000066"/>
+                </a:solidFill>
+                <a:effectLst>
+                  <a:outerShdw blurRad="38100" dist="38100" dir="2700000" algn="tl">
+                    <a:srgbClr val="000000">
+                      <a:alpha val="43137"/>
+                    </a:srgbClr>
+                  </a:outerShdw>
+                </a:effectLst>
+                <a:latin typeface="微軟正黑體" pitchFamily="34" charset="-120"/>
+                <a:ea typeface="微軟正黑體" pitchFamily="34" charset="-120"/>
+              </a:rPr>
+              <a:t>家事分</a:t>
+            </a:r>
+            <a:r>
+              <a:rPr lang="zh-CN" altLang="en-US" sz="7200" b="1" dirty="0" smtClean="0">
+                <a:solidFill>
+                  <a:srgbClr val="000066"/>
+                </a:solidFill>
+                <a:effectLst>
+                  <a:outerShdw blurRad="38100" dist="38100" dir="2700000" algn="tl">
+                    <a:srgbClr val="000000">
+                      <a:alpha val="43137"/>
+                    </a:srgbClr>
+                  </a:outerShdw>
+                </a:effectLst>
+                <a:latin typeface="微軟正黑體" pitchFamily="34" charset="-120"/>
+                <a:ea typeface="微軟正黑體" pitchFamily="34" charset="-120"/>
+              </a:rPr>
+              <a:t>享代</a:t>
+            </a:r>
+            <a:r>
+              <a:rPr lang="zh-CN" altLang="en-US" sz="7200" b="1" dirty="0">
+                <a:solidFill>
+                  <a:srgbClr val="000066"/>
+                </a:solidFill>
+                <a:effectLst>
+                  <a:outerShdw blurRad="38100" dist="38100" dir="2700000" algn="tl">
+                    <a:srgbClr val="000000">
+                      <a:alpha val="43137"/>
+                    </a:srgbClr>
+                  </a:outerShdw>
+                </a:effectLst>
+                <a:latin typeface="微軟正黑體" pitchFamily="34" charset="-120"/>
+                <a:ea typeface="微軟正黑體" pitchFamily="34" charset="-120"/>
+              </a:rPr>
+              <a:t>禱</a:t>
+            </a:r>
+            <a:endParaRPr lang="zh-TW" altLang="en-US" sz="7200" b="1" dirty="0">
+              <a:solidFill>
+                <a:srgbClr val="000066"/>
+              </a:solidFill>
+              <a:effectLst>
+                <a:outerShdw blurRad="38100" dist="38100" dir="2700000" algn="tl">
+                  <a:srgbClr val="000000">
+                    <a:alpha val="43137"/>
+                  </a:srgbClr>
+                </a:outerShdw>
+              </a:effectLst>
+              <a:latin typeface="微軟正黑體" pitchFamily="34" charset="-120"/>
+              <a:ea typeface="微軟正黑體" pitchFamily="34" charset="-120"/>
+            </a:endParaRPr>
+          </a:p>
+        </p:txBody>
+      </p:sp>
+    </p:spTree>
+  </p:cSld>
+  <p:clrMapOvr>
+    <a:masterClrMapping/>
+  </p:clrMapOvr>
+  <p:timing>
+    <p:tnLst>
+      <p:par>
+        <p:cTn id="1" dur="indefinite" restart="never" nodeType="tmRoot"/>
+      </p:par>
+    </p:tnLst>
+  </p:timing>
+</p:sld>
+</file>
+
+<file path=ppt/slides/slide62.xml><?xml version="1.0" encoding="utf-8"?>
+<p:sld xmlns:a="http://schemas.openxmlformats.org/drawingml/2006/main" xmlns:r="http://schemas.openxmlformats.org/officeDocument/2006/relationships" xmlns:p="http://schemas.openxmlformats.org/presentationml/2006/main">
+  <p:cSld>
+    <p:spTree>
+      <p:nvGrpSpPr>
+        <p:cNvPr id="1" name=""/>
+        <p:cNvGrpSpPr/>
+        <p:nvPr/>
+      </p:nvGrpSpPr>
+      <p:grpSpPr>
+        <a:xfrm>
+          <a:off x="0" y="0"/>
+          <a:ext cx="0" cy="0"/>
+          <a:chOff x="0" y="0"/>
+          <a:chExt cx="0" cy="0"/>
+        </a:xfrm>
+      </p:grpSpPr>
+      <p:sp>
+        <p:nvSpPr>
+          <p:cNvPr id="2" name="標題 1"/>
+          <p:cNvSpPr>
+            <a:spLocks noGrp="1"/>
+          </p:cNvSpPr>
+          <p:nvPr>
+            <p:ph type="title"/>
+          </p:nvPr>
+        </p:nvSpPr>
+        <p:spPr>
+          <a:xfrm>
+            <a:off x="0" y="300026"/>
+            <a:ext cx="8991600" cy="628650"/>
+          </a:xfrm>
+        </p:spPr>
+        <p:txBody>
+          <a:bodyPr>
+            <a:noAutofit/>
+          </a:bodyPr>
+          <a:lstStyle/>
+          <a:p>
+            <a:r>
+              <a:rPr lang="zh-CN" altLang="en-US" sz="4000" b="1" dirty="0" smtClean="0">
+                <a:solidFill>
+                  <a:srgbClr val="000066"/>
+                </a:solidFill>
+                <a:latin typeface="微軟正黑體" pitchFamily="34" charset="-120"/>
+                <a:ea typeface="微軟正黑體" pitchFamily="34" charset="-120"/>
+              </a:rPr>
+              <a:t>三一頌</a:t>
+            </a:r>
+            <a:endParaRPr lang="zh-TW" altLang="en-US" sz="4000" b="1" dirty="0">
+              <a:solidFill>
+                <a:srgbClr val="000066"/>
+              </a:solidFill>
+              <a:latin typeface="微軟正黑體" pitchFamily="34" charset="-120"/>
+              <a:ea typeface="微軟正黑體" pitchFamily="34" charset="-120"/>
+            </a:endParaRPr>
+          </a:p>
+        </p:txBody>
+      </p:sp>
+      <p:sp>
+        <p:nvSpPr>
+          <p:cNvPr id="4" name="內容版面配置區 3"/>
+          <p:cNvSpPr>
+            <a:spLocks noGrp="1"/>
+          </p:cNvSpPr>
+          <p:nvPr>
+            <p:ph idx="1"/>
+          </p:nvPr>
+        </p:nvSpPr>
+        <p:spPr>
+          <a:xfrm>
+            <a:off x="0" y="1285866"/>
+            <a:ext cx="9144000" cy="3857634"/>
+          </a:xfrm>
+        </p:spPr>
+        <p:txBody>
+          <a:bodyPr>
+            <a:noAutofit/>
+          </a:bodyPr>
+          <a:lstStyle/>
+          <a:p>
+            <a:pPr algn="ctr">
+              <a:buNone/>
+            </a:pPr>
+            <a:r>
+              <a:rPr lang="zh-CN" altLang="en-US" sz="4800" b="1" dirty="0" smtClean="0">
+                <a:solidFill>
+                  <a:srgbClr val="000066"/>
+                </a:solidFill>
+                <a:effectLst>
+                  <a:outerShdw blurRad="50000" dist="30000" dir="5400000" algn="tl" rotWithShape="0">
+                    <a:srgbClr val="000000">
+                      <a:alpha val="30000"/>
+                    </a:srgbClr>
+                  </a:outerShdw>
+                </a:effectLst>
+                <a:latin typeface="微軟正黑體" pitchFamily="34" charset="-120"/>
+                <a:ea typeface="微軟正黑體" pitchFamily="34" charset="-120"/>
+                <a:cs typeface="+mj-cs"/>
+              </a:rPr>
+              <a:t>讚美天父愛世慈仁</a:t>
+            </a:r>
+            <a:endParaRPr lang="en-US" altLang="zh-CN" sz="4800" b="1" dirty="0" smtClean="0">
+              <a:solidFill>
+                <a:srgbClr val="000066"/>
+              </a:solidFill>
+              <a:effectLst>
+                <a:outerShdw blurRad="50000" dist="30000" dir="5400000" algn="tl" rotWithShape="0">
+                  <a:srgbClr val="000000">
+                    <a:alpha val="30000"/>
+                  </a:srgbClr>
+                </a:outerShdw>
+              </a:effectLst>
+              <a:latin typeface="微軟正黑體" pitchFamily="34" charset="-120"/>
+              <a:ea typeface="微軟正黑體" pitchFamily="34" charset="-120"/>
+              <a:cs typeface="+mj-cs"/>
+            </a:endParaRPr>
+          </a:p>
+          <a:p>
+            <a:pPr algn="ctr">
+              <a:buNone/>
+            </a:pPr>
+            <a:r>
+              <a:rPr lang="zh-CN" altLang="en-US" sz="4800" b="1" dirty="0" smtClean="0">
+                <a:solidFill>
+                  <a:srgbClr val="000066"/>
+                </a:solidFill>
+                <a:effectLst>
+                  <a:outerShdw blurRad="50000" dist="30000" dir="5400000" algn="tl" rotWithShape="0">
+                    <a:srgbClr val="000000">
+                      <a:alpha val="30000"/>
+                    </a:srgbClr>
+                  </a:outerShdw>
+                </a:effectLst>
+                <a:latin typeface="微軟正黑體" pitchFamily="34" charset="-120"/>
+                <a:ea typeface="微軟正黑體" pitchFamily="34" charset="-120"/>
+                <a:cs typeface="+mj-cs"/>
+              </a:rPr>
+              <a:t>讚美耶穌代贖洪恩</a:t>
+            </a:r>
+            <a:endParaRPr lang="en-US" altLang="zh-CN" sz="4800" b="1" dirty="0" smtClean="0">
+              <a:solidFill>
+                <a:srgbClr val="000066"/>
+              </a:solidFill>
+              <a:effectLst>
+                <a:outerShdw blurRad="50000" dist="30000" dir="5400000" algn="tl" rotWithShape="0">
+                  <a:srgbClr val="000000">
+                    <a:alpha val="30000"/>
+                  </a:srgbClr>
+                </a:outerShdw>
+              </a:effectLst>
+              <a:latin typeface="微軟正黑體" pitchFamily="34" charset="-120"/>
+              <a:ea typeface="微軟正黑體" pitchFamily="34" charset="-120"/>
+              <a:cs typeface="+mj-cs"/>
+            </a:endParaRPr>
+          </a:p>
+          <a:p>
+            <a:pPr algn="ctr">
+              <a:buNone/>
+            </a:pPr>
+            <a:r>
+              <a:rPr lang="zh-CN" altLang="en-US" sz="4800" b="1" dirty="0" smtClean="0">
+                <a:solidFill>
+                  <a:srgbClr val="000066"/>
+                </a:solidFill>
+                <a:effectLst>
+                  <a:outerShdw blurRad="50000" dist="30000" dir="5400000" algn="tl" rotWithShape="0">
+                    <a:srgbClr val="000000">
+                      <a:alpha val="30000"/>
+                    </a:srgbClr>
+                  </a:outerShdw>
+                </a:effectLst>
+                <a:latin typeface="微軟正黑體" pitchFamily="34" charset="-120"/>
+                <a:ea typeface="微軟正黑體" pitchFamily="34" charset="-120"/>
+                <a:cs typeface="+mj-cs"/>
+              </a:rPr>
+              <a:t>讚美聖靈開我茅塞</a:t>
+            </a:r>
+            <a:endParaRPr lang="en-US" altLang="zh-CN" sz="4800" b="1" dirty="0" smtClean="0">
+              <a:solidFill>
+                <a:srgbClr val="000066"/>
+              </a:solidFill>
+              <a:effectLst>
+                <a:outerShdw blurRad="50000" dist="30000" dir="5400000" algn="tl" rotWithShape="0">
+                  <a:srgbClr val="000000">
+                    <a:alpha val="30000"/>
+                  </a:srgbClr>
+                </a:outerShdw>
+              </a:effectLst>
+              <a:latin typeface="微軟正黑體" pitchFamily="34" charset="-120"/>
+              <a:ea typeface="微軟正黑體" pitchFamily="34" charset="-120"/>
+              <a:cs typeface="+mj-cs"/>
+            </a:endParaRPr>
+          </a:p>
+          <a:p>
+            <a:pPr algn="ctr">
+              <a:buNone/>
+            </a:pPr>
+            <a:r>
+              <a:rPr lang="zh-CN" altLang="en-US" sz="4800" b="1" dirty="0" smtClean="0">
+                <a:solidFill>
+                  <a:srgbClr val="000066"/>
+                </a:solidFill>
+                <a:effectLst>
+                  <a:outerShdw blurRad="50000" dist="30000" dir="5400000" algn="tl" rotWithShape="0">
+                    <a:srgbClr val="000000">
+                      <a:alpha val="30000"/>
+                    </a:srgbClr>
+                  </a:outerShdw>
+                </a:effectLst>
+                <a:latin typeface="微軟正黑體" pitchFamily="34" charset="-120"/>
+                <a:ea typeface="微軟正黑體" pitchFamily="34" charset="-120"/>
+                <a:cs typeface="+mj-cs"/>
+              </a:rPr>
+              <a:t>讚美三位合一真神</a:t>
+            </a:r>
+            <a:endParaRPr lang="zh-TW" altLang="en-US" sz="4800" b="1" dirty="0">
+              <a:solidFill>
+                <a:srgbClr val="000066"/>
+              </a:solidFill>
+              <a:effectLst>
+                <a:outerShdw blurRad="50000" dist="30000" dir="5400000" algn="tl" rotWithShape="0">
+                  <a:srgbClr val="000000">
+                    <a:alpha val="30000"/>
+                  </a:srgbClr>
+                </a:outerShdw>
+              </a:effectLst>
+              <a:latin typeface="微軟正黑體" pitchFamily="34" charset="-120"/>
+              <a:ea typeface="微軟正黑體" pitchFamily="34" charset="-120"/>
+              <a:cs typeface="+mj-cs"/>
+            </a:endParaRPr>
+          </a:p>
+        </p:txBody>
+      </p:sp>
+    </p:spTree>
+  </p:cSld>
+  <p:clrMapOvr>
+    <a:masterClrMapping/>
+  </p:clrMapOvr>
+  <p:timing>
+    <p:tnLst>
+      <p:par>
+        <p:cTn id="1" dur="indefinite" restart="never" nodeType="tmRoot"/>
+      </p:par>
+    </p:tnLst>
+  </p:timing>
+</p:sld>
+</file>
+
+<file path=ppt/slides/slide63.xml><?xml version="1.0" encoding="utf-8"?>
+<p:sld xmlns:a="http://schemas.openxmlformats.org/drawingml/2006/main" xmlns:r="http://schemas.openxmlformats.org/officeDocument/2006/relationships" xmlns:p="http://schemas.openxmlformats.org/presentationml/2006/main">
+  <p:cSld>
+    <p:spTree>
+      <p:nvGrpSpPr>
+        <p:cNvPr id="1" name=""/>
+        <p:cNvGrpSpPr/>
+        <p:nvPr/>
+      </p:nvGrpSpPr>
+      <p:grpSpPr>
+        <a:xfrm>
+          <a:off x="0" y="0"/>
+          <a:ext cx="0" cy="0"/>
+          <a:chOff x="0" y="0"/>
+          <a:chExt cx="0" cy="0"/>
+        </a:xfrm>
+      </p:grpSpPr>
+      <p:sp>
+        <p:nvSpPr>
+          <p:cNvPr id="2" name="標題 1"/>
+          <p:cNvSpPr>
+            <a:spLocks noGrp="1"/>
+          </p:cNvSpPr>
+          <p:nvPr>
+            <p:ph type="title"/>
+          </p:nvPr>
+        </p:nvSpPr>
+        <p:spPr>
+          <a:xfrm>
+            <a:off x="0" y="85712"/>
+            <a:ext cx="8991600" cy="628650"/>
+          </a:xfrm>
+        </p:spPr>
+        <p:txBody>
+          <a:bodyPr>
+            <a:noAutofit/>
+          </a:bodyPr>
+          <a:lstStyle/>
+          <a:p>
+            <a:r>
+              <a:rPr lang="zh-CN" altLang="en-US" sz="4000" b="1" dirty="0" smtClean="0">
+                <a:solidFill>
+                  <a:srgbClr val="000066"/>
+                </a:solidFill>
+                <a:latin typeface="微軟正黑體" pitchFamily="34" charset="-120"/>
+                <a:ea typeface="微軟正黑體" pitchFamily="34" charset="-120"/>
+              </a:rPr>
+              <a:t>公禱文</a:t>
+            </a:r>
+            <a:endParaRPr lang="zh-TW" altLang="en-US" sz="4000" b="1" dirty="0">
+              <a:solidFill>
+                <a:srgbClr val="000066"/>
+              </a:solidFill>
+              <a:latin typeface="微軟正黑體" pitchFamily="34" charset="-120"/>
+              <a:ea typeface="微軟正黑體" pitchFamily="34" charset="-120"/>
+            </a:endParaRPr>
+          </a:p>
+        </p:txBody>
+      </p:sp>
+      <p:sp>
+        <p:nvSpPr>
+          <p:cNvPr id="4" name="內容版面配置區 3"/>
+          <p:cNvSpPr>
+            <a:spLocks noGrp="1"/>
+          </p:cNvSpPr>
+          <p:nvPr>
+            <p:ph idx="1"/>
+          </p:nvPr>
+        </p:nvSpPr>
+        <p:spPr>
+          <a:xfrm>
+            <a:off x="0" y="785800"/>
+            <a:ext cx="9144000" cy="4357718"/>
+          </a:xfrm>
+        </p:spPr>
+        <p:txBody>
+          <a:bodyPr>
+            <a:noAutofit/>
+          </a:bodyPr>
+          <a:lstStyle/>
+          <a:p>
+            <a:pPr algn="ctr">
+              <a:buNone/>
+            </a:pPr>
+            <a:r>
+              <a:rPr lang="zh-CN" altLang="en-US" sz="4800" b="1" dirty="0" smtClean="0">
+                <a:solidFill>
+                  <a:srgbClr val="000066"/>
+                </a:solidFill>
+                <a:effectLst>
+                  <a:outerShdw blurRad="50000" dist="30000" dir="5400000" algn="tl" rotWithShape="0">
+                    <a:srgbClr val="000000">
+                      <a:alpha val="30000"/>
+                    </a:srgbClr>
+                  </a:outerShdw>
+                </a:effectLst>
+                <a:latin typeface="微軟正黑體" pitchFamily="34" charset="-120"/>
+                <a:ea typeface="微軟正黑體" pitchFamily="34" charset="-120"/>
+              </a:rPr>
+              <a:t>我們在天上的父</a:t>
+            </a:r>
+            <a:endParaRPr lang="en-US" altLang="zh-CN" sz="4800" b="1" dirty="0" smtClean="0">
+              <a:solidFill>
+                <a:srgbClr val="000066"/>
+              </a:solidFill>
+              <a:effectLst>
+                <a:outerShdw blurRad="50000" dist="30000" dir="5400000" algn="tl" rotWithShape="0">
+                  <a:srgbClr val="000000">
+                    <a:alpha val="30000"/>
+                  </a:srgbClr>
+                </a:outerShdw>
+              </a:effectLst>
+              <a:latin typeface="微軟正黑體" pitchFamily="34" charset="-120"/>
+              <a:ea typeface="微軟正黑體" pitchFamily="34" charset="-120"/>
+            </a:endParaRPr>
+          </a:p>
+          <a:p>
+            <a:pPr algn="ctr">
+              <a:buNone/>
+            </a:pPr>
+            <a:r>
+              <a:rPr lang="zh-CN" altLang="en-US" sz="4800" b="1" dirty="0" smtClean="0">
+                <a:solidFill>
+                  <a:srgbClr val="000066"/>
+                </a:solidFill>
+                <a:effectLst>
+                  <a:outerShdw blurRad="50000" dist="30000" dir="5400000" algn="tl" rotWithShape="0">
+                    <a:srgbClr val="000000">
+                      <a:alpha val="30000"/>
+                    </a:srgbClr>
+                  </a:outerShdw>
+                </a:effectLst>
+                <a:latin typeface="微軟正黑體" pitchFamily="34" charset="-120"/>
+                <a:ea typeface="微軟正黑體" pitchFamily="34" charset="-120"/>
+              </a:rPr>
+              <a:t>願人</a:t>
+            </a:r>
+            <a:r>
+              <a:rPr lang="zh-CN" altLang="en-US" sz="4800" b="1" smtClean="0">
+                <a:solidFill>
+                  <a:srgbClr val="000066"/>
+                </a:solidFill>
+                <a:effectLst>
+                  <a:outerShdw blurRad="50000" dist="30000" dir="5400000" algn="tl" rotWithShape="0">
+                    <a:srgbClr val="000000">
+                      <a:alpha val="30000"/>
+                    </a:srgbClr>
+                  </a:outerShdw>
+                </a:effectLst>
+                <a:latin typeface="微軟正黑體" pitchFamily="34" charset="-120"/>
+                <a:ea typeface="微軟正黑體" pitchFamily="34" charset="-120"/>
+              </a:rPr>
+              <a:t>都</a:t>
+            </a:r>
+            <a:r>
+              <a:rPr lang="zh-CN" altLang="en-US" sz="4800" b="1">
+                <a:solidFill>
+                  <a:srgbClr val="000066"/>
+                </a:solidFill>
+                <a:effectLst>
+                  <a:outerShdw blurRad="50000" dist="30000" dir="5400000" algn="tl" rotWithShape="0">
+                    <a:srgbClr val="000000">
+                      <a:alpha val="30000"/>
+                    </a:srgbClr>
+                  </a:outerShdw>
+                </a:effectLst>
+                <a:latin typeface="微軟正黑體" pitchFamily="34" charset="-120"/>
+                <a:ea typeface="微軟正黑體" pitchFamily="34" charset="-120"/>
+              </a:rPr>
+              <a:t>尊父的</a:t>
+            </a:r>
+            <a:r>
+              <a:rPr lang="zh-CN" altLang="en-US" sz="4800" b="1" dirty="0" smtClean="0">
+                <a:solidFill>
+                  <a:srgbClr val="000066"/>
+                </a:solidFill>
+                <a:effectLst>
+                  <a:outerShdw blurRad="50000" dist="30000" dir="5400000" algn="tl" rotWithShape="0">
+                    <a:srgbClr val="000000">
+                      <a:alpha val="30000"/>
+                    </a:srgbClr>
+                  </a:outerShdw>
+                </a:effectLst>
+                <a:latin typeface="微軟正黑體" pitchFamily="34" charset="-120"/>
+                <a:ea typeface="微軟正黑體" pitchFamily="34" charset="-120"/>
+              </a:rPr>
+              <a:t>名為聖</a:t>
+            </a:r>
+            <a:endParaRPr lang="en-US" altLang="zh-CN" sz="4800" b="1" dirty="0" smtClean="0">
+              <a:solidFill>
+                <a:srgbClr val="000066"/>
+              </a:solidFill>
+              <a:effectLst>
+                <a:outerShdw blurRad="50000" dist="30000" dir="5400000" algn="tl" rotWithShape="0">
+                  <a:srgbClr val="000000">
+                    <a:alpha val="30000"/>
+                  </a:srgbClr>
+                </a:outerShdw>
+              </a:effectLst>
+              <a:latin typeface="微軟正黑體" pitchFamily="34" charset="-120"/>
+              <a:ea typeface="微軟正黑體" pitchFamily="34" charset="-120"/>
+            </a:endParaRPr>
+          </a:p>
+          <a:p>
+            <a:pPr algn="ctr">
+              <a:buNone/>
+            </a:pPr>
+            <a:r>
+              <a:rPr lang="zh-CN" altLang="en-US" sz="4800" b="1" dirty="0" smtClean="0">
+                <a:solidFill>
+                  <a:srgbClr val="000066"/>
+                </a:solidFill>
+                <a:effectLst>
+                  <a:outerShdw blurRad="50000" dist="30000" dir="5400000" algn="tl" rotWithShape="0">
+                    <a:srgbClr val="000000">
+                      <a:alpha val="30000"/>
+                    </a:srgbClr>
+                  </a:outerShdw>
+                </a:effectLst>
+                <a:latin typeface="微軟正黑體" pitchFamily="34" charset="-120"/>
+                <a:ea typeface="微軟正黑體" pitchFamily="34" charset="-120"/>
+              </a:rPr>
+              <a:t>願父的國降臨</a:t>
+            </a:r>
+            <a:endParaRPr lang="en-US" altLang="zh-CN" sz="4800" b="1" dirty="0" smtClean="0">
+              <a:solidFill>
+                <a:srgbClr val="000066"/>
+              </a:solidFill>
+              <a:effectLst>
+                <a:outerShdw blurRad="50000" dist="30000" dir="5400000" algn="tl" rotWithShape="0">
+                  <a:srgbClr val="000000">
+                    <a:alpha val="30000"/>
+                  </a:srgbClr>
+                </a:outerShdw>
+              </a:effectLst>
+              <a:latin typeface="微軟正黑體" pitchFamily="34" charset="-120"/>
+              <a:ea typeface="微軟正黑體" pitchFamily="34" charset="-120"/>
+            </a:endParaRPr>
+          </a:p>
+          <a:p>
+            <a:pPr algn="ctr">
+              <a:buNone/>
+            </a:pPr>
+            <a:r>
+              <a:rPr lang="zh-CN" altLang="en-US" sz="4800" b="1" dirty="0" smtClean="0">
+                <a:solidFill>
+                  <a:srgbClr val="000066"/>
+                </a:solidFill>
+                <a:effectLst>
+                  <a:outerShdw blurRad="50000" dist="30000" dir="5400000" algn="tl" rotWithShape="0">
+                    <a:srgbClr val="000000">
+                      <a:alpha val="30000"/>
+                    </a:srgbClr>
+                  </a:outerShdw>
+                </a:effectLst>
+                <a:latin typeface="微軟正黑體" pitchFamily="34" charset="-120"/>
+                <a:ea typeface="微軟正黑體" pitchFamily="34" charset="-120"/>
+              </a:rPr>
+              <a:t>願父的旨意行在地上</a:t>
+            </a:r>
+            <a:endParaRPr lang="en-US" altLang="zh-CN" sz="4800" b="1" dirty="0" smtClean="0">
+              <a:solidFill>
+                <a:srgbClr val="000066"/>
+              </a:solidFill>
+              <a:effectLst>
+                <a:outerShdw blurRad="50000" dist="30000" dir="5400000" algn="tl" rotWithShape="0">
+                  <a:srgbClr val="000000">
+                    <a:alpha val="30000"/>
+                  </a:srgbClr>
+                </a:outerShdw>
+              </a:effectLst>
+              <a:latin typeface="微軟正黑體" pitchFamily="34" charset="-120"/>
+              <a:ea typeface="微軟正黑體" pitchFamily="34" charset="-120"/>
+            </a:endParaRPr>
+          </a:p>
+          <a:p>
+            <a:pPr algn="ctr">
+              <a:buNone/>
+            </a:pPr>
+            <a:r>
+              <a:rPr lang="zh-CN" altLang="en-US" sz="4800" b="1" dirty="0" smtClean="0">
+                <a:solidFill>
+                  <a:srgbClr val="000066"/>
+                </a:solidFill>
+                <a:effectLst>
+                  <a:outerShdw blurRad="50000" dist="30000" dir="5400000" algn="tl" rotWithShape="0">
+                    <a:srgbClr val="000000">
+                      <a:alpha val="30000"/>
+                    </a:srgbClr>
+                  </a:outerShdw>
+                </a:effectLst>
+                <a:latin typeface="微軟正黑體" pitchFamily="34" charset="-120"/>
+                <a:ea typeface="微軟正黑體" pitchFamily="34" charset="-120"/>
+              </a:rPr>
+              <a:t>如同行在天上</a:t>
+            </a:r>
+            <a:endParaRPr lang="zh-TW" altLang="en-US" sz="4800" b="1" dirty="0">
+              <a:solidFill>
+                <a:srgbClr val="000066"/>
+              </a:solidFill>
+              <a:effectLst>
+                <a:outerShdw blurRad="50000" dist="30000" dir="5400000" algn="tl" rotWithShape="0">
+                  <a:srgbClr val="000000">
+                    <a:alpha val="30000"/>
+                  </a:srgbClr>
+                </a:outerShdw>
+              </a:effectLst>
+              <a:latin typeface="微軟正黑體" pitchFamily="34" charset="-120"/>
+              <a:ea typeface="微軟正黑體" pitchFamily="34" charset="-120"/>
+            </a:endParaRPr>
+          </a:p>
+        </p:txBody>
+      </p:sp>
+    </p:spTree>
+  </p:cSld>
+  <p:clrMapOvr>
+    <a:masterClrMapping/>
+  </p:clrMapOvr>
+  <p:timing>
+    <p:tnLst>
+      <p:par>
+        <p:cTn id="1" dur="indefinite" restart="never" nodeType="tmRoot"/>
+      </p:par>
+    </p:tnLst>
+  </p:timing>
+</p:sld>
+</file>
+
+<file path=ppt/slides/slide64.xml><?xml version="1.0" encoding="utf-8"?>
+<p:sld xmlns:a="http://schemas.openxmlformats.org/drawingml/2006/main" xmlns:r="http://schemas.openxmlformats.org/officeDocument/2006/relationships" xmlns:p="http://schemas.openxmlformats.org/presentationml/2006/main">
+  <p:cSld>
+    <p:spTree>
+      <p:nvGrpSpPr>
+        <p:cNvPr id="1" name=""/>
+        <p:cNvGrpSpPr/>
+        <p:nvPr/>
+      </p:nvGrpSpPr>
+      <p:grpSpPr>
+        <a:xfrm>
+          <a:off x="0" y="0"/>
+          <a:ext cx="0" cy="0"/>
+          <a:chOff x="0" y="0"/>
+          <a:chExt cx="0" cy="0"/>
+        </a:xfrm>
+      </p:grpSpPr>
+      <p:sp>
+        <p:nvSpPr>
+          <p:cNvPr id="2" name="標題 1"/>
+          <p:cNvSpPr>
+            <a:spLocks noGrp="1"/>
+          </p:cNvSpPr>
+          <p:nvPr>
+            <p:ph type="title"/>
+          </p:nvPr>
+        </p:nvSpPr>
+        <p:spPr>
+          <a:xfrm>
+            <a:off x="0" y="85712"/>
+            <a:ext cx="8991600" cy="628650"/>
+          </a:xfrm>
+        </p:spPr>
+        <p:txBody>
+          <a:bodyPr>
+            <a:noAutofit/>
+          </a:bodyPr>
+          <a:lstStyle/>
+          <a:p>
+            <a:r>
+              <a:rPr lang="zh-CN" altLang="en-US" sz="4000" b="1" dirty="0" smtClean="0">
+                <a:solidFill>
+                  <a:srgbClr val="000066"/>
+                </a:solidFill>
+                <a:latin typeface="微軟正黑體" pitchFamily="34" charset="-120"/>
+                <a:ea typeface="微軟正黑體" pitchFamily="34" charset="-120"/>
+              </a:rPr>
+              <a:t>公禱文</a:t>
+            </a:r>
+            <a:endParaRPr lang="zh-TW" altLang="en-US" sz="4000" b="1" dirty="0">
+              <a:solidFill>
+                <a:srgbClr val="000066"/>
+              </a:solidFill>
+              <a:latin typeface="微軟正黑體" pitchFamily="34" charset="-120"/>
+              <a:ea typeface="微軟正黑體" pitchFamily="34" charset="-120"/>
+            </a:endParaRPr>
+          </a:p>
+        </p:txBody>
+      </p:sp>
+      <p:sp>
+        <p:nvSpPr>
+          <p:cNvPr id="4" name="內容版面配置區 3"/>
+          <p:cNvSpPr>
+            <a:spLocks noGrp="1"/>
+          </p:cNvSpPr>
+          <p:nvPr>
+            <p:ph idx="1"/>
+          </p:nvPr>
+        </p:nvSpPr>
+        <p:spPr>
+          <a:xfrm>
+            <a:off x="0" y="1142990"/>
+            <a:ext cx="9144000" cy="4000528"/>
+          </a:xfrm>
+        </p:spPr>
+        <p:txBody>
+          <a:bodyPr>
+            <a:noAutofit/>
+          </a:bodyPr>
+          <a:lstStyle/>
+          <a:p>
+            <a:pPr algn="ctr">
+              <a:buNone/>
+            </a:pPr>
+            <a:r>
+              <a:rPr lang="zh-CN" altLang="en-US" sz="4800" b="1" dirty="0" smtClean="0">
+                <a:solidFill>
+                  <a:srgbClr val="000066"/>
+                </a:solidFill>
+                <a:effectLst>
+                  <a:outerShdw blurRad="50000" dist="30000" dir="5400000" algn="tl" rotWithShape="0">
+                    <a:srgbClr val="000000">
+                      <a:alpha val="30000"/>
+                    </a:srgbClr>
+                  </a:outerShdw>
+                </a:effectLst>
+                <a:latin typeface="微軟正黑體" pitchFamily="34" charset="-120"/>
+                <a:ea typeface="微軟正黑體" pitchFamily="34" charset="-120"/>
+              </a:rPr>
+              <a:t>我們日用的飲食</a:t>
+            </a:r>
+            <a:endParaRPr lang="en-US" altLang="zh-CN" sz="4800" b="1" dirty="0" smtClean="0">
+              <a:solidFill>
+                <a:srgbClr val="000066"/>
+              </a:solidFill>
+              <a:effectLst>
+                <a:outerShdw blurRad="50000" dist="30000" dir="5400000" algn="tl" rotWithShape="0">
+                  <a:srgbClr val="000000">
+                    <a:alpha val="30000"/>
+                  </a:srgbClr>
+                </a:outerShdw>
+              </a:effectLst>
+              <a:latin typeface="微軟正黑體" pitchFamily="34" charset="-120"/>
+              <a:ea typeface="微軟正黑體" pitchFamily="34" charset="-120"/>
+            </a:endParaRPr>
+          </a:p>
+          <a:p>
+            <a:pPr algn="ctr">
+              <a:buNone/>
+            </a:pPr>
+            <a:r>
+              <a:rPr lang="zh-CN" altLang="en-US" sz="4800" b="1" dirty="0" smtClean="0">
+                <a:solidFill>
+                  <a:srgbClr val="000066"/>
+                </a:solidFill>
+                <a:effectLst>
+                  <a:outerShdw blurRad="50000" dist="30000" dir="5400000" algn="tl" rotWithShape="0">
+                    <a:srgbClr val="000000">
+                      <a:alpha val="30000"/>
+                    </a:srgbClr>
+                  </a:outerShdw>
+                </a:effectLst>
+                <a:latin typeface="微軟正黑體" pitchFamily="34" charset="-120"/>
+                <a:ea typeface="微軟正黑體" pitchFamily="34" charset="-120"/>
+              </a:rPr>
+              <a:t>今日賜給我們</a:t>
+            </a:r>
+            <a:endParaRPr lang="en-US" altLang="zh-CN" sz="4800" b="1" dirty="0" smtClean="0">
+              <a:solidFill>
+                <a:srgbClr val="000066"/>
+              </a:solidFill>
+              <a:effectLst>
+                <a:outerShdw blurRad="50000" dist="30000" dir="5400000" algn="tl" rotWithShape="0">
+                  <a:srgbClr val="000000">
+                    <a:alpha val="30000"/>
+                  </a:srgbClr>
+                </a:outerShdw>
+              </a:effectLst>
+              <a:latin typeface="微軟正黑體" pitchFamily="34" charset="-120"/>
+              <a:ea typeface="微軟正黑體" pitchFamily="34" charset="-120"/>
+            </a:endParaRPr>
+          </a:p>
+          <a:p>
+            <a:pPr algn="ctr">
+              <a:buNone/>
+            </a:pPr>
+            <a:r>
+              <a:rPr lang="zh-CN" altLang="en-US" sz="4800" b="1" dirty="0" smtClean="0">
+                <a:solidFill>
+                  <a:srgbClr val="000066"/>
+                </a:solidFill>
+                <a:effectLst>
+                  <a:outerShdw blurRad="50000" dist="30000" dir="5400000" algn="tl" rotWithShape="0">
+                    <a:srgbClr val="000000">
+                      <a:alpha val="30000"/>
+                    </a:srgbClr>
+                  </a:outerShdw>
+                </a:effectLst>
+                <a:latin typeface="微軟正黑體" pitchFamily="34" charset="-120"/>
+                <a:ea typeface="微軟正黑體" pitchFamily="34" charset="-120"/>
+              </a:rPr>
+              <a:t>免我們的債</a:t>
+            </a:r>
+            <a:endParaRPr lang="en-US" altLang="zh-CN" sz="4800" b="1" dirty="0" smtClean="0">
+              <a:solidFill>
+                <a:srgbClr val="000066"/>
+              </a:solidFill>
+              <a:effectLst>
+                <a:outerShdw blurRad="50000" dist="30000" dir="5400000" algn="tl" rotWithShape="0">
+                  <a:srgbClr val="000000">
+                    <a:alpha val="30000"/>
+                  </a:srgbClr>
+                </a:outerShdw>
+              </a:effectLst>
+              <a:latin typeface="微軟正黑體" pitchFamily="34" charset="-120"/>
+              <a:ea typeface="微軟正黑體" pitchFamily="34" charset="-120"/>
+            </a:endParaRPr>
+          </a:p>
+          <a:p>
+            <a:pPr algn="ctr">
+              <a:buNone/>
+            </a:pPr>
+            <a:r>
+              <a:rPr lang="zh-CN" altLang="en-US" sz="4800" b="1" dirty="0" smtClean="0">
+                <a:solidFill>
+                  <a:srgbClr val="000066"/>
+                </a:solidFill>
+                <a:effectLst>
+                  <a:outerShdw blurRad="50000" dist="30000" dir="5400000" algn="tl" rotWithShape="0">
+                    <a:srgbClr val="000000">
+                      <a:alpha val="30000"/>
+                    </a:srgbClr>
+                  </a:outerShdw>
+                </a:effectLst>
+                <a:latin typeface="微軟正黑體" pitchFamily="34" charset="-120"/>
+                <a:ea typeface="微軟正黑體" pitchFamily="34" charset="-120"/>
+              </a:rPr>
+              <a:t>如同我們免了人的債</a:t>
+            </a:r>
+            <a:endParaRPr lang="zh-TW" altLang="en-US" sz="4800" b="1" dirty="0" smtClean="0">
+              <a:solidFill>
+                <a:srgbClr val="000066"/>
+              </a:solidFill>
+              <a:effectLst>
+                <a:outerShdw blurRad="50000" dist="30000" dir="5400000" algn="tl" rotWithShape="0">
+                  <a:srgbClr val="000000">
+                    <a:alpha val="30000"/>
+                  </a:srgbClr>
+                </a:outerShdw>
+              </a:effectLst>
+              <a:latin typeface="微軟正黑體" pitchFamily="34" charset="-120"/>
+              <a:ea typeface="微軟正黑體" pitchFamily="34" charset="-120"/>
+            </a:endParaRPr>
+          </a:p>
+        </p:txBody>
+      </p:sp>
+    </p:spTree>
+  </p:cSld>
+  <p:clrMapOvr>
+    <a:masterClrMapping/>
+  </p:clrMapOvr>
+  <p:timing>
+    <p:tnLst>
+      <p:par>
+        <p:cTn id="1" dur="indefinite" restart="never" nodeType="tmRoot"/>
+      </p:par>
+    </p:tnLst>
+  </p:timing>
+</p:sld>
+</file>
+
+<file path=ppt/slides/slide65.xml><?xml version="1.0" encoding="utf-8"?>
+<p:sld xmlns:a="http://schemas.openxmlformats.org/drawingml/2006/main" xmlns:r="http://schemas.openxmlformats.org/officeDocument/2006/relationships" xmlns:p="http://schemas.openxmlformats.org/presentationml/2006/main">
+  <p:cSld>
+    <p:spTree>
+      <p:nvGrpSpPr>
+        <p:cNvPr id="1" name=""/>
+        <p:cNvGrpSpPr/>
+        <p:nvPr/>
+      </p:nvGrpSpPr>
+      <p:grpSpPr>
+        <a:xfrm>
+          <a:off x="0" y="0"/>
+          <a:ext cx="0" cy="0"/>
+          <a:chOff x="0" y="0"/>
+          <a:chExt cx="0" cy="0"/>
+        </a:xfrm>
+      </p:grpSpPr>
+      <p:sp>
+        <p:nvSpPr>
+          <p:cNvPr id="2" name="標題 1"/>
+          <p:cNvSpPr>
+            <a:spLocks noGrp="1"/>
+          </p:cNvSpPr>
+          <p:nvPr>
+            <p:ph type="title"/>
+          </p:nvPr>
+        </p:nvSpPr>
+        <p:spPr>
+          <a:xfrm>
+            <a:off x="0" y="85712"/>
+            <a:ext cx="8991600" cy="628650"/>
+          </a:xfrm>
+        </p:spPr>
+        <p:txBody>
+          <a:bodyPr>
+            <a:noAutofit/>
+          </a:bodyPr>
+          <a:lstStyle/>
+          <a:p>
+            <a:r>
+              <a:rPr lang="zh-CN" altLang="en-US" sz="4000" b="1" dirty="0" smtClean="0">
+                <a:solidFill>
+                  <a:srgbClr val="000066"/>
+                </a:solidFill>
+                <a:latin typeface="微軟正黑體" pitchFamily="34" charset="-120"/>
+                <a:ea typeface="微軟正黑體" pitchFamily="34" charset="-120"/>
+              </a:rPr>
+              <a:t>公禱文</a:t>
+            </a:r>
+            <a:endParaRPr lang="zh-TW" altLang="en-US" sz="4000" b="1" dirty="0">
+              <a:solidFill>
+                <a:srgbClr val="000066"/>
+              </a:solidFill>
+              <a:latin typeface="微軟正黑體" pitchFamily="34" charset="-120"/>
+              <a:ea typeface="微軟正黑體" pitchFamily="34" charset="-120"/>
+            </a:endParaRPr>
+          </a:p>
+        </p:txBody>
+      </p:sp>
+      <p:sp>
+        <p:nvSpPr>
+          <p:cNvPr id="4" name="內容版面配置區 3"/>
+          <p:cNvSpPr>
+            <a:spLocks noGrp="1"/>
+          </p:cNvSpPr>
+          <p:nvPr>
+            <p:ph idx="1"/>
+          </p:nvPr>
+        </p:nvSpPr>
+        <p:spPr>
+          <a:xfrm>
+            <a:off x="0" y="1071552"/>
+            <a:ext cx="9144000" cy="4071966"/>
+          </a:xfrm>
+        </p:spPr>
+        <p:txBody>
+          <a:bodyPr>
+            <a:noAutofit/>
+          </a:bodyPr>
+          <a:lstStyle/>
+          <a:p>
+            <a:pPr algn="ctr">
+              <a:buNone/>
+            </a:pPr>
+            <a:r>
+              <a:rPr lang="zh-CN" altLang="en-US" sz="4800" b="1" dirty="0" smtClean="0">
+                <a:solidFill>
+                  <a:srgbClr val="000066"/>
+                </a:solidFill>
+                <a:effectLst>
+                  <a:outerShdw blurRad="50000" dist="30000" dir="5400000" algn="tl" rotWithShape="0">
+                    <a:srgbClr val="000000">
+                      <a:alpha val="30000"/>
+                    </a:srgbClr>
+                  </a:outerShdw>
+                </a:effectLst>
+                <a:latin typeface="微軟正黑體" pitchFamily="34" charset="-120"/>
+                <a:ea typeface="微軟正黑體" pitchFamily="34" charset="-120"/>
+              </a:rPr>
+              <a:t>不叫我們遇見試探</a:t>
+            </a:r>
+            <a:endParaRPr lang="en-US" altLang="zh-CN" sz="4800" b="1" dirty="0" smtClean="0">
+              <a:solidFill>
+                <a:srgbClr val="000066"/>
+              </a:solidFill>
+              <a:effectLst>
+                <a:outerShdw blurRad="50000" dist="30000" dir="5400000" algn="tl" rotWithShape="0">
+                  <a:srgbClr val="000000">
+                    <a:alpha val="30000"/>
+                  </a:srgbClr>
+                </a:outerShdw>
+              </a:effectLst>
+              <a:latin typeface="微軟正黑體" pitchFamily="34" charset="-120"/>
+              <a:ea typeface="微軟正黑體" pitchFamily="34" charset="-120"/>
+            </a:endParaRPr>
+          </a:p>
+          <a:p>
+            <a:pPr algn="ctr">
+              <a:buNone/>
+            </a:pPr>
+            <a:r>
+              <a:rPr lang="zh-CN" altLang="en-US" sz="4800" b="1" dirty="0" smtClean="0">
+                <a:solidFill>
+                  <a:srgbClr val="000066"/>
+                </a:solidFill>
+                <a:effectLst>
+                  <a:outerShdw blurRad="50000" dist="30000" dir="5400000" algn="tl" rotWithShape="0">
+                    <a:srgbClr val="000000">
+                      <a:alpha val="30000"/>
+                    </a:srgbClr>
+                  </a:outerShdw>
+                </a:effectLst>
+                <a:latin typeface="微軟正黑體" pitchFamily="34" charset="-120"/>
+                <a:ea typeface="微軟正黑體" pitchFamily="34" charset="-120"/>
+              </a:rPr>
+              <a:t>救我們脫離兇惡</a:t>
+            </a:r>
+            <a:endParaRPr lang="en-US" altLang="zh-CN" sz="4800" b="1" dirty="0" smtClean="0">
+              <a:solidFill>
+                <a:srgbClr val="000066"/>
+              </a:solidFill>
+              <a:effectLst>
+                <a:outerShdw blurRad="50000" dist="30000" dir="5400000" algn="tl" rotWithShape="0">
+                  <a:srgbClr val="000000">
+                    <a:alpha val="30000"/>
+                  </a:srgbClr>
+                </a:outerShdw>
+              </a:effectLst>
+              <a:latin typeface="微軟正黑體" pitchFamily="34" charset="-120"/>
+              <a:ea typeface="微軟正黑體" pitchFamily="34" charset="-120"/>
+            </a:endParaRPr>
+          </a:p>
+          <a:p>
+            <a:pPr algn="ctr">
+              <a:buNone/>
+            </a:pPr>
+            <a:r>
+              <a:rPr lang="zh-CN" altLang="en-US" sz="4800" b="1" dirty="0" smtClean="0">
+                <a:solidFill>
+                  <a:srgbClr val="000066"/>
+                </a:solidFill>
+                <a:effectLst>
+                  <a:outerShdw blurRad="50000" dist="30000" dir="5400000" algn="tl" rotWithShape="0">
+                    <a:srgbClr val="000000">
+                      <a:alpha val="30000"/>
+                    </a:srgbClr>
+                  </a:outerShdw>
+                </a:effectLst>
+                <a:latin typeface="微軟正黑體" pitchFamily="34" charset="-120"/>
+                <a:ea typeface="微軟正黑體" pitchFamily="34" charset="-120"/>
+              </a:rPr>
+              <a:t>因為國度 權柄 榮耀</a:t>
+            </a:r>
+            <a:endParaRPr lang="en-US" altLang="zh-CN" sz="4800" b="1" dirty="0" smtClean="0">
+              <a:solidFill>
+                <a:srgbClr val="000066"/>
+              </a:solidFill>
+              <a:effectLst>
+                <a:outerShdw blurRad="50000" dist="30000" dir="5400000" algn="tl" rotWithShape="0">
+                  <a:srgbClr val="000000">
+                    <a:alpha val="30000"/>
+                  </a:srgbClr>
+                </a:outerShdw>
+              </a:effectLst>
+              <a:latin typeface="微軟正黑體" pitchFamily="34" charset="-120"/>
+              <a:ea typeface="微軟正黑體" pitchFamily="34" charset="-120"/>
+            </a:endParaRPr>
+          </a:p>
+          <a:p>
+            <a:pPr algn="ctr">
+              <a:buNone/>
+            </a:pPr>
+            <a:r>
+              <a:rPr lang="zh-CN" altLang="en-US" sz="4800" b="1" dirty="0" smtClean="0">
+                <a:solidFill>
+                  <a:srgbClr val="000066"/>
+                </a:solidFill>
+                <a:effectLst>
+                  <a:outerShdw blurRad="50000" dist="30000" dir="5400000" algn="tl" rotWithShape="0">
+                    <a:srgbClr val="000000">
+                      <a:alpha val="30000"/>
+                    </a:srgbClr>
+                  </a:outerShdw>
+                </a:effectLst>
+                <a:latin typeface="微軟正黑體" pitchFamily="34" charset="-120"/>
+                <a:ea typeface="微軟正黑體" pitchFamily="34" charset="-120"/>
+              </a:rPr>
+              <a:t>全是父的 直到永遠</a:t>
+            </a:r>
+            <a:r>
+              <a:rPr lang="en-US" altLang="zh-CN" sz="4800" b="1" dirty="0" smtClean="0">
+                <a:solidFill>
+                  <a:srgbClr val="000066"/>
+                </a:solidFill>
+                <a:effectLst>
+                  <a:outerShdw blurRad="50000" dist="30000" dir="5400000" algn="tl" rotWithShape="0">
+                    <a:srgbClr val="000000">
+                      <a:alpha val="30000"/>
+                    </a:srgbClr>
+                  </a:outerShdw>
+                </a:effectLst>
+                <a:latin typeface="微軟正黑體" pitchFamily="34" charset="-120"/>
+                <a:ea typeface="微軟正黑體" pitchFamily="34" charset="-120"/>
+              </a:rPr>
+              <a:t>  </a:t>
+            </a:r>
+            <a:r>
+              <a:rPr lang="zh-CN" altLang="en-US" sz="4800" b="1" dirty="0" smtClean="0">
+                <a:solidFill>
+                  <a:srgbClr val="000066"/>
+                </a:solidFill>
+                <a:effectLst>
+                  <a:outerShdw blurRad="50000" dist="30000" dir="5400000" algn="tl" rotWithShape="0">
+                    <a:srgbClr val="000000">
+                      <a:alpha val="30000"/>
+                    </a:srgbClr>
+                  </a:outerShdw>
+                </a:effectLst>
+                <a:latin typeface="微軟正黑體" pitchFamily="34" charset="-120"/>
+                <a:ea typeface="微軟正黑體" pitchFamily="34" charset="-120"/>
+              </a:rPr>
+              <a:t>阿門</a:t>
+            </a:r>
+            <a:endParaRPr lang="zh-TW" altLang="en-US" sz="4800" b="1" dirty="0" smtClean="0">
+              <a:solidFill>
+                <a:srgbClr val="000066"/>
+              </a:solidFill>
+              <a:effectLst>
+                <a:outerShdw blurRad="50000" dist="30000" dir="5400000" algn="tl" rotWithShape="0">
+                  <a:srgbClr val="000000">
+                    <a:alpha val="30000"/>
+                  </a:srgbClr>
+                </a:outerShdw>
+              </a:effectLst>
+              <a:latin typeface="微軟正黑體" pitchFamily="34" charset="-120"/>
+              <a:ea typeface="微軟正黑體" pitchFamily="34" charset="-120"/>
+            </a:endParaRPr>
+          </a:p>
+        </p:txBody>
+      </p:sp>
+    </p:spTree>
+  </p:cSld>
+  <p:clrMapOvr>
+    <a:masterClrMapping/>
+  </p:clrMapOvr>
+  <p:timing>
+    <p:tnLst>
+      <p:par>
+        <p:cTn id="1" dur="indefinite" restart="never" nodeType="tmRoot"/>
+      </p:par>
+    </p:tnLst>
+  </p:timing>
+</p:sld>
+</file>
+
+<file path=ppt/slides/slide66.xml><?xml version="1.0" encoding="utf-8"?>
+<p:sld xmlns:a="http://schemas.openxmlformats.org/drawingml/2006/main" xmlns:r="http://schemas.openxmlformats.org/officeDocument/2006/relationships" xmlns:p="http://schemas.openxmlformats.org/presentationml/2006/main">
+  <p:cSld>
+    <p:spTree>
+      <p:nvGrpSpPr>
+        <p:cNvPr id="1" name=""/>
+        <p:cNvGrpSpPr/>
+        <p:nvPr/>
+      </p:nvGrpSpPr>
+      <p:grpSpPr>
+        <a:xfrm>
+          <a:off x="0" y="0"/>
+          <a:ext cx="0" cy="0"/>
+          <a:chOff x="0" y="0"/>
+          <a:chExt cx="0" cy="0"/>
+        </a:xfrm>
+      </p:grpSpPr>
+      <p:sp>
+        <p:nvSpPr>
+          <p:cNvPr id="2" name="標題 1"/>
+          <p:cNvSpPr>
+            <a:spLocks noGrp="1"/>
+          </p:cNvSpPr>
+          <p:nvPr>
+            <p:ph type="title" idx="4294967295"/>
+          </p:nvPr>
+        </p:nvSpPr>
+        <p:spPr>
+          <a:xfrm>
+            <a:off x="0" y="1635646"/>
+            <a:ext cx="9144000" cy="628650"/>
+          </a:xfrm>
+        </p:spPr>
+        <p:txBody>
+          <a:bodyPr>
+            <a:noAutofit/>
+          </a:bodyPr>
+          <a:lstStyle/>
+          <a:p>
+            <a:pPr algn="ctr"/>
+            <a:r>
+              <a:rPr lang="zh-CN" altLang="en-US" sz="5400" b="1" dirty="0" smtClean="0">
+                <a:solidFill>
+                  <a:srgbClr val="000066"/>
+                </a:solidFill>
+                <a:effectLst>
+                  <a:outerShdw blurRad="38100" dist="38100" dir="2700000" algn="tl">
+                    <a:srgbClr val="000000">
+                      <a:alpha val="43137"/>
+                    </a:srgbClr>
+                  </a:outerShdw>
+                </a:effectLst>
+                <a:latin typeface="微軟正黑體" pitchFamily="34" charset="-120"/>
+                <a:ea typeface="微軟正黑體" pitchFamily="34" charset="-120"/>
+              </a:rPr>
+              <a:t>祝福</a:t>
+            </a:r>
+            <a:endParaRPr lang="zh-TW" altLang="en-US" sz="5400" b="1" dirty="0">
+              <a:solidFill>
+                <a:srgbClr val="000066"/>
+              </a:solidFill>
+              <a:effectLst>
+                <a:outerShdw blurRad="38100" dist="38100" dir="2700000" algn="tl">
+                  <a:srgbClr val="000000">
+                    <a:alpha val="43137"/>
+                  </a:srgbClr>
+                </a:outerShdw>
+              </a:effectLst>
+              <a:latin typeface="微軟正黑體" pitchFamily="34" charset="-120"/>
+              <a:ea typeface="微軟正黑體" pitchFamily="34" charset="-120"/>
+            </a:endParaRPr>
+          </a:p>
+        </p:txBody>
+      </p:sp>
+      <p:sp>
+        <p:nvSpPr>
+          <p:cNvPr id="3" name="矩形 2"/>
+          <p:cNvSpPr/>
+          <p:nvPr/>
+        </p:nvSpPr>
+        <p:spPr>
+          <a:xfrm>
+            <a:off x="0" y="2499742"/>
+            <a:ext cx="9144000" cy="830997"/>
+          </a:xfrm>
+          <a:prstGeom prst="rect">
+            <a:avLst/>
+          </a:prstGeom>
+        </p:spPr>
+        <p:txBody>
+          <a:bodyPr wrap="square">
+            <a:spAutoFit/>
+          </a:bodyPr>
+          <a:lstStyle/>
+          <a:p>
+            <a:pPr algn="ctr"/>
+            <a:r>
+              <a:rPr lang="en-US" altLang="zh-CN" sz="4800" b="1" dirty="0" smtClean="0">
+                <a:solidFill>
+                  <a:srgbClr val="660033"/>
+                </a:solidFill>
+                <a:effectLst>
+                  <a:outerShdw blurRad="38100" dist="38100" dir="2700000" algn="tl">
+                    <a:srgbClr val="000000">
+                      <a:alpha val="43137"/>
+                    </a:srgbClr>
+                  </a:outerShdw>
+                </a:effectLst>
+                <a:latin typeface="微軟正黑體" pitchFamily="34" charset="-120"/>
+                <a:ea typeface="微軟正黑體" pitchFamily="34" charset="-120"/>
+                <a:cs typeface="+mj-cs"/>
+              </a:rPr>
+              <a:t>(</a:t>
+            </a:r>
+            <a:r>
+              <a:rPr lang="zh-CN" altLang="en-US" sz="4800" b="1" dirty="0" smtClean="0">
+                <a:solidFill>
+                  <a:srgbClr val="660033"/>
+                </a:solidFill>
+                <a:effectLst>
+                  <a:outerShdw blurRad="38100" dist="38100" dir="2700000" algn="tl">
+                    <a:srgbClr val="000000">
+                      <a:alpha val="43137"/>
+                    </a:srgbClr>
+                  </a:outerShdw>
+                </a:effectLst>
+                <a:latin typeface="微軟正黑體" pitchFamily="34" charset="-120"/>
+                <a:ea typeface="微軟正黑體" pitchFamily="34" charset="-120"/>
+                <a:cs typeface="+mj-cs"/>
+              </a:rPr>
+              <a:t>主禮牧師</a:t>
+            </a:r>
+            <a:r>
+              <a:rPr lang="en-US" altLang="zh-CN" sz="4800" b="1" dirty="0" smtClean="0">
+                <a:solidFill>
+                  <a:srgbClr val="660033"/>
+                </a:solidFill>
+                <a:effectLst>
+                  <a:outerShdw blurRad="38100" dist="38100" dir="2700000" algn="tl">
+                    <a:srgbClr val="000000">
+                      <a:alpha val="43137"/>
+                    </a:srgbClr>
+                  </a:outerShdw>
+                </a:effectLst>
+                <a:latin typeface="微軟正黑體" pitchFamily="34" charset="-120"/>
+                <a:ea typeface="微軟正黑體" pitchFamily="34" charset="-120"/>
+                <a:cs typeface="+mj-cs"/>
+              </a:rPr>
+              <a:t>)</a:t>
+            </a:r>
+            <a:endParaRPr lang="zh-TW" altLang="en-US" sz="4800" b="1" dirty="0" smtClean="0">
+              <a:solidFill>
+                <a:srgbClr val="660033"/>
+              </a:solidFill>
+              <a:effectLst>
+                <a:outerShdw blurRad="38100" dist="38100" dir="2700000" algn="tl">
+                  <a:srgbClr val="000000">
+                    <a:alpha val="43137"/>
+                  </a:srgbClr>
+                </a:outerShdw>
+              </a:effectLst>
+              <a:latin typeface="微軟正黑體" pitchFamily="34" charset="-120"/>
+              <a:ea typeface="微軟正黑體" pitchFamily="34" charset="-120"/>
+              <a:cs typeface="+mj-cs"/>
+            </a:endParaRPr>
+          </a:p>
+        </p:txBody>
+      </p:sp>
+    </p:spTree>
+  </p:cSld>
+  <p:clrMapOvr>
+    <a:masterClrMapping/>
+  </p:clrMapOvr>
+  <p:timing>
+    <p:tnLst>
+      <p:par>
+        <p:cTn id="1" dur="indefinite" restart="never" nodeType="tmRoot"/>
+      </p:par>
+    </p:tnLst>
+  </p:timing>
+</p:sld>
+</file>
+
+<file path=ppt/slides/slide67.xml><?xml version="1.0" encoding="utf-8"?>
+<p:sld xmlns:a="http://schemas.openxmlformats.org/drawingml/2006/main" xmlns:r="http://schemas.openxmlformats.org/officeDocument/2006/relationships" xmlns:p="http://schemas.openxmlformats.org/presentationml/2006/main">
+  <p:cSld>
+    <p:spTree>
+      <p:nvGrpSpPr>
+        <p:cNvPr id="1" name=""/>
+        <p:cNvGrpSpPr/>
+        <p:nvPr/>
+      </p:nvGrpSpPr>
+      <p:grpSpPr>
+        <a:xfrm>
+          <a:off x="0" y="0"/>
+          <a:ext cx="0" cy="0"/>
+          <a:chOff x="0" y="0"/>
+          <a:chExt cx="0" cy="0"/>
+        </a:xfrm>
+      </p:grpSpPr>
+      <p:sp>
+        <p:nvSpPr>
+          <p:cNvPr id="2" name="矩形 1"/>
+          <p:cNvSpPr/>
+          <p:nvPr/>
+        </p:nvSpPr>
+        <p:spPr>
+          <a:xfrm>
+            <a:off x="0" y="1570336"/>
+            <a:ext cx="9144000" cy="923330"/>
+          </a:xfrm>
+          <a:prstGeom prst="rect">
+            <a:avLst/>
+          </a:prstGeom>
+        </p:spPr>
+        <p:txBody>
+          <a:bodyPr wrap="square">
+            <a:spAutoFit/>
+          </a:bodyPr>
+          <a:lstStyle/>
+          <a:p>
+            <a:pPr algn="ctr"/>
+            <a:r>
+              <a:rPr lang="zh-CN" altLang="en-US" sz="5400" b="1" dirty="0" smtClean="0">
+                <a:solidFill>
+                  <a:srgbClr val="000066"/>
+                </a:solidFill>
+                <a:effectLst>
+                  <a:outerShdw blurRad="50000" dist="30000" dir="5400000" algn="tl" rotWithShape="0">
+                    <a:srgbClr val="000000">
+                      <a:alpha val="30000"/>
+                    </a:srgbClr>
+                  </a:outerShdw>
+                </a:effectLst>
+                <a:latin typeface="微軟正黑體" pitchFamily="34" charset="-120"/>
+                <a:ea typeface="微軟正黑體" pitchFamily="34" charset="-120"/>
+                <a:cs typeface="+mj-cs"/>
+              </a:rPr>
+              <a:t>聚會祝福歌</a:t>
+            </a:r>
+            <a:endParaRPr lang="zh-TW" altLang="en-US" sz="5400" b="1" dirty="0" smtClean="0">
+              <a:solidFill>
+                <a:srgbClr val="000066"/>
+              </a:solidFill>
+              <a:effectLst>
+                <a:outerShdw blurRad="50000" dist="30000" dir="5400000" algn="tl" rotWithShape="0">
+                  <a:srgbClr val="000000">
+                    <a:alpha val="30000"/>
+                  </a:srgbClr>
+                </a:outerShdw>
+              </a:effectLst>
+              <a:latin typeface="微軟正黑體" pitchFamily="34" charset="-120"/>
+              <a:ea typeface="微軟正黑體" pitchFamily="34" charset="-120"/>
+              <a:cs typeface="+mj-cs"/>
+            </a:endParaRPr>
+          </a:p>
+        </p:txBody>
+      </p:sp>
+      <p:sp>
+        <p:nvSpPr>
+          <p:cNvPr id="3" name="標題 1"/>
+          <p:cNvSpPr txBox="1"/>
+          <p:nvPr/>
+        </p:nvSpPr>
+        <p:spPr>
+          <a:xfrm>
+            <a:off x="0" y="2435611"/>
+            <a:ext cx="9144000" cy="964405"/>
+          </a:xfrm>
+          <a:prstGeom prst="rect">
+            <a:avLst/>
+          </a:prstGeom>
+        </p:spPr>
+        <p:txBody>
+          <a:bodyPr anchor="ctr">
+            <a:noAutofit/>
+          </a:bodyPr>
+          <a:lstStyle/>
+          <a:p>
+            <a:pPr marL="0" marR="0" lvl="0" indent="0" algn="ctr" defTabSz="914400" rtl="0" eaLnBrk="1" fontAlgn="auto" latinLnBrk="0" hangingPunct="1">
+              <a:lnSpc>
+                <a:spcPct val="100000"/>
+              </a:lnSpc>
+              <a:spcBef>
+                <a:spcPct val="0"/>
+              </a:spcBef>
+              <a:spcAft>
+                <a:spcPts val="0"/>
+              </a:spcAft>
+              <a:buClrTx/>
+              <a:buSzTx/>
+              <a:buFontTx/>
+              <a:buNone/>
+              <a:defRPr/>
+            </a:pPr>
+            <a:r>
+              <a:rPr kumimoji="0" lang="zh-CN" altLang="en-US" sz="4800" b="1" i="0" u="none" strike="noStrike" kern="1200" cap="none" spc="0" normalizeH="0" baseline="0" noProof="0" dirty="0" smtClean="0">
+                <a:ln>
+                  <a:noFill/>
+                </a:ln>
+                <a:solidFill>
+                  <a:srgbClr val="660033"/>
+                </a:solidFill>
+                <a:effectLst>
+                  <a:outerShdw blurRad="50000" dist="30000" dir="5400000" algn="tl" rotWithShape="0">
+                    <a:srgbClr val="000000">
+                      <a:alpha val="30000"/>
+                    </a:srgbClr>
+                  </a:outerShdw>
+                </a:effectLst>
+                <a:uLnTx/>
+                <a:uFillTx/>
+                <a:latin typeface="微軟正黑體" pitchFamily="34" charset="-120"/>
+                <a:ea typeface="微軟正黑體" pitchFamily="34" charset="-120"/>
+                <a:cs typeface="+mj-cs"/>
+              </a:rPr>
+              <a:t>本堂牧師領詩班退堂</a:t>
+            </a:r>
+            <a:endParaRPr kumimoji="0" lang="zh-TW" altLang="en-US" sz="4800" b="1" i="0" u="none" strike="noStrike" kern="1200" cap="none" spc="0" normalizeH="0" baseline="0" noProof="0" dirty="0">
+              <a:ln>
+                <a:noFill/>
+              </a:ln>
+              <a:solidFill>
+                <a:srgbClr val="660033"/>
+              </a:solidFill>
+              <a:effectLst>
+                <a:outerShdw blurRad="50000" dist="30000" dir="5400000" algn="tl" rotWithShape="0">
+                  <a:srgbClr val="000000">
+                    <a:alpha val="30000"/>
+                  </a:srgbClr>
+                </a:outerShdw>
+              </a:effectLst>
+              <a:uLnTx/>
+              <a:uFillTx/>
+              <a:latin typeface="微軟正黑體" pitchFamily="34" charset="-120"/>
+              <a:ea typeface="微軟正黑體" pitchFamily="34" charset="-120"/>
+              <a:cs typeface="+mj-cs"/>
+            </a:endParaRPr>
+          </a:p>
+        </p:txBody>
+      </p:sp>
+    </p:spTree>
+  </p:cSld>
+  <p:clrMapOvr>
+    <a:masterClrMapping/>
+  </p:clrMapOvr>
+  <p:timing>
+    <p:tnLst>
+      <p:par>
+        <p:cTn id="1" dur="indefinite" restart="never" nodeType="tmRoot"/>
+      </p:par>
+    </p:tnLst>
+  </p:timing>
+</p:sld>
+</file>
+
+<file path=ppt/slides/slide68.xml><?xml version="1.0" encoding="utf-8"?>
+<p:sld xmlns:a="http://schemas.openxmlformats.org/drawingml/2006/main" xmlns:r="http://schemas.openxmlformats.org/officeDocument/2006/relationships" xmlns:p="http://schemas.openxmlformats.org/presentationml/2006/main">
+  <p:cSld>
+    <p:spTree>
+      <p:nvGrpSpPr>
+        <p:cNvPr id="1" name=""/>
+        <p:cNvGrpSpPr/>
+        <p:nvPr/>
+      </p:nvGrpSpPr>
+      <p:grpSpPr>
+        <a:xfrm>
+          <a:off x="0" y="0"/>
+          <a:ext cx="0" cy="0"/>
+          <a:chOff x="0" y="0"/>
+          <a:chExt cx="0" cy="0"/>
+        </a:xfrm>
+      </p:grpSpPr>
+      <p:sp>
+        <p:nvSpPr>
+          <p:cNvPr id="2" name="標題 1"/>
+          <p:cNvSpPr>
+            <a:spLocks noGrp="1"/>
+          </p:cNvSpPr>
+          <p:nvPr>
+            <p:ph type="title"/>
+          </p:nvPr>
+        </p:nvSpPr>
+        <p:spPr>
+          <a:xfrm>
+            <a:off x="0" y="282167"/>
+            <a:ext cx="8991600" cy="628650"/>
+          </a:xfrm>
+        </p:spPr>
+        <p:txBody>
+          <a:bodyPr>
+            <a:noAutofit/>
+          </a:bodyPr>
+          <a:lstStyle/>
+          <a:p>
+            <a:r>
+              <a:rPr lang="zh-CN" altLang="en-US" b="1" dirty="0" smtClean="0">
+                <a:solidFill>
+                  <a:srgbClr val="660033"/>
+                </a:solidFill>
+                <a:latin typeface="微軟正黑體" pitchFamily="34" charset="-120"/>
+                <a:ea typeface="微軟正黑體" pitchFamily="34" charset="-120"/>
+              </a:rPr>
+              <a:t>主的愛</a:t>
+            </a:r>
+            <a:endParaRPr lang="zh-TW" altLang="en-US" b="1" dirty="0">
+              <a:solidFill>
+                <a:srgbClr val="660033"/>
+              </a:solidFill>
+              <a:latin typeface="微軟正黑體" pitchFamily="34" charset="-120"/>
+              <a:ea typeface="微軟正黑體" pitchFamily="34" charset="-120"/>
+            </a:endParaRPr>
+          </a:p>
+        </p:txBody>
+      </p:sp>
+      <p:sp>
+        <p:nvSpPr>
+          <p:cNvPr id="4" name="內容版面配置區 3"/>
+          <p:cNvSpPr>
+            <a:spLocks noGrp="1"/>
+          </p:cNvSpPr>
+          <p:nvPr>
+            <p:ph idx="1"/>
+          </p:nvPr>
+        </p:nvSpPr>
+        <p:spPr>
+          <a:xfrm>
+            <a:off x="0" y="1085850"/>
+            <a:ext cx="9144000" cy="3600450"/>
+          </a:xfrm>
+        </p:spPr>
+        <p:txBody>
+          <a:bodyPr>
+            <a:noAutofit/>
+          </a:bodyPr>
+          <a:lstStyle/>
+          <a:p>
+            <a:pPr algn="ctr">
+              <a:buNone/>
+            </a:pPr>
+            <a:r>
+              <a:rPr lang="zh-TW" altLang="en-US" sz="5400" b="1" dirty="0" smtClean="0">
+                <a:solidFill>
+                  <a:srgbClr val="660033"/>
+                </a:solidFill>
+                <a:effectLst>
+                  <a:outerShdw blurRad="50000" dist="30000" dir="5400000" algn="tl" rotWithShape="0">
+                    <a:srgbClr val="000000">
+                      <a:alpha val="30000"/>
+                    </a:srgbClr>
+                  </a:outerShdw>
+                </a:effectLst>
+                <a:latin typeface="微軟正黑體" pitchFamily="34" charset="-120"/>
+                <a:ea typeface="微軟正黑體" pitchFamily="34" charset="-120"/>
+              </a:rPr>
+              <a:t>願主的愛與你同在</a:t>
+            </a:r>
+            <a:endParaRPr lang="en-US" altLang="zh-TW" sz="5400" b="1" dirty="0" smtClean="0">
+              <a:solidFill>
+                <a:srgbClr val="660033"/>
+              </a:solidFill>
+              <a:effectLst>
+                <a:outerShdw blurRad="50000" dist="30000" dir="5400000" algn="tl" rotWithShape="0">
+                  <a:srgbClr val="000000">
+                    <a:alpha val="30000"/>
+                  </a:srgbClr>
+                </a:outerShdw>
+              </a:effectLst>
+              <a:latin typeface="微軟正黑體" pitchFamily="34" charset="-120"/>
+              <a:ea typeface="微軟正黑體" pitchFamily="34" charset="-120"/>
+            </a:endParaRPr>
+          </a:p>
+          <a:p>
+            <a:pPr algn="ctr">
+              <a:buNone/>
+            </a:pPr>
+            <a:r>
+              <a:rPr lang="zh-TW" altLang="en-US" sz="5400" b="1" dirty="0" smtClean="0">
+                <a:solidFill>
+                  <a:srgbClr val="660033"/>
+                </a:solidFill>
+                <a:effectLst>
+                  <a:outerShdw blurRad="50000" dist="30000" dir="5400000" algn="tl" rotWithShape="0">
+                    <a:srgbClr val="000000">
+                      <a:alpha val="30000"/>
+                    </a:srgbClr>
+                  </a:outerShdw>
+                </a:effectLst>
+                <a:latin typeface="微軟正黑體" pitchFamily="34" charset="-120"/>
+                <a:ea typeface="微軟正黑體" pitchFamily="34" charset="-120"/>
+              </a:rPr>
+              <a:t>無論你在何方</a:t>
+            </a:r>
+            <a:endParaRPr lang="en-US" altLang="zh-TW" sz="5400" b="1" dirty="0" smtClean="0">
+              <a:solidFill>
+                <a:srgbClr val="660033"/>
+              </a:solidFill>
+              <a:effectLst>
+                <a:outerShdw blurRad="50000" dist="30000" dir="5400000" algn="tl" rotWithShape="0">
+                  <a:srgbClr val="000000">
+                    <a:alpha val="30000"/>
+                  </a:srgbClr>
+                </a:outerShdw>
+              </a:effectLst>
+              <a:latin typeface="微軟正黑體" pitchFamily="34" charset="-120"/>
+              <a:ea typeface="微軟正黑體" pitchFamily="34" charset="-120"/>
+            </a:endParaRPr>
+          </a:p>
+          <a:p>
+            <a:pPr algn="ctr">
+              <a:buNone/>
+            </a:pPr>
+            <a:r>
+              <a:rPr lang="zh-TW" altLang="en-US" sz="5400" b="1" dirty="0" smtClean="0">
+                <a:solidFill>
+                  <a:srgbClr val="660033"/>
+                </a:solidFill>
+                <a:effectLst>
+                  <a:outerShdw blurRad="50000" dist="30000" dir="5400000" algn="tl" rotWithShape="0">
+                    <a:srgbClr val="000000">
+                      <a:alpha val="30000"/>
+                    </a:srgbClr>
+                  </a:outerShdw>
+                </a:effectLst>
+                <a:latin typeface="微軟正黑體" pitchFamily="34" charset="-120"/>
+                <a:ea typeface="微軟正黑體" pitchFamily="34" charset="-120"/>
+              </a:rPr>
+              <a:t>願祂祝福你心靈安康</a:t>
+            </a:r>
+          </a:p>
+        </p:txBody>
+      </p:sp>
+    </p:spTree>
+  </p:cSld>
+  <p:clrMapOvr>
+    <a:masterClrMapping/>
+  </p:clrMapOvr>
+  <p:timing>
+    <p:tnLst>
+      <p:par>
+        <p:cTn id="1" dur="indefinite" restart="never" nodeType="tmRoot"/>
+      </p:par>
+    </p:tnLst>
+  </p:timing>
+</p:sld>
+</file>
+
+<file path=ppt/slides/slide69.xml><?xml version="1.0" encoding="utf-8"?>
+<p:sld xmlns:a="http://schemas.openxmlformats.org/drawingml/2006/main" xmlns:r="http://schemas.openxmlformats.org/officeDocument/2006/relationships" xmlns:p="http://schemas.openxmlformats.org/presentationml/2006/main">
+  <p:cSld>
+    <p:spTree>
+      <p:nvGrpSpPr>
+        <p:cNvPr id="1" name=""/>
+        <p:cNvGrpSpPr/>
+        <p:nvPr/>
+      </p:nvGrpSpPr>
+      <p:grpSpPr>
+        <a:xfrm>
+          <a:off x="0" y="0"/>
+          <a:ext cx="0" cy="0"/>
+          <a:chOff x="0" y="0"/>
+          <a:chExt cx="0" cy="0"/>
+        </a:xfrm>
+      </p:grpSpPr>
+      <p:sp>
+        <p:nvSpPr>
+          <p:cNvPr id="2" name="標題 1"/>
+          <p:cNvSpPr>
+            <a:spLocks noGrp="1"/>
+          </p:cNvSpPr>
+          <p:nvPr>
+            <p:ph type="title"/>
+          </p:nvPr>
+        </p:nvSpPr>
+        <p:spPr>
+          <a:xfrm>
+            <a:off x="0" y="282167"/>
+            <a:ext cx="8991600" cy="628650"/>
+          </a:xfrm>
+        </p:spPr>
+        <p:txBody>
+          <a:bodyPr>
+            <a:noAutofit/>
+          </a:bodyPr>
+          <a:lstStyle/>
+          <a:p>
+            <a:r>
+              <a:rPr lang="zh-CN" altLang="en-US" b="1" dirty="0" smtClean="0">
+                <a:solidFill>
+                  <a:srgbClr val="660033"/>
+                </a:solidFill>
+                <a:latin typeface="微軟正黑體" pitchFamily="34" charset="-120"/>
+                <a:ea typeface="微軟正黑體" pitchFamily="34" charset="-120"/>
+              </a:rPr>
+              <a:t>主的愛</a:t>
+            </a:r>
+            <a:endParaRPr lang="zh-TW" altLang="en-US" b="1" dirty="0">
+              <a:solidFill>
+                <a:srgbClr val="660033"/>
+              </a:solidFill>
+              <a:latin typeface="微軟正黑體" pitchFamily="34" charset="-120"/>
+              <a:ea typeface="微軟正黑體" pitchFamily="34" charset="-120"/>
+            </a:endParaRPr>
+          </a:p>
+        </p:txBody>
+      </p:sp>
+      <p:sp>
+        <p:nvSpPr>
+          <p:cNvPr id="4" name="內容版面配置區 3"/>
+          <p:cNvSpPr>
+            <a:spLocks noGrp="1"/>
+          </p:cNvSpPr>
+          <p:nvPr>
+            <p:ph idx="1"/>
+          </p:nvPr>
+        </p:nvSpPr>
+        <p:spPr>
+          <a:xfrm>
+            <a:off x="0" y="1085850"/>
+            <a:ext cx="9144000" cy="3600450"/>
+          </a:xfrm>
+        </p:spPr>
+        <p:txBody>
+          <a:bodyPr>
+            <a:noAutofit/>
+          </a:bodyPr>
+          <a:lstStyle/>
+          <a:p>
+            <a:pPr algn="ctr">
+              <a:buNone/>
+            </a:pPr>
+            <a:r>
+              <a:rPr lang="zh-TW" altLang="en-US" sz="5400" b="1" dirty="0" smtClean="0">
+                <a:solidFill>
+                  <a:srgbClr val="660033"/>
+                </a:solidFill>
+                <a:effectLst>
+                  <a:outerShdw blurRad="50000" dist="30000" dir="5400000" algn="tl" rotWithShape="0">
+                    <a:srgbClr val="000000">
+                      <a:alpha val="30000"/>
+                    </a:srgbClr>
+                  </a:outerShdw>
+                </a:effectLst>
+                <a:latin typeface="微軟正黑體" pitchFamily="34" charset="-120"/>
+                <a:ea typeface="微軟正黑體" pitchFamily="34" charset="-120"/>
+              </a:rPr>
+              <a:t>主的愛如流水淙淙</a:t>
+            </a:r>
+            <a:endParaRPr lang="en-US" altLang="zh-TW" sz="5400" b="1" dirty="0" smtClean="0">
+              <a:solidFill>
+                <a:srgbClr val="660033"/>
+              </a:solidFill>
+              <a:effectLst>
+                <a:outerShdw blurRad="50000" dist="30000" dir="5400000" algn="tl" rotWithShape="0">
+                  <a:srgbClr val="000000">
+                    <a:alpha val="30000"/>
+                  </a:srgbClr>
+                </a:outerShdw>
+              </a:effectLst>
+              <a:latin typeface="微軟正黑體" pitchFamily="34" charset="-120"/>
+              <a:ea typeface="微軟正黑體" pitchFamily="34" charset="-120"/>
+            </a:endParaRPr>
+          </a:p>
+          <a:p>
+            <a:pPr algn="ctr">
+              <a:buNone/>
+            </a:pPr>
+            <a:r>
+              <a:rPr lang="zh-TW" altLang="en-US" sz="5400" b="1" dirty="0" smtClean="0">
+                <a:solidFill>
+                  <a:srgbClr val="660033"/>
+                </a:solidFill>
+                <a:effectLst>
+                  <a:outerShdw blurRad="50000" dist="30000" dir="5400000" algn="tl" rotWithShape="0">
+                    <a:srgbClr val="000000">
+                      <a:alpha val="30000"/>
+                    </a:srgbClr>
+                  </a:outerShdw>
+                </a:effectLst>
+                <a:latin typeface="微軟正黑體" pitchFamily="34" charset="-120"/>
+                <a:ea typeface="微軟正黑體" pitchFamily="34" charset="-120"/>
+              </a:rPr>
+              <a:t>願你分享祂這愛</a:t>
+            </a:r>
+            <a:endParaRPr lang="en-US" altLang="zh-TW" sz="5400" b="1" dirty="0" smtClean="0">
+              <a:solidFill>
+                <a:srgbClr val="660033"/>
+              </a:solidFill>
+              <a:effectLst>
+                <a:outerShdw blurRad="50000" dist="30000" dir="5400000" algn="tl" rotWithShape="0">
+                  <a:srgbClr val="000000">
+                    <a:alpha val="30000"/>
+                  </a:srgbClr>
+                </a:outerShdw>
+              </a:effectLst>
+              <a:latin typeface="微軟正黑體" pitchFamily="34" charset="-120"/>
+              <a:ea typeface="微軟正黑體" pitchFamily="34" charset="-120"/>
+            </a:endParaRPr>
+          </a:p>
+          <a:p>
+            <a:pPr algn="ctr">
+              <a:buNone/>
+            </a:pPr>
+            <a:r>
+              <a:rPr lang="zh-TW" altLang="en-US" sz="5400" b="1" dirty="0" smtClean="0">
+                <a:solidFill>
+                  <a:srgbClr val="660033"/>
+                </a:solidFill>
+                <a:effectLst>
+                  <a:outerShdw blurRad="50000" dist="30000" dir="5400000" algn="tl" rotWithShape="0">
+                    <a:srgbClr val="000000">
+                      <a:alpha val="30000"/>
+                    </a:srgbClr>
+                  </a:outerShdw>
+                </a:effectLst>
+                <a:latin typeface="微軟正黑體" pitchFamily="34" charset="-120"/>
+                <a:ea typeface="微軟正黑體" pitchFamily="34" charset="-120"/>
+              </a:rPr>
+              <a:t>在那漫漫的黑夜見主光</a:t>
+            </a:r>
           </a:p>
         </p:txBody>
       </p:sp>
@@ -11863,6 +14008,197 @@
               <a:latin typeface="微軟正黑體" pitchFamily="34" charset="-120"/>
               <a:ea typeface="微軟正黑體" pitchFamily="34" charset="-120"/>
             </a:endParaRPr>
+          </a:p>
+        </p:txBody>
+      </p:sp>
+    </p:spTree>
+  </p:cSld>
+  <p:clrMapOvr>
+    <a:masterClrMapping/>
+  </p:clrMapOvr>
+  <p:timing>
+    <p:tnLst>
+      <p:par>
+        <p:cTn id="1" dur="indefinite" restart="never" nodeType="tmRoot"/>
+      </p:par>
+    </p:tnLst>
+  </p:timing>
+</p:sld>
+</file>
+
+<file path=ppt/slides/slide70.xml><?xml version="1.0" encoding="utf-8"?>
+<p:sld xmlns:a="http://schemas.openxmlformats.org/drawingml/2006/main" xmlns:r="http://schemas.openxmlformats.org/officeDocument/2006/relationships" xmlns:p="http://schemas.openxmlformats.org/presentationml/2006/main">
+  <p:cSld>
+    <p:spTree>
+      <p:nvGrpSpPr>
+        <p:cNvPr id="1" name=""/>
+        <p:cNvGrpSpPr/>
+        <p:nvPr/>
+      </p:nvGrpSpPr>
+      <p:grpSpPr>
+        <a:xfrm>
+          <a:off x="0" y="0"/>
+          <a:ext cx="0" cy="0"/>
+          <a:chOff x="0" y="0"/>
+          <a:chExt cx="0" cy="0"/>
+        </a:xfrm>
+      </p:grpSpPr>
+      <p:sp>
+        <p:nvSpPr>
+          <p:cNvPr id="2" name="標題 1"/>
+          <p:cNvSpPr>
+            <a:spLocks noGrp="1"/>
+          </p:cNvSpPr>
+          <p:nvPr>
+            <p:ph type="title"/>
+          </p:nvPr>
+        </p:nvSpPr>
+        <p:spPr>
+          <a:xfrm>
+            <a:off x="0" y="282167"/>
+            <a:ext cx="8991600" cy="628650"/>
+          </a:xfrm>
+        </p:spPr>
+        <p:txBody>
+          <a:bodyPr>
+            <a:noAutofit/>
+          </a:bodyPr>
+          <a:lstStyle/>
+          <a:p>
+            <a:r>
+              <a:rPr lang="zh-CN" altLang="en-US" b="1" dirty="0" smtClean="0">
+                <a:solidFill>
+                  <a:srgbClr val="660033"/>
+                </a:solidFill>
+                <a:latin typeface="微軟正黑體" pitchFamily="34" charset="-120"/>
+                <a:ea typeface="微軟正黑體" pitchFamily="34" charset="-120"/>
+              </a:rPr>
+              <a:t>主的愛</a:t>
+            </a:r>
+            <a:endParaRPr lang="zh-TW" altLang="en-US" b="1" dirty="0">
+              <a:solidFill>
+                <a:srgbClr val="660033"/>
+              </a:solidFill>
+              <a:latin typeface="微軟正黑體" pitchFamily="34" charset="-120"/>
+              <a:ea typeface="微軟正黑體" pitchFamily="34" charset="-120"/>
+            </a:endParaRPr>
+          </a:p>
+        </p:txBody>
+      </p:sp>
+      <p:sp>
+        <p:nvSpPr>
+          <p:cNvPr id="4" name="內容版面配置區 3"/>
+          <p:cNvSpPr>
+            <a:spLocks noGrp="1"/>
+          </p:cNvSpPr>
+          <p:nvPr>
+            <p:ph idx="1"/>
+          </p:nvPr>
+        </p:nvSpPr>
+        <p:spPr>
+          <a:xfrm>
+            <a:off x="0" y="1085850"/>
+            <a:ext cx="9144000" cy="3600450"/>
+          </a:xfrm>
+        </p:spPr>
+        <p:txBody>
+          <a:bodyPr>
+            <a:noAutofit/>
+          </a:bodyPr>
+          <a:lstStyle/>
+          <a:p>
+            <a:pPr algn="ctr">
+              <a:buNone/>
+            </a:pPr>
+            <a:r>
+              <a:rPr lang="zh-TW" altLang="en-US" sz="5400" b="1" dirty="0" smtClean="0">
+                <a:solidFill>
+                  <a:srgbClr val="660033"/>
+                </a:solidFill>
+                <a:effectLst>
+                  <a:outerShdw blurRad="50000" dist="30000" dir="5400000" algn="tl" rotWithShape="0">
+                    <a:srgbClr val="000000">
+                      <a:alpha val="30000"/>
+                    </a:srgbClr>
+                  </a:outerShdw>
+                </a:effectLst>
+                <a:latin typeface="微軟正黑體" pitchFamily="34" charset="-120"/>
+                <a:ea typeface="微軟正黑體" pitchFamily="34" charset="-120"/>
+              </a:rPr>
+              <a:t>主的愛如流水淙淙</a:t>
+            </a:r>
+            <a:endParaRPr lang="en-US" altLang="zh-TW" sz="5400" b="1" dirty="0" smtClean="0">
+              <a:solidFill>
+                <a:srgbClr val="660033"/>
+              </a:solidFill>
+              <a:effectLst>
+                <a:outerShdw blurRad="50000" dist="30000" dir="5400000" algn="tl" rotWithShape="0">
+                  <a:srgbClr val="000000">
+                    <a:alpha val="30000"/>
+                  </a:srgbClr>
+                </a:outerShdw>
+              </a:effectLst>
+              <a:latin typeface="微軟正黑體" pitchFamily="34" charset="-120"/>
+              <a:ea typeface="微軟正黑體" pitchFamily="34" charset="-120"/>
+            </a:endParaRPr>
+          </a:p>
+          <a:p>
+            <a:pPr algn="ctr">
+              <a:buNone/>
+            </a:pPr>
+            <a:r>
+              <a:rPr lang="zh-TW" altLang="en-US" sz="5400" b="1" dirty="0" smtClean="0">
+                <a:solidFill>
+                  <a:srgbClr val="660033"/>
+                </a:solidFill>
+                <a:effectLst>
+                  <a:outerShdw blurRad="50000" dist="30000" dir="5400000" algn="tl" rotWithShape="0">
+                    <a:srgbClr val="000000">
+                      <a:alpha val="30000"/>
+                    </a:srgbClr>
+                  </a:outerShdw>
+                </a:effectLst>
+                <a:latin typeface="微軟正黑體" pitchFamily="34" charset="-120"/>
+                <a:ea typeface="微軟正黑體" pitchFamily="34" charset="-120"/>
+              </a:rPr>
+              <a:t>願你分享祂這愛</a:t>
+            </a:r>
+            <a:endParaRPr lang="en-US" altLang="zh-TW" sz="5400" b="1" dirty="0" smtClean="0">
+              <a:solidFill>
+                <a:srgbClr val="660033"/>
+              </a:solidFill>
+              <a:effectLst>
+                <a:outerShdw blurRad="50000" dist="30000" dir="5400000" algn="tl" rotWithShape="0">
+                  <a:srgbClr val="000000">
+                    <a:alpha val="30000"/>
+                  </a:srgbClr>
+                </a:outerShdw>
+              </a:effectLst>
+              <a:latin typeface="微軟正黑體" pitchFamily="34" charset="-120"/>
+              <a:ea typeface="微軟正黑體" pitchFamily="34" charset="-120"/>
+            </a:endParaRPr>
+          </a:p>
+          <a:p>
+            <a:pPr algn="ctr">
+              <a:buNone/>
+            </a:pPr>
+            <a:r>
+              <a:rPr lang="zh-TW" altLang="en-US" sz="5400" b="1" dirty="0" smtClean="0">
+                <a:solidFill>
+                  <a:srgbClr val="660033"/>
+                </a:solidFill>
+                <a:effectLst>
+                  <a:outerShdw blurRad="50000" dist="30000" dir="5400000" algn="tl" rotWithShape="0">
+                    <a:srgbClr val="000000">
+                      <a:alpha val="30000"/>
+                    </a:srgbClr>
+                  </a:outerShdw>
+                </a:effectLst>
+                <a:latin typeface="微軟正黑體" pitchFamily="34" charset="-120"/>
+                <a:ea typeface="微軟正黑體" pitchFamily="34" charset="-120"/>
+              </a:rPr>
+              <a:t>以你愛 還祂愛 永相愛</a:t>
+            </a:r>
           </a:p>
         </p:txBody>
       </p:sp>

--- a/崇拜流程_聖餐禮version.pptx
+++ b/崇拜流程_聖餐禮version.pptx
@@ -36,16 +36,16 @@
     <p:sldId id="423" r:id="rId27"/>
     <p:sldId id="424" r:id="rId28"/>
     <p:sldId id="425" r:id="rId29"/>
-    <p:sldId id="426" r:id="rId30"/>
-    <p:sldId id="427" r:id="rId31"/>
+    <p:sldId id="436" r:id="rId30"/>
+    <p:sldId id="437" r:id="rId31"/>
     <p:sldId id="428" r:id="rId32"/>
     <p:sldId id="429" r:id="rId33"/>
-    <p:sldId id="430" r:id="rId34"/>
-    <p:sldId id="431" r:id="rId35"/>
+    <p:sldId id="438" r:id="rId34"/>
+    <p:sldId id="439" r:id="rId35"/>
     <p:sldId id="432" r:id="rId36"/>
     <p:sldId id="433" r:id="rId37"/>
-    <p:sldId id="434" r:id="rId38"/>
-    <p:sldId id="435" r:id="rId39"/>
+    <p:sldId id="440" r:id="rId38"/>
+    <p:sldId id="441" r:id="rId39"/>
     <p:sldId id="418" r:id="rId40"/>
     <p:sldId id="396" r:id="rId41"/>
     <p:sldId id="397" r:id="rId42"/>
@@ -282,7 +282,7 @@
           <a:p>
             <a:fld id="{2F30D4D0-EAC7-4980-A92D-C26C9148BA0F}" type="datetimeFigureOut">
               <a:rPr lang="zh-TW" altLang="en-US" smtClean="0"/>
-              <a:t>2020/8/1</a:t>
+              <a:t>2020/8/3</a:t>
             </a:fld>
             <a:endParaRPr lang="zh-TW" altLang="en-US"/>
           </a:p>
@@ -1158,7 +1158,7 @@
           <a:p>
             <a:fld id="{5BBEAD13-0566-4C6C-97E7-55F17F24B09F}" type="datetimeFigureOut">
               <a:rPr lang="zh-TW" altLang="en-US" smtClean="0"/>
-              <a:t>2020/8/1</a:t>
+              <a:t>2020/8/3</a:t>
             </a:fld>
             <a:endParaRPr lang="zh-TW" altLang="en-US"/>
           </a:p>
@@ -1323,7 +1323,7 @@
           <a:p>
             <a:fld id="{5BBEAD13-0566-4C6C-97E7-55F17F24B09F}" type="datetimeFigureOut">
               <a:rPr lang="zh-TW" altLang="en-US" smtClean="0"/>
-              <a:t>2020/8/1</a:t>
+              <a:t>2020/8/3</a:t>
             </a:fld>
             <a:endParaRPr lang="zh-TW" altLang="en-US"/>
           </a:p>
@@ -1498,7 +1498,7 @@
           <a:p>
             <a:fld id="{5BBEAD13-0566-4C6C-97E7-55F17F24B09F}" type="datetimeFigureOut">
               <a:rPr lang="zh-TW" altLang="en-US" smtClean="0"/>
-              <a:t>2020/8/1</a:t>
+              <a:t>2020/8/3</a:t>
             </a:fld>
             <a:endParaRPr lang="zh-TW" altLang="en-US"/>
           </a:p>
@@ -1663,7 +1663,7 @@
           <a:p>
             <a:fld id="{5BBEAD13-0566-4C6C-97E7-55F17F24B09F}" type="datetimeFigureOut">
               <a:rPr lang="zh-TW" altLang="en-US" smtClean="0"/>
-              <a:t>2020/8/1</a:t>
+              <a:t>2020/8/3</a:t>
             </a:fld>
             <a:endParaRPr lang="zh-TW" altLang="en-US"/>
           </a:p>
@@ -1904,7 +1904,7 @@
           <a:p>
             <a:fld id="{5BBEAD13-0566-4C6C-97E7-55F17F24B09F}" type="datetimeFigureOut">
               <a:rPr lang="zh-TW" altLang="en-US" smtClean="0"/>
-              <a:t>2020/8/1</a:t>
+              <a:t>2020/8/3</a:t>
             </a:fld>
             <a:endParaRPr lang="zh-TW" altLang="en-US"/>
           </a:p>
@@ -2187,7 +2187,7 @@
           <a:p>
             <a:fld id="{5BBEAD13-0566-4C6C-97E7-55F17F24B09F}" type="datetimeFigureOut">
               <a:rPr lang="zh-TW" altLang="en-US" smtClean="0"/>
-              <a:t>2020/8/1</a:t>
+              <a:t>2020/8/3</a:t>
             </a:fld>
             <a:endParaRPr lang="zh-TW" altLang="en-US"/>
           </a:p>
@@ -2604,7 +2604,7 @@
           <a:p>
             <a:fld id="{5BBEAD13-0566-4C6C-97E7-55F17F24B09F}" type="datetimeFigureOut">
               <a:rPr lang="zh-TW" altLang="en-US" smtClean="0"/>
-              <a:t>2020/8/1</a:t>
+              <a:t>2020/8/3</a:t>
             </a:fld>
             <a:endParaRPr lang="zh-TW" altLang="en-US"/>
           </a:p>
@@ -2717,7 +2717,7 @@
           <a:p>
             <a:fld id="{5BBEAD13-0566-4C6C-97E7-55F17F24B09F}" type="datetimeFigureOut">
               <a:rPr lang="zh-TW" altLang="en-US" smtClean="0"/>
-              <a:t>2020/8/1</a:t>
+              <a:t>2020/8/3</a:t>
             </a:fld>
             <a:endParaRPr lang="zh-TW" altLang="en-US"/>
           </a:p>
@@ -2807,7 +2807,7 @@
           <a:p>
             <a:fld id="{5BBEAD13-0566-4C6C-97E7-55F17F24B09F}" type="datetimeFigureOut">
               <a:rPr lang="zh-TW" altLang="en-US" smtClean="0"/>
-              <a:t>2020/8/1</a:t>
+              <a:t>2020/8/3</a:t>
             </a:fld>
             <a:endParaRPr lang="zh-TW" altLang="en-US"/>
           </a:p>
@@ -3079,7 +3079,7 @@
           <a:p>
             <a:fld id="{5BBEAD13-0566-4C6C-97E7-55F17F24B09F}" type="datetimeFigureOut">
               <a:rPr lang="zh-TW" altLang="en-US" smtClean="0"/>
-              <a:t>2020/8/1</a:t>
+              <a:t>2020/8/3</a:t>
             </a:fld>
             <a:endParaRPr lang="zh-TW" altLang="en-US"/>
           </a:p>
@@ -3331,7 +3331,7 @@
           <a:p>
             <a:fld id="{5BBEAD13-0566-4C6C-97E7-55F17F24B09F}" type="datetimeFigureOut">
               <a:rPr lang="zh-TW" altLang="en-US" smtClean="0"/>
-              <a:t>2020/8/1</a:t>
+              <a:t>2020/8/3</a:t>
             </a:fld>
             <a:endParaRPr lang="zh-TW" altLang="en-US"/>
           </a:p>
@@ -3544,7 +3544,7 @@
           <a:p>
             <a:fld id="{5BBEAD13-0566-4C6C-97E7-55F17F24B09F}" type="datetimeFigureOut">
               <a:rPr lang="zh-TW" altLang="en-US" smtClean="0"/>
-              <a:t>2020/8/1</a:t>
+              <a:t>2020/8/3</a:t>
             </a:fld>
             <a:endParaRPr lang="zh-TW" altLang="en-US"/>
           </a:p>
@@ -6286,27 +6286,7 @@
                 <a:latin typeface="Microsoft JhengHei" pitchFamily="34" charset="-120"/>
                 <a:ea typeface="Microsoft JhengHei" pitchFamily="34" charset="-120"/>
               </a:rPr>
-              <a:t>我一切所有 </a:t>
-            </a:r>
-            <a:r>
-              <a:rPr lang="zh-TW" altLang="en-US" sz="4800" b="1" dirty="0" smtClean="0">
-                <a:solidFill>
-                  <a:srgbClr val="660033"/>
-                </a:solidFill>
-                <a:latin typeface="Microsoft JhengHei" pitchFamily="34" charset="-120"/>
-                <a:ea typeface="Microsoft JhengHei" pitchFamily="34" charset="-120"/>
-              </a:rPr>
-              <a:t> </a:t>
-            </a:r>
-            <a:r>
-              <a:rPr lang="zh-TW" altLang="en-US" sz="4800" b="1" dirty="0">
-                <a:solidFill>
-                  <a:srgbClr val="660033"/>
-                </a:solidFill>
-                <a:latin typeface="Microsoft JhengHei" pitchFamily="34" charset="-120"/>
-                <a:ea typeface="Microsoft JhengHei" pitchFamily="34" charset="-120"/>
-              </a:rPr>
-              <a:t>無非是接受</a:t>
+              <a:t>我一切所有  無非是接受</a:t>
             </a:r>
             <a:endParaRPr lang="en-US" altLang="zh-TW" sz="4800" b="1" dirty="0">
               <a:solidFill>
@@ -6328,27 +6308,7 @@
                 <a:latin typeface="Microsoft JhengHei" pitchFamily="34" charset="-120"/>
                 <a:ea typeface="Microsoft JhengHei" pitchFamily="34" charset="-120"/>
               </a:rPr>
-              <a:t>都是主賜</a:t>
-            </a:r>
-            <a:r>
-              <a:rPr lang="zh-TW" altLang="en-US" sz="4800" b="1" dirty="0" smtClean="0">
-                <a:solidFill>
-                  <a:srgbClr val="660033"/>
-                </a:solidFill>
-                <a:latin typeface="Microsoft JhengHei" pitchFamily="34" charset="-120"/>
-                <a:ea typeface="Microsoft JhengHei" pitchFamily="34" charset="-120"/>
-              </a:rPr>
-              <a:t>下  </a:t>
-            </a:r>
-            <a:r>
-              <a:rPr lang="zh-TW" altLang="en-US" sz="4800" b="1" dirty="0">
-                <a:solidFill>
-                  <a:srgbClr val="660033"/>
-                </a:solidFill>
-                <a:latin typeface="Microsoft JhengHei" pitchFamily="34" charset="-120"/>
-                <a:ea typeface="Microsoft JhengHei" pitchFamily="34" charset="-120"/>
-              </a:rPr>
-              <a:t>在我信之後</a:t>
+              <a:t>都是主賜下  在我信之後</a:t>
             </a:r>
             <a:endParaRPr lang="en-US" altLang="zh-TW" sz="4800" b="1" dirty="0">
               <a:solidFill>
@@ -6490,7 +6450,27 @@
                 <a:latin typeface="Microsoft JhengHei" pitchFamily="34" charset="-120"/>
                 <a:ea typeface="Microsoft JhengHei" pitchFamily="34" charset="-120"/>
               </a:rPr>
-              <a:t>我只是個罪人  蒙主恩</a:t>
+              <a:t>我只是個罪人  蒙</a:t>
+            </a:r>
+            <a:r>
+              <a:rPr lang="zh-CN" altLang="en-US" sz="4800" b="1" dirty="0">
+                <a:solidFill>
+                  <a:srgbClr val="660033"/>
+                </a:solidFill>
+                <a:latin typeface="Microsoft JhengHei" pitchFamily="34" charset="-120"/>
+                <a:ea typeface="Microsoft JhengHei" pitchFamily="34" charset="-120"/>
+              </a:rPr>
+              <a:t>救</a:t>
+            </a:r>
+            <a:r>
+              <a:rPr lang="zh-TW" altLang="en-US" sz="4800" b="1" dirty="0">
+                <a:solidFill>
+                  <a:srgbClr val="660033"/>
+                </a:solidFill>
+                <a:latin typeface="Microsoft JhengHei" pitchFamily="34" charset="-120"/>
+                <a:ea typeface="Microsoft JhengHei" pitchFamily="34" charset="-120"/>
+              </a:rPr>
+              <a:t>恩</a:t>
             </a:r>
             <a:endParaRPr lang="zh-TW" altLang="en-US" sz="4800" b="1" dirty="0">
               <a:solidFill>
@@ -6714,27 +6694,17 @@
                 <a:latin typeface="Microsoft JhengHei" pitchFamily="34" charset="-120"/>
                 <a:ea typeface="Microsoft JhengHei" pitchFamily="34" charset="-120"/>
               </a:rPr>
-              <a:t>讚美主耶穌 </a:t>
-            </a:r>
-            <a:r>
-              <a:rPr lang="zh-TW" altLang="en-US" sz="4800" b="1" dirty="0" smtClean="0">
+              <a:t>讚美主耶穌  榮耀都歸</a:t>
+            </a:r>
+            <a:r>
+              <a:rPr lang="zh-CN" altLang="en-US" sz="4800" b="1" dirty="0">
                 <a:solidFill>
                   <a:srgbClr val="660033"/>
                 </a:solidFill>
                 <a:latin typeface="Microsoft JhengHei" pitchFamily="34" charset="-120"/>
                 <a:ea typeface="Microsoft JhengHei" pitchFamily="34" charset="-120"/>
               </a:rPr>
-              <a:t> </a:t>
-            </a:r>
-            <a:r>
-              <a:rPr lang="zh-TW" altLang="en-US" sz="4800" b="1" dirty="0">
-                <a:solidFill>
-                  <a:srgbClr val="660033"/>
-                </a:solidFill>
-                <a:latin typeface="Microsoft JhengHei" pitchFamily="34" charset="-120"/>
-                <a:ea typeface="Microsoft JhengHei" pitchFamily="34" charset="-120"/>
-              </a:rPr>
-              <a:t>榮耀都歸耶穌</a:t>
+              <a:t>天父</a:t>
             </a:r>
             <a:endParaRPr lang="en-US" altLang="zh-TW" sz="4800" b="1" dirty="0">
               <a:solidFill>
@@ -6756,7 +6726,7 @@
                 <a:latin typeface="Microsoft JhengHei" pitchFamily="34" charset="-120"/>
                 <a:ea typeface="Microsoft JhengHei" pitchFamily="34" charset="-120"/>
               </a:rPr>
-              <a:t>我只是個罪人蒙救恩</a:t>
+              <a:t>我只是個罪人  蒙救恩</a:t>
             </a:r>
             <a:endParaRPr lang="zh-TW" altLang="en-US" sz="4800" b="1" dirty="0">
               <a:solidFill>
@@ -7050,7 +7020,27 @@
                 <a:latin typeface="Microsoft JhengHei" pitchFamily="34" charset="-120"/>
                 <a:ea typeface="Microsoft JhengHei" pitchFamily="34" charset="-120"/>
               </a:rPr>
-              <a:t>我只是個罪人  蒙主恩</a:t>
+              <a:t>我只是個罪人  蒙</a:t>
+            </a:r>
+            <a:r>
+              <a:rPr lang="zh-CN" altLang="en-US" sz="4800" b="1" dirty="0">
+                <a:solidFill>
+                  <a:srgbClr val="660033"/>
+                </a:solidFill>
+                <a:latin typeface="Microsoft JhengHei" pitchFamily="34" charset="-120"/>
+                <a:ea typeface="Microsoft JhengHei" pitchFamily="34" charset="-120"/>
+              </a:rPr>
+              <a:t>救</a:t>
+            </a:r>
+            <a:r>
+              <a:rPr lang="zh-TW" altLang="en-US" sz="4800" b="1" dirty="0">
+                <a:solidFill>
+                  <a:srgbClr val="660033"/>
+                </a:solidFill>
+                <a:latin typeface="Microsoft JhengHei" pitchFamily="34" charset="-120"/>
+                <a:ea typeface="Microsoft JhengHei" pitchFamily="34" charset="-120"/>
+              </a:rPr>
+              <a:t>恩</a:t>
             </a:r>
             <a:endParaRPr lang="zh-TW" altLang="en-US" sz="4800" b="1" dirty="0">
               <a:solidFill>
@@ -7215,7 +7205,7 @@
     </p:spTree>
     <p:extLst>
       <p:ext uri="{BB962C8B-B14F-4D97-AF65-F5344CB8AC3E}">
-        <p14:creationId xmlns:p14="http://schemas.microsoft.com/office/powerpoint/2010/main" val="193673834"/>
+        <p14:creationId xmlns:p14="http://schemas.microsoft.com/office/powerpoint/2010/main" val="3807604340"/>
       </p:ext>
     </p:extLst>
   </p:cSld>
@@ -7370,27 +7360,17 @@
                 <a:latin typeface="Microsoft JhengHei" pitchFamily="34" charset="-120"/>
                 <a:ea typeface="Microsoft JhengHei" pitchFamily="34" charset="-120"/>
               </a:rPr>
-              <a:t>讚美主耶穌 </a:t>
-            </a:r>
-            <a:r>
-              <a:rPr lang="zh-TW" altLang="en-US" sz="4800" b="1" dirty="0" smtClean="0">
+              <a:t>讚美主耶穌  榮耀都歸</a:t>
+            </a:r>
+            <a:r>
+              <a:rPr lang="zh-CN" altLang="en-US" sz="4800" b="1" dirty="0">
                 <a:solidFill>
                   <a:srgbClr val="660033"/>
                 </a:solidFill>
                 <a:latin typeface="Microsoft JhengHei" pitchFamily="34" charset="-120"/>
                 <a:ea typeface="Microsoft JhengHei" pitchFamily="34" charset="-120"/>
               </a:rPr>
-              <a:t> </a:t>
-            </a:r>
-            <a:r>
-              <a:rPr lang="zh-TW" altLang="en-US" sz="4800" b="1" dirty="0">
-                <a:solidFill>
-                  <a:srgbClr val="660033"/>
-                </a:solidFill>
-                <a:latin typeface="Microsoft JhengHei" pitchFamily="34" charset="-120"/>
-                <a:ea typeface="Microsoft JhengHei" pitchFamily="34" charset="-120"/>
-              </a:rPr>
-              <a:t>榮耀都歸耶穌</a:t>
+              <a:t>天父</a:t>
             </a:r>
             <a:endParaRPr lang="en-US" altLang="zh-TW" sz="4800" b="1" dirty="0">
               <a:solidFill>
@@ -7412,7 +7392,7 @@
                 <a:latin typeface="Microsoft JhengHei" pitchFamily="34" charset="-120"/>
                 <a:ea typeface="Microsoft JhengHei" pitchFamily="34" charset="-120"/>
               </a:rPr>
-              <a:t>我只是個罪人蒙救恩</a:t>
+              <a:t>我只是個罪人  蒙救恩</a:t>
             </a:r>
             <a:endParaRPr lang="zh-TW" altLang="en-US" sz="4800" b="1" dirty="0">
               <a:solidFill>
@@ -7427,7 +7407,7 @@
     </p:spTree>
     <p:extLst>
       <p:ext uri="{BB962C8B-B14F-4D97-AF65-F5344CB8AC3E}">
-        <p14:creationId xmlns:p14="http://schemas.microsoft.com/office/powerpoint/2010/main" val="2837599500"/>
+        <p14:creationId xmlns:p14="http://schemas.microsoft.com/office/powerpoint/2010/main" val="3777487651"/>
       </p:ext>
     </p:extLst>
   </p:cSld>
@@ -7494,7 +7474,27 @@
                 <a:latin typeface="Microsoft JhengHei" pitchFamily="34" charset="-120"/>
                 <a:ea typeface="Microsoft JhengHei" pitchFamily="34" charset="-120"/>
               </a:rPr>
-              <a:t>流淚無功效  天堂也無份</a:t>
+              <a:t>流淚無功效  </a:t>
+            </a:r>
+            <a:r>
+              <a:rPr lang="zh-CN" altLang="en-US" sz="4800" b="1" dirty="0">
+                <a:solidFill>
+                  <a:srgbClr val="660033"/>
+                </a:solidFill>
+                <a:latin typeface="Microsoft JhengHei" pitchFamily="34" charset="-120"/>
+                <a:ea typeface="Microsoft JhengHei" pitchFamily="34" charset="-120"/>
+              </a:rPr>
+              <a:t>功勞</a:t>
+            </a:r>
+            <a:r>
+              <a:rPr lang="zh-TW" altLang="en-US" sz="4800" b="1" dirty="0">
+                <a:solidFill>
+                  <a:srgbClr val="660033"/>
+                </a:solidFill>
+                <a:latin typeface="Microsoft JhengHei" pitchFamily="34" charset="-120"/>
+                <a:ea typeface="Microsoft JhengHei" pitchFamily="34" charset="-120"/>
+              </a:rPr>
+              <a:t>也無份</a:t>
             </a:r>
             <a:endParaRPr lang="en-US" altLang="zh-TW" sz="4800" b="1" dirty="0">
               <a:solidFill>
@@ -7556,15 +7556,7 @@
                   <a:srgbClr val="660033"/>
                 </a:solidFill>
               </a:rPr>
-              <a:t>3</a:t>
-            </a:r>
-            <a:r>
-              <a:rPr lang="en-US" sz="4800" b="1" dirty="0" smtClean="0">
-                <a:solidFill>
-                  <a:srgbClr val="660033"/>
-                </a:solidFill>
-              </a:rPr>
-              <a:t>.</a:t>
+              <a:t>3.</a:t>
             </a:r>
             <a:endParaRPr lang="vi-VN" sz="4800" b="1" dirty="0">
               <a:solidFill>
@@ -7666,7 +7658,27 @@
                 <a:latin typeface="Microsoft JhengHei" pitchFamily="34" charset="-120"/>
                 <a:ea typeface="Microsoft JhengHei" pitchFamily="34" charset="-120"/>
               </a:rPr>
-              <a:t>我只是個罪人  蒙主恩</a:t>
+              <a:t>我只是個罪人  蒙</a:t>
+            </a:r>
+            <a:r>
+              <a:rPr lang="zh-CN" altLang="en-US" sz="4800" b="1" dirty="0">
+                <a:solidFill>
+                  <a:srgbClr val="660033"/>
+                </a:solidFill>
+                <a:latin typeface="Microsoft JhengHei" pitchFamily="34" charset="-120"/>
+                <a:ea typeface="Microsoft JhengHei" pitchFamily="34" charset="-120"/>
+              </a:rPr>
+              <a:t>救</a:t>
+            </a:r>
+            <a:r>
+              <a:rPr lang="zh-TW" altLang="en-US" sz="4800" b="1" dirty="0">
+                <a:solidFill>
+                  <a:srgbClr val="660033"/>
+                </a:solidFill>
+                <a:latin typeface="Microsoft JhengHei" pitchFamily="34" charset="-120"/>
+                <a:ea typeface="Microsoft JhengHei" pitchFamily="34" charset="-120"/>
+              </a:rPr>
+              <a:t>恩</a:t>
             </a:r>
             <a:endParaRPr lang="zh-TW" altLang="en-US" sz="4800" b="1" dirty="0">
               <a:solidFill>
@@ -7706,15 +7718,7 @@
                   <a:srgbClr val="660033"/>
                 </a:solidFill>
               </a:rPr>
-              <a:t>3</a:t>
-            </a:r>
-            <a:r>
-              <a:rPr lang="en-US" sz="4800" b="1" dirty="0" smtClean="0">
-                <a:solidFill>
-                  <a:srgbClr val="660033"/>
-                </a:solidFill>
-              </a:rPr>
-              <a:t>.</a:t>
+              <a:t>3.</a:t>
             </a:r>
             <a:endParaRPr lang="vi-VN" sz="4800" b="1" dirty="0">
               <a:solidFill>
@@ -7831,7 +7835,7 @@
     </p:spTree>
     <p:extLst>
       <p:ext uri="{BB962C8B-B14F-4D97-AF65-F5344CB8AC3E}">
-        <p14:creationId xmlns:p14="http://schemas.microsoft.com/office/powerpoint/2010/main" val="2844396054"/>
+        <p14:creationId xmlns:p14="http://schemas.microsoft.com/office/powerpoint/2010/main" val="1597441377"/>
       </p:ext>
     </p:extLst>
   </p:cSld>
@@ -7898,27 +7902,17 @@
                 <a:latin typeface="Microsoft JhengHei" pitchFamily="34" charset="-120"/>
                 <a:ea typeface="Microsoft JhengHei" pitchFamily="34" charset="-120"/>
               </a:rPr>
-              <a:t>讚美主耶穌 </a:t>
-            </a:r>
-            <a:r>
-              <a:rPr lang="zh-TW" altLang="en-US" sz="4800" b="1" dirty="0" smtClean="0">
+              <a:t>讚美主耶穌  榮耀都歸</a:t>
+            </a:r>
+            <a:r>
+              <a:rPr lang="zh-CN" altLang="en-US" sz="4800" b="1" dirty="0">
                 <a:solidFill>
                   <a:srgbClr val="660033"/>
                 </a:solidFill>
                 <a:latin typeface="Microsoft JhengHei" pitchFamily="34" charset="-120"/>
                 <a:ea typeface="Microsoft JhengHei" pitchFamily="34" charset="-120"/>
               </a:rPr>
-              <a:t> </a:t>
-            </a:r>
-            <a:r>
-              <a:rPr lang="zh-TW" altLang="en-US" sz="4800" b="1" dirty="0">
-                <a:solidFill>
-                  <a:srgbClr val="660033"/>
-                </a:solidFill>
-                <a:latin typeface="Microsoft JhengHei" pitchFamily="34" charset="-120"/>
-                <a:ea typeface="Microsoft JhengHei" pitchFamily="34" charset="-120"/>
-              </a:rPr>
-              <a:t>榮耀都歸耶穌</a:t>
+              <a:t>天父</a:t>
             </a:r>
             <a:endParaRPr lang="en-US" altLang="zh-TW" sz="4800" b="1" dirty="0">
               <a:solidFill>
@@ -7940,7 +7934,7 @@
                 <a:latin typeface="Microsoft JhengHei" pitchFamily="34" charset="-120"/>
                 <a:ea typeface="Microsoft JhengHei" pitchFamily="34" charset="-120"/>
               </a:rPr>
-              <a:t>我只是個罪人蒙救恩</a:t>
+              <a:t>我只是個罪人  蒙救恩</a:t>
             </a:r>
             <a:endParaRPr lang="zh-TW" altLang="en-US" sz="4800" b="1" dirty="0">
               <a:solidFill>
@@ -7955,7 +7949,7 @@
     </p:spTree>
     <p:extLst>
       <p:ext uri="{BB962C8B-B14F-4D97-AF65-F5344CB8AC3E}">
-        <p14:creationId xmlns:p14="http://schemas.microsoft.com/office/powerpoint/2010/main" val="1803484428"/>
+        <p14:creationId xmlns:p14="http://schemas.microsoft.com/office/powerpoint/2010/main" val="1687296971"/>
       </p:ext>
     </p:extLst>
   </p:cSld>
@@ -8042,27 +8036,7 @@
                 <a:latin typeface="Microsoft JhengHei" pitchFamily="34" charset="-120"/>
                 <a:ea typeface="Microsoft JhengHei" pitchFamily="34" charset="-120"/>
               </a:rPr>
-              <a:t>罪人  </a:t>
-            </a:r>
-            <a:r>
-              <a:rPr lang="zh-TW" altLang="en-US" sz="4800" b="1" dirty="0" smtClean="0">
-                <a:solidFill>
-                  <a:srgbClr val="660033"/>
-                </a:solidFill>
-                <a:latin typeface="Microsoft JhengHei" pitchFamily="34" charset="-120"/>
-                <a:ea typeface="Microsoft JhengHei" pitchFamily="34" charset="-120"/>
-              </a:rPr>
-              <a:t>情</a:t>
-            </a:r>
-            <a:r>
-              <a:rPr lang="zh-TW" altLang="en-US" sz="4800" b="1" dirty="0">
-                <a:solidFill>
-                  <a:srgbClr val="660033"/>
-                </a:solidFill>
-                <a:latin typeface="Microsoft JhengHei" pitchFamily="34" charset="-120"/>
-                <a:ea typeface="Microsoft JhengHei" pitchFamily="34" charset="-120"/>
-              </a:rPr>
-              <a:t>不能自禁</a:t>
+              <a:t>罪人  情不能自禁</a:t>
             </a:r>
             <a:endParaRPr lang="en-US" altLang="zh-TW" sz="4800" b="1" dirty="0">
               <a:solidFill>
@@ -8084,27 +8058,7 @@
                 <a:latin typeface="Microsoft JhengHei" pitchFamily="34" charset="-120"/>
                 <a:ea typeface="Microsoft JhengHei" pitchFamily="34" charset="-120"/>
               </a:rPr>
-              <a:t>只因深愛主  </a:t>
-            </a:r>
-            <a:r>
-              <a:rPr lang="zh-TW" altLang="en-US" sz="4800" b="1" dirty="0" smtClean="0">
-                <a:solidFill>
-                  <a:srgbClr val="660033"/>
-                </a:solidFill>
-                <a:latin typeface="Microsoft JhengHei" pitchFamily="34" charset="-120"/>
-                <a:ea typeface="Microsoft JhengHei" pitchFamily="34" charset="-120"/>
-              </a:rPr>
-              <a:t>喜</a:t>
-            </a:r>
-            <a:r>
-              <a:rPr lang="zh-TW" altLang="en-US" sz="4800" b="1" dirty="0">
-                <a:solidFill>
-                  <a:srgbClr val="660033"/>
-                </a:solidFill>
-                <a:latin typeface="Microsoft JhengHei" pitchFamily="34" charset="-120"/>
-                <a:ea typeface="Microsoft JhengHei" pitchFamily="34" charset="-120"/>
-              </a:rPr>
-              <a:t>樂滿我心</a:t>
+              <a:t>只因深愛主  喜樂滿我心</a:t>
             </a:r>
             <a:endParaRPr lang="en-US" altLang="zh-TW" sz="4800" b="1" dirty="0">
               <a:solidFill>
@@ -8254,7 +8208,27 @@
                 <a:latin typeface="Microsoft JhengHei" pitchFamily="34" charset="-120"/>
                 <a:ea typeface="Microsoft JhengHei" pitchFamily="34" charset="-120"/>
               </a:rPr>
-              <a:t>我只是個罪人  蒙主恩</a:t>
+              <a:t>我只是個罪人  蒙</a:t>
+            </a:r>
+            <a:r>
+              <a:rPr lang="zh-CN" altLang="en-US" sz="4800" b="1" dirty="0">
+                <a:solidFill>
+                  <a:srgbClr val="660033"/>
+                </a:solidFill>
+                <a:latin typeface="Microsoft JhengHei" pitchFamily="34" charset="-120"/>
+                <a:ea typeface="Microsoft JhengHei" pitchFamily="34" charset="-120"/>
+              </a:rPr>
+              <a:t>救</a:t>
+            </a:r>
+            <a:r>
+              <a:rPr lang="zh-TW" altLang="en-US" sz="4800" b="1" dirty="0">
+                <a:solidFill>
+                  <a:srgbClr val="660033"/>
+                </a:solidFill>
+                <a:latin typeface="Microsoft JhengHei" pitchFamily="34" charset="-120"/>
+                <a:ea typeface="Microsoft JhengHei" pitchFamily="34" charset="-120"/>
+              </a:rPr>
+              <a:t>恩</a:t>
             </a:r>
             <a:endParaRPr lang="zh-TW" altLang="en-US" sz="4800" b="1" dirty="0">
               <a:solidFill>
@@ -8419,7 +8393,7 @@
     </p:spTree>
     <p:extLst>
       <p:ext uri="{BB962C8B-B14F-4D97-AF65-F5344CB8AC3E}">
-        <p14:creationId xmlns:p14="http://schemas.microsoft.com/office/powerpoint/2010/main" val="178682334"/>
+        <p14:creationId xmlns:p14="http://schemas.microsoft.com/office/powerpoint/2010/main" val="1565924508"/>
       </p:ext>
     </p:extLst>
   </p:cSld>
@@ -8486,27 +8460,17 @@
                 <a:latin typeface="Microsoft JhengHei" pitchFamily="34" charset="-120"/>
                 <a:ea typeface="Microsoft JhengHei" pitchFamily="34" charset="-120"/>
               </a:rPr>
-              <a:t>讚美主耶穌 </a:t>
-            </a:r>
-            <a:r>
-              <a:rPr lang="zh-TW" altLang="en-US" sz="4800" b="1" dirty="0" smtClean="0">
+              <a:t>讚美主耶穌  榮耀都歸</a:t>
+            </a:r>
+            <a:r>
+              <a:rPr lang="zh-CN" altLang="en-US" sz="4800" b="1" dirty="0">
                 <a:solidFill>
                   <a:srgbClr val="660033"/>
                 </a:solidFill>
                 <a:latin typeface="Microsoft JhengHei" pitchFamily="34" charset="-120"/>
                 <a:ea typeface="Microsoft JhengHei" pitchFamily="34" charset="-120"/>
               </a:rPr>
-              <a:t> </a:t>
-            </a:r>
-            <a:r>
-              <a:rPr lang="zh-TW" altLang="en-US" sz="4800" b="1" dirty="0">
-                <a:solidFill>
-                  <a:srgbClr val="660033"/>
-                </a:solidFill>
-                <a:latin typeface="Microsoft JhengHei" pitchFamily="34" charset="-120"/>
-                <a:ea typeface="Microsoft JhengHei" pitchFamily="34" charset="-120"/>
-              </a:rPr>
-              <a:t>榮耀都歸耶穌</a:t>
+              <a:t>天父</a:t>
             </a:r>
             <a:endParaRPr lang="en-US" altLang="zh-TW" sz="4800" b="1" dirty="0">
               <a:solidFill>
@@ -8528,7 +8492,7 @@
                 <a:latin typeface="Microsoft JhengHei" pitchFamily="34" charset="-120"/>
                 <a:ea typeface="Microsoft JhengHei" pitchFamily="34" charset="-120"/>
               </a:rPr>
-              <a:t>我只是個罪人蒙救恩</a:t>
+              <a:t>我只是個罪人  蒙救恩</a:t>
             </a:r>
             <a:endParaRPr lang="zh-TW" altLang="en-US" sz="4800" b="1" dirty="0">
               <a:solidFill>
@@ -8543,7 +8507,7 @@
     </p:spTree>
     <p:extLst>
       <p:ext uri="{BB962C8B-B14F-4D97-AF65-F5344CB8AC3E}">
-        <p14:creationId xmlns:p14="http://schemas.microsoft.com/office/powerpoint/2010/main" val="4032096185"/>
+        <p14:creationId xmlns:p14="http://schemas.microsoft.com/office/powerpoint/2010/main" val="2440705368"/>
       </p:ext>
     </p:extLst>
   </p:cSld>

--- a/崇拜流程_聖餐禮version.pptx
+++ b/崇拜流程_聖餐禮version.pptx
@@ -5,7 +5,7 @@
     <p:sldMasterId id="2147483648" r:id="rId1"/>
   </p:sldMasterIdLst>
   <p:notesMasterIdLst>
-    <p:notesMasterId r:id="rId72"/>
+    <p:notesMasterId r:id="rId89"/>
   </p:notesMasterIdLst>
   <p:sldIdLst>
     <p:sldId id="322" r:id="rId2"/>
@@ -68,16 +68,33 @@
     <p:sldId id="414" r:id="rId59"/>
     <p:sldId id="415" r:id="rId60"/>
     <p:sldId id="416" r:id="rId61"/>
-    <p:sldId id="267" r:id="rId62"/>
-    <p:sldId id="272" r:id="rId63"/>
-    <p:sldId id="319" r:id="rId64"/>
-    <p:sldId id="320" r:id="rId65"/>
-    <p:sldId id="321" r:id="rId66"/>
-    <p:sldId id="270" r:id="rId67"/>
-    <p:sldId id="291" r:id="rId68"/>
-    <p:sldId id="286" r:id="rId69"/>
-    <p:sldId id="287" r:id="rId70"/>
-    <p:sldId id="288" r:id="rId71"/>
+    <p:sldId id="442" r:id="rId62"/>
+    <p:sldId id="443" r:id="rId63"/>
+    <p:sldId id="444" r:id="rId64"/>
+    <p:sldId id="445" r:id="rId65"/>
+    <p:sldId id="446" r:id="rId66"/>
+    <p:sldId id="447" r:id="rId67"/>
+    <p:sldId id="448" r:id="rId68"/>
+    <p:sldId id="449" r:id="rId69"/>
+    <p:sldId id="450" r:id="rId70"/>
+    <p:sldId id="451" r:id="rId71"/>
+    <p:sldId id="452" r:id="rId72"/>
+    <p:sldId id="453" r:id="rId73"/>
+    <p:sldId id="454" r:id="rId74"/>
+    <p:sldId id="455" r:id="rId75"/>
+    <p:sldId id="456" r:id="rId76"/>
+    <p:sldId id="457" r:id="rId77"/>
+    <p:sldId id="458" r:id="rId78"/>
+    <p:sldId id="267" r:id="rId79"/>
+    <p:sldId id="272" r:id="rId80"/>
+    <p:sldId id="319" r:id="rId81"/>
+    <p:sldId id="320" r:id="rId82"/>
+    <p:sldId id="321" r:id="rId83"/>
+    <p:sldId id="270" r:id="rId84"/>
+    <p:sldId id="291" r:id="rId85"/>
+    <p:sldId id="286" r:id="rId86"/>
+    <p:sldId id="287" r:id="rId87"/>
+    <p:sldId id="288" r:id="rId88"/>
   </p:sldIdLst>
   <p:sldSz cx="9144000" cy="5143500" type="screen16x9"/>
   <p:notesSz cx="6858000" cy="9144000"/>
@@ -282,7 +299,7 @@
           <a:p>
             <a:fld id="{2F30D4D0-EAC7-4980-A92D-C26C9148BA0F}" type="datetimeFigureOut">
               <a:rPr lang="zh-TW" altLang="en-US" smtClean="0"/>
-              <a:t>2020/8/3</a:t>
+              <a:t>2020/9/6</a:t>
             </a:fld>
             <a:endParaRPr lang="zh-TW" altLang="en-US"/>
           </a:p>
@@ -1158,7 +1175,7 @@
           <a:p>
             <a:fld id="{5BBEAD13-0566-4C6C-97E7-55F17F24B09F}" type="datetimeFigureOut">
               <a:rPr lang="zh-TW" altLang="en-US" smtClean="0"/>
-              <a:t>2020/8/3</a:t>
+              <a:t>2020/9/6</a:t>
             </a:fld>
             <a:endParaRPr lang="zh-TW" altLang="en-US"/>
           </a:p>
@@ -1323,7 +1340,7 @@
           <a:p>
             <a:fld id="{5BBEAD13-0566-4C6C-97E7-55F17F24B09F}" type="datetimeFigureOut">
               <a:rPr lang="zh-TW" altLang="en-US" smtClean="0"/>
-              <a:t>2020/8/3</a:t>
+              <a:t>2020/9/6</a:t>
             </a:fld>
             <a:endParaRPr lang="zh-TW" altLang="en-US"/>
           </a:p>
@@ -1498,7 +1515,7 @@
           <a:p>
             <a:fld id="{5BBEAD13-0566-4C6C-97E7-55F17F24B09F}" type="datetimeFigureOut">
               <a:rPr lang="zh-TW" altLang="en-US" smtClean="0"/>
-              <a:t>2020/8/3</a:t>
+              <a:t>2020/9/6</a:t>
             </a:fld>
             <a:endParaRPr lang="zh-TW" altLang="en-US"/>
           </a:p>
@@ -1663,7 +1680,7 @@
           <a:p>
             <a:fld id="{5BBEAD13-0566-4C6C-97E7-55F17F24B09F}" type="datetimeFigureOut">
               <a:rPr lang="zh-TW" altLang="en-US" smtClean="0"/>
-              <a:t>2020/8/3</a:t>
+              <a:t>2020/9/6</a:t>
             </a:fld>
             <a:endParaRPr lang="zh-TW" altLang="en-US"/>
           </a:p>
@@ -1904,7 +1921,7 @@
           <a:p>
             <a:fld id="{5BBEAD13-0566-4C6C-97E7-55F17F24B09F}" type="datetimeFigureOut">
               <a:rPr lang="zh-TW" altLang="en-US" smtClean="0"/>
-              <a:t>2020/8/3</a:t>
+              <a:t>2020/9/6</a:t>
             </a:fld>
             <a:endParaRPr lang="zh-TW" altLang="en-US"/>
           </a:p>
@@ -2187,7 +2204,7 @@
           <a:p>
             <a:fld id="{5BBEAD13-0566-4C6C-97E7-55F17F24B09F}" type="datetimeFigureOut">
               <a:rPr lang="zh-TW" altLang="en-US" smtClean="0"/>
-              <a:t>2020/8/3</a:t>
+              <a:t>2020/9/6</a:t>
             </a:fld>
             <a:endParaRPr lang="zh-TW" altLang="en-US"/>
           </a:p>
@@ -2604,7 +2621,7 @@
           <a:p>
             <a:fld id="{5BBEAD13-0566-4C6C-97E7-55F17F24B09F}" type="datetimeFigureOut">
               <a:rPr lang="zh-TW" altLang="en-US" smtClean="0"/>
-              <a:t>2020/8/3</a:t>
+              <a:t>2020/9/6</a:t>
             </a:fld>
             <a:endParaRPr lang="zh-TW" altLang="en-US"/>
           </a:p>
@@ -2717,7 +2734,7 @@
           <a:p>
             <a:fld id="{5BBEAD13-0566-4C6C-97E7-55F17F24B09F}" type="datetimeFigureOut">
               <a:rPr lang="zh-TW" altLang="en-US" smtClean="0"/>
-              <a:t>2020/8/3</a:t>
+              <a:t>2020/9/6</a:t>
             </a:fld>
             <a:endParaRPr lang="zh-TW" altLang="en-US"/>
           </a:p>
@@ -2807,7 +2824,7 @@
           <a:p>
             <a:fld id="{5BBEAD13-0566-4C6C-97E7-55F17F24B09F}" type="datetimeFigureOut">
               <a:rPr lang="zh-TW" altLang="en-US" smtClean="0"/>
-              <a:t>2020/8/3</a:t>
+              <a:t>2020/9/6</a:t>
             </a:fld>
             <a:endParaRPr lang="zh-TW" altLang="en-US"/>
           </a:p>
@@ -3079,7 +3096,7 @@
           <a:p>
             <a:fld id="{5BBEAD13-0566-4C6C-97E7-55F17F24B09F}" type="datetimeFigureOut">
               <a:rPr lang="zh-TW" altLang="en-US" smtClean="0"/>
-              <a:t>2020/8/3</a:t>
+              <a:t>2020/9/6</a:t>
             </a:fld>
             <a:endParaRPr lang="zh-TW" altLang="en-US"/>
           </a:p>
@@ -3331,7 +3348,7 @@
           <a:p>
             <a:fld id="{5BBEAD13-0566-4C6C-97E7-55F17F24B09F}" type="datetimeFigureOut">
               <a:rPr lang="zh-TW" altLang="en-US" smtClean="0"/>
-              <a:t>2020/8/3</a:t>
+              <a:t>2020/9/6</a:t>
             </a:fld>
             <a:endParaRPr lang="zh-TW" altLang="en-US"/>
           </a:p>
@@ -3544,7 +3561,7 @@
           <a:p>
             <a:fld id="{5BBEAD13-0566-4C6C-97E7-55F17F24B09F}" type="datetimeFigureOut">
               <a:rPr lang="zh-TW" altLang="en-US" smtClean="0"/>
-              <a:t>2020/8/3</a:t>
+              <a:t>2020/9/6</a:t>
             </a:fld>
             <a:endParaRPr lang="zh-TW" altLang="en-US"/>
           </a:p>
@@ -6472,13 +6489,6 @@
               </a:rPr>
               <a:t>恩</a:t>
             </a:r>
-            <a:endParaRPr lang="zh-TW" altLang="en-US" sz="4800" b="1" dirty="0">
-              <a:solidFill>
-                <a:srgbClr val="660033"/>
-              </a:solidFill>
-              <a:latin typeface="Microsoft JhengHei" pitchFamily="34" charset="-120"/>
-              <a:ea typeface="Microsoft JhengHei" pitchFamily="34" charset="-120"/>
-            </a:endParaRPr>
           </a:p>
         </p:txBody>
       </p:sp>
@@ -6728,13 +6738,6 @@
               </a:rPr>
               <a:t>我只是個罪人  蒙救恩</a:t>
             </a:r>
-            <a:endParaRPr lang="zh-TW" altLang="en-US" sz="4800" b="1" dirty="0">
-              <a:solidFill>
-                <a:srgbClr val="660033"/>
-              </a:solidFill>
-              <a:latin typeface="Microsoft JhengHei" pitchFamily="34" charset="-120"/>
-              <a:ea typeface="Microsoft JhengHei" pitchFamily="34" charset="-120"/>
-            </a:endParaRPr>
           </a:p>
         </p:txBody>
       </p:sp>
@@ -7042,13 +7045,6 @@
               </a:rPr>
               <a:t>恩</a:t>
             </a:r>
-            <a:endParaRPr lang="zh-TW" altLang="en-US" sz="4800" b="1" dirty="0">
-              <a:solidFill>
-                <a:srgbClr val="660033"/>
-              </a:solidFill>
-              <a:latin typeface="Microsoft JhengHei" pitchFamily="34" charset="-120"/>
-              <a:ea typeface="Microsoft JhengHei" pitchFamily="34" charset="-120"/>
-            </a:endParaRPr>
           </a:p>
         </p:txBody>
       </p:sp>
@@ -7394,13 +7390,6 @@
               </a:rPr>
               <a:t>我只是個罪人  蒙救恩</a:t>
             </a:r>
-            <a:endParaRPr lang="zh-TW" altLang="en-US" sz="4800" b="1" dirty="0">
-              <a:solidFill>
-                <a:srgbClr val="660033"/>
-              </a:solidFill>
-              <a:latin typeface="Microsoft JhengHei" pitchFamily="34" charset="-120"/>
-              <a:ea typeface="Microsoft JhengHei" pitchFamily="34" charset="-120"/>
-            </a:endParaRPr>
           </a:p>
         </p:txBody>
       </p:sp>
@@ -7680,13 +7669,6 @@
               </a:rPr>
               <a:t>恩</a:t>
             </a:r>
-            <a:endParaRPr lang="zh-TW" altLang="en-US" sz="4800" b="1" dirty="0">
-              <a:solidFill>
-                <a:srgbClr val="660033"/>
-              </a:solidFill>
-              <a:latin typeface="Microsoft JhengHei" pitchFamily="34" charset="-120"/>
-              <a:ea typeface="Microsoft JhengHei" pitchFamily="34" charset="-120"/>
-            </a:endParaRPr>
           </a:p>
         </p:txBody>
       </p:sp>
@@ -7936,13 +7918,6 @@
               </a:rPr>
               <a:t>我只是個罪人  蒙救恩</a:t>
             </a:r>
-            <a:endParaRPr lang="zh-TW" altLang="en-US" sz="4800" b="1" dirty="0">
-              <a:solidFill>
-                <a:srgbClr val="660033"/>
-              </a:solidFill>
-              <a:latin typeface="Microsoft JhengHei" pitchFamily="34" charset="-120"/>
-              <a:ea typeface="Microsoft JhengHei" pitchFamily="34" charset="-120"/>
-            </a:endParaRPr>
           </a:p>
         </p:txBody>
       </p:sp>
@@ -8230,13 +8205,6 @@
               </a:rPr>
               <a:t>恩</a:t>
             </a:r>
-            <a:endParaRPr lang="zh-TW" altLang="en-US" sz="4800" b="1" dirty="0">
-              <a:solidFill>
-                <a:srgbClr val="660033"/>
-              </a:solidFill>
-              <a:latin typeface="Microsoft JhengHei" pitchFamily="34" charset="-120"/>
-              <a:ea typeface="Microsoft JhengHei" pitchFamily="34" charset="-120"/>
-            </a:endParaRPr>
           </a:p>
         </p:txBody>
       </p:sp>
@@ -8494,13 +8462,6 @@
               </a:rPr>
               <a:t>我只是個罪人  蒙救恩</a:t>
             </a:r>
-            <a:endParaRPr lang="zh-TW" altLang="en-US" sz="4800" b="1" dirty="0">
-              <a:solidFill>
-                <a:srgbClr val="660033"/>
-              </a:solidFill>
-              <a:latin typeface="Microsoft JhengHei" pitchFamily="34" charset="-120"/>
-              <a:ea typeface="Microsoft JhengHei" pitchFamily="34" charset="-120"/>
-            </a:endParaRPr>
           </a:p>
         </p:txBody>
       </p:sp>
@@ -11967,18 +11928,18 @@
       </p:grpSpPr>
       <p:sp>
         <p:nvSpPr>
-          <p:cNvPr id="2" name="標題 1"/>
+          <p:cNvPr id="4" name="標題 3"/>
           <p:cNvSpPr>
             <a:spLocks noGrp="1"/>
           </p:cNvSpPr>
           <p:nvPr>
-            <p:ph type="title" idx="4294967295"/>
+            <p:ph type="title"/>
           </p:nvPr>
         </p:nvSpPr>
         <p:spPr>
           <a:xfrm>
-            <a:off x="149" y="2257505"/>
-            <a:ext cx="9144000" cy="628650"/>
+            <a:off x="0" y="2143135"/>
+            <a:ext cx="9144000" cy="857250"/>
           </a:xfrm>
         </p:spPr>
         <p:txBody>
@@ -11988,9 +11949,9 @@
           <a:lstStyle/>
           <a:p>
             <a:r>
-              <a:rPr lang="zh-CN" altLang="en-US" sz="7200" b="1" dirty="0">
-                <a:solidFill>
-                  <a:srgbClr val="000066"/>
+              <a:rPr lang="zh-CN" altLang="en-US" sz="4000" b="1" u="sng" dirty="0" smtClean="0">
+                <a:solidFill>
+                  <a:srgbClr val="660033"/>
                 </a:solidFill>
                 <a:effectLst>
                   <a:outerShdw blurRad="38100" dist="38100" dir="2700000" algn="tl">
@@ -12002,12 +11963,12 @@
                 <a:latin typeface="微軟正黑體" pitchFamily="34" charset="-120"/>
                 <a:ea typeface="微軟正黑體" pitchFamily="34" charset="-120"/>
               </a:rPr>
-              <a:t>家事分</a:t>
-            </a:r>
-            <a:r>
-              <a:rPr lang="zh-CN" altLang="en-US" sz="7200" b="1" dirty="0" smtClean="0">
-                <a:solidFill>
-                  <a:srgbClr val="000066"/>
+              <a:t>宣道詩 </a:t>
+            </a:r>
+            <a:r>
+              <a:rPr lang="en-US" altLang="zh-CN" sz="4000" b="1" u="sng" dirty="0" smtClean="0">
+                <a:solidFill>
+                  <a:srgbClr val="660033"/>
                 </a:solidFill>
                 <a:effectLst>
                   <a:outerShdw blurRad="38100" dist="38100" dir="2700000" algn="tl">
@@ -12019,12 +11980,12 @@
                 <a:latin typeface="微軟正黑體" pitchFamily="34" charset="-120"/>
                 <a:ea typeface="微軟正黑體" pitchFamily="34" charset="-120"/>
               </a:rPr>
-              <a:t>享代</a:t>
-            </a:r>
-            <a:r>
-              <a:rPr lang="zh-CN" altLang="en-US" sz="7200" b="1" dirty="0">
-                <a:solidFill>
-                  <a:srgbClr val="000066"/>
+              <a:t>211A</a:t>
+            </a:r>
+            <a:r>
+              <a:rPr lang="en-US" altLang="zh-CN" sz="5400" b="1" i="1" dirty="0" smtClean="0">
+                <a:solidFill>
+                  <a:srgbClr val="660033"/>
                 </a:solidFill>
                 <a:effectLst>
                   <a:outerShdw blurRad="38100" dist="38100" dir="2700000" algn="tl">
@@ -12036,9 +11997,59 @@
                 <a:latin typeface="微軟正黑體" pitchFamily="34" charset="-120"/>
                 <a:ea typeface="微軟正黑體" pitchFamily="34" charset="-120"/>
               </a:rPr>
-              <a:t>禱</a:t>
-            </a:r>
-            <a:endParaRPr lang="zh-TW" altLang="en-US" sz="7200" b="1" dirty="0">
+              <a:t/>
+            </a:r>
+            <a:br>
+              <a:rPr lang="en-US" altLang="zh-CN" sz="5400" b="1" i="1" dirty="0" smtClean="0">
+                <a:solidFill>
+                  <a:srgbClr val="660033"/>
+                </a:solidFill>
+                <a:effectLst>
+                  <a:outerShdw blurRad="38100" dist="38100" dir="2700000" algn="tl">
+                    <a:srgbClr val="000000">
+                      <a:alpha val="43137"/>
+                    </a:srgbClr>
+                  </a:outerShdw>
+                </a:effectLst>
+                <a:latin typeface="微軟正黑體" pitchFamily="34" charset="-120"/>
+                <a:ea typeface="微軟正黑體" pitchFamily="34" charset="-120"/>
+              </a:rPr>
+            </a:br>
+            <a:r>
+              <a:rPr lang="zh-CN" altLang="en-US" sz="6000" b="1" dirty="0" smtClean="0">
+                <a:solidFill>
+                  <a:srgbClr val="000066"/>
+                </a:solidFill>
+                <a:effectLst>
+                  <a:outerShdw blurRad="38100" dist="38100" dir="2700000" algn="tl">
+                    <a:srgbClr val="000000">
+                      <a:alpha val="43137"/>
+                    </a:srgbClr>
+                  </a:outerShdw>
+                </a:effectLst>
+                <a:latin typeface="微軟正黑體" pitchFamily="34" charset="-120"/>
+                <a:ea typeface="微軟正黑體" pitchFamily="34" charset="-120"/>
+              </a:rPr>
+              <a:t>主</a:t>
+            </a:r>
+            <a:r>
+              <a:rPr lang="zh-CN" altLang="en-US" sz="6000" b="1" dirty="0">
+                <a:solidFill>
+                  <a:srgbClr val="000066"/>
+                </a:solidFill>
+                <a:effectLst>
+                  <a:outerShdw blurRad="38100" dist="38100" dir="2700000" algn="tl">
+                    <a:srgbClr val="000000">
+                      <a:alpha val="43137"/>
+                    </a:srgbClr>
+                  </a:outerShdw>
+                </a:effectLst>
+                <a:latin typeface="微軟正黑體" pitchFamily="34" charset="-120"/>
+                <a:ea typeface="微軟正黑體" pitchFamily="34" charset="-120"/>
+              </a:rPr>
+              <a:t>愛說不盡</a:t>
+            </a:r>
+            <a:endParaRPr lang="zh-TW" altLang="en-US" sz="6000" b="1" dirty="0">
               <a:solidFill>
                 <a:srgbClr val="000066"/>
               </a:solidFill>
@@ -12056,6 +12067,11 @@
         </p:txBody>
       </p:sp>
     </p:spTree>
+    <p:extLst>
+      <p:ext uri="{BB962C8B-B14F-4D97-AF65-F5344CB8AC3E}">
+        <p14:creationId xmlns:p14="http://schemas.microsoft.com/office/powerpoint/2010/main" val="3838087624"/>
+      </p:ext>
+    </p:extLst>
   </p:cSld>
   <p:clrMapOvr>
     <a:masterClrMapping/>
@@ -12089,233 +12105,112 @@
       </p:grpSpPr>
       <p:sp>
         <p:nvSpPr>
-          <p:cNvPr id="2" name="標題 1"/>
+          <p:cNvPr id="5" name="內容版面配置區 4"/>
           <p:cNvSpPr>
             <a:spLocks noGrp="1"/>
           </p:cNvSpPr>
           <p:nvPr>
-            <p:ph type="title"/>
+            <p:ph idx="1"/>
           </p:nvPr>
         </p:nvSpPr>
         <p:spPr>
           <a:xfrm>
-            <a:off x="0" y="300026"/>
-            <a:ext cx="8991600" cy="628650"/>
+            <a:off x="0" y="1563638"/>
+            <a:ext cx="9144000" cy="1803647"/>
           </a:xfrm>
         </p:spPr>
         <p:txBody>
-          <a:bodyPr>
-            <a:noAutofit/>
+          <a:bodyPr anchor="ctr">
+            <a:normAutofit/>
           </a:bodyPr>
           <a:lstStyle/>
           <a:p>
-            <a:r>
-              <a:rPr lang="zh-CN" altLang="en-US" sz="4000" b="1" dirty="0" smtClean="0">
-                <a:solidFill>
-                  <a:srgbClr val="000066"/>
-                </a:solidFill>
-                <a:latin typeface="微軟正黑體" pitchFamily="34" charset="-120"/>
-                <a:ea typeface="微軟正黑體" pitchFamily="34" charset="-120"/>
-              </a:rPr>
-              <a:t>三一頌</a:t>
-            </a:r>
-            <a:endParaRPr lang="zh-TW" altLang="en-US" sz="4000" b="1" dirty="0">
-              <a:solidFill>
-                <a:srgbClr val="000066"/>
-              </a:solidFill>
-              <a:latin typeface="微軟正黑體" pitchFamily="34" charset="-120"/>
-              <a:ea typeface="微軟正黑體" pitchFamily="34" charset="-120"/>
-            </a:endParaRPr>
-          </a:p>
-        </p:txBody>
-      </p:sp>
-      <p:sp>
-        <p:nvSpPr>
-          <p:cNvPr id="4" name="內容版面配置區 3"/>
-          <p:cNvSpPr>
-            <a:spLocks noGrp="1"/>
-          </p:cNvSpPr>
-          <p:nvPr>
-            <p:ph idx="1"/>
-          </p:nvPr>
-        </p:nvSpPr>
-        <p:spPr>
-          <a:xfrm>
-            <a:off x="0" y="1285866"/>
-            <a:ext cx="9144000" cy="3857634"/>
-          </a:xfrm>
-        </p:spPr>
-        <p:txBody>
-          <a:bodyPr>
-            <a:noAutofit/>
-          </a:bodyPr>
-          <a:lstStyle/>
-          <a:p>
-            <a:pPr algn="ctr">
+            <a:pPr marL="0" indent="0" algn="ctr">
               <a:buNone/>
             </a:pPr>
             <a:r>
-              <a:rPr lang="zh-CN" altLang="en-US" sz="4800" b="1" dirty="0" smtClean="0">
-                <a:solidFill>
-                  <a:srgbClr val="000066"/>
-                </a:solidFill>
-                <a:effectLst>
-                  <a:outerShdw blurRad="50000" dist="30000" dir="5400000" algn="tl" rotWithShape="0">
-                    <a:srgbClr val="000000">
-                      <a:alpha val="30000"/>
-                    </a:srgbClr>
-                  </a:outerShdw>
-                </a:effectLst>
-                <a:latin typeface="微軟正黑體" pitchFamily="34" charset="-120"/>
-                <a:ea typeface="微軟正黑體" pitchFamily="34" charset="-120"/>
-                <a:cs typeface="+mj-cs"/>
-              </a:rPr>
-              <a:t>讚美天父愛世慈仁</a:t>
-            </a:r>
-            <a:endParaRPr lang="en-US" altLang="zh-CN" sz="4800" b="1" dirty="0" smtClean="0">
-              <a:solidFill>
-                <a:srgbClr val="000066"/>
-              </a:solidFill>
-              <a:effectLst>
-                <a:outerShdw blurRad="50000" dist="30000" dir="5400000" algn="tl" rotWithShape="0">
-                  <a:srgbClr val="000000">
-                    <a:alpha val="30000"/>
-                  </a:srgbClr>
-                </a:outerShdw>
-              </a:effectLst>
-              <a:latin typeface="微軟正黑體" pitchFamily="34" charset="-120"/>
-              <a:ea typeface="微軟正黑體" pitchFamily="34" charset="-120"/>
-              <a:cs typeface="+mj-cs"/>
-            </a:endParaRPr>
-          </a:p>
-          <a:p>
-            <a:pPr algn="ctr">
+              <a:rPr lang="zh-TW" altLang="en-US" sz="4800" b="1" dirty="0">
+                <a:solidFill>
+                  <a:srgbClr val="000066"/>
+                </a:solidFill>
+                <a:latin typeface="Microsoft JhengHei" panose="020B0604030504040204" pitchFamily="34" charset="-120"/>
+                <a:ea typeface="Microsoft JhengHei" panose="020B0604030504040204" pitchFamily="34" charset="-120"/>
+              </a:rPr>
+              <a:t>耶穌向我所存恩愛</a:t>
+            </a:r>
+          </a:p>
+          <a:p>
+            <a:pPr marL="0" indent="0" algn="ctr">
               <a:buNone/>
             </a:pPr>
             <a:r>
-              <a:rPr lang="zh-CN" altLang="en-US" sz="4800" b="1" dirty="0" smtClean="0">
-                <a:solidFill>
-                  <a:srgbClr val="000066"/>
-                </a:solidFill>
-                <a:effectLst>
-                  <a:outerShdw blurRad="50000" dist="30000" dir="5400000" algn="tl" rotWithShape="0">
-                    <a:srgbClr val="000000">
-                      <a:alpha val="30000"/>
-                    </a:srgbClr>
-                  </a:outerShdw>
-                </a:effectLst>
-                <a:latin typeface="微軟正黑體" pitchFamily="34" charset="-120"/>
-                <a:ea typeface="微軟正黑體" pitchFamily="34" charset="-120"/>
-                <a:cs typeface="+mj-cs"/>
-              </a:rPr>
-              <a:t>讚美耶穌代贖洪恩</a:t>
-            </a:r>
-            <a:endParaRPr lang="en-US" altLang="zh-CN" sz="4800" b="1" dirty="0" smtClean="0">
-              <a:solidFill>
-                <a:srgbClr val="000066"/>
-              </a:solidFill>
-              <a:effectLst>
-                <a:outerShdw blurRad="50000" dist="30000" dir="5400000" algn="tl" rotWithShape="0">
-                  <a:srgbClr val="000000">
-                    <a:alpha val="30000"/>
-                  </a:srgbClr>
-                </a:outerShdw>
-              </a:effectLst>
-              <a:latin typeface="微軟正黑體" pitchFamily="34" charset="-120"/>
-              <a:ea typeface="微軟正黑體" pitchFamily="34" charset="-120"/>
-              <a:cs typeface="+mj-cs"/>
-            </a:endParaRPr>
-          </a:p>
-          <a:p>
-            <a:pPr algn="ctr">
-              <a:buNone/>
-            </a:pPr>
-            <a:r>
-              <a:rPr lang="zh-CN" altLang="en-US" sz="4800" b="1" dirty="0" smtClean="0">
-                <a:solidFill>
-                  <a:srgbClr val="000066"/>
-                </a:solidFill>
-                <a:effectLst>
-                  <a:outerShdw blurRad="50000" dist="30000" dir="5400000" algn="tl" rotWithShape="0">
-                    <a:srgbClr val="000000">
-                      <a:alpha val="30000"/>
-                    </a:srgbClr>
-                  </a:outerShdw>
-                </a:effectLst>
-                <a:latin typeface="微軟正黑體" pitchFamily="34" charset="-120"/>
-                <a:ea typeface="微軟正黑體" pitchFamily="34" charset="-120"/>
-                <a:cs typeface="+mj-cs"/>
-              </a:rPr>
-              <a:t>讚美聖靈開我茅塞</a:t>
-            </a:r>
-            <a:endParaRPr lang="en-US" altLang="zh-CN" sz="4800" b="1" dirty="0" smtClean="0">
-              <a:solidFill>
-                <a:srgbClr val="000066"/>
-              </a:solidFill>
-              <a:effectLst>
-                <a:outerShdw blurRad="50000" dist="30000" dir="5400000" algn="tl" rotWithShape="0">
-                  <a:srgbClr val="000000">
-                    <a:alpha val="30000"/>
-                  </a:srgbClr>
-                </a:outerShdw>
-              </a:effectLst>
-              <a:latin typeface="微軟正黑體" pitchFamily="34" charset="-120"/>
-              <a:ea typeface="微軟正黑體" pitchFamily="34" charset="-120"/>
-              <a:cs typeface="+mj-cs"/>
-            </a:endParaRPr>
-          </a:p>
-          <a:p>
-            <a:pPr algn="ctr">
-              <a:buNone/>
-            </a:pPr>
-            <a:r>
-              <a:rPr lang="zh-CN" altLang="en-US" sz="4800" b="1" dirty="0" smtClean="0">
-                <a:solidFill>
-                  <a:srgbClr val="000066"/>
-                </a:solidFill>
-                <a:effectLst>
-                  <a:outerShdw blurRad="50000" dist="30000" dir="5400000" algn="tl" rotWithShape="0">
-                    <a:srgbClr val="000000">
-                      <a:alpha val="30000"/>
-                    </a:srgbClr>
-                  </a:outerShdw>
-                </a:effectLst>
-                <a:latin typeface="微軟正黑體" pitchFamily="34" charset="-120"/>
-                <a:ea typeface="微軟正黑體" pitchFamily="34" charset="-120"/>
-                <a:cs typeface="+mj-cs"/>
-              </a:rPr>
-              <a:t>讚美三位合一真神</a:t>
+              <a:rPr lang="zh-TW" altLang="en-US" sz="4800" b="1" dirty="0">
+                <a:solidFill>
+                  <a:srgbClr val="000066"/>
+                </a:solidFill>
+                <a:latin typeface="Microsoft JhengHei" panose="020B0604030504040204" pitchFamily="34" charset="-120"/>
+                <a:ea typeface="Microsoft JhengHei" panose="020B0604030504040204" pitchFamily="34" charset="-120"/>
+              </a:rPr>
+              <a:t>捨身流血還我罪債</a:t>
             </a:r>
             <a:endParaRPr lang="zh-TW" altLang="en-US" sz="4800" b="1" dirty="0">
               <a:solidFill>
                 <a:srgbClr val="000066"/>
               </a:solidFill>
-              <a:effectLst>
-                <a:outerShdw blurRad="50000" dist="30000" dir="5400000" algn="tl" rotWithShape="0">
-                  <a:srgbClr val="000000">
-                    <a:alpha val="30000"/>
-                  </a:srgbClr>
-                </a:outerShdw>
-              </a:effectLst>
-              <a:latin typeface="微軟正黑體" pitchFamily="34" charset="-120"/>
-              <a:ea typeface="微軟正黑體" pitchFamily="34" charset="-120"/>
-              <a:cs typeface="+mj-cs"/>
+              <a:latin typeface="Microsoft JhengHei" panose="020B0604030504040204" pitchFamily="34" charset="-120"/>
+              <a:ea typeface="Microsoft JhengHei" panose="020B0604030504040204" pitchFamily="34" charset="-120"/>
             </a:endParaRPr>
           </a:p>
         </p:txBody>
       </p:sp>
+      <p:sp>
+        <p:nvSpPr>
+          <p:cNvPr id="3" name="TextBox 2"/>
+          <p:cNvSpPr txBox="1"/>
+          <p:nvPr/>
+        </p:nvSpPr>
+        <p:spPr>
+          <a:xfrm>
+            <a:off x="827584" y="1661525"/>
+            <a:ext cx="936104" cy="830997"/>
+          </a:xfrm>
+          <a:prstGeom prst="rect">
+            <a:avLst/>
+          </a:prstGeom>
+          <a:noFill/>
+        </p:spPr>
+        <p:txBody>
+          <a:bodyPr wrap="square" rtlCol="0">
+            <a:spAutoFit/>
+          </a:bodyPr>
+          <a:lstStyle/>
+          <a:p>
+            <a:r>
+              <a:rPr lang="en-US" sz="4800" b="1" dirty="0" smtClean="0">
+                <a:solidFill>
+                  <a:srgbClr val="000066"/>
+                </a:solidFill>
+              </a:rPr>
+              <a:t>1.</a:t>
+            </a:r>
+            <a:endParaRPr lang="vi-VN" sz="4800" b="1" dirty="0">
+              <a:solidFill>
+                <a:srgbClr val="000066"/>
+              </a:solidFill>
+            </a:endParaRPr>
+          </a:p>
+        </p:txBody>
+      </p:sp>
     </p:spTree>
+    <p:extLst>
+      <p:ext uri="{BB962C8B-B14F-4D97-AF65-F5344CB8AC3E}">
+        <p14:creationId xmlns:p14="http://schemas.microsoft.com/office/powerpoint/2010/main" val="979676214"/>
+      </p:ext>
+    </p:extLst>
   </p:cSld>
   <p:clrMapOvr>
     <a:masterClrMapping/>
   </p:clrMapOvr>
-  <p:timing>
-    <p:tnLst>
-      <p:par>
-        <p:cTn id="1" dur="indefinite" restart="never" nodeType="tmRoot"/>
-      </p:par>
-    </p:tnLst>
-  </p:timing>
 </p:sld>
 </file>
 
@@ -12338,312 +12233,112 @@
       </p:grpSpPr>
       <p:sp>
         <p:nvSpPr>
-          <p:cNvPr id="2" name="標題 1"/>
+          <p:cNvPr id="5" name="內容版面配置區 4"/>
           <p:cNvSpPr>
             <a:spLocks noGrp="1"/>
           </p:cNvSpPr>
           <p:nvPr>
-            <p:ph type="title"/>
+            <p:ph idx="1"/>
           </p:nvPr>
         </p:nvSpPr>
         <p:spPr>
           <a:xfrm>
-            <a:off x="0" y="85712"/>
-            <a:ext cx="8991600" cy="628650"/>
+            <a:off x="0" y="1563638"/>
+            <a:ext cx="9144000" cy="1803647"/>
           </a:xfrm>
         </p:spPr>
         <p:txBody>
-          <a:bodyPr>
-            <a:noAutofit/>
+          <a:bodyPr anchor="ctr">
+            <a:normAutofit/>
           </a:bodyPr>
           <a:lstStyle/>
           <a:p>
-            <a:r>
-              <a:rPr lang="zh-CN" altLang="en-US" sz="4000" b="1" dirty="0" smtClean="0">
-                <a:solidFill>
-                  <a:srgbClr val="000066"/>
-                </a:solidFill>
-                <a:latin typeface="微軟正黑體" pitchFamily="34" charset="-120"/>
-                <a:ea typeface="微軟正黑體" pitchFamily="34" charset="-120"/>
-              </a:rPr>
-              <a:t>公禱文</a:t>
-            </a:r>
-            <a:endParaRPr lang="zh-TW" altLang="en-US" sz="4000" b="1" dirty="0">
-              <a:solidFill>
-                <a:srgbClr val="000066"/>
-              </a:solidFill>
-              <a:latin typeface="微軟正黑體" pitchFamily="34" charset="-120"/>
-              <a:ea typeface="微軟正黑體" pitchFamily="34" charset="-120"/>
-            </a:endParaRPr>
-          </a:p>
-        </p:txBody>
-      </p:sp>
-      <p:sp>
-        <p:nvSpPr>
-          <p:cNvPr id="4" name="內容版面配置區 3"/>
-          <p:cNvSpPr>
-            <a:spLocks noGrp="1"/>
-          </p:cNvSpPr>
-          <p:nvPr>
-            <p:ph idx="1"/>
-          </p:nvPr>
-        </p:nvSpPr>
-        <p:spPr>
-          <a:xfrm>
-            <a:off x="0" y="785800"/>
-            <a:ext cx="9144000" cy="4357718"/>
-          </a:xfrm>
-        </p:spPr>
-        <p:txBody>
-          <a:bodyPr>
-            <a:noAutofit/>
-          </a:bodyPr>
-          <a:lstStyle/>
-          <a:p>
-            <a:pPr algn="ctr">
+            <a:pPr marL="0" indent="0" algn="ctr">
               <a:buNone/>
             </a:pPr>
             <a:r>
-              <a:rPr lang="zh-CN" altLang="en-US" sz="4800" b="1" dirty="0" smtClean="0">
-                <a:solidFill>
-                  <a:srgbClr val="000066"/>
-                </a:solidFill>
-                <a:effectLst>
-                  <a:outerShdw blurRad="50000" dist="30000" dir="5400000" algn="tl" rotWithShape="0">
-                    <a:srgbClr val="000000">
-                      <a:alpha val="30000"/>
-                    </a:srgbClr>
-                  </a:outerShdw>
-                </a:effectLst>
-                <a:latin typeface="微軟正黑體" pitchFamily="34" charset="-120"/>
-                <a:ea typeface="微軟正黑體" pitchFamily="34" charset="-120"/>
-              </a:rPr>
-              <a:t>我們在天上的父</a:t>
-            </a:r>
-            <a:endParaRPr lang="en-US" altLang="zh-CN" sz="4800" b="1" dirty="0" smtClean="0">
-              <a:solidFill>
-                <a:srgbClr val="000066"/>
-              </a:solidFill>
-              <a:effectLst>
-                <a:outerShdw blurRad="50000" dist="30000" dir="5400000" algn="tl" rotWithShape="0">
-                  <a:srgbClr val="000000">
-                    <a:alpha val="30000"/>
-                  </a:srgbClr>
-                </a:outerShdw>
-              </a:effectLst>
-              <a:latin typeface="微軟正黑體" pitchFamily="34" charset="-120"/>
-              <a:ea typeface="微軟正黑體" pitchFamily="34" charset="-120"/>
-            </a:endParaRPr>
-          </a:p>
-          <a:p>
-            <a:pPr algn="ctr">
+              <a:rPr lang="zh-TW" altLang="en-US" sz="4800" b="1" dirty="0">
+                <a:solidFill>
+                  <a:srgbClr val="000066"/>
+                </a:solidFill>
+                <a:latin typeface="Microsoft JhengHei" panose="020B0604030504040204" pitchFamily="34" charset="-120"/>
+                <a:ea typeface="Microsoft JhengHei" panose="020B0604030504040204" pitchFamily="34" charset="-120"/>
+              </a:rPr>
+              <a:t>使我得免永遠災害</a:t>
+            </a:r>
+          </a:p>
+          <a:p>
+            <a:pPr marL="0" indent="0" algn="ctr">
               <a:buNone/>
             </a:pPr>
             <a:r>
-              <a:rPr lang="zh-CN" altLang="en-US" sz="4800" b="1" dirty="0" smtClean="0">
-                <a:solidFill>
-                  <a:srgbClr val="000066"/>
-                </a:solidFill>
-                <a:effectLst>
-                  <a:outerShdw blurRad="50000" dist="30000" dir="5400000" algn="tl" rotWithShape="0">
-                    <a:srgbClr val="000000">
-                      <a:alpha val="30000"/>
-                    </a:srgbClr>
-                  </a:outerShdw>
-                </a:effectLst>
-                <a:latin typeface="微軟正黑體" pitchFamily="34" charset="-120"/>
-                <a:ea typeface="微軟正黑體" pitchFamily="34" charset="-120"/>
-              </a:rPr>
-              <a:t>願人</a:t>
-            </a:r>
-            <a:r>
-              <a:rPr lang="zh-CN" altLang="en-US" sz="4800" b="1" smtClean="0">
-                <a:solidFill>
-                  <a:srgbClr val="000066"/>
-                </a:solidFill>
-                <a:effectLst>
-                  <a:outerShdw blurRad="50000" dist="30000" dir="5400000" algn="tl" rotWithShape="0">
-                    <a:srgbClr val="000000">
-                      <a:alpha val="30000"/>
-                    </a:srgbClr>
-                  </a:outerShdw>
-                </a:effectLst>
-                <a:latin typeface="微軟正黑體" pitchFamily="34" charset="-120"/>
-                <a:ea typeface="微軟正黑體" pitchFamily="34" charset="-120"/>
-              </a:rPr>
-              <a:t>都</a:t>
-            </a:r>
-            <a:r>
-              <a:rPr lang="zh-CN" altLang="en-US" sz="4800" b="1">
-                <a:solidFill>
-                  <a:srgbClr val="000066"/>
-                </a:solidFill>
-                <a:effectLst>
-                  <a:outerShdw blurRad="50000" dist="30000" dir="5400000" algn="tl" rotWithShape="0">
-                    <a:srgbClr val="000000">
-                      <a:alpha val="30000"/>
-                    </a:srgbClr>
-                  </a:outerShdw>
-                </a:effectLst>
-                <a:latin typeface="微軟正黑體" pitchFamily="34" charset="-120"/>
-                <a:ea typeface="微軟正黑體" pitchFamily="34" charset="-120"/>
-              </a:rPr>
-              <a:t>尊父的</a:t>
-            </a:r>
-            <a:r>
-              <a:rPr lang="zh-CN" altLang="en-US" sz="4800" b="1" dirty="0" smtClean="0">
-                <a:solidFill>
-                  <a:srgbClr val="000066"/>
-                </a:solidFill>
-                <a:effectLst>
-                  <a:outerShdw blurRad="50000" dist="30000" dir="5400000" algn="tl" rotWithShape="0">
-                    <a:srgbClr val="000000">
-                      <a:alpha val="30000"/>
-                    </a:srgbClr>
-                  </a:outerShdw>
-                </a:effectLst>
-                <a:latin typeface="微軟正黑體" pitchFamily="34" charset="-120"/>
-                <a:ea typeface="微軟正黑體" pitchFamily="34" charset="-120"/>
-              </a:rPr>
-              <a:t>名為聖</a:t>
-            </a:r>
-            <a:endParaRPr lang="en-US" altLang="zh-CN" sz="4800" b="1" dirty="0" smtClean="0">
-              <a:solidFill>
-                <a:srgbClr val="000066"/>
-              </a:solidFill>
-              <a:effectLst>
-                <a:outerShdw blurRad="50000" dist="30000" dir="5400000" algn="tl" rotWithShape="0">
-                  <a:srgbClr val="000000">
-                    <a:alpha val="30000"/>
-                  </a:srgbClr>
-                </a:outerShdw>
-              </a:effectLst>
-              <a:latin typeface="微軟正黑體" pitchFamily="34" charset="-120"/>
-              <a:ea typeface="微軟正黑體" pitchFamily="34" charset="-120"/>
-            </a:endParaRPr>
-          </a:p>
-          <a:p>
-            <a:pPr algn="ctr">
-              <a:buNone/>
-            </a:pPr>
-            <a:r>
-              <a:rPr lang="zh-CN" altLang="en-US" sz="4800" b="1" dirty="0" smtClean="0">
-                <a:solidFill>
-                  <a:srgbClr val="000066"/>
-                </a:solidFill>
-                <a:effectLst>
-                  <a:outerShdw blurRad="50000" dist="30000" dir="5400000" algn="tl" rotWithShape="0">
-                    <a:srgbClr val="000000">
-                      <a:alpha val="30000"/>
-                    </a:srgbClr>
-                  </a:outerShdw>
-                </a:effectLst>
-                <a:latin typeface="微軟正黑體" pitchFamily="34" charset="-120"/>
-                <a:ea typeface="微軟正黑體" pitchFamily="34" charset="-120"/>
-              </a:rPr>
-              <a:t>願父的國降臨</a:t>
-            </a:r>
-            <a:endParaRPr lang="en-US" altLang="zh-CN" sz="4800" b="1" dirty="0" smtClean="0">
-              <a:solidFill>
-                <a:srgbClr val="000066"/>
-              </a:solidFill>
-              <a:effectLst>
-                <a:outerShdw blurRad="50000" dist="30000" dir="5400000" algn="tl" rotWithShape="0">
-                  <a:srgbClr val="000000">
-                    <a:alpha val="30000"/>
-                  </a:srgbClr>
-                </a:outerShdw>
-              </a:effectLst>
-              <a:latin typeface="微軟正黑體" pitchFamily="34" charset="-120"/>
-              <a:ea typeface="微軟正黑體" pitchFamily="34" charset="-120"/>
-            </a:endParaRPr>
-          </a:p>
-          <a:p>
-            <a:pPr algn="ctr">
-              <a:buNone/>
-            </a:pPr>
-            <a:r>
-              <a:rPr lang="zh-CN" altLang="en-US" sz="4800" b="1" dirty="0" smtClean="0">
-                <a:solidFill>
-                  <a:srgbClr val="000066"/>
-                </a:solidFill>
-                <a:effectLst>
-                  <a:outerShdw blurRad="50000" dist="30000" dir="5400000" algn="tl" rotWithShape="0">
-                    <a:srgbClr val="000000">
-                      <a:alpha val="30000"/>
-                    </a:srgbClr>
-                  </a:outerShdw>
-                </a:effectLst>
-                <a:latin typeface="微軟正黑體" pitchFamily="34" charset="-120"/>
-                <a:ea typeface="微軟正黑體" pitchFamily="34" charset="-120"/>
-              </a:rPr>
-              <a:t>願父的旨意行在地上</a:t>
-            </a:r>
-            <a:endParaRPr lang="en-US" altLang="zh-CN" sz="4800" b="1" dirty="0" smtClean="0">
-              <a:solidFill>
-                <a:srgbClr val="000066"/>
-              </a:solidFill>
-              <a:effectLst>
-                <a:outerShdw blurRad="50000" dist="30000" dir="5400000" algn="tl" rotWithShape="0">
-                  <a:srgbClr val="000000">
-                    <a:alpha val="30000"/>
-                  </a:srgbClr>
-                </a:outerShdw>
-              </a:effectLst>
-              <a:latin typeface="微軟正黑體" pitchFamily="34" charset="-120"/>
-              <a:ea typeface="微軟正黑體" pitchFamily="34" charset="-120"/>
-            </a:endParaRPr>
-          </a:p>
-          <a:p>
-            <a:pPr algn="ctr">
-              <a:buNone/>
-            </a:pPr>
-            <a:r>
-              <a:rPr lang="zh-CN" altLang="en-US" sz="4800" b="1" dirty="0" smtClean="0">
-                <a:solidFill>
-                  <a:srgbClr val="000066"/>
-                </a:solidFill>
-                <a:effectLst>
-                  <a:outerShdw blurRad="50000" dist="30000" dir="5400000" algn="tl" rotWithShape="0">
-                    <a:srgbClr val="000000">
-                      <a:alpha val="30000"/>
-                    </a:srgbClr>
-                  </a:outerShdw>
-                </a:effectLst>
-                <a:latin typeface="微軟正黑體" pitchFamily="34" charset="-120"/>
-                <a:ea typeface="微軟正黑體" pitchFamily="34" charset="-120"/>
-              </a:rPr>
-              <a:t>如同行在天上</a:t>
+              <a:rPr lang="zh-TW" altLang="en-US" sz="4800" b="1" dirty="0">
+                <a:solidFill>
+                  <a:srgbClr val="000066"/>
+                </a:solidFill>
+                <a:latin typeface="Microsoft JhengHei" panose="020B0604030504040204" pitchFamily="34" charset="-120"/>
+                <a:ea typeface="Microsoft JhengHei" panose="020B0604030504040204" pitchFamily="34" charset="-120"/>
+              </a:rPr>
+              <a:t>主恩愛說不盡</a:t>
             </a:r>
             <a:endParaRPr lang="zh-TW" altLang="en-US" sz="4800" b="1" dirty="0">
               <a:solidFill>
                 <a:srgbClr val="000066"/>
               </a:solidFill>
-              <a:effectLst>
-                <a:outerShdw blurRad="50000" dist="30000" dir="5400000" algn="tl" rotWithShape="0">
-                  <a:srgbClr val="000000">
-                    <a:alpha val="30000"/>
-                  </a:srgbClr>
-                </a:outerShdw>
-              </a:effectLst>
-              <a:latin typeface="微軟正黑體" pitchFamily="34" charset="-120"/>
-              <a:ea typeface="微軟正黑體" pitchFamily="34" charset="-120"/>
+              <a:latin typeface="Microsoft JhengHei" panose="020B0604030504040204" pitchFamily="34" charset="-120"/>
+              <a:ea typeface="Microsoft JhengHei" panose="020B0604030504040204" pitchFamily="34" charset="-120"/>
             </a:endParaRPr>
           </a:p>
         </p:txBody>
       </p:sp>
+      <p:sp>
+        <p:nvSpPr>
+          <p:cNvPr id="3" name="TextBox 2"/>
+          <p:cNvSpPr txBox="1"/>
+          <p:nvPr/>
+        </p:nvSpPr>
+        <p:spPr>
+          <a:xfrm>
+            <a:off x="827584" y="1661525"/>
+            <a:ext cx="936104" cy="830997"/>
+          </a:xfrm>
+          <a:prstGeom prst="rect">
+            <a:avLst/>
+          </a:prstGeom>
+          <a:noFill/>
+        </p:spPr>
+        <p:txBody>
+          <a:bodyPr wrap="square" rtlCol="0">
+            <a:spAutoFit/>
+          </a:bodyPr>
+          <a:lstStyle/>
+          <a:p>
+            <a:r>
+              <a:rPr lang="en-US" sz="4800" b="1" dirty="0" smtClean="0">
+                <a:solidFill>
+                  <a:srgbClr val="000066"/>
+                </a:solidFill>
+              </a:rPr>
+              <a:t>1.</a:t>
+            </a:r>
+            <a:endParaRPr lang="vi-VN" sz="4800" b="1" dirty="0">
+              <a:solidFill>
+                <a:srgbClr val="000066"/>
+              </a:solidFill>
+            </a:endParaRPr>
+          </a:p>
+        </p:txBody>
+      </p:sp>
     </p:spTree>
+    <p:extLst>
+      <p:ext uri="{BB962C8B-B14F-4D97-AF65-F5344CB8AC3E}">
+        <p14:creationId xmlns:p14="http://schemas.microsoft.com/office/powerpoint/2010/main" val="1871753127"/>
+      </p:ext>
+    </p:extLst>
   </p:cSld>
   <p:clrMapOvr>
     <a:masterClrMapping/>
   </p:clrMapOvr>
-  <p:timing>
-    <p:tnLst>
-      <p:par>
-        <p:cTn id="1" dur="indefinite" restart="never" nodeType="tmRoot"/>
-      </p:par>
-    </p:tnLst>
-  </p:timing>
 </p:sld>
 </file>
 
@@ -12666,225 +12361,74 @@
       </p:grpSpPr>
       <p:sp>
         <p:nvSpPr>
-          <p:cNvPr id="2" name="標題 1"/>
+          <p:cNvPr id="5" name="內容版面配置區 4"/>
           <p:cNvSpPr>
             <a:spLocks noGrp="1"/>
           </p:cNvSpPr>
           <p:nvPr>
-            <p:ph type="title"/>
+            <p:ph idx="1"/>
           </p:nvPr>
         </p:nvSpPr>
         <p:spPr>
           <a:xfrm>
-            <a:off x="0" y="85712"/>
-            <a:ext cx="8991600" cy="628650"/>
+            <a:off x="0" y="1563638"/>
+            <a:ext cx="9144000" cy="1803647"/>
           </a:xfrm>
         </p:spPr>
         <p:txBody>
-          <a:bodyPr>
-            <a:noAutofit/>
+          <a:bodyPr anchor="ctr">
+            <a:normAutofit/>
           </a:bodyPr>
           <a:lstStyle/>
           <a:p>
-            <a:r>
-              <a:rPr lang="zh-CN" altLang="en-US" sz="4000" b="1" dirty="0" smtClean="0">
-                <a:solidFill>
-                  <a:srgbClr val="000066"/>
-                </a:solidFill>
-                <a:latin typeface="微軟正黑體" pitchFamily="34" charset="-120"/>
-                <a:ea typeface="微軟正黑體" pitchFamily="34" charset="-120"/>
-              </a:rPr>
-              <a:t>公禱文</a:t>
-            </a:r>
-            <a:endParaRPr lang="zh-TW" altLang="en-US" sz="4000" b="1" dirty="0">
+            <a:pPr marL="0" indent="0" algn="ctr">
+              <a:buNone/>
+            </a:pPr>
+            <a:r>
+              <a:rPr lang="zh-TW" altLang="en-US" sz="4800" b="1" dirty="0">
+                <a:solidFill>
+                  <a:srgbClr val="000066"/>
+                </a:solidFill>
+                <a:latin typeface="Microsoft JhengHei" panose="020B0604030504040204" pitchFamily="34" charset="-120"/>
+                <a:ea typeface="Microsoft JhengHei" panose="020B0604030504040204" pitchFamily="34" charset="-120"/>
+              </a:rPr>
+              <a:t>主愛口舌真說不盡</a:t>
+            </a:r>
+          </a:p>
+          <a:p>
+            <a:pPr marL="0" indent="0" algn="ctr">
+              <a:buNone/>
+            </a:pPr>
+            <a:r>
+              <a:rPr lang="zh-TW" altLang="en-US" sz="4800" b="1" dirty="0">
+                <a:solidFill>
+                  <a:srgbClr val="000066"/>
+                </a:solidFill>
+                <a:latin typeface="Microsoft JhengHei" panose="020B0604030504040204" pitchFamily="34" charset="-120"/>
+                <a:ea typeface="Microsoft JhengHei" panose="020B0604030504040204" pitchFamily="34" charset="-120"/>
+              </a:rPr>
+              <a:t>主愛口舌真說不盡</a:t>
+            </a:r>
+            <a:endParaRPr lang="zh-TW" altLang="en-US" sz="4800" b="1" dirty="0">
               <a:solidFill>
                 <a:srgbClr val="000066"/>
               </a:solidFill>
-              <a:latin typeface="微軟正黑體" pitchFamily="34" charset="-120"/>
-              <a:ea typeface="微軟正黑體" pitchFamily="34" charset="-120"/>
+              <a:latin typeface="Microsoft JhengHei" panose="020B0604030504040204" pitchFamily="34" charset="-120"/>
+              <a:ea typeface="Microsoft JhengHei" panose="020B0604030504040204" pitchFamily="34" charset="-120"/>
             </a:endParaRPr>
           </a:p>
         </p:txBody>
       </p:sp>
-      <p:sp>
-        <p:nvSpPr>
-          <p:cNvPr id="4" name="內容版面配置區 3"/>
-          <p:cNvSpPr>
-            <a:spLocks noGrp="1"/>
-          </p:cNvSpPr>
-          <p:nvPr>
-            <p:ph idx="1"/>
-          </p:nvPr>
-        </p:nvSpPr>
-        <p:spPr>
-          <a:xfrm>
-            <a:off x="0" y="1142990"/>
-            <a:ext cx="9144000" cy="4000528"/>
-          </a:xfrm>
-        </p:spPr>
-        <p:txBody>
-          <a:bodyPr>
-            <a:noAutofit/>
-          </a:bodyPr>
-          <a:lstStyle/>
-          <a:p>
-            <a:pPr algn="ctr">
-              <a:buNone/>
-            </a:pPr>
-            <a:r>
-              <a:rPr lang="zh-CN" altLang="en-US" sz="4800" b="1" dirty="0" smtClean="0">
-                <a:solidFill>
-                  <a:srgbClr val="000066"/>
-                </a:solidFill>
-                <a:effectLst>
-                  <a:outerShdw blurRad="50000" dist="30000" dir="5400000" algn="tl" rotWithShape="0">
-                    <a:srgbClr val="000000">
-                      <a:alpha val="30000"/>
-                    </a:srgbClr>
-                  </a:outerShdw>
-                </a:effectLst>
-                <a:latin typeface="微軟正黑體" pitchFamily="34" charset="-120"/>
-                <a:ea typeface="微軟正黑體" pitchFamily="34" charset="-120"/>
-              </a:rPr>
-              <a:t>我們日用的飲食</a:t>
-            </a:r>
-            <a:endParaRPr lang="en-US" altLang="zh-CN" sz="4800" b="1" dirty="0" smtClean="0">
-              <a:solidFill>
-                <a:srgbClr val="000066"/>
-              </a:solidFill>
-              <a:effectLst>
-                <a:outerShdw blurRad="50000" dist="30000" dir="5400000" algn="tl" rotWithShape="0">
-                  <a:srgbClr val="000000">
-                    <a:alpha val="30000"/>
-                  </a:srgbClr>
-                </a:outerShdw>
-              </a:effectLst>
-              <a:latin typeface="微軟正黑體" pitchFamily="34" charset="-120"/>
-              <a:ea typeface="微軟正黑體" pitchFamily="34" charset="-120"/>
-            </a:endParaRPr>
-          </a:p>
-          <a:p>
-            <a:pPr algn="ctr">
-              <a:buNone/>
-            </a:pPr>
-            <a:r>
-              <a:rPr lang="zh-CN" altLang="en-US" sz="4800" b="1" dirty="0" smtClean="0">
-                <a:solidFill>
-                  <a:srgbClr val="000066"/>
-                </a:solidFill>
-                <a:effectLst>
-                  <a:outerShdw blurRad="50000" dist="30000" dir="5400000" algn="tl" rotWithShape="0">
-                    <a:srgbClr val="000000">
-                      <a:alpha val="30000"/>
-                    </a:srgbClr>
-                  </a:outerShdw>
-                </a:effectLst>
-                <a:latin typeface="微軟正黑體" pitchFamily="34" charset="-120"/>
-                <a:ea typeface="微軟正黑體" pitchFamily="34" charset="-120"/>
-              </a:rPr>
-              <a:t>今日賜給我們</a:t>
-            </a:r>
-            <a:endParaRPr lang="en-US" altLang="zh-CN" sz="4800" b="1" dirty="0" smtClean="0">
-              <a:solidFill>
-                <a:srgbClr val="000066"/>
-              </a:solidFill>
-              <a:effectLst>
-                <a:outerShdw blurRad="50000" dist="30000" dir="5400000" algn="tl" rotWithShape="0">
-                  <a:srgbClr val="000000">
-                    <a:alpha val="30000"/>
-                  </a:srgbClr>
-                </a:outerShdw>
-              </a:effectLst>
-              <a:latin typeface="微軟正黑體" pitchFamily="34" charset="-120"/>
-              <a:ea typeface="微軟正黑體" pitchFamily="34" charset="-120"/>
-            </a:endParaRPr>
-          </a:p>
-          <a:p>
-            <a:pPr algn="ctr">
-              <a:buNone/>
-            </a:pPr>
-            <a:r>
-              <a:rPr lang="zh-CN" altLang="en-US" sz="4800" b="1" dirty="0" smtClean="0">
-                <a:solidFill>
-                  <a:srgbClr val="000066"/>
-                </a:solidFill>
-                <a:effectLst>
-                  <a:outerShdw blurRad="50000" dist="30000" dir="5400000" algn="tl" rotWithShape="0">
-                    <a:srgbClr val="000000">
-                      <a:alpha val="30000"/>
-                    </a:srgbClr>
-                  </a:outerShdw>
-                </a:effectLst>
-                <a:latin typeface="微軟正黑體" pitchFamily="34" charset="-120"/>
-                <a:ea typeface="微軟正黑體" pitchFamily="34" charset="-120"/>
-              </a:rPr>
-              <a:t>免我們的債</a:t>
-            </a:r>
-            <a:endParaRPr lang="en-US" altLang="zh-CN" sz="4800" b="1" dirty="0" smtClean="0">
-              <a:solidFill>
-                <a:srgbClr val="000066"/>
-              </a:solidFill>
-              <a:effectLst>
-                <a:outerShdw blurRad="50000" dist="30000" dir="5400000" algn="tl" rotWithShape="0">
-                  <a:srgbClr val="000000">
-                    <a:alpha val="30000"/>
-                  </a:srgbClr>
-                </a:outerShdw>
-              </a:effectLst>
-              <a:latin typeface="微軟正黑體" pitchFamily="34" charset="-120"/>
-              <a:ea typeface="微軟正黑體" pitchFamily="34" charset="-120"/>
-            </a:endParaRPr>
-          </a:p>
-          <a:p>
-            <a:pPr algn="ctr">
-              <a:buNone/>
-            </a:pPr>
-            <a:r>
-              <a:rPr lang="zh-CN" altLang="en-US" sz="4800" b="1" dirty="0" smtClean="0">
-                <a:solidFill>
-                  <a:srgbClr val="000066"/>
-                </a:solidFill>
-                <a:effectLst>
-                  <a:outerShdw blurRad="50000" dist="30000" dir="5400000" algn="tl" rotWithShape="0">
-                    <a:srgbClr val="000000">
-                      <a:alpha val="30000"/>
-                    </a:srgbClr>
-                  </a:outerShdw>
-                </a:effectLst>
-                <a:latin typeface="微軟正黑體" pitchFamily="34" charset="-120"/>
-                <a:ea typeface="微軟正黑體" pitchFamily="34" charset="-120"/>
-              </a:rPr>
-              <a:t>如同我們免了人的債</a:t>
-            </a:r>
-            <a:endParaRPr lang="zh-TW" altLang="en-US" sz="4800" b="1" dirty="0" smtClean="0">
-              <a:solidFill>
-                <a:srgbClr val="000066"/>
-              </a:solidFill>
-              <a:effectLst>
-                <a:outerShdw blurRad="50000" dist="30000" dir="5400000" algn="tl" rotWithShape="0">
-                  <a:srgbClr val="000000">
-                    <a:alpha val="30000"/>
-                  </a:srgbClr>
-                </a:outerShdw>
-              </a:effectLst>
-              <a:latin typeface="微軟正黑體" pitchFamily="34" charset="-120"/>
-              <a:ea typeface="微軟正黑體" pitchFamily="34" charset="-120"/>
-            </a:endParaRPr>
-          </a:p>
-        </p:txBody>
-      </p:sp>
     </p:spTree>
+    <p:extLst>
+      <p:ext uri="{BB962C8B-B14F-4D97-AF65-F5344CB8AC3E}">
+        <p14:creationId xmlns:p14="http://schemas.microsoft.com/office/powerpoint/2010/main" val="3194629296"/>
+      </p:ext>
+    </p:extLst>
   </p:cSld>
   <p:clrMapOvr>
     <a:masterClrMapping/>
   </p:clrMapOvr>
-  <p:timing>
-    <p:tnLst>
-      <p:par>
-        <p:cTn id="1" dur="indefinite" restart="never" nodeType="tmRoot"/>
-      </p:par>
-    </p:tnLst>
-  </p:timing>
 </p:sld>
 </file>
 
@@ -12907,259 +12451,74 @@
       </p:grpSpPr>
       <p:sp>
         <p:nvSpPr>
-          <p:cNvPr id="2" name="標題 1"/>
+          <p:cNvPr id="5" name="內容版面配置區 4"/>
           <p:cNvSpPr>
             <a:spLocks noGrp="1"/>
           </p:cNvSpPr>
           <p:nvPr>
-            <p:ph type="title"/>
+            <p:ph idx="1"/>
           </p:nvPr>
         </p:nvSpPr>
         <p:spPr>
           <a:xfrm>
-            <a:off x="0" y="85712"/>
-            <a:ext cx="8991600" cy="628650"/>
+            <a:off x="0" y="1563638"/>
+            <a:ext cx="9144000" cy="1803647"/>
           </a:xfrm>
         </p:spPr>
         <p:txBody>
-          <a:bodyPr>
-            <a:noAutofit/>
+          <a:bodyPr anchor="ctr">
+            <a:normAutofit/>
           </a:bodyPr>
           <a:lstStyle/>
           <a:p>
-            <a:r>
-              <a:rPr lang="zh-CN" altLang="en-US" sz="4000" b="1" dirty="0" smtClean="0">
-                <a:solidFill>
-                  <a:srgbClr val="000066"/>
-                </a:solidFill>
-                <a:latin typeface="微軟正黑體" pitchFamily="34" charset="-120"/>
-                <a:ea typeface="微軟正黑體" pitchFamily="34" charset="-120"/>
-              </a:rPr>
-              <a:t>公禱文</a:t>
-            </a:r>
-            <a:endParaRPr lang="zh-TW" altLang="en-US" sz="4000" b="1" dirty="0">
+            <a:pPr marL="0" indent="0" algn="ctr">
+              <a:buNone/>
+            </a:pPr>
+            <a:r>
+              <a:rPr lang="zh-TW" altLang="en-US" sz="4800" b="1" dirty="0">
+                <a:solidFill>
+                  <a:srgbClr val="000066"/>
+                </a:solidFill>
+                <a:latin typeface="Microsoft JhengHei" panose="020B0604030504040204" pitchFamily="34" charset="-120"/>
+                <a:ea typeface="Microsoft JhengHei" panose="020B0604030504040204" pitchFamily="34" charset="-120"/>
+              </a:rPr>
+              <a:t>耶穌向我所存恩愛</a:t>
+            </a:r>
+          </a:p>
+          <a:p>
+            <a:pPr marL="0" indent="0" algn="ctr">
+              <a:buNone/>
+            </a:pPr>
+            <a:r>
+              <a:rPr lang="zh-TW" altLang="en-US" sz="4800" b="1" dirty="0">
+                <a:solidFill>
+                  <a:srgbClr val="000066"/>
+                </a:solidFill>
+                <a:latin typeface="Microsoft JhengHei" panose="020B0604030504040204" pitchFamily="34" charset="-120"/>
+                <a:ea typeface="Microsoft JhengHei" panose="020B0604030504040204" pitchFamily="34" charset="-120"/>
+              </a:rPr>
+              <a:t>口舌永說不盡</a:t>
+            </a:r>
+            <a:endParaRPr lang="zh-TW" altLang="en-US" sz="4800" b="1" dirty="0">
               <a:solidFill>
                 <a:srgbClr val="000066"/>
               </a:solidFill>
-              <a:latin typeface="微軟正黑體" pitchFamily="34" charset="-120"/>
-              <a:ea typeface="微軟正黑體" pitchFamily="34" charset="-120"/>
+              <a:latin typeface="Microsoft JhengHei" panose="020B0604030504040204" pitchFamily="34" charset="-120"/>
+              <a:ea typeface="Microsoft JhengHei" panose="020B0604030504040204" pitchFamily="34" charset="-120"/>
             </a:endParaRPr>
           </a:p>
         </p:txBody>
       </p:sp>
-      <p:sp>
-        <p:nvSpPr>
-          <p:cNvPr id="4" name="內容版面配置區 3"/>
-          <p:cNvSpPr>
-            <a:spLocks noGrp="1"/>
-          </p:cNvSpPr>
-          <p:nvPr>
-            <p:ph idx="1"/>
-          </p:nvPr>
-        </p:nvSpPr>
-        <p:spPr>
-          <a:xfrm>
-            <a:off x="0" y="1071552"/>
-            <a:ext cx="9144000" cy="4071966"/>
-          </a:xfrm>
-        </p:spPr>
-        <p:txBody>
-          <a:bodyPr>
-            <a:noAutofit/>
-          </a:bodyPr>
-          <a:lstStyle/>
-          <a:p>
-            <a:pPr algn="ctr">
-              <a:buNone/>
-            </a:pPr>
-            <a:r>
-              <a:rPr lang="zh-CN" altLang="en-US" sz="4800" b="1" dirty="0" smtClean="0">
-                <a:solidFill>
-                  <a:srgbClr val="000066"/>
-                </a:solidFill>
-                <a:effectLst>
-                  <a:outerShdw blurRad="50000" dist="30000" dir="5400000" algn="tl" rotWithShape="0">
-                    <a:srgbClr val="000000">
-                      <a:alpha val="30000"/>
-                    </a:srgbClr>
-                  </a:outerShdw>
-                </a:effectLst>
-                <a:latin typeface="微軟正黑體" pitchFamily="34" charset="-120"/>
-                <a:ea typeface="微軟正黑體" pitchFamily="34" charset="-120"/>
-              </a:rPr>
-              <a:t>不叫我們遇見試探</a:t>
-            </a:r>
-            <a:endParaRPr lang="en-US" altLang="zh-CN" sz="4800" b="1" dirty="0" smtClean="0">
-              <a:solidFill>
-                <a:srgbClr val="000066"/>
-              </a:solidFill>
-              <a:effectLst>
-                <a:outerShdw blurRad="50000" dist="30000" dir="5400000" algn="tl" rotWithShape="0">
-                  <a:srgbClr val="000000">
-                    <a:alpha val="30000"/>
-                  </a:srgbClr>
-                </a:outerShdw>
-              </a:effectLst>
-              <a:latin typeface="微軟正黑體" pitchFamily="34" charset="-120"/>
-              <a:ea typeface="微軟正黑體" pitchFamily="34" charset="-120"/>
-            </a:endParaRPr>
-          </a:p>
-          <a:p>
-            <a:pPr algn="ctr">
-              <a:buNone/>
-            </a:pPr>
-            <a:r>
-              <a:rPr lang="zh-CN" altLang="en-US" sz="4800" b="1" dirty="0" smtClean="0">
-                <a:solidFill>
-                  <a:srgbClr val="000066"/>
-                </a:solidFill>
-                <a:effectLst>
-                  <a:outerShdw blurRad="50000" dist="30000" dir="5400000" algn="tl" rotWithShape="0">
-                    <a:srgbClr val="000000">
-                      <a:alpha val="30000"/>
-                    </a:srgbClr>
-                  </a:outerShdw>
-                </a:effectLst>
-                <a:latin typeface="微軟正黑體" pitchFamily="34" charset="-120"/>
-                <a:ea typeface="微軟正黑體" pitchFamily="34" charset="-120"/>
-              </a:rPr>
-              <a:t>救我們脫離兇惡</a:t>
-            </a:r>
-            <a:endParaRPr lang="en-US" altLang="zh-CN" sz="4800" b="1" dirty="0" smtClean="0">
-              <a:solidFill>
-                <a:srgbClr val="000066"/>
-              </a:solidFill>
-              <a:effectLst>
-                <a:outerShdw blurRad="50000" dist="30000" dir="5400000" algn="tl" rotWithShape="0">
-                  <a:srgbClr val="000000">
-                    <a:alpha val="30000"/>
-                  </a:srgbClr>
-                </a:outerShdw>
-              </a:effectLst>
-              <a:latin typeface="微軟正黑體" pitchFamily="34" charset="-120"/>
-              <a:ea typeface="微軟正黑體" pitchFamily="34" charset="-120"/>
-            </a:endParaRPr>
-          </a:p>
-          <a:p>
-            <a:pPr algn="ctr">
-              <a:buNone/>
-            </a:pPr>
-            <a:r>
-              <a:rPr lang="zh-CN" altLang="en-US" sz="4800" b="1" dirty="0" smtClean="0">
-                <a:solidFill>
-                  <a:srgbClr val="000066"/>
-                </a:solidFill>
-                <a:effectLst>
-                  <a:outerShdw blurRad="50000" dist="30000" dir="5400000" algn="tl" rotWithShape="0">
-                    <a:srgbClr val="000000">
-                      <a:alpha val="30000"/>
-                    </a:srgbClr>
-                  </a:outerShdw>
-                </a:effectLst>
-                <a:latin typeface="微軟正黑體" pitchFamily="34" charset="-120"/>
-                <a:ea typeface="微軟正黑體" pitchFamily="34" charset="-120"/>
-              </a:rPr>
-              <a:t>因為國度 權柄 榮耀</a:t>
-            </a:r>
-            <a:endParaRPr lang="en-US" altLang="zh-CN" sz="4800" b="1" dirty="0" smtClean="0">
-              <a:solidFill>
-                <a:srgbClr val="000066"/>
-              </a:solidFill>
-              <a:effectLst>
-                <a:outerShdw blurRad="50000" dist="30000" dir="5400000" algn="tl" rotWithShape="0">
-                  <a:srgbClr val="000000">
-                    <a:alpha val="30000"/>
-                  </a:srgbClr>
-                </a:outerShdw>
-              </a:effectLst>
-              <a:latin typeface="微軟正黑體" pitchFamily="34" charset="-120"/>
-              <a:ea typeface="微軟正黑體" pitchFamily="34" charset="-120"/>
-            </a:endParaRPr>
-          </a:p>
-          <a:p>
-            <a:pPr algn="ctr">
-              <a:buNone/>
-            </a:pPr>
-            <a:r>
-              <a:rPr lang="zh-CN" altLang="en-US" sz="4800" b="1" dirty="0" smtClean="0">
-                <a:solidFill>
-                  <a:srgbClr val="000066"/>
-                </a:solidFill>
-                <a:effectLst>
-                  <a:outerShdw blurRad="50000" dist="30000" dir="5400000" algn="tl" rotWithShape="0">
-                    <a:srgbClr val="000000">
-                      <a:alpha val="30000"/>
-                    </a:srgbClr>
-                  </a:outerShdw>
-                </a:effectLst>
-                <a:latin typeface="微軟正黑體" pitchFamily="34" charset="-120"/>
-                <a:ea typeface="微軟正黑體" pitchFamily="34" charset="-120"/>
-              </a:rPr>
-              <a:t>全是父的 直到永遠</a:t>
-            </a:r>
-            <a:r>
-              <a:rPr lang="en-US" altLang="zh-CN" sz="4800" b="1" dirty="0" smtClean="0">
-                <a:solidFill>
-                  <a:srgbClr val="000066"/>
-                </a:solidFill>
-                <a:effectLst>
-                  <a:outerShdw blurRad="50000" dist="30000" dir="5400000" algn="tl" rotWithShape="0">
-                    <a:srgbClr val="000000">
-                      <a:alpha val="30000"/>
-                    </a:srgbClr>
-                  </a:outerShdw>
-                </a:effectLst>
-                <a:latin typeface="微軟正黑體" pitchFamily="34" charset="-120"/>
-                <a:ea typeface="微軟正黑體" pitchFamily="34" charset="-120"/>
-              </a:rPr>
-              <a:t>  </a:t>
-            </a:r>
-            <a:r>
-              <a:rPr lang="zh-CN" altLang="en-US" sz="4800" b="1" dirty="0" smtClean="0">
-                <a:solidFill>
-                  <a:srgbClr val="000066"/>
-                </a:solidFill>
-                <a:effectLst>
-                  <a:outerShdw blurRad="50000" dist="30000" dir="5400000" algn="tl" rotWithShape="0">
-                    <a:srgbClr val="000000">
-                      <a:alpha val="30000"/>
-                    </a:srgbClr>
-                  </a:outerShdw>
-                </a:effectLst>
-                <a:latin typeface="微軟正黑體" pitchFamily="34" charset="-120"/>
-                <a:ea typeface="微軟正黑體" pitchFamily="34" charset="-120"/>
-              </a:rPr>
-              <a:t>阿門</a:t>
-            </a:r>
-            <a:endParaRPr lang="zh-TW" altLang="en-US" sz="4800" b="1" dirty="0" smtClean="0">
-              <a:solidFill>
-                <a:srgbClr val="000066"/>
-              </a:solidFill>
-              <a:effectLst>
-                <a:outerShdw blurRad="50000" dist="30000" dir="5400000" algn="tl" rotWithShape="0">
-                  <a:srgbClr val="000000">
-                    <a:alpha val="30000"/>
-                  </a:srgbClr>
-                </a:outerShdw>
-              </a:effectLst>
-              <a:latin typeface="微軟正黑體" pitchFamily="34" charset="-120"/>
-              <a:ea typeface="微軟正黑體" pitchFamily="34" charset="-120"/>
-            </a:endParaRPr>
-          </a:p>
-        </p:txBody>
-      </p:sp>
     </p:spTree>
+    <p:extLst>
+      <p:ext uri="{BB962C8B-B14F-4D97-AF65-F5344CB8AC3E}">
+        <p14:creationId xmlns:p14="http://schemas.microsoft.com/office/powerpoint/2010/main" val="4021168486"/>
+      </p:ext>
+    </p:extLst>
   </p:cSld>
   <p:clrMapOvr>
     <a:masterClrMapping/>
   </p:clrMapOvr>
-  <p:timing>
-    <p:tnLst>
-      <p:par>
-        <p:cTn id="1" dur="indefinite" restart="never" nodeType="tmRoot"/>
-      </p:par>
-    </p:tnLst>
-  </p:timing>
 </p:sld>
 </file>
 
@@ -13182,167 +12541,120 @@
       </p:grpSpPr>
       <p:sp>
         <p:nvSpPr>
-          <p:cNvPr id="2" name="標題 1"/>
+          <p:cNvPr id="5" name="內容版面配置區 4"/>
           <p:cNvSpPr>
             <a:spLocks noGrp="1"/>
           </p:cNvSpPr>
           <p:nvPr>
-            <p:ph type="title" idx="4294967295"/>
+            <p:ph idx="1"/>
           </p:nvPr>
         </p:nvSpPr>
         <p:spPr>
           <a:xfrm>
-            <a:off x="0" y="1635646"/>
-            <a:ext cx="9144000" cy="628650"/>
+            <a:off x="0" y="1563638"/>
+            <a:ext cx="9144000" cy="1803647"/>
           </a:xfrm>
         </p:spPr>
         <p:txBody>
-          <a:bodyPr>
-            <a:noAutofit/>
+          <a:bodyPr anchor="ctr">
+            <a:normAutofit/>
           </a:bodyPr>
           <a:lstStyle/>
           <a:p>
-            <a:pPr algn="ctr"/>
-            <a:r>
-              <a:rPr lang="zh-CN" altLang="en-US" sz="5400" b="1" dirty="0" smtClean="0">
-                <a:solidFill>
-                  <a:srgbClr val="000066"/>
-                </a:solidFill>
-                <a:effectLst>
-                  <a:outerShdw blurRad="38100" dist="38100" dir="2700000" algn="tl">
-                    <a:srgbClr val="000000">
-                      <a:alpha val="43137"/>
-                    </a:srgbClr>
-                  </a:outerShdw>
-                </a:effectLst>
-                <a:latin typeface="微軟正黑體" pitchFamily="34" charset="-120"/>
-                <a:ea typeface="微軟正黑體" pitchFamily="34" charset="-120"/>
-              </a:rPr>
-              <a:t>祝福</a:t>
-            </a:r>
-            <a:endParaRPr lang="zh-TW" altLang="en-US" sz="5400" b="1" dirty="0">
+            <a:pPr marL="0" indent="0" algn="ctr">
+              <a:buNone/>
+            </a:pPr>
+            <a:r>
+              <a:rPr lang="zh-TW" altLang="en-US" sz="4800" b="1" dirty="0">
+                <a:solidFill>
+                  <a:srgbClr val="000066"/>
+                </a:solidFill>
+                <a:latin typeface="Microsoft JhengHei" panose="020B0604030504040204" pitchFamily="34" charset="-120"/>
+                <a:ea typeface="Microsoft JhengHei" panose="020B0604030504040204" pitchFamily="34" charset="-120"/>
+              </a:rPr>
+              <a:t>我主受難沫吐滿臉</a:t>
+            </a:r>
+          </a:p>
+          <a:p>
+            <a:pPr marL="0" indent="0" algn="ctr">
+              <a:buNone/>
+            </a:pPr>
+            <a:r>
+              <a:rPr lang="zh-TW" altLang="en-US" sz="4800" b="1" dirty="0">
+                <a:solidFill>
+                  <a:srgbClr val="000066"/>
+                </a:solidFill>
+                <a:latin typeface="Microsoft JhengHei" panose="020B0604030504040204" pitchFamily="34" charset="-120"/>
+                <a:ea typeface="Microsoft JhengHei" panose="020B0604030504040204" pitchFamily="34" charset="-120"/>
+              </a:rPr>
+              <a:t>被人凌辱戴荊棘冕</a:t>
+            </a:r>
+            <a:endParaRPr lang="zh-TW" altLang="en-US" sz="4800" b="1" dirty="0">
               <a:solidFill>
                 <a:srgbClr val="000066"/>
               </a:solidFill>
-              <a:effectLst>
-                <a:outerShdw blurRad="38100" dist="38100" dir="2700000" algn="tl">
-                  <a:srgbClr val="000000">
-                    <a:alpha val="43137"/>
-                  </a:srgbClr>
-                </a:outerShdw>
-              </a:effectLst>
-              <a:latin typeface="微軟正黑體" pitchFamily="34" charset="-120"/>
-              <a:ea typeface="微軟正黑體" pitchFamily="34" charset="-120"/>
+              <a:latin typeface="Microsoft JhengHei" panose="020B0604030504040204" pitchFamily="34" charset="-120"/>
+              <a:ea typeface="Microsoft JhengHei" panose="020B0604030504040204" pitchFamily="34" charset="-120"/>
             </a:endParaRPr>
           </a:p>
         </p:txBody>
       </p:sp>
       <p:sp>
         <p:nvSpPr>
-          <p:cNvPr id="3" name="矩形 2"/>
-          <p:cNvSpPr/>
+          <p:cNvPr id="3" name="TextBox 2"/>
+          <p:cNvSpPr txBox="1"/>
           <p:nvPr/>
         </p:nvSpPr>
         <p:spPr>
           <a:xfrm>
-            <a:off x="0" y="2499742"/>
-            <a:ext cx="9144000" cy="830997"/>
+            <a:off x="827584" y="1661525"/>
+            <a:ext cx="936104" cy="830997"/>
           </a:xfrm>
           <a:prstGeom prst="rect">
             <a:avLst/>
           </a:prstGeom>
+          <a:noFill/>
         </p:spPr>
         <p:txBody>
-          <a:bodyPr wrap="square">
+          <a:bodyPr wrap="square" rtlCol="0">
             <a:spAutoFit/>
           </a:bodyPr>
           <a:lstStyle/>
           <a:p>
-            <a:pPr algn="ctr"/>
-            <a:r>
-              <a:rPr lang="en-US" altLang="zh-CN" sz="4800" b="1" dirty="0" smtClean="0">
-                <a:solidFill>
-                  <a:srgbClr val="660033"/>
-                </a:solidFill>
-                <a:effectLst>
-                  <a:outerShdw blurRad="38100" dist="38100" dir="2700000" algn="tl">
-                    <a:srgbClr val="000000">
-                      <a:alpha val="43137"/>
-                    </a:srgbClr>
-                  </a:outerShdw>
-                </a:effectLst>
-                <a:latin typeface="微軟正黑體" pitchFamily="34" charset="-120"/>
-                <a:ea typeface="微軟正黑體" pitchFamily="34" charset="-120"/>
-                <a:cs typeface="+mj-cs"/>
-              </a:rPr>
-              <a:t>(</a:t>
-            </a:r>
-            <a:r>
-              <a:rPr lang="zh-CN" altLang="en-US" sz="4800" b="1" dirty="0" smtClean="0">
-                <a:solidFill>
-                  <a:srgbClr val="660033"/>
-                </a:solidFill>
-                <a:effectLst>
-                  <a:outerShdw blurRad="38100" dist="38100" dir="2700000" algn="tl">
-                    <a:srgbClr val="000000">
-                      <a:alpha val="43137"/>
-                    </a:srgbClr>
-                  </a:outerShdw>
-                </a:effectLst>
-                <a:latin typeface="微軟正黑體" pitchFamily="34" charset="-120"/>
-                <a:ea typeface="微軟正黑體" pitchFamily="34" charset="-120"/>
-                <a:cs typeface="+mj-cs"/>
-              </a:rPr>
-              <a:t>主禮牧師</a:t>
-            </a:r>
-            <a:r>
-              <a:rPr lang="en-US" altLang="zh-CN" sz="4800" b="1" dirty="0" smtClean="0">
-                <a:solidFill>
-                  <a:srgbClr val="660033"/>
-                </a:solidFill>
-                <a:effectLst>
-                  <a:outerShdw blurRad="38100" dist="38100" dir="2700000" algn="tl">
-                    <a:srgbClr val="000000">
-                      <a:alpha val="43137"/>
-                    </a:srgbClr>
-                  </a:outerShdw>
-                </a:effectLst>
-                <a:latin typeface="微軟正黑體" pitchFamily="34" charset="-120"/>
-                <a:ea typeface="微軟正黑體" pitchFamily="34" charset="-120"/>
-                <a:cs typeface="+mj-cs"/>
-              </a:rPr>
-              <a:t>)</a:t>
-            </a:r>
-            <a:endParaRPr lang="zh-TW" altLang="en-US" sz="4800" b="1" dirty="0" smtClean="0">
+            <a:r>
+              <a:rPr lang="en-US" sz="4800" b="1" dirty="0">
+                <a:solidFill>
+                  <a:srgbClr val="000066"/>
+                </a:solidFill>
+              </a:rPr>
+              <a:t>2</a:t>
+            </a:r>
+            <a:r>
+              <a:rPr lang="en-US" sz="4800" b="1" dirty="0" smtClean="0">
+                <a:solidFill>
+                  <a:srgbClr val="000066"/>
+                </a:solidFill>
+              </a:rPr>
+              <a:t>.</a:t>
+            </a:r>
+            <a:endParaRPr lang="vi-VN" sz="4800" b="1" dirty="0">
               <a:solidFill>
-                <a:srgbClr val="660033"/>
+                <a:srgbClr val="000066"/>
               </a:solidFill>
-              <a:effectLst>
-                <a:outerShdw blurRad="38100" dist="38100" dir="2700000" algn="tl">
-                  <a:srgbClr val="000000">
-                    <a:alpha val="43137"/>
-                  </a:srgbClr>
-                </a:outerShdw>
-              </a:effectLst>
-              <a:latin typeface="微軟正黑體" pitchFamily="34" charset="-120"/>
-              <a:ea typeface="微軟正黑體" pitchFamily="34" charset="-120"/>
-              <a:cs typeface="+mj-cs"/>
             </a:endParaRPr>
           </a:p>
         </p:txBody>
       </p:sp>
     </p:spTree>
+    <p:extLst>
+      <p:ext uri="{BB962C8B-B14F-4D97-AF65-F5344CB8AC3E}">
+        <p14:creationId xmlns:p14="http://schemas.microsoft.com/office/powerpoint/2010/main" val="1189484291"/>
+      </p:ext>
+    </p:extLst>
   </p:cSld>
   <p:clrMapOvr>
     <a:masterClrMapping/>
   </p:clrMapOvr>
-  <p:timing>
-    <p:tnLst>
-      <p:par>
-        <p:cTn id="1" dur="indefinite" restart="never" nodeType="tmRoot"/>
-      </p:par>
-    </p:tnLst>
-  </p:timing>
 </p:sld>
 </file>
 
@@ -13365,157 +12677,120 @@
       </p:grpSpPr>
       <p:sp>
         <p:nvSpPr>
-          <p:cNvPr id="2" name="矩形 1"/>
-          <p:cNvSpPr/>
-          <p:nvPr/>
+          <p:cNvPr id="5" name="內容版面配置區 4"/>
+          <p:cNvSpPr>
+            <a:spLocks noGrp="1"/>
+          </p:cNvSpPr>
+          <p:nvPr>
+            <p:ph idx="1"/>
+          </p:nvPr>
         </p:nvSpPr>
         <p:spPr>
           <a:xfrm>
-            <a:off x="0" y="1570336"/>
-            <a:ext cx="9144000" cy="923330"/>
+            <a:off x="0" y="1563638"/>
+            <a:ext cx="9144000" cy="1803647"/>
+          </a:xfrm>
+        </p:spPr>
+        <p:txBody>
+          <a:bodyPr anchor="ctr">
+            <a:normAutofit/>
+          </a:bodyPr>
+          <a:lstStyle/>
+          <a:p>
+            <a:pPr marL="0" indent="0" algn="ctr">
+              <a:buNone/>
+            </a:pPr>
+            <a:r>
+              <a:rPr lang="zh-TW" altLang="en-US" sz="4800" b="1" dirty="0">
+                <a:solidFill>
+                  <a:srgbClr val="000066"/>
+                </a:solidFill>
+                <a:latin typeface="Microsoft JhengHei" panose="020B0604030504040204" pitchFamily="34" charset="-120"/>
+                <a:ea typeface="Microsoft JhengHei" panose="020B0604030504040204" pitchFamily="34" charset="-120"/>
+              </a:rPr>
+              <a:t>使我得蒙救贖恩典</a:t>
+            </a:r>
+          </a:p>
+          <a:p>
+            <a:pPr marL="0" indent="0" algn="ctr">
+              <a:buNone/>
+            </a:pPr>
+            <a:r>
+              <a:rPr lang="zh-TW" altLang="en-US" sz="4800" b="1" dirty="0">
+                <a:solidFill>
+                  <a:srgbClr val="000066"/>
+                </a:solidFill>
+                <a:latin typeface="Microsoft JhengHei" panose="020B0604030504040204" pitchFamily="34" charset="-120"/>
+                <a:ea typeface="Microsoft JhengHei" panose="020B0604030504040204" pitchFamily="34" charset="-120"/>
+              </a:rPr>
+              <a:t>主恩愛說不盡</a:t>
+            </a:r>
+            <a:endParaRPr lang="zh-TW" altLang="en-US" sz="4800" b="1" dirty="0">
+              <a:solidFill>
+                <a:srgbClr val="000066"/>
+              </a:solidFill>
+              <a:latin typeface="Microsoft JhengHei" panose="020B0604030504040204" pitchFamily="34" charset="-120"/>
+              <a:ea typeface="Microsoft JhengHei" panose="020B0604030504040204" pitchFamily="34" charset="-120"/>
+            </a:endParaRPr>
+          </a:p>
+        </p:txBody>
+      </p:sp>
+      <p:sp>
+        <p:nvSpPr>
+          <p:cNvPr id="3" name="TextBox 2"/>
+          <p:cNvSpPr txBox="1"/>
+          <p:nvPr/>
+        </p:nvSpPr>
+        <p:spPr>
+          <a:xfrm>
+            <a:off x="827584" y="1661525"/>
+            <a:ext cx="936104" cy="830997"/>
           </a:xfrm>
           <a:prstGeom prst="rect">
             <a:avLst/>
           </a:prstGeom>
+          <a:noFill/>
         </p:spPr>
         <p:txBody>
-          <a:bodyPr wrap="square">
+          <a:bodyPr wrap="square" rtlCol="0">
             <a:spAutoFit/>
           </a:bodyPr>
           <a:lstStyle/>
           <a:p>
-            <a:pPr algn="ctr"/>
-            <a:r>
-              <a:rPr lang="zh-CN" altLang="en-US" sz="5400" b="1" dirty="0" smtClean="0">
-                <a:solidFill>
-                  <a:srgbClr val="000066"/>
-                </a:solidFill>
-                <a:effectLst>
-                  <a:outerShdw blurRad="50000" dist="30000" dir="5400000" algn="tl" rotWithShape="0">
-                    <a:srgbClr val="000000">
-                      <a:alpha val="30000"/>
-                    </a:srgbClr>
-                  </a:outerShdw>
-                </a:effectLst>
-                <a:latin typeface="微軟正黑體" pitchFamily="34" charset="-120"/>
-                <a:ea typeface="微軟正黑體" pitchFamily="34" charset="-120"/>
-                <a:cs typeface="+mj-cs"/>
-              </a:rPr>
-              <a:t>聚會祝福歌</a:t>
-            </a:r>
-            <a:endParaRPr lang="zh-TW" altLang="en-US" sz="5400" b="1" dirty="0" smtClean="0">
+            <a:r>
+              <a:rPr lang="en-US" sz="4800" b="1" dirty="0">
+                <a:solidFill>
+                  <a:srgbClr val="000066"/>
+                </a:solidFill>
+              </a:rPr>
+              <a:t>2</a:t>
+            </a:r>
+            <a:r>
+              <a:rPr lang="en-US" sz="4800" b="1" dirty="0" smtClean="0">
+                <a:solidFill>
+                  <a:srgbClr val="000066"/>
+                </a:solidFill>
+              </a:rPr>
+              <a:t>.</a:t>
+            </a:r>
+            <a:endParaRPr lang="vi-VN" sz="4800" b="1" dirty="0">
               <a:solidFill>
                 <a:srgbClr val="000066"/>
               </a:solidFill>
-              <a:effectLst>
-                <a:outerShdw blurRad="50000" dist="30000" dir="5400000" algn="tl" rotWithShape="0">
-                  <a:srgbClr val="000000">
-                    <a:alpha val="30000"/>
-                  </a:srgbClr>
-                </a:outerShdw>
-              </a:effectLst>
-              <a:latin typeface="微軟正黑體" pitchFamily="34" charset="-120"/>
-              <a:ea typeface="微軟正黑體" pitchFamily="34" charset="-120"/>
-              <a:cs typeface="+mj-cs"/>
             </a:endParaRPr>
           </a:p>
         </p:txBody>
       </p:sp>
-      <p:sp>
-        <p:nvSpPr>
-          <p:cNvPr id="3" name="標題 1"/>
-          <p:cNvSpPr txBox="1"/>
-          <p:nvPr/>
-        </p:nvSpPr>
-        <p:spPr>
-          <a:xfrm>
-            <a:off x="0" y="2435611"/>
-            <a:ext cx="9144000" cy="964405"/>
-          </a:xfrm>
-          <a:prstGeom prst="rect">
-            <a:avLst/>
-          </a:prstGeom>
-        </p:spPr>
-        <p:txBody>
-          <a:bodyPr anchor="ctr">
-            <a:noAutofit/>
-          </a:bodyPr>
-          <a:lstStyle/>
-          <a:p>
-            <a:pPr marL="0" marR="0" lvl="0" indent="0" algn="ctr" defTabSz="914400" rtl="0" eaLnBrk="1" fontAlgn="auto" latinLnBrk="0" hangingPunct="1">
-              <a:lnSpc>
-                <a:spcPct val="100000"/>
-              </a:lnSpc>
-              <a:spcBef>
-                <a:spcPct val="0"/>
-              </a:spcBef>
-              <a:spcAft>
-                <a:spcPts val="0"/>
-              </a:spcAft>
-              <a:buClrTx/>
-              <a:buSzTx/>
-              <a:buFontTx/>
-              <a:buNone/>
-              <a:defRPr/>
-            </a:pPr>
-            <a:r>
-              <a:rPr kumimoji="0" lang="zh-CN" altLang="en-US" sz="4800" b="1" i="0" u="none" strike="noStrike" kern="1200" cap="none" spc="0" normalizeH="0" baseline="0" noProof="0" dirty="0" smtClean="0">
-                <a:ln>
-                  <a:noFill/>
-                </a:ln>
-                <a:solidFill>
-                  <a:srgbClr val="660033"/>
-                </a:solidFill>
-                <a:effectLst>
-                  <a:outerShdw blurRad="50000" dist="30000" dir="5400000" algn="tl" rotWithShape="0">
-                    <a:srgbClr val="000000">
-                      <a:alpha val="30000"/>
-                    </a:srgbClr>
-                  </a:outerShdw>
-                </a:effectLst>
-                <a:uLnTx/>
-                <a:uFillTx/>
-                <a:latin typeface="微軟正黑體" pitchFamily="34" charset="-120"/>
-                <a:ea typeface="微軟正黑體" pitchFamily="34" charset="-120"/>
-                <a:cs typeface="+mj-cs"/>
-              </a:rPr>
-              <a:t>本堂牧師領詩班退堂</a:t>
-            </a:r>
-            <a:endParaRPr kumimoji="0" lang="zh-TW" altLang="en-US" sz="4800" b="1" i="0" u="none" strike="noStrike" kern="1200" cap="none" spc="0" normalizeH="0" baseline="0" noProof="0" dirty="0">
-              <a:ln>
-                <a:noFill/>
-              </a:ln>
-              <a:solidFill>
-                <a:srgbClr val="660033"/>
-              </a:solidFill>
-              <a:effectLst>
-                <a:outerShdw blurRad="50000" dist="30000" dir="5400000" algn="tl" rotWithShape="0">
-                  <a:srgbClr val="000000">
-                    <a:alpha val="30000"/>
-                  </a:srgbClr>
-                </a:outerShdw>
-              </a:effectLst>
-              <a:uLnTx/>
-              <a:uFillTx/>
-              <a:latin typeface="微軟正黑體" pitchFamily="34" charset="-120"/>
-              <a:ea typeface="微軟正黑體" pitchFamily="34" charset="-120"/>
-              <a:cs typeface="+mj-cs"/>
-            </a:endParaRPr>
-          </a:p>
-        </p:txBody>
-      </p:sp>
     </p:spTree>
+    <p:extLst>
+      <p:ext uri="{BB962C8B-B14F-4D97-AF65-F5344CB8AC3E}">
+        <p14:creationId xmlns:p14="http://schemas.microsoft.com/office/powerpoint/2010/main" val="1372881687"/>
+      </p:ext>
+    </p:extLst>
   </p:cSld>
   <p:clrMapOvr>
     <a:masterClrMapping/>
   </p:clrMapOvr>
-  <p:timing>
-    <p:tnLst>
-      <p:par>
-        <p:cTn id="1" dur="indefinite" restart="never" nodeType="tmRoot"/>
-      </p:par>
-    </p:tnLst>
-  </p:timing>
 </p:sld>
 </file>
 
@@ -13538,175 +12813,74 @@
       </p:grpSpPr>
       <p:sp>
         <p:nvSpPr>
-          <p:cNvPr id="2" name="標題 1"/>
+          <p:cNvPr id="5" name="內容版面配置區 4"/>
           <p:cNvSpPr>
             <a:spLocks noGrp="1"/>
           </p:cNvSpPr>
           <p:nvPr>
-            <p:ph type="title"/>
+            <p:ph idx="1"/>
           </p:nvPr>
         </p:nvSpPr>
         <p:spPr>
           <a:xfrm>
-            <a:off x="0" y="282167"/>
-            <a:ext cx="8991600" cy="628650"/>
+            <a:off x="0" y="1563638"/>
+            <a:ext cx="9144000" cy="1803647"/>
           </a:xfrm>
         </p:spPr>
         <p:txBody>
-          <a:bodyPr>
-            <a:noAutofit/>
+          <a:bodyPr anchor="ctr">
+            <a:normAutofit/>
           </a:bodyPr>
           <a:lstStyle/>
           <a:p>
-            <a:r>
-              <a:rPr lang="zh-CN" altLang="en-US" b="1" dirty="0" smtClean="0">
-                <a:solidFill>
-                  <a:srgbClr val="660033"/>
-                </a:solidFill>
-                <a:latin typeface="微軟正黑體" pitchFamily="34" charset="-120"/>
-                <a:ea typeface="微軟正黑體" pitchFamily="34" charset="-120"/>
-              </a:rPr>
-              <a:t>主的愛</a:t>
-            </a:r>
-            <a:endParaRPr lang="zh-TW" altLang="en-US" b="1" dirty="0">
+            <a:pPr marL="0" indent="0" algn="ctr">
+              <a:buNone/>
+            </a:pPr>
+            <a:r>
+              <a:rPr lang="zh-TW" altLang="en-US" sz="4800" b="1" dirty="0">
+                <a:solidFill>
+                  <a:srgbClr val="000066"/>
+                </a:solidFill>
+                <a:latin typeface="Microsoft JhengHei" panose="020B0604030504040204" pitchFamily="34" charset="-120"/>
+                <a:ea typeface="Microsoft JhengHei" panose="020B0604030504040204" pitchFamily="34" charset="-120"/>
+              </a:rPr>
+              <a:t>主愛口舌真說不盡</a:t>
+            </a:r>
+          </a:p>
+          <a:p>
+            <a:pPr marL="0" indent="0" algn="ctr">
+              <a:buNone/>
+            </a:pPr>
+            <a:r>
+              <a:rPr lang="zh-TW" altLang="en-US" sz="4800" b="1" dirty="0">
+                <a:solidFill>
+                  <a:srgbClr val="000066"/>
+                </a:solidFill>
+                <a:latin typeface="Microsoft JhengHei" panose="020B0604030504040204" pitchFamily="34" charset="-120"/>
+                <a:ea typeface="Microsoft JhengHei" panose="020B0604030504040204" pitchFamily="34" charset="-120"/>
+              </a:rPr>
+              <a:t>主愛口舌真說不盡</a:t>
+            </a:r>
+            <a:endParaRPr lang="zh-TW" altLang="en-US" sz="4800" b="1" dirty="0">
               <a:solidFill>
-                <a:srgbClr val="660033"/>
+                <a:srgbClr val="000066"/>
               </a:solidFill>
-              <a:latin typeface="微軟正黑體" pitchFamily="34" charset="-120"/>
-              <a:ea typeface="微軟正黑體" pitchFamily="34" charset="-120"/>
+              <a:latin typeface="Microsoft JhengHei" panose="020B0604030504040204" pitchFamily="34" charset="-120"/>
+              <a:ea typeface="Microsoft JhengHei" panose="020B0604030504040204" pitchFamily="34" charset="-120"/>
             </a:endParaRPr>
           </a:p>
         </p:txBody>
       </p:sp>
-      <p:sp>
-        <p:nvSpPr>
-          <p:cNvPr id="4" name="內容版面配置區 3"/>
-          <p:cNvSpPr>
-            <a:spLocks noGrp="1"/>
-          </p:cNvSpPr>
-          <p:nvPr>
-            <p:ph idx="1"/>
-          </p:nvPr>
-        </p:nvSpPr>
-        <p:spPr>
-          <a:xfrm>
-            <a:off x="0" y="1085850"/>
-            <a:ext cx="9144000" cy="3600450"/>
-          </a:xfrm>
-        </p:spPr>
-        <p:txBody>
-          <a:bodyPr>
-            <a:noAutofit/>
-          </a:bodyPr>
-          <a:lstStyle/>
-          <a:p>
-            <a:pPr algn="ctr">
-              <a:buNone/>
-            </a:pPr>
-            <a:r>
-              <a:rPr lang="zh-TW" altLang="en-US" sz="5400" b="1" dirty="0" smtClean="0">
-                <a:solidFill>
-                  <a:srgbClr val="660033"/>
-                </a:solidFill>
-                <a:effectLst>
-                  <a:outerShdw blurRad="50000" dist="30000" dir="5400000" algn="tl" rotWithShape="0">
-                    <a:srgbClr val="000000">
-                      <a:alpha val="30000"/>
-                    </a:srgbClr>
-                  </a:outerShdw>
-                </a:effectLst>
-                <a:latin typeface="微軟正黑體" pitchFamily="34" charset="-120"/>
-                <a:ea typeface="微軟正黑體" pitchFamily="34" charset="-120"/>
-              </a:rPr>
-              <a:t>願主的愛與你同在</a:t>
-            </a:r>
-            <a:endParaRPr lang="en-US" altLang="zh-TW" sz="5400" b="1" dirty="0" smtClean="0">
-              <a:solidFill>
-                <a:srgbClr val="660033"/>
-              </a:solidFill>
-              <a:effectLst>
-                <a:outerShdw blurRad="50000" dist="30000" dir="5400000" algn="tl" rotWithShape="0">
-                  <a:srgbClr val="000000">
-                    <a:alpha val="30000"/>
-                  </a:srgbClr>
-                </a:outerShdw>
-              </a:effectLst>
-              <a:latin typeface="微軟正黑體" pitchFamily="34" charset="-120"/>
-              <a:ea typeface="微軟正黑體" pitchFamily="34" charset="-120"/>
-            </a:endParaRPr>
-          </a:p>
-          <a:p>
-            <a:pPr algn="ctr">
-              <a:buNone/>
-            </a:pPr>
-            <a:r>
-              <a:rPr lang="zh-TW" altLang="en-US" sz="5400" b="1" dirty="0" smtClean="0">
-                <a:solidFill>
-                  <a:srgbClr val="660033"/>
-                </a:solidFill>
-                <a:effectLst>
-                  <a:outerShdw blurRad="50000" dist="30000" dir="5400000" algn="tl" rotWithShape="0">
-                    <a:srgbClr val="000000">
-                      <a:alpha val="30000"/>
-                    </a:srgbClr>
-                  </a:outerShdw>
-                </a:effectLst>
-                <a:latin typeface="微軟正黑體" pitchFamily="34" charset="-120"/>
-                <a:ea typeface="微軟正黑體" pitchFamily="34" charset="-120"/>
-              </a:rPr>
-              <a:t>無論你在何方</a:t>
-            </a:r>
-            <a:endParaRPr lang="en-US" altLang="zh-TW" sz="5400" b="1" dirty="0" smtClean="0">
-              <a:solidFill>
-                <a:srgbClr val="660033"/>
-              </a:solidFill>
-              <a:effectLst>
-                <a:outerShdw blurRad="50000" dist="30000" dir="5400000" algn="tl" rotWithShape="0">
-                  <a:srgbClr val="000000">
-                    <a:alpha val="30000"/>
-                  </a:srgbClr>
-                </a:outerShdw>
-              </a:effectLst>
-              <a:latin typeface="微軟正黑體" pitchFamily="34" charset="-120"/>
-              <a:ea typeface="微軟正黑體" pitchFamily="34" charset="-120"/>
-            </a:endParaRPr>
-          </a:p>
-          <a:p>
-            <a:pPr algn="ctr">
-              <a:buNone/>
-            </a:pPr>
-            <a:r>
-              <a:rPr lang="zh-TW" altLang="en-US" sz="5400" b="1" dirty="0" smtClean="0">
-                <a:solidFill>
-                  <a:srgbClr val="660033"/>
-                </a:solidFill>
-                <a:effectLst>
-                  <a:outerShdw blurRad="50000" dist="30000" dir="5400000" algn="tl" rotWithShape="0">
-                    <a:srgbClr val="000000">
-                      <a:alpha val="30000"/>
-                    </a:srgbClr>
-                  </a:outerShdw>
-                </a:effectLst>
-                <a:latin typeface="微軟正黑體" pitchFamily="34" charset="-120"/>
-                <a:ea typeface="微軟正黑體" pitchFamily="34" charset="-120"/>
-              </a:rPr>
-              <a:t>願祂祝福你心靈安康</a:t>
-            </a:r>
-          </a:p>
-        </p:txBody>
-      </p:sp>
     </p:spTree>
+    <p:extLst>
+      <p:ext uri="{BB962C8B-B14F-4D97-AF65-F5344CB8AC3E}">
+        <p14:creationId xmlns:p14="http://schemas.microsoft.com/office/powerpoint/2010/main" val="2476959865"/>
+      </p:ext>
+    </p:extLst>
   </p:cSld>
   <p:clrMapOvr>
     <a:masterClrMapping/>
   </p:clrMapOvr>
-  <p:timing>
-    <p:tnLst>
-      <p:par>
-        <p:cTn id="1" dur="indefinite" restart="never" nodeType="tmRoot"/>
-      </p:par>
-    </p:tnLst>
-  </p:timing>
 </p:sld>
 </file>
 
@@ -13729,175 +12903,74 @@
       </p:grpSpPr>
       <p:sp>
         <p:nvSpPr>
-          <p:cNvPr id="2" name="標題 1"/>
+          <p:cNvPr id="5" name="內容版面配置區 4"/>
           <p:cNvSpPr>
             <a:spLocks noGrp="1"/>
           </p:cNvSpPr>
           <p:nvPr>
-            <p:ph type="title"/>
+            <p:ph idx="1"/>
           </p:nvPr>
         </p:nvSpPr>
         <p:spPr>
           <a:xfrm>
-            <a:off x="0" y="282167"/>
-            <a:ext cx="8991600" cy="628650"/>
+            <a:off x="0" y="1563638"/>
+            <a:ext cx="9144000" cy="1803647"/>
           </a:xfrm>
         </p:spPr>
         <p:txBody>
-          <a:bodyPr>
-            <a:noAutofit/>
+          <a:bodyPr anchor="ctr">
+            <a:normAutofit/>
           </a:bodyPr>
           <a:lstStyle/>
           <a:p>
-            <a:r>
-              <a:rPr lang="zh-CN" altLang="en-US" b="1" dirty="0" smtClean="0">
-                <a:solidFill>
-                  <a:srgbClr val="660033"/>
-                </a:solidFill>
-                <a:latin typeface="微軟正黑體" pitchFamily="34" charset="-120"/>
-                <a:ea typeface="微軟正黑體" pitchFamily="34" charset="-120"/>
-              </a:rPr>
-              <a:t>主的愛</a:t>
-            </a:r>
-            <a:endParaRPr lang="zh-TW" altLang="en-US" b="1" dirty="0">
+            <a:pPr marL="0" indent="0" algn="ctr">
+              <a:buNone/>
+            </a:pPr>
+            <a:r>
+              <a:rPr lang="zh-TW" altLang="en-US" sz="4800" b="1" dirty="0">
+                <a:solidFill>
+                  <a:srgbClr val="000066"/>
+                </a:solidFill>
+                <a:latin typeface="Microsoft JhengHei" panose="020B0604030504040204" pitchFamily="34" charset="-120"/>
+                <a:ea typeface="Microsoft JhengHei" panose="020B0604030504040204" pitchFamily="34" charset="-120"/>
+              </a:rPr>
+              <a:t>耶穌向我所存恩愛</a:t>
+            </a:r>
+          </a:p>
+          <a:p>
+            <a:pPr marL="0" indent="0" algn="ctr">
+              <a:buNone/>
+            </a:pPr>
+            <a:r>
+              <a:rPr lang="zh-TW" altLang="en-US" sz="4800" b="1" dirty="0">
+                <a:solidFill>
+                  <a:srgbClr val="000066"/>
+                </a:solidFill>
+                <a:latin typeface="Microsoft JhengHei" panose="020B0604030504040204" pitchFamily="34" charset="-120"/>
+                <a:ea typeface="Microsoft JhengHei" panose="020B0604030504040204" pitchFamily="34" charset="-120"/>
+              </a:rPr>
+              <a:t>口舌永說不盡</a:t>
+            </a:r>
+            <a:endParaRPr lang="zh-TW" altLang="en-US" sz="4800" b="1" dirty="0">
               <a:solidFill>
-                <a:srgbClr val="660033"/>
+                <a:srgbClr val="000066"/>
               </a:solidFill>
-              <a:latin typeface="微軟正黑體" pitchFamily="34" charset="-120"/>
-              <a:ea typeface="微軟正黑體" pitchFamily="34" charset="-120"/>
+              <a:latin typeface="Microsoft JhengHei" panose="020B0604030504040204" pitchFamily="34" charset="-120"/>
+              <a:ea typeface="Microsoft JhengHei" panose="020B0604030504040204" pitchFamily="34" charset="-120"/>
             </a:endParaRPr>
           </a:p>
         </p:txBody>
       </p:sp>
-      <p:sp>
-        <p:nvSpPr>
-          <p:cNvPr id="4" name="內容版面配置區 3"/>
-          <p:cNvSpPr>
-            <a:spLocks noGrp="1"/>
-          </p:cNvSpPr>
-          <p:nvPr>
-            <p:ph idx="1"/>
-          </p:nvPr>
-        </p:nvSpPr>
-        <p:spPr>
-          <a:xfrm>
-            <a:off x="0" y="1085850"/>
-            <a:ext cx="9144000" cy="3600450"/>
-          </a:xfrm>
-        </p:spPr>
-        <p:txBody>
-          <a:bodyPr>
-            <a:noAutofit/>
-          </a:bodyPr>
-          <a:lstStyle/>
-          <a:p>
-            <a:pPr algn="ctr">
-              <a:buNone/>
-            </a:pPr>
-            <a:r>
-              <a:rPr lang="zh-TW" altLang="en-US" sz="5400" b="1" dirty="0" smtClean="0">
-                <a:solidFill>
-                  <a:srgbClr val="660033"/>
-                </a:solidFill>
-                <a:effectLst>
-                  <a:outerShdw blurRad="50000" dist="30000" dir="5400000" algn="tl" rotWithShape="0">
-                    <a:srgbClr val="000000">
-                      <a:alpha val="30000"/>
-                    </a:srgbClr>
-                  </a:outerShdw>
-                </a:effectLst>
-                <a:latin typeface="微軟正黑體" pitchFamily="34" charset="-120"/>
-                <a:ea typeface="微軟正黑體" pitchFamily="34" charset="-120"/>
-              </a:rPr>
-              <a:t>主的愛如流水淙淙</a:t>
-            </a:r>
-            <a:endParaRPr lang="en-US" altLang="zh-TW" sz="5400" b="1" dirty="0" smtClean="0">
-              <a:solidFill>
-                <a:srgbClr val="660033"/>
-              </a:solidFill>
-              <a:effectLst>
-                <a:outerShdw blurRad="50000" dist="30000" dir="5400000" algn="tl" rotWithShape="0">
-                  <a:srgbClr val="000000">
-                    <a:alpha val="30000"/>
-                  </a:srgbClr>
-                </a:outerShdw>
-              </a:effectLst>
-              <a:latin typeface="微軟正黑體" pitchFamily="34" charset="-120"/>
-              <a:ea typeface="微軟正黑體" pitchFamily="34" charset="-120"/>
-            </a:endParaRPr>
-          </a:p>
-          <a:p>
-            <a:pPr algn="ctr">
-              <a:buNone/>
-            </a:pPr>
-            <a:r>
-              <a:rPr lang="zh-TW" altLang="en-US" sz="5400" b="1" dirty="0" smtClean="0">
-                <a:solidFill>
-                  <a:srgbClr val="660033"/>
-                </a:solidFill>
-                <a:effectLst>
-                  <a:outerShdw blurRad="50000" dist="30000" dir="5400000" algn="tl" rotWithShape="0">
-                    <a:srgbClr val="000000">
-                      <a:alpha val="30000"/>
-                    </a:srgbClr>
-                  </a:outerShdw>
-                </a:effectLst>
-                <a:latin typeface="微軟正黑體" pitchFamily="34" charset="-120"/>
-                <a:ea typeface="微軟正黑體" pitchFamily="34" charset="-120"/>
-              </a:rPr>
-              <a:t>願你分享祂這愛</a:t>
-            </a:r>
-            <a:endParaRPr lang="en-US" altLang="zh-TW" sz="5400" b="1" dirty="0" smtClean="0">
-              <a:solidFill>
-                <a:srgbClr val="660033"/>
-              </a:solidFill>
-              <a:effectLst>
-                <a:outerShdw blurRad="50000" dist="30000" dir="5400000" algn="tl" rotWithShape="0">
-                  <a:srgbClr val="000000">
-                    <a:alpha val="30000"/>
-                  </a:srgbClr>
-                </a:outerShdw>
-              </a:effectLst>
-              <a:latin typeface="微軟正黑體" pitchFamily="34" charset="-120"/>
-              <a:ea typeface="微軟正黑體" pitchFamily="34" charset="-120"/>
-            </a:endParaRPr>
-          </a:p>
-          <a:p>
-            <a:pPr algn="ctr">
-              <a:buNone/>
-            </a:pPr>
-            <a:r>
-              <a:rPr lang="zh-TW" altLang="en-US" sz="5400" b="1" dirty="0" smtClean="0">
-                <a:solidFill>
-                  <a:srgbClr val="660033"/>
-                </a:solidFill>
-                <a:effectLst>
-                  <a:outerShdw blurRad="50000" dist="30000" dir="5400000" algn="tl" rotWithShape="0">
-                    <a:srgbClr val="000000">
-                      <a:alpha val="30000"/>
-                    </a:srgbClr>
-                  </a:outerShdw>
-                </a:effectLst>
-                <a:latin typeface="微軟正黑體" pitchFamily="34" charset="-120"/>
-                <a:ea typeface="微軟正黑體" pitchFamily="34" charset="-120"/>
-              </a:rPr>
-              <a:t>在那漫漫的黑夜見主光</a:t>
-            </a:r>
-          </a:p>
-        </p:txBody>
-      </p:sp>
     </p:spTree>
+    <p:extLst>
+      <p:ext uri="{BB962C8B-B14F-4D97-AF65-F5344CB8AC3E}">
+        <p14:creationId xmlns:p14="http://schemas.microsoft.com/office/powerpoint/2010/main" val="3563547528"/>
+      </p:ext>
+    </p:extLst>
   </p:cSld>
   <p:clrMapOvr>
     <a:masterClrMapping/>
   </p:clrMapOvr>
-  <p:timing>
-    <p:tnLst>
-      <p:par>
-        <p:cTn id="1" dur="indefinite" restart="never" nodeType="tmRoot"/>
-      </p:par>
-    </p:tnLst>
-  </p:timing>
 </p:sld>
 </file>
 
@@ -14009,17 +13082,1043 @@
       </p:grpSpPr>
       <p:sp>
         <p:nvSpPr>
-          <p:cNvPr id="2" name="標題 1"/>
+          <p:cNvPr id="5" name="內容版面配置區 4"/>
           <p:cNvSpPr>
             <a:spLocks noGrp="1"/>
           </p:cNvSpPr>
           <p:nvPr>
-            <p:ph type="title"/>
+            <p:ph idx="1"/>
           </p:nvPr>
         </p:nvSpPr>
         <p:spPr>
           <a:xfrm>
-            <a:off x="0" y="282167"/>
+            <a:off x="0" y="1563638"/>
+            <a:ext cx="9144000" cy="1803647"/>
+          </a:xfrm>
+        </p:spPr>
+        <p:txBody>
+          <a:bodyPr anchor="ctr">
+            <a:normAutofit/>
+          </a:bodyPr>
+          <a:lstStyle/>
+          <a:p>
+            <a:pPr marL="0" indent="0" algn="ctr">
+              <a:buNone/>
+            </a:pPr>
+            <a:r>
+              <a:rPr lang="zh-TW" altLang="en-US" sz="4800" b="1" dirty="0">
+                <a:solidFill>
+                  <a:srgbClr val="000066"/>
+                </a:solidFill>
+                <a:latin typeface="Microsoft JhengHei" panose="020B0604030504040204" pitchFamily="34" charset="-120"/>
+                <a:ea typeface="Microsoft JhengHei" panose="020B0604030504040204" pitchFamily="34" charset="-120"/>
+              </a:rPr>
+              <a:t>我主升天作我中保</a:t>
+            </a:r>
+          </a:p>
+          <a:p>
+            <a:pPr marL="0" indent="0" algn="ctr">
+              <a:buNone/>
+            </a:pPr>
+            <a:r>
+              <a:rPr lang="zh-TW" altLang="en-US" sz="4800" b="1" dirty="0">
+                <a:solidFill>
+                  <a:srgbClr val="000066"/>
+                </a:solidFill>
+                <a:latin typeface="Microsoft JhengHei" panose="020B0604030504040204" pitchFamily="34" charset="-120"/>
+                <a:ea typeface="Microsoft JhengHei" panose="020B0604030504040204" pitchFamily="34" charset="-120"/>
+              </a:rPr>
+              <a:t>天父面前為我祈禱</a:t>
+            </a:r>
+            <a:endParaRPr lang="zh-TW" altLang="en-US" sz="4800" b="1" dirty="0">
+              <a:solidFill>
+                <a:srgbClr val="000066"/>
+              </a:solidFill>
+              <a:latin typeface="Microsoft JhengHei" panose="020B0604030504040204" pitchFamily="34" charset="-120"/>
+              <a:ea typeface="Microsoft JhengHei" panose="020B0604030504040204" pitchFamily="34" charset="-120"/>
+            </a:endParaRPr>
+          </a:p>
+        </p:txBody>
+      </p:sp>
+      <p:sp>
+        <p:nvSpPr>
+          <p:cNvPr id="3" name="TextBox 2"/>
+          <p:cNvSpPr txBox="1"/>
+          <p:nvPr/>
+        </p:nvSpPr>
+        <p:spPr>
+          <a:xfrm>
+            <a:off x="827584" y="1661525"/>
+            <a:ext cx="936104" cy="830997"/>
+          </a:xfrm>
+          <a:prstGeom prst="rect">
+            <a:avLst/>
+          </a:prstGeom>
+          <a:noFill/>
+        </p:spPr>
+        <p:txBody>
+          <a:bodyPr wrap="square" rtlCol="0">
+            <a:spAutoFit/>
+          </a:bodyPr>
+          <a:lstStyle/>
+          <a:p>
+            <a:r>
+              <a:rPr lang="en-US" sz="4800" b="1" dirty="0" smtClean="0">
+                <a:solidFill>
+                  <a:srgbClr val="000066"/>
+                </a:solidFill>
+              </a:rPr>
+              <a:t>3</a:t>
+            </a:r>
+            <a:r>
+              <a:rPr lang="en-US" sz="4800" b="1" dirty="0" smtClean="0">
+                <a:solidFill>
+                  <a:srgbClr val="000066"/>
+                </a:solidFill>
+              </a:rPr>
+              <a:t>.</a:t>
+            </a:r>
+            <a:endParaRPr lang="vi-VN" sz="4800" b="1" dirty="0">
+              <a:solidFill>
+                <a:srgbClr val="000066"/>
+              </a:solidFill>
+            </a:endParaRPr>
+          </a:p>
+        </p:txBody>
+      </p:sp>
+    </p:spTree>
+    <p:extLst>
+      <p:ext uri="{BB962C8B-B14F-4D97-AF65-F5344CB8AC3E}">
+        <p14:creationId xmlns:p14="http://schemas.microsoft.com/office/powerpoint/2010/main" val="1983871121"/>
+      </p:ext>
+    </p:extLst>
+  </p:cSld>
+  <p:clrMapOvr>
+    <a:masterClrMapping/>
+  </p:clrMapOvr>
+</p:sld>
+</file>
+
+<file path=ppt/slides/slide71.xml><?xml version="1.0" encoding="utf-8"?>
+<p:sld xmlns:a="http://schemas.openxmlformats.org/drawingml/2006/main" xmlns:r="http://schemas.openxmlformats.org/officeDocument/2006/relationships" xmlns:p="http://schemas.openxmlformats.org/presentationml/2006/main">
+  <p:cSld>
+    <p:spTree>
+      <p:nvGrpSpPr>
+        <p:cNvPr id="1" name=""/>
+        <p:cNvGrpSpPr/>
+        <p:nvPr/>
+      </p:nvGrpSpPr>
+      <p:grpSpPr>
+        <a:xfrm>
+          <a:off x="0" y="0"/>
+          <a:ext cx="0" cy="0"/>
+          <a:chOff x="0" y="0"/>
+          <a:chExt cx="0" cy="0"/>
+        </a:xfrm>
+      </p:grpSpPr>
+      <p:sp>
+        <p:nvSpPr>
+          <p:cNvPr id="5" name="內容版面配置區 4"/>
+          <p:cNvSpPr>
+            <a:spLocks noGrp="1"/>
+          </p:cNvSpPr>
+          <p:nvPr>
+            <p:ph idx="1"/>
+          </p:nvPr>
+        </p:nvSpPr>
+        <p:spPr>
+          <a:xfrm>
+            <a:off x="0" y="1563638"/>
+            <a:ext cx="9144000" cy="1803647"/>
+          </a:xfrm>
+        </p:spPr>
+        <p:txBody>
+          <a:bodyPr anchor="ctr">
+            <a:normAutofit/>
+          </a:bodyPr>
+          <a:lstStyle/>
+          <a:p>
+            <a:pPr marL="0" indent="0" algn="ctr">
+              <a:buNone/>
+            </a:pPr>
+            <a:r>
+              <a:rPr lang="zh-TW" altLang="en-US" sz="4800" b="1" dirty="0">
+                <a:solidFill>
+                  <a:srgbClr val="000066"/>
+                </a:solidFill>
+                <a:latin typeface="Microsoft JhengHei" panose="020B0604030504040204" pitchFamily="34" charset="-120"/>
+                <a:ea typeface="Microsoft JhengHei" panose="020B0604030504040204" pitchFamily="34" charset="-120"/>
+              </a:rPr>
+              <a:t>使我罪人與神和好</a:t>
+            </a:r>
+          </a:p>
+          <a:p>
+            <a:pPr marL="0" indent="0" algn="ctr">
+              <a:buNone/>
+            </a:pPr>
+            <a:r>
+              <a:rPr lang="zh-TW" altLang="en-US" sz="4800" b="1" dirty="0">
+                <a:solidFill>
+                  <a:srgbClr val="000066"/>
+                </a:solidFill>
+                <a:latin typeface="Microsoft JhengHei" panose="020B0604030504040204" pitchFamily="34" charset="-120"/>
+                <a:ea typeface="Microsoft JhengHei" panose="020B0604030504040204" pitchFamily="34" charset="-120"/>
+              </a:rPr>
+              <a:t>主恩愛說不盡</a:t>
+            </a:r>
+            <a:endParaRPr lang="zh-TW" altLang="en-US" sz="4800" b="1" dirty="0">
+              <a:solidFill>
+                <a:srgbClr val="000066"/>
+              </a:solidFill>
+              <a:latin typeface="Microsoft JhengHei" panose="020B0604030504040204" pitchFamily="34" charset="-120"/>
+              <a:ea typeface="Microsoft JhengHei" panose="020B0604030504040204" pitchFamily="34" charset="-120"/>
+            </a:endParaRPr>
+          </a:p>
+        </p:txBody>
+      </p:sp>
+      <p:sp>
+        <p:nvSpPr>
+          <p:cNvPr id="3" name="TextBox 2"/>
+          <p:cNvSpPr txBox="1"/>
+          <p:nvPr/>
+        </p:nvSpPr>
+        <p:spPr>
+          <a:xfrm>
+            <a:off x="827584" y="1661525"/>
+            <a:ext cx="936104" cy="830997"/>
+          </a:xfrm>
+          <a:prstGeom prst="rect">
+            <a:avLst/>
+          </a:prstGeom>
+          <a:noFill/>
+        </p:spPr>
+        <p:txBody>
+          <a:bodyPr wrap="square" rtlCol="0">
+            <a:spAutoFit/>
+          </a:bodyPr>
+          <a:lstStyle/>
+          <a:p>
+            <a:r>
+              <a:rPr lang="en-US" sz="4800" b="1" dirty="0" smtClean="0">
+                <a:solidFill>
+                  <a:srgbClr val="000066"/>
+                </a:solidFill>
+              </a:rPr>
+              <a:t>3</a:t>
+            </a:r>
+            <a:r>
+              <a:rPr lang="en-US" sz="4800" b="1" dirty="0" smtClean="0">
+                <a:solidFill>
+                  <a:srgbClr val="000066"/>
+                </a:solidFill>
+              </a:rPr>
+              <a:t>.</a:t>
+            </a:r>
+            <a:endParaRPr lang="vi-VN" sz="4800" b="1" dirty="0">
+              <a:solidFill>
+                <a:srgbClr val="000066"/>
+              </a:solidFill>
+            </a:endParaRPr>
+          </a:p>
+        </p:txBody>
+      </p:sp>
+    </p:spTree>
+    <p:extLst>
+      <p:ext uri="{BB962C8B-B14F-4D97-AF65-F5344CB8AC3E}">
+        <p14:creationId xmlns:p14="http://schemas.microsoft.com/office/powerpoint/2010/main" val="3974088639"/>
+      </p:ext>
+    </p:extLst>
+  </p:cSld>
+  <p:clrMapOvr>
+    <a:masterClrMapping/>
+  </p:clrMapOvr>
+</p:sld>
+</file>
+
+<file path=ppt/slides/slide72.xml><?xml version="1.0" encoding="utf-8"?>
+<p:sld xmlns:a="http://schemas.openxmlformats.org/drawingml/2006/main" xmlns:r="http://schemas.openxmlformats.org/officeDocument/2006/relationships" xmlns:p="http://schemas.openxmlformats.org/presentationml/2006/main">
+  <p:cSld>
+    <p:spTree>
+      <p:nvGrpSpPr>
+        <p:cNvPr id="1" name=""/>
+        <p:cNvGrpSpPr/>
+        <p:nvPr/>
+      </p:nvGrpSpPr>
+      <p:grpSpPr>
+        <a:xfrm>
+          <a:off x="0" y="0"/>
+          <a:ext cx="0" cy="0"/>
+          <a:chOff x="0" y="0"/>
+          <a:chExt cx="0" cy="0"/>
+        </a:xfrm>
+      </p:grpSpPr>
+      <p:sp>
+        <p:nvSpPr>
+          <p:cNvPr id="5" name="內容版面配置區 4"/>
+          <p:cNvSpPr>
+            <a:spLocks noGrp="1"/>
+          </p:cNvSpPr>
+          <p:nvPr>
+            <p:ph idx="1"/>
+          </p:nvPr>
+        </p:nvSpPr>
+        <p:spPr>
+          <a:xfrm>
+            <a:off x="0" y="1563638"/>
+            <a:ext cx="9144000" cy="1803647"/>
+          </a:xfrm>
+        </p:spPr>
+        <p:txBody>
+          <a:bodyPr anchor="ctr">
+            <a:normAutofit/>
+          </a:bodyPr>
+          <a:lstStyle/>
+          <a:p>
+            <a:pPr marL="0" indent="0" algn="ctr">
+              <a:buNone/>
+            </a:pPr>
+            <a:r>
+              <a:rPr lang="zh-TW" altLang="en-US" sz="4800" b="1" dirty="0">
+                <a:solidFill>
+                  <a:srgbClr val="000066"/>
+                </a:solidFill>
+                <a:latin typeface="Microsoft JhengHei" panose="020B0604030504040204" pitchFamily="34" charset="-120"/>
+                <a:ea typeface="Microsoft JhengHei" panose="020B0604030504040204" pitchFamily="34" charset="-120"/>
+              </a:rPr>
+              <a:t>主愛口舌真說不盡</a:t>
+            </a:r>
+          </a:p>
+          <a:p>
+            <a:pPr marL="0" indent="0" algn="ctr">
+              <a:buNone/>
+            </a:pPr>
+            <a:r>
+              <a:rPr lang="zh-TW" altLang="en-US" sz="4800" b="1" dirty="0">
+                <a:solidFill>
+                  <a:srgbClr val="000066"/>
+                </a:solidFill>
+                <a:latin typeface="Microsoft JhengHei" panose="020B0604030504040204" pitchFamily="34" charset="-120"/>
+                <a:ea typeface="Microsoft JhengHei" panose="020B0604030504040204" pitchFamily="34" charset="-120"/>
+              </a:rPr>
+              <a:t>主愛口舌真說不盡</a:t>
+            </a:r>
+            <a:endParaRPr lang="zh-TW" altLang="en-US" sz="4800" b="1" dirty="0">
+              <a:solidFill>
+                <a:srgbClr val="000066"/>
+              </a:solidFill>
+              <a:latin typeface="Microsoft JhengHei" panose="020B0604030504040204" pitchFamily="34" charset="-120"/>
+              <a:ea typeface="Microsoft JhengHei" panose="020B0604030504040204" pitchFamily="34" charset="-120"/>
+            </a:endParaRPr>
+          </a:p>
+        </p:txBody>
+      </p:sp>
+    </p:spTree>
+    <p:extLst>
+      <p:ext uri="{BB962C8B-B14F-4D97-AF65-F5344CB8AC3E}">
+        <p14:creationId xmlns:p14="http://schemas.microsoft.com/office/powerpoint/2010/main" val="790321985"/>
+      </p:ext>
+    </p:extLst>
+  </p:cSld>
+  <p:clrMapOvr>
+    <a:masterClrMapping/>
+  </p:clrMapOvr>
+</p:sld>
+</file>
+
+<file path=ppt/slides/slide73.xml><?xml version="1.0" encoding="utf-8"?>
+<p:sld xmlns:a="http://schemas.openxmlformats.org/drawingml/2006/main" xmlns:r="http://schemas.openxmlformats.org/officeDocument/2006/relationships" xmlns:p="http://schemas.openxmlformats.org/presentationml/2006/main">
+  <p:cSld>
+    <p:spTree>
+      <p:nvGrpSpPr>
+        <p:cNvPr id="1" name=""/>
+        <p:cNvGrpSpPr/>
+        <p:nvPr/>
+      </p:nvGrpSpPr>
+      <p:grpSpPr>
+        <a:xfrm>
+          <a:off x="0" y="0"/>
+          <a:ext cx="0" cy="0"/>
+          <a:chOff x="0" y="0"/>
+          <a:chExt cx="0" cy="0"/>
+        </a:xfrm>
+      </p:grpSpPr>
+      <p:sp>
+        <p:nvSpPr>
+          <p:cNvPr id="5" name="內容版面配置區 4"/>
+          <p:cNvSpPr>
+            <a:spLocks noGrp="1"/>
+          </p:cNvSpPr>
+          <p:nvPr>
+            <p:ph idx="1"/>
+          </p:nvPr>
+        </p:nvSpPr>
+        <p:spPr>
+          <a:xfrm>
+            <a:off x="0" y="1563638"/>
+            <a:ext cx="9144000" cy="1803647"/>
+          </a:xfrm>
+        </p:spPr>
+        <p:txBody>
+          <a:bodyPr anchor="ctr">
+            <a:normAutofit/>
+          </a:bodyPr>
+          <a:lstStyle/>
+          <a:p>
+            <a:pPr marL="0" indent="0" algn="ctr">
+              <a:buNone/>
+            </a:pPr>
+            <a:r>
+              <a:rPr lang="zh-TW" altLang="en-US" sz="4800" b="1" dirty="0">
+                <a:solidFill>
+                  <a:srgbClr val="000066"/>
+                </a:solidFill>
+                <a:latin typeface="Microsoft JhengHei" panose="020B0604030504040204" pitchFamily="34" charset="-120"/>
+                <a:ea typeface="Microsoft JhengHei" panose="020B0604030504040204" pitchFamily="34" charset="-120"/>
+              </a:rPr>
+              <a:t>耶穌向我所存恩愛</a:t>
+            </a:r>
+          </a:p>
+          <a:p>
+            <a:pPr marL="0" indent="0" algn="ctr">
+              <a:buNone/>
+            </a:pPr>
+            <a:r>
+              <a:rPr lang="zh-TW" altLang="en-US" sz="4800" b="1" dirty="0">
+                <a:solidFill>
+                  <a:srgbClr val="000066"/>
+                </a:solidFill>
+                <a:latin typeface="Microsoft JhengHei" panose="020B0604030504040204" pitchFamily="34" charset="-120"/>
+                <a:ea typeface="Microsoft JhengHei" panose="020B0604030504040204" pitchFamily="34" charset="-120"/>
+              </a:rPr>
+              <a:t>口舌永說不盡</a:t>
+            </a:r>
+            <a:endParaRPr lang="zh-TW" altLang="en-US" sz="4800" b="1" dirty="0">
+              <a:solidFill>
+                <a:srgbClr val="000066"/>
+              </a:solidFill>
+              <a:latin typeface="Microsoft JhengHei" panose="020B0604030504040204" pitchFamily="34" charset="-120"/>
+              <a:ea typeface="Microsoft JhengHei" panose="020B0604030504040204" pitchFamily="34" charset="-120"/>
+            </a:endParaRPr>
+          </a:p>
+        </p:txBody>
+      </p:sp>
+    </p:spTree>
+    <p:extLst>
+      <p:ext uri="{BB962C8B-B14F-4D97-AF65-F5344CB8AC3E}">
+        <p14:creationId xmlns:p14="http://schemas.microsoft.com/office/powerpoint/2010/main" val="878920821"/>
+      </p:ext>
+    </p:extLst>
+  </p:cSld>
+  <p:clrMapOvr>
+    <a:masterClrMapping/>
+  </p:clrMapOvr>
+</p:sld>
+</file>
+
+<file path=ppt/slides/slide74.xml><?xml version="1.0" encoding="utf-8"?>
+<p:sld xmlns:a="http://schemas.openxmlformats.org/drawingml/2006/main" xmlns:r="http://schemas.openxmlformats.org/officeDocument/2006/relationships" xmlns:p="http://schemas.openxmlformats.org/presentationml/2006/main">
+  <p:cSld>
+    <p:spTree>
+      <p:nvGrpSpPr>
+        <p:cNvPr id="1" name=""/>
+        <p:cNvGrpSpPr/>
+        <p:nvPr/>
+      </p:nvGrpSpPr>
+      <p:grpSpPr>
+        <a:xfrm>
+          <a:off x="0" y="0"/>
+          <a:ext cx="0" cy="0"/>
+          <a:chOff x="0" y="0"/>
+          <a:chExt cx="0" cy="0"/>
+        </a:xfrm>
+      </p:grpSpPr>
+      <p:sp>
+        <p:nvSpPr>
+          <p:cNvPr id="5" name="內容版面配置區 4"/>
+          <p:cNvSpPr>
+            <a:spLocks noGrp="1"/>
+          </p:cNvSpPr>
+          <p:nvPr>
+            <p:ph idx="1"/>
+          </p:nvPr>
+        </p:nvSpPr>
+        <p:spPr>
+          <a:xfrm>
+            <a:off x="0" y="1563638"/>
+            <a:ext cx="9144000" cy="1803647"/>
+          </a:xfrm>
+        </p:spPr>
+        <p:txBody>
+          <a:bodyPr anchor="ctr">
+            <a:normAutofit/>
+          </a:bodyPr>
+          <a:lstStyle/>
+          <a:p>
+            <a:pPr marL="0" indent="0" algn="ctr">
+              <a:buNone/>
+            </a:pPr>
+            <a:r>
+              <a:rPr lang="zh-TW" altLang="en-US" sz="4800" b="1" dirty="0">
+                <a:solidFill>
+                  <a:srgbClr val="000066"/>
+                </a:solidFill>
+                <a:latin typeface="Microsoft JhengHei" panose="020B0604030504040204" pitchFamily="34" charset="-120"/>
+                <a:ea typeface="Microsoft JhengHei" panose="020B0604030504040204" pitchFamily="34" charset="-120"/>
+              </a:rPr>
+              <a:t>我主時常與我相親</a:t>
+            </a:r>
+          </a:p>
+          <a:p>
+            <a:pPr marL="0" indent="0" algn="ctr">
+              <a:buNone/>
+            </a:pPr>
+            <a:r>
+              <a:rPr lang="zh-TW" altLang="en-US" sz="4800" b="1" dirty="0">
+                <a:solidFill>
+                  <a:srgbClr val="000066"/>
+                </a:solidFill>
+                <a:latin typeface="Microsoft JhengHei" panose="020B0604030504040204" pitchFamily="34" charset="-120"/>
+                <a:ea typeface="Microsoft JhengHei" panose="020B0604030504040204" pitchFamily="34" charset="-120"/>
+              </a:rPr>
+              <a:t>平安喜樂充滿我心</a:t>
+            </a:r>
+            <a:endParaRPr lang="zh-TW" altLang="en-US" sz="4800" b="1" dirty="0">
+              <a:solidFill>
+                <a:srgbClr val="000066"/>
+              </a:solidFill>
+              <a:latin typeface="Microsoft JhengHei" panose="020B0604030504040204" pitchFamily="34" charset="-120"/>
+              <a:ea typeface="Microsoft JhengHei" panose="020B0604030504040204" pitchFamily="34" charset="-120"/>
+            </a:endParaRPr>
+          </a:p>
+        </p:txBody>
+      </p:sp>
+      <p:sp>
+        <p:nvSpPr>
+          <p:cNvPr id="3" name="TextBox 2"/>
+          <p:cNvSpPr txBox="1"/>
+          <p:nvPr/>
+        </p:nvSpPr>
+        <p:spPr>
+          <a:xfrm>
+            <a:off x="827584" y="1661525"/>
+            <a:ext cx="936104" cy="830997"/>
+          </a:xfrm>
+          <a:prstGeom prst="rect">
+            <a:avLst/>
+          </a:prstGeom>
+          <a:noFill/>
+        </p:spPr>
+        <p:txBody>
+          <a:bodyPr wrap="square" rtlCol="0">
+            <a:spAutoFit/>
+          </a:bodyPr>
+          <a:lstStyle/>
+          <a:p>
+            <a:r>
+              <a:rPr lang="en-US" sz="4800" b="1" dirty="0">
+                <a:solidFill>
+                  <a:srgbClr val="000066"/>
+                </a:solidFill>
+              </a:rPr>
+              <a:t>4</a:t>
+            </a:r>
+            <a:r>
+              <a:rPr lang="en-US" sz="4800" b="1" dirty="0" smtClean="0">
+                <a:solidFill>
+                  <a:srgbClr val="000066"/>
+                </a:solidFill>
+              </a:rPr>
+              <a:t>.</a:t>
+            </a:r>
+            <a:endParaRPr lang="vi-VN" sz="4800" b="1" dirty="0">
+              <a:solidFill>
+                <a:srgbClr val="000066"/>
+              </a:solidFill>
+            </a:endParaRPr>
+          </a:p>
+        </p:txBody>
+      </p:sp>
+    </p:spTree>
+    <p:extLst>
+      <p:ext uri="{BB962C8B-B14F-4D97-AF65-F5344CB8AC3E}">
+        <p14:creationId xmlns:p14="http://schemas.microsoft.com/office/powerpoint/2010/main" val="3477010175"/>
+      </p:ext>
+    </p:extLst>
+  </p:cSld>
+  <p:clrMapOvr>
+    <a:masterClrMapping/>
+  </p:clrMapOvr>
+</p:sld>
+</file>
+
+<file path=ppt/slides/slide75.xml><?xml version="1.0" encoding="utf-8"?>
+<p:sld xmlns:a="http://schemas.openxmlformats.org/drawingml/2006/main" xmlns:r="http://schemas.openxmlformats.org/officeDocument/2006/relationships" xmlns:p="http://schemas.openxmlformats.org/presentationml/2006/main">
+  <p:cSld>
+    <p:spTree>
+      <p:nvGrpSpPr>
+        <p:cNvPr id="1" name=""/>
+        <p:cNvGrpSpPr/>
+        <p:nvPr/>
+      </p:nvGrpSpPr>
+      <p:grpSpPr>
+        <a:xfrm>
+          <a:off x="0" y="0"/>
+          <a:ext cx="0" cy="0"/>
+          <a:chOff x="0" y="0"/>
+          <a:chExt cx="0" cy="0"/>
+        </a:xfrm>
+      </p:grpSpPr>
+      <p:sp>
+        <p:nvSpPr>
+          <p:cNvPr id="5" name="內容版面配置區 4"/>
+          <p:cNvSpPr>
+            <a:spLocks noGrp="1"/>
+          </p:cNvSpPr>
+          <p:nvPr>
+            <p:ph idx="1"/>
+          </p:nvPr>
+        </p:nvSpPr>
+        <p:spPr>
+          <a:xfrm>
+            <a:off x="0" y="1563638"/>
+            <a:ext cx="9144000" cy="1803647"/>
+          </a:xfrm>
+        </p:spPr>
+        <p:txBody>
+          <a:bodyPr anchor="ctr">
+            <a:normAutofit/>
+          </a:bodyPr>
+          <a:lstStyle/>
+          <a:p>
+            <a:pPr marL="0" indent="0" algn="ctr">
+              <a:buNone/>
+            </a:pPr>
+            <a:r>
+              <a:rPr lang="zh-TW" altLang="en-US" sz="4800" b="1" dirty="0">
+                <a:solidFill>
+                  <a:srgbClr val="000066"/>
+                </a:solidFill>
+                <a:latin typeface="Microsoft JhengHei" panose="020B0604030504040204" pitchFamily="34" charset="-120"/>
+                <a:ea typeface="Microsoft JhengHei" panose="020B0604030504040204" pitchFamily="34" charset="-120"/>
+              </a:rPr>
+              <a:t>有福指望何等光明</a:t>
+            </a:r>
+          </a:p>
+          <a:p>
+            <a:pPr marL="0" indent="0" algn="ctr">
+              <a:buNone/>
+            </a:pPr>
+            <a:r>
+              <a:rPr lang="zh-TW" altLang="en-US" sz="4800" b="1" dirty="0">
+                <a:solidFill>
+                  <a:srgbClr val="000066"/>
+                </a:solidFill>
+                <a:latin typeface="Microsoft JhengHei" panose="020B0604030504040204" pitchFamily="34" charset="-120"/>
+                <a:ea typeface="Microsoft JhengHei" panose="020B0604030504040204" pitchFamily="34" charset="-120"/>
+              </a:rPr>
+              <a:t>主恩愛說不盡</a:t>
+            </a:r>
+            <a:endParaRPr lang="zh-TW" altLang="en-US" sz="4800" b="1" dirty="0">
+              <a:solidFill>
+                <a:srgbClr val="000066"/>
+              </a:solidFill>
+              <a:latin typeface="Microsoft JhengHei" panose="020B0604030504040204" pitchFamily="34" charset="-120"/>
+              <a:ea typeface="Microsoft JhengHei" panose="020B0604030504040204" pitchFamily="34" charset="-120"/>
+            </a:endParaRPr>
+          </a:p>
+        </p:txBody>
+      </p:sp>
+      <p:sp>
+        <p:nvSpPr>
+          <p:cNvPr id="3" name="TextBox 2"/>
+          <p:cNvSpPr txBox="1"/>
+          <p:nvPr/>
+        </p:nvSpPr>
+        <p:spPr>
+          <a:xfrm>
+            <a:off x="827584" y="1661525"/>
+            <a:ext cx="936104" cy="830997"/>
+          </a:xfrm>
+          <a:prstGeom prst="rect">
+            <a:avLst/>
+          </a:prstGeom>
+          <a:noFill/>
+        </p:spPr>
+        <p:txBody>
+          <a:bodyPr wrap="square" rtlCol="0">
+            <a:spAutoFit/>
+          </a:bodyPr>
+          <a:lstStyle/>
+          <a:p>
+            <a:r>
+              <a:rPr lang="en-US" sz="4800" b="1" dirty="0">
+                <a:solidFill>
+                  <a:srgbClr val="000066"/>
+                </a:solidFill>
+              </a:rPr>
+              <a:t>4</a:t>
+            </a:r>
+            <a:r>
+              <a:rPr lang="en-US" sz="4800" b="1" dirty="0" smtClean="0">
+                <a:solidFill>
+                  <a:srgbClr val="000066"/>
+                </a:solidFill>
+              </a:rPr>
+              <a:t>.</a:t>
+            </a:r>
+            <a:endParaRPr lang="vi-VN" sz="4800" b="1" dirty="0">
+              <a:solidFill>
+                <a:srgbClr val="000066"/>
+              </a:solidFill>
+            </a:endParaRPr>
+          </a:p>
+        </p:txBody>
+      </p:sp>
+    </p:spTree>
+    <p:extLst>
+      <p:ext uri="{BB962C8B-B14F-4D97-AF65-F5344CB8AC3E}">
+        <p14:creationId xmlns:p14="http://schemas.microsoft.com/office/powerpoint/2010/main" val="1437665230"/>
+      </p:ext>
+    </p:extLst>
+  </p:cSld>
+  <p:clrMapOvr>
+    <a:masterClrMapping/>
+  </p:clrMapOvr>
+</p:sld>
+</file>
+
+<file path=ppt/slides/slide76.xml><?xml version="1.0" encoding="utf-8"?>
+<p:sld xmlns:a="http://schemas.openxmlformats.org/drawingml/2006/main" xmlns:r="http://schemas.openxmlformats.org/officeDocument/2006/relationships" xmlns:p="http://schemas.openxmlformats.org/presentationml/2006/main">
+  <p:cSld>
+    <p:spTree>
+      <p:nvGrpSpPr>
+        <p:cNvPr id="1" name=""/>
+        <p:cNvGrpSpPr/>
+        <p:nvPr/>
+      </p:nvGrpSpPr>
+      <p:grpSpPr>
+        <a:xfrm>
+          <a:off x="0" y="0"/>
+          <a:ext cx="0" cy="0"/>
+          <a:chOff x="0" y="0"/>
+          <a:chExt cx="0" cy="0"/>
+        </a:xfrm>
+      </p:grpSpPr>
+      <p:sp>
+        <p:nvSpPr>
+          <p:cNvPr id="5" name="內容版面配置區 4"/>
+          <p:cNvSpPr>
+            <a:spLocks noGrp="1"/>
+          </p:cNvSpPr>
+          <p:nvPr>
+            <p:ph idx="1"/>
+          </p:nvPr>
+        </p:nvSpPr>
+        <p:spPr>
+          <a:xfrm>
+            <a:off x="0" y="1563638"/>
+            <a:ext cx="9144000" cy="1803647"/>
+          </a:xfrm>
+        </p:spPr>
+        <p:txBody>
+          <a:bodyPr anchor="ctr">
+            <a:normAutofit/>
+          </a:bodyPr>
+          <a:lstStyle/>
+          <a:p>
+            <a:pPr marL="0" indent="0" algn="ctr">
+              <a:buNone/>
+            </a:pPr>
+            <a:r>
+              <a:rPr lang="zh-TW" altLang="en-US" sz="4800" b="1" dirty="0">
+                <a:solidFill>
+                  <a:srgbClr val="000066"/>
+                </a:solidFill>
+                <a:latin typeface="Microsoft JhengHei" panose="020B0604030504040204" pitchFamily="34" charset="-120"/>
+                <a:ea typeface="Microsoft JhengHei" panose="020B0604030504040204" pitchFamily="34" charset="-120"/>
+              </a:rPr>
+              <a:t>主愛口舌真說不盡</a:t>
+            </a:r>
+          </a:p>
+          <a:p>
+            <a:pPr marL="0" indent="0" algn="ctr">
+              <a:buNone/>
+            </a:pPr>
+            <a:r>
+              <a:rPr lang="zh-TW" altLang="en-US" sz="4800" b="1" dirty="0">
+                <a:solidFill>
+                  <a:srgbClr val="000066"/>
+                </a:solidFill>
+                <a:latin typeface="Microsoft JhengHei" panose="020B0604030504040204" pitchFamily="34" charset="-120"/>
+                <a:ea typeface="Microsoft JhengHei" panose="020B0604030504040204" pitchFamily="34" charset="-120"/>
+              </a:rPr>
+              <a:t>主愛口舌真說不盡</a:t>
+            </a:r>
+            <a:endParaRPr lang="zh-TW" altLang="en-US" sz="4800" b="1" dirty="0">
+              <a:solidFill>
+                <a:srgbClr val="000066"/>
+              </a:solidFill>
+              <a:latin typeface="Microsoft JhengHei" panose="020B0604030504040204" pitchFamily="34" charset="-120"/>
+              <a:ea typeface="Microsoft JhengHei" panose="020B0604030504040204" pitchFamily="34" charset="-120"/>
+            </a:endParaRPr>
+          </a:p>
+        </p:txBody>
+      </p:sp>
+    </p:spTree>
+    <p:extLst>
+      <p:ext uri="{BB962C8B-B14F-4D97-AF65-F5344CB8AC3E}">
+        <p14:creationId xmlns:p14="http://schemas.microsoft.com/office/powerpoint/2010/main" val="3659626001"/>
+      </p:ext>
+    </p:extLst>
+  </p:cSld>
+  <p:clrMapOvr>
+    <a:masterClrMapping/>
+  </p:clrMapOvr>
+</p:sld>
+</file>
+
+<file path=ppt/slides/slide77.xml><?xml version="1.0" encoding="utf-8"?>
+<p:sld xmlns:a="http://schemas.openxmlformats.org/drawingml/2006/main" xmlns:r="http://schemas.openxmlformats.org/officeDocument/2006/relationships" xmlns:p="http://schemas.openxmlformats.org/presentationml/2006/main">
+  <p:cSld>
+    <p:spTree>
+      <p:nvGrpSpPr>
+        <p:cNvPr id="1" name=""/>
+        <p:cNvGrpSpPr/>
+        <p:nvPr/>
+      </p:nvGrpSpPr>
+      <p:grpSpPr>
+        <a:xfrm>
+          <a:off x="0" y="0"/>
+          <a:ext cx="0" cy="0"/>
+          <a:chOff x="0" y="0"/>
+          <a:chExt cx="0" cy="0"/>
+        </a:xfrm>
+      </p:grpSpPr>
+      <p:sp>
+        <p:nvSpPr>
+          <p:cNvPr id="5" name="內容版面配置區 4"/>
+          <p:cNvSpPr>
+            <a:spLocks noGrp="1"/>
+          </p:cNvSpPr>
+          <p:nvPr>
+            <p:ph idx="1"/>
+          </p:nvPr>
+        </p:nvSpPr>
+        <p:spPr>
+          <a:xfrm>
+            <a:off x="0" y="1563638"/>
+            <a:ext cx="9144000" cy="1803647"/>
+          </a:xfrm>
+        </p:spPr>
+        <p:txBody>
+          <a:bodyPr anchor="ctr">
+            <a:normAutofit/>
+          </a:bodyPr>
+          <a:lstStyle/>
+          <a:p>
+            <a:pPr marL="0" indent="0" algn="ctr">
+              <a:buNone/>
+            </a:pPr>
+            <a:r>
+              <a:rPr lang="zh-TW" altLang="en-US" sz="4800" b="1" dirty="0">
+                <a:solidFill>
+                  <a:srgbClr val="000066"/>
+                </a:solidFill>
+                <a:latin typeface="Microsoft JhengHei" panose="020B0604030504040204" pitchFamily="34" charset="-120"/>
+                <a:ea typeface="Microsoft JhengHei" panose="020B0604030504040204" pitchFamily="34" charset="-120"/>
+              </a:rPr>
+              <a:t>耶穌向我所存恩愛</a:t>
+            </a:r>
+          </a:p>
+          <a:p>
+            <a:pPr marL="0" indent="0" algn="ctr">
+              <a:buNone/>
+            </a:pPr>
+            <a:r>
+              <a:rPr lang="zh-TW" altLang="en-US" sz="4800" b="1" dirty="0">
+                <a:solidFill>
+                  <a:srgbClr val="000066"/>
+                </a:solidFill>
+                <a:latin typeface="Microsoft JhengHei" panose="020B0604030504040204" pitchFamily="34" charset="-120"/>
+                <a:ea typeface="Microsoft JhengHei" panose="020B0604030504040204" pitchFamily="34" charset="-120"/>
+              </a:rPr>
+              <a:t>口舌永說不盡</a:t>
+            </a:r>
+            <a:endParaRPr lang="zh-TW" altLang="en-US" sz="4800" b="1" dirty="0">
+              <a:solidFill>
+                <a:srgbClr val="000066"/>
+              </a:solidFill>
+              <a:latin typeface="Microsoft JhengHei" panose="020B0604030504040204" pitchFamily="34" charset="-120"/>
+              <a:ea typeface="Microsoft JhengHei" panose="020B0604030504040204" pitchFamily="34" charset="-120"/>
+            </a:endParaRPr>
+          </a:p>
+        </p:txBody>
+      </p:sp>
+    </p:spTree>
+    <p:extLst>
+      <p:ext uri="{BB962C8B-B14F-4D97-AF65-F5344CB8AC3E}">
+        <p14:creationId xmlns:p14="http://schemas.microsoft.com/office/powerpoint/2010/main" val="3422648228"/>
+      </p:ext>
+    </p:extLst>
+  </p:cSld>
+  <p:clrMapOvr>
+    <a:masterClrMapping/>
+  </p:clrMapOvr>
+</p:sld>
+</file>
+
+<file path=ppt/slides/slide78.xml><?xml version="1.0" encoding="utf-8"?>
+<p:sld xmlns:a="http://schemas.openxmlformats.org/drawingml/2006/main" xmlns:r="http://schemas.openxmlformats.org/officeDocument/2006/relationships" xmlns:p="http://schemas.openxmlformats.org/presentationml/2006/main">
+  <p:cSld>
+    <p:spTree>
+      <p:nvGrpSpPr>
+        <p:cNvPr id="1" name=""/>
+        <p:cNvGrpSpPr/>
+        <p:nvPr/>
+      </p:nvGrpSpPr>
+      <p:grpSpPr>
+        <a:xfrm>
+          <a:off x="0" y="0"/>
+          <a:ext cx="0" cy="0"/>
+          <a:chOff x="0" y="0"/>
+          <a:chExt cx="0" cy="0"/>
+        </a:xfrm>
+      </p:grpSpPr>
+      <p:sp>
+        <p:nvSpPr>
+          <p:cNvPr id="2" name="標題 1"/>
+          <p:cNvSpPr>
+            <a:spLocks noGrp="1"/>
+          </p:cNvSpPr>
+          <p:nvPr>
+            <p:ph type="title" idx="4294967295"/>
+          </p:nvPr>
+        </p:nvSpPr>
+        <p:spPr>
+          <a:xfrm>
+            <a:off x="149" y="2257505"/>
+            <a:ext cx="9144000" cy="628650"/>
+          </a:xfrm>
+        </p:spPr>
+        <p:txBody>
+          <a:bodyPr>
+            <a:noAutofit/>
+          </a:bodyPr>
+          <a:lstStyle/>
+          <a:p>
+            <a:r>
+              <a:rPr lang="zh-CN" altLang="en-US" sz="7200" b="1" dirty="0">
+                <a:solidFill>
+                  <a:srgbClr val="000066"/>
+                </a:solidFill>
+                <a:effectLst>
+                  <a:outerShdw blurRad="38100" dist="38100" dir="2700000" algn="tl">
+                    <a:srgbClr val="000000">
+                      <a:alpha val="43137"/>
+                    </a:srgbClr>
+                  </a:outerShdw>
+                </a:effectLst>
+                <a:latin typeface="微軟正黑體" pitchFamily="34" charset="-120"/>
+                <a:ea typeface="微軟正黑體" pitchFamily="34" charset="-120"/>
+              </a:rPr>
+              <a:t>家事分</a:t>
+            </a:r>
+            <a:r>
+              <a:rPr lang="zh-CN" altLang="en-US" sz="7200" b="1" dirty="0" smtClean="0">
+                <a:solidFill>
+                  <a:srgbClr val="000066"/>
+                </a:solidFill>
+                <a:effectLst>
+                  <a:outerShdw blurRad="38100" dist="38100" dir="2700000" algn="tl">
+                    <a:srgbClr val="000000">
+                      <a:alpha val="43137"/>
+                    </a:srgbClr>
+                  </a:outerShdw>
+                </a:effectLst>
+                <a:latin typeface="微軟正黑體" pitchFamily="34" charset="-120"/>
+                <a:ea typeface="微軟正黑體" pitchFamily="34" charset="-120"/>
+              </a:rPr>
+              <a:t>享代</a:t>
+            </a:r>
+            <a:r>
+              <a:rPr lang="zh-CN" altLang="en-US" sz="7200" b="1" dirty="0">
+                <a:solidFill>
+                  <a:srgbClr val="000066"/>
+                </a:solidFill>
+                <a:effectLst>
+                  <a:outerShdw blurRad="38100" dist="38100" dir="2700000" algn="tl">
+                    <a:srgbClr val="000000">
+                      <a:alpha val="43137"/>
+                    </a:srgbClr>
+                  </a:outerShdw>
+                </a:effectLst>
+                <a:latin typeface="微軟正黑體" pitchFamily="34" charset="-120"/>
+                <a:ea typeface="微軟正黑體" pitchFamily="34" charset="-120"/>
+              </a:rPr>
+              <a:t>禱</a:t>
+            </a:r>
+            <a:endParaRPr lang="zh-TW" altLang="en-US" sz="7200" b="1" dirty="0">
+              <a:solidFill>
+                <a:srgbClr val="000066"/>
+              </a:solidFill>
+              <a:effectLst>
+                <a:outerShdw blurRad="38100" dist="38100" dir="2700000" algn="tl">
+                  <a:srgbClr val="000000">
+                    <a:alpha val="43137"/>
+                  </a:srgbClr>
+                </a:outerShdw>
+              </a:effectLst>
+              <a:latin typeface="微軟正黑體" pitchFamily="34" charset="-120"/>
+              <a:ea typeface="微軟正黑體" pitchFamily="34" charset="-120"/>
+            </a:endParaRPr>
+          </a:p>
+        </p:txBody>
+      </p:sp>
+    </p:spTree>
+  </p:cSld>
+  <p:clrMapOvr>
+    <a:masterClrMapping/>
+  </p:clrMapOvr>
+  <p:timing>
+    <p:tnLst>
+      <p:par>
+        <p:cTn id="1" dur="indefinite" restart="never" nodeType="tmRoot"/>
+      </p:par>
+    </p:tnLst>
+  </p:timing>
+</p:sld>
+</file>
+
+<file path=ppt/slides/slide79.xml><?xml version="1.0" encoding="utf-8"?>
+<p:sld xmlns:a="http://schemas.openxmlformats.org/drawingml/2006/main" xmlns:r="http://schemas.openxmlformats.org/officeDocument/2006/relationships" xmlns:p="http://schemas.openxmlformats.org/presentationml/2006/main">
+  <p:cSld>
+    <p:spTree>
+      <p:nvGrpSpPr>
+        <p:cNvPr id="1" name=""/>
+        <p:cNvGrpSpPr/>
+        <p:nvPr/>
+      </p:nvGrpSpPr>
+      <p:grpSpPr>
+        <a:xfrm>
+          <a:off x="0" y="0"/>
+          <a:ext cx="0" cy="0"/>
+          <a:chOff x="0" y="0"/>
+          <a:chExt cx="0" cy="0"/>
+        </a:xfrm>
+      </p:grpSpPr>
+      <p:sp>
+        <p:nvSpPr>
+          <p:cNvPr id="2" name="標題 1"/>
+          <p:cNvSpPr>
+            <a:spLocks noGrp="1"/>
+          </p:cNvSpPr>
+          <p:nvPr>
+            <p:ph type="title"/>
+          </p:nvPr>
+        </p:nvSpPr>
+        <p:spPr>
+          <a:xfrm>
+            <a:off x="0" y="300026"/>
             <a:ext cx="8991600" cy="628650"/>
           </a:xfrm>
         </p:spPr>
@@ -14030,18 +14129,18 @@
           <a:lstStyle/>
           <a:p>
             <a:r>
-              <a:rPr lang="zh-CN" altLang="en-US" b="1" dirty="0" smtClean="0">
-                <a:solidFill>
-                  <a:srgbClr val="660033"/>
-                </a:solidFill>
-                <a:latin typeface="微軟正黑體" pitchFamily="34" charset="-120"/>
-                <a:ea typeface="微軟正黑體" pitchFamily="34" charset="-120"/>
-              </a:rPr>
-              <a:t>主的愛</a:t>
-            </a:r>
-            <a:endParaRPr lang="zh-TW" altLang="en-US" b="1" dirty="0">
+              <a:rPr lang="zh-CN" altLang="en-US" sz="4000" b="1" dirty="0" smtClean="0">
+                <a:solidFill>
+                  <a:srgbClr val="000066"/>
+                </a:solidFill>
+                <a:latin typeface="微軟正黑體" pitchFamily="34" charset="-120"/>
+                <a:ea typeface="微軟正黑體" pitchFamily="34" charset="-120"/>
+              </a:rPr>
+              <a:t>三一頌</a:t>
+            </a:r>
+            <a:endParaRPr lang="zh-TW" altLang="en-US" sz="4000" b="1" dirty="0">
               <a:solidFill>
-                <a:srgbClr val="660033"/>
+                <a:srgbClr val="000066"/>
               </a:solidFill>
               <a:latin typeface="微軟正黑體" pitchFamily="34" charset="-120"/>
               <a:ea typeface="微軟正黑體" pitchFamily="34" charset="-120"/>
@@ -14061,8 +14160,8 @@
         </p:nvSpPr>
         <p:spPr>
           <a:xfrm>
-            <a:off x="0" y="1085850"/>
-            <a:ext cx="9144000" cy="3600450"/>
+            <a:off x="0" y="1285866"/>
+            <a:ext cx="9144000" cy="3857634"/>
           </a:xfrm>
         </p:spPr>
         <p:txBody>
@@ -14075,9 +14174,9 @@
               <a:buNone/>
             </a:pPr>
             <a:r>
-              <a:rPr lang="zh-TW" altLang="en-US" sz="5400" b="1" dirty="0" smtClean="0">
-                <a:solidFill>
-                  <a:srgbClr val="660033"/>
+              <a:rPr lang="zh-CN" altLang="en-US" sz="4800" b="1" dirty="0" smtClean="0">
+                <a:solidFill>
+                  <a:srgbClr val="000066"/>
                 </a:solidFill>
                 <a:effectLst>
                   <a:outerShdw blurRad="50000" dist="30000" dir="5400000" algn="tl" rotWithShape="0">
@@ -14088,12 +14187,13 @@
                 </a:effectLst>
                 <a:latin typeface="微軟正黑體" pitchFamily="34" charset="-120"/>
                 <a:ea typeface="微軟正黑體" pitchFamily="34" charset="-120"/>
-              </a:rPr>
-              <a:t>主的愛如流水淙淙</a:t>
-            </a:r>
-            <a:endParaRPr lang="en-US" altLang="zh-TW" sz="5400" b="1" dirty="0" smtClean="0">
+                <a:cs typeface="+mj-cs"/>
+              </a:rPr>
+              <a:t>讚美天父愛世慈仁</a:t>
+            </a:r>
+            <a:endParaRPr lang="en-US" altLang="zh-CN" sz="4800" b="1" dirty="0" smtClean="0">
               <a:solidFill>
-                <a:srgbClr val="660033"/>
+                <a:srgbClr val="000066"/>
               </a:solidFill>
               <a:effectLst>
                 <a:outerShdw blurRad="50000" dist="30000" dir="5400000" algn="tl" rotWithShape="0">
@@ -14104,6 +14204,7 @@
               </a:effectLst>
               <a:latin typeface="微軟正黑體" pitchFamily="34" charset="-120"/>
               <a:ea typeface="微軟正黑體" pitchFamily="34" charset="-120"/>
+              <a:cs typeface="+mj-cs"/>
             </a:endParaRPr>
           </a:p>
           <a:p>
@@ -14111,9 +14212,9 @@
               <a:buNone/>
             </a:pPr>
             <a:r>
-              <a:rPr lang="zh-TW" altLang="en-US" sz="5400" b="1" dirty="0" smtClean="0">
-                <a:solidFill>
-                  <a:srgbClr val="660033"/>
+              <a:rPr lang="zh-CN" altLang="en-US" sz="4800" b="1" dirty="0" smtClean="0">
+                <a:solidFill>
+                  <a:srgbClr val="000066"/>
                 </a:solidFill>
                 <a:effectLst>
                   <a:outerShdw blurRad="50000" dist="30000" dir="5400000" algn="tl" rotWithShape="0">
@@ -14124,12 +14225,13 @@
                 </a:effectLst>
                 <a:latin typeface="微軟正黑體" pitchFamily="34" charset="-120"/>
                 <a:ea typeface="微軟正黑體" pitchFamily="34" charset="-120"/>
-              </a:rPr>
-              <a:t>願你分享祂這愛</a:t>
-            </a:r>
-            <a:endParaRPr lang="en-US" altLang="zh-TW" sz="5400" b="1" dirty="0" smtClean="0">
+                <a:cs typeface="+mj-cs"/>
+              </a:rPr>
+              <a:t>讚美耶穌代贖洪恩</a:t>
+            </a:r>
+            <a:endParaRPr lang="en-US" altLang="zh-CN" sz="4800" b="1" dirty="0" smtClean="0">
               <a:solidFill>
-                <a:srgbClr val="660033"/>
+                <a:srgbClr val="000066"/>
               </a:solidFill>
               <a:effectLst>
                 <a:outerShdw blurRad="50000" dist="30000" dir="5400000" algn="tl" rotWithShape="0">
@@ -14140,6 +14242,7 @@
               </a:effectLst>
               <a:latin typeface="微軟正黑體" pitchFamily="34" charset="-120"/>
               <a:ea typeface="微軟正黑體" pitchFamily="34" charset="-120"/>
+              <a:cs typeface="+mj-cs"/>
             </a:endParaRPr>
           </a:p>
           <a:p>
@@ -14147,9 +14250,9 @@
               <a:buNone/>
             </a:pPr>
             <a:r>
-              <a:rPr lang="zh-TW" altLang="en-US" sz="5400" b="1" dirty="0" smtClean="0">
-                <a:solidFill>
-                  <a:srgbClr val="660033"/>
+              <a:rPr lang="zh-CN" altLang="en-US" sz="4800" b="1" dirty="0" smtClean="0">
+                <a:solidFill>
+                  <a:srgbClr val="000066"/>
                 </a:solidFill>
                 <a:effectLst>
                   <a:outerShdw blurRad="50000" dist="30000" dir="5400000" algn="tl" rotWithShape="0">
@@ -14160,9 +14263,63 @@
                 </a:effectLst>
                 <a:latin typeface="微軟正黑體" pitchFamily="34" charset="-120"/>
                 <a:ea typeface="微軟正黑體" pitchFamily="34" charset="-120"/>
-              </a:rPr>
-              <a:t>以你愛 還祂愛 永相愛</a:t>
-            </a:r>
+                <a:cs typeface="+mj-cs"/>
+              </a:rPr>
+              <a:t>讚美聖靈開我茅塞</a:t>
+            </a:r>
+            <a:endParaRPr lang="en-US" altLang="zh-CN" sz="4800" b="1" dirty="0" smtClean="0">
+              <a:solidFill>
+                <a:srgbClr val="000066"/>
+              </a:solidFill>
+              <a:effectLst>
+                <a:outerShdw blurRad="50000" dist="30000" dir="5400000" algn="tl" rotWithShape="0">
+                  <a:srgbClr val="000000">
+                    <a:alpha val="30000"/>
+                  </a:srgbClr>
+                </a:outerShdw>
+              </a:effectLst>
+              <a:latin typeface="微軟正黑體" pitchFamily="34" charset="-120"/>
+              <a:ea typeface="微軟正黑體" pitchFamily="34" charset="-120"/>
+              <a:cs typeface="+mj-cs"/>
+            </a:endParaRPr>
+          </a:p>
+          <a:p>
+            <a:pPr algn="ctr">
+              <a:buNone/>
+            </a:pPr>
+            <a:r>
+              <a:rPr lang="zh-CN" altLang="en-US" sz="4800" b="1" dirty="0" smtClean="0">
+                <a:solidFill>
+                  <a:srgbClr val="000066"/>
+                </a:solidFill>
+                <a:effectLst>
+                  <a:outerShdw blurRad="50000" dist="30000" dir="5400000" algn="tl" rotWithShape="0">
+                    <a:srgbClr val="000000">
+                      <a:alpha val="30000"/>
+                    </a:srgbClr>
+                  </a:outerShdw>
+                </a:effectLst>
+                <a:latin typeface="微軟正黑體" pitchFamily="34" charset="-120"/>
+                <a:ea typeface="微軟正黑體" pitchFamily="34" charset="-120"/>
+                <a:cs typeface="+mj-cs"/>
+              </a:rPr>
+              <a:t>讚美三位合一真神</a:t>
+            </a:r>
+            <a:endParaRPr lang="zh-TW" altLang="en-US" sz="4800" b="1" dirty="0">
+              <a:solidFill>
+                <a:srgbClr val="000066"/>
+              </a:solidFill>
+              <a:effectLst>
+                <a:outerShdw blurRad="50000" dist="30000" dir="5400000" algn="tl" rotWithShape="0">
+                  <a:srgbClr val="000000">
+                    <a:alpha val="30000"/>
+                  </a:srgbClr>
+                </a:outerShdw>
+              </a:effectLst>
+              <a:latin typeface="微軟正黑體" pitchFamily="34" charset="-120"/>
+              <a:ea typeface="微軟正黑體" pitchFamily="34" charset="-120"/>
+              <a:cs typeface="+mj-cs"/>
+            </a:endParaRPr>
           </a:p>
         </p:txBody>
       </p:sp>
@@ -14349,6 +14506,1779 @@
               <a:ea typeface="微軟正黑體" pitchFamily="34" charset="-120"/>
               <a:cs typeface="+mj-cs"/>
             </a:endParaRPr>
+          </a:p>
+        </p:txBody>
+      </p:sp>
+    </p:spTree>
+  </p:cSld>
+  <p:clrMapOvr>
+    <a:masterClrMapping/>
+  </p:clrMapOvr>
+  <p:timing>
+    <p:tnLst>
+      <p:par>
+        <p:cTn id="1" dur="indefinite" restart="never" nodeType="tmRoot"/>
+      </p:par>
+    </p:tnLst>
+  </p:timing>
+</p:sld>
+</file>
+
+<file path=ppt/slides/slide80.xml><?xml version="1.0" encoding="utf-8"?>
+<p:sld xmlns:a="http://schemas.openxmlformats.org/drawingml/2006/main" xmlns:r="http://schemas.openxmlformats.org/officeDocument/2006/relationships" xmlns:p="http://schemas.openxmlformats.org/presentationml/2006/main">
+  <p:cSld>
+    <p:spTree>
+      <p:nvGrpSpPr>
+        <p:cNvPr id="1" name=""/>
+        <p:cNvGrpSpPr/>
+        <p:nvPr/>
+      </p:nvGrpSpPr>
+      <p:grpSpPr>
+        <a:xfrm>
+          <a:off x="0" y="0"/>
+          <a:ext cx="0" cy="0"/>
+          <a:chOff x="0" y="0"/>
+          <a:chExt cx="0" cy="0"/>
+        </a:xfrm>
+      </p:grpSpPr>
+      <p:sp>
+        <p:nvSpPr>
+          <p:cNvPr id="2" name="標題 1"/>
+          <p:cNvSpPr>
+            <a:spLocks noGrp="1"/>
+          </p:cNvSpPr>
+          <p:nvPr>
+            <p:ph type="title"/>
+          </p:nvPr>
+        </p:nvSpPr>
+        <p:spPr>
+          <a:xfrm>
+            <a:off x="0" y="85712"/>
+            <a:ext cx="8991600" cy="628650"/>
+          </a:xfrm>
+        </p:spPr>
+        <p:txBody>
+          <a:bodyPr>
+            <a:noAutofit/>
+          </a:bodyPr>
+          <a:lstStyle/>
+          <a:p>
+            <a:r>
+              <a:rPr lang="zh-CN" altLang="en-US" sz="4000" b="1" dirty="0" smtClean="0">
+                <a:solidFill>
+                  <a:srgbClr val="000066"/>
+                </a:solidFill>
+                <a:latin typeface="微軟正黑體" pitchFamily="34" charset="-120"/>
+                <a:ea typeface="微軟正黑體" pitchFamily="34" charset="-120"/>
+              </a:rPr>
+              <a:t>公禱文</a:t>
+            </a:r>
+            <a:endParaRPr lang="zh-TW" altLang="en-US" sz="4000" b="1" dirty="0">
+              <a:solidFill>
+                <a:srgbClr val="000066"/>
+              </a:solidFill>
+              <a:latin typeface="微軟正黑體" pitchFamily="34" charset="-120"/>
+              <a:ea typeface="微軟正黑體" pitchFamily="34" charset="-120"/>
+            </a:endParaRPr>
+          </a:p>
+        </p:txBody>
+      </p:sp>
+      <p:sp>
+        <p:nvSpPr>
+          <p:cNvPr id="4" name="內容版面配置區 3"/>
+          <p:cNvSpPr>
+            <a:spLocks noGrp="1"/>
+          </p:cNvSpPr>
+          <p:nvPr>
+            <p:ph idx="1"/>
+          </p:nvPr>
+        </p:nvSpPr>
+        <p:spPr>
+          <a:xfrm>
+            <a:off x="0" y="785800"/>
+            <a:ext cx="9144000" cy="4357718"/>
+          </a:xfrm>
+        </p:spPr>
+        <p:txBody>
+          <a:bodyPr>
+            <a:noAutofit/>
+          </a:bodyPr>
+          <a:lstStyle/>
+          <a:p>
+            <a:pPr algn="ctr">
+              <a:buNone/>
+            </a:pPr>
+            <a:r>
+              <a:rPr lang="zh-CN" altLang="en-US" sz="4800" b="1" dirty="0" smtClean="0">
+                <a:solidFill>
+                  <a:srgbClr val="000066"/>
+                </a:solidFill>
+                <a:effectLst>
+                  <a:outerShdw blurRad="50000" dist="30000" dir="5400000" algn="tl" rotWithShape="0">
+                    <a:srgbClr val="000000">
+                      <a:alpha val="30000"/>
+                    </a:srgbClr>
+                  </a:outerShdw>
+                </a:effectLst>
+                <a:latin typeface="微軟正黑體" pitchFamily="34" charset="-120"/>
+                <a:ea typeface="微軟正黑體" pitchFamily="34" charset="-120"/>
+              </a:rPr>
+              <a:t>我們在天上的父</a:t>
+            </a:r>
+            <a:endParaRPr lang="en-US" altLang="zh-CN" sz="4800" b="1" dirty="0" smtClean="0">
+              <a:solidFill>
+                <a:srgbClr val="000066"/>
+              </a:solidFill>
+              <a:effectLst>
+                <a:outerShdw blurRad="50000" dist="30000" dir="5400000" algn="tl" rotWithShape="0">
+                  <a:srgbClr val="000000">
+                    <a:alpha val="30000"/>
+                  </a:srgbClr>
+                </a:outerShdw>
+              </a:effectLst>
+              <a:latin typeface="微軟正黑體" pitchFamily="34" charset="-120"/>
+              <a:ea typeface="微軟正黑體" pitchFamily="34" charset="-120"/>
+            </a:endParaRPr>
+          </a:p>
+          <a:p>
+            <a:pPr algn="ctr">
+              <a:buNone/>
+            </a:pPr>
+            <a:r>
+              <a:rPr lang="zh-CN" altLang="en-US" sz="4800" b="1" dirty="0" smtClean="0">
+                <a:solidFill>
+                  <a:srgbClr val="000066"/>
+                </a:solidFill>
+                <a:effectLst>
+                  <a:outerShdw blurRad="50000" dist="30000" dir="5400000" algn="tl" rotWithShape="0">
+                    <a:srgbClr val="000000">
+                      <a:alpha val="30000"/>
+                    </a:srgbClr>
+                  </a:outerShdw>
+                </a:effectLst>
+                <a:latin typeface="微軟正黑體" pitchFamily="34" charset="-120"/>
+                <a:ea typeface="微軟正黑體" pitchFamily="34" charset="-120"/>
+              </a:rPr>
+              <a:t>願人</a:t>
+            </a:r>
+            <a:r>
+              <a:rPr lang="zh-CN" altLang="en-US" sz="4800" b="1" smtClean="0">
+                <a:solidFill>
+                  <a:srgbClr val="000066"/>
+                </a:solidFill>
+                <a:effectLst>
+                  <a:outerShdw blurRad="50000" dist="30000" dir="5400000" algn="tl" rotWithShape="0">
+                    <a:srgbClr val="000000">
+                      <a:alpha val="30000"/>
+                    </a:srgbClr>
+                  </a:outerShdw>
+                </a:effectLst>
+                <a:latin typeface="微軟正黑體" pitchFamily="34" charset="-120"/>
+                <a:ea typeface="微軟正黑體" pitchFamily="34" charset="-120"/>
+              </a:rPr>
+              <a:t>都</a:t>
+            </a:r>
+            <a:r>
+              <a:rPr lang="zh-CN" altLang="en-US" sz="4800" b="1">
+                <a:solidFill>
+                  <a:srgbClr val="000066"/>
+                </a:solidFill>
+                <a:effectLst>
+                  <a:outerShdw blurRad="50000" dist="30000" dir="5400000" algn="tl" rotWithShape="0">
+                    <a:srgbClr val="000000">
+                      <a:alpha val="30000"/>
+                    </a:srgbClr>
+                  </a:outerShdw>
+                </a:effectLst>
+                <a:latin typeface="微軟正黑體" pitchFamily="34" charset="-120"/>
+                <a:ea typeface="微軟正黑體" pitchFamily="34" charset="-120"/>
+              </a:rPr>
+              <a:t>尊父的</a:t>
+            </a:r>
+            <a:r>
+              <a:rPr lang="zh-CN" altLang="en-US" sz="4800" b="1" dirty="0" smtClean="0">
+                <a:solidFill>
+                  <a:srgbClr val="000066"/>
+                </a:solidFill>
+                <a:effectLst>
+                  <a:outerShdw blurRad="50000" dist="30000" dir="5400000" algn="tl" rotWithShape="0">
+                    <a:srgbClr val="000000">
+                      <a:alpha val="30000"/>
+                    </a:srgbClr>
+                  </a:outerShdw>
+                </a:effectLst>
+                <a:latin typeface="微軟正黑體" pitchFamily="34" charset="-120"/>
+                <a:ea typeface="微軟正黑體" pitchFamily="34" charset="-120"/>
+              </a:rPr>
+              <a:t>名為聖</a:t>
+            </a:r>
+            <a:endParaRPr lang="en-US" altLang="zh-CN" sz="4800" b="1" dirty="0" smtClean="0">
+              <a:solidFill>
+                <a:srgbClr val="000066"/>
+              </a:solidFill>
+              <a:effectLst>
+                <a:outerShdw blurRad="50000" dist="30000" dir="5400000" algn="tl" rotWithShape="0">
+                  <a:srgbClr val="000000">
+                    <a:alpha val="30000"/>
+                  </a:srgbClr>
+                </a:outerShdw>
+              </a:effectLst>
+              <a:latin typeface="微軟正黑體" pitchFamily="34" charset="-120"/>
+              <a:ea typeface="微軟正黑體" pitchFamily="34" charset="-120"/>
+            </a:endParaRPr>
+          </a:p>
+          <a:p>
+            <a:pPr algn="ctr">
+              <a:buNone/>
+            </a:pPr>
+            <a:r>
+              <a:rPr lang="zh-CN" altLang="en-US" sz="4800" b="1" dirty="0" smtClean="0">
+                <a:solidFill>
+                  <a:srgbClr val="000066"/>
+                </a:solidFill>
+                <a:effectLst>
+                  <a:outerShdw blurRad="50000" dist="30000" dir="5400000" algn="tl" rotWithShape="0">
+                    <a:srgbClr val="000000">
+                      <a:alpha val="30000"/>
+                    </a:srgbClr>
+                  </a:outerShdw>
+                </a:effectLst>
+                <a:latin typeface="微軟正黑體" pitchFamily="34" charset="-120"/>
+                <a:ea typeface="微軟正黑體" pitchFamily="34" charset="-120"/>
+              </a:rPr>
+              <a:t>願父的國降臨</a:t>
+            </a:r>
+            <a:endParaRPr lang="en-US" altLang="zh-CN" sz="4800" b="1" dirty="0" smtClean="0">
+              <a:solidFill>
+                <a:srgbClr val="000066"/>
+              </a:solidFill>
+              <a:effectLst>
+                <a:outerShdw blurRad="50000" dist="30000" dir="5400000" algn="tl" rotWithShape="0">
+                  <a:srgbClr val="000000">
+                    <a:alpha val="30000"/>
+                  </a:srgbClr>
+                </a:outerShdw>
+              </a:effectLst>
+              <a:latin typeface="微軟正黑體" pitchFamily="34" charset="-120"/>
+              <a:ea typeface="微軟正黑體" pitchFamily="34" charset="-120"/>
+            </a:endParaRPr>
+          </a:p>
+          <a:p>
+            <a:pPr algn="ctr">
+              <a:buNone/>
+            </a:pPr>
+            <a:r>
+              <a:rPr lang="zh-CN" altLang="en-US" sz="4800" b="1" dirty="0" smtClean="0">
+                <a:solidFill>
+                  <a:srgbClr val="000066"/>
+                </a:solidFill>
+                <a:effectLst>
+                  <a:outerShdw blurRad="50000" dist="30000" dir="5400000" algn="tl" rotWithShape="0">
+                    <a:srgbClr val="000000">
+                      <a:alpha val="30000"/>
+                    </a:srgbClr>
+                  </a:outerShdw>
+                </a:effectLst>
+                <a:latin typeface="微軟正黑體" pitchFamily="34" charset="-120"/>
+                <a:ea typeface="微軟正黑體" pitchFamily="34" charset="-120"/>
+              </a:rPr>
+              <a:t>願父的旨意行在地上</a:t>
+            </a:r>
+            <a:endParaRPr lang="en-US" altLang="zh-CN" sz="4800" b="1" dirty="0" smtClean="0">
+              <a:solidFill>
+                <a:srgbClr val="000066"/>
+              </a:solidFill>
+              <a:effectLst>
+                <a:outerShdw blurRad="50000" dist="30000" dir="5400000" algn="tl" rotWithShape="0">
+                  <a:srgbClr val="000000">
+                    <a:alpha val="30000"/>
+                  </a:srgbClr>
+                </a:outerShdw>
+              </a:effectLst>
+              <a:latin typeface="微軟正黑體" pitchFamily="34" charset="-120"/>
+              <a:ea typeface="微軟正黑體" pitchFamily="34" charset="-120"/>
+            </a:endParaRPr>
+          </a:p>
+          <a:p>
+            <a:pPr algn="ctr">
+              <a:buNone/>
+            </a:pPr>
+            <a:r>
+              <a:rPr lang="zh-CN" altLang="en-US" sz="4800" b="1" dirty="0" smtClean="0">
+                <a:solidFill>
+                  <a:srgbClr val="000066"/>
+                </a:solidFill>
+                <a:effectLst>
+                  <a:outerShdw blurRad="50000" dist="30000" dir="5400000" algn="tl" rotWithShape="0">
+                    <a:srgbClr val="000000">
+                      <a:alpha val="30000"/>
+                    </a:srgbClr>
+                  </a:outerShdw>
+                </a:effectLst>
+                <a:latin typeface="微軟正黑體" pitchFamily="34" charset="-120"/>
+                <a:ea typeface="微軟正黑體" pitchFamily="34" charset="-120"/>
+              </a:rPr>
+              <a:t>如同行在天上</a:t>
+            </a:r>
+            <a:endParaRPr lang="zh-TW" altLang="en-US" sz="4800" b="1" dirty="0">
+              <a:solidFill>
+                <a:srgbClr val="000066"/>
+              </a:solidFill>
+              <a:effectLst>
+                <a:outerShdw blurRad="50000" dist="30000" dir="5400000" algn="tl" rotWithShape="0">
+                  <a:srgbClr val="000000">
+                    <a:alpha val="30000"/>
+                  </a:srgbClr>
+                </a:outerShdw>
+              </a:effectLst>
+              <a:latin typeface="微軟正黑體" pitchFamily="34" charset="-120"/>
+              <a:ea typeface="微軟正黑體" pitchFamily="34" charset="-120"/>
+            </a:endParaRPr>
+          </a:p>
+        </p:txBody>
+      </p:sp>
+    </p:spTree>
+  </p:cSld>
+  <p:clrMapOvr>
+    <a:masterClrMapping/>
+  </p:clrMapOvr>
+  <p:timing>
+    <p:tnLst>
+      <p:par>
+        <p:cTn id="1" dur="indefinite" restart="never" nodeType="tmRoot"/>
+      </p:par>
+    </p:tnLst>
+  </p:timing>
+</p:sld>
+</file>
+
+<file path=ppt/slides/slide81.xml><?xml version="1.0" encoding="utf-8"?>
+<p:sld xmlns:a="http://schemas.openxmlformats.org/drawingml/2006/main" xmlns:r="http://schemas.openxmlformats.org/officeDocument/2006/relationships" xmlns:p="http://schemas.openxmlformats.org/presentationml/2006/main">
+  <p:cSld>
+    <p:spTree>
+      <p:nvGrpSpPr>
+        <p:cNvPr id="1" name=""/>
+        <p:cNvGrpSpPr/>
+        <p:nvPr/>
+      </p:nvGrpSpPr>
+      <p:grpSpPr>
+        <a:xfrm>
+          <a:off x="0" y="0"/>
+          <a:ext cx="0" cy="0"/>
+          <a:chOff x="0" y="0"/>
+          <a:chExt cx="0" cy="0"/>
+        </a:xfrm>
+      </p:grpSpPr>
+      <p:sp>
+        <p:nvSpPr>
+          <p:cNvPr id="2" name="標題 1"/>
+          <p:cNvSpPr>
+            <a:spLocks noGrp="1"/>
+          </p:cNvSpPr>
+          <p:nvPr>
+            <p:ph type="title"/>
+          </p:nvPr>
+        </p:nvSpPr>
+        <p:spPr>
+          <a:xfrm>
+            <a:off x="0" y="85712"/>
+            <a:ext cx="8991600" cy="628650"/>
+          </a:xfrm>
+        </p:spPr>
+        <p:txBody>
+          <a:bodyPr>
+            <a:noAutofit/>
+          </a:bodyPr>
+          <a:lstStyle/>
+          <a:p>
+            <a:r>
+              <a:rPr lang="zh-CN" altLang="en-US" sz="4000" b="1" dirty="0" smtClean="0">
+                <a:solidFill>
+                  <a:srgbClr val="000066"/>
+                </a:solidFill>
+                <a:latin typeface="微軟正黑體" pitchFamily="34" charset="-120"/>
+                <a:ea typeface="微軟正黑體" pitchFamily="34" charset="-120"/>
+              </a:rPr>
+              <a:t>公禱文</a:t>
+            </a:r>
+            <a:endParaRPr lang="zh-TW" altLang="en-US" sz="4000" b="1" dirty="0">
+              <a:solidFill>
+                <a:srgbClr val="000066"/>
+              </a:solidFill>
+              <a:latin typeface="微軟正黑體" pitchFamily="34" charset="-120"/>
+              <a:ea typeface="微軟正黑體" pitchFamily="34" charset="-120"/>
+            </a:endParaRPr>
+          </a:p>
+        </p:txBody>
+      </p:sp>
+      <p:sp>
+        <p:nvSpPr>
+          <p:cNvPr id="4" name="內容版面配置區 3"/>
+          <p:cNvSpPr>
+            <a:spLocks noGrp="1"/>
+          </p:cNvSpPr>
+          <p:nvPr>
+            <p:ph idx="1"/>
+          </p:nvPr>
+        </p:nvSpPr>
+        <p:spPr>
+          <a:xfrm>
+            <a:off x="0" y="1142990"/>
+            <a:ext cx="9144000" cy="4000528"/>
+          </a:xfrm>
+        </p:spPr>
+        <p:txBody>
+          <a:bodyPr>
+            <a:noAutofit/>
+          </a:bodyPr>
+          <a:lstStyle/>
+          <a:p>
+            <a:pPr algn="ctr">
+              <a:buNone/>
+            </a:pPr>
+            <a:r>
+              <a:rPr lang="zh-CN" altLang="en-US" sz="4800" b="1" dirty="0" smtClean="0">
+                <a:solidFill>
+                  <a:srgbClr val="000066"/>
+                </a:solidFill>
+                <a:effectLst>
+                  <a:outerShdw blurRad="50000" dist="30000" dir="5400000" algn="tl" rotWithShape="0">
+                    <a:srgbClr val="000000">
+                      <a:alpha val="30000"/>
+                    </a:srgbClr>
+                  </a:outerShdw>
+                </a:effectLst>
+                <a:latin typeface="微軟正黑體" pitchFamily="34" charset="-120"/>
+                <a:ea typeface="微軟正黑體" pitchFamily="34" charset="-120"/>
+              </a:rPr>
+              <a:t>我們日用的飲食</a:t>
+            </a:r>
+            <a:endParaRPr lang="en-US" altLang="zh-CN" sz="4800" b="1" dirty="0" smtClean="0">
+              <a:solidFill>
+                <a:srgbClr val="000066"/>
+              </a:solidFill>
+              <a:effectLst>
+                <a:outerShdw blurRad="50000" dist="30000" dir="5400000" algn="tl" rotWithShape="0">
+                  <a:srgbClr val="000000">
+                    <a:alpha val="30000"/>
+                  </a:srgbClr>
+                </a:outerShdw>
+              </a:effectLst>
+              <a:latin typeface="微軟正黑體" pitchFamily="34" charset="-120"/>
+              <a:ea typeface="微軟正黑體" pitchFamily="34" charset="-120"/>
+            </a:endParaRPr>
+          </a:p>
+          <a:p>
+            <a:pPr algn="ctr">
+              <a:buNone/>
+            </a:pPr>
+            <a:r>
+              <a:rPr lang="zh-CN" altLang="en-US" sz="4800" b="1" dirty="0" smtClean="0">
+                <a:solidFill>
+                  <a:srgbClr val="000066"/>
+                </a:solidFill>
+                <a:effectLst>
+                  <a:outerShdw blurRad="50000" dist="30000" dir="5400000" algn="tl" rotWithShape="0">
+                    <a:srgbClr val="000000">
+                      <a:alpha val="30000"/>
+                    </a:srgbClr>
+                  </a:outerShdw>
+                </a:effectLst>
+                <a:latin typeface="微軟正黑體" pitchFamily="34" charset="-120"/>
+                <a:ea typeface="微軟正黑體" pitchFamily="34" charset="-120"/>
+              </a:rPr>
+              <a:t>今日賜給我們</a:t>
+            </a:r>
+            <a:endParaRPr lang="en-US" altLang="zh-CN" sz="4800" b="1" dirty="0" smtClean="0">
+              <a:solidFill>
+                <a:srgbClr val="000066"/>
+              </a:solidFill>
+              <a:effectLst>
+                <a:outerShdw blurRad="50000" dist="30000" dir="5400000" algn="tl" rotWithShape="0">
+                  <a:srgbClr val="000000">
+                    <a:alpha val="30000"/>
+                  </a:srgbClr>
+                </a:outerShdw>
+              </a:effectLst>
+              <a:latin typeface="微軟正黑體" pitchFamily="34" charset="-120"/>
+              <a:ea typeface="微軟正黑體" pitchFamily="34" charset="-120"/>
+            </a:endParaRPr>
+          </a:p>
+          <a:p>
+            <a:pPr algn="ctr">
+              <a:buNone/>
+            </a:pPr>
+            <a:r>
+              <a:rPr lang="zh-CN" altLang="en-US" sz="4800" b="1" dirty="0" smtClean="0">
+                <a:solidFill>
+                  <a:srgbClr val="000066"/>
+                </a:solidFill>
+                <a:effectLst>
+                  <a:outerShdw blurRad="50000" dist="30000" dir="5400000" algn="tl" rotWithShape="0">
+                    <a:srgbClr val="000000">
+                      <a:alpha val="30000"/>
+                    </a:srgbClr>
+                  </a:outerShdw>
+                </a:effectLst>
+                <a:latin typeface="微軟正黑體" pitchFamily="34" charset="-120"/>
+                <a:ea typeface="微軟正黑體" pitchFamily="34" charset="-120"/>
+              </a:rPr>
+              <a:t>免我們的債</a:t>
+            </a:r>
+            <a:endParaRPr lang="en-US" altLang="zh-CN" sz="4800" b="1" dirty="0" smtClean="0">
+              <a:solidFill>
+                <a:srgbClr val="000066"/>
+              </a:solidFill>
+              <a:effectLst>
+                <a:outerShdw blurRad="50000" dist="30000" dir="5400000" algn="tl" rotWithShape="0">
+                  <a:srgbClr val="000000">
+                    <a:alpha val="30000"/>
+                  </a:srgbClr>
+                </a:outerShdw>
+              </a:effectLst>
+              <a:latin typeface="微軟正黑體" pitchFamily="34" charset="-120"/>
+              <a:ea typeface="微軟正黑體" pitchFamily="34" charset="-120"/>
+            </a:endParaRPr>
+          </a:p>
+          <a:p>
+            <a:pPr algn="ctr">
+              <a:buNone/>
+            </a:pPr>
+            <a:r>
+              <a:rPr lang="zh-CN" altLang="en-US" sz="4800" b="1" dirty="0" smtClean="0">
+                <a:solidFill>
+                  <a:srgbClr val="000066"/>
+                </a:solidFill>
+                <a:effectLst>
+                  <a:outerShdw blurRad="50000" dist="30000" dir="5400000" algn="tl" rotWithShape="0">
+                    <a:srgbClr val="000000">
+                      <a:alpha val="30000"/>
+                    </a:srgbClr>
+                  </a:outerShdw>
+                </a:effectLst>
+                <a:latin typeface="微軟正黑體" pitchFamily="34" charset="-120"/>
+                <a:ea typeface="微軟正黑體" pitchFamily="34" charset="-120"/>
+              </a:rPr>
+              <a:t>如同我們免了人的債</a:t>
+            </a:r>
+            <a:endParaRPr lang="zh-TW" altLang="en-US" sz="4800" b="1" dirty="0" smtClean="0">
+              <a:solidFill>
+                <a:srgbClr val="000066"/>
+              </a:solidFill>
+              <a:effectLst>
+                <a:outerShdw blurRad="50000" dist="30000" dir="5400000" algn="tl" rotWithShape="0">
+                  <a:srgbClr val="000000">
+                    <a:alpha val="30000"/>
+                  </a:srgbClr>
+                </a:outerShdw>
+              </a:effectLst>
+              <a:latin typeface="微軟正黑體" pitchFamily="34" charset="-120"/>
+              <a:ea typeface="微軟正黑體" pitchFamily="34" charset="-120"/>
+            </a:endParaRPr>
+          </a:p>
+        </p:txBody>
+      </p:sp>
+    </p:spTree>
+  </p:cSld>
+  <p:clrMapOvr>
+    <a:masterClrMapping/>
+  </p:clrMapOvr>
+  <p:timing>
+    <p:tnLst>
+      <p:par>
+        <p:cTn id="1" dur="indefinite" restart="never" nodeType="tmRoot"/>
+      </p:par>
+    </p:tnLst>
+  </p:timing>
+</p:sld>
+</file>
+
+<file path=ppt/slides/slide82.xml><?xml version="1.0" encoding="utf-8"?>
+<p:sld xmlns:a="http://schemas.openxmlformats.org/drawingml/2006/main" xmlns:r="http://schemas.openxmlformats.org/officeDocument/2006/relationships" xmlns:p="http://schemas.openxmlformats.org/presentationml/2006/main">
+  <p:cSld>
+    <p:spTree>
+      <p:nvGrpSpPr>
+        <p:cNvPr id="1" name=""/>
+        <p:cNvGrpSpPr/>
+        <p:nvPr/>
+      </p:nvGrpSpPr>
+      <p:grpSpPr>
+        <a:xfrm>
+          <a:off x="0" y="0"/>
+          <a:ext cx="0" cy="0"/>
+          <a:chOff x="0" y="0"/>
+          <a:chExt cx="0" cy="0"/>
+        </a:xfrm>
+      </p:grpSpPr>
+      <p:sp>
+        <p:nvSpPr>
+          <p:cNvPr id="2" name="標題 1"/>
+          <p:cNvSpPr>
+            <a:spLocks noGrp="1"/>
+          </p:cNvSpPr>
+          <p:nvPr>
+            <p:ph type="title"/>
+          </p:nvPr>
+        </p:nvSpPr>
+        <p:spPr>
+          <a:xfrm>
+            <a:off x="0" y="85712"/>
+            <a:ext cx="8991600" cy="628650"/>
+          </a:xfrm>
+        </p:spPr>
+        <p:txBody>
+          <a:bodyPr>
+            <a:noAutofit/>
+          </a:bodyPr>
+          <a:lstStyle/>
+          <a:p>
+            <a:r>
+              <a:rPr lang="zh-CN" altLang="en-US" sz="4000" b="1" dirty="0" smtClean="0">
+                <a:solidFill>
+                  <a:srgbClr val="000066"/>
+                </a:solidFill>
+                <a:latin typeface="微軟正黑體" pitchFamily="34" charset="-120"/>
+                <a:ea typeface="微軟正黑體" pitchFamily="34" charset="-120"/>
+              </a:rPr>
+              <a:t>公禱文</a:t>
+            </a:r>
+            <a:endParaRPr lang="zh-TW" altLang="en-US" sz="4000" b="1" dirty="0">
+              <a:solidFill>
+                <a:srgbClr val="000066"/>
+              </a:solidFill>
+              <a:latin typeface="微軟正黑體" pitchFamily="34" charset="-120"/>
+              <a:ea typeface="微軟正黑體" pitchFamily="34" charset="-120"/>
+            </a:endParaRPr>
+          </a:p>
+        </p:txBody>
+      </p:sp>
+      <p:sp>
+        <p:nvSpPr>
+          <p:cNvPr id="4" name="內容版面配置區 3"/>
+          <p:cNvSpPr>
+            <a:spLocks noGrp="1"/>
+          </p:cNvSpPr>
+          <p:nvPr>
+            <p:ph idx="1"/>
+          </p:nvPr>
+        </p:nvSpPr>
+        <p:spPr>
+          <a:xfrm>
+            <a:off x="0" y="1071552"/>
+            <a:ext cx="9144000" cy="4071966"/>
+          </a:xfrm>
+        </p:spPr>
+        <p:txBody>
+          <a:bodyPr>
+            <a:noAutofit/>
+          </a:bodyPr>
+          <a:lstStyle/>
+          <a:p>
+            <a:pPr algn="ctr">
+              <a:buNone/>
+            </a:pPr>
+            <a:r>
+              <a:rPr lang="zh-CN" altLang="en-US" sz="4800" b="1" dirty="0" smtClean="0">
+                <a:solidFill>
+                  <a:srgbClr val="000066"/>
+                </a:solidFill>
+                <a:effectLst>
+                  <a:outerShdw blurRad="50000" dist="30000" dir="5400000" algn="tl" rotWithShape="0">
+                    <a:srgbClr val="000000">
+                      <a:alpha val="30000"/>
+                    </a:srgbClr>
+                  </a:outerShdw>
+                </a:effectLst>
+                <a:latin typeface="微軟正黑體" pitchFamily="34" charset="-120"/>
+                <a:ea typeface="微軟正黑體" pitchFamily="34" charset="-120"/>
+              </a:rPr>
+              <a:t>不叫我們遇見試探</a:t>
+            </a:r>
+            <a:endParaRPr lang="en-US" altLang="zh-CN" sz="4800" b="1" dirty="0" smtClean="0">
+              <a:solidFill>
+                <a:srgbClr val="000066"/>
+              </a:solidFill>
+              <a:effectLst>
+                <a:outerShdw blurRad="50000" dist="30000" dir="5400000" algn="tl" rotWithShape="0">
+                  <a:srgbClr val="000000">
+                    <a:alpha val="30000"/>
+                  </a:srgbClr>
+                </a:outerShdw>
+              </a:effectLst>
+              <a:latin typeface="微軟正黑體" pitchFamily="34" charset="-120"/>
+              <a:ea typeface="微軟正黑體" pitchFamily="34" charset="-120"/>
+            </a:endParaRPr>
+          </a:p>
+          <a:p>
+            <a:pPr algn="ctr">
+              <a:buNone/>
+            </a:pPr>
+            <a:r>
+              <a:rPr lang="zh-CN" altLang="en-US" sz="4800" b="1" dirty="0" smtClean="0">
+                <a:solidFill>
+                  <a:srgbClr val="000066"/>
+                </a:solidFill>
+                <a:effectLst>
+                  <a:outerShdw blurRad="50000" dist="30000" dir="5400000" algn="tl" rotWithShape="0">
+                    <a:srgbClr val="000000">
+                      <a:alpha val="30000"/>
+                    </a:srgbClr>
+                  </a:outerShdw>
+                </a:effectLst>
+                <a:latin typeface="微軟正黑體" pitchFamily="34" charset="-120"/>
+                <a:ea typeface="微軟正黑體" pitchFamily="34" charset="-120"/>
+              </a:rPr>
+              <a:t>救我們脫離兇惡</a:t>
+            </a:r>
+            <a:endParaRPr lang="en-US" altLang="zh-CN" sz="4800" b="1" dirty="0" smtClean="0">
+              <a:solidFill>
+                <a:srgbClr val="000066"/>
+              </a:solidFill>
+              <a:effectLst>
+                <a:outerShdw blurRad="50000" dist="30000" dir="5400000" algn="tl" rotWithShape="0">
+                  <a:srgbClr val="000000">
+                    <a:alpha val="30000"/>
+                  </a:srgbClr>
+                </a:outerShdw>
+              </a:effectLst>
+              <a:latin typeface="微軟正黑體" pitchFamily="34" charset="-120"/>
+              <a:ea typeface="微軟正黑體" pitchFamily="34" charset="-120"/>
+            </a:endParaRPr>
+          </a:p>
+          <a:p>
+            <a:pPr algn="ctr">
+              <a:buNone/>
+            </a:pPr>
+            <a:r>
+              <a:rPr lang="zh-CN" altLang="en-US" sz="4800" b="1" dirty="0" smtClean="0">
+                <a:solidFill>
+                  <a:srgbClr val="000066"/>
+                </a:solidFill>
+                <a:effectLst>
+                  <a:outerShdw blurRad="50000" dist="30000" dir="5400000" algn="tl" rotWithShape="0">
+                    <a:srgbClr val="000000">
+                      <a:alpha val="30000"/>
+                    </a:srgbClr>
+                  </a:outerShdw>
+                </a:effectLst>
+                <a:latin typeface="微軟正黑體" pitchFamily="34" charset="-120"/>
+                <a:ea typeface="微軟正黑體" pitchFamily="34" charset="-120"/>
+              </a:rPr>
+              <a:t>因為國度 權柄 榮耀</a:t>
+            </a:r>
+            <a:endParaRPr lang="en-US" altLang="zh-CN" sz="4800" b="1" dirty="0" smtClean="0">
+              <a:solidFill>
+                <a:srgbClr val="000066"/>
+              </a:solidFill>
+              <a:effectLst>
+                <a:outerShdw blurRad="50000" dist="30000" dir="5400000" algn="tl" rotWithShape="0">
+                  <a:srgbClr val="000000">
+                    <a:alpha val="30000"/>
+                  </a:srgbClr>
+                </a:outerShdw>
+              </a:effectLst>
+              <a:latin typeface="微軟正黑體" pitchFamily="34" charset="-120"/>
+              <a:ea typeface="微軟正黑體" pitchFamily="34" charset="-120"/>
+            </a:endParaRPr>
+          </a:p>
+          <a:p>
+            <a:pPr algn="ctr">
+              <a:buNone/>
+            </a:pPr>
+            <a:r>
+              <a:rPr lang="zh-CN" altLang="en-US" sz="4800" b="1" dirty="0" smtClean="0">
+                <a:solidFill>
+                  <a:srgbClr val="000066"/>
+                </a:solidFill>
+                <a:effectLst>
+                  <a:outerShdw blurRad="50000" dist="30000" dir="5400000" algn="tl" rotWithShape="0">
+                    <a:srgbClr val="000000">
+                      <a:alpha val="30000"/>
+                    </a:srgbClr>
+                  </a:outerShdw>
+                </a:effectLst>
+                <a:latin typeface="微軟正黑體" pitchFamily="34" charset="-120"/>
+                <a:ea typeface="微軟正黑體" pitchFamily="34" charset="-120"/>
+              </a:rPr>
+              <a:t>全是父的 直到永遠</a:t>
+            </a:r>
+            <a:r>
+              <a:rPr lang="en-US" altLang="zh-CN" sz="4800" b="1" dirty="0" smtClean="0">
+                <a:solidFill>
+                  <a:srgbClr val="000066"/>
+                </a:solidFill>
+                <a:effectLst>
+                  <a:outerShdw blurRad="50000" dist="30000" dir="5400000" algn="tl" rotWithShape="0">
+                    <a:srgbClr val="000000">
+                      <a:alpha val="30000"/>
+                    </a:srgbClr>
+                  </a:outerShdw>
+                </a:effectLst>
+                <a:latin typeface="微軟正黑體" pitchFamily="34" charset="-120"/>
+                <a:ea typeface="微軟正黑體" pitchFamily="34" charset="-120"/>
+              </a:rPr>
+              <a:t>  </a:t>
+            </a:r>
+            <a:r>
+              <a:rPr lang="zh-CN" altLang="en-US" sz="4800" b="1" dirty="0" smtClean="0">
+                <a:solidFill>
+                  <a:srgbClr val="000066"/>
+                </a:solidFill>
+                <a:effectLst>
+                  <a:outerShdw blurRad="50000" dist="30000" dir="5400000" algn="tl" rotWithShape="0">
+                    <a:srgbClr val="000000">
+                      <a:alpha val="30000"/>
+                    </a:srgbClr>
+                  </a:outerShdw>
+                </a:effectLst>
+                <a:latin typeface="微軟正黑體" pitchFamily="34" charset="-120"/>
+                <a:ea typeface="微軟正黑體" pitchFamily="34" charset="-120"/>
+              </a:rPr>
+              <a:t>阿門</a:t>
+            </a:r>
+            <a:endParaRPr lang="zh-TW" altLang="en-US" sz="4800" b="1" dirty="0" smtClean="0">
+              <a:solidFill>
+                <a:srgbClr val="000066"/>
+              </a:solidFill>
+              <a:effectLst>
+                <a:outerShdw blurRad="50000" dist="30000" dir="5400000" algn="tl" rotWithShape="0">
+                  <a:srgbClr val="000000">
+                    <a:alpha val="30000"/>
+                  </a:srgbClr>
+                </a:outerShdw>
+              </a:effectLst>
+              <a:latin typeface="微軟正黑體" pitchFamily="34" charset="-120"/>
+              <a:ea typeface="微軟正黑體" pitchFamily="34" charset="-120"/>
+            </a:endParaRPr>
+          </a:p>
+        </p:txBody>
+      </p:sp>
+    </p:spTree>
+  </p:cSld>
+  <p:clrMapOvr>
+    <a:masterClrMapping/>
+  </p:clrMapOvr>
+  <p:timing>
+    <p:tnLst>
+      <p:par>
+        <p:cTn id="1" dur="indefinite" restart="never" nodeType="tmRoot"/>
+      </p:par>
+    </p:tnLst>
+  </p:timing>
+</p:sld>
+</file>
+
+<file path=ppt/slides/slide83.xml><?xml version="1.0" encoding="utf-8"?>
+<p:sld xmlns:a="http://schemas.openxmlformats.org/drawingml/2006/main" xmlns:r="http://schemas.openxmlformats.org/officeDocument/2006/relationships" xmlns:p="http://schemas.openxmlformats.org/presentationml/2006/main">
+  <p:cSld>
+    <p:spTree>
+      <p:nvGrpSpPr>
+        <p:cNvPr id="1" name=""/>
+        <p:cNvGrpSpPr/>
+        <p:nvPr/>
+      </p:nvGrpSpPr>
+      <p:grpSpPr>
+        <a:xfrm>
+          <a:off x="0" y="0"/>
+          <a:ext cx="0" cy="0"/>
+          <a:chOff x="0" y="0"/>
+          <a:chExt cx="0" cy="0"/>
+        </a:xfrm>
+      </p:grpSpPr>
+      <p:sp>
+        <p:nvSpPr>
+          <p:cNvPr id="2" name="標題 1"/>
+          <p:cNvSpPr>
+            <a:spLocks noGrp="1"/>
+          </p:cNvSpPr>
+          <p:nvPr>
+            <p:ph type="title" idx="4294967295"/>
+          </p:nvPr>
+        </p:nvSpPr>
+        <p:spPr>
+          <a:xfrm>
+            <a:off x="0" y="1635646"/>
+            <a:ext cx="9144000" cy="628650"/>
+          </a:xfrm>
+        </p:spPr>
+        <p:txBody>
+          <a:bodyPr>
+            <a:noAutofit/>
+          </a:bodyPr>
+          <a:lstStyle/>
+          <a:p>
+            <a:pPr algn="ctr"/>
+            <a:r>
+              <a:rPr lang="zh-CN" altLang="en-US" sz="5400" b="1" dirty="0" smtClean="0">
+                <a:solidFill>
+                  <a:srgbClr val="000066"/>
+                </a:solidFill>
+                <a:effectLst>
+                  <a:outerShdw blurRad="38100" dist="38100" dir="2700000" algn="tl">
+                    <a:srgbClr val="000000">
+                      <a:alpha val="43137"/>
+                    </a:srgbClr>
+                  </a:outerShdw>
+                </a:effectLst>
+                <a:latin typeface="微軟正黑體" pitchFamily="34" charset="-120"/>
+                <a:ea typeface="微軟正黑體" pitchFamily="34" charset="-120"/>
+              </a:rPr>
+              <a:t>祝福</a:t>
+            </a:r>
+            <a:endParaRPr lang="zh-TW" altLang="en-US" sz="5400" b="1" dirty="0">
+              <a:solidFill>
+                <a:srgbClr val="000066"/>
+              </a:solidFill>
+              <a:effectLst>
+                <a:outerShdw blurRad="38100" dist="38100" dir="2700000" algn="tl">
+                  <a:srgbClr val="000000">
+                    <a:alpha val="43137"/>
+                  </a:srgbClr>
+                </a:outerShdw>
+              </a:effectLst>
+              <a:latin typeface="微軟正黑體" pitchFamily="34" charset="-120"/>
+              <a:ea typeface="微軟正黑體" pitchFamily="34" charset="-120"/>
+            </a:endParaRPr>
+          </a:p>
+        </p:txBody>
+      </p:sp>
+      <p:sp>
+        <p:nvSpPr>
+          <p:cNvPr id="3" name="矩形 2"/>
+          <p:cNvSpPr/>
+          <p:nvPr/>
+        </p:nvSpPr>
+        <p:spPr>
+          <a:xfrm>
+            <a:off x="0" y="2499742"/>
+            <a:ext cx="9144000" cy="830997"/>
+          </a:xfrm>
+          <a:prstGeom prst="rect">
+            <a:avLst/>
+          </a:prstGeom>
+        </p:spPr>
+        <p:txBody>
+          <a:bodyPr wrap="square">
+            <a:spAutoFit/>
+          </a:bodyPr>
+          <a:lstStyle/>
+          <a:p>
+            <a:pPr algn="ctr"/>
+            <a:r>
+              <a:rPr lang="en-US" altLang="zh-CN" sz="4800" b="1" dirty="0" smtClean="0">
+                <a:solidFill>
+                  <a:srgbClr val="660033"/>
+                </a:solidFill>
+                <a:effectLst>
+                  <a:outerShdw blurRad="38100" dist="38100" dir="2700000" algn="tl">
+                    <a:srgbClr val="000000">
+                      <a:alpha val="43137"/>
+                    </a:srgbClr>
+                  </a:outerShdw>
+                </a:effectLst>
+                <a:latin typeface="微軟正黑體" pitchFamily="34" charset="-120"/>
+                <a:ea typeface="微軟正黑體" pitchFamily="34" charset="-120"/>
+                <a:cs typeface="+mj-cs"/>
+              </a:rPr>
+              <a:t>(</a:t>
+            </a:r>
+            <a:r>
+              <a:rPr lang="zh-CN" altLang="en-US" sz="4800" b="1" dirty="0" smtClean="0">
+                <a:solidFill>
+                  <a:srgbClr val="660033"/>
+                </a:solidFill>
+                <a:effectLst>
+                  <a:outerShdw blurRad="38100" dist="38100" dir="2700000" algn="tl">
+                    <a:srgbClr val="000000">
+                      <a:alpha val="43137"/>
+                    </a:srgbClr>
+                  </a:outerShdw>
+                </a:effectLst>
+                <a:latin typeface="微軟正黑體" pitchFamily="34" charset="-120"/>
+                <a:ea typeface="微軟正黑體" pitchFamily="34" charset="-120"/>
+                <a:cs typeface="+mj-cs"/>
+              </a:rPr>
+              <a:t>主禮牧師</a:t>
+            </a:r>
+            <a:r>
+              <a:rPr lang="en-US" altLang="zh-CN" sz="4800" b="1" dirty="0" smtClean="0">
+                <a:solidFill>
+                  <a:srgbClr val="660033"/>
+                </a:solidFill>
+                <a:effectLst>
+                  <a:outerShdw blurRad="38100" dist="38100" dir="2700000" algn="tl">
+                    <a:srgbClr val="000000">
+                      <a:alpha val="43137"/>
+                    </a:srgbClr>
+                  </a:outerShdw>
+                </a:effectLst>
+                <a:latin typeface="微軟正黑體" pitchFamily="34" charset="-120"/>
+                <a:ea typeface="微軟正黑體" pitchFamily="34" charset="-120"/>
+                <a:cs typeface="+mj-cs"/>
+              </a:rPr>
+              <a:t>)</a:t>
+            </a:r>
+            <a:endParaRPr lang="zh-TW" altLang="en-US" sz="4800" b="1" dirty="0" smtClean="0">
+              <a:solidFill>
+                <a:srgbClr val="660033"/>
+              </a:solidFill>
+              <a:effectLst>
+                <a:outerShdw blurRad="38100" dist="38100" dir="2700000" algn="tl">
+                  <a:srgbClr val="000000">
+                    <a:alpha val="43137"/>
+                  </a:srgbClr>
+                </a:outerShdw>
+              </a:effectLst>
+              <a:latin typeface="微軟正黑體" pitchFamily="34" charset="-120"/>
+              <a:ea typeface="微軟正黑體" pitchFamily="34" charset="-120"/>
+              <a:cs typeface="+mj-cs"/>
+            </a:endParaRPr>
+          </a:p>
+        </p:txBody>
+      </p:sp>
+    </p:spTree>
+  </p:cSld>
+  <p:clrMapOvr>
+    <a:masterClrMapping/>
+  </p:clrMapOvr>
+  <p:timing>
+    <p:tnLst>
+      <p:par>
+        <p:cTn id="1" dur="indefinite" restart="never" nodeType="tmRoot"/>
+      </p:par>
+    </p:tnLst>
+  </p:timing>
+</p:sld>
+</file>
+
+<file path=ppt/slides/slide84.xml><?xml version="1.0" encoding="utf-8"?>
+<p:sld xmlns:a="http://schemas.openxmlformats.org/drawingml/2006/main" xmlns:r="http://schemas.openxmlformats.org/officeDocument/2006/relationships" xmlns:p="http://schemas.openxmlformats.org/presentationml/2006/main">
+  <p:cSld>
+    <p:spTree>
+      <p:nvGrpSpPr>
+        <p:cNvPr id="1" name=""/>
+        <p:cNvGrpSpPr/>
+        <p:nvPr/>
+      </p:nvGrpSpPr>
+      <p:grpSpPr>
+        <a:xfrm>
+          <a:off x="0" y="0"/>
+          <a:ext cx="0" cy="0"/>
+          <a:chOff x="0" y="0"/>
+          <a:chExt cx="0" cy="0"/>
+        </a:xfrm>
+      </p:grpSpPr>
+      <p:sp>
+        <p:nvSpPr>
+          <p:cNvPr id="2" name="矩形 1"/>
+          <p:cNvSpPr/>
+          <p:nvPr/>
+        </p:nvSpPr>
+        <p:spPr>
+          <a:xfrm>
+            <a:off x="0" y="1570336"/>
+            <a:ext cx="9144000" cy="923330"/>
+          </a:xfrm>
+          <a:prstGeom prst="rect">
+            <a:avLst/>
+          </a:prstGeom>
+        </p:spPr>
+        <p:txBody>
+          <a:bodyPr wrap="square">
+            <a:spAutoFit/>
+          </a:bodyPr>
+          <a:lstStyle/>
+          <a:p>
+            <a:pPr algn="ctr"/>
+            <a:r>
+              <a:rPr lang="zh-CN" altLang="en-US" sz="5400" b="1" dirty="0" smtClean="0">
+                <a:solidFill>
+                  <a:srgbClr val="000066"/>
+                </a:solidFill>
+                <a:effectLst>
+                  <a:outerShdw blurRad="50000" dist="30000" dir="5400000" algn="tl" rotWithShape="0">
+                    <a:srgbClr val="000000">
+                      <a:alpha val="30000"/>
+                    </a:srgbClr>
+                  </a:outerShdw>
+                </a:effectLst>
+                <a:latin typeface="微軟正黑體" pitchFamily="34" charset="-120"/>
+                <a:ea typeface="微軟正黑體" pitchFamily="34" charset="-120"/>
+                <a:cs typeface="+mj-cs"/>
+              </a:rPr>
+              <a:t>聚會祝福歌</a:t>
+            </a:r>
+            <a:endParaRPr lang="zh-TW" altLang="en-US" sz="5400" b="1" dirty="0" smtClean="0">
+              <a:solidFill>
+                <a:srgbClr val="000066"/>
+              </a:solidFill>
+              <a:effectLst>
+                <a:outerShdw blurRad="50000" dist="30000" dir="5400000" algn="tl" rotWithShape="0">
+                  <a:srgbClr val="000000">
+                    <a:alpha val="30000"/>
+                  </a:srgbClr>
+                </a:outerShdw>
+              </a:effectLst>
+              <a:latin typeface="微軟正黑體" pitchFamily="34" charset="-120"/>
+              <a:ea typeface="微軟正黑體" pitchFamily="34" charset="-120"/>
+              <a:cs typeface="+mj-cs"/>
+            </a:endParaRPr>
+          </a:p>
+        </p:txBody>
+      </p:sp>
+      <p:sp>
+        <p:nvSpPr>
+          <p:cNvPr id="3" name="標題 1"/>
+          <p:cNvSpPr txBox="1"/>
+          <p:nvPr/>
+        </p:nvSpPr>
+        <p:spPr>
+          <a:xfrm>
+            <a:off x="0" y="2435611"/>
+            <a:ext cx="9144000" cy="964405"/>
+          </a:xfrm>
+          <a:prstGeom prst="rect">
+            <a:avLst/>
+          </a:prstGeom>
+        </p:spPr>
+        <p:txBody>
+          <a:bodyPr anchor="ctr">
+            <a:noAutofit/>
+          </a:bodyPr>
+          <a:lstStyle/>
+          <a:p>
+            <a:pPr marL="0" marR="0" lvl="0" indent="0" algn="ctr" defTabSz="914400" rtl="0" eaLnBrk="1" fontAlgn="auto" latinLnBrk="0" hangingPunct="1">
+              <a:lnSpc>
+                <a:spcPct val="100000"/>
+              </a:lnSpc>
+              <a:spcBef>
+                <a:spcPct val="0"/>
+              </a:spcBef>
+              <a:spcAft>
+                <a:spcPts val="0"/>
+              </a:spcAft>
+              <a:buClrTx/>
+              <a:buSzTx/>
+              <a:buFontTx/>
+              <a:buNone/>
+              <a:defRPr/>
+            </a:pPr>
+            <a:r>
+              <a:rPr kumimoji="0" lang="zh-CN" altLang="en-US" sz="4800" b="1" i="0" u="none" strike="noStrike" kern="1200" cap="none" spc="0" normalizeH="0" baseline="0" noProof="0" dirty="0" smtClean="0">
+                <a:ln>
+                  <a:noFill/>
+                </a:ln>
+                <a:solidFill>
+                  <a:srgbClr val="660033"/>
+                </a:solidFill>
+                <a:effectLst>
+                  <a:outerShdw blurRad="50000" dist="30000" dir="5400000" algn="tl" rotWithShape="0">
+                    <a:srgbClr val="000000">
+                      <a:alpha val="30000"/>
+                    </a:srgbClr>
+                  </a:outerShdw>
+                </a:effectLst>
+                <a:uLnTx/>
+                <a:uFillTx/>
+                <a:latin typeface="微軟正黑體" pitchFamily="34" charset="-120"/>
+                <a:ea typeface="微軟正黑體" pitchFamily="34" charset="-120"/>
+                <a:cs typeface="+mj-cs"/>
+              </a:rPr>
+              <a:t>本堂牧師領詩班退堂</a:t>
+            </a:r>
+            <a:endParaRPr kumimoji="0" lang="zh-TW" altLang="en-US" sz="4800" b="1" i="0" u="none" strike="noStrike" kern="1200" cap="none" spc="0" normalizeH="0" baseline="0" noProof="0" dirty="0">
+              <a:ln>
+                <a:noFill/>
+              </a:ln>
+              <a:solidFill>
+                <a:srgbClr val="660033"/>
+              </a:solidFill>
+              <a:effectLst>
+                <a:outerShdw blurRad="50000" dist="30000" dir="5400000" algn="tl" rotWithShape="0">
+                  <a:srgbClr val="000000">
+                    <a:alpha val="30000"/>
+                  </a:srgbClr>
+                </a:outerShdw>
+              </a:effectLst>
+              <a:uLnTx/>
+              <a:uFillTx/>
+              <a:latin typeface="微軟正黑體" pitchFamily="34" charset="-120"/>
+              <a:ea typeface="微軟正黑體" pitchFamily="34" charset="-120"/>
+              <a:cs typeface="+mj-cs"/>
+            </a:endParaRPr>
+          </a:p>
+        </p:txBody>
+      </p:sp>
+    </p:spTree>
+  </p:cSld>
+  <p:clrMapOvr>
+    <a:masterClrMapping/>
+  </p:clrMapOvr>
+  <p:timing>
+    <p:tnLst>
+      <p:par>
+        <p:cTn id="1" dur="indefinite" restart="never" nodeType="tmRoot"/>
+      </p:par>
+    </p:tnLst>
+  </p:timing>
+</p:sld>
+</file>
+
+<file path=ppt/slides/slide85.xml><?xml version="1.0" encoding="utf-8"?>
+<p:sld xmlns:a="http://schemas.openxmlformats.org/drawingml/2006/main" xmlns:r="http://schemas.openxmlformats.org/officeDocument/2006/relationships" xmlns:p="http://schemas.openxmlformats.org/presentationml/2006/main">
+  <p:cSld>
+    <p:spTree>
+      <p:nvGrpSpPr>
+        <p:cNvPr id="1" name=""/>
+        <p:cNvGrpSpPr/>
+        <p:nvPr/>
+      </p:nvGrpSpPr>
+      <p:grpSpPr>
+        <a:xfrm>
+          <a:off x="0" y="0"/>
+          <a:ext cx="0" cy="0"/>
+          <a:chOff x="0" y="0"/>
+          <a:chExt cx="0" cy="0"/>
+        </a:xfrm>
+      </p:grpSpPr>
+      <p:sp>
+        <p:nvSpPr>
+          <p:cNvPr id="2" name="標題 1"/>
+          <p:cNvSpPr>
+            <a:spLocks noGrp="1"/>
+          </p:cNvSpPr>
+          <p:nvPr>
+            <p:ph type="title"/>
+          </p:nvPr>
+        </p:nvSpPr>
+        <p:spPr>
+          <a:xfrm>
+            <a:off x="0" y="282167"/>
+            <a:ext cx="8991600" cy="628650"/>
+          </a:xfrm>
+        </p:spPr>
+        <p:txBody>
+          <a:bodyPr>
+            <a:noAutofit/>
+          </a:bodyPr>
+          <a:lstStyle/>
+          <a:p>
+            <a:r>
+              <a:rPr lang="zh-CN" altLang="en-US" b="1" dirty="0" smtClean="0">
+                <a:solidFill>
+                  <a:srgbClr val="660033"/>
+                </a:solidFill>
+                <a:latin typeface="微軟正黑體" pitchFamily="34" charset="-120"/>
+                <a:ea typeface="微軟正黑體" pitchFamily="34" charset="-120"/>
+              </a:rPr>
+              <a:t>主的愛</a:t>
+            </a:r>
+            <a:endParaRPr lang="zh-TW" altLang="en-US" b="1" dirty="0">
+              <a:solidFill>
+                <a:srgbClr val="660033"/>
+              </a:solidFill>
+              <a:latin typeface="微軟正黑體" pitchFamily="34" charset="-120"/>
+              <a:ea typeface="微軟正黑體" pitchFamily="34" charset="-120"/>
+            </a:endParaRPr>
+          </a:p>
+        </p:txBody>
+      </p:sp>
+      <p:sp>
+        <p:nvSpPr>
+          <p:cNvPr id="4" name="內容版面配置區 3"/>
+          <p:cNvSpPr>
+            <a:spLocks noGrp="1"/>
+          </p:cNvSpPr>
+          <p:nvPr>
+            <p:ph idx="1"/>
+          </p:nvPr>
+        </p:nvSpPr>
+        <p:spPr>
+          <a:xfrm>
+            <a:off x="0" y="1085850"/>
+            <a:ext cx="9144000" cy="3600450"/>
+          </a:xfrm>
+        </p:spPr>
+        <p:txBody>
+          <a:bodyPr>
+            <a:noAutofit/>
+          </a:bodyPr>
+          <a:lstStyle/>
+          <a:p>
+            <a:pPr algn="ctr">
+              <a:buNone/>
+            </a:pPr>
+            <a:r>
+              <a:rPr lang="zh-TW" altLang="en-US" sz="5400" b="1" dirty="0" smtClean="0">
+                <a:solidFill>
+                  <a:srgbClr val="660033"/>
+                </a:solidFill>
+                <a:effectLst>
+                  <a:outerShdw blurRad="50000" dist="30000" dir="5400000" algn="tl" rotWithShape="0">
+                    <a:srgbClr val="000000">
+                      <a:alpha val="30000"/>
+                    </a:srgbClr>
+                  </a:outerShdw>
+                </a:effectLst>
+                <a:latin typeface="微軟正黑體" pitchFamily="34" charset="-120"/>
+                <a:ea typeface="微軟正黑體" pitchFamily="34" charset="-120"/>
+              </a:rPr>
+              <a:t>願主的愛與你同在</a:t>
+            </a:r>
+            <a:endParaRPr lang="en-US" altLang="zh-TW" sz="5400" b="1" dirty="0" smtClean="0">
+              <a:solidFill>
+                <a:srgbClr val="660033"/>
+              </a:solidFill>
+              <a:effectLst>
+                <a:outerShdw blurRad="50000" dist="30000" dir="5400000" algn="tl" rotWithShape="0">
+                  <a:srgbClr val="000000">
+                    <a:alpha val="30000"/>
+                  </a:srgbClr>
+                </a:outerShdw>
+              </a:effectLst>
+              <a:latin typeface="微軟正黑體" pitchFamily="34" charset="-120"/>
+              <a:ea typeface="微軟正黑體" pitchFamily="34" charset="-120"/>
+            </a:endParaRPr>
+          </a:p>
+          <a:p>
+            <a:pPr algn="ctr">
+              <a:buNone/>
+            </a:pPr>
+            <a:r>
+              <a:rPr lang="zh-TW" altLang="en-US" sz="5400" b="1" dirty="0" smtClean="0">
+                <a:solidFill>
+                  <a:srgbClr val="660033"/>
+                </a:solidFill>
+                <a:effectLst>
+                  <a:outerShdw blurRad="50000" dist="30000" dir="5400000" algn="tl" rotWithShape="0">
+                    <a:srgbClr val="000000">
+                      <a:alpha val="30000"/>
+                    </a:srgbClr>
+                  </a:outerShdw>
+                </a:effectLst>
+                <a:latin typeface="微軟正黑體" pitchFamily="34" charset="-120"/>
+                <a:ea typeface="微軟正黑體" pitchFamily="34" charset="-120"/>
+              </a:rPr>
+              <a:t>無論你在何方</a:t>
+            </a:r>
+            <a:endParaRPr lang="en-US" altLang="zh-TW" sz="5400" b="1" dirty="0" smtClean="0">
+              <a:solidFill>
+                <a:srgbClr val="660033"/>
+              </a:solidFill>
+              <a:effectLst>
+                <a:outerShdw blurRad="50000" dist="30000" dir="5400000" algn="tl" rotWithShape="0">
+                  <a:srgbClr val="000000">
+                    <a:alpha val="30000"/>
+                  </a:srgbClr>
+                </a:outerShdw>
+              </a:effectLst>
+              <a:latin typeface="微軟正黑體" pitchFamily="34" charset="-120"/>
+              <a:ea typeface="微軟正黑體" pitchFamily="34" charset="-120"/>
+            </a:endParaRPr>
+          </a:p>
+          <a:p>
+            <a:pPr algn="ctr">
+              <a:buNone/>
+            </a:pPr>
+            <a:r>
+              <a:rPr lang="zh-TW" altLang="en-US" sz="5400" b="1" dirty="0" smtClean="0">
+                <a:solidFill>
+                  <a:srgbClr val="660033"/>
+                </a:solidFill>
+                <a:effectLst>
+                  <a:outerShdw blurRad="50000" dist="30000" dir="5400000" algn="tl" rotWithShape="0">
+                    <a:srgbClr val="000000">
+                      <a:alpha val="30000"/>
+                    </a:srgbClr>
+                  </a:outerShdw>
+                </a:effectLst>
+                <a:latin typeface="微軟正黑體" pitchFamily="34" charset="-120"/>
+                <a:ea typeface="微軟正黑體" pitchFamily="34" charset="-120"/>
+              </a:rPr>
+              <a:t>願祂祝福你心靈安康</a:t>
+            </a:r>
+          </a:p>
+        </p:txBody>
+      </p:sp>
+    </p:spTree>
+  </p:cSld>
+  <p:clrMapOvr>
+    <a:masterClrMapping/>
+  </p:clrMapOvr>
+  <p:timing>
+    <p:tnLst>
+      <p:par>
+        <p:cTn id="1" dur="indefinite" restart="never" nodeType="tmRoot"/>
+      </p:par>
+    </p:tnLst>
+  </p:timing>
+</p:sld>
+</file>
+
+<file path=ppt/slides/slide86.xml><?xml version="1.0" encoding="utf-8"?>
+<p:sld xmlns:a="http://schemas.openxmlformats.org/drawingml/2006/main" xmlns:r="http://schemas.openxmlformats.org/officeDocument/2006/relationships" xmlns:p="http://schemas.openxmlformats.org/presentationml/2006/main">
+  <p:cSld>
+    <p:spTree>
+      <p:nvGrpSpPr>
+        <p:cNvPr id="1" name=""/>
+        <p:cNvGrpSpPr/>
+        <p:nvPr/>
+      </p:nvGrpSpPr>
+      <p:grpSpPr>
+        <a:xfrm>
+          <a:off x="0" y="0"/>
+          <a:ext cx="0" cy="0"/>
+          <a:chOff x="0" y="0"/>
+          <a:chExt cx="0" cy="0"/>
+        </a:xfrm>
+      </p:grpSpPr>
+      <p:sp>
+        <p:nvSpPr>
+          <p:cNvPr id="2" name="標題 1"/>
+          <p:cNvSpPr>
+            <a:spLocks noGrp="1"/>
+          </p:cNvSpPr>
+          <p:nvPr>
+            <p:ph type="title"/>
+          </p:nvPr>
+        </p:nvSpPr>
+        <p:spPr>
+          <a:xfrm>
+            <a:off x="0" y="282167"/>
+            <a:ext cx="8991600" cy="628650"/>
+          </a:xfrm>
+        </p:spPr>
+        <p:txBody>
+          <a:bodyPr>
+            <a:noAutofit/>
+          </a:bodyPr>
+          <a:lstStyle/>
+          <a:p>
+            <a:r>
+              <a:rPr lang="zh-CN" altLang="en-US" b="1" dirty="0" smtClean="0">
+                <a:solidFill>
+                  <a:srgbClr val="660033"/>
+                </a:solidFill>
+                <a:latin typeface="微軟正黑體" pitchFamily="34" charset="-120"/>
+                <a:ea typeface="微軟正黑體" pitchFamily="34" charset="-120"/>
+              </a:rPr>
+              <a:t>主的愛</a:t>
+            </a:r>
+            <a:endParaRPr lang="zh-TW" altLang="en-US" b="1" dirty="0">
+              <a:solidFill>
+                <a:srgbClr val="660033"/>
+              </a:solidFill>
+              <a:latin typeface="微軟正黑體" pitchFamily="34" charset="-120"/>
+              <a:ea typeface="微軟正黑體" pitchFamily="34" charset="-120"/>
+            </a:endParaRPr>
+          </a:p>
+        </p:txBody>
+      </p:sp>
+      <p:sp>
+        <p:nvSpPr>
+          <p:cNvPr id="4" name="內容版面配置區 3"/>
+          <p:cNvSpPr>
+            <a:spLocks noGrp="1"/>
+          </p:cNvSpPr>
+          <p:nvPr>
+            <p:ph idx="1"/>
+          </p:nvPr>
+        </p:nvSpPr>
+        <p:spPr>
+          <a:xfrm>
+            <a:off x="0" y="1085850"/>
+            <a:ext cx="9144000" cy="3600450"/>
+          </a:xfrm>
+        </p:spPr>
+        <p:txBody>
+          <a:bodyPr>
+            <a:noAutofit/>
+          </a:bodyPr>
+          <a:lstStyle/>
+          <a:p>
+            <a:pPr algn="ctr">
+              <a:buNone/>
+            </a:pPr>
+            <a:r>
+              <a:rPr lang="zh-TW" altLang="en-US" sz="5400" b="1" dirty="0" smtClean="0">
+                <a:solidFill>
+                  <a:srgbClr val="660033"/>
+                </a:solidFill>
+                <a:effectLst>
+                  <a:outerShdw blurRad="50000" dist="30000" dir="5400000" algn="tl" rotWithShape="0">
+                    <a:srgbClr val="000000">
+                      <a:alpha val="30000"/>
+                    </a:srgbClr>
+                  </a:outerShdw>
+                </a:effectLst>
+                <a:latin typeface="微軟正黑體" pitchFamily="34" charset="-120"/>
+                <a:ea typeface="微軟正黑體" pitchFamily="34" charset="-120"/>
+              </a:rPr>
+              <a:t>主的愛如流水淙淙</a:t>
+            </a:r>
+            <a:endParaRPr lang="en-US" altLang="zh-TW" sz="5400" b="1" dirty="0" smtClean="0">
+              <a:solidFill>
+                <a:srgbClr val="660033"/>
+              </a:solidFill>
+              <a:effectLst>
+                <a:outerShdw blurRad="50000" dist="30000" dir="5400000" algn="tl" rotWithShape="0">
+                  <a:srgbClr val="000000">
+                    <a:alpha val="30000"/>
+                  </a:srgbClr>
+                </a:outerShdw>
+              </a:effectLst>
+              <a:latin typeface="微軟正黑體" pitchFamily="34" charset="-120"/>
+              <a:ea typeface="微軟正黑體" pitchFamily="34" charset="-120"/>
+            </a:endParaRPr>
+          </a:p>
+          <a:p>
+            <a:pPr algn="ctr">
+              <a:buNone/>
+            </a:pPr>
+            <a:r>
+              <a:rPr lang="zh-TW" altLang="en-US" sz="5400" b="1" dirty="0" smtClean="0">
+                <a:solidFill>
+                  <a:srgbClr val="660033"/>
+                </a:solidFill>
+                <a:effectLst>
+                  <a:outerShdw blurRad="50000" dist="30000" dir="5400000" algn="tl" rotWithShape="0">
+                    <a:srgbClr val="000000">
+                      <a:alpha val="30000"/>
+                    </a:srgbClr>
+                  </a:outerShdw>
+                </a:effectLst>
+                <a:latin typeface="微軟正黑體" pitchFamily="34" charset="-120"/>
+                <a:ea typeface="微軟正黑體" pitchFamily="34" charset="-120"/>
+              </a:rPr>
+              <a:t>願你分享祂這愛</a:t>
+            </a:r>
+            <a:endParaRPr lang="en-US" altLang="zh-TW" sz="5400" b="1" dirty="0" smtClean="0">
+              <a:solidFill>
+                <a:srgbClr val="660033"/>
+              </a:solidFill>
+              <a:effectLst>
+                <a:outerShdw blurRad="50000" dist="30000" dir="5400000" algn="tl" rotWithShape="0">
+                  <a:srgbClr val="000000">
+                    <a:alpha val="30000"/>
+                  </a:srgbClr>
+                </a:outerShdw>
+              </a:effectLst>
+              <a:latin typeface="微軟正黑體" pitchFamily="34" charset="-120"/>
+              <a:ea typeface="微軟正黑體" pitchFamily="34" charset="-120"/>
+            </a:endParaRPr>
+          </a:p>
+          <a:p>
+            <a:pPr algn="ctr">
+              <a:buNone/>
+            </a:pPr>
+            <a:r>
+              <a:rPr lang="zh-TW" altLang="en-US" sz="5400" b="1" dirty="0" smtClean="0">
+                <a:solidFill>
+                  <a:srgbClr val="660033"/>
+                </a:solidFill>
+                <a:effectLst>
+                  <a:outerShdw blurRad="50000" dist="30000" dir="5400000" algn="tl" rotWithShape="0">
+                    <a:srgbClr val="000000">
+                      <a:alpha val="30000"/>
+                    </a:srgbClr>
+                  </a:outerShdw>
+                </a:effectLst>
+                <a:latin typeface="微軟正黑體" pitchFamily="34" charset="-120"/>
+                <a:ea typeface="微軟正黑體" pitchFamily="34" charset="-120"/>
+              </a:rPr>
+              <a:t>在那漫漫的黑夜見主光</a:t>
+            </a:r>
+          </a:p>
+        </p:txBody>
+      </p:sp>
+    </p:spTree>
+  </p:cSld>
+  <p:clrMapOvr>
+    <a:masterClrMapping/>
+  </p:clrMapOvr>
+  <p:timing>
+    <p:tnLst>
+      <p:par>
+        <p:cTn id="1" dur="indefinite" restart="never" nodeType="tmRoot"/>
+      </p:par>
+    </p:tnLst>
+  </p:timing>
+</p:sld>
+</file>
+
+<file path=ppt/slides/slide87.xml><?xml version="1.0" encoding="utf-8"?>
+<p:sld xmlns:a="http://schemas.openxmlformats.org/drawingml/2006/main" xmlns:r="http://schemas.openxmlformats.org/officeDocument/2006/relationships" xmlns:p="http://schemas.openxmlformats.org/presentationml/2006/main">
+  <p:cSld>
+    <p:spTree>
+      <p:nvGrpSpPr>
+        <p:cNvPr id="1" name=""/>
+        <p:cNvGrpSpPr/>
+        <p:nvPr/>
+      </p:nvGrpSpPr>
+      <p:grpSpPr>
+        <a:xfrm>
+          <a:off x="0" y="0"/>
+          <a:ext cx="0" cy="0"/>
+          <a:chOff x="0" y="0"/>
+          <a:chExt cx="0" cy="0"/>
+        </a:xfrm>
+      </p:grpSpPr>
+      <p:sp>
+        <p:nvSpPr>
+          <p:cNvPr id="2" name="標題 1"/>
+          <p:cNvSpPr>
+            <a:spLocks noGrp="1"/>
+          </p:cNvSpPr>
+          <p:nvPr>
+            <p:ph type="title"/>
+          </p:nvPr>
+        </p:nvSpPr>
+        <p:spPr>
+          <a:xfrm>
+            <a:off x="0" y="282167"/>
+            <a:ext cx="8991600" cy="628650"/>
+          </a:xfrm>
+        </p:spPr>
+        <p:txBody>
+          <a:bodyPr>
+            <a:noAutofit/>
+          </a:bodyPr>
+          <a:lstStyle/>
+          <a:p>
+            <a:r>
+              <a:rPr lang="zh-CN" altLang="en-US" b="1" dirty="0" smtClean="0">
+                <a:solidFill>
+                  <a:srgbClr val="660033"/>
+                </a:solidFill>
+                <a:latin typeface="微軟正黑體" pitchFamily="34" charset="-120"/>
+                <a:ea typeface="微軟正黑體" pitchFamily="34" charset="-120"/>
+              </a:rPr>
+              <a:t>主的愛</a:t>
+            </a:r>
+            <a:endParaRPr lang="zh-TW" altLang="en-US" b="1" dirty="0">
+              <a:solidFill>
+                <a:srgbClr val="660033"/>
+              </a:solidFill>
+              <a:latin typeface="微軟正黑體" pitchFamily="34" charset="-120"/>
+              <a:ea typeface="微軟正黑體" pitchFamily="34" charset="-120"/>
+            </a:endParaRPr>
+          </a:p>
+        </p:txBody>
+      </p:sp>
+      <p:sp>
+        <p:nvSpPr>
+          <p:cNvPr id="4" name="內容版面配置區 3"/>
+          <p:cNvSpPr>
+            <a:spLocks noGrp="1"/>
+          </p:cNvSpPr>
+          <p:nvPr>
+            <p:ph idx="1"/>
+          </p:nvPr>
+        </p:nvSpPr>
+        <p:spPr>
+          <a:xfrm>
+            <a:off x="0" y="1085850"/>
+            <a:ext cx="9144000" cy="3600450"/>
+          </a:xfrm>
+        </p:spPr>
+        <p:txBody>
+          <a:bodyPr>
+            <a:noAutofit/>
+          </a:bodyPr>
+          <a:lstStyle/>
+          <a:p>
+            <a:pPr algn="ctr">
+              <a:buNone/>
+            </a:pPr>
+            <a:r>
+              <a:rPr lang="zh-TW" altLang="en-US" sz="5400" b="1" dirty="0" smtClean="0">
+                <a:solidFill>
+                  <a:srgbClr val="660033"/>
+                </a:solidFill>
+                <a:effectLst>
+                  <a:outerShdw blurRad="50000" dist="30000" dir="5400000" algn="tl" rotWithShape="0">
+                    <a:srgbClr val="000000">
+                      <a:alpha val="30000"/>
+                    </a:srgbClr>
+                  </a:outerShdw>
+                </a:effectLst>
+                <a:latin typeface="微軟正黑體" pitchFamily="34" charset="-120"/>
+                <a:ea typeface="微軟正黑體" pitchFamily="34" charset="-120"/>
+              </a:rPr>
+              <a:t>主的愛如流水淙淙</a:t>
+            </a:r>
+            <a:endParaRPr lang="en-US" altLang="zh-TW" sz="5400" b="1" dirty="0" smtClean="0">
+              <a:solidFill>
+                <a:srgbClr val="660033"/>
+              </a:solidFill>
+              <a:effectLst>
+                <a:outerShdw blurRad="50000" dist="30000" dir="5400000" algn="tl" rotWithShape="0">
+                  <a:srgbClr val="000000">
+                    <a:alpha val="30000"/>
+                  </a:srgbClr>
+                </a:outerShdw>
+              </a:effectLst>
+              <a:latin typeface="微軟正黑體" pitchFamily="34" charset="-120"/>
+              <a:ea typeface="微軟正黑體" pitchFamily="34" charset="-120"/>
+            </a:endParaRPr>
+          </a:p>
+          <a:p>
+            <a:pPr algn="ctr">
+              <a:buNone/>
+            </a:pPr>
+            <a:r>
+              <a:rPr lang="zh-TW" altLang="en-US" sz="5400" b="1" dirty="0" smtClean="0">
+                <a:solidFill>
+                  <a:srgbClr val="660033"/>
+                </a:solidFill>
+                <a:effectLst>
+                  <a:outerShdw blurRad="50000" dist="30000" dir="5400000" algn="tl" rotWithShape="0">
+                    <a:srgbClr val="000000">
+                      <a:alpha val="30000"/>
+                    </a:srgbClr>
+                  </a:outerShdw>
+                </a:effectLst>
+                <a:latin typeface="微軟正黑體" pitchFamily="34" charset="-120"/>
+                <a:ea typeface="微軟正黑體" pitchFamily="34" charset="-120"/>
+              </a:rPr>
+              <a:t>願你分享祂這愛</a:t>
+            </a:r>
+            <a:endParaRPr lang="en-US" altLang="zh-TW" sz="5400" b="1" dirty="0" smtClean="0">
+              <a:solidFill>
+                <a:srgbClr val="660033"/>
+              </a:solidFill>
+              <a:effectLst>
+                <a:outerShdw blurRad="50000" dist="30000" dir="5400000" algn="tl" rotWithShape="0">
+                  <a:srgbClr val="000000">
+                    <a:alpha val="30000"/>
+                  </a:srgbClr>
+                </a:outerShdw>
+              </a:effectLst>
+              <a:latin typeface="微軟正黑體" pitchFamily="34" charset="-120"/>
+              <a:ea typeface="微軟正黑體" pitchFamily="34" charset="-120"/>
+            </a:endParaRPr>
+          </a:p>
+          <a:p>
+            <a:pPr algn="ctr">
+              <a:buNone/>
+            </a:pPr>
+            <a:r>
+              <a:rPr lang="zh-TW" altLang="en-US" sz="5400" b="1" dirty="0" smtClean="0">
+                <a:solidFill>
+                  <a:srgbClr val="660033"/>
+                </a:solidFill>
+                <a:effectLst>
+                  <a:outerShdw blurRad="50000" dist="30000" dir="5400000" algn="tl" rotWithShape="0">
+                    <a:srgbClr val="000000">
+                      <a:alpha val="30000"/>
+                    </a:srgbClr>
+                  </a:outerShdw>
+                </a:effectLst>
+                <a:latin typeface="微軟正黑體" pitchFamily="34" charset="-120"/>
+                <a:ea typeface="微軟正黑體" pitchFamily="34" charset="-120"/>
+              </a:rPr>
+              <a:t>以你愛 還祂愛 永相愛</a:t>
+            </a:r>
           </a:p>
         </p:txBody>
       </p:sp>

--- a/崇拜流程_聖餐禮version.pptx
+++ b/崇拜流程_聖餐禮version.pptx
@@ -5,7 +5,7 @@
     <p:sldMasterId id="2147483648" r:id="rId1"/>
   </p:sldMasterIdLst>
   <p:notesMasterIdLst>
-    <p:notesMasterId r:id="rId89"/>
+    <p:notesMasterId r:id="rId100"/>
   </p:notesMasterIdLst>
   <p:sldIdLst>
     <p:sldId id="322" r:id="rId2"/>
@@ -86,15 +86,26 @@
     <p:sldId id="457" r:id="rId77"/>
     <p:sldId id="458" r:id="rId78"/>
     <p:sldId id="267" r:id="rId79"/>
-    <p:sldId id="272" r:id="rId80"/>
-    <p:sldId id="319" r:id="rId81"/>
-    <p:sldId id="320" r:id="rId82"/>
-    <p:sldId id="321" r:id="rId83"/>
-    <p:sldId id="270" r:id="rId84"/>
-    <p:sldId id="291" r:id="rId85"/>
-    <p:sldId id="286" r:id="rId86"/>
-    <p:sldId id="287" r:id="rId87"/>
-    <p:sldId id="288" r:id="rId88"/>
+    <p:sldId id="459" r:id="rId80"/>
+    <p:sldId id="460" r:id="rId81"/>
+    <p:sldId id="461" r:id="rId82"/>
+    <p:sldId id="462" r:id="rId83"/>
+    <p:sldId id="463" r:id="rId84"/>
+    <p:sldId id="464" r:id="rId85"/>
+    <p:sldId id="465" r:id="rId86"/>
+    <p:sldId id="466" r:id="rId87"/>
+    <p:sldId id="467" r:id="rId88"/>
+    <p:sldId id="468" r:id="rId89"/>
+    <p:sldId id="469" r:id="rId90"/>
+    <p:sldId id="470" r:id="rId91"/>
+    <p:sldId id="291" r:id="rId92"/>
+    <p:sldId id="471" r:id="rId93"/>
+    <p:sldId id="472" r:id="rId94"/>
+    <p:sldId id="473" r:id="rId95"/>
+    <p:sldId id="474" r:id="rId96"/>
+    <p:sldId id="475" r:id="rId97"/>
+    <p:sldId id="476" r:id="rId98"/>
+    <p:sldId id="477" r:id="rId99"/>
   </p:sldIdLst>
   <p:sldSz cx="9144000" cy="5143500" type="screen16x9"/>
   <p:notesSz cx="6858000" cy="9144000"/>
@@ -299,7 +310,7 @@
           <a:p>
             <a:fld id="{2F30D4D0-EAC7-4980-A92D-C26C9148BA0F}" type="datetimeFigureOut">
               <a:rPr lang="zh-TW" altLang="en-US" smtClean="0"/>
-              <a:t>2020/9/6</a:t>
+              <a:t>2020/10/25</a:t>
             </a:fld>
             <a:endParaRPr lang="zh-TW" altLang="en-US"/>
           </a:p>
@@ -1175,7 +1186,7 @@
           <a:p>
             <a:fld id="{5BBEAD13-0566-4C6C-97E7-55F17F24B09F}" type="datetimeFigureOut">
               <a:rPr lang="zh-TW" altLang="en-US" smtClean="0"/>
-              <a:t>2020/9/6</a:t>
+              <a:t>2020/10/25</a:t>
             </a:fld>
             <a:endParaRPr lang="zh-TW" altLang="en-US"/>
           </a:p>
@@ -1340,7 +1351,7 @@
           <a:p>
             <a:fld id="{5BBEAD13-0566-4C6C-97E7-55F17F24B09F}" type="datetimeFigureOut">
               <a:rPr lang="zh-TW" altLang="en-US" smtClean="0"/>
-              <a:t>2020/9/6</a:t>
+              <a:t>2020/10/25</a:t>
             </a:fld>
             <a:endParaRPr lang="zh-TW" altLang="en-US"/>
           </a:p>
@@ -1515,7 +1526,7 @@
           <a:p>
             <a:fld id="{5BBEAD13-0566-4C6C-97E7-55F17F24B09F}" type="datetimeFigureOut">
               <a:rPr lang="zh-TW" altLang="en-US" smtClean="0"/>
-              <a:t>2020/9/6</a:t>
+              <a:t>2020/10/25</a:t>
             </a:fld>
             <a:endParaRPr lang="zh-TW" altLang="en-US"/>
           </a:p>
@@ -1680,7 +1691,7 @@
           <a:p>
             <a:fld id="{5BBEAD13-0566-4C6C-97E7-55F17F24B09F}" type="datetimeFigureOut">
               <a:rPr lang="zh-TW" altLang="en-US" smtClean="0"/>
-              <a:t>2020/9/6</a:t>
+              <a:t>2020/10/25</a:t>
             </a:fld>
             <a:endParaRPr lang="zh-TW" altLang="en-US"/>
           </a:p>
@@ -1921,7 +1932,7 @@
           <a:p>
             <a:fld id="{5BBEAD13-0566-4C6C-97E7-55F17F24B09F}" type="datetimeFigureOut">
               <a:rPr lang="zh-TW" altLang="en-US" smtClean="0"/>
-              <a:t>2020/9/6</a:t>
+              <a:t>2020/10/25</a:t>
             </a:fld>
             <a:endParaRPr lang="zh-TW" altLang="en-US"/>
           </a:p>
@@ -2204,7 +2215,7 @@
           <a:p>
             <a:fld id="{5BBEAD13-0566-4C6C-97E7-55F17F24B09F}" type="datetimeFigureOut">
               <a:rPr lang="zh-TW" altLang="en-US" smtClean="0"/>
-              <a:t>2020/9/6</a:t>
+              <a:t>2020/10/25</a:t>
             </a:fld>
             <a:endParaRPr lang="zh-TW" altLang="en-US"/>
           </a:p>
@@ -2621,7 +2632,7 @@
           <a:p>
             <a:fld id="{5BBEAD13-0566-4C6C-97E7-55F17F24B09F}" type="datetimeFigureOut">
               <a:rPr lang="zh-TW" altLang="en-US" smtClean="0"/>
-              <a:t>2020/9/6</a:t>
+              <a:t>2020/10/25</a:t>
             </a:fld>
             <a:endParaRPr lang="zh-TW" altLang="en-US"/>
           </a:p>
@@ -2734,7 +2745,7 @@
           <a:p>
             <a:fld id="{5BBEAD13-0566-4C6C-97E7-55F17F24B09F}" type="datetimeFigureOut">
               <a:rPr lang="zh-TW" altLang="en-US" smtClean="0"/>
-              <a:t>2020/9/6</a:t>
+              <a:t>2020/10/25</a:t>
             </a:fld>
             <a:endParaRPr lang="zh-TW" altLang="en-US"/>
           </a:p>
@@ -2824,7 +2835,7 @@
           <a:p>
             <a:fld id="{5BBEAD13-0566-4C6C-97E7-55F17F24B09F}" type="datetimeFigureOut">
               <a:rPr lang="zh-TW" altLang="en-US" smtClean="0"/>
-              <a:t>2020/9/6</a:t>
+              <a:t>2020/10/25</a:t>
             </a:fld>
             <a:endParaRPr lang="zh-TW" altLang="en-US"/>
           </a:p>
@@ -3096,7 +3107,7 @@
           <a:p>
             <a:fld id="{5BBEAD13-0566-4C6C-97E7-55F17F24B09F}" type="datetimeFigureOut">
               <a:rPr lang="zh-TW" altLang="en-US" smtClean="0"/>
-              <a:t>2020/9/6</a:t>
+              <a:t>2020/10/25</a:t>
             </a:fld>
             <a:endParaRPr lang="zh-TW" altLang="en-US"/>
           </a:p>
@@ -3348,7 +3359,7 @@
           <a:p>
             <a:fld id="{5BBEAD13-0566-4C6C-97E7-55F17F24B09F}" type="datetimeFigureOut">
               <a:rPr lang="zh-TW" altLang="en-US" smtClean="0"/>
-              <a:t>2020/9/6</a:t>
+              <a:t>2020/10/25</a:t>
             </a:fld>
             <a:endParaRPr lang="zh-TW" altLang="en-US"/>
           </a:p>
@@ -3561,7 +3572,7 @@
           <a:p>
             <a:fld id="{5BBEAD13-0566-4C6C-97E7-55F17F24B09F}" type="datetimeFigureOut">
               <a:rPr lang="zh-TW" altLang="en-US" smtClean="0"/>
-              <a:t>2020/9/6</a:t>
+              <a:t>2020/10/25</a:t>
             </a:fld>
             <a:endParaRPr lang="zh-TW" altLang="en-US"/>
           </a:p>
@@ -12153,13 +12164,6 @@
               </a:rPr>
               <a:t>捨身流血還我罪債</a:t>
             </a:r>
-            <a:endParaRPr lang="zh-TW" altLang="en-US" sz="4800" b="1" dirty="0">
-              <a:solidFill>
-                <a:srgbClr val="000066"/>
-              </a:solidFill>
-              <a:latin typeface="Microsoft JhengHei" panose="020B0604030504040204" pitchFamily="34" charset="-120"/>
-              <a:ea typeface="Microsoft JhengHei" panose="020B0604030504040204" pitchFamily="34" charset="-120"/>
-            </a:endParaRPr>
           </a:p>
         </p:txBody>
       </p:sp>
@@ -12281,13 +12285,6 @@
               </a:rPr>
               <a:t>主恩愛說不盡</a:t>
             </a:r>
-            <a:endParaRPr lang="zh-TW" altLang="en-US" sz="4800" b="1" dirty="0">
-              <a:solidFill>
-                <a:srgbClr val="000066"/>
-              </a:solidFill>
-              <a:latin typeface="Microsoft JhengHei" panose="020B0604030504040204" pitchFamily="34" charset="-120"/>
-              <a:ea typeface="Microsoft JhengHei" panose="020B0604030504040204" pitchFamily="34" charset="-120"/>
-            </a:endParaRPr>
           </a:p>
         </p:txBody>
       </p:sp>
@@ -12409,13 +12406,6 @@
               </a:rPr>
               <a:t>主愛口舌真說不盡</a:t>
             </a:r>
-            <a:endParaRPr lang="zh-TW" altLang="en-US" sz="4800" b="1" dirty="0">
-              <a:solidFill>
-                <a:srgbClr val="000066"/>
-              </a:solidFill>
-              <a:latin typeface="Microsoft JhengHei" panose="020B0604030504040204" pitchFamily="34" charset="-120"/>
-              <a:ea typeface="Microsoft JhengHei" panose="020B0604030504040204" pitchFamily="34" charset="-120"/>
-            </a:endParaRPr>
           </a:p>
         </p:txBody>
       </p:sp>
@@ -12499,13 +12489,6 @@
               </a:rPr>
               <a:t>口舌永說不盡</a:t>
             </a:r>
-            <a:endParaRPr lang="zh-TW" altLang="en-US" sz="4800" b="1" dirty="0">
-              <a:solidFill>
-                <a:srgbClr val="000066"/>
-              </a:solidFill>
-              <a:latin typeface="Microsoft JhengHei" panose="020B0604030504040204" pitchFamily="34" charset="-120"/>
-              <a:ea typeface="Microsoft JhengHei" panose="020B0604030504040204" pitchFamily="34" charset="-120"/>
-            </a:endParaRPr>
           </a:p>
         </p:txBody>
       </p:sp>
@@ -12589,13 +12572,6 @@
               </a:rPr>
               <a:t>被人凌辱戴荊棘冕</a:t>
             </a:r>
-            <a:endParaRPr lang="zh-TW" altLang="en-US" sz="4800" b="1" dirty="0">
-              <a:solidFill>
-                <a:srgbClr val="000066"/>
-              </a:solidFill>
-              <a:latin typeface="Microsoft JhengHei" panose="020B0604030504040204" pitchFamily="34" charset="-120"/>
-              <a:ea typeface="Microsoft JhengHei" panose="020B0604030504040204" pitchFamily="34" charset="-120"/>
-            </a:endParaRPr>
           </a:p>
         </p:txBody>
       </p:sp>
@@ -12725,13 +12701,6 @@
               </a:rPr>
               <a:t>主恩愛說不盡</a:t>
             </a:r>
-            <a:endParaRPr lang="zh-TW" altLang="en-US" sz="4800" b="1" dirty="0">
-              <a:solidFill>
-                <a:srgbClr val="000066"/>
-              </a:solidFill>
-              <a:latin typeface="Microsoft JhengHei" panose="020B0604030504040204" pitchFamily="34" charset="-120"/>
-              <a:ea typeface="Microsoft JhengHei" panose="020B0604030504040204" pitchFamily="34" charset="-120"/>
-            </a:endParaRPr>
           </a:p>
         </p:txBody>
       </p:sp>
@@ -12861,13 +12830,6 @@
               </a:rPr>
               <a:t>主愛口舌真說不盡</a:t>
             </a:r>
-            <a:endParaRPr lang="zh-TW" altLang="en-US" sz="4800" b="1" dirty="0">
-              <a:solidFill>
-                <a:srgbClr val="000066"/>
-              </a:solidFill>
-              <a:latin typeface="Microsoft JhengHei" panose="020B0604030504040204" pitchFamily="34" charset="-120"/>
-              <a:ea typeface="Microsoft JhengHei" panose="020B0604030504040204" pitchFamily="34" charset="-120"/>
-            </a:endParaRPr>
           </a:p>
         </p:txBody>
       </p:sp>
@@ -12951,13 +12913,6 @@
               </a:rPr>
               <a:t>口舌永說不盡</a:t>
             </a:r>
-            <a:endParaRPr lang="zh-TW" altLang="en-US" sz="4800" b="1" dirty="0">
-              <a:solidFill>
-                <a:srgbClr val="000066"/>
-              </a:solidFill>
-              <a:latin typeface="Microsoft JhengHei" panose="020B0604030504040204" pitchFamily="34" charset="-120"/>
-              <a:ea typeface="Microsoft JhengHei" panose="020B0604030504040204" pitchFamily="34" charset="-120"/>
-            </a:endParaRPr>
           </a:p>
         </p:txBody>
       </p:sp>
@@ -13130,13 +13085,6 @@
               </a:rPr>
               <a:t>天父面前為我祈禱</a:t>
             </a:r>
-            <a:endParaRPr lang="zh-TW" altLang="en-US" sz="4800" b="1" dirty="0">
-              <a:solidFill>
-                <a:srgbClr val="000066"/>
-              </a:solidFill>
-              <a:latin typeface="Microsoft JhengHei" panose="020B0604030504040204" pitchFamily="34" charset="-120"/>
-              <a:ea typeface="Microsoft JhengHei" panose="020B0604030504040204" pitchFamily="34" charset="-120"/>
-            </a:endParaRPr>
           </a:p>
         </p:txBody>
       </p:sp>
@@ -13168,15 +13116,7 @@
                   <a:srgbClr val="000066"/>
                 </a:solidFill>
               </a:rPr>
-              <a:t>3</a:t>
-            </a:r>
-            <a:r>
-              <a:rPr lang="en-US" sz="4800" b="1" dirty="0" smtClean="0">
-                <a:solidFill>
-                  <a:srgbClr val="000066"/>
-                </a:solidFill>
-              </a:rPr>
-              <a:t>.</a:t>
+              <a:t>3.</a:t>
             </a:r>
             <a:endParaRPr lang="vi-VN" sz="4800" b="1" dirty="0">
               <a:solidFill>
@@ -13266,13 +13206,6 @@
               </a:rPr>
               <a:t>主恩愛說不盡</a:t>
             </a:r>
-            <a:endParaRPr lang="zh-TW" altLang="en-US" sz="4800" b="1" dirty="0">
-              <a:solidFill>
-                <a:srgbClr val="000066"/>
-              </a:solidFill>
-              <a:latin typeface="Microsoft JhengHei" panose="020B0604030504040204" pitchFamily="34" charset="-120"/>
-              <a:ea typeface="Microsoft JhengHei" panose="020B0604030504040204" pitchFamily="34" charset="-120"/>
-            </a:endParaRPr>
           </a:p>
         </p:txBody>
       </p:sp>
@@ -13304,15 +13237,7 @@
                   <a:srgbClr val="000066"/>
                 </a:solidFill>
               </a:rPr>
-              <a:t>3</a:t>
-            </a:r>
-            <a:r>
-              <a:rPr lang="en-US" sz="4800" b="1" dirty="0" smtClean="0">
-                <a:solidFill>
-                  <a:srgbClr val="000066"/>
-                </a:solidFill>
-              </a:rPr>
-              <a:t>.</a:t>
+              <a:t>3.</a:t>
             </a:r>
             <a:endParaRPr lang="vi-VN" sz="4800" b="1" dirty="0">
               <a:solidFill>
@@ -13402,13 +13327,6 @@
               </a:rPr>
               <a:t>主愛口舌真說不盡</a:t>
             </a:r>
-            <a:endParaRPr lang="zh-TW" altLang="en-US" sz="4800" b="1" dirty="0">
-              <a:solidFill>
-                <a:srgbClr val="000066"/>
-              </a:solidFill>
-              <a:latin typeface="Microsoft JhengHei" panose="020B0604030504040204" pitchFamily="34" charset="-120"/>
-              <a:ea typeface="Microsoft JhengHei" panose="020B0604030504040204" pitchFamily="34" charset="-120"/>
-            </a:endParaRPr>
           </a:p>
         </p:txBody>
       </p:sp>
@@ -13492,13 +13410,6 @@
               </a:rPr>
               <a:t>口舌永說不盡</a:t>
             </a:r>
-            <a:endParaRPr lang="zh-TW" altLang="en-US" sz="4800" b="1" dirty="0">
-              <a:solidFill>
-                <a:srgbClr val="000066"/>
-              </a:solidFill>
-              <a:latin typeface="Microsoft JhengHei" panose="020B0604030504040204" pitchFamily="34" charset="-120"/>
-              <a:ea typeface="Microsoft JhengHei" panose="020B0604030504040204" pitchFamily="34" charset="-120"/>
-            </a:endParaRPr>
           </a:p>
         </p:txBody>
       </p:sp>
@@ -13582,13 +13493,6 @@
               </a:rPr>
               <a:t>平安喜樂充滿我心</a:t>
             </a:r>
-            <a:endParaRPr lang="zh-TW" altLang="en-US" sz="4800" b="1" dirty="0">
-              <a:solidFill>
-                <a:srgbClr val="000066"/>
-              </a:solidFill>
-              <a:latin typeface="Microsoft JhengHei" panose="020B0604030504040204" pitchFamily="34" charset="-120"/>
-              <a:ea typeface="Microsoft JhengHei" panose="020B0604030504040204" pitchFamily="34" charset="-120"/>
-            </a:endParaRPr>
           </a:p>
         </p:txBody>
       </p:sp>
@@ -13718,13 +13622,6 @@
               </a:rPr>
               <a:t>主恩愛說不盡</a:t>
             </a:r>
-            <a:endParaRPr lang="zh-TW" altLang="en-US" sz="4800" b="1" dirty="0">
-              <a:solidFill>
-                <a:srgbClr val="000066"/>
-              </a:solidFill>
-              <a:latin typeface="Microsoft JhengHei" panose="020B0604030504040204" pitchFamily="34" charset="-120"/>
-              <a:ea typeface="Microsoft JhengHei" panose="020B0604030504040204" pitchFamily="34" charset="-120"/>
-            </a:endParaRPr>
           </a:p>
         </p:txBody>
       </p:sp>
@@ -13854,13 +13751,6 @@
               </a:rPr>
               <a:t>主愛口舌真說不盡</a:t>
             </a:r>
-            <a:endParaRPr lang="zh-TW" altLang="en-US" sz="4800" b="1" dirty="0">
-              <a:solidFill>
-                <a:srgbClr val="000066"/>
-              </a:solidFill>
-              <a:latin typeface="Microsoft JhengHei" panose="020B0604030504040204" pitchFamily="34" charset="-120"/>
-              <a:ea typeface="Microsoft JhengHei" panose="020B0604030504040204" pitchFamily="34" charset="-120"/>
-            </a:endParaRPr>
           </a:p>
         </p:txBody>
       </p:sp>
@@ -13944,13 +13834,6 @@
               </a:rPr>
               <a:t>口舌永說不盡</a:t>
             </a:r>
-            <a:endParaRPr lang="zh-TW" altLang="en-US" sz="4800" b="1" dirty="0">
-              <a:solidFill>
-                <a:srgbClr val="000066"/>
-              </a:solidFill>
-              <a:latin typeface="Microsoft JhengHei" panose="020B0604030504040204" pitchFamily="34" charset="-120"/>
-              <a:ea typeface="Microsoft JhengHei" panose="020B0604030504040204" pitchFamily="34" charset="-120"/>
-            </a:endParaRPr>
           </a:p>
         </p:txBody>
       </p:sp>
@@ -14108,7 +13991,7 @@
       </p:grpSpPr>
       <p:sp>
         <p:nvSpPr>
-          <p:cNvPr id="2" name="標題 1"/>
+          <p:cNvPr id="4" name="標題 3"/>
           <p:cNvSpPr>
             <a:spLocks noGrp="1"/>
           </p:cNvSpPr>
@@ -14118,8 +14001,8 @@
         </p:nvSpPr>
         <p:spPr>
           <a:xfrm>
-            <a:off x="0" y="300026"/>
-            <a:ext cx="8991600" cy="628650"/>
+            <a:off x="0" y="2143135"/>
+            <a:ext cx="9144000" cy="857250"/>
           </a:xfrm>
         </p:spPr>
         <p:txBody>
@@ -14129,212 +14012,66 @@
           <a:lstStyle/>
           <a:p>
             <a:r>
-              <a:rPr lang="zh-CN" altLang="en-US" sz="4000" b="1" dirty="0" smtClean="0">
-                <a:solidFill>
-                  <a:srgbClr val="000066"/>
-                </a:solidFill>
-                <a:latin typeface="微軟正黑體" pitchFamily="34" charset="-120"/>
-                <a:ea typeface="微軟正黑體" pitchFamily="34" charset="-120"/>
-              </a:rPr>
-              <a:t>三一頌</a:t>
-            </a:r>
-            <a:endParaRPr lang="zh-TW" altLang="en-US" sz="4000" b="1" dirty="0">
-              <a:solidFill>
-                <a:srgbClr val="000066"/>
-              </a:solidFill>
-              <a:latin typeface="微軟正黑體" pitchFamily="34" charset="-120"/>
-              <a:ea typeface="微軟正黑體" pitchFamily="34" charset="-120"/>
-            </a:endParaRPr>
-          </a:p>
-        </p:txBody>
-      </p:sp>
-      <p:sp>
-        <p:nvSpPr>
-          <p:cNvPr id="4" name="內容版面配置區 3"/>
-          <p:cNvSpPr>
-            <a:spLocks noGrp="1"/>
-          </p:cNvSpPr>
-          <p:nvPr>
-            <p:ph idx="1"/>
-          </p:nvPr>
-        </p:nvSpPr>
-        <p:spPr>
-          <a:xfrm>
-            <a:off x="0" y="1285866"/>
-            <a:ext cx="9144000" cy="3857634"/>
-          </a:xfrm>
-        </p:spPr>
-        <p:txBody>
-          <a:bodyPr>
-            <a:noAutofit/>
-          </a:bodyPr>
-          <a:lstStyle/>
-          <a:p>
-            <a:pPr algn="ctr">
-              <a:buNone/>
-            </a:pPr>
-            <a:r>
-              <a:rPr lang="zh-CN" altLang="en-US" sz="4800" b="1" dirty="0" smtClean="0">
+              <a:rPr lang="zh-CN" altLang="en-US" sz="7200" b="1" dirty="0" smtClean="0">
                 <a:solidFill>
                   <a:srgbClr val="000066"/>
                 </a:solidFill>
                 <a:effectLst>
-                  <a:outerShdw blurRad="50000" dist="30000" dir="5400000" algn="tl" rotWithShape="0">
+                  <a:outerShdw blurRad="38100" dist="38100" dir="2700000" algn="tl">
                     <a:srgbClr val="000000">
-                      <a:alpha val="30000"/>
+                      <a:alpha val="43137"/>
                     </a:srgbClr>
                   </a:outerShdw>
                 </a:effectLst>
                 <a:latin typeface="微軟正黑體" pitchFamily="34" charset="-120"/>
                 <a:ea typeface="微軟正黑體" pitchFamily="34" charset="-120"/>
-                <a:cs typeface="+mj-cs"/>
-              </a:rPr>
-              <a:t>讚美天父愛世慈仁</a:t>
-            </a:r>
-            <a:endParaRPr lang="en-US" altLang="zh-CN" sz="4800" b="1" dirty="0" smtClean="0">
+              </a:rPr>
+              <a:t>三</a:t>
+            </a:r>
+            <a:r>
+              <a:rPr lang="zh-CN" altLang="en-US" sz="7200" b="1" dirty="0">
+                <a:solidFill>
+                  <a:srgbClr val="000066"/>
+                </a:solidFill>
+                <a:effectLst>
+                  <a:outerShdw blurRad="38100" dist="38100" dir="2700000" algn="tl">
+                    <a:srgbClr val="000000">
+                      <a:alpha val="43137"/>
+                    </a:srgbClr>
+                  </a:outerShdw>
+                </a:effectLst>
+                <a:latin typeface="微軟正黑體" pitchFamily="34" charset="-120"/>
+                <a:ea typeface="微軟正黑體" pitchFamily="34" charset="-120"/>
+              </a:rPr>
+              <a:t>一頌</a:t>
+            </a:r>
+            <a:endParaRPr lang="zh-TW" altLang="en-US" sz="7200" b="1" dirty="0">
               <a:solidFill>
                 <a:srgbClr val="000066"/>
               </a:solidFill>
               <a:effectLst>
-                <a:outerShdw blurRad="50000" dist="30000" dir="5400000" algn="tl" rotWithShape="0">
+                <a:outerShdw blurRad="38100" dist="38100" dir="2700000" algn="tl">
                   <a:srgbClr val="000000">
-                    <a:alpha val="30000"/>
+                    <a:alpha val="43137"/>
                   </a:srgbClr>
                 </a:outerShdw>
               </a:effectLst>
               <a:latin typeface="微軟正黑體" pitchFamily="34" charset="-120"/>
               <a:ea typeface="微軟正黑體" pitchFamily="34" charset="-120"/>
-              <a:cs typeface="+mj-cs"/>
             </a:endParaRPr>
           </a:p>
-          <a:p>
-            <a:pPr algn="ctr">
-              <a:buNone/>
-            </a:pPr>
-            <a:r>
-              <a:rPr lang="zh-CN" altLang="en-US" sz="4800" b="1" dirty="0" smtClean="0">
-                <a:solidFill>
-                  <a:srgbClr val="000066"/>
-                </a:solidFill>
-                <a:effectLst>
-                  <a:outerShdw blurRad="50000" dist="30000" dir="5400000" algn="tl" rotWithShape="0">
-                    <a:srgbClr val="000000">
-                      <a:alpha val="30000"/>
-                    </a:srgbClr>
-                  </a:outerShdw>
-                </a:effectLst>
-                <a:latin typeface="微軟正黑體" pitchFamily="34" charset="-120"/>
-                <a:ea typeface="微軟正黑體" pitchFamily="34" charset="-120"/>
-                <a:cs typeface="+mj-cs"/>
-              </a:rPr>
-              <a:t>讚美耶穌代贖洪恩</a:t>
-            </a:r>
-            <a:endParaRPr lang="en-US" altLang="zh-CN" sz="4800" b="1" dirty="0" smtClean="0">
-              <a:solidFill>
-                <a:srgbClr val="000066"/>
-              </a:solidFill>
-              <a:effectLst>
-                <a:outerShdw blurRad="50000" dist="30000" dir="5400000" algn="tl" rotWithShape="0">
-                  <a:srgbClr val="000000">
-                    <a:alpha val="30000"/>
-                  </a:srgbClr>
-                </a:outerShdw>
-              </a:effectLst>
-              <a:latin typeface="微軟正黑體" pitchFamily="34" charset="-120"/>
-              <a:ea typeface="微軟正黑體" pitchFamily="34" charset="-120"/>
-              <a:cs typeface="+mj-cs"/>
-            </a:endParaRPr>
-          </a:p>
-          <a:p>
-            <a:pPr algn="ctr">
-              <a:buNone/>
-            </a:pPr>
-            <a:r>
-              <a:rPr lang="zh-CN" altLang="en-US" sz="4800" b="1" dirty="0" smtClean="0">
-                <a:solidFill>
-                  <a:srgbClr val="000066"/>
-                </a:solidFill>
-                <a:effectLst>
-                  <a:outerShdw blurRad="50000" dist="30000" dir="5400000" algn="tl" rotWithShape="0">
-                    <a:srgbClr val="000000">
-                      <a:alpha val="30000"/>
-                    </a:srgbClr>
-                  </a:outerShdw>
-                </a:effectLst>
-                <a:latin typeface="微軟正黑體" pitchFamily="34" charset="-120"/>
-                <a:ea typeface="微軟正黑體" pitchFamily="34" charset="-120"/>
-                <a:cs typeface="+mj-cs"/>
-              </a:rPr>
-              <a:t>讚美聖靈開我茅塞</a:t>
-            </a:r>
-            <a:endParaRPr lang="en-US" altLang="zh-CN" sz="4800" b="1" dirty="0" smtClean="0">
-              <a:solidFill>
-                <a:srgbClr val="000066"/>
-              </a:solidFill>
-              <a:effectLst>
-                <a:outerShdw blurRad="50000" dist="30000" dir="5400000" algn="tl" rotWithShape="0">
-                  <a:srgbClr val="000000">
-                    <a:alpha val="30000"/>
-                  </a:srgbClr>
-                </a:outerShdw>
-              </a:effectLst>
-              <a:latin typeface="微軟正黑體" pitchFamily="34" charset="-120"/>
-              <a:ea typeface="微軟正黑體" pitchFamily="34" charset="-120"/>
-              <a:cs typeface="+mj-cs"/>
-            </a:endParaRPr>
-          </a:p>
-          <a:p>
-            <a:pPr algn="ctr">
-              <a:buNone/>
-            </a:pPr>
-            <a:r>
-              <a:rPr lang="zh-CN" altLang="en-US" sz="4800" b="1" dirty="0" smtClean="0">
-                <a:solidFill>
-                  <a:srgbClr val="000066"/>
-                </a:solidFill>
-                <a:effectLst>
-                  <a:outerShdw blurRad="50000" dist="30000" dir="5400000" algn="tl" rotWithShape="0">
-                    <a:srgbClr val="000000">
-                      <a:alpha val="30000"/>
-                    </a:srgbClr>
-                  </a:outerShdw>
-                </a:effectLst>
-                <a:latin typeface="微軟正黑體" pitchFamily="34" charset="-120"/>
-                <a:ea typeface="微軟正黑體" pitchFamily="34" charset="-120"/>
-                <a:cs typeface="+mj-cs"/>
-              </a:rPr>
-              <a:t>讚美三位合一真神</a:t>
-            </a:r>
-            <a:endParaRPr lang="zh-TW" altLang="en-US" sz="4800" b="1" dirty="0">
-              <a:solidFill>
-                <a:srgbClr val="000066"/>
-              </a:solidFill>
-              <a:effectLst>
-                <a:outerShdw blurRad="50000" dist="30000" dir="5400000" algn="tl" rotWithShape="0">
-                  <a:srgbClr val="000000">
-                    <a:alpha val="30000"/>
-                  </a:srgbClr>
-                </a:outerShdw>
-              </a:effectLst>
-              <a:latin typeface="微軟正黑體" pitchFamily="34" charset="-120"/>
-              <a:ea typeface="微軟正黑體" pitchFamily="34" charset="-120"/>
-              <a:cs typeface="+mj-cs"/>
-            </a:endParaRPr>
-          </a:p>
         </p:txBody>
       </p:sp>
     </p:spTree>
+    <p:extLst>
+      <p:ext uri="{BB962C8B-B14F-4D97-AF65-F5344CB8AC3E}">
+        <p14:creationId xmlns:p14="http://schemas.microsoft.com/office/powerpoint/2010/main" val="3856766224"/>
+      </p:ext>
+    </p:extLst>
   </p:cSld>
   <p:clrMapOvr>
     <a:masterClrMapping/>
   </p:clrMapOvr>
-  <p:timing>
-    <p:tnLst>
-      <p:par>
-        <p:cTn id="1" dur="indefinite" restart="never" nodeType="tmRoot"/>
-      </p:par>
-    </p:tnLst>
-  </p:timing>
 </p:sld>
 </file>
 
@@ -14543,73 +14280,31 @@
       </p:grpSpPr>
       <p:sp>
         <p:nvSpPr>
-          <p:cNvPr id="2" name="標題 1"/>
+          <p:cNvPr id="5" name="內容版面配置區 4"/>
           <p:cNvSpPr>
             <a:spLocks noGrp="1"/>
           </p:cNvSpPr>
           <p:nvPr>
-            <p:ph type="title"/>
+            <p:ph idx="1"/>
           </p:nvPr>
         </p:nvSpPr>
         <p:spPr>
           <a:xfrm>
-            <a:off x="0" y="85712"/>
-            <a:ext cx="8991600" cy="628650"/>
+            <a:off x="0" y="1563638"/>
+            <a:ext cx="9144000" cy="1803647"/>
           </a:xfrm>
         </p:spPr>
         <p:txBody>
-          <a:bodyPr>
-            <a:noAutofit/>
+          <a:bodyPr anchor="ctr">
+            <a:normAutofit/>
           </a:bodyPr>
           <a:lstStyle/>
           <a:p>
-            <a:r>
-              <a:rPr lang="zh-CN" altLang="en-US" sz="4000" b="1" dirty="0" smtClean="0">
-                <a:solidFill>
-                  <a:srgbClr val="000066"/>
-                </a:solidFill>
-                <a:latin typeface="微軟正黑體" pitchFamily="34" charset="-120"/>
-                <a:ea typeface="微軟正黑體" pitchFamily="34" charset="-120"/>
-              </a:rPr>
-              <a:t>公禱文</a:t>
-            </a:r>
-            <a:endParaRPr lang="zh-TW" altLang="en-US" sz="4000" b="1" dirty="0">
-              <a:solidFill>
-                <a:srgbClr val="000066"/>
-              </a:solidFill>
-              <a:latin typeface="微軟正黑體" pitchFamily="34" charset="-120"/>
-              <a:ea typeface="微軟正黑體" pitchFamily="34" charset="-120"/>
-            </a:endParaRPr>
-          </a:p>
-        </p:txBody>
-      </p:sp>
-      <p:sp>
-        <p:nvSpPr>
-          <p:cNvPr id="4" name="內容版面配置區 3"/>
-          <p:cNvSpPr>
-            <a:spLocks noGrp="1"/>
-          </p:cNvSpPr>
-          <p:nvPr>
-            <p:ph idx="1"/>
-          </p:nvPr>
-        </p:nvSpPr>
-        <p:spPr>
-          <a:xfrm>
-            <a:off x="0" y="785800"/>
-            <a:ext cx="9144000" cy="4357718"/>
-          </a:xfrm>
-        </p:spPr>
-        <p:txBody>
-          <a:bodyPr>
-            <a:noAutofit/>
-          </a:bodyPr>
-          <a:lstStyle/>
-          <a:p>
             <a:pPr algn="ctr">
               <a:buNone/>
             </a:pPr>
             <a:r>
-              <a:rPr lang="zh-CN" altLang="en-US" sz="4800" b="1" dirty="0" smtClean="0">
+              <a:rPr lang="zh-CN" altLang="en-US" sz="4800" b="1" dirty="0">
                 <a:solidFill>
                   <a:srgbClr val="000066"/>
                 </a:solidFill>
@@ -14623,9 +14318,9 @@
                 <a:latin typeface="微軟正黑體" pitchFamily="34" charset="-120"/>
                 <a:ea typeface="微軟正黑體" pitchFamily="34" charset="-120"/>
               </a:rPr>
-              <a:t>我們在天上的父</a:t>
-            </a:r>
-            <a:endParaRPr lang="en-US" altLang="zh-CN" sz="4800" b="1" dirty="0" smtClean="0">
+              <a:t>讚美天父愛世慈仁</a:t>
+            </a:r>
+            <a:endParaRPr lang="en-US" altLang="zh-CN" sz="4800" b="1" dirty="0">
               <a:solidFill>
                 <a:srgbClr val="000066"/>
               </a:solidFill>
@@ -14645,7 +14340,7 @@
               <a:buNone/>
             </a:pPr>
             <a:r>
-              <a:rPr lang="zh-CN" altLang="en-US" sz="4800" b="1" dirty="0" smtClean="0">
+              <a:rPr lang="zh-CN" altLang="en-US" sz="4800" b="1" dirty="0">
                 <a:solidFill>
                   <a:srgbClr val="000066"/>
                 </a:solidFill>
@@ -14659,60 +14354,9 @@
                 <a:latin typeface="微軟正黑體" pitchFamily="34" charset="-120"/>
                 <a:ea typeface="微軟正黑體" pitchFamily="34" charset="-120"/>
               </a:rPr>
-              <a:t>願人</a:t>
-            </a:r>
-            <a:r>
-              <a:rPr lang="zh-CN" altLang="en-US" sz="4800" b="1" smtClean="0">
-                <a:solidFill>
-                  <a:srgbClr val="000066"/>
-                </a:solidFill>
-                <a:effectLst>
-                  <a:outerShdw blurRad="50000" dist="30000" dir="5400000" algn="tl" rotWithShape="0">
-                    <a:srgbClr val="000000">
-                      <a:alpha val="30000"/>
-                    </a:srgbClr>
-                  </a:outerShdw>
-                </a:effectLst>
-                <a:latin typeface="微軟正黑體" pitchFamily="34" charset="-120"/>
-                <a:ea typeface="微軟正黑體" pitchFamily="34" charset="-120"/>
-              </a:rPr>
-              <a:t>都</a:t>
-            </a:r>
-            <a:r>
-              <a:rPr lang="zh-CN" altLang="en-US" sz="4800" b="1">
-                <a:solidFill>
-                  <a:srgbClr val="000066"/>
-                </a:solidFill>
-                <a:effectLst>
-                  <a:outerShdw blurRad="50000" dist="30000" dir="5400000" algn="tl" rotWithShape="0">
-                    <a:srgbClr val="000000">
-                      <a:alpha val="30000"/>
-                    </a:srgbClr>
-                  </a:outerShdw>
-                </a:effectLst>
-                <a:latin typeface="微軟正黑體" pitchFamily="34" charset="-120"/>
-                <a:ea typeface="微軟正黑體" pitchFamily="34" charset="-120"/>
-              </a:rPr>
-              <a:t>尊父的</a:t>
-            </a:r>
-            <a:r>
-              <a:rPr lang="zh-CN" altLang="en-US" sz="4800" b="1" dirty="0" smtClean="0">
-                <a:solidFill>
-                  <a:srgbClr val="000066"/>
-                </a:solidFill>
-                <a:effectLst>
-                  <a:outerShdw blurRad="50000" dist="30000" dir="5400000" algn="tl" rotWithShape="0">
-                    <a:srgbClr val="000000">
-                      <a:alpha val="30000"/>
-                    </a:srgbClr>
-                  </a:outerShdw>
-                </a:effectLst>
-                <a:latin typeface="微軟正黑體" pitchFamily="34" charset="-120"/>
-                <a:ea typeface="微軟正黑體" pitchFamily="34" charset="-120"/>
-              </a:rPr>
-              <a:t>名為聖</a:t>
-            </a:r>
-            <a:endParaRPr lang="en-US" altLang="zh-CN" sz="4800" b="1" dirty="0" smtClean="0">
+              <a:t>讚美耶穌代贖洪恩</a:t>
+            </a:r>
+            <a:endParaRPr lang="en-US" altLang="zh-CN" sz="4800" b="1" dirty="0">
               <a:solidFill>
                 <a:srgbClr val="000066"/>
               </a:solidFill>
@@ -14727,128 +14371,18 @@
               <a:ea typeface="微軟正黑體" pitchFamily="34" charset="-120"/>
             </a:endParaRPr>
           </a:p>
-          <a:p>
-            <a:pPr algn="ctr">
-              <a:buNone/>
-            </a:pPr>
-            <a:r>
-              <a:rPr lang="zh-CN" altLang="en-US" sz="4800" b="1" dirty="0" smtClean="0">
-                <a:solidFill>
-                  <a:srgbClr val="000066"/>
-                </a:solidFill>
-                <a:effectLst>
-                  <a:outerShdw blurRad="50000" dist="30000" dir="5400000" algn="tl" rotWithShape="0">
-                    <a:srgbClr val="000000">
-                      <a:alpha val="30000"/>
-                    </a:srgbClr>
-                  </a:outerShdw>
-                </a:effectLst>
-                <a:latin typeface="微軟正黑體" pitchFamily="34" charset="-120"/>
-                <a:ea typeface="微軟正黑體" pitchFamily="34" charset="-120"/>
-              </a:rPr>
-              <a:t>願父的國降臨</a:t>
-            </a:r>
-            <a:endParaRPr lang="en-US" altLang="zh-CN" sz="4800" b="1" dirty="0" smtClean="0">
-              <a:solidFill>
-                <a:srgbClr val="000066"/>
-              </a:solidFill>
-              <a:effectLst>
-                <a:outerShdw blurRad="50000" dist="30000" dir="5400000" algn="tl" rotWithShape="0">
-                  <a:srgbClr val="000000">
-                    <a:alpha val="30000"/>
-                  </a:srgbClr>
-                </a:outerShdw>
-              </a:effectLst>
-              <a:latin typeface="微軟正黑體" pitchFamily="34" charset="-120"/>
-              <a:ea typeface="微軟正黑體" pitchFamily="34" charset="-120"/>
-            </a:endParaRPr>
-          </a:p>
-          <a:p>
-            <a:pPr algn="ctr">
-              <a:buNone/>
-            </a:pPr>
-            <a:r>
-              <a:rPr lang="zh-CN" altLang="en-US" sz="4800" b="1" dirty="0" smtClean="0">
-                <a:solidFill>
-                  <a:srgbClr val="000066"/>
-                </a:solidFill>
-                <a:effectLst>
-                  <a:outerShdw blurRad="50000" dist="30000" dir="5400000" algn="tl" rotWithShape="0">
-                    <a:srgbClr val="000000">
-                      <a:alpha val="30000"/>
-                    </a:srgbClr>
-                  </a:outerShdw>
-                </a:effectLst>
-                <a:latin typeface="微軟正黑體" pitchFamily="34" charset="-120"/>
-                <a:ea typeface="微軟正黑體" pitchFamily="34" charset="-120"/>
-              </a:rPr>
-              <a:t>願父的旨意行在地上</a:t>
-            </a:r>
-            <a:endParaRPr lang="en-US" altLang="zh-CN" sz="4800" b="1" dirty="0" smtClean="0">
-              <a:solidFill>
-                <a:srgbClr val="000066"/>
-              </a:solidFill>
-              <a:effectLst>
-                <a:outerShdw blurRad="50000" dist="30000" dir="5400000" algn="tl" rotWithShape="0">
-                  <a:srgbClr val="000000">
-                    <a:alpha val="30000"/>
-                  </a:srgbClr>
-                </a:outerShdw>
-              </a:effectLst>
-              <a:latin typeface="微軟正黑體" pitchFamily="34" charset="-120"/>
-              <a:ea typeface="微軟正黑體" pitchFamily="34" charset="-120"/>
-            </a:endParaRPr>
-          </a:p>
-          <a:p>
-            <a:pPr algn="ctr">
-              <a:buNone/>
-            </a:pPr>
-            <a:r>
-              <a:rPr lang="zh-CN" altLang="en-US" sz="4800" b="1" dirty="0" smtClean="0">
-                <a:solidFill>
-                  <a:srgbClr val="000066"/>
-                </a:solidFill>
-                <a:effectLst>
-                  <a:outerShdw blurRad="50000" dist="30000" dir="5400000" algn="tl" rotWithShape="0">
-                    <a:srgbClr val="000000">
-                      <a:alpha val="30000"/>
-                    </a:srgbClr>
-                  </a:outerShdw>
-                </a:effectLst>
-                <a:latin typeface="微軟正黑體" pitchFamily="34" charset="-120"/>
-                <a:ea typeface="微軟正黑體" pitchFamily="34" charset="-120"/>
-              </a:rPr>
-              <a:t>如同行在天上</a:t>
-            </a:r>
-            <a:endParaRPr lang="zh-TW" altLang="en-US" sz="4800" b="1" dirty="0">
-              <a:solidFill>
-                <a:srgbClr val="000066"/>
-              </a:solidFill>
-              <a:effectLst>
-                <a:outerShdw blurRad="50000" dist="30000" dir="5400000" algn="tl" rotWithShape="0">
-                  <a:srgbClr val="000000">
-                    <a:alpha val="30000"/>
-                  </a:srgbClr>
-                </a:outerShdw>
-              </a:effectLst>
-              <a:latin typeface="微軟正黑體" pitchFamily="34" charset="-120"/>
-              <a:ea typeface="微軟正黑體" pitchFamily="34" charset="-120"/>
-            </a:endParaRPr>
-          </a:p>
         </p:txBody>
       </p:sp>
     </p:spTree>
+    <p:extLst>
+      <p:ext uri="{BB962C8B-B14F-4D97-AF65-F5344CB8AC3E}">
+        <p14:creationId xmlns:p14="http://schemas.microsoft.com/office/powerpoint/2010/main" val="4258810467"/>
+      </p:ext>
+    </p:extLst>
   </p:cSld>
   <p:clrMapOvr>
     <a:masterClrMapping/>
   </p:clrMapOvr>
-  <p:timing>
-    <p:tnLst>
-      <p:par>
-        <p:cTn id="1" dur="indefinite" restart="never" nodeType="tmRoot"/>
-      </p:par>
-    </p:tnLst>
-  </p:timing>
 </p:sld>
 </file>
 
@@ -14871,73 +14405,31 @@
       </p:grpSpPr>
       <p:sp>
         <p:nvSpPr>
-          <p:cNvPr id="2" name="標題 1"/>
+          <p:cNvPr id="5" name="內容版面配置區 4"/>
           <p:cNvSpPr>
             <a:spLocks noGrp="1"/>
           </p:cNvSpPr>
           <p:nvPr>
-            <p:ph type="title"/>
+            <p:ph idx="1"/>
           </p:nvPr>
         </p:nvSpPr>
         <p:spPr>
           <a:xfrm>
-            <a:off x="0" y="85712"/>
-            <a:ext cx="8991600" cy="628650"/>
+            <a:off x="0" y="1563638"/>
+            <a:ext cx="9144000" cy="1803647"/>
           </a:xfrm>
         </p:spPr>
         <p:txBody>
-          <a:bodyPr>
-            <a:noAutofit/>
+          <a:bodyPr anchor="ctr">
+            <a:normAutofit/>
           </a:bodyPr>
           <a:lstStyle/>
           <a:p>
-            <a:r>
-              <a:rPr lang="zh-CN" altLang="en-US" sz="4000" b="1" dirty="0" smtClean="0">
-                <a:solidFill>
-                  <a:srgbClr val="000066"/>
-                </a:solidFill>
-                <a:latin typeface="微軟正黑體" pitchFamily="34" charset="-120"/>
-                <a:ea typeface="微軟正黑體" pitchFamily="34" charset="-120"/>
-              </a:rPr>
-              <a:t>公禱文</a:t>
-            </a:r>
-            <a:endParaRPr lang="zh-TW" altLang="en-US" sz="4000" b="1" dirty="0">
-              <a:solidFill>
-                <a:srgbClr val="000066"/>
-              </a:solidFill>
-              <a:latin typeface="微軟正黑體" pitchFamily="34" charset="-120"/>
-              <a:ea typeface="微軟正黑體" pitchFamily="34" charset="-120"/>
-            </a:endParaRPr>
-          </a:p>
-        </p:txBody>
-      </p:sp>
-      <p:sp>
-        <p:nvSpPr>
-          <p:cNvPr id="4" name="內容版面配置區 3"/>
-          <p:cNvSpPr>
-            <a:spLocks noGrp="1"/>
-          </p:cNvSpPr>
-          <p:nvPr>
-            <p:ph idx="1"/>
-          </p:nvPr>
-        </p:nvSpPr>
-        <p:spPr>
-          <a:xfrm>
-            <a:off x="0" y="1142990"/>
-            <a:ext cx="9144000" cy="4000528"/>
-          </a:xfrm>
-        </p:spPr>
-        <p:txBody>
-          <a:bodyPr>
-            <a:noAutofit/>
-          </a:bodyPr>
-          <a:lstStyle/>
-          <a:p>
             <a:pPr algn="ctr">
               <a:buNone/>
             </a:pPr>
             <a:r>
-              <a:rPr lang="zh-CN" altLang="en-US" sz="4800" b="1" dirty="0" smtClean="0">
+              <a:rPr lang="zh-CN" altLang="en-US" sz="4800" b="1" dirty="0">
                 <a:solidFill>
                   <a:srgbClr val="000066"/>
                 </a:solidFill>
@@ -14951,9 +14443,9 @@
                 <a:latin typeface="微軟正黑體" pitchFamily="34" charset="-120"/>
                 <a:ea typeface="微軟正黑體" pitchFamily="34" charset="-120"/>
               </a:rPr>
-              <a:t>我們日用的飲食</a:t>
-            </a:r>
-            <a:endParaRPr lang="en-US" altLang="zh-CN" sz="4800" b="1" dirty="0" smtClean="0">
+              <a:t>讚美聖靈開我茅塞</a:t>
+            </a:r>
+            <a:endParaRPr lang="en-US" altLang="zh-CN" sz="4800" b="1" dirty="0">
               <a:solidFill>
                 <a:srgbClr val="000066"/>
               </a:solidFill>
@@ -14973,7 +14465,7 @@
               <a:buNone/>
             </a:pPr>
             <a:r>
-              <a:rPr lang="zh-CN" altLang="en-US" sz="4800" b="1" dirty="0" smtClean="0">
+              <a:rPr lang="zh-CN" altLang="en-US" sz="4800" b="1" dirty="0">
                 <a:solidFill>
                   <a:srgbClr val="000066"/>
                 </a:solidFill>
@@ -14987,9 +14479,9 @@
                 <a:latin typeface="微軟正黑體" pitchFamily="34" charset="-120"/>
                 <a:ea typeface="微軟正黑體" pitchFamily="34" charset="-120"/>
               </a:rPr>
-              <a:t>今日賜給我們</a:t>
-            </a:r>
-            <a:endParaRPr lang="en-US" altLang="zh-CN" sz="4800" b="1" dirty="0" smtClean="0">
+              <a:t>讚美三位合一真神</a:t>
+            </a:r>
+            <a:endParaRPr lang="zh-TW" altLang="en-US" sz="4800" b="1" dirty="0">
               <a:solidFill>
                 <a:srgbClr val="000066"/>
               </a:solidFill>
@@ -15004,92 +14496,18 @@
               <a:ea typeface="微軟正黑體" pitchFamily="34" charset="-120"/>
             </a:endParaRPr>
           </a:p>
-          <a:p>
-            <a:pPr algn="ctr">
-              <a:buNone/>
-            </a:pPr>
-            <a:r>
-              <a:rPr lang="zh-CN" altLang="en-US" sz="4800" b="1" dirty="0" smtClean="0">
-                <a:solidFill>
-                  <a:srgbClr val="000066"/>
-                </a:solidFill>
-                <a:effectLst>
-                  <a:outerShdw blurRad="50000" dist="30000" dir="5400000" algn="tl" rotWithShape="0">
-                    <a:srgbClr val="000000">
-                      <a:alpha val="30000"/>
-                    </a:srgbClr>
-                  </a:outerShdw>
-                </a:effectLst>
-                <a:latin typeface="微軟正黑體" pitchFamily="34" charset="-120"/>
-                <a:ea typeface="微軟正黑體" pitchFamily="34" charset="-120"/>
-              </a:rPr>
-              <a:t>免我們的債</a:t>
-            </a:r>
-            <a:endParaRPr lang="en-US" altLang="zh-CN" sz="4800" b="1" dirty="0" smtClean="0">
-              <a:solidFill>
-                <a:srgbClr val="000066"/>
-              </a:solidFill>
-              <a:effectLst>
-                <a:outerShdw blurRad="50000" dist="30000" dir="5400000" algn="tl" rotWithShape="0">
-                  <a:srgbClr val="000000">
-                    <a:alpha val="30000"/>
-                  </a:srgbClr>
-                </a:outerShdw>
-              </a:effectLst>
-              <a:latin typeface="微軟正黑體" pitchFamily="34" charset="-120"/>
-              <a:ea typeface="微軟正黑體" pitchFamily="34" charset="-120"/>
-            </a:endParaRPr>
-          </a:p>
-          <a:p>
-            <a:pPr algn="ctr">
-              <a:buNone/>
-            </a:pPr>
-            <a:r>
-              <a:rPr lang="zh-CN" altLang="en-US" sz="4800" b="1" dirty="0" smtClean="0">
-                <a:solidFill>
-                  <a:srgbClr val="000066"/>
-                </a:solidFill>
-                <a:effectLst>
-                  <a:outerShdw blurRad="50000" dist="30000" dir="5400000" algn="tl" rotWithShape="0">
-                    <a:srgbClr val="000000">
-                      <a:alpha val="30000"/>
-                    </a:srgbClr>
-                  </a:outerShdw>
-                </a:effectLst>
-                <a:latin typeface="微軟正黑體" pitchFamily="34" charset="-120"/>
-                <a:ea typeface="微軟正黑體" pitchFamily="34" charset="-120"/>
-              </a:rPr>
-              <a:t>如同我們免了人的債</a:t>
-            </a:r>
-            <a:endParaRPr lang="zh-TW" altLang="en-US" sz="4800" b="1" dirty="0" smtClean="0">
-              <a:solidFill>
-                <a:srgbClr val="000066"/>
-              </a:solidFill>
-              <a:effectLst>
-                <a:outerShdw blurRad="50000" dist="30000" dir="5400000" algn="tl" rotWithShape="0">
-                  <a:srgbClr val="000000">
-                    <a:alpha val="30000"/>
-                  </a:srgbClr>
-                </a:outerShdw>
-              </a:effectLst>
-              <a:latin typeface="微軟正黑體" pitchFamily="34" charset="-120"/>
-              <a:ea typeface="微軟正黑體" pitchFamily="34" charset="-120"/>
-            </a:endParaRPr>
-          </a:p>
         </p:txBody>
       </p:sp>
     </p:spTree>
+    <p:extLst>
+      <p:ext uri="{BB962C8B-B14F-4D97-AF65-F5344CB8AC3E}">
+        <p14:creationId xmlns:p14="http://schemas.microsoft.com/office/powerpoint/2010/main" val="3198951544"/>
+      </p:ext>
+    </p:extLst>
   </p:cSld>
   <p:clrMapOvr>
     <a:masterClrMapping/>
   </p:clrMapOvr>
-  <p:timing>
-    <p:tnLst>
-      <p:par>
-        <p:cTn id="1" dur="indefinite" restart="never" nodeType="tmRoot"/>
-      </p:par>
-    </p:tnLst>
-  </p:timing>
 </p:sld>
 </file>
 
@@ -15112,7 +14530,7 @@
       </p:grpSpPr>
       <p:sp>
         <p:nvSpPr>
-          <p:cNvPr id="2" name="標題 1"/>
+          <p:cNvPr id="4" name="標題 3"/>
           <p:cNvSpPr>
             <a:spLocks noGrp="1"/>
           </p:cNvSpPr>
@@ -15122,8 +14540,8 @@
         </p:nvSpPr>
         <p:spPr>
           <a:xfrm>
-            <a:off x="0" y="85712"/>
-            <a:ext cx="8991600" cy="628650"/>
+            <a:off x="0" y="2143135"/>
+            <a:ext cx="9144000" cy="857250"/>
           </a:xfrm>
         </p:spPr>
         <p:txBody>
@@ -15133,75 +14551,47 @@
           <a:lstStyle/>
           <a:p>
             <a:r>
-              <a:rPr lang="zh-CN" altLang="en-US" sz="4000" b="1" dirty="0" smtClean="0">
-                <a:solidFill>
-                  <a:srgbClr val="000066"/>
-                </a:solidFill>
-                <a:latin typeface="微軟正黑體" pitchFamily="34" charset="-120"/>
-                <a:ea typeface="微軟正黑體" pitchFamily="34" charset="-120"/>
-              </a:rPr>
-              <a:t>公禱文</a:t>
-            </a:r>
-            <a:endParaRPr lang="zh-TW" altLang="en-US" sz="4000" b="1" dirty="0">
-              <a:solidFill>
-                <a:srgbClr val="000066"/>
-              </a:solidFill>
-              <a:latin typeface="微軟正黑體" pitchFamily="34" charset="-120"/>
-              <a:ea typeface="微軟正黑體" pitchFamily="34" charset="-120"/>
-            </a:endParaRPr>
-          </a:p>
-        </p:txBody>
-      </p:sp>
-      <p:sp>
-        <p:nvSpPr>
-          <p:cNvPr id="4" name="內容版面配置區 3"/>
-          <p:cNvSpPr>
-            <a:spLocks noGrp="1"/>
-          </p:cNvSpPr>
-          <p:nvPr>
-            <p:ph idx="1"/>
-          </p:nvPr>
-        </p:nvSpPr>
-        <p:spPr>
-          <a:xfrm>
-            <a:off x="0" y="1071552"/>
-            <a:ext cx="9144000" cy="4071966"/>
-          </a:xfrm>
-        </p:spPr>
-        <p:txBody>
-          <a:bodyPr>
-            <a:noAutofit/>
-          </a:bodyPr>
-          <a:lstStyle/>
-          <a:p>
-            <a:pPr algn="ctr">
-              <a:buNone/>
-            </a:pPr>
-            <a:r>
-              <a:rPr lang="zh-CN" altLang="en-US" sz="4800" b="1" dirty="0" smtClean="0">
-                <a:solidFill>
-                  <a:srgbClr val="000066"/>
+              <a:rPr lang="zh-CN" altLang="en-US" sz="7200" b="1" dirty="0" smtClean="0">
+                <a:solidFill>
+                  <a:srgbClr val="660033"/>
                 </a:solidFill>
                 <a:effectLst>
-                  <a:outerShdw blurRad="50000" dist="30000" dir="5400000" algn="tl" rotWithShape="0">
+                  <a:outerShdw blurRad="38100" dist="38100" dir="2700000" algn="tl">
                     <a:srgbClr val="000000">
-                      <a:alpha val="30000"/>
+                      <a:alpha val="43137"/>
                     </a:srgbClr>
                   </a:outerShdw>
                 </a:effectLst>
                 <a:latin typeface="微軟正黑體" pitchFamily="34" charset="-120"/>
                 <a:ea typeface="微軟正黑體" pitchFamily="34" charset="-120"/>
               </a:rPr>
-              <a:t>不叫我們遇見試探</a:t>
-            </a:r>
-            <a:endParaRPr lang="en-US" altLang="zh-CN" sz="4800" b="1" dirty="0" smtClean="0">
+              <a:t>公</a:t>
+            </a:r>
+            <a:r>
+              <a:rPr lang="zh-CN" altLang="en-US" sz="7200" b="1" dirty="0">
+                <a:solidFill>
+                  <a:srgbClr val="660033"/>
+                </a:solidFill>
+                <a:effectLst>
+                  <a:outerShdw blurRad="38100" dist="38100" dir="2700000" algn="tl">
+                    <a:srgbClr val="000000">
+                      <a:alpha val="43137"/>
+                    </a:srgbClr>
+                  </a:outerShdw>
+                </a:effectLst>
+                <a:latin typeface="微軟正黑體" pitchFamily="34" charset="-120"/>
+                <a:ea typeface="微軟正黑體" pitchFamily="34" charset="-120"/>
+              </a:rPr>
+              <a:t>禱文</a:t>
+            </a:r>
+            <a:endParaRPr lang="zh-TW" altLang="en-US" sz="7200" b="1" dirty="0">
               <a:solidFill>
-                <a:srgbClr val="000066"/>
+                <a:srgbClr val="660033"/>
               </a:solidFill>
               <a:effectLst>
-                <a:outerShdw blurRad="50000" dist="30000" dir="5400000" algn="tl" rotWithShape="0">
+                <a:outerShdw blurRad="38100" dist="38100" dir="2700000" algn="tl">
                   <a:srgbClr val="000000">
-                    <a:alpha val="30000"/>
+                    <a:alpha val="43137"/>
                   </a:srgbClr>
                 </a:outerShdw>
               </a:effectLst>
@@ -15209,162 +14599,18 @@
               <a:ea typeface="微軟正黑體" pitchFamily="34" charset="-120"/>
             </a:endParaRPr>
           </a:p>
-          <a:p>
-            <a:pPr algn="ctr">
-              <a:buNone/>
-            </a:pPr>
-            <a:r>
-              <a:rPr lang="zh-CN" altLang="en-US" sz="4800" b="1" dirty="0" smtClean="0">
-                <a:solidFill>
-                  <a:srgbClr val="000066"/>
-                </a:solidFill>
-                <a:effectLst>
-                  <a:outerShdw blurRad="50000" dist="30000" dir="5400000" algn="tl" rotWithShape="0">
-                    <a:srgbClr val="000000">
-                      <a:alpha val="30000"/>
-                    </a:srgbClr>
-                  </a:outerShdw>
-                </a:effectLst>
-                <a:latin typeface="微軟正黑體" pitchFamily="34" charset="-120"/>
-                <a:ea typeface="微軟正黑體" pitchFamily="34" charset="-120"/>
-              </a:rPr>
-              <a:t>救我們脫離兇惡</a:t>
-            </a:r>
-            <a:endParaRPr lang="en-US" altLang="zh-CN" sz="4800" b="1" dirty="0" smtClean="0">
-              <a:solidFill>
-                <a:srgbClr val="000066"/>
-              </a:solidFill>
-              <a:effectLst>
-                <a:outerShdw blurRad="50000" dist="30000" dir="5400000" algn="tl" rotWithShape="0">
-                  <a:srgbClr val="000000">
-                    <a:alpha val="30000"/>
-                  </a:srgbClr>
-                </a:outerShdw>
-              </a:effectLst>
-              <a:latin typeface="微軟正黑體" pitchFamily="34" charset="-120"/>
-              <a:ea typeface="微軟正黑體" pitchFamily="34" charset="-120"/>
-            </a:endParaRPr>
-          </a:p>
-          <a:p>
-            <a:pPr algn="ctr">
-              <a:buNone/>
-            </a:pPr>
-            <a:r>
-              <a:rPr lang="zh-CN" altLang="en-US" sz="4800" b="1" dirty="0" smtClean="0">
-                <a:solidFill>
-                  <a:srgbClr val="000066"/>
-                </a:solidFill>
-                <a:effectLst>
-                  <a:outerShdw blurRad="50000" dist="30000" dir="5400000" algn="tl" rotWithShape="0">
-                    <a:srgbClr val="000000">
-                      <a:alpha val="30000"/>
-                    </a:srgbClr>
-                  </a:outerShdw>
-                </a:effectLst>
-                <a:latin typeface="微軟正黑體" pitchFamily="34" charset="-120"/>
-                <a:ea typeface="微軟正黑體" pitchFamily="34" charset="-120"/>
-              </a:rPr>
-              <a:t>因為國度 權柄 榮耀</a:t>
-            </a:r>
-            <a:endParaRPr lang="en-US" altLang="zh-CN" sz="4800" b="1" dirty="0" smtClean="0">
-              <a:solidFill>
-                <a:srgbClr val="000066"/>
-              </a:solidFill>
-              <a:effectLst>
-                <a:outerShdw blurRad="50000" dist="30000" dir="5400000" algn="tl" rotWithShape="0">
-                  <a:srgbClr val="000000">
-                    <a:alpha val="30000"/>
-                  </a:srgbClr>
-                </a:outerShdw>
-              </a:effectLst>
-              <a:latin typeface="微軟正黑體" pitchFamily="34" charset="-120"/>
-              <a:ea typeface="微軟正黑體" pitchFamily="34" charset="-120"/>
-            </a:endParaRPr>
-          </a:p>
-          <a:p>
-            <a:pPr algn="ctr">
-              <a:buNone/>
-            </a:pPr>
-            <a:r>
-              <a:rPr lang="zh-CN" altLang="en-US" sz="4800" b="1" dirty="0" smtClean="0">
-                <a:solidFill>
-                  <a:srgbClr val="000066"/>
-                </a:solidFill>
-                <a:effectLst>
-                  <a:outerShdw blurRad="50000" dist="30000" dir="5400000" algn="tl" rotWithShape="0">
-                    <a:srgbClr val="000000">
-                      <a:alpha val="30000"/>
-                    </a:srgbClr>
-                  </a:outerShdw>
-                </a:effectLst>
-                <a:latin typeface="微軟正黑體" pitchFamily="34" charset="-120"/>
-                <a:ea typeface="微軟正黑體" pitchFamily="34" charset="-120"/>
-              </a:rPr>
-              <a:t>全是父的 直到永遠</a:t>
-            </a:r>
-            <a:r>
-              <a:rPr lang="en-US" altLang="zh-CN" sz="4800" b="1" dirty="0" smtClean="0">
-                <a:solidFill>
-                  <a:srgbClr val="000066"/>
-                </a:solidFill>
-                <a:effectLst>
-                  <a:outerShdw blurRad="50000" dist="30000" dir="5400000" algn="tl" rotWithShape="0">
-                    <a:srgbClr val="000000">
-                      <a:alpha val="30000"/>
-                    </a:srgbClr>
-                  </a:outerShdw>
-                </a:effectLst>
-                <a:latin typeface="微軟正黑體" pitchFamily="34" charset="-120"/>
-                <a:ea typeface="微軟正黑體" pitchFamily="34" charset="-120"/>
-              </a:rPr>
-              <a:t>  </a:t>
-            </a:r>
-            <a:r>
-              <a:rPr lang="zh-CN" altLang="en-US" sz="4800" b="1" dirty="0" smtClean="0">
-                <a:solidFill>
-                  <a:srgbClr val="000066"/>
-                </a:solidFill>
-                <a:effectLst>
-                  <a:outerShdw blurRad="50000" dist="30000" dir="5400000" algn="tl" rotWithShape="0">
-                    <a:srgbClr val="000000">
-                      <a:alpha val="30000"/>
-                    </a:srgbClr>
-                  </a:outerShdw>
-                </a:effectLst>
-                <a:latin typeface="微軟正黑體" pitchFamily="34" charset="-120"/>
-                <a:ea typeface="微軟正黑體" pitchFamily="34" charset="-120"/>
-              </a:rPr>
-              <a:t>阿門</a:t>
-            </a:r>
-            <a:endParaRPr lang="zh-TW" altLang="en-US" sz="4800" b="1" dirty="0" smtClean="0">
-              <a:solidFill>
-                <a:srgbClr val="000066"/>
-              </a:solidFill>
-              <a:effectLst>
-                <a:outerShdw blurRad="50000" dist="30000" dir="5400000" algn="tl" rotWithShape="0">
-                  <a:srgbClr val="000000">
-                    <a:alpha val="30000"/>
-                  </a:srgbClr>
-                </a:outerShdw>
-              </a:effectLst>
-              <a:latin typeface="微軟正黑體" pitchFamily="34" charset="-120"/>
-              <a:ea typeface="微軟正黑體" pitchFamily="34" charset="-120"/>
-            </a:endParaRPr>
-          </a:p>
         </p:txBody>
       </p:sp>
     </p:spTree>
+    <p:extLst>
+      <p:ext uri="{BB962C8B-B14F-4D97-AF65-F5344CB8AC3E}">
+        <p14:creationId xmlns:p14="http://schemas.microsoft.com/office/powerpoint/2010/main" val="3678965060"/>
+      </p:ext>
+    </p:extLst>
   </p:cSld>
   <p:clrMapOvr>
     <a:masterClrMapping/>
   </p:clrMapOvr>
-  <p:timing>
-    <p:tnLst>
-      <p:par>
-        <p:cTn id="1" dur="indefinite" restart="never" nodeType="tmRoot"/>
-      </p:par>
-    </p:tnLst>
-  </p:timing>
 </p:sld>
 </file>
 
@@ -15387,52 +14633,54 @@
       </p:grpSpPr>
       <p:sp>
         <p:nvSpPr>
-          <p:cNvPr id="2" name="標題 1"/>
+          <p:cNvPr id="5" name="內容版面配置區 4"/>
           <p:cNvSpPr>
             <a:spLocks noGrp="1"/>
           </p:cNvSpPr>
           <p:nvPr>
-            <p:ph type="title" idx="4294967295"/>
+            <p:ph idx="1"/>
           </p:nvPr>
         </p:nvSpPr>
         <p:spPr>
           <a:xfrm>
-            <a:off x="0" y="1635646"/>
-            <a:ext cx="9144000" cy="628650"/>
+            <a:off x="0" y="1563638"/>
+            <a:ext cx="9144000" cy="1803647"/>
           </a:xfrm>
         </p:spPr>
         <p:txBody>
-          <a:bodyPr>
-            <a:noAutofit/>
+          <a:bodyPr anchor="ctr">
+            <a:normAutofit/>
           </a:bodyPr>
           <a:lstStyle/>
           <a:p>
-            <a:pPr algn="ctr"/>
-            <a:r>
-              <a:rPr lang="zh-CN" altLang="en-US" sz="5400" b="1" dirty="0" smtClean="0">
-                <a:solidFill>
-                  <a:srgbClr val="000066"/>
+            <a:pPr algn="ctr">
+              <a:buNone/>
+            </a:pPr>
+            <a:r>
+              <a:rPr lang="zh-CN" altLang="en-US" sz="4800" b="1" dirty="0">
+                <a:solidFill>
+                  <a:srgbClr val="660033"/>
                 </a:solidFill>
                 <a:effectLst>
-                  <a:outerShdw blurRad="38100" dist="38100" dir="2700000" algn="tl">
+                  <a:outerShdw blurRad="50000" dist="30000" dir="5400000" algn="tl" rotWithShape="0">
                     <a:srgbClr val="000000">
-                      <a:alpha val="43137"/>
+                      <a:alpha val="30000"/>
                     </a:srgbClr>
                   </a:outerShdw>
                 </a:effectLst>
                 <a:latin typeface="微軟正黑體" pitchFamily="34" charset="-120"/>
                 <a:ea typeface="微軟正黑體" pitchFamily="34" charset="-120"/>
               </a:rPr>
-              <a:t>祝福</a:t>
-            </a:r>
-            <a:endParaRPr lang="zh-TW" altLang="en-US" sz="5400" b="1" dirty="0">
+              <a:t>我們在天上的父</a:t>
+            </a:r>
+            <a:endParaRPr lang="en-US" altLang="zh-CN" sz="4800" b="1" dirty="0">
               <a:solidFill>
-                <a:srgbClr val="000066"/>
+                <a:srgbClr val="660033"/>
               </a:solidFill>
               <a:effectLst>
-                <a:outerShdw blurRad="38100" dist="38100" dir="2700000" algn="tl">
+                <a:outerShdw blurRad="50000" dist="30000" dir="5400000" algn="tl" rotWithShape="0">
                   <a:srgbClr val="000000">
-                    <a:alpha val="43137"/>
+                    <a:alpha val="30000"/>
                   </a:srgbClr>
                 </a:outerShdw>
               </a:effectLst>
@@ -15440,114 +14688,54 @@
               <a:ea typeface="微軟正黑體" pitchFamily="34" charset="-120"/>
             </a:endParaRPr>
           </a:p>
-        </p:txBody>
-      </p:sp>
-      <p:sp>
-        <p:nvSpPr>
-          <p:cNvPr id="3" name="矩形 2"/>
-          <p:cNvSpPr/>
-          <p:nvPr/>
-        </p:nvSpPr>
-        <p:spPr>
-          <a:xfrm>
-            <a:off x="0" y="2499742"/>
-            <a:ext cx="9144000" cy="830997"/>
-          </a:xfrm>
-          <a:prstGeom prst="rect">
-            <a:avLst/>
-          </a:prstGeom>
-        </p:spPr>
-        <p:txBody>
-          <a:bodyPr wrap="square">
-            <a:spAutoFit/>
-          </a:bodyPr>
-          <a:lstStyle/>
-          <a:p>
-            <a:pPr algn="ctr"/>
-            <a:r>
-              <a:rPr lang="en-US" altLang="zh-CN" sz="4800" b="1" dirty="0" smtClean="0">
+          <a:p>
+            <a:pPr algn="ctr">
+              <a:buNone/>
+            </a:pPr>
+            <a:r>
+              <a:rPr lang="zh-CN" altLang="en-US" sz="4800" b="1" dirty="0">
                 <a:solidFill>
                   <a:srgbClr val="660033"/>
                 </a:solidFill>
                 <a:effectLst>
-                  <a:outerShdw blurRad="38100" dist="38100" dir="2700000" algn="tl">
+                  <a:outerShdw blurRad="50000" dist="30000" dir="5400000" algn="tl" rotWithShape="0">
                     <a:srgbClr val="000000">
-                      <a:alpha val="43137"/>
+                      <a:alpha val="30000"/>
                     </a:srgbClr>
                   </a:outerShdw>
                 </a:effectLst>
                 <a:latin typeface="微軟正黑體" pitchFamily="34" charset="-120"/>
                 <a:ea typeface="微軟正黑體" pitchFamily="34" charset="-120"/>
-                <a:cs typeface="+mj-cs"/>
-              </a:rPr>
-              <a:t>(</a:t>
-            </a:r>
-            <a:r>
-              <a:rPr lang="zh-CN" altLang="en-US" sz="4800" b="1" dirty="0" smtClean="0">
-                <a:solidFill>
-                  <a:srgbClr val="660033"/>
-                </a:solidFill>
-                <a:effectLst>
-                  <a:outerShdw blurRad="38100" dist="38100" dir="2700000" algn="tl">
-                    <a:srgbClr val="000000">
-                      <a:alpha val="43137"/>
-                    </a:srgbClr>
-                  </a:outerShdw>
-                </a:effectLst>
-                <a:latin typeface="微軟正黑體" pitchFamily="34" charset="-120"/>
-                <a:ea typeface="微軟正黑體" pitchFamily="34" charset="-120"/>
-                <a:cs typeface="+mj-cs"/>
-              </a:rPr>
-              <a:t>主禮牧師</a:t>
-            </a:r>
-            <a:r>
-              <a:rPr lang="en-US" altLang="zh-CN" sz="4800" b="1" dirty="0" smtClean="0">
-                <a:solidFill>
-                  <a:srgbClr val="660033"/>
-                </a:solidFill>
-                <a:effectLst>
-                  <a:outerShdw blurRad="38100" dist="38100" dir="2700000" algn="tl">
-                    <a:srgbClr val="000000">
-                      <a:alpha val="43137"/>
-                    </a:srgbClr>
-                  </a:outerShdw>
-                </a:effectLst>
-                <a:latin typeface="微軟正黑體" pitchFamily="34" charset="-120"/>
-                <a:ea typeface="微軟正黑體" pitchFamily="34" charset="-120"/>
-                <a:cs typeface="+mj-cs"/>
-              </a:rPr>
-              <a:t>)</a:t>
-            </a:r>
-            <a:endParaRPr lang="zh-TW" altLang="en-US" sz="4800" b="1" dirty="0" smtClean="0">
+              </a:rPr>
+              <a:t>願人都尊父的名為聖</a:t>
+            </a:r>
+            <a:endParaRPr lang="en-US" altLang="zh-CN" sz="4800" b="1" dirty="0">
               <a:solidFill>
                 <a:srgbClr val="660033"/>
               </a:solidFill>
               <a:effectLst>
-                <a:outerShdw blurRad="38100" dist="38100" dir="2700000" algn="tl">
+                <a:outerShdw blurRad="50000" dist="30000" dir="5400000" algn="tl" rotWithShape="0">
                   <a:srgbClr val="000000">
-                    <a:alpha val="43137"/>
+                    <a:alpha val="30000"/>
                   </a:srgbClr>
                 </a:outerShdw>
               </a:effectLst>
               <a:latin typeface="微軟正黑體" pitchFamily="34" charset="-120"/>
               <a:ea typeface="微軟正黑體" pitchFamily="34" charset="-120"/>
-              <a:cs typeface="+mj-cs"/>
             </a:endParaRPr>
           </a:p>
         </p:txBody>
       </p:sp>
     </p:spTree>
+    <p:extLst>
+      <p:ext uri="{BB962C8B-B14F-4D97-AF65-F5344CB8AC3E}">
+        <p14:creationId xmlns:p14="http://schemas.microsoft.com/office/powerpoint/2010/main" val="2306578235"/>
+      </p:ext>
+    </p:extLst>
   </p:cSld>
   <p:clrMapOvr>
     <a:masterClrMapping/>
   </p:clrMapOvr>
-  <p:timing>
-    <p:tnLst>
-      <p:par>
-        <p:cTn id="1" dur="indefinite" restart="never" nodeType="tmRoot"/>
-      </p:par>
-    </p:tnLst>
-  </p:timing>
 </p:sld>
 </file>
 
@@ -15570,6 +14758,1241 @@
       </p:grpSpPr>
       <p:sp>
         <p:nvSpPr>
+          <p:cNvPr id="5" name="內容版面配置區 4"/>
+          <p:cNvSpPr>
+            <a:spLocks noGrp="1"/>
+          </p:cNvSpPr>
+          <p:nvPr>
+            <p:ph idx="1"/>
+          </p:nvPr>
+        </p:nvSpPr>
+        <p:spPr>
+          <a:xfrm>
+            <a:off x="0" y="1563638"/>
+            <a:ext cx="9144000" cy="1803647"/>
+          </a:xfrm>
+        </p:spPr>
+        <p:txBody>
+          <a:bodyPr anchor="ctr">
+            <a:normAutofit/>
+          </a:bodyPr>
+          <a:lstStyle/>
+          <a:p>
+            <a:pPr algn="ctr">
+              <a:buNone/>
+            </a:pPr>
+            <a:r>
+              <a:rPr lang="zh-CN" altLang="en-US" sz="4800" b="1" dirty="0">
+                <a:solidFill>
+                  <a:srgbClr val="660033"/>
+                </a:solidFill>
+                <a:effectLst>
+                  <a:outerShdw blurRad="50000" dist="30000" dir="5400000" algn="tl" rotWithShape="0">
+                    <a:srgbClr val="000000">
+                      <a:alpha val="30000"/>
+                    </a:srgbClr>
+                  </a:outerShdw>
+                </a:effectLst>
+                <a:latin typeface="微軟正黑體" pitchFamily="34" charset="-120"/>
+                <a:ea typeface="微軟正黑體" pitchFamily="34" charset="-120"/>
+              </a:rPr>
+              <a:t>願父的國降臨</a:t>
+            </a:r>
+            <a:endParaRPr lang="en-US" altLang="zh-CN" sz="4800" b="1" dirty="0">
+              <a:solidFill>
+                <a:srgbClr val="660033"/>
+              </a:solidFill>
+              <a:effectLst>
+                <a:outerShdw blurRad="50000" dist="30000" dir="5400000" algn="tl" rotWithShape="0">
+                  <a:srgbClr val="000000">
+                    <a:alpha val="30000"/>
+                  </a:srgbClr>
+                </a:outerShdw>
+              </a:effectLst>
+              <a:latin typeface="微軟正黑體" pitchFamily="34" charset="-120"/>
+              <a:ea typeface="微軟正黑體" pitchFamily="34" charset="-120"/>
+            </a:endParaRPr>
+          </a:p>
+          <a:p>
+            <a:pPr algn="ctr">
+              <a:buNone/>
+            </a:pPr>
+            <a:r>
+              <a:rPr lang="zh-CN" altLang="en-US" sz="4800" b="1" dirty="0">
+                <a:solidFill>
+                  <a:srgbClr val="660033"/>
+                </a:solidFill>
+                <a:effectLst>
+                  <a:outerShdw blurRad="50000" dist="30000" dir="5400000" algn="tl" rotWithShape="0">
+                    <a:srgbClr val="000000">
+                      <a:alpha val="30000"/>
+                    </a:srgbClr>
+                  </a:outerShdw>
+                </a:effectLst>
+                <a:latin typeface="微軟正黑體" pitchFamily="34" charset="-120"/>
+                <a:ea typeface="微軟正黑體" pitchFamily="34" charset="-120"/>
+              </a:rPr>
+              <a:t>願父的旨意行在地上</a:t>
+            </a:r>
+            <a:endParaRPr lang="en-US" altLang="zh-CN" sz="4800" b="1" dirty="0">
+              <a:solidFill>
+                <a:srgbClr val="660033"/>
+              </a:solidFill>
+              <a:effectLst>
+                <a:outerShdw blurRad="50000" dist="30000" dir="5400000" algn="tl" rotWithShape="0">
+                  <a:srgbClr val="000000">
+                    <a:alpha val="30000"/>
+                  </a:srgbClr>
+                </a:outerShdw>
+              </a:effectLst>
+              <a:latin typeface="微軟正黑體" pitchFamily="34" charset="-120"/>
+              <a:ea typeface="微軟正黑體" pitchFamily="34" charset="-120"/>
+            </a:endParaRPr>
+          </a:p>
+        </p:txBody>
+      </p:sp>
+    </p:spTree>
+    <p:extLst>
+      <p:ext uri="{BB962C8B-B14F-4D97-AF65-F5344CB8AC3E}">
+        <p14:creationId xmlns:p14="http://schemas.microsoft.com/office/powerpoint/2010/main" val="1726235318"/>
+      </p:ext>
+    </p:extLst>
+  </p:cSld>
+  <p:clrMapOvr>
+    <a:masterClrMapping/>
+  </p:clrMapOvr>
+</p:sld>
+</file>
+
+<file path=ppt/slides/slide85.xml><?xml version="1.0" encoding="utf-8"?>
+<p:sld xmlns:a="http://schemas.openxmlformats.org/drawingml/2006/main" xmlns:r="http://schemas.openxmlformats.org/officeDocument/2006/relationships" xmlns:p="http://schemas.openxmlformats.org/presentationml/2006/main">
+  <p:cSld>
+    <p:spTree>
+      <p:nvGrpSpPr>
+        <p:cNvPr id="1" name=""/>
+        <p:cNvGrpSpPr/>
+        <p:nvPr/>
+      </p:nvGrpSpPr>
+      <p:grpSpPr>
+        <a:xfrm>
+          <a:off x="0" y="0"/>
+          <a:ext cx="0" cy="0"/>
+          <a:chOff x="0" y="0"/>
+          <a:chExt cx="0" cy="0"/>
+        </a:xfrm>
+      </p:grpSpPr>
+      <p:sp>
+        <p:nvSpPr>
+          <p:cNvPr id="5" name="內容版面配置區 4"/>
+          <p:cNvSpPr>
+            <a:spLocks noGrp="1"/>
+          </p:cNvSpPr>
+          <p:nvPr>
+            <p:ph idx="1"/>
+          </p:nvPr>
+        </p:nvSpPr>
+        <p:spPr>
+          <a:xfrm>
+            <a:off x="0" y="1563638"/>
+            <a:ext cx="9144000" cy="1803647"/>
+          </a:xfrm>
+        </p:spPr>
+        <p:txBody>
+          <a:bodyPr anchor="ctr">
+            <a:normAutofit/>
+          </a:bodyPr>
+          <a:lstStyle/>
+          <a:p>
+            <a:pPr algn="ctr">
+              <a:buNone/>
+            </a:pPr>
+            <a:r>
+              <a:rPr lang="zh-CN" altLang="en-US" sz="4800" b="1" dirty="0">
+                <a:solidFill>
+                  <a:srgbClr val="660033"/>
+                </a:solidFill>
+                <a:effectLst>
+                  <a:outerShdw blurRad="50000" dist="30000" dir="5400000" algn="tl" rotWithShape="0">
+                    <a:srgbClr val="000000">
+                      <a:alpha val="30000"/>
+                    </a:srgbClr>
+                  </a:outerShdw>
+                </a:effectLst>
+                <a:latin typeface="微軟正黑體" pitchFamily="34" charset="-120"/>
+                <a:ea typeface="微軟正黑體" pitchFamily="34" charset="-120"/>
+              </a:rPr>
+              <a:t>如同行在天上</a:t>
+            </a:r>
+            <a:endParaRPr lang="zh-TW" altLang="en-US" sz="4800" b="1" dirty="0">
+              <a:solidFill>
+                <a:srgbClr val="660033"/>
+              </a:solidFill>
+              <a:effectLst>
+                <a:outerShdw blurRad="50000" dist="30000" dir="5400000" algn="tl" rotWithShape="0">
+                  <a:srgbClr val="000000">
+                    <a:alpha val="30000"/>
+                  </a:srgbClr>
+                </a:outerShdw>
+              </a:effectLst>
+              <a:latin typeface="微軟正黑體" pitchFamily="34" charset="-120"/>
+              <a:ea typeface="微軟正黑體" pitchFamily="34" charset="-120"/>
+            </a:endParaRPr>
+          </a:p>
+        </p:txBody>
+      </p:sp>
+    </p:spTree>
+    <p:extLst>
+      <p:ext uri="{BB962C8B-B14F-4D97-AF65-F5344CB8AC3E}">
+        <p14:creationId xmlns:p14="http://schemas.microsoft.com/office/powerpoint/2010/main" val="588642297"/>
+      </p:ext>
+    </p:extLst>
+  </p:cSld>
+  <p:clrMapOvr>
+    <a:masterClrMapping/>
+  </p:clrMapOvr>
+</p:sld>
+</file>
+
+<file path=ppt/slides/slide86.xml><?xml version="1.0" encoding="utf-8"?>
+<p:sld xmlns:a="http://schemas.openxmlformats.org/drawingml/2006/main" xmlns:r="http://schemas.openxmlformats.org/officeDocument/2006/relationships" xmlns:p="http://schemas.openxmlformats.org/presentationml/2006/main">
+  <p:cSld>
+    <p:spTree>
+      <p:nvGrpSpPr>
+        <p:cNvPr id="1" name=""/>
+        <p:cNvGrpSpPr/>
+        <p:nvPr/>
+      </p:nvGrpSpPr>
+      <p:grpSpPr>
+        <a:xfrm>
+          <a:off x="0" y="0"/>
+          <a:ext cx="0" cy="0"/>
+          <a:chOff x="0" y="0"/>
+          <a:chExt cx="0" cy="0"/>
+        </a:xfrm>
+      </p:grpSpPr>
+      <p:sp>
+        <p:nvSpPr>
+          <p:cNvPr id="5" name="內容版面配置區 4"/>
+          <p:cNvSpPr>
+            <a:spLocks noGrp="1"/>
+          </p:cNvSpPr>
+          <p:nvPr>
+            <p:ph idx="1"/>
+          </p:nvPr>
+        </p:nvSpPr>
+        <p:spPr>
+          <a:xfrm>
+            <a:off x="0" y="1563638"/>
+            <a:ext cx="9144000" cy="1803647"/>
+          </a:xfrm>
+        </p:spPr>
+        <p:txBody>
+          <a:bodyPr anchor="ctr">
+            <a:normAutofit/>
+          </a:bodyPr>
+          <a:lstStyle/>
+          <a:p>
+            <a:pPr algn="ctr">
+              <a:buNone/>
+            </a:pPr>
+            <a:r>
+              <a:rPr lang="zh-CN" altLang="en-US" sz="4800" b="1" dirty="0">
+                <a:solidFill>
+                  <a:srgbClr val="660033"/>
+                </a:solidFill>
+                <a:effectLst>
+                  <a:outerShdw blurRad="50000" dist="30000" dir="5400000" algn="tl" rotWithShape="0">
+                    <a:srgbClr val="000000">
+                      <a:alpha val="30000"/>
+                    </a:srgbClr>
+                  </a:outerShdw>
+                </a:effectLst>
+                <a:latin typeface="微軟正黑體" pitchFamily="34" charset="-120"/>
+                <a:ea typeface="微軟正黑體" pitchFamily="34" charset="-120"/>
+              </a:rPr>
+              <a:t>我們日用的飲食</a:t>
+            </a:r>
+            <a:endParaRPr lang="en-US" altLang="zh-CN" sz="4800" b="1" dirty="0">
+              <a:solidFill>
+                <a:srgbClr val="660033"/>
+              </a:solidFill>
+              <a:effectLst>
+                <a:outerShdw blurRad="50000" dist="30000" dir="5400000" algn="tl" rotWithShape="0">
+                  <a:srgbClr val="000000">
+                    <a:alpha val="30000"/>
+                  </a:srgbClr>
+                </a:outerShdw>
+              </a:effectLst>
+              <a:latin typeface="微軟正黑體" pitchFamily="34" charset="-120"/>
+              <a:ea typeface="微軟正黑體" pitchFamily="34" charset="-120"/>
+            </a:endParaRPr>
+          </a:p>
+          <a:p>
+            <a:pPr algn="ctr">
+              <a:buNone/>
+            </a:pPr>
+            <a:r>
+              <a:rPr lang="zh-CN" altLang="en-US" sz="4800" b="1" dirty="0">
+                <a:solidFill>
+                  <a:srgbClr val="660033"/>
+                </a:solidFill>
+                <a:effectLst>
+                  <a:outerShdw blurRad="50000" dist="30000" dir="5400000" algn="tl" rotWithShape="0">
+                    <a:srgbClr val="000000">
+                      <a:alpha val="30000"/>
+                    </a:srgbClr>
+                  </a:outerShdw>
+                </a:effectLst>
+                <a:latin typeface="微軟正黑體" pitchFamily="34" charset="-120"/>
+                <a:ea typeface="微軟正黑體" pitchFamily="34" charset="-120"/>
+              </a:rPr>
+              <a:t>今日賜給我們</a:t>
+            </a:r>
+            <a:endParaRPr lang="en-US" altLang="zh-CN" sz="4800" b="1" dirty="0">
+              <a:solidFill>
+                <a:srgbClr val="660033"/>
+              </a:solidFill>
+              <a:effectLst>
+                <a:outerShdw blurRad="50000" dist="30000" dir="5400000" algn="tl" rotWithShape="0">
+                  <a:srgbClr val="000000">
+                    <a:alpha val="30000"/>
+                  </a:srgbClr>
+                </a:outerShdw>
+              </a:effectLst>
+              <a:latin typeface="微軟正黑體" pitchFamily="34" charset="-120"/>
+              <a:ea typeface="微軟正黑體" pitchFamily="34" charset="-120"/>
+            </a:endParaRPr>
+          </a:p>
+        </p:txBody>
+      </p:sp>
+    </p:spTree>
+    <p:extLst>
+      <p:ext uri="{BB962C8B-B14F-4D97-AF65-F5344CB8AC3E}">
+        <p14:creationId xmlns:p14="http://schemas.microsoft.com/office/powerpoint/2010/main" val="1319233991"/>
+      </p:ext>
+    </p:extLst>
+  </p:cSld>
+  <p:clrMapOvr>
+    <a:masterClrMapping/>
+  </p:clrMapOvr>
+</p:sld>
+</file>
+
+<file path=ppt/slides/slide87.xml><?xml version="1.0" encoding="utf-8"?>
+<p:sld xmlns:a="http://schemas.openxmlformats.org/drawingml/2006/main" xmlns:r="http://schemas.openxmlformats.org/officeDocument/2006/relationships" xmlns:p="http://schemas.openxmlformats.org/presentationml/2006/main">
+  <p:cSld>
+    <p:spTree>
+      <p:nvGrpSpPr>
+        <p:cNvPr id="1" name=""/>
+        <p:cNvGrpSpPr/>
+        <p:nvPr/>
+      </p:nvGrpSpPr>
+      <p:grpSpPr>
+        <a:xfrm>
+          <a:off x="0" y="0"/>
+          <a:ext cx="0" cy="0"/>
+          <a:chOff x="0" y="0"/>
+          <a:chExt cx="0" cy="0"/>
+        </a:xfrm>
+      </p:grpSpPr>
+      <p:sp>
+        <p:nvSpPr>
+          <p:cNvPr id="5" name="內容版面配置區 4"/>
+          <p:cNvSpPr>
+            <a:spLocks noGrp="1"/>
+          </p:cNvSpPr>
+          <p:nvPr>
+            <p:ph idx="1"/>
+          </p:nvPr>
+        </p:nvSpPr>
+        <p:spPr>
+          <a:xfrm>
+            <a:off x="0" y="1563638"/>
+            <a:ext cx="9144000" cy="1803647"/>
+          </a:xfrm>
+        </p:spPr>
+        <p:txBody>
+          <a:bodyPr anchor="ctr">
+            <a:normAutofit/>
+          </a:bodyPr>
+          <a:lstStyle/>
+          <a:p>
+            <a:pPr algn="ctr">
+              <a:buNone/>
+            </a:pPr>
+            <a:r>
+              <a:rPr lang="zh-CN" altLang="en-US" sz="4800" b="1" dirty="0">
+                <a:solidFill>
+                  <a:srgbClr val="660033"/>
+                </a:solidFill>
+                <a:effectLst>
+                  <a:outerShdw blurRad="50000" dist="30000" dir="5400000" algn="tl" rotWithShape="0">
+                    <a:srgbClr val="000000">
+                      <a:alpha val="30000"/>
+                    </a:srgbClr>
+                  </a:outerShdw>
+                </a:effectLst>
+                <a:latin typeface="微軟正黑體" pitchFamily="34" charset="-120"/>
+                <a:ea typeface="微軟正黑體" pitchFamily="34" charset="-120"/>
+              </a:rPr>
+              <a:t>免我們的債</a:t>
+            </a:r>
+            <a:endParaRPr lang="en-US" altLang="zh-CN" sz="4800" b="1" dirty="0">
+              <a:solidFill>
+                <a:srgbClr val="660033"/>
+              </a:solidFill>
+              <a:effectLst>
+                <a:outerShdw blurRad="50000" dist="30000" dir="5400000" algn="tl" rotWithShape="0">
+                  <a:srgbClr val="000000">
+                    <a:alpha val="30000"/>
+                  </a:srgbClr>
+                </a:outerShdw>
+              </a:effectLst>
+              <a:latin typeface="微軟正黑體" pitchFamily="34" charset="-120"/>
+              <a:ea typeface="微軟正黑體" pitchFamily="34" charset="-120"/>
+            </a:endParaRPr>
+          </a:p>
+          <a:p>
+            <a:pPr algn="ctr">
+              <a:buNone/>
+            </a:pPr>
+            <a:r>
+              <a:rPr lang="zh-CN" altLang="en-US" sz="4800" b="1" dirty="0">
+                <a:solidFill>
+                  <a:srgbClr val="660033"/>
+                </a:solidFill>
+                <a:effectLst>
+                  <a:outerShdw blurRad="50000" dist="30000" dir="5400000" algn="tl" rotWithShape="0">
+                    <a:srgbClr val="000000">
+                      <a:alpha val="30000"/>
+                    </a:srgbClr>
+                  </a:outerShdw>
+                </a:effectLst>
+                <a:latin typeface="微軟正黑體" pitchFamily="34" charset="-120"/>
+                <a:ea typeface="微軟正黑體" pitchFamily="34" charset="-120"/>
+              </a:rPr>
+              <a:t>如同我們免了人的債</a:t>
+            </a:r>
+            <a:endParaRPr lang="zh-TW" altLang="en-US" sz="4800" b="1" dirty="0">
+              <a:solidFill>
+                <a:srgbClr val="660033"/>
+              </a:solidFill>
+              <a:effectLst>
+                <a:outerShdw blurRad="50000" dist="30000" dir="5400000" algn="tl" rotWithShape="0">
+                  <a:srgbClr val="000000">
+                    <a:alpha val="30000"/>
+                  </a:srgbClr>
+                </a:outerShdw>
+              </a:effectLst>
+              <a:latin typeface="微軟正黑體" pitchFamily="34" charset="-120"/>
+              <a:ea typeface="微軟正黑體" pitchFamily="34" charset="-120"/>
+            </a:endParaRPr>
+          </a:p>
+        </p:txBody>
+      </p:sp>
+    </p:spTree>
+    <p:extLst>
+      <p:ext uri="{BB962C8B-B14F-4D97-AF65-F5344CB8AC3E}">
+        <p14:creationId xmlns:p14="http://schemas.microsoft.com/office/powerpoint/2010/main" val="2058767591"/>
+      </p:ext>
+    </p:extLst>
+  </p:cSld>
+  <p:clrMapOvr>
+    <a:masterClrMapping/>
+  </p:clrMapOvr>
+</p:sld>
+</file>
+
+<file path=ppt/slides/slide88.xml><?xml version="1.0" encoding="utf-8"?>
+<p:sld xmlns:a="http://schemas.openxmlformats.org/drawingml/2006/main" xmlns:r="http://schemas.openxmlformats.org/officeDocument/2006/relationships" xmlns:p="http://schemas.openxmlformats.org/presentationml/2006/main">
+  <p:cSld>
+    <p:spTree>
+      <p:nvGrpSpPr>
+        <p:cNvPr id="1" name=""/>
+        <p:cNvGrpSpPr/>
+        <p:nvPr/>
+      </p:nvGrpSpPr>
+      <p:grpSpPr>
+        <a:xfrm>
+          <a:off x="0" y="0"/>
+          <a:ext cx="0" cy="0"/>
+          <a:chOff x="0" y="0"/>
+          <a:chExt cx="0" cy="0"/>
+        </a:xfrm>
+      </p:grpSpPr>
+      <p:sp>
+        <p:nvSpPr>
+          <p:cNvPr id="5" name="內容版面配置區 4"/>
+          <p:cNvSpPr>
+            <a:spLocks noGrp="1"/>
+          </p:cNvSpPr>
+          <p:nvPr>
+            <p:ph idx="1"/>
+          </p:nvPr>
+        </p:nvSpPr>
+        <p:spPr>
+          <a:xfrm>
+            <a:off x="0" y="1563638"/>
+            <a:ext cx="9144000" cy="1803647"/>
+          </a:xfrm>
+        </p:spPr>
+        <p:txBody>
+          <a:bodyPr anchor="ctr">
+            <a:normAutofit/>
+          </a:bodyPr>
+          <a:lstStyle/>
+          <a:p>
+            <a:pPr algn="ctr">
+              <a:buNone/>
+            </a:pPr>
+            <a:r>
+              <a:rPr lang="zh-CN" altLang="en-US" sz="4800" b="1" dirty="0">
+                <a:solidFill>
+                  <a:srgbClr val="660033"/>
+                </a:solidFill>
+                <a:effectLst>
+                  <a:outerShdw blurRad="50000" dist="30000" dir="5400000" algn="tl" rotWithShape="0">
+                    <a:srgbClr val="000000">
+                      <a:alpha val="30000"/>
+                    </a:srgbClr>
+                  </a:outerShdw>
+                </a:effectLst>
+                <a:latin typeface="微軟正黑體" pitchFamily="34" charset="-120"/>
+                <a:ea typeface="微軟正黑體" pitchFamily="34" charset="-120"/>
+              </a:rPr>
+              <a:t>不叫我們遇見試探</a:t>
+            </a:r>
+            <a:endParaRPr lang="en-US" altLang="zh-CN" sz="4800" b="1" dirty="0">
+              <a:solidFill>
+                <a:srgbClr val="660033"/>
+              </a:solidFill>
+              <a:effectLst>
+                <a:outerShdw blurRad="50000" dist="30000" dir="5400000" algn="tl" rotWithShape="0">
+                  <a:srgbClr val="000000">
+                    <a:alpha val="30000"/>
+                  </a:srgbClr>
+                </a:outerShdw>
+              </a:effectLst>
+              <a:latin typeface="微軟正黑體" pitchFamily="34" charset="-120"/>
+              <a:ea typeface="微軟正黑體" pitchFamily="34" charset="-120"/>
+            </a:endParaRPr>
+          </a:p>
+          <a:p>
+            <a:pPr algn="ctr">
+              <a:buNone/>
+            </a:pPr>
+            <a:r>
+              <a:rPr lang="zh-CN" altLang="en-US" sz="4800" b="1" dirty="0">
+                <a:solidFill>
+                  <a:srgbClr val="660033"/>
+                </a:solidFill>
+                <a:effectLst>
+                  <a:outerShdw blurRad="50000" dist="30000" dir="5400000" algn="tl" rotWithShape="0">
+                    <a:srgbClr val="000000">
+                      <a:alpha val="30000"/>
+                    </a:srgbClr>
+                  </a:outerShdw>
+                </a:effectLst>
+                <a:latin typeface="微軟正黑體" pitchFamily="34" charset="-120"/>
+                <a:ea typeface="微軟正黑體" pitchFamily="34" charset="-120"/>
+              </a:rPr>
+              <a:t>救我們脫離兇惡</a:t>
+            </a:r>
+            <a:endParaRPr lang="en-US" altLang="zh-CN" sz="4800" b="1" dirty="0">
+              <a:solidFill>
+                <a:srgbClr val="660033"/>
+              </a:solidFill>
+              <a:effectLst>
+                <a:outerShdw blurRad="50000" dist="30000" dir="5400000" algn="tl" rotWithShape="0">
+                  <a:srgbClr val="000000">
+                    <a:alpha val="30000"/>
+                  </a:srgbClr>
+                </a:outerShdw>
+              </a:effectLst>
+              <a:latin typeface="微軟正黑體" pitchFamily="34" charset="-120"/>
+              <a:ea typeface="微軟正黑體" pitchFamily="34" charset="-120"/>
+            </a:endParaRPr>
+          </a:p>
+        </p:txBody>
+      </p:sp>
+    </p:spTree>
+    <p:extLst>
+      <p:ext uri="{BB962C8B-B14F-4D97-AF65-F5344CB8AC3E}">
+        <p14:creationId xmlns:p14="http://schemas.microsoft.com/office/powerpoint/2010/main" val="2627005698"/>
+      </p:ext>
+    </p:extLst>
+  </p:cSld>
+  <p:clrMapOvr>
+    <a:masterClrMapping/>
+  </p:clrMapOvr>
+</p:sld>
+</file>
+
+<file path=ppt/slides/slide89.xml><?xml version="1.0" encoding="utf-8"?>
+<p:sld xmlns:a="http://schemas.openxmlformats.org/drawingml/2006/main" xmlns:r="http://schemas.openxmlformats.org/officeDocument/2006/relationships" xmlns:p="http://schemas.openxmlformats.org/presentationml/2006/main">
+  <p:cSld>
+    <p:spTree>
+      <p:nvGrpSpPr>
+        <p:cNvPr id="1" name=""/>
+        <p:cNvGrpSpPr/>
+        <p:nvPr/>
+      </p:nvGrpSpPr>
+      <p:grpSpPr>
+        <a:xfrm>
+          <a:off x="0" y="0"/>
+          <a:ext cx="0" cy="0"/>
+          <a:chOff x="0" y="0"/>
+          <a:chExt cx="0" cy="0"/>
+        </a:xfrm>
+      </p:grpSpPr>
+      <p:sp>
+        <p:nvSpPr>
+          <p:cNvPr id="5" name="內容版面配置區 4"/>
+          <p:cNvSpPr>
+            <a:spLocks noGrp="1"/>
+          </p:cNvSpPr>
+          <p:nvPr>
+            <p:ph idx="1"/>
+          </p:nvPr>
+        </p:nvSpPr>
+        <p:spPr>
+          <a:xfrm>
+            <a:off x="0" y="1563638"/>
+            <a:ext cx="9144000" cy="1803647"/>
+          </a:xfrm>
+        </p:spPr>
+        <p:txBody>
+          <a:bodyPr anchor="ctr">
+            <a:normAutofit/>
+          </a:bodyPr>
+          <a:lstStyle/>
+          <a:p>
+            <a:pPr algn="ctr">
+              <a:buNone/>
+            </a:pPr>
+            <a:r>
+              <a:rPr lang="zh-CN" altLang="en-US" sz="4800" b="1" dirty="0">
+                <a:solidFill>
+                  <a:srgbClr val="660033"/>
+                </a:solidFill>
+                <a:effectLst>
+                  <a:outerShdw blurRad="50000" dist="30000" dir="5400000" algn="tl" rotWithShape="0">
+                    <a:srgbClr val="000000">
+                      <a:alpha val="30000"/>
+                    </a:srgbClr>
+                  </a:outerShdw>
+                </a:effectLst>
+                <a:latin typeface="微軟正黑體" pitchFamily="34" charset="-120"/>
+                <a:ea typeface="微軟正黑體" pitchFamily="34" charset="-120"/>
+              </a:rPr>
+              <a:t>因為國度  權柄  榮耀</a:t>
+            </a:r>
+            <a:endParaRPr lang="en-US" altLang="zh-CN" sz="4800" b="1" dirty="0">
+              <a:solidFill>
+                <a:srgbClr val="660033"/>
+              </a:solidFill>
+              <a:effectLst>
+                <a:outerShdw blurRad="50000" dist="30000" dir="5400000" algn="tl" rotWithShape="0">
+                  <a:srgbClr val="000000">
+                    <a:alpha val="30000"/>
+                  </a:srgbClr>
+                </a:outerShdw>
+              </a:effectLst>
+              <a:latin typeface="微軟正黑體" pitchFamily="34" charset="-120"/>
+              <a:ea typeface="微軟正黑體" pitchFamily="34" charset="-120"/>
+            </a:endParaRPr>
+          </a:p>
+          <a:p>
+            <a:pPr algn="ctr">
+              <a:buNone/>
+            </a:pPr>
+            <a:r>
+              <a:rPr lang="zh-CN" altLang="en-US" sz="4800" b="1" dirty="0">
+                <a:solidFill>
+                  <a:srgbClr val="660033"/>
+                </a:solidFill>
+                <a:effectLst>
+                  <a:outerShdw blurRad="50000" dist="30000" dir="5400000" algn="tl" rotWithShape="0">
+                    <a:srgbClr val="000000">
+                      <a:alpha val="30000"/>
+                    </a:srgbClr>
+                  </a:outerShdw>
+                </a:effectLst>
+                <a:latin typeface="微軟正黑體" pitchFamily="34" charset="-120"/>
+                <a:ea typeface="微軟正黑體" pitchFamily="34" charset="-120"/>
+              </a:rPr>
+              <a:t>全是父的  直到永遠</a:t>
+            </a:r>
+            <a:r>
+              <a:rPr lang="en-US" altLang="zh-CN" sz="4800" b="1" dirty="0">
+                <a:solidFill>
+                  <a:srgbClr val="660033"/>
+                </a:solidFill>
+                <a:effectLst>
+                  <a:outerShdw blurRad="50000" dist="30000" dir="5400000" algn="tl" rotWithShape="0">
+                    <a:srgbClr val="000000">
+                      <a:alpha val="30000"/>
+                    </a:srgbClr>
+                  </a:outerShdw>
+                </a:effectLst>
+                <a:latin typeface="微軟正黑體" pitchFamily="34" charset="-120"/>
+                <a:ea typeface="微軟正黑體" pitchFamily="34" charset="-120"/>
+              </a:rPr>
+              <a:t>  </a:t>
+            </a:r>
+            <a:r>
+              <a:rPr lang="zh-CN" altLang="en-US" sz="4800" b="1" dirty="0">
+                <a:solidFill>
+                  <a:srgbClr val="660033"/>
+                </a:solidFill>
+                <a:effectLst>
+                  <a:outerShdw blurRad="50000" dist="30000" dir="5400000" algn="tl" rotWithShape="0">
+                    <a:srgbClr val="000000">
+                      <a:alpha val="30000"/>
+                    </a:srgbClr>
+                  </a:outerShdw>
+                </a:effectLst>
+                <a:latin typeface="微軟正黑體" pitchFamily="34" charset="-120"/>
+                <a:ea typeface="微軟正黑體" pitchFamily="34" charset="-120"/>
+              </a:rPr>
+              <a:t>阿門</a:t>
+            </a:r>
+            <a:endParaRPr lang="zh-TW" altLang="en-US" sz="4800" b="1" dirty="0">
+              <a:solidFill>
+                <a:srgbClr val="660033"/>
+              </a:solidFill>
+              <a:effectLst>
+                <a:outerShdw blurRad="50000" dist="30000" dir="5400000" algn="tl" rotWithShape="0">
+                  <a:srgbClr val="000000">
+                    <a:alpha val="30000"/>
+                  </a:srgbClr>
+                </a:outerShdw>
+              </a:effectLst>
+              <a:latin typeface="微軟正黑體" pitchFamily="34" charset="-120"/>
+              <a:ea typeface="微軟正黑體" pitchFamily="34" charset="-120"/>
+            </a:endParaRPr>
+          </a:p>
+        </p:txBody>
+      </p:sp>
+    </p:spTree>
+    <p:extLst>
+      <p:ext uri="{BB962C8B-B14F-4D97-AF65-F5344CB8AC3E}">
+        <p14:creationId xmlns:p14="http://schemas.microsoft.com/office/powerpoint/2010/main" val="3617491913"/>
+      </p:ext>
+    </p:extLst>
+  </p:cSld>
+  <p:clrMapOvr>
+    <a:masterClrMapping/>
+  </p:clrMapOvr>
+</p:sld>
+</file>
+
+<file path=ppt/slides/slide9.xml><?xml version="1.0" encoding="utf-8"?>
+<p:sld xmlns:a="http://schemas.openxmlformats.org/drawingml/2006/main" xmlns:r="http://schemas.openxmlformats.org/officeDocument/2006/relationships" xmlns:p="http://schemas.openxmlformats.org/presentationml/2006/main">
+  <p:cSld>
+    <p:spTree>
+      <p:nvGrpSpPr>
+        <p:cNvPr id="1" name=""/>
+        <p:cNvGrpSpPr/>
+        <p:nvPr/>
+      </p:nvGrpSpPr>
+      <p:grpSpPr>
+        <a:xfrm>
+          <a:off x="0" y="0"/>
+          <a:ext cx="0" cy="0"/>
+          <a:chOff x="0" y="0"/>
+          <a:chExt cx="0" cy="0"/>
+        </a:xfrm>
+      </p:grpSpPr>
+      <p:sp>
+        <p:nvSpPr>
+          <p:cNvPr id="2" name="Title 1"/>
+          <p:cNvSpPr>
+            <a:spLocks noGrp="1"/>
+          </p:cNvSpPr>
+          <p:nvPr>
+            <p:ph type="ctrTitle"/>
+          </p:nvPr>
+        </p:nvSpPr>
+        <p:spPr/>
+        <p:txBody>
+          <a:bodyPr>
+            <a:normAutofit fontScale="90000"/>
+          </a:bodyPr>
+          <a:lstStyle/>
+          <a:p>
+            <a:r>
+              <a:rPr lang="zh-CN" altLang="en-US" sz="8000" b="1" dirty="0" smtClean="0">
+                <a:solidFill>
+                  <a:srgbClr val="660033"/>
+                </a:solidFill>
+                <a:effectLst>
+                  <a:outerShdw blurRad="38100" dist="38100" dir="2700000" algn="tl">
+                    <a:srgbClr val="000000">
+                      <a:alpha val="43137"/>
+                    </a:srgbClr>
+                  </a:outerShdw>
+                </a:effectLst>
+                <a:latin typeface="微軟正黑體" pitchFamily="34" charset="-120"/>
+                <a:ea typeface="微軟正黑體" pitchFamily="34" charset="-120"/>
+              </a:rPr>
+              <a:t>神的威權</a:t>
+            </a:r>
+            <a:endParaRPr lang="en-US" sz="8000" b="1" dirty="0">
+              <a:solidFill>
+                <a:srgbClr val="660033"/>
+              </a:solidFill>
+              <a:effectLst>
+                <a:outerShdw blurRad="38100" dist="38100" dir="2700000" algn="tl">
+                  <a:srgbClr val="000000">
+                    <a:alpha val="43137"/>
+                  </a:srgbClr>
+                </a:outerShdw>
+              </a:effectLst>
+              <a:latin typeface="微軟正黑體" pitchFamily="34" charset="-120"/>
+              <a:ea typeface="微軟正黑體" pitchFamily="34" charset="-120"/>
+            </a:endParaRPr>
+          </a:p>
+        </p:txBody>
+      </p:sp>
+      <p:sp>
+        <p:nvSpPr>
+          <p:cNvPr id="3" name="Subtitle 2"/>
+          <p:cNvSpPr>
+            <a:spLocks noGrp="1"/>
+          </p:cNvSpPr>
+          <p:nvPr>
+            <p:ph type="subTitle" idx="1"/>
+          </p:nvPr>
+        </p:nvSpPr>
+        <p:spPr/>
+        <p:txBody>
+          <a:bodyPr>
+            <a:normAutofit/>
+          </a:bodyPr>
+          <a:lstStyle/>
+          <a:p>
+            <a:r>
+              <a:rPr lang="zh-CN" altLang="en-US" b="1" dirty="0" smtClean="0">
+                <a:solidFill>
+                  <a:srgbClr val="000066"/>
+                </a:solidFill>
+                <a:latin typeface="微軟正黑體" pitchFamily="34" charset="-120"/>
+                <a:ea typeface="微軟正黑體" pitchFamily="34" charset="-120"/>
+              </a:rPr>
+              <a:t>詩</a:t>
+            </a:r>
+            <a:r>
+              <a:rPr lang="en-US" altLang="zh-CN" b="1" dirty="0" smtClean="0">
+                <a:solidFill>
+                  <a:srgbClr val="000066"/>
+                </a:solidFill>
+                <a:latin typeface="微軟正黑體" pitchFamily="34" charset="-120"/>
+                <a:ea typeface="微軟正黑體" pitchFamily="34" charset="-120"/>
+              </a:rPr>
+              <a:t>93</a:t>
+            </a:r>
+            <a:r>
+              <a:rPr lang="zh-CN" altLang="en-US" b="1" dirty="0" smtClean="0">
+                <a:solidFill>
+                  <a:srgbClr val="000066"/>
+                </a:solidFill>
+                <a:latin typeface="微軟正黑體" pitchFamily="34" charset="-120"/>
+                <a:ea typeface="微軟正黑體" pitchFamily="34" charset="-120"/>
+              </a:rPr>
+              <a:t>：</a:t>
+            </a:r>
+            <a:r>
+              <a:rPr lang="en-US" altLang="zh-CN" b="1" dirty="0" smtClean="0">
+                <a:solidFill>
+                  <a:srgbClr val="000066"/>
+                </a:solidFill>
+                <a:latin typeface="微軟正黑體" pitchFamily="34" charset="-120"/>
+                <a:ea typeface="微軟正黑體" pitchFamily="34" charset="-120"/>
+              </a:rPr>
+              <a:t>1-2</a:t>
+            </a:r>
+            <a:r>
+              <a:rPr lang="zh-CN" altLang="en-US" b="1" dirty="0" smtClean="0">
+                <a:solidFill>
+                  <a:srgbClr val="000066"/>
+                </a:solidFill>
+                <a:latin typeface="微軟正黑體" pitchFamily="34" charset="-120"/>
+                <a:ea typeface="微軟正黑體" pitchFamily="34" charset="-120"/>
+              </a:rPr>
+              <a:t>，</a:t>
+            </a:r>
+            <a:r>
+              <a:rPr lang="en-US" altLang="zh-CN" b="1" dirty="0" smtClean="0">
+                <a:solidFill>
+                  <a:srgbClr val="000066"/>
+                </a:solidFill>
+                <a:latin typeface="微軟正黑體" pitchFamily="34" charset="-120"/>
+                <a:ea typeface="微軟正黑體" pitchFamily="34" charset="-120"/>
+              </a:rPr>
+              <a:t>4-5</a:t>
+            </a:r>
+            <a:r>
+              <a:rPr lang="zh-CN" altLang="en-US" b="1" dirty="0" smtClean="0">
+                <a:solidFill>
+                  <a:srgbClr val="000066"/>
+                </a:solidFill>
+                <a:latin typeface="微軟正黑體" pitchFamily="34" charset="-120"/>
+                <a:ea typeface="微軟正黑體" pitchFamily="34" charset="-120"/>
+              </a:rPr>
+              <a:t>；</a:t>
+            </a:r>
+            <a:r>
+              <a:rPr lang="en-US" altLang="zh-CN" b="1" dirty="0" smtClean="0">
+                <a:solidFill>
+                  <a:srgbClr val="000066"/>
+                </a:solidFill>
+                <a:latin typeface="微軟正黑體" pitchFamily="34" charset="-120"/>
+                <a:ea typeface="微軟正黑體" pitchFamily="34" charset="-120"/>
+              </a:rPr>
+              <a:t>24</a:t>
+            </a:r>
+            <a:r>
+              <a:rPr lang="zh-CN" altLang="en-US" b="1" dirty="0" smtClean="0">
+                <a:solidFill>
+                  <a:srgbClr val="000066"/>
+                </a:solidFill>
+                <a:latin typeface="微軟正黑體" pitchFamily="34" charset="-120"/>
+                <a:ea typeface="微軟正黑體" pitchFamily="34" charset="-120"/>
+              </a:rPr>
+              <a:t>：</a:t>
+            </a:r>
+            <a:r>
+              <a:rPr lang="en-US" altLang="zh-CN" b="1" dirty="0" smtClean="0">
+                <a:solidFill>
+                  <a:srgbClr val="000066"/>
+                </a:solidFill>
+                <a:latin typeface="微軟正黑體" pitchFamily="34" charset="-120"/>
+                <a:ea typeface="微軟正黑體" pitchFamily="34" charset="-120"/>
+              </a:rPr>
+              <a:t>1-4</a:t>
+            </a:r>
+            <a:r>
+              <a:rPr lang="zh-CN" altLang="en-US" b="1" dirty="0" smtClean="0">
+                <a:solidFill>
+                  <a:srgbClr val="000066"/>
+                </a:solidFill>
+                <a:latin typeface="微軟正黑體" pitchFamily="34" charset="-120"/>
+                <a:ea typeface="微軟正黑體" pitchFamily="34" charset="-120"/>
+              </a:rPr>
+              <a:t>；</a:t>
+            </a:r>
+            <a:endParaRPr lang="en-US" altLang="zh-CN" b="1" dirty="0" smtClean="0">
+              <a:solidFill>
+                <a:srgbClr val="000066"/>
+              </a:solidFill>
+              <a:latin typeface="微軟正黑體" pitchFamily="34" charset="-120"/>
+              <a:ea typeface="微軟正黑體" pitchFamily="34" charset="-120"/>
+            </a:endParaRPr>
+          </a:p>
+          <a:p>
+            <a:r>
+              <a:rPr lang="en-US" altLang="zh-CN" b="1" dirty="0" smtClean="0">
+                <a:solidFill>
+                  <a:srgbClr val="000066"/>
+                </a:solidFill>
+                <a:latin typeface="微軟正黑體" pitchFamily="34" charset="-120"/>
+                <a:ea typeface="微軟正黑體" pitchFamily="34" charset="-120"/>
+              </a:rPr>
+              <a:t>97</a:t>
+            </a:r>
+            <a:r>
+              <a:rPr lang="zh-CN" altLang="en-US" b="1" dirty="0" smtClean="0">
+                <a:solidFill>
+                  <a:srgbClr val="000066"/>
+                </a:solidFill>
+                <a:latin typeface="微軟正黑體" pitchFamily="34" charset="-120"/>
+                <a:ea typeface="微軟正黑體" pitchFamily="34" charset="-120"/>
+              </a:rPr>
+              <a:t>：</a:t>
+            </a:r>
+            <a:r>
+              <a:rPr lang="en-US" altLang="zh-CN" b="1" dirty="0" smtClean="0">
+                <a:solidFill>
+                  <a:srgbClr val="000066"/>
+                </a:solidFill>
+                <a:latin typeface="微軟正黑體" pitchFamily="34" charset="-120"/>
+                <a:ea typeface="微軟正黑體" pitchFamily="34" charset="-120"/>
+              </a:rPr>
+              <a:t>1-6</a:t>
+            </a:r>
+            <a:r>
+              <a:rPr lang="zh-CN" altLang="en-US" b="1" dirty="0" smtClean="0">
+                <a:solidFill>
+                  <a:srgbClr val="000066"/>
+                </a:solidFill>
+                <a:latin typeface="微軟正黑體" pitchFamily="34" charset="-120"/>
+                <a:ea typeface="微軟正黑體" pitchFamily="34" charset="-120"/>
+              </a:rPr>
+              <a:t>；</a:t>
+            </a:r>
+            <a:r>
+              <a:rPr lang="en-US" altLang="zh-CN" b="1" dirty="0" smtClean="0">
+                <a:solidFill>
+                  <a:srgbClr val="000066"/>
+                </a:solidFill>
+                <a:latin typeface="微軟正黑體" pitchFamily="34" charset="-120"/>
+                <a:ea typeface="微軟正黑體" pitchFamily="34" charset="-120"/>
+              </a:rPr>
+              <a:t>18</a:t>
+            </a:r>
+            <a:r>
+              <a:rPr lang="zh-CN" altLang="en-US" b="1" dirty="0" smtClean="0">
+                <a:solidFill>
+                  <a:srgbClr val="000066"/>
+                </a:solidFill>
+                <a:latin typeface="微軟正黑體" pitchFamily="34" charset="-120"/>
+                <a:ea typeface="微軟正黑體" pitchFamily="34" charset="-120"/>
+              </a:rPr>
+              <a:t>：</a:t>
+            </a:r>
+            <a:r>
+              <a:rPr lang="en-US" altLang="zh-CN" b="1" dirty="0" smtClean="0">
+                <a:solidFill>
+                  <a:srgbClr val="000066"/>
+                </a:solidFill>
+                <a:latin typeface="微軟正黑體" pitchFamily="34" charset="-120"/>
+                <a:ea typeface="微軟正黑體" pitchFamily="34" charset="-120"/>
+              </a:rPr>
+              <a:t>16</a:t>
+            </a:r>
+            <a:endParaRPr lang="en-US" b="1" dirty="0">
+              <a:solidFill>
+                <a:srgbClr val="000066"/>
+              </a:solidFill>
+              <a:latin typeface="微軟正黑體" pitchFamily="34" charset="-120"/>
+              <a:ea typeface="微軟正黑體" pitchFamily="34" charset="-120"/>
+            </a:endParaRPr>
+          </a:p>
+        </p:txBody>
+      </p:sp>
+    </p:spTree>
+  </p:cSld>
+  <p:clrMapOvr>
+    <a:masterClrMapping/>
+  </p:clrMapOvr>
+  <p:timing>
+    <p:tnLst>
+      <p:par>
+        <p:cTn id="1" dur="indefinite" restart="never" nodeType="tmRoot"/>
+      </p:par>
+    </p:tnLst>
+  </p:timing>
+</p:sld>
+</file>
+
+<file path=ppt/slides/slide90.xml><?xml version="1.0" encoding="utf-8"?>
+<p:sld xmlns:a="http://schemas.openxmlformats.org/drawingml/2006/main" xmlns:r="http://schemas.openxmlformats.org/officeDocument/2006/relationships" xmlns:p="http://schemas.openxmlformats.org/presentationml/2006/main">
+  <p:cSld>
+    <p:spTree>
+      <p:nvGrpSpPr>
+        <p:cNvPr id="1" name=""/>
+        <p:cNvGrpSpPr/>
+        <p:nvPr/>
+      </p:nvGrpSpPr>
+      <p:grpSpPr>
+        <a:xfrm>
+          <a:off x="0" y="0"/>
+          <a:ext cx="0" cy="0"/>
+          <a:chOff x="0" y="0"/>
+          <a:chExt cx="0" cy="0"/>
+        </a:xfrm>
+      </p:grpSpPr>
+      <p:sp>
+        <p:nvSpPr>
+          <p:cNvPr id="2" name="標題 1"/>
+          <p:cNvSpPr>
+            <a:spLocks noGrp="1"/>
+          </p:cNvSpPr>
+          <p:nvPr>
+            <p:ph type="title" idx="4294967295"/>
+          </p:nvPr>
+        </p:nvSpPr>
+        <p:spPr>
+          <a:xfrm>
+            <a:off x="0" y="1707654"/>
+            <a:ext cx="9144000" cy="628650"/>
+          </a:xfrm>
+        </p:spPr>
+        <p:txBody>
+          <a:bodyPr>
+            <a:noAutofit/>
+          </a:bodyPr>
+          <a:lstStyle/>
+          <a:p>
+            <a:pPr algn="ctr"/>
+            <a:r>
+              <a:rPr lang="zh-CN" altLang="en-US" sz="5400" b="1" dirty="0" smtClean="0">
+                <a:solidFill>
+                  <a:srgbClr val="000066"/>
+                </a:solidFill>
+                <a:effectLst>
+                  <a:outerShdw blurRad="38100" dist="38100" dir="2700000" algn="tl">
+                    <a:srgbClr val="000000">
+                      <a:alpha val="43137"/>
+                    </a:srgbClr>
+                  </a:outerShdw>
+                </a:effectLst>
+                <a:latin typeface="微軟正黑體" pitchFamily="34" charset="-120"/>
+                <a:ea typeface="微軟正黑體" pitchFamily="34" charset="-120"/>
+              </a:rPr>
+              <a:t>祝福</a:t>
+            </a:r>
+            <a:endParaRPr lang="zh-TW" altLang="en-US" sz="5400" b="1" dirty="0">
+              <a:solidFill>
+                <a:srgbClr val="000066"/>
+              </a:solidFill>
+              <a:effectLst>
+                <a:outerShdw blurRad="38100" dist="38100" dir="2700000" algn="tl">
+                  <a:srgbClr val="000000">
+                    <a:alpha val="43137"/>
+                  </a:srgbClr>
+                </a:outerShdw>
+              </a:effectLst>
+              <a:latin typeface="微軟正黑體" pitchFamily="34" charset="-120"/>
+              <a:ea typeface="微軟正黑體" pitchFamily="34" charset="-120"/>
+            </a:endParaRPr>
+          </a:p>
+        </p:txBody>
+      </p:sp>
+      <p:sp>
+        <p:nvSpPr>
+          <p:cNvPr id="3" name="矩形 2"/>
+          <p:cNvSpPr/>
+          <p:nvPr/>
+        </p:nvSpPr>
+        <p:spPr>
+          <a:xfrm>
+            <a:off x="0" y="2427734"/>
+            <a:ext cx="9144000" cy="830997"/>
+          </a:xfrm>
+          <a:prstGeom prst="rect">
+            <a:avLst/>
+          </a:prstGeom>
+        </p:spPr>
+        <p:txBody>
+          <a:bodyPr wrap="square">
+            <a:spAutoFit/>
+          </a:bodyPr>
+          <a:lstStyle/>
+          <a:p>
+            <a:pPr algn="ctr"/>
+            <a:r>
+              <a:rPr lang="en-US" altLang="zh-CN" sz="4800" b="1" dirty="0" smtClean="0">
+                <a:solidFill>
+                  <a:srgbClr val="660033"/>
+                </a:solidFill>
+                <a:effectLst>
+                  <a:outerShdw blurRad="38100" dist="38100" dir="2700000" algn="tl">
+                    <a:srgbClr val="000000">
+                      <a:alpha val="43137"/>
+                    </a:srgbClr>
+                  </a:outerShdw>
+                </a:effectLst>
+                <a:latin typeface="微軟正黑體" pitchFamily="34" charset="-120"/>
+                <a:ea typeface="微軟正黑體" pitchFamily="34" charset="-120"/>
+                <a:cs typeface="+mj-cs"/>
+              </a:rPr>
+              <a:t>(</a:t>
+            </a:r>
+            <a:r>
+              <a:rPr lang="zh-CN" altLang="en-US" sz="4800" b="1" dirty="0" smtClean="0">
+                <a:solidFill>
+                  <a:srgbClr val="660033"/>
+                </a:solidFill>
+                <a:effectLst>
+                  <a:outerShdw blurRad="38100" dist="38100" dir="2700000" algn="tl">
+                    <a:srgbClr val="000000">
+                      <a:alpha val="43137"/>
+                    </a:srgbClr>
+                  </a:outerShdw>
+                </a:effectLst>
+                <a:latin typeface="微軟正黑體" pitchFamily="34" charset="-120"/>
+                <a:ea typeface="微軟正黑體" pitchFamily="34" charset="-120"/>
+                <a:cs typeface="+mj-cs"/>
+              </a:rPr>
+              <a:t>主禮牧師</a:t>
+            </a:r>
+            <a:r>
+              <a:rPr lang="en-US" altLang="zh-CN" sz="4800" b="1" dirty="0" smtClean="0">
+                <a:solidFill>
+                  <a:srgbClr val="660033"/>
+                </a:solidFill>
+                <a:effectLst>
+                  <a:outerShdw blurRad="38100" dist="38100" dir="2700000" algn="tl">
+                    <a:srgbClr val="000000">
+                      <a:alpha val="43137"/>
+                    </a:srgbClr>
+                  </a:outerShdw>
+                </a:effectLst>
+                <a:latin typeface="微軟正黑體" pitchFamily="34" charset="-120"/>
+                <a:ea typeface="微軟正黑體" pitchFamily="34" charset="-120"/>
+                <a:cs typeface="+mj-cs"/>
+              </a:rPr>
+              <a:t>)</a:t>
+            </a:r>
+            <a:endParaRPr lang="zh-TW" altLang="en-US" sz="4800" b="1" dirty="0" smtClean="0">
+              <a:solidFill>
+                <a:srgbClr val="660033"/>
+              </a:solidFill>
+              <a:effectLst>
+                <a:outerShdw blurRad="38100" dist="38100" dir="2700000" algn="tl">
+                  <a:srgbClr val="000000">
+                    <a:alpha val="43137"/>
+                  </a:srgbClr>
+                </a:outerShdw>
+              </a:effectLst>
+              <a:latin typeface="微軟正黑體" pitchFamily="34" charset="-120"/>
+              <a:ea typeface="微軟正黑體" pitchFamily="34" charset="-120"/>
+              <a:cs typeface="+mj-cs"/>
+            </a:endParaRPr>
+          </a:p>
+        </p:txBody>
+      </p:sp>
+    </p:spTree>
+    <p:extLst>
+      <p:ext uri="{BB962C8B-B14F-4D97-AF65-F5344CB8AC3E}">
+        <p14:creationId xmlns:p14="http://schemas.microsoft.com/office/powerpoint/2010/main" val="1671247361"/>
+      </p:ext>
+    </p:extLst>
+  </p:cSld>
+  <p:clrMapOvr>
+    <a:masterClrMapping/>
+  </p:clrMapOvr>
+  <p:timing>
+    <p:tnLst>
+      <p:par>
+        <p:cTn id="1" dur="indefinite" restart="never" nodeType="tmRoot"/>
+      </p:par>
+    </p:tnLst>
+  </p:timing>
+</p:sld>
+</file>
+
+<file path=ppt/slides/slide91.xml><?xml version="1.0" encoding="utf-8"?>
+<p:sld xmlns:a="http://schemas.openxmlformats.org/drawingml/2006/main" xmlns:r="http://schemas.openxmlformats.org/officeDocument/2006/relationships" xmlns:p="http://schemas.openxmlformats.org/presentationml/2006/main">
+  <p:cSld>
+    <p:spTree>
+      <p:nvGrpSpPr>
+        <p:cNvPr id="1" name=""/>
+        <p:cNvGrpSpPr/>
+        <p:nvPr/>
+      </p:nvGrpSpPr>
+      <p:grpSpPr>
+        <a:xfrm>
+          <a:off x="0" y="0"/>
+          <a:ext cx="0" cy="0"/>
+          <a:chOff x="0" y="0"/>
+          <a:chExt cx="0" cy="0"/>
+        </a:xfrm>
+      </p:grpSpPr>
+      <p:sp>
+        <p:nvSpPr>
           <p:cNvPr id="2" name="矩形 1"/>
           <p:cNvSpPr/>
           <p:nvPr/>
@@ -15724,7 +16147,7 @@
 </p:sld>
 </file>
 
-<file path=ppt/slides/slide85.xml><?xml version="1.0" encoding="utf-8"?>
+<file path=ppt/slides/slide92.xml><?xml version="1.0" encoding="utf-8"?>
 <p:sld xmlns:a="http://schemas.openxmlformats.org/drawingml/2006/main" xmlns:r="http://schemas.openxmlformats.org/officeDocument/2006/relationships" xmlns:p="http://schemas.openxmlformats.org/presentationml/2006/main">
   <p:cSld>
     <p:spTree>
@@ -15743,7 +16166,7 @@
       </p:grpSpPr>
       <p:sp>
         <p:nvSpPr>
-          <p:cNvPr id="2" name="標題 1"/>
+          <p:cNvPr id="4" name="標題 3"/>
           <p:cNvSpPr>
             <a:spLocks noGrp="1"/>
           </p:cNvSpPr>
@@ -15753,8 +16176,8 @@
         </p:nvSpPr>
         <p:spPr>
           <a:xfrm>
-            <a:off x="0" y="282167"/>
-            <a:ext cx="8991600" cy="628650"/>
+            <a:off x="0" y="2143135"/>
+            <a:ext cx="9144000" cy="857250"/>
           </a:xfrm>
         </p:spPr>
         <p:txBody>
@@ -15764,75 +16187,47 @@
           <a:lstStyle/>
           <a:p>
             <a:r>
-              <a:rPr lang="zh-CN" altLang="en-US" b="1" dirty="0" smtClean="0">
-                <a:solidFill>
-                  <a:srgbClr val="660033"/>
-                </a:solidFill>
-                <a:latin typeface="微軟正黑體" pitchFamily="34" charset="-120"/>
-                <a:ea typeface="微軟正黑體" pitchFamily="34" charset="-120"/>
-              </a:rPr>
-              <a:t>主的愛</a:t>
-            </a:r>
-            <a:endParaRPr lang="zh-TW" altLang="en-US" b="1" dirty="0">
-              <a:solidFill>
-                <a:srgbClr val="660033"/>
-              </a:solidFill>
-              <a:latin typeface="微軟正黑體" pitchFamily="34" charset="-120"/>
-              <a:ea typeface="微軟正黑體" pitchFamily="34" charset="-120"/>
-            </a:endParaRPr>
-          </a:p>
-        </p:txBody>
-      </p:sp>
-      <p:sp>
-        <p:nvSpPr>
-          <p:cNvPr id="4" name="內容版面配置區 3"/>
-          <p:cNvSpPr>
-            <a:spLocks noGrp="1"/>
-          </p:cNvSpPr>
-          <p:nvPr>
-            <p:ph idx="1"/>
-          </p:nvPr>
-        </p:nvSpPr>
-        <p:spPr>
-          <a:xfrm>
-            <a:off x="0" y="1085850"/>
-            <a:ext cx="9144000" cy="3600450"/>
-          </a:xfrm>
-        </p:spPr>
-        <p:txBody>
-          <a:bodyPr>
-            <a:noAutofit/>
-          </a:bodyPr>
-          <a:lstStyle/>
-          <a:p>
-            <a:pPr algn="ctr">
-              <a:buNone/>
-            </a:pPr>
-            <a:r>
-              <a:rPr lang="zh-TW" altLang="en-US" sz="5400" b="1" dirty="0" smtClean="0">
-                <a:solidFill>
-                  <a:srgbClr val="660033"/>
+              <a:rPr lang="zh-CN" altLang="en-US" sz="7200" b="1" dirty="0" smtClean="0">
+                <a:solidFill>
+                  <a:srgbClr val="000066"/>
                 </a:solidFill>
                 <a:effectLst>
-                  <a:outerShdw blurRad="50000" dist="30000" dir="5400000" algn="tl" rotWithShape="0">
+                  <a:outerShdw blurRad="38100" dist="38100" dir="2700000" algn="tl">
                     <a:srgbClr val="000000">
-                      <a:alpha val="30000"/>
+                      <a:alpha val="43137"/>
                     </a:srgbClr>
                   </a:outerShdw>
                 </a:effectLst>
                 <a:latin typeface="微軟正黑體" pitchFamily="34" charset="-120"/>
                 <a:ea typeface="微軟正黑體" pitchFamily="34" charset="-120"/>
               </a:rPr>
-              <a:t>願主的愛與你同在</a:t>
-            </a:r>
-            <a:endParaRPr lang="en-US" altLang="zh-TW" sz="5400" b="1" dirty="0" smtClean="0">
+              <a:t>主</a:t>
+            </a:r>
+            <a:r>
+              <a:rPr lang="zh-CN" altLang="en-US" sz="7200" b="1" dirty="0">
+                <a:solidFill>
+                  <a:srgbClr val="000066"/>
+                </a:solidFill>
+                <a:effectLst>
+                  <a:outerShdw blurRad="38100" dist="38100" dir="2700000" algn="tl">
+                    <a:srgbClr val="000000">
+                      <a:alpha val="43137"/>
+                    </a:srgbClr>
+                  </a:outerShdw>
+                </a:effectLst>
+                <a:latin typeface="微軟正黑體" pitchFamily="34" charset="-120"/>
+                <a:ea typeface="微軟正黑體" pitchFamily="34" charset="-120"/>
+              </a:rPr>
+              <a:t>的愛</a:t>
+            </a:r>
+            <a:endParaRPr lang="zh-TW" altLang="en-US" sz="7200" b="1" dirty="0">
               <a:solidFill>
-                <a:srgbClr val="660033"/>
+                <a:srgbClr val="000066"/>
               </a:solidFill>
               <a:effectLst>
-                <a:outerShdw blurRad="50000" dist="30000" dir="5400000" algn="tl" rotWithShape="0">
+                <a:outerShdw blurRad="38100" dist="38100" dir="2700000" algn="tl">
                   <a:srgbClr val="000000">
-                    <a:alpha val="30000"/>
+                    <a:alpha val="43137"/>
                   </a:srgbClr>
                 </a:outerShdw>
               </a:effectLst>
@@ -15840,82 +16235,22 @@
               <a:ea typeface="微軟正黑體" pitchFamily="34" charset="-120"/>
             </a:endParaRPr>
           </a:p>
-          <a:p>
-            <a:pPr algn="ctr">
-              <a:buNone/>
-            </a:pPr>
-            <a:r>
-              <a:rPr lang="zh-TW" altLang="en-US" sz="5400" b="1" dirty="0" smtClean="0">
-                <a:solidFill>
-                  <a:srgbClr val="660033"/>
-                </a:solidFill>
-                <a:effectLst>
-                  <a:outerShdw blurRad="50000" dist="30000" dir="5400000" algn="tl" rotWithShape="0">
-                    <a:srgbClr val="000000">
-                      <a:alpha val="30000"/>
-                    </a:srgbClr>
-                  </a:outerShdw>
-                </a:effectLst>
-                <a:latin typeface="微軟正黑體" pitchFamily="34" charset="-120"/>
-                <a:ea typeface="微軟正黑體" pitchFamily="34" charset="-120"/>
-              </a:rPr>
-              <a:t>無論你在何方</a:t>
-            </a:r>
-            <a:endParaRPr lang="en-US" altLang="zh-TW" sz="5400" b="1" dirty="0" smtClean="0">
-              <a:solidFill>
-                <a:srgbClr val="660033"/>
-              </a:solidFill>
-              <a:effectLst>
-                <a:outerShdw blurRad="50000" dist="30000" dir="5400000" algn="tl" rotWithShape="0">
-                  <a:srgbClr val="000000">
-                    <a:alpha val="30000"/>
-                  </a:srgbClr>
-                </a:outerShdw>
-              </a:effectLst>
-              <a:latin typeface="微軟正黑體" pitchFamily="34" charset="-120"/>
-              <a:ea typeface="微軟正黑體" pitchFamily="34" charset="-120"/>
-            </a:endParaRPr>
-          </a:p>
-          <a:p>
-            <a:pPr algn="ctr">
-              <a:buNone/>
-            </a:pPr>
-            <a:r>
-              <a:rPr lang="zh-TW" altLang="en-US" sz="5400" b="1" dirty="0" smtClean="0">
-                <a:solidFill>
-                  <a:srgbClr val="660033"/>
-                </a:solidFill>
-                <a:effectLst>
-                  <a:outerShdw blurRad="50000" dist="30000" dir="5400000" algn="tl" rotWithShape="0">
-                    <a:srgbClr val="000000">
-                      <a:alpha val="30000"/>
-                    </a:srgbClr>
-                  </a:outerShdw>
-                </a:effectLst>
-                <a:latin typeface="微軟正黑體" pitchFamily="34" charset="-120"/>
-                <a:ea typeface="微軟正黑體" pitchFamily="34" charset="-120"/>
-              </a:rPr>
-              <a:t>願祂祝福你心靈安康</a:t>
-            </a:r>
-          </a:p>
         </p:txBody>
       </p:sp>
     </p:spTree>
+    <p:extLst>
+      <p:ext uri="{BB962C8B-B14F-4D97-AF65-F5344CB8AC3E}">
+        <p14:creationId xmlns:p14="http://schemas.microsoft.com/office/powerpoint/2010/main" val="3707739611"/>
+      </p:ext>
+    </p:extLst>
   </p:cSld>
   <p:clrMapOvr>
     <a:masterClrMapping/>
   </p:clrMapOvr>
-  <p:timing>
-    <p:tnLst>
-      <p:par>
-        <p:cTn id="1" dur="indefinite" restart="never" nodeType="tmRoot"/>
-      </p:par>
-    </p:tnLst>
-  </p:timing>
 </p:sld>
 </file>
 
-<file path=ppt/slides/slide86.xml><?xml version="1.0" encoding="utf-8"?>
+<file path=ppt/slides/slide93.xml><?xml version="1.0" encoding="utf-8"?>
 <p:sld xmlns:a="http://schemas.openxmlformats.org/drawingml/2006/main" xmlns:r="http://schemas.openxmlformats.org/officeDocument/2006/relationships" xmlns:p="http://schemas.openxmlformats.org/presentationml/2006/main">
   <p:cSld>
     <p:spTree>
@@ -15934,75 +16269,33 @@
       </p:grpSpPr>
       <p:sp>
         <p:nvSpPr>
-          <p:cNvPr id="2" name="標題 1"/>
+          <p:cNvPr id="5" name="內容版面配置區 4"/>
           <p:cNvSpPr>
             <a:spLocks noGrp="1"/>
           </p:cNvSpPr>
           <p:nvPr>
-            <p:ph type="title"/>
+            <p:ph idx="1"/>
           </p:nvPr>
         </p:nvSpPr>
         <p:spPr>
           <a:xfrm>
-            <a:off x="0" y="282167"/>
-            <a:ext cx="8991600" cy="628650"/>
+            <a:off x="0" y="1563638"/>
+            <a:ext cx="9144000" cy="1803647"/>
           </a:xfrm>
         </p:spPr>
         <p:txBody>
-          <a:bodyPr>
-            <a:noAutofit/>
+          <a:bodyPr anchor="ctr">
+            <a:normAutofit/>
           </a:bodyPr>
           <a:lstStyle/>
           <a:p>
-            <a:r>
-              <a:rPr lang="zh-CN" altLang="en-US" b="1" dirty="0" smtClean="0">
-                <a:solidFill>
-                  <a:srgbClr val="660033"/>
-                </a:solidFill>
-                <a:latin typeface="微軟正黑體" pitchFamily="34" charset="-120"/>
-                <a:ea typeface="微軟正黑體" pitchFamily="34" charset="-120"/>
-              </a:rPr>
-              <a:t>主的愛</a:t>
-            </a:r>
-            <a:endParaRPr lang="zh-TW" altLang="en-US" b="1" dirty="0">
-              <a:solidFill>
-                <a:srgbClr val="660033"/>
-              </a:solidFill>
-              <a:latin typeface="微軟正黑體" pitchFamily="34" charset="-120"/>
-              <a:ea typeface="微軟正黑體" pitchFamily="34" charset="-120"/>
-            </a:endParaRPr>
-          </a:p>
-        </p:txBody>
-      </p:sp>
-      <p:sp>
-        <p:nvSpPr>
-          <p:cNvPr id="4" name="內容版面配置區 3"/>
-          <p:cNvSpPr>
-            <a:spLocks noGrp="1"/>
-          </p:cNvSpPr>
-          <p:nvPr>
-            <p:ph idx="1"/>
-          </p:nvPr>
-        </p:nvSpPr>
-        <p:spPr>
-          <a:xfrm>
-            <a:off x="0" y="1085850"/>
-            <a:ext cx="9144000" cy="3600450"/>
-          </a:xfrm>
-        </p:spPr>
-        <p:txBody>
-          <a:bodyPr>
-            <a:noAutofit/>
-          </a:bodyPr>
-          <a:lstStyle/>
-          <a:p>
             <a:pPr algn="ctr">
               <a:buNone/>
             </a:pPr>
             <a:r>
-              <a:rPr lang="zh-TW" altLang="en-US" sz="5400" b="1" dirty="0" smtClean="0">
-                <a:solidFill>
-                  <a:srgbClr val="660033"/>
+              <a:rPr lang="zh-TW" altLang="en-US" sz="4800" b="1" dirty="0">
+                <a:solidFill>
+                  <a:srgbClr val="000066"/>
                 </a:solidFill>
                 <a:effectLst>
                   <a:outerShdw blurRad="50000" dist="30000" dir="5400000" algn="tl" rotWithShape="0">
@@ -16014,11 +16307,28 @@
                 <a:latin typeface="微軟正黑體" pitchFamily="34" charset="-120"/>
                 <a:ea typeface="微軟正黑體" pitchFamily="34" charset="-120"/>
               </a:rPr>
-              <a:t>主的愛如流水淙淙</a:t>
-            </a:r>
-            <a:endParaRPr lang="en-US" altLang="zh-TW" sz="5400" b="1" dirty="0" smtClean="0">
+              <a:t>願主的愛與你同</a:t>
+            </a:r>
+            <a:r>
+              <a:rPr lang="zh-TW" altLang="en-US" sz="4800" b="1" dirty="0" smtClean="0">
+                <a:solidFill>
+                  <a:srgbClr val="000066"/>
+                </a:solidFill>
+                <a:effectLst>
+                  <a:outerShdw blurRad="50000" dist="30000" dir="5400000" algn="tl" rotWithShape="0">
+                    <a:srgbClr val="000000">
+                      <a:alpha val="30000"/>
+                    </a:srgbClr>
+                  </a:outerShdw>
+                </a:effectLst>
+                <a:latin typeface="微軟正黑體" pitchFamily="34" charset="-120"/>
+                <a:ea typeface="微軟正黑體" pitchFamily="34" charset="-120"/>
+              </a:rPr>
+              <a:t>在</a:t>
+            </a:r>
+            <a:endParaRPr lang="en-US" altLang="zh-TW" sz="4800" b="1" dirty="0">
               <a:solidFill>
-                <a:srgbClr val="660033"/>
+                <a:srgbClr val="000066"/>
               </a:solidFill>
               <a:effectLst>
                 <a:outerShdw blurRad="50000" dist="30000" dir="5400000" algn="tl" rotWithShape="0">
@@ -16036,9 +16346,9 @@
               <a:buNone/>
             </a:pPr>
             <a:r>
-              <a:rPr lang="zh-TW" altLang="en-US" sz="5400" b="1" dirty="0" smtClean="0">
-                <a:solidFill>
-                  <a:srgbClr val="660033"/>
+              <a:rPr lang="zh-TW" altLang="en-US" sz="4800" b="1" dirty="0" smtClean="0">
+                <a:solidFill>
+                  <a:srgbClr val="000066"/>
                 </a:solidFill>
                 <a:effectLst>
                   <a:outerShdw blurRad="50000" dist="30000" dir="5400000" algn="tl" rotWithShape="0">
@@ -16050,11 +16360,45 @@
                 <a:latin typeface="微軟正黑體" pitchFamily="34" charset="-120"/>
                 <a:ea typeface="微軟正黑體" pitchFamily="34" charset="-120"/>
               </a:rPr>
-              <a:t>願你分享祂這愛</a:t>
-            </a:r>
-            <a:endParaRPr lang="en-US" altLang="zh-TW" sz="5400" b="1" dirty="0" smtClean="0">
+              <a:t>無</a:t>
+            </a:r>
+            <a:r>
+              <a:rPr lang="zh-TW" altLang="en-US" sz="4800" b="1" dirty="0">
+                <a:solidFill>
+                  <a:srgbClr val="000066"/>
+                </a:solidFill>
+                <a:effectLst>
+                  <a:outerShdw blurRad="50000" dist="30000" dir="5400000" algn="tl" rotWithShape="0">
+                    <a:srgbClr val="000000">
+                      <a:alpha val="30000"/>
+                    </a:srgbClr>
+                  </a:outerShdw>
+                </a:effectLst>
+                <a:latin typeface="微軟正黑體" pitchFamily="34" charset="-120"/>
+                <a:ea typeface="微軟正黑體" pitchFamily="34" charset="-120"/>
+              </a:rPr>
+              <a:t>論你在何</a:t>
+            </a:r>
+            <a:r>
+              <a:rPr lang="zh-TW" altLang="en-US" sz="4800" b="1" dirty="0" smtClean="0">
+                <a:solidFill>
+                  <a:srgbClr val="000066"/>
+                </a:solidFill>
+                <a:effectLst>
+                  <a:outerShdw blurRad="50000" dist="30000" dir="5400000" algn="tl" rotWithShape="0">
+                    <a:srgbClr val="000000">
+                      <a:alpha val="30000"/>
+                    </a:srgbClr>
+                  </a:outerShdw>
+                </a:effectLst>
+                <a:latin typeface="微軟正黑體" pitchFamily="34" charset="-120"/>
+                <a:ea typeface="微軟正黑體" pitchFamily="34" charset="-120"/>
+              </a:rPr>
+              <a:t>方</a:t>
+            </a:r>
+            <a:endParaRPr lang="en-US" altLang="zh-TW" sz="4800" b="1" dirty="0">
               <a:solidFill>
-                <a:srgbClr val="660033"/>
+                <a:srgbClr val="000066"/>
               </a:solidFill>
               <a:effectLst>
                 <a:outerShdw blurRad="50000" dist="30000" dir="5400000" algn="tl" rotWithShape="0">
@@ -16067,46 +16411,22 @@
               <a:ea typeface="微軟正黑體" pitchFamily="34" charset="-120"/>
             </a:endParaRPr>
           </a:p>
-          <a:p>
-            <a:pPr algn="ctr">
-              <a:buNone/>
-            </a:pPr>
-            <a:r>
-              <a:rPr lang="zh-TW" altLang="en-US" sz="5400" b="1" dirty="0" smtClean="0">
-                <a:solidFill>
-                  <a:srgbClr val="660033"/>
-                </a:solidFill>
-                <a:effectLst>
-                  <a:outerShdw blurRad="50000" dist="30000" dir="5400000" algn="tl" rotWithShape="0">
-                    <a:srgbClr val="000000">
-                      <a:alpha val="30000"/>
-                    </a:srgbClr>
-                  </a:outerShdw>
-                </a:effectLst>
-                <a:latin typeface="微軟正黑體" pitchFamily="34" charset="-120"/>
-                <a:ea typeface="微軟正黑體" pitchFamily="34" charset="-120"/>
-              </a:rPr>
-              <a:t>在那漫漫的黑夜見主光</a:t>
-            </a:r>
-          </a:p>
         </p:txBody>
       </p:sp>
     </p:spTree>
+    <p:extLst>
+      <p:ext uri="{BB962C8B-B14F-4D97-AF65-F5344CB8AC3E}">
+        <p14:creationId xmlns:p14="http://schemas.microsoft.com/office/powerpoint/2010/main" val="293433003"/>
+      </p:ext>
+    </p:extLst>
   </p:cSld>
   <p:clrMapOvr>
     <a:masterClrMapping/>
   </p:clrMapOvr>
-  <p:timing>
-    <p:tnLst>
-      <p:par>
-        <p:cTn id="1" dur="indefinite" restart="never" nodeType="tmRoot"/>
-      </p:par>
-    </p:tnLst>
-  </p:timing>
 </p:sld>
 </file>
 
-<file path=ppt/slides/slide87.xml><?xml version="1.0" encoding="utf-8"?>
+<file path=ppt/slides/slide94.xml><?xml version="1.0" encoding="utf-8"?>
 <p:sld xmlns:a="http://schemas.openxmlformats.org/drawingml/2006/main" xmlns:r="http://schemas.openxmlformats.org/officeDocument/2006/relationships" xmlns:p="http://schemas.openxmlformats.org/presentationml/2006/main">
   <p:cSld>
     <p:spTree>
@@ -16125,75 +16445,33 @@
       </p:grpSpPr>
       <p:sp>
         <p:nvSpPr>
-          <p:cNvPr id="2" name="標題 1"/>
+          <p:cNvPr id="5" name="內容版面配置區 4"/>
           <p:cNvSpPr>
             <a:spLocks noGrp="1"/>
           </p:cNvSpPr>
           <p:nvPr>
-            <p:ph type="title"/>
+            <p:ph idx="1"/>
           </p:nvPr>
         </p:nvSpPr>
         <p:spPr>
           <a:xfrm>
-            <a:off x="0" y="282167"/>
-            <a:ext cx="8991600" cy="628650"/>
+            <a:off x="0" y="1563638"/>
+            <a:ext cx="9144000" cy="1803647"/>
           </a:xfrm>
         </p:spPr>
         <p:txBody>
-          <a:bodyPr>
-            <a:noAutofit/>
+          <a:bodyPr anchor="ctr">
+            <a:normAutofit/>
           </a:bodyPr>
           <a:lstStyle/>
           <a:p>
-            <a:r>
-              <a:rPr lang="zh-CN" altLang="en-US" b="1" dirty="0" smtClean="0">
-                <a:solidFill>
-                  <a:srgbClr val="660033"/>
-                </a:solidFill>
-                <a:latin typeface="微軟正黑體" pitchFamily="34" charset="-120"/>
-                <a:ea typeface="微軟正黑體" pitchFamily="34" charset="-120"/>
-              </a:rPr>
-              <a:t>主的愛</a:t>
-            </a:r>
-            <a:endParaRPr lang="zh-TW" altLang="en-US" b="1" dirty="0">
-              <a:solidFill>
-                <a:srgbClr val="660033"/>
-              </a:solidFill>
-              <a:latin typeface="微軟正黑體" pitchFamily="34" charset="-120"/>
-              <a:ea typeface="微軟正黑體" pitchFamily="34" charset="-120"/>
-            </a:endParaRPr>
-          </a:p>
-        </p:txBody>
-      </p:sp>
-      <p:sp>
-        <p:nvSpPr>
-          <p:cNvPr id="4" name="內容版面配置區 3"/>
-          <p:cNvSpPr>
-            <a:spLocks noGrp="1"/>
-          </p:cNvSpPr>
-          <p:nvPr>
-            <p:ph idx="1"/>
-          </p:nvPr>
-        </p:nvSpPr>
-        <p:spPr>
-          <a:xfrm>
-            <a:off x="0" y="1085850"/>
-            <a:ext cx="9144000" cy="3600450"/>
-          </a:xfrm>
-        </p:spPr>
-        <p:txBody>
-          <a:bodyPr>
-            <a:noAutofit/>
-          </a:bodyPr>
-          <a:lstStyle/>
-          <a:p>
             <a:pPr algn="ctr">
               <a:buNone/>
             </a:pPr>
             <a:r>
-              <a:rPr lang="zh-TW" altLang="en-US" sz="5400" b="1" dirty="0" smtClean="0">
-                <a:solidFill>
-                  <a:srgbClr val="660033"/>
+              <a:rPr lang="zh-TW" altLang="en-US" sz="4800" b="1" dirty="0" smtClean="0">
+                <a:solidFill>
+                  <a:srgbClr val="000066"/>
                 </a:solidFill>
                 <a:effectLst>
                   <a:outerShdw blurRad="50000" dist="30000" dir="5400000" algn="tl" rotWithShape="0">
@@ -16205,31 +16483,12 @@
                 <a:latin typeface="微軟正黑體" pitchFamily="34" charset="-120"/>
                 <a:ea typeface="微軟正黑體" pitchFamily="34" charset="-120"/>
               </a:rPr>
-              <a:t>主的愛如流水淙淙</a:t>
-            </a:r>
-            <a:endParaRPr lang="en-US" altLang="zh-TW" sz="5400" b="1" dirty="0" smtClean="0">
-              <a:solidFill>
-                <a:srgbClr val="660033"/>
-              </a:solidFill>
-              <a:effectLst>
-                <a:outerShdw blurRad="50000" dist="30000" dir="5400000" algn="tl" rotWithShape="0">
-                  <a:srgbClr val="000000">
-                    <a:alpha val="30000"/>
-                  </a:srgbClr>
-                </a:outerShdw>
-              </a:effectLst>
-              <a:latin typeface="微軟正黑體" pitchFamily="34" charset="-120"/>
-              <a:ea typeface="微軟正黑體" pitchFamily="34" charset="-120"/>
-            </a:endParaRPr>
-          </a:p>
-          <a:p>
-            <a:pPr algn="ctr">
-              <a:buNone/>
-            </a:pPr>
-            <a:r>
-              <a:rPr lang="zh-TW" altLang="en-US" sz="5400" b="1" dirty="0" smtClean="0">
-                <a:solidFill>
-                  <a:srgbClr val="660033"/>
+              <a:t>願</a:t>
+            </a:r>
+            <a:r>
+              <a:rPr lang="zh-TW" altLang="en-US" sz="4800" b="1" dirty="0">
+                <a:solidFill>
+                  <a:srgbClr val="000066"/>
                 </a:solidFill>
                 <a:effectLst>
                   <a:outerShdw blurRad="50000" dist="30000" dir="5400000" algn="tl" rotWithShape="0">
@@ -16241,63 +16500,25 @@
                 <a:latin typeface="微軟正黑體" pitchFamily="34" charset="-120"/>
                 <a:ea typeface="微軟正黑體" pitchFamily="34" charset="-120"/>
               </a:rPr>
-              <a:t>願你分享祂這愛</a:t>
-            </a:r>
-            <a:endParaRPr lang="en-US" altLang="zh-TW" sz="5400" b="1" dirty="0" smtClean="0">
-              <a:solidFill>
-                <a:srgbClr val="660033"/>
-              </a:solidFill>
-              <a:effectLst>
-                <a:outerShdw blurRad="50000" dist="30000" dir="5400000" algn="tl" rotWithShape="0">
-                  <a:srgbClr val="000000">
-                    <a:alpha val="30000"/>
-                  </a:srgbClr>
-                </a:outerShdw>
-              </a:effectLst>
-              <a:latin typeface="微軟正黑體" pitchFamily="34" charset="-120"/>
-              <a:ea typeface="微軟正黑體" pitchFamily="34" charset="-120"/>
-            </a:endParaRPr>
-          </a:p>
-          <a:p>
-            <a:pPr algn="ctr">
-              <a:buNone/>
-            </a:pPr>
-            <a:r>
-              <a:rPr lang="zh-TW" altLang="en-US" sz="5400" b="1" dirty="0" smtClean="0">
-                <a:solidFill>
-                  <a:srgbClr val="660033"/>
-                </a:solidFill>
-                <a:effectLst>
-                  <a:outerShdw blurRad="50000" dist="30000" dir="5400000" algn="tl" rotWithShape="0">
-                    <a:srgbClr val="000000">
-                      <a:alpha val="30000"/>
-                    </a:srgbClr>
-                  </a:outerShdw>
-                </a:effectLst>
-                <a:latin typeface="微軟正黑體" pitchFamily="34" charset="-120"/>
-                <a:ea typeface="微軟正黑體" pitchFamily="34" charset="-120"/>
-              </a:rPr>
-              <a:t>以你愛 還祂愛 永相愛</a:t>
+              <a:t>祂祝福你心靈安康</a:t>
             </a:r>
           </a:p>
         </p:txBody>
       </p:sp>
     </p:spTree>
+    <p:extLst>
+      <p:ext uri="{BB962C8B-B14F-4D97-AF65-F5344CB8AC3E}">
+        <p14:creationId xmlns:p14="http://schemas.microsoft.com/office/powerpoint/2010/main" val="3887014078"/>
+      </p:ext>
+    </p:extLst>
   </p:cSld>
   <p:clrMapOvr>
     <a:masterClrMapping/>
   </p:clrMapOvr>
-  <p:timing>
-    <p:tnLst>
-      <p:par>
-        <p:cTn id="1" dur="indefinite" restart="never" nodeType="tmRoot"/>
-      </p:par>
-    </p:tnLst>
-  </p:timing>
 </p:sld>
 </file>
 
-<file path=ppt/slides/slide9.xml><?xml version="1.0" encoding="utf-8"?>
+<file path=ppt/slides/slide95.xml><?xml version="1.0" encoding="utf-8"?>
 <p:sld xmlns:a="http://schemas.openxmlformats.org/drawingml/2006/main" xmlns:r="http://schemas.openxmlformats.org/officeDocument/2006/relationships" xmlns:p="http://schemas.openxmlformats.org/presentationml/2006/main">
   <p:cSld>
     <p:spTree>
@@ -16316,46 +16537,54 @@
       </p:grpSpPr>
       <p:sp>
         <p:nvSpPr>
-          <p:cNvPr id="2" name="Title 1"/>
+          <p:cNvPr id="5" name="內容版面配置區 4"/>
           <p:cNvSpPr>
             <a:spLocks noGrp="1"/>
           </p:cNvSpPr>
           <p:nvPr>
-            <p:ph type="ctrTitle"/>
-          </p:nvPr>
-        </p:nvSpPr>
-        <p:spPr/>
-        <p:txBody>
-          <a:bodyPr>
-            <a:normAutofit fontScale="90000"/>
+            <p:ph idx="1"/>
+          </p:nvPr>
+        </p:nvSpPr>
+        <p:spPr>
+          <a:xfrm>
+            <a:off x="0" y="1563638"/>
+            <a:ext cx="9144000" cy="1803647"/>
+          </a:xfrm>
+        </p:spPr>
+        <p:txBody>
+          <a:bodyPr anchor="ctr">
+            <a:normAutofit/>
           </a:bodyPr>
           <a:lstStyle/>
           <a:p>
-            <a:r>
-              <a:rPr lang="zh-CN" altLang="en-US" sz="8000" b="1" dirty="0" smtClean="0">
-                <a:solidFill>
-                  <a:srgbClr val="660033"/>
+            <a:pPr algn="ctr">
+              <a:buNone/>
+            </a:pPr>
+            <a:r>
+              <a:rPr lang="zh-TW" altLang="en-US" sz="4800" b="1" dirty="0">
+                <a:solidFill>
+                  <a:srgbClr val="000066"/>
                 </a:solidFill>
                 <a:effectLst>
-                  <a:outerShdw blurRad="38100" dist="38100" dir="2700000" algn="tl">
+                  <a:outerShdw blurRad="50000" dist="30000" dir="5400000" algn="tl" rotWithShape="0">
                     <a:srgbClr val="000000">
-                      <a:alpha val="43137"/>
+                      <a:alpha val="30000"/>
                     </a:srgbClr>
                   </a:outerShdw>
                 </a:effectLst>
                 <a:latin typeface="微軟正黑體" pitchFamily="34" charset="-120"/>
                 <a:ea typeface="微軟正黑體" pitchFamily="34" charset="-120"/>
               </a:rPr>
-              <a:t>神的威權</a:t>
-            </a:r>
-            <a:endParaRPr lang="en-US" sz="8000" b="1" dirty="0">
+              <a:t>主的愛如流水淙淙</a:t>
+            </a:r>
+            <a:endParaRPr lang="en-US" altLang="zh-TW" sz="4800" b="1" dirty="0">
               <a:solidFill>
-                <a:srgbClr val="660033"/>
+                <a:srgbClr val="000066"/>
               </a:solidFill>
               <a:effectLst>
-                <a:outerShdw blurRad="38100" dist="38100" dir="2700000" algn="tl">
+                <a:outerShdw blurRad="50000" dist="30000" dir="5400000" algn="tl" rotWithShape="0">
                   <a:srgbClr val="000000">
-                    <a:alpha val="43137"/>
+                    <a:alpha val="30000"/>
                   </a:srgbClr>
                 </a:outerShdw>
               </a:effectLst>
@@ -16363,236 +16592,397 @@
               <a:ea typeface="微軟正黑體" pitchFamily="34" charset="-120"/>
             </a:endParaRPr>
           </a:p>
-        </p:txBody>
-      </p:sp>
-      <p:sp>
-        <p:nvSpPr>
-          <p:cNvPr id="3" name="Subtitle 2"/>
-          <p:cNvSpPr>
-            <a:spLocks noGrp="1"/>
-          </p:cNvSpPr>
-          <p:nvPr>
-            <p:ph type="subTitle" idx="1"/>
-          </p:nvPr>
-        </p:nvSpPr>
-        <p:spPr/>
-        <p:txBody>
-          <a:bodyPr>
-            <a:normAutofit/>
-          </a:bodyPr>
-          <a:lstStyle/>
-          <a:p>
-            <a:r>
-              <a:rPr lang="zh-CN" altLang="en-US" b="1" dirty="0" smtClean="0">
-                <a:solidFill>
-                  <a:srgbClr val="000066"/>
-                </a:solidFill>
-                <a:latin typeface="微軟正黑體" pitchFamily="34" charset="-120"/>
-                <a:ea typeface="微軟正黑體" pitchFamily="34" charset="-120"/>
-              </a:rPr>
-              <a:t>詩</a:t>
-            </a:r>
-            <a:r>
-              <a:rPr lang="en-US" altLang="zh-CN" b="1" dirty="0" smtClean="0">
-                <a:solidFill>
-                  <a:srgbClr val="000066"/>
-                </a:solidFill>
-                <a:latin typeface="微軟正黑體" pitchFamily="34" charset="-120"/>
-                <a:ea typeface="微軟正黑體" pitchFamily="34" charset="-120"/>
-              </a:rPr>
-              <a:t>93</a:t>
-            </a:r>
-            <a:r>
-              <a:rPr lang="zh-CN" altLang="en-US" b="1" dirty="0" smtClean="0">
-                <a:solidFill>
-                  <a:srgbClr val="000066"/>
-                </a:solidFill>
-                <a:latin typeface="微軟正黑體" pitchFamily="34" charset="-120"/>
-                <a:ea typeface="微軟正黑體" pitchFamily="34" charset="-120"/>
-              </a:rPr>
-              <a:t>：</a:t>
-            </a:r>
-            <a:r>
-              <a:rPr lang="en-US" altLang="zh-CN" b="1" dirty="0" smtClean="0">
-                <a:solidFill>
-                  <a:srgbClr val="000066"/>
-                </a:solidFill>
-                <a:latin typeface="微軟正黑體" pitchFamily="34" charset="-120"/>
-                <a:ea typeface="微軟正黑體" pitchFamily="34" charset="-120"/>
-              </a:rPr>
-              <a:t>1-2</a:t>
-            </a:r>
-            <a:r>
-              <a:rPr lang="zh-CN" altLang="en-US" b="1" dirty="0" smtClean="0">
-                <a:solidFill>
-                  <a:srgbClr val="000066"/>
-                </a:solidFill>
-                <a:latin typeface="微軟正黑體" pitchFamily="34" charset="-120"/>
-                <a:ea typeface="微軟正黑體" pitchFamily="34" charset="-120"/>
-              </a:rPr>
-              <a:t>，</a:t>
-            </a:r>
-            <a:r>
-              <a:rPr lang="en-US" altLang="zh-CN" b="1" dirty="0" smtClean="0">
-                <a:solidFill>
-                  <a:srgbClr val="000066"/>
-                </a:solidFill>
-                <a:latin typeface="微軟正黑體" pitchFamily="34" charset="-120"/>
-                <a:ea typeface="微軟正黑體" pitchFamily="34" charset="-120"/>
-              </a:rPr>
-              <a:t>4-5</a:t>
-            </a:r>
-            <a:r>
-              <a:rPr lang="zh-CN" altLang="en-US" b="1" dirty="0" smtClean="0">
-                <a:solidFill>
-                  <a:srgbClr val="000066"/>
-                </a:solidFill>
-                <a:latin typeface="微軟正黑體" pitchFamily="34" charset="-120"/>
-                <a:ea typeface="微軟正黑體" pitchFamily="34" charset="-120"/>
-              </a:rPr>
-              <a:t>；</a:t>
-            </a:r>
-            <a:r>
-              <a:rPr lang="en-US" altLang="zh-CN" b="1" dirty="0" smtClean="0">
-                <a:solidFill>
-                  <a:srgbClr val="000066"/>
-                </a:solidFill>
-                <a:latin typeface="微軟正黑體" pitchFamily="34" charset="-120"/>
-                <a:ea typeface="微軟正黑體" pitchFamily="34" charset="-120"/>
-              </a:rPr>
-              <a:t>24</a:t>
-            </a:r>
-            <a:r>
-              <a:rPr lang="zh-CN" altLang="en-US" b="1" dirty="0" smtClean="0">
-                <a:solidFill>
-                  <a:srgbClr val="000066"/>
-                </a:solidFill>
-                <a:latin typeface="微軟正黑體" pitchFamily="34" charset="-120"/>
-                <a:ea typeface="微軟正黑體" pitchFamily="34" charset="-120"/>
-              </a:rPr>
-              <a:t>：</a:t>
-            </a:r>
-            <a:r>
-              <a:rPr lang="en-US" altLang="zh-CN" b="1" dirty="0" smtClean="0">
-                <a:solidFill>
-                  <a:srgbClr val="000066"/>
-                </a:solidFill>
-                <a:latin typeface="微軟正黑體" pitchFamily="34" charset="-120"/>
-                <a:ea typeface="微軟正黑體" pitchFamily="34" charset="-120"/>
-              </a:rPr>
-              <a:t>1-4</a:t>
-            </a:r>
-            <a:r>
-              <a:rPr lang="zh-CN" altLang="en-US" b="1" dirty="0" smtClean="0">
-                <a:solidFill>
-                  <a:srgbClr val="000066"/>
-                </a:solidFill>
-                <a:latin typeface="微軟正黑體" pitchFamily="34" charset="-120"/>
-                <a:ea typeface="微軟正黑體" pitchFamily="34" charset="-120"/>
-              </a:rPr>
-              <a:t>；</a:t>
-            </a:r>
-            <a:endParaRPr lang="en-US" altLang="zh-CN" b="1" dirty="0" smtClean="0">
+          <a:p>
+            <a:pPr algn="ctr">
+              <a:buNone/>
+            </a:pPr>
+            <a:r>
+              <a:rPr lang="zh-TW" altLang="en-US" sz="4800" b="1" dirty="0">
+                <a:solidFill>
+                  <a:srgbClr val="000066"/>
+                </a:solidFill>
+                <a:effectLst>
+                  <a:outerShdw blurRad="50000" dist="30000" dir="5400000" algn="tl" rotWithShape="0">
+                    <a:srgbClr val="000000">
+                      <a:alpha val="30000"/>
+                    </a:srgbClr>
+                  </a:outerShdw>
+                </a:effectLst>
+                <a:latin typeface="微軟正黑體" pitchFamily="34" charset="-120"/>
+                <a:ea typeface="微軟正黑體" pitchFamily="34" charset="-120"/>
+              </a:rPr>
+              <a:t>願你分享祂這愛</a:t>
+            </a:r>
+            <a:endParaRPr lang="en-US" altLang="zh-TW" sz="4800" b="1" dirty="0">
               <a:solidFill>
                 <a:srgbClr val="000066"/>
               </a:solidFill>
+              <a:effectLst>
+                <a:outerShdw blurRad="50000" dist="30000" dir="5400000" algn="tl" rotWithShape="0">
+                  <a:srgbClr val="000000">
+                    <a:alpha val="30000"/>
+                  </a:srgbClr>
+                </a:outerShdw>
+              </a:effectLst>
               <a:latin typeface="微軟正黑體" pitchFamily="34" charset="-120"/>
               <a:ea typeface="微軟正黑體" pitchFamily="34" charset="-120"/>
             </a:endParaRPr>
           </a:p>
-          <a:p>
-            <a:r>
-              <a:rPr lang="en-US" altLang="zh-CN" b="1" dirty="0" smtClean="0">
-                <a:solidFill>
-                  <a:srgbClr val="000066"/>
-                </a:solidFill>
-                <a:latin typeface="微軟正黑體" pitchFamily="34" charset="-120"/>
-                <a:ea typeface="微軟正黑體" pitchFamily="34" charset="-120"/>
-              </a:rPr>
-              <a:t>97</a:t>
-            </a:r>
-            <a:r>
-              <a:rPr lang="zh-CN" altLang="en-US" b="1" dirty="0" smtClean="0">
-                <a:solidFill>
-                  <a:srgbClr val="000066"/>
-                </a:solidFill>
-                <a:latin typeface="微軟正黑體" pitchFamily="34" charset="-120"/>
-                <a:ea typeface="微軟正黑體" pitchFamily="34" charset="-120"/>
-              </a:rPr>
-              <a:t>：</a:t>
-            </a:r>
-            <a:r>
-              <a:rPr lang="en-US" altLang="zh-CN" b="1" dirty="0" smtClean="0">
-                <a:solidFill>
-                  <a:srgbClr val="000066"/>
-                </a:solidFill>
-                <a:latin typeface="微軟正黑體" pitchFamily="34" charset="-120"/>
-                <a:ea typeface="微軟正黑體" pitchFamily="34" charset="-120"/>
-              </a:rPr>
-              <a:t>1-6</a:t>
-            </a:r>
-            <a:r>
-              <a:rPr lang="zh-CN" altLang="en-US" b="1" dirty="0" smtClean="0">
-                <a:solidFill>
-                  <a:srgbClr val="000066"/>
-                </a:solidFill>
-                <a:latin typeface="微軟正黑體" pitchFamily="34" charset="-120"/>
-                <a:ea typeface="微軟正黑體" pitchFamily="34" charset="-120"/>
-              </a:rPr>
-              <a:t>；</a:t>
-            </a:r>
-            <a:r>
-              <a:rPr lang="en-US" altLang="zh-CN" b="1" dirty="0" smtClean="0">
-                <a:solidFill>
-                  <a:srgbClr val="000066"/>
-                </a:solidFill>
-                <a:latin typeface="微軟正黑體" pitchFamily="34" charset="-120"/>
-                <a:ea typeface="微軟正黑體" pitchFamily="34" charset="-120"/>
-              </a:rPr>
-              <a:t>18</a:t>
-            </a:r>
-            <a:r>
-              <a:rPr lang="zh-CN" altLang="en-US" b="1" dirty="0" smtClean="0">
-                <a:solidFill>
-                  <a:srgbClr val="000066"/>
-                </a:solidFill>
-                <a:latin typeface="微軟正黑體" pitchFamily="34" charset="-120"/>
-                <a:ea typeface="微軟正黑體" pitchFamily="34" charset="-120"/>
-              </a:rPr>
-              <a:t>：</a:t>
-            </a:r>
-            <a:r>
-              <a:rPr lang="en-US" altLang="zh-CN" b="1" dirty="0" smtClean="0">
-                <a:solidFill>
-                  <a:srgbClr val="000066"/>
-                </a:solidFill>
-                <a:latin typeface="微軟正黑體" pitchFamily="34" charset="-120"/>
-                <a:ea typeface="微軟正黑體" pitchFamily="34" charset="-120"/>
-              </a:rPr>
-              <a:t>16</a:t>
-            </a:r>
-            <a:endParaRPr lang="en-US" b="1" dirty="0">
-              <a:solidFill>
-                <a:srgbClr val="000066"/>
-              </a:solidFill>
-              <a:latin typeface="微軟正黑體" pitchFamily="34" charset="-120"/>
-              <a:ea typeface="微軟正黑體" pitchFamily="34" charset="-120"/>
-            </a:endParaRPr>
-          </a:p>
         </p:txBody>
       </p:sp>
     </p:spTree>
+    <p:extLst>
+      <p:ext uri="{BB962C8B-B14F-4D97-AF65-F5344CB8AC3E}">
+        <p14:creationId xmlns:p14="http://schemas.microsoft.com/office/powerpoint/2010/main" val="1828901467"/>
+      </p:ext>
+    </p:extLst>
   </p:cSld>
   <p:clrMapOvr>
     <a:masterClrMapping/>
   </p:clrMapOvr>
-  <p:timing>
-    <p:tnLst>
-      <p:par>
-        <p:cTn id="1" dur="indefinite" restart="never" nodeType="tmRoot"/>
-      </p:par>
-    </p:tnLst>
-  </p:timing>
+</p:sld>
+</file>
+
+<file path=ppt/slides/slide96.xml><?xml version="1.0" encoding="utf-8"?>
+<p:sld xmlns:a="http://schemas.openxmlformats.org/drawingml/2006/main" xmlns:r="http://schemas.openxmlformats.org/officeDocument/2006/relationships" xmlns:p="http://schemas.openxmlformats.org/presentationml/2006/main">
+  <p:cSld>
+    <p:spTree>
+      <p:nvGrpSpPr>
+        <p:cNvPr id="1" name=""/>
+        <p:cNvGrpSpPr/>
+        <p:nvPr/>
+      </p:nvGrpSpPr>
+      <p:grpSpPr>
+        <a:xfrm>
+          <a:off x="0" y="0"/>
+          <a:ext cx="0" cy="0"/>
+          <a:chOff x="0" y="0"/>
+          <a:chExt cx="0" cy="0"/>
+        </a:xfrm>
+      </p:grpSpPr>
+      <p:sp>
+        <p:nvSpPr>
+          <p:cNvPr id="5" name="內容版面配置區 4"/>
+          <p:cNvSpPr>
+            <a:spLocks noGrp="1"/>
+          </p:cNvSpPr>
+          <p:nvPr>
+            <p:ph idx="1"/>
+          </p:nvPr>
+        </p:nvSpPr>
+        <p:spPr>
+          <a:xfrm>
+            <a:off x="0" y="1563638"/>
+            <a:ext cx="9144000" cy="1803647"/>
+          </a:xfrm>
+        </p:spPr>
+        <p:txBody>
+          <a:bodyPr anchor="ctr">
+            <a:normAutofit/>
+          </a:bodyPr>
+          <a:lstStyle/>
+          <a:p>
+            <a:pPr algn="ctr">
+              <a:buNone/>
+            </a:pPr>
+            <a:r>
+              <a:rPr lang="zh-TW" altLang="en-US" sz="4800" b="1" dirty="0">
+                <a:solidFill>
+                  <a:srgbClr val="000066"/>
+                </a:solidFill>
+                <a:effectLst>
+                  <a:outerShdw blurRad="50000" dist="30000" dir="5400000" algn="tl" rotWithShape="0">
+                    <a:srgbClr val="000000">
+                      <a:alpha val="30000"/>
+                    </a:srgbClr>
+                  </a:outerShdw>
+                </a:effectLst>
+                <a:latin typeface="微軟正黑體" pitchFamily="34" charset="-120"/>
+                <a:ea typeface="微軟正黑體" pitchFamily="34" charset="-120"/>
+              </a:rPr>
+              <a:t>在那漫漫的黑夜見主光</a:t>
+            </a:r>
+          </a:p>
+        </p:txBody>
+      </p:sp>
+    </p:spTree>
+    <p:extLst>
+      <p:ext uri="{BB962C8B-B14F-4D97-AF65-F5344CB8AC3E}">
+        <p14:creationId xmlns:p14="http://schemas.microsoft.com/office/powerpoint/2010/main" val="1857880961"/>
+      </p:ext>
+    </p:extLst>
+  </p:cSld>
+  <p:clrMapOvr>
+    <a:masterClrMapping/>
+  </p:clrMapOvr>
+</p:sld>
+</file>
+
+<file path=ppt/slides/slide97.xml><?xml version="1.0" encoding="utf-8"?>
+<p:sld xmlns:a="http://schemas.openxmlformats.org/drawingml/2006/main" xmlns:r="http://schemas.openxmlformats.org/officeDocument/2006/relationships" xmlns:p="http://schemas.openxmlformats.org/presentationml/2006/main">
+  <p:cSld>
+    <p:spTree>
+      <p:nvGrpSpPr>
+        <p:cNvPr id="1" name=""/>
+        <p:cNvGrpSpPr/>
+        <p:nvPr/>
+      </p:nvGrpSpPr>
+      <p:grpSpPr>
+        <a:xfrm>
+          <a:off x="0" y="0"/>
+          <a:ext cx="0" cy="0"/>
+          <a:chOff x="0" y="0"/>
+          <a:chExt cx="0" cy="0"/>
+        </a:xfrm>
+      </p:grpSpPr>
+      <p:sp>
+        <p:nvSpPr>
+          <p:cNvPr id="5" name="內容版面配置區 4"/>
+          <p:cNvSpPr>
+            <a:spLocks noGrp="1"/>
+          </p:cNvSpPr>
+          <p:nvPr>
+            <p:ph idx="1"/>
+          </p:nvPr>
+        </p:nvSpPr>
+        <p:spPr>
+          <a:xfrm>
+            <a:off x="0" y="1563638"/>
+            <a:ext cx="9144000" cy="1803647"/>
+          </a:xfrm>
+        </p:spPr>
+        <p:txBody>
+          <a:bodyPr anchor="ctr">
+            <a:normAutofit/>
+          </a:bodyPr>
+          <a:lstStyle/>
+          <a:p>
+            <a:pPr algn="ctr">
+              <a:buNone/>
+            </a:pPr>
+            <a:r>
+              <a:rPr lang="zh-TW" altLang="en-US" sz="4800" b="1" dirty="0">
+                <a:solidFill>
+                  <a:srgbClr val="000066"/>
+                </a:solidFill>
+                <a:effectLst>
+                  <a:outerShdw blurRad="50000" dist="30000" dir="5400000" algn="tl" rotWithShape="0">
+                    <a:srgbClr val="000000">
+                      <a:alpha val="30000"/>
+                    </a:srgbClr>
+                  </a:outerShdw>
+                </a:effectLst>
+                <a:latin typeface="微軟正黑體" pitchFamily="34" charset="-120"/>
+                <a:ea typeface="微軟正黑體" pitchFamily="34" charset="-120"/>
+              </a:rPr>
+              <a:t>主的愛如流水淙淙</a:t>
+            </a:r>
+            <a:endParaRPr lang="en-US" altLang="zh-TW" sz="4800" b="1" dirty="0">
+              <a:solidFill>
+                <a:srgbClr val="000066"/>
+              </a:solidFill>
+              <a:effectLst>
+                <a:outerShdw blurRad="50000" dist="30000" dir="5400000" algn="tl" rotWithShape="0">
+                  <a:srgbClr val="000000">
+                    <a:alpha val="30000"/>
+                  </a:srgbClr>
+                </a:outerShdw>
+              </a:effectLst>
+              <a:latin typeface="微軟正黑體" pitchFamily="34" charset="-120"/>
+              <a:ea typeface="微軟正黑體" pitchFamily="34" charset="-120"/>
+            </a:endParaRPr>
+          </a:p>
+          <a:p>
+            <a:pPr algn="ctr">
+              <a:buNone/>
+            </a:pPr>
+            <a:r>
+              <a:rPr lang="zh-TW" altLang="en-US" sz="4800" b="1" dirty="0">
+                <a:solidFill>
+                  <a:srgbClr val="000066"/>
+                </a:solidFill>
+                <a:effectLst>
+                  <a:outerShdw blurRad="50000" dist="30000" dir="5400000" algn="tl" rotWithShape="0">
+                    <a:srgbClr val="000000">
+                      <a:alpha val="30000"/>
+                    </a:srgbClr>
+                  </a:outerShdw>
+                </a:effectLst>
+                <a:latin typeface="微軟正黑體" pitchFamily="34" charset="-120"/>
+                <a:ea typeface="微軟正黑體" pitchFamily="34" charset="-120"/>
+              </a:rPr>
+              <a:t>願你分享祂這愛</a:t>
+            </a:r>
+            <a:endParaRPr lang="en-US" altLang="zh-TW" sz="4800" b="1" dirty="0">
+              <a:solidFill>
+                <a:srgbClr val="000066"/>
+              </a:solidFill>
+              <a:effectLst>
+                <a:outerShdw blurRad="50000" dist="30000" dir="5400000" algn="tl" rotWithShape="0">
+                  <a:srgbClr val="000000">
+                    <a:alpha val="30000"/>
+                  </a:srgbClr>
+                </a:outerShdw>
+              </a:effectLst>
+              <a:latin typeface="微軟正黑體" pitchFamily="34" charset="-120"/>
+              <a:ea typeface="微軟正黑體" pitchFamily="34" charset="-120"/>
+            </a:endParaRPr>
+          </a:p>
+        </p:txBody>
+      </p:sp>
+    </p:spTree>
+    <p:extLst>
+      <p:ext uri="{BB962C8B-B14F-4D97-AF65-F5344CB8AC3E}">
+        <p14:creationId xmlns:p14="http://schemas.microsoft.com/office/powerpoint/2010/main" val="3434591100"/>
+      </p:ext>
+    </p:extLst>
+  </p:cSld>
+  <p:clrMapOvr>
+    <a:masterClrMapping/>
+  </p:clrMapOvr>
+</p:sld>
+</file>
+
+<file path=ppt/slides/slide98.xml><?xml version="1.0" encoding="utf-8"?>
+<p:sld xmlns:a="http://schemas.openxmlformats.org/drawingml/2006/main" xmlns:r="http://schemas.openxmlformats.org/officeDocument/2006/relationships" xmlns:p="http://schemas.openxmlformats.org/presentationml/2006/main">
+  <p:cSld>
+    <p:spTree>
+      <p:nvGrpSpPr>
+        <p:cNvPr id="1" name=""/>
+        <p:cNvGrpSpPr/>
+        <p:nvPr/>
+      </p:nvGrpSpPr>
+      <p:grpSpPr>
+        <a:xfrm>
+          <a:off x="0" y="0"/>
+          <a:ext cx="0" cy="0"/>
+          <a:chOff x="0" y="0"/>
+          <a:chExt cx="0" cy="0"/>
+        </a:xfrm>
+      </p:grpSpPr>
+      <p:sp>
+        <p:nvSpPr>
+          <p:cNvPr id="5" name="內容版面配置區 4"/>
+          <p:cNvSpPr>
+            <a:spLocks noGrp="1"/>
+          </p:cNvSpPr>
+          <p:nvPr>
+            <p:ph idx="1"/>
+          </p:nvPr>
+        </p:nvSpPr>
+        <p:spPr>
+          <a:xfrm>
+            <a:off x="0" y="1563638"/>
+            <a:ext cx="9144000" cy="1803647"/>
+          </a:xfrm>
+        </p:spPr>
+        <p:txBody>
+          <a:bodyPr anchor="ctr">
+            <a:normAutofit/>
+          </a:bodyPr>
+          <a:lstStyle/>
+          <a:p>
+            <a:pPr algn="ctr">
+              <a:buNone/>
+            </a:pPr>
+            <a:r>
+              <a:rPr lang="zh-TW" altLang="en-US" sz="4800" b="1" dirty="0">
+                <a:solidFill>
+                  <a:srgbClr val="000066"/>
+                </a:solidFill>
+                <a:effectLst>
+                  <a:outerShdw blurRad="50000" dist="30000" dir="5400000" algn="tl" rotWithShape="0">
+                    <a:srgbClr val="000000">
+                      <a:alpha val="30000"/>
+                    </a:srgbClr>
+                  </a:outerShdw>
+                </a:effectLst>
+                <a:latin typeface="微軟正黑體" pitchFamily="34" charset="-120"/>
+                <a:ea typeface="微軟正黑體" pitchFamily="34" charset="-120"/>
+              </a:rPr>
+              <a:t>以你愛 </a:t>
+            </a:r>
+            <a:r>
+              <a:rPr lang="zh-TW" altLang="en-US" sz="4800" b="1" dirty="0">
+                <a:solidFill>
+                  <a:srgbClr val="000066"/>
+                </a:solidFill>
+                <a:effectLst>
+                  <a:outerShdw blurRad="50000" dist="30000" dir="5400000" algn="tl" rotWithShape="0">
+                    <a:srgbClr val="000000">
+                      <a:alpha val="30000"/>
+                    </a:srgbClr>
+                  </a:outerShdw>
+                </a:effectLst>
+                <a:latin typeface="微軟正黑體" pitchFamily="34" charset="-120"/>
+                <a:ea typeface="微軟正黑體" pitchFamily="34" charset="-120"/>
+              </a:rPr>
+              <a:t> 還</a:t>
+            </a:r>
+            <a:r>
+              <a:rPr lang="zh-TW" altLang="en-US" sz="4800" b="1" dirty="0">
+                <a:solidFill>
+                  <a:srgbClr val="000066"/>
+                </a:solidFill>
+                <a:effectLst>
+                  <a:outerShdw blurRad="50000" dist="30000" dir="5400000" algn="tl" rotWithShape="0">
+                    <a:srgbClr val="000000">
+                      <a:alpha val="30000"/>
+                    </a:srgbClr>
+                  </a:outerShdw>
+                </a:effectLst>
+                <a:latin typeface="微軟正黑體" pitchFamily="34" charset="-120"/>
+                <a:ea typeface="微軟正黑體" pitchFamily="34" charset="-120"/>
+              </a:rPr>
+              <a:t>祂</a:t>
+            </a:r>
+            <a:r>
+              <a:rPr lang="zh-TW" altLang="en-US" sz="4800" b="1" dirty="0">
+                <a:solidFill>
+                  <a:srgbClr val="000066"/>
+                </a:solidFill>
+                <a:effectLst>
+                  <a:outerShdw blurRad="50000" dist="30000" dir="5400000" algn="tl" rotWithShape="0">
+                    <a:srgbClr val="000000">
+                      <a:alpha val="30000"/>
+                    </a:srgbClr>
+                  </a:outerShdw>
+                </a:effectLst>
+                <a:latin typeface="微軟正黑體" pitchFamily="34" charset="-120"/>
+                <a:ea typeface="微軟正黑體" pitchFamily="34" charset="-120"/>
+              </a:rPr>
+              <a:t>愛  </a:t>
+            </a:r>
+            <a:r>
+              <a:rPr lang="zh-TW" altLang="en-US" sz="4800" b="1" dirty="0">
+                <a:solidFill>
+                  <a:srgbClr val="000066"/>
+                </a:solidFill>
+                <a:effectLst>
+                  <a:outerShdw blurRad="50000" dist="30000" dir="5400000" algn="tl" rotWithShape="0">
+                    <a:srgbClr val="000000">
+                      <a:alpha val="30000"/>
+                    </a:srgbClr>
+                  </a:outerShdw>
+                </a:effectLst>
+                <a:latin typeface="微軟正黑體" pitchFamily="34" charset="-120"/>
+                <a:ea typeface="微軟正黑體" pitchFamily="34" charset="-120"/>
+              </a:rPr>
+              <a:t>永相愛</a:t>
+            </a:r>
+          </a:p>
+        </p:txBody>
+      </p:sp>
+    </p:spTree>
+    <p:extLst>
+      <p:ext uri="{BB962C8B-B14F-4D97-AF65-F5344CB8AC3E}">
+        <p14:creationId xmlns:p14="http://schemas.microsoft.com/office/powerpoint/2010/main" val="608233991"/>
+      </p:ext>
+    </p:extLst>
+  </p:cSld>
+  <p:clrMapOvr>
+    <a:masterClrMapping/>
+  </p:clrMapOvr>
 </p:sld>
 </file>
 

--- a/崇拜流程_聖餐禮version.pptx
+++ b/崇拜流程_聖餐禮version.pptx
@@ -310,7 +310,7 @@
           <a:p>
             <a:fld id="{2F30D4D0-EAC7-4980-A92D-C26C9148BA0F}" type="datetimeFigureOut">
               <a:rPr lang="zh-TW" altLang="en-US" smtClean="0"/>
-              <a:t>2020/10/25</a:t>
+              <a:t>2021/2/5</a:t>
             </a:fld>
             <a:endParaRPr lang="zh-TW" altLang="en-US"/>
           </a:p>
@@ -1186,7 +1186,7 @@
           <a:p>
             <a:fld id="{5BBEAD13-0566-4C6C-97E7-55F17F24B09F}" type="datetimeFigureOut">
               <a:rPr lang="zh-TW" altLang="en-US" smtClean="0"/>
-              <a:t>2020/10/25</a:t>
+              <a:t>2021/2/5</a:t>
             </a:fld>
             <a:endParaRPr lang="zh-TW" altLang="en-US"/>
           </a:p>
@@ -1351,7 +1351,7 @@
           <a:p>
             <a:fld id="{5BBEAD13-0566-4C6C-97E7-55F17F24B09F}" type="datetimeFigureOut">
               <a:rPr lang="zh-TW" altLang="en-US" smtClean="0"/>
-              <a:t>2020/10/25</a:t>
+              <a:t>2021/2/5</a:t>
             </a:fld>
             <a:endParaRPr lang="zh-TW" altLang="en-US"/>
           </a:p>
@@ -1526,7 +1526,7 @@
           <a:p>
             <a:fld id="{5BBEAD13-0566-4C6C-97E7-55F17F24B09F}" type="datetimeFigureOut">
               <a:rPr lang="zh-TW" altLang="en-US" smtClean="0"/>
-              <a:t>2020/10/25</a:t>
+              <a:t>2021/2/5</a:t>
             </a:fld>
             <a:endParaRPr lang="zh-TW" altLang="en-US"/>
           </a:p>
@@ -1691,7 +1691,7 @@
           <a:p>
             <a:fld id="{5BBEAD13-0566-4C6C-97E7-55F17F24B09F}" type="datetimeFigureOut">
               <a:rPr lang="zh-TW" altLang="en-US" smtClean="0"/>
-              <a:t>2020/10/25</a:t>
+              <a:t>2021/2/5</a:t>
             </a:fld>
             <a:endParaRPr lang="zh-TW" altLang="en-US"/>
           </a:p>
@@ -1932,7 +1932,7 @@
           <a:p>
             <a:fld id="{5BBEAD13-0566-4C6C-97E7-55F17F24B09F}" type="datetimeFigureOut">
               <a:rPr lang="zh-TW" altLang="en-US" smtClean="0"/>
-              <a:t>2020/10/25</a:t>
+              <a:t>2021/2/5</a:t>
             </a:fld>
             <a:endParaRPr lang="zh-TW" altLang="en-US"/>
           </a:p>
@@ -2215,7 +2215,7 @@
           <a:p>
             <a:fld id="{5BBEAD13-0566-4C6C-97E7-55F17F24B09F}" type="datetimeFigureOut">
               <a:rPr lang="zh-TW" altLang="en-US" smtClean="0"/>
-              <a:t>2020/10/25</a:t>
+              <a:t>2021/2/5</a:t>
             </a:fld>
             <a:endParaRPr lang="zh-TW" altLang="en-US"/>
           </a:p>
@@ -2632,7 +2632,7 @@
           <a:p>
             <a:fld id="{5BBEAD13-0566-4C6C-97E7-55F17F24B09F}" type="datetimeFigureOut">
               <a:rPr lang="zh-TW" altLang="en-US" smtClean="0"/>
-              <a:t>2020/10/25</a:t>
+              <a:t>2021/2/5</a:t>
             </a:fld>
             <a:endParaRPr lang="zh-TW" altLang="en-US"/>
           </a:p>
@@ -2745,7 +2745,7 @@
           <a:p>
             <a:fld id="{5BBEAD13-0566-4C6C-97E7-55F17F24B09F}" type="datetimeFigureOut">
               <a:rPr lang="zh-TW" altLang="en-US" smtClean="0"/>
-              <a:t>2020/10/25</a:t>
+              <a:t>2021/2/5</a:t>
             </a:fld>
             <a:endParaRPr lang="zh-TW" altLang="en-US"/>
           </a:p>
@@ -2835,7 +2835,7 @@
           <a:p>
             <a:fld id="{5BBEAD13-0566-4C6C-97E7-55F17F24B09F}" type="datetimeFigureOut">
               <a:rPr lang="zh-TW" altLang="en-US" smtClean="0"/>
-              <a:t>2020/10/25</a:t>
+              <a:t>2021/2/5</a:t>
             </a:fld>
             <a:endParaRPr lang="zh-TW" altLang="en-US"/>
           </a:p>
@@ -3107,7 +3107,7 @@
           <a:p>
             <a:fld id="{5BBEAD13-0566-4C6C-97E7-55F17F24B09F}" type="datetimeFigureOut">
               <a:rPr lang="zh-TW" altLang="en-US" smtClean="0"/>
-              <a:t>2020/10/25</a:t>
+              <a:t>2021/2/5</a:t>
             </a:fld>
             <a:endParaRPr lang="zh-TW" altLang="en-US"/>
           </a:p>
@@ -3359,7 +3359,7 @@
           <a:p>
             <a:fld id="{5BBEAD13-0566-4C6C-97E7-55F17F24B09F}" type="datetimeFigureOut">
               <a:rPr lang="zh-TW" altLang="en-US" smtClean="0"/>
-              <a:t>2020/10/25</a:t>
+              <a:t>2021/2/5</a:t>
             </a:fld>
             <a:endParaRPr lang="zh-TW" altLang="en-US"/>
           </a:p>
@@ -3572,7 +3572,7 @@
           <a:p>
             <a:fld id="{5BBEAD13-0566-4C6C-97E7-55F17F24B09F}" type="datetimeFigureOut">
               <a:rPr lang="zh-TW" altLang="en-US" smtClean="0"/>
-              <a:t>2020/10/25</a:t>
+              <a:t>2021/2/5</a:t>
             </a:fld>
             <a:endParaRPr lang="zh-TW" altLang="en-US"/>
           </a:p>
@@ -4044,7 +4044,7 @@
         <p:spPr>
           <a:xfrm>
             <a:off x="0" y="0"/>
-            <a:ext cx="8748464" cy="5257800"/>
+            <a:ext cx="8748464" cy="5143500"/>
           </a:xfrm>
         </p:spPr>
         <p:txBody>
@@ -5366,24 +5366,14 @@
           <a:lstStyle/>
           <a:p>
             <a:r>
-              <a:rPr lang="en-US" altLang="zh-TW" sz="4800" b="1" dirty="0" err="1">
-                <a:solidFill>
-                  <a:srgbClr val="000066"/>
-                </a:solidFill>
-                <a:latin typeface="微軟正黑體" pitchFamily="34" charset="-120"/>
-                <a:ea typeface="微軟正黑體" pitchFamily="34" charset="-120"/>
-              </a:rPr>
-              <a:t>Exo</a:t>
-            </a:r>
-            <a:r>
-              <a:rPr lang="en-US" altLang="zh-TW" sz="4800" b="1" dirty="0">
-                <a:solidFill>
-                  <a:srgbClr val="000066"/>
-                </a:solidFill>
-                <a:latin typeface="微軟正黑體" pitchFamily="34" charset="-120"/>
-                <a:ea typeface="微軟正黑體" pitchFamily="34" charset="-120"/>
-              </a:rPr>
-              <a:t> 6:2</a:t>
+              <a:rPr lang="en-US" altLang="zh-TW" sz="4800" b="1" dirty="0" smtClean="0">
+                <a:solidFill>
+                  <a:srgbClr val="000066"/>
+                </a:solidFill>
+                <a:latin typeface="微軟正黑體" pitchFamily="34" charset="-120"/>
+                <a:ea typeface="微軟正黑體" pitchFamily="34" charset="-120"/>
+              </a:rPr>
+              <a:t>2</a:t>
             </a:r>
             <a:r>
               <a:rPr lang="zh-TW" altLang="en-US" sz="4800" b="1" dirty="0">
@@ -5398,24 +5388,14 @@
           </a:p>
           <a:p>
             <a:r>
-              <a:rPr lang="en-US" altLang="zh-TW" sz="4800" b="1" dirty="0" err="1">
-                <a:solidFill>
-                  <a:srgbClr val="000066"/>
-                </a:solidFill>
-                <a:latin typeface="微軟正黑體" pitchFamily="34" charset="-120"/>
-                <a:ea typeface="微軟正黑體" pitchFamily="34" charset="-120"/>
-              </a:rPr>
-              <a:t>Exo</a:t>
-            </a:r>
-            <a:r>
-              <a:rPr lang="en-US" altLang="zh-TW" sz="4800" b="1" dirty="0">
-                <a:solidFill>
-                  <a:srgbClr val="000066"/>
-                </a:solidFill>
-                <a:latin typeface="微軟正黑體" pitchFamily="34" charset="-120"/>
-                <a:ea typeface="微軟正黑體" pitchFamily="34" charset="-120"/>
-              </a:rPr>
-              <a:t> 6:3</a:t>
+              <a:rPr lang="en-US" altLang="zh-TW" sz="4800" b="1" dirty="0" smtClean="0">
+                <a:solidFill>
+                  <a:srgbClr val="000066"/>
+                </a:solidFill>
+                <a:latin typeface="微軟正黑體" pitchFamily="34" charset="-120"/>
+                <a:ea typeface="微軟正黑體" pitchFamily="34" charset="-120"/>
+              </a:rPr>
+              <a:t>3</a:t>
             </a:r>
             <a:r>
               <a:rPr lang="zh-TW" altLang="en-US" sz="4800" b="1" dirty="0">
@@ -16900,75 +16880,7 @@
                 <a:latin typeface="微軟正黑體" pitchFamily="34" charset="-120"/>
                 <a:ea typeface="微軟正黑體" pitchFamily="34" charset="-120"/>
               </a:rPr>
-              <a:t>以你愛 </a:t>
-            </a:r>
-            <a:r>
-              <a:rPr lang="zh-TW" altLang="en-US" sz="4800" b="1" dirty="0">
-                <a:solidFill>
-                  <a:srgbClr val="000066"/>
-                </a:solidFill>
-                <a:effectLst>
-                  <a:outerShdw blurRad="50000" dist="30000" dir="5400000" algn="tl" rotWithShape="0">
-                    <a:srgbClr val="000000">
-                      <a:alpha val="30000"/>
-                    </a:srgbClr>
-                  </a:outerShdw>
-                </a:effectLst>
-                <a:latin typeface="微軟正黑體" pitchFamily="34" charset="-120"/>
-                <a:ea typeface="微軟正黑體" pitchFamily="34" charset="-120"/>
-              </a:rPr>
-              <a:t> 還</a:t>
-            </a:r>
-            <a:r>
-              <a:rPr lang="zh-TW" altLang="en-US" sz="4800" b="1" dirty="0">
-                <a:solidFill>
-                  <a:srgbClr val="000066"/>
-                </a:solidFill>
-                <a:effectLst>
-                  <a:outerShdw blurRad="50000" dist="30000" dir="5400000" algn="tl" rotWithShape="0">
-                    <a:srgbClr val="000000">
-                      <a:alpha val="30000"/>
-                    </a:srgbClr>
-                  </a:outerShdw>
-                </a:effectLst>
-                <a:latin typeface="微軟正黑體" pitchFamily="34" charset="-120"/>
-                <a:ea typeface="微軟正黑體" pitchFamily="34" charset="-120"/>
-              </a:rPr>
-              <a:t>祂</a:t>
-            </a:r>
-            <a:r>
-              <a:rPr lang="zh-TW" altLang="en-US" sz="4800" b="1" dirty="0">
-                <a:solidFill>
-                  <a:srgbClr val="000066"/>
-                </a:solidFill>
-                <a:effectLst>
-                  <a:outerShdw blurRad="50000" dist="30000" dir="5400000" algn="tl" rotWithShape="0">
-                    <a:srgbClr val="000000">
-                      <a:alpha val="30000"/>
-                    </a:srgbClr>
-                  </a:outerShdw>
-                </a:effectLst>
-                <a:latin typeface="微軟正黑體" pitchFamily="34" charset="-120"/>
-                <a:ea typeface="微軟正黑體" pitchFamily="34" charset="-120"/>
-              </a:rPr>
-              <a:t>愛  </a:t>
-            </a:r>
-            <a:r>
-              <a:rPr lang="zh-TW" altLang="en-US" sz="4800" b="1" dirty="0">
-                <a:solidFill>
-                  <a:srgbClr val="000066"/>
-                </a:solidFill>
-                <a:effectLst>
-                  <a:outerShdw blurRad="50000" dist="30000" dir="5400000" algn="tl" rotWithShape="0">
-                    <a:srgbClr val="000000">
-                      <a:alpha val="30000"/>
-                    </a:srgbClr>
-                  </a:outerShdw>
-                </a:effectLst>
-                <a:latin typeface="微軟正黑體" pitchFamily="34" charset="-120"/>
-                <a:ea typeface="微軟正黑體" pitchFamily="34" charset="-120"/>
-              </a:rPr>
-              <a:t>永相愛</a:t>
+              <a:t>以你愛  還祂愛  永相愛</a:t>
             </a:r>
           </a:p>
         </p:txBody>

--- a/崇拜流程_聖餐禮version.pptx
+++ b/崇拜流程_聖餐禮version.pptx
@@ -5,7 +5,7 @@
     <p:sldMasterId id="2147483648" r:id="rId1"/>
   </p:sldMasterIdLst>
   <p:notesMasterIdLst>
-    <p:notesMasterId r:id="rId100"/>
+    <p:notesMasterId r:id="rId61"/>
   </p:notesMasterIdLst>
   <p:sldIdLst>
     <p:sldId id="322" r:id="rId2"/>
@@ -46,66 +46,27 @@
     <p:sldId id="433" r:id="rId37"/>
     <p:sldId id="440" r:id="rId38"/>
     <p:sldId id="441" r:id="rId39"/>
-    <p:sldId id="418" r:id="rId40"/>
-    <p:sldId id="396" r:id="rId41"/>
-    <p:sldId id="397" r:id="rId42"/>
-    <p:sldId id="398" r:id="rId43"/>
-    <p:sldId id="399" r:id="rId44"/>
-    <p:sldId id="400" r:id="rId45"/>
-    <p:sldId id="401" r:id="rId46"/>
-    <p:sldId id="402" r:id="rId47"/>
-    <p:sldId id="403" r:id="rId48"/>
-    <p:sldId id="404" r:id="rId49"/>
-    <p:sldId id="405" r:id="rId50"/>
-    <p:sldId id="406" r:id="rId51"/>
-    <p:sldId id="407" r:id="rId52"/>
-    <p:sldId id="417" r:id="rId53"/>
-    <p:sldId id="409" r:id="rId54"/>
-    <p:sldId id="410" r:id="rId55"/>
-    <p:sldId id="411" r:id="rId56"/>
-    <p:sldId id="412" r:id="rId57"/>
-    <p:sldId id="413" r:id="rId58"/>
-    <p:sldId id="414" r:id="rId59"/>
-    <p:sldId id="415" r:id="rId60"/>
-    <p:sldId id="416" r:id="rId61"/>
-    <p:sldId id="442" r:id="rId62"/>
-    <p:sldId id="443" r:id="rId63"/>
-    <p:sldId id="444" r:id="rId64"/>
-    <p:sldId id="445" r:id="rId65"/>
-    <p:sldId id="446" r:id="rId66"/>
-    <p:sldId id="447" r:id="rId67"/>
-    <p:sldId id="448" r:id="rId68"/>
-    <p:sldId id="449" r:id="rId69"/>
-    <p:sldId id="450" r:id="rId70"/>
-    <p:sldId id="451" r:id="rId71"/>
-    <p:sldId id="452" r:id="rId72"/>
-    <p:sldId id="453" r:id="rId73"/>
-    <p:sldId id="454" r:id="rId74"/>
-    <p:sldId id="455" r:id="rId75"/>
-    <p:sldId id="456" r:id="rId76"/>
-    <p:sldId id="457" r:id="rId77"/>
-    <p:sldId id="458" r:id="rId78"/>
-    <p:sldId id="267" r:id="rId79"/>
-    <p:sldId id="459" r:id="rId80"/>
-    <p:sldId id="460" r:id="rId81"/>
-    <p:sldId id="461" r:id="rId82"/>
-    <p:sldId id="462" r:id="rId83"/>
-    <p:sldId id="463" r:id="rId84"/>
-    <p:sldId id="464" r:id="rId85"/>
-    <p:sldId id="465" r:id="rId86"/>
-    <p:sldId id="466" r:id="rId87"/>
-    <p:sldId id="467" r:id="rId88"/>
-    <p:sldId id="468" r:id="rId89"/>
-    <p:sldId id="469" r:id="rId90"/>
-    <p:sldId id="470" r:id="rId91"/>
-    <p:sldId id="291" r:id="rId92"/>
-    <p:sldId id="471" r:id="rId93"/>
-    <p:sldId id="472" r:id="rId94"/>
-    <p:sldId id="473" r:id="rId95"/>
-    <p:sldId id="474" r:id="rId96"/>
-    <p:sldId id="475" r:id="rId97"/>
-    <p:sldId id="476" r:id="rId98"/>
-    <p:sldId id="477" r:id="rId99"/>
+    <p:sldId id="267" r:id="rId40"/>
+    <p:sldId id="459" r:id="rId41"/>
+    <p:sldId id="460" r:id="rId42"/>
+    <p:sldId id="461" r:id="rId43"/>
+    <p:sldId id="462" r:id="rId44"/>
+    <p:sldId id="463" r:id="rId45"/>
+    <p:sldId id="464" r:id="rId46"/>
+    <p:sldId id="465" r:id="rId47"/>
+    <p:sldId id="466" r:id="rId48"/>
+    <p:sldId id="467" r:id="rId49"/>
+    <p:sldId id="468" r:id="rId50"/>
+    <p:sldId id="469" r:id="rId51"/>
+    <p:sldId id="470" r:id="rId52"/>
+    <p:sldId id="291" r:id="rId53"/>
+    <p:sldId id="471" r:id="rId54"/>
+    <p:sldId id="472" r:id="rId55"/>
+    <p:sldId id="473" r:id="rId56"/>
+    <p:sldId id="474" r:id="rId57"/>
+    <p:sldId id="475" r:id="rId58"/>
+    <p:sldId id="476" r:id="rId59"/>
+    <p:sldId id="477" r:id="rId60"/>
   </p:sldIdLst>
   <p:sldSz cx="9144000" cy="5143500" type="screen16x9"/>
   <p:notesSz cx="6858000" cy="9144000"/>
@@ -310,7 +271,7 @@
           <a:p>
             <a:fld id="{2F30D4D0-EAC7-4980-A92D-C26C9148BA0F}" type="datetimeFigureOut">
               <a:rPr lang="zh-TW" altLang="en-US" smtClean="0"/>
-              <a:t>2021/2/5</a:t>
+              <a:t>2021/3/6</a:t>
             </a:fld>
             <a:endParaRPr lang="zh-TW" altLang="en-US"/>
           </a:p>
@@ -1186,7 +1147,7 @@
           <a:p>
             <a:fld id="{5BBEAD13-0566-4C6C-97E7-55F17F24B09F}" type="datetimeFigureOut">
               <a:rPr lang="zh-TW" altLang="en-US" smtClean="0"/>
-              <a:t>2021/2/5</a:t>
+              <a:t>2021/3/6</a:t>
             </a:fld>
             <a:endParaRPr lang="zh-TW" altLang="en-US"/>
           </a:p>
@@ -1351,7 +1312,7 @@
           <a:p>
             <a:fld id="{5BBEAD13-0566-4C6C-97E7-55F17F24B09F}" type="datetimeFigureOut">
               <a:rPr lang="zh-TW" altLang="en-US" smtClean="0"/>
-              <a:t>2021/2/5</a:t>
+              <a:t>2021/3/6</a:t>
             </a:fld>
             <a:endParaRPr lang="zh-TW" altLang="en-US"/>
           </a:p>
@@ -1526,7 +1487,7 @@
           <a:p>
             <a:fld id="{5BBEAD13-0566-4C6C-97E7-55F17F24B09F}" type="datetimeFigureOut">
               <a:rPr lang="zh-TW" altLang="en-US" smtClean="0"/>
-              <a:t>2021/2/5</a:t>
+              <a:t>2021/3/6</a:t>
             </a:fld>
             <a:endParaRPr lang="zh-TW" altLang="en-US"/>
           </a:p>
@@ -1691,7 +1652,7 @@
           <a:p>
             <a:fld id="{5BBEAD13-0566-4C6C-97E7-55F17F24B09F}" type="datetimeFigureOut">
               <a:rPr lang="zh-TW" altLang="en-US" smtClean="0"/>
-              <a:t>2021/2/5</a:t>
+              <a:t>2021/3/6</a:t>
             </a:fld>
             <a:endParaRPr lang="zh-TW" altLang="en-US"/>
           </a:p>
@@ -1932,7 +1893,7 @@
           <a:p>
             <a:fld id="{5BBEAD13-0566-4C6C-97E7-55F17F24B09F}" type="datetimeFigureOut">
               <a:rPr lang="zh-TW" altLang="en-US" smtClean="0"/>
-              <a:t>2021/2/5</a:t>
+              <a:t>2021/3/6</a:t>
             </a:fld>
             <a:endParaRPr lang="zh-TW" altLang="en-US"/>
           </a:p>
@@ -2215,7 +2176,7 @@
           <a:p>
             <a:fld id="{5BBEAD13-0566-4C6C-97E7-55F17F24B09F}" type="datetimeFigureOut">
               <a:rPr lang="zh-TW" altLang="en-US" smtClean="0"/>
-              <a:t>2021/2/5</a:t>
+              <a:t>2021/3/6</a:t>
             </a:fld>
             <a:endParaRPr lang="zh-TW" altLang="en-US"/>
           </a:p>
@@ -2632,7 +2593,7 @@
           <a:p>
             <a:fld id="{5BBEAD13-0566-4C6C-97E7-55F17F24B09F}" type="datetimeFigureOut">
               <a:rPr lang="zh-TW" altLang="en-US" smtClean="0"/>
-              <a:t>2021/2/5</a:t>
+              <a:t>2021/3/6</a:t>
             </a:fld>
             <a:endParaRPr lang="zh-TW" altLang="en-US"/>
           </a:p>
@@ -2745,7 +2706,7 @@
           <a:p>
             <a:fld id="{5BBEAD13-0566-4C6C-97E7-55F17F24B09F}" type="datetimeFigureOut">
               <a:rPr lang="zh-TW" altLang="en-US" smtClean="0"/>
-              <a:t>2021/2/5</a:t>
+              <a:t>2021/3/6</a:t>
             </a:fld>
             <a:endParaRPr lang="zh-TW" altLang="en-US"/>
           </a:p>
@@ -2835,7 +2796,7 @@
           <a:p>
             <a:fld id="{5BBEAD13-0566-4C6C-97E7-55F17F24B09F}" type="datetimeFigureOut">
               <a:rPr lang="zh-TW" altLang="en-US" smtClean="0"/>
-              <a:t>2021/2/5</a:t>
+              <a:t>2021/3/6</a:t>
             </a:fld>
             <a:endParaRPr lang="zh-TW" altLang="en-US"/>
           </a:p>
@@ -3107,7 +3068,7 @@
           <a:p>
             <a:fld id="{5BBEAD13-0566-4C6C-97E7-55F17F24B09F}" type="datetimeFigureOut">
               <a:rPr lang="zh-TW" altLang="en-US" smtClean="0"/>
-              <a:t>2021/2/5</a:t>
+              <a:t>2021/3/6</a:t>
             </a:fld>
             <a:endParaRPr lang="zh-TW" altLang="en-US"/>
           </a:p>
@@ -3359,7 +3320,7 @@
           <a:p>
             <a:fld id="{5BBEAD13-0566-4C6C-97E7-55F17F24B09F}" type="datetimeFigureOut">
               <a:rPr lang="zh-TW" altLang="en-US" smtClean="0"/>
-              <a:t>2021/2/5</a:t>
+              <a:t>2021/3/6</a:t>
             </a:fld>
             <a:endParaRPr lang="zh-TW" altLang="en-US"/>
           </a:p>
@@ -3572,7 +3533,7 @@
           <a:p>
             <a:fld id="{5BBEAD13-0566-4C6C-97E7-55F17F24B09F}" type="datetimeFigureOut">
               <a:rPr lang="zh-TW" altLang="en-US" smtClean="0"/>
-              <a:t>2021/2/5</a:t>
+              <a:t>2021/3/6</a:t>
             </a:fld>
             <a:endParaRPr lang="zh-TW" altLang="en-US"/>
           </a:p>
@@ -6110,7 +6071,7 @@
         </p:nvSpPr>
         <p:spPr>
           <a:xfrm>
-            <a:off x="0" y="2143135"/>
+            <a:off x="0" y="1995686"/>
             <a:ext cx="9144000" cy="857250"/>
           </a:xfrm>
         </p:spPr>
@@ -8495,18 +8456,18 @@
       </p:grpSpPr>
       <p:sp>
         <p:nvSpPr>
-          <p:cNvPr id="4" name="標題 3"/>
-          <p:cNvSpPr>
-            <a:spLocks noGrp="1"/>
-          </p:cNvSpPr>
-          <p:nvPr>
-            <p:ph type="title"/>
+          <p:cNvPr id="2" name="標題 1"/>
+          <p:cNvSpPr>
+            <a:spLocks noGrp="1"/>
+          </p:cNvSpPr>
+          <p:nvPr>
+            <p:ph type="title" idx="4294967295"/>
           </p:nvPr>
         </p:nvSpPr>
         <p:spPr>
           <a:xfrm>
-            <a:off x="0" y="2143135"/>
-            <a:ext cx="9144000" cy="857250"/>
+            <a:off x="149" y="2257505"/>
+            <a:ext cx="9144000" cy="628650"/>
           </a:xfrm>
         </p:spPr>
         <p:txBody>
@@ -8516,9 +8477,9 @@
           <a:lstStyle/>
           <a:p>
             <a:r>
-              <a:rPr lang="zh-CN" altLang="en-US" sz="4000" b="1" u="sng" dirty="0" smtClean="0">
-                <a:solidFill>
-                  <a:srgbClr val="660033"/>
+              <a:rPr lang="zh-CN" altLang="en-US" sz="7200" b="1" dirty="0">
+                <a:solidFill>
+                  <a:srgbClr val="000066"/>
                 </a:solidFill>
                 <a:effectLst>
                   <a:outerShdw blurRad="38100" dist="38100" dir="2700000" algn="tl">
@@ -8530,12 +8491,12 @@
                 <a:latin typeface="微軟正黑體" pitchFamily="34" charset="-120"/>
                 <a:ea typeface="微軟正黑體" pitchFamily="34" charset="-120"/>
               </a:rPr>
-              <a:t>宣道詩 </a:t>
-            </a:r>
-            <a:r>
-              <a:rPr lang="en-US" altLang="zh-CN" sz="4000" b="1" u="sng" dirty="0" smtClean="0">
-                <a:solidFill>
-                  <a:srgbClr val="660033"/>
+              <a:t>家事分</a:t>
+            </a:r>
+            <a:r>
+              <a:rPr lang="zh-CN" altLang="en-US" sz="7200" b="1" dirty="0" smtClean="0">
+                <a:solidFill>
+                  <a:srgbClr val="000066"/>
                 </a:solidFill>
                 <a:effectLst>
                   <a:outerShdw blurRad="38100" dist="38100" dir="2700000" algn="tl">
@@ -8547,12 +8508,12 @@
                 <a:latin typeface="微軟正黑體" pitchFamily="34" charset="-120"/>
                 <a:ea typeface="微軟正黑體" pitchFamily="34" charset="-120"/>
               </a:rPr>
-              <a:t>100</a:t>
-            </a:r>
-            <a:r>
-              <a:rPr lang="en-US" altLang="zh-CN" sz="5400" b="1" i="1" dirty="0" smtClean="0">
-                <a:solidFill>
-                  <a:srgbClr val="660033"/>
+              <a:t>享代</a:t>
+            </a:r>
+            <a:r>
+              <a:rPr lang="zh-CN" altLang="en-US" sz="7200" b="1" dirty="0">
+                <a:solidFill>
+                  <a:srgbClr val="000066"/>
                 </a:solidFill>
                 <a:effectLst>
                   <a:outerShdw blurRad="38100" dist="38100" dir="2700000" algn="tl">
@@ -8564,59 +8525,9 @@
                 <a:latin typeface="微軟正黑體" pitchFamily="34" charset="-120"/>
                 <a:ea typeface="微軟正黑體" pitchFamily="34" charset="-120"/>
               </a:rPr>
-              <a:t/>
-            </a:r>
-            <a:br>
-              <a:rPr lang="en-US" altLang="zh-CN" sz="5400" b="1" i="1" dirty="0" smtClean="0">
-                <a:solidFill>
-                  <a:srgbClr val="660033"/>
-                </a:solidFill>
-                <a:effectLst>
-                  <a:outerShdw blurRad="38100" dist="38100" dir="2700000" algn="tl">
-                    <a:srgbClr val="000000">
-                      <a:alpha val="43137"/>
-                    </a:srgbClr>
-                  </a:outerShdw>
-                </a:effectLst>
-                <a:latin typeface="微軟正黑體" pitchFamily="34" charset="-120"/>
-                <a:ea typeface="微軟正黑體" pitchFamily="34" charset="-120"/>
-              </a:rPr>
-            </a:br>
-            <a:r>
-              <a:rPr lang="zh-CN" altLang="en-US" sz="6000" b="1" dirty="0" smtClean="0">
-                <a:solidFill>
-                  <a:srgbClr val="000066"/>
-                </a:solidFill>
-                <a:effectLst>
-                  <a:outerShdw blurRad="38100" dist="38100" dir="2700000" algn="tl">
-                    <a:srgbClr val="000000">
-                      <a:alpha val="43137"/>
-                    </a:srgbClr>
-                  </a:outerShdw>
-                </a:effectLst>
-                <a:latin typeface="微軟正黑體" pitchFamily="34" charset="-120"/>
-                <a:ea typeface="微軟正黑體" pitchFamily="34" charset="-120"/>
-              </a:rPr>
-              <a:t>主</a:t>
-            </a:r>
-            <a:r>
-              <a:rPr lang="zh-CN" altLang="en-US" sz="6000" b="1" dirty="0">
-                <a:solidFill>
-                  <a:srgbClr val="000066"/>
-                </a:solidFill>
-                <a:effectLst>
-                  <a:outerShdw blurRad="38100" dist="38100" dir="2700000" algn="tl">
-                    <a:srgbClr val="000000">
-                      <a:alpha val="43137"/>
-                    </a:srgbClr>
-                  </a:outerShdw>
-                </a:effectLst>
-                <a:latin typeface="微軟正黑體" pitchFamily="34" charset="-120"/>
-                <a:ea typeface="微軟正黑體" pitchFamily="34" charset="-120"/>
-              </a:rPr>
-              <a:t>我來就袮</a:t>
-            </a:r>
-            <a:endParaRPr lang="zh-TW" altLang="en-US" sz="6000" b="1" dirty="0">
+              <a:t>禱</a:t>
+            </a:r>
+            <a:endParaRPr lang="zh-TW" altLang="en-US" sz="7200" b="1" dirty="0">
               <a:solidFill>
                 <a:srgbClr val="000066"/>
               </a:solidFill>
@@ -8634,11 +8545,6 @@
         </p:txBody>
       </p:sp>
     </p:spTree>
-    <p:extLst>
-      <p:ext uri="{BB962C8B-B14F-4D97-AF65-F5344CB8AC3E}">
-        <p14:creationId xmlns:p14="http://schemas.microsoft.com/office/powerpoint/2010/main" val="815254712"/>
-      </p:ext>
-    </p:extLst>
   </p:cSld>
   <p:clrMapOvr>
     <a:masterClrMapping/>
@@ -8753,125 +8659,73 @@
       </p:grpSpPr>
       <p:sp>
         <p:nvSpPr>
-          <p:cNvPr id="5" name="內容版面配置區 4"/>
-          <p:cNvSpPr>
-            <a:spLocks noGrp="1"/>
-          </p:cNvSpPr>
-          <p:nvPr>
-            <p:ph idx="1"/>
+          <p:cNvPr id="4" name="標題 3"/>
+          <p:cNvSpPr>
+            <a:spLocks noGrp="1"/>
+          </p:cNvSpPr>
+          <p:nvPr>
+            <p:ph type="title"/>
           </p:nvPr>
         </p:nvSpPr>
         <p:spPr>
           <a:xfrm>
-            <a:off x="0" y="1563638"/>
-            <a:ext cx="9144000" cy="1803647"/>
+            <a:off x="0" y="2143135"/>
+            <a:ext cx="9144000" cy="857250"/>
           </a:xfrm>
         </p:spPr>
         <p:txBody>
-          <a:bodyPr anchor="ctr">
-            <a:normAutofit/>
+          <a:bodyPr>
+            <a:noAutofit/>
           </a:bodyPr>
           <a:lstStyle/>
           <a:p>
-            <a:pPr algn="ctr">
-              <a:buNone/>
-            </a:pPr>
-            <a:r>
-              <a:rPr lang="zh-CN" altLang="en-US" sz="4800" b="1" dirty="0">
+            <a:r>
+              <a:rPr lang="zh-CN" altLang="en-US" sz="7200" b="1" dirty="0" smtClean="0">
                 <a:solidFill>
                   <a:srgbClr val="000066"/>
                 </a:solidFill>
-                <a:latin typeface="Microsoft JhengHei" pitchFamily="34" charset="-120"/>
-                <a:ea typeface="Microsoft JhengHei" pitchFamily="34" charset="-120"/>
-              </a:rPr>
-              <a:t>救主歡喜聲音 </a:t>
-            </a:r>
-            <a:endParaRPr lang="en-US" altLang="zh-CN" sz="4800" b="1" dirty="0" smtClean="0">
+                <a:effectLst>
+                  <a:outerShdw blurRad="38100" dist="38100" dir="2700000" algn="tl">
+                    <a:srgbClr val="000000">
+                      <a:alpha val="43137"/>
+                    </a:srgbClr>
+                  </a:outerShdw>
+                </a:effectLst>
+                <a:latin typeface="微軟正黑體" pitchFamily="34" charset="-120"/>
+                <a:ea typeface="微軟正黑體" pitchFamily="34" charset="-120"/>
+              </a:rPr>
+              <a:t>三</a:t>
+            </a:r>
+            <a:r>
+              <a:rPr lang="zh-CN" altLang="en-US" sz="7200" b="1" dirty="0">
+                <a:solidFill>
+                  <a:srgbClr val="000066"/>
+                </a:solidFill>
+                <a:effectLst>
+                  <a:outerShdw blurRad="38100" dist="38100" dir="2700000" algn="tl">
+                    <a:srgbClr val="000000">
+                      <a:alpha val="43137"/>
+                    </a:srgbClr>
+                  </a:outerShdw>
+                </a:effectLst>
+                <a:latin typeface="微軟正黑體" pitchFamily="34" charset="-120"/>
+                <a:ea typeface="微軟正黑體" pitchFamily="34" charset="-120"/>
+              </a:rPr>
+              <a:t>一頌</a:t>
+            </a:r>
+            <a:endParaRPr lang="zh-TW" altLang="en-US" sz="7200" b="1" dirty="0">
               <a:solidFill>
                 <a:srgbClr val="000066"/>
               </a:solidFill>
-              <a:latin typeface="Microsoft JhengHei" pitchFamily="34" charset="-120"/>
-              <a:ea typeface="Microsoft JhengHei" pitchFamily="34" charset="-120"/>
-            </a:endParaRPr>
-          </a:p>
-          <a:p>
-            <a:pPr algn="ctr">
-              <a:buNone/>
-            </a:pPr>
-            <a:r>
-              <a:rPr lang="zh-CN" altLang="en-US" sz="4800" b="1" dirty="0" smtClean="0">
-                <a:solidFill>
-                  <a:srgbClr val="000066"/>
-                </a:solidFill>
-                <a:latin typeface="Microsoft JhengHei" pitchFamily="34" charset="-120"/>
-                <a:ea typeface="Microsoft JhengHei" pitchFamily="34" charset="-120"/>
-              </a:rPr>
-              <a:t>我</a:t>
-            </a:r>
-            <a:r>
-              <a:rPr lang="zh-CN" altLang="en-US" sz="4800" b="1" dirty="0">
-                <a:solidFill>
-                  <a:srgbClr val="000066"/>
-                </a:solidFill>
-                <a:latin typeface="Microsoft JhengHei" pitchFamily="34" charset="-120"/>
-                <a:ea typeface="Microsoft JhengHei" pitchFamily="34" charset="-120"/>
-              </a:rPr>
-              <a:t>今願前來</a:t>
-            </a:r>
-            <a:r>
-              <a:rPr lang="zh-CN" altLang="en-US" sz="4800" b="1" dirty="0" smtClean="0">
-                <a:solidFill>
-                  <a:srgbClr val="000066"/>
-                </a:solidFill>
-                <a:latin typeface="Microsoft JhengHei" pitchFamily="34" charset="-120"/>
-                <a:ea typeface="Microsoft JhengHei" pitchFamily="34" charset="-120"/>
-              </a:rPr>
-              <a:t>聽</a:t>
-            </a:r>
-            <a:endParaRPr lang="en-US" altLang="zh-CN" sz="4800" b="1" dirty="0">
-              <a:solidFill>
-                <a:srgbClr val="000066"/>
-              </a:solidFill>
-              <a:latin typeface="Microsoft JhengHei" pitchFamily="34" charset="-120"/>
-              <a:ea typeface="Microsoft JhengHei" pitchFamily="34" charset="-120"/>
-            </a:endParaRPr>
-          </a:p>
-        </p:txBody>
-      </p:sp>
-      <p:sp>
-        <p:nvSpPr>
-          <p:cNvPr id="3" name="TextBox 2"/>
-          <p:cNvSpPr txBox="1"/>
-          <p:nvPr/>
-        </p:nvSpPr>
-        <p:spPr>
-          <a:xfrm>
-            <a:off x="827584" y="1661525"/>
-            <a:ext cx="936104" cy="830997"/>
-          </a:xfrm>
-          <a:prstGeom prst="rect">
-            <a:avLst/>
-          </a:prstGeom>
-          <a:noFill/>
-        </p:spPr>
-        <p:txBody>
-          <a:bodyPr wrap="square" rtlCol="0">
-            <a:spAutoFit/>
-          </a:bodyPr>
-          <a:lstStyle/>
-          <a:p>
-            <a:r>
-              <a:rPr lang="en-US" sz="4800" b="1" dirty="0" smtClean="0">
-                <a:solidFill>
-                  <a:srgbClr val="000066"/>
-                </a:solidFill>
-              </a:rPr>
-              <a:t>1.</a:t>
-            </a:r>
-            <a:endParaRPr lang="vi-VN" sz="4800" b="1" dirty="0">
-              <a:solidFill>
-                <a:srgbClr val="000066"/>
-              </a:solidFill>
+              <a:effectLst>
+                <a:outerShdw blurRad="38100" dist="38100" dir="2700000" algn="tl">
+                  <a:srgbClr val="000000">
+                    <a:alpha val="43137"/>
+                  </a:srgbClr>
+                </a:outerShdw>
+              </a:effectLst>
+              <a:latin typeface="微軟正黑體" pitchFamily="34" charset="-120"/>
+              <a:ea typeface="微軟正黑體" pitchFamily="34" charset="-120"/>
             </a:endParaRPr>
           </a:p>
         </p:txBody>
@@ -8879,7 +8733,7 @@
     </p:spTree>
     <p:extLst>
       <p:ext uri="{BB962C8B-B14F-4D97-AF65-F5344CB8AC3E}">
-        <p14:creationId xmlns:p14="http://schemas.microsoft.com/office/powerpoint/2010/main" val="3230806567"/>
+        <p14:creationId xmlns:p14="http://schemas.microsoft.com/office/powerpoint/2010/main" val="3856766224"/>
       </p:ext>
     </p:extLst>
   </p:cSld>
@@ -8936,17 +8790,31 @@
                 <a:solidFill>
                   <a:srgbClr val="000066"/>
                 </a:solidFill>
-                <a:latin typeface="Microsoft JhengHei" pitchFamily="34" charset="-120"/>
-                <a:ea typeface="Microsoft JhengHei" pitchFamily="34" charset="-120"/>
-              </a:rPr>
-              <a:t>為我罪惡流出寶血</a:t>
+                <a:effectLst>
+                  <a:outerShdw blurRad="50000" dist="30000" dir="5400000" algn="tl" rotWithShape="0">
+                    <a:srgbClr val="000000">
+                      <a:alpha val="30000"/>
+                    </a:srgbClr>
+                  </a:outerShdw>
+                </a:effectLst>
+                <a:latin typeface="微軟正黑體" pitchFamily="34" charset="-120"/>
+                <a:ea typeface="微軟正黑體" pitchFamily="34" charset="-120"/>
+              </a:rPr>
+              <a:t>讚美天父愛世慈仁</a:t>
             </a:r>
             <a:endParaRPr lang="en-US" altLang="zh-CN" sz="4800" b="1" dirty="0">
               <a:solidFill>
                 <a:srgbClr val="000066"/>
               </a:solidFill>
-              <a:latin typeface="Microsoft JhengHei" pitchFamily="34" charset="-120"/>
-              <a:ea typeface="Microsoft JhengHei" pitchFamily="34" charset="-120"/>
+              <a:effectLst>
+                <a:outerShdw blurRad="50000" dist="30000" dir="5400000" algn="tl" rotWithShape="0">
+                  <a:srgbClr val="000000">
+                    <a:alpha val="30000"/>
+                  </a:srgbClr>
+                </a:outerShdw>
+              </a:effectLst>
+              <a:latin typeface="微軟正黑體" pitchFamily="34" charset="-120"/>
+              <a:ea typeface="微軟正黑體" pitchFamily="34" charset="-120"/>
             </a:endParaRPr>
           </a:p>
           <a:p>
@@ -8958,55 +8826,31 @@
                 <a:solidFill>
                   <a:srgbClr val="000066"/>
                 </a:solidFill>
-                <a:latin typeface="Microsoft JhengHei" pitchFamily="34" charset="-120"/>
-                <a:ea typeface="Microsoft JhengHei" pitchFamily="34" charset="-120"/>
-              </a:rPr>
-              <a:t>使我能得生命</a:t>
+                <a:effectLst>
+                  <a:outerShdw blurRad="50000" dist="30000" dir="5400000" algn="tl" rotWithShape="0">
+                    <a:srgbClr val="000000">
+                      <a:alpha val="30000"/>
+                    </a:srgbClr>
+                  </a:outerShdw>
+                </a:effectLst>
+                <a:latin typeface="微軟正黑體" pitchFamily="34" charset="-120"/>
+                <a:ea typeface="微軟正黑體" pitchFamily="34" charset="-120"/>
+              </a:rPr>
+              <a:t>讚美耶穌代贖洪恩</a:t>
             </a:r>
             <a:endParaRPr lang="en-US" altLang="zh-CN" sz="4800" b="1" dirty="0">
               <a:solidFill>
                 <a:srgbClr val="000066"/>
               </a:solidFill>
-              <a:latin typeface="Microsoft JhengHei" pitchFamily="34" charset="-120"/>
-              <a:ea typeface="Microsoft JhengHei" pitchFamily="34" charset="-120"/>
-            </a:endParaRPr>
-          </a:p>
-        </p:txBody>
-      </p:sp>
-      <p:sp>
-        <p:nvSpPr>
-          <p:cNvPr id="3" name="TextBox 2"/>
-          <p:cNvSpPr txBox="1"/>
-          <p:nvPr/>
-        </p:nvSpPr>
-        <p:spPr>
-          <a:xfrm>
-            <a:off x="827584" y="1661525"/>
-            <a:ext cx="936104" cy="830997"/>
-          </a:xfrm>
-          <a:prstGeom prst="rect">
-            <a:avLst/>
-          </a:prstGeom>
-          <a:noFill/>
-        </p:spPr>
-        <p:txBody>
-          <a:bodyPr wrap="square" rtlCol="0">
-            <a:spAutoFit/>
-          </a:bodyPr>
-          <a:lstStyle/>
-          <a:p>
-            <a:r>
-              <a:rPr lang="en-US" sz="4800" b="1" dirty="0" smtClean="0">
-                <a:solidFill>
-                  <a:srgbClr val="000066"/>
-                </a:solidFill>
-              </a:rPr>
-              <a:t>1.</a:t>
-            </a:r>
-            <a:endParaRPr lang="vi-VN" sz="4800" b="1" dirty="0">
-              <a:solidFill>
-                <a:srgbClr val="000066"/>
-              </a:solidFill>
+              <a:effectLst>
+                <a:outerShdw blurRad="50000" dist="30000" dir="5400000" algn="tl" rotWithShape="0">
+                  <a:srgbClr val="000000">
+                    <a:alpha val="30000"/>
+                  </a:srgbClr>
+                </a:outerShdw>
+              </a:effectLst>
+              <a:latin typeface="微軟正黑體" pitchFamily="34" charset="-120"/>
+              <a:ea typeface="微軟正黑體" pitchFamily="34" charset="-120"/>
             </a:endParaRPr>
           </a:p>
         </p:txBody>
@@ -9014,7 +8858,7 @@
     </p:spTree>
     <p:extLst>
       <p:ext uri="{BB962C8B-B14F-4D97-AF65-F5344CB8AC3E}">
-        <p14:creationId xmlns:p14="http://schemas.microsoft.com/office/powerpoint/2010/main" val="1380446531"/>
+        <p14:creationId xmlns:p14="http://schemas.microsoft.com/office/powerpoint/2010/main" val="4258810467"/>
       </p:ext>
     </p:extLst>
   </p:cSld>
@@ -9071,17 +8915,31 @@
                 <a:solidFill>
                   <a:srgbClr val="000066"/>
                 </a:solidFill>
-                <a:latin typeface="Microsoft JhengHei" pitchFamily="34" charset="-120"/>
-                <a:ea typeface="Microsoft JhengHei" pitchFamily="34" charset="-120"/>
-              </a:rPr>
-              <a:t>主我來就袮  我今來就袮</a:t>
+                <a:effectLst>
+                  <a:outerShdw blurRad="50000" dist="30000" dir="5400000" algn="tl" rotWithShape="0">
+                    <a:srgbClr val="000000">
+                      <a:alpha val="30000"/>
+                    </a:srgbClr>
+                  </a:outerShdw>
+                </a:effectLst>
+                <a:latin typeface="微軟正黑體" pitchFamily="34" charset="-120"/>
+                <a:ea typeface="微軟正黑體" pitchFamily="34" charset="-120"/>
+              </a:rPr>
+              <a:t>讚美聖靈開我茅塞</a:t>
             </a:r>
             <a:endParaRPr lang="en-US" altLang="zh-CN" sz="4800" b="1" dirty="0">
               <a:solidFill>
                 <a:srgbClr val="000066"/>
               </a:solidFill>
-              <a:latin typeface="Microsoft JhengHei" pitchFamily="34" charset="-120"/>
-              <a:ea typeface="Microsoft JhengHei" pitchFamily="34" charset="-120"/>
+              <a:effectLst>
+                <a:outerShdw blurRad="50000" dist="30000" dir="5400000" algn="tl" rotWithShape="0">
+                  <a:srgbClr val="000000">
+                    <a:alpha val="30000"/>
+                  </a:srgbClr>
+                </a:outerShdw>
+              </a:effectLst>
+              <a:latin typeface="微軟正黑體" pitchFamily="34" charset="-120"/>
+              <a:ea typeface="微軟正黑體" pitchFamily="34" charset="-120"/>
             </a:endParaRPr>
           </a:p>
           <a:p>
@@ -9093,37 +8951,31 @@
                 <a:solidFill>
                   <a:srgbClr val="000066"/>
                 </a:solidFill>
-                <a:latin typeface="Microsoft JhengHei" pitchFamily="34" charset="-120"/>
-                <a:ea typeface="Microsoft JhengHei" pitchFamily="34" charset="-120"/>
-              </a:rPr>
-              <a:t>救主所流的寶血</a:t>
-            </a:r>
-            <a:r>
-              <a:rPr lang="en-US" altLang="zh-CN" sz="4800" b="1" dirty="0">
-                <a:solidFill>
-                  <a:srgbClr val="000066"/>
-                </a:solidFill>
-                <a:latin typeface="Microsoft JhengHei" pitchFamily="34" charset="-120"/>
-                <a:ea typeface="Microsoft JhengHei" pitchFamily="34" charset="-120"/>
-              </a:rPr>
-              <a:t>  </a:t>
-            </a:r>
-            <a:r>
-              <a:rPr lang="zh-CN" altLang="en-US" sz="4800" b="1" dirty="0">
-                <a:solidFill>
-                  <a:srgbClr val="000066"/>
-                </a:solidFill>
-                <a:latin typeface="Microsoft JhengHei" pitchFamily="34" charset="-120"/>
-                <a:ea typeface="Microsoft JhengHei" pitchFamily="34" charset="-120"/>
-              </a:rPr>
-              <a:t>洗我罪惡清潔</a:t>
+                <a:effectLst>
+                  <a:outerShdw blurRad="50000" dist="30000" dir="5400000" algn="tl" rotWithShape="0">
+                    <a:srgbClr val="000000">
+                      <a:alpha val="30000"/>
+                    </a:srgbClr>
+                  </a:outerShdw>
+                </a:effectLst>
+                <a:latin typeface="微軟正黑體" pitchFamily="34" charset="-120"/>
+                <a:ea typeface="微軟正黑體" pitchFamily="34" charset="-120"/>
+              </a:rPr>
+              <a:t>讚美三位合一真神</a:t>
             </a:r>
             <a:endParaRPr lang="zh-TW" altLang="en-US" sz="4800" b="1" dirty="0">
               <a:solidFill>
                 <a:srgbClr val="000066"/>
               </a:solidFill>
-              <a:latin typeface="Microsoft JhengHei" pitchFamily="34" charset="-120"/>
-              <a:ea typeface="Microsoft JhengHei" pitchFamily="34" charset="-120"/>
+              <a:effectLst>
+                <a:outerShdw blurRad="50000" dist="30000" dir="5400000" algn="tl" rotWithShape="0">
+                  <a:srgbClr val="000000">
+                    <a:alpha val="30000"/>
+                  </a:srgbClr>
+                </a:outerShdw>
+              </a:effectLst>
+              <a:latin typeface="微軟正黑體" pitchFamily="34" charset="-120"/>
+              <a:ea typeface="微軟正黑體" pitchFamily="34" charset="-120"/>
             </a:endParaRPr>
           </a:p>
         </p:txBody>
@@ -9131,7 +8983,7 @@
     </p:spTree>
     <p:extLst>
       <p:ext uri="{BB962C8B-B14F-4D97-AF65-F5344CB8AC3E}">
-        <p14:creationId xmlns:p14="http://schemas.microsoft.com/office/powerpoint/2010/main" val="3341003235"/>
+        <p14:creationId xmlns:p14="http://schemas.microsoft.com/office/powerpoint/2010/main" val="3198951544"/>
       </p:ext>
     </p:extLst>
   </p:cSld>
@@ -9160,123 +9012,73 @@
       </p:grpSpPr>
       <p:sp>
         <p:nvSpPr>
-          <p:cNvPr id="5" name="內容版面配置區 4"/>
-          <p:cNvSpPr>
-            <a:spLocks noGrp="1"/>
-          </p:cNvSpPr>
-          <p:nvPr>
-            <p:ph idx="1"/>
+          <p:cNvPr id="4" name="標題 3"/>
+          <p:cNvSpPr>
+            <a:spLocks noGrp="1"/>
+          </p:cNvSpPr>
+          <p:nvPr>
+            <p:ph type="title"/>
           </p:nvPr>
         </p:nvSpPr>
         <p:spPr>
           <a:xfrm>
-            <a:off x="0" y="1563638"/>
-            <a:ext cx="9144000" cy="1803647"/>
+            <a:off x="0" y="2143135"/>
+            <a:ext cx="9144000" cy="857250"/>
           </a:xfrm>
         </p:spPr>
         <p:txBody>
-          <a:bodyPr anchor="ctr">
-            <a:normAutofit/>
+          <a:bodyPr>
+            <a:noAutofit/>
           </a:bodyPr>
           <a:lstStyle/>
           <a:p>
-            <a:pPr algn="ctr">
-              <a:buNone/>
-            </a:pPr>
-            <a:r>
-              <a:rPr lang="zh-CN" altLang="en-US" sz="4800" b="1" dirty="0">
-                <a:solidFill>
-                  <a:srgbClr val="000066"/>
-                </a:solidFill>
-                <a:latin typeface="Microsoft JhengHei" pitchFamily="34" charset="-120"/>
-                <a:ea typeface="Microsoft JhengHei" pitchFamily="34" charset="-120"/>
-              </a:rPr>
-              <a:t>我這可惡罪人  </a:t>
-            </a:r>
-            <a:endParaRPr lang="en-US" altLang="zh-CN" sz="4800" b="1" dirty="0" smtClean="0">
+            <a:r>
+              <a:rPr lang="zh-CN" altLang="en-US" sz="7200" b="1" dirty="0" smtClean="0">
+                <a:solidFill>
+                  <a:srgbClr val="660033"/>
+                </a:solidFill>
+                <a:effectLst>
+                  <a:outerShdw blurRad="38100" dist="38100" dir="2700000" algn="tl">
+                    <a:srgbClr val="000000">
+                      <a:alpha val="43137"/>
+                    </a:srgbClr>
+                  </a:outerShdw>
+                </a:effectLst>
+                <a:latin typeface="微軟正黑體" pitchFamily="34" charset="-120"/>
+                <a:ea typeface="微軟正黑體" pitchFamily="34" charset="-120"/>
+              </a:rPr>
+              <a:t>公</a:t>
+            </a:r>
+            <a:r>
+              <a:rPr lang="zh-CN" altLang="en-US" sz="7200" b="1" dirty="0">
+                <a:solidFill>
+                  <a:srgbClr val="660033"/>
+                </a:solidFill>
+                <a:effectLst>
+                  <a:outerShdw blurRad="38100" dist="38100" dir="2700000" algn="tl">
+                    <a:srgbClr val="000000">
+                      <a:alpha val="43137"/>
+                    </a:srgbClr>
+                  </a:outerShdw>
+                </a:effectLst>
+                <a:latin typeface="微軟正黑體" pitchFamily="34" charset="-120"/>
+                <a:ea typeface="微軟正黑體" pitchFamily="34" charset="-120"/>
+              </a:rPr>
+              <a:t>禱文</a:t>
+            </a:r>
+            <a:endParaRPr lang="zh-TW" altLang="en-US" sz="7200" b="1" dirty="0">
               <a:solidFill>
-                <a:srgbClr val="000066"/>
+                <a:srgbClr val="660033"/>
               </a:solidFill>
-              <a:latin typeface="Microsoft JhengHei" pitchFamily="34" charset="-120"/>
-              <a:ea typeface="Microsoft JhengHei" pitchFamily="34" charset="-120"/>
-            </a:endParaRPr>
-          </a:p>
-          <a:p>
-            <a:pPr algn="ctr">
-              <a:buNone/>
-            </a:pPr>
-            <a:r>
-              <a:rPr lang="zh-CN" altLang="en-US" sz="4800" b="1" dirty="0" smtClean="0">
-                <a:solidFill>
-                  <a:srgbClr val="000066"/>
-                </a:solidFill>
-                <a:latin typeface="Microsoft JhengHei" pitchFamily="34" charset="-120"/>
-                <a:ea typeface="Microsoft JhengHei" pitchFamily="34" charset="-120"/>
-              </a:rPr>
-              <a:t>行</a:t>
-            </a:r>
-            <a:r>
-              <a:rPr lang="zh-CN" altLang="en-US" sz="4800" b="1" dirty="0">
-                <a:solidFill>
-                  <a:srgbClr val="000066"/>
-                </a:solidFill>
-                <a:latin typeface="Microsoft JhengHei" pitchFamily="34" charset="-120"/>
-                <a:ea typeface="Microsoft JhengHei" pitchFamily="34" charset="-120"/>
-              </a:rPr>
-              <a:t>善毫無能力</a:t>
-            </a:r>
-            <a:endParaRPr lang="en-US" altLang="zh-CN" sz="4800" b="1" dirty="0">
-              <a:solidFill>
-                <a:srgbClr val="000066"/>
-              </a:solidFill>
-              <a:latin typeface="Microsoft JhengHei" pitchFamily="34" charset="-120"/>
-              <a:ea typeface="Microsoft JhengHei" pitchFamily="34" charset="-120"/>
-            </a:endParaRPr>
-          </a:p>
-        </p:txBody>
-      </p:sp>
-      <p:sp>
-        <p:nvSpPr>
-          <p:cNvPr id="3" name="TextBox 2"/>
-          <p:cNvSpPr txBox="1"/>
-          <p:nvPr/>
-        </p:nvSpPr>
-        <p:spPr>
-          <a:xfrm>
-            <a:off x="827584" y="1661525"/>
-            <a:ext cx="936104" cy="830997"/>
-          </a:xfrm>
-          <a:prstGeom prst="rect">
-            <a:avLst/>
-          </a:prstGeom>
-          <a:noFill/>
-        </p:spPr>
-        <p:txBody>
-          <a:bodyPr wrap="square" rtlCol="0">
-            <a:spAutoFit/>
-          </a:bodyPr>
-          <a:lstStyle/>
-          <a:p>
-            <a:r>
-              <a:rPr lang="en-US" sz="4800" b="1" dirty="0">
-                <a:solidFill>
-                  <a:srgbClr val="000066"/>
-                </a:solidFill>
-              </a:rPr>
-              <a:t>2</a:t>
-            </a:r>
-            <a:r>
-              <a:rPr lang="en-US" sz="4800" b="1" dirty="0" smtClean="0">
-                <a:solidFill>
-                  <a:srgbClr val="000066"/>
-                </a:solidFill>
-              </a:rPr>
-              <a:t>.</a:t>
-            </a:r>
-            <a:endParaRPr lang="vi-VN" sz="4800" b="1" dirty="0">
-              <a:solidFill>
-                <a:srgbClr val="000066"/>
-              </a:solidFill>
+              <a:effectLst>
+                <a:outerShdw blurRad="38100" dist="38100" dir="2700000" algn="tl">
+                  <a:srgbClr val="000000">
+                    <a:alpha val="43137"/>
+                  </a:srgbClr>
+                </a:outerShdw>
+              </a:effectLst>
+              <a:latin typeface="微軟正黑體" pitchFamily="34" charset="-120"/>
+              <a:ea typeface="微軟正黑體" pitchFamily="34" charset="-120"/>
             </a:endParaRPr>
           </a:p>
         </p:txBody>
@@ -9284,7 +9086,7 @@
     </p:spTree>
     <p:extLst>
       <p:ext uri="{BB962C8B-B14F-4D97-AF65-F5344CB8AC3E}">
-        <p14:creationId xmlns:p14="http://schemas.microsoft.com/office/powerpoint/2010/main" val="325317521"/>
+        <p14:creationId xmlns:p14="http://schemas.microsoft.com/office/powerpoint/2010/main" val="3678965060"/>
       </p:ext>
     </p:extLst>
   </p:cSld>
@@ -9339,19 +9141,33 @@
             <a:r>
               <a:rPr lang="zh-CN" altLang="en-US" sz="4800" b="1" dirty="0">
                 <a:solidFill>
-                  <a:srgbClr val="000066"/>
-                </a:solidFill>
-                <a:latin typeface="Microsoft JhengHei" pitchFamily="34" charset="-120"/>
-                <a:ea typeface="Microsoft JhengHei" pitchFamily="34" charset="-120"/>
-              </a:rPr>
-              <a:t>惟主寶血永無更變</a:t>
+                  <a:srgbClr val="660033"/>
+                </a:solidFill>
+                <a:effectLst>
+                  <a:outerShdw blurRad="50000" dist="30000" dir="5400000" algn="tl" rotWithShape="0">
+                    <a:srgbClr val="000000">
+                      <a:alpha val="30000"/>
+                    </a:srgbClr>
+                  </a:outerShdw>
+                </a:effectLst>
+                <a:latin typeface="微軟正黑體" pitchFamily="34" charset="-120"/>
+                <a:ea typeface="微軟正黑體" pitchFamily="34" charset="-120"/>
+              </a:rPr>
+              <a:t>我們在天上的父</a:t>
             </a:r>
             <a:endParaRPr lang="en-US" altLang="zh-CN" sz="4800" b="1" dirty="0">
               <a:solidFill>
-                <a:srgbClr val="000066"/>
+                <a:srgbClr val="660033"/>
               </a:solidFill>
-              <a:latin typeface="Microsoft JhengHei" pitchFamily="34" charset="-120"/>
-              <a:ea typeface="Microsoft JhengHei" pitchFamily="34" charset="-120"/>
+              <a:effectLst>
+                <a:outerShdw blurRad="50000" dist="30000" dir="5400000" algn="tl" rotWithShape="0">
+                  <a:srgbClr val="000000">
+                    <a:alpha val="30000"/>
+                  </a:srgbClr>
+                </a:outerShdw>
+              </a:effectLst>
+              <a:latin typeface="微軟正黑體" pitchFamily="34" charset="-120"/>
+              <a:ea typeface="微軟正黑體" pitchFamily="34" charset="-120"/>
             </a:endParaRPr>
           </a:p>
           <a:p>
@@ -9361,65 +9177,33 @@
             <a:r>
               <a:rPr lang="zh-CN" altLang="en-US" sz="4800" b="1" dirty="0">
                 <a:solidFill>
-                  <a:srgbClr val="000066"/>
-                </a:solidFill>
-                <a:latin typeface="Microsoft JhengHei" pitchFamily="34" charset="-120"/>
-                <a:ea typeface="Microsoft JhengHei" pitchFamily="34" charset="-120"/>
-              </a:rPr>
-              <a:t>洗淨心裡罪愆</a:t>
+                  <a:srgbClr val="660033"/>
+                </a:solidFill>
+                <a:effectLst>
+                  <a:outerShdw blurRad="50000" dist="30000" dir="5400000" algn="tl" rotWithShape="0">
+                    <a:srgbClr val="000000">
+                      <a:alpha val="30000"/>
+                    </a:srgbClr>
+                  </a:outerShdw>
+                </a:effectLst>
+                <a:latin typeface="微軟正黑體" pitchFamily="34" charset="-120"/>
+                <a:ea typeface="微軟正黑體" pitchFamily="34" charset="-120"/>
+              </a:rPr>
+              <a:t>願人都尊父的名為聖</a:t>
             </a:r>
             <a:endParaRPr lang="en-US" altLang="zh-CN" sz="4800" b="1" dirty="0">
               <a:solidFill>
-                <a:srgbClr val="000066"/>
+                <a:srgbClr val="660033"/>
               </a:solidFill>
-              <a:latin typeface="Microsoft JhengHei" pitchFamily="34" charset="-120"/>
-              <a:ea typeface="Microsoft JhengHei" pitchFamily="34" charset="-120"/>
-            </a:endParaRPr>
-          </a:p>
-        </p:txBody>
-      </p:sp>
-      <p:sp>
-        <p:nvSpPr>
-          <p:cNvPr id="3" name="TextBox 2"/>
-          <p:cNvSpPr txBox="1"/>
-          <p:nvPr/>
-        </p:nvSpPr>
-        <p:spPr>
-          <a:xfrm>
-            <a:off x="827584" y="1661525"/>
-            <a:ext cx="936104" cy="830997"/>
-          </a:xfrm>
-          <a:prstGeom prst="rect">
-            <a:avLst/>
-          </a:prstGeom>
-          <a:noFill/>
-        </p:spPr>
-        <p:txBody>
-          <a:bodyPr wrap="square" rtlCol="0">
-            <a:spAutoFit/>
-          </a:bodyPr>
-          <a:lstStyle/>
-          <a:p>
-            <a:r>
-              <a:rPr lang="en-US" sz="4800" b="1" dirty="0">
-                <a:solidFill>
-                  <a:srgbClr val="000066"/>
-                </a:solidFill>
-              </a:rPr>
-              <a:t>2</a:t>
-            </a:r>
-            <a:r>
-              <a:rPr lang="en-US" sz="4800" b="1" dirty="0" smtClean="0">
-                <a:solidFill>
-                  <a:srgbClr val="000066"/>
-                </a:solidFill>
-              </a:rPr>
-              <a:t>.</a:t>
-            </a:r>
-            <a:endParaRPr lang="vi-VN" sz="4800" b="1" dirty="0">
-              <a:solidFill>
-                <a:srgbClr val="000066"/>
-              </a:solidFill>
+              <a:effectLst>
+                <a:outerShdw blurRad="50000" dist="30000" dir="5400000" algn="tl" rotWithShape="0">
+                  <a:srgbClr val="000000">
+                    <a:alpha val="30000"/>
+                  </a:srgbClr>
+                </a:outerShdw>
+              </a:effectLst>
+              <a:latin typeface="微軟正黑體" pitchFamily="34" charset="-120"/>
+              <a:ea typeface="微軟正黑體" pitchFamily="34" charset="-120"/>
             </a:endParaRPr>
           </a:p>
         </p:txBody>
@@ -9427,7 +9211,7 @@
     </p:spTree>
     <p:extLst>
       <p:ext uri="{BB962C8B-B14F-4D97-AF65-F5344CB8AC3E}">
-        <p14:creationId xmlns:p14="http://schemas.microsoft.com/office/powerpoint/2010/main" val="1006953290"/>
+        <p14:creationId xmlns:p14="http://schemas.microsoft.com/office/powerpoint/2010/main" val="2306578235"/>
       </p:ext>
     </p:extLst>
   </p:cSld>
@@ -9482,19 +9266,33 @@
             <a:r>
               <a:rPr lang="zh-CN" altLang="en-US" sz="4800" b="1" dirty="0">
                 <a:solidFill>
-                  <a:srgbClr val="000066"/>
-                </a:solidFill>
-                <a:latin typeface="Microsoft JhengHei" pitchFamily="34" charset="-120"/>
-                <a:ea typeface="Microsoft JhengHei" pitchFamily="34" charset="-120"/>
-              </a:rPr>
-              <a:t>主我來就袮  我今來就袮</a:t>
+                  <a:srgbClr val="660033"/>
+                </a:solidFill>
+                <a:effectLst>
+                  <a:outerShdw blurRad="50000" dist="30000" dir="5400000" algn="tl" rotWithShape="0">
+                    <a:srgbClr val="000000">
+                      <a:alpha val="30000"/>
+                    </a:srgbClr>
+                  </a:outerShdw>
+                </a:effectLst>
+                <a:latin typeface="微軟正黑體" pitchFamily="34" charset="-120"/>
+                <a:ea typeface="微軟正黑體" pitchFamily="34" charset="-120"/>
+              </a:rPr>
+              <a:t>願父的國降臨</a:t>
             </a:r>
             <a:endParaRPr lang="en-US" altLang="zh-CN" sz="4800" b="1" dirty="0">
               <a:solidFill>
-                <a:srgbClr val="000066"/>
+                <a:srgbClr val="660033"/>
               </a:solidFill>
-              <a:latin typeface="Microsoft JhengHei" pitchFamily="34" charset="-120"/>
-              <a:ea typeface="Microsoft JhengHei" pitchFamily="34" charset="-120"/>
+              <a:effectLst>
+                <a:outerShdw blurRad="50000" dist="30000" dir="5400000" algn="tl" rotWithShape="0">
+                  <a:srgbClr val="000000">
+                    <a:alpha val="30000"/>
+                  </a:srgbClr>
+                </a:outerShdw>
+              </a:effectLst>
+              <a:latin typeface="微軟正黑體" pitchFamily="34" charset="-120"/>
+              <a:ea typeface="微軟正黑體" pitchFamily="34" charset="-120"/>
             </a:endParaRPr>
           </a:p>
           <a:p>
@@ -9504,39 +9302,33 @@
             <a:r>
               <a:rPr lang="zh-CN" altLang="en-US" sz="4800" b="1" dirty="0">
                 <a:solidFill>
-                  <a:srgbClr val="000066"/>
-                </a:solidFill>
-                <a:latin typeface="Microsoft JhengHei" pitchFamily="34" charset="-120"/>
-                <a:ea typeface="Microsoft JhengHei" pitchFamily="34" charset="-120"/>
-              </a:rPr>
-              <a:t>救主所流的寶血</a:t>
-            </a:r>
-            <a:r>
-              <a:rPr lang="en-US" altLang="zh-CN" sz="4800" b="1" dirty="0">
-                <a:solidFill>
-                  <a:srgbClr val="000066"/>
-                </a:solidFill>
-                <a:latin typeface="Microsoft JhengHei" pitchFamily="34" charset="-120"/>
-                <a:ea typeface="Microsoft JhengHei" pitchFamily="34" charset="-120"/>
-              </a:rPr>
-              <a:t>  </a:t>
-            </a:r>
-            <a:r>
-              <a:rPr lang="zh-CN" altLang="en-US" sz="4800" b="1" dirty="0">
-                <a:solidFill>
-                  <a:srgbClr val="000066"/>
-                </a:solidFill>
-                <a:latin typeface="Microsoft JhengHei" pitchFamily="34" charset="-120"/>
-                <a:ea typeface="Microsoft JhengHei" pitchFamily="34" charset="-120"/>
-              </a:rPr>
-              <a:t>洗我罪惡清潔</a:t>
-            </a:r>
-            <a:endParaRPr lang="zh-TW" altLang="en-US" sz="4800" b="1" dirty="0">
+                  <a:srgbClr val="660033"/>
+                </a:solidFill>
+                <a:effectLst>
+                  <a:outerShdw blurRad="50000" dist="30000" dir="5400000" algn="tl" rotWithShape="0">
+                    <a:srgbClr val="000000">
+                      <a:alpha val="30000"/>
+                    </a:srgbClr>
+                  </a:outerShdw>
+                </a:effectLst>
+                <a:latin typeface="微軟正黑體" pitchFamily="34" charset="-120"/>
+                <a:ea typeface="微軟正黑體" pitchFamily="34" charset="-120"/>
+              </a:rPr>
+              <a:t>願父的旨意行在地上</a:t>
+            </a:r>
+            <a:endParaRPr lang="en-US" altLang="zh-CN" sz="4800" b="1" dirty="0">
               <a:solidFill>
-                <a:srgbClr val="000066"/>
+                <a:srgbClr val="660033"/>
               </a:solidFill>
-              <a:latin typeface="Microsoft JhengHei" pitchFamily="34" charset="-120"/>
-              <a:ea typeface="Microsoft JhengHei" pitchFamily="34" charset="-120"/>
+              <a:effectLst>
+                <a:outerShdw blurRad="50000" dist="30000" dir="5400000" algn="tl" rotWithShape="0">
+                  <a:srgbClr val="000000">
+                    <a:alpha val="30000"/>
+                  </a:srgbClr>
+                </a:outerShdw>
+              </a:effectLst>
+              <a:latin typeface="微軟正黑體" pitchFamily="34" charset="-120"/>
+              <a:ea typeface="微軟正黑體" pitchFamily="34" charset="-120"/>
             </a:endParaRPr>
           </a:p>
         </p:txBody>
@@ -9544,7 +9336,7 @@
     </p:spTree>
     <p:extLst>
       <p:ext uri="{BB962C8B-B14F-4D97-AF65-F5344CB8AC3E}">
-        <p14:creationId xmlns:p14="http://schemas.microsoft.com/office/powerpoint/2010/main" val="4119505024"/>
+        <p14:creationId xmlns:p14="http://schemas.microsoft.com/office/powerpoint/2010/main" val="1726235318"/>
       </p:ext>
     </p:extLst>
   </p:cSld>
@@ -9594,110 +9386,38 @@
           <a:lstStyle/>
           <a:p>
             <a:pPr algn="ctr">
-              <a:lnSpc>
-                <a:spcPct val="90000"/>
-              </a:lnSpc>
               <a:buNone/>
             </a:pPr>
             <a:r>
               <a:rPr lang="zh-CN" altLang="en-US" sz="4800" b="1" dirty="0">
                 <a:solidFill>
-                  <a:srgbClr val="000066"/>
-                </a:solidFill>
-                <a:latin typeface="Microsoft JhengHei" pitchFamily="34" charset="-120"/>
-                <a:ea typeface="Microsoft JhengHei" pitchFamily="34" charset="-120"/>
-              </a:rPr>
-              <a:t>求主賞賜聖靈</a:t>
-            </a:r>
-            <a:r>
-              <a:rPr lang="en-US" altLang="zh-CN" sz="4800" b="1" dirty="0">
-                <a:solidFill>
-                  <a:srgbClr val="000066"/>
-                </a:solidFill>
-                <a:latin typeface="Microsoft JhengHei" pitchFamily="34" charset="-120"/>
-                <a:ea typeface="Microsoft JhengHei" pitchFamily="34" charset="-120"/>
-              </a:rPr>
-              <a:t>  </a:t>
-            </a:r>
-            <a:endParaRPr lang="en-US" altLang="zh-CN" sz="4800" b="1" dirty="0" smtClean="0">
+                  <a:srgbClr val="660033"/>
+                </a:solidFill>
+                <a:effectLst>
+                  <a:outerShdw blurRad="50000" dist="30000" dir="5400000" algn="tl" rotWithShape="0">
+                    <a:srgbClr val="000000">
+                      <a:alpha val="30000"/>
+                    </a:srgbClr>
+                  </a:outerShdw>
+                </a:effectLst>
+                <a:latin typeface="微軟正黑體" pitchFamily="34" charset="-120"/>
+                <a:ea typeface="微軟正黑體" pitchFamily="34" charset="-120"/>
+              </a:rPr>
+              <a:t>如同行在天上</a:t>
+            </a:r>
+            <a:endParaRPr lang="zh-TW" altLang="en-US" sz="4800" b="1" dirty="0">
               <a:solidFill>
-                <a:srgbClr val="000066"/>
+                <a:srgbClr val="660033"/>
               </a:solidFill>
-              <a:latin typeface="Microsoft JhengHei" pitchFamily="34" charset="-120"/>
-              <a:ea typeface="Microsoft JhengHei" pitchFamily="34" charset="-120"/>
-            </a:endParaRPr>
-          </a:p>
-          <a:p>
-            <a:pPr algn="ctr">
-              <a:lnSpc>
-                <a:spcPct val="90000"/>
-              </a:lnSpc>
-              <a:buNone/>
-            </a:pPr>
-            <a:r>
-              <a:rPr lang="zh-CN" altLang="en-US" sz="4800" b="1" dirty="0" smtClean="0">
-                <a:solidFill>
-                  <a:srgbClr val="000066"/>
-                </a:solidFill>
-                <a:latin typeface="Microsoft JhengHei" pitchFamily="34" charset="-120"/>
-                <a:ea typeface="Microsoft JhengHei" pitchFamily="34" charset="-120"/>
-              </a:rPr>
-              <a:t>激</a:t>
-            </a:r>
-            <a:r>
-              <a:rPr lang="zh-CN" altLang="en-US" sz="4800" b="1" dirty="0">
-                <a:solidFill>
-                  <a:srgbClr val="000066"/>
-                </a:solidFill>
-                <a:latin typeface="Microsoft JhengHei" pitchFamily="34" charset="-120"/>
-                <a:ea typeface="Microsoft JhengHei" pitchFamily="34" charset="-120"/>
-              </a:rPr>
-              <a:t>發愛主熱心</a:t>
-            </a:r>
-            <a:endParaRPr lang="en-US" altLang="zh-CN" sz="4800" b="1" dirty="0">
-              <a:solidFill>
-                <a:srgbClr val="000066"/>
-              </a:solidFill>
-              <a:latin typeface="Microsoft JhengHei" pitchFamily="34" charset="-120"/>
-              <a:ea typeface="Microsoft JhengHei" pitchFamily="34" charset="-120"/>
-            </a:endParaRPr>
-          </a:p>
-        </p:txBody>
-      </p:sp>
-      <p:sp>
-        <p:nvSpPr>
-          <p:cNvPr id="3" name="TextBox 2"/>
-          <p:cNvSpPr txBox="1"/>
-          <p:nvPr/>
-        </p:nvSpPr>
-        <p:spPr>
-          <a:xfrm>
-            <a:off x="827584" y="1661525"/>
-            <a:ext cx="936104" cy="830997"/>
-          </a:xfrm>
-          <a:prstGeom prst="rect">
-            <a:avLst/>
-          </a:prstGeom>
-          <a:noFill/>
-        </p:spPr>
-        <p:txBody>
-          <a:bodyPr wrap="square" rtlCol="0">
-            <a:spAutoFit/>
-          </a:bodyPr>
-          <a:lstStyle/>
-          <a:p>
-            <a:r>
-              <a:rPr lang="en-US" sz="4800" b="1" dirty="0" smtClean="0">
-                <a:solidFill>
-                  <a:srgbClr val="000066"/>
-                </a:solidFill>
-              </a:rPr>
-              <a:t>3.</a:t>
-            </a:r>
-            <a:endParaRPr lang="vi-VN" sz="4800" b="1" dirty="0">
-              <a:solidFill>
-                <a:srgbClr val="000066"/>
-              </a:solidFill>
+              <a:effectLst>
+                <a:outerShdw blurRad="50000" dist="30000" dir="5400000" algn="tl" rotWithShape="0">
+                  <a:srgbClr val="000000">
+                    <a:alpha val="30000"/>
+                  </a:srgbClr>
+                </a:outerShdw>
+              </a:effectLst>
+              <a:latin typeface="微軟正黑體" pitchFamily="34" charset="-120"/>
+              <a:ea typeface="微軟正黑體" pitchFamily="34" charset="-120"/>
             </a:endParaRPr>
           </a:p>
         </p:txBody>
@@ -9705,7 +9425,7 @@
     </p:spTree>
     <p:extLst>
       <p:ext uri="{BB962C8B-B14F-4D97-AF65-F5344CB8AC3E}">
-        <p14:creationId xmlns:p14="http://schemas.microsoft.com/office/powerpoint/2010/main" val="60798354"/>
+        <p14:creationId xmlns:p14="http://schemas.microsoft.com/office/powerpoint/2010/main" val="588642297"/>
       </p:ext>
     </p:extLst>
   </p:cSld>
@@ -9755,90 +9475,74 @@
           <a:lstStyle/>
           <a:p>
             <a:pPr algn="ctr">
-              <a:lnSpc>
-                <a:spcPct val="90000"/>
-              </a:lnSpc>
               <a:buNone/>
             </a:pPr>
             <a:r>
               <a:rPr lang="zh-CN" altLang="en-US" sz="4800" b="1" dirty="0">
                 <a:solidFill>
-                  <a:srgbClr val="000066"/>
-                </a:solidFill>
-                <a:latin typeface="Microsoft JhengHei" pitchFamily="34" charset="-120"/>
-                <a:ea typeface="Microsoft JhengHei" pitchFamily="34" charset="-120"/>
-              </a:rPr>
-              <a:t>引導罪人歸向耶穌</a:t>
+                  <a:srgbClr val="660033"/>
+                </a:solidFill>
+                <a:effectLst>
+                  <a:outerShdw blurRad="50000" dist="30000" dir="5400000" algn="tl" rotWithShape="0">
+                    <a:srgbClr val="000000">
+                      <a:alpha val="30000"/>
+                    </a:srgbClr>
+                  </a:outerShdw>
+                </a:effectLst>
+                <a:latin typeface="微軟正黑體" pitchFamily="34" charset="-120"/>
+                <a:ea typeface="微軟正黑體" pitchFamily="34" charset="-120"/>
+              </a:rPr>
+              <a:t>我們日用的飲食</a:t>
             </a:r>
             <a:endParaRPr lang="en-US" altLang="zh-CN" sz="4800" b="1" dirty="0">
               <a:solidFill>
-                <a:srgbClr val="000066"/>
+                <a:srgbClr val="660033"/>
               </a:solidFill>
-              <a:latin typeface="Microsoft JhengHei" pitchFamily="34" charset="-120"/>
-              <a:ea typeface="Microsoft JhengHei" pitchFamily="34" charset="-120"/>
+              <a:effectLst>
+                <a:outerShdw blurRad="50000" dist="30000" dir="5400000" algn="tl" rotWithShape="0">
+                  <a:srgbClr val="000000">
+                    <a:alpha val="30000"/>
+                  </a:srgbClr>
+                </a:outerShdw>
+              </a:effectLst>
+              <a:latin typeface="微軟正黑體" pitchFamily="34" charset="-120"/>
+              <a:ea typeface="微軟正黑體" pitchFamily="34" charset="-120"/>
             </a:endParaRPr>
           </a:p>
           <a:p>
             <a:pPr algn="ctr">
-              <a:lnSpc>
-                <a:spcPct val="90000"/>
-              </a:lnSpc>
               <a:buNone/>
             </a:pPr>
             <a:r>
               <a:rPr lang="zh-CN" altLang="en-US" sz="4800" b="1" dirty="0">
                 <a:solidFill>
-                  <a:srgbClr val="000066"/>
-                </a:solidFill>
-                <a:latin typeface="Microsoft JhengHei" pitchFamily="34" charset="-120"/>
-                <a:ea typeface="Microsoft JhengHei" pitchFamily="34" charset="-120"/>
-              </a:rPr>
-              <a:t>使主教會復興</a:t>
+                  <a:srgbClr val="660033"/>
+                </a:solidFill>
+                <a:effectLst>
+                  <a:outerShdw blurRad="50000" dist="30000" dir="5400000" algn="tl" rotWithShape="0">
+                    <a:srgbClr val="000000">
+                      <a:alpha val="30000"/>
+                    </a:srgbClr>
+                  </a:outerShdw>
+                </a:effectLst>
+                <a:latin typeface="微軟正黑體" pitchFamily="34" charset="-120"/>
+                <a:ea typeface="微軟正黑體" pitchFamily="34" charset="-120"/>
+              </a:rPr>
+              <a:t>今日賜給我們</a:t>
             </a:r>
             <a:endParaRPr lang="en-US" altLang="zh-CN" sz="4800" b="1" dirty="0">
               <a:solidFill>
-                <a:srgbClr val="000066"/>
+                <a:srgbClr val="660033"/>
               </a:solidFill>
-              <a:latin typeface="Microsoft JhengHei" pitchFamily="34" charset="-120"/>
-              <a:ea typeface="Microsoft JhengHei" pitchFamily="34" charset="-120"/>
-            </a:endParaRPr>
-          </a:p>
-        </p:txBody>
-      </p:sp>
-      <p:sp>
-        <p:nvSpPr>
-          <p:cNvPr id="3" name="TextBox 2"/>
-          <p:cNvSpPr txBox="1"/>
-          <p:nvPr/>
-        </p:nvSpPr>
-        <p:spPr>
-          <a:xfrm>
-            <a:off x="827584" y="1661525"/>
-            <a:ext cx="936104" cy="830997"/>
-          </a:xfrm>
-          <a:prstGeom prst="rect">
-            <a:avLst/>
-          </a:prstGeom>
-          <a:noFill/>
-        </p:spPr>
-        <p:txBody>
-          <a:bodyPr wrap="square" rtlCol="0">
-            <a:spAutoFit/>
-          </a:bodyPr>
-          <a:lstStyle/>
-          <a:p>
-            <a:r>
-              <a:rPr lang="en-US" sz="4800" b="1" dirty="0" smtClean="0">
-                <a:solidFill>
-                  <a:srgbClr val="000066"/>
-                </a:solidFill>
-              </a:rPr>
-              <a:t>3.</a:t>
-            </a:r>
-            <a:endParaRPr lang="vi-VN" sz="4800" b="1" dirty="0">
-              <a:solidFill>
-                <a:srgbClr val="000066"/>
-              </a:solidFill>
+              <a:effectLst>
+                <a:outerShdw blurRad="50000" dist="30000" dir="5400000" algn="tl" rotWithShape="0">
+                  <a:srgbClr val="000000">
+                    <a:alpha val="30000"/>
+                  </a:srgbClr>
+                </a:outerShdw>
+              </a:effectLst>
+              <a:latin typeface="微軟正黑體" pitchFamily="34" charset="-120"/>
+              <a:ea typeface="微軟正黑體" pitchFamily="34" charset="-120"/>
             </a:endParaRPr>
           </a:p>
         </p:txBody>
@@ -9846,7 +9550,7 @@
     </p:spTree>
     <p:extLst>
       <p:ext uri="{BB962C8B-B14F-4D97-AF65-F5344CB8AC3E}">
-        <p14:creationId xmlns:p14="http://schemas.microsoft.com/office/powerpoint/2010/main" val="4070827866"/>
+        <p14:creationId xmlns:p14="http://schemas.microsoft.com/office/powerpoint/2010/main" val="1319233991"/>
       </p:ext>
     </p:extLst>
   </p:cSld>
@@ -9901,19 +9605,33 @@
             <a:r>
               <a:rPr lang="zh-CN" altLang="en-US" sz="4800" b="1" dirty="0">
                 <a:solidFill>
-                  <a:srgbClr val="000066"/>
-                </a:solidFill>
-                <a:latin typeface="Microsoft JhengHei" pitchFamily="34" charset="-120"/>
-                <a:ea typeface="Microsoft JhengHei" pitchFamily="34" charset="-120"/>
-              </a:rPr>
-              <a:t>主我來就袮  我今來就袮</a:t>
+                  <a:srgbClr val="660033"/>
+                </a:solidFill>
+                <a:effectLst>
+                  <a:outerShdw blurRad="50000" dist="30000" dir="5400000" algn="tl" rotWithShape="0">
+                    <a:srgbClr val="000000">
+                      <a:alpha val="30000"/>
+                    </a:srgbClr>
+                  </a:outerShdw>
+                </a:effectLst>
+                <a:latin typeface="微軟正黑體" pitchFamily="34" charset="-120"/>
+                <a:ea typeface="微軟正黑體" pitchFamily="34" charset="-120"/>
+              </a:rPr>
+              <a:t>免我們的債</a:t>
             </a:r>
             <a:endParaRPr lang="en-US" altLang="zh-CN" sz="4800" b="1" dirty="0">
               <a:solidFill>
-                <a:srgbClr val="000066"/>
+                <a:srgbClr val="660033"/>
               </a:solidFill>
-              <a:latin typeface="Microsoft JhengHei" pitchFamily="34" charset="-120"/>
-              <a:ea typeface="Microsoft JhengHei" pitchFamily="34" charset="-120"/>
+              <a:effectLst>
+                <a:outerShdw blurRad="50000" dist="30000" dir="5400000" algn="tl" rotWithShape="0">
+                  <a:srgbClr val="000000">
+                    <a:alpha val="30000"/>
+                  </a:srgbClr>
+                </a:outerShdw>
+              </a:effectLst>
+              <a:latin typeface="微軟正黑體" pitchFamily="34" charset="-120"/>
+              <a:ea typeface="微軟正黑體" pitchFamily="34" charset="-120"/>
             </a:endParaRPr>
           </a:p>
           <a:p>
@@ -9923,39 +9641,33 @@
             <a:r>
               <a:rPr lang="zh-CN" altLang="en-US" sz="4800" b="1" dirty="0">
                 <a:solidFill>
-                  <a:srgbClr val="000066"/>
-                </a:solidFill>
-                <a:latin typeface="Microsoft JhengHei" pitchFamily="34" charset="-120"/>
-                <a:ea typeface="Microsoft JhengHei" pitchFamily="34" charset="-120"/>
-              </a:rPr>
-              <a:t>救主所流的寶血</a:t>
-            </a:r>
-            <a:r>
-              <a:rPr lang="en-US" altLang="zh-CN" sz="4800" b="1" dirty="0">
-                <a:solidFill>
-                  <a:srgbClr val="000066"/>
-                </a:solidFill>
-                <a:latin typeface="Microsoft JhengHei" pitchFamily="34" charset="-120"/>
-                <a:ea typeface="Microsoft JhengHei" pitchFamily="34" charset="-120"/>
-              </a:rPr>
-              <a:t>  </a:t>
-            </a:r>
-            <a:r>
-              <a:rPr lang="zh-CN" altLang="en-US" sz="4800" b="1" dirty="0">
-                <a:solidFill>
-                  <a:srgbClr val="000066"/>
-                </a:solidFill>
-                <a:latin typeface="Microsoft JhengHei" pitchFamily="34" charset="-120"/>
-                <a:ea typeface="Microsoft JhengHei" pitchFamily="34" charset="-120"/>
-              </a:rPr>
-              <a:t>洗我罪惡清潔</a:t>
+                  <a:srgbClr val="660033"/>
+                </a:solidFill>
+                <a:effectLst>
+                  <a:outerShdw blurRad="50000" dist="30000" dir="5400000" algn="tl" rotWithShape="0">
+                    <a:srgbClr val="000000">
+                      <a:alpha val="30000"/>
+                    </a:srgbClr>
+                  </a:outerShdw>
+                </a:effectLst>
+                <a:latin typeface="微軟正黑體" pitchFamily="34" charset="-120"/>
+                <a:ea typeface="微軟正黑體" pitchFamily="34" charset="-120"/>
+              </a:rPr>
+              <a:t>如同我們免了人的債</a:t>
             </a:r>
             <a:endParaRPr lang="zh-TW" altLang="en-US" sz="4800" b="1" dirty="0">
               <a:solidFill>
-                <a:srgbClr val="000066"/>
+                <a:srgbClr val="660033"/>
               </a:solidFill>
-              <a:latin typeface="Microsoft JhengHei" pitchFamily="34" charset="-120"/>
-              <a:ea typeface="Microsoft JhengHei" pitchFamily="34" charset="-120"/>
+              <a:effectLst>
+                <a:outerShdw blurRad="50000" dist="30000" dir="5400000" algn="tl" rotWithShape="0">
+                  <a:srgbClr val="000000">
+                    <a:alpha val="30000"/>
+                  </a:srgbClr>
+                </a:outerShdw>
+              </a:effectLst>
+              <a:latin typeface="微軟正黑體" pitchFamily="34" charset="-120"/>
+              <a:ea typeface="微軟正黑體" pitchFamily="34" charset="-120"/>
             </a:endParaRPr>
           </a:p>
         </p:txBody>
@@ -9963,7 +9675,7 @@
     </p:spTree>
     <p:extLst>
       <p:ext uri="{BB962C8B-B14F-4D97-AF65-F5344CB8AC3E}">
-        <p14:creationId xmlns:p14="http://schemas.microsoft.com/office/powerpoint/2010/main" val="3991296862"/>
+        <p14:creationId xmlns:p14="http://schemas.microsoft.com/office/powerpoint/2010/main" val="2058767591"/>
       </p:ext>
     </p:extLst>
   </p:cSld>
@@ -10008,113 +9720,79 @@
         </p:spPr>
         <p:txBody>
           <a:bodyPr anchor="ctr">
-            <a:normAutofit lnSpcReduction="10000"/>
+            <a:normAutofit/>
           </a:bodyPr>
           <a:lstStyle/>
           <a:p>
             <a:pPr algn="ctr">
-              <a:lnSpc>
-                <a:spcPct val="110000"/>
-              </a:lnSpc>
               <a:buNone/>
             </a:pPr>
             <a:r>
               <a:rPr lang="zh-CN" altLang="en-US" sz="4800" b="1" dirty="0">
                 <a:solidFill>
-                  <a:srgbClr val="000066"/>
-                </a:solidFill>
-                <a:latin typeface="Microsoft JhengHei" pitchFamily="34" charset="-120"/>
-                <a:ea typeface="Microsoft JhengHei" pitchFamily="34" charset="-120"/>
-              </a:rPr>
-              <a:t>美哉贖罪</a:t>
-            </a:r>
-            <a:r>
-              <a:rPr lang="zh-CN" altLang="en-US" sz="4800" b="1" dirty="0" smtClean="0">
-                <a:solidFill>
-                  <a:srgbClr val="000066"/>
-                </a:solidFill>
-                <a:latin typeface="Microsoft JhengHei" pitchFamily="34" charset="-120"/>
-                <a:ea typeface="Microsoft JhengHei" pitchFamily="34" charset="-120"/>
-              </a:rPr>
-              <a:t>寶血</a:t>
+                  <a:srgbClr val="660033"/>
+                </a:solidFill>
+                <a:effectLst>
+                  <a:outerShdw blurRad="50000" dist="30000" dir="5400000" algn="tl" rotWithShape="0">
+                    <a:srgbClr val="000000">
+                      <a:alpha val="30000"/>
+                    </a:srgbClr>
+                  </a:outerShdw>
+                </a:effectLst>
+                <a:latin typeface="微軟正黑體" pitchFamily="34" charset="-120"/>
+                <a:ea typeface="微軟正黑體" pitchFamily="34" charset="-120"/>
+              </a:rPr>
+              <a:t>不叫我們遇見試探</a:t>
             </a:r>
             <a:endParaRPr lang="en-US" altLang="zh-CN" sz="4800" b="1" dirty="0">
               <a:solidFill>
-                <a:srgbClr val="000066"/>
+                <a:srgbClr val="660033"/>
               </a:solidFill>
-              <a:latin typeface="Microsoft JhengHei" pitchFamily="34" charset="-120"/>
-              <a:ea typeface="Microsoft JhengHei" pitchFamily="34" charset="-120"/>
+              <a:effectLst>
+                <a:outerShdw blurRad="50000" dist="30000" dir="5400000" algn="tl" rotWithShape="0">
+                  <a:srgbClr val="000000">
+                    <a:alpha val="30000"/>
+                  </a:srgbClr>
+                </a:outerShdw>
+              </a:effectLst>
+              <a:latin typeface="微軟正黑體" pitchFamily="34" charset="-120"/>
+              <a:ea typeface="微軟正黑體" pitchFamily="34" charset="-120"/>
             </a:endParaRPr>
           </a:p>
           <a:p>
             <a:pPr algn="ctr">
-              <a:lnSpc>
-                <a:spcPct val="110000"/>
-              </a:lnSpc>
               <a:buNone/>
             </a:pPr>
             <a:r>
-              <a:rPr lang="zh-CN" altLang="en-US" sz="4800" b="1" dirty="0" smtClean="0">
-                <a:solidFill>
-                  <a:srgbClr val="000066"/>
-                </a:solidFill>
-                <a:latin typeface="Microsoft JhengHei" pitchFamily="34" charset="-120"/>
-                <a:ea typeface="Microsoft JhengHei" pitchFamily="34" charset="-120"/>
-              </a:rPr>
-              <a:t>大哉十架能力</a:t>
+              <a:rPr lang="zh-CN" altLang="en-US" sz="4800" b="1" dirty="0">
+                <a:solidFill>
+                  <a:srgbClr val="660033"/>
+                </a:solidFill>
+                <a:effectLst>
+                  <a:outerShdw blurRad="50000" dist="30000" dir="5400000" algn="tl" rotWithShape="0">
+                    <a:srgbClr val="000000">
+                      <a:alpha val="30000"/>
+                    </a:srgbClr>
+                  </a:outerShdw>
+                </a:effectLst>
+                <a:latin typeface="微軟正黑體" pitchFamily="34" charset="-120"/>
+                <a:ea typeface="微軟正黑體" pitchFamily="34" charset="-120"/>
+              </a:rPr>
+              <a:t>救我們脫離兇惡</a:t>
             </a:r>
             <a:endParaRPr lang="en-US" altLang="zh-CN" sz="4800" b="1" dirty="0">
               <a:solidFill>
-                <a:srgbClr val="000066"/>
+                <a:srgbClr val="660033"/>
               </a:solidFill>
-              <a:latin typeface="Microsoft JhengHei" pitchFamily="34" charset="-120"/>
-              <a:ea typeface="Microsoft JhengHei" pitchFamily="34" charset="-120"/>
-            </a:endParaRPr>
-          </a:p>
-        </p:txBody>
-      </p:sp>
-      <p:sp>
-        <p:nvSpPr>
-          <p:cNvPr id="3" name="TextBox 2"/>
-          <p:cNvSpPr txBox="1"/>
-          <p:nvPr/>
-        </p:nvSpPr>
-        <p:spPr>
-          <a:xfrm>
-            <a:off x="827584" y="1661525"/>
-            <a:ext cx="936104" cy="830997"/>
-          </a:xfrm>
-          <a:prstGeom prst="rect">
-            <a:avLst/>
-          </a:prstGeom>
-          <a:noFill/>
-        </p:spPr>
-        <p:txBody>
-          <a:bodyPr wrap="square" rtlCol="0">
-            <a:spAutoFit/>
-          </a:bodyPr>
-          <a:lstStyle/>
-          <a:p>
-            <a:r>
-              <a:rPr lang="en-US" sz="4800" b="1" dirty="0">
-                <a:solidFill>
-                  <a:srgbClr val="000066"/>
-                </a:solidFill>
-              </a:rPr>
-              <a:t>4</a:t>
-            </a:r>
-            <a:r>
-              <a:rPr lang="en-US" sz="4800" b="1" dirty="0" smtClean="0">
-                <a:solidFill>
-                  <a:srgbClr val="000066"/>
-                </a:solidFill>
-              </a:rPr>
-              <a:t>.</a:t>
-            </a:r>
-            <a:endParaRPr lang="vi-VN" sz="4800" b="1" dirty="0">
-              <a:solidFill>
-                <a:srgbClr val="000066"/>
-              </a:solidFill>
+              <a:effectLst>
+                <a:outerShdw blurRad="50000" dist="30000" dir="5400000" algn="tl" rotWithShape="0">
+                  <a:srgbClr val="000000">
+                    <a:alpha val="30000"/>
+                  </a:srgbClr>
+                </a:outerShdw>
+              </a:effectLst>
+              <a:latin typeface="微軟正黑體" pitchFamily="34" charset="-120"/>
+              <a:ea typeface="微軟正黑體" pitchFamily="34" charset="-120"/>
             </a:endParaRPr>
           </a:p>
         </p:txBody>
@@ -10122,7 +9800,7 @@
     </p:spTree>
     <p:extLst>
       <p:ext uri="{BB962C8B-B14F-4D97-AF65-F5344CB8AC3E}">
-        <p14:creationId xmlns:p14="http://schemas.microsoft.com/office/powerpoint/2010/main" val="3916208534"/>
+        <p14:creationId xmlns:p14="http://schemas.microsoft.com/office/powerpoint/2010/main" val="2627005698"/>
       </p:ext>
     </p:extLst>
   </p:cSld>
@@ -10259,103 +9937,113 @@
         </p:spPr>
         <p:txBody>
           <a:bodyPr anchor="ctr">
-            <a:normAutofit lnSpcReduction="10000"/>
+            <a:normAutofit/>
           </a:bodyPr>
           <a:lstStyle/>
           <a:p>
             <a:pPr algn="ctr">
-              <a:lnSpc>
-                <a:spcPct val="110000"/>
-              </a:lnSpc>
               <a:buNone/>
             </a:pPr>
             <a:r>
               <a:rPr lang="zh-CN" altLang="en-US" sz="4800" b="1" dirty="0">
                 <a:solidFill>
-                  <a:srgbClr val="000066"/>
-                </a:solidFill>
-                <a:latin typeface="Microsoft JhengHei" pitchFamily="34" charset="-120"/>
-                <a:ea typeface="Microsoft JhengHei" pitchFamily="34" charset="-120"/>
-              </a:rPr>
-              <a:t>奇哉耶穌替我受死</a:t>
+                  <a:srgbClr val="660033"/>
+                </a:solidFill>
+                <a:effectLst>
+                  <a:outerShdw blurRad="50000" dist="30000" dir="5400000" algn="tl" rotWithShape="0">
+                    <a:srgbClr val="000000">
+                      <a:alpha val="30000"/>
+                    </a:srgbClr>
+                  </a:outerShdw>
+                </a:effectLst>
+                <a:latin typeface="微軟正黑體" pitchFamily="34" charset="-120"/>
+                <a:ea typeface="微軟正黑體" pitchFamily="34" charset="-120"/>
+              </a:rPr>
+              <a:t>因為國度  權柄  榮耀</a:t>
             </a:r>
             <a:endParaRPr lang="en-US" altLang="zh-CN" sz="4800" b="1" dirty="0">
               <a:solidFill>
-                <a:srgbClr val="000066"/>
+                <a:srgbClr val="660033"/>
               </a:solidFill>
-              <a:latin typeface="Microsoft JhengHei" pitchFamily="34" charset="-120"/>
-              <a:ea typeface="Microsoft JhengHei" pitchFamily="34" charset="-120"/>
+              <a:effectLst>
+                <a:outerShdw blurRad="50000" dist="30000" dir="5400000" algn="tl" rotWithShape="0">
+                  <a:srgbClr val="000000">
+                    <a:alpha val="30000"/>
+                  </a:srgbClr>
+                </a:outerShdw>
+              </a:effectLst>
+              <a:latin typeface="微軟正黑體" pitchFamily="34" charset="-120"/>
+              <a:ea typeface="微軟正黑體" pitchFamily="34" charset="-120"/>
             </a:endParaRPr>
           </a:p>
           <a:p>
             <a:pPr algn="ctr">
-              <a:lnSpc>
-                <a:spcPct val="110000"/>
-              </a:lnSpc>
               <a:buNone/>
             </a:pPr>
             <a:r>
               <a:rPr lang="zh-CN" altLang="en-US" sz="4800" b="1" dirty="0">
                 <a:solidFill>
-                  <a:srgbClr val="000066"/>
-                </a:solidFill>
-                <a:latin typeface="Microsoft JhengHei" pitchFamily="34" charset="-120"/>
-                <a:ea typeface="Microsoft JhengHei" pitchFamily="34" charset="-120"/>
-              </a:rPr>
-              <a:t>我要愛主到底</a:t>
-            </a:r>
-            <a:endParaRPr lang="en-US" altLang="zh-CN" sz="4800" b="1" dirty="0">
+                  <a:srgbClr val="660033"/>
+                </a:solidFill>
+                <a:effectLst>
+                  <a:outerShdw blurRad="50000" dist="30000" dir="5400000" algn="tl" rotWithShape="0">
+                    <a:srgbClr val="000000">
+                      <a:alpha val="30000"/>
+                    </a:srgbClr>
+                  </a:outerShdw>
+                </a:effectLst>
+                <a:latin typeface="微軟正黑體" pitchFamily="34" charset="-120"/>
+                <a:ea typeface="微軟正黑體" pitchFamily="34" charset="-120"/>
+              </a:rPr>
+              <a:t>全是父的  直到永遠</a:t>
+            </a:r>
+            <a:r>
+              <a:rPr lang="en-US" altLang="zh-CN" sz="4800" b="1" dirty="0">
+                <a:solidFill>
+                  <a:srgbClr val="660033"/>
+                </a:solidFill>
+                <a:effectLst>
+                  <a:outerShdw blurRad="50000" dist="30000" dir="5400000" algn="tl" rotWithShape="0">
+                    <a:srgbClr val="000000">
+                      <a:alpha val="30000"/>
+                    </a:srgbClr>
+                  </a:outerShdw>
+                </a:effectLst>
+                <a:latin typeface="微軟正黑體" pitchFamily="34" charset="-120"/>
+                <a:ea typeface="微軟正黑體" pitchFamily="34" charset="-120"/>
+              </a:rPr>
+              <a:t>  </a:t>
+            </a:r>
+            <a:r>
+              <a:rPr lang="zh-CN" altLang="en-US" sz="4800" b="1" dirty="0">
+                <a:solidFill>
+                  <a:srgbClr val="660033"/>
+                </a:solidFill>
+                <a:effectLst>
+                  <a:outerShdw blurRad="50000" dist="30000" dir="5400000" algn="tl" rotWithShape="0">
+                    <a:srgbClr val="000000">
+                      <a:alpha val="30000"/>
+                    </a:srgbClr>
+                  </a:outerShdw>
+                </a:effectLst>
+                <a:latin typeface="微軟正黑體" pitchFamily="34" charset="-120"/>
+                <a:ea typeface="微軟正黑體" pitchFamily="34" charset="-120"/>
+              </a:rPr>
+              <a:t>阿門</a:t>
+            </a:r>
+            <a:endParaRPr lang="zh-TW" altLang="en-US" sz="4800" b="1" dirty="0">
               <a:solidFill>
-                <a:srgbClr val="000066"/>
+                <a:srgbClr val="660033"/>
               </a:solidFill>
-              <a:latin typeface="Microsoft JhengHei" pitchFamily="34" charset="-120"/>
-              <a:ea typeface="Microsoft JhengHei" pitchFamily="34" charset="-120"/>
-            </a:endParaRPr>
-          </a:p>
-        </p:txBody>
-      </p:sp>
-      <p:sp>
-        <p:nvSpPr>
-          <p:cNvPr id="3" name="TextBox 2"/>
-          <p:cNvSpPr txBox="1"/>
-          <p:nvPr/>
-        </p:nvSpPr>
-        <p:spPr>
-          <a:xfrm>
-            <a:off x="827584" y="1661525"/>
-            <a:ext cx="936104" cy="830997"/>
-          </a:xfrm>
-          <a:prstGeom prst="rect">
-            <a:avLst/>
-          </a:prstGeom>
-          <a:noFill/>
-        </p:spPr>
-        <p:txBody>
-          <a:bodyPr wrap="square" rtlCol="0">
-            <a:spAutoFit/>
-          </a:bodyPr>
-          <a:lstStyle/>
-          <a:p>
-            <a:r>
-              <a:rPr lang="en-US" sz="4800" b="1" dirty="0">
-                <a:solidFill>
-                  <a:srgbClr val="000066"/>
-                </a:solidFill>
-              </a:rPr>
-              <a:t>4</a:t>
-            </a:r>
-            <a:r>
-              <a:rPr lang="en-US" sz="4800" b="1" dirty="0" smtClean="0">
-                <a:solidFill>
-                  <a:srgbClr val="000066"/>
-                </a:solidFill>
-              </a:rPr>
-              <a:t>.</a:t>
-            </a:r>
-            <a:endParaRPr lang="vi-VN" sz="4800" b="1" dirty="0">
-              <a:solidFill>
-                <a:srgbClr val="000066"/>
-              </a:solidFill>
+              <a:effectLst>
+                <a:outerShdw blurRad="50000" dist="30000" dir="5400000" algn="tl" rotWithShape="0">
+                  <a:srgbClr val="000000">
+                    <a:alpha val="30000"/>
+                  </a:srgbClr>
+                </a:outerShdw>
+              </a:effectLst>
+              <a:latin typeface="微軟正黑體" pitchFamily="34" charset="-120"/>
+              <a:ea typeface="微軟正黑體" pitchFamily="34" charset="-120"/>
             </a:endParaRPr>
           </a:p>
         </p:txBody>
@@ -10363,7 +10051,7 @@
     </p:spTree>
     <p:extLst>
       <p:ext uri="{BB962C8B-B14F-4D97-AF65-F5344CB8AC3E}">
-        <p14:creationId xmlns:p14="http://schemas.microsoft.com/office/powerpoint/2010/main" val="3474531238"/>
+        <p14:creationId xmlns:p14="http://schemas.microsoft.com/office/powerpoint/2010/main" val="3617491913"/>
       </p:ext>
     </p:extLst>
   </p:cSld>
@@ -10392,87 +10080,151 @@
       </p:grpSpPr>
       <p:sp>
         <p:nvSpPr>
-          <p:cNvPr id="5" name="內容版面配置區 4"/>
-          <p:cNvSpPr>
-            <a:spLocks noGrp="1"/>
-          </p:cNvSpPr>
-          <p:nvPr>
-            <p:ph idx="1"/>
+          <p:cNvPr id="2" name="標題 1"/>
+          <p:cNvSpPr>
+            <a:spLocks noGrp="1"/>
+          </p:cNvSpPr>
+          <p:nvPr>
+            <p:ph type="title" idx="4294967295"/>
           </p:nvPr>
         </p:nvSpPr>
         <p:spPr>
           <a:xfrm>
-            <a:off x="0" y="1563638"/>
-            <a:ext cx="9144000" cy="1803647"/>
+            <a:off x="0" y="1707654"/>
+            <a:ext cx="9144000" cy="628650"/>
           </a:xfrm>
         </p:spPr>
         <p:txBody>
-          <a:bodyPr anchor="ctr">
-            <a:normAutofit/>
+          <a:bodyPr>
+            <a:noAutofit/>
           </a:bodyPr>
           <a:lstStyle/>
           <a:p>
-            <a:pPr algn="ctr">
-              <a:buNone/>
-            </a:pPr>
-            <a:r>
-              <a:rPr lang="zh-CN" altLang="en-US" sz="4800" b="1" dirty="0">
+            <a:pPr algn="ctr"/>
+            <a:r>
+              <a:rPr lang="zh-CN" altLang="en-US" sz="5400" b="1" dirty="0" smtClean="0">
                 <a:solidFill>
                   <a:srgbClr val="000066"/>
                 </a:solidFill>
-                <a:latin typeface="Microsoft JhengHei" pitchFamily="34" charset="-120"/>
-                <a:ea typeface="Microsoft JhengHei" pitchFamily="34" charset="-120"/>
-              </a:rPr>
-              <a:t>主我來就袮  我今來就袮</a:t>
-            </a:r>
-            <a:endParaRPr lang="en-US" altLang="zh-CN" sz="4800" b="1" dirty="0">
+                <a:effectLst>
+                  <a:outerShdw blurRad="38100" dist="38100" dir="2700000" algn="tl">
+                    <a:srgbClr val="000000">
+                      <a:alpha val="43137"/>
+                    </a:srgbClr>
+                  </a:outerShdw>
+                </a:effectLst>
+                <a:latin typeface="微軟正黑體" pitchFamily="34" charset="-120"/>
+                <a:ea typeface="微軟正黑體" pitchFamily="34" charset="-120"/>
+              </a:rPr>
+              <a:t>祝福</a:t>
+            </a:r>
+            <a:endParaRPr lang="zh-TW" altLang="en-US" sz="5400" b="1" dirty="0">
               <a:solidFill>
                 <a:srgbClr val="000066"/>
               </a:solidFill>
-              <a:latin typeface="Microsoft JhengHei" pitchFamily="34" charset="-120"/>
-              <a:ea typeface="Microsoft JhengHei" pitchFamily="34" charset="-120"/>
+              <a:effectLst>
+                <a:outerShdw blurRad="38100" dist="38100" dir="2700000" algn="tl">
+                  <a:srgbClr val="000000">
+                    <a:alpha val="43137"/>
+                  </a:srgbClr>
+                </a:outerShdw>
+              </a:effectLst>
+              <a:latin typeface="微軟正黑體" pitchFamily="34" charset="-120"/>
+              <a:ea typeface="微軟正黑體" pitchFamily="34" charset="-120"/>
             </a:endParaRPr>
           </a:p>
-          <a:p>
-            <a:pPr algn="ctr">
-              <a:buNone/>
-            </a:pPr>
-            <a:r>
-              <a:rPr lang="zh-CN" altLang="en-US" sz="4800" b="1" dirty="0">
-                <a:solidFill>
-                  <a:srgbClr val="000066"/>
-                </a:solidFill>
-                <a:latin typeface="Microsoft JhengHei" pitchFamily="34" charset="-120"/>
-                <a:ea typeface="Microsoft JhengHei" pitchFamily="34" charset="-120"/>
-              </a:rPr>
-              <a:t>救主所流的寶血</a:t>
-            </a:r>
-            <a:r>
-              <a:rPr lang="en-US" altLang="zh-CN" sz="4800" b="1" dirty="0">
-                <a:solidFill>
-                  <a:srgbClr val="000066"/>
-                </a:solidFill>
-                <a:latin typeface="Microsoft JhengHei" pitchFamily="34" charset="-120"/>
-                <a:ea typeface="Microsoft JhengHei" pitchFamily="34" charset="-120"/>
-              </a:rPr>
-              <a:t>  </a:t>
-            </a:r>
-            <a:r>
-              <a:rPr lang="zh-CN" altLang="en-US" sz="4800" b="1" dirty="0">
-                <a:solidFill>
-                  <a:srgbClr val="000066"/>
-                </a:solidFill>
-                <a:latin typeface="Microsoft JhengHei" pitchFamily="34" charset="-120"/>
-                <a:ea typeface="Microsoft JhengHei" pitchFamily="34" charset="-120"/>
-              </a:rPr>
-              <a:t>洗我罪惡清潔</a:t>
-            </a:r>
-            <a:endParaRPr lang="zh-TW" altLang="en-US" sz="4800" b="1" dirty="0">
+        </p:txBody>
+      </p:sp>
+      <p:sp>
+        <p:nvSpPr>
+          <p:cNvPr id="3" name="矩形 2"/>
+          <p:cNvSpPr/>
+          <p:nvPr/>
+        </p:nvSpPr>
+        <p:spPr>
+          <a:xfrm>
+            <a:off x="0" y="2427734"/>
+            <a:ext cx="9144000" cy="830997"/>
+          </a:xfrm>
+          <a:prstGeom prst="rect">
+            <a:avLst/>
+          </a:prstGeom>
+        </p:spPr>
+        <p:txBody>
+          <a:bodyPr wrap="square">
+            <a:spAutoFit/>
+          </a:bodyPr>
+          <a:lstStyle/>
+          <a:p>
+            <a:pPr algn="ctr"/>
+            <a:r>
+              <a:rPr lang="en-US" altLang="zh-CN" sz="4800" b="1" dirty="0" smtClean="0">
+                <a:solidFill>
+                  <a:srgbClr val="660033"/>
+                </a:solidFill>
+                <a:effectLst>
+                  <a:outerShdw blurRad="38100" dist="38100" dir="2700000" algn="tl">
+                    <a:srgbClr val="000000">
+                      <a:alpha val="43137"/>
+                    </a:srgbClr>
+                  </a:outerShdw>
+                </a:effectLst>
+                <a:latin typeface="微軟正黑體" pitchFamily="34" charset="-120"/>
+                <a:ea typeface="微軟正黑體" pitchFamily="34" charset="-120"/>
+                <a:cs typeface="+mj-cs"/>
+              </a:rPr>
+              <a:t>(</a:t>
+            </a:r>
+            <a:r>
+              <a:rPr lang="zh-CN" altLang="en-US" sz="4800" b="1" dirty="0" smtClean="0">
+                <a:solidFill>
+                  <a:srgbClr val="660033"/>
+                </a:solidFill>
+                <a:effectLst>
+                  <a:outerShdw blurRad="38100" dist="38100" dir="2700000" algn="tl">
+                    <a:srgbClr val="000000">
+                      <a:alpha val="43137"/>
+                    </a:srgbClr>
+                  </a:outerShdw>
+                </a:effectLst>
+                <a:latin typeface="微軟正黑體" pitchFamily="34" charset="-120"/>
+                <a:ea typeface="微軟正黑體" pitchFamily="34" charset="-120"/>
+                <a:cs typeface="+mj-cs"/>
+              </a:rPr>
+              <a:t>主禮牧師</a:t>
+            </a:r>
+            <a:r>
+              <a:rPr lang="en-US" altLang="zh-CN" sz="4800" b="1" dirty="0" smtClean="0">
+                <a:solidFill>
+                  <a:srgbClr val="660033"/>
+                </a:solidFill>
+                <a:effectLst>
+                  <a:outerShdw blurRad="38100" dist="38100" dir="2700000" algn="tl">
+                    <a:srgbClr val="000000">
+                      <a:alpha val="43137"/>
+                    </a:srgbClr>
+                  </a:outerShdw>
+                </a:effectLst>
+                <a:latin typeface="微軟正黑體" pitchFamily="34" charset="-120"/>
+                <a:ea typeface="微軟正黑體" pitchFamily="34" charset="-120"/>
+                <a:cs typeface="+mj-cs"/>
+              </a:rPr>
+              <a:t>)</a:t>
+            </a:r>
+            <a:endParaRPr lang="zh-TW" altLang="en-US" sz="4800" b="1" dirty="0" smtClean="0">
               <a:solidFill>
-                <a:srgbClr val="000066"/>
+                <a:srgbClr val="660033"/>
               </a:solidFill>
-              <a:latin typeface="Microsoft JhengHei" pitchFamily="34" charset="-120"/>
-              <a:ea typeface="Microsoft JhengHei" pitchFamily="34" charset="-120"/>
+              <a:effectLst>
+                <a:outerShdw blurRad="38100" dist="38100" dir="2700000" algn="tl">
+                  <a:srgbClr val="000000">
+                    <a:alpha val="43137"/>
+                  </a:srgbClr>
+                </a:outerShdw>
+              </a:effectLst>
+              <a:latin typeface="微軟正黑體" pitchFamily="34" charset="-120"/>
+              <a:ea typeface="微軟正黑體" pitchFamily="34" charset="-120"/>
+              <a:cs typeface="+mj-cs"/>
             </a:endParaRPr>
           </a:p>
         </p:txBody>
@@ -10480,13 +10232,20 @@
     </p:spTree>
     <p:extLst>
       <p:ext uri="{BB962C8B-B14F-4D97-AF65-F5344CB8AC3E}">
-        <p14:creationId xmlns:p14="http://schemas.microsoft.com/office/powerpoint/2010/main" val="338961698"/>
+        <p14:creationId xmlns:p14="http://schemas.microsoft.com/office/powerpoint/2010/main" val="1671247361"/>
       </p:ext>
     </p:extLst>
   </p:cSld>
   <p:clrMapOvr>
     <a:masterClrMapping/>
   </p:clrMapOvr>
+  <p:timing>
+    <p:tnLst>
+      <p:par>
+        <p:cTn id="1" dur="indefinite" restart="never" nodeType="tmRoot"/>
+      </p:par>
+    </p:tnLst>
+  </p:timing>
 </p:sld>
 </file>
 
@@ -10509,136 +10268,146 @@
       </p:grpSpPr>
       <p:sp>
         <p:nvSpPr>
-          <p:cNvPr id="4" name="標題 3"/>
-          <p:cNvSpPr>
-            <a:spLocks noGrp="1"/>
-          </p:cNvSpPr>
-          <p:nvPr>
-            <p:ph type="title"/>
-          </p:nvPr>
+          <p:cNvPr id="2" name="矩形 1"/>
+          <p:cNvSpPr/>
+          <p:nvPr/>
         </p:nvSpPr>
         <p:spPr>
           <a:xfrm>
-            <a:off x="0" y="2143135"/>
-            <a:ext cx="9144000" cy="857250"/>
+            <a:off x="0" y="1570336"/>
+            <a:ext cx="9144000" cy="923330"/>
           </a:xfrm>
+          <a:prstGeom prst="rect">
+            <a:avLst/>
+          </a:prstGeom>
         </p:spPr>
         <p:txBody>
-          <a:bodyPr>
-            <a:noAutofit/>
+          <a:bodyPr wrap="square">
+            <a:spAutoFit/>
           </a:bodyPr>
           <a:lstStyle/>
           <a:p>
-            <a:r>
-              <a:rPr lang="zh-CN" altLang="en-US" sz="4000" b="1" u="sng" dirty="0" smtClean="0">
+            <a:pPr algn="ctr"/>
+            <a:r>
+              <a:rPr lang="zh-CN" altLang="en-US" sz="5400" b="1" dirty="0" smtClean="0">
                 <a:solidFill>
                   <a:srgbClr val="000066"/>
                 </a:solidFill>
                 <a:effectLst>
-                  <a:outerShdw blurRad="38100" dist="38100" dir="2700000" algn="tl">
+                  <a:outerShdw blurRad="50000" dist="30000" dir="5400000" algn="tl" rotWithShape="0">
                     <a:srgbClr val="000000">
-                      <a:alpha val="43137"/>
+                      <a:alpha val="30000"/>
                     </a:srgbClr>
                   </a:outerShdw>
                 </a:effectLst>
                 <a:latin typeface="微軟正黑體" pitchFamily="34" charset="-120"/>
                 <a:ea typeface="微軟正黑體" pitchFamily="34" charset="-120"/>
-              </a:rPr>
-              <a:t>宣道詩 </a:t>
-            </a:r>
-            <a:r>
-              <a:rPr lang="en-US" altLang="zh-CN" sz="4000" b="1" u="sng" dirty="0" smtClean="0">
-                <a:solidFill>
-                  <a:srgbClr val="000066"/>
+                <a:cs typeface="+mj-cs"/>
+              </a:rPr>
+              <a:t>聚會祝福歌</a:t>
+            </a:r>
+            <a:endParaRPr lang="zh-TW" altLang="en-US" sz="5400" b="1" dirty="0" smtClean="0">
+              <a:solidFill>
+                <a:srgbClr val="000066"/>
+              </a:solidFill>
+              <a:effectLst>
+                <a:outerShdw blurRad="50000" dist="30000" dir="5400000" algn="tl" rotWithShape="0">
+                  <a:srgbClr val="000000">
+                    <a:alpha val="30000"/>
+                  </a:srgbClr>
+                </a:outerShdw>
+              </a:effectLst>
+              <a:latin typeface="微軟正黑體" pitchFamily="34" charset="-120"/>
+              <a:ea typeface="微軟正黑體" pitchFamily="34" charset="-120"/>
+              <a:cs typeface="+mj-cs"/>
+            </a:endParaRPr>
+          </a:p>
+        </p:txBody>
+      </p:sp>
+      <p:sp>
+        <p:nvSpPr>
+          <p:cNvPr id="3" name="標題 1"/>
+          <p:cNvSpPr txBox="1"/>
+          <p:nvPr/>
+        </p:nvSpPr>
+        <p:spPr>
+          <a:xfrm>
+            <a:off x="0" y="2435611"/>
+            <a:ext cx="9144000" cy="964405"/>
+          </a:xfrm>
+          <a:prstGeom prst="rect">
+            <a:avLst/>
+          </a:prstGeom>
+        </p:spPr>
+        <p:txBody>
+          <a:bodyPr anchor="ctr">
+            <a:noAutofit/>
+          </a:bodyPr>
+          <a:lstStyle/>
+          <a:p>
+            <a:pPr marL="0" marR="0" lvl="0" indent="0" algn="ctr" defTabSz="914400" rtl="0" eaLnBrk="1" fontAlgn="auto" latinLnBrk="0" hangingPunct="1">
+              <a:lnSpc>
+                <a:spcPct val="100000"/>
+              </a:lnSpc>
+              <a:spcBef>
+                <a:spcPct val="0"/>
+              </a:spcBef>
+              <a:spcAft>
+                <a:spcPts val="0"/>
+              </a:spcAft>
+              <a:buClrTx/>
+              <a:buSzTx/>
+              <a:buFontTx/>
+              <a:buNone/>
+              <a:defRPr/>
+            </a:pPr>
+            <a:r>
+              <a:rPr kumimoji="0" lang="zh-CN" altLang="en-US" sz="4800" b="1" i="0" u="none" strike="noStrike" kern="1200" cap="none" spc="0" normalizeH="0" baseline="0" noProof="0" dirty="0" smtClean="0">
+                <a:ln>
+                  <a:noFill/>
+                </a:ln>
+                <a:solidFill>
+                  <a:srgbClr val="660033"/>
                 </a:solidFill>
                 <a:effectLst>
-                  <a:outerShdw blurRad="38100" dist="38100" dir="2700000" algn="tl">
+                  <a:outerShdw blurRad="50000" dist="30000" dir="5400000" algn="tl" rotWithShape="0">
                     <a:srgbClr val="000000">
-                      <a:alpha val="43137"/>
+                      <a:alpha val="30000"/>
                     </a:srgbClr>
                   </a:outerShdw>
                 </a:effectLst>
-                <a:latin typeface="微軟正黑體" pitchFamily="34" charset="-120"/>
-                <a:ea typeface="微軟正黑體" pitchFamily="34" charset="-120"/>
-              </a:rPr>
-              <a:t>212</a:t>
-            </a:r>
-            <a:r>
-              <a:rPr lang="en-US" altLang="zh-CN" sz="5400" b="1" i="1" dirty="0" smtClean="0">
-                <a:solidFill>
-                  <a:srgbClr val="660033"/>
-                </a:solidFill>
-                <a:effectLst>
-                  <a:outerShdw blurRad="38100" dist="38100" dir="2700000" algn="tl">
-                    <a:srgbClr val="000000">
-                      <a:alpha val="43137"/>
-                    </a:srgbClr>
-                  </a:outerShdw>
-                </a:effectLst>
-                <a:latin typeface="微軟正黑體" pitchFamily="34" charset="-120"/>
-                <a:ea typeface="微軟正黑體" pitchFamily="34" charset="-120"/>
-              </a:rPr>
-              <a:t/>
-            </a:r>
-            <a:br>
-              <a:rPr lang="en-US" altLang="zh-CN" sz="5400" b="1" i="1" dirty="0" smtClean="0">
-                <a:solidFill>
-                  <a:srgbClr val="660033"/>
-                </a:solidFill>
-                <a:effectLst>
-                  <a:outerShdw blurRad="38100" dist="38100" dir="2700000" algn="tl">
-                    <a:srgbClr val="000000">
-                      <a:alpha val="43137"/>
-                    </a:srgbClr>
-                  </a:outerShdw>
-                </a:effectLst>
-                <a:latin typeface="微軟正黑體" pitchFamily="34" charset="-120"/>
-                <a:ea typeface="微軟正黑體" pitchFamily="34" charset="-120"/>
-              </a:rPr>
-            </a:br>
-            <a:r>
-              <a:rPr lang="zh-TW" altLang="en-US" sz="6000" b="1" dirty="0" smtClean="0">
-                <a:solidFill>
-                  <a:srgbClr val="660033"/>
-                </a:solidFill>
-                <a:effectLst>
-                  <a:outerShdw blurRad="38100" dist="38100" dir="2700000" algn="tl">
-                    <a:srgbClr val="000000">
-                      <a:alpha val="43137"/>
-                    </a:srgbClr>
-                  </a:outerShdw>
-                </a:effectLst>
-                <a:latin typeface="微軟正黑體" pitchFamily="34" charset="-120"/>
-                <a:ea typeface="微軟正黑體" pitchFamily="34" charset="-120"/>
-              </a:rPr>
-              <a:t>親</a:t>
-            </a:r>
-            <a:r>
-              <a:rPr lang="zh-TW" altLang="en-US" sz="6000" b="1" dirty="0">
-                <a:solidFill>
-                  <a:srgbClr val="660033"/>
-                </a:solidFill>
-                <a:effectLst>
-                  <a:outerShdw blurRad="38100" dist="38100" dir="2700000" algn="tl">
-                    <a:srgbClr val="000000">
-                      <a:alpha val="43137"/>
-                    </a:srgbClr>
-                  </a:outerShdw>
-                </a:effectLst>
-                <a:latin typeface="微軟正黑體" pitchFamily="34" charset="-120"/>
-                <a:ea typeface="微軟正黑體" pitchFamily="34" charset="-120"/>
-              </a:rPr>
-              <a:t>愛耶穌</a:t>
-            </a:r>
+                <a:uLnTx/>
+                <a:uFillTx/>
+                <a:latin typeface="微軟正黑體" pitchFamily="34" charset="-120"/>
+                <a:ea typeface="微軟正黑體" pitchFamily="34" charset="-120"/>
+                <a:cs typeface="+mj-cs"/>
+              </a:rPr>
+              <a:t>本堂牧師領詩班退堂</a:t>
+            </a:r>
+            <a:endParaRPr kumimoji="0" lang="zh-TW" altLang="en-US" sz="4800" b="1" i="0" u="none" strike="noStrike" kern="1200" cap="none" spc="0" normalizeH="0" baseline="0" noProof="0" dirty="0">
+              <a:ln>
+                <a:noFill/>
+              </a:ln>
+              <a:solidFill>
+                <a:srgbClr val="660033"/>
+              </a:solidFill>
+              <a:effectLst>
+                <a:outerShdw blurRad="50000" dist="30000" dir="5400000" algn="tl" rotWithShape="0">
+                  <a:srgbClr val="000000">
+                    <a:alpha val="30000"/>
+                  </a:srgbClr>
+                </a:outerShdw>
+              </a:effectLst>
+              <a:uLnTx/>
+              <a:uFillTx/>
+              <a:latin typeface="微軟正黑體" pitchFamily="34" charset="-120"/>
+              <a:ea typeface="微軟正黑體" pitchFamily="34" charset="-120"/>
+              <a:cs typeface="+mj-cs"/>
+            </a:endParaRPr>
           </a:p>
         </p:txBody>
       </p:sp>
     </p:spTree>
-    <p:extLst>
-      <p:ext uri="{BB962C8B-B14F-4D97-AF65-F5344CB8AC3E}">
-        <p14:creationId xmlns:p14="http://schemas.microsoft.com/office/powerpoint/2010/main" val="2241400095"/>
-      </p:ext>
-    </p:extLst>
   </p:cSld>
   <p:clrMapOvr>
     <a:masterClrMapping/>
@@ -10672,156 +10441,81 @@
       </p:grpSpPr>
       <p:sp>
         <p:nvSpPr>
-          <p:cNvPr id="5" name="內容版面配置區 4"/>
-          <p:cNvSpPr>
-            <a:spLocks noGrp="1"/>
-          </p:cNvSpPr>
-          <p:nvPr>
-            <p:ph idx="1"/>
+          <p:cNvPr id="4" name="標題 3"/>
+          <p:cNvSpPr>
+            <a:spLocks noGrp="1"/>
+          </p:cNvSpPr>
+          <p:nvPr>
+            <p:ph type="title"/>
           </p:nvPr>
         </p:nvSpPr>
         <p:spPr>
           <a:xfrm>
-            <a:off x="0" y="1563638"/>
-            <a:ext cx="9144000" cy="1803647"/>
+            <a:off x="0" y="2143135"/>
+            <a:ext cx="9144000" cy="857250"/>
           </a:xfrm>
         </p:spPr>
         <p:txBody>
-          <a:bodyPr anchor="ctr">
-            <a:normAutofit/>
+          <a:bodyPr>
+            <a:noAutofit/>
           </a:bodyPr>
           <a:lstStyle/>
           <a:p>
-            <a:pPr lvl="0" algn="ctr">
-              <a:buNone/>
-            </a:pPr>
-            <a:r>
-              <a:rPr lang="zh-TW" altLang="en-US" sz="4800" b="1" dirty="0">
-                <a:solidFill>
-                  <a:srgbClr val="660033"/>
-                </a:solidFill>
-                <a:latin typeface="微軟正黑體" pitchFamily="34" charset="-120"/>
-                <a:ea typeface="微軟正黑體" pitchFamily="34" charset="-120"/>
-              </a:rPr>
-              <a:t>主耶穌我愛</a:t>
-            </a:r>
-            <a:r>
-              <a:rPr lang="zh-CN" altLang="en-US" sz="4800" b="1" dirty="0">
-                <a:solidFill>
-                  <a:srgbClr val="660033"/>
-                </a:solidFill>
-                <a:latin typeface="微軟正黑體" pitchFamily="34" charset="-120"/>
-                <a:ea typeface="微軟正黑體" pitchFamily="34" charset="-120"/>
-              </a:rPr>
-              <a:t>袮</a:t>
-            </a:r>
-            <a:r>
-              <a:rPr lang="zh-TW" altLang="en-US" sz="4800" b="1" dirty="0">
-                <a:solidFill>
-                  <a:srgbClr val="660033"/>
-                </a:solidFill>
-                <a:latin typeface="微軟正黑體" pitchFamily="34" charset="-120"/>
-                <a:ea typeface="微軟正黑體" pitchFamily="34" charset="-120"/>
-              </a:rPr>
-              <a:t> 深知我屬</a:t>
-            </a:r>
-            <a:r>
-              <a:rPr lang="zh-CN" altLang="en-US" sz="4800" b="1" dirty="0">
-                <a:solidFill>
-                  <a:srgbClr val="660033"/>
-                </a:solidFill>
-                <a:latin typeface="微軟正黑體" pitchFamily="34" charset="-120"/>
-                <a:ea typeface="微軟正黑體" pitchFamily="34" charset="-120"/>
-              </a:rPr>
-              <a:t>袮</a:t>
-            </a:r>
-            <a:endParaRPr lang="zh-TW" altLang="en-US" sz="4800" b="1" dirty="0">
+            <a:r>
+              <a:rPr lang="zh-CN" altLang="en-US" sz="7200" b="1" dirty="0" smtClean="0">
+                <a:solidFill>
+                  <a:srgbClr val="000066"/>
+                </a:solidFill>
+                <a:effectLst>
+                  <a:outerShdw blurRad="38100" dist="38100" dir="2700000" algn="tl">
+                    <a:srgbClr val="000000">
+                      <a:alpha val="43137"/>
+                    </a:srgbClr>
+                  </a:outerShdw>
+                </a:effectLst>
+                <a:latin typeface="微軟正黑體" pitchFamily="34" charset="-120"/>
+                <a:ea typeface="微軟正黑體" pitchFamily="34" charset="-120"/>
+              </a:rPr>
+              <a:t>主</a:t>
+            </a:r>
+            <a:r>
+              <a:rPr lang="zh-CN" altLang="en-US" sz="7200" b="1" dirty="0">
+                <a:solidFill>
+                  <a:srgbClr val="000066"/>
+                </a:solidFill>
+                <a:effectLst>
+                  <a:outerShdw blurRad="38100" dist="38100" dir="2700000" algn="tl">
+                    <a:srgbClr val="000000">
+                      <a:alpha val="43137"/>
+                    </a:srgbClr>
+                  </a:outerShdw>
+                </a:effectLst>
+                <a:latin typeface="微軟正黑體" pitchFamily="34" charset="-120"/>
+                <a:ea typeface="微軟正黑體" pitchFamily="34" charset="-120"/>
+              </a:rPr>
+              <a:t>的愛</a:t>
+            </a:r>
+            <a:endParaRPr lang="zh-TW" altLang="en-US" sz="7200" b="1" dirty="0">
               <a:solidFill>
-                <a:srgbClr val="660033"/>
+                <a:srgbClr val="000066"/>
               </a:solidFill>
+              <a:effectLst>
+                <a:outerShdw blurRad="38100" dist="38100" dir="2700000" algn="tl">
+                  <a:srgbClr val="000000">
+                    <a:alpha val="43137"/>
+                  </a:srgbClr>
+                </a:outerShdw>
+              </a:effectLst>
               <a:latin typeface="微軟正黑體" pitchFamily="34" charset="-120"/>
               <a:ea typeface="微軟正黑體" pitchFamily="34" charset="-120"/>
             </a:endParaRPr>
           </a:p>
-          <a:p>
-            <a:pPr algn="ctr">
-              <a:buNone/>
-            </a:pPr>
-            <a:r>
-              <a:rPr lang="zh-TW" altLang="en-US" sz="4800" b="1" dirty="0">
-                <a:solidFill>
-                  <a:srgbClr val="660033"/>
-                </a:solidFill>
-                <a:latin typeface="微軟正黑體" pitchFamily="34" charset="-120"/>
-                <a:ea typeface="微軟正黑體" pitchFamily="34" charset="-120"/>
-              </a:rPr>
-              <a:t>世上諸樂趣願為</a:t>
-            </a:r>
-            <a:r>
-              <a:rPr lang="zh-CN" altLang="en-US" sz="4800" b="1" dirty="0">
-                <a:solidFill>
-                  <a:srgbClr val="660033"/>
-                </a:solidFill>
-                <a:latin typeface="微軟正黑體" pitchFamily="34" charset="-120"/>
-                <a:ea typeface="微軟正黑體" pitchFamily="34" charset="-120"/>
-              </a:rPr>
-              <a:t>袮</a:t>
-            </a:r>
-            <a:r>
-              <a:rPr lang="zh-TW" altLang="en-US" sz="4800" b="1" dirty="0">
-                <a:solidFill>
-                  <a:srgbClr val="660033"/>
-                </a:solidFill>
-                <a:latin typeface="微軟正黑體" pitchFamily="34" charset="-120"/>
-                <a:ea typeface="微軟正黑體" pitchFamily="34" charset="-120"/>
-              </a:rPr>
-              <a:t>全丟棄</a:t>
-            </a:r>
-          </a:p>
-        </p:txBody>
-      </p:sp>
-      <p:sp>
-        <p:nvSpPr>
-          <p:cNvPr id="3" name="TextBox 2"/>
-          <p:cNvSpPr txBox="1"/>
-          <p:nvPr/>
-        </p:nvSpPr>
-        <p:spPr>
-          <a:xfrm>
-            <a:off x="251520" y="1659230"/>
-            <a:ext cx="936104" cy="830997"/>
-          </a:xfrm>
-          <a:prstGeom prst="rect">
-            <a:avLst/>
-          </a:prstGeom>
-          <a:noFill/>
-        </p:spPr>
-        <p:txBody>
-          <a:bodyPr wrap="square" rtlCol="0">
-            <a:spAutoFit/>
-          </a:bodyPr>
-          <a:lstStyle/>
-          <a:p>
-            <a:r>
-              <a:rPr lang="en-US" sz="4800" b="1" dirty="0" smtClean="0">
-                <a:solidFill>
-                  <a:srgbClr val="660033"/>
-                </a:solidFill>
-              </a:rPr>
-              <a:t>1.</a:t>
-            </a:r>
-            <a:endParaRPr lang="vi-VN" sz="4800" b="1" dirty="0">
-              <a:solidFill>
-                <a:srgbClr val="660033"/>
-              </a:solidFill>
-            </a:endParaRPr>
-          </a:p>
         </p:txBody>
       </p:sp>
     </p:spTree>
     <p:extLst>
       <p:ext uri="{BB962C8B-B14F-4D97-AF65-F5344CB8AC3E}">
-        <p14:creationId xmlns:p14="http://schemas.microsoft.com/office/powerpoint/2010/main" val="2214301614"/>
+        <p14:creationId xmlns:p14="http://schemas.microsoft.com/office/powerpoint/2010/main" val="3707739611"/>
       </p:ext>
     </p:extLst>
   </p:cSld>
@@ -10874,77 +10568,122 @@
               <a:buNone/>
             </a:pPr>
             <a:r>
-              <a:rPr lang="zh-CN" altLang="en-US" sz="4800" b="1" dirty="0">
-                <a:solidFill>
-                  <a:srgbClr val="660033"/>
-                </a:solidFill>
-                <a:latin typeface="微軟正黑體" pitchFamily="34" charset="-120"/>
-                <a:ea typeface="微軟正黑體" pitchFamily="34" charset="-120"/>
-              </a:rPr>
-              <a:t>袮</a:t>
-            </a:r>
-            <a:r>
               <a:rPr lang="zh-TW" altLang="en-US" sz="4800" b="1" dirty="0">
                 <a:solidFill>
-                  <a:srgbClr val="660033"/>
-                </a:solidFill>
-                <a:latin typeface="微軟正黑體" pitchFamily="34" charset="-120"/>
-                <a:ea typeface="微軟正黑體" pitchFamily="34" charset="-120"/>
-              </a:rPr>
-              <a:t>是我救主為我還清罪債</a:t>
-            </a:r>
+                  <a:srgbClr val="000066"/>
+                </a:solidFill>
+                <a:effectLst>
+                  <a:outerShdw blurRad="50000" dist="30000" dir="5400000" algn="tl" rotWithShape="0">
+                    <a:srgbClr val="000000">
+                      <a:alpha val="30000"/>
+                    </a:srgbClr>
+                  </a:outerShdw>
+                </a:effectLst>
+                <a:latin typeface="微軟正黑體" pitchFamily="34" charset="-120"/>
+                <a:ea typeface="微軟正黑體" pitchFamily="34" charset="-120"/>
+              </a:rPr>
+              <a:t>願主的愛與你同</a:t>
+            </a:r>
+            <a:r>
+              <a:rPr lang="zh-TW" altLang="en-US" sz="4800" b="1" dirty="0" smtClean="0">
+                <a:solidFill>
+                  <a:srgbClr val="000066"/>
+                </a:solidFill>
+                <a:effectLst>
+                  <a:outerShdw blurRad="50000" dist="30000" dir="5400000" algn="tl" rotWithShape="0">
+                    <a:srgbClr val="000000">
+                      <a:alpha val="30000"/>
+                    </a:srgbClr>
+                  </a:outerShdw>
+                </a:effectLst>
+                <a:latin typeface="微軟正黑體" pitchFamily="34" charset="-120"/>
+                <a:ea typeface="微軟正黑體" pitchFamily="34" charset="-120"/>
+              </a:rPr>
+              <a:t>在</a:t>
+            </a:r>
+            <a:endParaRPr lang="en-US" altLang="zh-TW" sz="4800" b="1" dirty="0">
+              <a:solidFill>
+                <a:srgbClr val="000066"/>
+              </a:solidFill>
+              <a:effectLst>
+                <a:outerShdw blurRad="50000" dist="30000" dir="5400000" algn="tl" rotWithShape="0">
+                  <a:srgbClr val="000000">
+                    <a:alpha val="30000"/>
+                  </a:srgbClr>
+                </a:outerShdw>
+              </a:effectLst>
+              <a:latin typeface="微軟正黑體" pitchFamily="34" charset="-120"/>
+              <a:ea typeface="微軟正黑體" pitchFamily="34" charset="-120"/>
+            </a:endParaRPr>
           </a:p>
           <a:p>
             <a:pPr algn="ctr">
               <a:buNone/>
             </a:pPr>
             <a:r>
+              <a:rPr lang="zh-TW" altLang="en-US" sz="4800" b="1" dirty="0" smtClean="0">
+                <a:solidFill>
+                  <a:srgbClr val="000066"/>
+                </a:solidFill>
+                <a:effectLst>
+                  <a:outerShdw blurRad="50000" dist="30000" dir="5400000" algn="tl" rotWithShape="0">
+                    <a:srgbClr val="000000">
+                      <a:alpha val="30000"/>
+                    </a:srgbClr>
+                  </a:outerShdw>
+                </a:effectLst>
+                <a:latin typeface="微軟正黑體" pitchFamily="34" charset="-120"/>
+                <a:ea typeface="微軟正黑體" pitchFamily="34" charset="-120"/>
+              </a:rPr>
+              <a:t>無</a:t>
+            </a:r>
+            <a:r>
               <a:rPr lang="zh-TW" altLang="en-US" sz="4800" b="1" dirty="0">
                 <a:solidFill>
-                  <a:srgbClr val="660033"/>
-                </a:solidFill>
-                <a:latin typeface="微軟正黑體" pitchFamily="34" charset="-120"/>
-                <a:ea typeface="微軟正黑體" pitchFamily="34" charset="-120"/>
-              </a:rPr>
-              <a:t>若我曾愛救主 於今更親愛</a:t>
-            </a:r>
-          </a:p>
-        </p:txBody>
-      </p:sp>
-      <p:sp>
-        <p:nvSpPr>
-          <p:cNvPr id="3" name="TextBox 2"/>
-          <p:cNvSpPr txBox="1"/>
-          <p:nvPr/>
-        </p:nvSpPr>
-        <p:spPr>
-          <a:xfrm>
-            <a:off x="251520" y="1659230"/>
-            <a:ext cx="936104" cy="830997"/>
-          </a:xfrm>
-          <a:prstGeom prst="rect">
-            <a:avLst/>
-          </a:prstGeom>
-          <a:noFill/>
-        </p:spPr>
-        <p:txBody>
-          <a:bodyPr wrap="square" rtlCol="0">
-            <a:spAutoFit/>
-          </a:bodyPr>
-          <a:lstStyle/>
-          <a:p>
-            <a:r>
-              <a:rPr lang="en-US" sz="4800" b="1" dirty="0" smtClean="0">
-                <a:solidFill>
-                  <a:srgbClr val="660033"/>
-                </a:solidFill>
-              </a:rPr>
-              <a:t>1.</a:t>
-            </a:r>
-            <a:endParaRPr lang="vi-VN" sz="4800" b="1" dirty="0">
+                  <a:srgbClr val="000066"/>
+                </a:solidFill>
+                <a:effectLst>
+                  <a:outerShdw blurRad="50000" dist="30000" dir="5400000" algn="tl" rotWithShape="0">
+                    <a:srgbClr val="000000">
+                      <a:alpha val="30000"/>
+                    </a:srgbClr>
+                  </a:outerShdw>
+                </a:effectLst>
+                <a:latin typeface="微軟正黑體" pitchFamily="34" charset="-120"/>
+                <a:ea typeface="微軟正黑體" pitchFamily="34" charset="-120"/>
+              </a:rPr>
+              <a:t>論你在何</a:t>
+            </a:r>
+            <a:r>
+              <a:rPr lang="zh-TW" altLang="en-US" sz="4800" b="1" dirty="0" smtClean="0">
+                <a:solidFill>
+                  <a:srgbClr val="000066"/>
+                </a:solidFill>
+                <a:effectLst>
+                  <a:outerShdw blurRad="50000" dist="30000" dir="5400000" algn="tl" rotWithShape="0">
+                    <a:srgbClr val="000000">
+                      <a:alpha val="30000"/>
+                    </a:srgbClr>
+                  </a:outerShdw>
+                </a:effectLst>
+                <a:latin typeface="微軟正黑體" pitchFamily="34" charset="-120"/>
+                <a:ea typeface="微軟正黑體" pitchFamily="34" charset="-120"/>
+              </a:rPr>
+              <a:t>方</a:t>
+            </a:r>
+            <a:endParaRPr lang="en-US" altLang="zh-TW" sz="4800" b="1" dirty="0">
               <a:solidFill>
-                <a:srgbClr val="660033"/>
+                <a:srgbClr val="000066"/>
               </a:solidFill>
+              <a:effectLst>
+                <a:outerShdw blurRad="50000" dist="30000" dir="5400000" algn="tl" rotWithShape="0">
+                  <a:srgbClr val="000000">
+                    <a:alpha val="30000"/>
+                  </a:srgbClr>
+                </a:outerShdw>
+              </a:effectLst>
+              <a:latin typeface="微軟正黑體" pitchFamily="34" charset="-120"/>
+              <a:ea typeface="微軟正黑體" pitchFamily="34" charset="-120"/>
             </a:endParaRPr>
           </a:p>
         </p:txBody>
@@ -10952,7 +10691,7 @@
     </p:spTree>
     <p:extLst>
       <p:ext uri="{BB962C8B-B14F-4D97-AF65-F5344CB8AC3E}">
-        <p14:creationId xmlns:p14="http://schemas.microsoft.com/office/powerpoint/2010/main" val="3202768320"/>
+        <p14:creationId xmlns:p14="http://schemas.microsoft.com/office/powerpoint/2010/main" val="293433003"/>
       </p:ext>
     </p:extLst>
   </p:cSld>
@@ -11001,87 +10740,50 @@
           </a:bodyPr>
           <a:lstStyle/>
           <a:p>
-            <a:pPr lvl="0" algn="ctr">
-              <a:buNone/>
-            </a:pPr>
-            <a:r>
-              <a:rPr lang="zh-TW" altLang="en-US" sz="4800" b="1" dirty="0">
-                <a:solidFill>
-                  <a:srgbClr val="660033"/>
-                </a:solidFill>
-                <a:latin typeface="微軟正黑體" pitchFamily="34" charset="-120"/>
-                <a:ea typeface="微軟正黑體" pitchFamily="34" charset="-120"/>
-              </a:rPr>
-              <a:t>我深愛主耶穌 因主先愛我</a:t>
-            </a:r>
-          </a:p>
-          <a:p>
             <a:pPr algn="ctr">
               <a:buNone/>
             </a:pPr>
             <a:r>
+              <a:rPr lang="zh-TW" altLang="en-US" sz="4800" b="1" dirty="0" smtClean="0">
+                <a:solidFill>
+                  <a:srgbClr val="000066"/>
+                </a:solidFill>
+                <a:effectLst>
+                  <a:outerShdw blurRad="50000" dist="30000" dir="5400000" algn="tl" rotWithShape="0">
+                    <a:srgbClr val="000000">
+                      <a:alpha val="30000"/>
+                    </a:srgbClr>
+                  </a:outerShdw>
+                </a:effectLst>
+                <a:latin typeface="微軟正黑體" pitchFamily="34" charset="-120"/>
+                <a:ea typeface="微軟正黑體" pitchFamily="34" charset="-120"/>
+              </a:rPr>
+              <a:t>願</a:t>
+            </a:r>
+            <a:r>
               <a:rPr lang="zh-TW" altLang="en-US" sz="4800" b="1" dirty="0">
                 <a:solidFill>
-                  <a:srgbClr val="660033"/>
-                </a:solidFill>
-                <a:latin typeface="微軟正黑體" pitchFamily="34" charset="-120"/>
-                <a:ea typeface="微軟正黑體" pitchFamily="34" charset="-120"/>
-              </a:rPr>
-              <a:t>在十架替我死赦免眾罪過</a:t>
-            </a:r>
-          </a:p>
-        </p:txBody>
-      </p:sp>
-      <p:sp>
-        <p:nvSpPr>
-          <p:cNvPr id="3" name="TextBox 2"/>
-          <p:cNvSpPr txBox="1"/>
-          <p:nvPr/>
-        </p:nvSpPr>
-        <p:spPr>
-          <a:xfrm>
-            <a:off x="251520" y="1659230"/>
-            <a:ext cx="936104" cy="830997"/>
-          </a:xfrm>
-          <a:prstGeom prst="rect">
-            <a:avLst/>
-          </a:prstGeom>
-          <a:noFill/>
-        </p:spPr>
-        <p:txBody>
-          <a:bodyPr wrap="square" rtlCol="0">
-            <a:spAutoFit/>
-          </a:bodyPr>
-          <a:lstStyle/>
-          <a:p>
-            <a:r>
-              <a:rPr lang="en-US" sz="4800" b="1" dirty="0">
-                <a:solidFill>
-                  <a:srgbClr val="660033"/>
-                </a:solidFill>
-              </a:rPr>
-              <a:t>2</a:t>
-            </a:r>
-            <a:r>
-              <a:rPr lang="en-US" sz="4800" b="1" dirty="0" smtClean="0">
-                <a:solidFill>
-                  <a:srgbClr val="660033"/>
-                </a:solidFill>
-              </a:rPr>
-              <a:t>.</a:t>
-            </a:r>
-            <a:endParaRPr lang="vi-VN" sz="4800" b="1" dirty="0">
-              <a:solidFill>
-                <a:srgbClr val="660033"/>
-              </a:solidFill>
-            </a:endParaRPr>
+                  <a:srgbClr val="000066"/>
+                </a:solidFill>
+                <a:effectLst>
+                  <a:outerShdw blurRad="50000" dist="30000" dir="5400000" algn="tl" rotWithShape="0">
+                    <a:srgbClr val="000000">
+                      <a:alpha val="30000"/>
+                    </a:srgbClr>
+                  </a:outerShdw>
+                </a:effectLst>
+                <a:latin typeface="微軟正黑體" pitchFamily="34" charset="-120"/>
+                <a:ea typeface="微軟正黑體" pitchFamily="34" charset="-120"/>
+              </a:rPr>
+              <a:t>祂祝福你心靈安康</a:t>
+            </a:r>
           </a:p>
         </p:txBody>
       </p:sp>
     </p:spTree>
     <p:extLst>
       <p:ext uri="{BB962C8B-B14F-4D97-AF65-F5344CB8AC3E}">
-        <p14:creationId xmlns:p14="http://schemas.microsoft.com/office/powerpoint/2010/main" val="202123538"/>
+        <p14:creationId xmlns:p14="http://schemas.microsoft.com/office/powerpoint/2010/main" val="3887014078"/>
       </p:ext>
     </p:extLst>
   </p:cSld>
@@ -11136,13 +10838,34 @@
             <a:r>
               <a:rPr lang="zh-TW" altLang="en-US" sz="4800" b="1" dirty="0">
                 <a:solidFill>
-                  <a:srgbClr val="660033"/>
-                </a:solidFill>
-                <a:latin typeface="微軟正黑體" pitchFamily="34" charset="-120"/>
-                <a:ea typeface="微軟正黑體" pitchFamily="34" charset="-120"/>
-              </a:rPr>
-              <a:t>主為我戴荊冠受羞辱陷害</a:t>
-            </a:r>
+                  <a:srgbClr val="000066"/>
+                </a:solidFill>
+                <a:effectLst>
+                  <a:outerShdw blurRad="50000" dist="30000" dir="5400000" algn="tl" rotWithShape="0">
+                    <a:srgbClr val="000000">
+                      <a:alpha val="30000"/>
+                    </a:srgbClr>
+                  </a:outerShdw>
+                </a:effectLst>
+                <a:latin typeface="微軟正黑體" pitchFamily="34" charset="-120"/>
+                <a:ea typeface="微軟正黑體" pitchFamily="34" charset="-120"/>
+              </a:rPr>
+              <a:t>主的愛如流水淙淙</a:t>
+            </a:r>
+            <a:endParaRPr lang="en-US" altLang="zh-TW" sz="4800" b="1" dirty="0">
+              <a:solidFill>
+                <a:srgbClr val="000066"/>
+              </a:solidFill>
+              <a:effectLst>
+                <a:outerShdw blurRad="50000" dist="30000" dir="5400000" algn="tl" rotWithShape="0">
+                  <a:srgbClr val="000000">
+                    <a:alpha val="30000"/>
+                  </a:srgbClr>
+                </a:outerShdw>
+              </a:effectLst>
+              <a:latin typeface="微軟正黑體" pitchFamily="34" charset="-120"/>
+              <a:ea typeface="微軟正黑體" pitchFamily="34" charset="-120"/>
+            </a:endParaRPr>
           </a:p>
           <a:p>
             <a:pPr algn="ctr">
@@ -11151,58 +10874,33 @@
             <a:r>
               <a:rPr lang="zh-TW" altLang="en-US" sz="4800" b="1" dirty="0">
                 <a:solidFill>
-                  <a:srgbClr val="660033"/>
-                </a:solidFill>
-                <a:latin typeface="微軟正黑體" pitchFamily="34" charset="-120"/>
-                <a:ea typeface="微軟正黑體" pitchFamily="34" charset="-120"/>
-              </a:rPr>
-              <a:t>若我曾愛救主 於今更親愛</a:t>
-            </a:r>
-          </a:p>
-        </p:txBody>
-      </p:sp>
-      <p:sp>
-        <p:nvSpPr>
-          <p:cNvPr id="3" name="TextBox 2"/>
-          <p:cNvSpPr txBox="1"/>
-          <p:nvPr/>
-        </p:nvSpPr>
-        <p:spPr>
-          <a:xfrm>
-            <a:off x="251520" y="1659230"/>
-            <a:ext cx="936104" cy="830997"/>
-          </a:xfrm>
-          <a:prstGeom prst="rect">
-            <a:avLst/>
-          </a:prstGeom>
-          <a:noFill/>
-        </p:spPr>
-        <p:txBody>
-          <a:bodyPr wrap="square" rtlCol="0">
-            <a:spAutoFit/>
-          </a:bodyPr>
-          <a:lstStyle/>
-          <a:p>
-            <a:r>
-              <a:rPr lang="en-US" sz="4800" b="1" dirty="0">
-                <a:solidFill>
-                  <a:srgbClr val="660033"/>
-                </a:solidFill>
-              </a:rPr>
-              <a:t>2</a:t>
-            </a:r>
-            <a:r>
-              <a:rPr lang="en-US" sz="4800" b="1" dirty="0" smtClean="0">
-                <a:solidFill>
-                  <a:srgbClr val="660033"/>
-                </a:solidFill>
-              </a:rPr>
-              <a:t>.</a:t>
-            </a:r>
-            <a:endParaRPr lang="vi-VN" sz="4800" b="1" dirty="0">
+                  <a:srgbClr val="000066"/>
+                </a:solidFill>
+                <a:effectLst>
+                  <a:outerShdw blurRad="50000" dist="30000" dir="5400000" algn="tl" rotWithShape="0">
+                    <a:srgbClr val="000000">
+                      <a:alpha val="30000"/>
+                    </a:srgbClr>
+                  </a:outerShdw>
+                </a:effectLst>
+                <a:latin typeface="微軟正黑體" pitchFamily="34" charset="-120"/>
+                <a:ea typeface="微軟正黑體" pitchFamily="34" charset="-120"/>
+              </a:rPr>
+              <a:t>願你分享祂這愛</a:t>
+            </a:r>
+            <a:endParaRPr lang="en-US" altLang="zh-TW" sz="4800" b="1" dirty="0">
               <a:solidFill>
-                <a:srgbClr val="660033"/>
+                <a:srgbClr val="000066"/>
               </a:solidFill>
+              <a:effectLst>
+                <a:outerShdw blurRad="50000" dist="30000" dir="5400000" algn="tl" rotWithShape="0">
+                  <a:srgbClr val="000000">
+                    <a:alpha val="30000"/>
+                  </a:srgbClr>
+                </a:outerShdw>
+              </a:effectLst>
+              <a:latin typeface="微軟正黑體" pitchFamily="34" charset="-120"/>
+              <a:ea typeface="微軟正黑體" pitchFamily="34" charset="-120"/>
             </a:endParaRPr>
           </a:p>
         </p:txBody>
@@ -11210,7 +10908,7 @@
     </p:spTree>
     <p:extLst>
       <p:ext uri="{BB962C8B-B14F-4D97-AF65-F5344CB8AC3E}">
-        <p14:creationId xmlns:p14="http://schemas.microsoft.com/office/powerpoint/2010/main" val="37888372"/>
+        <p14:creationId xmlns:p14="http://schemas.microsoft.com/office/powerpoint/2010/main" val="1828901467"/>
       </p:ext>
     </p:extLst>
   </p:cSld>
@@ -11259,79 +10957,33 @@
           </a:bodyPr>
           <a:lstStyle/>
           <a:p>
-            <a:pPr lvl="0" algn="ctr">
-              <a:buNone/>
-            </a:pPr>
-            <a:r>
-              <a:rPr lang="zh-TW" altLang="en-US" sz="4800" b="1" dirty="0">
-                <a:solidFill>
-                  <a:srgbClr val="660033"/>
-                </a:solidFill>
-                <a:latin typeface="微軟正黑體" pitchFamily="34" charset="-120"/>
-                <a:ea typeface="微軟正黑體" pitchFamily="34" charset="-120"/>
-              </a:rPr>
-              <a:t>無論死生憂樂 我仍愛我主</a:t>
-            </a:r>
-          </a:p>
-          <a:p>
             <a:pPr algn="ctr">
               <a:buNone/>
             </a:pPr>
             <a:r>
               <a:rPr lang="zh-TW" altLang="en-US" sz="4800" b="1" dirty="0">
                 <a:solidFill>
-                  <a:srgbClr val="660033"/>
-                </a:solidFill>
-                <a:latin typeface="微軟正黑體" pitchFamily="34" charset="-120"/>
-                <a:ea typeface="微軟正黑體" pitchFamily="34" charset="-120"/>
-              </a:rPr>
-              <a:t>在世我要時常讚美主耶穌</a:t>
-            </a:r>
-          </a:p>
-        </p:txBody>
-      </p:sp>
-      <p:sp>
-        <p:nvSpPr>
-          <p:cNvPr id="3" name="TextBox 2"/>
-          <p:cNvSpPr txBox="1"/>
-          <p:nvPr/>
-        </p:nvSpPr>
-        <p:spPr>
-          <a:xfrm>
-            <a:off x="251520" y="1659230"/>
-            <a:ext cx="936104" cy="830997"/>
-          </a:xfrm>
-          <a:prstGeom prst="rect">
-            <a:avLst/>
-          </a:prstGeom>
-          <a:noFill/>
-        </p:spPr>
-        <p:txBody>
-          <a:bodyPr wrap="square" rtlCol="0">
-            <a:spAutoFit/>
-          </a:bodyPr>
-          <a:lstStyle/>
-          <a:p>
-            <a:r>
-              <a:rPr lang="en-US" sz="4800" b="1" dirty="0" smtClean="0">
-                <a:solidFill>
-                  <a:srgbClr val="660033"/>
-                </a:solidFill>
-              </a:rPr>
-              <a:t>3.</a:t>
-            </a:r>
-            <a:endParaRPr lang="vi-VN" sz="4800" b="1" dirty="0">
-              <a:solidFill>
-                <a:srgbClr val="660033"/>
-              </a:solidFill>
-            </a:endParaRPr>
+                  <a:srgbClr val="000066"/>
+                </a:solidFill>
+                <a:effectLst>
+                  <a:outerShdw blurRad="50000" dist="30000" dir="5400000" algn="tl" rotWithShape="0">
+                    <a:srgbClr val="000000">
+                      <a:alpha val="30000"/>
+                    </a:srgbClr>
+                  </a:outerShdw>
+                </a:effectLst>
+                <a:latin typeface="微軟正黑體" pitchFamily="34" charset="-120"/>
+                <a:ea typeface="微軟正黑體" pitchFamily="34" charset="-120"/>
+              </a:rPr>
+              <a:t>在那漫漫的黑夜見主光</a:t>
+            </a:r>
           </a:p>
         </p:txBody>
       </p:sp>
     </p:spTree>
     <p:extLst>
       <p:ext uri="{BB962C8B-B14F-4D97-AF65-F5344CB8AC3E}">
-        <p14:creationId xmlns:p14="http://schemas.microsoft.com/office/powerpoint/2010/main" val="1874551836"/>
+        <p14:creationId xmlns:p14="http://schemas.microsoft.com/office/powerpoint/2010/main" val="1857880961"/>
       </p:ext>
     </p:extLst>
   </p:cSld>
@@ -11386,13 +11038,34 @@
             <a:r>
               <a:rPr lang="zh-TW" altLang="en-US" sz="4800" b="1" dirty="0">
                 <a:solidFill>
-                  <a:srgbClr val="660033"/>
-                </a:solidFill>
-                <a:latin typeface="微軟正黑體" pitchFamily="34" charset="-120"/>
-                <a:ea typeface="微軟正黑體" pitchFamily="34" charset="-120"/>
-              </a:rPr>
-              <a:t>直到主再臨我必儆醒等待</a:t>
-            </a:r>
+                  <a:srgbClr val="000066"/>
+                </a:solidFill>
+                <a:effectLst>
+                  <a:outerShdw blurRad="50000" dist="30000" dir="5400000" algn="tl" rotWithShape="0">
+                    <a:srgbClr val="000000">
+                      <a:alpha val="30000"/>
+                    </a:srgbClr>
+                  </a:outerShdw>
+                </a:effectLst>
+                <a:latin typeface="微軟正黑體" pitchFamily="34" charset="-120"/>
+                <a:ea typeface="微軟正黑體" pitchFamily="34" charset="-120"/>
+              </a:rPr>
+              <a:t>主的愛如流水淙淙</a:t>
+            </a:r>
+            <a:endParaRPr lang="en-US" altLang="zh-TW" sz="4800" b="1" dirty="0">
+              <a:solidFill>
+                <a:srgbClr val="000066"/>
+              </a:solidFill>
+              <a:effectLst>
+                <a:outerShdw blurRad="50000" dist="30000" dir="5400000" algn="tl" rotWithShape="0">
+                  <a:srgbClr val="000000">
+                    <a:alpha val="30000"/>
+                  </a:srgbClr>
+                </a:outerShdw>
+              </a:effectLst>
+              <a:latin typeface="微軟正黑體" pitchFamily="34" charset="-120"/>
+              <a:ea typeface="微軟正黑體" pitchFamily="34" charset="-120"/>
+            </a:endParaRPr>
           </a:p>
           <a:p>
             <a:pPr algn="ctr">
@@ -11401,50 +11074,33 @@
             <a:r>
               <a:rPr lang="zh-TW" altLang="en-US" sz="4800" b="1" dirty="0">
                 <a:solidFill>
-                  <a:srgbClr val="660033"/>
-                </a:solidFill>
-                <a:latin typeface="微軟正黑體" pitchFamily="34" charset="-120"/>
-                <a:ea typeface="微軟正黑體" pitchFamily="34" charset="-120"/>
-              </a:rPr>
-              <a:t>若我曾愛救主 於今更親愛</a:t>
-            </a:r>
-          </a:p>
-        </p:txBody>
-      </p:sp>
-      <p:sp>
-        <p:nvSpPr>
-          <p:cNvPr id="3" name="TextBox 2"/>
-          <p:cNvSpPr txBox="1"/>
-          <p:nvPr/>
-        </p:nvSpPr>
-        <p:spPr>
-          <a:xfrm>
-            <a:off x="251520" y="1659230"/>
-            <a:ext cx="936104" cy="830997"/>
-          </a:xfrm>
-          <a:prstGeom prst="rect">
-            <a:avLst/>
-          </a:prstGeom>
-          <a:noFill/>
-        </p:spPr>
-        <p:txBody>
-          <a:bodyPr wrap="square" rtlCol="0">
-            <a:spAutoFit/>
-          </a:bodyPr>
-          <a:lstStyle/>
-          <a:p>
-            <a:r>
-              <a:rPr lang="en-US" sz="4800" b="1" dirty="0" smtClean="0">
-                <a:solidFill>
-                  <a:srgbClr val="660033"/>
-                </a:solidFill>
-              </a:rPr>
-              <a:t>3.</a:t>
-            </a:r>
-            <a:endParaRPr lang="vi-VN" sz="4800" b="1" dirty="0">
+                  <a:srgbClr val="000066"/>
+                </a:solidFill>
+                <a:effectLst>
+                  <a:outerShdw blurRad="50000" dist="30000" dir="5400000" algn="tl" rotWithShape="0">
+                    <a:srgbClr val="000000">
+                      <a:alpha val="30000"/>
+                    </a:srgbClr>
+                  </a:outerShdw>
+                </a:effectLst>
+                <a:latin typeface="微軟正黑體" pitchFamily="34" charset="-120"/>
+                <a:ea typeface="微軟正黑體" pitchFamily="34" charset="-120"/>
+              </a:rPr>
+              <a:t>願你分享祂這愛</a:t>
+            </a:r>
+            <a:endParaRPr lang="en-US" altLang="zh-TW" sz="4800" b="1" dirty="0">
               <a:solidFill>
-                <a:srgbClr val="660033"/>
+                <a:srgbClr val="000066"/>
               </a:solidFill>
+              <a:effectLst>
+                <a:outerShdw blurRad="50000" dist="30000" dir="5400000" algn="tl" rotWithShape="0">
+                  <a:srgbClr val="000000">
+                    <a:alpha val="30000"/>
+                  </a:srgbClr>
+                </a:outerShdw>
+              </a:effectLst>
+              <a:latin typeface="微軟正黑體" pitchFamily="34" charset="-120"/>
+              <a:ea typeface="微軟正黑體" pitchFamily="34" charset="-120"/>
             </a:endParaRPr>
           </a:p>
         </p:txBody>
@@ -11452,7 +11108,7 @@
     </p:spTree>
     <p:extLst>
       <p:ext uri="{BB962C8B-B14F-4D97-AF65-F5344CB8AC3E}">
-        <p14:creationId xmlns:p14="http://schemas.microsoft.com/office/powerpoint/2010/main" val="1584605482"/>
+        <p14:creationId xmlns:p14="http://schemas.microsoft.com/office/powerpoint/2010/main" val="3434591100"/>
       </p:ext>
     </p:extLst>
   </p:cSld>
@@ -11501,87 +11157,33 @@
           </a:bodyPr>
           <a:lstStyle/>
           <a:p>
-            <a:pPr lvl="0" algn="ctr">
-              <a:buNone/>
-            </a:pPr>
-            <a:r>
-              <a:rPr lang="zh-TW" altLang="en-US" sz="4800" b="1" dirty="0">
-                <a:solidFill>
-                  <a:srgbClr val="660033"/>
-                </a:solidFill>
-                <a:latin typeface="微軟正黑體" pitchFamily="34" charset="-120"/>
-                <a:ea typeface="微軟正黑體" pitchFamily="34" charset="-120"/>
-              </a:rPr>
-              <a:t>主再來迎接我 永住榮耀中</a:t>
-            </a:r>
-          </a:p>
-          <a:p>
             <a:pPr algn="ctr">
               <a:buNone/>
             </a:pPr>
             <a:r>
               <a:rPr lang="zh-TW" altLang="en-US" sz="4800" b="1" dirty="0">
                 <a:solidFill>
-                  <a:srgbClr val="660033"/>
-                </a:solidFill>
-                <a:latin typeface="微軟正黑體" pitchFamily="34" charset="-120"/>
-                <a:ea typeface="微軟正黑體" pitchFamily="34" charset="-120"/>
-              </a:rPr>
-              <a:t>我必時常頌揚救主大恩寵</a:t>
-            </a:r>
-          </a:p>
-        </p:txBody>
-      </p:sp>
-      <p:sp>
-        <p:nvSpPr>
-          <p:cNvPr id="3" name="TextBox 2"/>
-          <p:cNvSpPr txBox="1"/>
-          <p:nvPr/>
-        </p:nvSpPr>
-        <p:spPr>
-          <a:xfrm>
-            <a:off x="251520" y="1659230"/>
-            <a:ext cx="936104" cy="830997"/>
-          </a:xfrm>
-          <a:prstGeom prst="rect">
-            <a:avLst/>
-          </a:prstGeom>
-          <a:noFill/>
-        </p:spPr>
-        <p:txBody>
-          <a:bodyPr wrap="square" rtlCol="0">
-            <a:spAutoFit/>
-          </a:bodyPr>
-          <a:lstStyle/>
-          <a:p>
-            <a:r>
-              <a:rPr lang="en-US" sz="4800" b="1" dirty="0">
-                <a:solidFill>
-                  <a:srgbClr val="660033"/>
-                </a:solidFill>
-              </a:rPr>
-              <a:t>4</a:t>
-            </a:r>
-            <a:r>
-              <a:rPr lang="en-US" sz="4800" b="1" dirty="0" smtClean="0">
-                <a:solidFill>
-                  <a:srgbClr val="660033"/>
-                </a:solidFill>
-              </a:rPr>
-              <a:t>.</a:t>
-            </a:r>
-            <a:endParaRPr lang="vi-VN" sz="4800" b="1" dirty="0">
-              <a:solidFill>
-                <a:srgbClr val="660033"/>
-              </a:solidFill>
-            </a:endParaRPr>
+                  <a:srgbClr val="000066"/>
+                </a:solidFill>
+                <a:effectLst>
+                  <a:outerShdw blurRad="50000" dist="30000" dir="5400000" algn="tl" rotWithShape="0">
+                    <a:srgbClr val="000000">
+                      <a:alpha val="30000"/>
+                    </a:srgbClr>
+                  </a:outerShdw>
+                </a:effectLst>
+                <a:latin typeface="微軟正黑體" pitchFamily="34" charset="-120"/>
+                <a:ea typeface="微軟正黑體" pitchFamily="34" charset="-120"/>
+              </a:rPr>
+              <a:t>以你愛  還祂愛  永相愛</a:t>
+            </a:r>
           </a:p>
         </p:txBody>
       </p:sp>
     </p:spTree>
     <p:extLst>
       <p:ext uri="{BB962C8B-B14F-4D97-AF65-F5344CB8AC3E}">
-        <p14:creationId xmlns:p14="http://schemas.microsoft.com/office/powerpoint/2010/main" val="698596208"/>
+        <p14:creationId xmlns:p14="http://schemas.microsoft.com/office/powerpoint/2010/main" val="608233991"/>
       </p:ext>
     </p:extLst>
   </p:cSld>
@@ -11771,1144 +11373,6 @@
 </p:sld>
 </file>
 
-<file path=ppt/slides/slide60.xml><?xml version="1.0" encoding="utf-8"?>
-<p:sld xmlns:a="http://schemas.openxmlformats.org/drawingml/2006/main" xmlns:r="http://schemas.openxmlformats.org/officeDocument/2006/relationships" xmlns:p="http://schemas.openxmlformats.org/presentationml/2006/main">
-  <p:cSld>
-    <p:spTree>
-      <p:nvGrpSpPr>
-        <p:cNvPr id="1" name=""/>
-        <p:cNvGrpSpPr/>
-        <p:nvPr/>
-      </p:nvGrpSpPr>
-      <p:grpSpPr>
-        <a:xfrm>
-          <a:off x="0" y="0"/>
-          <a:ext cx="0" cy="0"/>
-          <a:chOff x="0" y="0"/>
-          <a:chExt cx="0" cy="0"/>
-        </a:xfrm>
-      </p:grpSpPr>
-      <p:sp>
-        <p:nvSpPr>
-          <p:cNvPr id="5" name="內容版面配置區 4"/>
-          <p:cNvSpPr>
-            <a:spLocks noGrp="1"/>
-          </p:cNvSpPr>
-          <p:nvPr>
-            <p:ph idx="1"/>
-          </p:nvPr>
-        </p:nvSpPr>
-        <p:spPr>
-          <a:xfrm>
-            <a:off x="0" y="1563638"/>
-            <a:ext cx="9144000" cy="1803647"/>
-          </a:xfrm>
-        </p:spPr>
-        <p:txBody>
-          <a:bodyPr anchor="ctr">
-            <a:normAutofit/>
-          </a:bodyPr>
-          <a:lstStyle/>
-          <a:p>
-            <a:pPr algn="ctr">
-              <a:buNone/>
-            </a:pPr>
-            <a:r>
-              <a:rPr lang="zh-TW" altLang="en-US" sz="4800" b="1" dirty="0">
-                <a:solidFill>
-                  <a:srgbClr val="660033"/>
-                </a:solidFill>
-                <a:latin typeface="微軟正黑體" pitchFamily="34" charset="-120"/>
-                <a:ea typeface="微軟正黑體" pitchFamily="34" charset="-120"/>
-              </a:rPr>
-              <a:t>戴榮耀冠冕賞賜恩乃格外</a:t>
-            </a:r>
-          </a:p>
-          <a:p>
-            <a:pPr algn="ctr">
-              <a:buNone/>
-            </a:pPr>
-            <a:r>
-              <a:rPr lang="zh-TW" altLang="en-US" sz="4800" b="1" dirty="0">
-                <a:solidFill>
-                  <a:srgbClr val="660033"/>
-                </a:solidFill>
-                <a:latin typeface="微軟正黑體" pitchFamily="34" charset="-120"/>
-                <a:ea typeface="微軟正黑體" pitchFamily="34" charset="-120"/>
-              </a:rPr>
-              <a:t>若我曾愛救主 於今更親愛</a:t>
-            </a:r>
-          </a:p>
-        </p:txBody>
-      </p:sp>
-      <p:sp>
-        <p:nvSpPr>
-          <p:cNvPr id="3" name="TextBox 2"/>
-          <p:cNvSpPr txBox="1"/>
-          <p:nvPr/>
-        </p:nvSpPr>
-        <p:spPr>
-          <a:xfrm>
-            <a:off x="251520" y="1659230"/>
-            <a:ext cx="936104" cy="830997"/>
-          </a:xfrm>
-          <a:prstGeom prst="rect">
-            <a:avLst/>
-          </a:prstGeom>
-          <a:noFill/>
-        </p:spPr>
-        <p:txBody>
-          <a:bodyPr wrap="square" rtlCol="0">
-            <a:spAutoFit/>
-          </a:bodyPr>
-          <a:lstStyle/>
-          <a:p>
-            <a:r>
-              <a:rPr lang="en-US" sz="4800" b="1" dirty="0">
-                <a:solidFill>
-                  <a:srgbClr val="660033"/>
-                </a:solidFill>
-              </a:rPr>
-              <a:t>4</a:t>
-            </a:r>
-            <a:r>
-              <a:rPr lang="en-US" sz="4800" b="1" dirty="0" smtClean="0">
-                <a:solidFill>
-                  <a:srgbClr val="660033"/>
-                </a:solidFill>
-              </a:rPr>
-              <a:t>.</a:t>
-            </a:r>
-            <a:endParaRPr lang="vi-VN" sz="4800" b="1" dirty="0">
-              <a:solidFill>
-                <a:srgbClr val="660033"/>
-              </a:solidFill>
-            </a:endParaRPr>
-          </a:p>
-        </p:txBody>
-      </p:sp>
-    </p:spTree>
-    <p:extLst>
-      <p:ext uri="{BB962C8B-B14F-4D97-AF65-F5344CB8AC3E}">
-        <p14:creationId xmlns:p14="http://schemas.microsoft.com/office/powerpoint/2010/main" val="3797883051"/>
-      </p:ext>
-    </p:extLst>
-  </p:cSld>
-  <p:clrMapOvr>
-    <a:masterClrMapping/>
-  </p:clrMapOvr>
-</p:sld>
-</file>
-
-<file path=ppt/slides/slide61.xml><?xml version="1.0" encoding="utf-8"?>
-<p:sld xmlns:a="http://schemas.openxmlformats.org/drawingml/2006/main" xmlns:r="http://schemas.openxmlformats.org/officeDocument/2006/relationships" xmlns:p="http://schemas.openxmlformats.org/presentationml/2006/main">
-  <p:cSld>
-    <p:spTree>
-      <p:nvGrpSpPr>
-        <p:cNvPr id="1" name=""/>
-        <p:cNvGrpSpPr/>
-        <p:nvPr/>
-      </p:nvGrpSpPr>
-      <p:grpSpPr>
-        <a:xfrm>
-          <a:off x="0" y="0"/>
-          <a:ext cx="0" cy="0"/>
-          <a:chOff x="0" y="0"/>
-          <a:chExt cx="0" cy="0"/>
-        </a:xfrm>
-      </p:grpSpPr>
-      <p:sp>
-        <p:nvSpPr>
-          <p:cNvPr id="4" name="標題 3"/>
-          <p:cNvSpPr>
-            <a:spLocks noGrp="1"/>
-          </p:cNvSpPr>
-          <p:nvPr>
-            <p:ph type="title"/>
-          </p:nvPr>
-        </p:nvSpPr>
-        <p:spPr>
-          <a:xfrm>
-            <a:off x="0" y="2143135"/>
-            <a:ext cx="9144000" cy="857250"/>
-          </a:xfrm>
-        </p:spPr>
-        <p:txBody>
-          <a:bodyPr>
-            <a:noAutofit/>
-          </a:bodyPr>
-          <a:lstStyle/>
-          <a:p>
-            <a:r>
-              <a:rPr lang="zh-CN" altLang="en-US" sz="4000" b="1" u="sng" dirty="0" smtClean="0">
-                <a:solidFill>
-                  <a:srgbClr val="660033"/>
-                </a:solidFill>
-                <a:effectLst>
-                  <a:outerShdw blurRad="38100" dist="38100" dir="2700000" algn="tl">
-                    <a:srgbClr val="000000">
-                      <a:alpha val="43137"/>
-                    </a:srgbClr>
-                  </a:outerShdw>
-                </a:effectLst>
-                <a:latin typeface="微軟正黑體" pitchFamily="34" charset="-120"/>
-                <a:ea typeface="微軟正黑體" pitchFamily="34" charset="-120"/>
-              </a:rPr>
-              <a:t>宣道詩 </a:t>
-            </a:r>
-            <a:r>
-              <a:rPr lang="en-US" altLang="zh-CN" sz="4000" b="1" u="sng" dirty="0" smtClean="0">
-                <a:solidFill>
-                  <a:srgbClr val="660033"/>
-                </a:solidFill>
-                <a:effectLst>
-                  <a:outerShdw blurRad="38100" dist="38100" dir="2700000" algn="tl">
-                    <a:srgbClr val="000000">
-                      <a:alpha val="43137"/>
-                    </a:srgbClr>
-                  </a:outerShdw>
-                </a:effectLst>
-                <a:latin typeface="微軟正黑體" pitchFamily="34" charset="-120"/>
-                <a:ea typeface="微軟正黑體" pitchFamily="34" charset="-120"/>
-              </a:rPr>
-              <a:t>211A</a:t>
-            </a:r>
-            <a:r>
-              <a:rPr lang="en-US" altLang="zh-CN" sz="5400" b="1" i="1" dirty="0" smtClean="0">
-                <a:solidFill>
-                  <a:srgbClr val="660033"/>
-                </a:solidFill>
-                <a:effectLst>
-                  <a:outerShdw blurRad="38100" dist="38100" dir="2700000" algn="tl">
-                    <a:srgbClr val="000000">
-                      <a:alpha val="43137"/>
-                    </a:srgbClr>
-                  </a:outerShdw>
-                </a:effectLst>
-                <a:latin typeface="微軟正黑體" pitchFamily="34" charset="-120"/>
-                <a:ea typeface="微軟正黑體" pitchFamily="34" charset="-120"/>
-              </a:rPr>
-              <a:t/>
-            </a:r>
-            <a:br>
-              <a:rPr lang="en-US" altLang="zh-CN" sz="5400" b="1" i="1" dirty="0" smtClean="0">
-                <a:solidFill>
-                  <a:srgbClr val="660033"/>
-                </a:solidFill>
-                <a:effectLst>
-                  <a:outerShdw blurRad="38100" dist="38100" dir="2700000" algn="tl">
-                    <a:srgbClr val="000000">
-                      <a:alpha val="43137"/>
-                    </a:srgbClr>
-                  </a:outerShdw>
-                </a:effectLst>
-                <a:latin typeface="微軟正黑體" pitchFamily="34" charset="-120"/>
-                <a:ea typeface="微軟正黑體" pitchFamily="34" charset="-120"/>
-              </a:rPr>
-            </a:br>
-            <a:r>
-              <a:rPr lang="zh-CN" altLang="en-US" sz="6000" b="1" dirty="0" smtClean="0">
-                <a:solidFill>
-                  <a:srgbClr val="000066"/>
-                </a:solidFill>
-                <a:effectLst>
-                  <a:outerShdw blurRad="38100" dist="38100" dir="2700000" algn="tl">
-                    <a:srgbClr val="000000">
-                      <a:alpha val="43137"/>
-                    </a:srgbClr>
-                  </a:outerShdw>
-                </a:effectLst>
-                <a:latin typeface="微軟正黑體" pitchFamily="34" charset="-120"/>
-                <a:ea typeface="微軟正黑體" pitchFamily="34" charset="-120"/>
-              </a:rPr>
-              <a:t>主</a:t>
-            </a:r>
-            <a:r>
-              <a:rPr lang="zh-CN" altLang="en-US" sz="6000" b="1" dirty="0">
-                <a:solidFill>
-                  <a:srgbClr val="000066"/>
-                </a:solidFill>
-                <a:effectLst>
-                  <a:outerShdw blurRad="38100" dist="38100" dir="2700000" algn="tl">
-                    <a:srgbClr val="000000">
-                      <a:alpha val="43137"/>
-                    </a:srgbClr>
-                  </a:outerShdw>
-                </a:effectLst>
-                <a:latin typeface="微軟正黑體" pitchFamily="34" charset="-120"/>
-                <a:ea typeface="微軟正黑體" pitchFamily="34" charset="-120"/>
-              </a:rPr>
-              <a:t>愛說不盡</a:t>
-            </a:r>
-            <a:endParaRPr lang="zh-TW" altLang="en-US" sz="6000" b="1" dirty="0">
-              <a:solidFill>
-                <a:srgbClr val="000066"/>
-              </a:solidFill>
-              <a:effectLst>
-                <a:outerShdw blurRad="38100" dist="38100" dir="2700000" algn="tl">
-                  <a:srgbClr val="000000">
-                    <a:alpha val="43137"/>
-                  </a:srgbClr>
-                </a:outerShdw>
-              </a:effectLst>
-              <a:latin typeface="微軟正黑體" pitchFamily="34" charset="-120"/>
-              <a:ea typeface="微軟正黑體" pitchFamily="34" charset="-120"/>
-            </a:endParaRPr>
-          </a:p>
-        </p:txBody>
-      </p:sp>
-    </p:spTree>
-    <p:extLst>
-      <p:ext uri="{BB962C8B-B14F-4D97-AF65-F5344CB8AC3E}">
-        <p14:creationId xmlns:p14="http://schemas.microsoft.com/office/powerpoint/2010/main" val="3838087624"/>
-      </p:ext>
-    </p:extLst>
-  </p:cSld>
-  <p:clrMapOvr>
-    <a:masterClrMapping/>
-  </p:clrMapOvr>
-  <p:timing>
-    <p:tnLst>
-      <p:par>
-        <p:cTn id="1" dur="indefinite" restart="never" nodeType="tmRoot"/>
-      </p:par>
-    </p:tnLst>
-  </p:timing>
-</p:sld>
-</file>
-
-<file path=ppt/slides/slide62.xml><?xml version="1.0" encoding="utf-8"?>
-<p:sld xmlns:a="http://schemas.openxmlformats.org/drawingml/2006/main" xmlns:r="http://schemas.openxmlformats.org/officeDocument/2006/relationships" xmlns:p="http://schemas.openxmlformats.org/presentationml/2006/main">
-  <p:cSld>
-    <p:spTree>
-      <p:nvGrpSpPr>
-        <p:cNvPr id="1" name=""/>
-        <p:cNvGrpSpPr/>
-        <p:nvPr/>
-      </p:nvGrpSpPr>
-      <p:grpSpPr>
-        <a:xfrm>
-          <a:off x="0" y="0"/>
-          <a:ext cx="0" cy="0"/>
-          <a:chOff x="0" y="0"/>
-          <a:chExt cx="0" cy="0"/>
-        </a:xfrm>
-      </p:grpSpPr>
-      <p:sp>
-        <p:nvSpPr>
-          <p:cNvPr id="5" name="內容版面配置區 4"/>
-          <p:cNvSpPr>
-            <a:spLocks noGrp="1"/>
-          </p:cNvSpPr>
-          <p:nvPr>
-            <p:ph idx="1"/>
-          </p:nvPr>
-        </p:nvSpPr>
-        <p:spPr>
-          <a:xfrm>
-            <a:off x="0" y="1563638"/>
-            <a:ext cx="9144000" cy="1803647"/>
-          </a:xfrm>
-        </p:spPr>
-        <p:txBody>
-          <a:bodyPr anchor="ctr">
-            <a:normAutofit/>
-          </a:bodyPr>
-          <a:lstStyle/>
-          <a:p>
-            <a:pPr marL="0" indent="0" algn="ctr">
-              <a:buNone/>
-            </a:pPr>
-            <a:r>
-              <a:rPr lang="zh-TW" altLang="en-US" sz="4800" b="1" dirty="0">
-                <a:solidFill>
-                  <a:srgbClr val="000066"/>
-                </a:solidFill>
-                <a:latin typeface="Microsoft JhengHei" panose="020B0604030504040204" pitchFamily="34" charset="-120"/>
-                <a:ea typeface="Microsoft JhengHei" panose="020B0604030504040204" pitchFamily="34" charset="-120"/>
-              </a:rPr>
-              <a:t>耶穌向我所存恩愛</a:t>
-            </a:r>
-          </a:p>
-          <a:p>
-            <a:pPr marL="0" indent="0" algn="ctr">
-              <a:buNone/>
-            </a:pPr>
-            <a:r>
-              <a:rPr lang="zh-TW" altLang="en-US" sz="4800" b="1" dirty="0">
-                <a:solidFill>
-                  <a:srgbClr val="000066"/>
-                </a:solidFill>
-                <a:latin typeface="Microsoft JhengHei" panose="020B0604030504040204" pitchFamily="34" charset="-120"/>
-                <a:ea typeface="Microsoft JhengHei" panose="020B0604030504040204" pitchFamily="34" charset="-120"/>
-              </a:rPr>
-              <a:t>捨身流血還我罪債</a:t>
-            </a:r>
-          </a:p>
-        </p:txBody>
-      </p:sp>
-      <p:sp>
-        <p:nvSpPr>
-          <p:cNvPr id="3" name="TextBox 2"/>
-          <p:cNvSpPr txBox="1"/>
-          <p:nvPr/>
-        </p:nvSpPr>
-        <p:spPr>
-          <a:xfrm>
-            <a:off x="827584" y="1661525"/>
-            <a:ext cx="936104" cy="830997"/>
-          </a:xfrm>
-          <a:prstGeom prst="rect">
-            <a:avLst/>
-          </a:prstGeom>
-          <a:noFill/>
-        </p:spPr>
-        <p:txBody>
-          <a:bodyPr wrap="square" rtlCol="0">
-            <a:spAutoFit/>
-          </a:bodyPr>
-          <a:lstStyle/>
-          <a:p>
-            <a:r>
-              <a:rPr lang="en-US" sz="4800" b="1" dirty="0" smtClean="0">
-                <a:solidFill>
-                  <a:srgbClr val="000066"/>
-                </a:solidFill>
-              </a:rPr>
-              <a:t>1.</a:t>
-            </a:r>
-            <a:endParaRPr lang="vi-VN" sz="4800" b="1" dirty="0">
-              <a:solidFill>
-                <a:srgbClr val="000066"/>
-              </a:solidFill>
-            </a:endParaRPr>
-          </a:p>
-        </p:txBody>
-      </p:sp>
-    </p:spTree>
-    <p:extLst>
-      <p:ext uri="{BB962C8B-B14F-4D97-AF65-F5344CB8AC3E}">
-        <p14:creationId xmlns:p14="http://schemas.microsoft.com/office/powerpoint/2010/main" val="979676214"/>
-      </p:ext>
-    </p:extLst>
-  </p:cSld>
-  <p:clrMapOvr>
-    <a:masterClrMapping/>
-  </p:clrMapOvr>
-</p:sld>
-</file>
-
-<file path=ppt/slides/slide63.xml><?xml version="1.0" encoding="utf-8"?>
-<p:sld xmlns:a="http://schemas.openxmlformats.org/drawingml/2006/main" xmlns:r="http://schemas.openxmlformats.org/officeDocument/2006/relationships" xmlns:p="http://schemas.openxmlformats.org/presentationml/2006/main">
-  <p:cSld>
-    <p:spTree>
-      <p:nvGrpSpPr>
-        <p:cNvPr id="1" name=""/>
-        <p:cNvGrpSpPr/>
-        <p:nvPr/>
-      </p:nvGrpSpPr>
-      <p:grpSpPr>
-        <a:xfrm>
-          <a:off x="0" y="0"/>
-          <a:ext cx="0" cy="0"/>
-          <a:chOff x="0" y="0"/>
-          <a:chExt cx="0" cy="0"/>
-        </a:xfrm>
-      </p:grpSpPr>
-      <p:sp>
-        <p:nvSpPr>
-          <p:cNvPr id="5" name="內容版面配置區 4"/>
-          <p:cNvSpPr>
-            <a:spLocks noGrp="1"/>
-          </p:cNvSpPr>
-          <p:nvPr>
-            <p:ph idx="1"/>
-          </p:nvPr>
-        </p:nvSpPr>
-        <p:spPr>
-          <a:xfrm>
-            <a:off x="0" y="1563638"/>
-            <a:ext cx="9144000" cy="1803647"/>
-          </a:xfrm>
-        </p:spPr>
-        <p:txBody>
-          <a:bodyPr anchor="ctr">
-            <a:normAutofit/>
-          </a:bodyPr>
-          <a:lstStyle/>
-          <a:p>
-            <a:pPr marL="0" indent="0" algn="ctr">
-              <a:buNone/>
-            </a:pPr>
-            <a:r>
-              <a:rPr lang="zh-TW" altLang="en-US" sz="4800" b="1" dirty="0">
-                <a:solidFill>
-                  <a:srgbClr val="000066"/>
-                </a:solidFill>
-                <a:latin typeface="Microsoft JhengHei" panose="020B0604030504040204" pitchFamily="34" charset="-120"/>
-                <a:ea typeface="Microsoft JhengHei" panose="020B0604030504040204" pitchFamily="34" charset="-120"/>
-              </a:rPr>
-              <a:t>使我得免永遠災害</a:t>
-            </a:r>
-          </a:p>
-          <a:p>
-            <a:pPr marL="0" indent="0" algn="ctr">
-              <a:buNone/>
-            </a:pPr>
-            <a:r>
-              <a:rPr lang="zh-TW" altLang="en-US" sz="4800" b="1" dirty="0">
-                <a:solidFill>
-                  <a:srgbClr val="000066"/>
-                </a:solidFill>
-                <a:latin typeface="Microsoft JhengHei" panose="020B0604030504040204" pitchFamily="34" charset="-120"/>
-                <a:ea typeface="Microsoft JhengHei" panose="020B0604030504040204" pitchFamily="34" charset="-120"/>
-              </a:rPr>
-              <a:t>主恩愛說不盡</a:t>
-            </a:r>
-          </a:p>
-        </p:txBody>
-      </p:sp>
-      <p:sp>
-        <p:nvSpPr>
-          <p:cNvPr id="3" name="TextBox 2"/>
-          <p:cNvSpPr txBox="1"/>
-          <p:nvPr/>
-        </p:nvSpPr>
-        <p:spPr>
-          <a:xfrm>
-            <a:off x="827584" y="1661525"/>
-            <a:ext cx="936104" cy="830997"/>
-          </a:xfrm>
-          <a:prstGeom prst="rect">
-            <a:avLst/>
-          </a:prstGeom>
-          <a:noFill/>
-        </p:spPr>
-        <p:txBody>
-          <a:bodyPr wrap="square" rtlCol="0">
-            <a:spAutoFit/>
-          </a:bodyPr>
-          <a:lstStyle/>
-          <a:p>
-            <a:r>
-              <a:rPr lang="en-US" sz="4800" b="1" dirty="0" smtClean="0">
-                <a:solidFill>
-                  <a:srgbClr val="000066"/>
-                </a:solidFill>
-              </a:rPr>
-              <a:t>1.</a:t>
-            </a:r>
-            <a:endParaRPr lang="vi-VN" sz="4800" b="1" dirty="0">
-              <a:solidFill>
-                <a:srgbClr val="000066"/>
-              </a:solidFill>
-            </a:endParaRPr>
-          </a:p>
-        </p:txBody>
-      </p:sp>
-    </p:spTree>
-    <p:extLst>
-      <p:ext uri="{BB962C8B-B14F-4D97-AF65-F5344CB8AC3E}">
-        <p14:creationId xmlns:p14="http://schemas.microsoft.com/office/powerpoint/2010/main" val="1871753127"/>
-      </p:ext>
-    </p:extLst>
-  </p:cSld>
-  <p:clrMapOvr>
-    <a:masterClrMapping/>
-  </p:clrMapOvr>
-</p:sld>
-</file>
-
-<file path=ppt/slides/slide64.xml><?xml version="1.0" encoding="utf-8"?>
-<p:sld xmlns:a="http://schemas.openxmlformats.org/drawingml/2006/main" xmlns:r="http://schemas.openxmlformats.org/officeDocument/2006/relationships" xmlns:p="http://schemas.openxmlformats.org/presentationml/2006/main">
-  <p:cSld>
-    <p:spTree>
-      <p:nvGrpSpPr>
-        <p:cNvPr id="1" name=""/>
-        <p:cNvGrpSpPr/>
-        <p:nvPr/>
-      </p:nvGrpSpPr>
-      <p:grpSpPr>
-        <a:xfrm>
-          <a:off x="0" y="0"/>
-          <a:ext cx="0" cy="0"/>
-          <a:chOff x="0" y="0"/>
-          <a:chExt cx="0" cy="0"/>
-        </a:xfrm>
-      </p:grpSpPr>
-      <p:sp>
-        <p:nvSpPr>
-          <p:cNvPr id="5" name="內容版面配置區 4"/>
-          <p:cNvSpPr>
-            <a:spLocks noGrp="1"/>
-          </p:cNvSpPr>
-          <p:nvPr>
-            <p:ph idx="1"/>
-          </p:nvPr>
-        </p:nvSpPr>
-        <p:spPr>
-          <a:xfrm>
-            <a:off x="0" y="1563638"/>
-            <a:ext cx="9144000" cy="1803647"/>
-          </a:xfrm>
-        </p:spPr>
-        <p:txBody>
-          <a:bodyPr anchor="ctr">
-            <a:normAutofit/>
-          </a:bodyPr>
-          <a:lstStyle/>
-          <a:p>
-            <a:pPr marL="0" indent="0" algn="ctr">
-              <a:buNone/>
-            </a:pPr>
-            <a:r>
-              <a:rPr lang="zh-TW" altLang="en-US" sz="4800" b="1" dirty="0">
-                <a:solidFill>
-                  <a:srgbClr val="000066"/>
-                </a:solidFill>
-                <a:latin typeface="Microsoft JhengHei" panose="020B0604030504040204" pitchFamily="34" charset="-120"/>
-                <a:ea typeface="Microsoft JhengHei" panose="020B0604030504040204" pitchFamily="34" charset="-120"/>
-              </a:rPr>
-              <a:t>主愛口舌真說不盡</a:t>
-            </a:r>
-          </a:p>
-          <a:p>
-            <a:pPr marL="0" indent="0" algn="ctr">
-              <a:buNone/>
-            </a:pPr>
-            <a:r>
-              <a:rPr lang="zh-TW" altLang="en-US" sz="4800" b="1" dirty="0">
-                <a:solidFill>
-                  <a:srgbClr val="000066"/>
-                </a:solidFill>
-                <a:latin typeface="Microsoft JhengHei" panose="020B0604030504040204" pitchFamily="34" charset="-120"/>
-                <a:ea typeface="Microsoft JhengHei" panose="020B0604030504040204" pitchFamily="34" charset="-120"/>
-              </a:rPr>
-              <a:t>主愛口舌真說不盡</a:t>
-            </a:r>
-          </a:p>
-        </p:txBody>
-      </p:sp>
-    </p:spTree>
-    <p:extLst>
-      <p:ext uri="{BB962C8B-B14F-4D97-AF65-F5344CB8AC3E}">
-        <p14:creationId xmlns:p14="http://schemas.microsoft.com/office/powerpoint/2010/main" val="3194629296"/>
-      </p:ext>
-    </p:extLst>
-  </p:cSld>
-  <p:clrMapOvr>
-    <a:masterClrMapping/>
-  </p:clrMapOvr>
-</p:sld>
-</file>
-
-<file path=ppt/slides/slide65.xml><?xml version="1.0" encoding="utf-8"?>
-<p:sld xmlns:a="http://schemas.openxmlformats.org/drawingml/2006/main" xmlns:r="http://schemas.openxmlformats.org/officeDocument/2006/relationships" xmlns:p="http://schemas.openxmlformats.org/presentationml/2006/main">
-  <p:cSld>
-    <p:spTree>
-      <p:nvGrpSpPr>
-        <p:cNvPr id="1" name=""/>
-        <p:cNvGrpSpPr/>
-        <p:nvPr/>
-      </p:nvGrpSpPr>
-      <p:grpSpPr>
-        <a:xfrm>
-          <a:off x="0" y="0"/>
-          <a:ext cx="0" cy="0"/>
-          <a:chOff x="0" y="0"/>
-          <a:chExt cx="0" cy="0"/>
-        </a:xfrm>
-      </p:grpSpPr>
-      <p:sp>
-        <p:nvSpPr>
-          <p:cNvPr id="5" name="內容版面配置區 4"/>
-          <p:cNvSpPr>
-            <a:spLocks noGrp="1"/>
-          </p:cNvSpPr>
-          <p:nvPr>
-            <p:ph idx="1"/>
-          </p:nvPr>
-        </p:nvSpPr>
-        <p:spPr>
-          <a:xfrm>
-            <a:off x="0" y="1563638"/>
-            <a:ext cx="9144000" cy="1803647"/>
-          </a:xfrm>
-        </p:spPr>
-        <p:txBody>
-          <a:bodyPr anchor="ctr">
-            <a:normAutofit/>
-          </a:bodyPr>
-          <a:lstStyle/>
-          <a:p>
-            <a:pPr marL="0" indent="0" algn="ctr">
-              <a:buNone/>
-            </a:pPr>
-            <a:r>
-              <a:rPr lang="zh-TW" altLang="en-US" sz="4800" b="1" dirty="0">
-                <a:solidFill>
-                  <a:srgbClr val="000066"/>
-                </a:solidFill>
-                <a:latin typeface="Microsoft JhengHei" panose="020B0604030504040204" pitchFamily="34" charset="-120"/>
-                <a:ea typeface="Microsoft JhengHei" panose="020B0604030504040204" pitchFamily="34" charset="-120"/>
-              </a:rPr>
-              <a:t>耶穌向我所存恩愛</a:t>
-            </a:r>
-          </a:p>
-          <a:p>
-            <a:pPr marL="0" indent="0" algn="ctr">
-              <a:buNone/>
-            </a:pPr>
-            <a:r>
-              <a:rPr lang="zh-TW" altLang="en-US" sz="4800" b="1" dirty="0">
-                <a:solidFill>
-                  <a:srgbClr val="000066"/>
-                </a:solidFill>
-                <a:latin typeface="Microsoft JhengHei" panose="020B0604030504040204" pitchFamily="34" charset="-120"/>
-                <a:ea typeface="Microsoft JhengHei" panose="020B0604030504040204" pitchFamily="34" charset="-120"/>
-              </a:rPr>
-              <a:t>口舌永說不盡</a:t>
-            </a:r>
-          </a:p>
-        </p:txBody>
-      </p:sp>
-    </p:spTree>
-    <p:extLst>
-      <p:ext uri="{BB962C8B-B14F-4D97-AF65-F5344CB8AC3E}">
-        <p14:creationId xmlns:p14="http://schemas.microsoft.com/office/powerpoint/2010/main" val="4021168486"/>
-      </p:ext>
-    </p:extLst>
-  </p:cSld>
-  <p:clrMapOvr>
-    <a:masterClrMapping/>
-  </p:clrMapOvr>
-</p:sld>
-</file>
-
-<file path=ppt/slides/slide66.xml><?xml version="1.0" encoding="utf-8"?>
-<p:sld xmlns:a="http://schemas.openxmlformats.org/drawingml/2006/main" xmlns:r="http://schemas.openxmlformats.org/officeDocument/2006/relationships" xmlns:p="http://schemas.openxmlformats.org/presentationml/2006/main">
-  <p:cSld>
-    <p:spTree>
-      <p:nvGrpSpPr>
-        <p:cNvPr id="1" name=""/>
-        <p:cNvGrpSpPr/>
-        <p:nvPr/>
-      </p:nvGrpSpPr>
-      <p:grpSpPr>
-        <a:xfrm>
-          <a:off x="0" y="0"/>
-          <a:ext cx="0" cy="0"/>
-          <a:chOff x="0" y="0"/>
-          <a:chExt cx="0" cy="0"/>
-        </a:xfrm>
-      </p:grpSpPr>
-      <p:sp>
-        <p:nvSpPr>
-          <p:cNvPr id="5" name="內容版面配置區 4"/>
-          <p:cNvSpPr>
-            <a:spLocks noGrp="1"/>
-          </p:cNvSpPr>
-          <p:nvPr>
-            <p:ph idx="1"/>
-          </p:nvPr>
-        </p:nvSpPr>
-        <p:spPr>
-          <a:xfrm>
-            <a:off x="0" y="1563638"/>
-            <a:ext cx="9144000" cy="1803647"/>
-          </a:xfrm>
-        </p:spPr>
-        <p:txBody>
-          <a:bodyPr anchor="ctr">
-            <a:normAutofit/>
-          </a:bodyPr>
-          <a:lstStyle/>
-          <a:p>
-            <a:pPr marL="0" indent="0" algn="ctr">
-              <a:buNone/>
-            </a:pPr>
-            <a:r>
-              <a:rPr lang="zh-TW" altLang="en-US" sz="4800" b="1" dirty="0">
-                <a:solidFill>
-                  <a:srgbClr val="000066"/>
-                </a:solidFill>
-                <a:latin typeface="Microsoft JhengHei" panose="020B0604030504040204" pitchFamily="34" charset="-120"/>
-                <a:ea typeface="Microsoft JhengHei" panose="020B0604030504040204" pitchFamily="34" charset="-120"/>
-              </a:rPr>
-              <a:t>我主受難沫吐滿臉</a:t>
-            </a:r>
-          </a:p>
-          <a:p>
-            <a:pPr marL="0" indent="0" algn="ctr">
-              <a:buNone/>
-            </a:pPr>
-            <a:r>
-              <a:rPr lang="zh-TW" altLang="en-US" sz="4800" b="1" dirty="0">
-                <a:solidFill>
-                  <a:srgbClr val="000066"/>
-                </a:solidFill>
-                <a:latin typeface="Microsoft JhengHei" panose="020B0604030504040204" pitchFamily="34" charset="-120"/>
-                <a:ea typeface="Microsoft JhengHei" panose="020B0604030504040204" pitchFamily="34" charset="-120"/>
-              </a:rPr>
-              <a:t>被人凌辱戴荊棘冕</a:t>
-            </a:r>
-          </a:p>
-        </p:txBody>
-      </p:sp>
-      <p:sp>
-        <p:nvSpPr>
-          <p:cNvPr id="3" name="TextBox 2"/>
-          <p:cNvSpPr txBox="1"/>
-          <p:nvPr/>
-        </p:nvSpPr>
-        <p:spPr>
-          <a:xfrm>
-            <a:off x="827584" y="1661525"/>
-            <a:ext cx="936104" cy="830997"/>
-          </a:xfrm>
-          <a:prstGeom prst="rect">
-            <a:avLst/>
-          </a:prstGeom>
-          <a:noFill/>
-        </p:spPr>
-        <p:txBody>
-          <a:bodyPr wrap="square" rtlCol="0">
-            <a:spAutoFit/>
-          </a:bodyPr>
-          <a:lstStyle/>
-          <a:p>
-            <a:r>
-              <a:rPr lang="en-US" sz="4800" b="1" dirty="0">
-                <a:solidFill>
-                  <a:srgbClr val="000066"/>
-                </a:solidFill>
-              </a:rPr>
-              <a:t>2</a:t>
-            </a:r>
-            <a:r>
-              <a:rPr lang="en-US" sz="4800" b="1" dirty="0" smtClean="0">
-                <a:solidFill>
-                  <a:srgbClr val="000066"/>
-                </a:solidFill>
-              </a:rPr>
-              <a:t>.</a:t>
-            </a:r>
-            <a:endParaRPr lang="vi-VN" sz="4800" b="1" dirty="0">
-              <a:solidFill>
-                <a:srgbClr val="000066"/>
-              </a:solidFill>
-            </a:endParaRPr>
-          </a:p>
-        </p:txBody>
-      </p:sp>
-    </p:spTree>
-    <p:extLst>
-      <p:ext uri="{BB962C8B-B14F-4D97-AF65-F5344CB8AC3E}">
-        <p14:creationId xmlns:p14="http://schemas.microsoft.com/office/powerpoint/2010/main" val="1189484291"/>
-      </p:ext>
-    </p:extLst>
-  </p:cSld>
-  <p:clrMapOvr>
-    <a:masterClrMapping/>
-  </p:clrMapOvr>
-</p:sld>
-</file>
-
-<file path=ppt/slides/slide67.xml><?xml version="1.0" encoding="utf-8"?>
-<p:sld xmlns:a="http://schemas.openxmlformats.org/drawingml/2006/main" xmlns:r="http://schemas.openxmlformats.org/officeDocument/2006/relationships" xmlns:p="http://schemas.openxmlformats.org/presentationml/2006/main">
-  <p:cSld>
-    <p:spTree>
-      <p:nvGrpSpPr>
-        <p:cNvPr id="1" name=""/>
-        <p:cNvGrpSpPr/>
-        <p:nvPr/>
-      </p:nvGrpSpPr>
-      <p:grpSpPr>
-        <a:xfrm>
-          <a:off x="0" y="0"/>
-          <a:ext cx="0" cy="0"/>
-          <a:chOff x="0" y="0"/>
-          <a:chExt cx="0" cy="0"/>
-        </a:xfrm>
-      </p:grpSpPr>
-      <p:sp>
-        <p:nvSpPr>
-          <p:cNvPr id="5" name="內容版面配置區 4"/>
-          <p:cNvSpPr>
-            <a:spLocks noGrp="1"/>
-          </p:cNvSpPr>
-          <p:nvPr>
-            <p:ph idx="1"/>
-          </p:nvPr>
-        </p:nvSpPr>
-        <p:spPr>
-          <a:xfrm>
-            <a:off x="0" y="1563638"/>
-            <a:ext cx="9144000" cy="1803647"/>
-          </a:xfrm>
-        </p:spPr>
-        <p:txBody>
-          <a:bodyPr anchor="ctr">
-            <a:normAutofit/>
-          </a:bodyPr>
-          <a:lstStyle/>
-          <a:p>
-            <a:pPr marL="0" indent="0" algn="ctr">
-              <a:buNone/>
-            </a:pPr>
-            <a:r>
-              <a:rPr lang="zh-TW" altLang="en-US" sz="4800" b="1" dirty="0">
-                <a:solidFill>
-                  <a:srgbClr val="000066"/>
-                </a:solidFill>
-                <a:latin typeface="Microsoft JhengHei" panose="020B0604030504040204" pitchFamily="34" charset="-120"/>
-                <a:ea typeface="Microsoft JhengHei" panose="020B0604030504040204" pitchFamily="34" charset="-120"/>
-              </a:rPr>
-              <a:t>使我得蒙救贖恩典</a:t>
-            </a:r>
-          </a:p>
-          <a:p>
-            <a:pPr marL="0" indent="0" algn="ctr">
-              <a:buNone/>
-            </a:pPr>
-            <a:r>
-              <a:rPr lang="zh-TW" altLang="en-US" sz="4800" b="1" dirty="0">
-                <a:solidFill>
-                  <a:srgbClr val="000066"/>
-                </a:solidFill>
-                <a:latin typeface="Microsoft JhengHei" panose="020B0604030504040204" pitchFamily="34" charset="-120"/>
-                <a:ea typeface="Microsoft JhengHei" panose="020B0604030504040204" pitchFamily="34" charset="-120"/>
-              </a:rPr>
-              <a:t>主恩愛說不盡</a:t>
-            </a:r>
-          </a:p>
-        </p:txBody>
-      </p:sp>
-      <p:sp>
-        <p:nvSpPr>
-          <p:cNvPr id="3" name="TextBox 2"/>
-          <p:cNvSpPr txBox="1"/>
-          <p:nvPr/>
-        </p:nvSpPr>
-        <p:spPr>
-          <a:xfrm>
-            <a:off x="827584" y="1661525"/>
-            <a:ext cx="936104" cy="830997"/>
-          </a:xfrm>
-          <a:prstGeom prst="rect">
-            <a:avLst/>
-          </a:prstGeom>
-          <a:noFill/>
-        </p:spPr>
-        <p:txBody>
-          <a:bodyPr wrap="square" rtlCol="0">
-            <a:spAutoFit/>
-          </a:bodyPr>
-          <a:lstStyle/>
-          <a:p>
-            <a:r>
-              <a:rPr lang="en-US" sz="4800" b="1" dirty="0">
-                <a:solidFill>
-                  <a:srgbClr val="000066"/>
-                </a:solidFill>
-              </a:rPr>
-              <a:t>2</a:t>
-            </a:r>
-            <a:r>
-              <a:rPr lang="en-US" sz="4800" b="1" dirty="0" smtClean="0">
-                <a:solidFill>
-                  <a:srgbClr val="000066"/>
-                </a:solidFill>
-              </a:rPr>
-              <a:t>.</a:t>
-            </a:r>
-            <a:endParaRPr lang="vi-VN" sz="4800" b="1" dirty="0">
-              <a:solidFill>
-                <a:srgbClr val="000066"/>
-              </a:solidFill>
-            </a:endParaRPr>
-          </a:p>
-        </p:txBody>
-      </p:sp>
-    </p:spTree>
-    <p:extLst>
-      <p:ext uri="{BB962C8B-B14F-4D97-AF65-F5344CB8AC3E}">
-        <p14:creationId xmlns:p14="http://schemas.microsoft.com/office/powerpoint/2010/main" val="1372881687"/>
-      </p:ext>
-    </p:extLst>
-  </p:cSld>
-  <p:clrMapOvr>
-    <a:masterClrMapping/>
-  </p:clrMapOvr>
-</p:sld>
-</file>
-
-<file path=ppt/slides/slide68.xml><?xml version="1.0" encoding="utf-8"?>
-<p:sld xmlns:a="http://schemas.openxmlformats.org/drawingml/2006/main" xmlns:r="http://schemas.openxmlformats.org/officeDocument/2006/relationships" xmlns:p="http://schemas.openxmlformats.org/presentationml/2006/main">
-  <p:cSld>
-    <p:spTree>
-      <p:nvGrpSpPr>
-        <p:cNvPr id="1" name=""/>
-        <p:cNvGrpSpPr/>
-        <p:nvPr/>
-      </p:nvGrpSpPr>
-      <p:grpSpPr>
-        <a:xfrm>
-          <a:off x="0" y="0"/>
-          <a:ext cx="0" cy="0"/>
-          <a:chOff x="0" y="0"/>
-          <a:chExt cx="0" cy="0"/>
-        </a:xfrm>
-      </p:grpSpPr>
-      <p:sp>
-        <p:nvSpPr>
-          <p:cNvPr id="5" name="內容版面配置區 4"/>
-          <p:cNvSpPr>
-            <a:spLocks noGrp="1"/>
-          </p:cNvSpPr>
-          <p:nvPr>
-            <p:ph idx="1"/>
-          </p:nvPr>
-        </p:nvSpPr>
-        <p:spPr>
-          <a:xfrm>
-            <a:off x="0" y="1563638"/>
-            <a:ext cx="9144000" cy="1803647"/>
-          </a:xfrm>
-        </p:spPr>
-        <p:txBody>
-          <a:bodyPr anchor="ctr">
-            <a:normAutofit/>
-          </a:bodyPr>
-          <a:lstStyle/>
-          <a:p>
-            <a:pPr marL="0" indent="0" algn="ctr">
-              <a:buNone/>
-            </a:pPr>
-            <a:r>
-              <a:rPr lang="zh-TW" altLang="en-US" sz="4800" b="1" dirty="0">
-                <a:solidFill>
-                  <a:srgbClr val="000066"/>
-                </a:solidFill>
-                <a:latin typeface="Microsoft JhengHei" panose="020B0604030504040204" pitchFamily="34" charset="-120"/>
-                <a:ea typeface="Microsoft JhengHei" panose="020B0604030504040204" pitchFamily="34" charset="-120"/>
-              </a:rPr>
-              <a:t>主愛口舌真說不盡</a:t>
-            </a:r>
-          </a:p>
-          <a:p>
-            <a:pPr marL="0" indent="0" algn="ctr">
-              <a:buNone/>
-            </a:pPr>
-            <a:r>
-              <a:rPr lang="zh-TW" altLang="en-US" sz="4800" b="1" dirty="0">
-                <a:solidFill>
-                  <a:srgbClr val="000066"/>
-                </a:solidFill>
-                <a:latin typeface="Microsoft JhengHei" panose="020B0604030504040204" pitchFamily="34" charset="-120"/>
-                <a:ea typeface="Microsoft JhengHei" panose="020B0604030504040204" pitchFamily="34" charset="-120"/>
-              </a:rPr>
-              <a:t>主愛口舌真說不盡</a:t>
-            </a:r>
-          </a:p>
-        </p:txBody>
-      </p:sp>
-    </p:spTree>
-    <p:extLst>
-      <p:ext uri="{BB962C8B-B14F-4D97-AF65-F5344CB8AC3E}">
-        <p14:creationId xmlns:p14="http://schemas.microsoft.com/office/powerpoint/2010/main" val="2476959865"/>
-      </p:ext>
-    </p:extLst>
-  </p:cSld>
-  <p:clrMapOvr>
-    <a:masterClrMapping/>
-  </p:clrMapOvr>
-</p:sld>
-</file>
-
-<file path=ppt/slides/slide69.xml><?xml version="1.0" encoding="utf-8"?>
-<p:sld xmlns:a="http://schemas.openxmlformats.org/drawingml/2006/main" xmlns:r="http://schemas.openxmlformats.org/officeDocument/2006/relationships" xmlns:p="http://schemas.openxmlformats.org/presentationml/2006/main">
-  <p:cSld>
-    <p:spTree>
-      <p:nvGrpSpPr>
-        <p:cNvPr id="1" name=""/>
-        <p:cNvGrpSpPr/>
-        <p:nvPr/>
-      </p:nvGrpSpPr>
-      <p:grpSpPr>
-        <a:xfrm>
-          <a:off x="0" y="0"/>
-          <a:ext cx="0" cy="0"/>
-          <a:chOff x="0" y="0"/>
-          <a:chExt cx="0" cy="0"/>
-        </a:xfrm>
-      </p:grpSpPr>
-      <p:sp>
-        <p:nvSpPr>
-          <p:cNvPr id="5" name="內容版面配置區 4"/>
-          <p:cNvSpPr>
-            <a:spLocks noGrp="1"/>
-          </p:cNvSpPr>
-          <p:nvPr>
-            <p:ph idx="1"/>
-          </p:nvPr>
-        </p:nvSpPr>
-        <p:spPr>
-          <a:xfrm>
-            <a:off x="0" y="1563638"/>
-            <a:ext cx="9144000" cy="1803647"/>
-          </a:xfrm>
-        </p:spPr>
-        <p:txBody>
-          <a:bodyPr anchor="ctr">
-            <a:normAutofit/>
-          </a:bodyPr>
-          <a:lstStyle/>
-          <a:p>
-            <a:pPr marL="0" indent="0" algn="ctr">
-              <a:buNone/>
-            </a:pPr>
-            <a:r>
-              <a:rPr lang="zh-TW" altLang="en-US" sz="4800" b="1" dirty="0">
-                <a:solidFill>
-                  <a:srgbClr val="000066"/>
-                </a:solidFill>
-                <a:latin typeface="Microsoft JhengHei" panose="020B0604030504040204" pitchFamily="34" charset="-120"/>
-                <a:ea typeface="Microsoft JhengHei" panose="020B0604030504040204" pitchFamily="34" charset="-120"/>
-              </a:rPr>
-              <a:t>耶穌向我所存恩愛</a:t>
-            </a:r>
-          </a:p>
-          <a:p>
-            <a:pPr marL="0" indent="0" algn="ctr">
-              <a:buNone/>
-            </a:pPr>
-            <a:r>
-              <a:rPr lang="zh-TW" altLang="en-US" sz="4800" b="1" dirty="0">
-                <a:solidFill>
-                  <a:srgbClr val="000066"/>
-                </a:solidFill>
-                <a:latin typeface="Microsoft JhengHei" panose="020B0604030504040204" pitchFamily="34" charset="-120"/>
-                <a:ea typeface="Microsoft JhengHei" panose="020B0604030504040204" pitchFamily="34" charset="-120"/>
-              </a:rPr>
-              <a:t>口舌永說不盡</a:t>
-            </a:r>
-          </a:p>
-        </p:txBody>
-      </p:sp>
-    </p:spTree>
-    <p:extLst>
-      <p:ext uri="{BB962C8B-B14F-4D97-AF65-F5344CB8AC3E}">
-        <p14:creationId xmlns:p14="http://schemas.microsoft.com/office/powerpoint/2010/main" val="3563547528"/>
-      </p:ext>
-    </p:extLst>
-  </p:cSld>
-  <p:clrMapOvr>
-    <a:masterClrMapping/>
-  </p:clrMapOvr>
-</p:sld>
-</file>
-
 <file path=ppt/slides/slide7.xml><?xml version="1.0" encoding="utf-8"?>
 <p:sld xmlns:a="http://schemas.openxmlformats.org/drawingml/2006/main" xmlns:r="http://schemas.openxmlformats.org/officeDocument/2006/relationships" xmlns:p="http://schemas.openxmlformats.org/presentationml/2006/main">
   <p:cSld>
@@ -12995,1063 +11459,6 @@
       </p:par>
     </p:tnLst>
   </p:timing>
-</p:sld>
-</file>
-
-<file path=ppt/slides/slide70.xml><?xml version="1.0" encoding="utf-8"?>
-<p:sld xmlns:a="http://schemas.openxmlformats.org/drawingml/2006/main" xmlns:r="http://schemas.openxmlformats.org/officeDocument/2006/relationships" xmlns:p="http://schemas.openxmlformats.org/presentationml/2006/main">
-  <p:cSld>
-    <p:spTree>
-      <p:nvGrpSpPr>
-        <p:cNvPr id="1" name=""/>
-        <p:cNvGrpSpPr/>
-        <p:nvPr/>
-      </p:nvGrpSpPr>
-      <p:grpSpPr>
-        <a:xfrm>
-          <a:off x="0" y="0"/>
-          <a:ext cx="0" cy="0"/>
-          <a:chOff x="0" y="0"/>
-          <a:chExt cx="0" cy="0"/>
-        </a:xfrm>
-      </p:grpSpPr>
-      <p:sp>
-        <p:nvSpPr>
-          <p:cNvPr id="5" name="內容版面配置區 4"/>
-          <p:cNvSpPr>
-            <a:spLocks noGrp="1"/>
-          </p:cNvSpPr>
-          <p:nvPr>
-            <p:ph idx="1"/>
-          </p:nvPr>
-        </p:nvSpPr>
-        <p:spPr>
-          <a:xfrm>
-            <a:off x="0" y="1563638"/>
-            <a:ext cx="9144000" cy="1803647"/>
-          </a:xfrm>
-        </p:spPr>
-        <p:txBody>
-          <a:bodyPr anchor="ctr">
-            <a:normAutofit/>
-          </a:bodyPr>
-          <a:lstStyle/>
-          <a:p>
-            <a:pPr marL="0" indent="0" algn="ctr">
-              <a:buNone/>
-            </a:pPr>
-            <a:r>
-              <a:rPr lang="zh-TW" altLang="en-US" sz="4800" b="1" dirty="0">
-                <a:solidFill>
-                  <a:srgbClr val="000066"/>
-                </a:solidFill>
-                <a:latin typeface="Microsoft JhengHei" panose="020B0604030504040204" pitchFamily="34" charset="-120"/>
-                <a:ea typeface="Microsoft JhengHei" panose="020B0604030504040204" pitchFamily="34" charset="-120"/>
-              </a:rPr>
-              <a:t>我主升天作我中保</a:t>
-            </a:r>
-          </a:p>
-          <a:p>
-            <a:pPr marL="0" indent="0" algn="ctr">
-              <a:buNone/>
-            </a:pPr>
-            <a:r>
-              <a:rPr lang="zh-TW" altLang="en-US" sz="4800" b="1" dirty="0">
-                <a:solidFill>
-                  <a:srgbClr val="000066"/>
-                </a:solidFill>
-                <a:latin typeface="Microsoft JhengHei" panose="020B0604030504040204" pitchFamily="34" charset="-120"/>
-                <a:ea typeface="Microsoft JhengHei" panose="020B0604030504040204" pitchFamily="34" charset="-120"/>
-              </a:rPr>
-              <a:t>天父面前為我祈禱</a:t>
-            </a:r>
-          </a:p>
-        </p:txBody>
-      </p:sp>
-      <p:sp>
-        <p:nvSpPr>
-          <p:cNvPr id="3" name="TextBox 2"/>
-          <p:cNvSpPr txBox="1"/>
-          <p:nvPr/>
-        </p:nvSpPr>
-        <p:spPr>
-          <a:xfrm>
-            <a:off x="827584" y="1661525"/>
-            <a:ext cx="936104" cy="830997"/>
-          </a:xfrm>
-          <a:prstGeom prst="rect">
-            <a:avLst/>
-          </a:prstGeom>
-          <a:noFill/>
-        </p:spPr>
-        <p:txBody>
-          <a:bodyPr wrap="square" rtlCol="0">
-            <a:spAutoFit/>
-          </a:bodyPr>
-          <a:lstStyle/>
-          <a:p>
-            <a:r>
-              <a:rPr lang="en-US" sz="4800" b="1" dirty="0" smtClean="0">
-                <a:solidFill>
-                  <a:srgbClr val="000066"/>
-                </a:solidFill>
-              </a:rPr>
-              <a:t>3.</a:t>
-            </a:r>
-            <a:endParaRPr lang="vi-VN" sz="4800" b="1" dirty="0">
-              <a:solidFill>
-                <a:srgbClr val="000066"/>
-              </a:solidFill>
-            </a:endParaRPr>
-          </a:p>
-        </p:txBody>
-      </p:sp>
-    </p:spTree>
-    <p:extLst>
-      <p:ext uri="{BB962C8B-B14F-4D97-AF65-F5344CB8AC3E}">
-        <p14:creationId xmlns:p14="http://schemas.microsoft.com/office/powerpoint/2010/main" val="1983871121"/>
-      </p:ext>
-    </p:extLst>
-  </p:cSld>
-  <p:clrMapOvr>
-    <a:masterClrMapping/>
-  </p:clrMapOvr>
-</p:sld>
-</file>
-
-<file path=ppt/slides/slide71.xml><?xml version="1.0" encoding="utf-8"?>
-<p:sld xmlns:a="http://schemas.openxmlformats.org/drawingml/2006/main" xmlns:r="http://schemas.openxmlformats.org/officeDocument/2006/relationships" xmlns:p="http://schemas.openxmlformats.org/presentationml/2006/main">
-  <p:cSld>
-    <p:spTree>
-      <p:nvGrpSpPr>
-        <p:cNvPr id="1" name=""/>
-        <p:cNvGrpSpPr/>
-        <p:nvPr/>
-      </p:nvGrpSpPr>
-      <p:grpSpPr>
-        <a:xfrm>
-          <a:off x="0" y="0"/>
-          <a:ext cx="0" cy="0"/>
-          <a:chOff x="0" y="0"/>
-          <a:chExt cx="0" cy="0"/>
-        </a:xfrm>
-      </p:grpSpPr>
-      <p:sp>
-        <p:nvSpPr>
-          <p:cNvPr id="5" name="內容版面配置區 4"/>
-          <p:cNvSpPr>
-            <a:spLocks noGrp="1"/>
-          </p:cNvSpPr>
-          <p:nvPr>
-            <p:ph idx="1"/>
-          </p:nvPr>
-        </p:nvSpPr>
-        <p:spPr>
-          <a:xfrm>
-            <a:off x="0" y="1563638"/>
-            <a:ext cx="9144000" cy="1803647"/>
-          </a:xfrm>
-        </p:spPr>
-        <p:txBody>
-          <a:bodyPr anchor="ctr">
-            <a:normAutofit/>
-          </a:bodyPr>
-          <a:lstStyle/>
-          <a:p>
-            <a:pPr marL="0" indent="0" algn="ctr">
-              <a:buNone/>
-            </a:pPr>
-            <a:r>
-              <a:rPr lang="zh-TW" altLang="en-US" sz="4800" b="1" dirty="0">
-                <a:solidFill>
-                  <a:srgbClr val="000066"/>
-                </a:solidFill>
-                <a:latin typeface="Microsoft JhengHei" panose="020B0604030504040204" pitchFamily="34" charset="-120"/>
-                <a:ea typeface="Microsoft JhengHei" panose="020B0604030504040204" pitchFamily="34" charset="-120"/>
-              </a:rPr>
-              <a:t>使我罪人與神和好</a:t>
-            </a:r>
-          </a:p>
-          <a:p>
-            <a:pPr marL="0" indent="0" algn="ctr">
-              <a:buNone/>
-            </a:pPr>
-            <a:r>
-              <a:rPr lang="zh-TW" altLang="en-US" sz="4800" b="1" dirty="0">
-                <a:solidFill>
-                  <a:srgbClr val="000066"/>
-                </a:solidFill>
-                <a:latin typeface="Microsoft JhengHei" panose="020B0604030504040204" pitchFamily="34" charset="-120"/>
-                <a:ea typeface="Microsoft JhengHei" panose="020B0604030504040204" pitchFamily="34" charset="-120"/>
-              </a:rPr>
-              <a:t>主恩愛說不盡</a:t>
-            </a:r>
-          </a:p>
-        </p:txBody>
-      </p:sp>
-      <p:sp>
-        <p:nvSpPr>
-          <p:cNvPr id="3" name="TextBox 2"/>
-          <p:cNvSpPr txBox="1"/>
-          <p:nvPr/>
-        </p:nvSpPr>
-        <p:spPr>
-          <a:xfrm>
-            <a:off x="827584" y="1661525"/>
-            <a:ext cx="936104" cy="830997"/>
-          </a:xfrm>
-          <a:prstGeom prst="rect">
-            <a:avLst/>
-          </a:prstGeom>
-          <a:noFill/>
-        </p:spPr>
-        <p:txBody>
-          <a:bodyPr wrap="square" rtlCol="0">
-            <a:spAutoFit/>
-          </a:bodyPr>
-          <a:lstStyle/>
-          <a:p>
-            <a:r>
-              <a:rPr lang="en-US" sz="4800" b="1" dirty="0" smtClean="0">
-                <a:solidFill>
-                  <a:srgbClr val="000066"/>
-                </a:solidFill>
-              </a:rPr>
-              <a:t>3.</a:t>
-            </a:r>
-            <a:endParaRPr lang="vi-VN" sz="4800" b="1" dirty="0">
-              <a:solidFill>
-                <a:srgbClr val="000066"/>
-              </a:solidFill>
-            </a:endParaRPr>
-          </a:p>
-        </p:txBody>
-      </p:sp>
-    </p:spTree>
-    <p:extLst>
-      <p:ext uri="{BB962C8B-B14F-4D97-AF65-F5344CB8AC3E}">
-        <p14:creationId xmlns:p14="http://schemas.microsoft.com/office/powerpoint/2010/main" val="3974088639"/>
-      </p:ext>
-    </p:extLst>
-  </p:cSld>
-  <p:clrMapOvr>
-    <a:masterClrMapping/>
-  </p:clrMapOvr>
-</p:sld>
-</file>
-
-<file path=ppt/slides/slide72.xml><?xml version="1.0" encoding="utf-8"?>
-<p:sld xmlns:a="http://schemas.openxmlformats.org/drawingml/2006/main" xmlns:r="http://schemas.openxmlformats.org/officeDocument/2006/relationships" xmlns:p="http://schemas.openxmlformats.org/presentationml/2006/main">
-  <p:cSld>
-    <p:spTree>
-      <p:nvGrpSpPr>
-        <p:cNvPr id="1" name=""/>
-        <p:cNvGrpSpPr/>
-        <p:nvPr/>
-      </p:nvGrpSpPr>
-      <p:grpSpPr>
-        <a:xfrm>
-          <a:off x="0" y="0"/>
-          <a:ext cx="0" cy="0"/>
-          <a:chOff x="0" y="0"/>
-          <a:chExt cx="0" cy="0"/>
-        </a:xfrm>
-      </p:grpSpPr>
-      <p:sp>
-        <p:nvSpPr>
-          <p:cNvPr id="5" name="內容版面配置區 4"/>
-          <p:cNvSpPr>
-            <a:spLocks noGrp="1"/>
-          </p:cNvSpPr>
-          <p:nvPr>
-            <p:ph idx="1"/>
-          </p:nvPr>
-        </p:nvSpPr>
-        <p:spPr>
-          <a:xfrm>
-            <a:off x="0" y="1563638"/>
-            <a:ext cx="9144000" cy="1803647"/>
-          </a:xfrm>
-        </p:spPr>
-        <p:txBody>
-          <a:bodyPr anchor="ctr">
-            <a:normAutofit/>
-          </a:bodyPr>
-          <a:lstStyle/>
-          <a:p>
-            <a:pPr marL="0" indent="0" algn="ctr">
-              <a:buNone/>
-            </a:pPr>
-            <a:r>
-              <a:rPr lang="zh-TW" altLang="en-US" sz="4800" b="1" dirty="0">
-                <a:solidFill>
-                  <a:srgbClr val="000066"/>
-                </a:solidFill>
-                <a:latin typeface="Microsoft JhengHei" panose="020B0604030504040204" pitchFamily="34" charset="-120"/>
-                <a:ea typeface="Microsoft JhengHei" panose="020B0604030504040204" pitchFamily="34" charset="-120"/>
-              </a:rPr>
-              <a:t>主愛口舌真說不盡</a:t>
-            </a:r>
-          </a:p>
-          <a:p>
-            <a:pPr marL="0" indent="0" algn="ctr">
-              <a:buNone/>
-            </a:pPr>
-            <a:r>
-              <a:rPr lang="zh-TW" altLang="en-US" sz="4800" b="1" dirty="0">
-                <a:solidFill>
-                  <a:srgbClr val="000066"/>
-                </a:solidFill>
-                <a:latin typeface="Microsoft JhengHei" panose="020B0604030504040204" pitchFamily="34" charset="-120"/>
-                <a:ea typeface="Microsoft JhengHei" panose="020B0604030504040204" pitchFamily="34" charset="-120"/>
-              </a:rPr>
-              <a:t>主愛口舌真說不盡</a:t>
-            </a:r>
-          </a:p>
-        </p:txBody>
-      </p:sp>
-    </p:spTree>
-    <p:extLst>
-      <p:ext uri="{BB962C8B-B14F-4D97-AF65-F5344CB8AC3E}">
-        <p14:creationId xmlns:p14="http://schemas.microsoft.com/office/powerpoint/2010/main" val="790321985"/>
-      </p:ext>
-    </p:extLst>
-  </p:cSld>
-  <p:clrMapOvr>
-    <a:masterClrMapping/>
-  </p:clrMapOvr>
-</p:sld>
-</file>
-
-<file path=ppt/slides/slide73.xml><?xml version="1.0" encoding="utf-8"?>
-<p:sld xmlns:a="http://schemas.openxmlformats.org/drawingml/2006/main" xmlns:r="http://schemas.openxmlformats.org/officeDocument/2006/relationships" xmlns:p="http://schemas.openxmlformats.org/presentationml/2006/main">
-  <p:cSld>
-    <p:spTree>
-      <p:nvGrpSpPr>
-        <p:cNvPr id="1" name=""/>
-        <p:cNvGrpSpPr/>
-        <p:nvPr/>
-      </p:nvGrpSpPr>
-      <p:grpSpPr>
-        <a:xfrm>
-          <a:off x="0" y="0"/>
-          <a:ext cx="0" cy="0"/>
-          <a:chOff x="0" y="0"/>
-          <a:chExt cx="0" cy="0"/>
-        </a:xfrm>
-      </p:grpSpPr>
-      <p:sp>
-        <p:nvSpPr>
-          <p:cNvPr id="5" name="內容版面配置區 4"/>
-          <p:cNvSpPr>
-            <a:spLocks noGrp="1"/>
-          </p:cNvSpPr>
-          <p:nvPr>
-            <p:ph idx="1"/>
-          </p:nvPr>
-        </p:nvSpPr>
-        <p:spPr>
-          <a:xfrm>
-            <a:off x="0" y="1563638"/>
-            <a:ext cx="9144000" cy="1803647"/>
-          </a:xfrm>
-        </p:spPr>
-        <p:txBody>
-          <a:bodyPr anchor="ctr">
-            <a:normAutofit/>
-          </a:bodyPr>
-          <a:lstStyle/>
-          <a:p>
-            <a:pPr marL="0" indent="0" algn="ctr">
-              <a:buNone/>
-            </a:pPr>
-            <a:r>
-              <a:rPr lang="zh-TW" altLang="en-US" sz="4800" b="1" dirty="0">
-                <a:solidFill>
-                  <a:srgbClr val="000066"/>
-                </a:solidFill>
-                <a:latin typeface="Microsoft JhengHei" panose="020B0604030504040204" pitchFamily="34" charset="-120"/>
-                <a:ea typeface="Microsoft JhengHei" panose="020B0604030504040204" pitchFamily="34" charset="-120"/>
-              </a:rPr>
-              <a:t>耶穌向我所存恩愛</a:t>
-            </a:r>
-          </a:p>
-          <a:p>
-            <a:pPr marL="0" indent="0" algn="ctr">
-              <a:buNone/>
-            </a:pPr>
-            <a:r>
-              <a:rPr lang="zh-TW" altLang="en-US" sz="4800" b="1" dirty="0">
-                <a:solidFill>
-                  <a:srgbClr val="000066"/>
-                </a:solidFill>
-                <a:latin typeface="Microsoft JhengHei" panose="020B0604030504040204" pitchFamily="34" charset="-120"/>
-                <a:ea typeface="Microsoft JhengHei" panose="020B0604030504040204" pitchFamily="34" charset="-120"/>
-              </a:rPr>
-              <a:t>口舌永說不盡</a:t>
-            </a:r>
-          </a:p>
-        </p:txBody>
-      </p:sp>
-    </p:spTree>
-    <p:extLst>
-      <p:ext uri="{BB962C8B-B14F-4D97-AF65-F5344CB8AC3E}">
-        <p14:creationId xmlns:p14="http://schemas.microsoft.com/office/powerpoint/2010/main" val="878920821"/>
-      </p:ext>
-    </p:extLst>
-  </p:cSld>
-  <p:clrMapOvr>
-    <a:masterClrMapping/>
-  </p:clrMapOvr>
-</p:sld>
-</file>
-
-<file path=ppt/slides/slide74.xml><?xml version="1.0" encoding="utf-8"?>
-<p:sld xmlns:a="http://schemas.openxmlformats.org/drawingml/2006/main" xmlns:r="http://schemas.openxmlformats.org/officeDocument/2006/relationships" xmlns:p="http://schemas.openxmlformats.org/presentationml/2006/main">
-  <p:cSld>
-    <p:spTree>
-      <p:nvGrpSpPr>
-        <p:cNvPr id="1" name=""/>
-        <p:cNvGrpSpPr/>
-        <p:nvPr/>
-      </p:nvGrpSpPr>
-      <p:grpSpPr>
-        <a:xfrm>
-          <a:off x="0" y="0"/>
-          <a:ext cx="0" cy="0"/>
-          <a:chOff x="0" y="0"/>
-          <a:chExt cx="0" cy="0"/>
-        </a:xfrm>
-      </p:grpSpPr>
-      <p:sp>
-        <p:nvSpPr>
-          <p:cNvPr id="5" name="內容版面配置區 4"/>
-          <p:cNvSpPr>
-            <a:spLocks noGrp="1"/>
-          </p:cNvSpPr>
-          <p:nvPr>
-            <p:ph idx="1"/>
-          </p:nvPr>
-        </p:nvSpPr>
-        <p:spPr>
-          <a:xfrm>
-            <a:off x="0" y="1563638"/>
-            <a:ext cx="9144000" cy="1803647"/>
-          </a:xfrm>
-        </p:spPr>
-        <p:txBody>
-          <a:bodyPr anchor="ctr">
-            <a:normAutofit/>
-          </a:bodyPr>
-          <a:lstStyle/>
-          <a:p>
-            <a:pPr marL="0" indent="0" algn="ctr">
-              <a:buNone/>
-            </a:pPr>
-            <a:r>
-              <a:rPr lang="zh-TW" altLang="en-US" sz="4800" b="1" dirty="0">
-                <a:solidFill>
-                  <a:srgbClr val="000066"/>
-                </a:solidFill>
-                <a:latin typeface="Microsoft JhengHei" panose="020B0604030504040204" pitchFamily="34" charset="-120"/>
-                <a:ea typeface="Microsoft JhengHei" panose="020B0604030504040204" pitchFamily="34" charset="-120"/>
-              </a:rPr>
-              <a:t>我主時常與我相親</a:t>
-            </a:r>
-          </a:p>
-          <a:p>
-            <a:pPr marL="0" indent="0" algn="ctr">
-              <a:buNone/>
-            </a:pPr>
-            <a:r>
-              <a:rPr lang="zh-TW" altLang="en-US" sz="4800" b="1" dirty="0">
-                <a:solidFill>
-                  <a:srgbClr val="000066"/>
-                </a:solidFill>
-                <a:latin typeface="Microsoft JhengHei" panose="020B0604030504040204" pitchFamily="34" charset="-120"/>
-                <a:ea typeface="Microsoft JhengHei" panose="020B0604030504040204" pitchFamily="34" charset="-120"/>
-              </a:rPr>
-              <a:t>平安喜樂充滿我心</a:t>
-            </a:r>
-          </a:p>
-        </p:txBody>
-      </p:sp>
-      <p:sp>
-        <p:nvSpPr>
-          <p:cNvPr id="3" name="TextBox 2"/>
-          <p:cNvSpPr txBox="1"/>
-          <p:nvPr/>
-        </p:nvSpPr>
-        <p:spPr>
-          <a:xfrm>
-            <a:off x="827584" y="1661525"/>
-            <a:ext cx="936104" cy="830997"/>
-          </a:xfrm>
-          <a:prstGeom prst="rect">
-            <a:avLst/>
-          </a:prstGeom>
-          <a:noFill/>
-        </p:spPr>
-        <p:txBody>
-          <a:bodyPr wrap="square" rtlCol="0">
-            <a:spAutoFit/>
-          </a:bodyPr>
-          <a:lstStyle/>
-          <a:p>
-            <a:r>
-              <a:rPr lang="en-US" sz="4800" b="1" dirty="0">
-                <a:solidFill>
-                  <a:srgbClr val="000066"/>
-                </a:solidFill>
-              </a:rPr>
-              <a:t>4</a:t>
-            </a:r>
-            <a:r>
-              <a:rPr lang="en-US" sz="4800" b="1" dirty="0" smtClean="0">
-                <a:solidFill>
-                  <a:srgbClr val="000066"/>
-                </a:solidFill>
-              </a:rPr>
-              <a:t>.</a:t>
-            </a:r>
-            <a:endParaRPr lang="vi-VN" sz="4800" b="1" dirty="0">
-              <a:solidFill>
-                <a:srgbClr val="000066"/>
-              </a:solidFill>
-            </a:endParaRPr>
-          </a:p>
-        </p:txBody>
-      </p:sp>
-    </p:spTree>
-    <p:extLst>
-      <p:ext uri="{BB962C8B-B14F-4D97-AF65-F5344CB8AC3E}">
-        <p14:creationId xmlns:p14="http://schemas.microsoft.com/office/powerpoint/2010/main" val="3477010175"/>
-      </p:ext>
-    </p:extLst>
-  </p:cSld>
-  <p:clrMapOvr>
-    <a:masterClrMapping/>
-  </p:clrMapOvr>
-</p:sld>
-</file>
-
-<file path=ppt/slides/slide75.xml><?xml version="1.0" encoding="utf-8"?>
-<p:sld xmlns:a="http://schemas.openxmlformats.org/drawingml/2006/main" xmlns:r="http://schemas.openxmlformats.org/officeDocument/2006/relationships" xmlns:p="http://schemas.openxmlformats.org/presentationml/2006/main">
-  <p:cSld>
-    <p:spTree>
-      <p:nvGrpSpPr>
-        <p:cNvPr id="1" name=""/>
-        <p:cNvGrpSpPr/>
-        <p:nvPr/>
-      </p:nvGrpSpPr>
-      <p:grpSpPr>
-        <a:xfrm>
-          <a:off x="0" y="0"/>
-          <a:ext cx="0" cy="0"/>
-          <a:chOff x="0" y="0"/>
-          <a:chExt cx="0" cy="0"/>
-        </a:xfrm>
-      </p:grpSpPr>
-      <p:sp>
-        <p:nvSpPr>
-          <p:cNvPr id="5" name="內容版面配置區 4"/>
-          <p:cNvSpPr>
-            <a:spLocks noGrp="1"/>
-          </p:cNvSpPr>
-          <p:nvPr>
-            <p:ph idx="1"/>
-          </p:nvPr>
-        </p:nvSpPr>
-        <p:spPr>
-          <a:xfrm>
-            <a:off x="0" y="1563638"/>
-            <a:ext cx="9144000" cy="1803647"/>
-          </a:xfrm>
-        </p:spPr>
-        <p:txBody>
-          <a:bodyPr anchor="ctr">
-            <a:normAutofit/>
-          </a:bodyPr>
-          <a:lstStyle/>
-          <a:p>
-            <a:pPr marL="0" indent="0" algn="ctr">
-              <a:buNone/>
-            </a:pPr>
-            <a:r>
-              <a:rPr lang="zh-TW" altLang="en-US" sz="4800" b="1" dirty="0">
-                <a:solidFill>
-                  <a:srgbClr val="000066"/>
-                </a:solidFill>
-                <a:latin typeface="Microsoft JhengHei" panose="020B0604030504040204" pitchFamily="34" charset="-120"/>
-                <a:ea typeface="Microsoft JhengHei" panose="020B0604030504040204" pitchFamily="34" charset="-120"/>
-              </a:rPr>
-              <a:t>有福指望何等光明</a:t>
-            </a:r>
-          </a:p>
-          <a:p>
-            <a:pPr marL="0" indent="0" algn="ctr">
-              <a:buNone/>
-            </a:pPr>
-            <a:r>
-              <a:rPr lang="zh-TW" altLang="en-US" sz="4800" b="1" dirty="0">
-                <a:solidFill>
-                  <a:srgbClr val="000066"/>
-                </a:solidFill>
-                <a:latin typeface="Microsoft JhengHei" panose="020B0604030504040204" pitchFamily="34" charset="-120"/>
-                <a:ea typeface="Microsoft JhengHei" panose="020B0604030504040204" pitchFamily="34" charset="-120"/>
-              </a:rPr>
-              <a:t>主恩愛說不盡</a:t>
-            </a:r>
-          </a:p>
-        </p:txBody>
-      </p:sp>
-      <p:sp>
-        <p:nvSpPr>
-          <p:cNvPr id="3" name="TextBox 2"/>
-          <p:cNvSpPr txBox="1"/>
-          <p:nvPr/>
-        </p:nvSpPr>
-        <p:spPr>
-          <a:xfrm>
-            <a:off x="827584" y="1661525"/>
-            <a:ext cx="936104" cy="830997"/>
-          </a:xfrm>
-          <a:prstGeom prst="rect">
-            <a:avLst/>
-          </a:prstGeom>
-          <a:noFill/>
-        </p:spPr>
-        <p:txBody>
-          <a:bodyPr wrap="square" rtlCol="0">
-            <a:spAutoFit/>
-          </a:bodyPr>
-          <a:lstStyle/>
-          <a:p>
-            <a:r>
-              <a:rPr lang="en-US" sz="4800" b="1" dirty="0">
-                <a:solidFill>
-                  <a:srgbClr val="000066"/>
-                </a:solidFill>
-              </a:rPr>
-              <a:t>4</a:t>
-            </a:r>
-            <a:r>
-              <a:rPr lang="en-US" sz="4800" b="1" dirty="0" smtClean="0">
-                <a:solidFill>
-                  <a:srgbClr val="000066"/>
-                </a:solidFill>
-              </a:rPr>
-              <a:t>.</a:t>
-            </a:r>
-            <a:endParaRPr lang="vi-VN" sz="4800" b="1" dirty="0">
-              <a:solidFill>
-                <a:srgbClr val="000066"/>
-              </a:solidFill>
-            </a:endParaRPr>
-          </a:p>
-        </p:txBody>
-      </p:sp>
-    </p:spTree>
-    <p:extLst>
-      <p:ext uri="{BB962C8B-B14F-4D97-AF65-F5344CB8AC3E}">
-        <p14:creationId xmlns:p14="http://schemas.microsoft.com/office/powerpoint/2010/main" val="1437665230"/>
-      </p:ext>
-    </p:extLst>
-  </p:cSld>
-  <p:clrMapOvr>
-    <a:masterClrMapping/>
-  </p:clrMapOvr>
-</p:sld>
-</file>
-
-<file path=ppt/slides/slide76.xml><?xml version="1.0" encoding="utf-8"?>
-<p:sld xmlns:a="http://schemas.openxmlformats.org/drawingml/2006/main" xmlns:r="http://schemas.openxmlformats.org/officeDocument/2006/relationships" xmlns:p="http://schemas.openxmlformats.org/presentationml/2006/main">
-  <p:cSld>
-    <p:spTree>
-      <p:nvGrpSpPr>
-        <p:cNvPr id="1" name=""/>
-        <p:cNvGrpSpPr/>
-        <p:nvPr/>
-      </p:nvGrpSpPr>
-      <p:grpSpPr>
-        <a:xfrm>
-          <a:off x="0" y="0"/>
-          <a:ext cx="0" cy="0"/>
-          <a:chOff x="0" y="0"/>
-          <a:chExt cx="0" cy="0"/>
-        </a:xfrm>
-      </p:grpSpPr>
-      <p:sp>
-        <p:nvSpPr>
-          <p:cNvPr id="5" name="內容版面配置區 4"/>
-          <p:cNvSpPr>
-            <a:spLocks noGrp="1"/>
-          </p:cNvSpPr>
-          <p:nvPr>
-            <p:ph idx="1"/>
-          </p:nvPr>
-        </p:nvSpPr>
-        <p:spPr>
-          <a:xfrm>
-            <a:off x="0" y="1563638"/>
-            <a:ext cx="9144000" cy="1803647"/>
-          </a:xfrm>
-        </p:spPr>
-        <p:txBody>
-          <a:bodyPr anchor="ctr">
-            <a:normAutofit/>
-          </a:bodyPr>
-          <a:lstStyle/>
-          <a:p>
-            <a:pPr marL="0" indent="0" algn="ctr">
-              <a:buNone/>
-            </a:pPr>
-            <a:r>
-              <a:rPr lang="zh-TW" altLang="en-US" sz="4800" b="1" dirty="0">
-                <a:solidFill>
-                  <a:srgbClr val="000066"/>
-                </a:solidFill>
-                <a:latin typeface="Microsoft JhengHei" panose="020B0604030504040204" pitchFamily="34" charset="-120"/>
-                <a:ea typeface="Microsoft JhengHei" panose="020B0604030504040204" pitchFamily="34" charset="-120"/>
-              </a:rPr>
-              <a:t>主愛口舌真說不盡</a:t>
-            </a:r>
-          </a:p>
-          <a:p>
-            <a:pPr marL="0" indent="0" algn="ctr">
-              <a:buNone/>
-            </a:pPr>
-            <a:r>
-              <a:rPr lang="zh-TW" altLang="en-US" sz="4800" b="1" dirty="0">
-                <a:solidFill>
-                  <a:srgbClr val="000066"/>
-                </a:solidFill>
-                <a:latin typeface="Microsoft JhengHei" panose="020B0604030504040204" pitchFamily="34" charset="-120"/>
-                <a:ea typeface="Microsoft JhengHei" panose="020B0604030504040204" pitchFamily="34" charset="-120"/>
-              </a:rPr>
-              <a:t>主愛口舌真說不盡</a:t>
-            </a:r>
-          </a:p>
-        </p:txBody>
-      </p:sp>
-    </p:spTree>
-    <p:extLst>
-      <p:ext uri="{BB962C8B-B14F-4D97-AF65-F5344CB8AC3E}">
-        <p14:creationId xmlns:p14="http://schemas.microsoft.com/office/powerpoint/2010/main" val="3659626001"/>
-      </p:ext>
-    </p:extLst>
-  </p:cSld>
-  <p:clrMapOvr>
-    <a:masterClrMapping/>
-  </p:clrMapOvr>
-</p:sld>
-</file>
-
-<file path=ppt/slides/slide77.xml><?xml version="1.0" encoding="utf-8"?>
-<p:sld xmlns:a="http://schemas.openxmlformats.org/drawingml/2006/main" xmlns:r="http://schemas.openxmlformats.org/officeDocument/2006/relationships" xmlns:p="http://schemas.openxmlformats.org/presentationml/2006/main">
-  <p:cSld>
-    <p:spTree>
-      <p:nvGrpSpPr>
-        <p:cNvPr id="1" name=""/>
-        <p:cNvGrpSpPr/>
-        <p:nvPr/>
-      </p:nvGrpSpPr>
-      <p:grpSpPr>
-        <a:xfrm>
-          <a:off x="0" y="0"/>
-          <a:ext cx="0" cy="0"/>
-          <a:chOff x="0" y="0"/>
-          <a:chExt cx="0" cy="0"/>
-        </a:xfrm>
-      </p:grpSpPr>
-      <p:sp>
-        <p:nvSpPr>
-          <p:cNvPr id="5" name="內容版面配置區 4"/>
-          <p:cNvSpPr>
-            <a:spLocks noGrp="1"/>
-          </p:cNvSpPr>
-          <p:nvPr>
-            <p:ph idx="1"/>
-          </p:nvPr>
-        </p:nvSpPr>
-        <p:spPr>
-          <a:xfrm>
-            <a:off x="0" y="1563638"/>
-            <a:ext cx="9144000" cy="1803647"/>
-          </a:xfrm>
-        </p:spPr>
-        <p:txBody>
-          <a:bodyPr anchor="ctr">
-            <a:normAutofit/>
-          </a:bodyPr>
-          <a:lstStyle/>
-          <a:p>
-            <a:pPr marL="0" indent="0" algn="ctr">
-              <a:buNone/>
-            </a:pPr>
-            <a:r>
-              <a:rPr lang="zh-TW" altLang="en-US" sz="4800" b="1" dirty="0">
-                <a:solidFill>
-                  <a:srgbClr val="000066"/>
-                </a:solidFill>
-                <a:latin typeface="Microsoft JhengHei" panose="020B0604030504040204" pitchFamily="34" charset="-120"/>
-                <a:ea typeface="Microsoft JhengHei" panose="020B0604030504040204" pitchFamily="34" charset="-120"/>
-              </a:rPr>
-              <a:t>耶穌向我所存恩愛</a:t>
-            </a:r>
-          </a:p>
-          <a:p>
-            <a:pPr marL="0" indent="0" algn="ctr">
-              <a:buNone/>
-            </a:pPr>
-            <a:r>
-              <a:rPr lang="zh-TW" altLang="en-US" sz="4800" b="1" dirty="0">
-                <a:solidFill>
-                  <a:srgbClr val="000066"/>
-                </a:solidFill>
-                <a:latin typeface="Microsoft JhengHei" panose="020B0604030504040204" pitchFamily="34" charset="-120"/>
-                <a:ea typeface="Microsoft JhengHei" panose="020B0604030504040204" pitchFamily="34" charset="-120"/>
-              </a:rPr>
-              <a:t>口舌永說不盡</a:t>
-            </a:r>
-          </a:p>
-        </p:txBody>
-      </p:sp>
-    </p:spTree>
-    <p:extLst>
-      <p:ext uri="{BB962C8B-B14F-4D97-AF65-F5344CB8AC3E}">
-        <p14:creationId xmlns:p14="http://schemas.microsoft.com/office/powerpoint/2010/main" val="3422648228"/>
-      </p:ext>
-    </p:extLst>
-  </p:cSld>
-  <p:clrMapOvr>
-    <a:masterClrMapping/>
-  </p:clrMapOvr>
-</p:sld>
-</file>
-
-<file path=ppt/slides/slide78.xml><?xml version="1.0" encoding="utf-8"?>
-<p:sld xmlns:a="http://schemas.openxmlformats.org/drawingml/2006/main" xmlns:r="http://schemas.openxmlformats.org/officeDocument/2006/relationships" xmlns:p="http://schemas.openxmlformats.org/presentationml/2006/main">
-  <p:cSld>
-    <p:spTree>
-      <p:nvGrpSpPr>
-        <p:cNvPr id="1" name=""/>
-        <p:cNvGrpSpPr/>
-        <p:nvPr/>
-      </p:nvGrpSpPr>
-      <p:grpSpPr>
-        <a:xfrm>
-          <a:off x="0" y="0"/>
-          <a:ext cx="0" cy="0"/>
-          <a:chOff x="0" y="0"/>
-          <a:chExt cx="0" cy="0"/>
-        </a:xfrm>
-      </p:grpSpPr>
-      <p:sp>
-        <p:nvSpPr>
-          <p:cNvPr id="2" name="標題 1"/>
-          <p:cNvSpPr>
-            <a:spLocks noGrp="1"/>
-          </p:cNvSpPr>
-          <p:nvPr>
-            <p:ph type="title" idx="4294967295"/>
-          </p:nvPr>
-        </p:nvSpPr>
-        <p:spPr>
-          <a:xfrm>
-            <a:off x="149" y="2257505"/>
-            <a:ext cx="9144000" cy="628650"/>
-          </a:xfrm>
-        </p:spPr>
-        <p:txBody>
-          <a:bodyPr>
-            <a:noAutofit/>
-          </a:bodyPr>
-          <a:lstStyle/>
-          <a:p>
-            <a:r>
-              <a:rPr lang="zh-CN" altLang="en-US" sz="7200" b="1" dirty="0">
-                <a:solidFill>
-                  <a:srgbClr val="000066"/>
-                </a:solidFill>
-                <a:effectLst>
-                  <a:outerShdw blurRad="38100" dist="38100" dir="2700000" algn="tl">
-                    <a:srgbClr val="000000">
-                      <a:alpha val="43137"/>
-                    </a:srgbClr>
-                  </a:outerShdw>
-                </a:effectLst>
-                <a:latin typeface="微軟正黑體" pitchFamily="34" charset="-120"/>
-                <a:ea typeface="微軟正黑體" pitchFamily="34" charset="-120"/>
-              </a:rPr>
-              <a:t>家事分</a:t>
-            </a:r>
-            <a:r>
-              <a:rPr lang="zh-CN" altLang="en-US" sz="7200" b="1" dirty="0" smtClean="0">
-                <a:solidFill>
-                  <a:srgbClr val="000066"/>
-                </a:solidFill>
-                <a:effectLst>
-                  <a:outerShdw blurRad="38100" dist="38100" dir="2700000" algn="tl">
-                    <a:srgbClr val="000000">
-                      <a:alpha val="43137"/>
-                    </a:srgbClr>
-                  </a:outerShdw>
-                </a:effectLst>
-                <a:latin typeface="微軟正黑體" pitchFamily="34" charset="-120"/>
-                <a:ea typeface="微軟正黑體" pitchFamily="34" charset="-120"/>
-              </a:rPr>
-              <a:t>享代</a:t>
-            </a:r>
-            <a:r>
-              <a:rPr lang="zh-CN" altLang="en-US" sz="7200" b="1" dirty="0">
-                <a:solidFill>
-                  <a:srgbClr val="000066"/>
-                </a:solidFill>
-                <a:effectLst>
-                  <a:outerShdw blurRad="38100" dist="38100" dir="2700000" algn="tl">
-                    <a:srgbClr val="000000">
-                      <a:alpha val="43137"/>
-                    </a:srgbClr>
-                  </a:outerShdw>
-                </a:effectLst>
-                <a:latin typeface="微軟正黑體" pitchFamily="34" charset="-120"/>
-                <a:ea typeface="微軟正黑體" pitchFamily="34" charset="-120"/>
-              </a:rPr>
-              <a:t>禱</a:t>
-            </a:r>
-            <a:endParaRPr lang="zh-TW" altLang="en-US" sz="7200" b="1" dirty="0">
-              <a:solidFill>
-                <a:srgbClr val="000066"/>
-              </a:solidFill>
-              <a:effectLst>
-                <a:outerShdw blurRad="38100" dist="38100" dir="2700000" algn="tl">
-                  <a:srgbClr val="000000">
-                    <a:alpha val="43137"/>
-                  </a:srgbClr>
-                </a:outerShdw>
-              </a:effectLst>
-              <a:latin typeface="微軟正黑體" pitchFamily="34" charset="-120"/>
-              <a:ea typeface="微軟正黑體" pitchFamily="34" charset="-120"/>
-            </a:endParaRPr>
-          </a:p>
-        </p:txBody>
-      </p:sp>
-    </p:spTree>
-  </p:cSld>
-  <p:clrMapOvr>
-    <a:masterClrMapping/>
-  </p:clrMapOvr>
-  <p:timing>
-    <p:tnLst>
-      <p:par>
-        <p:cTn id="1" dur="indefinite" restart="never" nodeType="tmRoot"/>
-      </p:par>
-    </p:tnLst>
-  </p:timing>
-</p:sld>
-</file>
-
-<file path=ppt/slides/slide79.xml><?xml version="1.0" encoding="utf-8"?>
-<p:sld xmlns:a="http://schemas.openxmlformats.org/drawingml/2006/main" xmlns:r="http://schemas.openxmlformats.org/officeDocument/2006/relationships" xmlns:p="http://schemas.openxmlformats.org/presentationml/2006/main">
-  <p:cSld>
-    <p:spTree>
-      <p:nvGrpSpPr>
-        <p:cNvPr id="1" name=""/>
-        <p:cNvGrpSpPr/>
-        <p:nvPr/>
-      </p:nvGrpSpPr>
-      <p:grpSpPr>
-        <a:xfrm>
-          <a:off x="0" y="0"/>
-          <a:ext cx="0" cy="0"/>
-          <a:chOff x="0" y="0"/>
-          <a:chExt cx="0" cy="0"/>
-        </a:xfrm>
-      </p:grpSpPr>
-      <p:sp>
-        <p:nvSpPr>
-          <p:cNvPr id="4" name="標題 3"/>
-          <p:cNvSpPr>
-            <a:spLocks noGrp="1"/>
-          </p:cNvSpPr>
-          <p:nvPr>
-            <p:ph type="title"/>
-          </p:nvPr>
-        </p:nvSpPr>
-        <p:spPr>
-          <a:xfrm>
-            <a:off x="0" y="2143135"/>
-            <a:ext cx="9144000" cy="857250"/>
-          </a:xfrm>
-        </p:spPr>
-        <p:txBody>
-          <a:bodyPr>
-            <a:noAutofit/>
-          </a:bodyPr>
-          <a:lstStyle/>
-          <a:p>
-            <a:r>
-              <a:rPr lang="zh-CN" altLang="en-US" sz="7200" b="1" dirty="0" smtClean="0">
-                <a:solidFill>
-                  <a:srgbClr val="000066"/>
-                </a:solidFill>
-                <a:effectLst>
-                  <a:outerShdw blurRad="38100" dist="38100" dir="2700000" algn="tl">
-                    <a:srgbClr val="000000">
-                      <a:alpha val="43137"/>
-                    </a:srgbClr>
-                  </a:outerShdw>
-                </a:effectLst>
-                <a:latin typeface="微軟正黑體" pitchFamily="34" charset="-120"/>
-                <a:ea typeface="微軟正黑體" pitchFamily="34" charset="-120"/>
-              </a:rPr>
-              <a:t>三</a:t>
-            </a:r>
-            <a:r>
-              <a:rPr lang="zh-CN" altLang="en-US" sz="7200" b="1" dirty="0">
-                <a:solidFill>
-                  <a:srgbClr val="000066"/>
-                </a:solidFill>
-                <a:effectLst>
-                  <a:outerShdw blurRad="38100" dist="38100" dir="2700000" algn="tl">
-                    <a:srgbClr val="000000">
-                      <a:alpha val="43137"/>
-                    </a:srgbClr>
-                  </a:outerShdw>
-                </a:effectLst>
-                <a:latin typeface="微軟正黑體" pitchFamily="34" charset="-120"/>
-                <a:ea typeface="微軟正黑體" pitchFamily="34" charset="-120"/>
-              </a:rPr>
-              <a:t>一頌</a:t>
-            </a:r>
-            <a:endParaRPr lang="zh-TW" altLang="en-US" sz="7200" b="1" dirty="0">
-              <a:solidFill>
-                <a:srgbClr val="000066"/>
-              </a:solidFill>
-              <a:effectLst>
-                <a:outerShdw blurRad="38100" dist="38100" dir="2700000" algn="tl">
-                  <a:srgbClr val="000000">
-                    <a:alpha val="43137"/>
-                  </a:srgbClr>
-                </a:outerShdw>
-              </a:effectLst>
-              <a:latin typeface="微軟正黑體" pitchFamily="34" charset="-120"/>
-              <a:ea typeface="微軟正黑體" pitchFamily="34" charset="-120"/>
-            </a:endParaRPr>
-          </a:p>
-        </p:txBody>
-      </p:sp>
-    </p:spTree>
-    <p:extLst>
-      <p:ext uri="{BB962C8B-B14F-4D97-AF65-F5344CB8AC3E}">
-        <p14:creationId xmlns:p14="http://schemas.microsoft.com/office/powerpoint/2010/main" val="3856766224"/>
-      </p:ext>
-    </p:extLst>
-  </p:cSld>
-  <p:clrMapOvr>
-    <a:masterClrMapping/>
-  </p:clrMapOvr>
 </p:sld>
 </file>
 
@@ -14241,1232 +11648,6 @@
 </p:sld>
 </file>
 
-<file path=ppt/slides/slide80.xml><?xml version="1.0" encoding="utf-8"?>
-<p:sld xmlns:a="http://schemas.openxmlformats.org/drawingml/2006/main" xmlns:r="http://schemas.openxmlformats.org/officeDocument/2006/relationships" xmlns:p="http://schemas.openxmlformats.org/presentationml/2006/main">
-  <p:cSld>
-    <p:spTree>
-      <p:nvGrpSpPr>
-        <p:cNvPr id="1" name=""/>
-        <p:cNvGrpSpPr/>
-        <p:nvPr/>
-      </p:nvGrpSpPr>
-      <p:grpSpPr>
-        <a:xfrm>
-          <a:off x="0" y="0"/>
-          <a:ext cx="0" cy="0"/>
-          <a:chOff x="0" y="0"/>
-          <a:chExt cx="0" cy="0"/>
-        </a:xfrm>
-      </p:grpSpPr>
-      <p:sp>
-        <p:nvSpPr>
-          <p:cNvPr id="5" name="內容版面配置區 4"/>
-          <p:cNvSpPr>
-            <a:spLocks noGrp="1"/>
-          </p:cNvSpPr>
-          <p:nvPr>
-            <p:ph idx="1"/>
-          </p:nvPr>
-        </p:nvSpPr>
-        <p:spPr>
-          <a:xfrm>
-            <a:off x="0" y="1563638"/>
-            <a:ext cx="9144000" cy="1803647"/>
-          </a:xfrm>
-        </p:spPr>
-        <p:txBody>
-          <a:bodyPr anchor="ctr">
-            <a:normAutofit/>
-          </a:bodyPr>
-          <a:lstStyle/>
-          <a:p>
-            <a:pPr algn="ctr">
-              <a:buNone/>
-            </a:pPr>
-            <a:r>
-              <a:rPr lang="zh-CN" altLang="en-US" sz="4800" b="1" dirty="0">
-                <a:solidFill>
-                  <a:srgbClr val="000066"/>
-                </a:solidFill>
-                <a:effectLst>
-                  <a:outerShdw blurRad="50000" dist="30000" dir="5400000" algn="tl" rotWithShape="0">
-                    <a:srgbClr val="000000">
-                      <a:alpha val="30000"/>
-                    </a:srgbClr>
-                  </a:outerShdw>
-                </a:effectLst>
-                <a:latin typeface="微軟正黑體" pitchFamily="34" charset="-120"/>
-                <a:ea typeface="微軟正黑體" pitchFamily="34" charset="-120"/>
-              </a:rPr>
-              <a:t>讚美天父愛世慈仁</a:t>
-            </a:r>
-            <a:endParaRPr lang="en-US" altLang="zh-CN" sz="4800" b="1" dirty="0">
-              <a:solidFill>
-                <a:srgbClr val="000066"/>
-              </a:solidFill>
-              <a:effectLst>
-                <a:outerShdw blurRad="50000" dist="30000" dir="5400000" algn="tl" rotWithShape="0">
-                  <a:srgbClr val="000000">
-                    <a:alpha val="30000"/>
-                  </a:srgbClr>
-                </a:outerShdw>
-              </a:effectLst>
-              <a:latin typeface="微軟正黑體" pitchFamily="34" charset="-120"/>
-              <a:ea typeface="微軟正黑體" pitchFamily="34" charset="-120"/>
-            </a:endParaRPr>
-          </a:p>
-          <a:p>
-            <a:pPr algn="ctr">
-              <a:buNone/>
-            </a:pPr>
-            <a:r>
-              <a:rPr lang="zh-CN" altLang="en-US" sz="4800" b="1" dirty="0">
-                <a:solidFill>
-                  <a:srgbClr val="000066"/>
-                </a:solidFill>
-                <a:effectLst>
-                  <a:outerShdw blurRad="50000" dist="30000" dir="5400000" algn="tl" rotWithShape="0">
-                    <a:srgbClr val="000000">
-                      <a:alpha val="30000"/>
-                    </a:srgbClr>
-                  </a:outerShdw>
-                </a:effectLst>
-                <a:latin typeface="微軟正黑體" pitchFamily="34" charset="-120"/>
-                <a:ea typeface="微軟正黑體" pitchFamily="34" charset="-120"/>
-              </a:rPr>
-              <a:t>讚美耶穌代贖洪恩</a:t>
-            </a:r>
-            <a:endParaRPr lang="en-US" altLang="zh-CN" sz="4800" b="1" dirty="0">
-              <a:solidFill>
-                <a:srgbClr val="000066"/>
-              </a:solidFill>
-              <a:effectLst>
-                <a:outerShdw blurRad="50000" dist="30000" dir="5400000" algn="tl" rotWithShape="0">
-                  <a:srgbClr val="000000">
-                    <a:alpha val="30000"/>
-                  </a:srgbClr>
-                </a:outerShdw>
-              </a:effectLst>
-              <a:latin typeface="微軟正黑體" pitchFamily="34" charset="-120"/>
-              <a:ea typeface="微軟正黑體" pitchFamily="34" charset="-120"/>
-            </a:endParaRPr>
-          </a:p>
-        </p:txBody>
-      </p:sp>
-    </p:spTree>
-    <p:extLst>
-      <p:ext uri="{BB962C8B-B14F-4D97-AF65-F5344CB8AC3E}">
-        <p14:creationId xmlns:p14="http://schemas.microsoft.com/office/powerpoint/2010/main" val="4258810467"/>
-      </p:ext>
-    </p:extLst>
-  </p:cSld>
-  <p:clrMapOvr>
-    <a:masterClrMapping/>
-  </p:clrMapOvr>
-</p:sld>
-</file>
-
-<file path=ppt/slides/slide81.xml><?xml version="1.0" encoding="utf-8"?>
-<p:sld xmlns:a="http://schemas.openxmlformats.org/drawingml/2006/main" xmlns:r="http://schemas.openxmlformats.org/officeDocument/2006/relationships" xmlns:p="http://schemas.openxmlformats.org/presentationml/2006/main">
-  <p:cSld>
-    <p:spTree>
-      <p:nvGrpSpPr>
-        <p:cNvPr id="1" name=""/>
-        <p:cNvGrpSpPr/>
-        <p:nvPr/>
-      </p:nvGrpSpPr>
-      <p:grpSpPr>
-        <a:xfrm>
-          <a:off x="0" y="0"/>
-          <a:ext cx="0" cy="0"/>
-          <a:chOff x="0" y="0"/>
-          <a:chExt cx="0" cy="0"/>
-        </a:xfrm>
-      </p:grpSpPr>
-      <p:sp>
-        <p:nvSpPr>
-          <p:cNvPr id="5" name="內容版面配置區 4"/>
-          <p:cNvSpPr>
-            <a:spLocks noGrp="1"/>
-          </p:cNvSpPr>
-          <p:nvPr>
-            <p:ph idx="1"/>
-          </p:nvPr>
-        </p:nvSpPr>
-        <p:spPr>
-          <a:xfrm>
-            <a:off x="0" y="1563638"/>
-            <a:ext cx="9144000" cy="1803647"/>
-          </a:xfrm>
-        </p:spPr>
-        <p:txBody>
-          <a:bodyPr anchor="ctr">
-            <a:normAutofit/>
-          </a:bodyPr>
-          <a:lstStyle/>
-          <a:p>
-            <a:pPr algn="ctr">
-              <a:buNone/>
-            </a:pPr>
-            <a:r>
-              <a:rPr lang="zh-CN" altLang="en-US" sz="4800" b="1" dirty="0">
-                <a:solidFill>
-                  <a:srgbClr val="000066"/>
-                </a:solidFill>
-                <a:effectLst>
-                  <a:outerShdw blurRad="50000" dist="30000" dir="5400000" algn="tl" rotWithShape="0">
-                    <a:srgbClr val="000000">
-                      <a:alpha val="30000"/>
-                    </a:srgbClr>
-                  </a:outerShdw>
-                </a:effectLst>
-                <a:latin typeface="微軟正黑體" pitchFamily="34" charset="-120"/>
-                <a:ea typeface="微軟正黑體" pitchFamily="34" charset="-120"/>
-              </a:rPr>
-              <a:t>讚美聖靈開我茅塞</a:t>
-            </a:r>
-            <a:endParaRPr lang="en-US" altLang="zh-CN" sz="4800" b="1" dirty="0">
-              <a:solidFill>
-                <a:srgbClr val="000066"/>
-              </a:solidFill>
-              <a:effectLst>
-                <a:outerShdw blurRad="50000" dist="30000" dir="5400000" algn="tl" rotWithShape="0">
-                  <a:srgbClr val="000000">
-                    <a:alpha val="30000"/>
-                  </a:srgbClr>
-                </a:outerShdw>
-              </a:effectLst>
-              <a:latin typeface="微軟正黑體" pitchFamily="34" charset="-120"/>
-              <a:ea typeface="微軟正黑體" pitchFamily="34" charset="-120"/>
-            </a:endParaRPr>
-          </a:p>
-          <a:p>
-            <a:pPr algn="ctr">
-              <a:buNone/>
-            </a:pPr>
-            <a:r>
-              <a:rPr lang="zh-CN" altLang="en-US" sz="4800" b="1" dirty="0">
-                <a:solidFill>
-                  <a:srgbClr val="000066"/>
-                </a:solidFill>
-                <a:effectLst>
-                  <a:outerShdw blurRad="50000" dist="30000" dir="5400000" algn="tl" rotWithShape="0">
-                    <a:srgbClr val="000000">
-                      <a:alpha val="30000"/>
-                    </a:srgbClr>
-                  </a:outerShdw>
-                </a:effectLst>
-                <a:latin typeface="微軟正黑體" pitchFamily="34" charset="-120"/>
-                <a:ea typeface="微軟正黑體" pitchFamily="34" charset="-120"/>
-              </a:rPr>
-              <a:t>讚美三位合一真神</a:t>
-            </a:r>
-            <a:endParaRPr lang="zh-TW" altLang="en-US" sz="4800" b="1" dirty="0">
-              <a:solidFill>
-                <a:srgbClr val="000066"/>
-              </a:solidFill>
-              <a:effectLst>
-                <a:outerShdw blurRad="50000" dist="30000" dir="5400000" algn="tl" rotWithShape="0">
-                  <a:srgbClr val="000000">
-                    <a:alpha val="30000"/>
-                  </a:srgbClr>
-                </a:outerShdw>
-              </a:effectLst>
-              <a:latin typeface="微軟正黑體" pitchFamily="34" charset="-120"/>
-              <a:ea typeface="微軟正黑體" pitchFamily="34" charset="-120"/>
-            </a:endParaRPr>
-          </a:p>
-        </p:txBody>
-      </p:sp>
-    </p:spTree>
-    <p:extLst>
-      <p:ext uri="{BB962C8B-B14F-4D97-AF65-F5344CB8AC3E}">
-        <p14:creationId xmlns:p14="http://schemas.microsoft.com/office/powerpoint/2010/main" val="3198951544"/>
-      </p:ext>
-    </p:extLst>
-  </p:cSld>
-  <p:clrMapOvr>
-    <a:masterClrMapping/>
-  </p:clrMapOvr>
-</p:sld>
-</file>
-
-<file path=ppt/slides/slide82.xml><?xml version="1.0" encoding="utf-8"?>
-<p:sld xmlns:a="http://schemas.openxmlformats.org/drawingml/2006/main" xmlns:r="http://schemas.openxmlformats.org/officeDocument/2006/relationships" xmlns:p="http://schemas.openxmlformats.org/presentationml/2006/main">
-  <p:cSld>
-    <p:spTree>
-      <p:nvGrpSpPr>
-        <p:cNvPr id="1" name=""/>
-        <p:cNvGrpSpPr/>
-        <p:nvPr/>
-      </p:nvGrpSpPr>
-      <p:grpSpPr>
-        <a:xfrm>
-          <a:off x="0" y="0"/>
-          <a:ext cx="0" cy="0"/>
-          <a:chOff x="0" y="0"/>
-          <a:chExt cx="0" cy="0"/>
-        </a:xfrm>
-      </p:grpSpPr>
-      <p:sp>
-        <p:nvSpPr>
-          <p:cNvPr id="4" name="標題 3"/>
-          <p:cNvSpPr>
-            <a:spLocks noGrp="1"/>
-          </p:cNvSpPr>
-          <p:nvPr>
-            <p:ph type="title"/>
-          </p:nvPr>
-        </p:nvSpPr>
-        <p:spPr>
-          <a:xfrm>
-            <a:off x="0" y="2143135"/>
-            <a:ext cx="9144000" cy="857250"/>
-          </a:xfrm>
-        </p:spPr>
-        <p:txBody>
-          <a:bodyPr>
-            <a:noAutofit/>
-          </a:bodyPr>
-          <a:lstStyle/>
-          <a:p>
-            <a:r>
-              <a:rPr lang="zh-CN" altLang="en-US" sz="7200" b="1" dirty="0" smtClean="0">
-                <a:solidFill>
-                  <a:srgbClr val="660033"/>
-                </a:solidFill>
-                <a:effectLst>
-                  <a:outerShdw blurRad="38100" dist="38100" dir="2700000" algn="tl">
-                    <a:srgbClr val="000000">
-                      <a:alpha val="43137"/>
-                    </a:srgbClr>
-                  </a:outerShdw>
-                </a:effectLst>
-                <a:latin typeface="微軟正黑體" pitchFamily="34" charset="-120"/>
-                <a:ea typeface="微軟正黑體" pitchFamily="34" charset="-120"/>
-              </a:rPr>
-              <a:t>公</a:t>
-            </a:r>
-            <a:r>
-              <a:rPr lang="zh-CN" altLang="en-US" sz="7200" b="1" dirty="0">
-                <a:solidFill>
-                  <a:srgbClr val="660033"/>
-                </a:solidFill>
-                <a:effectLst>
-                  <a:outerShdw blurRad="38100" dist="38100" dir="2700000" algn="tl">
-                    <a:srgbClr val="000000">
-                      <a:alpha val="43137"/>
-                    </a:srgbClr>
-                  </a:outerShdw>
-                </a:effectLst>
-                <a:latin typeface="微軟正黑體" pitchFamily="34" charset="-120"/>
-                <a:ea typeface="微軟正黑體" pitchFamily="34" charset="-120"/>
-              </a:rPr>
-              <a:t>禱文</a:t>
-            </a:r>
-            <a:endParaRPr lang="zh-TW" altLang="en-US" sz="7200" b="1" dirty="0">
-              <a:solidFill>
-                <a:srgbClr val="660033"/>
-              </a:solidFill>
-              <a:effectLst>
-                <a:outerShdw blurRad="38100" dist="38100" dir="2700000" algn="tl">
-                  <a:srgbClr val="000000">
-                    <a:alpha val="43137"/>
-                  </a:srgbClr>
-                </a:outerShdw>
-              </a:effectLst>
-              <a:latin typeface="微軟正黑體" pitchFamily="34" charset="-120"/>
-              <a:ea typeface="微軟正黑體" pitchFamily="34" charset="-120"/>
-            </a:endParaRPr>
-          </a:p>
-        </p:txBody>
-      </p:sp>
-    </p:spTree>
-    <p:extLst>
-      <p:ext uri="{BB962C8B-B14F-4D97-AF65-F5344CB8AC3E}">
-        <p14:creationId xmlns:p14="http://schemas.microsoft.com/office/powerpoint/2010/main" val="3678965060"/>
-      </p:ext>
-    </p:extLst>
-  </p:cSld>
-  <p:clrMapOvr>
-    <a:masterClrMapping/>
-  </p:clrMapOvr>
-</p:sld>
-</file>
-
-<file path=ppt/slides/slide83.xml><?xml version="1.0" encoding="utf-8"?>
-<p:sld xmlns:a="http://schemas.openxmlformats.org/drawingml/2006/main" xmlns:r="http://schemas.openxmlformats.org/officeDocument/2006/relationships" xmlns:p="http://schemas.openxmlformats.org/presentationml/2006/main">
-  <p:cSld>
-    <p:spTree>
-      <p:nvGrpSpPr>
-        <p:cNvPr id="1" name=""/>
-        <p:cNvGrpSpPr/>
-        <p:nvPr/>
-      </p:nvGrpSpPr>
-      <p:grpSpPr>
-        <a:xfrm>
-          <a:off x="0" y="0"/>
-          <a:ext cx="0" cy="0"/>
-          <a:chOff x="0" y="0"/>
-          <a:chExt cx="0" cy="0"/>
-        </a:xfrm>
-      </p:grpSpPr>
-      <p:sp>
-        <p:nvSpPr>
-          <p:cNvPr id="5" name="內容版面配置區 4"/>
-          <p:cNvSpPr>
-            <a:spLocks noGrp="1"/>
-          </p:cNvSpPr>
-          <p:nvPr>
-            <p:ph idx="1"/>
-          </p:nvPr>
-        </p:nvSpPr>
-        <p:spPr>
-          <a:xfrm>
-            <a:off x="0" y="1563638"/>
-            <a:ext cx="9144000" cy="1803647"/>
-          </a:xfrm>
-        </p:spPr>
-        <p:txBody>
-          <a:bodyPr anchor="ctr">
-            <a:normAutofit/>
-          </a:bodyPr>
-          <a:lstStyle/>
-          <a:p>
-            <a:pPr algn="ctr">
-              <a:buNone/>
-            </a:pPr>
-            <a:r>
-              <a:rPr lang="zh-CN" altLang="en-US" sz="4800" b="1" dirty="0">
-                <a:solidFill>
-                  <a:srgbClr val="660033"/>
-                </a:solidFill>
-                <a:effectLst>
-                  <a:outerShdw blurRad="50000" dist="30000" dir="5400000" algn="tl" rotWithShape="0">
-                    <a:srgbClr val="000000">
-                      <a:alpha val="30000"/>
-                    </a:srgbClr>
-                  </a:outerShdw>
-                </a:effectLst>
-                <a:latin typeface="微軟正黑體" pitchFamily="34" charset="-120"/>
-                <a:ea typeface="微軟正黑體" pitchFamily="34" charset="-120"/>
-              </a:rPr>
-              <a:t>我們在天上的父</a:t>
-            </a:r>
-            <a:endParaRPr lang="en-US" altLang="zh-CN" sz="4800" b="1" dirty="0">
-              <a:solidFill>
-                <a:srgbClr val="660033"/>
-              </a:solidFill>
-              <a:effectLst>
-                <a:outerShdw blurRad="50000" dist="30000" dir="5400000" algn="tl" rotWithShape="0">
-                  <a:srgbClr val="000000">
-                    <a:alpha val="30000"/>
-                  </a:srgbClr>
-                </a:outerShdw>
-              </a:effectLst>
-              <a:latin typeface="微軟正黑體" pitchFamily="34" charset="-120"/>
-              <a:ea typeface="微軟正黑體" pitchFamily="34" charset="-120"/>
-            </a:endParaRPr>
-          </a:p>
-          <a:p>
-            <a:pPr algn="ctr">
-              <a:buNone/>
-            </a:pPr>
-            <a:r>
-              <a:rPr lang="zh-CN" altLang="en-US" sz="4800" b="1" dirty="0">
-                <a:solidFill>
-                  <a:srgbClr val="660033"/>
-                </a:solidFill>
-                <a:effectLst>
-                  <a:outerShdw blurRad="50000" dist="30000" dir="5400000" algn="tl" rotWithShape="0">
-                    <a:srgbClr val="000000">
-                      <a:alpha val="30000"/>
-                    </a:srgbClr>
-                  </a:outerShdw>
-                </a:effectLst>
-                <a:latin typeface="微軟正黑體" pitchFamily="34" charset="-120"/>
-                <a:ea typeface="微軟正黑體" pitchFamily="34" charset="-120"/>
-              </a:rPr>
-              <a:t>願人都尊父的名為聖</a:t>
-            </a:r>
-            <a:endParaRPr lang="en-US" altLang="zh-CN" sz="4800" b="1" dirty="0">
-              <a:solidFill>
-                <a:srgbClr val="660033"/>
-              </a:solidFill>
-              <a:effectLst>
-                <a:outerShdw blurRad="50000" dist="30000" dir="5400000" algn="tl" rotWithShape="0">
-                  <a:srgbClr val="000000">
-                    <a:alpha val="30000"/>
-                  </a:srgbClr>
-                </a:outerShdw>
-              </a:effectLst>
-              <a:latin typeface="微軟正黑體" pitchFamily="34" charset="-120"/>
-              <a:ea typeface="微軟正黑體" pitchFamily="34" charset="-120"/>
-            </a:endParaRPr>
-          </a:p>
-        </p:txBody>
-      </p:sp>
-    </p:spTree>
-    <p:extLst>
-      <p:ext uri="{BB962C8B-B14F-4D97-AF65-F5344CB8AC3E}">
-        <p14:creationId xmlns:p14="http://schemas.microsoft.com/office/powerpoint/2010/main" val="2306578235"/>
-      </p:ext>
-    </p:extLst>
-  </p:cSld>
-  <p:clrMapOvr>
-    <a:masterClrMapping/>
-  </p:clrMapOvr>
-</p:sld>
-</file>
-
-<file path=ppt/slides/slide84.xml><?xml version="1.0" encoding="utf-8"?>
-<p:sld xmlns:a="http://schemas.openxmlformats.org/drawingml/2006/main" xmlns:r="http://schemas.openxmlformats.org/officeDocument/2006/relationships" xmlns:p="http://schemas.openxmlformats.org/presentationml/2006/main">
-  <p:cSld>
-    <p:spTree>
-      <p:nvGrpSpPr>
-        <p:cNvPr id="1" name=""/>
-        <p:cNvGrpSpPr/>
-        <p:nvPr/>
-      </p:nvGrpSpPr>
-      <p:grpSpPr>
-        <a:xfrm>
-          <a:off x="0" y="0"/>
-          <a:ext cx="0" cy="0"/>
-          <a:chOff x="0" y="0"/>
-          <a:chExt cx="0" cy="0"/>
-        </a:xfrm>
-      </p:grpSpPr>
-      <p:sp>
-        <p:nvSpPr>
-          <p:cNvPr id="5" name="內容版面配置區 4"/>
-          <p:cNvSpPr>
-            <a:spLocks noGrp="1"/>
-          </p:cNvSpPr>
-          <p:nvPr>
-            <p:ph idx="1"/>
-          </p:nvPr>
-        </p:nvSpPr>
-        <p:spPr>
-          <a:xfrm>
-            <a:off x="0" y="1563638"/>
-            <a:ext cx="9144000" cy="1803647"/>
-          </a:xfrm>
-        </p:spPr>
-        <p:txBody>
-          <a:bodyPr anchor="ctr">
-            <a:normAutofit/>
-          </a:bodyPr>
-          <a:lstStyle/>
-          <a:p>
-            <a:pPr algn="ctr">
-              <a:buNone/>
-            </a:pPr>
-            <a:r>
-              <a:rPr lang="zh-CN" altLang="en-US" sz="4800" b="1" dirty="0">
-                <a:solidFill>
-                  <a:srgbClr val="660033"/>
-                </a:solidFill>
-                <a:effectLst>
-                  <a:outerShdw blurRad="50000" dist="30000" dir="5400000" algn="tl" rotWithShape="0">
-                    <a:srgbClr val="000000">
-                      <a:alpha val="30000"/>
-                    </a:srgbClr>
-                  </a:outerShdw>
-                </a:effectLst>
-                <a:latin typeface="微軟正黑體" pitchFamily="34" charset="-120"/>
-                <a:ea typeface="微軟正黑體" pitchFamily="34" charset="-120"/>
-              </a:rPr>
-              <a:t>願父的國降臨</a:t>
-            </a:r>
-            <a:endParaRPr lang="en-US" altLang="zh-CN" sz="4800" b="1" dirty="0">
-              <a:solidFill>
-                <a:srgbClr val="660033"/>
-              </a:solidFill>
-              <a:effectLst>
-                <a:outerShdw blurRad="50000" dist="30000" dir="5400000" algn="tl" rotWithShape="0">
-                  <a:srgbClr val="000000">
-                    <a:alpha val="30000"/>
-                  </a:srgbClr>
-                </a:outerShdw>
-              </a:effectLst>
-              <a:latin typeface="微軟正黑體" pitchFamily="34" charset="-120"/>
-              <a:ea typeface="微軟正黑體" pitchFamily="34" charset="-120"/>
-            </a:endParaRPr>
-          </a:p>
-          <a:p>
-            <a:pPr algn="ctr">
-              <a:buNone/>
-            </a:pPr>
-            <a:r>
-              <a:rPr lang="zh-CN" altLang="en-US" sz="4800" b="1" dirty="0">
-                <a:solidFill>
-                  <a:srgbClr val="660033"/>
-                </a:solidFill>
-                <a:effectLst>
-                  <a:outerShdw blurRad="50000" dist="30000" dir="5400000" algn="tl" rotWithShape="0">
-                    <a:srgbClr val="000000">
-                      <a:alpha val="30000"/>
-                    </a:srgbClr>
-                  </a:outerShdw>
-                </a:effectLst>
-                <a:latin typeface="微軟正黑體" pitchFamily="34" charset="-120"/>
-                <a:ea typeface="微軟正黑體" pitchFamily="34" charset="-120"/>
-              </a:rPr>
-              <a:t>願父的旨意行在地上</a:t>
-            </a:r>
-            <a:endParaRPr lang="en-US" altLang="zh-CN" sz="4800" b="1" dirty="0">
-              <a:solidFill>
-                <a:srgbClr val="660033"/>
-              </a:solidFill>
-              <a:effectLst>
-                <a:outerShdw blurRad="50000" dist="30000" dir="5400000" algn="tl" rotWithShape="0">
-                  <a:srgbClr val="000000">
-                    <a:alpha val="30000"/>
-                  </a:srgbClr>
-                </a:outerShdw>
-              </a:effectLst>
-              <a:latin typeface="微軟正黑體" pitchFamily="34" charset="-120"/>
-              <a:ea typeface="微軟正黑體" pitchFamily="34" charset="-120"/>
-            </a:endParaRPr>
-          </a:p>
-        </p:txBody>
-      </p:sp>
-    </p:spTree>
-    <p:extLst>
-      <p:ext uri="{BB962C8B-B14F-4D97-AF65-F5344CB8AC3E}">
-        <p14:creationId xmlns:p14="http://schemas.microsoft.com/office/powerpoint/2010/main" val="1726235318"/>
-      </p:ext>
-    </p:extLst>
-  </p:cSld>
-  <p:clrMapOvr>
-    <a:masterClrMapping/>
-  </p:clrMapOvr>
-</p:sld>
-</file>
-
-<file path=ppt/slides/slide85.xml><?xml version="1.0" encoding="utf-8"?>
-<p:sld xmlns:a="http://schemas.openxmlformats.org/drawingml/2006/main" xmlns:r="http://schemas.openxmlformats.org/officeDocument/2006/relationships" xmlns:p="http://schemas.openxmlformats.org/presentationml/2006/main">
-  <p:cSld>
-    <p:spTree>
-      <p:nvGrpSpPr>
-        <p:cNvPr id="1" name=""/>
-        <p:cNvGrpSpPr/>
-        <p:nvPr/>
-      </p:nvGrpSpPr>
-      <p:grpSpPr>
-        <a:xfrm>
-          <a:off x="0" y="0"/>
-          <a:ext cx="0" cy="0"/>
-          <a:chOff x="0" y="0"/>
-          <a:chExt cx="0" cy="0"/>
-        </a:xfrm>
-      </p:grpSpPr>
-      <p:sp>
-        <p:nvSpPr>
-          <p:cNvPr id="5" name="內容版面配置區 4"/>
-          <p:cNvSpPr>
-            <a:spLocks noGrp="1"/>
-          </p:cNvSpPr>
-          <p:nvPr>
-            <p:ph idx="1"/>
-          </p:nvPr>
-        </p:nvSpPr>
-        <p:spPr>
-          <a:xfrm>
-            <a:off x="0" y="1563638"/>
-            <a:ext cx="9144000" cy="1803647"/>
-          </a:xfrm>
-        </p:spPr>
-        <p:txBody>
-          <a:bodyPr anchor="ctr">
-            <a:normAutofit/>
-          </a:bodyPr>
-          <a:lstStyle/>
-          <a:p>
-            <a:pPr algn="ctr">
-              <a:buNone/>
-            </a:pPr>
-            <a:r>
-              <a:rPr lang="zh-CN" altLang="en-US" sz="4800" b="1" dirty="0">
-                <a:solidFill>
-                  <a:srgbClr val="660033"/>
-                </a:solidFill>
-                <a:effectLst>
-                  <a:outerShdw blurRad="50000" dist="30000" dir="5400000" algn="tl" rotWithShape="0">
-                    <a:srgbClr val="000000">
-                      <a:alpha val="30000"/>
-                    </a:srgbClr>
-                  </a:outerShdw>
-                </a:effectLst>
-                <a:latin typeface="微軟正黑體" pitchFamily="34" charset="-120"/>
-                <a:ea typeface="微軟正黑體" pitchFamily="34" charset="-120"/>
-              </a:rPr>
-              <a:t>如同行在天上</a:t>
-            </a:r>
-            <a:endParaRPr lang="zh-TW" altLang="en-US" sz="4800" b="1" dirty="0">
-              <a:solidFill>
-                <a:srgbClr val="660033"/>
-              </a:solidFill>
-              <a:effectLst>
-                <a:outerShdw blurRad="50000" dist="30000" dir="5400000" algn="tl" rotWithShape="0">
-                  <a:srgbClr val="000000">
-                    <a:alpha val="30000"/>
-                  </a:srgbClr>
-                </a:outerShdw>
-              </a:effectLst>
-              <a:latin typeface="微軟正黑體" pitchFamily="34" charset="-120"/>
-              <a:ea typeface="微軟正黑體" pitchFamily="34" charset="-120"/>
-            </a:endParaRPr>
-          </a:p>
-        </p:txBody>
-      </p:sp>
-    </p:spTree>
-    <p:extLst>
-      <p:ext uri="{BB962C8B-B14F-4D97-AF65-F5344CB8AC3E}">
-        <p14:creationId xmlns:p14="http://schemas.microsoft.com/office/powerpoint/2010/main" val="588642297"/>
-      </p:ext>
-    </p:extLst>
-  </p:cSld>
-  <p:clrMapOvr>
-    <a:masterClrMapping/>
-  </p:clrMapOvr>
-</p:sld>
-</file>
-
-<file path=ppt/slides/slide86.xml><?xml version="1.0" encoding="utf-8"?>
-<p:sld xmlns:a="http://schemas.openxmlformats.org/drawingml/2006/main" xmlns:r="http://schemas.openxmlformats.org/officeDocument/2006/relationships" xmlns:p="http://schemas.openxmlformats.org/presentationml/2006/main">
-  <p:cSld>
-    <p:spTree>
-      <p:nvGrpSpPr>
-        <p:cNvPr id="1" name=""/>
-        <p:cNvGrpSpPr/>
-        <p:nvPr/>
-      </p:nvGrpSpPr>
-      <p:grpSpPr>
-        <a:xfrm>
-          <a:off x="0" y="0"/>
-          <a:ext cx="0" cy="0"/>
-          <a:chOff x="0" y="0"/>
-          <a:chExt cx="0" cy="0"/>
-        </a:xfrm>
-      </p:grpSpPr>
-      <p:sp>
-        <p:nvSpPr>
-          <p:cNvPr id="5" name="內容版面配置區 4"/>
-          <p:cNvSpPr>
-            <a:spLocks noGrp="1"/>
-          </p:cNvSpPr>
-          <p:nvPr>
-            <p:ph idx="1"/>
-          </p:nvPr>
-        </p:nvSpPr>
-        <p:spPr>
-          <a:xfrm>
-            <a:off x="0" y="1563638"/>
-            <a:ext cx="9144000" cy="1803647"/>
-          </a:xfrm>
-        </p:spPr>
-        <p:txBody>
-          <a:bodyPr anchor="ctr">
-            <a:normAutofit/>
-          </a:bodyPr>
-          <a:lstStyle/>
-          <a:p>
-            <a:pPr algn="ctr">
-              <a:buNone/>
-            </a:pPr>
-            <a:r>
-              <a:rPr lang="zh-CN" altLang="en-US" sz="4800" b="1" dirty="0">
-                <a:solidFill>
-                  <a:srgbClr val="660033"/>
-                </a:solidFill>
-                <a:effectLst>
-                  <a:outerShdw blurRad="50000" dist="30000" dir="5400000" algn="tl" rotWithShape="0">
-                    <a:srgbClr val="000000">
-                      <a:alpha val="30000"/>
-                    </a:srgbClr>
-                  </a:outerShdw>
-                </a:effectLst>
-                <a:latin typeface="微軟正黑體" pitchFamily="34" charset="-120"/>
-                <a:ea typeface="微軟正黑體" pitchFamily="34" charset="-120"/>
-              </a:rPr>
-              <a:t>我們日用的飲食</a:t>
-            </a:r>
-            <a:endParaRPr lang="en-US" altLang="zh-CN" sz="4800" b="1" dirty="0">
-              <a:solidFill>
-                <a:srgbClr val="660033"/>
-              </a:solidFill>
-              <a:effectLst>
-                <a:outerShdw blurRad="50000" dist="30000" dir="5400000" algn="tl" rotWithShape="0">
-                  <a:srgbClr val="000000">
-                    <a:alpha val="30000"/>
-                  </a:srgbClr>
-                </a:outerShdw>
-              </a:effectLst>
-              <a:latin typeface="微軟正黑體" pitchFamily="34" charset="-120"/>
-              <a:ea typeface="微軟正黑體" pitchFamily="34" charset="-120"/>
-            </a:endParaRPr>
-          </a:p>
-          <a:p>
-            <a:pPr algn="ctr">
-              <a:buNone/>
-            </a:pPr>
-            <a:r>
-              <a:rPr lang="zh-CN" altLang="en-US" sz="4800" b="1" dirty="0">
-                <a:solidFill>
-                  <a:srgbClr val="660033"/>
-                </a:solidFill>
-                <a:effectLst>
-                  <a:outerShdw blurRad="50000" dist="30000" dir="5400000" algn="tl" rotWithShape="0">
-                    <a:srgbClr val="000000">
-                      <a:alpha val="30000"/>
-                    </a:srgbClr>
-                  </a:outerShdw>
-                </a:effectLst>
-                <a:latin typeface="微軟正黑體" pitchFamily="34" charset="-120"/>
-                <a:ea typeface="微軟正黑體" pitchFamily="34" charset="-120"/>
-              </a:rPr>
-              <a:t>今日賜給我們</a:t>
-            </a:r>
-            <a:endParaRPr lang="en-US" altLang="zh-CN" sz="4800" b="1" dirty="0">
-              <a:solidFill>
-                <a:srgbClr val="660033"/>
-              </a:solidFill>
-              <a:effectLst>
-                <a:outerShdw blurRad="50000" dist="30000" dir="5400000" algn="tl" rotWithShape="0">
-                  <a:srgbClr val="000000">
-                    <a:alpha val="30000"/>
-                  </a:srgbClr>
-                </a:outerShdw>
-              </a:effectLst>
-              <a:latin typeface="微軟正黑體" pitchFamily="34" charset="-120"/>
-              <a:ea typeface="微軟正黑體" pitchFamily="34" charset="-120"/>
-            </a:endParaRPr>
-          </a:p>
-        </p:txBody>
-      </p:sp>
-    </p:spTree>
-    <p:extLst>
-      <p:ext uri="{BB962C8B-B14F-4D97-AF65-F5344CB8AC3E}">
-        <p14:creationId xmlns:p14="http://schemas.microsoft.com/office/powerpoint/2010/main" val="1319233991"/>
-      </p:ext>
-    </p:extLst>
-  </p:cSld>
-  <p:clrMapOvr>
-    <a:masterClrMapping/>
-  </p:clrMapOvr>
-</p:sld>
-</file>
-
-<file path=ppt/slides/slide87.xml><?xml version="1.0" encoding="utf-8"?>
-<p:sld xmlns:a="http://schemas.openxmlformats.org/drawingml/2006/main" xmlns:r="http://schemas.openxmlformats.org/officeDocument/2006/relationships" xmlns:p="http://schemas.openxmlformats.org/presentationml/2006/main">
-  <p:cSld>
-    <p:spTree>
-      <p:nvGrpSpPr>
-        <p:cNvPr id="1" name=""/>
-        <p:cNvGrpSpPr/>
-        <p:nvPr/>
-      </p:nvGrpSpPr>
-      <p:grpSpPr>
-        <a:xfrm>
-          <a:off x="0" y="0"/>
-          <a:ext cx="0" cy="0"/>
-          <a:chOff x="0" y="0"/>
-          <a:chExt cx="0" cy="0"/>
-        </a:xfrm>
-      </p:grpSpPr>
-      <p:sp>
-        <p:nvSpPr>
-          <p:cNvPr id="5" name="內容版面配置區 4"/>
-          <p:cNvSpPr>
-            <a:spLocks noGrp="1"/>
-          </p:cNvSpPr>
-          <p:nvPr>
-            <p:ph idx="1"/>
-          </p:nvPr>
-        </p:nvSpPr>
-        <p:spPr>
-          <a:xfrm>
-            <a:off x="0" y="1563638"/>
-            <a:ext cx="9144000" cy="1803647"/>
-          </a:xfrm>
-        </p:spPr>
-        <p:txBody>
-          <a:bodyPr anchor="ctr">
-            <a:normAutofit/>
-          </a:bodyPr>
-          <a:lstStyle/>
-          <a:p>
-            <a:pPr algn="ctr">
-              <a:buNone/>
-            </a:pPr>
-            <a:r>
-              <a:rPr lang="zh-CN" altLang="en-US" sz="4800" b="1" dirty="0">
-                <a:solidFill>
-                  <a:srgbClr val="660033"/>
-                </a:solidFill>
-                <a:effectLst>
-                  <a:outerShdw blurRad="50000" dist="30000" dir="5400000" algn="tl" rotWithShape="0">
-                    <a:srgbClr val="000000">
-                      <a:alpha val="30000"/>
-                    </a:srgbClr>
-                  </a:outerShdw>
-                </a:effectLst>
-                <a:latin typeface="微軟正黑體" pitchFamily="34" charset="-120"/>
-                <a:ea typeface="微軟正黑體" pitchFamily="34" charset="-120"/>
-              </a:rPr>
-              <a:t>免我們的債</a:t>
-            </a:r>
-            <a:endParaRPr lang="en-US" altLang="zh-CN" sz="4800" b="1" dirty="0">
-              <a:solidFill>
-                <a:srgbClr val="660033"/>
-              </a:solidFill>
-              <a:effectLst>
-                <a:outerShdw blurRad="50000" dist="30000" dir="5400000" algn="tl" rotWithShape="0">
-                  <a:srgbClr val="000000">
-                    <a:alpha val="30000"/>
-                  </a:srgbClr>
-                </a:outerShdw>
-              </a:effectLst>
-              <a:latin typeface="微軟正黑體" pitchFamily="34" charset="-120"/>
-              <a:ea typeface="微軟正黑體" pitchFamily="34" charset="-120"/>
-            </a:endParaRPr>
-          </a:p>
-          <a:p>
-            <a:pPr algn="ctr">
-              <a:buNone/>
-            </a:pPr>
-            <a:r>
-              <a:rPr lang="zh-CN" altLang="en-US" sz="4800" b="1" dirty="0">
-                <a:solidFill>
-                  <a:srgbClr val="660033"/>
-                </a:solidFill>
-                <a:effectLst>
-                  <a:outerShdw blurRad="50000" dist="30000" dir="5400000" algn="tl" rotWithShape="0">
-                    <a:srgbClr val="000000">
-                      <a:alpha val="30000"/>
-                    </a:srgbClr>
-                  </a:outerShdw>
-                </a:effectLst>
-                <a:latin typeface="微軟正黑體" pitchFamily="34" charset="-120"/>
-                <a:ea typeface="微軟正黑體" pitchFamily="34" charset="-120"/>
-              </a:rPr>
-              <a:t>如同我們免了人的債</a:t>
-            </a:r>
-            <a:endParaRPr lang="zh-TW" altLang="en-US" sz="4800" b="1" dirty="0">
-              <a:solidFill>
-                <a:srgbClr val="660033"/>
-              </a:solidFill>
-              <a:effectLst>
-                <a:outerShdw blurRad="50000" dist="30000" dir="5400000" algn="tl" rotWithShape="0">
-                  <a:srgbClr val="000000">
-                    <a:alpha val="30000"/>
-                  </a:srgbClr>
-                </a:outerShdw>
-              </a:effectLst>
-              <a:latin typeface="微軟正黑體" pitchFamily="34" charset="-120"/>
-              <a:ea typeface="微軟正黑體" pitchFamily="34" charset="-120"/>
-            </a:endParaRPr>
-          </a:p>
-        </p:txBody>
-      </p:sp>
-    </p:spTree>
-    <p:extLst>
-      <p:ext uri="{BB962C8B-B14F-4D97-AF65-F5344CB8AC3E}">
-        <p14:creationId xmlns:p14="http://schemas.microsoft.com/office/powerpoint/2010/main" val="2058767591"/>
-      </p:ext>
-    </p:extLst>
-  </p:cSld>
-  <p:clrMapOvr>
-    <a:masterClrMapping/>
-  </p:clrMapOvr>
-</p:sld>
-</file>
-
-<file path=ppt/slides/slide88.xml><?xml version="1.0" encoding="utf-8"?>
-<p:sld xmlns:a="http://schemas.openxmlformats.org/drawingml/2006/main" xmlns:r="http://schemas.openxmlformats.org/officeDocument/2006/relationships" xmlns:p="http://schemas.openxmlformats.org/presentationml/2006/main">
-  <p:cSld>
-    <p:spTree>
-      <p:nvGrpSpPr>
-        <p:cNvPr id="1" name=""/>
-        <p:cNvGrpSpPr/>
-        <p:nvPr/>
-      </p:nvGrpSpPr>
-      <p:grpSpPr>
-        <a:xfrm>
-          <a:off x="0" y="0"/>
-          <a:ext cx="0" cy="0"/>
-          <a:chOff x="0" y="0"/>
-          <a:chExt cx="0" cy="0"/>
-        </a:xfrm>
-      </p:grpSpPr>
-      <p:sp>
-        <p:nvSpPr>
-          <p:cNvPr id="5" name="內容版面配置區 4"/>
-          <p:cNvSpPr>
-            <a:spLocks noGrp="1"/>
-          </p:cNvSpPr>
-          <p:nvPr>
-            <p:ph idx="1"/>
-          </p:nvPr>
-        </p:nvSpPr>
-        <p:spPr>
-          <a:xfrm>
-            <a:off x="0" y="1563638"/>
-            <a:ext cx="9144000" cy="1803647"/>
-          </a:xfrm>
-        </p:spPr>
-        <p:txBody>
-          <a:bodyPr anchor="ctr">
-            <a:normAutofit/>
-          </a:bodyPr>
-          <a:lstStyle/>
-          <a:p>
-            <a:pPr algn="ctr">
-              <a:buNone/>
-            </a:pPr>
-            <a:r>
-              <a:rPr lang="zh-CN" altLang="en-US" sz="4800" b="1" dirty="0">
-                <a:solidFill>
-                  <a:srgbClr val="660033"/>
-                </a:solidFill>
-                <a:effectLst>
-                  <a:outerShdw blurRad="50000" dist="30000" dir="5400000" algn="tl" rotWithShape="0">
-                    <a:srgbClr val="000000">
-                      <a:alpha val="30000"/>
-                    </a:srgbClr>
-                  </a:outerShdw>
-                </a:effectLst>
-                <a:latin typeface="微軟正黑體" pitchFamily="34" charset="-120"/>
-                <a:ea typeface="微軟正黑體" pitchFamily="34" charset="-120"/>
-              </a:rPr>
-              <a:t>不叫我們遇見試探</a:t>
-            </a:r>
-            <a:endParaRPr lang="en-US" altLang="zh-CN" sz="4800" b="1" dirty="0">
-              <a:solidFill>
-                <a:srgbClr val="660033"/>
-              </a:solidFill>
-              <a:effectLst>
-                <a:outerShdw blurRad="50000" dist="30000" dir="5400000" algn="tl" rotWithShape="0">
-                  <a:srgbClr val="000000">
-                    <a:alpha val="30000"/>
-                  </a:srgbClr>
-                </a:outerShdw>
-              </a:effectLst>
-              <a:latin typeface="微軟正黑體" pitchFamily="34" charset="-120"/>
-              <a:ea typeface="微軟正黑體" pitchFamily="34" charset="-120"/>
-            </a:endParaRPr>
-          </a:p>
-          <a:p>
-            <a:pPr algn="ctr">
-              <a:buNone/>
-            </a:pPr>
-            <a:r>
-              <a:rPr lang="zh-CN" altLang="en-US" sz="4800" b="1" dirty="0">
-                <a:solidFill>
-                  <a:srgbClr val="660033"/>
-                </a:solidFill>
-                <a:effectLst>
-                  <a:outerShdw blurRad="50000" dist="30000" dir="5400000" algn="tl" rotWithShape="0">
-                    <a:srgbClr val="000000">
-                      <a:alpha val="30000"/>
-                    </a:srgbClr>
-                  </a:outerShdw>
-                </a:effectLst>
-                <a:latin typeface="微軟正黑體" pitchFamily="34" charset="-120"/>
-                <a:ea typeface="微軟正黑體" pitchFamily="34" charset="-120"/>
-              </a:rPr>
-              <a:t>救我們脫離兇惡</a:t>
-            </a:r>
-            <a:endParaRPr lang="en-US" altLang="zh-CN" sz="4800" b="1" dirty="0">
-              <a:solidFill>
-                <a:srgbClr val="660033"/>
-              </a:solidFill>
-              <a:effectLst>
-                <a:outerShdw blurRad="50000" dist="30000" dir="5400000" algn="tl" rotWithShape="0">
-                  <a:srgbClr val="000000">
-                    <a:alpha val="30000"/>
-                  </a:srgbClr>
-                </a:outerShdw>
-              </a:effectLst>
-              <a:latin typeface="微軟正黑體" pitchFamily="34" charset="-120"/>
-              <a:ea typeface="微軟正黑體" pitchFamily="34" charset="-120"/>
-            </a:endParaRPr>
-          </a:p>
-        </p:txBody>
-      </p:sp>
-    </p:spTree>
-    <p:extLst>
-      <p:ext uri="{BB962C8B-B14F-4D97-AF65-F5344CB8AC3E}">
-        <p14:creationId xmlns:p14="http://schemas.microsoft.com/office/powerpoint/2010/main" val="2627005698"/>
-      </p:ext>
-    </p:extLst>
-  </p:cSld>
-  <p:clrMapOvr>
-    <a:masterClrMapping/>
-  </p:clrMapOvr>
-</p:sld>
-</file>
-
-<file path=ppt/slides/slide89.xml><?xml version="1.0" encoding="utf-8"?>
-<p:sld xmlns:a="http://schemas.openxmlformats.org/drawingml/2006/main" xmlns:r="http://schemas.openxmlformats.org/officeDocument/2006/relationships" xmlns:p="http://schemas.openxmlformats.org/presentationml/2006/main">
-  <p:cSld>
-    <p:spTree>
-      <p:nvGrpSpPr>
-        <p:cNvPr id="1" name=""/>
-        <p:cNvGrpSpPr/>
-        <p:nvPr/>
-      </p:nvGrpSpPr>
-      <p:grpSpPr>
-        <a:xfrm>
-          <a:off x="0" y="0"/>
-          <a:ext cx="0" cy="0"/>
-          <a:chOff x="0" y="0"/>
-          <a:chExt cx="0" cy="0"/>
-        </a:xfrm>
-      </p:grpSpPr>
-      <p:sp>
-        <p:nvSpPr>
-          <p:cNvPr id="5" name="內容版面配置區 4"/>
-          <p:cNvSpPr>
-            <a:spLocks noGrp="1"/>
-          </p:cNvSpPr>
-          <p:nvPr>
-            <p:ph idx="1"/>
-          </p:nvPr>
-        </p:nvSpPr>
-        <p:spPr>
-          <a:xfrm>
-            <a:off x="0" y="1563638"/>
-            <a:ext cx="9144000" cy="1803647"/>
-          </a:xfrm>
-        </p:spPr>
-        <p:txBody>
-          <a:bodyPr anchor="ctr">
-            <a:normAutofit/>
-          </a:bodyPr>
-          <a:lstStyle/>
-          <a:p>
-            <a:pPr algn="ctr">
-              <a:buNone/>
-            </a:pPr>
-            <a:r>
-              <a:rPr lang="zh-CN" altLang="en-US" sz="4800" b="1" dirty="0">
-                <a:solidFill>
-                  <a:srgbClr val="660033"/>
-                </a:solidFill>
-                <a:effectLst>
-                  <a:outerShdw blurRad="50000" dist="30000" dir="5400000" algn="tl" rotWithShape="0">
-                    <a:srgbClr val="000000">
-                      <a:alpha val="30000"/>
-                    </a:srgbClr>
-                  </a:outerShdw>
-                </a:effectLst>
-                <a:latin typeface="微軟正黑體" pitchFamily="34" charset="-120"/>
-                <a:ea typeface="微軟正黑體" pitchFamily="34" charset="-120"/>
-              </a:rPr>
-              <a:t>因為國度  權柄  榮耀</a:t>
-            </a:r>
-            <a:endParaRPr lang="en-US" altLang="zh-CN" sz="4800" b="1" dirty="0">
-              <a:solidFill>
-                <a:srgbClr val="660033"/>
-              </a:solidFill>
-              <a:effectLst>
-                <a:outerShdw blurRad="50000" dist="30000" dir="5400000" algn="tl" rotWithShape="0">
-                  <a:srgbClr val="000000">
-                    <a:alpha val="30000"/>
-                  </a:srgbClr>
-                </a:outerShdw>
-              </a:effectLst>
-              <a:latin typeface="微軟正黑體" pitchFamily="34" charset="-120"/>
-              <a:ea typeface="微軟正黑體" pitchFamily="34" charset="-120"/>
-            </a:endParaRPr>
-          </a:p>
-          <a:p>
-            <a:pPr algn="ctr">
-              <a:buNone/>
-            </a:pPr>
-            <a:r>
-              <a:rPr lang="zh-CN" altLang="en-US" sz="4800" b="1" dirty="0">
-                <a:solidFill>
-                  <a:srgbClr val="660033"/>
-                </a:solidFill>
-                <a:effectLst>
-                  <a:outerShdw blurRad="50000" dist="30000" dir="5400000" algn="tl" rotWithShape="0">
-                    <a:srgbClr val="000000">
-                      <a:alpha val="30000"/>
-                    </a:srgbClr>
-                  </a:outerShdw>
-                </a:effectLst>
-                <a:latin typeface="微軟正黑體" pitchFamily="34" charset="-120"/>
-                <a:ea typeface="微軟正黑體" pitchFamily="34" charset="-120"/>
-              </a:rPr>
-              <a:t>全是父的  直到永遠</a:t>
-            </a:r>
-            <a:r>
-              <a:rPr lang="en-US" altLang="zh-CN" sz="4800" b="1" dirty="0">
-                <a:solidFill>
-                  <a:srgbClr val="660033"/>
-                </a:solidFill>
-                <a:effectLst>
-                  <a:outerShdw blurRad="50000" dist="30000" dir="5400000" algn="tl" rotWithShape="0">
-                    <a:srgbClr val="000000">
-                      <a:alpha val="30000"/>
-                    </a:srgbClr>
-                  </a:outerShdw>
-                </a:effectLst>
-                <a:latin typeface="微軟正黑體" pitchFamily="34" charset="-120"/>
-                <a:ea typeface="微軟正黑體" pitchFamily="34" charset="-120"/>
-              </a:rPr>
-              <a:t>  </a:t>
-            </a:r>
-            <a:r>
-              <a:rPr lang="zh-CN" altLang="en-US" sz="4800" b="1" dirty="0">
-                <a:solidFill>
-                  <a:srgbClr val="660033"/>
-                </a:solidFill>
-                <a:effectLst>
-                  <a:outerShdw blurRad="50000" dist="30000" dir="5400000" algn="tl" rotWithShape="0">
-                    <a:srgbClr val="000000">
-                      <a:alpha val="30000"/>
-                    </a:srgbClr>
-                  </a:outerShdw>
-                </a:effectLst>
-                <a:latin typeface="微軟正黑體" pitchFamily="34" charset="-120"/>
-                <a:ea typeface="微軟正黑體" pitchFamily="34" charset="-120"/>
-              </a:rPr>
-              <a:t>阿門</a:t>
-            </a:r>
-            <a:endParaRPr lang="zh-TW" altLang="en-US" sz="4800" b="1" dirty="0">
-              <a:solidFill>
-                <a:srgbClr val="660033"/>
-              </a:solidFill>
-              <a:effectLst>
-                <a:outerShdw blurRad="50000" dist="30000" dir="5400000" algn="tl" rotWithShape="0">
-                  <a:srgbClr val="000000">
-                    <a:alpha val="30000"/>
-                  </a:srgbClr>
-                </a:outerShdw>
-              </a:effectLst>
-              <a:latin typeface="微軟正黑體" pitchFamily="34" charset="-120"/>
-              <a:ea typeface="微軟正黑體" pitchFamily="34" charset="-120"/>
-            </a:endParaRPr>
-          </a:p>
-        </p:txBody>
-      </p:sp>
-    </p:spTree>
-    <p:extLst>
-      <p:ext uri="{BB962C8B-B14F-4D97-AF65-F5344CB8AC3E}">
-        <p14:creationId xmlns:p14="http://schemas.microsoft.com/office/powerpoint/2010/main" val="3617491913"/>
-      </p:ext>
-    </p:extLst>
-  </p:cSld>
-  <p:clrMapOvr>
-    <a:masterClrMapping/>
-  </p:clrMapOvr>
-</p:sld>
-</file>
-
 <file path=ppt/slides/slide9.xml><?xml version="1.0" encoding="utf-8"?>
 <p:sld xmlns:a="http://schemas.openxmlformats.org/drawingml/2006/main" xmlns:r="http://schemas.openxmlformats.org/officeDocument/2006/relationships" xmlns:p="http://schemas.openxmlformats.org/presentationml/2006/main">
   <p:cSld>
@@ -15763,1138 +11944,6 @@
       </p:par>
     </p:tnLst>
   </p:timing>
-</p:sld>
-</file>
-
-<file path=ppt/slides/slide90.xml><?xml version="1.0" encoding="utf-8"?>
-<p:sld xmlns:a="http://schemas.openxmlformats.org/drawingml/2006/main" xmlns:r="http://schemas.openxmlformats.org/officeDocument/2006/relationships" xmlns:p="http://schemas.openxmlformats.org/presentationml/2006/main">
-  <p:cSld>
-    <p:spTree>
-      <p:nvGrpSpPr>
-        <p:cNvPr id="1" name=""/>
-        <p:cNvGrpSpPr/>
-        <p:nvPr/>
-      </p:nvGrpSpPr>
-      <p:grpSpPr>
-        <a:xfrm>
-          <a:off x="0" y="0"/>
-          <a:ext cx="0" cy="0"/>
-          <a:chOff x="0" y="0"/>
-          <a:chExt cx="0" cy="0"/>
-        </a:xfrm>
-      </p:grpSpPr>
-      <p:sp>
-        <p:nvSpPr>
-          <p:cNvPr id="2" name="標題 1"/>
-          <p:cNvSpPr>
-            <a:spLocks noGrp="1"/>
-          </p:cNvSpPr>
-          <p:nvPr>
-            <p:ph type="title" idx="4294967295"/>
-          </p:nvPr>
-        </p:nvSpPr>
-        <p:spPr>
-          <a:xfrm>
-            <a:off x="0" y="1707654"/>
-            <a:ext cx="9144000" cy="628650"/>
-          </a:xfrm>
-        </p:spPr>
-        <p:txBody>
-          <a:bodyPr>
-            <a:noAutofit/>
-          </a:bodyPr>
-          <a:lstStyle/>
-          <a:p>
-            <a:pPr algn="ctr"/>
-            <a:r>
-              <a:rPr lang="zh-CN" altLang="en-US" sz="5400" b="1" dirty="0" smtClean="0">
-                <a:solidFill>
-                  <a:srgbClr val="000066"/>
-                </a:solidFill>
-                <a:effectLst>
-                  <a:outerShdw blurRad="38100" dist="38100" dir="2700000" algn="tl">
-                    <a:srgbClr val="000000">
-                      <a:alpha val="43137"/>
-                    </a:srgbClr>
-                  </a:outerShdw>
-                </a:effectLst>
-                <a:latin typeface="微軟正黑體" pitchFamily="34" charset="-120"/>
-                <a:ea typeface="微軟正黑體" pitchFamily="34" charset="-120"/>
-              </a:rPr>
-              <a:t>祝福</a:t>
-            </a:r>
-            <a:endParaRPr lang="zh-TW" altLang="en-US" sz="5400" b="1" dirty="0">
-              <a:solidFill>
-                <a:srgbClr val="000066"/>
-              </a:solidFill>
-              <a:effectLst>
-                <a:outerShdw blurRad="38100" dist="38100" dir="2700000" algn="tl">
-                  <a:srgbClr val="000000">
-                    <a:alpha val="43137"/>
-                  </a:srgbClr>
-                </a:outerShdw>
-              </a:effectLst>
-              <a:latin typeface="微軟正黑體" pitchFamily="34" charset="-120"/>
-              <a:ea typeface="微軟正黑體" pitchFamily="34" charset="-120"/>
-            </a:endParaRPr>
-          </a:p>
-        </p:txBody>
-      </p:sp>
-      <p:sp>
-        <p:nvSpPr>
-          <p:cNvPr id="3" name="矩形 2"/>
-          <p:cNvSpPr/>
-          <p:nvPr/>
-        </p:nvSpPr>
-        <p:spPr>
-          <a:xfrm>
-            <a:off x="0" y="2427734"/>
-            <a:ext cx="9144000" cy="830997"/>
-          </a:xfrm>
-          <a:prstGeom prst="rect">
-            <a:avLst/>
-          </a:prstGeom>
-        </p:spPr>
-        <p:txBody>
-          <a:bodyPr wrap="square">
-            <a:spAutoFit/>
-          </a:bodyPr>
-          <a:lstStyle/>
-          <a:p>
-            <a:pPr algn="ctr"/>
-            <a:r>
-              <a:rPr lang="en-US" altLang="zh-CN" sz="4800" b="1" dirty="0" smtClean="0">
-                <a:solidFill>
-                  <a:srgbClr val="660033"/>
-                </a:solidFill>
-                <a:effectLst>
-                  <a:outerShdw blurRad="38100" dist="38100" dir="2700000" algn="tl">
-                    <a:srgbClr val="000000">
-                      <a:alpha val="43137"/>
-                    </a:srgbClr>
-                  </a:outerShdw>
-                </a:effectLst>
-                <a:latin typeface="微軟正黑體" pitchFamily="34" charset="-120"/>
-                <a:ea typeface="微軟正黑體" pitchFamily="34" charset="-120"/>
-                <a:cs typeface="+mj-cs"/>
-              </a:rPr>
-              <a:t>(</a:t>
-            </a:r>
-            <a:r>
-              <a:rPr lang="zh-CN" altLang="en-US" sz="4800" b="1" dirty="0" smtClean="0">
-                <a:solidFill>
-                  <a:srgbClr val="660033"/>
-                </a:solidFill>
-                <a:effectLst>
-                  <a:outerShdw blurRad="38100" dist="38100" dir="2700000" algn="tl">
-                    <a:srgbClr val="000000">
-                      <a:alpha val="43137"/>
-                    </a:srgbClr>
-                  </a:outerShdw>
-                </a:effectLst>
-                <a:latin typeface="微軟正黑體" pitchFamily="34" charset="-120"/>
-                <a:ea typeface="微軟正黑體" pitchFamily="34" charset="-120"/>
-                <a:cs typeface="+mj-cs"/>
-              </a:rPr>
-              <a:t>主禮牧師</a:t>
-            </a:r>
-            <a:r>
-              <a:rPr lang="en-US" altLang="zh-CN" sz="4800" b="1" dirty="0" smtClean="0">
-                <a:solidFill>
-                  <a:srgbClr val="660033"/>
-                </a:solidFill>
-                <a:effectLst>
-                  <a:outerShdw blurRad="38100" dist="38100" dir="2700000" algn="tl">
-                    <a:srgbClr val="000000">
-                      <a:alpha val="43137"/>
-                    </a:srgbClr>
-                  </a:outerShdw>
-                </a:effectLst>
-                <a:latin typeface="微軟正黑體" pitchFamily="34" charset="-120"/>
-                <a:ea typeface="微軟正黑體" pitchFamily="34" charset="-120"/>
-                <a:cs typeface="+mj-cs"/>
-              </a:rPr>
-              <a:t>)</a:t>
-            </a:r>
-            <a:endParaRPr lang="zh-TW" altLang="en-US" sz="4800" b="1" dirty="0" smtClean="0">
-              <a:solidFill>
-                <a:srgbClr val="660033"/>
-              </a:solidFill>
-              <a:effectLst>
-                <a:outerShdw blurRad="38100" dist="38100" dir="2700000" algn="tl">
-                  <a:srgbClr val="000000">
-                    <a:alpha val="43137"/>
-                  </a:srgbClr>
-                </a:outerShdw>
-              </a:effectLst>
-              <a:latin typeface="微軟正黑體" pitchFamily="34" charset="-120"/>
-              <a:ea typeface="微軟正黑體" pitchFamily="34" charset="-120"/>
-              <a:cs typeface="+mj-cs"/>
-            </a:endParaRPr>
-          </a:p>
-        </p:txBody>
-      </p:sp>
-    </p:spTree>
-    <p:extLst>
-      <p:ext uri="{BB962C8B-B14F-4D97-AF65-F5344CB8AC3E}">
-        <p14:creationId xmlns:p14="http://schemas.microsoft.com/office/powerpoint/2010/main" val="1671247361"/>
-      </p:ext>
-    </p:extLst>
-  </p:cSld>
-  <p:clrMapOvr>
-    <a:masterClrMapping/>
-  </p:clrMapOvr>
-  <p:timing>
-    <p:tnLst>
-      <p:par>
-        <p:cTn id="1" dur="indefinite" restart="never" nodeType="tmRoot"/>
-      </p:par>
-    </p:tnLst>
-  </p:timing>
-</p:sld>
-</file>
-
-<file path=ppt/slides/slide91.xml><?xml version="1.0" encoding="utf-8"?>
-<p:sld xmlns:a="http://schemas.openxmlformats.org/drawingml/2006/main" xmlns:r="http://schemas.openxmlformats.org/officeDocument/2006/relationships" xmlns:p="http://schemas.openxmlformats.org/presentationml/2006/main">
-  <p:cSld>
-    <p:spTree>
-      <p:nvGrpSpPr>
-        <p:cNvPr id="1" name=""/>
-        <p:cNvGrpSpPr/>
-        <p:nvPr/>
-      </p:nvGrpSpPr>
-      <p:grpSpPr>
-        <a:xfrm>
-          <a:off x="0" y="0"/>
-          <a:ext cx="0" cy="0"/>
-          <a:chOff x="0" y="0"/>
-          <a:chExt cx="0" cy="0"/>
-        </a:xfrm>
-      </p:grpSpPr>
-      <p:sp>
-        <p:nvSpPr>
-          <p:cNvPr id="2" name="矩形 1"/>
-          <p:cNvSpPr/>
-          <p:nvPr/>
-        </p:nvSpPr>
-        <p:spPr>
-          <a:xfrm>
-            <a:off x="0" y="1570336"/>
-            <a:ext cx="9144000" cy="923330"/>
-          </a:xfrm>
-          <a:prstGeom prst="rect">
-            <a:avLst/>
-          </a:prstGeom>
-        </p:spPr>
-        <p:txBody>
-          <a:bodyPr wrap="square">
-            <a:spAutoFit/>
-          </a:bodyPr>
-          <a:lstStyle/>
-          <a:p>
-            <a:pPr algn="ctr"/>
-            <a:r>
-              <a:rPr lang="zh-CN" altLang="en-US" sz="5400" b="1" dirty="0" smtClean="0">
-                <a:solidFill>
-                  <a:srgbClr val="000066"/>
-                </a:solidFill>
-                <a:effectLst>
-                  <a:outerShdw blurRad="50000" dist="30000" dir="5400000" algn="tl" rotWithShape="0">
-                    <a:srgbClr val="000000">
-                      <a:alpha val="30000"/>
-                    </a:srgbClr>
-                  </a:outerShdw>
-                </a:effectLst>
-                <a:latin typeface="微軟正黑體" pitchFamily="34" charset="-120"/>
-                <a:ea typeface="微軟正黑體" pitchFamily="34" charset="-120"/>
-                <a:cs typeface="+mj-cs"/>
-              </a:rPr>
-              <a:t>聚會祝福歌</a:t>
-            </a:r>
-            <a:endParaRPr lang="zh-TW" altLang="en-US" sz="5400" b="1" dirty="0" smtClean="0">
-              <a:solidFill>
-                <a:srgbClr val="000066"/>
-              </a:solidFill>
-              <a:effectLst>
-                <a:outerShdw blurRad="50000" dist="30000" dir="5400000" algn="tl" rotWithShape="0">
-                  <a:srgbClr val="000000">
-                    <a:alpha val="30000"/>
-                  </a:srgbClr>
-                </a:outerShdw>
-              </a:effectLst>
-              <a:latin typeface="微軟正黑體" pitchFamily="34" charset="-120"/>
-              <a:ea typeface="微軟正黑體" pitchFamily="34" charset="-120"/>
-              <a:cs typeface="+mj-cs"/>
-            </a:endParaRPr>
-          </a:p>
-        </p:txBody>
-      </p:sp>
-      <p:sp>
-        <p:nvSpPr>
-          <p:cNvPr id="3" name="標題 1"/>
-          <p:cNvSpPr txBox="1"/>
-          <p:nvPr/>
-        </p:nvSpPr>
-        <p:spPr>
-          <a:xfrm>
-            <a:off x="0" y="2435611"/>
-            <a:ext cx="9144000" cy="964405"/>
-          </a:xfrm>
-          <a:prstGeom prst="rect">
-            <a:avLst/>
-          </a:prstGeom>
-        </p:spPr>
-        <p:txBody>
-          <a:bodyPr anchor="ctr">
-            <a:noAutofit/>
-          </a:bodyPr>
-          <a:lstStyle/>
-          <a:p>
-            <a:pPr marL="0" marR="0" lvl="0" indent="0" algn="ctr" defTabSz="914400" rtl="0" eaLnBrk="1" fontAlgn="auto" latinLnBrk="0" hangingPunct="1">
-              <a:lnSpc>
-                <a:spcPct val="100000"/>
-              </a:lnSpc>
-              <a:spcBef>
-                <a:spcPct val="0"/>
-              </a:spcBef>
-              <a:spcAft>
-                <a:spcPts val="0"/>
-              </a:spcAft>
-              <a:buClrTx/>
-              <a:buSzTx/>
-              <a:buFontTx/>
-              <a:buNone/>
-              <a:defRPr/>
-            </a:pPr>
-            <a:r>
-              <a:rPr kumimoji="0" lang="zh-CN" altLang="en-US" sz="4800" b="1" i="0" u="none" strike="noStrike" kern="1200" cap="none" spc="0" normalizeH="0" baseline="0" noProof="0" dirty="0" smtClean="0">
-                <a:ln>
-                  <a:noFill/>
-                </a:ln>
-                <a:solidFill>
-                  <a:srgbClr val="660033"/>
-                </a:solidFill>
-                <a:effectLst>
-                  <a:outerShdw blurRad="50000" dist="30000" dir="5400000" algn="tl" rotWithShape="0">
-                    <a:srgbClr val="000000">
-                      <a:alpha val="30000"/>
-                    </a:srgbClr>
-                  </a:outerShdw>
-                </a:effectLst>
-                <a:uLnTx/>
-                <a:uFillTx/>
-                <a:latin typeface="微軟正黑體" pitchFamily="34" charset="-120"/>
-                <a:ea typeface="微軟正黑體" pitchFamily="34" charset="-120"/>
-                <a:cs typeface="+mj-cs"/>
-              </a:rPr>
-              <a:t>本堂牧師領詩班退堂</a:t>
-            </a:r>
-            <a:endParaRPr kumimoji="0" lang="zh-TW" altLang="en-US" sz="4800" b="1" i="0" u="none" strike="noStrike" kern="1200" cap="none" spc="0" normalizeH="0" baseline="0" noProof="0" dirty="0">
-              <a:ln>
-                <a:noFill/>
-              </a:ln>
-              <a:solidFill>
-                <a:srgbClr val="660033"/>
-              </a:solidFill>
-              <a:effectLst>
-                <a:outerShdw blurRad="50000" dist="30000" dir="5400000" algn="tl" rotWithShape="0">
-                  <a:srgbClr val="000000">
-                    <a:alpha val="30000"/>
-                  </a:srgbClr>
-                </a:outerShdw>
-              </a:effectLst>
-              <a:uLnTx/>
-              <a:uFillTx/>
-              <a:latin typeface="微軟正黑體" pitchFamily="34" charset="-120"/>
-              <a:ea typeface="微軟正黑體" pitchFamily="34" charset="-120"/>
-              <a:cs typeface="+mj-cs"/>
-            </a:endParaRPr>
-          </a:p>
-        </p:txBody>
-      </p:sp>
-    </p:spTree>
-  </p:cSld>
-  <p:clrMapOvr>
-    <a:masterClrMapping/>
-  </p:clrMapOvr>
-  <p:timing>
-    <p:tnLst>
-      <p:par>
-        <p:cTn id="1" dur="indefinite" restart="never" nodeType="tmRoot"/>
-      </p:par>
-    </p:tnLst>
-  </p:timing>
-</p:sld>
-</file>
-
-<file path=ppt/slides/slide92.xml><?xml version="1.0" encoding="utf-8"?>
-<p:sld xmlns:a="http://schemas.openxmlformats.org/drawingml/2006/main" xmlns:r="http://schemas.openxmlformats.org/officeDocument/2006/relationships" xmlns:p="http://schemas.openxmlformats.org/presentationml/2006/main">
-  <p:cSld>
-    <p:spTree>
-      <p:nvGrpSpPr>
-        <p:cNvPr id="1" name=""/>
-        <p:cNvGrpSpPr/>
-        <p:nvPr/>
-      </p:nvGrpSpPr>
-      <p:grpSpPr>
-        <a:xfrm>
-          <a:off x="0" y="0"/>
-          <a:ext cx="0" cy="0"/>
-          <a:chOff x="0" y="0"/>
-          <a:chExt cx="0" cy="0"/>
-        </a:xfrm>
-      </p:grpSpPr>
-      <p:sp>
-        <p:nvSpPr>
-          <p:cNvPr id="4" name="標題 3"/>
-          <p:cNvSpPr>
-            <a:spLocks noGrp="1"/>
-          </p:cNvSpPr>
-          <p:nvPr>
-            <p:ph type="title"/>
-          </p:nvPr>
-        </p:nvSpPr>
-        <p:spPr>
-          <a:xfrm>
-            <a:off x="0" y="2143135"/>
-            <a:ext cx="9144000" cy="857250"/>
-          </a:xfrm>
-        </p:spPr>
-        <p:txBody>
-          <a:bodyPr>
-            <a:noAutofit/>
-          </a:bodyPr>
-          <a:lstStyle/>
-          <a:p>
-            <a:r>
-              <a:rPr lang="zh-CN" altLang="en-US" sz="7200" b="1" dirty="0" smtClean="0">
-                <a:solidFill>
-                  <a:srgbClr val="000066"/>
-                </a:solidFill>
-                <a:effectLst>
-                  <a:outerShdw blurRad="38100" dist="38100" dir="2700000" algn="tl">
-                    <a:srgbClr val="000000">
-                      <a:alpha val="43137"/>
-                    </a:srgbClr>
-                  </a:outerShdw>
-                </a:effectLst>
-                <a:latin typeface="微軟正黑體" pitchFamily="34" charset="-120"/>
-                <a:ea typeface="微軟正黑體" pitchFamily="34" charset="-120"/>
-              </a:rPr>
-              <a:t>主</a:t>
-            </a:r>
-            <a:r>
-              <a:rPr lang="zh-CN" altLang="en-US" sz="7200" b="1" dirty="0">
-                <a:solidFill>
-                  <a:srgbClr val="000066"/>
-                </a:solidFill>
-                <a:effectLst>
-                  <a:outerShdw blurRad="38100" dist="38100" dir="2700000" algn="tl">
-                    <a:srgbClr val="000000">
-                      <a:alpha val="43137"/>
-                    </a:srgbClr>
-                  </a:outerShdw>
-                </a:effectLst>
-                <a:latin typeface="微軟正黑體" pitchFamily="34" charset="-120"/>
-                <a:ea typeface="微軟正黑體" pitchFamily="34" charset="-120"/>
-              </a:rPr>
-              <a:t>的愛</a:t>
-            </a:r>
-            <a:endParaRPr lang="zh-TW" altLang="en-US" sz="7200" b="1" dirty="0">
-              <a:solidFill>
-                <a:srgbClr val="000066"/>
-              </a:solidFill>
-              <a:effectLst>
-                <a:outerShdw blurRad="38100" dist="38100" dir="2700000" algn="tl">
-                  <a:srgbClr val="000000">
-                    <a:alpha val="43137"/>
-                  </a:srgbClr>
-                </a:outerShdw>
-              </a:effectLst>
-              <a:latin typeface="微軟正黑體" pitchFamily="34" charset="-120"/>
-              <a:ea typeface="微軟正黑體" pitchFamily="34" charset="-120"/>
-            </a:endParaRPr>
-          </a:p>
-        </p:txBody>
-      </p:sp>
-    </p:spTree>
-    <p:extLst>
-      <p:ext uri="{BB962C8B-B14F-4D97-AF65-F5344CB8AC3E}">
-        <p14:creationId xmlns:p14="http://schemas.microsoft.com/office/powerpoint/2010/main" val="3707739611"/>
-      </p:ext>
-    </p:extLst>
-  </p:cSld>
-  <p:clrMapOvr>
-    <a:masterClrMapping/>
-  </p:clrMapOvr>
-</p:sld>
-</file>
-
-<file path=ppt/slides/slide93.xml><?xml version="1.0" encoding="utf-8"?>
-<p:sld xmlns:a="http://schemas.openxmlformats.org/drawingml/2006/main" xmlns:r="http://schemas.openxmlformats.org/officeDocument/2006/relationships" xmlns:p="http://schemas.openxmlformats.org/presentationml/2006/main">
-  <p:cSld>
-    <p:spTree>
-      <p:nvGrpSpPr>
-        <p:cNvPr id="1" name=""/>
-        <p:cNvGrpSpPr/>
-        <p:nvPr/>
-      </p:nvGrpSpPr>
-      <p:grpSpPr>
-        <a:xfrm>
-          <a:off x="0" y="0"/>
-          <a:ext cx="0" cy="0"/>
-          <a:chOff x="0" y="0"/>
-          <a:chExt cx="0" cy="0"/>
-        </a:xfrm>
-      </p:grpSpPr>
-      <p:sp>
-        <p:nvSpPr>
-          <p:cNvPr id="5" name="內容版面配置區 4"/>
-          <p:cNvSpPr>
-            <a:spLocks noGrp="1"/>
-          </p:cNvSpPr>
-          <p:nvPr>
-            <p:ph idx="1"/>
-          </p:nvPr>
-        </p:nvSpPr>
-        <p:spPr>
-          <a:xfrm>
-            <a:off x="0" y="1563638"/>
-            <a:ext cx="9144000" cy="1803647"/>
-          </a:xfrm>
-        </p:spPr>
-        <p:txBody>
-          <a:bodyPr anchor="ctr">
-            <a:normAutofit/>
-          </a:bodyPr>
-          <a:lstStyle/>
-          <a:p>
-            <a:pPr algn="ctr">
-              <a:buNone/>
-            </a:pPr>
-            <a:r>
-              <a:rPr lang="zh-TW" altLang="en-US" sz="4800" b="1" dirty="0">
-                <a:solidFill>
-                  <a:srgbClr val="000066"/>
-                </a:solidFill>
-                <a:effectLst>
-                  <a:outerShdw blurRad="50000" dist="30000" dir="5400000" algn="tl" rotWithShape="0">
-                    <a:srgbClr val="000000">
-                      <a:alpha val="30000"/>
-                    </a:srgbClr>
-                  </a:outerShdw>
-                </a:effectLst>
-                <a:latin typeface="微軟正黑體" pitchFamily="34" charset="-120"/>
-                <a:ea typeface="微軟正黑體" pitchFamily="34" charset="-120"/>
-              </a:rPr>
-              <a:t>願主的愛與你同</a:t>
-            </a:r>
-            <a:r>
-              <a:rPr lang="zh-TW" altLang="en-US" sz="4800" b="1" dirty="0" smtClean="0">
-                <a:solidFill>
-                  <a:srgbClr val="000066"/>
-                </a:solidFill>
-                <a:effectLst>
-                  <a:outerShdw blurRad="50000" dist="30000" dir="5400000" algn="tl" rotWithShape="0">
-                    <a:srgbClr val="000000">
-                      <a:alpha val="30000"/>
-                    </a:srgbClr>
-                  </a:outerShdw>
-                </a:effectLst>
-                <a:latin typeface="微軟正黑體" pitchFamily="34" charset="-120"/>
-                <a:ea typeface="微軟正黑體" pitchFamily="34" charset="-120"/>
-              </a:rPr>
-              <a:t>在</a:t>
-            </a:r>
-            <a:endParaRPr lang="en-US" altLang="zh-TW" sz="4800" b="1" dirty="0">
-              <a:solidFill>
-                <a:srgbClr val="000066"/>
-              </a:solidFill>
-              <a:effectLst>
-                <a:outerShdw blurRad="50000" dist="30000" dir="5400000" algn="tl" rotWithShape="0">
-                  <a:srgbClr val="000000">
-                    <a:alpha val="30000"/>
-                  </a:srgbClr>
-                </a:outerShdw>
-              </a:effectLst>
-              <a:latin typeface="微軟正黑體" pitchFamily="34" charset="-120"/>
-              <a:ea typeface="微軟正黑體" pitchFamily="34" charset="-120"/>
-            </a:endParaRPr>
-          </a:p>
-          <a:p>
-            <a:pPr algn="ctr">
-              <a:buNone/>
-            </a:pPr>
-            <a:r>
-              <a:rPr lang="zh-TW" altLang="en-US" sz="4800" b="1" dirty="0" smtClean="0">
-                <a:solidFill>
-                  <a:srgbClr val="000066"/>
-                </a:solidFill>
-                <a:effectLst>
-                  <a:outerShdw blurRad="50000" dist="30000" dir="5400000" algn="tl" rotWithShape="0">
-                    <a:srgbClr val="000000">
-                      <a:alpha val="30000"/>
-                    </a:srgbClr>
-                  </a:outerShdw>
-                </a:effectLst>
-                <a:latin typeface="微軟正黑體" pitchFamily="34" charset="-120"/>
-                <a:ea typeface="微軟正黑體" pitchFamily="34" charset="-120"/>
-              </a:rPr>
-              <a:t>無</a:t>
-            </a:r>
-            <a:r>
-              <a:rPr lang="zh-TW" altLang="en-US" sz="4800" b="1" dirty="0">
-                <a:solidFill>
-                  <a:srgbClr val="000066"/>
-                </a:solidFill>
-                <a:effectLst>
-                  <a:outerShdw blurRad="50000" dist="30000" dir="5400000" algn="tl" rotWithShape="0">
-                    <a:srgbClr val="000000">
-                      <a:alpha val="30000"/>
-                    </a:srgbClr>
-                  </a:outerShdw>
-                </a:effectLst>
-                <a:latin typeface="微軟正黑體" pitchFamily="34" charset="-120"/>
-                <a:ea typeface="微軟正黑體" pitchFamily="34" charset="-120"/>
-              </a:rPr>
-              <a:t>論你在何</a:t>
-            </a:r>
-            <a:r>
-              <a:rPr lang="zh-TW" altLang="en-US" sz="4800" b="1" dirty="0" smtClean="0">
-                <a:solidFill>
-                  <a:srgbClr val="000066"/>
-                </a:solidFill>
-                <a:effectLst>
-                  <a:outerShdw blurRad="50000" dist="30000" dir="5400000" algn="tl" rotWithShape="0">
-                    <a:srgbClr val="000000">
-                      <a:alpha val="30000"/>
-                    </a:srgbClr>
-                  </a:outerShdw>
-                </a:effectLst>
-                <a:latin typeface="微軟正黑體" pitchFamily="34" charset="-120"/>
-                <a:ea typeface="微軟正黑體" pitchFamily="34" charset="-120"/>
-              </a:rPr>
-              <a:t>方</a:t>
-            </a:r>
-            <a:endParaRPr lang="en-US" altLang="zh-TW" sz="4800" b="1" dirty="0">
-              <a:solidFill>
-                <a:srgbClr val="000066"/>
-              </a:solidFill>
-              <a:effectLst>
-                <a:outerShdw blurRad="50000" dist="30000" dir="5400000" algn="tl" rotWithShape="0">
-                  <a:srgbClr val="000000">
-                    <a:alpha val="30000"/>
-                  </a:srgbClr>
-                </a:outerShdw>
-              </a:effectLst>
-              <a:latin typeface="微軟正黑體" pitchFamily="34" charset="-120"/>
-              <a:ea typeface="微軟正黑體" pitchFamily="34" charset="-120"/>
-            </a:endParaRPr>
-          </a:p>
-        </p:txBody>
-      </p:sp>
-    </p:spTree>
-    <p:extLst>
-      <p:ext uri="{BB962C8B-B14F-4D97-AF65-F5344CB8AC3E}">
-        <p14:creationId xmlns:p14="http://schemas.microsoft.com/office/powerpoint/2010/main" val="293433003"/>
-      </p:ext>
-    </p:extLst>
-  </p:cSld>
-  <p:clrMapOvr>
-    <a:masterClrMapping/>
-  </p:clrMapOvr>
-</p:sld>
-</file>
-
-<file path=ppt/slides/slide94.xml><?xml version="1.0" encoding="utf-8"?>
-<p:sld xmlns:a="http://schemas.openxmlformats.org/drawingml/2006/main" xmlns:r="http://schemas.openxmlformats.org/officeDocument/2006/relationships" xmlns:p="http://schemas.openxmlformats.org/presentationml/2006/main">
-  <p:cSld>
-    <p:spTree>
-      <p:nvGrpSpPr>
-        <p:cNvPr id="1" name=""/>
-        <p:cNvGrpSpPr/>
-        <p:nvPr/>
-      </p:nvGrpSpPr>
-      <p:grpSpPr>
-        <a:xfrm>
-          <a:off x="0" y="0"/>
-          <a:ext cx="0" cy="0"/>
-          <a:chOff x="0" y="0"/>
-          <a:chExt cx="0" cy="0"/>
-        </a:xfrm>
-      </p:grpSpPr>
-      <p:sp>
-        <p:nvSpPr>
-          <p:cNvPr id="5" name="內容版面配置區 4"/>
-          <p:cNvSpPr>
-            <a:spLocks noGrp="1"/>
-          </p:cNvSpPr>
-          <p:nvPr>
-            <p:ph idx="1"/>
-          </p:nvPr>
-        </p:nvSpPr>
-        <p:spPr>
-          <a:xfrm>
-            <a:off x="0" y="1563638"/>
-            <a:ext cx="9144000" cy="1803647"/>
-          </a:xfrm>
-        </p:spPr>
-        <p:txBody>
-          <a:bodyPr anchor="ctr">
-            <a:normAutofit/>
-          </a:bodyPr>
-          <a:lstStyle/>
-          <a:p>
-            <a:pPr algn="ctr">
-              <a:buNone/>
-            </a:pPr>
-            <a:r>
-              <a:rPr lang="zh-TW" altLang="en-US" sz="4800" b="1" dirty="0" smtClean="0">
-                <a:solidFill>
-                  <a:srgbClr val="000066"/>
-                </a:solidFill>
-                <a:effectLst>
-                  <a:outerShdw blurRad="50000" dist="30000" dir="5400000" algn="tl" rotWithShape="0">
-                    <a:srgbClr val="000000">
-                      <a:alpha val="30000"/>
-                    </a:srgbClr>
-                  </a:outerShdw>
-                </a:effectLst>
-                <a:latin typeface="微軟正黑體" pitchFamily="34" charset="-120"/>
-                <a:ea typeface="微軟正黑體" pitchFamily="34" charset="-120"/>
-              </a:rPr>
-              <a:t>願</a:t>
-            </a:r>
-            <a:r>
-              <a:rPr lang="zh-TW" altLang="en-US" sz="4800" b="1" dirty="0">
-                <a:solidFill>
-                  <a:srgbClr val="000066"/>
-                </a:solidFill>
-                <a:effectLst>
-                  <a:outerShdw blurRad="50000" dist="30000" dir="5400000" algn="tl" rotWithShape="0">
-                    <a:srgbClr val="000000">
-                      <a:alpha val="30000"/>
-                    </a:srgbClr>
-                  </a:outerShdw>
-                </a:effectLst>
-                <a:latin typeface="微軟正黑體" pitchFamily="34" charset="-120"/>
-                <a:ea typeface="微軟正黑體" pitchFamily="34" charset="-120"/>
-              </a:rPr>
-              <a:t>祂祝福你心靈安康</a:t>
-            </a:r>
-          </a:p>
-        </p:txBody>
-      </p:sp>
-    </p:spTree>
-    <p:extLst>
-      <p:ext uri="{BB962C8B-B14F-4D97-AF65-F5344CB8AC3E}">
-        <p14:creationId xmlns:p14="http://schemas.microsoft.com/office/powerpoint/2010/main" val="3887014078"/>
-      </p:ext>
-    </p:extLst>
-  </p:cSld>
-  <p:clrMapOvr>
-    <a:masterClrMapping/>
-  </p:clrMapOvr>
-</p:sld>
-</file>
-
-<file path=ppt/slides/slide95.xml><?xml version="1.0" encoding="utf-8"?>
-<p:sld xmlns:a="http://schemas.openxmlformats.org/drawingml/2006/main" xmlns:r="http://schemas.openxmlformats.org/officeDocument/2006/relationships" xmlns:p="http://schemas.openxmlformats.org/presentationml/2006/main">
-  <p:cSld>
-    <p:spTree>
-      <p:nvGrpSpPr>
-        <p:cNvPr id="1" name=""/>
-        <p:cNvGrpSpPr/>
-        <p:nvPr/>
-      </p:nvGrpSpPr>
-      <p:grpSpPr>
-        <a:xfrm>
-          <a:off x="0" y="0"/>
-          <a:ext cx="0" cy="0"/>
-          <a:chOff x="0" y="0"/>
-          <a:chExt cx="0" cy="0"/>
-        </a:xfrm>
-      </p:grpSpPr>
-      <p:sp>
-        <p:nvSpPr>
-          <p:cNvPr id="5" name="內容版面配置區 4"/>
-          <p:cNvSpPr>
-            <a:spLocks noGrp="1"/>
-          </p:cNvSpPr>
-          <p:nvPr>
-            <p:ph idx="1"/>
-          </p:nvPr>
-        </p:nvSpPr>
-        <p:spPr>
-          <a:xfrm>
-            <a:off x="0" y="1563638"/>
-            <a:ext cx="9144000" cy="1803647"/>
-          </a:xfrm>
-        </p:spPr>
-        <p:txBody>
-          <a:bodyPr anchor="ctr">
-            <a:normAutofit/>
-          </a:bodyPr>
-          <a:lstStyle/>
-          <a:p>
-            <a:pPr algn="ctr">
-              <a:buNone/>
-            </a:pPr>
-            <a:r>
-              <a:rPr lang="zh-TW" altLang="en-US" sz="4800" b="1" dirty="0">
-                <a:solidFill>
-                  <a:srgbClr val="000066"/>
-                </a:solidFill>
-                <a:effectLst>
-                  <a:outerShdw blurRad="50000" dist="30000" dir="5400000" algn="tl" rotWithShape="0">
-                    <a:srgbClr val="000000">
-                      <a:alpha val="30000"/>
-                    </a:srgbClr>
-                  </a:outerShdw>
-                </a:effectLst>
-                <a:latin typeface="微軟正黑體" pitchFamily="34" charset="-120"/>
-                <a:ea typeface="微軟正黑體" pitchFamily="34" charset="-120"/>
-              </a:rPr>
-              <a:t>主的愛如流水淙淙</a:t>
-            </a:r>
-            <a:endParaRPr lang="en-US" altLang="zh-TW" sz="4800" b="1" dirty="0">
-              <a:solidFill>
-                <a:srgbClr val="000066"/>
-              </a:solidFill>
-              <a:effectLst>
-                <a:outerShdw blurRad="50000" dist="30000" dir="5400000" algn="tl" rotWithShape="0">
-                  <a:srgbClr val="000000">
-                    <a:alpha val="30000"/>
-                  </a:srgbClr>
-                </a:outerShdw>
-              </a:effectLst>
-              <a:latin typeface="微軟正黑體" pitchFamily="34" charset="-120"/>
-              <a:ea typeface="微軟正黑體" pitchFamily="34" charset="-120"/>
-            </a:endParaRPr>
-          </a:p>
-          <a:p>
-            <a:pPr algn="ctr">
-              <a:buNone/>
-            </a:pPr>
-            <a:r>
-              <a:rPr lang="zh-TW" altLang="en-US" sz="4800" b="1" dirty="0">
-                <a:solidFill>
-                  <a:srgbClr val="000066"/>
-                </a:solidFill>
-                <a:effectLst>
-                  <a:outerShdw blurRad="50000" dist="30000" dir="5400000" algn="tl" rotWithShape="0">
-                    <a:srgbClr val="000000">
-                      <a:alpha val="30000"/>
-                    </a:srgbClr>
-                  </a:outerShdw>
-                </a:effectLst>
-                <a:latin typeface="微軟正黑體" pitchFamily="34" charset="-120"/>
-                <a:ea typeface="微軟正黑體" pitchFamily="34" charset="-120"/>
-              </a:rPr>
-              <a:t>願你分享祂這愛</a:t>
-            </a:r>
-            <a:endParaRPr lang="en-US" altLang="zh-TW" sz="4800" b="1" dirty="0">
-              <a:solidFill>
-                <a:srgbClr val="000066"/>
-              </a:solidFill>
-              <a:effectLst>
-                <a:outerShdw blurRad="50000" dist="30000" dir="5400000" algn="tl" rotWithShape="0">
-                  <a:srgbClr val="000000">
-                    <a:alpha val="30000"/>
-                  </a:srgbClr>
-                </a:outerShdw>
-              </a:effectLst>
-              <a:latin typeface="微軟正黑體" pitchFamily="34" charset="-120"/>
-              <a:ea typeface="微軟正黑體" pitchFamily="34" charset="-120"/>
-            </a:endParaRPr>
-          </a:p>
-        </p:txBody>
-      </p:sp>
-    </p:spTree>
-    <p:extLst>
-      <p:ext uri="{BB962C8B-B14F-4D97-AF65-F5344CB8AC3E}">
-        <p14:creationId xmlns:p14="http://schemas.microsoft.com/office/powerpoint/2010/main" val="1828901467"/>
-      </p:ext>
-    </p:extLst>
-  </p:cSld>
-  <p:clrMapOvr>
-    <a:masterClrMapping/>
-  </p:clrMapOvr>
-</p:sld>
-</file>
-
-<file path=ppt/slides/slide96.xml><?xml version="1.0" encoding="utf-8"?>
-<p:sld xmlns:a="http://schemas.openxmlformats.org/drawingml/2006/main" xmlns:r="http://schemas.openxmlformats.org/officeDocument/2006/relationships" xmlns:p="http://schemas.openxmlformats.org/presentationml/2006/main">
-  <p:cSld>
-    <p:spTree>
-      <p:nvGrpSpPr>
-        <p:cNvPr id="1" name=""/>
-        <p:cNvGrpSpPr/>
-        <p:nvPr/>
-      </p:nvGrpSpPr>
-      <p:grpSpPr>
-        <a:xfrm>
-          <a:off x="0" y="0"/>
-          <a:ext cx="0" cy="0"/>
-          <a:chOff x="0" y="0"/>
-          <a:chExt cx="0" cy="0"/>
-        </a:xfrm>
-      </p:grpSpPr>
-      <p:sp>
-        <p:nvSpPr>
-          <p:cNvPr id="5" name="內容版面配置區 4"/>
-          <p:cNvSpPr>
-            <a:spLocks noGrp="1"/>
-          </p:cNvSpPr>
-          <p:nvPr>
-            <p:ph idx="1"/>
-          </p:nvPr>
-        </p:nvSpPr>
-        <p:spPr>
-          <a:xfrm>
-            <a:off x="0" y="1563638"/>
-            <a:ext cx="9144000" cy="1803647"/>
-          </a:xfrm>
-        </p:spPr>
-        <p:txBody>
-          <a:bodyPr anchor="ctr">
-            <a:normAutofit/>
-          </a:bodyPr>
-          <a:lstStyle/>
-          <a:p>
-            <a:pPr algn="ctr">
-              <a:buNone/>
-            </a:pPr>
-            <a:r>
-              <a:rPr lang="zh-TW" altLang="en-US" sz="4800" b="1" dirty="0">
-                <a:solidFill>
-                  <a:srgbClr val="000066"/>
-                </a:solidFill>
-                <a:effectLst>
-                  <a:outerShdw blurRad="50000" dist="30000" dir="5400000" algn="tl" rotWithShape="0">
-                    <a:srgbClr val="000000">
-                      <a:alpha val="30000"/>
-                    </a:srgbClr>
-                  </a:outerShdw>
-                </a:effectLst>
-                <a:latin typeface="微軟正黑體" pitchFamily="34" charset="-120"/>
-                <a:ea typeface="微軟正黑體" pitchFamily="34" charset="-120"/>
-              </a:rPr>
-              <a:t>在那漫漫的黑夜見主光</a:t>
-            </a:r>
-          </a:p>
-        </p:txBody>
-      </p:sp>
-    </p:spTree>
-    <p:extLst>
-      <p:ext uri="{BB962C8B-B14F-4D97-AF65-F5344CB8AC3E}">
-        <p14:creationId xmlns:p14="http://schemas.microsoft.com/office/powerpoint/2010/main" val="1857880961"/>
-      </p:ext>
-    </p:extLst>
-  </p:cSld>
-  <p:clrMapOvr>
-    <a:masterClrMapping/>
-  </p:clrMapOvr>
-</p:sld>
-</file>
-
-<file path=ppt/slides/slide97.xml><?xml version="1.0" encoding="utf-8"?>
-<p:sld xmlns:a="http://schemas.openxmlformats.org/drawingml/2006/main" xmlns:r="http://schemas.openxmlformats.org/officeDocument/2006/relationships" xmlns:p="http://schemas.openxmlformats.org/presentationml/2006/main">
-  <p:cSld>
-    <p:spTree>
-      <p:nvGrpSpPr>
-        <p:cNvPr id="1" name=""/>
-        <p:cNvGrpSpPr/>
-        <p:nvPr/>
-      </p:nvGrpSpPr>
-      <p:grpSpPr>
-        <a:xfrm>
-          <a:off x="0" y="0"/>
-          <a:ext cx="0" cy="0"/>
-          <a:chOff x="0" y="0"/>
-          <a:chExt cx="0" cy="0"/>
-        </a:xfrm>
-      </p:grpSpPr>
-      <p:sp>
-        <p:nvSpPr>
-          <p:cNvPr id="5" name="內容版面配置區 4"/>
-          <p:cNvSpPr>
-            <a:spLocks noGrp="1"/>
-          </p:cNvSpPr>
-          <p:nvPr>
-            <p:ph idx="1"/>
-          </p:nvPr>
-        </p:nvSpPr>
-        <p:spPr>
-          <a:xfrm>
-            <a:off x="0" y="1563638"/>
-            <a:ext cx="9144000" cy="1803647"/>
-          </a:xfrm>
-        </p:spPr>
-        <p:txBody>
-          <a:bodyPr anchor="ctr">
-            <a:normAutofit/>
-          </a:bodyPr>
-          <a:lstStyle/>
-          <a:p>
-            <a:pPr algn="ctr">
-              <a:buNone/>
-            </a:pPr>
-            <a:r>
-              <a:rPr lang="zh-TW" altLang="en-US" sz="4800" b="1" dirty="0">
-                <a:solidFill>
-                  <a:srgbClr val="000066"/>
-                </a:solidFill>
-                <a:effectLst>
-                  <a:outerShdw blurRad="50000" dist="30000" dir="5400000" algn="tl" rotWithShape="0">
-                    <a:srgbClr val="000000">
-                      <a:alpha val="30000"/>
-                    </a:srgbClr>
-                  </a:outerShdw>
-                </a:effectLst>
-                <a:latin typeface="微軟正黑體" pitchFamily="34" charset="-120"/>
-                <a:ea typeface="微軟正黑體" pitchFamily="34" charset="-120"/>
-              </a:rPr>
-              <a:t>主的愛如流水淙淙</a:t>
-            </a:r>
-            <a:endParaRPr lang="en-US" altLang="zh-TW" sz="4800" b="1" dirty="0">
-              <a:solidFill>
-                <a:srgbClr val="000066"/>
-              </a:solidFill>
-              <a:effectLst>
-                <a:outerShdw blurRad="50000" dist="30000" dir="5400000" algn="tl" rotWithShape="0">
-                  <a:srgbClr val="000000">
-                    <a:alpha val="30000"/>
-                  </a:srgbClr>
-                </a:outerShdw>
-              </a:effectLst>
-              <a:latin typeface="微軟正黑體" pitchFamily="34" charset="-120"/>
-              <a:ea typeface="微軟正黑體" pitchFamily="34" charset="-120"/>
-            </a:endParaRPr>
-          </a:p>
-          <a:p>
-            <a:pPr algn="ctr">
-              <a:buNone/>
-            </a:pPr>
-            <a:r>
-              <a:rPr lang="zh-TW" altLang="en-US" sz="4800" b="1" dirty="0">
-                <a:solidFill>
-                  <a:srgbClr val="000066"/>
-                </a:solidFill>
-                <a:effectLst>
-                  <a:outerShdw blurRad="50000" dist="30000" dir="5400000" algn="tl" rotWithShape="0">
-                    <a:srgbClr val="000000">
-                      <a:alpha val="30000"/>
-                    </a:srgbClr>
-                  </a:outerShdw>
-                </a:effectLst>
-                <a:latin typeface="微軟正黑體" pitchFamily="34" charset="-120"/>
-                <a:ea typeface="微軟正黑體" pitchFamily="34" charset="-120"/>
-              </a:rPr>
-              <a:t>願你分享祂這愛</a:t>
-            </a:r>
-            <a:endParaRPr lang="en-US" altLang="zh-TW" sz="4800" b="1" dirty="0">
-              <a:solidFill>
-                <a:srgbClr val="000066"/>
-              </a:solidFill>
-              <a:effectLst>
-                <a:outerShdw blurRad="50000" dist="30000" dir="5400000" algn="tl" rotWithShape="0">
-                  <a:srgbClr val="000000">
-                    <a:alpha val="30000"/>
-                  </a:srgbClr>
-                </a:outerShdw>
-              </a:effectLst>
-              <a:latin typeface="微軟正黑體" pitchFamily="34" charset="-120"/>
-              <a:ea typeface="微軟正黑體" pitchFamily="34" charset="-120"/>
-            </a:endParaRPr>
-          </a:p>
-        </p:txBody>
-      </p:sp>
-    </p:spTree>
-    <p:extLst>
-      <p:ext uri="{BB962C8B-B14F-4D97-AF65-F5344CB8AC3E}">
-        <p14:creationId xmlns:p14="http://schemas.microsoft.com/office/powerpoint/2010/main" val="3434591100"/>
-      </p:ext>
-    </p:extLst>
-  </p:cSld>
-  <p:clrMapOvr>
-    <a:masterClrMapping/>
-  </p:clrMapOvr>
-</p:sld>
-</file>
-
-<file path=ppt/slides/slide98.xml><?xml version="1.0" encoding="utf-8"?>
-<p:sld xmlns:a="http://schemas.openxmlformats.org/drawingml/2006/main" xmlns:r="http://schemas.openxmlformats.org/officeDocument/2006/relationships" xmlns:p="http://schemas.openxmlformats.org/presentationml/2006/main">
-  <p:cSld>
-    <p:spTree>
-      <p:nvGrpSpPr>
-        <p:cNvPr id="1" name=""/>
-        <p:cNvGrpSpPr/>
-        <p:nvPr/>
-      </p:nvGrpSpPr>
-      <p:grpSpPr>
-        <a:xfrm>
-          <a:off x="0" y="0"/>
-          <a:ext cx="0" cy="0"/>
-          <a:chOff x="0" y="0"/>
-          <a:chExt cx="0" cy="0"/>
-        </a:xfrm>
-      </p:grpSpPr>
-      <p:sp>
-        <p:nvSpPr>
-          <p:cNvPr id="5" name="內容版面配置區 4"/>
-          <p:cNvSpPr>
-            <a:spLocks noGrp="1"/>
-          </p:cNvSpPr>
-          <p:nvPr>
-            <p:ph idx="1"/>
-          </p:nvPr>
-        </p:nvSpPr>
-        <p:spPr>
-          <a:xfrm>
-            <a:off x="0" y="1563638"/>
-            <a:ext cx="9144000" cy="1803647"/>
-          </a:xfrm>
-        </p:spPr>
-        <p:txBody>
-          <a:bodyPr anchor="ctr">
-            <a:normAutofit/>
-          </a:bodyPr>
-          <a:lstStyle/>
-          <a:p>
-            <a:pPr algn="ctr">
-              <a:buNone/>
-            </a:pPr>
-            <a:r>
-              <a:rPr lang="zh-TW" altLang="en-US" sz="4800" b="1" dirty="0">
-                <a:solidFill>
-                  <a:srgbClr val="000066"/>
-                </a:solidFill>
-                <a:effectLst>
-                  <a:outerShdw blurRad="50000" dist="30000" dir="5400000" algn="tl" rotWithShape="0">
-                    <a:srgbClr val="000000">
-                      <a:alpha val="30000"/>
-                    </a:srgbClr>
-                  </a:outerShdw>
-                </a:effectLst>
-                <a:latin typeface="微軟正黑體" pitchFamily="34" charset="-120"/>
-                <a:ea typeface="微軟正黑體" pitchFamily="34" charset="-120"/>
-              </a:rPr>
-              <a:t>以你愛  還祂愛  永相愛</a:t>
-            </a:r>
-          </a:p>
-        </p:txBody>
-      </p:sp>
-    </p:spTree>
-    <p:extLst>
-      <p:ext uri="{BB962C8B-B14F-4D97-AF65-F5344CB8AC3E}">
-        <p14:creationId xmlns:p14="http://schemas.microsoft.com/office/powerpoint/2010/main" val="608233991"/>
-      </p:ext>
-    </p:extLst>
-  </p:cSld>
-  <p:clrMapOvr>
-    <a:masterClrMapping/>
-  </p:clrMapOvr>
 </p:sld>
 </file>
 

--- a/崇拜流程_聖餐禮version.pptx
+++ b/崇拜流程_聖餐禮version.pptx
@@ -5,68 +5,69 @@
     <p:sldMasterId id="2147483648" r:id="rId1"/>
   </p:sldMasterIdLst>
   <p:notesMasterIdLst>
-    <p:notesMasterId r:id="rId61"/>
+    <p:notesMasterId r:id="rId62"/>
   </p:notesMasterIdLst>
   <p:sldIdLst>
-    <p:sldId id="322" r:id="rId2"/>
-    <p:sldId id="323" r:id="rId3"/>
-    <p:sldId id="324" r:id="rId4"/>
-    <p:sldId id="353" r:id="rId5"/>
-    <p:sldId id="390" r:id="rId6"/>
-    <p:sldId id="259" r:id="rId7"/>
-    <p:sldId id="364" r:id="rId8"/>
-    <p:sldId id="260" r:id="rId9"/>
-    <p:sldId id="370" r:id="rId10"/>
-    <p:sldId id="371" r:id="rId11"/>
-    <p:sldId id="261" r:id="rId12"/>
-    <p:sldId id="332" r:id="rId13"/>
-    <p:sldId id="391" r:id="rId14"/>
-    <p:sldId id="392" r:id="rId15"/>
-    <p:sldId id="393" r:id="rId16"/>
-    <p:sldId id="281" r:id="rId17"/>
-    <p:sldId id="382" r:id="rId18"/>
-    <p:sldId id="282" r:id="rId19"/>
-    <p:sldId id="264" r:id="rId20"/>
-    <p:sldId id="265" r:id="rId21"/>
-    <p:sldId id="394" r:id="rId22"/>
-    <p:sldId id="419" r:id="rId23"/>
-    <p:sldId id="420" r:id="rId24"/>
-    <p:sldId id="421" r:id="rId25"/>
-    <p:sldId id="422" r:id="rId26"/>
-    <p:sldId id="423" r:id="rId27"/>
-    <p:sldId id="424" r:id="rId28"/>
-    <p:sldId id="425" r:id="rId29"/>
-    <p:sldId id="436" r:id="rId30"/>
-    <p:sldId id="437" r:id="rId31"/>
-    <p:sldId id="428" r:id="rId32"/>
-    <p:sldId id="429" r:id="rId33"/>
-    <p:sldId id="438" r:id="rId34"/>
-    <p:sldId id="439" r:id="rId35"/>
-    <p:sldId id="432" r:id="rId36"/>
-    <p:sldId id="433" r:id="rId37"/>
-    <p:sldId id="440" r:id="rId38"/>
-    <p:sldId id="441" r:id="rId39"/>
-    <p:sldId id="267" r:id="rId40"/>
-    <p:sldId id="459" r:id="rId41"/>
-    <p:sldId id="460" r:id="rId42"/>
-    <p:sldId id="461" r:id="rId43"/>
-    <p:sldId id="462" r:id="rId44"/>
-    <p:sldId id="463" r:id="rId45"/>
-    <p:sldId id="464" r:id="rId46"/>
-    <p:sldId id="465" r:id="rId47"/>
-    <p:sldId id="466" r:id="rId48"/>
-    <p:sldId id="467" r:id="rId49"/>
-    <p:sldId id="468" r:id="rId50"/>
-    <p:sldId id="469" r:id="rId51"/>
-    <p:sldId id="470" r:id="rId52"/>
-    <p:sldId id="291" r:id="rId53"/>
-    <p:sldId id="471" r:id="rId54"/>
-    <p:sldId id="472" r:id="rId55"/>
-    <p:sldId id="473" r:id="rId56"/>
-    <p:sldId id="474" r:id="rId57"/>
-    <p:sldId id="475" r:id="rId58"/>
-    <p:sldId id="476" r:id="rId59"/>
-    <p:sldId id="477" r:id="rId60"/>
+    <p:sldId id="478" r:id="rId2"/>
+    <p:sldId id="322" r:id="rId3"/>
+    <p:sldId id="323" r:id="rId4"/>
+    <p:sldId id="324" r:id="rId5"/>
+    <p:sldId id="353" r:id="rId6"/>
+    <p:sldId id="390" r:id="rId7"/>
+    <p:sldId id="259" r:id="rId8"/>
+    <p:sldId id="364" r:id="rId9"/>
+    <p:sldId id="260" r:id="rId10"/>
+    <p:sldId id="370" r:id="rId11"/>
+    <p:sldId id="371" r:id="rId12"/>
+    <p:sldId id="261" r:id="rId13"/>
+    <p:sldId id="332" r:id="rId14"/>
+    <p:sldId id="391" r:id="rId15"/>
+    <p:sldId id="392" r:id="rId16"/>
+    <p:sldId id="393" r:id="rId17"/>
+    <p:sldId id="281" r:id="rId18"/>
+    <p:sldId id="382" r:id="rId19"/>
+    <p:sldId id="282" r:id="rId20"/>
+    <p:sldId id="264" r:id="rId21"/>
+    <p:sldId id="265" r:id="rId22"/>
+    <p:sldId id="394" r:id="rId23"/>
+    <p:sldId id="419" r:id="rId24"/>
+    <p:sldId id="420" r:id="rId25"/>
+    <p:sldId id="421" r:id="rId26"/>
+    <p:sldId id="422" r:id="rId27"/>
+    <p:sldId id="423" r:id="rId28"/>
+    <p:sldId id="424" r:id="rId29"/>
+    <p:sldId id="425" r:id="rId30"/>
+    <p:sldId id="436" r:id="rId31"/>
+    <p:sldId id="437" r:id="rId32"/>
+    <p:sldId id="428" r:id="rId33"/>
+    <p:sldId id="429" r:id="rId34"/>
+    <p:sldId id="438" r:id="rId35"/>
+    <p:sldId id="439" r:id="rId36"/>
+    <p:sldId id="432" r:id="rId37"/>
+    <p:sldId id="433" r:id="rId38"/>
+    <p:sldId id="440" r:id="rId39"/>
+    <p:sldId id="441" r:id="rId40"/>
+    <p:sldId id="267" r:id="rId41"/>
+    <p:sldId id="459" r:id="rId42"/>
+    <p:sldId id="460" r:id="rId43"/>
+    <p:sldId id="461" r:id="rId44"/>
+    <p:sldId id="462" r:id="rId45"/>
+    <p:sldId id="463" r:id="rId46"/>
+    <p:sldId id="464" r:id="rId47"/>
+    <p:sldId id="465" r:id="rId48"/>
+    <p:sldId id="466" r:id="rId49"/>
+    <p:sldId id="467" r:id="rId50"/>
+    <p:sldId id="468" r:id="rId51"/>
+    <p:sldId id="469" r:id="rId52"/>
+    <p:sldId id="470" r:id="rId53"/>
+    <p:sldId id="291" r:id="rId54"/>
+    <p:sldId id="471" r:id="rId55"/>
+    <p:sldId id="472" r:id="rId56"/>
+    <p:sldId id="473" r:id="rId57"/>
+    <p:sldId id="474" r:id="rId58"/>
+    <p:sldId id="475" r:id="rId59"/>
+    <p:sldId id="476" r:id="rId60"/>
+    <p:sldId id="477" r:id="rId61"/>
   </p:sldIdLst>
   <p:sldSz cx="9144000" cy="5143500" type="screen16x9"/>
   <p:notesSz cx="6858000" cy="9144000"/>
@@ -271,7 +272,7 @@
           <a:p>
             <a:fld id="{2F30D4D0-EAC7-4980-A92D-C26C9148BA0F}" type="datetimeFigureOut">
               <a:rPr lang="zh-TW" altLang="en-US" smtClean="0"/>
-              <a:t>2021/3/6</a:t>
+              <a:t>2021/4/3</a:t>
             </a:fld>
             <a:endParaRPr lang="zh-TW" altLang="en-US"/>
           </a:p>
@@ -608,7 +609,7 @@
           <a:p>
             <a:fld id="{B580EBF6-10F3-448A-BB9E-552AD095990F}" type="slidenum">
               <a:rPr lang="zh-TW" altLang="en-US" smtClean="0"/>
-              <a:t>1</a:t>
+              <a:t>2</a:t>
             </a:fld>
             <a:endParaRPr lang="zh-TW" altLang="en-US"/>
           </a:p>
@@ -694,7 +695,7 @@
           <a:p>
             <a:fld id="{B580EBF6-10F3-448A-BB9E-552AD095990F}" type="slidenum">
               <a:rPr lang="zh-TW" altLang="en-US" smtClean="0"/>
-              <a:t>2</a:t>
+              <a:t>3</a:t>
             </a:fld>
             <a:endParaRPr lang="zh-TW" altLang="en-US"/>
           </a:p>
@@ -780,7 +781,7 @@
           <a:p>
             <a:fld id="{B580EBF6-10F3-448A-BB9E-552AD095990F}" type="slidenum">
               <a:rPr lang="zh-TW" altLang="en-US" smtClean="0"/>
-              <a:t>6</a:t>
+              <a:t>7</a:t>
             </a:fld>
             <a:endParaRPr lang="zh-TW" altLang="en-US"/>
           </a:p>
@@ -866,7 +867,7 @@
           <a:p>
             <a:fld id="{B580EBF6-10F3-448A-BB9E-552AD095990F}" type="slidenum">
               <a:rPr lang="zh-TW" altLang="en-US" smtClean="0"/>
-              <a:t>13</a:t>
+              <a:t>14</a:t>
             </a:fld>
             <a:endParaRPr lang="zh-TW" altLang="en-US"/>
           </a:p>
@@ -952,7 +953,7 @@
           <a:p>
             <a:fld id="{B580EBF6-10F3-448A-BB9E-552AD095990F}" type="slidenum">
               <a:rPr lang="zh-TW" altLang="en-US" smtClean="0"/>
-              <a:t>18</a:t>
+              <a:t>19</a:t>
             </a:fld>
             <a:endParaRPr lang="zh-TW" altLang="en-US"/>
           </a:p>
@@ -1147,7 +1148,7 @@
           <a:p>
             <a:fld id="{5BBEAD13-0566-4C6C-97E7-55F17F24B09F}" type="datetimeFigureOut">
               <a:rPr lang="zh-TW" altLang="en-US" smtClean="0"/>
-              <a:t>2021/3/6</a:t>
+              <a:t>2021/4/3</a:t>
             </a:fld>
             <a:endParaRPr lang="zh-TW" altLang="en-US"/>
           </a:p>
@@ -1312,7 +1313,7 @@
           <a:p>
             <a:fld id="{5BBEAD13-0566-4C6C-97E7-55F17F24B09F}" type="datetimeFigureOut">
               <a:rPr lang="zh-TW" altLang="en-US" smtClean="0"/>
-              <a:t>2021/3/6</a:t>
+              <a:t>2021/4/3</a:t>
             </a:fld>
             <a:endParaRPr lang="zh-TW" altLang="en-US"/>
           </a:p>
@@ -1487,7 +1488,7 @@
           <a:p>
             <a:fld id="{5BBEAD13-0566-4C6C-97E7-55F17F24B09F}" type="datetimeFigureOut">
               <a:rPr lang="zh-TW" altLang="en-US" smtClean="0"/>
-              <a:t>2021/3/6</a:t>
+              <a:t>2021/4/3</a:t>
             </a:fld>
             <a:endParaRPr lang="zh-TW" altLang="en-US"/>
           </a:p>
@@ -1652,7 +1653,7 @@
           <a:p>
             <a:fld id="{5BBEAD13-0566-4C6C-97E7-55F17F24B09F}" type="datetimeFigureOut">
               <a:rPr lang="zh-TW" altLang="en-US" smtClean="0"/>
-              <a:t>2021/3/6</a:t>
+              <a:t>2021/4/3</a:t>
             </a:fld>
             <a:endParaRPr lang="zh-TW" altLang="en-US"/>
           </a:p>
@@ -1893,7 +1894,7 @@
           <a:p>
             <a:fld id="{5BBEAD13-0566-4C6C-97E7-55F17F24B09F}" type="datetimeFigureOut">
               <a:rPr lang="zh-TW" altLang="en-US" smtClean="0"/>
-              <a:t>2021/3/6</a:t>
+              <a:t>2021/4/3</a:t>
             </a:fld>
             <a:endParaRPr lang="zh-TW" altLang="en-US"/>
           </a:p>
@@ -2176,7 +2177,7 @@
           <a:p>
             <a:fld id="{5BBEAD13-0566-4C6C-97E7-55F17F24B09F}" type="datetimeFigureOut">
               <a:rPr lang="zh-TW" altLang="en-US" smtClean="0"/>
-              <a:t>2021/3/6</a:t>
+              <a:t>2021/4/3</a:t>
             </a:fld>
             <a:endParaRPr lang="zh-TW" altLang="en-US"/>
           </a:p>
@@ -2593,7 +2594,7 @@
           <a:p>
             <a:fld id="{5BBEAD13-0566-4C6C-97E7-55F17F24B09F}" type="datetimeFigureOut">
               <a:rPr lang="zh-TW" altLang="en-US" smtClean="0"/>
-              <a:t>2021/3/6</a:t>
+              <a:t>2021/4/3</a:t>
             </a:fld>
             <a:endParaRPr lang="zh-TW" altLang="en-US"/>
           </a:p>
@@ -2706,7 +2707,7 @@
           <a:p>
             <a:fld id="{5BBEAD13-0566-4C6C-97E7-55F17F24B09F}" type="datetimeFigureOut">
               <a:rPr lang="zh-TW" altLang="en-US" smtClean="0"/>
-              <a:t>2021/3/6</a:t>
+              <a:t>2021/4/3</a:t>
             </a:fld>
             <a:endParaRPr lang="zh-TW" altLang="en-US"/>
           </a:p>
@@ -2796,7 +2797,7 @@
           <a:p>
             <a:fld id="{5BBEAD13-0566-4C6C-97E7-55F17F24B09F}" type="datetimeFigureOut">
               <a:rPr lang="zh-TW" altLang="en-US" smtClean="0"/>
-              <a:t>2021/3/6</a:t>
+              <a:t>2021/4/3</a:t>
             </a:fld>
             <a:endParaRPr lang="zh-TW" altLang="en-US"/>
           </a:p>
@@ -3068,7 +3069,7 @@
           <a:p>
             <a:fld id="{5BBEAD13-0566-4C6C-97E7-55F17F24B09F}" type="datetimeFigureOut">
               <a:rPr lang="zh-TW" altLang="en-US" smtClean="0"/>
-              <a:t>2021/3/6</a:t>
+              <a:t>2021/4/3</a:t>
             </a:fld>
             <a:endParaRPr lang="zh-TW" altLang="en-US"/>
           </a:p>
@@ -3320,7 +3321,7 @@
           <a:p>
             <a:fld id="{5BBEAD13-0566-4C6C-97E7-55F17F24B09F}" type="datetimeFigureOut">
               <a:rPr lang="zh-TW" altLang="en-US" smtClean="0"/>
-              <a:t>2021/3/6</a:t>
+              <a:t>2021/4/3</a:t>
             </a:fld>
             <a:endParaRPr lang="zh-TW" altLang="en-US"/>
           </a:p>
@@ -3533,7 +3534,7 @@
           <a:p>
             <a:fld id="{5BBEAD13-0566-4C6C-97E7-55F17F24B09F}" type="datetimeFigureOut">
               <a:rPr lang="zh-TW" altLang="en-US" smtClean="0"/>
-              <a:t>2021/3/6</a:t>
+              <a:t>2021/4/3</a:t>
             </a:fld>
             <a:endParaRPr lang="zh-TW" altLang="en-US"/>
           </a:p>
@@ -3889,6 +3890,14 @@
 <file path=ppt/slides/slide1.xml><?xml version="1.0" encoding="utf-8"?>
 <p:sld xmlns:a="http://schemas.openxmlformats.org/drawingml/2006/main" xmlns:r="http://schemas.openxmlformats.org/officeDocument/2006/relationships" xmlns:p="http://schemas.openxmlformats.org/presentationml/2006/main">
   <p:cSld>
+    <p:bg>
+      <p:bgPr>
+        <a:solidFill>
+          <a:schemeClr val="bg1"/>
+        </a:solidFill>
+        <a:effectLst/>
+      </p:bgPr>
+    </p:bg>
     <p:spTree>
       <p:nvGrpSpPr>
         <p:cNvPr id="1" name=""/>
@@ -3903,75 +3912,94 @@
           <a:chExt cx="0" cy="0"/>
         </a:xfrm>
       </p:grpSpPr>
-      <p:sp>
-        <p:nvSpPr>
-          <p:cNvPr id="2" name="標題 1"/>
-          <p:cNvSpPr>
-            <a:spLocks noGrp="1"/>
-          </p:cNvSpPr>
-          <p:nvPr>
-            <p:ph type="title" idx="4294967295"/>
-          </p:nvPr>
-        </p:nvSpPr>
+      <p:pic>
+        <p:nvPicPr>
+          <p:cNvPr id="4" name="Picture 3"/>
+          <p:cNvPicPr>
+            <a:picLocks noChangeAspect="1"/>
+          </p:cNvPicPr>
+          <p:nvPr/>
+        </p:nvPicPr>
+        <p:blipFill>
+          <a:blip r:embed="rId2">
+            <a:extLst>
+              <a:ext uri="{28A0092B-C50C-407E-A947-70E740481C1C}">
+                <a14:useLocalDpi xmlns:a14="http://schemas.microsoft.com/office/drawing/2010/main" val="0"/>
+              </a:ext>
+            </a:extLst>
+          </a:blip>
+          <a:stretch>
+            <a:fillRect/>
+          </a:stretch>
+        </p:blipFill>
         <p:spPr>
           <a:xfrm>
-            <a:off x="0" y="2089919"/>
-            <a:ext cx="9144000" cy="964406"/>
+            <a:off x="2051720" y="624949"/>
+            <a:ext cx="5315326" cy="3744416"/>
           </a:xfrm>
+          <a:prstGeom prst="rect">
+            <a:avLst/>
+          </a:prstGeom>
         </p:spPr>
-        <p:txBody>
-          <a:bodyPr>
-            <a:noAutofit/>
-          </a:bodyPr>
+      </p:pic>
+      <p:sp>
+        <p:nvSpPr>
+          <p:cNvPr id="5" name="Rectangle 4"/>
+          <p:cNvSpPr/>
+          <p:nvPr/>
+        </p:nvSpPr>
+        <p:spPr>
+          <a:xfrm>
+            <a:off x="2693159" y="4370164"/>
+            <a:ext cx="4032448" cy="576064"/>
+          </a:xfrm>
+          <a:prstGeom prst="rect">
+            <a:avLst/>
+          </a:prstGeom>
+          <a:solidFill>
+            <a:schemeClr val="bg1"/>
+          </a:solidFill>
+          <a:ln>
+            <a:solidFill>
+              <a:schemeClr val="bg1"/>
+            </a:solidFill>
+          </a:ln>
+        </p:spPr>
+        <p:style>
+          <a:lnRef idx="2">
+            <a:schemeClr val="accent1">
+              <a:shade val="50000"/>
+            </a:schemeClr>
+          </a:lnRef>
+          <a:fillRef idx="1">
+            <a:schemeClr val="accent1"/>
+          </a:fillRef>
+          <a:effectRef idx="0">
+            <a:schemeClr val="accent1"/>
+          </a:effectRef>
+          <a:fontRef idx="minor">
+            <a:schemeClr val="lt1"/>
+          </a:fontRef>
+        </p:style>
+        <p:txBody>
+          <a:bodyPr rtlCol="0" anchor="ctr"/>
           <a:lstStyle/>
           <a:p>
             <a:pPr algn="ctr"/>
-            <a:r>
-              <a:rPr lang="zh-CN" altLang="en-US" sz="7200" b="1" dirty="0">
-                <a:solidFill>
-                  <a:srgbClr val="000066"/>
-                </a:solidFill>
-                <a:effectLst>
-                  <a:outerShdw blurRad="38100" dist="38100" dir="2700000" algn="tl">
-                    <a:srgbClr val="000000">
-                      <a:alpha val="43137"/>
-                    </a:srgbClr>
-                  </a:outerShdw>
-                </a:effectLst>
-                <a:latin typeface="微軟正黑體" pitchFamily="34" charset="-120"/>
-                <a:ea typeface="微軟正黑體" pitchFamily="34" charset="-120"/>
-              </a:rPr>
-              <a:t>宣召</a:t>
-            </a:r>
-            <a:endParaRPr lang="zh-TW" altLang="en-US" sz="7200" b="1" dirty="0">
-              <a:solidFill>
-                <a:srgbClr val="000066"/>
-              </a:solidFill>
-              <a:effectLst>
-                <a:outerShdw blurRad="38100" dist="38100" dir="2700000" algn="tl">
-                  <a:srgbClr val="000000">
-                    <a:alpha val="43137"/>
-                  </a:srgbClr>
-                </a:outerShdw>
-              </a:effectLst>
-              <a:latin typeface="微軟正黑體" pitchFamily="34" charset="-120"/>
-              <a:ea typeface="微軟正黑體" pitchFamily="34" charset="-120"/>
-            </a:endParaRPr>
+            <a:endParaRPr lang="vi-VN"/>
           </a:p>
         </p:txBody>
       </p:sp>
     </p:spTree>
+    <p:extLst>
+      <p:ext uri="{BB962C8B-B14F-4D97-AF65-F5344CB8AC3E}">
+        <p14:creationId xmlns:p14="http://schemas.microsoft.com/office/powerpoint/2010/main" val="3782042891"/>
+      </p:ext>
+    </p:extLst>
   </p:cSld>
   <p:clrMapOvr>
     <a:masterClrMapping/>
   </p:clrMapOvr>
-  <p:timing>
-    <p:tnLst>
-      <p:par>
-        <p:cTn id="1" dur="indefinite" restart="never" nodeType="tmRoot"/>
-      </p:par>
-    </p:tnLst>
-  </p:timing>
 </p:sld>
 </file>
 
@@ -3994,58 +4022,268 @@
       </p:grpSpPr>
       <p:sp>
         <p:nvSpPr>
-          <p:cNvPr id="3" name="Content Placeholder 2"/>
-          <p:cNvSpPr>
-            <a:spLocks noGrp="1"/>
-          </p:cNvSpPr>
-          <p:nvPr>
-            <p:ph sz="quarter" idx="1"/>
-          </p:nvPr>
-        </p:nvSpPr>
-        <p:spPr>
-          <a:xfrm>
-            <a:off x="0" y="0"/>
-            <a:ext cx="8748464" cy="5143500"/>
-          </a:xfrm>
-        </p:spPr>
-        <p:txBody>
-          <a:bodyPr anchor="ctr">
+          <p:cNvPr id="2" name="Title 1"/>
+          <p:cNvSpPr>
+            <a:spLocks noGrp="1"/>
+          </p:cNvSpPr>
+          <p:nvPr>
+            <p:ph type="ctrTitle"/>
+          </p:nvPr>
+        </p:nvSpPr>
+        <p:spPr/>
+        <p:txBody>
+          <a:bodyPr>
+            <a:normAutofit fontScale="90000"/>
+          </a:bodyPr>
+          <a:lstStyle/>
+          <a:p>
+            <a:r>
+              <a:rPr lang="zh-CN" altLang="en-US" sz="8000" b="1" dirty="0" smtClean="0">
+                <a:solidFill>
+                  <a:srgbClr val="660033"/>
+                </a:solidFill>
+                <a:effectLst>
+                  <a:outerShdw blurRad="38100" dist="38100" dir="2700000" algn="tl">
+                    <a:srgbClr val="000000">
+                      <a:alpha val="43137"/>
+                    </a:srgbClr>
+                  </a:outerShdw>
+                </a:effectLst>
+                <a:latin typeface="微軟正黑體" pitchFamily="34" charset="-120"/>
+                <a:ea typeface="微軟正黑體" pitchFamily="34" charset="-120"/>
+              </a:rPr>
+              <a:t>神的威權</a:t>
+            </a:r>
+            <a:endParaRPr lang="en-US" sz="8000" b="1" dirty="0">
+              <a:solidFill>
+                <a:srgbClr val="660033"/>
+              </a:solidFill>
+              <a:effectLst>
+                <a:outerShdw blurRad="38100" dist="38100" dir="2700000" algn="tl">
+                  <a:srgbClr val="000000">
+                    <a:alpha val="43137"/>
+                  </a:srgbClr>
+                </a:outerShdw>
+              </a:effectLst>
+              <a:latin typeface="微軟正黑體" pitchFamily="34" charset="-120"/>
+              <a:ea typeface="微軟正黑體" pitchFamily="34" charset="-120"/>
+            </a:endParaRPr>
+          </a:p>
+        </p:txBody>
+      </p:sp>
+      <p:sp>
+        <p:nvSpPr>
+          <p:cNvPr id="3" name="Subtitle 2"/>
+          <p:cNvSpPr>
+            <a:spLocks noGrp="1"/>
+          </p:cNvSpPr>
+          <p:nvPr>
+            <p:ph type="subTitle" idx="1"/>
+          </p:nvPr>
+        </p:nvSpPr>
+        <p:spPr/>
+        <p:txBody>
+          <a:bodyPr>
             <a:normAutofit/>
           </a:bodyPr>
           <a:lstStyle/>
           <a:p>
             <a:r>
-              <a:rPr lang="zh-TW" altLang="en-US" sz="4800" dirty="0" smtClean="0">
-                <a:solidFill>
-                  <a:srgbClr val="660033"/>
-                </a:solidFill>
-                <a:latin typeface="微軟正黑體" pitchFamily="34" charset="-120"/>
-                <a:ea typeface="微軟正黑體" pitchFamily="34" charset="-120"/>
-              </a:rPr>
-              <a:t>耶和華作王！他以威嚴為衣穿上；耶和華以能力為衣，以能力束腰，世界就堅定，不得動搖。</a:t>
-            </a:r>
-            <a:r>
-              <a:rPr lang="en-US" altLang="zh-TW" sz="4800" dirty="0" smtClean="0">
-                <a:solidFill>
-                  <a:srgbClr val="660033"/>
-                </a:solidFill>
-                <a:latin typeface="微軟正黑體" pitchFamily="34" charset="-120"/>
-                <a:ea typeface="微軟正黑體" pitchFamily="34" charset="-120"/>
-              </a:rPr>
-              <a:t> </a:t>
-            </a:r>
-          </a:p>
-          <a:p>
-            <a:r>
-              <a:rPr lang="zh-TW" altLang="en-US" sz="4800" b="1" dirty="0" smtClean="0">
-                <a:solidFill>
-                  <a:srgbClr val="660033"/>
-                </a:solidFill>
-                <a:latin typeface="微軟正黑體" pitchFamily="34" charset="-120"/>
-                <a:ea typeface="微軟正黑體" pitchFamily="34" charset="-120"/>
-              </a:rPr>
-              <a:t>你的寶座從太初立定；你從亙古就有。</a:t>
-            </a:r>
+              <a:rPr lang="zh-CN" altLang="en-US" b="1" dirty="0" smtClean="0">
+                <a:solidFill>
+                  <a:srgbClr val="000066"/>
+                </a:solidFill>
+                <a:latin typeface="微軟正黑體" pitchFamily="34" charset="-120"/>
+                <a:ea typeface="微軟正黑體" pitchFamily="34" charset="-120"/>
+              </a:rPr>
+              <a:t>詩</a:t>
+            </a:r>
+            <a:r>
+              <a:rPr lang="en-US" altLang="zh-CN" b="1" dirty="0" smtClean="0">
+                <a:solidFill>
+                  <a:srgbClr val="000066"/>
+                </a:solidFill>
+                <a:latin typeface="微軟正黑體" pitchFamily="34" charset="-120"/>
+                <a:ea typeface="微軟正黑體" pitchFamily="34" charset="-120"/>
+              </a:rPr>
+              <a:t>93</a:t>
+            </a:r>
+            <a:r>
+              <a:rPr lang="zh-CN" altLang="en-US" b="1" dirty="0" smtClean="0">
+                <a:solidFill>
+                  <a:srgbClr val="000066"/>
+                </a:solidFill>
+                <a:latin typeface="微軟正黑體" pitchFamily="34" charset="-120"/>
+                <a:ea typeface="微軟正黑體" pitchFamily="34" charset="-120"/>
+              </a:rPr>
+              <a:t>：</a:t>
+            </a:r>
+            <a:r>
+              <a:rPr lang="en-US" altLang="zh-CN" b="1" dirty="0" smtClean="0">
+                <a:solidFill>
+                  <a:srgbClr val="000066"/>
+                </a:solidFill>
+                <a:latin typeface="微軟正黑體" pitchFamily="34" charset="-120"/>
+                <a:ea typeface="微軟正黑體" pitchFamily="34" charset="-120"/>
+              </a:rPr>
+              <a:t>1-2</a:t>
+            </a:r>
+            <a:r>
+              <a:rPr lang="zh-CN" altLang="en-US" b="1" dirty="0" smtClean="0">
+                <a:solidFill>
+                  <a:srgbClr val="000066"/>
+                </a:solidFill>
+                <a:latin typeface="微軟正黑體" pitchFamily="34" charset="-120"/>
+                <a:ea typeface="微軟正黑體" pitchFamily="34" charset="-120"/>
+              </a:rPr>
+              <a:t>，</a:t>
+            </a:r>
+            <a:r>
+              <a:rPr lang="en-US" altLang="zh-CN" b="1" dirty="0" smtClean="0">
+                <a:solidFill>
+                  <a:srgbClr val="000066"/>
+                </a:solidFill>
+                <a:latin typeface="微軟正黑體" pitchFamily="34" charset="-120"/>
+                <a:ea typeface="微軟正黑體" pitchFamily="34" charset="-120"/>
+              </a:rPr>
+              <a:t>4-5</a:t>
+            </a:r>
+            <a:r>
+              <a:rPr lang="zh-CN" altLang="en-US" b="1" dirty="0" smtClean="0">
+                <a:solidFill>
+                  <a:srgbClr val="000066"/>
+                </a:solidFill>
+                <a:latin typeface="微軟正黑體" pitchFamily="34" charset="-120"/>
+                <a:ea typeface="微軟正黑體" pitchFamily="34" charset="-120"/>
+              </a:rPr>
+              <a:t>；</a:t>
+            </a:r>
+            <a:r>
+              <a:rPr lang="en-US" altLang="zh-CN" b="1" dirty="0" smtClean="0">
+                <a:solidFill>
+                  <a:srgbClr val="000066"/>
+                </a:solidFill>
+                <a:latin typeface="微軟正黑體" pitchFamily="34" charset="-120"/>
+                <a:ea typeface="微軟正黑體" pitchFamily="34" charset="-120"/>
+              </a:rPr>
+              <a:t>24</a:t>
+            </a:r>
+            <a:r>
+              <a:rPr lang="zh-CN" altLang="en-US" b="1" dirty="0" smtClean="0">
+                <a:solidFill>
+                  <a:srgbClr val="000066"/>
+                </a:solidFill>
+                <a:latin typeface="微軟正黑體" pitchFamily="34" charset="-120"/>
+                <a:ea typeface="微軟正黑體" pitchFamily="34" charset="-120"/>
+              </a:rPr>
+              <a:t>：</a:t>
+            </a:r>
+            <a:r>
+              <a:rPr lang="en-US" altLang="zh-CN" b="1" dirty="0" smtClean="0">
+                <a:solidFill>
+                  <a:srgbClr val="000066"/>
+                </a:solidFill>
+                <a:latin typeface="微軟正黑體" pitchFamily="34" charset="-120"/>
+                <a:ea typeface="微軟正黑體" pitchFamily="34" charset="-120"/>
+              </a:rPr>
+              <a:t>1-4</a:t>
+            </a:r>
+            <a:r>
+              <a:rPr lang="zh-CN" altLang="en-US" b="1" dirty="0" smtClean="0">
+                <a:solidFill>
+                  <a:srgbClr val="000066"/>
+                </a:solidFill>
+                <a:latin typeface="微軟正黑體" pitchFamily="34" charset="-120"/>
+                <a:ea typeface="微軟正黑體" pitchFamily="34" charset="-120"/>
+              </a:rPr>
+              <a:t>；</a:t>
+            </a:r>
+            <a:endParaRPr lang="en-US" altLang="zh-CN" b="1" dirty="0" smtClean="0">
+              <a:solidFill>
+                <a:srgbClr val="000066"/>
+              </a:solidFill>
+              <a:latin typeface="微軟正黑體" pitchFamily="34" charset="-120"/>
+              <a:ea typeface="微軟正黑體" pitchFamily="34" charset="-120"/>
+            </a:endParaRPr>
+          </a:p>
+          <a:p>
+            <a:r>
+              <a:rPr lang="en-US" altLang="zh-CN" b="1" dirty="0" smtClean="0">
+                <a:solidFill>
+                  <a:srgbClr val="000066"/>
+                </a:solidFill>
+                <a:latin typeface="微軟正黑體" pitchFamily="34" charset="-120"/>
+                <a:ea typeface="微軟正黑體" pitchFamily="34" charset="-120"/>
+              </a:rPr>
+              <a:t>97</a:t>
+            </a:r>
+            <a:r>
+              <a:rPr lang="zh-CN" altLang="en-US" b="1" dirty="0" smtClean="0">
+                <a:solidFill>
+                  <a:srgbClr val="000066"/>
+                </a:solidFill>
+                <a:latin typeface="微軟正黑體" pitchFamily="34" charset="-120"/>
+                <a:ea typeface="微軟正黑體" pitchFamily="34" charset="-120"/>
+              </a:rPr>
+              <a:t>：</a:t>
+            </a:r>
+            <a:r>
+              <a:rPr lang="en-US" altLang="zh-CN" b="1" dirty="0" smtClean="0">
+                <a:solidFill>
+                  <a:srgbClr val="000066"/>
+                </a:solidFill>
+                <a:latin typeface="微軟正黑體" pitchFamily="34" charset="-120"/>
+                <a:ea typeface="微軟正黑體" pitchFamily="34" charset="-120"/>
+              </a:rPr>
+              <a:t>1-6</a:t>
+            </a:r>
+            <a:r>
+              <a:rPr lang="zh-CN" altLang="en-US" b="1" dirty="0" smtClean="0">
+                <a:solidFill>
+                  <a:srgbClr val="000066"/>
+                </a:solidFill>
+                <a:latin typeface="微軟正黑體" pitchFamily="34" charset="-120"/>
+                <a:ea typeface="微軟正黑體" pitchFamily="34" charset="-120"/>
+              </a:rPr>
+              <a:t>；</a:t>
+            </a:r>
+            <a:r>
+              <a:rPr lang="en-US" altLang="zh-CN" b="1" dirty="0" smtClean="0">
+                <a:solidFill>
+                  <a:srgbClr val="000066"/>
+                </a:solidFill>
+                <a:latin typeface="微軟正黑體" pitchFamily="34" charset="-120"/>
+                <a:ea typeface="微軟正黑體" pitchFamily="34" charset="-120"/>
+              </a:rPr>
+              <a:t>18</a:t>
+            </a:r>
+            <a:r>
+              <a:rPr lang="zh-CN" altLang="en-US" b="1" dirty="0" smtClean="0">
+                <a:solidFill>
+                  <a:srgbClr val="000066"/>
+                </a:solidFill>
+                <a:latin typeface="微軟正黑體" pitchFamily="34" charset="-120"/>
+                <a:ea typeface="微軟正黑體" pitchFamily="34" charset="-120"/>
+              </a:rPr>
+              <a:t>：</a:t>
+            </a:r>
+            <a:r>
+              <a:rPr lang="en-US" altLang="zh-CN" b="1" dirty="0" smtClean="0">
+                <a:solidFill>
+                  <a:srgbClr val="000066"/>
+                </a:solidFill>
+                <a:latin typeface="微軟正黑體" pitchFamily="34" charset="-120"/>
+                <a:ea typeface="微軟正黑體" pitchFamily="34" charset="-120"/>
+              </a:rPr>
+              <a:t>16</a:t>
+            </a:r>
+            <a:endParaRPr lang="en-US" b="1" dirty="0">
+              <a:solidFill>
+                <a:srgbClr val="000066"/>
+              </a:solidFill>
+              <a:latin typeface="微軟正黑體" pitchFamily="34" charset="-120"/>
+              <a:ea typeface="微軟正黑體" pitchFamily="34" charset="-120"/>
+            </a:endParaRPr>
           </a:p>
         </p:txBody>
       </p:sp>
@@ -4083,75 +4321,58 @@
       </p:grpSpPr>
       <p:sp>
         <p:nvSpPr>
-          <p:cNvPr id="2" name="標題 1"/>
-          <p:cNvSpPr>
-            <a:spLocks noGrp="1"/>
-          </p:cNvSpPr>
-          <p:nvPr>
-            <p:ph type="title" idx="4294967295"/>
+          <p:cNvPr id="3" name="Content Placeholder 2"/>
+          <p:cNvSpPr>
+            <a:spLocks noGrp="1"/>
+          </p:cNvSpPr>
+          <p:nvPr>
+            <p:ph sz="quarter" idx="1"/>
           </p:nvPr>
         </p:nvSpPr>
         <p:spPr>
           <a:xfrm>
-            <a:off x="0" y="2257177"/>
-            <a:ext cx="9144000" cy="628650"/>
+            <a:off x="0" y="0"/>
+            <a:ext cx="8748464" cy="5143500"/>
           </a:xfrm>
         </p:spPr>
         <p:txBody>
-          <a:bodyPr>
-            <a:noAutofit/>
+          <a:bodyPr anchor="ctr">
+            <a:normAutofit/>
           </a:bodyPr>
           <a:lstStyle/>
           <a:p>
-            <a:pPr algn="ctr"/>
-            <a:r>
-              <a:rPr lang="zh-CN" altLang="en-US" sz="7200" b="1" dirty="0">
+            <a:r>
+              <a:rPr lang="zh-TW" altLang="en-US" sz="4800" dirty="0" smtClean="0">
                 <a:solidFill>
                   <a:srgbClr val="660033"/>
                 </a:solidFill>
-                <a:effectLst>
-                  <a:outerShdw blurRad="38100" dist="38100" dir="2700000" algn="tl">
-                    <a:srgbClr val="000000">
-                      <a:alpha val="43137"/>
-                    </a:srgbClr>
-                  </a:outerShdw>
-                </a:effectLst>
-                <a:latin typeface="微軟正黑體" pitchFamily="34" charset="-120"/>
-                <a:ea typeface="微軟正黑體" pitchFamily="34" charset="-120"/>
-              </a:rPr>
-              <a:t>成年</a:t>
-            </a:r>
-            <a:r>
-              <a:rPr lang="zh-CN" altLang="en-US" sz="7200" b="1" dirty="0" smtClean="0">
+                <a:latin typeface="微軟正黑體" pitchFamily="34" charset="-120"/>
+                <a:ea typeface="微軟正黑體" pitchFamily="34" charset="-120"/>
+              </a:rPr>
+              <a:t>耶和華作王！他以威嚴為衣穿上；耶和華以能力為衣，以能力束腰，世界就堅定，不得動搖。</a:t>
+            </a:r>
+            <a:r>
+              <a:rPr lang="en-US" altLang="zh-TW" sz="4800" dirty="0" smtClean="0">
                 <a:solidFill>
                   <a:srgbClr val="660033"/>
                 </a:solidFill>
-                <a:effectLst>
-                  <a:outerShdw blurRad="38100" dist="38100" dir="2700000" algn="tl">
-                    <a:srgbClr val="000000">
-                      <a:alpha val="43137"/>
-                    </a:srgbClr>
-                  </a:outerShdw>
-                </a:effectLst>
-                <a:latin typeface="微軟正黑體" pitchFamily="34" charset="-120"/>
-                <a:ea typeface="微軟正黑體" pitchFamily="34" charset="-120"/>
-              </a:rPr>
-              <a:t>詩班</a:t>
-            </a:r>
-            <a:endParaRPr lang="zh-TW" altLang="en-US" sz="7200" b="1" dirty="0">
-              <a:solidFill>
-                <a:srgbClr val="660033"/>
-              </a:solidFill>
-              <a:effectLst>
-                <a:outerShdw blurRad="38100" dist="38100" dir="2700000" algn="tl">
-                  <a:srgbClr val="000000">
-                    <a:alpha val="43137"/>
-                  </a:srgbClr>
-                </a:outerShdw>
-              </a:effectLst>
-              <a:latin typeface="微軟正黑體" pitchFamily="34" charset="-120"/>
-              <a:ea typeface="微軟正黑體" pitchFamily="34" charset="-120"/>
-            </a:endParaRPr>
+                <a:latin typeface="微軟正黑體" pitchFamily="34" charset="-120"/>
+                <a:ea typeface="微軟正黑體" pitchFamily="34" charset="-120"/>
+              </a:rPr>
+              <a:t> </a:t>
+            </a:r>
+          </a:p>
+          <a:p>
+            <a:r>
+              <a:rPr lang="zh-TW" altLang="en-US" sz="4800" b="1" dirty="0" smtClean="0">
+                <a:solidFill>
+                  <a:srgbClr val="660033"/>
+                </a:solidFill>
+                <a:latin typeface="微軟正黑體" pitchFamily="34" charset="-120"/>
+                <a:ea typeface="微軟正黑體" pitchFamily="34" charset="-120"/>
+              </a:rPr>
+              <a:t>你的寶座從太初立定；你從亙古就有。</a:t>
+            </a:r>
           </a:p>
         </p:txBody>
       </p:sp>
@@ -4211,9 +4432,9 @@
           <a:p>
             <a:pPr algn="ctr"/>
             <a:r>
-              <a:rPr lang="zh-CN" altLang="en-US" sz="7200" b="1" dirty="0" smtClean="0">
-                <a:solidFill>
-                  <a:srgbClr val="000066"/>
+              <a:rPr lang="zh-CN" altLang="en-US" sz="7200" b="1" dirty="0">
+                <a:solidFill>
+                  <a:srgbClr val="660033"/>
                 </a:solidFill>
                 <a:effectLst>
                   <a:outerShdw blurRad="38100" dist="38100" dir="2700000" algn="tl">
@@ -4225,11 +4446,28 @@
                 <a:latin typeface="微軟正黑體" pitchFamily="34" charset="-120"/>
                 <a:ea typeface="微軟正黑體" pitchFamily="34" charset="-120"/>
               </a:rPr>
-              <a:t>雅各詩班</a:t>
+              <a:t>成年</a:t>
+            </a:r>
+            <a:r>
+              <a:rPr lang="zh-CN" altLang="en-US" sz="7200" b="1" dirty="0" smtClean="0">
+                <a:solidFill>
+                  <a:srgbClr val="660033"/>
+                </a:solidFill>
+                <a:effectLst>
+                  <a:outerShdw blurRad="38100" dist="38100" dir="2700000" algn="tl">
+                    <a:srgbClr val="000000">
+                      <a:alpha val="43137"/>
+                    </a:srgbClr>
+                  </a:outerShdw>
+                </a:effectLst>
+                <a:latin typeface="微軟正黑體" pitchFamily="34" charset="-120"/>
+                <a:ea typeface="微軟正黑體" pitchFamily="34" charset="-120"/>
+              </a:rPr>
+              <a:t>詩班</a:t>
             </a:r>
             <a:endParaRPr lang="zh-TW" altLang="en-US" sz="7200" b="1" dirty="0">
               <a:solidFill>
-                <a:srgbClr val="000066"/>
+                <a:srgbClr val="660033"/>
               </a:solidFill>
               <a:effectLst>
                 <a:outerShdw blurRad="38100" dist="38100" dir="2700000" algn="tl">
@@ -4288,7 +4526,7 @@
         </p:nvSpPr>
         <p:spPr>
           <a:xfrm>
-            <a:off x="22330" y="2257425"/>
+            <a:off x="0" y="2257177"/>
             <a:ext cx="9144000" cy="628650"/>
           </a:xfrm>
         </p:spPr>
@@ -4300,7 +4538,7 @@
           <a:p>
             <a:pPr algn="ctr"/>
             <a:r>
-              <a:rPr lang="zh-TW" altLang="en-US" sz="8000" b="1" dirty="0" smtClean="0">
+              <a:rPr lang="zh-CN" altLang="en-US" sz="7200" b="1" dirty="0" smtClean="0">
                 <a:solidFill>
                   <a:srgbClr val="000066"/>
                 </a:solidFill>
@@ -4314,9 +4552,9 @@
                 <a:latin typeface="微軟正黑體" pitchFamily="34" charset="-120"/>
                 <a:ea typeface="微軟正黑體" pitchFamily="34" charset="-120"/>
               </a:rPr>
-              <a:t>使徒信經</a:t>
-            </a:r>
-            <a:endParaRPr lang="zh-TW" altLang="en-US" sz="8000" b="1" dirty="0">
+              <a:t>雅各詩班</a:t>
+            </a:r>
+            <a:endParaRPr lang="zh-TW" altLang="en-US" sz="7200" b="1" dirty="0">
               <a:solidFill>
                 <a:srgbClr val="000066"/>
               </a:solidFill>
@@ -4329,227 +4567,6 @@
               </a:effectLst>
               <a:latin typeface="微軟正黑體" pitchFamily="34" charset="-120"/>
               <a:ea typeface="微軟正黑體" pitchFamily="34" charset="-120"/>
-            </a:endParaRPr>
-          </a:p>
-        </p:txBody>
-      </p:sp>
-      <p:sp>
-        <p:nvSpPr>
-          <p:cNvPr id="4" name="標題 1"/>
-          <p:cNvSpPr txBox="1"/>
-          <p:nvPr/>
-        </p:nvSpPr>
-        <p:spPr>
-          <a:xfrm>
-            <a:off x="457200" y="2210993"/>
-            <a:ext cx="8686800" cy="628650"/>
-          </a:xfrm>
-          <a:prstGeom prst="rect">
-            <a:avLst/>
-          </a:prstGeom>
-        </p:spPr>
-        <p:txBody>
-          <a:bodyPr anchor="ctr">
-            <a:noAutofit/>
-          </a:bodyPr>
-          <a:lstStyle/>
-          <a:p>
-            <a:pPr lvl="0" algn="ctr">
-              <a:spcBef>
-                <a:spcPct val="0"/>
-              </a:spcBef>
-            </a:pPr>
-            <a:endParaRPr lang="zh-TW" altLang="en-US" sz="4000" b="1" dirty="0">
-              <a:solidFill>
-                <a:srgbClr val="000066"/>
-              </a:solidFill>
-              <a:effectLst>
-                <a:outerShdw blurRad="38100" dist="38100" dir="2700000" algn="tl">
-                  <a:srgbClr val="000000">
-                    <a:alpha val="43137"/>
-                  </a:srgbClr>
-                </a:outerShdw>
-              </a:effectLst>
-              <a:latin typeface="微軟正黑體" pitchFamily="34" charset="-120"/>
-              <a:ea typeface="微軟正黑體" pitchFamily="34" charset="-120"/>
-              <a:cs typeface="+mj-cs"/>
-            </a:endParaRPr>
-          </a:p>
-        </p:txBody>
-      </p:sp>
-      <p:sp>
-        <p:nvSpPr>
-          <p:cNvPr id="5" name="矩形 4"/>
-          <p:cNvSpPr/>
-          <p:nvPr/>
-        </p:nvSpPr>
-        <p:spPr>
-          <a:xfrm>
-            <a:off x="0" y="3147814"/>
-            <a:ext cx="9144000" cy="1323439"/>
-          </a:xfrm>
-          <a:prstGeom prst="rect">
-            <a:avLst/>
-          </a:prstGeom>
-        </p:spPr>
-        <p:txBody>
-          <a:bodyPr wrap="square">
-            <a:spAutoFit/>
-          </a:bodyPr>
-          <a:lstStyle/>
-          <a:p>
-            <a:pPr algn="ctr"/>
-            <a:r>
-              <a:rPr lang="en-US" altLang="zh-CN" sz="8000" b="1" dirty="0" smtClean="0">
-                <a:solidFill>
-                  <a:srgbClr val="660033"/>
-                </a:solidFill>
-                <a:effectLst>
-                  <a:outerShdw blurRad="38100" dist="38100" dir="2700000" algn="tl">
-                    <a:srgbClr val="000000">
-                      <a:alpha val="43137"/>
-                    </a:srgbClr>
-                  </a:outerShdw>
-                </a:effectLst>
-                <a:latin typeface="微軟正黑體" pitchFamily="34" charset="-120"/>
-                <a:ea typeface="微軟正黑體" pitchFamily="34" charset="-120"/>
-                <a:cs typeface="+mj-cs"/>
-              </a:rPr>
-              <a:t>(</a:t>
-            </a:r>
-            <a:r>
-              <a:rPr lang="zh-CN" altLang="en-US" sz="8000" b="1" dirty="0" smtClean="0">
-                <a:solidFill>
-                  <a:srgbClr val="660033"/>
-                </a:solidFill>
-                <a:effectLst>
-                  <a:outerShdw blurRad="38100" dist="38100" dir="2700000" algn="tl">
-                    <a:srgbClr val="000000">
-                      <a:alpha val="43137"/>
-                    </a:srgbClr>
-                  </a:outerShdw>
-                </a:effectLst>
-                <a:latin typeface="微軟正黑體" pitchFamily="34" charset="-120"/>
-                <a:ea typeface="微軟正黑體" pitchFamily="34" charset="-120"/>
-                <a:cs typeface="+mj-cs"/>
-              </a:rPr>
-              <a:t>眾立</a:t>
-            </a:r>
-            <a:r>
-              <a:rPr lang="en-US" altLang="zh-CN" sz="8000" b="1" dirty="0" smtClean="0">
-                <a:solidFill>
-                  <a:srgbClr val="660033"/>
-                </a:solidFill>
-                <a:effectLst>
-                  <a:outerShdw blurRad="38100" dist="38100" dir="2700000" algn="tl">
-                    <a:srgbClr val="000000">
-                      <a:alpha val="43137"/>
-                    </a:srgbClr>
-                  </a:outerShdw>
-                </a:effectLst>
-                <a:latin typeface="微軟正黑體" pitchFamily="34" charset="-120"/>
-                <a:ea typeface="微軟正黑體" pitchFamily="34" charset="-120"/>
-                <a:cs typeface="+mj-cs"/>
-              </a:rPr>
-              <a:t>)</a:t>
-            </a:r>
-            <a:endParaRPr lang="zh-TW" altLang="en-US" sz="8000" b="1" dirty="0" smtClean="0">
-              <a:solidFill>
-                <a:srgbClr val="660033"/>
-              </a:solidFill>
-              <a:effectLst>
-                <a:outerShdw blurRad="38100" dist="38100" dir="2700000" algn="tl">
-                  <a:srgbClr val="000000">
-                    <a:alpha val="43137"/>
-                  </a:srgbClr>
-                </a:outerShdw>
-              </a:effectLst>
-              <a:latin typeface="微軟正黑體" pitchFamily="34" charset="-120"/>
-              <a:ea typeface="微軟正黑體" pitchFamily="34" charset="-120"/>
-              <a:cs typeface="+mj-cs"/>
-            </a:endParaRPr>
-          </a:p>
-        </p:txBody>
-      </p:sp>
-      <p:sp>
-        <p:nvSpPr>
-          <p:cNvPr id="6" name="標題 1"/>
-          <p:cNvSpPr txBox="1"/>
-          <p:nvPr/>
-        </p:nvSpPr>
-        <p:spPr>
-          <a:xfrm>
-            <a:off x="0" y="1059582"/>
-            <a:ext cx="9144000" cy="628650"/>
-          </a:xfrm>
-          <a:prstGeom prst="rect">
-            <a:avLst/>
-          </a:prstGeom>
-        </p:spPr>
-        <p:txBody>
-          <a:bodyPr anchor="ctr">
-            <a:noAutofit/>
-          </a:bodyPr>
-          <a:lstStyle/>
-          <a:p>
-            <a:pPr marL="0" marR="0" lvl="0" indent="0" algn="ctr" defTabSz="914400" rtl="0" eaLnBrk="1" fontAlgn="auto" latinLnBrk="0" hangingPunct="1">
-              <a:lnSpc>
-                <a:spcPct val="100000"/>
-              </a:lnSpc>
-              <a:spcBef>
-                <a:spcPct val="0"/>
-              </a:spcBef>
-              <a:spcAft>
-                <a:spcPts val="0"/>
-              </a:spcAft>
-              <a:buClrTx/>
-              <a:buSzTx/>
-              <a:buFontTx/>
-              <a:buNone/>
-              <a:defRPr/>
-            </a:pPr>
-            <a:r>
-              <a:rPr kumimoji="0" lang="zh-CN" altLang="en-US" sz="8000" b="1" i="0" u="none" strike="noStrike" kern="1200" cap="none" spc="0" normalizeH="0" baseline="0" noProof="0" dirty="0" smtClean="0">
-                <a:ln>
-                  <a:noFill/>
-                </a:ln>
-                <a:solidFill>
-                  <a:srgbClr val="000066"/>
-                </a:solidFill>
-                <a:effectLst>
-                  <a:outerShdw blurRad="38100" dist="38100" dir="2700000" algn="tl">
-                    <a:srgbClr val="000000">
-                      <a:alpha val="43137"/>
-                    </a:srgbClr>
-                  </a:outerShdw>
-                </a:effectLst>
-                <a:uLnTx/>
-                <a:uFillTx/>
-                <a:latin typeface="微軟正黑體" pitchFamily="34" charset="-120"/>
-                <a:ea typeface="微軟正黑體" pitchFamily="34" charset="-120"/>
-                <a:cs typeface="+mj-cs"/>
-              </a:rPr>
-              <a:t>信仰宣告</a:t>
-            </a:r>
-            <a:endParaRPr kumimoji="0" lang="zh-TW" altLang="en-US" sz="8000" b="1" i="0" u="none" strike="noStrike" kern="1200" cap="none" spc="0" normalizeH="0" baseline="0" noProof="0" dirty="0">
-              <a:ln>
-                <a:noFill/>
-              </a:ln>
-              <a:solidFill>
-                <a:srgbClr val="000066"/>
-              </a:solidFill>
-              <a:effectLst>
-                <a:outerShdw blurRad="38100" dist="38100" dir="2700000" algn="tl">
-                  <a:srgbClr val="000000">
-                    <a:alpha val="43137"/>
-                  </a:srgbClr>
-                </a:outerShdw>
-              </a:effectLst>
-              <a:uLnTx/>
-              <a:uFillTx/>
-              <a:latin typeface="微軟正黑體" pitchFamily="34" charset="-120"/>
-              <a:ea typeface="微軟正黑體" pitchFamily="34" charset="-120"/>
-              <a:cs typeface="+mj-cs"/>
             </a:endParaRPr>
           </a:p>
         </p:txBody>
@@ -4588,19 +4605,75 @@
       </p:grpSpPr>
       <p:sp>
         <p:nvSpPr>
-          <p:cNvPr id="5" name="Content Placeholder 4"/>
-          <p:cNvSpPr>
-            <a:spLocks noGrp="1"/>
-          </p:cNvSpPr>
-          <p:nvPr>
-            <p:ph idx="1"/>
+          <p:cNvPr id="2" name="標題 1"/>
+          <p:cNvSpPr>
+            <a:spLocks noGrp="1"/>
+          </p:cNvSpPr>
+          <p:nvPr>
+            <p:ph type="title" idx="4294967295"/>
           </p:nvPr>
         </p:nvSpPr>
         <p:spPr>
           <a:xfrm>
-            <a:off x="0" y="0"/>
-            <a:ext cx="9144000" cy="5143500"/>
+            <a:off x="22330" y="2257425"/>
+            <a:ext cx="9144000" cy="628650"/>
           </a:xfrm>
+        </p:spPr>
+        <p:txBody>
+          <a:bodyPr>
+            <a:noAutofit/>
+          </a:bodyPr>
+          <a:lstStyle/>
+          <a:p>
+            <a:pPr algn="ctr"/>
+            <a:r>
+              <a:rPr lang="zh-TW" altLang="en-US" sz="8000" b="1" dirty="0" smtClean="0">
+                <a:solidFill>
+                  <a:srgbClr val="000066"/>
+                </a:solidFill>
+                <a:effectLst>
+                  <a:outerShdw blurRad="38100" dist="38100" dir="2700000" algn="tl">
+                    <a:srgbClr val="000000">
+                      <a:alpha val="43137"/>
+                    </a:srgbClr>
+                  </a:outerShdw>
+                </a:effectLst>
+                <a:latin typeface="微軟正黑體" pitchFamily="34" charset="-120"/>
+                <a:ea typeface="微軟正黑體" pitchFamily="34" charset="-120"/>
+              </a:rPr>
+              <a:t>使徒信經</a:t>
+            </a:r>
+            <a:endParaRPr lang="zh-TW" altLang="en-US" sz="8000" b="1" dirty="0">
+              <a:solidFill>
+                <a:srgbClr val="000066"/>
+              </a:solidFill>
+              <a:effectLst>
+                <a:outerShdw blurRad="38100" dist="38100" dir="2700000" algn="tl">
+                  <a:srgbClr val="000000">
+                    <a:alpha val="43137"/>
+                  </a:srgbClr>
+                </a:outerShdw>
+              </a:effectLst>
+              <a:latin typeface="微軟正黑體" pitchFamily="34" charset="-120"/>
+              <a:ea typeface="微軟正黑體" pitchFamily="34" charset="-120"/>
+            </a:endParaRPr>
+          </a:p>
+        </p:txBody>
+      </p:sp>
+      <p:sp>
+        <p:nvSpPr>
+          <p:cNvPr id="4" name="標題 1"/>
+          <p:cNvSpPr txBox="1"/>
+          <p:nvPr/>
+        </p:nvSpPr>
+        <p:spPr>
+          <a:xfrm>
+            <a:off x="457200" y="2210993"/>
+            <a:ext cx="8686800" cy="628650"/>
+          </a:xfrm>
+          <a:prstGeom prst="rect">
+            <a:avLst/>
+          </a:prstGeom>
         </p:spPr>
         <p:txBody>
           <a:bodyPr anchor="ctr">
@@ -4608,262 +4681,202 @@
           </a:bodyPr>
           <a:lstStyle/>
           <a:p>
-            <a:r>
-              <a:rPr lang="zh-TW" altLang="en-US" sz="4800" b="1" dirty="0">
-                <a:solidFill>
-                  <a:srgbClr val="000066"/>
-                </a:solidFill>
-                <a:latin typeface="微軟正黑體" pitchFamily="34" charset="-120"/>
-                <a:ea typeface="微軟正黑體" pitchFamily="34" charset="-120"/>
-              </a:rPr>
-              <a:t>我信神</a:t>
-            </a:r>
-            <a:r>
-              <a:rPr lang="en-US" altLang="zh-TW" sz="4800" b="1" dirty="0">
-                <a:solidFill>
-                  <a:srgbClr val="000066"/>
-                </a:solidFill>
-                <a:latin typeface="微軟正黑體" pitchFamily="34" charset="-120"/>
-                <a:ea typeface="微軟正黑體" pitchFamily="34" charset="-120"/>
-              </a:rPr>
-              <a:t>﹐</a:t>
-            </a:r>
-            <a:r>
-              <a:rPr lang="zh-TW" altLang="en-US" sz="4800" b="1" dirty="0">
-                <a:solidFill>
-                  <a:srgbClr val="000066"/>
-                </a:solidFill>
-                <a:latin typeface="微軟正黑體" pitchFamily="34" charset="-120"/>
-                <a:ea typeface="微軟正黑體" pitchFamily="34" charset="-120"/>
-              </a:rPr>
-              <a:t>全能的父</a:t>
-            </a:r>
-            <a:r>
-              <a:rPr lang="en-US" altLang="zh-TW" sz="4800" b="1" dirty="0">
-                <a:solidFill>
-                  <a:srgbClr val="000066"/>
-                </a:solidFill>
-                <a:latin typeface="微軟正黑體" pitchFamily="34" charset="-120"/>
-                <a:ea typeface="微軟正黑體" pitchFamily="34" charset="-120"/>
-              </a:rPr>
-              <a:t>﹐</a:t>
-            </a:r>
-            <a:r>
-              <a:rPr lang="zh-TW" altLang="en-US" sz="4800" b="1" dirty="0">
-                <a:solidFill>
-                  <a:srgbClr val="000066"/>
-                </a:solidFill>
-                <a:latin typeface="微軟正黑體" pitchFamily="34" charset="-120"/>
-                <a:ea typeface="微軟正黑體" pitchFamily="34" charset="-120"/>
-              </a:rPr>
-              <a:t>創造天地的主</a:t>
-            </a:r>
-            <a:r>
-              <a:rPr lang="en-US" altLang="zh-TW" sz="4800" b="1" dirty="0">
-                <a:solidFill>
-                  <a:srgbClr val="000066"/>
-                </a:solidFill>
-                <a:latin typeface="微軟正黑體" pitchFamily="34" charset="-120"/>
-                <a:ea typeface="微軟正黑體" pitchFamily="34" charset="-120"/>
-              </a:rPr>
-              <a:t>﹔</a:t>
-            </a:r>
-            <a:r>
-              <a:rPr lang="zh-TW" altLang="en-US" sz="4800" b="1" dirty="0">
-                <a:solidFill>
-                  <a:srgbClr val="000066"/>
-                </a:solidFill>
-                <a:latin typeface="微軟正黑體" pitchFamily="34" charset="-120"/>
-                <a:ea typeface="微軟正黑體" pitchFamily="34" charset="-120"/>
-              </a:rPr>
-              <a:t>我信我主耶穌基督</a:t>
-            </a:r>
-            <a:r>
-              <a:rPr lang="en-US" altLang="zh-TW" sz="4800" b="1" dirty="0" smtClean="0">
-                <a:solidFill>
-                  <a:srgbClr val="000066"/>
-                </a:solidFill>
-                <a:latin typeface="微軟正黑體" pitchFamily="34" charset="-120"/>
-                <a:ea typeface="微軟正黑體" pitchFamily="34" charset="-120"/>
-              </a:rPr>
-              <a:t>﹐</a:t>
-            </a:r>
-            <a:r>
-              <a:rPr lang="zh-TW" altLang="en-US" sz="4800" b="1" dirty="0" smtClean="0">
-                <a:solidFill>
-                  <a:srgbClr val="000066"/>
-                </a:solidFill>
-                <a:latin typeface="微軟正黑體" pitchFamily="34" charset="-120"/>
-                <a:ea typeface="微軟正黑體" pitchFamily="34" charset="-120"/>
-              </a:rPr>
-              <a:t>神</a:t>
-            </a:r>
-            <a:r>
-              <a:rPr lang="zh-TW" altLang="en-US" sz="4800" b="1" dirty="0">
-                <a:solidFill>
-                  <a:srgbClr val="000066"/>
-                </a:solidFill>
-                <a:latin typeface="微軟正黑體" pitchFamily="34" charset="-120"/>
-                <a:ea typeface="微軟正黑體" pitchFamily="34" charset="-120"/>
-              </a:rPr>
-              <a:t>的獨生子</a:t>
-            </a:r>
-            <a:r>
-              <a:rPr lang="en-US" altLang="zh-TW" sz="4800" b="1" dirty="0" smtClean="0">
-                <a:solidFill>
-                  <a:srgbClr val="000066"/>
-                </a:solidFill>
-                <a:latin typeface="微軟正黑體" pitchFamily="34" charset="-120"/>
-                <a:ea typeface="微軟正黑體" pitchFamily="34" charset="-120"/>
-              </a:rPr>
-              <a:t>﹔</a:t>
-            </a:r>
-            <a:r>
-              <a:rPr lang="zh-TW" altLang="en-US" sz="4800" b="1" dirty="0" smtClean="0">
-                <a:solidFill>
-                  <a:srgbClr val="000066"/>
-                </a:solidFill>
-                <a:latin typeface="微軟正黑體" pitchFamily="34" charset="-120"/>
-                <a:ea typeface="微軟正黑體" pitchFamily="34" charset="-120"/>
-              </a:rPr>
-              <a:t>因聖靈感孕</a:t>
-            </a:r>
-            <a:r>
-              <a:rPr lang="en-US" altLang="zh-TW" sz="4800" b="1" dirty="0" smtClean="0">
-                <a:solidFill>
-                  <a:srgbClr val="000066"/>
-                </a:solidFill>
-                <a:latin typeface="微軟正黑體" pitchFamily="34" charset="-120"/>
-                <a:ea typeface="微軟正黑體" pitchFamily="34" charset="-120"/>
-              </a:rPr>
-              <a:t>﹐</a:t>
-            </a:r>
-            <a:r>
-              <a:rPr lang="zh-TW" altLang="en-US" sz="4800" b="1" dirty="0" smtClean="0">
-                <a:solidFill>
-                  <a:srgbClr val="000066"/>
-                </a:solidFill>
-                <a:latin typeface="微軟正黑體" pitchFamily="34" charset="-120"/>
-                <a:ea typeface="微軟正黑體" pitchFamily="34" charset="-120"/>
-              </a:rPr>
-              <a:t>由童貞女馬利亞所生</a:t>
-            </a:r>
-            <a:r>
-              <a:rPr lang="en-US" altLang="zh-TW" sz="4800" b="1" dirty="0" smtClean="0">
-                <a:solidFill>
-                  <a:srgbClr val="000066"/>
-                </a:solidFill>
-                <a:latin typeface="微軟正黑體" pitchFamily="34" charset="-120"/>
-                <a:ea typeface="微軟正黑體" pitchFamily="34" charset="-120"/>
-              </a:rPr>
-              <a:t>﹐</a:t>
-            </a:r>
-            <a:r>
-              <a:rPr lang="zh-TW" altLang="en-US" sz="4800" b="1" dirty="0" smtClean="0">
-                <a:solidFill>
-                  <a:srgbClr val="000066"/>
-                </a:solidFill>
-                <a:latin typeface="微軟正黑體" pitchFamily="34" charset="-120"/>
-                <a:ea typeface="微軟正黑體" pitchFamily="34" charset="-120"/>
-              </a:rPr>
-              <a:t>在本丟彼拉多手下受難</a:t>
-            </a:r>
-            <a:r>
-              <a:rPr lang="en-US" altLang="zh-TW" sz="4800" b="1" dirty="0" smtClean="0">
-                <a:solidFill>
-                  <a:srgbClr val="000066"/>
-                </a:solidFill>
-                <a:latin typeface="微軟正黑體" pitchFamily="34" charset="-120"/>
-                <a:ea typeface="微軟正黑體" pitchFamily="34" charset="-120"/>
-              </a:rPr>
-              <a:t>﹐</a:t>
-            </a:r>
-            <a:r>
-              <a:rPr lang="zh-TW" altLang="en-US" sz="4800" b="1" dirty="0" smtClean="0">
-                <a:solidFill>
-                  <a:srgbClr val="000066"/>
-                </a:solidFill>
-                <a:latin typeface="微軟正黑體" pitchFamily="34" charset="-120"/>
-                <a:ea typeface="微軟正黑體" pitchFamily="34" charset="-120"/>
-              </a:rPr>
-              <a:t>被釘於十字架</a:t>
-            </a:r>
-            <a:r>
-              <a:rPr lang="en-US" altLang="zh-TW" sz="4800" b="1" dirty="0" smtClean="0">
-                <a:solidFill>
-                  <a:srgbClr val="000066"/>
-                </a:solidFill>
-                <a:latin typeface="微軟正黑體" pitchFamily="34" charset="-120"/>
-                <a:ea typeface="微軟正黑體" pitchFamily="34" charset="-120"/>
-              </a:rPr>
-              <a:t>﹐</a:t>
-            </a:r>
-            <a:r>
-              <a:rPr lang="zh-TW" altLang="en-US" sz="4800" b="1" dirty="0" smtClean="0">
-                <a:solidFill>
-                  <a:srgbClr val="000066"/>
-                </a:solidFill>
-                <a:latin typeface="微軟正黑體" pitchFamily="34" charset="-120"/>
-                <a:ea typeface="微軟正黑體" pitchFamily="34" charset="-120"/>
-              </a:rPr>
-              <a:t>受死</a:t>
-            </a:r>
-            <a:r>
-              <a:rPr lang="en-US" altLang="zh-TW" sz="4800" b="1" dirty="0" smtClean="0">
-                <a:solidFill>
-                  <a:srgbClr val="000066"/>
-                </a:solidFill>
-                <a:latin typeface="微軟正黑體" pitchFamily="34" charset="-120"/>
-                <a:ea typeface="微軟正黑體" pitchFamily="34" charset="-120"/>
-              </a:rPr>
-              <a:t>﹐</a:t>
-            </a:r>
-            <a:r>
-              <a:rPr lang="zh-TW" altLang="en-US" sz="4800" b="1" dirty="0" smtClean="0">
-                <a:solidFill>
-                  <a:srgbClr val="000066"/>
-                </a:solidFill>
-                <a:latin typeface="微軟正黑體" pitchFamily="34" charset="-120"/>
-                <a:ea typeface="微軟正黑體" pitchFamily="34" charset="-120"/>
-              </a:rPr>
-              <a:t>埋葬</a:t>
-            </a:r>
-            <a:r>
-              <a:rPr lang="en-US" altLang="zh-TW" sz="4800" b="1" dirty="0" smtClean="0">
-                <a:solidFill>
-                  <a:srgbClr val="000066"/>
-                </a:solidFill>
-                <a:latin typeface="微軟正黑體" pitchFamily="34" charset="-120"/>
-                <a:ea typeface="微軟正黑體" pitchFamily="34" charset="-120"/>
-              </a:rPr>
-              <a:t>﹔</a:t>
-            </a:r>
-            <a:r>
-              <a:rPr lang="zh-TW" altLang="en-US" sz="4800" b="1" dirty="0" smtClean="0">
-                <a:solidFill>
-                  <a:srgbClr val="000066"/>
-                </a:solidFill>
-                <a:latin typeface="微軟正黑體" pitchFamily="34" charset="-120"/>
-                <a:ea typeface="微軟正黑體" pitchFamily="34" charset="-120"/>
-              </a:rPr>
-              <a:t>降在陰間</a:t>
-            </a:r>
-            <a:r>
-              <a:rPr lang="en-US" altLang="zh-TW" sz="4800" b="1" dirty="0" smtClean="0">
-                <a:solidFill>
-                  <a:srgbClr val="000066"/>
-                </a:solidFill>
-                <a:latin typeface="微軟正黑體" pitchFamily="34" charset="-120"/>
-                <a:ea typeface="微軟正黑體" pitchFamily="34" charset="-120"/>
-              </a:rPr>
-              <a:t>﹔</a:t>
-            </a:r>
-            <a:endParaRPr lang="en-US" sz="4800" b="1" dirty="0" smtClean="0">
+            <a:pPr lvl="0" algn="ctr">
+              <a:spcBef>
+                <a:spcPct val="0"/>
+              </a:spcBef>
+            </a:pPr>
+            <a:endParaRPr lang="zh-TW" altLang="en-US" sz="4000" b="1" dirty="0">
               <a:solidFill>
                 <a:srgbClr val="000066"/>
               </a:solidFill>
+              <a:effectLst>
+                <a:outerShdw blurRad="38100" dist="38100" dir="2700000" algn="tl">
+                  <a:srgbClr val="000000">
+                    <a:alpha val="43137"/>
+                  </a:srgbClr>
+                </a:outerShdw>
+              </a:effectLst>
               <a:latin typeface="微軟正黑體" pitchFamily="34" charset="-120"/>
               <a:ea typeface="微軟正黑體" pitchFamily="34" charset="-120"/>
+              <a:cs typeface="+mj-cs"/>
+            </a:endParaRPr>
+          </a:p>
+        </p:txBody>
+      </p:sp>
+      <p:sp>
+        <p:nvSpPr>
+          <p:cNvPr id="5" name="矩形 4"/>
+          <p:cNvSpPr/>
+          <p:nvPr/>
+        </p:nvSpPr>
+        <p:spPr>
+          <a:xfrm>
+            <a:off x="0" y="3147814"/>
+            <a:ext cx="9144000" cy="1323439"/>
+          </a:xfrm>
+          <a:prstGeom prst="rect">
+            <a:avLst/>
+          </a:prstGeom>
+        </p:spPr>
+        <p:txBody>
+          <a:bodyPr wrap="square">
+            <a:spAutoFit/>
+          </a:bodyPr>
+          <a:lstStyle/>
+          <a:p>
+            <a:pPr algn="ctr"/>
+            <a:r>
+              <a:rPr lang="en-US" altLang="zh-CN" sz="8000" b="1" dirty="0" smtClean="0">
+                <a:solidFill>
+                  <a:srgbClr val="660033"/>
+                </a:solidFill>
+                <a:effectLst>
+                  <a:outerShdw blurRad="38100" dist="38100" dir="2700000" algn="tl">
+                    <a:srgbClr val="000000">
+                      <a:alpha val="43137"/>
+                    </a:srgbClr>
+                  </a:outerShdw>
+                </a:effectLst>
+                <a:latin typeface="微軟正黑體" pitchFamily="34" charset="-120"/>
+                <a:ea typeface="微軟正黑體" pitchFamily="34" charset="-120"/>
+                <a:cs typeface="+mj-cs"/>
+              </a:rPr>
+              <a:t>(</a:t>
+            </a:r>
+            <a:r>
+              <a:rPr lang="zh-CN" altLang="en-US" sz="8000" b="1" dirty="0" smtClean="0">
+                <a:solidFill>
+                  <a:srgbClr val="660033"/>
+                </a:solidFill>
+                <a:effectLst>
+                  <a:outerShdw blurRad="38100" dist="38100" dir="2700000" algn="tl">
+                    <a:srgbClr val="000000">
+                      <a:alpha val="43137"/>
+                    </a:srgbClr>
+                  </a:outerShdw>
+                </a:effectLst>
+                <a:latin typeface="微軟正黑體" pitchFamily="34" charset="-120"/>
+                <a:ea typeface="微軟正黑體" pitchFamily="34" charset="-120"/>
+                <a:cs typeface="+mj-cs"/>
+              </a:rPr>
+              <a:t>眾立</a:t>
+            </a:r>
+            <a:r>
+              <a:rPr lang="en-US" altLang="zh-CN" sz="8000" b="1" dirty="0" smtClean="0">
+                <a:solidFill>
+                  <a:srgbClr val="660033"/>
+                </a:solidFill>
+                <a:effectLst>
+                  <a:outerShdw blurRad="38100" dist="38100" dir="2700000" algn="tl">
+                    <a:srgbClr val="000000">
+                      <a:alpha val="43137"/>
+                    </a:srgbClr>
+                  </a:outerShdw>
+                </a:effectLst>
+                <a:latin typeface="微軟正黑體" pitchFamily="34" charset="-120"/>
+                <a:ea typeface="微軟正黑體" pitchFamily="34" charset="-120"/>
+                <a:cs typeface="+mj-cs"/>
+              </a:rPr>
+              <a:t>)</a:t>
+            </a:r>
+            <a:endParaRPr lang="zh-TW" altLang="en-US" sz="8000" b="1" dirty="0" smtClean="0">
+              <a:solidFill>
+                <a:srgbClr val="660033"/>
+              </a:solidFill>
+              <a:effectLst>
+                <a:outerShdw blurRad="38100" dist="38100" dir="2700000" algn="tl">
+                  <a:srgbClr val="000000">
+                    <a:alpha val="43137"/>
+                  </a:srgbClr>
+                </a:outerShdw>
+              </a:effectLst>
+              <a:latin typeface="微軟正黑體" pitchFamily="34" charset="-120"/>
+              <a:ea typeface="微軟正黑體" pitchFamily="34" charset="-120"/>
+              <a:cs typeface="+mj-cs"/>
+            </a:endParaRPr>
+          </a:p>
+        </p:txBody>
+      </p:sp>
+      <p:sp>
+        <p:nvSpPr>
+          <p:cNvPr id="6" name="標題 1"/>
+          <p:cNvSpPr txBox="1"/>
+          <p:nvPr/>
+        </p:nvSpPr>
+        <p:spPr>
+          <a:xfrm>
+            <a:off x="0" y="1059582"/>
+            <a:ext cx="9144000" cy="628650"/>
+          </a:xfrm>
+          <a:prstGeom prst="rect">
+            <a:avLst/>
+          </a:prstGeom>
+        </p:spPr>
+        <p:txBody>
+          <a:bodyPr anchor="ctr">
+            <a:noAutofit/>
+          </a:bodyPr>
+          <a:lstStyle/>
+          <a:p>
+            <a:pPr marL="0" marR="0" lvl="0" indent="0" algn="ctr" defTabSz="914400" rtl="0" eaLnBrk="1" fontAlgn="auto" latinLnBrk="0" hangingPunct="1">
+              <a:lnSpc>
+                <a:spcPct val="100000"/>
+              </a:lnSpc>
+              <a:spcBef>
+                <a:spcPct val="0"/>
+              </a:spcBef>
+              <a:spcAft>
+                <a:spcPts val="0"/>
+              </a:spcAft>
+              <a:buClrTx/>
+              <a:buSzTx/>
+              <a:buFontTx/>
+              <a:buNone/>
+              <a:defRPr/>
+            </a:pPr>
+            <a:r>
+              <a:rPr kumimoji="0" lang="zh-CN" altLang="en-US" sz="8000" b="1" i="0" u="none" strike="noStrike" kern="1200" cap="none" spc="0" normalizeH="0" baseline="0" noProof="0" dirty="0" smtClean="0">
+                <a:ln>
+                  <a:noFill/>
+                </a:ln>
+                <a:solidFill>
+                  <a:srgbClr val="000066"/>
+                </a:solidFill>
+                <a:effectLst>
+                  <a:outerShdw blurRad="38100" dist="38100" dir="2700000" algn="tl">
+                    <a:srgbClr val="000000">
+                      <a:alpha val="43137"/>
+                    </a:srgbClr>
+                  </a:outerShdw>
+                </a:effectLst>
+                <a:uLnTx/>
+                <a:uFillTx/>
+                <a:latin typeface="微軟正黑體" pitchFamily="34" charset="-120"/>
+                <a:ea typeface="微軟正黑體" pitchFamily="34" charset="-120"/>
+                <a:cs typeface="+mj-cs"/>
+              </a:rPr>
+              <a:t>信仰宣告</a:t>
+            </a:r>
+            <a:endParaRPr kumimoji="0" lang="zh-TW" altLang="en-US" sz="8000" b="1" i="0" u="none" strike="noStrike" kern="1200" cap="none" spc="0" normalizeH="0" baseline="0" noProof="0" dirty="0">
+              <a:ln>
+                <a:noFill/>
+              </a:ln>
+              <a:solidFill>
+                <a:srgbClr val="000066"/>
+              </a:solidFill>
+              <a:effectLst>
+                <a:outerShdw blurRad="38100" dist="38100" dir="2700000" algn="tl">
+                  <a:srgbClr val="000000">
+                    <a:alpha val="43137"/>
+                  </a:srgbClr>
+                </a:outerShdw>
+              </a:effectLst>
+              <a:uLnTx/>
+              <a:uFillTx/>
+              <a:latin typeface="微軟正黑體" pitchFamily="34" charset="-120"/>
+              <a:ea typeface="微軟正黑體" pitchFamily="34" charset="-120"/>
+              <a:cs typeface="+mj-cs"/>
             </a:endParaRPr>
           </a:p>
         </p:txBody>
@@ -4923,14 +4936,84 @@
           <a:lstStyle/>
           <a:p>
             <a:r>
-              <a:rPr lang="zh-CN" altLang="en-US" sz="4800" b="1" dirty="0" smtClean="0">
+              <a:rPr lang="zh-TW" altLang="en-US" sz="4800" b="1" dirty="0">
                 <a:solidFill>
                   <a:srgbClr val="000066"/>
                 </a:solidFill>
                 <a:latin typeface="微軟正黑體" pitchFamily="34" charset="-120"/>
                 <a:ea typeface="微軟正黑體" pitchFamily="34" charset="-120"/>
               </a:rPr>
-              <a:t>第三天從死人中復活，</a:t>
+              <a:t>我信神</a:t>
+            </a:r>
+            <a:r>
+              <a:rPr lang="en-US" altLang="zh-TW" sz="4800" b="1" dirty="0">
+                <a:solidFill>
+                  <a:srgbClr val="000066"/>
+                </a:solidFill>
+                <a:latin typeface="微軟正黑體" pitchFamily="34" charset="-120"/>
+                <a:ea typeface="微軟正黑體" pitchFamily="34" charset="-120"/>
+              </a:rPr>
+              <a:t>﹐</a:t>
+            </a:r>
+            <a:r>
+              <a:rPr lang="zh-TW" altLang="en-US" sz="4800" b="1" dirty="0">
+                <a:solidFill>
+                  <a:srgbClr val="000066"/>
+                </a:solidFill>
+                <a:latin typeface="微軟正黑體" pitchFamily="34" charset="-120"/>
+                <a:ea typeface="微軟正黑體" pitchFamily="34" charset="-120"/>
+              </a:rPr>
+              <a:t>全能的父</a:t>
+            </a:r>
+            <a:r>
+              <a:rPr lang="en-US" altLang="zh-TW" sz="4800" b="1" dirty="0">
+                <a:solidFill>
+                  <a:srgbClr val="000066"/>
+                </a:solidFill>
+                <a:latin typeface="微軟正黑體" pitchFamily="34" charset="-120"/>
+                <a:ea typeface="微軟正黑體" pitchFamily="34" charset="-120"/>
+              </a:rPr>
+              <a:t>﹐</a:t>
+            </a:r>
+            <a:r>
+              <a:rPr lang="zh-TW" altLang="en-US" sz="4800" b="1" dirty="0">
+                <a:solidFill>
+                  <a:srgbClr val="000066"/>
+                </a:solidFill>
+                <a:latin typeface="微軟正黑體" pitchFamily="34" charset="-120"/>
+                <a:ea typeface="微軟正黑體" pitchFamily="34" charset="-120"/>
+              </a:rPr>
+              <a:t>創造天地的主</a:t>
+            </a:r>
+            <a:r>
+              <a:rPr lang="en-US" altLang="zh-TW" sz="4800" b="1" dirty="0">
+                <a:solidFill>
+                  <a:srgbClr val="000066"/>
+                </a:solidFill>
+                <a:latin typeface="微軟正黑體" pitchFamily="34" charset="-120"/>
+                <a:ea typeface="微軟正黑體" pitchFamily="34" charset="-120"/>
+              </a:rPr>
+              <a:t>﹔</a:t>
+            </a:r>
+            <a:r>
+              <a:rPr lang="zh-TW" altLang="en-US" sz="4800" b="1" dirty="0">
+                <a:solidFill>
+                  <a:srgbClr val="000066"/>
+                </a:solidFill>
+                <a:latin typeface="微軟正黑體" pitchFamily="34" charset="-120"/>
+                <a:ea typeface="微軟正黑體" pitchFamily="34" charset="-120"/>
+              </a:rPr>
+              <a:t>我信我主耶穌基督</a:t>
+            </a:r>
+            <a:r>
+              <a:rPr lang="en-US" altLang="zh-TW" sz="4800" b="1" dirty="0" smtClean="0">
+                <a:solidFill>
+                  <a:srgbClr val="000066"/>
+                </a:solidFill>
+                <a:latin typeface="微軟正黑體" pitchFamily="34" charset="-120"/>
+                <a:ea typeface="微軟正黑體" pitchFamily="34" charset="-120"/>
+              </a:rPr>
+              <a:t>﹐</a:t>
             </a:r>
             <a:r>
               <a:rPr lang="zh-TW" altLang="en-US" sz="4800" b="1" dirty="0" smtClean="0">
@@ -4940,7 +5023,17 @@
                 <a:latin typeface="微軟正黑體" pitchFamily="34" charset="-120"/>
                 <a:ea typeface="微軟正黑體" pitchFamily="34" charset="-120"/>
               </a:rPr>
-              <a:t>升天</a:t>
+              <a:t>神</a:t>
+            </a:r>
+            <a:r>
+              <a:rPr lang="zh-TW" altLang="en-US" sz="4800" b="1" dirty="0">
+                <a:solidFill>
+                  <a:srgbClr val="000066"/>
+                </a:solidFill>
+                <a:latin typeface="微軟正黑體" pitchFamily="34" charset="-120"/>
+                <a:ea typeface="微軟正黑體" pitchFamily="34" charset="-120"/>
+              </a:rPr>
+              <a:t>的獨生子</a:t>
             </a:r>
             <a:r>
               <a:rPr lang="en-US" altLang="zh-TW" sz="4800" b="1" dirty="0" smtClean="0">
@@ -4950,6 +5043,26 @@
                 <a:latin typeface="微軟正黑體" pitchFamily="34" charset="-120"/>
                 <a:ea typeface="微軟正黑體" pitchFamily="34" charset="-120"/>
               </a:rPr>
+              <a:t>﹔</a:t>
+            </a:r>
+            <a:r>
+              <a:rPr lang="zh-TW" altLang="en-US" sz="4800" b="1" dirty="0" smtClean="0">
+                <a:solidFill>
+                  <a:srgbClr val="000066"/>
+                </a:solidFill>
+                <a:latin typeface="微軟正黑體" pitchFamily="34" charset="-120"/>
+                <a:ea typeface="微軟正黑體" pitchFamily="34" charset="-120"/>
+              </a:rPr>
+              <a:t>因聖靈感孕</a:t>
+            </a:r>
+            <a:r>
+              <a:rPr lang="en-US" altLang="zh-TW" sz="4800" b="1" dirty="0" smtClean="0">
+                <a:solidFill>
+                  <a:srgbClr val="000066"/>
+                </a:solidFill>
+                <a:latin typeface="微軟正黑體" pitchFamily="34" charset="-120"/>
+                <a:ea typeface="微軟正黑體" pitchFamily="34" charset="-120"/>
+              </a:rPr>
               <a:t>﹐</a:t>
             </a:r>
             <a:r>
@@ -4960,7 +5073,7 @@
                 <a:latin typeface="微軟正黑體" pitchFamily="34" charset="-120"/>
                 <a:ea typeface="微軟正黑體" pitchFamily="34" charset="-120"/>
               </a:rPr>
-              <a:t>坐在全能父神的右邊將來必從那裏降臨</a:t>
+              <a:t>由童貞女馬利亞所生</a:t>
             </a:r>
             <a:r>
               <a:rPr lang="en-US" altLang="zh-TW" sz="4800" b="1" dirty="0" smtClean="0">
@@ -4980,7 +5093,7 @@
                 <a:latin typeface="微軟正黑體" pitchFamily="34" charset="-120"/>
                 <a:ea typeface="微軟正黑體" pitchFamily="34" charset="-120"/>
               </a:rPr>
-              <a:t>審判活人死人。我信聖靈</a:t>
+              <a:t>在本丟彼拉多手下受難</a:t>
             </a:r>
             <a:r>
               <a:rPr lang="en-US" altLang="zh-TW" sz="4800" b="1" dirty="0" smtClean="0">
@@ -4990,6 +5103,66 @@
                 <a:latin typeface="微軟正黑體" pitchFamily="34" charset="-120"/>
                 <a:ea typeface="微軟正黑體" pitchFamily="34" charset="-120"/>
               </a:rPr>
+              <a:t>﹐</a:t>
+            </a:r>
+            <a:r>
+              <a:rPr lang="zh-TW" altLang="en-US" sz="4800" b="1" dirty="0" smtClean="0">
+                <a:solidFill>
+                  <a:srgbClr val="000066"/>
+                </a:solidFill>
+                <a:latin typeface="微軟正黑體" pitchFamily="34" charset="-120"/>
+                <a:ea typeface="微軟正黑體" pitchFamily="34" charset="-120"/>
+              </a:rPr>
+              <a:t>被釘於十字架</a:t>
+            </a:r>
+            <a:r>
+              <a:rPr lang="en-US" altLang="zh-TW" sz="4800" b="1" dirty="0" smtClean="0">
+                <a:solidFill>
+                  <a:srgbClr val="000066"/>
+                </a:solidFill>
+                <a:latin typeface="微軟正黑體" pitchFamily="34" charset="-120"/>
+                <a:ea typeface="微軟正黑體" pitchFamily="34" charset="-120"/>
+              </a:rPr>
+              <a:t>﹐</a:t>
+            </a:r>
+            <a:r>
+              <a:rPr lang="zh-TW" altLang="en-US" sz="4800" b="1" dirty="0" smtClean="0">
+                <a:solidFill>
+                  <a:srgbClr val="000066"/>
+                </a:solidFill>
+                <a:latin typeface="微軟正黑體" pitchFamily="34" charset="-120"/>
+                <a:ea typeface="微軟正黑體" pitchFamily="34" charset="-120"/>
+              </a:rPr>
+              <a:t>受死</a:t>
+            </a:r>
+            <a:r>
+              <a:rPr lang="en-US" altLang="zh-TW" sz="4800" b="1" dirty="0" smtClean="0">
+                <a:solidFill>
+                  <a:srgbClr val="000066"/>
+                </a:solidFill>
+                <a:latin typeface="微軟正黑體" pitchFamily="34" charset="-120"/>
+                <a:ea typeface="微軟正黑體" pitchFamily="34" charset="-120"/>
+              </a:rPr>
+              <a:t>﹐</a:t>
+            </a:r>
+            <a:r>
+              <a:rPr lang="zh-TW" altLang="en-US" sz="4800" b="1" dirty="0" smtClean="0">
+                <a:solidFill>
+                  <a:srgbClr val="000066"/>
+                </a:solidFill>
+                <a:latin typeface="微軟正黑體" pitchFamily="34" charset="-120"/>
+                <a:ea typeface="微軟正黑體" pitchFamily="34" charset="-120"/>
+              </a:rPr>
+              <a:t>埋葬</a:t>
+            </a:r>
+            <a:r>
+              <a:rPr lang="en-US" altLang="zh-TW" sz="4800" b="1" dirty="0" smtClean="0">
+                <a:solidFill>
+                  <a:srgbClr val="000066"/>
+                </a:solidFill>
+                <a:latin typeface="微軟正黑體" pitchFamily="34" charset="-120"/>
+                <a:ea typeface="微軟正黑體" pitchFamily="34" charset="-120"/>
+              </a:rPr>
               <a:t>﹔</a:t>
             </a:r>
             <a:r>
@@ -5000,7 +5173,7 @@
                 <a:latin typeface="微軟正黑體" pitchFamily="34" charset="-120"/>
                 <a:ea typeface="微軟正黑體" pitchFamily="34" charset="-120"/>
               </a:rPr>
-              <a:t>我信聖而公之教會</a:t>
+              <a:t>降在陰間</a:t>
             </a:r>
             <a:r>
               <a:rPr lang="en-US" altLang="zh-TW" sz="4800" b="1" dirty="0" smtClean="0">
@@ -5012,76 +5185,13 @@
               </a:rPr>
               <a:t>﹔</a:t>
             </a:r>
-            <a:r>
-              <a:rPr lang="zh-TW" altLang="en-US" sz="4800" b="1" dirty="0" smtClean="0">
-                <a:solidFill>
-                  <a:srgbClr val="000066"/>
-                </a:solidFill>
-                <a:latin typeface="微軟正黑體" pitchFamily="34" charset="-120"/>
-                <a:ea typeface="微軟正黑體" pitchFamily="34" charset="-120"/>
-              </a:rPr>
-              <a:t>我信聖徒相通</a:t>
-            </a:r>
-            <a:r>
-              <a:rPr lang="en-US" altLang="zh-TW" sz="4800" b="1" dirty="0" smtClean="0">
-                <a:solidFill>
-                  <a:srgbClr val="000066"/>
-                </a:solidFill>
-                <a:latin typeface="微軟正黑體" pitchFamily="34" charset="-120"/>
-                <a:ea typeface="微軟正黑體" pitchFamily="34" charset="-120"/>
-              </a:rPr>
-              <a:t>﹔</a:t>
-            </a:r>
-            <a:r>
-              <a:rPr lang="zh-TW" altLang="en-US" sz="4800" b="1" dirty="0" smtClean="0">
-                <a:solidFill>
-                  <a:srgbClr val="000066"/>
-                </a:solidFill>
-                <a:latin typeface="微軟正黑體" pitchFamily="34" charset="-120"/>
-                <a:ea typeface="微軟正黑體" pitchFamily="34" charset="-120"/>
-              </a:rPr>
-              <a:t>我信罪得赦免</a:t>
-            </a:r>
-            <a:r>
-              <a:rPr lang="en-US" altLang="zh-TW" sz="4800" b="1" dirty="0" smtClean="0">
-                <a:solidFill>
-                  <a:srgbClr val="000066"/>
-                </a:solidFill>
-                <a:latin typeface="微軟正黑體" pitchFamily="34" charset="-120"/>
-                <a:ea typeface="微軟正黑體" pitchFamily="34" charset="-120"/>
-              </a:rPr>
-              <a:t>﹔</a:t>
-            </a:r>
-            <a:r>
-              <a:rPr lang="zh-TW" altLang="en-US" sz="4800" b="1" dirty="0" smtClean="0">
-                <a:solidFill>
-                  <a:srgbClr val="000066"/>
-                </a:solidFill>
-                <a:latin typeface="微軟正黑體" pitchFamily="34" charset="-120"/>
-                <a:ea typeface="微軟正黑體" pitchFamily="34" charset="-120"/>
-              </a:rPr>
-              <a:t>我信身體復活</a:t>
-            </a:r>
-            <a:r>
-              <a:rPr lang="en-US" altLang="zh-TW" sz="4800" b="1" dirty="0" smtClean="0">
-                <a:solidFill>
-                  <a:srgbClr val="000066"/>
-                </a:solidFill>
-                <a:latin typeface="微軟正黑體" pitchFamily="34" charset="-120"/>
-                <a:ea typeface="微軟正黑體" pitchFamily="34" charset="-120"/>
-              </a:rPr>
-              <a:t>﹔</a:t>
-            </a:r>
-            <a:r>
-              <a:rPr lang="zh-TW" altLang="en-US" sz="4800" b="1" dirty="0" smtClean="0">
-                <a:solidFill>
-                  <a:srgbClr val="000066"/>
-                </a:solidFill>
-                <a:latin typeface="微軟正黑體" pitchFamily="34" charset="-120"/>
-                <a:ea typeface="微軟正黑體" pitchFamily="34" charset="-120"/>
-              </a:rPr>
-              <a:t>我信永生。阿們。</a:t>
-            </a:r>
+            <a:endParaRPr lang="en-US" sz="4800" b="1" dirty="0" smtClean="0">
+              <a:solidFill>
+                <a:srgbClr val="000066"/>
+              </a:solidFill>
+              <a:latin typeface="微軟正黑體" pitchFamily="34" charset="-120"/>
+              <a:ea typeface="微軟正黑體" pitchFamily="34" charset="-120"/>
+            </a:endParaRPr>
           </a:p>
         </p:txBody>
       </p:sp>
@@ -5119,75 +5229,19 @@
       </p:grpSpPr>
       <p:sp>
         <p:nvSpPr>
-          <p:cNvPr id="2" name="標題 1"/>
-          <p:cNvSpPr>
-            <a:spLocks noGrp="1"/>
-          </p:cNvSpPr>
-          <p:nvPr>
-            <p:ph type="title" idx="4294967295"/>
+          <p:cNvPr id="5" name="Content Placeholder 4"/>
+          <p:cNvSpPr>
+            <a:spLocks noGrp="1"/>
+          </p:cNvSpPr>
+          <p:nvPr>
+            <p:ph idx="1"/>
           </p:nvPr>
         </p:nvSpPr>
         <p:spPr>
           <a:xfrm>
-            <a:off x="0" y="1851670"/>
-            <a:ext cx="9144000" cy="628650"/>
+            <a:off x="0" y="0"/>
+            <a:ext cx="9144000" cy="5143500"/>
           </a:xfrm>
-        </p:spPr>
-        <p:txBody>
-          <a:bodyPr>
-            <a:noAutofit/>
-          </a:bodyPr>
-          <a:lstStyle/>
-          <a:p>
-            <a:pPr algn="ctr"/>
-            <a:r>
-              <a:rPr lang="zh-CN" altLang="en-US" sz="8000" b="1" dirty="0" smtClean="0">
-                <a:solidFill>
-                  <a:srgbClr val="000066"/>
-                </a:solidFill>
-                <a:effectLst>
-                  <a:outerShdw blurRad="38100" dist="38100" dir="2700000" algn="tl">
-                    <a:srgbClr val="000000">
-                      <a:alpha val="43137"/>
-                    </a:srgbClr>
-                  </a:outerShdw>
-                </a:effectLst>
-                <a:latin typeface="微軟正黑體" pitchFamily="34" charset="-120"/>
-                <a:ea typeface="微軟正黑體" pitchFamily="34" charset="-120"/>
-              </a:rPr>
-              <a:t>恭讀經訓</a:t>
-            </a:r>
-            <a:endParaRPr lang="zh-TW" altLang="en-US" sz="8000" b="1" dirty="0">
-              <a:solidFill>
-                <a:srgbClr val="000066"/>
-              </a:solidFill>
-              <a:effectLst>
-                <a:outerShdw blurRad="38100" dist="38100" dir="2700000" algn="tl">
-                  <a:srgbClr val="000000">
-                    <a:alpha val="43137"/>
-                  </a:srgbClr>
-                </a:outerShdw>
-              </a:effectLst>
-              <a:latin typeface="微軟正黑體" pitchFamily="34" charset="-120"/>
-              <a:ea typeface="微軟正黑體" pitchFamily="34" charset="-120"/>
-            </a:endParaRPr>
-          </a:p>
-        </p:txBody>
-      </p:sp>
-      <p:sp>
-        <p:nvSpPr>
-          <p:cNvPr id="4" name="標題 1"/>
-          <p:cNvSpPr txBox="1"/>
-          <p:nvPr/>
-        </p:nvSpPr>
-        <p:spPr>
-          <a:xfrm>
-            <a:off x="0" y="2859782"/>
-            <a:ext cx="9144000" cy="628650"/>
-          </a:xfrm>
-          <a:prstGeom prst="rect">
-            <a:avLst/>
-          </a:prstGeom>
         </p:spPr>
         <p:txBody>
           <a:bodyPr anchor="ctr">
@@ -5195,80 +5249,166 @@
           </a:bodyPr>
           <a:lstStyle/>
           <a:p>
-            <a:pPr lvl="0" algn="ctr">
-              <a:spcBef>
-                <a:spcPct val="0"/>
-              </a:spcBef>
-            </a:pPr>
-            <a:r>
-              <a:rPr lang="zh-CN" altLang="en-US" sz="4800" b="1" dirty="0">
-                <a:solidFill>
-                  <a:srgbClr val="660033"/>
-                </a:solidFill>
-                <a:effectLst>
-                  <a:outerShdw blurRad="38100" dist="38100" dir="2700000" algn="tl">
-                    <a:srgbClr val="000000">
-                      <a:alpha val="43137"/>
-                    </a:srgbClr>
-                  </a:outerShdw>
-                </a:effectLst>
-                <a:latin typeface="微軟正黑體" pitchFamily="34" charset="-120"/>
-                <a:ea typeface="微軟正黑體" pitchFamily="34" charset="-120"/>
-                <a:cs typeface="+mj-cs"/>
-              </a:rPr>
-              <a:t>出</a:t>
-            </a:r>
             <a:r>
               <a:rPr lang="zh-CN" altLang="en-US" sz="4800" b="1" dirty="0" smtClean="0">
                 <a:solidFill>
-                  <a:srgbClr val="660033"/>
-                </a:solidFill>
-                <a:effectLst>
-                  <a:outerShdw blurRad="38100" dist="38100" dir="2700000" algn="tl">
-                    <a:srgbClr val="000000">
-                      <a:alpha val="43137"/>
-                    </a:srgbClr>
-                  </a:outerShdw>
-                </a:effectLst>
-                <a:latin typeface="微軟正黑體" pitchFamily="34" charset="-120"/>
-                <a:ea typeface="微軟正黑體" pitchFamily="34" charset="-120"/>
-                <a:cs typeface="+mj-cs"/>
-              </a:rPr>
-              <a:t> 六：</a:t>
-            </a:r>
-            <a:r>
-              <a:rPr lang="en-US" altLang="zh-CN" sz="4800" b="1" dirty="0" smtClean="0">
-                <a:solidFill>
-                  <a:srgbClr val="660033"/>
-                </a:solidFill>
-                <a:effectLst>
-                  <a:outerShdw blurRad="38100" dist="38100" dir="2700000" algn="tl">
-                    <a:srgbClr val="000000">
-                      <a:alpha val="43137"/>
-                    </a:srgbClr>
-                  </a:outerShdw>
-                </a:effectLst>
-                <a:latin typeface="微軟正黑體" pitchFamily="34" charset="-120"/>
-                <a:ea typeface="微軟正黑體" pitchFamily="34" charset="-120"/>
-                <a:cs typeface="+mj-cs"/>
-              </a:rPr>
-              <a:t>2 - 4</a:t>
-            </a:r>
-            <a:endParaRPr lang="zh-TW" altLang="en-US" sz="4800" b="1" dirty="0">
-              <a:solidFill>
-                <a:srgbClr val="660033"/>
-              </a:solidFill>
-              <a:effectLst>
-                <a:outerShdw blurRad="38100" dist="38100" dir="2700000" algn="tl">
-                  <a:srgbClr val="000000">
-                    <a:alpha val="43137"/>
-                  </a:srgbClr>
-                </a:outerShdw>
-              </a:effectLst>
-              <a:latin typeface="微軟正黑體" pitchFamily="34" charset="-120"/>
-              <a:ea typeface="微軟正黑體" pitchFamily="34" charset="-120"/>
-              <a:cs typeface="+mj-cs"/>
-            </a:endParaRPr>
+                  <a:srgbClr val="000066"/>
+                </a:solidFill>
+                <a:latin typeface="微軟正黑體" pitchFamily="34" charset="-120"/>
+                <a:ea typeface="微軟正黑體" pitchFamily="34" charset="-120"/>
+              </a:rPr>
+              <a:t>第三天從死人中復活，</a:t>
+            </a:r>
+            <a:r>
+              <a:rPr lang="zh-TW" altLang="en-US" sz="4800" b="1" dirty="0" smtClean="0">
+                <a:solidFill>
+                  <a:srgbClr val="000066"/>
+                </a:solidFill>
+                <a:latin typeface="微軟正黑體" pitchFamily="34" charset="-120"/>
+                <a:ea typeface="微軟正黑體" pitchFamily="34" charset="-120"/>
+              </a:rPr>
+              <a:t>升天</a:t>
+            </a:r>
+            <a:r>
+              <a:rPr lang="en-US" altLang="zh-TW" sz="4800" b="1" dirty="0" smtClean="0">
+                <a:solidFill>
+                  <a:srgbClr val="000066"/>
+                </a:solidFill>
+                <a:latin typeface="微軟正黑體" pitchFamily="34" charset="-120"/>
+                <a:ea typeface="微軟正黑體" pitchFamily="34" charset="-120"/>
+              </a:rPr>
+              <a:t>﹐</a:t>
+            </a:r>
+            <a:r>
+              <a:rPr lang="zh-TW" altLang="en-US" sz="4800" b="1" dirty="0" smtClean="0">
+                <a:solidFill>
+                  <a:srgbClr val="000066"/>
+                </a:solidFill>
+                <a:latin typeface="微軟正黑體" pitchFamily="34" charset="-120"/>
+                <a:ea typeface="微軟正黑體" pitchFamily="34" charset="-120"/>
+              </a:rPr>
+              <a:t>坐在全能父神的右邊將來必從那裏降臨</a:t>
+            </a:r>
+            <a:r>
+              <a:rPr lang="en-US" altLang="zh-TW" sz="4800" b="1" dirty="0" smtClean="0">
+                <a:solidFill>
+                  <a:srgbClr val="000066"/>
+                </a:solidFill>
+                <a:latin typeface="微軟正黑體" pitchFamily="34" charset="-120"/>
+                <a:ea typeface="微軟正黑體" pitchFamily="34" charset="-120"/>
+              </a:rPr>
+              <a:t>﹐</a:t>
+            </a:r>
+            <a:r>
+              <a:rPr lang="zh-TW" altLang="en-US" sz="4800" b="1" dirty="0" smtClean="0">
+                <a:solidFill>
+                  <a:srgbClr val="000066"/>
+                </a:solidFill>
+                <a:latin typeface="微軟正黑體" pitchFamily="34" charset="-120"/>
+                <a:ea typeface="微軟正黑體" pitchFamily="34" charset="-120"/>
+              </a:rPr>
+              <a:t>審判活人死人。我信聖靈</a:t>
+            </a:r>
+            <a:r>
+              <a:rPr lang="en-US" altLang="zh-TW" sz="4800" b="1" dirty="0" smtClean="0">
+                <a:solidFill>
+                  <a:srgbClr val="000066"/>
+                </a:solidFill>
+                <a:latin typeface="微軟正黑體" pitchFamily="34" charset="-120"/>
+                <a:ea typeface="微軟正黑體" pitchFamily="34" charset="-120"/>
+              </a:rPr>
+              <a:t>﹔</a:t>
+            </a:r>
+            <a:r>
+              <a:rPr lang="zh-TW" altLang="en-US" sz="4800" b="1" dirty="0" smtClean="0">
+                <a:solidFill>
+                  <a:srgbClr val="000066"/>
+                </a:solidFill>
+                <a:latin typeface="微軟正黑體" pitchFamily="34" charset="-120"/>
+                <a:ea typeface="微軟正黑體" pitchFamily="34" charset="-120"/>
+              </a:rPr>
+              <a:t>我信聖而公之教會</a:t>
+            </a:r>
+            <a:r>
+              <a:rPr lang="en-US" altLang="zh-TW" sz="4800" b="1" dirty="0" smtClean="0">
+                <a:solidFill>
+                  <a:srgbClr val="000066"/>
+                </a:solidFill>
+                <a:latin typeface="微軟正黑體" pitchFamily="34" charset="-120"/>
+                <a:ea typeface="微軟正黑體" pitchFamily="34" charset="-120"/>
+              </a:rPr>
+              <a:t>﹔</a:t>
+            </a:r>
+            <a:r>
+              <a:rPr lang="zh-TW" altLang="en-US" sz="4800" b="1" dirty="0" smtClean="0">
+                <a:solidFill>
+                  <a:srgbClr val="000066"/>
+                </a:solidFill>
+                <a:latin typeface="微軟正黑體" pitchFamily="34" charset="-120"/>
+                <a:ea typeface="微軟正黑體" pitchFamily="34" charset="-120"/>
+              </a:rPr>
+              <a:t>我信聖徒相通</a:t>
+            </a:r>
+            <a:r>
+              <a:rPr lang="en-US" altLang="zh-TW" sz="4800" b="1" dirty="0" smtClean="0">
+                <a:solidFill>
+                  <a:srgbClr val="000066"/>
+                </a:solidFill>
+                <a:latin typeface="微軟正黑體" pitchFamily="34" charset="-120"/>
+                <a:ea typeface="微軟正黑體" pitchFamily="34" charset="-120"/>
+              </a:rPr>
+              <a:t>﹔</a:t>
+            </a:r>
+            <a:r>
+              <a:rPr lang="zh-TW" altLang="en-US" sz="4800" b="1" dirty="0" smtClean="0">
+                <a:solidFill>
+                  <a:srgbClr val="000066"/>
+                </a:solidFill>
+                <a:latin typeface="微軟正黑體" pitchFamily="34" charset="-120"/>
+                <a:ea typeface="微軟正黑體" pitchFamily="34" charset="-120"/>
+              </a:rPr>
+              <a:t>我信罪得赦免</a:t>
+            </a:r>
+            <a:r>
+              <a:rPr lang="en-US" altLang="zh-TW" sz="4800" b="1" dirty="0" smtClean="0">
+                <a:solidFill>
+                  <a:srgbClr val="000066"/>
+                </a:solidFill>
+                <a:latin typeface="微軟正黑體" pitchFamily="34" charset="-120"/>
+                <a:ea typeface="微軟正黑體" pitchFamily="34" charset="-120"/>
+              </a:rPr>
+              <a:t>﹔</a:t>
+            </a:r>
+            <a:r>
+              <a:rPr lang="zh-TW" altLang="en-US" sz="4800" b="1" dirty="0" smtClean="0">
+                <a:solidFill>
+                  <a:srgbClr val="000066"/>
+                </a:solidFill>
+                <a:latin typeface="微軟正黑體" pitchFamily="34" charset="-120"/>
+                <a:ea typeface="微軟正黑體" pitchFamily="34" charset="-120"/>
+              </a:rPr>
+              <a:t>我信身體復活</a:t>
+            </a:r>
+            <a:r>
+              <a:rPr lang="en-US" altLang="zh-TW" sz="4800" b="1" dirty="0" smtClean="0">
+                <a:solidFill>
+                  <a:srgbClr val="000066"/>
+                </a:solidFill>
+                <a:latin typeface="微軟正黑體" pitchFamily="34" charset="-120"/>
+                <a:ea typeface="微軟正黑體" pitchFamily="34" charset="-120"/>
+              </a:rPr>
+              <a:t>﹔</a:t>
+            </a:r>
+            <a:r>
+              <a:rPr lang="zh-TW" altLang="en-US" sz="4800" b="1" dirty="0" smtClean="0">
+                <a:solidFill>
+                  <a:srgbClr val="000066"/>
+                </a:solidFill>
+                <a:latin typeface="微軟正黑體" pitchFamily="34" charset="-120"/>
+                <a:ea typeface="微軟正黑體" pitchFamily="34" charset="-120"/>
+              </a:rPr>
+              <a:t>我信永生。阿們。</a:t>
+            </a:r>
           </a:p>
         </p:txBody>
       </p:sp>
@@ -5306,19 +5446,75 @@
       </p:grpSpPr>
       <p:sp>
         <p:nvSpPr>
-          <p:cNvPr id="5" name="Content Placeholder 4"/>
-          <p:cNvSpPr>
-            <a:spLocks noGrp="1"/>
-          </p:cNvSpPr>
-          <p:nvPr>
-            <p:ph idx="4294967295"/>
+          <p:cNvPr id="2" name="標題 1"/>
+          <p:cNvSpPr>
+            <a:spLocks noGrp="1"/>
+          </p:cNvSpPr>
+          <p:nvPr>
+            <p:ph type="title" idx="4294967295"/>
           </p:nvPr>
         </p:nvSpPr>
         <p:spPr>
           <a:xfrm>
-            <a:off x="0" y="0"/>
-            <a:ext cx="8892480" cy="5143500"/>
+            <a:off x="0" y="1851670"/>
+            <a:ext cx="9144000" cy="628650"/>
           </a:xfrm>
+        </p:spPr>
+        <p:txBody>
+          <a:bodyPr>
+            <a:noAutofit/>
+          </a:bodyPr>
+          <a:lstStyle/>
+          <a:p>
+            <a:pPr algn="ctr"/>
+            <a:r>
+              <a:rPr lang="zh-CN" altLang="en-US" sz="8000" b="1" dirty="0" smtClean="0">
+                <a:solidFill>
+                  <a:srgbClr val="000066"/>
+                </a:solidFill>
+                <a:effectLst>
+                  <a:outerShdw blurRad="38100" dist="38100" dir="2700000" algn="tl">
+                    <a:srgbClr val="000000">
+                      <a:alpha val="43137"/>
+                    </a:srgbClr>
+                  </a:outerShdw>
+                </a:effectLst>
+                <a:latin typeface="微軟正黑體" pitchFamily="34" charset="-120"/>
+                <a:ea typeface="微軟正黑體" pitchFamily="34" charset="-120"/>
+              </a:rPr>
+              <a:t>恭讀經訓</a:t>
+            </a:r>
+            <a:endParaRPr lang="zh-TW" altLang="en-US" sz="8000" b="1" dirty="0">
+              <a:solidFill>
+                <a:srgbClr val="000066"/>
+              </a:solidFill>
+              <a:effectLst>
+                <a:outerShdw blurRad="38100" dist="38100" dir="2700000" algn="tl">
+                  <a:srgbClr val="000000">
+                    <a:alpha val="43137"/>
+                  </a:srgbClr>
+                </a:outerShdw>
+              </a:effectLst>
+              <a:latin typeface="微軟正黑體" pitchFamily="34" charset="-120"/>
+              <a:ea typeface="微軟正黑體" pitchFamily="34" charset="-120"/>
+            </a:endParaRPr>
+          </a:p>
+        </p:txBody>
+      </p:sp>
+      <p:sp>
+        <p:nvSpPr>
+          <p:cNvPr id="4" name="標題 1"/>
+          <p:cNvSpPr txBox="1"/>
+          <p:nvPr/>
+        </p:nvSpPr>
+        <p:spPr>
+          <a:xfrm>
+            <a:off x="0" y="2859782"/>
+            <a:ext cx="9144000" cy="628650"/>
+          </a:xfrm>
+          <a:prstGeom prst="rect">
+            <a:avLst/>
+          </a:prstGeom>
         </p:spPr>
         <p:txBody>
           <a:bodyPr anchor="ctr">
@@ -5326,48 +5522,80 @@
           </a:bodyPr>
           <a:lstStyle/>
           <a:p>
-            <a:r>
-              <a:rPr lang="en-US" altLang="zh-TW" sz="4800" b="1" dirty="0" smtClean="0">
-                <a:solidFill>
-                  <a:srgbClr val="000066"/>
-                </a:solidFill>
-                <a:latin typeface="微軟正黑體" pitchFamily="34" charset="-120"/>
-                <a:ea typeface="微軟正黑體" pitchFamily="34" charset="-120"/>
-              </a:rPr>
-              <a:t>2</a:t>
-            </a:r>
-            <a:r>
-              <a:rPr lang="zh-TW" altLang="en-US" sz="4800" b="1" dirty="0">
-                <a:solidFill>
-                  <a:srgbClr val="000066"/>
-                </a:solidFill>
-                <a:latin typeface="微軟正黑體" pitchFamily="34" charset="-120"/>
-                <a:ea typeface="微軟正黑體" pitchFamily="34" charset="-120"/>
-              </a:rPr>
-              <a:t>  神曉諭摩西說：「我是耶和華。 </a:t>
-            </a:r>
-          </a:p>
-          <a:p>
-            <a:r>
-              <a:rPr lang="en-US" altLang="zh-TW" sz="4800" b="1" dirty="0" smtClean="0">
-                <a:solidFill>
-                  <a:srgbClr val="000066"/>
-                </a:solidFill>
-                <a:latin typeface="微軟正黑體" pitchFamily="34" charset="-120"/>
-                <a:ea typeface="微軟正黑體" pitchFamily="34" charset="-120"/>
-              </a:rPr>
-              <a:t>3</a:t>
-            </a:r>
-            <a:r>
-              <a:rPr lang="zh-TW" altLang="en-US" sz="4800" b="1" dirty="0">
-                <a:solidFill>
-                  <a:srgbClr val="000066"/>
-                </a:solidFill>
-                <a:latin typeface="微軟正黑體" pitchFamily="34" charset="-120"/>
-                <a:ea typeface="微軟正黑體" pitchFamily="34" charset="-120"/>
-              </a:rPr>
-              <a:t>  我從前向亞伯拉罕、以撒、雅各顯現為全能的神；至於我名耶和華，他們未曾知道。 </a:t>
-            </a:r>
+            <a:pPr lvl="0" algn="ctr">
+              <a:spcBef>
+                <a:spcPct val="0"/>
+              </a:spcBef>
+            </a:pPr>
+            <a:r>
+              <a:rPr lang="zh-CN" altLang="en-US" sz="4800" b="1" dirty="0">
+                <a:solidFill>
+                  <a:srgbClr val="660033"/>
+                </a:solidFill>
+                <a:effectLst>
+                  <a:outerShdw blurRad="38100" dist="38100" dir="2700000" algn="tl">
+                    <a:srgbClr val="000000">
+                      <a:alpha val="43137"/>
+                    </a:srgbClr>
+                  </a:outerShdw>
+                </a:effectLst>
+                <a:latin typeface="微軟正黑體" pitchFamily="34" charset="-120"/>
+                <a:ea typeface="微軟正黑體" pitchFamily="34" charset="-120"/>
+                <a:cs typeface="+mj-cs"/>
+              </a:rPr>
+              <a:t>出</a:t>
+            </a:r>
+            <a:r>
+              <a:rPr lang="zh-CN" altLang="en-US" sz="4800" b="1" dirty="0" smtClean="0">
+                <a:solidFill>
+                  <a:srgbClr val="660033"/>
+                </a:solidFill>
+                <a:effectLst>
+                  <a:outerShdw blurRad="38100" dist="38100" dir="2700000" algn="tl">
+                    <a:srgbClr val="000000">
+                      <a:alpha val="43137"/>
+                    </a:srgbClr>
+                  </a:outerShdw>
+                </a:effectLst>
+                <a:latin typeface="微軟正黑體" pitchFamily="34" charset="-120"/>
+                <a:ea typeface="微軟正黑體" pitchFamily="34" charset="-120"/>
+                <a:cs typeface="+mj-cs"/>
+              </a:rPr>
+              <a:t> 六：</a:t>
+            </a:r>
+            <a:r>
+              <a:rPr lang="en-US" altLang="zh-CN" sz="4800" b="1" dirty="0" smtClean="0">
+                <a:solidFill>
+                  <a:srgbClr val="660033"/>
+                </a:solidFill>
+                <a:effectLst>
+                  <a:outerShdw blurRad="38100" dist="38100" dir="2700000" algn="tl">
+                    <a:srgbClr val="000000">
+                      <a:alpha val="43137"/>
+                    </a:srgbClr>
+                  </a:outerShdw>
+                </a:effectLst>
+                <a:latin typeface="微軟正黑體" pitchFamily="34" charset="-120"/>
+                <a:ea typeface="微軟正黑體" pitchFamily="34" charset="-120"/>
+                <a:cs typeface="+mj-cs"/>
+              </a:rPr>
+              <a:t>2 - 4</a:t>
+            </a:r>
+            <a:endParaRPr lang="zh-TW" altLang="en-US" sz="4800" b="1" dirty="0">
+              <a:solidFill>
+                <a:srgbClr val="660033"/>
+              </a:solidFill>
+              <a:effectLst>
+                <a:outerShdw blurRad="38100" dist="38100" dir="2700000" algn="tl">
+                  <a:srgbClr val="000000">
+                    <a:alpha val="43137"/>
+                  </a:srgbClr>
+                </a:outerShdw>
+              </a:effectLst>
+              <a:latin typeface="微軟正黑體" pitchFamily="34" charset="-120"/>
+              <a:ea typeface="微軟正黑體" pitchFamily="34" charset="-120"/>
+              <a:cs typeface="+mj-cs"/>
+            </a:endParaRPr>
           </a:p>
         </p:txBody>
       </p:sp>
@@ -5405,75 +5633,19 @@
       </p:grpSpPr>
       <p:sp>
         <p:nvSpPr>
-          <p:cNvPr id="2" name="標題 1"/>
-          <p:cNvSpPr>
-            <a:spLocks noGrp="1"/>
-          </p:cNvSpPr>
-          <p:nvPr>
-            <p:ph type="title" idx="4294967295"/>
+          <p:cNvPr id="5" name="Content Placeholder 4"/>
+          <p:cNvSpPr>
+            <a:spLocks noGrp="1"/>
+          </p:cNvSpPr>
+          <p:nvPr>
+            <p:ph idx="4294967295"/>
           </p:nvPr>
         </p:nvSpPr>
         <p:spPr>
           <a:xfrm>
-            <a:off x="0" y="550069"/>
-            <a:ext cx="9144000" cy="628650"/>
+            <a:off x="0" y="0"/>
+            <a:ext cx="8892480" cy="5143500"/>
           </a:xfrm>
-        </p:spPr>
-        <p:txBody>
-          <a:bodyPr>
-            <a:noAutofit/>
-          </a:bodyPr>
-          <a:lstStyle/>
-          <a:p>
-            <a:pPr algn="ctr"/>
-            <a:r>
-              <a:rPr lang="zh-CN" altLang="en-US" sz="8800" b="1" dirty="0" smtClean="0">
-                <a:solidFill>
-                  <a:srgbClr val="000066"/>
-                </a:solidFill>
-                <a:effectLst>
-                  <a:outerShdw blurRad="38100" dist="38100" dir="2700000" algn="tl">
-                    <a:srgbClr val="000000">
-                      <a:alpha val="43137"/>
-                    </a:srgbClr>
-                  </a:outerShdw>
-                </a:effectLst>
-                <a:latin typeface="微軟正黑體" pitchFamily="34" charset="-120"/>
-                <a:ea typeface="微軟正黑體" pitchFamily="34" charset="-120"/>
-              </a:rPr>
-              <a:t>證道</a:t>
-            </a:r>
-            <a:endParaRPr lang="zh-TW" altLang="en-US" sz="8800" b="1" dirty="0">
-              <a:solidFill>
-                <a:srgbClr val="000066"/>
-              </a:solidFill>
-              <a:effectLst>
-                <a:outerShdw blurRad="38100" dist="38100" dir="2700000" algn="tl">
-                  <a:srgbClr val="000000">
-                    <a:alpha val="43137"/>
-                  </a:srgbClr>
-                </a:outerShdw>
-              </a:effectLst>
-              <a:latin typeface="微軟正黑體" pitchFamily="34" charset="-120"/>
-              <a:ea typeface="微軟正黑體" pitchFamily="34" charset="-120"/>
-            </a:endParaRPr>
-          </a:p>
-        </p:txBody>
-      </p:sp>
-      <p:sp>
-        <p:nvSpPr>
-          <p:cNvPr id="5" name="標題 1"/>
-          <p:cNvSpPr txBox="1"/>
-          <p:nvPr/>
-        </p:nvSpPr>
-        <p:spPr>
-          <a:xfrm>
-            <a:off x="0" y="2103836"/>
-            <a:ext cx="9144000" cy="628650"/>
-          </a:xfrm>
-          <a:prstGeom prst="rect">
-            <a:avLst/>
-          </a:prstGeom>
         </p:spPr>
         <p:txBody>
           <a:bodyPr anchor="ctr">
@@ -5481,160 +5653,48 @@
           </a:bodyPr>
           <a:lstStyle/>
           <a:p>
-            <a:pPr lvl="0" algn="ctr">
-              <a:spcBef>
-                <a:spcPct val="0"/>
-              </a:spcBef>
-            </a:pPr>
-            <a:r>
-              <a:rPr lang="zh-CN" altLang="en-US" sz="5400" b="1" dirty="0" smtClean="0">
-                <a:solidFill>
-                  <a:srgbClr val="660033"/>
-                </a:solidFill>
-                <a:effectLst>
-                  <a:outerShdw blurRad="38100" dist="38100" dir="2700000" algn="tl">
-                    <a:srgbClr val="000000">
-                      <a:alpha val="43137"/>
-                    </a:srgbClr>
-                  </a:outerShdw>
-                </a:effectLst>
-                <a:latin typeface="微軟正黑體" pitchFamily="34" charset="-120"/>
-                <a:ea typeface="微軟正黑體" pitchFamily="34" charset="-120"/>
-                <a:cs typeface="+mj-cs"/>
-              </a:rPr>
-              <a:t>主題</a:t>
-            </a:r>
-            <a:r>
-              <a:rPr lang="zh-CN" altLang="en-US" sz="6000" b="1" dirty="0" smtClean="0">
-                <a:solidFill>
-                  <a:srgbClr val="660033"/>
-                </a:solidFill>
-                <a:effectLst>
-                  <a:outerShdw blurRad="38100" dist="38100" dir="2700000" algn="tl">
-                    <a:srgbClr val="000000">
-                      <a:alpha val="43137"/>
-                    </a:srgbClr>
-                  </a:outerShdw>
-                </a:effectLst>
-                <a:latin typeface="微軟正黑體" pitchFamily="34" charset="-120"/>
-                <a:ea typeface="微軟正黑體" pitchFamily="34" charset="-120"/>
-                <a:cs typeface="+mj-cs"/>
-              </a:rPr>
-              <a:t>：</a:t>
-            </a:r>
-            <a:r>
-              <a:rPr lang="zh-CN" altLang="en-US" sz="6000" b="1" dirty="0">
-                <a:solidFill>
-                  <a:srgbClr val="660033"/>
-                </a:solidFill>
-                <a:effectLst>
-                  <a:outerShdw blurRad="38100" dist="38100" dir="2700000" algn="tl">
-                    <a:srgbClr val="000000">
-                      <a:alpha val="43137"/>
-                    </a:srgbClr>
-                  </a:outerShdw>
-                </a:effectLst>
-                <a:latin typeface="微軟正黑體" pitchFamily="34" charset="-120"/>
-                <a:ea typeface="微軟正黑體" pitchFamily="34" charset="-120"/>
-                <a:cs typeface="+mj-cs"/>
-              </a:rPr>
-              <a:t>全</a:t>
-            </a:r>
-            <a:r>
-              <a:rPr lang="zh-CN" altLang="en-US" sz="6000" b="1" dirty="0" smtClean="0">
-                <a:solidFill>
-                  <a:srgbClr val="660033"/>
-                </a:solidFill>
-                <a:effectLst>
-                  <a:outerShdw blurRad="38100" dist="38100" dir="2700000" algn="tl">
-                    <a:srgbClr val="000000">
-                      <a:alpha val="43137"/>
-                    </a:srgbClr>
-                  </a:outerShdw>
-                </a:effectLst>
-                <a:latin typeface="微軟正黑體" pitchFamily="34" charset="-120"/>
-                <a:ea typeface="微軟正黑體" pitchFamily="34" charset="-120"/>
-                <a:cs typeface="+mj-cs"/>
-              </a:rPr>
-              <a:t>能的神</a:t>
-            </a:r>
-            <a:endParaRPr lang="zh-TW" altLang="en-US" sz="6000" b="1" dirty="0">
-              <a:solidFill>
-                <a:srgbClr val="660033"/>
-              </a:solidFill>
-              <a:effectLst>
-                <a:outerShdw blurRad="38100" dist="38100" dir="2700000" algn="tl">
-                  <a:srgbClr val="000000">
-                    <a:alpha val="43137"/>
-                  </a:srgbClr>
-                </a:outerShdw>
-              </a:effectLst>
-              <a:latin typeface="微軟正黑體" pitchFamily="34" charset="-120"/>
-              <a:ea typeface="微軟正黑體" pitchFamily="34" charset="-120"/>
-              <a:cs typeface="+mj-cs"/>
-            </a:endParaRPr>
-          </a:p>
-        </p:txBody>
-      </p:sp>
-      <p:sp>
-        <p:nvSpPr>
-          <p:cNvPr id="6" name="標題 1"/>
-          <p:cNvSpPr txBox="1"/>
-          <p:nvPr/>
-        </p:nvSpPr>
-        <p:spPr>
-          <a:xfrm>
-            <a:off x="-4812" y="3657603"/>
-            <a:ext cx="9144000" cy="628650"/>
-          </a:xfrm>
-          <a:prstGeom prst="rect">
-            <a:avLst/>
-          </a:prstGeom>
-        </p:spPr>
-        <p:txBody>
-          <a:bodyPr anchor="ctr">
-            <a:noAutofit/>
-          </a:bodyPr>
-          <a:lstStyle/>
-          <a:p>
-            <a:pPr lvl="0" algn="ctr">
-              <a:spcBef>
-                <a:spcPct val="0"/>
-              </a:spcBef>
-            </a:pPr>
-            <a:r>
-              <a:rPr lang="zh-CN" altLang="en-US" sz="5400" b="1" dirty="0" smtClean="0">
+            <a:r>
+              <a:rPr lang="en-US" altLang="zh-TW" sz="4800" b="1" dirty="0" smtClean="0">
                 <a:solidFill>
                   <a:srgbClr val="000066"/>
                 </a:solidFill>
-                <a:effectLst>
-                  <a:outerShdw blurRad="38100" dist="38100" dir="2700000" algn="tl">
-                    <a:srgbClr val="000000">
-                      <a:alpha val="43137"/>
-                    </a:srgbClr>
-                  </a:outerShdw>
-                </a:effectLst>
-                <a:latin typeface="微軟正黑體" pitchFamily="34" charset="-120"/>
-                <a:ea typeface="微軟正黑體" pitchFamily="34" charset="-120"/>
-                <a:cs typeface="+mj-cs"/>
-              </a:rPr>
-              <a:t>主任牧師</a:t>
-            </a:r>
-            <a:endParaRPr lang="zh-TW" altLang="en-US" sz="5400" b="1" dirty="0">
-              <a:solidFill>
-                <a:srgbClr val="000066"/>
-              </a:solidFill>
-              <a:effectLst>
-                <a:outerShdw blurRad="38100" dist="38100" dir="2700000" algn="tl">
-                  <a:srgbClr val="000000">
-                    <a:alpha val="43137"/>
-                  </a:srgbClr>
-                </a:outerShdw>
-              </a:effectLst>
-              <a:latin typeface="微軟正黑體" pitchFamily="34" charset="-120"/>
-              <a:ea typeface="微軟正黑體" pitchFamily="34" charset="-120"/>
-              <a:cs typeface="+mj-cs"/>
-            </a:endParaRPr>
+                <a:latin typeface="微軟正黑體" pitchFamily="34" charset="-120"/>
+                <a:ea typeface="微軟正黑體" pitchFamily="34" charset="-120"/>
+              </a:rPr>
+              <a:t>2</a:t>
+            </a:r>
+            <a:r>
+              <a:rPr lang="zh-TW" altLang="en-US" sz="4800" b="1" dirty="0">
+                <a:solidFill>
+                  <a:srgbClr val="000066"/>
+                </a:solidFill>
+                <a:latin typeface="微軟正黑體" pitchFamily="34" charset="-120"/>
+                <a:ea typeface="微軟正黑體" pitchFamily="34" charset="-120"/>
+              </a:rPr>
+              <a:t>  神曉諭摩西說：「我是耶和華。 </a:t>
+            </a:r>
+          </a:p>
+          <a:p>
+            <a:r>
+              <a:rPr lang="en-US" altLang="zh-TW" sz="4800" b="1" dirty="0" smtClean="0">
+                <a:solidFill>
+                  <a:srgbClr val="000066"/>
+                </a:solidFill>
+                <a:latin typeface="微軟正黑體" pitchFamily="34" charset="-120"/>
+                <a:ea typeface="微軟正黑體" pitchFamily="34" charset="-120"/>
+              </a:rPr>
+              <a:t>3</a:t>
+            </a:r>
+            <a:r>
+              <a:rPr lang="zh-TW" altLang="en-US" sz="4800" b="1" dirty="0">
+                <a:solidFill>
+                  <a:srgbClr val="000066"/>
+                </a:solidFill>
+                <a:latin typeface="微軟正黑體" pitchFamily="34" charset="-120"/>
+                <a:ea typeface="微軟正黑體" pitchFamily="34" charset="-120"/>
+              </a:rPr>
+              <a:t>  我從前向亞伯拉罕、以撒、雅各顯現為全能的神；至於我名耶和華，他們未曾知道。 </a:t>
+            </a:r>
           </a:p>
         </p:txBody>
       </p:sp>
@@ -5682,7 +5742,7 @@
         </p:nvSpPr>
         <p:spPr>
           <a:xfrm>
-            <a:off x="0" y="2257425"/>
+            <a:off x="0" y="550069"/>
             <a:ext cx="9144000" cy="628650"/>
           </a:xfrm>
         </p:spPr>
@@ -5694,7 +5754,7 @@
           <a:p>
             <a:pPr algn="ctr"/>
             <a:r>
-              <a:rPr lang="zh-CN" altLang="en-US" sz="7200" b="1" dirty="0" smtClean="0">
+              <a:rPr lang="zh-CN" altLang="en-US" sz="8800" b="1" dirty="0" smtClean="0">
                 <a:solidFill>
                   <a:srgbClr val="000066"/>
                 </a:solidFill>
@@ -5708,9 +5768,9 @@
                 <a:latin typeface="微軟正黑體" pitchFamily="34" charset="-120"/>
                 <a:ea typeface="微軟正黑體" pitchFamily="34" charset="-120"/>
               </a:rPr>
-              <a:t>回應禱告</a:t>
-            </a:r>
-            <a:endParaRPr lang="zh-TW" altLang="en-US" sz="7200" b="1" dirty="0">
+              <a:t>證道</a:t>
+            </a:r>
+            <a:endParaRPr lang="zh-TW" altLang="en-US" sz="8800" b="1" dirty="0">
               <a:solidFill>
                 <a:srgbClr val="000066"/>
               </a:solidFill>
@@ -5723,6 +5783,184 @@
               </a:effectLst>
               <a:latin typeface="微軟正黑體" pitchFamily="34" charset="-120"/>
               <a:ea typeface="微軟正黑體" pitchFamily="34" charset="-120"/>
+            </a:endParaRPr>
+          </a:p>
+        </p:txBody>
+      </p:sp>
+      <p:sp>
+        <p:nvSpPr>
+          <p:cNvPr id="5" name="標題 1"/>
+          <p:cNvSpPr txBox="1"/>
+          <p:nvPr/>
+        </p:nvSpPr>
+        <p:spPr>
+          <a:xfrm>
+            <a:off x="0" y="2103836"/>
+            <a:ext cx="9144000" cy="628650"/>
+          </a:xfrm>
+          <a:prstGeom prst="rect">
+            <a:avLst/>
+          </a:prstGeom>
+        </p:spPr>
+        <p:txBody>
+          <a:bodyPr anchor="ctr">
+            <a:noAutofit/>
+          </a:bodyPr>
+          <a:lstStyle/>
+          <a:p>
+            <a:pPr lvl="0" algn="ctr">
+              <a:spcBef>
+                <a:spcPct val="0"/>
+              </a:spcBef>
+            </a:pPr>
+            <a:r>
+              <a:rPr lang="zh-CN" altLang="en-US" sz="5400" b="1" dirty="0" smtClean="0">
+                <a:solidFill>
+                  <a:srgbClr val="660033"/>
+                </a:solidFill>
+                <a:effectLst>
+                  <a:outerShdw blurRad="38100" dist="38100" dir="2700000" algn="tl">
+                    <a:srgbClr val="000000">
+                      <a:alpha val="43137"/>
+                    </a:srgbClr>
+                  </a:outerShdw>
+                </a:effectLst>
+                <a:latin typeface="微軟正黑體" pitchFamily="34" charset="-120"/>
+                <a:ea typeface="微軟正黑體" pitchFamily="34" charset="-120"/>
+                <a:cs typeface="+mj-cs"/>
+              </a:rPr>
+              <a:t>主題</a:t>
+            </a:r>
+            <a:r>
+              <a:rPr lang="zh-CN" altLang="en-US" sz="6000" b="1" dirty="0" smtClean="0">
+                <a:solidFill>
+                  <a:srgbClr val="660033"/>
+                </a:solidFill>
+                <a:effectLst>
+                  <a:outerShdw blurRad="38100" dist="38100" dir="2700000" algn="tl">
+                    <a:srgbClr val="000000">
+                      <a:alpha val="43137"/>
+                    </a:srgbClr>
+                  </a:outerShdw>
+                </a:effectLst>
+                <a:latin typeface="微軟正黑體" pitchFamily="34" charset="-120"/>
+                <a:ea typeface="微軟正黑體" pitchFamily="34" charset="-120"/>
+                <a:cs typeface="+mj-cs"/>
+              </a:rPr>
+              <a:t>：</a:t>
+            </a:r>
+            <a:r>
+              <a:rPr lang="zh-CN" altLang="en-US" sz="6000" b="1" dirty="0">
+                <a:solidFill>
+                  <a:srgbClr val="660033"/>
+                </a:solidFill>
+                <a:effectLst>
+                  <a:outerShdw blurRad="38100" dist="38100" dir="2700000" algn="tl">
+                    <a:srgbClr val="000000">
+                      <a:alpha val="43137"/>
+                    </a:srgbClr>
+                  </a:outerShdw>
+                </a:effectLst>
+                <a:latin typeface="微軟正黑體" pitchFamily="34" charset="-120"/>
+                <a:ea typeface="微軟正黑體" pitchFamily="34" charset="-120"/>
+                <a:cs typeface="+mj-cs"/>
+              </a:rPr>
+              <a:t>全</a:t>
+            </a:r>
+            <a:r>
+              <a:rPr lang="zh-CN" altLang="en-US" sz="6000" b="1" dirty="0" smtClean="0">
+                <a:solidFill>
+                  <a:srgbClr val="660033"/>
+                </a:solidFill>
+                <a:effectLst>
+                  <a:outerShdw blurRad="38100" dist="38100" dir="2700000" algn="tl">
+                    <a:srgbClr val="000000">
+                      <a:alpha val="43137"/>
+                    </a:srgbClr>
+                  </a:outerShdw>
+                </a:effectLst>
+                <a:latin typeface="微軟正黑體" pitchFamily="34" charset="-120"/>
+                <a:ea typeface="微軟正黑體" pitchFamily="34" charset="-120"/>
+                <a:cs typeface="+mj-cs"/>
+              </a:rPr>
+              <a:t>能的神</a:t>
+            </a:r>
+            <a:endParaRPr lang="zh-TW" altLang="en-US" sz="6000" b="1" dirty="0">
+              <a:solidFill>
+                <a:srgbClr val="660033"/>
+              </a:solidFill>
+              <a:effectLst>
+                <a:outerShdw blurRad="38100" dist="38100" dir="2700000" algn="tl">
+                  <a:srgbClr val="000000">
+                    <a:alpha val="43137"/>
+                  </a:srgbClr>
+                </a:outerShdw>
+              </a:effectLst>
+              <a:latin typeface="微軟正黑體" pitchFamily="34" charset="-120"/>
+              <a:ea typeface="微軟正黑體" pitchFamily="34" charset="-120"/>
+              <a:cs typeface="+mj-cs"/>
+            </a:endParaRPr>
+          </a:p>
+        </p:txBody>
+      </p:sp>
+      <p:sp>
+        <p:nvSpPr>
+          <p:cNvPr id="6" name="標題 1"/>
+          <p:cNvSpPr txBox="1"/>
+          <p:nvPr/>
+        </p:nvSpPr>
+        <p:spPr>
+          <a:xfrm>
+            <a:off x="-4812" y="3657603"/>
+            <a:ext cx="9144000" cy="628650"/>
+          </a:xfrm>
+          <a:prstGeom prst="rect">
+            <a:avLst/>
+          </a:prstGeom>
+        </p:spPr>
+        <p:txBody>
+          <a:bodyPr anchor="ctr">
+            <a:noAutofit/>
+          </a:bodyPr>
+          <a:lstStyle/>
+          <a:p>
+            <a:pPr lvl="0" algn="ctr">
+              <a:spcBef>
+                <a:spcPct val="0"/>
+              </a:spcBef>
+            </a:pPr>
+            <a:r>
+              <a:rPr lang="zh-CN" altLang="en-US" sz="5400" b="1" dirty="0" smtClean="0">
+                <a:solidFill>
+                  <a:srgbClr val="000066"/>
+                </a:solidFill>
+                <a:effectLst>
+                  <a:outerShdw blurRad="38100" dist="38100" dir="2700000" algn="tl">
+                    <a:srgbClr val="000000">
+                      <a:alpha val="43137"/>
+                    </a:srgbClr>
+                  </a:outerShdw>
+                </a:effectLst>
+                <a:latin typeface="微軟正黑體" pitchFamily="34" charset="-120"/>
+                <a:ea typeface="微軟正黑體" pitchFamily="34" charset="-120"/>
+                <a:cs typeface="+mj-cs"/>
+              </a:rPr>
+              <a:t>主任牧師</a:t>
+            </a:r>
+            <a:endParaRPr lang="zh-TW" altLang="en-US" sz="5400" b="1" dirty="0">
+              <a:solidFill>
+                <a:srgbClr val="000066"/>
+              </a:solidFill>
+              <a:effectLst>
+                <a:outerShdw blurRad="38100" dist="38100" dir="2700000" algn="tl">
+                  <a:srgbClr val="000000">
+                    <a:alpha val="43137"/>
+                  </a:srgbClr>
+                </a:outerShdw>
+              </a:effectLst>
+              <a:latin typeface="微軟正黑體" pitchFamily="34" charset="-120"/>
+              <a:ea typeface="微軟正黑體" pitchFamily="34" charset="-120"/>
+              <a:cs typeface="+mj-cs"/>
             </a:endParaRPr>
           </a:p>
         </p:txBody>
@@ -5771,7 +6009,7 @@
         </p:nvSpPr>
         <p:spPr>
           <a:xfrm>
-            <a:off x="0" y="2089284"/>
+            <a:off x="0" y="2089919"/>
             <a:ext cx="9144000" cy="964406"/>
           </a:xfrm>
         </p:spPr>
@@ -5781,6 +6019,7 @@
           </a:bodyPr>
           <a:lstStyle/>
           <a:p>
+            <a:pPr algn="ctr"/>
             <a:r>
               <a:rPr lang="zh-CN" altLang="en-US" sz="7200" b="1" dirty="0">
                 <a:solidFill>
@@ -5796,41 +6035,7 @@
                 <a:latin typeface="微軟正黑體" pitchFamily="34" charset="-120"/>
                 <a:ea typeface="微軟正黑體" pitchFamily="34" charset="-120"/>
               </a:rPr>
-              <a:t>本堂</a:t>
-            </a:r>
-            <a:r>
-              <a:rPr lang="zh-CN" altLang="en-US" sz="7200" b="1" dirty="0" smtClean="0">
-                <a:solidFill>
-                  <a:srgbClr val="000066"/>
-                </a:solidFill>
-                <a:effectLst>
-                  <a:outerShdw blurRad="38100" dist="38100" dir="2700000" algn="tl">
-                    <a:srgbClr val="000000">
-                      <a:alpha val="43137"/>
-                    </a:srgbClr>
-                  </a:outerShdw>
-                </a:effectLst>
-                <a:latin typeface="微軟正黑體" pitchFamily="34" charset="-120"/>
-                <a:ea typeface="微軟正黑體" pitchFamily="34" charset="-120"/>
-              </a:rPr>
-              <a:t>牧師領</a:t>
-            </a:r>
-            <a:r>
-              <a:rPr lang="zh-CN" altLang="en-US" sz="7200" b="1" dirty="0">
-                <a:solidFill>
-                  <a:srgbClr val="000066"/>
-                </a:solidFill>
-                <a:effectLst>
-                  <a:outerShdw blurRad="38100" dist="38100" dir="2700000" algn="tl">
-                    <a:srgbClr val="000000">
-                      <a:alpha val="43137"/>
-                    </a:srgbClr>
-                  </a:outerShdw>
-                </a:effectLst>
-                <a:latin typeface="微軟正黑體" pitchFamily="34" charset="-120"/>
-                <a:ea typeface="微軟正黑體" pitchFamily="34" charset="-120"/>
-              </a:rPr>
-              <a:t>詩班進堂</a:t>
+              <a:t>宣召</a:t>
             </a:r>
             <a:endParaRPr lang="zh-TW" altLang="en-US" sz="7200" b="1" dirty="0">
               <a:solidFill>
@@ -5905,7 +6110,7 @@
           <a:p>
             <a:pPr algn="ctr"/>
             <a:r>
-              <a:rPr lang="zh-CN" altLang="en-US" sz="7200" b="1" dirty="0">
+              <a:rPr lang="zh-CN" altLang="en-US" sz="7200" b="1" dirty="0" smtClean="0">
                 <a:solidFill>
                   <a:srgbClr val="000066"/>
                 </a:solidFill>
@@ -5919,7 +6124,7 @@
                 <a:latin typeface="微軟正黑體" pitchFamily="34" charset="-120"/>
                 <a:ea typeface="微軟正黑體" pitchFamily="34" charset="-120"/>
               </a:rPr>
-              <a:t>回應詩歌</a:t>
+              <a:t>回應禱告</a:t>
             </a:r>
             <a:endParaRPr lang="zh-TW" altLang="en-US" sz="7200" b="1" dirty="0">
               <a:solidFill>
@@ -5982,7 +6187,7 @@
         </p:nvSpPr>
         <p:spPr>
           <a:xfrm>
-            <a:off x="0" y="2257430"/>
+            <a:off x="0" y="2257425"/>
             <a:ext cx="9144000" cy="628650"/>
           </a:xfrm>
         </p:spPr>
@@ -5992,6 +6197,7 @@
           </a:bodyPr>
           <a:lstStyle/>
           <a:p>
+            <a:pPr algn="ctr"/>
             <a:r>
               <a:rPr lang="zh-CN" altLang="en-US" sz="7200" b="1" dirty="0">
                 <a:solidFill>
@@ -6007,7 +6213,7 @@
                 <a:latin typeface="微軟正黑體" pitchFamily="34" charset="-120"/>
                 <a:ea typeface="微軟正黑體" pitchFamily="34" charset="-120"/>
               </a:rPr>
-              <a:t>聖餐禮</a:t>
+              <a:t>回應詩歌</a:t>
             </a:r>
             <a:endParaRPr lang="zh-TW" altLang="en-US" sz="7200" b="1" dirty="0">
               <a:solidFill>
@@ -6031,7 +6237,6 @@
   <p:clrMapOvr>
     <a:masterClrMapping/>
   </p:clrMapOvr>
-  <p:transition/>
   <p:timing>
     <p:tnLst>
       <p:par>
@@ -6061,18 +6266,18 @@
       </p:grpSpPr>
       <p:sp>
         <p:nvSpPr>
-          <p:cNvPr id="4" name="標題 3"/>
-          <p:cNvSpPr>
-            <a:spLocks noGrp="1"/>
-          </p:cNvSpPr>
-          <p:nvPr>
-            <p:ph type="title"/>
+          <p:cNvPr id="2" name="標題 1"/>
+          <p:cNvSpPr>
+            <a:spLocks noGrp="1"/>
+          </p:cNvSpPr>
+          <p:nvPr>
+            <p:ph type="title" idx="4294967295"/>
           </p:nvPr>
         </p:nvSpPr>
         <p:spPr>
           <a:xfrm>
-            <a:off x="0" y="1995686"/>
-            <a:ext cx="9144000" cy="857250"/>
+            <a:off x="0" y="2257430"/>
+            <a:ext cx="9144000" cy="628650"/>
           </a:xfrm>
         </p:spPr>
         <p:txBody>
@@ -6082,7 +6287,7 @@
           <a:lstStyle/>
           <a:p>
             <a:r>
-              <a:rPr lang="zh-CN" altLang="en-US" sz="4000" b="1" u="sng" dirty="0" smtClean="0">
+              <a:rPr lang="zh-CN" altLang="en-US" sz="7200" b="1" dirty="0">
                 <a:solidFill>
                   <a:srgbClr val="000066"/>
                 </a:solidFill>
@@ -6096,105 +6301,31 @@
                 <a:latin typeface="微軟正黑體" pitchFamily="34" charset="-120"/>
                 <a:ea typeface="微軟正黑體" pitchFamily="34" charset="-120"/>
               </a:rPr>
-              <a:t>宣道詩 </a:t>
-            </a:r>
-            <a:r>
-              <a:rPr lang="en-US" altLang="zh-CN" sz="4000" b="1" u="sng" dirty="0" smtClean="0">
-                <a:solidFill>
-                  <a:srgbClr val="000066"/>
-                </a:solidFill>
-                <a:effectLst>
-                  <a:outerShdw blurRad="38100" dist="38100" dir="2700000" algn="tl">
-                    <a:srgbClr val="000000">
-                      <a:alpha val="43137"/>
-                    </a:srgbClr>
-                  </a:outerShdw>
-                </a:effectLst>
-                <a:latin typeface="微軟正黑體" pitchFamily="34" charset="-120"/>
-                <a:ea typeface="微軟正黑體" pitchFamily="34" charset="-120"/>
-              </a:rPr>
-              <a:t>101</a:t>
-            </a:r>
-            <a:r>
-              <a:rPr lang="en-US" altLang="zh-CN" sz="5400" b="1" i="1" dirty="0" smtClean="0">
-                <a:solidFill>
-                  <a:srgbClr val="660033"/>
-                </a:solidFill>
-                <a:effectLst>
-                  <a:outerShdw blurRad="38100" dist="38100" dir="2700000" algn="tl">
-                    <a:srgbClr val="000000">
-                      <a:alpha val="43137"/>
-                    </a:srgbClr>
-                  </a:outerShdw>
-                </a:effectLst>
-                <a:latin typeface="微軟正黑體" pitchFamily="34" charset="-120"/>
-                <a:ea typeface="微軟正黑體" pitchFamily="34" charset="-120"/>
-              </a:rPr>
-              <a:t/>
-            </a:r>
-            <a:br>
-              <a:rPr lang="en-US" altLang="zh-CN" sz="5400" b="1" i="1" dirty="0" smtClean="0">
-                <a:solidFill>
-                  <a:srgbClr val="660033"/>
-                </a:solidFill>
-                <a:effectLst>
-                  <a:outerShdw blurRad="38100" dist="38100" dir="2700000" algn="tl">
-                    <a:srgbClr val="000000">
-                      <a:alpha val="43137"/>
-                    </a:srgbClr>
-                  </a:outerShdw>
-                </a:effectLst>
-                <a:latin typeface="微軟正黑體" pitchFamily="34" charset="-120"/>
-                <a:ea typeface="微軟正黑體" pitchFamily="34" charset="-120"/>
-              </a:rPr>
-            </a:br>
-            <a:r>
-              <a:rPr lang="zh-TW" altLang="en-US" sz="6000" b="1" dirty="0" smtClean="0">
-                <a:solidFill>
-                  <a:srgbClr val="660033"/>
-                </a:solidFill>
-                <a:effectLst>
-                  <a:outerShdw blurRad="38100" dist="38100" dir="2700000" algn="tl">
-                    <a:srgbClr val="000000">
-                      <a:alpha val="43137"/>
-                    </a:srgbClr>
-                  </a:outerShdw>
-                </a:effectLst>
-                <a:latin typeface="微軟正黑體" pitchFamily="34" charset="-120"/>
-                <a:ea typeface="微軟正黑體" pitchFamily="34" charset="-120"/>
-              </a:rPr>
-              <a:t>我</a:t>
-            </a:r>
-            <a:r>
-              <a:rPr lang="zh-TW" altLang="en-US" sz="6000" b="1" dirty="0">
-                <a:solidFill>
-                  <a:srgbClr val="660033"/>
-                </a:solidFill>
-                <a:effectLst>
-                  <a:outerShdw blurRad="38100" dist="38100" dir="2700000" algn="tl">
-                    <a:srgbClr val="000000">
-                      <a:alpha val="43137"/>
-                    </a:srgbClr>
-                  </a:outerShdw>
-                </a:effectLst>
-                <a:latin typeface="微軟正黑體" pitchFamily="34" charset="-120"/>
-                <a:ea typeface="微軟正黑體" pitchFamily="34" charset="-120"/>
-              </a:rPr>
-              <a:t>只是個罪人</a:t>
-            </a:r>
+              <a:t>聖餐禮</a:t>
+            </a:r>
+            <a:endParaRPr lang="zh-TW" altLang="en-US" sz="7200" b="1" dirty="0">
+              <a:solidFill>
+                <a:srgbClr val="000066"/>
+              </a:solidFill>
+              <a:effectLst>
+                <a:outerShdw blurRad="38100" dist="38100" dir="2700000" algn="tl">
+                  <a:srgbClr val="000000">
+                    <a:alpha val="43137"/>
+                  </a:srgbClr>
+                </a:outerShdw>
+              </a:effectLst>
+              <a:latin typeface="微軟正黑體" pitchFamily="34" charset="-120"/>
+              <a:ea typeface="微軟正黑體" pitchFamily="34" charset="-120"/>
+            </a:endParaRPr>
           </a:p>
         </p:txBody>
       </p:sp>
     </p:spTree>
-    <p:extLst>
-      <p:ext uri="{BB962C8B-B14F-4D97-AF65-F5344CB8AC3E}">
-        <p14:creationId xmlns:p14="http://schemas.microsoft.com/office/powerpoint/2010/main" val="674407335"/>
-      </p:ext>
-    </p:extLst>
   </p:cSld>
   <p:clrMapOvr>
     <a:masterClrMapping/>
   </p:clrMapOvr>
+  <p:transition/>
   <p:timing>
     <p:tnLst>
       <p:par>
@@ -6224,113 +6355,134 @@
       </p:grpSpPr>
       <p:sp>
         <p:nvSpPr>
-          <p:cNvPr id="5" name="內容版面配置區 4"/>
-          <p:cNvSpPr>
-            <a:spLocks noGrp="1"/>
-          </p:cNvSpPr>
-          <p:nvPr>
-            <p:ph idx="1"/>
+          <p:cNvPr id="4" name="標題 3"/>
+          <p:cNvSpPr>
+            <a:spLocks noGrp="1"/>
+          </p:cNvSpPr>
+          <p:nvPr>
+            <p:ph type="title"/>
           </p:nvPr>
         </p:nvSpPr>
         <p:spPr>
           <a:xfrm>
-            <a:off x="0" y="1563638"/>
-            <a:ext cx="9144000" cy="1803647"/>
+            <a:off x="0" y="1995686"/>
+            <a:ext cx="9144000" cy="857250"/>
           </a:xfrm>
         </p:spPr>
         <p:txBody>
-          <a:bodyPr anchor="ctr">
-            <a:normAutofit/>
+          <a:bodyPr>
+            <a:noAutofit/>
           </a:bodyPr>
           <a:lstStyle/>
           <a:p>
-            <a:pPr marL="0" indent="0" algn="ctr">
-              <a:buNone/>
-            </a:pPr>
-            <a:r>
-              <a:rPr lang="zh-TW" altLang="en-US" sz="4800" b="1" dirty="0">
+            <a:r>
+              <a:rPr lang="zh-CN" altLang="en-US" sz="4000" b="1" u="sng" dirty="0" smtClean="0">
+                <a:solidFill>
+                  <a:srgbClr val="000066"/>
+                </a:solidFill>
+                <a:effectLst>
+                  <a:outerShdw blurRad="38100" dist="38100" dir="2700000" algn="tl">
+                    <a:srgbClr val="000000">
+                      <a:alpha val="43137"/>
+                    </a:srgbClr>
+                  </a:outerShdw>
+                </a:effectLst>
+                <a:latin typeface="微軟正黑體" pitchFamily="34" charset="-120"/>
+                <a:ea typeface="微軟正黑體" pitchFamily="34" charset="-120"/>
+              </a:rPr>
+              <a:t>宣道詩 </a:t>
+            </a:r>
+            <a:r>
+              <a:rPr lang="en-US" altLang="zh-CN" sz="4000" b="1" u="sng" dirty="0" smtClean="0">
+                <a:solidFill>
+                  <a:srgbClr val="000066"/>
+                </a:solidFill>
+                <a:effectLst>
+                  <a:outerShdw blurRad="38100" dist="38100" dir="2700000" algn="tl">
+                    <a:srgbClr val="000000">
+                      <a:alpha val="43137"/>
+                    </a:srgbClr>
+                  </a:outerShdw>
+                </a:effectLst>
+                <a:latin typeface="微軟正黑體" pitchFamily="34" charset="-120"/>
+                <a:ea typeface="微軟正黑體" pitchFamily="34" charset="-120"/>
+              </a:rPr>
+              <a:t>101</a:t>
+            </a:r>
+            <a:r>
+              <a:rPr lang="en-US" altLang="zh-CN" sz="5400" b="1" i="1" dirty="0" smtClean="0">
                 <a:solidFill>
                   <a:srgbClr val="660033"/>
                 </a:solidFill>
-                <a:latin typeface="Microsoft JhengHei" pitchFamily="34" charset="-120"/>
-                <a:ea typeface="Microsoft JhengHei" pitchFamily="34" charset="-120"/>
-              </a:rPr>
-              <a:t>我一切所有  無非是接受</a:t>
-            </a:r>
-            <a:endParaRPr lang="en-US" altLang="zh-TW" sz="4800" b="1" dirty="0">
-              <a:solidFill>
-                <a:srgbClr val="660033"/>
-              </a:solidFill>
-              <a:latin typeface="Microsoft JhengHei" pitchFamily="34" charset="-120"/>
-              <a:ea typeface="Microsoft JhengHei" pitchFamily="34" charset="-120"/>
-            </a:endParaRPr>
-          </a:p>
-          <a:p>
-            <a:pPr marL="0" indent="0" algn="ctr">
-              <a:buNone/>
-            </a:pPr>
-            <a:r>
-              <a:rPr lang="zh-TW" altLang="en-US" sz="4800" b="1" dirty="0">
+                <a:effectLst>
+                  <a:outerShdw blurRad="38100" dist="38100" dir="2700000" algn="tl">
+                    <a:srgbClr val="000000">
+                      <a:alpha val="43137"/>
+                    </a:srgbClr>
+                  </a:outerShdw>
+                </a:effectLst>
+                <a:latin typeface="微軟正黑體" pitchFamily="34" charset="-120"/>
+                <a:ea typeface="微軟正黑體" pitchFamily="34" charset="-120"/>
+              </a:rPr>
+              <a:t/>
+            </a:r>
+            <a:br>
+              <a:rPr lang="en-US" altLang="zh-CN" sz="5400" b="1" i="1" dirty="0" smtClean="0">
                 <a:solidFill>
                   <a:srgbClr val="660033"/>
                 </a:solidFill>
-                <a:latin typeface="Microsoft JhengHei" pitchFamily="34" charset="-120"/>
-                <a:ea typeface="Microsoft JhengHei" pitchFamily="34" charset="-120"/>
-              </a:rPr>
-              <a:t>都是主賜下  在我信之後</a:t>
-            </a:r>
-            <a:endParaRPr lang="en-US" altLang="zh-TW" sz="4800" b="1" dirty="0">
-              <a:solidFill>
-                <a:srgbClr val="660033"/>
-              </a:solidFill>
-              <a:latin typeface="Microsoft JhengHei" pitchFamily="34" charset="-120"/>
-              <a:ea typeface="Microsoft JhengHei" pitchFamily="34" charset="-120"/>
-            </a:endParaRPr>
-          </a:p>
-        </p:txBody>
-      </p:sp>
-      <p:sp>
-        <p:nvSpPr>
-          <p:cNvPr id="3" name="TextBox 2"/>
-          <p:cNvSpPr txBox="1"/>
-          <p:nvPr/>
-        </p:nvSpPr>
-        <p:spPr>
-          <a:xfrm>
-            <a:off x="251520" y="1659230"/>
-            <a:ext cx="936104" cy="830997"/>
-          </a:xfrm>
-          <a:prstGeom prst="rect">
-            <a:avLst/>
-          </a:prstGeom>
-          <a:noFill/>
-        </p:spPr>
-        <p:txBody>
-          <a:bodyPr wrap="square" rtlCol="0">
-            <a:spAutoFit/>
-          </a:bodyPr>
-          <a:lstStyle/>
-          <a:p>
-            <a:r>
-              <a:rPr lang="en-US" sz="4800" b="1" dirty="0" smtClean="0">
+                <a:effectLst>
+                  <a:outerShdw blurRad="38100" dist="38100" dir="2700000" algn="tl">
+                    <a:srgbClr val="000000">
+                      <a:alpha val="43137"/>
+                    </a:srgbClr>
+                  </a:outerShdw>
+                </a:effectLst>
+                <a:latin typeface="微軟正黑體" pitchFamily="34" charset="-120"/>
+                <a:ea typeface="微軟正黑體" pitchFamily="34" charset="-120"/>
+              </a:rPr>
+            </a:br>
+            <a:r>
+              <a:rPr lang="zh-TW" altLang="en-US" sz="6000" b="1" dirty="0" smtClean="0">
                 <a:solidFill>
                   <a:srgbClr val="660033"/>
                 </a:solidFill>
-              </a:rPr>
-              <a:t>1.</a:t>
-            </a:r>
-            <a:endParaRPr lang="vi-VN" sz="4800" b="1" dirty="0">
-              <a:solidFill>
-                <a:srgbClr val="660033"/>
-              </a:solidFill>
-            </a:endParaRPr>
+                <a:effectLst>
+                  <a:outerShdw blurRad="38100" dist="38100" dir="2700000" algn="tl">
+                    <a:srgbClr val="000000">
+                      <a:alpha val="43137"/>
+                    </a:srgbClr>
+                  </a:outerShdw>
+                </a:effectLst>
+                <a:latin typeface="微軟正黑體" pitchFamily="34" charset="-120"/>
+                <a:ea typeface="微軟正黑體" pitchFamily="34" charset="-120"/>
+              </a:rPr>
+              <a:t>我</a:t>
+            </a:r>
+            <a:r>
+              <a:rPr lang="zh-TW" altLang="en-US" sz="6000" b="1" dirty="0">
+                <a:solidFill>
+                  <a:srgbClr val="660033"/>
+                </a:solidFill>
+                <a:effectLst>
+                  <a:outerShdw blurRad="38100" dist="38100" dir="2700000" algn="tl">
+                    <a:srgbClr val="000000">
+                      <a:alpha val="43137"/>
+                    </a:srgbClr>
+                  </a:outerShdw>
+                </a:effectLst>
+                <a:latin typeface="微軟正黑體" pitchFamily="34" charset="-120"/>
+                <a:ea typeface="微軟正黑體" pitchFamily="34" charset="-120"/>
+              </a:rPr>
+              <a:t>只是個罪人</a:t>
+            </a:r>
           </a:p>
         </p:txBody>
       </p:sp>
     </p:spTree>
     <p:extLst>
       <p:ext uri="{BB962C8B-B14F-4D97-AF65-F5344CB8AC3E}">
-        <p14:creationId xmlns:p14="http://schemas.microsoft.com/office/powerpoint/2010/main" val="1093443681"/>
+        <p14:creationId xmlns:p14="http://schemas.microsoft.com/office/powerpoint/2010/main" val="674407335"/>
       </p:ext>
     </p:extLst>
   </p:cSld>
@@ -6397,7 +6549,7 @@
                 <a:latin typeface="Microsoft JhengHei" pitchFamily="34" charset="-120"/>
                 <a:ea typeface="Microsoft JhengHei" pitchFamily="34" charset="-120"/>
               </a:rPr>
-              <a:t>故我不自誇  驕傲亦憎</a:t>
+              <a:t>我一切所有  無非是接受</a:t>
             </a:r>
             <a:endParaRPr lang="en-US" altLang="zh-TW" sz="4800" b="1" dirty="0">
               <a:solidFill>
@@ -6419,28 +6571,15 @@
                 <a:latin typeface="Microsoft JhengHei" pitchFamily="34" charset="-120"/>
                 <a:ea typeface="Microsoft JhengHei" pitchFamily="34" charset="-120"/>
               </a:rPr>
-              <a:t>我只是個罪人  蒙</a:t>
-            </a:r>
-            <a:r>
-              <a:rPr lang="zh-CN" altLang="en-US" sz="4800" b="1" dirty="0">
-                <a:solidFill>
-                  <a:srgbClr val="660033"/>
-                </a:solidFill>
-                <a:latin typeface="Microsoft JhengHei" pitchFamily="34" charset="-120"/>
-                <a:ea typeface="Microsoft JhengHei" pitchFamily="34" charset="-120"/>
-              </a:rPr>
-              <a:t>救</a:t>
-            </a:r>
-            <a:r>
-              <a:rPr lang="zh-TW" altLang="en-US" sz="4800" b="1" dirty="0">
-                <a:solidFill>
-                  <a:srgbClr val="660033"/>
-                </a:solidFill>
-                <a:latin typeface="Microsoft JhengHei" pitchFamily="34" charset="-120"/>
-                <a:ea typeface="Microsoft JhengHei" pitchFamily="34" charset="-120"/>
-              </a:rPr>
-              <a:t>恩</a:t>
-            </a:r>
+              <a:t>都是主賜下  在我信之後</a:t>
+            </a:r>
+            <a:endParaRPr lang="en-US" altLang="zh-TW" sz="4800" b="1" dirty="0">
+              <a:solidFill>
+                <a:srgbClr val="660033"/>
+              </a:solidFill>
+              <a:latin typeface="Microsoft JhengHei" pitchFamily="34" charset="-120"/>
+              <a:ea typeface="Microsoft JhengHei" pitchFamily="34" charset="-120"/>
+            </a:endParaRPr>
           </a:p>
         </p:txBody>
       </p:sp>
@@ -6485,7 +6624,7 @@
     </p:spTree>
     <p:extLst>
       <p:ext uri="{BB962C8B-B14F-4D97-AF65-F5344CB8AC3E}">
-        <p14:creationId xmlns:p14="http://schemas.microsoft.com/office/powerpoint/2010/main" val="1042115491"/>
+        <p14:creationId xmlns:p14="http://schemas.microsoft.com/office/powerpoint/2010/main" val="1093443681"/>
       </p:ext>
     </p:extLst>
   </p:cSld>
@@ -6552,7 +6691,7 @@
                 <a:latin typeface="Microsoft JhengHei" pitchFamily="34" charset="-120"/>
                 <a:ea typeface="Microsoft JhengHei" pitchFamily="34" charset="-120"/>
               </a:rPr>
-              <a:t>我是個罪人蒙恩典</a:t>
+              <a:t>故我不自誇  驕傲亦憎</a:t>
             </a:r>
             <a:endParaRPr lang="en-US" altLang="zh-TW" sz="4800" b="1" dirty="0">
               <a:solidFill>
@@ -6574,14 +6713,65 @@
                 <a:latin typeface="Microsoft JhengHei" pitchFamily="34" charset="-120"/>
                 <a:ea typeface="Microsoft JhengHei" pitchFamily="34" charset="-120"/>
               </a:rPr>
-              <a:t>一切的罪惡得赦免</a:t>
-            </a:r>
-            <a:endParaRPr lang="en-US" altLang="zh-TW" sz="4800" b="1" dirty="0">
+              <a:t>我只是個罪人  蒙</a:t>
+            </a:r>
+            <a:r>
+              <a:rPr lang="zh-CN" altLang="en-US" sz="4800" b="1" dirty="0">
+                <a:solidFill>
+                  <a:srgbClr val="660033"/>
+                </a:solidFill>
+                <a:latin typeface="Microsoft JhengHei" pitchFamily="34" charset="-120"/>
+                <a:ea typeface="Microsoft JhengHei" pitchFamily="34" charset="-120"/>
+              </a:rPr>
+              <a:t>救</a:t>
+            </a:r>
+            <a:r>
+              <a:rPr lang="zh-TW" altLang="en-US" sz="4800" b="1" dirty="0">
+                <a:solidFill>
+                  <a:srgbClr val="660033"/>
+                </a:solidFill>
+                <a:latin typeface="Microsoft JhengHei" pitchFamily="34" charset="-120"/>
+                <a:ea typeface="Microsoft JhengHei" pitchFamily="34" charset="-120"/>
+              </a:rPr>
+              <a:t>恩</a:t>
+            </a:r>
+          </a:p>
+        </p:txBody>
+      </p:sp>
+      <p:sp>
+        <p:nvSpPr>
+          <p:cNvPr id="3" name="TextBox 2"/>
+          <p:cNvSpPr txBox="1"/>
+          <p:nvPr/>
+        </p:nvSpPr>
+        <p:spPr>
+          <a:xfrm>
+            <a:off x="251520" y="1659230"/>
+            <a:ext cx="936104" cy="830997"/>
+          </a:xfrm>
+          <a:prstGeom prst="rect">
+            <a:avLst/>
+          </a:prstGeom>
+          <a:noFill/>
+        </p:spPr>
+        <p:txBody>
+          <a:bodyPr wrap="square" rtlCol="0">
+            <a:spAutoFit/>
+          </a:bodyPr>
+          <a:lstStyle/>
+          <a:p>
+            <a:r>
+              <a:rPr lang="en-US" sz="4800" b="1" dirty="0" smtClean="0">
+                <a:solidFill>
+                  <a:srgbClr val="660033"/>
+                </a:solidFill>
+              </a:rPr>
+              <a:t>1.</a:t>
+            </a:r>
+            <a:endParaRPr lang="vi-VN" sz="4800" b="1" dirty="0">
               <a:solidFill>
                 <a:srgbClr val="660033"/>
               </a:solidFill>
-              <a:latin typeface="Microsoft JhengHei" pitchFamily="34" charset="-120"/>
-              <a:ea typeface="Microsoft JhengHei" pitchFamily="34" charset="-120"/>
             </a:endParaRPr>
           </a:p>
         </p:txBody>
@@ -6589,7 +6779,7 @@
     </p:spTree>
     <p:extLst>
       <p:ext uri="{BB962C8B-B14F-4D97-AF65-F5344CB8AC3E}">
-        <p14:creationId xmlns:p14="http://schemas.microsoft.com/office/powerpoint/2010/main" val="2412864753"/>
+        <p14:creationId xmlns:p14="http://schemas.microsoft.com/office/powerpoint/2010/main" val="1042115491"/>
       </p:ext>
     </p:extLst>
   </p:cSld>
@@ -6656,17 +6846,7 @@
                 <a:latin typeface="Microsoft JhengHei" pitchFamily="34" charset="-120"/>
                 <a:ea typeface="Microsoft JhengHei" pitchFamily="34" charset="-120"/>
               </a:rPr>
-              <a:t>讚美主耶穌  榮耀都歸</a:t>
-            </a:r>
-            <a:r>
-              <a:rPr lang="zh-CN" altLang="en-US" sz="4800" b="1" dirty="0">
-                <a:solidFill>
-                  <a:srgbClr val="660033"/>
-                </a:solidFill>
-                <a:latin typeface="Microsoft JhengHei" pitchFamily="34" charset="-120"/>
-                <a:ea typeface="Microsoft JhengHei" pitchFamily="34" charset="-120"/>
-              </a:rPr>
-              <a:t>天父</a:t>
+              <a:t>我是個罪人蒙恩典</a:t>
             </a:r>
             <a:endParaRPr lang="en-US" altLang="zh-TW" sz="4800" b="1" dirty="0">
               <a:solidFill>
@@ -6688,15 +6868,22 @@
                 <a:latin typeface="Microsoft JhengHei" pitchFamily="34" charset="-120"/>
                 <a:ea typeface="Microsoft JhengHei" pitchFamily="34" charset="-120"/>
               </a:rPr>
-              <a:t>我只是個罪人  蒙救恩</a:t>
-            </a:r>
+              <a:t>一切的罪惡得赦免</a:t>
+            </a:r>
+            <a:endParaRPr lang="en-US" altLang="zh-TW" sz="4800" b="1" dirty="0">
+              <a:solidFill>
+                <a:srgbClr val="660033"/>
+              </a:solidFill>
+              <a:latin typeface="Microsoft JhengHei" pitchFamily="34" charset="-120"/>
+              <a:ea typeface="Microsoft JhengHei" pitchFamily="34" charset="-120"/>
+            </a:endParaRPr>
           </a:p>
         </p:txBody>
       </p:sp>
     </p:spTree>
     <p:extLst>
       <p:ext uri="{BB962C8B-B14F-4D97-AF65-F5344CB8AC3E}">
-        <p14:creationId xmlns:p14="http://schemas.microsoft.com/office/powerpoint/2010/main" val="402583779"/>
+        <p14:creationId xmlns:p14="http://schemas.microsoft.com/office/powerpoint/2010/main" val="2412864753"/>
       </p:ext>
     </p:extLst>
   </p:cSld>
@@ -6763,27 +6950,17 @@
                 <a:latin typeface="Microsoft JhengHei" pitchFamily="34" charset="-120"/>
                 <a:ea typeface="Microsoft JhengHei" pitchFamily="34" charset="-120"/>
               </a:rPr>
-              <a:t>以前我愚拙 </a:t>
-            </a:r>
-            <a:r>
-              <a:rPr lang="zh-TW" altLang="en-US" sz="4800" b="1" dirty="0" smtClean="0">
+              <a:t>讚美主耶穌  榮耀都歸</a:t>
+            </a:r>
+            <a:r>
+              <a:rPr lang="zh-CN" altLang="en-US" sz="4800" b="1" dirty="0">
                 <a:solidFill>
                   <a:srgbClr val="660033"/>
                 </a:solidFill>
                 <a:latin typeface="Microsoft JhengHei" pitchFamily="34" charset="-120"/>
                 <a:ea typeface="Microsoft JhengHei" pitchFamily="34" charset="-120"/>
               </a:rPr>
-              <a:t> </a:t>
-            </a:r>
-            <a:r>
-              <a:rPr lang="zh-TW" altLang="en-US" sz="4800" b="1" dirty="0">
-                <a:solidFill>
-                  <a:srgbClr val="660033"/>
-                </a:solidFill>
-                <a:latin typeface="Microsoft JhengHei" pitchFamily="34" charset="-120"/>
-                <a:ea typeface="Microsoft JhengHei" pitchFamily="34" charset="-120"/>
-              </a:rPr>
-              <a:t>罪惡管我心</a:t>
+              <a:t>天父</a:t>
             </a:r>
             <a:endParaRPr lang="en-US" altLang="zh-TW" sz="4800" b="1" dirty="0">
               <a:solidFill>
@@ -6805,88 +6982,15 @@
                 <a:latin typeface="Microsoft JhengHei" pitchFamily="34" charset="-120"/>
                 <a:ea typeface="Microsoft JhengHei" pitchFamily="34" charset="-120"/>
               </a:rPr>
-              <a:t>使我的腳</a:t>
-            </a:r>
-            <a:r>
-              <a:rPr lang="zh-TW" altLang="en-US" sz="4800" b="1" dirty="0" smtClean="0">
-                <a:solidFill>
-                  <a:srgbClr val="660033"/>
-                </a:solidFill>
-                <a:latin typeface="Microsoft JhengHei" pitchFamily="34" charset="-120"/>
-                <a:ea typeface="Microsoft JhengHei" pitchFamily="34" charset="-120"/>
-              </a:rPr>
-              <a:t>步  </a:t>
-            </a:r>
-            <a:r>
-              <a:rPr lang="zh-TW" altLang="en-US" sz="4800" b="1" dirty="0">
-                <a:solidFill>
-                  <a:srgbClr val="660033"/>
-                </a:solidFill>
-                <a:latin typeface="Microsoft JhengHei" pitchFamily="34" charset="-120"/>
-                <a:ea typeface="Microsoft JhengHei" pitchFamily="34" charset="-120"/>
-              </a:rPr>
-              <a:t>離天父遠行</a:t>
-            </a:r>
-            <a:endParaRPr lang="en-US" altLang="zh-TW" sz="4800" b="1" dirty="0">
-              <a:solidFill>
-                <a:srgbClr val="660033"/>
-              </a:solidFill>
-              <a:latin typeface="Microsoft JhengHei" pitchFamily="34" charset="-120"/>
-              <a:ea typeface="Microsoft JhengHei" pitchFamily="34" charset="-120"/>
-            </a:endParaRPr>
-          </a:p>
-        </p:txBody>
-      </p:sp>
-      <p:sp>
-        <p:nvSpPr>
-          <p:cNvPr id="3" name="TextBox 2"/>
-          <p:cNvSpPr txBox="1"/>
-          <p:nvPr/>
-        </p:nvSpPr>
-        <p:spPr>
-          <a:xfrm>
-            <a:off x="251520" y="1659230"/>
-            <a:ext cx="936104" cy="830997"/>
-          </a:xfrm>
-          <a:prstGeom prst="rect">
-            <a:avLst/>
-          </a:prstGeom>
-          <a:noFill/>
-        </p:spPr>
-        <p:txBody>
-          <a:bodyPr wrap="square" rtlCol="0">
-            <a:spAutoFit/>
-          </a:bodyPr>
-          <a:lstStyle/>
-          <a:p>
-            <a:r>
-              <a:rPr lang="en-US" sz="4800" b="1" dirty="0">
-                <a:solidFill>
-                  <a:srgbClr val="660033"/>
-                </a:solidFill>
-              </a:rPr>
-              <a:t>2</a:t>
-            </a:r>
-            <a:r>
-              <a:rPr lang="en-US" sz="4800" b="1" dirty="0" smtClean="0">
-                <a:solidFill>
-                  <a:srgbClr val="660033"/>
-                </a:solidFill>
-              </a:rPr>
-              <a:t>.</a:t>
-            </a:r>
-            <a:endParaRPr lang="vi-VN" sz="4800" b="1" dirty="0">
-              <a:solidFill>
-                <a:srgbClr val="660033"/>
-              </a:solidFill>
-            </a:endParaRPr>
+              <a:t>我只是個罪人  蒙救恩</a:t>
+            </a:r>
           </a:p>
         </p:txBody>
       </p:sp>
     </p:spTree>
     <p:extLst>
       <p:ext uri="{BB962C8B-B14F-4D97-AF65-F5344CB8AC3E}">
-        <p14:creationId xmlns:p14="http://schemas.microsoft.com/office/powerpoint/2010/main" val="2916263375"/>
+        <p14:creationId xmlns:p14="http://schemas.microsoft.com/office/powerpoint/2010/main" val="402583779"/>
       </p:ext>
     </p:extLst>
   </p:cSld>
@@ -6953,7 +7057,27 @@
                 <a:latin typeface="Microsoft JhengHei" pitchFamily="34" charset="-120"/>
                 <a:ea typeface="Microsoft JhengHei" pitchFamily="34" charset="-120"/>
               </a:rPr>
-              <a:t>幸主已尋找  喜樂萬分</a:t>
+              <a:t>以前我愚拙 </a:t>
+            </a:r>
+            <a:r>
+              <a:rPr lang="zh-TW" altLang="en-US" sz="4800" b="1" dirty="0" smtClean="0">
+                <a:solidFill>
+                  <a:srgbClr val="660033"/>
+                </a:solidFill>
+                <a:latin typeface="Microsoft JhengHei" pitchFamily="34" charset="-120"/>
+                <a:ea typeface="Microsoft JhengHei" pitchFamily="34" charset="-120"/>
+              </a:rPr>
+              <a:t> </a:t>
+            </a:r>
+            <a:r>
+              <a:rPr lang="zh-TW" altLang="en-US" sz="4800" b="1" dirty="0">
+                <a:solidFill>
+                  <a:srgbClr val="660033"/>
+                </a:solidFill>
+                <a:latin typeface="Microsoft JhengHei" pitchFamily="34" charset="-120"/>
+                <a:ea typeface="Microsoft JhengHei" pitchFamily="34" charset="-120"/>
+              </a:rPr>
+              <a:t>罪惡管我心</a:t>
             </a:r>
             <a:endParaRPr lang="en-US" altLang="zh-TW" sz="4800" b="1" dirty="0">
               <a:solidFill>
@@ -6975,17 +7099,17 @@
                 <a:latin typeface="Microsoft JhengHei" pitchFamily="34" charset="-120"/>
                 <a:ea typeface="Microsoft JhengHei" pitchFamily="34" charset="-120"/>
               </a:rPr>
-              <a:t>我只是個罪人  蒙</a:t>
-            </a:r>
-            <a:r>
-              <a:rPr lang="zh-CN" altLang="en-US" sz="4800" b="1" dirty="0">
+              <a:t>使我的腳</a:t>
+            </a:r>
+            <a:r>
+              <a:rPr lang="zh-TW" altLang="en-US" sz="4800" b="1" dirty="0" smtClean="0">
                 <a:solidFill>
                   <a:srgbClr val="660033"/>
                 </a:solidFill>
                 <a:latin typeface="Microsoft JhengHei" pitchFamily="34" charset="-120"/>
                 <a:ea typeface="Microsoft JhengHei" pitchFamily="34" charset="-120"/>
               </a:rPr>
-              <a:t>救</a:t>
+              <a:t>步  </a:t>
             </a:r>
             <a:r>
               <a:rPr lang="zh-TW" altLang="en-US" sz="4800" b="1" dirty="0">
@@ -6995,8 +7119,15 @@
                 <a:latin typeface="Microsoft JhengHei" pitchFamily="34" charset="-120"/>
                 <a:ea typeface="Microsoft JhengHei" pitchFamily="34" charset="-120"/>
               </a:rPr>
-              <a:t>恩</a:t>
-            </a:r>
+              <a:t>離天父遠行</a:t>
+            </a:r>
+            <a:endParaRPr lang="en-US" altLang="zh-TW" sz="4800" b="1" dirty="0">
+              <a:solidFill>
+                <a:srgbClr val="660033"/>
+              </a:solidFill>
+              <a:latin typeface="Microsoft JhengHei" pitchFamily="34" charset="-120"/>
+              <a:ea typeface="Microsoft JhengHei" pitchFamily="34" charset="-120"/>
+            </a:endParaRPr>
           </a:p>
         </p:txBody>
       </p:sp>
@@ -7049,7 +7180,7 @@
     </p:spTree>
     <p:extLst>
       <p:ext uri="{BB962C8B-B14F-4D97-AF65-F5344CB8AC3E}">
-        <p14:creationId xmlns:p14="http://schemas.microsoft.com/office/powerpoint/2010/main" val="1782518097"/>
+        <p14:creationId xmlns:p14="http://schemas.microsoft.com/office/powerpoint/2010/main" val="2916263375"/>
       </p:ext>
     </p:extLst>
   </p:cSld>
@@ -7116,7 +7247,7 @@
                 <a:latin typeface="Microsoft JhengHei" pitchFamily="34" charset="-120"/>
                 <a:ea typeface="Microsoft JhengHei" pitchFamily="34" charset="-120"/>
               </a:rPr>
-              <a:t>我是個罪人蒙恩典</a:t>
+              <a:t>幸主已尋找  喜樂萬分</a:t>
             </a:r>
             <a:endParaRPr lang="en-US" altLang="zh-TW" sz="4800" b="1" dirty="0">
               <a:solidFill>
@@ -7138,14 +7269,73 @@
                 <a:latin typeface="Microsoft JhengHei" pitchFamily="34" charset="-120"/>
                 <a:ea typeface="Microsoft JhengHei" pitchFamily="34" charset="-120"/>
               </a:rPr>
-              <a:t>一切的罪惡得赦免</a:t>
-            </a:r>
-            <a:endParaRPr lang="en-US" altLang="zh-TW" sz="4800" b="1" dirty="0">
+              <a:t>我只是個罪人  蒙</a:t>
+            </a:r>
+            <a:r>
+              <a:rPr lang="zh-CN" altLang="en-US" sz="4800" b="1" dirty="0">
+                <a:solidFill>
+                  <a:srgbClr val="660033"/>
+                </a:solidFill>
+                <a:latin typeface="Microsoft JhengHei" pitchFamily="34" charset="-120"/>
+                <a:ea typeface="Microsoft JhengHei" pitchFamily="34" charset="-120"/>
+              </a:rPr>
+              <a:t>救</a:t>
+            </a:r>
+            <a:r>
+              <a:rPr lang="zh-TW" altLang="en-US" sz="4800" b="1" dirty="0">
+                <a:solidFill>
+                  <a:srgbClr val="660033"/>
+                </a:solidFill>
+                <a:latin typeface="Microsoft JhengHei" pitchFamily="34" charset="-120"/>
+                <a:ea typeface="Microsoft JhengHei" pitchFamily="34" charset="-120"/>
+              </a:rPr>
+              <a:t>恩</a:t>
+            </a:r>
+          </a:p>
+        </p:txBody>
+      </p:sp>
+      <p:sp>
+        <p:nvSpPr>
+          <p:cNvPr id="3" name="TextBox 2"/>
+          <p:cNvSpPr txBox="1"/>
+          <p:nvPr/>
+        </p:nvSpPr>
+        <p:spPr>
+          <a:xfrm>
+            <a:off x="251520" y="1659230"/>
+            <a:ext cx="936104" cy="830997"/>
+          </a:xfrm>
+          <a:prstGeom prst="rect">
+            <a:avLst/>
+          </a:prstGeom>
+          <a:noFill/>
+        </p:spPr>
+        <p:txBody>
+          <a:bodyPr wrap="square" rtlCol="0">
+            <a:spAutoFit/>
+          </a:bodyPr>
+          <a:lstStyle/>
+          <a:p>
+            <a:r>
+              <a:rPr lang="en-US" sz="4800" b="1" dirty="0">
+                <a:solidFill>
+                  <a:srgbClr val="660033"/>
+                </a:solidFill>
+              </a:rPr>
+              <a:t>2</a:t>
+            </a:r>
+            <a:r>
+              <a:rPr lang="en-US" sz="4800" b="1" dirty="0" smtClean="0">
+                <a:solidFill>
+                  <a:srgbClr val="660033"/>
+                </a:solidFill>
+              </a:rPr>
+              <a:t>.</a:t>
+            </a:r>
+            <a:endParaRPr lang="vi-VN" sz="4800" b="1" dirty="0">
               <a:solidFill>
                 <a:srgbClr val="660033"/>
               </a:solidFill>
-              <a:latin typeface="Microsoft JhengHei" pitchFamily="34" charset="-120"/>
-              <a:ea typeface="Microsoft JhengHei" pitchFamily="34" charset="-120"/>
             </a:endParaRPr>
           </a:p>
         </p:txBody>
@@ -7153,7 +7343,7 @@
     </p:spTree>
     <p:extLst>
       <p:ext uri="{BB962C8B-B14F-4D97-AF65-F5344CB8AC3E}">
-        <p14:creationId xmlns:p14="http://schemas.microsoft.com/office/powerpoint/2010/main" val="3807604340"/>
+        <p14:creationId xmlns:p14="http://schemas.microsoft.com/office/powerpoint/2010/main" val="1782518097"/>
       </p:ext>
     </p:extLst>
   </p:cSld>
@@ -7199,8 +7389,8 @@
         </p:nvSpPr>
         <p:spPr>
           <a:xfrm>
-            <a:off x="-135" y="2257262"/>
-            <a:ext cx="9144000" cy="628650"/>
+            <a:off x="0" y="2089284"/>
+            <a:ext cx="9144000" cy="964406"/>
           </a:xfrm>
         </p:spPr>
         <p:txBody>
@@ -7224,7 +7414,41 @@
                 <a:latin typeface="微軟正黑體" pitchFamily="34" charset="-120"/>
                 <a:ea typeface="微軟正黑體" pitchFamily="34" charset="-120"/>
               </a:rPr>
-              <a:t>敬拜讚美神</a:t>
+              <a:t>本堂</a:t>
+            </a:r>
+            <a:r>
+              <a:rPr lang="zh-CN" altLang="en-US" sz="7200" b="1" dirty="0" smtClean="0">
+                <a:solidFill>
+                  <a:srgbClr val="000066"/>
+                </a:solidFill>
+                <a:effectLst>
+                  <a:outerShdw blurRad="38100" dist="38100" dir="2700000" algn="tl">
+                    <a:srgbClr val="000000">
+                      <a:alpha val="43137"/>
+                    </a:srgbClr>
+                  </a:outerShdw>
+                </a:effectLst>
+                <a:latin typeface="微軟正黑體" pitchFamily="34" charset="-120"/>
+                <a:ea typeface="微軟正黑體" pitchFamily="34" charset="-120"/>
+              </a:rPr>
+              <a:t>牧師領</a:t>
+            </a:r>
+            <a:r>
+              <a:rPr lang="zh-CN" altLang="en-US" sz="7200" b="1" dirty="0">
+                <a:solidFill>
+                  <a:srgbClr val="000066"/>
+                </a:solidFill>
+                <a:effectLst>
+                  <a:outerShdw blurRad="38100" dist="38100" dir="2700000" algn="tl">
+                    <a:srgbClr val="000000">
+                      <a:alpha val="43137"/>
+                    </a:srgbClr>
+                  </a:outerShdw>
+                </a:effectLst>
+                <a:latin typeface="微軟正黑體" pitchFamily="34" charset="-120"/>
+                <a:ea typeface="微軟正黑體" pitchFamily="34" charset="-120"/>
+              </a:rPr>
+              <a:t>詩班進堂</a:t>
             </a:r>
             <a:endParaRPr lang="zh-TW" altLang="en-US" sz="7200" b="1" dirty="0">
               <a:solidFill>
@@ -7308,17 +7532,7 @@
                 <a:latin typeface="Microsoft JhengHei" pitchFamily="34" charset="-120"/>
                 <a:ea typeface="Microsoft JhengHei" pitchFamily="34" charset="-120"/>
               </a:rPr>
-              <a:t>讚美主耶穌  榮耀都歸</a:t>
-            </a:r>
-            <a:r>
-              <a:rPr lang="zh-CN" altLang="en-US" sz="4800" b="1" dirty="0">
-                <a:solidFill>
-                  <a:srgbClr val="660033"/>
-                </a:solidFill>
-                <a:latin typeface="Microsoft JhengHei" pitchFamily="34" charset="-120"/>
-                <a:ea typeface="Microsoft JhengHei" pitchFamily="34" charset="-120"/>
-              </a:rPr>
-              <a:t>天父</a:t>
+              <a:t>我是個罪人蒙恩典</a:t>
             </a:r>
             <a:endParaRPr lang="en-US" altLang="zh-TW" sz="4800" b="1" dirty="0">
               <a:solidFill>
@@ -7340,15 +7554,22 @@
                 <a:latin typeface="Microsoft JhengHei" pitchFamily="34" charset="-120"/>
                 <a:ea typeface="Microsoft JhengHei" pitchFamily="34" charset="-120"/>
               </a:rPr>
-              <a:t>我只是個罪人  蒙救恩</a:t>
-            </a:r>
+              <a:t>一切的罪惡得赦免</a:t>
+            </a:r>
+            <a:endParaRPr lang="en-US" altLang="zh-TW" sz="4800" b="1" dirty="0">
+              <a:solidFill>
+                <a:srgbClr val="660033"/>
+              </a:solidFill>
+              <a:latin typeface="Microsoft JhengHei" pitchFamily="34" charset="-120"/>
+              <a:ea typeface="Microsoft JhengHei" pitchFamily="34" charset="-120"/>
+            </a:endParaRPr>
           </a:p>
         </p:txBody>
       </p:sp>
     </p:spTree>
     <p:extLst>
       <p:ext uri="{BB962C8B-B14F-4D97-AF65-F5344CB8AC3E}">
-        <p14:creationId xmlns:p14="http://schemas.microsoft.com/office/powerpoint/2010/main" val="3777487651"/>
+        <p14:creationId xmlns:p14="http://schemas.microsoft.com/office/powerpoint/2010/main" val="3807604340"/>
       </p:ext>
     </p:extLst>
   </p:cSld>
@@ -7415,7 +7636,7 @@
                 <a:latin typeface="Microsoft JhengHei" pitchFamily="34" charset="-120"/>
                 <a:ea typeface="Microsoft JhengHei" pitchFamily="34" charset="-120"/>
               </a:rPr>
-              <a:t>流淚無功效  </a:t>
+              <a:t>讚美主耶穌  榮耀都歸</a:t>
             </a:r>
             <a:r>
               <a:rPr lang="zh-CN" altLang="en-US" sz="4800" b="1" dirty="0">
@@ -7425,17 +7646,7 @@
                 <a:latin typeface="Microsoft JhengHei" pitchFamily="34" charset="-120"/>
                 <a:ea typeface="Microsoft JhengHei" pitchFamily="34" charset="-120"/>
               </a:rPr>
-              <a:t>功勞</a:t>
-            </a:r>
-            <a:r>
-              <a:rPr lang="zh-TW" altLang="en-US" sz="4800" b="1" dirty="0">
-                <a:solidFill>
-                  <a:srgbClr val="660033"/>
-                </a:solidFill>
-                <a:latin typeface="Microsoft JhengHei" pitchFamily="34" charset="-120"/>
-                <a:ea typeface="Microsoft JhengHei" pitchFamily="34" charset="-120"/>
-              </a:rPr>
-              <a:t>也無份</a:t>
+              <a:t>天父</a:t>
             </a:r>
             <a:endParaRPr lang="en-US" altLang="zh-TW" sz="4800" b="1" dirty="0">
               <a:solidFill>
@@ -7457,60 +7668,15 @@
                 <a:latin typeface="Microsoft JhengHei" pitchFamily="34" charset="-120"/>
                 <a:ea typeface="Microsoft JhengHei" pitchFamily="34" charset="-120"/>
               </a:rPr>
-              <a:t>主若不救我  必定要沉淪</a:t>
-            </a:r>
-            <a:endParaRPr lang="en-US" altLang="zh-TW" sz="4800" b="1" dirty="0">
-              <a:solidFill>
-                <a:srgbClr val="660033"/>
-              </a:solidFill>
-              <a:latin typeface="Microsoft JhengHei" pitchFamily="34" charset="-120"/>
-              <a:ea typeface="Microsoft JhengHei" pitchFamily="34" charset="-120"/>
-            </a:endParaRPr>
-          </a:p>
-        </p:txBody>
-      </p:sp>
-      <p:sp>
-        <p:nvSpPr>
-          <p:cNvPr id="3" name="TextBox 2"/>
-          <p:cNvSpPr txBox="1"/>
-          <p:nvPr/>
-        </p:nvSpPr>
-        <p:spPr>
-          <a:xfrm>
-            <a:off x="251520" y="1659230"/>
-            <a:ext cx="936104" cy="830997"/>
-          </a:xfrm>
-          <a:prstGeom prst="rect">
-            <a:avLst/>
-          </a:prstGeom>
-          <a:noFill/>
-        </p:spPr>
-        <p:txBody>
-          <a:bodyPr wrap="square" rtlCol="0">
-            <a:spAutoFit/>
-          </a:bodyPr>
-          <a:lstStyle/>
-          <a:p>
-            <a:r>
-              <a:rPr lang="en-US" sz="4800" b="1" dirty="0" smtClean="0">
-                <a:solidFill>
-                  <a:srgbClr val="660033"/>
-                </a:solidFill>
-              </a:rPr>
-              <a:t>3.</a:t>
-            </a:r>
-            <a:endParaRPr lang="vi-VN" sz="4800" b="1" dirty="0">
-              <a:solidFill>
-                <a:srgbClr val="660033"/>
-              </a:solidFill>
-            </a:endParaRPr>
+              <a:t>我只是個罪人  蒙救恩</a:t>
+            </a:r>
           </a:p>
         </p:txBody>
       </p:sp>
     </p:spTree>
     <p:extLst>
       <p:ext uri="{BB962C8B-B14F-4D97-AF65-F5344CB8AC3E}">
-        <p14:creationId xmlns:p14="http://schemas.microsoft.com/office/powerpoint/2010/main" val="1116881060"/>
+        <p14:creationId xmlns:p14="http://schemas.microsoft.com/office/powerpoint/2010/main" val="3777487651"/>
       </p:ext>
     </p:extLst>
   </p:cSld>
@@ -7577,7 +7743,27 @@
                 <a:latin typeface="Microsoft JhengHei" pitchFamily="34" charset="-120"/>
                 <a:ea typeface="Microsoft JhengHei" pitchFamily="34" charset="-120"/>
               </a:rPr>
-              <a:t>罪惡常恐嚇  怕見神面</a:t>
+              <a:t>流淚無功效  </a:t>
+            </a:r>
+            <a:r>
+              <a:rPr lang="zh-CN" altLang="en-US" sz="4800" b="1" dirty="0">
+                <a:solidFill>
+                  <a:srgbClr val="660033"/>
+                </a:solidFill>
+                <a:latin typeface="Microsoft JhengHei" pitchFamily="34" charset="-120"/>
+                <a:ea typeface="Microsoft JhengHei" pitchFamily="34" charset="-120"/>
+              </a:rPr>
+              <a:t>功勞</a:t>
+            </a:r>
+            <a:r>
+              <a:rPr lang="zh-TW" altLang="en-US" sz="4800" b="1" dirty="0">
+                <a:solidFill>
+                  <a:srgbClr val="660033"/>
+                </a:solidFill>
+                <a:latin typeface="Microsoft JhengHei" pitchFamily="34" charset="-120"/>
+                <a:ea typeface="Microsoft JhengHei" pitchFamily="34" charset="-120"/>
+              </a:rPr>
+              <a:t>也無份</a:t>
             </a:r>
             <a:endParaRPr lang="en-US" altLang="zh-TW" sz="4800" b="1" dirty="0">
               <a:solidFill>
@@ -7599,28 +7785,15 @@
                 <a:latin typeface="Microsoft JhengHei" pitchFamily="34" charset="-120"/>
                 <a:ea typeface="Microsoft JhengHei" pitchFamily="34" charset="-120"/>
               </a:rPr>
-              <a:t>我只是個罪人  蒙</a:t>
-            </a:r>
-            <a:r>
-              <a:rPr lang="zh-CN" altLang="en-US" sz="4800" b="1" dirty="0">
-                <a:solidFill>
-                  <a:srgbClr val="660033"/>
-                </a:solidFill>
-                <a:latin typeface="Microsoft JhengHei" pitchFamily="34" charset="-120"/>
-                <a:ea typeface="Microsoft JhengHei" pitchFamily="34" charset="-120"/>
-              </a:rPr>
-              <a:t>救</a:t>
-            </a:r>
-            <a:r>
-              <a:rPr lang="zh-TW" altLang="en-US" sz="4800" b="1" dirty="0">
-                <a:solidFill>
-                  <a:srgbClr val="660033"/>
-                </a:solidFill>
-                <a:latin typeface="Microsoft JhengHei" pitchFamily="34" charset="-120"/>
-                <a:ea typeface="Microsoft JhengHei" pitchFamily="34" charset="-120"/>
-              </a:rPr>
-              <a:t>恩</a:t>
-            </a:r>
+              <a:t>主若不救我  必定要沉淪</a:t>
+            </a:r>
+            <a:endParaRPr lang="en-US" altLang="zh-TW" sz="4800" b="1" dirty="0">
+              <a:solidFill>
+                <a:srgbClr val="660033"/>
+              </a:solidFill>
+              <a:latin typeface="Microsoft JhengHei" pitchFamily="34" charset="-120"/>
+              <a:ea typeface="Microsoft JhengHei" pitchFamily="34" charset="-120"/>
+            </a:endParaRPr>
           </a:p>
         </p:txBody>
       </p:sp>
@@ -7665,7 +7838,7 @@
     </p:spTree>
     <p:extLst>
       <p:ext uri="{BB962C8B-B14F-4D97-AF65-F5344CB8AC3E}">
-        <p14:creationId xmlns:p14="http://schemas.microsoft.com/office/powerpoint/2010/main" val="2925648136"/>
+        <p14:creationId xmlns:p14="http://schemas.microsoft.com/office/powerpoint/2010/main" val="1116881060"/>
       </p:ext>
     </p:extLst>
   </p:cSld>
@@ -7732,7 +7905,7 @@
                 <a:latin typeface="Microsoft JhengHei" pitchFamily="34" charset="-120"/>
                 <a:ea typeface="Microsoft JhengHei" pitchFamily="34" charset="-120"/>
               </a:rPr>
-              <a:t>我是個罪人蒙恩典</a:t>
+              <a:t>罪惡常恐嚇  怕見神面</a:t>
             </a:r>
             <a:endParaRPr lang="en-US" altLang="zh-TW" sz="4800" b="1" dirty="0">
               <a:solidFill>
@@ -7754,14 +7927,65 @@
                 <a:latin typeface="Microsoft JhengHei" pitchFamily="34" charset="-120"/>
                 <a:ea typeface="Microsoft JhengHei" pitchFamily="34" charset="-120"/>
               </a:rPr>
-              <a:t>一切的罪惡得赦免</a:t>
-            </a:r>
-            <a:endParaRPr lang="en-US" altLang="zh-TW" sz="4800" b="1" dirty="0">
+              <a:t>我只是個罪人  蒙</a:t>
+            </a:r>
+            <a:r>
+              <a:rPr lang="zh-CN" altLang="en-US" sz="4800" b="1" dirty="0">
+                <a:solidFill>
+                  <a:srgbClr val="660033"/>
+                </a:solidFill>
+                <a:latin typeface="Microsoft JhengHei" pitchFamily="34" charset="-120"/>
+                <a:ea typeface="Microsoft JhengHei" pitchFamily="34" charset="-120"/>
+              </a:rPr>
+              <a:t>救</a:t>
+            </a:r>
+            <a:r>
+              <a:rPr lang="zh-TW" altLang="en-US" sz="4800" b="1" dirty="0">
+                <a:solidFill>
+                  <a:srgbClr val="660033"/>
+                </a:solidFill>
+                <a:latin typeface="Microsoft JhengHei" pitchFamily="34" charset="-120"/>
+                <a:ea typeface="Microsoft JhengHei" pitchFamily="34" charset="-120"/>
+              </a:rPr>
+              <a:t>恩</a:t>
+            </a:r>
+          </a:p>
+        </p:txBody>
+      </p:sp>
+      <p:sp>
+        <p:nvSpPr>
+          <p:cNvPr id="3" name="TextBox 2"/>
+          <p:cNvSpPr txBox="1"/>
+          <p:nvPr/>
+        </p:nvSpPr>
+        <p:spPr>
+          <a:xfrm>
+            <a:off x="251520" y="1659230"/>
+            <a:ext cx="936104" cy="830997"/>
+          </a:xfrm>
+          <a:prstGeom prst="rect">
+            <a:avLst/>
+          </a:prstGeom>
+          <a:noFill/>
+        </p:spPr>
+        <p:txBody>
+          <a:bodyPr wrap="square" rtlCol="0">
+            <a:spAutoFit/>
+          </a:bodyPr>
+          <a:lstStyle/>
+          <a:p>
+            <a:r>
+              <a:rPr lang="en-US" sz="4800" b="1" dirty="0" smtClean="0">
+                <a:solidFill>
+                  <a:srgbClr val="660033"/>
+                </a:solidFill>
+              </a:rPr>
+              <a:t>3.</a:t>
+            </a:r>
+            <a:endParaRPr lang="vi-VN" sz="4800" b="1" dirty="0">
               <a:solidFill>
                 <a:srgbClr val="660033"/>
               </a:solidFill>
-              <a:latin typeface="Microsoft JhengHei" pitchFamily="34" charset="-120"/>
-              <a:ea typeface="Microsoft JhengHei" pitchFamily="34" charset="-120"/>
             </a:endParaRPr>
           </a:p>
         </p:txBody>
@@ -7769,7 +7993,7 @@
     </p:spTree>
     <p:extLst>
       <p:ext uri="{BB962C8B-B14F-4D97-AF65-F5344CB8AC3E}">
-        <p14:creationId xmlns:p14="http://schemas.microsoft.com/office/powerpoint/2010/main" val="1597441377"/>
+        <p14:creationId xmlns:p14="http://schemas.microsoft.com/office/powerpoint/2010/main" val="2925648136"/>
       </p:ext>
     </p:extLst>
   </p:cSld>
@@ -7836,17 +8060,7 @@
                 <a:latin typeface="Microsoft JhengHei" pitchFamily="34" charset="-120"/>
                 <a:ea typeface="Microsoft JhengHei" pitchFamily="34" charset="-120"/>
               </a:rPr>
-              <a:t>讚美主耶穌  榮耀都歸</a:t>
-            </a:r>
-            <a:r>
-              <a:rPr lang="zh-CN" altLang="en-US" sz="4800" b="1" dirty="0">
-                <a:solidFill>
-                  <a:srgbClr val="660033"/>
-                </a:solidFill>
-                <a:latin typeface="Microsoft JhengHei" pitchFamily="34" charset="-120"/>
-                <a:ea typeface="Microsoft JhengHei" pitchFamily="34" charset="-120"/>
-              </a:rPr>
-              <a:t>天父</a:t>
+              <a:t>我是個罪人蒙恩典</a:t>
             </a:r>
             <a:endParaRPr lang="en-US" altLang="zh-TW" sz="4800" b="1" dirty="0">
               <a:solidFill>
@@ -7868,15 +8082,22 @@
                 <a:latin typeface="Microsoft JhengHei" pitchFamily="34" charset="-120"/>
                 <a:ea typeface="Microsoft JhengHei" pitchFamily="34" charset="-120"/>
               </a:rPr>
-              <a:t>我只是個罪人  蒙救恩</a:t>
-            </a:r>
+              <a:t>一切的罪惡得赦免</a:t>
+            </a:r>
+            <a:endParaRPr lang="en-US" altLang="zh-TW" sz="4800" b="1" dirty="0">
+              <a:solidFill>
+                <a:srgbClr val="660033"/>
+              </a:solidFill>
+              <a:latin typeface="Microsoft JhengHei" pitchFamily="34" charset="-120"/>
+              <a:ea typeface="Microsoft JhengHei" pitchFamily="34" charset="-120"/>
+            </a:endParaRPr>
           </a:p>
         </p:txBody>
       </p:sp>
     </p:spTree>
     <p:extLst>
       <p:ext uri="{BB962C8B-B14F-4D97-AF65-F5344CB8AC3E}">
-        <p14:creationId xmlns:p14="http://schemas.microsoft.com/office/powerpoint/2010/main" val="1687296971"/>
+        <p14:creationId xmlns:p14="http://schemas.microsoft.com/office/powerpoint/2010/main" val="1597441377"/>
       </p:ext>
     </p:extLst>
   </p:cSld>
@@ -7943,7 +8164,7 @@
                 <a:latin typeface="Microsoft JhengHei" pitchFamily="34" charset="-120"/>
                 <a:ea typeface="Microsoft JhengHei" pitchFamily="34" charset="-120"/>
               </a:rPr>
-              <a:t>諒我</a:t>
+              <a:t>讚美主耶穌  榮耀都歸</a:t>
             </a:r>
             <a:r>
               <a:rPr lang="zh-CN" altLang="en-US" sz="4800" b="1" dirty="0">
@@ -7953,17 +8174,7 @@
                 <a:latin typeface="Microsoft JhengHei" pitchFamily="34" charset="-120"/>
                 <a:ea typeface="Microsoft JhengHei" pitchFamily="34" charset="-120"/>
               </a:rPr>
-              <a:t>這</a:t>
-            </a:r>
-            <a:r>
-              <a:rPr lang="zh-TW" altLang="en-US" sz="4800" b="1" dirty="0">
-                <a:solidFill>
-                  <a:srgbClr val="660033"/>
-                </a:solidFill>
-                <a:latin typeface="Microsoft JhengHei" pitchFamily="34" charset="-120"/>
-                <a:ea typeface="Microsoft JhengHei" pitchFamily="34" charset="-120"/>
-              </a:rPr>
-              <a:t>罪人  情不能自禁</a:t>
+              <a:t>天父</a:t>
             </a:r>
             <a:endParaRPr lang="en-US" altLang="zh-TW" sz="4800" b="1" dirty="0">
               <a:solidFill>
@@ -7985,68 +8196,15 @@
                 <a:latin typeface="Microsoft JhengHei" pitchFamily="34" charset="-120"/>
                 <a:ea typeface="Microsoft JhengHei" pitchFamily="34" charset="-120"/>
               </a:rPr>
-              <a:t>只因深愛主  喜樂滿我心</a:t>
-            </a:r>
-            <a:endParaRPr lang="en-US" altLang="zh-TW" sz="4800" b="1" dirty="0">
-              <a:solidFill>
-                <a:srgbClr val="660033"/>
-              </a:solidFill>
-              <a:latin typeface="Microsoft JhengHei" pitchFamily="34" charset="-120"/>
-              <a:ea typeface="Microsoft JhengHei" pitchFamily="34" charset="-120"/>
-            </a:endParaRPr>
-          </a:p>
-        </p:txBody>
-      </p:sp>
-      <p:sp>
-        <p:nvSpPr>
-          <p:cNvPr id="3" name="TextBox 2"/>
-          <p:cNvSpPr txBox="1"/>
-          <p:nvPr/>
-        </p:nvSpPr>
-        <p:spPr>
-          <a:xfrm>
-            <a:off x="251520" y="1659230"/>
-            <a:ext cx="936104" cy="830997"/>
-          </a:xfrm>
-          <a:prstGeom prst="rect">
-            <a:avLst/>
-          </a:prstGeom>
-          <a:noFill/>
-        </p:spPr>
-        <p:txBody>
-          <a:bodyPr wrap="square" rtlCol="0">
-            <a:spAutoFit/>
-          </a:bodyPr>
-          <a:lstStyle/>
-          <a:p>
-            <a:r>
-              <a:rPr lang="en-US" sz="4800" b="1" dirty="0">
-                <a:solidFill>
-                  <a:srgbClr val="660033"/>
-                </a:solidFill>
-              </a:rPr>
-              <a:t>4</a:t>
-            </a:r>
-            <a:r>
-              <a:rPr lang="en-US" sz="4800" b="1" dirty="0" smtClean="0">
-                <a:solidFill>
-                  <a:srgbClr val="660033"/>
-                </a:solidFill>
-              </a:rPr>
-              <a:t>.</a:t>
-            </a:r>
-            <a:endParaRPr lang="vi-VN" sz="4800" b="1" dirty="0">
-              <a:solidFill>
-                <a:srgbClr val="660033"/>
-              </a:solidFill>
-            </a:endParaRPr>
+              <a:t>我只是個罪人  蒙救恩</a:t>
+            </a:r>
           </a:p>
         </p:txBody>
       </p:sp>
     </p:spTree>
     <p:extLst>
       <p:ext uri="{BB962C8B-B14F-4D97-AF65-F5344CB8AC3E}">
-        <p14:creationId xmlns:p14="http://schemas.microsoft.com/office/powerpoint/2010/main" val="624525261"/>
+        <p14:creationId xmlns:p14="http://schemas.microsoft.com/office/powerpoint/2010/main" val="1687296971"/>
       </p:ext>
     </p:extLst>
   </p:cSld>
@@ -8113,7 +8271,27 @@
                 <a:latin typeface="Microsoft JhengHei" pitchFamily="34" charset="-120"/>
                 <a:ea typeface="Microsoft JhengHei" pitchFamily="34" charset="-120"/>
               </a:rPr>
-              <a:t>讓我再說明  高聲謳吟</a:t>
+              <a:t>諒我</a:t>
+            </a:r>
+            <a:r>
+              <a:rPr lang="zh-CN" altLang="en-US" sz="4800" b="1" dirty="0">
+                <a:solidFill>
+                  <a:srgbClr val="660033"/>
+                </a:solidFill>
+                <a:latin typeface="Microsoft JhengHei" pitchFamily="34" charset="-120"/>
+                <a:ea typeface="Microsoft JhengHei" pitchFamily="34" charset="-120"/>
+              </a:rPr>
+              <a:t>這</a:t>
+            </a:r>
+            <a:r>
+              <a:rPr lang="zh-TW" altLang="en-US" sz="4800" b="1" dirty="0">
+                <a:solidFill>
+                  <a:srgbClr val="660033"/>
+                </a:solidFill>
+                <a:latin typeface="Microsoft JhengHei" pitchFamily="34" charset="-120"/>
+                <a:ea typeface="Microsoft JhengHei" pitchFamily="34" charset="-120"/>
+              </a:rPr>
+              <a:t>罪人  情不能自禁</a:t>
             </a:r>
             <a:endParaRPr lang="en-US" altLang="zh-TW" sz="4800" b="1" dirty="0">
               <a:solidFill>
@@ -8135,28 +8313,15 @@
                 <a:latin typeface="Microsoft JhengHei" pitchFamily="34" charset="-120"/>
                 <a:ea typeface="Microsoft JhengHei" pitchFamily="34" charset="-120"/>
               </a:rPr>
-              <a:t>我只是個罪人  蒙</a:t>
-            </a:r>
-            <a:r>
-              <a:rPr lang="zh-CN" altLang="en-US" sz="4800" b="1" dirty="0">
-                <a:solidFill>
-                  <a:srgbClr val="660033"/>
-                </a:solidFill>
-                <a:latin typeface="Microsoft JhengHei" pitchFamily="34" charset="-120"/>
-                <a:ea typeface="Microsoft JhengHei" pitchFamily="34" charset="-120"/>
-              </a:rPr>
-              <a:t>救</a:t>
-            </a:r>
-            <a:r>
-              <a:rPr lang="zh-TW" altLang="en-US" sz="4800" b="1" dirty="0">
-                <a:solidFill>
-                  <a:srgbClr val="660033"/>
-                </a:solidFill>
-                <a:latin typeface="Microsoft JhengHei" pitchFamily="34" charset="-120"/>
-                <a:ea typeface="Microsoft JhengHei" pitchFamily="34" charset="-120"/>
-              </a:rPr>
-              <a:t>恩</a:t>
-            </a:r>
+              <a:t>只因深愛主  喜樂滿我心</a:t>
+            </a:r>
+            <a:endParaRPr lang="en-US" altLang="zh-TW" sz="4800" b="1" dirty="0">
+              <a:solidFill>
+                <a:srgbClr val="660033"/>
+              </a:solidFill>
+              <a:latin typeface="Microsoft JhengHei" pitchFamily="34" charset="-120"/>
+              <a:ea typeface="Microsoft JhengHei" pitchFamily="34" charset="-120"/>
+            </a:endParaRPr>
           </a:p>
         </p:txBody>
       </p:sp>
@@ -8209,7 +8374,7 @@
     </p:spTree>
     <p:extLst>
       <p:ext uri="{BB962C8B-B14F-4D97-AF65-F5344CB8AC3E}">
-        <p14:creationId xmlns:p14="http://schemas.microsoft.com/office/powerpoint/2010/main" val="814181405"/>
+        <p14:creationId xmlns:p14="http://schemas.microsoft.com/office/powerpoint/2010/main" val="624525261"/>
       </p:ext>
     </p:extLst>
   </p:cSld>
@@ -8276,7 +8441,7 @@
                 <a:latin typeface="Microsoft JhengHei" pitchFamily="34" charset="-120"/>
                 <a:ea typeface="Microsoft JhengHei" pitchFamily="34" charset="-120"/>
               </a:rPr>
-              <a:t>我是個罪人蒙恩典</a:t>
+              <a:t>讓我再說明  高聲謳吟</a:t>
             </a:r>
             <a:endParaRPr lang="en-US" altLang="zh-TW" sz="4800" b="1" dirty="0">
               <a:solidFill>
@@ -8298,14 +8463,73 @@
                 <a:latin typeface="Microsoft JhengHei" pitchFamily="34" charset="-120"/>
                 <a:ea typeface="Microsoft JhengHei" pitchFamily="34" charset="-120"/>
               </a:rPr>
-              <a:t>一切的罪惡得赦免</a:t>
-            </a:r>
-            <a:endParaRPr lang="en-US" altLang="zh-TW" sz="4800" b="1" dirty="0">
+              <a:t>我只是個罪人  蒙</a:t>
+            </a:r>
+            <a:r>
+              <a:rPr lang="zh-CN" altLang="en-US" sz="4800" b="1" dirty="0">
+                <a:solidFill>
+                  <a:srgbClr val="660033"/>
+                </a:solidFill>
+                <a:latin typeface="Microsoft JhengHei" pitchFamily="34" charset="-120"/>
+                <a:ea typeface="Microsoft JhengHei" pitchFamily="34" charset="-120"/>
+              </a:rPr>
+              <a:t>救</a:t>
+            </a:r>
+            <a:r>
+              <a:rPr lang="zh-TW" altLang="en-US" sz="4800" b="1" dirty="0">
+                <a:solidFill>
+                  <a:srgbClr val="660033"/>
+                </a:solidFill>
+                <a:latin typeface="Microsoft JhengHei" pitchFamily="34" charset="-120"/>
+                <a:ea typeface="Microsoft JhengHei" pitchFamily="34" charset="-120"/>
+              </a:rPr>
+              <a:t>恩</a:t>
+            </a:r>
+          </a:p>
+        </p:txBody>
+      </p:sp>
+      <p:sp>
+        <p:nvSpPr>
+          <p:cNvPr id="3" name="TextBox 2"/>
+          <p:cNvSpPr txBox="1"/>
+          <p:nvPr/>
+        </p:nvSpPr>
+        <p:spPr>
+          <a:xfrm>
+            <a:off x="251520" y="1659230"/>
+            <a:ext cx="936104" cy="830997"/>
+          </a:xfrm>
+          <a:prstGeom prst="rect">
+            <a:avLst/>
+          </a:prstGeom>
+          <a:noFill/>
+        </p:spPr>
+        <p:txBody>
+          <a:bodyPr wrap="square" rtlCol="0">
+            <a:spAutoFit/>
+          </a:bodyPr>
+          <a:lstStyle/>
+          <a:p>
+            <a:r>
+              <a:rPr lang="en-US" sz="4800" b="1" dirty="0">
+                <a:solidFill>
+                  <a:srgbClr val="660033"/>
+                </a:solidFill>
+              </a:rPr>
+              <a:t>4</a:t>
+            </a:r>
+            <a:r>
+              <a:rPr lang="en-US" sz="4800" b="1" dirty="0" smtClean="0">
+                <a:solidFill>
+                  <a:srgbClr val="660033"/>
+                </a:solidFill>
+              </a:rPr>
+              <a:t>.</a:t>
+            </a:r>
+            <a:endParaRPr lang="vi-VN" sz="4800" b="1" dirty="0">
               <a:solidFill>
                 <a:srgbClr val="660033"/>
               </a:solidFill>
-              <a:latin typeface="Microsoft JhengHei" pitchFamily="34" charset="-120"/>
-              <a:ea typeface="Microsoft JhengHei" pitchFamily="34" charset="-120"/>
             </a:endParaRPr>
           </a:p>
         </p:txBody>
@@ -8313,7 +8537,7 @@
     </p:spTree>
     <p:extLst>
       <p:ext uri="{BB962C8B-B14F-4D97-AF65-F5344CB8AC3E}">
-        <p14:creationId xmlns:p14="http://schemas.microsoft.com/office/powerpoint/2010/main" val="1565924508"/>
+        <p14:creationId xmlns:p14="http://schemas.microsoft.com/office/powerpoint/2010/main" val="814181405"/>
       </p:ext>
     </p:extLst>
   </p:cSld>
@@ -8380,17 +8604,7 @@
                 <a:latin typeface="Microsoft JhengHei" pitchFamily="34" charset="-120"/>
                 <a:ea typeface="Microsoft JhengHei" pitchFamily="34" charset="-120"/>
               </a:rPr>
-              <a:t>讚美主耶穌  榮耀都歸</a:t>
-            </a:r>
-            <a:r>
-              <a:rPr lang="zh-CN" altLang="en-US" sz="4800" b="1" dirty="0">
-                <a:solidFill>
-                  <a:srgbClr val="660033"/>
-                </a:solidFill>
-                <a:latin typeface="Microsoft JhengHei" pitchFamily="34" charset="-120"/>
-                <a:ea typeface="Microsoft JhengHei" pitchFamily="34" charset="-120"/>
-              </a:rPr>
-              <a:t>天父</a:t>
+              <a:t>我是個罪人蒙恩典</a:t>
             </a:r>
             <a:endParaRPr lang="en-US" altLang="zh-TW" sz="4800" b="1" dirty="0">
               <a:solidFill>
@@ -8412,15 +8626,22 @@
                 <a:latin typeface="Microsoft JhengHei" pitchFamily="34" charset="-120"/>
                 <a:ea typeface="Microsoft JhengHei" pitchFamily="34" charset="-120"/>
               </a:rPr>
-              <a:t>我只是個罪人  蒙救恩</a:t>
-            </a:r>
+              <a:t>一切的罪惡得赦免</a:t>
+            </a:r>
+            <a:endParaRPr lang="en-US" altLang="zh-TW" sz="4800" b="1" dirty="0">
+              <a:solidFill>
+                <a:srgbClr val="660033"/>
+              </a:solidFill>
+              <a:latin typeface="Microsoft JhengHei" pitchFamily="34" charset="-120"/>
+              <a:ea typeface="Microsoft JhengHei" pitchFamily="34" charset="-120"/>
+            </a:endParaRPr>
           </a:p>
         </p:txBody>
       </p:sp>
     </p:spTree>
     <p:extLst>
       <p:ext uri="{BB962C8B-B14F-4D97-AF65-F5344CB8AC3E}">
-        <p14:creationId xmlns:p14="http://schemas.microsoft.com/office/powerpoint/2010/main" val="2440705368"/>
+        <p14:creationId xmlns:p14="http://schemas.microsoft.com/office/powerpoint/2010/main" val="1565924508"/>
       </p:ext>
     </p:extLst>
   </p:cSld>
@@ -8456,95 +8677,80 @@
       </p:grpSpPr>
       <p:sp>
         <p:nvSpPr>
-          <p:cNvPr id="2" name="標題 1"/>
-          <p:cNvSpPr>
-            <a:spLocks noGrp="1"/>
-          </p:cNvSpPr>
-          <p:nvPr>
-            <p:ph type="title" idx="4294967295"/>
+          <p:cNvPr id="5" name="內容版面配置區 4"/>
+          <p:cNvSpPr>
+            <a:spLocks noGrp="1"/>
+          </p:cNvSpPr>
+          <p:nvPr>
+            <p:ph idx="1"/>
           </p:nvPr>
         </p:nvSpPr>
         <p:spPr>
           <a:xfrm>
-            <a:off x="149" y="2257505"/>
-            <a:ext cx="9144000" cy="628650"/>
+            <a:off x="0" y="1563638"/>
+            <a:ext cx="9144000" cy="1803647"/>
           </a:xfrm>
         </p:spPr>
         <p:txBody>
-          <a:bodyPr>
-            <a:noAutofit/>
+          <a:bodyPr anchor="ctr">
+            <a:normAutofit/>
           </a:bodyPr>
           <a:lstStyle/>
           <a:p>
-            <a:r>
-              <a:rPr lang="zh-CN" altLang="en-US" sz="7200" b="1" dirty="0">
-                <a:solidFill>
-                  <a:srgbClr val="000066"/>
-                </a:solidFill>
-                <a:effectLst>
-                  <a:outerShdw blurRad="38100" dist="38100" dir="2700000" algn="tl">
-                    <a:srgbClr val="000000">
-                      <a:alpha val="43137"/>
-                    </a:srgbClr>
-                  </a:outerShdw>
-                </a:effectLst>
-                <a:latin typeface="微軟正黑體" pitchFamily="34" charset="-120"/>
-                <a:ea typeface="微軟正黑體" pitchFamily="34" charset="-120"/>
-              </a:rPr>
-              <a:t>家事分</a:t>
-            </a:r>
-            <a:r>
-              <a:rPr lang="zh-CN" altLang="en-US" sz="7200" b="1" dirty="0" smtClean="0">
-                <a:solidFill>
-                  <a:srgbClr val="000066"/>
-                </a:solidFill>
-                <a:effectLst>
-                  <a:outerShdw blurRad="38100" dist="38100" dir="2700000" algn="tl">
-                    <a:srgbClr val="000000">
-                      <a:alpha val="43137"/>
-                    </a:srgbClr>
-                  </a:outerShdw>
-                </a:effectLst>
-                <a:latin typeface="微軟正黑體" pitchFamily="34" charset="-120"/>
-                <a:ea typeface="微軟正黑體" pitchFamily="34" charset="-120"/>
-              </a:rPr>
-              <a:t>享代</a:t>
-            </a:r>
-            <a:r>
-              <a:rPr lang="zh-CN" altLang="en-US" sz="7200" b="1" dirty="0">
-                <a:solidFill>
-                  <a:srgbClr val="000066"/>
-                </a:solidFill>
-                <a:effectLst>
-                  <a:outerShdw blurRad="38100" dist="38100" dir="2700000" algn="tl">
-                    <a:srgbClr val="000000">
-                      <a:alpha val="43137"/>
-                    </a:srgbClr>
-                  </a:outerShdw>
-                </a:effectLst>
-                <a:latin typeface="微軟正黑體" pitchFamily="34" charset="-120"/>
-                <a:ea typeface="微軟正黑體" pitchFamily="34" charset="-120"/>
-              </a:rPr>
-              <a:t>禱</a:t>
-            </a:r>
-            <a:endParaRPr lang="zh-TW" altLang="en-US" sz="7200" b="1" dirty="0">
+            <a:pPr marL="0" indent="0" algn="ctr">
+              <a:buNone/>
+            </a:pPr>
+            <a:r>
+              <a:rPr lang="zh-TW" altLang="en-US" sz="4800" b="1" dirty="0">
+                <a:solidFill>
+                  <a:srgbClr val="660033"/>
+                </a:solidFill>
+                <a:latin typeface="Microsoft JhengHei" pitchFamily="34" charset="-120"/>
+                <a:ea typeface="Microsoft JhengHei" pitchFamily="34" charset="-120"/>
+              </a:rPr>
+              <a:t>讚美主耶穌  榮耀都歸</a:t>
+            </a:r>
+            <a:r>
+              <a:rPr lang="zh-CN" altLang="en-US" sz="4800" b="1" dirty="0">
+                <a:solidFill>
+                  <a:srgbClr val="660033"/>
+                </a:solidFill>
+                <a:latin typeface="Microsoft JhengHei" pitchFamily="34" charset="-120"/>
+                <a:ea typeface="Microsoft JhengHei" pitchFamily="34" charset="-120"/>
+              </a:rPr>
+              <a:t>天父</a:t>
+            </a:r>
+            <a:endParaRPr lang="en-US" altLang="zh-TW" sz="4800" b="1" dirty="0">
               <a:solidFill>
-                <a:srgbClr val="000066"/>
+                <a:srgbClr val="660033"/>
               </a:solidFill>
-              <a:effectLst>
-                <a:outerShdw blurRad="38100" dist="38100" dir="2700000" algn="tl">
-                  <a:srgbClr val="000000">
-                    <a:alpha val="43137"/>
-                  </a:srgbClr>
-                </a:outerShdw>
-              </a:effectLst>
-              <a:latin typeface="微軟正黑體" pitchFamily="34" charset="-120"/>
-              <a:ea typeface="微軟正黑體" pitchFamily="34" charset="-120"/>
+              <a:latin typeface="Microsoft JhengHei" pitchFamily="34" charset="-120"/>
+              <a:ea typeface="Microsoft JhengHei" pitchFamily="34" charset="-120"/>
             </a:endParaRPr>
           </a:p>
+          <a:p>
+            <a:pPr marL="0" indent="0" algn="ctr">
+              <a:buNone/>
+            </a:pPr>
+            <a:r>
+              <a:rPr lang="zh-TW" altLang="en-US" sz="4800" b="1" dirty="0">
+                <a:solidFill>
+                  <a:srgbClr val="660033"/>
+                </a:solidFill>
+                <a:latin typeface="Microsoft JhengHei" pitchFamily="34" charset="-120"/>
+                <a:ea typeface="Microsoft JhengHei" pitchFamily="34" charset="-120"/>
+              </a:rPr>
+              <a:t>我只是個罪人  蒙救恩</a:t>
+            </a:r>
+          </a:p>
         </p:txBody>
       </p:sp>
     </p:spTree>
+    <p:extLst>
+      <p:ext uri="{BB962C8B-B14F-4D97-AF65-F5344CB8AC3E}">
+        <p14:creationId xmlns:p14="http://schemas.microsoft.com/office/powerpoint/2010/main" val="2440705368"/>
+      </p:ext>
+    </p:extLst>
   </p:cSld>
   <p:clrMapOvr>
     <a:masterClrMapping/>
@@ -8578,18 +8784,18 @@
       </p:grpSpPr>
       <p:sp>
         <p:nvSpPr>
-          <p:cNvPr id="4" name="標題 3"/>
-          <p:cNvSpPr>
-            <a:spLocks noGrp="1"/>
-          </p:cNvSpPr>
-          <p:nvPr>
-            <p:ph type="title"/>
+          <p:cNvPr id="2" name="標題 1"/>
+          <p:cNvSpPr>
+            <a:spLocks noGrp="1"/>
+          </p:cNvSpPr>
+          <p:nvPr>
+            <p:ph type="title" idx="4294967295"/>
           </p:nvPr>
         </p:nvSpPr>
         <p:spPr>
           <a:xfrm>
-            <a:off x="0" y="2143135"/>
-            <a:ext cx="9144000" cy="857250"/>
+            <a:off x="-135" y="2257262"/>
+            <a:ext cx="9144000" cy="628650"/>
           </a:xfrm>
         </p:spPr>
         <p:txBody>
@@ -8599,9 +8805,9 @@
           <a:lstStyle/>
           <a:p>
             <a:r>
-              <a:rPr lang="zh-TW" altLang="en-US" sz="5400" b="1" i="1" dirty="0" smtClean="0">
-                <a:solidFill>
-                  <a:srgbClr val="660033"/>
+              <a:rPr lang="zh-CN" altLang="en-US" sz="7200" b="1" dirty="0">
+                <a:solidFill>
+                  <a:srgbClr val="000066"/>
                 </a:solidFill>
                 <a:effectLst>
                   <a:outerShdw blurRad="38100" dist="38100" dir="2700000" algn="tl">
@@ -8613,11 +8819,11 @@
                 <a:latin typeface="微軟正黑體" pitchFamily="34" charset="-120"/>
                 <a:ea typeface="微軟正黑體" pitchFamily="34" charset="-120"/>
               </a:rPr>
-              <a:t>尊貴全能神</a:t>
-            </a:r>
-            <a:endParaRPr lang="zh-TW" altLang="en-US" sz="5400" b="1" i="1" dirty="0">
+              <a:t>敬拜讚美神</a:t>
+            </a:r>
+            <a:endParaRPr lang="zh-TW" altLang="en-US" sz="7200" b="1" dirty="0">
               <a:solidFill>
-                <a:srgbClr val="660033"/>
+                <a:srgbClr val="000066"/>
               </a:solidFill>
               <a:effectLst>
                 <a:outerShdw blurRad="38100" dist="38100" dir="2700000" algn="tl">
@@ -8637,6 +8843,13 @@
   <p:clrMapOvr>
     <a:masterClrMapping/>
   </p:clrMapOvr>
+  <p:timing>
+    <p:tnLst>
+      <p:par>
+        <p:cTn id="1" dur="indefinite" restart="never" nodeType="tmRoot"/>
+      </p:par>
+    </p:tnLst>
+  </p:timing>
 </p:sld>
 </file>
 
@@ -8659,18 +8872,18 @@
       </p:grpSpPr>
       <p:sp>
         <p:nvSpPr>
-          <p:cNvPr id="4" name="標題 3"/>
-          <p:cNvSpPr>
-            <a:spLocks noGrp="1"/>
-          </p:cNvSpPr>
-          <p:nvPr>
-            <p:ph type="title"/>
+          <p:cNvPr id="2" name="標題 1"/>
+          <p:cNvSpPr>
+            <a:spLocks noGrp="1"/>
+          </p:cNvSpPr>
+          <p:nvPr>
+            <p:ph type="title" idx="4294967295"/>
           </p:nvPr>
         </p:nvSpPr>
         <p:spPr>
           <a:xfrm>
-            <a:off x="0" y="2143135"/>
-            <a:ext cx="9144000" cy="857250"/>
+            <a:off x="149" y="2257505"/>
+            <a:ext cx="9144000" cy="628650"/>
           </a:xfrm>
         </p:spPr>
         <p:txBody>
@@ -8680,7 +8893,7 @@
           <a:lstStyle/>
           <a:p>
             <a:r>
-              <a:rPr lang="zh-CN" altLang="en-US" sz="7200" b="1" dirty="0" smtClean="0">
+              <a:rPr lang="zh-CN" altLang="en-US" sz="7200" b="1" dirty="0">
                 <a:solidFill>
                   <a:srgbClr val="000066"/>
                 </a:solidFill>
@@ -8694,10 +8907,10 @@
                 <a:latin typeface="微軟正黑體" pitchFamily="34" charset="-120"/>
                 <a:ea typeface="微軟正黑體" pitchFamily="34" charset="-120"/>
               </a:rPr>
-              <a:t>三</a:t>
-            </a:r>
-            <a:r>
-              <a:rPr lang="zh-CN" altLang="en-US" sz="7200" b="1" dirty="0">
+              <a:t>家事分</a:t>
+            </a:r>
+            <a:r>
+              <a:rPr lang="zh-CN" altLang="en-US" sz="7200" b="1" dirty="0" smtClean="0">
                 <a:solidFill>
                   <a:srgbClr val="000066"/>
                 </a:solidFill>
@@ -8711,7 +8924,24 @@
                 <a:latin typeface="微軟正黑體" pitchFamily="34" charset="-120"/>
                 <a:ea typeface="微軟正黑體" pitchFamily="34" charset="-120"/>
               </a:rPr>
-              <a:t>一頌</a:t>
+              <a:t>享代</a:t>
+            </a:r>
+            <a:r>
+              <a:rPr lang="zh-CN" altLang="en-US" sz="7200" b="1" dirty="0">
+                <a:solidFill>
+                  <a:srgbClr val="000066"/>
+                </a:solidFill>
+                <a:effectLst>
+                  <a:outerShdw blurRad="38100" dist="38100" dir="2700000" algn="tl">
+                    <a:srgbClr val="000000">
+                      <a:alpha val="43137"/>
+                    </a:srgbClr>
+                  </a:outerShdw>
+                </a:effectLst>
+                <a:latin typeface="微軟正黑體" pitchFamily="34" charset="-120"/>
+                <a:ea typeface="微軟正黑體" pitchFamily="34" charset="-120"/>
+              </a:rPr>
+              <a:t>禱</a:t>
             </a:r>
             <a:endParaRPr lang="zh-TW" altLang="en-US" sz="7200" b="1" dirty="0">
               <a:solidFill>
@@ -8731,15 +8961,17 @@
         </p:txBody>
       </p:sp>
     </p:spTree>
-    <p:extLst>
-      <p:ext uri="{BB962C8B-B14F-4D97-AF65-F5344CB8AC3E}">
-        <p14:creationId xmlns:p14="http://schemas.microsoft.com/office/powerpoint/2010/main" val="3856766224"/>
-      </p:ext>
-    </p:extLst>
   </p:cSld>
   <p:clrMapOvr>
     <a:masterClrMapping/>
   </p:clrMapOvr>
+  <p:timing>
+    <p:tnLst>
+      <p:par>
+        <p:cTn id="1" dur="indefinite" restart="never" nodeType="tmRoot"/>
+      </p:par>
+    </p:tnLst>
+  </p:timing>
 </p:sld>
 </file>
 
@@ -8762,54 +8994,68 @@
       </p:grpSpPr>
       <p:sp>
         <p:nvSpPr>
-          <p:cNvPr id="5" name="內容版面配置區 4"/>
-          <p:cNvSpPr>
-            <a:spLocks noGrp="1"/>
-          </p:cNvSpPr>
-          <p:nvPr>
-            <p:ph idx="1"/>
+          <p:cNvPr id="4" name="標題 3"/>
+          <p:cNvSpPr>
+            <a:spLocks noGrp="1"/>
+          </p:cNvSpPr>
+          <p:nvPr>
+            <p:ph type="title"/>
           </p:nvPr>
         </p:nvSpPr>
         <p:spPr>
           <a:xfrm>
-            <a:off x="0" y="1563638"/>
-            <a:ext cx="9144000" cy="1803647"/>
+            <a:off x="0" y="2143135"/>
+            <a:ext cx="9144000" cy="857250"/>
           </a:xfrm>
         </p:spPr>
         <p:txBody>
-          <a:bodyPr anchor="ctr">
-            <a:normAutofit/>
+          <a:bodyPr>
+            <a:noAutofit/>
           </a:bodyPr>
           <a:lstStyle/>
           <a:p>
-            <a:pPr algn="ctr">
-              <a:buNone/>
-            </a:pPr>
-            <a:r>
-              <a:rPr lang="zh-CN" altLang="en-US" sz="4800" b="1" dirty="0">
+            <a:r>
+              <a:rPr lang="zh-CN" altLang="en-US" sz="7200" b="1" dirty="0" smtClean="0">
                 <a:solidFill>
                   <a:srgbClr val="000066"/>
                 </a:solidFill>
                 <a:effectLst>
-                  <a:outerShdw blurRad="50000" dist="30000" dir="5400000" algn="tl" rotWithShape="0">
+                  <a:outerShdw blurRad="38100" dist="38100" dir="2700000" algn="tl">
                     <a:srgbClr val="000000">
-                      <a:alpha val="30000"/>
+                      <a:alpha val="43137"/>
                     </a:srgbClr>
                   </a:outerShdw>
                 </a:effectLst>
                 <a:latin typeface="微軟正黑體" pitchFamily="34" charset="-120"/>
                 <a:ea typeface="微軟正黑體" pitchFamily="34" charset="-120"/>
               </a:rPr>
-              <a:t>讚美天父愛世慈仁</a:t>
-            </a:r>
-            <a:endParaRPr lang="en-US" altLang="zh-CN" sz="4800" b="1" dirty="0">
+              <a:t>三</a:t>
+            </a:r>
+            <a:r>
+              <a:rPr lang="zh-CN" altLang="en-US" sz="7200" b="1" dirty="0">
+                <a:solidFill>
+                  <a:srgbClr val="000066"/>
+                </a:solidFill>
+                <a:effectLst>
+                  <a:outerShdw blurRad="38100" dist="38100" dir="2700000" algn="tl">
+                    <a:srgbClr val="000000">
+                      <a:alpha val="43137"/>
+                    </a:srgbClr>
+                  </a:outerShdw>
+                </a:effectLst>
+                <a:latin typeface="微軟正黑體" pitchFamily="34" charset="-120"/>
+                <a:ea typeface="微軟正黑體" pitchFamily="34" charset="-120"/>
+              </a:rPr>
+              <a:t>一頌</a:t>
+            </a:r>
+            <a:endParaRPr lang="zh-TW" altLang="en-US" sz="7200" b="1" dirty="0">
               <a:solidFill>
                 <a:srgbClr val="000066"/>
               </a:solidFill>
               <a:effectLst>
-                <a:outerShdw blurRad="50000" dist="30000" dir="5400000" algn="tl" rotWithShape="0">
+                <a:outerShdw blurRad="38100" dist="38100" dir="2700000" algn="tl">
                   <a:srgbClr val="000000">
-                    <a:alpha val="30000"/>
+                    <a:alpha val="43137"/>
                   </a:srgbClr>
                 </a:outerShdw>
               </a:effectLst>
@@ -8817,48 +9063,12 @@
               <a:ea typeface="微軟正黑體" pitchFamily="34" charset="-120"/>
             </a:endParaRPr>
           </a:p>
-          <a:p>
-            <a:pPr algn="ctr">
-              <a:buNone/>
-            </a:pPr>
-            <a:r>
-              <a:rPr lang="zh-CN" altLang="en-US" sz="4800" b="1" dirty="0">
-                <a:solidFill>
-                  <a:srgbClr val="000066"/>
-                </a:solidFill>
-                <a:effectLst>
-                  <a:outerShdw blurRad="50000" dist="30000" dir="5400000" algn="tl" rotWithShape="0">
-                    <a:srgbClr val="000000">
-                      <a:alpha val="30000"/>
-                    </a:srgbClr>
-                  </a:outerShdw>
-                </a:effectLst>
-                <a:latin typeface="微軟正黑體" pitchFamily="34" charset="-120"/>
-                <a:ea typeface="微軟正黑體" pitchFamily="34" charset="-120"/>
-              </a:rPr>
-              <a:t>讚美耶穌代贖洪恩</a:t>
-            </a:r>
-            <a:endParaRPr lang="en-US" altLang="zh-CN" sz="4800" b="1" dirty="0">
-              <a:solidFill>
-                <a:srgbClr val="000066"/>
-              </a:solidFill>
-              <a:effectLst>
-                <a:outerShdw blurRad="50000" dist="30000" dir="5400000" algn="tl" rotWithShape="0">
-                  <a:srgbClr val="000000">
-                    <a:alpha val="30000"/>
-                  </a:srgbClr>
-                </a:outerShdw>
-              </a:effectLst>
-              <a:latin typeface="微軟正黑體" pitchFamily="34" charset="-120"/>
-              <a:ea typeface="微軟正黑體" pitchFamily="34" charset="-120"/>
-            </a:endParaRPr>
-          </a:p>
         </p:txBody>
       </p:sp>
     </p:spTree>
     <p:extLst>
       <p:ext uri="{BB962C8B-B14F-4D97-AF65-F5344CB8AC3E}">
-        <p14:creationId xmlns:p14="http://schemas.microsoft.com/office/powerpoint/2010/main" val="4258810467"/>
+        <p14:creationId xmlns:p14="http://schemas.microsoft.com/office/powerpoint/2010/main" val="3856766224"/>
       </p:ext>
     </p:extLst>
   </p:cSld>
@@ -8925,7 +9135,7 @@
                 <a:latin typeface="微軟正黑體" pitchFamily="34" charset="-120"/>
                 <a:ea typeface="微軟正黑體" pitchFamily="34" charset="-120"/>
               </a:rPr>
-              <a:t>讚美聖靈開我茅塞</a:t>
+              <a:t>讚美天父愛世慈仁</a:t>
             </a:r>
             <a:endParaRPr lang="en-US" altLang="zh-CN" sz="4800" b="1" dirty="0">
               <a:solidFill>
@@ -8961,9 +9171,9 @@
                 <a:latin typeface="微軟正黑體" pitchFamily="34" charset="-120"/>
                 <a:ea typeface="微軟正黑體" pitchFamily="34" charset="-120"/>
               </a:rPr>
-              <a:t>讚美三位合一真神</a:t>
-            </a:r>
-            <a:endParaRPr lang="zh-TW" altLang="en-US" sz="4800" b="1" dirty="0">
+              <a:t>讚美耶穌代贖洪恩</a:t>
+            </a:r>
+            <a:endParaRPr lang="en-US" altLang="zh-CN" sz="4800" b="1" dirty="0">
               <a:solidFill>
                 <a:srgbClr val="000066"/>
               </a:solidFill>
@@ -8983,7 +9193,7 @@
     </p:spTree>
     <p:extLst>
       <p:ext uri="{BB962C8B-B14F-4D97-AF65-F5344CB8AC3E}">
-        <p14:creationId xmlns:p14="http://schemas.microsoft.com/office/powerpoint/2010/main" val="3198951544"/>
+        <p14:creationId xmlns:p14="http://schemas.microsoft.com/office/powerpoint/2010/main" val="4258810467"/>
       </p:ext>
     </p:extLst>
   </p:cSld>
@@ -9012,68 +9222,54 @@
       </p:grpSpPr>
       <p:sp>
         <p:nvSpPr>
-          <p:cNvPr id="4" name="標題 3"/>
-          <p:cNvSpPr>
-            <a:spLocks noGrp="1"/>
-          </p:cNvSpPr>
-          <p:nvPr>
-            <p:ph type="title"/>
+          <p:cNvPr id="5" name="內容版面配置區 4"/>
+          <p:cNvSpPr>
+            <a:spLocks noGrp="1"/>
+          </p:cNvSpPr>
+          <p:nvPr>
+            <p:ph idx="1"/>
           </p:nvPr>
         </p:nvSpPr>
         <p:spPr>
           <a:xfrm>
-            <a:off x="0" y="2143135"/>
-            <a:ext cx="9144000" cy="857250"/>
+            <a:off x="0" y="1563638"/>
+            <a:ext cx="9144000" cy="1803647"/>
           </a:xfrm>
         </p:spPr>
         <p:txBody>
-          <a:bodyPr>
-            <a:noAutofit/>
+          <a:bodyPr anchor="ctr">
+            <a:normAutofit/>
           </a:bodyPr>
           <a:lstStyle/>
           <a:p>
-            <a:r>
-              <a:rPr lang="zh-CN" altLang="en-US" sz="7200" b="1" dirty="0" smtClean="0">
-                <a:solidFill>
-                  <a:srgbClr val="660033"/>
+            <a:pPr algn="ctr">
+              <a:buNone/>
+            </a:pPr>
+            <a:r>
+              <a:rPr lang="zh-CN" altLang="en-US" sz="4800" b="1" dirty="0">
+                <a:solidFill>
+                  <a:srgbClr val="000066"/>
                 </a:solidFill>
                 <a:effectLst>
-                  <a:outerShdw blurRad="38100" dist="38100" dir="2700000" algn="tl">
+                  <a:outerShdw blurRad="50000" dist="30000" dir="5400000" algn="tl" rotWithShape="0">
                     <a:srgbClr val="000000">
-                      <a:alpha val="43137"/>
+                      <a:alpha val="30000"/>
                     </a:srgbClr>
                   </a:outerShdw>
                 </a:effectLst>
                 <a:latin typeface="微軟正黑體" pitchFamily="34" charset="-120"/>
                 <a:ea typeface="微軟正黑體" pitchFamily="34" charset="-120"/>
               </a:rPr>
-              <a:t>公</a:t>
-            </a:r>
-            <a:r>
-              <a:rPr lang="zh-CN" altLang="en-US" sz="7200" b="1" dirty="0">
-                <a:solidFill>
-                  <a:srgbClr val="660033"/>
-                </a:solidFill>
-                <a:effectLst>
-                  <a:outerShdw blurRad="38100" dist="38100" dir="2700000" algn="tl">
-                    <a:srgbClr val="000000">
-                      <a:alpha val="43137"/>
-                    </a:srgbClr>
-                  </a:outerShdw>
-                </a:effectLst>
-                <a:latin typeface="微軟正黑體" pitchFamily="34" charset="-120"/>
-                <a:ea typeface="微軟正黑體" pitchFamily="34" charset="-120"/>
-              </a:rPr>
-              <a:t>禱文</a:t>
-            </a:r>
-            <a:endParaRPr lang="zh-TW" altLang="en-US" sz="7200" b="1" dirty="0">
+              <a:t>讚美聖靈開我茅塞</a:t>
+            </a:r>
+            <a:endParaRPr lang="en-US" altLang="zh-CN" sz="4800" b="1" dirty="0">
               <a:solidFill>
-                <a:srgbClr val="660033"/>
+                <a:srgbClr val="000066"/>
               </a:solidFill>
               <a:effectLst>
-                <a:outerShdw blurRad="38100" dist="38100" dir="2700000" algn="tl">
+                <a:outerShdw blurRad="50000" dist="30000" dir="5400000" algn="tl" rotWithShape="0">
                   <a:srgbClr val="000000">
-                    <a:alpha val="43137"/>
+                    <a:alpha val="30000"/>
                   </a:srgbClr>
                 </a:outerShdw>
               </a:effectLst>
@@ -9081,12 +9277,48 @@
               <a:ea typeface="微軟正黑體" pitchFamily="34" charset="-120"/>
             </a:endParaRPr>
           </a:p>
+          <a:p>
+            <a:pPr algn="ctr">
+              <a:buNone/>
+            </a:pPr>
+            <a:r>
+              <a:rPr lang="zh-CN" altLang="en-US" sz="4800" b="1" dirty="0">
+                <a:solidFill>
+                  <a:srgbClr val="000066"/>
+                </a:solidFill>
+                <a:effectLst>
+                  <a:outerShdw blurRad="50000" dist="30000" dir="5400000" algn="tl" rotWithShape="0">
+                    <a:srgbClr val="000000">
+                      <a:alpha val="30000"/>
+                    </a:srgbClr>
+                  </a:outerShdw>
+                </a:effectLst>
+                <a:latin typeface="微軟正黑體" pitchFamily="34" charset="-120"/>
+                <a:ea typeface="微軟正黑體" pitchFamily="34" charset="-120"/>
+              </a:rPr>
+              <a:t>讚美三位合一真神</a:t>
+            </a:r>
+            <a:endParaRPr lang="zh-TW" altLang="en-US" sz="4800" b="1" dirty="0">
+              <a:solidFill>
+                <a:srgbClr val="000066"/>
+              </a:solidFill>
+              <a:effectLst>
+                <a:outerShdw blurRad="50000" dist="30000" dir="5400000" algn="tl" rotWithShape="0">
+                  <a:srgbClr val="000000">
+                    <a:alpha val="30000"/>
+                  </a:srgbClr>
+                </a:outerShdw>
+              </a:effectLst>
+              <a:latin typeface="微軟正黑體" pitchFamily="34" charset="-120"/>
+              <a:ea typeface="微軟正黑體" pitchFamily="34" charset="-120"/>
+            </a:endParaRPr>
+          </a:p>
         </p:txBody>
       </p:sp>
     </p:spTree>
     <p:extLst>
       <p:ext uri="{BB962C8B-B14F-4D97-AF65-F5344CB8AC3E}">
-        <p14:creationId xmlns:p14="http://schemas.microsoft.com/office/powerpoint/2010/main" val="3678965060"/>
+        <p14:creationId xmlns:p14="http://schemas.microsoft.com/office/powerpoint/2010/main" val="3198951544"/>
       </p:ext>
     </p:extLst>
   </p:cSld>
@@ -9115,54 +9347,68 @@
       </p:grpSpPr>
       <p:sp>
         <p:nvSpPr>
-          <p:cNvPr id="5" name="內容版面配置區 4"/>
-          <p:cNvSpPr>
-            <a:spLocks noGrp="1"/>
-          </p:cNvSpPr>
-          <p:nvPr>
-            <p:ph idx="1"/>
+          <p:cNvPr id="4" name="標題 3"/>
+          <p:cNvSpPr>
+            <a:spLocks noGrp="1"/>
+          </p:cNvSpPr>
+          <p:nvPr>
+            <p:ph type="title"/>
           </p:nvPr>
         </p:nvSpPr>
         <p:spPr>
           <a:xfrm>
-            <a:off x="0" y="1563638"/>
-            <a:ext cx="9144000" cy="1803647"/>
+            <a:off x="0" y="2143135"/>
+            <a:ext cx="9144000" cy="857250"/>
           </a:xfrm>
         </p:spPr>
         <p:txBody>
-          <a:bodyPr anchor="ctr">
-            <a:normAutofit/>
+          <a:bodyPr>
+            <a:noAutofit/>
           </a:bodyPr>
           <a:lstStyle/>
           <a:p>
-            <a:pPr algn="ctr">
-              <a:buNone/>
-            </a:pPr>
-            <a:r>
-              <a:rPr lang="zh-CN" altLang="en-US" sz="4800" b="1" dirty="0">
+            <a:r>
+              <a:rPr lang="zh-CN" altLang="en-US" sz="7200" b="1" dirty="0" smtClean="0">
                 <a:solidFill>
                   <a:srgbClr val="660033"/>
                 </a:solidFill>
                 <a:effectLst>
-                  <a:outerShdw blurRad="50000" dist="30000" dir="5400000" algn="tl" rotWithShape="0">
+                  <a:outerShdw blurRad="38100" dist="38100" dir="2700000" algn="tl">
                     <a:srgbClr val="000000">
-                      <a:alpha val="30000"/>
+                      <a:alpha val="43137"/>
                     </a:srgbClr>
                   </a:outerShdw>
                 </a:effectLst>
                 <a:latin typeface="微軟正黑體" pitchFamily="34" charset="-120"/>
                 <a:ea typeface="微軟正黑體" pitchFamily="34" charset="-120"/>
               </a:rPr>
-              <a:t>我們在天上的父</a:t>
-            </a:r>
-            <a:endParaRPr lang="en-US" altLang="zh-CN" sz="4800" b="1" dirty="0">
+              <a:t>公</a:t>
+            </a:r>
+            <a:r>
+              <a:rPr lang="zh-CN" altLang="en-US" sz="7200" b="1" dirty="0">
+                <a:solidFill>
+                  <a:srgbClr val="660033"/>
+                </a:solidFill>
+                <a:effectLst>
+                  <a:outerShdw blurRad="38100" dist="38100" dir="2700000" algn="tl">
+                    <a:srgbClr val="000000">
+                      <a:alpha val="43137"/>
+                    </a:srgbClr>
+                  </a:outerShdw>
+                </a:effectLst>
+                <a:latin typeface="微軟正黑體" pitchFamily="34" charset="-120"/>
+                <a:ea typeface="微軟正黑體" pitchFamily="34" charset="-120"/>
+              </a:rPr>
+              <a:t>禱文</a:t>
+            </a:r>
+            <a:endParaRPr lang="zh-TW" altLang="en-US" sz="7200" b="1" dirty="0">
               <a:solidFill>
                 <a:srgbClr val="660033"/>
               </a:solidFill>
               <a:effectLst>
-                <a:outerShdw blurRad="50000" dist="30000" dir="5400000" algn="tl" rotWithShape="0">
+                <a:outerShdw blurRad="38100" dist="38100" dir="2700000" algn="tl">
                   <a:srgbClr val="000000">
-                    <a:alpha val="30000"/>
+                    <a:alpha val="43137"/>
                   </a:srgbClr>
                 </a:outerShdw>
               </a:effectLst>
@@ -9170,48 +9416,12 @@
               <a:ea typeface="微軟正黑體" pitchFamily="34" charset="-120"/>
             </a:endParaRPr>
           </a:p>
-          <a:p>
-            <a:pPr algn="ctr">
-              <a:buNone/>
-            </a:pPr>
-            <a:r>
-              <a:rPr lang="zh-CN" altLang="en-US" sz="4800" b="1" dirty="0">
-                <a:solidFill>
-                  <a:srgbClr val="660033"/>
-                </a:solidFill>
-                <a:effectLst>
-                  <a:outerShdw blurRad="50000" dist="30000" dir="5400000" algn="tl" rotWithShape="0">
-                    <a:srgbClr val="000000">
-                      <a:alpha val="30000"/>
-                    </a:srgbClr>
-                  </a:outerShdw>
-                </a:effectLst>
-                <a:latin typeface="微軟正黑體" pitchFamily="34" charset="-120"/>
-                <a:ea typeface="微軟正黑體" pitchFamily="34" charset="-120"/>
-              </a:rPr>
-              <a:t>願人都尊父的名為聖</a:t>
-            </a:r>
-            <a:endParaRPr lang="en-US" altLang="zh-CN" sz="4800" b="1" dirty="0">
-              <a:solidFill>
-                <a:srgbClr val="660033"/>
-              </a:solidFill>
-              <a:effectLst>
-                <a:outerShdw blurRad="50000" dist="30000" dir="5400000" algn="tl" rotWithShape="0">
-                  <a:srgbClr val="000000">
-                    <a:alpha val="30000"/>
-                  </a:srgbClr>
-                </a:outerShdw>
-              </a:effectLst>
-              <a:latin typeface="微軟正黑體" pitchFamily="34" charset="-120"/>
-              <a:ea typeface="微軟正黑體" pitchFamily="34" charset="-120"/>
-            </a:endParaRPr>
-          </a:p>
         </p:txBody>
       </p:sp>
     </p:spTree>
     <p:extLst>
       <p:ext uri="{BB962C8B-B14F-4D97-AF65-F5344CB8AC3E}">
-        <p14:creationId xmlns:p14="http://schemas.microsoft.com/office/powerpoint/2010/main" val="2306578235"/>
+        <p14:creationId xmlns:p14="http://schemas.microsoft.com/office/powerpoint/2010/main" val="3678965060"/>
       </p:ext>
     </p:extLst>
   </p:cSld>
@@ -9278,7 +9488,7 @@
                 <a:latin typeface="微軟正黑體" pitchFamily="34" charset="-120"/>
                 <a:ea typeface="微軟正黑體" pitchFamily="34" charset="-120"/>
               </a:rPr>
-              <a:t>願父的國降臨</a:t>
+              <a:t>我們在天上的父</a:t>
             </a:r>
             <a:endParaRPr lang="en-US" altLang="zh-CN" sz="4800" b="1" dirty="0">
               <a:solidFill>
@@ -9314,7 +9524,7 @@
                 <a:latin typeface="微軟正黑體" pitchFamily="34" charset="-120"/>
                 <a:ea typeface="微軟正黑體" pitchFamily="34" charset="-120"/>
               </a:rPr>
-              <a:t>願父的旨意行在地上</a:t>
+              <a:t>願人都尊父的名為聖</a:t>
             </a:r>
             <a:endParaRPr lang="en-US" altLang="zh-CN" sz="4800" b="1" dirty="0">
               <a:solidFill>
@@ -9336,7 +9546,7 @@
     </p:spTree>
     <p:extLst>
       <p:ext uri="{BB962C8B-B14F-4D97-AF65-F5344CB8AC3E}">
-        <p14:creationId xmlns:p14="http://schemas.microsoft.com/office/powerpoint/2010/main" val="1726235318"/>
+        <p14:creationId xmlns:p14="http://schemas.microsoft.com/office/powerpoint/2010/main" val="2306578235"/>
       </p:ext>
     </p:extLst>
   </p:cSld>
@@ -9403,9 +9613,9 @@
                 <a:latin typeface="微軟正黑體" pitchFamily="34" charset="-120"/>
                 <a:ea typeface="微軟正黑體" pitchFamily="34" charset="-120"/>
               </a:rPr>
-              <a:t>如同行在天上</a:t>
-            </a:r>
-            <a:endParaRPr lang="zh-TW" altLang="en-US" sz="4800" b="1" dirty="0">
+              <a:t>願父的國降臨</a:t>
+            </a:r>
+            <a:endParaRPr lang="en-US" altLang="zh-CN" sz="4800" b="1" dirty="0">
               <a:solidFill>
                 <a:srgbClr val="660033"/>
               </a:solidFill>
@@ -9420,12 +9630,48 @@
               <a:ea typeface="微軟正黑體" pitchFamily="34" charset="-120"/>
             </a:endParaRPr>
           </a:p>
+          <a:p>
+            <a:pPr algn="ctr">
+              <a:buNone/>
+            </a:pPr>
+            <a:r>
+              <a:rPr lang="zh-CN" altLang="en-US" sz="4800" b="1" dirty="0">
+                <a:solidFill>
+                  <a:srgbClr val="660033"/>
+                </a:solidFill>
+                <a:effectLst>
+                  <a:outerShdw blurRad="50000" dist="30000" dir="5400000" algn="tl" rotWithShape="0">
+                    <a:srgbClr val="000000">
+                      <a:alpha val="30000"/>
+                    </a:srgbClr>
+                  </a:outerShdw>
+                </a:effectLst>
+                <a:latin typeface="微軟正黑體" pitchFamily="34" charset="-120"/>
+                <a:ea typeface="微軟正黑體" pitchFamily="34" charset="-120"/>
+              </a:rPr>
+              <a:t>願父的旨意行在地上</a:t>
+            </a:r>
+            <a:endParaRPr lang="en-US" altLang="zh-CN" sz="4800" b="1" dirty="0">
+              <a:solidFill>
+                <a:srgbClr val="660033"/>
+              </a:solidFill>
+              <a:effectLst>
+                <a:outerShdw blurRad="50000" dist="30000" dir="5400000" algn="tl" rotWithShape="0">
+                  <a:srgbClr val="000000">
+                    <a:alpha val="30000"/>
+                  </a:srgbClr>
+                </a:outerShdw>
+              </a:effectLst>
+              <a:latin typeface="微軟正黑體" pitchFamily="34" charset="-120"/>
+              <a:ea typeface="微軟正黑體" pitchFamily="34" charset="-120"/>
+            </a:endParaRPr>
+          </a:p>
         </p:txBody>
       </p:sp>
     </p:spTree>
     <p:extLst>
       <p:ext uri="{BB962C8B-B14F-4D97-AF65-F5344CB8AC3E}">
-        <p14:creationId xmlns:p14="http://schemas.microsoft.com/office/powerpoint/2010/main" val="588642297"/>
+        <p14:creationId xmlns:p14="http://schemas.microsoft.com/office/powerpoint/2010/main" val="1726235318"/>
       </p:ext>
     </p:extLst>
   </p:cSld>
@@ -9492,9 +9738,9 @@
                 <a:latin typeface="微軟正黑體" pitchFamily="34" charset="-120"/>
                 <a:ea typeface="微軟正黑體" pitchFamily="34" charset="-120"/>
               </a:rPr>
-              <a:t>我們日用的飲食</a:t>
-            </a:r>
-            <a:endParaRPr lang="en-US" altLang="zh-CN" sz="4800" b="1" dirty="0">
+              <a:t>如同行在天上</a:t>
+            </a:r>
+            <a:endParaRPr lang="zh-TW" altLang="en-US" sz="4800" b="1" dirty="0">
               <a:solidFill>
                 <a:srgbClr val="660033"/>
               </a:solidFill>
@@ -9509,48 +9755,12 @@
               <a:ea typeface="微軟正黑體" pitchFamily="34" charset="-120"/>
             </a:endParaRPr>
           </a:p>
-          <a:p>
-            <a:pPr algn="ctr">
-              <a:buNone/>
-            </a:pPr>
-            <a:r>
-              <a:rPr lang="zh-CN" altLang="en-US" sz="4800" b="1" dirty="0">
-                <a:solidFill>
-                  <a:srgbClr val="660033"/>
-                </a:solidFill>
-                <a:effectLst>
-                  <a:outerShdw blurRad="50000" dist="30000" dir="5400000" algn="tl" rotWithShape="0">
-                    <a:srgbClr val="000000">
-                      <a:alpha val="30000"/>
-                    </a:srgbClr>
-                  </a:outerShdw>
-                </a:effectLst>
-                <a:latin typeface="微軟正黑體" pitchFamily="34" charset="-120"/>
-                <a:ea typeface="微軟正黑體" pitchFamily="34" charset="-120"/>
-              </a:rPr>
-              <a:t>今日賜給我們</a:t>
-            </a:r>
-            <a:endParaRPr lang="en-US" altLang="zh-CN" sz="4800" b="1" dirty="0">
-              <a:solidFill>
-                <a:srgbClr val="660033"/>
-              </a:solidFill>
-              <a:effectLst>
-                <a:outerShdw blurRad="50000" dist="30000" dir="5400000" algn="tl" rotWithShape="0">
-                  <a:srgbClr val="000000">
-                    <a:alpha val="30000"/>
-                  </a:srgbClr>
-                </a:outerShdw>
-              </a:effectLst>
-              <a:latin typeface="微軟正黑體" pitchFamily="34" charset="-120"/>
-              <a:ea typeface="微軟正黑體" pitchFamily="34" charset="-120"/>
-            </a:endParaRPr>
-          </a:p>
         </p:txBody>
       </p:sp>
     </p:spTree>
     <p:extLst>
       <p:ext uri="{BB962C8B-B14F-4D97-AF65-F5344CB8AC3E}">
-        <p14:creationId xmlns:p14="http://schemas.microsoft.com/office/powerpoint/2010/main" val="1319233991"/>
+        <p14:creationId xmlns:p14="http://schemas.microsoft.com/office/powerpoint/2010/main" val="588642297"/>
       </p:ext>
     </p:extLst>
   </p:cSld>
@@ -9617,7 +9827,7 @@
                 <a:latin typeface="微軟正黑體" pitchFamily="34" charset="-120"/>
                 <a:ea typeface="微軟正黑體" pitchFamily="34" charset="-120"/>
               </a:rPr>
-              <a:t>免我們的債</a:t>
+              <a:t>我們日用的飲食</a:t>
             </a:r>
             <a:endParaRPr lang="en-US" altLang="zh-CN" sz="4800" b="1" dirty="0">
               <a:solidFill>
@@ -9653,9 +9863,9 @@
                 <a:latin typeface="微軟正黑體" pitchFamily="34" charset="-120"/>
                 <a:ea typeface="微軟正黑體" pitchFamily="34" charset="-120"/>
               </a:rPr>
-              <a:t>如同我們免了人的債</a:t>
-            </a:r>
-            <a:endParaRPr lang="zh-TW" altLang="en-US" sz="4800" b="1" dirty="0">
+              <a:t>今日賜給我們</a:t>
+            </a:r>
+            <a:endParaRPr lang="en-US" altLang="zh-CN" sz="4800" b="1" dirty="0">
               <a:solidFill>
                 <a:srgbClr val="660033"/>
               </a:solidFill>
@@ -9675,7 +9885,7 @@
     </p:spTree>
     <p:extLst>
       <p:ext uri="{BB962C8B-B14F-4D97-AF65-F5344CB8AC3E}">
-        <p14:creationId xmlns:p14="http://schemas.microsoft.com/office/powerpoint/2010/main" val="2058767591"/>
+        <p14:creationId xmlns:p14="http://schemas.microsoft.com/office/powerpoint/2010/main" val="1319233991"/>
       </p:ext>
     </p:extLst>
   </p:cSld>
@@ -9742,7 +9952,7 @@
                 <a:latin typeface="微軟正黑體" pitchFamily="34" charset="-120"/>
                 <a:ea typeface="微軟正黑體" pitchFamily="34" charset="-120"/>
               </a:rPr>
-              <a:t>不叫我們遇見試探</a:t>
+              <a:t>免我們的債</a:t>
             </a:r>
             <a:endParaRPr lang="en-US" altLang="zh-CN" sz="4800" b="1" dirty="0">
               <a:solidFill>
@@ -9778,9 +9988,9 @@
                 <a:latin typeface="微軟正黑體" pitchFamily="34" charset="-120"/>
                 <a:ea typeface="微軟正黑體" pitchFamily="34" charset="-120"/>
               </a:rPr>
-              <a:t>救我們脫離兇惡</a:t>
-            </a:r>
-            <a:endParaRPr lang="en-US" altLang="zh-CN" sz="4800" b="1" dirty="0">
+              <a:t>如同我們免了人的債</a:t>
+            </a:r>
+            <a:endParaRPr lang="zh-TW" altLang="en-US" sz="4800" b="1" dirty="0">
               <a:solidFill>
                 <a:srgbClr val="660033"/>
               </a:solidFill>
@@ -9800,7 +10010,7 @@
     </p:spTree>
     <p:extLst>
       <p:ext uri="{BB962C8B-B14F-4D97-AF65-F5344CB8AC3E}">
-        <p14:creationId xmlns:p14="http://schemas.microsoft.com/office/powerpoint/2010/main" val="2627005698"/>
+        <p14:creationId xmlns:p14="http://schemas.microsoft.com/office/powerpoint/2010/main" val="2058767591"/>
       </p:ext>
     </p:extLst>
   </p:cSld>
@@ -9829,65 +10039,54 @@
       </p:grpSpPr>
       <p:sp>
         <p:nvSpPr>
-          <p:cNvPr id="5" name="內容版面配置區 4"/>
-          <p:cNvSpPr>
-            <a:spLocks noGrp="1"/>
-          </p:cNvSpPr>
-          <p:nvPr>
-            <p:ph idx="1"/>
+          <p:cNvPr id="4" name="標題 3"/>
+          <p:cNvSpPr>
+            <a:spLocks noGrp="1"/>
+          </p:cNvSpPr>
+          <p:nvPr>
+            <p:ph type="title"/>
           </p:nvPr>
         </p:nvSpPr>
         <p:spPr>
           <a:xfrm>
-            <a:off x="0" y="1563638"/>
-            <a:ext cx="9144000" cy="1803647"/>
+            <a:off x="0" y="2143135"/>
+            <a:ext cx="9144000" cy="857250"/>
           </a:xfrm>
         </p:spPr>
         <p:txBody>
-          <a:bodyPr anchor="ctr">
-            <a:normAutofit/>
+          <a:bodyPr>
+            <a:noAutofit/>
           </a:bodyPr>
           <a:lstStyle/>
           <a:p>
-            <a:pPr algn="ctr">
-              <a:buNone/>
-            </a:pPr>
-            <a:r>
-              <a:rPr lang="zh-TW" altLang="en-US" sz="4800" b="1" dirty="0" smtClean="0">
+            <a:r>
+              <a:rPr lang="zh-TW" altLang="en-US" sz="5400" b="1" i="1" dirty="0" smtClean="0">
                 <a:solidFill>
                   <a:srgbClr val="660033"/>
                 </a:solidFill>
-                <a:latin typeface="微軟正黑體" pitchFamily="34" charset="-120"/>
-                <a:ea typeface="微軟正黑體" pitchFamily="34" charset="-120"/>
-              </a:rPr>
-              <a:t>全能真神祢掌權</a:t>
-            </a:r>
-            <a:endParaRPr lang="en-US" altLang="zh-TW" sz="4800" b="1" dirty="0" smtClean="0">
+                <a:effectLst>
+                  <a:outerShdw blurRad="38100" dist="38100" dir="2700000" algn="tl">
+                    <a:srgbClr val="000000">
+                      <a:alpha val="43137"/>
+                    </a:srgbClr>
+                  </a:outerShdw>
+                </a:effectLst>
+                <a:latin typeface="微軟正黑體" pitchFamily="34" charset="-120"/>
+                <a:ea typeface="微軟正黑體" pitchFamily="34" charset="-120"/>
+              </a:rPr>
+              <a:t>尊貴全能神</a:t>
+            </a:r>
+            <a:endParaRPr lang="zh-TW" altLang="en-US" sz="5400" b="1" i="1" dirty="0">
               <a:solidFill>
                 <a:srgbClr val="660033"/>
               </a:solidFill>
-              <a:latin typeface="微軟正黑體" pitchFamily="34" charset="-120"/>
-              <a:ea typeface="微軟正黑體" pitchFamily="34" charset="-120"/>
-            </a:endParaRPr>
-          </a:p>
-          <a:p>
-            <a:pPr algn="ctr">
-              <a:buNone/>
-            </a:pPr>
-            <a:r>
-              <a:rPr lang="zh-TW" altLang="en-US" sz="4800" b="1" dirty="0" smtClean="0">
-                <a:solidFill>
-                  <a:srgbClr val="660033"/>
-                </a:solidFill>
-                <a:latin typeface="微軟正黑體" pitchFamily="34" charset="-120"/>
-                <a:ea typeface="微軟正黑體" pitchFamily="34" charset="-120"/>
-              </a:rPr>
-              <a:t>祢的慈愛永遠長存</a:t>
-            </a:r>
-            <a:endParaRPr lang="en-US" altLang="zh-TW" sz="4800" b="1" dirty="0" smtClean="0">
-              <a:solidFill>
-                <a:srgbClr val="660033"/>
-              </a:solidFill>
+              <a:effectLst>
+                <a:outerShdw blurRad="38100" dist="38100" dir="2700000" algn="tl">
+                  <a:srgbClr val="000000">
+                    <a:alpha val="43137"/>
+                  </a:srgbClr>
+                </a:outerShdw>
+              </a:effectLst>
               <a:latin typeface="微軟正黑體" pitchFamily="34" charset="-120"/>
               <a:ea typeface="微軟正黑體" pitchFamily="34" charset="-120"/>
             </a:endParaRPr>
@@ -9959,7 +10158,7 @@
                 <a:latin typeface="微軟正黑體" pitchFamily="34" charset="-120"/>
                 <a:ea typeface="微軟正黑體" pitchFamily="34" charset="-120"/>
               </a:rPr>
-              <a:t>因為國度  權柄  榮耀</a:t>
+              <a:t>不叫我們遇見試探</a:t>
             </a:r>
             <a:endParaRPr lang="en-US" altLang="zh-CN" sz="4800" b="1" dirty="0">
               <a:solidFill>
@@ -9995,43 +10194,9 @@
                 <a:latin typeface="微軟正黑體" pitchFamily="34" charset="-120"/>
                 <a:ea typeface="微軟正黑體" pitchFamily="34" charset="-120"/>
               </a:rPr>
-              <a:t>全是父的  直到永遠</a:t>
-            </a:r>
-            <a:r>
-              <a:rPr lang="en-US" altLang="zh-CN" sz="4800" b="1" dirty="0">
-                <a:solidFill>
-                  <a:srgbClr val="660033"/>
-                </a:solidFill>
-                <a:effectLst>
-                  <a:outerShdw blurRad="50000" dist="30000" dir="5400000" algn="tl" rotWithShape="0">
-                    <a:srgbClr val="000000">
-                      <a:alpha val="30000"/>
-                    </a:srgbClr>
-                  </a:outerShdw>
-                </a:effectLst>
-                <a:latin typeface="微軟正黑體" pitchFamily="34" charset="-120"/>
-                <a:ea typeface="微軟正黑體" pitchFamily="34" charset="-120"/>
-              </a:rPr>
-              <a:t>  </a:t>
-            </a:r>
-            <a:r>
-              <a:rPr lang="zh-CN" altLang="en-US" sz="4800" b="1" dirty="0">
-                <a:solidFill>
-                  <a:srgbClr val="660033"/>
-                </a:solidFill>
-                <a:effectLst>
-                  <a:outerShdw blurRad="50000" dist="30000" dir="5400000" algn="tl" rotWithShape="0">
-                    <a:srgbClr val="000000">
-                      <a:alpha val="30000"/>
-                    </a:srgbClr>
-                  </a:outerShdw>
-                </a:effectLst>
-                <a:latin typeface="微軟正黑體" pitchFamily="34" charset="-120"/>
-                <a:ea typeface="微軟正黑體" pitchFamily="34" charset="-120"/>
-              </a:rPr>
-              <a:t>阿門</a:t>
-            </a:r>
-            <a:endParaRPr lang="zh-TW" altLang="en-US" sz="4800" b="1" dirty="0">
+              <a:t>救我們脫離兇惡</a:t>
+            </a:r>
+            <a:endParaRPr lang="en-US" altLang="zh-CN" sz="4800" b="1" dirty="0">
               <a:solidFill>
                 <a:srgbClr val="660033"/>
               </a:solidFill>
@@ -10051,7 +10216,7 @@
     </p:spTree>
     <p:extLst>
       <p:ext uri="{BB962C8B-B14F-4D97-AF65-F5344CB8AC3E}">
-        <p14:creationId xmlns:p14="http://schemas.microsoft.com/office/powerpoint/2010/main" val="3617491913"/>
+        <p14:creationId xmlns:p14="http://schemas.microsoft.com/office/powerpoint/2010/main" val="2627005698"/>
       </p:ext>
     </p:extLst>
   </p:cSld>
@@ -10080,52 +10245,54 @@
       </p:grpSpPr>
       <p:sp>
         <p:nvSpPr>
-          <p:cNvPr id="2" name="標題 1"/>
-          <p:cNvSpPr>
-            <a:spLocks noGrp="1"/>
-          </p:cNvSpPr>
-          <p:nvPr>
-            <p:ph type="title" idx="4294967295"/>
+          <p:cNvPr id="5" name="內容版面配置區 4"/>
+          <p:cNvSpPr>
+            <a:spLocks noGrp="1"/>
+          </p:cNvSpPr>
+          <p:nvPr>
+            <p:ph idx="1"/>
           </p:nvPr>
         </p:nvSpPr>
         <p:spPr>
           <a:xfrm>
-            <a:off x="0" y="1707654"/>
-            <a:ext cx="9144000" cy="628650"/>
+            <a:off x="0" y="1563638"/>
+            <a:ext cx="9144000" cy="1803647"/>
           </a:xfrm>
         </p:spPr>
         <p:txBody>
-          <a:bodyPr>
-            <a:noAutofit/>
+          <a:bodyPr anchor="ctr">
+            <a:normAutofit/>
           </a:bodyPr>
           <a:lstStyle/>
           <a:p>
-            <a:pPr algn="ctr"/>
-            <a:r>
-              <a:rPr lang="zh-CN" altLang="en-US" sz="5400" b="1" dirty="0" smtClean="0">
-                <a:solidFill>
-                  <a:srgbClr val="000066"/>
+            <a:pPr algn="ctr">
+              <a:buNone/>
+            </a:pPr>
+            <a:r>
+              <a:rPr lang="zh-CN" altLang="en-US" sz="4800" b="1" dirty="0">
+                <a:solidFill>
+                  <a:srgbClr val="660033"/>
                 </a:solidFill>
                 <a:effectLst>
-                  <a:outerShdw blurRad="38100" dist="38100" dir="2700000" algn="tl">
+                  <a:outerShdw blurRad="50000" dist="30000" dir="5400000" algn="tl" rotWithShape="0">
                     <a:srgbClr val="000000">
-                      <a:alpha val="43137"/>
+                      <a:alpha val="30000"/>
                     </a:srgbClr>
                   </a:outerShdw>
                 </a:effectLst>
                 <a:latin typeface="微軟正黑體" pitchFamily="34" charset="-120"/>
                 <a:ea typeface="微軟正黑體" pitchFamily="34" charset="-120"/>
               </a:rPr>
-              <a:t>祝福</a:t>
-            </a:r>
-            <a:endParaRPr lang="zh-TW" altLang="en-US" sz="5400" b="1" dirty="0">
+              <a:t>因為國度  權柄  榮耀</a:t>
+            </a:r>
+            <a:endParaRPr lang="en-US" altLang="zh-CN" sz="4800" b="1" dirty="0">
               <a:solidFill>
-                <a:srgbClr val="000066"/>
+                <a:srgbClr val="660033"/>
               </a:solidFill>
               <a:effectLst>
-                <a:outerShdw blurRad="38100" dist="38100" dir="2700000" algn="tl">
+                <a:outerShdw blurRad="50000" dist="30000" dir="5400000" algn="tl" rotWithShape="0">
                   <a:srgbClr val="000000">
-                    <a:alpha val="43137"/>
+                    <a:alpha val="30000"/>
                   </a:srgbClr>
                 </a:outerShdw>
               </a:effectLst>
@@ -10133,98 +10300,74 @@
               <a:ea typeface="微軟正黑體" pitchFamily="34" charset="-120"/>
             </a:endParaRPr>
           </a:p>
-        </p:txBody>
-      </p:sp>
-      <p:sp>
-        <p:nvSpPr>
-          <p:cNvPr id="3" name="矩形 2"/>
-          <p:cNvSpPr/>
-          <p:nvPr/>
-        </p:nvSpPr>
-        <p:spPr>
-          <a:xfrm>
-            <a:off x="0" y="2427734"/>
-            <a:ext cx="9144000" cy="830997"/>
-          </a:xfrm>
-          <a:prstGeom prst="rect">
-            <a:avLst/>
-          </a:prstGeom>
-        </p:spPr>
-        <p:txBody>
-          <a:bodyPr wrap="square">
-            <a:spAutoFit/>
-          </a:bodyPr>
-          <a:lstStyle/>
-          <a:p>
-            <a:pPr algn="ctr"/>
-            <a:r>
-              <a:rPr lang="en-US" altLang="zh-CN" sz="4800" b="1" dirty="0" smtClean="0">
+          <a:p>
+            <a:pPr algn="ctr">
+              <a:buNone/>
+            </a:pPr>
+            <a:r>
+              <a:rPr lang="zh-CN" altLang="en-US" sz="4800" b="1" dirty="0">
                 <a:solidFill>
                   <a:srgbClr val="660033"/>
                 </a:solidFill>
                 <a:effectLst>
-                  <a:outerShdw blurRad="38100" dist="38100" dir="2700000" algn="tl">
+                  <a:outerShdw blurRad="50000" dist="30000" dir="5400000" algn="tl" rotWithShape="0">
                     <a:srgbClr val="000000">
-                      <a:alpha val="43137"/>
+                      <a:alpha val="30000"/>
                     </a:srgbClr>
                   </a:outerShdw>
                 </a:effectLst>
                 <a:latin typeface="微軟正黑體" pitchFamily="34" charset="-120"/>
                 <a:ea typeface="微軟正黑體" pitchFamily="34" charset="-120"/>
-                <a:cs typeface="+mj-cs"/>
-              </a:rPr>
-              <a:t>(</a:t>
-            </a:r>
-            <a:r>
-              <a:rPr lang="zh-CN" altLang="en-US" sz="4800" b="1" dirty="0" smtClean="0">
+              </a:rPr>
+              <a:t>全是父的  直到永遠</a:t>
+            </a:r>
+            <a:r>
+              <a:rPr lang="en-US" altLang="zh-CN" sz="4800" b="1" dirty="0">
                 <a:solidFill>
                   <a:srgbClr val="660033"/>
                 </a:solidFill>
                 <a:effectLst>
-                  <a:outerShdw blurRad="38100" dist="38100" dir="2700000" algn="tl">
+                  <a:outerShdw blurRad="50000" dist="30000" dir="5400000" algn="tl" rotWithShape="0">
                     <a:srgbClr val="000000">
-                      <a:alpha val="43137"/>
+                      <a:alpha val="30000"/>
                     </a:srgbClr>
                   </a:outerShdw>
                 </a:effectLst>
                 <a:latin typeface="微軟正黑體" pitchFamily="34" charset="-120"/>
                 <a:ea typeface="微軟正黑體" pitchFamily="34" charset="-120"/>
-                <a:cs typeface="+mj-cs"/>
-              </a:rPr>
-              <a:t>主禮牧師</a:t>
-            </a:r>
-            <a:r>
-              <a:rPr lang="en-US" altLang="zh-CN" sz="4800" b="1" dirty="0" smtClean="0">
+              </a:rPr>
+              <a:t>  </a:t>
+            </a:r>
+            <a:r>
+              <a:rPr lang="zh-CN" altLang="en-US" sz="4800" b="1" dirty="0">
                 <a:solidFill>
                   <a:srgbClr val="660033"/>
                 </a:solidFill>
                 <a:effectLst>
-                  <a:outerShdw blurRad="38100" dist="38100" dir="2700000" algn="tl">
+                  <a:outerShdw blurRad="50000" dist="30000" dir="5400000" algn="tl" rotWithShape="0">
                     <a:srgbClr val="000000">
-                      <a:alpha val="43137"/>
+                      <a:alpha val="30000"/>
                     </a:srgbClr>
                   </a:outerShdw>
                 </a:effectLst>
                 <a:latin typeface="微軟正黑體" pitchFamily="34" charset="-120"/>
                 <a:ea typeface="微軟正黑體" pitchFamily="34" charset="-120"/>
-                <a:cs typeface="+mj-cs"/>
-              </a:rPr>
-              <a:t>)</a:t>
-            </a:r>
-            <a:endParaRPr lang="zh-TW" altLang="en-US" sz="4800" b="1" dirty="0" smtClean="0">
+              </a:rPr>
+              <a:t>阿門</a:t>
+            </a:r>
+            <a:endParaRPr lang="zh-TW" altLang="en-US" sz="4800" b="1" dirty="0">
               <a:solidFill>
                 <a:srgbClr val="660033"/>
               </a:solidFill>
               <a:effectLst>
-                <a:outerShdw blurRad="38100" dist="38100" dir="2700000" algn="tl">
+                <a:outerShdw blurRad="50000" dist="30000" dir="5400000" algn="tl" rotWithShape="0">
                   <a:srgbClr val="000000">
-                    <a:alpha val="43137"/>
+                    <a:alpha val="30000"/>
                   </a:srgbClr>
                 </a:outerShdw>
               </a:effectLst>
               <a:latin typeface="微軟正黑體" pitchFamily="34" charset="-120"/>
               <a:ea typeface="微軟正黑體" pitchFamily="34" charset="-120"/>
-              <a:cs typeface="+mj-cs"/>
             </a:endParaRPr>
           </a:p>
         </p:txBody>
@@ -10232,20 +10375,13 @@
     </p:spTree>
     <p:extLst>
       <p:ext uri="{BB962C8B-B14F-4D97-AF65-F5344CB8AC3E}">
-        <p14:creationId xmlns:p14="http://schemas.microsoft.com/office/powerpoint/2010/main" val="1671247361"/>
+        <p14:creationId xmlns:p14="http://schemas.microsoft.com/office/powerpoint/2010/main" val="3617491913"/>
       </p:ext>
     </p:extLst>
   </p:cSld>
   <p:clrMapOvr>
     <a:masterClrMapping/>
   </p:clrMapOvr>
-  <p:timing>
-    <p:tnLst>
-      <p:par>
-        <p:cTn id="1" dur="indefinite" restart="never" nodeType="tmRoot"/>
-      </p:par>
-    </p:tnLst>
-  </p:timing>
 </p:sld>
 </file>
 
@@ -10268,14 +10404,71 @@
       </p:grpSpPr>
       <p:sp>
         <p:nvSpPr>
-          <p:cNvPr id="2" name="矩形 1"/>
+          <p:cNvPr id="2" name="標題 1"/>
+          <p:cNvSpPr>
+            <a:spLocks noGrp="1"/>
+          </p:cNvSpPr>
+          <p:nvPr>
+            <p:ph type="title" idx="4294967295"/>
+          </p:nvPr>
+        </p:nvSpPr>
+        <p:spPr>
+          <a:xfrm>
+            <a:off x="0" y="1707654"/>
+            <a:ext cx="9144000" cy="628650"/>
+          </a:xfrm>
+        </p:spPr>
+        <p:txBody>
+          <a:bodyPr>
+            <a:noAutofit/>
+          </a:bodyPr>
+          <a:lstStyle/>
+          <a:p>
+            <a:pPr algn="ctr"/>
+            <a:r>
+              <a:rPr lang="zh-CN" altLang="en-US" sz="5400" b="1" dirty="0" smtClean="0">
+                <a:solidFill>
+                  <a:srgbClr val="000066"/>
+                </a:solidFill>
+                <a:effectLst>
+                  <a:outerShdw blurRad="38100" dist="38100" dir="2700000" algn="tl">
+                    <a:srgbClr val="000000">
+                      <a:alpha val="43137"/>
+                    </a:srgbClr>
+                  </a:outerShdw>
+                </a:effectLst>
+                <a:latin typeface="微軟正黑體" pitchFamily="34" charset="-120"/>
+                <a:ea typeface="微軟正黑體" pitchFamily="34" charset="-120"/>
+              </a:rPr>
+              <a:t>祝福</a:t>
+            </a:r>
+            <a:endParaRPr lang="zh-TW" altLang="en-US" sz="5400" b="1" dirty="0">
+              <a:solidFill>
+                <a:srgbClr val="000066"/>
+              </a:solidFill>
+              <a:effectLst>
+                <a:outerShdw blurRad="38100" dist="38100" dir="2700000" algn="tl">
+                  <a:srgbClr val="000000">
+                    <a:alpha val="43137"/>
+                  </a:srgbClr>
+                </a:outerShdw>
+              </a:effectLst>
+              <a:latin typeface="微軟正黑體" pitchFamily="34" charset="-120"/>
+              <a:ea typeface="微軟正黑體" pitchFamily="34" charset="-120"/>
+            </a:endParaRPr>
+          </a:p>
+        </p:txBody>
+      </p:sp>
+      <p:sp>
+        <p:nvSpPr>
+          <p:cNvPr id="3" name="矩形 2"/>
           <p:cNvSpPr/>
           <p:nvPr/>
         </p:nvSpPr>
         <p:spPr>
           <a:xfrm>
-            <a:off x="0" y="1570336"/>
-            <a:ext cx="9144000" cy="923330"/>
+            <a:off x="0" y="2427734"/>
+            <a:ext cx="9144000" cy="830997"/>
           </a:xfrm>
           <a:prstGeom prst="rect">
             <a:avLst/>
@@ -10289,14 +10482,14 @@
           <a:p>
             <a:pPr algn="ctr"/>
             <a:r>
-              <a:rPr lang="zh-CN" altLang="en-US" sz="5400" b="1" dirty="0" smtClean="0">
-                <a:solidFill>
-                  <a:srgbClr val="000066"/>
+              <a:rPr lang="en-US" altLang="zh-CN" sz="4800" b="1" dirty="0" smtClean="0">
+                <a:solidFill>
+                  <a:srgbClr val="660033"/>
                 </a:solidFill>
                 <a:effectLst>
-                  <a:outerShdw blurRad="50000" dist="30000" dir="5400000" algn="tl" rotWithShape="0">
+                  <a:outerShdw blurRad="38100" dist="38100" dir="2700000" algn="tl">
                     <a:srgbClr val="000000">
-                      <a:alpha val="30000"/>
+                      <a:alpha val="43137"/>
                     </a:srgbClr>
                   </a:outerShdw>
                 </a:effectLst>
@@ -10304,16 +10497,52 @@
                 <a:ea typeface="微軟正黑體" pitchFamily="34" charset="-120"/>
                 <a:cs typeface="+mj-cs"/>
               </a:rPr>
-              <a:t>聚會祝福歌</a:t>
-            </a:r>
-            <a:endParaRPr lang="zh-TW" altLang="en-US" sz="5400" b="1" dirty="0" smtClean="0">
+              <a:t>(</a:t>
+            </a:r>
+            <a:r>
+              <a:rPr lang="zh-CN" altLang="en-US" sz="4800" b="1" dirty="0" smtClean="0">
+                <a:solidFill>
+                  <a:srgbClr val="660033"/>
+                </a:solidFill>
+                <a:effectLst>
+                  <a:outerShdw blurRad="38100" dist="38100" dir="2700000" algn="tl">
+                    <a:srgbClr val="000000">
+                      <a:alpha val="43137"/>
+                    </a:srgbClr>
+                  </a:outerShdw>
+                </a:effectLst>
+                <a:latin typeface="微軟正黑體" pitchFamily="34" charset="-120"/>
+                <a:ea typeface="微軟正黑體" pitchFamily="34" charset="-120"/>
+                <a:cs typeface="+mj-cs"/>
+              </a:rPr>
+              <a:t>主禮牧師</a:t>
+            </a:r>
+            <a:r>
+              <a:rPr lang="en-US" altLang="zh-CN" sz="4800" b="1" dirty="0" smtClean="0">
+                <a:solidFill>
+                  <a:srgbClr val="660033"/>
+                </a:solidFill>
+                <a:effectLst>
+                  <a:outerShdw blurRad="38100" dist="38100" dir="2700000" algn="tl">
+                    <a:srgbClr val="000000">
+                      <a:alpha val="43137"/>
+                    </a:srgbClr>
+                  </a:outerShdw>
+                </a:effectLst>
+                <a:latin typeface="微軟正黑體" pitchFamily="34" charset="-120"/>
+                <a:ea typeface="微軟正黑體" pitchFamily="34" charset="-120"/>
+                <a:cs typeface="+mj-cs"/>
+              </a:rPr>
+              <a:t>)</a:t>
+            </a:r>
+            <a:endParaRPr lang="zh-TW" altLang="en-US" sz="4800" b="1" dirty="0" smtClean="0">
               <a:solidFill>
-                <a:srgbClr val="000066"/>
+                <a:srgbClr val="660033"/>
               </a:solidFill>
               <a:effectLst>
-                <a:outerShdw blurRad="50000" dist="30000" dir="5400000" algn="tl" rotWithShape="0">
+                <a:outerShdw blurRad="38100" dist="38100" dir="2700000" algn="tl">
                   <a:srgbClr val="000000">
-                    <a:alpha val="30000"/>
+                    <a:alpha val="43137"/>
                   </a:srgbClr>
                 </a:outerShdw>
               </a:effectLst>
@@ -10324,90 +10553,12 @@
           </a:p>
         </p:txBody>
       </p:sp>
-      <p:sp>
-        <p:nvSpPr>
-          <p:cNvPr id="3" name="標題 1"/>
-          <p:cNvSpPr txBox="1"/>
-          <p:nvPr/>
-        </p:nvSpPr>
-        <p:spPr>
-          <a:xfrm>
-            <a:off x="0" y="2435611"/>
-            <a:ext cx="9144000" cy="964405"/>
-          </a:xfrm>
-          <a:prstGeom prst="rect">
-            <a:avLst/>
-          </a:prstGeom>
-        </p:spPr>
-        <p:txBody>
-          <a:bodyPr anchor="ctr">
-            <a:noAutofit/>
-          </a:bodyPr>
-          <a:lstStyle/>
-          <a:p>
-            <a:pPr marL="0" marR="0" lvl="0" indent="0" algn="ctr" defTabSz="914400" rtl="0" eaLnBrk="1" fontAlgn="auto" latinLnBrk="0" hangingPunct="1">
-              <a:lnSpc>
-                <a:spcPct val="100000"/>
-              </a:lnSpc>
-              <a:spcBef>
-                <a:spcPct val="0"/>
-              </a:spcBef>
-              <a:spcAft>
-                <a:spcPts val="0"/>
-              </a:spcAft>
-              <a:buClrTx/>
-              <a:buSzTx/>
-              <a:buFontTx/>
-              <a:buNone/>
-              <a:defRPr/>
-            </a:pPr>
-            <a:r>
-              <a:rPr kumimoji="0" lang="zh-CN" altLang="en-US" sz="4800" b="1" i="0" u="none" strike="noStrike" kern="1200" cap="none" spc="0" normalizeH="0" baseline="0" noProof="0" dirty="0" smtClean="0">
-                <a:ln>
-                  <a:noFill/>
-                </a:ln>
-                <a:solidFill>
-                  <a:srgbClr val="660033"/>
-                </a:solidFill>
-                <a:effectLst>
-                  <a:outerShdw blurRad="50000" dist="30000" dir="5400000" algn="tl" rotWithShape="0">
-                    <a:srgbClr val="000000">
-                      <a:alpha val="30000"/>
-                    </a:srgbClr>
-                  </a:outerShdw>
-                </a:effectLst>
-                <a:uLnTx/>
-                <a:uFillTx/>
-                <a:latin typeface="微軟正黑體" pitchFamily="34" charset="-120"/>
-                <a:ea typeface="微軟正黑體" pitchFamily="34" charset="-120"/>
-                <a:cs typeface="+mj-cs"/>
-              </a:rPr>
-              <a:t>本堂牧師領詩班退堂</a:t>
-            </a:r>
-            <a:endParaRPr kumimoji="0" lang="zh-TW" altLang="en-US" sz="4800" b="1" i="0" u="none" strike="noStrike" kern="1200" cap="none" spc="0" normalizeH="0" baseline="0" noProof="0" dirty="0">
-              <a:ln>
-                <a:noFill/>
-              </a:ln>
-              <a:solidFill>
-                <a:srgbClr val="660033"/>
-              </a:solidFill>
-              <a:effectLst>
-                <a:outerShdw blurRad="50000" dist="30000" dir="5400000" algn="tl" rotWithShape="0">
-                  <a:srgbClr val="000000">
-                    <a:alpha val="30000"/>
-                  </a:srgbClr>
-                </a:outerShdw>
-              </a:effectLst>
-              <a:uLnTx/>
-              <a:uFillTx/>
-              <a:latin typeface="微軟正黑體" pitchFamily="34" charset="-120"/>
-              <a:ea typeface="微軟正黑體" pitchFamily="34" charset="-120"/>
-              <a:cs typeface="+mj-cs"/>
-            </a:endParaRPr>
-          </a:p>
-        </p:txBody>
-      </p:sp>
     </p:spTree>
+    <p:extLst>
+      <p:ext uri="{BB962C8B-B14F-4D97-AF65-F5344CB8AC3E}">
+        <p14:creationId xmlns:p14="http://schemas.microsoft.com/office/powerpoint/2010/main" val="1671247361"/>
+      </p:ext>
+    </p:extLst>
   </p:cSld>
   <p:clrMapOvr>
     <a:masterClrMapping/>
@@ -10441,87 +10592,157 @@
       </p:grpSpPr>
       <p:sp>
         <p:nvSpPr>
-          <p:cNvPr id="4" name="標題 3"/>
-          <p:cNvSpPr>
-            <a:spLocks noGrp="1"/>
-          </p:cNvSpPr>
-          <p:nvPr>
-            <p:ph type="title"/>
-          </p:nvPr>
+          <p:cNvPr id="2" name="矩形 1"/>
+          <p:cNvSpPr/>
+          <p:nvPr/>
         </p:nvSpPr>
         <p:spPr>
           <a:xfrm>
-            <a:off x="0" y="2143135"/>
-            <a:ext cx="9144000" cy="857250"/>
+            <a:off x="0" y="1570336"/>
+            <a:ext cx="9144000" cy="923330"/>
           </a:xfrm>
+          <a:prstGeom prst="rect">
+            <a:avLst/>
+          </a:prstGeom>
         </p:spPr>
         <p:txBody>
-          <a:bodyPr>
-            <a:noAutofit/>
+          <a:bodyPr wrap="square">
+            <a:spAutoFit/>
           </a:bodyPr>
           <a:lstStyle/>
           <a:p>
-            <a:r>
-              <a:rPr lang="zh-CN" altLang="en-US" sz="7200" b="1" dirty="0" smtClean="0">
+            <a:pPr algn="ctr"/>
+            <a:r>
+              <a:rPr lang="zh-CN" altLang="en-US" sz="5400" b="1" dirty="0" smtClean="0">
                 <a:solidFill>
                   <a:srgbClr val="000066"/>
                 </a:solidFill>
                 <a:effectLst>
-                  <a:outerShdw blurRad="38100" dist="38100" dir="2700000" algn="tl">
+                  <a:outerShdw blurRad="50000" dist="30000" dir="5400000" algn="tl" rotWithShape="0">
                     <a:srgbClr val="000000">
-                      <a:alpha val="43137"/>
+                      <a:alpha val="30000"/>
                     </a:srgbClr>
                   </a:outerShdw>
                 </a:effectLst>
                 <a:latin typeface="微軟正黑體" pitchFamily="34" charset="-120"/>
                 <a:ea typeface="微軟正黑體" pitchFamily="34" charset="-120"/>
-              </a:rPr>
-              <a:t>主</a:t>
-            </a:r>
-            <a:r>
-              <a:rPr lang="zh-CN" altLang="en-US" sz="7200" b="1" dirty="0">
-                <a:solidFill>
-                  <a:srgbClr val="000066"/>
-                </a:solidFill>
-                <a:effectLst>
-                  <a:outerShdw blurRad="38100" dist="38100" dir="2700000" algn="tl">
-                    <a:srgbClr val="000000">
-                      <a:alpha val="43137"/>
-                    </a:srgbClr>
-                  </a:outerShdw>
-                </a:effectLst>
-                <a:latin typeface="微軟正黑體" pitchFamily="34" charset="-120"/>
-                <a:ea typeface="微軟正黑體" pitchFamily="34" charset="-120"/>
-              </a:rPr>
-              <a:t>的愛</a:t>
-            </a:r>
-            <a:endParaRPr lang="zh-TW" altLang="en-US" sz="7200" b="1" dirty="0">
+                <a:cs typeface="+mj-cs"/>
+              </a:rPr>
+              <a:t>聚會祝福歌</a:t>
+            </a:r>
+            <a:endParaRPr lang="zh-TW" altLang="en-US" sz="5400" b="1" dirty="0" smtClean="0">
               <a:solidFill>
                 <a:srgbClr val="000066"/>
               </a:solidFill>
               <a:effectLst>
-                <a:outerShdw blurRad="38100" dist="38100" dir="2700000" algn="tl">
+                <a:outerShdw blurRad="50000" dist="30000" dir="5400000" algn="tl" rotWithShape="0">
                   <a:srgbClr val="000000">
-                    <a:alpha val="43137"/>
+                    <a:alpha val="30000"/>
                   </a:srgbClr>
                 </a:outerShdw>
               </a:effectLst>
               <a:latin typeface="微軟正黑體" pitchFamily="34" charset="-120"/>
               <a:ea typeface="微軟正黑體" pitchFamily="34" charset="-120"/>
+              <a:cs typeface="+mj-cs"/>
             </a:endParaRPr>
           </a:p>
         </p:txBody>
       </p:sp>
+      <p:sp>
+        <p:nvSpPr>
+          <p:cNvPr id="3" name="標題 1"/>
+          <p:cNvSpPr txBox="1"/>
+          <p:nvPr/>
+        </p:nvSpPr>
+        <p:spPr>
+          <a:xfrm>
+            <a:off x="0" y="2435611"/>
+            <a:ext cx="9144000" cy="964405"/>
+          </a:xfrm>
+          <a:prstGeom prst="rect">
+            <a:avLst/>
+          </a:prstGeom>
+        </p:spPr>
+        <p:txBody>
+          <a:bodyPr anchor="ctr">
+            <a:noAutofit/>
+          </a:bodyPr>
+          <a:lstStyle/>
+          <a:p>
+            <a:pPr marL="0" marR="0" lvl="0" indent="0" algn="ctr" defTabSz="914400" rtl="0" eaLnBrk="1" fontAlgn="auto" latinLnBrk="0" hangingPunct="1">
+              <a:lnSpc>
+                <a:spcPct val="100000"/>
+              </a:lnSpc>
+              <a:spcBef>
+                <a:spcPct val="0"/>
+              </a:spcBef>
+              <a:spcAft>
+                <a:spcPts val="0"/>
+              </a:spcAft>
+              <a:buClrTx/>
+              <a:buSzTx/>
+              <a:buFontTx/>
+              <a:buNone/>
+              <a:defRPr/>
+            </a:pPr>
+            <a:r>
+              <a:rPr kumimoji="0" lang="zh-CN" altLang="en-US" sz="4800" b="1" i="0" u="none" strike="noStrike" kern="1200" cap="none" spc="0" normalizeH="0" baseline="0" noProof="0" dirty="0" smtClean="0">
+                <a:ln>
+                  <a:noFill/>
+                </a:ln>
+                <a:solidFill>
+                  <a:srgbClr val="660033"/>
+                </a:solidFill>
+                <a:effectLst>
+                  <a:outerShdw blurRad="50000" dist="30000" dir="5400000" algn="tl" rotWithShape="0">
+                    <a:srgbClr val="000000">
+                      <a:alpha val="30000"/>
+                    </a:srgbClr>
+                  </a:outerShdw>
+                </a:effectLst>
+                <a:uLnTx/>
+                <a:uFillTx/>
+                <a:latin typeface="微軟正黑體" pitchFamily="34" charset="-120"/>
+                <a:ea typeface="微軟正黑體" pitchFamily="34" charset="-120"/>
+                <a:cs typeface="+mj-cs"/>
+              </a:rPr>
+              <a:t>本堂牧師領詩班退堂</a:t>
+            </a:r>
+            <a:endParaRPr kumimoji="0" lang="zh-TW" altLang="en-US" sz="4800" b="1" i="0" u="none" strike="noStrike" kern="1200" cap="none" spc="0" normalizeH="0" baseline="0" noProof="0" dirty="0">
+              <a:ln>
+                <a:noFill/>
+              </a:ln>
+              <a:solidFill>
+                <a:srgbClr val="660033"/>
+              </a:solidFill>
+              <a:effectLst>
+                <a:outerShdw blurRad="50000" dist="30000" dir="5400000" algn="tl" rotWithShape="0">
+                  <a:srgbClr val="000000">
+                    <a:alpha val="30000"/>
+                  </a:srgbClr>
+                </a:outerShdw>
+              </a:effectLst>
+              <a:uLnTx/>
+              <a:uFillTx/>
+              <a:latin typeface="微軟正黑體" pitchFamily="34" charset="-120"/>
+              <a:ea typeface="微軟正黑體" pitchFamily="34" charset="-120"/>
+              <a:cs typeface="+mj-cs"/>
+            </a:endParaRPr>
+          </a:p>
+        </p:txBody>
+      </p:sp>
     </p:spTree>
-    <p:extLst>
-      <p:ext uri="{BB962C8B-B14F-4D97-AF65-F5344CB8AC3E}">
-        <p14:creationId xmlns:p14="http://schemas.microsoft.com/office/powerpoint/2010/main" val="3707739611"/>
-      </p:ext>
-    </p:extLst>
   </p:cSld>
   <p:clrMapOvr>
     <a:masterClrMapping/>
   </p:clrMapOvr>
+  <p:timing>
+    <p:tnLst>
+      <p:par>
+        <p:cTn id="1" dur="indefinite" restart="never" nodeType="tmRoot"/>
+      </p:par>
+    </p:tnLst>
+  </p:timing>
 </p:sld>
 </file>
 
@@ -10544,71 +10765,68 @@
       </p:grpSpPr>
       <p:sp>
         <p:nvSpPr>
-          <p:cNvPr id="5" name="內容版面配置區 4"/>
-          <p:cNvSpPr>
-            <a:spLocks noGrp="1"/>
-          </p:cNvSpPr>
-          <p:nvPr>
-            <p:ph idx="1"/>
+          <p:cNvPr id="4" name="標題 3"/>
+          <p:cNvSpPr>
+            <a:spLocks noGrp="1"/>
+          </p:cNvSpPr>
+          <p:nvPr>
+            <p:ph type="title"/>
           </p:nvPr>
         </p:nvSpPr>
         <p:spPr>
           <a:xfrm>
-            <a:off x="0" y="1563638"/>
-            <a:ext cx="9144000" cy="1803647"/>
+            <a:off x="0" y="2143135"/>
+            <a:ext cx="9144000" cy="857250"/>
           </a:xfrm>
         </p:spPr>
         <p:txBody>
-          <a:bodyPr anchor="ctr">
-            <a:normAutofit/>
+          <a:bodyPr>
+            <a:noAutofit/>
           </a:bodyPr>
           <a:lstStyle/>
           <a:p>
-            <a:pPr algn="ctr">
-              <a:buNone/>
-            </a:pPr>
-            <a:r>
-              <a:rPr lang="zh-TW" altLang="en-US" sz="4800" b="1" dirty="0">
+            <a:r>
+              <a:rPr lang="zh-CN" altLang="en-US" sz="7200" b="1" dirty="0" smtClean="0">
                 <a:solidFill>
                   <a:srgbClr val="000066"/>
                 </a:solidFill>
                 <a:effectLst>
-                  <a:outerShdw blurRad="50000" dist="30000" dir="5400000" algn="tl" rotWithShape="0">
+                  <a:outerShdw blurRad="38100" dist="38100" dir="2700000" algn="tl">
                     <a:srgbClr val="000000">
-                      <a:alpha val="30000"/>
+                      <a:alpha val="43137"/>
                     </a:srgbClr>
                   </a:outerShdw>
                 </a:effectLst>
                 <a:latin typeface="微軟正黑體" pitchFamily="34" charset="-120"/>
                 <a:ea typeface="微軟正黑體" pitchFamily="34" charset="-120"/>
               </a:rPr>
-              <a:t>願主的愛與你同</a:t>
-            </a:r>
-            <a:r>
-              <a:rPr lang="zh-TW" altLang="en-US" sz="4800" b="1" dirty="0" smtClean="0">
+              <a:t>主</a:t>
+            </a:r>
+            <a:r>
+              <a:rPr lang="zh-CN" altLang="en-US" sz="7200" b="1" dirty="0">
                 <a:solidFill>
                   <a:srgbClr val="000066"/>
                 </a:solidFill>
                 <a:effectLst>
-                  <a:outerShdw blurRad="50000" dist="30000" dir="5400000" algn="tl" rotWithShape="0">
+                  <a:outerShdw blurRad="38100" dist="38100" dir="2700000" algn="tl">
                     <a:srgbClr val="000000">
-                      <a:alpha val="30000"/>
+                      <a:alpha val="43137"/>
                     </a:srgbClr>
                   </a:outerShdw>
                 </a:effectLst>
                 <a:latin typeface="微軟正黑體" pitchFamily="34" charset="-120"/>
                 <a:ea typeface="微軟正黑體" pitchFamily="34" charset="-120"/>
               </a:rPr>
-              <a:t>在</a:t>
-            </a:r>
-            <a:endParaRPr lang="en-US" altLang="zh-TW" sz="4800" b="1" dirty="0">
+              <a:t>的愛</a:t>
+            </a:r>
+            <a:endParaRPr lang="zh-TW" altLang="en-US" sz="7200" b="1" dirty="0">
               <a:solidFill>
                 <a:srgbClr val="000066"/>
               </a:solidFill>
               <a:effectLst>
-                <a:outerShdw blurRad="50000" dist="30000" dir="5400000" algn="tl" rotWithShape="0">
+                <a:outerShdw blurRad="38100" dist="38100" dir="2700000" algn="tl">
                   <a:srgbClr val="000000">
-                    <a:alpha val="30000"/>
+                    <a:alpha val="43137"/>
                   </a:srgbClr>
                 </a:outerShdw>
               </a:effectLst>
@@ -10616,82 +10834,12 @@
               <a:ea typeface="微軟正黑體" pitchFamily="34" charset="-120"/>
             </a:endParaRPr>
           </a:p>
-          <a:p>
-            <a:pPr algn="ctr">
-              <a:buNone/>
-            </a:pPr>
-            <a:r>
-              <a:rPr lang="zh-TW" altLang="en-US" sz="4800" b="1" dirty="0" smtClean="0">
-                <a:solidFill>
-                  <a:srgbClr val="000066"/>
-                </a:solidFill>
-                <a:effectLst>
-                  <a:outerShdw blurRad="50000" dist="30000" dir="5400000" algn="tl" rotWithShape="0">
-                    <a:srgbClr val="000000">
-                      <a:alpha val="30000"/>
-                    </a:srgbClr>
-                  </a:outerShdw>
-                </a:effectLst>
-                <a:latin typeface="微軟正黑體" pitchFamily="34" charset="-120"/>
-                <a:ea typeface="微軟正黑體" pitchFamily="34" charset="-120"/>
-              </a:rPr>
-              <a:t>無</a:t>
-            </a:r>
-            <a:r>
-              <a:rPr lang="zh-TW" altLang="en-US" sz="4800" b="1" dirty="0">
-                <a:solidFill>
-                  <a:srgbClr val="000066"/>
-                </a:solidFill>
-                <a:effectLst>
-                  <a:outerShdw blurRad="50000" dist="30000" dir="5400000" algn="tl" rotWithShape="0">
-                    <a:srgbClr val="000000">
-                      <a:alpha val="30000"/>
-                    </a:srgbClr>
-                  </a:outerShdw>
-                </a:effectLst>
-                <a:latin typeface="微軟正黑體" pitchFamily="34" charset="-120"/>
-                <a:ea typeface="微軟正黑體" pitchFamily="34" charset="-120"/>
-              </a:rPr>
-              <a:t>論你在何</a:t>
-            </a:r>
-            <a:r>
-              <a:rPr lang="zh-TW" altLang="en-US" sz="4800" b="1" dirty="0" smtClean="0">
-                <a:solidFill>
-                  <a:srgbClr val="000066"/>
-                </a:solidFill>
-                <a:effectLst>
-                  <a:outerShdw blurRad="50000" dist="30000" dir="5400000" algn="tl" rotWithShape="0">
-                    <a:srgbClr val="000000">
-                      <a:alpha val="30000"/>
-                    </a:srgbClr>
-                  </a:outerShdw>
-                </a:effectLst>
-                <a:latin typeface="微軟正黑體" pitchFamily="34" charset="-120"/>
-                <a:ea typeface="微軟正黑體" pitchFamily="34" charset="-120"/>
-              </a:rPr>
-              <a:t>方</a:t>
-            </a:r>
-            <a:endParaRPr lang="en-US" altLang="zh-TW" sz="4800" b="1" dirty="0">
-              <a:solidFill>
-                <a:srgbClr val="000066"/>
-              </a:solidFill>
-              <a:effectLst>
-                <a:outerShdw blurRad="50000" dist="30000" dir="5400000" algn="tl" rotWithShape="0">
-                  <a:srgbClr val="000000">
-                    <a:alpha val="30000"/>
-                  </a:srgbClr>
-                </a:outerShdw>
-              </a:effectLst>
-              <a:latin typeface="微軟正黑體" pitchFamily="34" charset="-120"/>
-              <a:ea typeface="微軟正黑體" pitchFamily="34" charset="-120"/>
-            </a:endParaRPr>
-          </a:p>
         </p:txBody>
       </p:sp>
     </p:spTree>
     <p:extLst>
       <p:ext uri="{BB962C8B-B14F-4D97-AF65-F5344CB8AC3E}">
-        <p14:creationId xmlns:p14="http://schemas.microsoft.com/office/powerpoint/2010/main" val="293433003"/>
+        <p14:creationId xmlns:p14="http://schemas.microsoft.com/office/powerpoint/2010/main" val="3707739611"/>
       </p:ext>
     </p:extLst>
   </p:cSld>
@@ -10744,7 +10892,7 @@
               <a:buNone/>
             </a:pPr>
             <a:r>
-              <a:rPr lang="zh-TW" altLang="en-US" sz="4800" b="1" dirty="0" smtClean="0">
+              <a:rPr lang="zh-TW" altLang="en-US" sz="4800" b="1" dirty="0">
                 <a:solidFill>
                   <a:srgbClr val="000066"/>
                 </a:solidFill>
@@ -10758,10 +10906,10 @@
                 <a:latin typeface="微軟正黑體" pitchFamily="34" charset="-120"/>
                 <a:ea typeface="微軟正黑體" pitchFamily="34" charset="-120"/>
               </a:rPr>
-              <a:t>願</a:t>
-            </a:r>
-            <a:r>
-              <a:rPr lang="zh-TW" altLang="en-US" sz="4800" b="1" dirty="0">
+              <a:t>願主的愛與你同</a:t>
+            </a:r>
+            <a:r>
+              <a:rPr lang="zh-TW" altLang="en-US" sz="4800" b="1" dirty="0" smtClean="0">
                 <a:solidFill>
                   <a:srgbClr val="000066"/>
                 </a:solidFill>
@@ -10775,15 +10923,99 @@
                 <a:latin typeface="微軟正黑體" pitchFamily="34" charset="-120"/>
                 <a:ea typeface="微軟正黑體" pitchFamily="34" charset="-120"/>
               </a:rPr>
-              <a:t>祂祝福你心靈安康</a:t>
-            </a:r>
+              <a:t>在</a:t>
+            </a:r>
+            <a:endParaRPr lang="en-US" altLang="zh-TW" sz="4800" b="1" dirty="0">
+              <a:solidFill>
+                <a:srgbClr val="000066"/>
+              </a:solidFill>
+              <a:effectLst>
+                <a:outerShdw blurRad="50000" dist="30000" dir="5400000" algn="tl" rotWithShape="0">
+                  <a:srgbClr val="000000">
+                    <a:alpha val="30000"/>
+                  </a:srgbClr>
+                </a:outerShdw>
+              </a:effectLst>
+              <a:latin typeface="微軟正黑體" pitchFamily="34" charset="-120"/>
+              <a:ea typeface="微軟正黑體" pitchFamily="34" charset="-120"/>
+            </a:endParaRPr>
+          </a:p>
+          <a:p>
+            <a:pPr algn="ctr">
+              <a:buNone/>
+            </a:pPr>
+            <a:r>
+              <a:rPr lang="zh-TW" altLang="en-US" sz="4800" b="1" dirty="0" smtClean="0">
+                <a:solidFill>
+                  <a:srgbClr val="000066"/>
+                </a:solidFill>
+                <a:effectLst>
+                  <a:outerShdw blurRad="50000" dist="30000" dir="5400000" algn="tl" rotWithShape="0">
+                    <a:srgbClr val="000000">
+                      <a:alpha val="30000"/>
+                    </a:srgbClr>
+                  </a:outerShdw>
+                </a:effectLst>
+                <a:latin typeface="微軟正黑體" pitchFamily="34" charset="-120"/>
+                <a:ea typeface="微軟正黑體" pitchFamily="34" charset="-120"/>
+              </a:rPr>
+              <a:t>無</a:t>
+            </a:r>
+            <a:r>
+              <a:rPr lang="zh-TW" altLang="en-US" sz="4800" b="1" dirty="0">
+                <a:solidFill>
+                  <a:srgbClr val="000066"/>
+                </a:solidFill>
+                <a:effectLst>
+                  <a:outerShdw blurRad="50000" dist="30000" dir="5400000" algn="tl" rotWithShape="0">
+                    <a:srgbClr val="000000">
+                      <a:alpha val="30000"/>
+                    </a:srgbClr>
+                  </a:outerShdw>
+                </a:effectLst>
+                <a:latin typeface="微軟正黑體" pitchFamily="34" charset="-120"/>
+                <a:ea typeface="微軟正黑體" pitchFamily="34" charset="-120"/>
+              </a:rPr>
+              <a:t>論你在何</a:t>
+            </a:r>
+            <a:r>
+              <a:rPr lang="zh-TW" altLang="en-US" sz="4800" b="1" dirty="0" smtClean="0">
+                <a:solidFill>
+                  <a:srgbClr val="000066"/>
+                </a:solidFill>
+                <a:effectLst>
+                  <a:outerShdw blurRad="50000" dist="30000" dir="5400000" algn="tl" rotWithShape="0">
+                    <a:srgbClr val="000000">
+                      <a:alpha val="30000"/>
+                    </a:srgbClr>
+                  </a:outerShdw>
+                </a:effectLst>
+                <a:latin typeface="微軟正黑體" pitchFamily="34" charset="-120"/>
+                <a:ea typeface="微軟正黑體" pitchFamily="34" charset="-120"/>
+              </a:rPr>
+              <a:t>方</a:t>
+            </a:r>
+            <a:endParaRPr lang="en-US" altLang="zh-TW" sz="4800" b="1" dirty="0">
+              <a:solidFill>
+                <a:srgbClr val="000066"/>
+              </a:solidFill>
+              <a:effectLst>
+                <a:outerShdw blurRad="50000" dist="30000" dir="5400000" algn="tl" rotWithShape="0">
+                  <a:srgbClr val="000000">
+                    <a:alpha val="30000"/>
+                  </a:srgbClr>
+                </a:outerShdw>
+              </a:effectLst>
+              <a:latin typeface="微軟正黑體" pitchFamily="34" charset="-120"/>
+              <a:ea typeface="微軟正黑體" pitchFamily="34" charset="-120"/>
+            </a:endParaRPr>
           </a:p>
         </p:txBody>
       </p:sp>
     </p:spTree>
     <p:extLst>
       <p:ext uri="{BB962C8B-B14F-4D97-AF65-F5344CB8AC3E}">
-        <p14:creationId xmlns:p14="http://schemas.microsoft.com/office/powerpoint/2010/main" val="3887014078"/>
+        <p14:creationId xmlns:p14="http://schemas.microsoft.com/office/powerpoint/2010/main" val="293433003"/>
       </p:ext>
     </p:extLst>
   </p:cSld>
@@ -10836,7 +11068,7 @@
               <a:buNone/>
             </a:pPr>
             <a:r>
-              <a:rPr lang="zh-TW" altLang="en-US" sz="4800" b="1" dirty="0">
+              <a:rPr lang="zh-TW" altLang="en-US" sz="4800" b="1" dirty="0" smtClean="0">
                 <a:solidFill>
                   <a:srgbClr val="000066"/>
                 </a:solidFill>
@@ -10850,27 +11082,8 @@
                 <a:latin typeface="微軟正黑體" pitchFamily="34" charset="-120"/>
                 <a:ea typeface="微軟正黑體" pitchFamily="34" charset="-120"/>
               </a:rPr>
-              <a:t>主的愛如流水淙淙</a:t>
-            </a:r>
-            <a:endParaRPr lang="en-US" altLang="zh-TW" sz="4800" b="1" dirty="0">
-              <a:solidFill>
-                <a:srgbClr val="000066"/>
-              </a:solidFill>
-              <a:effectLst>
-                <a:outerShdw blurRad="50000" dist="30000" dir="5400000" algn="tl" rotWithShape="0">
-                  <a:srgbClr val="000000">
-                    <a:alpha val="30000"/>
-                  </a:srgbClr>
-                </a:outerShdw>
-              </a:effectLst>
-              <a:latin typeface="微軟正黑體" pitchFamily="34" charset="-120"/>
-              <a:ea typeface="微軟正黑體" pitchFamily="34" charset="-120"/>
-            </a:endParaRPr>
-          </a:p>
-          <a:p>
-            <a:pPr algn="ctr">
-              <a:buNone/>
-            </a:pPr>
+              <a:t>願</a:t>
+            </a:r>
             <a:r>
               <a:rPr lang="zh-TW" altLang="en-US" sz="4800" b="1" dirty="0">
                 <a:solidFill>
@@ -10886,29 +11099,15 @@
                 <a:latin typeface="微軟正黑體" pitchFamily="34" charset="-120"/>
                 <a:ea typeface="微軟正黑體" pitchFamily="34" charset="-120"/>
               </a:rPr>
-              <a:t>願你分享祂這愛</a:t>
-            </a:r>
-            <a:endParaRPr lang="en-US" altLang="zh-TW" sz="4800" b="1" dirty="0">
-              <a:solidFill>
-                <a:srgbClr val="000066"/>
-              </a:solidFill>
-              <a:effectLst>
-                <a:outerShdw blurRad="50000" dist="30000" dir="5400000" algn="tl" rotWithShape="0">
-                  <a:srgbClr val="000000">
-                    <a:alpha val="30000"/>
-                  </a:srgbClr>
-                </a:outerShdw>
-              </a:effectLst>
-              <a:latin typeface="微軟正黑體" pitchFamily="34" charset="-120"/>
-              <a:ea typeface="微軟正黑體" pitchFamily="34" charset="-120"/>
-            </a:endParaRPr>
+              <a:t>祂祝福你心靈安康</a:t>
+            </a:r>
           </a:p>
         </p:txBody>
       </p:sp>
     </p:spTree>
     <p:extLst>
       <p:ext uri="{BB962C8B-B14F-4D97-AF65-F5344CB8AC3E}">
-        <p14:creationId xmlns:p14="http://schemas.microsoft.com/office/powerpoint/2010/main" val="1828901467"/>
+        <p14:creationId xmlns:p14="http://schemas.microsoft.com/office/powerpoint/2010/main" val="3887014078"/>
       </p:ext>
     </p:extLst>
   </p:cSld>
@@ -10975,15 +11174,65 @@
                 <a:latin typeface="微軟正黑體" pitchFamily="34" charset="-120"/>
                 <a:ea typeface="微軟正黑體" pitchFamily="34" charset="-120"/>
               </a:rPr>
-              <a:t>在那漫漫的黑夜見主光</a:t>
-            </a:r>
+              <a:t>主的愛如流水淙淙</a:t>
+            </a:r>
+            <a:endParaRPr lang="en-US" altLang="zh-TW" sz="4800" b="1" dirty="0">
+              <a:solidFill>
+                <a:srgbClr val="000066"/>
+              </a:solidFill>
+              <a:effectLst>
+                <a:outerShdw blurRad="50000" dist="30000" dir="5400000" algn="tl" rotWithShape="0">
+                  <a:srgbClr val="000000">
+                    <a:alpha val="30000"/>
+                  </a:srgbClr>
+                </a:outerShdw>
+              </a:effectLst>
+              <a:latin typeface="微軟正黑體" pitchFamily="34" charset="-120"/>
+              <a:ea typeface="微軟正黑體" pitchFamily="34" charset="-120"/>
+            </a:endParaRPr>
+          </a:p>
+          <a:p>
+            <a:pPr algn="ctr">
+              <a:buNone/>
+            </a:pPr>
+            <a:r>
+              <a:rPr lang="zh-TW" altLang="en-US" sz="4800" b="1" dirty="0">
+                <a:solidFill>
+                  <a:srgbClr val="000066"/>
+                </a:solidFill>
+                <a:effectLst>
+                  <a:outerShdw blurRad="50000" dist="30000" dir="5400000" algn="tl" rotWithShape="0">
+                    <a:srgbClr val="000000">
+                      <a:alpha val="30000"/>
+                    </a:srgbClr>
+                  </a:outerShdw>
+                </a:effectLst>
+                <a:latin typeface="微軟正黑體" pitchFamily="34" charset="-120"/>
+                <a:ea typeface="微軟正黑體" pitchFamily="34" charset="-120"/>
+              </a:rPr>
+              <a:t>願你分享祂這愛</a:t>
+            </a:r>
+            <a:endParaRPr lang="en-US" altLang="zh-TW" sz="4800" b="1" dirty="0">
+              <a:solidFill>
+                <a:srgbClr val="000066"/>
+              </a:solidFill>
+              <a:effectLst>
+                <a:outerShdw blurRad="50000" dist="30000" dir="5400000" algn="tl" rotWithShape="0">
+                  <a:srgbClr val="000000">
+                    <a:alpha val="30000"/>
+                  </a:srgbClr>
+                </a:outerShdw>
+              </a:effectLst>
+              <a:latin typeface="微軟正黑體" pitchFamily="34" charset="-120"/>
+              <a:ea typeface="微軟正黑體" pitchFamily="34" charset="-120"/>
+            </a:endParaRPr>
           </a:p>
         </p:txBody>
       </p:sp>
     </p:spTree>
     <p:extLst>
       <p:ext uri="{BB962C8B-B14F-4D97-AF65-F5344CB8AC3E}">
-        <p14:creationId xmlns:p14="http://schemas.microsoft.com/office/powerpoint/2010/main" val="1857880961"/>
+        <p14:creationId xmlns:p14="http://schemas.microsoft.com/office/powerpoint/2010/main" val="1828901467"/>
       </p:ext>
     </p:extLst>
   </p:cSld>
@@ -11050,65 +11299,15 @@
                 <a:latin typeface="微軟正黑體" pitchFamily="34" charset="-120"/>
                 <a:ea typeface="微軟正黑體" pitchFamily="34" charset="-120"/>
               </a:rPr>
-              <a:t>主的愛如流水淙淙</a:t>
-            </a:r>
-            <a:endParaRPr lang="en-US" altLang="zh-TW" sz="4800" b="1" dirty="0">
-              <a:solidFill>
-                <a:srgbClr val="000066"/>
-              </a:solidFill>
-              <a:effectLst>
-                <a:outerShdw blurRad="50000" dist="30000" dir="5400000" algn="tl" rotWithShape="0">
-                  <a:srgbClr val="000000">
-                    <a:alpha val="30000"/>
-                  </a:srgbClr>
-                </a:outerShdw>
-              </a:effectLst>
-              <a:latin typeface="微軟正黑體" pitchFamily="34" charset="-120"/>
-              <a:ea typeface="微軟正黑體" pitchFamily="34" charset="-120"/>
-            </a:endParaRPr>
-          </a:p>
-          <a:p>
-            <a:pPr algn="ctr">
-              <a:buNone/>
-            </a:pPr>
-            <a:r>
-              <a:rPr lang="zh-TW" altLang="en-US" sz="4800" b="1" dirty="0">
-                <a:solidFill>
-                  <a:srgbClr val="000066"/>
-                </a:solidFill>
-                <a:effectLst>
-                  <a:outerShdw blurRad="50000" dist="30000" dir="5400000" algn="tl" rotWithShape="0">
-                    <a:srgbClr val="000000">
-                      <a:alpha val="30000"/>
-                    </a:srgbClr>
-                  </a:outerShdw>
-                </a:effectLst>
-                <a:latin typeface="微軟正黑體" pitchFamily="34" charset="-120"/>
-                <a:ea typeface="微軟正黑體" pitchFamily="34" charset="-120"/>
-              </a:rPr>
-              <a:t>願你分享祂這愛</a:t>
-            </a:r>
-            <a:endParaRPr lang="en-US" altLang="zh-TW" sz="4800" b="1" dirty="0">
-              <a:solidFill>
-                <a:srgbClr val="000066"/>
-              </a:solidFill>
-              <a:effectLst>
-                <a:outerShdw blurRad="50000" dist="30000" dir="5400000" algn="tl" rotWithShape="0">
-                  <a:srgbClr val="000000">
-                    <a:alpha val="30000"/>
-                  </a:srgbClr>
-                </a:outerShdw>
-              </a:effectLst>
-              <a:latin typeface="微軟正黑體" pitchFamily="34" charset="-120"/>
-              <a:ea typeface="微軟正黑體" pitchFamily="34" charset="-120"/>
-            </a:endParaRPr>
+              <a:t>在那漫漫的黑夜見主光</a:t>
+            </a:r>
           </a:p>
         </p:txBody>
       </p:sp>
     </p:spTree>
     <p:extLst>
       <p:ext uri="{BB962C8B-B14F-4D97-AF65-F5344CB8AC3E}">
-        <p14:creationId xmlns:p14="http://schemas.microsoft.com/office/powerpoint/2010/main" val="3434591100"/>
+        <p14:creationId xmlns:p14="http://schemas.microsoft.com/office/powerpoint/2010/main" val="1857880961"/>
       </p:ext>
     </p:extLst>
   </p:cSld>
@@ -11175,15 +11374,65 @@
                 <a:latin typeface="微軟正黑體" pitchFamily="34" charset="-120"/>
                 <a:ea typeface="微軟正黑體" pitchFamily="34" charset="-120"/>
               </a:rPr>
-              <a:t>以你愛  還祂愛  永相愛</a:t>
-            </a:r>
+              <a:t>主的愛如流水淙淙</a:t>
+            </a:r>
+            <a:endParaRPr lang="en-US" altLang="zh-TW" sz="4800" b="1" dirty="0">
+              <a:solidFill>
+                <a:srgbClr val="000066"/>
+              </a:solidFill>
+              <a:effectLst>
+                <a:outerShdw blurRad="50000" dist="30000" dir="5400000" algn="tl" rotWithShape="0">
+                  <a:srgbClr val="000000">
+                    <a:alpha val="30000"/>
+                  </a:srgbClr>
+                </a:outerShdw>
+              </a:effectLst>
+              <a:latin typeface="微軟正黑體" pitchFamily="34" charset="-120"/>
+              <a:ea typeface="微軟正黑體" pitchFamily="34" charset="-120"/>
+            </a:endParaRPr>
+          </a:p>
+          <a:p>
+            <a:pPr algn="ctr">
+              <a:buNone/>
+            </a:pPr>
+            <a:r>
+              <a:rPr lang="zh-TW" altLang="en-US" sz="4800" b="1" dirty="0">
+                <a:solidFill>
+                  <a:srgbClr val="000066"/>
+                </a:solidFill>
+                <a:effectLst>
+                  <a:outerShdw blurRad="50000" dist="30000" dir="5400000" algn="tl" rotWithShape="0">
+                    <a:srgbClr val="000000">
+                      <a:alpha val="30000"/>
+                    </a:srgbClr>
+                  </a:outerShdw>
+                </a:effectLst>
+                <a:latin typeface="微軟正黑體" pitchFamily="34" charset="-120"/>
+                <a:ea typeface="微軟正黑體" pitchFamily="34" charset="-120"/>
+              </a:rPr>
+              <a:t>願你分享祂這愛</a:t>
+            </a:r>
+            <a:endParaRPr lang="en-US" altLang="zh-TW" sz="4800" b="1" dirty="0">
+              <a:solidFill>
+                <a:srgbClr val="000066"/>
+              </a:solidFill>
+              <a:effectLst>
+                <a:outerShdw blurRad="50000" dist="30000" dir="5400000" algn="tl" rotWithShape="0">
+                  <a:srgbClr val="000000">
+                    <a:alpha val="30000"/>
+                  </a:srgbClr>
+                </a:outerShdw>
+              </a:effectLst>
+              <a:latin typeface="微軟正黑體" pitchFamily="34" charset="-120"/>
+              <a:ea typeface="微軟正黑體" pitchFamily="34" charset="-120"/>
+            </a:endParaRPr>
           </a:p>
         </p:txBody>
       </p:sp>
     </p:spTree>
     <p:extLst>
       <p:ext uri="{BB962C8B-B14F-4D97-AF65-F5344CB8AC3E}">
-        <p14:creationId xmlns:p14="http://schemas.microsoft.com/office/powerpoint/2010/main" val="608233991"/>
+        <p14:creationId xmlns:p14="http://schemas.microsoft.com/office/powerpoint/2010/main" val="3434591100"/>
       </p:ext>
     </p:extLst>
   </p:cSld>
@@ -11212,148 +11461,67 @@
       </p:grpSpPr>
       <p:sp>
         <p:nvSpPr>
-          <p:cNvPr id="3" name="矩形 2"/>
-          <p:cNvSpPr/>
-          <p:nvPr/>
+          <p:cNvPr id="5" name="內容版面配置區 4"/>
+          <p:cNvSpPr>
+            <a:spLocks noGrp="1"/>
+          </p:cNvSpPr>
+          <p:nvPr>
+            <p:ph idx="1"/>
+          </p:nvPr>
         </p:nvSpPr>
         <p:spPr>
           <a:xfrm>
-            <a:off x="6485" y="2500414"/>
-            <a:ext cx="9144000" cy="769441"/>
+            <a:off x="0" y="1563638"/>
+            <a:ext cx="9144000" cy="1803647"/>
           </a:xfrm>
-          <a:prstGeom prst="rect">
-            <a:avLst/>
-          </a:prstGeom>
         </p:spPr>
         <p:txBody>
-          <a:bodyPr wrap="square">
-            <a:spAutoFit/>
+          <a:bodyPr anchor="ctr">
+            <a:normAutofit/>
           </a:bodyPr>
           <a:lstStyle/>
           <a:p>
-            <a:pPr algn="ctr"/>
-            <a:r>
-              <a:rPr lang="en-US" altLang="zh-CN" sz="4400" b="1" dirty="0">
+            <a:pPr algn="ctr">
+              <a:buNone/>
+            </a:pPr>
+            <a:r>
+              <a:rPr lang="zh-TW" altLang="en-US" sz="4800" b="1" dirty="0" smtClean="0">
                 <a:solidFill>
                   <a:srgbClr val="660033"/>
                 </a:solidFill>
-                <a:effectLst>
-                  <a:outerShdw blurRad="38100" dist="38100" dir="2700000" algn="tl">
-                    <a:srgbClr val="000000">
-                      <a:alpha val="43137"/>
-                    </a:srgbClr>
-                  </a:outerShdw>
-                </a:effectLst>
-                <a:latin typeface="微軟正黑體" pitchFamily="34" charset="-120"/>
-                <a:ea typeface="微軟正黑體" pitchFamily="34" charset="-120"/>
-              </a:rPr>
-              <a:t>(</a:t>
-            </a:r>
-            <a:r>
-              <a:rPr lang="zh-CN" altLang="en-US" sz="4400" b="1" dirty="0">
-                <a:solidFill>
-                  <a:srgbClr val="660033"/>
-                </a:solidFill>
-                <a:effectLst>
-                  <a:outerShdw blurRad="38100" dist="38100" dir="2700000" algn="tl">
-                    <a:srgbClr val="000000">
-                      <a:alpha val="43137"/>
-                    </a:srgbClr>
-                  </a:outerShdw>
-                </a:effectLst>
-                <a:latin typeface="微軟正黑體" pitchFamily="34" charset="-120"/>
-                <a:ea typeface="微軟正黑體" pitchFamily="34" charset="-120"/>
-              </a:rPr>
-              <a:t>主禮牧師</a:t>
-            </a:r>
-            <a:r>
-              <a:rPr lang="en-US" altLang="zh-CN" sz="4400" b="1" dirty="0">
-                <a:solidFill>
-                  <a:srgbClr val="660033"/>
-                </a:solidFill>
-                <a:effectLst>
-                  <a:outerShdw blurRad="38100" dist="38100" dir="2700000" algn="tl">
-                    <a:srgbClr val="000000">
-                      <a:alpha val="43137"/>
-                    </a:srgbClr>
-                  </a:outerShdw>
-                </a:effectLst>
-                <a:latin typeface="微軟正黑體" pitchFamily="34" charset="-120"/>
-                <a:ea typeface="微軟正黑體" pitchFamily="34" charset="-120"/>
-              </a:rPr>
-              <a:t>)</a:t>
-            </a:r>
-            <a:endParaRPr lang="zh-TW" altLang="en-US" sz="4400" b="1" dirty="0">
+                <a:latin typeface="微軟正黑體" pitchFamily="34" charset="-120"/>
+                <a:ea typeface="微軟正黑體" pitchFamily="34" charset="-120"/>
+              </a:rPr>
+              <a:t>全能真神祢掌權</a:t>
+            </a:r>
+            <a:endParaRPr lang="en-US" altLang="zh-TW" sz="4800" b="1" dirty="0" smtClean="0">
               <a:solidFill>
                 <a:srgbClr val="660033"/>
               </a:solidFill>
-              <a:effectLst>
-                <a:outerShdw blurRad="38100" dist="38100" dir="2700000" algn="tl">
-                  <a:srgbClr val="000000">
-                    <a:alpha val="43137"/>
-                  </a:srgbClr>
-                </a:outerShdw>
-              </a:effectLst>
               <a:latin typeface="微軟正黑體" pitchFamily="34" charset="-120"/>
               <a:ea typeface="微軟正黑體" pitchFamily="34" charset="-120"/>
             </a:endParaRPr>
           </a:p>
-        </p:txBody>
-      </p:sp>
-      <p:sp>
-        <p:nvSpPr>
-          <p:cNvPr id="2" name="標題 1"/>
-          <p:cNvSpPr>
-            <a:spLocks noGrp="1"/>
-          </p:cNvSpPr>
-          <p:nvPr>
-            <p:ph type="title" idx="4294967295"/>
-          </p:nvPr>
-        </p:nvSpPr>
-        <p:spPr>
-          <a:xfrm>
-            <a:off x="0" y="1779662"/>
-            <a:ext cx="9144000" cy="628650"/>
-          </a:xfrm>
-        </p:spPr>
-        <p:txBody>
-          <a:bodyPr>
-            <a:noAutofit/>
-          </a:bodyPr>
-          <a:lstStyle/>
-          <a:p>
-            <a:r>
-              <a:rPr lang="zh-CN" altLang="en-US" sz="5400" b="1" dirty="0">
-                <a:solidFill>
-                  <a:srgbClr val="000066"/>
-                </a:solidFill>
-                <a:effectLst>
-                  <a:outerShdw blurRad="38100" dist="38100" dir="2700000" algn="tl">
-                    <a:srgbClr val="000000">
-                      <a:alpha val="43137"/>
-                    </a:srgbClr>
-                  </a:outerShdw>
-                </a:effectLst>
-                <a:latin typeface="微軟正黑體" pitchFamily="34" charset="-120"/>
-                <a:ea typeface="微軟正黑體" pitchFamily="34" charset="-120"/>
-                <a:cs typeface="+mn-cs"/>
-              </a:rPr>
-              <a:t>始禮禱告</a:t>
-            </a:r>
-            <a:endParaRPr lang="zh-TW" altLang="en-US" sz="5400" b="1" dirty="0">
+          <a:p>
+            <a:pPr algn="ctr">
+              <a:buNone/>
+            </a:pPr>
+            <a:r>
+              <a:rPr lang="zh-TW" altLang="en-US" sz="4800" b="1" dirty="0" smtClean="0">
+                <a:solidFill>
+                  <a:srgbClr val="660033"/>
+                </a:solidFill>
+                <a:latin typeface="微軟正黑體" pitchFamily="34" charset="-120"/>
+                <a:ea typeface="微軟正黑體" pitchFamily="34" charset="-120"/>
+              </a:rPr>
+              <a:t>祢的慈愛永遠長存</a:t>
+            </a:r>
+            <a:endParaRPr lang="en-US" altLang="zh-TW" sz="4800" b="1" dirty="0" smtClean="0">
               <a:solidFill>
-                <a:srgbClr val="000066"/>
+                <a:srgbClr val="660033"/>
               </a:solidFill>
-              <a:effectLst>
-                <a:outerShdw blurRad="38100" dist="38100" dir="2700000" algn="tl">
-                  <a:srgbClr val="000000">
-                    <a:alpha val="43137"/>
-                  </a:srgbClr>
-                </a:outerShdw>
-              </a:effectLst>
               <a:latin typeface="微軟正黑體" pitchFamily="34" charset="-120"/>
               <a:ea typeface="微軟正黑體" pitchFamily="34" charset="-120"/>
-              <a:cs typeface="+mn-cs"/>
             </a:endParaRPr>
           </a:p>
         </p:txBody>
@@ -11363,13 +11531,81 @@
   <p:clrMapOvr>
     <a:masterClrMapping/>
   </p:clrMapOvr>
-  <p:timing>
-    <p:tnLst>
-      <p:par>
-        <p:cTn id="1" dur="indefinite" restart="never" nodeType="tmRoot"/>
-      </p:par>
-    </p:tnLst>
-  </p:timing>
+</p:sld>
+</file>
+
+<file path=ppt/slides/slide60.xml><?xml version="1.0" encoding="utf-8"?>
+<p:sld xmlns:a="http://schemas.openxmlformats.org/drawingml/2006/main" xmlns:r="http://schemas.openxmlformats.org/officeDocument/2006/relationships" xmlns:p="http://schemas.openxmlformats.org/presentationml/2006/main">
+  <p:cSld>
+    <p:spTree>
+      <p:nvGrpSpPr>
+        <p:cNvPr id="1" name=""/>
+        <p:cNvGrpSpPr/>
+        <p:nvPr/>
+      </p:nvGrpSpPr>
+      <p:grpSpPr>
+        <a:xfrm>
+          <a:off x="0" y="0"/>
+          <a:ext cx="0" cy="0"/>
+          <a:chOff x="0" y="0"/>
+          <a:chExt cx="0" cy="0"/>
+        </a:xfrm>
+      </p:grpSpPr>
+      <p:sp>
+        <p:nvSpPr>
+          <p:cNvPr id="5" name="內容版面配置區 4"/>
+          <p:cNvSpPr>
+            <a:spLocks noGrp="1"/>
+          </p:cNvSpPr>
+          <p:nvPr>
+            <p:ph idx="1"/>
+          </p:nvPr>
+        </p:nvSpPr>
+        <p:spPr>
+          <a:xfrm>
+            <a:off x="0" y="1563638"/>
+            <a:ext cx="9144000" cy="1803647"/>
+          </a:xfrm>
+        </p:spPr>
+        <p:txBody>
+          <a:bodyPr anchor="ctr">
+            <a:normAutofit/>
+          </a:bodyPr>
+          <a:lstStyle/>
+          <a:p>
+            <a:pPr algn="ctr">
+              <a:buNone/>
+            </a:pPr>
+            <a:r>
+              <a:rPr lang="zh-TW" altLang="en-US" sz="4800" b="1" dirty="0">
+                <a:solidFill>
+                  <a:srgbClr val="000066"/>
+                </a:solidFill>
+                <a:effectLst>
+                  <a:outerShdw blurRad="50000" dist="30000" dir="5400000" algn="tl" rotWithShape="0">
+                    <a:srgbClr val="000000">
+                      <a:alpha val="30000"/>
+                    </a:srgbClr>
+                  </a:outerShdw>
+                </a:effectLst>
+                <a:latin typeface="微軟正黑體" pitchFamily="34" charset="-120"/>
+                <a:ea typeface="微軟正黑體" pitchFamily="34" charset="-120"/>
+              </a:rPr>
+              <a:t>以你愛  還祂愛  永相愛</a:t>
+            </a:r>
+          </a:p>
+        </p:txBody>
+      </p:sp>
+    </p:spTree>
+    <p:extLst>
+      <p:ext uri="{BB962C8B-B14F-4D97-AF65-F5344CB8AC3E}">
+        <p14:creationId xmlns:p14="http://schemas.microsoft.com/office/powerpoint/2010/main" val="608233991"/>
+      </p:ext>
+    </p:extLst>
+  </p:cSld>
+  <p:clrMapOvr>
+    <a:masterClrMapping/>
+  </p:clrMapOvr>
 </p:sld>
 </file>
 
@@ -11392,31 +11628,30 @@
       </p:grpSpPr>
       <p:sp>
         <p:nvSpPr>
-          <p:cNvPr id="2" name="標題 1"/>
-          <p:cNvSpPr>
-            <a:spLocks noGrp="1"/>
-          </p:cNvSpPr>
-          <p:nvPr>
-            <p:ph type="title" idx="4294967295"/>
-          </p:nvPr>
+          <p:cNvPr id="3" name="矩形 2"/>
+          <p:cNvSpPr/>
+          <p:nvPr/>
         </p:nvSpPr>
         <p:spPr>
           <a:xfrm>
-            <a:off x="0" y="2257177"/>
-            <a:ext cx="9144000" cy="628650"/>
+            <a:off x="6485" y="2500414"/>
+            <a:ext cx="9144000" cy="769441"/>
           </a:xfrm>
+          <a:prstGeom prst="rect">
+            <a:avLst/>
+          </a:prstGeom>
         </p:spPr>
         <p:txBody>
-          <a:bodyPr>
-            <a:noAutofit/>
+          <a:bodyPr wrap="square">
+            <a:spAutoFit/>
           </a:bodyPr>
           <a:lstStyle/>
           <a:p>
             <a:pPr algn="ctr"/>
             <a:r>
-              <a:rPr lang="zh-CN" altLang="en-US" sz="7200" b="1" dirty="0" smtClean="0">
-                <a:solidFill>
-                  <a:srgbClr val="000066"/>
+              <a:rPr lang="en-US" altLang="zh-CN" sz="4400" b="1" dirty="0">
+                <a:solidFill>
+                  <a:srgbClr val="660033"/>
                 </a:solidFill>
                 <a:effectLst>
                   <a:outerShdw blurRad="38100" dist="38100" dir="2700000" algn="tl">
@@ -11428,9 +11663,100 @@
                 <a:latin typeface="微軟正黑體" pitchFamily="34" charset="-120"/>
                 <a:ea typeface="微軟正黑體" pitchFamily="34" charset="-120"/>
               </a:rPr>
-              <a:t>提摩太詩班</a:t>
-            </a:r>
-            <a:endParaRPr lang="zh-TW" altLang="en-US" sz="7200" b="1" dirty="0">
+              <a:t>(</a:t>
+            </a:r>
+            <a:r>
+              <a:rPr lang="zh-CN" altLang="en-US" sz="4400" b="1" dirty="0">
+                <a:solidFill>
+                  <a:srgbClr val="660033"/>
+                </a:solidFill>
+                <a:effectLst>
+                  <a:outerShdw blurRad="38100" dist="38100" dir="2700000" algn="tl">
+                    <a:srgbClr val="000000">
+                      <a:alpha val="43137"/>
+                    </a:srgbClr>
+                  </a:outerShdw>
+                </a:effectLst>
+                <a:latin typeface="微軟正黑體" pitchFamily="34" charset="-120"/>
+                <a:ea typeface="微軟正黑體" pitchFamily="34" charset="-120"/>
+              </a:rPr>
+              <a:t>主禮牧師</a:t>
+            </a:r>
+            <a:r>
+              <a:rPr lang="en-US" altLang="zh-CN" sz="4400" b="1" dirty="0">
+                <a:solidFill>
+                  <a:srgbClr val="660033"/>
+                </a:solidFill>
+                <a:effectLst>
+                  <a:outerShdw blurRad="38100" dist="38100" dir="2700000" algn="tl">
+                    <a:srgbClr val="000000">
+                      <a:alpha val="43137"/>
+                    </a:srgbClr>
+                  </a:outerShdw>
+                </a:effectLst>
+                <a:latin typeface="微軟正黑體" pitchFamily="34" charset="-120"/>
+                <a:ea typeface="微軟正黑體" pitchFamily="34" charset="-120"/>
+              </a:rPr>
+              <a:t>)</a:t>
+            </a:r>
+            <a:endParaRPr lang="zh-TW" altLang="en-US" sz="4400" b="1" dirty="0">
+              <a:solidFill>
+                <a:srgbClr val="660033"/>
+              </a:solidFill>
+              <a:effectLst>
+                <a:outerShdw blurRad="38100" dist="38100" dir="2700000" algn="tl">
+                  <a:srgbClr val="000000">
+                    <a:alpha val="43137"/>
+                  </a:srgbClr>
+                </a:outerShdw>
+              </a:effectLst>
+              <a:latin typeface="微軟正黑體" pitchFamily="34" charset="-120"/>
+              <a:ea typeface="微軟正黑體" pitchFamily="34" charset="-120"/>
+            </a:endParaRPr>
+          </a:p>
+        </p:txBody>
+      </p:sp>
+      <p:sp>
+        <p:nvSpPr>
+          <p:cNvPr id="2" name="標題 1"/>
+          <p:cNvSpPr>
+            <a:spLocks noGrp="1"/>
+          </p:cNvSpPr>
+          <p:nvPr>
+            <p:ph type="title" idx="4294967295"/>
+          </p:nvPr>
+        </p:nvSpPr>
+        <p:spPr>
+          <a:xfrm>
+            <a:off x="0" y="1779662"/>
+            <a:ext cx="9144000" cy="628650"/>
+          </a:xfrm>
+        </p:spPr>
+        <p:txBody>
+          <a:bodyPr>
+            <a:noAutofit/>
+          </a:bodyPr>
+          <a:lstStyle/>
+          <a:p>
+            <a:r>
+              <a:rPr lang="zh-CN" altLang="en-US" sz="5400" b="1" dirty="0">
+                <a:solidFill>
+                  <a:srgbClr val="000066"/>
+                </a:solidFill>
+                <a:effectLst>
+                  <a:outerShdw blurRad="38100" dist="38100" dir="2700000" algn="tl">
+                    <a:srgbClr val="000000">
+                      <a:alpha val="43137"/>
+                    </a:srgbClr>
+                  </a:outerShdw>
+                </a:effectLst>
+                <a:latin typeface="微軟正黑體" pitchFamily="34" charset="-120"/>
+                <a:ea typeface="微軟正黑體" pitchFamily="34" charset="-120"/>
+                <a:cs typeface="+mn-cs"/>
+              </a:rPr>
+              <a:t>始禮禱告</a:t>
+            </a:r>
+            <a:endParaRPr lang="zh-TW" altLang="en-US" sz="5400" b="1" dirty="0">
               <a:solidFill>
                 <a:srgbClr val="000066"/>
               </a:solidFill>
@@ -11443,6 +11769,7 @@
               </a:effectLst>
               <a:latin typeface="微軟正黑體" pitchFamily="34" charset="-120"/>
               <a:ea typeface="微軟正黑體" pitchFamily="34" charset="-120"/>
+              <a:cs typeface="+mn-cs"/>
             </a:endParaRPr>
           </a:p>
         </p:txBody>
@@ -11491,7 +11818,7 @@
         </p:nvSpPr>
         <p:spPr>
           <a:xfrm>
-            <a:off x="0" y="1779662"/>
+            <a:off x="0" y="2257177"/>
             <a:ext cx="9144000" cy="628650"/>
           </a:xfrm>
         </p:spPr>
@@ -11503,7 +11830,7 @@
           <a:p>
             <a:pPr algn="ctr"/>
             <a:r>
-              <a:rPr lang="zh-CN" altLang="en-US" sz="8000" b="1" dirty="0" smtClean="0">
+              <a:rPr lang="zh-CN" altLang="en-US" sz="7200" b="1" dirty="0" smtClean="0">
                 <a:solidFill>
                   <a:srgbClr val="000066"/>
                 </a:solidFill>
@@ -11517,9 +11844,9 @@
                 <a:latin typeface="微軟正黑體" pitchFamily="34" charset="-120"/>
                 <a:ea typeface="微軟正黑體" pitchFamily="34" charset="-120"/>
               </a:rPr>
-              <a:t>啟應經文</a:t>
-            </a:r>
-            <a:endParaRPr lang="zh-TW" altLang="en-US" sz="8000" b="1" dirty="0">
+              <a:t>提摩太詩班</a:t>
+            </a:r>
+            <a:endParaRPr lang="zh-TW" altLang="en-US" sz="7200" b="1" dirty="0">
               <a:solidFill>
                 <a:srgbClr val="000066"/>
               </a:solidFill>
@@ -11532,103 +11859,6 @@
               </a:effectLst>
               <a:latin typeface="微軟正黑體" pitchFamily="34" charset="-120"/>
               <a:ea typeface="微軟正黑體" pitchFamily="34" charset="-120"/>
-            </a:endParaRPr>
-          </a:p>
-        </p:txBody>
-      </p:sp>
-      <p:sp>
-        <p:nvSpPr>
-          <p:cNvPr id="4" name="標題 1"/>
-          <p:cNvSpPr txBox="1"/>
-          <p:nvPr/>
-        </p:nvSpPr>
-        <p:spPr>
-          <a:xfrm>
-            <a:off x="0" y="2787774"/>
-            <a:ext cx="9144000" cy="628650"/>
-          </a:xfrm>
-          <a:prstGeom prst="rect">
-            <a:avLst/>
-          </a:prstGeom>
-        </p:spPr>
-        <p:txBody>
-          <a:bodyPr anchor="ctr">
-            <a:noAutofit/>
-          </a:bodyPr>
-          <a:lstStyle/>
-          <a:p>
-            <a:pPr lvl="0" algn="ctr">
-              <a:spcBef>
-                <a:spcPct val="0"/>
-              </a:spcBef>
-            </a:pPr>
-            <a:r>
-              <a:rPr lang="en-US" altLang="zh-TW" sz="4000" b="1" dirty="0" smtClean="0">
-                <a:solidFill>
-                  <a:srgbClr val="660033"/>
-                </a:solidFill>
-                <a:effectLst>
-                  <a:outerShdw blurRad="38100" dist="38100" dir="2700000" algn="tl">
-                    <a:srgbClr val="000000">
-                      <a:alpha val="43137"/>
-                    </a:srgbClr>
-                  </a:outerShdw>
-                </a:effectLst>
-                <a:latin typeface="微軟正黑體" pitchFamily="34" charset="-120"/>
-                <a:ea typeface="微軟正黑體" pitchFamily="34" charset="-120"/>
-                <a:cs typeface="+mj-cs"/>
-              </a:rPr>
-              <a:t>3 “</a:t>
-            </a:r>
-            <a:r>
-              <a:rPr lang="zh-CN" altLang="en-US" sz="4000" b="1" dirty="0">
-                <a:solidFill>
-                  <a:srgbClr val="660033"/>
-                </a:solidFill>
-                <a:effectLst>
-                  <a:outerShdw blurRad="38100" dist="38100" dir="2700000" algn="tl">
-                    <a:srgbClr val="000000">
-                      <a:alpha val="43137"/>
-                    </a:srgbClr>
-                  </a:outerShdw>
-                </a:effectLst>
-                <a:latin typeface="微軟正黑體" pitchFamily="34" charset="-120"/>
-                <a:ea typeface="微軟正黑體" pitchFamily="34" charset="-120"/>
-              </a:rPr>
-              <a:t>神的威權</a:t>
-            </a:r>
-            <a:r>
-              <a:rPr lang="en-US" altLang="zh-TW" sz="4000" b="1" dirty="0" smtClean="0">
-                <a:solidFill>
-                  <a:srgbClr val="660033"/>
-                </a:solidFill>
-                <a:effectLst>
-                  <a:outerShdw blurRad="38100" dist="38100" dir="2700000" algn="tl">
-                    <a:srgbClr val="000000">
-                      <a:alpha val="43137"/>
-                    </a:srgbClr>
-                  </a:outerShdw>
-                </a:effectLst>
-                <a:latin typeface="微軟正黑體" pitchFamily="34" charset="-120"/>
-                <a:ea typeface="微軟正黑體" pitchFamily="34" charset="-120"/>
-                <a:cs typeface="+mj-cs"/>
-              </a:rPr>
-              <a:t>”</a:t>
-            </a:r>
-            <a:endParaRPr lang="zh-TW" altLang="en-US" sz="4000" b="1" dirty="0">
-              <a:solidFill>
-                <a:srgbClr val="660033"/>
-              </a:solidFill>
-              <a:effectLst>
-                <a:outerShdw blurRad="38100" dist="38100" dir="2700000" algn="tl">
-                  <a:srgbClr val="000000">
-                    <a:alpha val="43137"/>
-                  </a:srgbClr>
-                </a:outerShdw>
-              </a:effectLst>
-              <a:latin typeface="微軟正黑體" pitchFamily="34" charset="-120"/>
-              <a:ea typeface="微軟正黑體" pitchFamily="34" charset="-120"/>
-              <a:cs typeface="+mj-cs"/>
             </a:endParaRPr>
           </a:p>
         </p:txBody>
@@ -11667,25 +11897,31 @@
       </p:grpSpPr>
       <p:sp>
         <p:nvSpPr>
-          <p:cNvPr id="2" name="Title 1"/>
-          <p:cNvSpPr>
-            <a:spLocks noGrp="1"/>
-          </p:cNvSpPr>
-          <p:nvPr>
-            <p:ph type="ctrTitle"/>
-          </p:nvPr>
-        </p:nvSpPr>
-        <p:spPr/>
+          <p:cNvPr id="2" name="標題 1"/>
+          <p:cNvSpPr>
+            <a:spLocks noGrp="1"/>
+          </p:cNvSpPr>
+          <p:nvPr>
+            <p:ph type="title" idx="4294967295"/>
+          </p:nvPr>
+        </p:nvSpPr>
+        <p:spPr>
+          <a:xfrm>
+            <a:off x="0" y="1779662"/>
+            <a:ext cx="9144000" cy="628650"/>
+          </a:xfrm>
+        </p:spPr>
         <p:txBody>
           <a:bodyPr>
-            <a:normAutofit fontScale="90000"/>
+            <a:noAutofit/>
           </a:bodyPr>
           <a:lstStyle/>
           <a:p>
+            <a:pPr algn="ctr"/>
             <a:r>
               <a:rPr lang="zh-CN" altLang="en-US" sz="8000" b="1" dirty="0" smtClean="0">
                 <a:solidFill>
-                  <a:srgbClr val="660033"/>
+                  <a:srgbClr val="000066"/>
                 </a:solidFill>
                 <a:effectLst>
                   <a:outerShdw blurRad="38100" dist="38100" dir="2700000" algn="tl">
@@ -11697,9 +11933,105 @@
                 <a:latin typeface="微軟正黑體" pitchFamily="34" charset="-120"/>
                 <a:ea typeface="微軟正黑體" pitchFamily="34" charset="-120"/>
               </a:rPr>
+              <a:t>啟應經文</a:t>
+            </a:r>
+            <a:endParaRPr lang="zh-TW" altLang="en-US" sz="8000" b="1" dirty="0">
+              <a:solidFill>
+                <a:srgbClr val="000066"/>
+              </a:solidFill>
+              <a:effectLst>
+                <a:outerShdw blurRad="38100" dist="38100" dir="2700000" algn="tl">
+                  <a:srgbClr val="000000">
+                    <a:alpha val="43137"/>
+                  </a:srgbClr>
+                </a:outerShdw>
+              </a:effectLst>
+              <a:latin typeface="微軟正黑體" pitchFamily="34" charset="-120"/>
+              <a:ea typeface="微軟正黑體" pitchFamily="34" charset="-120"/>
+            </a:endParaRPr>
+          </a:p>
+        </p:txBody>
+      </p:sp>
+      <p:sp>
+        <p:nvSpPr>
+          <p:cNvPr id="4" name="標題 1"/>
+          <p:cNvSpPr txBox="1"/>
+          <p:nvPr/>
+        </p:nvSpPr>
+        <p:spPr>
+          <a:xfrm>
+            <a:off x="0" y="2787774"/>
+            <a:ext cx="9144000" cy="628650"/>
+          </a:xfrm>
+          <a:prstGeom prst="rect">
+            <a:avLst/>
+          </a:prstGeom>
+        </p:spPr>
+        <p:txBody>
+          <a:bodyPr anchor="ctr">
+            <a:noAutofit/>
+          </a:bodyPr>
+          <a:lstStyle/>
+          <a:p>
+            <a:pPr lvl="0" algn="ctr">
+              <a:spcBef>
+                <a:spcPct val="0"/>
+              </a:spcBef>
+            </a:pPr>
+            <a:r>
+              <a:rPr lang="en-US" altLang="zh-TW" sz="4000" b="1" dirty="0" smtClean="0">
+                <a:solidFill>
+                  <a:srgbClr val="660033"/>
+                </a:solidFill>
+                <a:effectLst>
+                  <a:outerShdw blurRad="38100" dist="38100" dir="2700000" algn="tl">
+                    <a:srgbClr val="000000">
+                      <a:alpha val="43137"/>
+                    </a:srgbClr>
+                  </a:outerShdw>
+                </a:effectLst>
+                <a:latin typeface="微軟正黑體" pitchFamily="34" charset="-120"/>
+                <a:ea typeface="微軟正黑體" pitchFamily="34" charset="-120"/>
+                <a:cs typeface="+mj-cs"/>
+              </a:rPr>
+              <a:t>3 “</a:t>
+            </a:r>
+            <a:r>
+              <a:rPr lang="zh-CN" altLang="en-US" sz="4000" b="1" dirty="0">
+                <a:solidFill>
+                  <a:srgbClr val="660033"/>
+                </a:solidFill>
+                <a:effectLst>
+                  <a:outerShdw blurRad="38100" dist="38100" dir="2700000" algn="tl">
+                    <a:srgbClr val="000000">
+                      <a:alpha val="43137"/>
+                    </a:srgbClr>
+                  </a:outerShdw>
+                </a:effectLst>
+                <a:latin typeface="微軟正黑體" pitchFamily="34" charset="-120"/>
+                <a:ea typeface="微軟正黑體" pitchFamily="34" charset="-120"/>
+              </a:rPr>
               <a:t>神的威權</a:t>
             </a:r>
-            <a:endParaRPr lang="en-US" sz="8000" b="1" dirty="0">
+            <a:r>
+              <a:rPr lang="en-US" altLang="zh-TW" sz="4000" b="1" dirty="0" smtClean="0">
+                <a:solidFill>
+                  <a:srgbClr val="660033"/>
+                </a:solidFill>
+                <a:effectLst>
+                  <a:outerShdw blurRad="38100" dist="38100" dir="2700000" algn="tl">
+                    <a:srgbClr val="000000">
+                      <a:alpha val="43137"/>
+                    </a:srgbClr>
+                  </a:outerShdw>
+                </a:effectLst>
+                <a:latin typeface="微軟正黑體" pitchFamily="34" charset="-120"/>
+                <a:ea typeface="微軟正黑體" pitchFamily="34" charset="-120"/>
+                <a:cs typeface="+mj-cs"/>
+              </a:rPr>
+              <a:t>”</a:t>
+            </a:r>
+            <a:endParaRPr lang="zh-TW" altLang="en-US" sz="4000" b="1" dirty="0">
               <a:solidFill>
                 <a:srgbClr val="660033"/>
               </a:solidFill>
@@ -11712,222 +12044,7 @@
               </a:effectLst>
               <a:latin typeface="微軟正黑體" pitchFamily="34" charset="-120"/>
               <a:ea typeface="微軟正黑體" pitchFamily="34" charset="-120"/>
-            </a:endParaRPr>
-          </a:p>
-        </p:txBody>
-      </p:sp>
-      <p:sp>
-        <p:nvSpPr>
-          <p:cNvPr id="3" name="Subtitle 2"/>
-          <p:cNvSpPr>
-            <a:spLocks noGrp="1"/>
-          </p:cNvSpPr>
-          <p:nvPr>
-            <p:ph type="subTitle" idx="1"/>
-          </p:nvPr>
-        </p:nvSpPr>
-        <p:spPr/>
-        <p:txBody>
-          <a:bodyPr>
-            <a:normAutofit/>
-          </a:bodyPr>
-          <a:lstStyle/>
-          <a:p>
-            <a:r>
-              <a:rPr lang="zh-CN" altLang="en-US" b="1" dirty="0" smtClean="0">
-                <a:solidFill>
-                  <a:srgbClr val="000066"/>
-                </a:solidFill>
-                <a:latin typeface="微軟正黑體" pitchFamily="34" charset="-120"/>
-                <a:ea typeface="微軟正黑體" pitchFamily="34" charset="-120"/>
-              </a:rPr>
-              <a:t>詩</a:t>
-            </a:r>
-            <a:r>
-              <a:rPr lang="en-US" altLang="zh-CN" b="1" dirty="0" smtClean="0">
-                <a:solidFill>
-                  <a:srgbClr val="000066"/>
-                </a:solidFill>
-                <a:latin typeface="微軟正黑體" pitchFamily="34" charset="-120"/>
-                <a:ea typeface="微軟正黑體" pitchFamily="34" charset="-120"/>
-              </a:rPr>
-              <a:t>93</a:t>
-            </a:r>
-            <a:r>
-              <a:rPr lang="zh-CN" altLang="en-US" b="1" dirty="0" smtClean="0">
-                <a:solidFill>
-                  <a:srgbClr val="000066"/>
-                </a:solidFill>
-                <a:latin typeface="微軟正黑體" pitchFamily="34" charset="-120"/>
-                <a:ea typeface="微軟正黑體" pitchFamily="34" charset="-120"/>
-              </a:rPr>
-              <a:t>：</a:t>
-            </a:r>
-            <a:r>
-              <a:rPr lang="en-US" altLang="zh-CN" b="1" dirty="0" smtClean="0">
-                <a:solidFill>
-                  <a:srgbClr val="000066"/>
-                </a:solidFill>
-                <a:latin typeface="微軟正黑體" pitchFamily="34" charset="-120"/>
-                <a:ea typeface="微軟正黑體" pitchFamily="34" charset="-120"/>
-              </a:rPr>
-              <a:t>1-2</a:t>
-            </a:r>
-            <a:r>
-              <a:rPr lang="zh-CN" altLang="en-US" b="1" dirty="0" smtClean="0">
-                <a:solidFill>
-                  <a:srgbClr val="000066"/>
-                </a:solidFill>
-                <a:latin typeface="微軟正黑體" pitchFamily="34" charset="-120"/>
-                <a:ea typeface="微軟正黑體" pitchFamily="34" charset="-120"/>
-              </a:rPr>
-              <a:t>，</a:t>
-            </a:r>
-            <a:r>
-              <a:rPr lang="en-US" altLang="zh-CN" b="1" dirty="0" smtClean="0">
-                <a:solidFill>
-                  <a:srgbClr val="000066"/>
-                </a:solidFill>
-                <a:latin typeface="微軟正黑體" pitchFamily="34" charset="-120"/>
-                <a:ea typeface="微軟正黑體" pitchFamily="34" charset="-120"/>
-              </a:rPr>
-              <a:t>4-5</a:t>
-            </a:r>
-            <a:r>
-              <a:rPr lang="zh-CN" altLang="en-US" b="1" dirty="0" smtClean="0">
-                <a:solidFill>
-                  <a:srgbClr val="000066"/>
-                </a:solidFill>
-                <a:latin typeface="微軟正黑體" pitchFamily="34" charset="-120"/>
-                <a:ea typeface="微軟正黑體" pitchFamily="34" charset="-120"/>
-              </a:rPr>
-              <a:t>；</a:t>
-            </a:r>
-            <a:r>
-              <a:rPr lang="en-US" altLang="zh-CN" b="1" dirty="0" smtClean="0">
-                <a:solidFill>
-                  <a:srgbClr val="000066"/>
-                </a:solidFill>
-                <a:latin typeface="微軟正黑體" pitchFamily="34" charset="-120"/>
-                <a:ea typeface="微軟正黑體" pitchFamily="34" charset="-120"/>
-              </a:rPr>
-              <a:t>24</a:t>
-            </a:r>
-            <a:r>
-              <a:rPr lang="zh-CN" altLang="en-US" b="1" dirty="0" smtClean="0">
-                <a:solidFill>
-                  <a:srgbClr val="000066"/>
-                </a:solidFill>
-                <a:latin typeface="微軟正黑體" pitchFamily="34" charset="-120"/>
-                <a:ea typeface="微軟正黑體" pitchFamily="34" charset="-120"/>
-              </a:rPr>
-              <a:t>：</a:t>
-            </a:r>
-            <a:r>
-              <a:rPr lang="en-US" altLang="zh-CN" b="1" dirty="0" smtClean="0">
-                <a:solidFill>
-                  <a:srgbClr val="000066"/>
-                </a:solidFill>
-                <a:latin typeface="微軟正黑體" pitchFamily="34" charset="-120"/>
-                <a:ea typeface="微軟正黑體" pitchFamily="34" charset="-120"/>
-              </a:rPr>
-              <a:t>1-4</a:t>
-            </a:r>
-            <a:r>
-              <a:rPr lang="zh-CN" altLang="en-US" b="1" dirty="0" smtClean="0">
-                <a:solidFill>
-                  <a:srgbClr val="000066"/>
-                </a:solidFill>
-                <a:latin typeface="微軟正黑體" pitchFamily="34" charset="-120"/>
-                <a:ea typeface="微軟正黑體" pitchFamily="34" charset="-120"/>
-              </a:rPr>
-              <a:t>；</a:t>
-            </a:r>
-            <a:endParaRPr lang="en-US" altLang="zh-CN" b="1" dirty="0" smtClean="0">
-              <a:solidFill>
-                <a:srgbClr val="000066"/>
-              </a:solidFill>
-              <a:latin typeface="微軟正黑體" pitchFamily="34" charset="-120"/>
-              <a:ea typeface="微軟正黑體" pitchFamily="34" charset="-120"/>
-            </a:endParaRPr>
-          </a:p>
-          <a:p>
-            <a:r>
-              <a:rPr lang="en-US" altLang="zh-CN" b="1" dirty="0" smtClean="0">
-                <a:solidFill>
-                  <a:srgbClr val="000066"/>
-                </a:solidFill>
-                <a:latin typeface="微軟正黑體" pitchFamily="34" charset="-120"/>
-                <a:ea typeface="微軟正黑體" pitchFamily="34" charset="-120"/>
-              </a:rPr>
-              <a:t>97</a:t>
-            </a:r>
-            <a:r>
-              <a:rPr lang="zh-CN" altLang="en-US" b="1" dirty="0" smtClean="0">
-                <a:solidFill>
-                  <a:srgbClr val="000066"/>
-                </a:solidFill>
-                <a:latin typeface="微軟正黑體" pitchFamily="34" charset="-120"/>
-                <a:ea typeface="微軟正黑體" pitchFamily="34" charset="-120"/>
-              </a:rPr>
-              <a:t>：</a:t>
-            </a:r>
-            <a:r>
-              <a:rPr lang="en-US" altLang="zh-CN" b="1" dirty="0" smtClean="0">
-                <a:solidFill>
-                  <a:srgbClr val="000066"/>
-                </a:solidFill>
-                <a:latin typeface="微軟正黑體" pitchFamily="34" charset="-120"/>
-                <a:ea typeface="微軟正黑體" pitchFamily="34" charset="-120"/>
-              </a:rPr>
-              <a:t>1-6</a:t>
-            </a:r>
-            <a:r>
-              <a:rPr lang="zh-CN" altLang="en-US" b="1" dirty="0" smtClean="0">
-                <a:solidFill>
-                  <a:srgbClr val="000066"/>
-                </a:solidFill>
-                <a:latin typeface="微軟正黑體" pitchFamily="34" charset="-120"/>
-                <a:ea typeface="微軟正黑體" pitchFamily="34" charset="-120"/>
-              </a:rPr>
-              <a:t>；</a:t>
-            </a:r>
-            <a:r>
-              <a:rPr lang="en-US" altLang="zh-CN" b="1" dirty="0" smtClean="0">
-                <a:solidFill>
-                  <a:srgbClr val="000066"/>
-                </a:solidFill>
-                <a:latin typeface="微軟正黑體" pitchFamily="34" charset="-120"/>
-                <a:ea typeface="微軟正黑體" pitchFamily="34" charset="-120"/>
-              </a:rPr>
-              <a:t>18</a:t>
-            </a:r>
-            <a:r>
-              <a:rPr lang="zh-CN" altLang="en-US" b="1" dirty="0" smtClean="0">
-                <a:solidFill>
-                  <a:srgbClr val="000066"/>
-                </a:solidFill>
-                <a:latin typeface="微軟正黑體" pitchFamily="34" charset="-120"/>
-                <a:ea typeface="微軟正黑體" pitchFamily="34" charset="-120"/>
-              </a:rPr>
-              <a:t>：</a:t>
-            </a:r>
-            <a:r>
-              <a:rPr lang="en-US" altLang="zh-CN" b="1" dirty="0" smtClean="0">
-                <a:solidFill>
-                  <a:srgbClr val="000066"/>
-                </a:solidFill>
-                <a:latin typeface="微軟正黑體" pitchFamily="34" charset="-120"/>
-                <a:ea typeface="微軟正黑體" pitchFamily="34" charset="-120"/>
-              </a:rPr>
-              <a:t>16</a:t>
-            </a:r>
-            <a:endParaRPr lang="en-US" b="1" dirty="0">
-              <a:solidFill>
-                <a:srgbClr val="000066"/>
-              </a:solidFill>
-              <a:latin typeface="微軟正黑體" pitchFamily="34" charset="-120"/>
-              <a:ea typeface="微軟正黑體" pitchFamily="34" charset="-120"/>
+              <a:cs typeface="+mj-cs"/>
             </a:endParaRPr>
           </a:p>
         </p:txBody>

--- a/崇拜流程_聖餐禮version.pptx
+++ b/崇拜流程_聖餐禮version.pptx
@@ -5,7 +5,7 @@
     <p:sldMasterId id="2147483648" r:id="rId1"/>
   </p:sldMasterIdLst>
   <p:notesMasterIdLst>
-    <p:notesMasterId r:id="rId62"/>
+    <p:notesMasterId r:id="rId47"/>
   </p:notesMasterIdLst>
   <p:sldIdLst>
     <p:sldId id="478" r:id="rId2"/>
@@ -32,42 +32,27 @@
     <p:sldId id="394" r:id="rId23"/>
     <p:sldId id="419" r:id="rId24"/>
     <p:sldId id="420" r:id="rId25"/>
-    <p:sldId id="421" r:id="rId26"/>
-    <p:sldId id="422" r:id="rId27"/>
-    <p:sldId id="423" r:id="rId28"/>
-    <p:sldId id="424" r:id="rId29"/>
-    <p:sldId id="425" r:id="rId30"/>
-    <p:sldId id="436" r:id="rId31"/>
-    <p:sldId id="437" r:id="rId32"/>
-    <p:sldId id="428" r:id="rId33"/>
-    <p:sldId id="429" r:id="rId34"/>
-    <p:sldId id="438" r:id="rId35"/>
-    <p:sldId id="439" r:id="rId36"/>
-    <p:sldId id="432" r:id="rId37"/>
-    <p:sldId id="433" r:id="rId38"/>
-    <p:sldId id="440" r:id="rId39"/>
-    <p:sldId id="441" r:id="rId40"/>
-    <p:sldId id="267" r:id="rId41"/>
-    <p:sldId id="459" r:id="rId42"/>
-    <p:sldId id="460" r:id="rId43"/>
-    <p:sldId id="461" r:id="rId44"/>
-    <p:sldId id="462" r:id="rId45"/>
-    <p:sldId id="463" r:id="rId46"/>
-    <p:sldId id="464" r:id="rId47"/>
-    <p:sldId id="465" r:id="rId48"/>
-    <p:sldId id="466" r:id="rId49"/>
-    <p:sldId id="467" r:id="rId50"/>
-    <p:sldId id="468" r:id="rId51"/>
-    <p:sldId id="469" r:id="rId52"/>
-    <p:sldId id="470" r:id="rId53"/>
-    <p:sldId id="291" r:id="rId54"/>
-    <p:sldId id="471" r:id="rId55"/>
-    <p:sldId id="472" r:id="rId56"/>
-    <p:sldId id="473" r:id="rId57"/>
-    <p:sldId id="474" r:id="rId58"/>
-    <p:sldId id="475" r:id="rId59"/>
-    <p:sldId id="476" r:id="rId60"/>
-    <p:sldId id="477" r:id="rId61"/>
+    <p:sldId id="267" r:id="rId26"/>
+    <p:sldId id="459" r:id="rId27"/>
+    <p:sldId id="460" r:id="rId28"/>
+    <p:sldId id="461" r:id="rId29"/>
+    <p:sldId id="462" r:id="rId30"/>
+    <p:sldId id="463" r:id="rId31"/>
+    <p:sldId id="464" r:id="rId32"/>
+    <p:sldId id="465" r:id="rId33"/>
+    <p:sldId id="466" r:id="rId34"/>
+    <p:sldId id="467" r:id="rId35"/>
+    <p:sldId id="468" r:id="rId36"/>
+    <p:sldId id="469" r:id="rId37"/>
+    <p:sldId id="470" r:id="rId38"/>
+    <p:sldId id="291" r:id="rId39"/>
+    <p:sldId id="471" r:id="rId40"/>
+    <p:sldId id="472" r:id="rId41"/>
+    <p:sldId id="473" r:id="rId42"/>
+    <p:sldId id="474" r:id="rId43"/>
+    <p:sldId id="475" r:id="rId44"/>
+    <p:sldId id="476" r:id="rId45"/>
+    <p:sldId id="477" r:id="rId46"/>
   </p:sldIdLst>
   <p:sldSz cx="9144000" cy="5143500" type="screen16x9"/>
   <p:notesSz cx="6858000" cy="9144000"/>
@@ -272,7 +257,7 @@
           <a:p>
             <a:fld id="{2F30D4D0-EAC7-4980-A92D-C26C9148BA0F}" type="datetimeFigureOut">
               <a:rPr lang="zh-TW" altLang="en-US" smtClean="0"/>
-              <a:t>2021/4/3</a:t>
+              <a:t>2021/4/28</a:t>
             </a:fld>
             <a:endParaRPr lang="zh-TW" altLang="en-US"/>
           </a:p>
@@ -1148,7 +1133,7 @@
           <a:p>
             <a:fld id="{5BBEAD13-0566-4C6C-97E7-55F17F24B09F}" type="datetimeFigureOut">
               <a:rPr lang="zh-TW" altLang="en-US" smtClean="0"/>
-              <a:t>2021/4/3</a:t>
+              <a:t>2021/4/28</a:t>
             </a:fld>
             <a:endParaRPr lang="zh-TW" altLang="en-US"/>
           </a:p>
@@ -1313,7 +1298,7 @@
           <a:p>
             <a:fld id="{5BBEAD13-0566-4C6C-97E7-55F17F24B09F}" type="datetimeFigureOut">
               <a:rPr lang="zh-TW" altLang="en-US" smtClean="0"/>
-              <a:t>2021/4/3</a:t>
+              <a:t>2021/4/28</a:t>
             </a:fld>
             <a:endParaRPr lang="zh-TW" altLang="en-US"/>
           </a:p>
@@ -1488,7 +1473,7 @@
           <a:p>
             <a:fld id="{5BBEAD13-0566-4C6C-97E7-55F17F24B09F}" type="datetimeFigureOut">
               <a:rPr lang="zh-TW" altLang="en-US" smtClean="0"/>
-              <a:t>2021/4/3</a:t>
+              <a:t>2021/4/28</a:t>
             </a:fld>
             <a:endParaRPr lang="zh-TW" altLang="en-US"/>
           </a:p>
@@ -1653,7 +1638,7 @@
           <a:p>
             <a:fld id="{5BBEAD13-0566-4C6C-97E7-55F17F24B09F}" type="datetimeFigureOut">
               <a:rPr lang="zh-TW" altLang="en-US" smtClean="0"/>
-              <a:t>2021/4/3</a:t>
+              <a:t>2021/4/28</a:t>
             </a:fld>
             <a:endParaRPr lang="zh-TW" altLang="en-US"/>
           </a:p>
@@ -1894,7 +1879,7 @@
           <a:p>
             <a:fld id="{5BBEAD13-0566-4C6C-97E7-55F17F24B09F}" type="datetimeFigureOut">
               <a:rPr lang="zh-TW" altLang="en-US" smtClean="0"/>
-              <a:t>2021/4/3</a:t>
+              <a:t>2021/4/28</a:t>
             </a:fld>
             <a:endParaRPr lang="zh-TW" altLang="en-US"/>
           </a:p>
@@ -2177,7 +2162,7 @@
           <a:p>
             <a:fld id="{5BBEAD13-0566-4C6C-97E7-55F17F24B09F}" type="datetimeFigureOut">
               <a:rPr lang="zh-TW" altLang="en-US" smtClean="0"/>
-              <a:t>2021/4/3</a:t>
+              <a:t>2021/4/28</a:t>
             </a:fld>
             <a:endParaRPr lang="zh-TW" altLang="en-US"/>
           </a:p>
@@ -2594,7 +2579,7 @@
           <a:p>
             <a:fld id="{5BBEAD13-0566-4C6C-97E7-55F17F24B09F}" type="datetimeFigureOut">
               <a:rPr lang="zh-TW" altLang="en-US" smtClean="0"/>
-              <a:t>2021/4/3</a:t>
+              <a:t>2021/4/28</a:t>
             </a:fld>
             <a:endParaRPr lang="zh-TW" altLang="en-US"/>
           </a:p>
@@ -2707,7 +2692,7 @@
           <a:p>
             <a:fld id="{5BBEAD13-0566-4C6C-97E7-55F17F24B09F}" type="datetimeFigureOut">
               <a:rPr lang="zh-TW" altLang="en-US" smtClean="0"/>
-              <a:t>2021/4/3</a:t>
+              <a:t>2021/4/28</a:t>
             </a:fld>
             <a:endParaRPr lang="zh-TW" altLang="en-US"/>
           </a:p>
@@ -2797,7 +2782,7 @@
           <a:p>
             <a:fld id="{5BBEAD13-0566-4C6C-97E7-55F17F24B09F}" type="datetimeFigureOut">
               <a:rPr lang="zh-TW" altLang="en-US" smtClean="0"/>
-              <a:t>2021/4/3</a:t>
+              <a:t>2021/4/28</a:t>
             </a:fld>
             <a:endParaRPr lang="zh-TW" altLang="en-US"/>
           </a:p>
@@ -3069,7 +3054,7 @@
           <a:p>
             <a:fld id="{5BBEAD13-0566-4C6C-97E7-55F17F24B09F}" type="datetimeFigureOut">
               <a:rPr lang="zh-TW" altLang="en-US" smtClean="0"/>
-              <a:t>2021/4/3</a:t>
+              <a:t>2021/4/28</a:t>
             </a:fld>
             <a:endParaRPr lang="zh-TW" altLang="en-US"/>
           </a:p>
@@ -3321,7 +3306,7 @@
           <a:p>
             <a:fld id="{5BBEAD13-0566-4C6C-97E7-55F17F24B09F}" type="datetimeFigureOut">
               <a:rPr lang="zh-TW" altLang="en-US" smtClean="0"/>
-              <a:t>2021/4/3</a:t>
+              <a:t>2021/4/28</a:t>
             </a:fld>
             <a:endParaRPr lang="zh-TW" altLang="en-US"/>
           </a:p>
@@ -3534,7 +3519,7 @@
           <a:p>
             <a:fld id="{5BBEAD13-0566-4C6C-97E7-55F17F24B09F}" type="datetimeFigureOut">
               <a:rPr lang="zh-TW" altLang="en-US" smtClean="0"/>
-              <a:t>2021/4/3</a:t>
+              <a:t>2021/4/28</a:t>
             </a:fld>
             <a:endParaRPr lang="zh-TW" altLang="en-US"/>
           </a:p>
@@ -6591,8 +6576,8 @@
         </p:nvSpPr>
         <p:spPr>
           <a:xfrm>
-            <a:off x="251520" y="1659230"/>
-            <a:ext cx="936104" cy="830997"/>
+            <a:off x="0" y="3795886"/>
+            <a:ext cx="9144000" cy="646331"/>
           </a:xfrm>
           <a:prstGeom prst="rect">
             <a:avLst/>
@@ -6605,15 +6590,16 @@
           </a:bodyPr>
           <a:lstStyle/>
           <a:p>
-            <a:r>
-              <a:rPr lang="en-US" sz="4800" b="1" dirty="0" smtClean="0">
+            <a:pPr algn="ctr"/>
+            <a:r>
+              <a:rPr lang="en-US" sz="3600" b="1" dirty="0" smtClean="0">
                 <a:solidFill>
                   <a:srgbClr val="660033"/>
                 </a:solidFill>
               </a:rPr>
-              <a:t>1.</a:t>
-            </a:r>
-            <a:endParaRPr lang="vi-VN" sz="4800" b="1" dirty="0">
+              <a:t>( 1 )</a:t>
+            </a:r>
+            <a:endParaRPr lang="vi-VN" sz="3600" b="1" dirty="0">
               <a:solidFill>
                 <a:srgbClr val="660033"/>
               </a:solidFill>
@@ -6660,128 +6646,95 @@
       </p:grpSpPr>
       <p:sp>
         <p:nvSpPr>
-          <p:cNvPr id="5" name="內容版面配置區 4"/>
-          <p:cNvSpPr>
-            <a:spLocks noGrp="1"/>
-          </p:cNvSpPr>
-          <p:nvPr>
-            <p:ph idx="1"/>
+          <p:cNvPr id="2" name="標題 1"/>
+          <p:cNvSpPr>
+            <a:spLocks noGrp="1"/>
+          </p:cNvSpPr>
+          <p:nvPr>
+            <p:ph type="title" idx="4294967295"/>
           </p:nvPr>
         </p:nvSpPr>
         <p:spPr>
           <a:xfrm>
-            <a:off x="0" y="1563638"/>
-            <a:ext cx="9144000" cy="1803647"/>
+            <a:off x="149" y="2257505"/>
+            <a:ext cx="9144000" cy="628650"/>
           </a:xfrm>
         </p:spPr>
         <p:txBody>
-          <a:bodyPr anchor="ctr">
-            <a:normAutofit/>
+          <a:bodyPr>
+            <a:noAutofit/>
           </a:bodyPr>
           <a:lstStyle/>
           <a:p>
-            <a:pPr marL="0" indent="0" algn="ctr">
-              <a:buNone/>
-            </a:pPr>
-            <a:r>
-              <a:rPr lang="zh-TW" altLang="en-US" sz="4800" b="1" dirty="0">
-                <a:solidFill>
-                  <a:srgbClr val="660033"/>
-                </a:solidFill>
-                <a:latin typeface="Microsoft JhengHei" pitchFamily="34" charset="-120"/>
-                <a:ea typeface="Microsoft JhengHei" pitchFamily="34" charset="-120"/>
-              </a:rPr>
-              <a:t>故我不自誇  驕傲亦憎</a:t>
-            </a:r>
-            <a:endParaRPr lang="en-US" altLang="zh-TW" sz="4800" b="1" dirty="0">
+            <a:r>
+              <a:rPr lang="zh-CN" altLang="en-US" sz="7200" b="1" dirty="0">
+                <a:solidFill>
+                  <a:srgbClr val="000066"/>
+                </a:solidFill>
+                <a:effectLst>
+                  <a:outerShdw blurRad="38100" dist="38100" dir="2700000" algn="tl">
+                    <a:srgbClr val="000000">
+                      <a:alpha val="43137"/>
+                    </a:srgbClr>
+                  </a:outerShdw>
+                </a:effectLst>
+                <a:latin typeface="微軟正黑體" pitchFamily="34" charset="-120"/>
+                <a:ea typeface="微軟正黑體" pitchFamily="34" charset="-120"/>
+              </a:rPr>
+              <a:t>家事分</a:t>
+            </a:r>
+            <a:r>
+              <a:rPr lang="zh-CN" altLang="en-US" sz="7200" b="1" dirty="0" smtClean="0">
+                <a:solidFill>
+                  <a:srgbClr val="000066"/>
+                </a:solidFill>
+                <a:effectLst>
+                  <a:outerShdw blurRad="38100" dist="38100" dir="2700000" algn="tl">
+                    <a:srgbClr val="000000">
+                      <a:alpha val="43137"/>
+                    </a:srgbClr>
+                  </a:outerShdw>
+                </a:effectLst>
+                <a:latin typeface="微軟正黑體" pitchFamily="34" charset="-120"/>
+                <a:ea typeface="微軟正黑體" pitchFamily="34" charset="-120"/>
+              </a:rPr>
+              <a:t>享代</a:t>
+            </a:r>
+            <a:r>
+              <a:rPr lang="zh-CN" altLang="en-US" sz="7200" b="1" dirty="0">
+                <a:solidFill>
+                  <a:srgbClr val="000066"/>
+                </a:solidFill>
+                <a:effectLst>
+                  <a:outerShdw blurRad="38100" dist="38100" dir="2700000" algn="tl">
+                    <a:srgbClr val="000000">
+                      <a:alpha val="43137"/>
+                    </a:srgbClr>
+                  </a:outerShdw>
+                </a:effectLst>
+                <a:latin typeface="微軟正黑體" pitchFamily="34" charset="-120"/>
+                <a:ea typeface="微軟正黑體" pitchFamily="34" charset="-120"/>
+              </a:rPr>
+              <a:t>禱</a:t>
+            </a:r>
+            <a:endParaRPr lang="zh-TW" altLang="en-US" sz="7200" b="1" dirty="0">
               <a:solidFill>
-                <a:srgbClr val="660033"/>
+                <a:srgbClr val="000066"/>
               </a:solidFill>
-              <a:latin typeface="Microsoft JhengHei" pitchFamily="34" charset="-120"/>
-              <a:ea typeface="Microsoft JhengHei" pitchFamily="34" charset="-120"/>
+              <a:effectLst>
+                <a:outerShdw blurRad="38100" dist="38100" dir="2700000" algn="tl">
+                  <a:srgbClr val="000000">
+                    <a:alpha val="43137"/>
+                  </a:srgbClr>
+                </a:outerShdw>
+              </a:effectLst>
+              <a:latin typeface="微軟正黑體" pitchFamily="34" charset="-120"/>
+              <a:ea typeface="微軟正黑體" pitchFamily="34" charset="-120"/>
             </a:endParaRPr>
           </a:p>
-          <a:p>
-            <a:pPr marL="0" indent="0" algn="ctr">
-              <a:buNone/>
-            </a:pPr>
-            <a:r>
-              <a:rPr lang="zh-TW" altLang="en-US" sz="4800" b="1" dirty="0">
-                <a:solidFill>
-                  <a:srgbClr val="660033"/>
-                </a:solidFill>
-                <a:latin typeface="Microsoft JhengHei" pitchFamily="34" charset="-120"/>
-                <a:ea typeface="Microsoft JhengHei" pitchFamily="34" charset="-120"/>
-              </a:rPr>
-              <a:t>我只是個罪人  蒙</a:t>
-            </a:r>
-            <a:r>
-              <a:rPr lang="zh-CN" altLang="en-US" sz="4800" b="1" dirty="0">
-                <a:solidFill>
-                  <a:srgbClr val="660033"/>
-                </a:solidFill>
-                <a:latin typeface="Microsoft JhengHei" pitchFamily="34" charset="-120"/>
-                <a:ea typeface="Microsoft JhengHei" pitchFamily="34" charset="-120"/>
-              </a:rPr>
-              <a:t>救</a:t>
-            </a:r>
-            <a:r>
-              <a:rPr lang="zh-TW" altLang="en-US" sz="4800" b="1" dirty="0">
-                <a:solidFill>
-                  <a:srgbClr val="660033"/>
-                </a:solidFill>
-                <a:latin typeface="Microsoft JhengHei" pitchFamily="34" charset="-120"/>
-                <a:ea typeface="Microsoft JhengHei" pitchFamily="34" charset="-120"/>
-              </a:rPr>
-              <a:t>恩</a:t>
-            </a:r>
-          </a:p>
-        </p:txBody>
-      </p:sp>
-      <p:sp>
-        <p:nvSpPr>
-          <p:cNvPr id="3" name="TextBox 2"/>
-          <p:cNvSpPr txBox="1"/>
-          <p:nvPr/>
-        </p:nvSpPr>
-        <p:spPr>
-          <a:xfrm>
-            <a:off x="251520" y="1659230"/>
-            <a:ext cx="936104" cy="830997"/>
-          </a:xfrm>
-          <a:prstGeom prst="rect">
-            <a:avLst/>
-          </a:prstGeom>
-          <a:noFill/>
-        </p:spPr>
-        <p:txBody>
-          <a:bodyPr wrap="square" rtlCol="0">
-            <a:spAutoFit/>
-          </a:bodyPr>
-          <a:lstStyle/>
-          <a:p>
-            <a:r>
-              <a:rPr lang="en-US" sz="4800" b="1" dirty="0" smtClean="0">
-                <a:solidFill>
-                  <a:srgbClr val="660033"/>
-                </a:solidFill>
-              </a:rPr>
-              <a:t>1.</a:t>
-            </a:r>
-            <a:endParaRPr lang="vi-VN" sz="4800" b="1" dirty="0">
-              <a:solidFill>
-                <a:srgbClr val="660033"/>
-              </a:solidFill>
-            </a:endParaRPr>
-          </a:p>
         </p:txBody>
       </p:sp>
     </p:spTree>
-    <p:extLst>
-      <p:ext uri="{BB962C8B-B14F-4D97-AF65-F5344CB8AC3E}">
-        <p14:creationId xmlns:p14="http://schemas.microsoft.com/office/powerpoint/2010/main" val="1042115491"/>
-      </p:ext>
-    </p:extLst>
   </p:cSld>
   <p:clrMapOvr>
     <a:masterClrMapping/>
@@ -6815,67 +6768,73 @@
       </p:grpSpPr>
       <p:sp>
         <p:nvSpPr>
-          <p:cNvPr id="5" name="內容版面配置區 4"/>
-          <p:cNvSpPr>
-            <a:spLocks noGrp="1"/>
-          </p:cNvSpPr>
-          <p:nvPr>
-            <p:ph idx="1"/>
+          <p:cNvPr id="4" name="標題 3"/>
+          <p:cNvSpPr>
+            <a:spLocks noGrp="1"/>
+          </p:cNvSpPr>
+          <p:nvPr>
+            <p:ph type="title"/>
           </p:nvPr>
         </p:nvSpPr>
         <p:spPr>
           <a:xfrm>
-            <a:off x="0" y="1563638"/>
-            <a:ext cx="9144000" cy="1803647"/>
+            <a:off x="0" y="2143135"/>
+            <a:ext cx="9144000" cy="857250"/>
           </a:xfrm>
         </p:spPr>
         <p:txBody>
-          <a:bodyPr anchor="ctr">
-            <a:normAutofit/>
+          <a:bodyPr>
+            <a:noAutofit/>
           </a:bodyPr>
           <a:lstStyle/>
           <a:p>
-            <a:pPr marL="0" indent="0" algn="ctr">
-              <a:buNone/>
-            </a:pPr>
-            <a:r>
-              <a:rPr lang="zh-TW" altLang="en-US" sz="4800" b="1" dirty="0">
-                <a:solidFill>
-                  <a:srgbClr val="660033"/>
-                </a:solidFill>
-                <a:latin typeface="Microsoft JhengHei" pitchFamily="34" charset="-120"/>
-                <a:ea typeface="Microsoft JhengHei" pitchFamily="34" charset="-120"/>
-              </a:rPr>
-              <a:t>我是個罪人蒙恩典</a:t>
-            </a:r>
-            <a:endParaRPr lang="en-US" altLang="zh-TW" sz="4800" b="1" dirty="0">
+            <a:r>
+              <a:rPr lang="zh-CN" altLang="en-US" sz="7200" b="1" dirty="0" smtClean="0">
+                <a:solidFill>
+                  <a:srgbClr val="000066"/>
+                </a:solidFill>
+                <a:effectLst>
+                  <a:outerShdw blurRad="38100" dist="38100" dir="2700000" algn="tl">
+                    <a:srgbClr val="000000">
+                      <a:alpha val="43137"/>
+                    </a:srgbClr>
+                  </a:outerShdw>
+                </a:effectLst>
+                <a:latin typeface="微軟正黑體" pitchFamily="34" charset="-120"/>
+                <a:ea typeface="微軟正黑體" pitchFamily="34" charset="-120"/>
+              </a:rPr>
+              <a:t>三</a:t>
+            </a:r>
+            <a:r>
+              <a:rPr lang="zh-CN" altLang="en-US" sz="7200" b="1" dirty="0">
+                <a:solidFill>
+                  <a:srgbClr val="000066"/>
+                </a:solidFill>
+                <a:effectLst>
+                  <a:outerShdw blurRad="38100" dist="38100" dir="2700000" algn="tl">
+                    <a:srgbClr val="000000">
+                      <a:alpha val="43137"/>
+                    </a:srgbClr>
+                  </a:outerShdw>
+                </a:effectLst>
+                <a:latin typeface="微軟正黑體" pitchFamily="34" charset="-120"/>
+                <a:ea typeface="微軟正黑體" pitchFamily="34" charset="-120"/>
+              </a:rPr>
+              <a:t>一頌</a:t>
+            </a:r>
+            <a:endParaRPr lang="zh-TW" altLang="en-US" sz="7200" b="1" dirty="0">
               <a:solidFill>
-                <a:srgbClr val="660033"/>
+                <a:srgbClr val="000066"/>
               </a:solidFill>
-              <a:latin typeface="Microsoft JhengHei" pitchFamily="34" charset="-120"/>
-              <a:ea typeface="Microsoft JhengHei" pitchFamily="34" charset="-120"/>
-            </a:endParaRPr>
-          </a:p>
-          <a:p>
-            <a:pPr marL="0" indent="0" algn="ctr">
-              <a:buNone/>
-            </a:pPr>
-            <a:r>
-              <a:rPr lang="zh-TW" altLang="en-US" sz="4800" b="1" dirty="0">
-                <a:solidFill>
-                  <a:srgbClr val="660033"/>
-                </a:solidFill>
-                <a:latin typeface="Microsoft JhengHei" pitchFamily="34" charset="-120"/>
-                <a:ea typeface="Microsoft JhengHei" pitchFamily="34" charset="-120"/>
-              </a:rPr>
-              <a:t>一切的罪惡得赦免</a:t>
-            </a:r>
-            <a:endParaRPr lang="en-US" altLang="zh-TW" sz="4800" b="1" dirty="0">
-              <a:solidFill>
-                <a:srgbClr val="660033"/>
-              </a:solidFill>
-              <a:latin typeface="Microsoft JhengHei" pitchFamily="34" charset="-120"/>
-              <a:ea typeface="Microsoft JhengHei" pitchFamily="34" charset="-120"/>
+              <a:effectLst>
+                <a:outerShdw blurRad="38100" dist="38100" dir="2700000" algn="tl">
+                  <a:srgbClr val="000000">
+                    <a:alpha val="43137"/>
+                  </a:srgbClr>
+                </a:outerShdw>
+              </a:effectLst>
+              <a:latin typeface="微軟正黑體" pitchFamily="34" charset="-120"/>
+              <a:ea typeface="微軟正黑體" pitchFamily="34" charset="-120"/>
             </a:endParaRPr>
           </a:p>
         </p:txBody>
@@ -6883,20 +6842,13 @@
     </p:spTree>
     <p:extLst>
       <p:ext uri="{BB962C8B-B14F-4D97-AF65-F5344CB8AC3E}">
-        <p14:creationId xmlns:p14="http://schemas.microsoft.com/office/powerpoint/2010/main" val="2412864753"/>
+        <p14:creationId xmlns:p14="http://schemas.microsoft.com/office/powerpoint/2010/main" val="3856766224"/>
       </p:ext>
     </p:extLst>
   </p:cSld>
   <p:clrMapOvr>
     <a:masterClrMapping/>
   </p:clrMapOvr>
-  <p:timing>
-    <p:tnLst>
-      <p:par>
-        <p:cTn id="1" dur="indefinite" restart="never" nodeType="tmRoot"/>
-      </p:par>
-    </p:tnLst>
-  </p:timing>
 </p:sld>
 </file>
 
@@ -6939,71 +6891,89 @@
           </a:bodyPr>
           <a:lstStyle/>
           <a:p>
-            <a:pPr marL="0" indent="0" algn="ctr">
+            <a:pPr algn="ctr">
               <a:buNone/>
             </a:pPr>
             <a:r>
-              <a:rPr lang="zh-TW" altLang="en-US" sz="4800" b="1" dirty="0">
-                <a:solidFill>
-                  <a:srgbClr val="660033"/>
-                </a:solidFill>
-                <a:latin typeface="Microsoft JhengHei" pitchFamily="34" charset="-120"/>
-                <a:ea typeface="Microsoft JhengHei" pitchFamily="34" charset="-120"/>
-              </a:rPr>
-              <a:t>讚美主耶穌  榮耀都歸</a:t>
-            </a:r>
-            <a:r>
               <a:rPr lang="zh-CN" altLang="en-US" sz="4800" b="1" dirty="0">
                 <a:solidFill>
-                  <a:srgbClr val="660033"/>
-                </a:solidFill>
-                <a:latin typeface="Microsoft JhengHei" pitchFamily="34" charset="-120"/>
-                <a:ea typeface="Microsoft JhengHei" pitchFamily="34" charset="-120"/>
-              </a:rPr>
-              <a:t>天父</a:t>
-            </a:r>
-            <a:endParaRPr lang="en-US" altLang="zh-TW" sz="4800" b="1" dirty="0">
+                  <a:srgbClr val="000066"/>
+                </a:solidFill>
+                <a:effectLst>
+                  <a:outerShdw blurRad="50000" dist="30000" dir="5400000" algn="tl" rotWithShape="0">
+                    <a:srgbClr val="000000">
+                      <a:alpha val="30000"/>
+                    </a:srgbClr>
+                  </a:outerShdw>
+                </a:effectLst>
+                <a:latin typeface="微軟正黑體" pitchFamily="34" charset="-120"/>
+                <a:ea typeface="微軟正黑體" pitchFamily="34" charset="-120"/>
+              </a:rPr>
+              <a:t>讚美天父愛世慈仁</a:t>
+            </a:r>
+            <a:endParaRPr lang="en-US" altLang="zh-CN" sz="4800" b="1" dirty="0">
               <a:solidFill>
-                <a:srgbClr val="660033"/>
+                <a:srgbClr val="000066"/>
               </a:solidFill>
-              <a:latin typeface="Microsoft JhengHei" pitchFamily="34" charset="-120"/>
-              <a:ea typeface="Microsoft JhengHei" pitchFamily="34" charset="-120"/>
+              <a:effectLst>
+                <a:outerShdw blurRad="50000" dist="30000" dir="5400000" algn="tl" rotWithShape="0">
+                  <a:srgbClr val="000000">
+                    <a:alpha val="30000"/>
+                  </a:srgbClr>
+                </a:outerShdw>
+              </a:effectLst>
+              <a:latin typeface="微軟正黑體" pitchFamily="34" charset="-120"/>
+              <a:ea typeface="微軟正黑體" pitchFamily="34" charset="-120"/>
             </a:endParaRPr>
           </a:p>
           <a:p>
-            <a:pPr marL="0" indent="0" algn="ctr">
+            <a:pPr algn="ctr">
               <a:buNone/>
             </a:pPr>
             <a:r>
-              <a:rPr lang="zh-TW" altLang="en-US" sz="4800" b="1" dirty="0">
-                <a:solidFill>
-                  <a:srgbClr val="660033"/>
-                </a:solidFill>
-                <a:latin typeface="Microsoft JhengHei" pitchFamily="34" charset="-120"/>
-                <a:ea typeface="Microsoft JhengHei" pitchFamily="34" charset="-120"/>
-              </a:rPr>
-              <a:t>我只是個罪人  蒙救恩</a:t>
-            </a:r>
+              <a:rPr lang="zh-CN" altLang="en-US" sz="4800" b="1" dirty="0">
+                <a:solidFill>
+                  <a:srgbClr val="000066"/>
+                </a:solidFill>
+                <a:effectLst>
+                  <a:outerShdw blurRad="50000" dist="30000" dir="5400000" algn="tl" rotWithShape="0">
+                    <a:srgbClr val="000000">
+                      <a:alpha val="30000"/>
+                    </a:srgbClr>
+                  </a:outerShdw>
+                </a:effectLst>
+                <a:latin typeface="微軟正黑體" pitchFamily="34" charset="-120"/>
+                <a:ea typeface="微軟正黑體" pitchFamily="34" charset="-120"/>
+              </a:rPr>
+              <a:t>讚美耶穌代贖洪恩</a:t>
+            </a:r>
+            <a:endParaRPr lang="en-US" altLang="zh-CN" sz="4800" b="1" dirty="0">
+              <a:solidFill>
+                <a:srgbClr val="000066"/>
+              </a:solidFill>
+              <a:effectLst>
+                <a:outerShdw blurRad="50000" dist="30000" dir="5400000" algn="tl" rotWithShape="0">
+                  <a:srgbClr val="000000">
+                    <a:alpha val="30000"/>
+                  </a:srgbClr>
+                </a:outerShdw>
+              </a:effectLst>
+              <a:latin typeface="微軟正黑體" pitchFamily="34" charset="-120"/>
+              <a:ea typeface="微軟正黑體" pitchFamily="34" charset="-120"/>
+            </a:endParaRPr>
           </a:p>
         </p:txBody>
       </p:sp>
     </p:spTree>
     <p:extLst>
       <p:ext uri="{BB962C8B-B14F-4D97-AF65-F5344CB8AC3E}">
-        <p14:creationId xmlns:p14="http://schemas.microsoft.com/office/powerpoint/2010/main" val="402583779"/>
+        <p14:creationId xmlns:p14="http://schemas.microsoft.com/office/powerpoint/2010/main" val="4258810467"/>
       </p:ext>
     </p:extLst>
   </p:cSld>
   <p:clrMapOvr>
     <a:masterClrMapping/>
   </p:clrMapOvr>
-  <p:timing>
-    <p:tnLst>
-      <p:par>
-        <p:cTn id="1" dur="indefinite" restart="never" nodeType="tmRoot"/>
-      </p:par>
-    </p:tnLst>
-  </p:timing>
 </p:sld>
 </file>
 
@@ -7046,133 +7016,75 @@
           </a:bodyPr>
           <a:lstStyle/>
           <a:p>
-            <a:pPr marL="0" indent="0" algn="ctr">
+            <a:pPr algn="ctr">
               <a:buNone/>
             </a:pPr>
             <a:r>
-              <a:rPr lang="zh-TW" altLang="en-US" sz="4800" b="1" dirty="0">
-                <a:solidFill>
-                  <a:srgbClr val="660033"/>
-                </a:solidFill>
-                <a:latin typeface="Microsoft JhengHei" pitchFamily="34" charset="-120"/>
-                <a:ea typeface="Microsoft JhengHei" pitchFamily="34" charset="-120"/>
-              </a:rPr>
-              <a:t>以前我愚拙 </a:t>
-            </a:r>
-            <a:r>
-              <a:rPr lang="zh-TW" altLang="en-US" sz="4800" b="1" dirty="0" smtClean="0">
-                <a:solidFill>
-                  <a:srgbClr val="660033"/>
-                </a:solidFill>
-                <a:latin typeface="Microsoft JhengHei" pitchFamily="34" charset="-120"/>
-                <a:ea typeface="Microsoft JhengHei" pitchFamily="34" charset="-120"/>
-              </a:rPr>
-              <a:t> </a:t>
-            </a:r>
-            <a:r>
-              <a:rPr lang="zh-TW" altLang="en-US" sz="4800" b="1" dirty="0">
-                <a:solidFill>
-                  <a:srgbClr val="660033"/>
-                </a:solidFill>
-                <a:latin typeface="Microsoft JhengHei" pitchFamily="34" charset="-120"/>
-                <a:ea typeface="Microsoft JhengHei" pitchFamily="34" charset="-120"/>
-              </a:rPr>
-              <a:t>罪惡管我心</a:t>
-            </a:r>
-            <a:endParaRPr lang="en-US" altLang="zh-TW" sz="4800" b="1" dirty="0">
+              <a:rPr lang="zh-CN" altLang="en-US" sz="4800" b="1" dirty="0">
+                <a:solidFill>
+                  <a:srgbClr val="000066"/>
+                </a:solidFill>
+                <a:effectLst>
+                  <a:outerShdw blurRad="50000" dist="30000" dir="5400000" algn="tl" rotWithShape="0">
+                    <a:srgbClr val="000000">
+                      <a:alpha val="30000"/>
+                    </a:srgbClr>
+                  </a:outerShdw>
+                </a:effectLst>
+                <a:latin typeface="微軟正黑體" pitchFamily="34" charset="-120"/>
+                <a:ea typeface="微軟正黑體" pitchFamily="34" charset="-120"/>
+              </a:rPr>
+              <a:t>讚美聖靈開我茅塞</a:t>
+            </a:r>
+            <a:endParaRPr lang="en-US" altLang="zh-CN" sz="4800" b="1" dirty="0">
               <a:solidFill>
-                <a:srgbClr val="660033"/>
+                <a:srgbClr val="000066"/>
               </a:solidFill>
-              <a:latin typeface="Microsoft JhengHei" pitchFamily="34" charset="-120"/>
-              <a:ea typeface="Microsoft JhengHei" pitchFamily="34" charset="-120"/>
+              <a:effectLst>
+                <a:outerShdw blurRad="50000" dist="30000" dir="5400000" algn="tl" rotWithShape="0">
+                  <a:srgbClr val="000000">
+                    <a:alpha val="30000"/>
+                  </a:srgbClr>
+                </a:outerShdw>
+              </a:effectLst>
+              <a:latin typeface="微軟正黑體" pitchFamily="34" charset="-120"/>
+              <a:ea typeface="微軟正黑體" pitchFamily="34" charset="-120"/>
             </a:endParaRPr>
           </a:p>
           <a:p>
-            <a:pPr marL="0" indent="0" algn="ctr">
+            <a:pPr algn="ctr">
               <a:buNone/>
             </a:pPr>
             <a:r>
-              <a:rPr lang="zh-TW" altLang="en-US" sz="4800" b="1" dirty="0">
-                <a:solidFill>
-                  <a:srgbClr val="660033"/>
-                </a:solidFill>
-                <a:latin typeface="Microsoft JhengHei" pitchFamily="34" charset="-120"/>
-                <a:ea typeface="Microsoft JhengHei" pitchFamily="34" charset="-120"/>
-              </a:rPr>
-              <a:t>使我的腳</a:t>
-            </a:r>
-            <a:r>
-              <a:rPr lang="zh-TW" altLang="en-US" sz="4800" b="1" dirty="0" smtClean="0">
-                <a:solidFill>
-                  <a:srgbClr val="660033"/>
-                </a:solidFill>
-                <a:latin typeface="Microsoft JhengHei" pitchFamily="34" charset="-120"/>
-                <a:ea typeface="Microsoft JhengHei" pitchFamily="34" charset="-120"/>
-              </a:rPr>
-              <a:t>步  </a:t>
-            </a:r>
-            <a:r>
-              <a:rPr lang="zh-TW" altLang="en-US" sz="4800" b="1" dirty="0">
-                <a:solidFill>
-                  <a:srgbClr val="660033"/>
-                </a:solidFill>
-                <a:latin typeface="Microsoft JhengHei" pitchFamily="34" charset="-120"/>
-                <a:ea typeface="Microsoft JhengHei" pitchFamily="34" charset="-120"/>
-              </a:rPr>
-              <a:t>離天父遠行</a:t>
-            </a:r>
-            <a:endParaRPr lang="en-US" altLang="zh-TW" sz="4800" b="1" dirty="0">
+              <a:rPr lang="zh-CN" altLang="en-US" sz="4800" b="1" dirty="0">
+                <a:solidFill>
+                  <a:srgbClr val="000066"/>
+                </a:solidFill>
+                <a:effectLst>
+                  <a:outerShdw blurRad="50000" dist="30000" dir="5400000" algn="tl" rotWithShape="0">
+                    <a:srgbClr val="000000">
+                      <a:alpha val="30000"/>
+                    </a:srgbClr>
+                  </a:outerShdw>
+                </a:effectLst>
+                <a:latin typeface="微軟正黑體" pitchFamily="34" charset="-120"/>
+                <a:ea typeface="微軟正黑體" pitchFamily="34" charset="-120"/>
+              </a:rPr>
+              <a:t>讚美三位合一真神</a:t>
+            </a:r>
+            <a:endParaRPr lang="zh-TW" altLang="en-US" sz="4800" b="1" dirty="0">
               <a:solidFill>
-                <a:srgbClr val="660033"/>
+                <a:srgbClr val="000066"/>
               </a:solidFill>
-              <a:latin typeface="Microsoft JhengHei" pitchFamily="34" charset="-120"/>
-              <a:ea typeface="Microsoft JhengHei" pitchFamily="34" charset="-120"/>
-            </a:endParaRPr>
-          </a:p>
-        </p:txBody>
-      </p:sp>
-      <p:sp>
-        <p:nvSpPr>
-          <p:cNvPr id="3" name="TextBox 2"/>
-          <p:cNvSpPr txBox="1"/>
-          <p:nvPr/>
-        </p:nvSpPr>
-        <p:spPr>
-          <a:xfrm>
-            <a:off x="251520" y="1659230"/>
-            <a:ext cx="936104" cy="830997"/>
-          </a:xfrm>
-          <a:prstGeom prst="rect">
-            <a:avLst/>
-          </a:prstGeom>
-          <a:noFill/>
-        </p:spPr>
-        <p:txBody>
-          <a:bodyPr wrap="square" rtlCol="0">
-            <a:spAutoFit/>
-          </a:bodyPr>
-          <a:lstStyle/>
-          <a:p>
-            <a:r>
-              <a:rPr lang="en-US" sz="4800" b="1" dirty="0">
-                <a:solidFill>
-                  <a:srgbClr val="660033"/>
-                </a:solidFill>
-              </a:rPr>
-              <a:t>2</a:t>
-            </a:r>
-            <a:r>
-              <a:rPr lang="en-US" sz="4800" b="1" dirty="0" smtClean="0">
-                <a:solidFill>
-                  <a:srgbClr val="660033"/>
-                </a:solidFill>
-              </a:rPr>
-              <a:t>.</a:t>
-            </a:r>
-            <a:endParaRPr lang="vi-VN" sz="4800" b="1" dirty="0">
-              <a:solidFill>
-                <a:srgbClr val="660033"/>
-              </a:solidFill>
+              <a:effectLst>
+                <a:outerShdw blurRad="50000" dist="30000" dir="5400000" algn="tl" rotWithShape="0">
+                  <a:srgbClr val="000000">
+                    <a:alpha val="30000"/>
+                  </a:srgbClr>
+                </a:outerShdw>
+              </a:effectLst>
+              <a:latin typeface="微軟正黑體" pitchFamily="34" charset="-120"/>
+              <a:ea typeface="微軟正黑體" pitchFamily="34" charset="-120"/>
             </a:endParaRPr>
           </a:p>
         </p:txBody>
@@ -7180,20 +7092,13 @@
     </p:spTree>
     <p:extLst>
       <p:ext uri="{BB962C8B-B14F-4D97-AF65-F5344CB8AC3E}">
-        <p14:creationId xmlns:p14="http://schemas.microsoft.com/office/powerpoint/2010/main" val="2916263375"/>
+        <p14:creationId xmlns:p14="http://schemas.microsoft.com/office/powerpoint/2010/main" val="3198951544"/>
       </p:ext>
     </p:extLst>
   </p:cSld>
   <p:clrMapOvr>
     <a:masterClrMapping/>
   </p:clrMapOvr>
-  <p:timing>
-    <p:tnLst>
-      <p:par>
-        <p:cTn id="1" dur="indefinite" restart="never" nodeType="tmRoot"/>
-      </p:par>
-    </p:tnLst>
-  </p:timing>
 </p:sld>
 </file>
 
@@ -7216,126 +7121,73 @@
       </p:grpSpPr>
       <p:sp>
         <p:nvSpPr>
-          <p:cNvPr id="5" name="內容版面配置區 4"/>
-          <p:cNvSpPr>
-            <a:spLocks noGrp="1"/>
-          </p:cNvSpPr>
-          <p:nvPr>
-            <p:ph idx="1"/>
+          <p:cNvPr id="4" name="標題 3"/>
+          <p:cNvSpPr>
+            <a:spLocks noGrp="1"/>
+          </p:cNvSpPr>
+          <p:nvPr>
+            <p:ph type="title"/>
           </p:nvPr>
         </p:nvSpPr>
         <p:spPr>
           <a:xfrm>
-            <a:off x="0" y="1563638"/>
-            <a:ext cx="9144000" cy="1803647"/>
+            <a:off x="0" y="2143135"/>
+            <a:ext cx="9144000" cy="857250"/>
           </a:xfrm>
         </p:spPr>
         <p:txBody>
-          <a:bodyPr anchor="ctr">
-            <a:normAutofit/>
+          <a:bodyPr>
+            <a:noAutofit/>
           </a:bodyPr>
           <a:lstStyle/>
           <a:p>
-            <a:pPr marL="0" indent="0" algn="ctr">
-              <a:buNone/>
-            </a:pPr>
-            <a:r>
-              <a:rPr lang="zh-TW" altLang="en-US" sz="4800" b="1" dirty="0">
+            <a:r>
+              <a:rPr lang="zh-CN" altLang="en-US" sz="7200" b="1" dirty="0" smtClean="0">
                 <a:solidFill>
                   <a:srgbClr val="660033"/>
                 </a:solidFill>
-                <a:latin typeface="Microsoft JhengHei" pitchFamily="34" charset="-120"/>
-                <a:ea typeface="Microsoft JhengHei" pitchFamily="34" charset="-120"/>
-              </a:rPr>
-              <a:t>幸主已尋找  喜樂萬分</a:t>
-            </a:r>
-            <a:endParaRPr lang="en-US" altLang="zh-TW" sz="4800" b="1" dirty="0">
+                <a:effectLst>
+                  <a:outerShdw blurRad="38100" dist="38100" dir="2700000" algn="tl">
+                    <a:srgbClr val="000000">
+                      <a:alpha val="43137"/>
+                    </a:srgbClr>
+                  </a:outerShdw>
+                </a:effectLst>
+                <a:latin typeface="微軟正黑體" pitchFamily="34" charset="-120"/>
+                <a:ea typeface="微軟正黑體" pitchFamily="34" charset="-120"/>
+              </a:rPr>
+              <a:t>公</a:t>
+            </a:r>
+            <a:r>
+              <a:rPr lang="zh-CN" altLang="en-US" sz="7200" b="1" dirty="0">
+                <a:solidFill>
+                  <a:srgbClr val="660033"/>
+                </a:solidFill>
+                <a:effectLst>
+                  <a:outerShdw blurRad="38100" dist="38100" dir="2700000" algn="tl">
+                    <a:srgbClr val="000000">
+                      <a:alpha val="43137"/>
+                    </a:srgbClr>
+                  </a:outerShdw>
+                </a:effectLst>
+                <a:latin typeface="微軟正黑體" pitchFamily="34" charset="-120"/>
+                <a:ea typeface="微軟正黑體" pitchFamily="34" charset="-120"/>
+              </a:rPr>
+              <a:t>禱文</a:t>
+            </a:r>
+            <a:endParaRPr lang="zh-TW" altLang="en-US" sz="7200" b="1" dirty="0">
               <a:solidFill>
                 <a:srgbClr val="660033"/>
               </a:solidFill>
-              <a:latin typeface="Microsoft JhengHei" pitchFamily="34" charset="-120"/>
-              <a:ea typeface="Microsoft JhengHei" pitchFamily="34" charset="-120"/>
-            </a:endParaRPr>
-          </a:p>
-          <a:p>
-            <a:pPr marL="0" indent="0" algn="ctr">
-              <a:buNone/>
-            </a:pPr>
-            <a:r>
-              <a:rPr lang="zh-TW" altLang="en-US" sz="4800" b="1" dirty="0">
-                <a:solidFill>
-                  <a:srgbClr val="660033"/>
-                </a:solidFill>
-                <a:latin typeface="Microsoft JhengHei" pitchFamily="34" charset="-120"/>
-                <a:ea typeface="Microsoft JhengHei" pitchFamily="34" charset="-120"/>
-              </a:rPr>
-              <a:t>我只是個罪人  蒙</a:t>
-            </a:r>
-            <a:r>
-              <a:rPr lang="zh-CN" altLang="en-US" sz="4800" b="1" dirty="0">
-                <a:solidFill>
-                  <a:srgbClr val="660033"/>
-                </a:solidFill>
-                <a:latin typeface="Microsoft JhengHei" pitchFamily="34" charset="-120"/>
-                <a:ea typeface="Microsoft JhengHei" pitchFamily="34" charset="-120"/>
-              </a:rPr>
-              <a:t>救</a:t>
-            </a:r>
-            <a:r>
-              <a:rPr lang="zh-TW" altLang="en-US" sz="4800" b="1" dirty="0">
-                <a:solidFill>
-                  <a:srgbClr val="660033"/>
-                </a:solidFill>
-                <a:latin typeface="Microsoft JhengHei" pitchFamily="34" charset="-120"/>
-                <a:ea typeface="Microsoft JhengHei" pitchFamily="34" charset="-120"/>
-              </a:rPr>
-              <a:t>恩</a:t>
-            </a:r>
-          </a:p>
-        </p:txBody>
-      </p:sp>
-      <p:sp>
-        <p:nvSpPr>
-          <p:cNvPr id="3" name="TextBox 2"/>
-          <p:cNvSpPr txBox="1"/>
-          <p:nvPr/>
-        </p:nvSpPr>
-        <p:spPr>
-          <a:xfrm>
-            <a:off x="251520" y="1659230"/>
-            <a:ext cx="936104" cy="830997"/>
-          </a:xfrm>
-          <a:prstGeom prst="rect">
-            <a:avLst/>
-          </a:prstGeom>
-          <a:noFill/>
-        </p:spPr>
-        <p:txBody>
-          <a:bodyPr wrap="square" rtlCol="0">
-            <a:spAutoFit/>
-          </a:bodyPr>
-          <a:lstStyle/>
-          <a:p>
-            <a:r>
-              <a:rPr lang="en-US" sz="4800" b="1" dirty="0">
-                <a:solidFill>
-                  <a:srgbClr val="660033"/>
-                </a:solidFill>
-              </a:rPr>
-              <a:t>2</a:t>
-            </a:r>
-            <a:r>
-              <a:rPr lang="en-US" sz="4800" b="1" dirty="0" smtClean="0">
-                <a:solidFill>
-                  <a:srgbClr val="660033"/>
-                </a:solidFill>
-              </a:rPr>
-              <a:t>.</a:t>
-            </a:r>
-            <a:endParaRPr lang="vi-VN" sz="4800" b="1" dirty="0">
-              <a:solidFill>
-                <a:srgbClr val="660033"/>
-              </a:solidFill>
+              <a:effectLst>
+                <a:outerShdw blurRad="38100" dist="38100" dir="2700000" algn="tl">
+                  <a:srgbClr val="000000">
+                    <a:alpha val="43137"/>
+                  </a:srgbClr>
+                </a:outerShdw>
+              </a:effectLst>
+              <a:latin typeface="微軟正黑體" pitchFamily="34" charset="-120"/>
+              <a:ea typeface="微軟正黑體" pitchFamily="34" charset="-120"/>
             </a:endParaRPr>
           </a:p>
         </p:txBody>
@@ -7343,20 +7195,13 @@
     </p:spTree>
     <p:extLst>
       <p:ext uri="{BB962C8B-B14F-4D97-AF65-F5344CB8AC3E}">
-        <p14:creationId xmlns:p14="http://schemas.microsoft.com/office/powerpoint/2010/main" val="1782518097"/>
+        <p14:creationId xmlns:p14="http://schemas.microsoft.com/office/powerpoint/2010/main" val="3678965060"/>
       </p:ext>
     </p:extLst>
   </p:cSld>
   <p:clrMapOvr>
     <a:masterClrMapping/>
   </p:clrMapOvr>
-  <p:timing>
-    <p:tnLst>
-      <p:par>
-        <p:cTn id="1" dur="indefinite" restart="never" nodeType="tmRoot"/>
-      </p:par>
-    </p:tnLst>
-  </p:timing>
 </p:sld>
 </file>
 
@@ -7521,47 +7366,75 @@
           </a:bodyPr>
           <a:lstStyle/>
           <a:p>
-            <a:pPr marL="0" indent="0" algn="ctr">
+            <a:pPr algn="ctr">
               <a:buNone/>
             </a:pPr>
             <a:r>
-              <a:rPr lang="zh-TW" altLang="en-US" sz="4800" b="1" dirty="0">
+              <a:rPr lang="zh-CN" altLang="en-US" sz="4800" b="1" dirty="0">
                 <a:solidFill>
                   <a:srgbClr val="660033"/>
                 </a:solidFill>
-                <a:latin typeface="Microsoft JhengHei" pitchFamily="34" charset="-120"/>
-                <a:ea typeface="Microsoft JhengHei" pitchFamily="34" charset="-120"/>
-              </a:rPr>
-              <a:t>我是個罪人蒙恩典</a:t>
-            </a:r>
-            <a:endParaRPr lang="en-US" altLang="zh-TW" sz="4800" b="1" dirty="0">
+                <a:effectLst>
+                  <a:outerShdw blurRad="50000" dist="30000" dir="5400000" algn="tl" rotWithShape="0">
+                    <a:srgbClr val="000000">
+                      <a:alpha val="30000"/>
+                    </a:srgbClr>
+                  </a:outerShdw>
+                </a:effectLst>
+                <a:latin typeface="微軟正黑體" pitchFamily="34" charset="-120"/>
+                <a:ea typeface="微軟正黑體" pitchFamily="34" charset="-120"/>
+              </a:rPr>
+              <a:t>我們在天上的父</a:t>
+            </a:r>
+            <a:endParaRPr lang="en-US" altLang="zh-CN" sz="4800" b="1" dirty="0">
               <a:solidFill>
                 <a:srgbClr val="660033"/>
               </a:solidFill>
-              <a:latin typeface="Microsoft JhengHei" pitchFamily="34" charset="-120"/>
-              <a:ea typeface="Microsoft JhengHei" pitchFamily="34" charset="-120"/>
+              <a:effectLst>
+                <a:outerShdw blurRad="50000" dist="30000" dir="5400000" algn="tl" rotWithShape="0">
+                  <a:srgbClr val="000000">
+                    <a:alpha val="30000"/>
+                  </a:srgbClr>
+                </a:outerShdw>
+              </a:effectLst>
+              <a:latin typeface="微軟正黑體" pitchFamily="34" charset="-120"/>
+              <a:ea typeface="微軟正黑體" pitchFamily="34" charset="-120"/>
             </a:endParaRPr>
           </a:p>
           <a:p>
-            <a:pPr marL="0" indent="0" algn="ctr">
+            <a:pPr algn="ctr">
               <a:buNone/>
             </a:pPr>
             <a:r>
-              <a:rPr lang="zh-TW" altLang="en-US" sz="4800" b="1" dirty="0">
+              <a:rPr lang="zh-CN" altLang="en-US" sz="4800" b="1" dirty="0">
                 <a:solidFill>
                   <a:srgbClr val="660033"/>
                 </a:solidFill>
-                <a:latin typeface="Microsoft JhengHei" pitchFamily="34" charset="-120"/>
-                <a:ea typeface="Microsoft JhengHei" pitchFamily="34" charset="-120"/>
-              </a:rPr>
-              <a:t>一切的罪惡得赦免</a:t>
-            </a:r>
-            <a:endParaRPr lang="en-US" altLang="zh-TW" sz="4800" b="1" dirty="0">
+                <a:effectLst>
+                  <a:outerShdw blurRad="50000" dist="30000" dir="5400000" algn="tl" rotWithShape="0">
+                    <a:srgbClr val="000000">
+                      <a:alpha val="30000"/>
+                    </a:srgbClr>
+                  </a:outerShdw>
+                </a:effectLst>
+                <a:latin typeface="微軟正黑體" pitchFamily="34" charset="-120"/>
+                <a:ea typeface="微軟正黑體" pitchFamily="34" charset="-120"/>
+              </a:rPr>
+              <a:t>願人都尊父的名為聖</a:t>
+            </a:r>
+            <a:endParaRPr lang="en-US" altLang="zh-CN" sz="4800" b="1" dirty="0">
               <a:solidFill>
                 <a:srgbClr val="660033"/>
               </a:solidFill>
-              <a:latin typeface="Microsoft JhengHei" pitchFamily="34" charset="-120"/>
-              <a:ea typeface="Microsoft JhengHei" pitchFamily="34" charset="-120"/>
+              <a:effectLst>
+                <a:outerShdw blurRad="50000" dist="30000" dir="5400000" algn="tl" rotWithShape="0">
+                  <a:srgbClr val="000000">
+                    <a:alpha val="30000"/>
+                  </a:srgbClr>
+                </a:outerShdw>
+              </a:effectLst>
+              <a:latin typeface="微軟正黑體" pitchFamily="34" charset="-120"/>
+              <a:ea typeface="微軟正黑體" pitchFamily="34" charset="-120"/>
             </a:endParaRPr>
           </a:p>
         </p:txBody>
@@ -7569,20 +7442,13 @@
     </p:spTree>
     <p:extLst>
       <p:ext uri="{BB962C8B-B14F-4D97-AF65-F5344CB8AC3E}">
-        <p14:creationId xmlns:p14="http://schemas.microsoft.com/office/powerpoint/2010/main" val="3807604340"/>
+        <p14:creationId xmlns:p14="http://schemas.microsoft.com/office/powerpoint/2010/main" val="2306578235"/>
       </p:ext>
     </p:extLst>
   </p:cSld>
   <p:clrMapOvr>
     <a:masterClrMapping/>
   </p:clrMapOvr>
-  <p:timing>
-    <p:tnLst>
-      <p:par>
-        <p:cTn id="1" dur="indefinite" restart="never" nodeType="tmRoot"/>
-      </p:par>
-    </p:tnLst>
-  </p:timing>
 </p:sld>
 </file>
 
@@ -7625,71 +7491,89 @@
           </a:bodyPr>
           <a:lstStyle/>
           <a:p>
-            <a:pPr marL="0" indent="0" algn="ctr">
+            <a:pPr algn="ctr">
               <a:buNone/>
             </a:pPr>
             <a:r>
-              <a:rPr lang="zh-TW" altLang="en-US" sz="4800" b="1" dirty="0">
+              <a:rPr lang="zh-CN" altLang="en-US" sz="4800" b="1" dirty="0">
                 <a:solidFill>
                   <a:srgbClr val="660033"/>
                 </a:solidFill>
-                <a:latin typeface="Microsoft JhengHei" pitchFamily="34" charset="-120"/>
-                <a:ea typeface="Microsoft JhengHei" pitchFamily="34" charset="-120"/>
-              </a:rPr>
-              <a:t>讚美主耶穌  榮耀都歸</a:t>
-            </a:r>
-            <a:r>
-              <a:rPr lang="zh-CN" altLang="en-US" sz="4800" b="1" dirty="0">
-                <a:solidFill>
-                  <a:srgbClr val="660033"/>
-                </a:solidFill>
-                <a:latin typeface="Microsoft JhengHei" pitchFamily="34" charset="-120"/>
-                <a:ea typeface="Microsoft JhengHei" pitchFamily="34" charset="-120"/>
-              </a:rPr>
-              <a:t>天父</a:t>
-            </a:r>
-            <a:endParaRPr lang="en-US" altLang="zh-TW" sz="4800" b="1" dirty="0">
+                <a:effectLst>
+                  <a:outerShdw blurRad="50000" dist="30000" dir="5400000" algn="tl" rotWithShape="0">
+                    <a:srgbClr val="000000">
+                      <a:alpha val="30000"/>
+                    </a:srgbClr>
+                  </a:outerShdw>
+                </a:effectLst>
+                <a:latin typeface="微軟正黑體" pitchFamily="34" charset="-120"/>
+                <a:ea typeface="微軟正黑體" pitchFamily="34" charset="-120"/>
+              </a:rPr>
+              <a:t>願父的國降臨</a:t>
+            </a:r>
+            <a:endParaRPr lang="en-US" altLang="zh-CN" sz="4800" b="1" dirty="0">
               <a:solidFill>
                 <a:srgbClr val="660033"/>
               </a:solidFill>
-              <a:latin typeface="Microsoft JhengHei" pitchFamily="34" charset="-120"/>
-              <a:ea typeface="Microsoft JhengHei" pitchFamily="34" charset="-120"/>
+              <a:effectLst>
+                <a:outerShdw blurRad="50000" dist="30000" dir="5400000" algn="tl" rotWithShape="0">
+                  <a:srgbClr val="000000">
+                    <a:alpha val="30000"/>
+                  </a:srgbClr>
+                </a:outerShdw>
+              </a:effectLst>
+              <a:latin typeface="微軟正黑體" pitchFamily="34" charset="-120"/>
+              <a:ea typeface="微軟正黑體" pitchFamily="34" charset="-120"/>
             </a:endParaRPr>
           </a:p>
           <a:p>
-            <a:pPr marL="0" indent="0" algn="ctr">
+            <a:pPr algn="ctr">
               <a:buNone/>
             </a:pPr>
             <a:r>
-              <a:rPr lang="zh-TW" altLang="en-US" sz="4800" b="1" dirty="0">
+              <a:rPr lang="zh-CN" altLang="en-US" sz="4800" b="1" dirty="0">
                 <a:solidFill>
                   <a:srgbClr val="660033"/>
                 </a:solidFill>
-                <a:latin typeface="Microsoft JhengHei" pitchFamily="34" charset="-120"/>
-                <a:ea typeface="Microsoft JhengHei" pitchFamily="34" charset="-120"/>
-              </a:rPr>
-              <a:t>我只是個罪人  蒙救恩</a:t>
-            </a:r>
+                <a:effectLst>
+                  <a:outerShdw blurRad="50000" dist="30000" dir="5400000" algn="tl" rotWithShape="0">
+                    <a:srgbClr val="000000">
+                      <a:alpha val="30000"/>
+                    </a:srgbClr>
+                  </a:outerShdw>
+                </a:effectLst>
+                <a:latin typeface="微軟正黑體" pitchFamily="34" charset="-120"/>
+                <a:ea typeface="微軟正黑體" pitchFamily="34" charset="-120"/>
+              </a:rPr>
+              <a:t>願父的旨意行在地上</a:t>
+            </a:r>
+            <a:endParaRPr lang="en-US" altLang="zh-CN" sz="4800" b="1" dirty="0">
+              <a:solidFill>
+                <a:srgbClr val="660033"/>
+              </a:solidFill>
+              <a:effectLst>
+                <a:outerShdw blurRad="50000" dist="30000" dir="5400000" algn="tl" rotWithShape="0">
+                  <a:srgbClr val="000000">
+                    <a:alpha val="30000"/>
+                  </a:srgbClr>
+                </a:outerShdw>
+              </a:effectLst>
+              <a:latin typeface="微軟正黑體" pitchFamily="34" charset="-120"/>
+              <a:ea typeface="微軟正黑體" pitchFamily="34" charset="-120"/>
+            </a:endParaRPr>
           </a:p>
         </p:txBody>
       </p:sp>
     </p:spTree>
     <p:extLst>
       <p:ext uri="{BB962C8B-B14F-4D97-AF65-F5344CB8AC3E}">
-        <p14:creationId xmlns:p14="http://schemas.microsoft.com/office/powerpoint/2010/main" val="3777487651"/>
+        <p14:creationId xmlns:p14="http://schemas.microsoft.com/office/powerpoint/2010/main" val="1726235318"/>
       </p:ext>
     </p:extLst>
   </p:cSld>
   <p:clrMapOvr>
     <a:masterClrMapping/>
   </p:clrMapOvr>
-  <p:timing>
-    <p:tnLst>
-      <p:par>
-        <p:cTn id="1" dur="indefinite" restart="never" nodeType="tmRoot"/>
-      </p:par>
-    </p:tnLst>
-  </p:timing>
 </p:sld>
 </file>
 
@@ -7732,105 +7616,39 @@
           </a:bodyPr>
           <a:lstStyle/>
           <a:p>
-            <a:pPr marL="0" indent="0" algn="ctr">
+            <a:pPr algn="ctr">
               <a:buNone/>
             </a:pPr>
             <a:r>
-              <a:rPr lang="zh-TW" altLang="en-US" sz="4800" b="1" dirty="0">
+              <a:rPr lang="zh-CN" altLang="en-US" sz="4800" b="1" dirty="0">
                 <a:solidFill>
                   <a:srgbClr val="660033"/>
                 </a:solidFill>
-                <a:latin typeface="Microsoft JhengHei" pitchFamily="34" charset="-120"/>
-                <a:ea typeface="Microsoft JhengHei" pitchFamily="34" charset="-120"/>
-              </a:rPr>
-              <a:t>流淚無功效  </a:t>
-            </a:r>
-            <a:r>
-              <a:rPr lang="zh-CN" altLang="en-US" sz="4800" b="1" dirty="0">
-                <a:solidFill>
-                  <a:srgbClr val="660033"/>
-                </a:solidFill>
-                <a:latin typeface="Microsoft JhengHei" pitchFamily="34" charset="-120"/>
-                <a:ea typeface="Microsoft JhengHei" pitchFamily="34" charset="-120"/>
-              </a:rPr>
-              <a:t>功勞</a:t>
-            </a:r>
-            <a:r>
-              <a:rPr lang="zh-TW" altLang="en-US" sz="4800" b="1" dirty="0">
-                <a:solidFill>
-                  <a:srgbClr val="660033"/>
-                </a:solidFill>
-                <a:latin typeface="Microsoft JhengHei" pitchFamily="34" charset="-120"/>
-                <a:ea typeface="Microsoft JhengHei" pitchFamily="34" charset="-120"/>
-              </a:rPr>
-              <a:t>也無份</a:t>
-            </a:r>
-            <a:endParaRPr lang="en-US" altLang="zh-TW" sz="4800" b="1" dirty="0">
+                <a:effectLst>
+                  <a:outerShdw blurRad="50000" dist="30000" dir="5400000" algn="tl" rotWithShape="0">
+                    <a:srgbClr val="000000">
+                      <a:alpha val="30000"/>
+                    </a:srgbClr>
+                  </a:outerShdw>
+                </a:effectLst>
+                <a:latin typeface="微軟正黑體" pitchFamily="34" charset="-120"/>
+                <a:ea typeface="微軟正黑體" pitchFamily="34" charset="-120"/>
+              </a:rPr>
+              <a:t>如同行在天上</a:t>
+            </a:r>
+            <a:endParaRPr lang="zh-TW" altLang="en-US" sz="4800" b="1" dirty="0">
               <a:solidFill>
                 <a:srgbClr val="660033"/>
               </a:solidFill>
-              <a:latin typeface="Microsoft JhengHei" pitchFamily="34" charset="-120"/>
-              <a:ea typeface="Microsoft JhengHei" pitchFamily="34" charset="-120"/>
-            </a:endParaRPr>
-          </a:p>
-          <a:p>
-            <a:pPr marL="0" indent="0" algn="ctr">
-              <a:buNone/>
-            </a:pPr>
-            <a:r>
-              <a:rPr lang="zh-TW" altLang="en-US" sz="4800" b="1" dirty="0">
-                <a:solidFill>
-                  <a:srgbClr val="660033"/>
-                </a:solidFill>
-                <a:latin typeface="Microsoft JhengHei" pitchFamily="34" charset="-120"/>
-                <a:ea typeface="Microsoft JhengHei" pitchFamily="34" charset="-120"/>
-              </a:rPr>
-              <a:t>主若不救我  必定要沉淪</a:t>
-            </a:r>
-            <a:endParaRPr lang="en-US" altLang="zh-TW" sz="4800" b="1" dirty="0">
-              <a:solidFill>
-                <a:srgbClr val="660033"/>
-              </a:solidFill>
-              <a:latin typeface="Microsoft JhengHei" pitchFamily="34" charset="-120"/>
-              <a:ea typeface="Microsoft JhengHei" pitchFamily="34" charset="-120"/>
-            </a:endParaRPr>
-          </a:p>
-        </p:txBody>
-      </p:sp>
-      <p:sp>
-        <p:nvSpPr>
-          <p:cNvPr id="3" name="TextBox 2"/>
-          <p:cNvSpPr txBox="1"/>
-          <p:nvPr/>
-        </p:nvSpPr>
-        <p:spPr>
-          <a:xfrm>
-            <a:off x="251520" y="1659230"/>
-            <a:ext cx="936104" cy="830997"/>
-          </a:xfrm>
-          <a:prstGeom prst="rect">
-            <a:avLst/>
-          </a:prstGeom>
-          <a:noFill/>
-        </p:spPr>
-        <p:txBody>
-          <a:bodyPr wrap="square" rtlCol="0">
-            <a:spAutoFit/>
-          </a:bodyPr>
-          <a:lstStyle/>
-          <a:p>
-            <a:r>
-              <a:rPr lang="en-US" sz="4800" b="1" dirty="0" smtClean="0">
-                <a:solidFill>
-                  <a:srgbClr val="660033"/>
-                </a:solidFill>
-              </a:rPr>
-              <a:t>3.</a:t>
-            </a:r>
-            <a:endParaRPr lang="vi-VN" sz="4800" b="1" dirty="0">
-              <a:solidFill>
-                <a:srgbClr val="660033"/>
-              </a:solidFill>
+              <a:effectLst>
+                <a:outerShdw blurRad="50000" dist="30000" dir="5400000" algn="tl" rotWithShape="0">
+                  <a:srgbClr val="000000">
+                    <a:alpha val="30000"/>
+                  </a:srgbClr>
+                </a:outerShdw>
+              </a:effectLst>
+              <a:latin typeface="微軟正黑體" pitchFamily="34" charset="-120"/>
+              <a:ea typeface="微軟正黑體" pitchFamily="34" charset="-120"/>
             </a:endParaRPr>
           </a:p>
         </p:txBody>
@@ -7838,20 +7656,13 @@
     </p:spTree>
     <p:extLst>
       <p:ext uri="{BB962C8B-B14F-4D97-AF65-F5344CB8AC3E}">
-        <p14:creationId xmlns:p14="http://schemas.microsoft.com/office/powerpoint/2010/main" val="1116881060"/>
+        <p14:creationId xmlns:p14="http://schemas.microsoft.com/office/powerpoint/2010/main" val="588642297"/>
       </p:ext>
     </p:extLst>
   </p:cSld>
   <p:clrMapOvr>
     <a:masterClrMapping/>
   </p:clrMapOvr>
-  <p:timing>
-    <p:tnLst>
-      <p:par>
-        <p:cTn id="1" dur="indefinite" restart="never" nodeType="tmRoot"/>
-      </p:par>
-    </p:tnLst>
-  </p:timing>
 </p:sld>
 </file>
 
@@ -7894,98 +7705,75 @@
           </a:bodyPr>
           <a:lstStyle/>
           <a:p>
-            <a:pPr marL="0" indent="0" algn="ctr">
+            <a:pPr algn="ctr">
               <a:buNone/>
             </a:pPr>
             <a:r>
-              <a:rPr lang="zh-TW" altLang="en-US" sz="4800" b="1" dirty="0">
+              <a:rPr lang="zh-CN" altLang="en-US" sz="4800" b="1" dirty="0">
                 <a:solidFill>
                   <a:srgbClr val="660033"/>
                 </a:solidFill>
-                <a:latin typeface="Microsoft JhengHei" pitchFamily="34" charset="-120"/>
-                <a:ea typeface="Microsoft JhengHei" pitchFamily="34" charset="-120"/>
-              </a:rPr>
-              <a:t>罪惡常恐嚇  怕見神面</a:t>
-            </a:r>
-            <a:endParaRPr lang="en-US" altLang="zh-TW" sz="4800" b="1" dirty="0">
+                <a:effectLst>
+                  <a:outerShdw blurRad="50000" dist="30000" dir="5400000" algn="tl" rotWithShape="0">
+                    <a:srgbClr val="000000">
+                      <a:alpha val="30000"/>
+                    </a:srgbClr>
+                  </a:outerShdw>
+                </a:effectLst>
+                <a:latin typeface="微軟正黑體" pitchFamily="34" charset="-120"/>
+                <a:ea typeface="微軟正黑體" pitchFamily="34" charset="-120"/>
+              </a:rPr>
+              <a:t>我們日用的飲食</a:t>
+            </a:r>
+            <a:endParaRPr lang="en-US" altLang="zh-CN" sz="4800" b="1" dirty="0">
               <a:solidFill>
                 <a:srgbClr val="660033"/>
               </a:solidFill>
-              <a:latin typeface="Microsoft JhengHei" pitchFamily="34" charset="-120"/>
-              <a:ea typeface="Microsoft JhengHei" pitchFamily="34" charset="-120"/>
+              <a:effectLst>
+                <a:outerShdw blurRad="50000" dist="30000" dir="5400000" algn="tl" rotWithShape="0">
+                  <a:srgbClr val="000000">
+                    <a:alpha val="30000"/>
+                  </a:srgbClr>
+                </a:outerShdw>
+              </a:effectLst>
+              <a:latin typeface="微軟正黑體" pitchFamily="34" charset="-120"/>
+              <a:ea typeface="微軟正黑體" pitchFamily="34" charset="-120"/>
             </a:endParaRPr>
           </a:p>
           <a:p>
-            <a:pPr marL="0" indent="0" algn="ctr">
+            <a:pPr algn="ctr">
               <a:buNone/>
             </a:pPr>
             <a:r>
-              <a:rPr lang="zh-TW" altLang="en-US" sz="4800" b="1" dirty="0">
+              <a:rPr lang="zh-CN" altLang="en-US" sz="4800" b="1" dirty="0">
                 <a:solidFill>
                   <a:srgbClr val="660033"/>
                 </a:solidFill>
-                <a:latin typeface="Microsoft JhengHei" pitchFamily="34" charset="-120"/>
-                <a:ea typeface="Microsoft JhengHei" pitchFamily="34" charset="-120"/>
-              </a:rPr>
-              <a:t>我只是個罪人  蒙</a:t>
-            </a:r>
-            <a:r>
-              <a:rPr lang="zh-CN" altLang="en-US" sz="4800" b="1" dirty="0">
-                <a:solidFill>
-                  <a:srgbClr val="660033"/>
-                </a:solidFill>
-                <a:latin typeface="Microsoft JhengHei" pitchFamily="34" charset="-120"/>
-                <a:ea typeface="Microsoft JhengHei" pitchFamily="34" charset="-120"/>
-              </a:rPr>
-              <a:t>救</a:t>
-            </a:r>
-            <a:r>
-              <a:rPr lang="zh-TW" altLang="en-US" sz="4800" b="1" dirty="0">
-                <a:solidFill>
-                  <a:srgbClr val="660033"/>
-                </a:solidFill>
-                <a:latin typeface="Microsoft JhengHei" pitchFamily="34" charset="-120"/>
-                <a:ea typeface="Microsoft JhengHei" pitchFamily="34" charset="-120"/>
-              </a:rPr>
-              <a:t>恩</a:t>
-            </a:r>
-          </a:p>
-        </p:txBody>
-      </p:sp>
-      <p:sp>
-        <p:nvSpPr>
-          <p:cNvPr id="3" name="TextBox 2"/>
-          <p:cNvSpPr txBox="1"/>
-          <p:nvPr/>
-        </p:nvSpPr>
-        <p:spPr>
-          <a:xfrm>
-            <a:off x="251520" y="1659230"/>
-            <a:ext cx="936104" cy="830997"/>
-          </a:xfrm>
-          <a:prstGeom prst="rect">
-            <a:avLst/>
-          </a:prstGeom>
-          <a:noFill/>
-        </p:spPr>
-        <p:txBody>
-          <a:bodyPr wrap="square" rtlCol="0">
-            <a:spAutoFit/>
-          </a:bodyPr>
-          <a:lstStyle/>
-          <a:p>
-            <a:r>
-              <a:rPr lang="en-US" sz="4800" b="1" dirty="0" smtClean="0">
-                <a:solidFill>
-                  <a:srgbClr val="660033"/>
-                </a:solidFill>
-              </a:rPr>
-              <a:t>3.</a:t>
-            </a:r>
-            <a:endParaRPr lang="vi-VN" sz="4800" b="1" dirty="0">
+                <a:effectLst>
+                  <a:outerShdw blurRad="50000" dist="30000" dir="5400000" algn="tl" rotWithShape="0">
+                    <a:srgbClr val="000000">
+                      <a:alpha val="30000"/>
+                    </a:srgbClr>
+                  </a:outerShdw>
+                </a:effectLst>
+                <a:latin typeface="微軟正黑體" pitchFamily="34" charset="-120"/>
+                <a:ea typeface="微軟正黑體" pitchFamily="34" charset="-120"/>
+              </a:rPr>
+              <a:t>今日賜給我們</a:t>
+            </a:r>
+            <a:endParaRPr lang="en-US" altLang="zh-CN" sz="4800" b="1" dirty="0">
               <a:solidFill>
                 <a:srgbClr val="660033"/>
               </a:solidFill>
+              <a:effectLst>
+                <a:outerShdw blurRad="50000" dist="30000" dir="5400000" algn="tl" rotWithShape="0">
+                  <a:srgbClr val="000000">
+                    <a:alpha val="30000"/>
+                  </a:srgbClr>
+                </a:outerShdw>
+              </a:effectLst>
+              <a:latin typeface="微軟正黑體" pitchFamily="34" charset="-120"/>
+              <a:ea typeface="微軟正黑體" pitchFamily="34" charset="-120"/>
             </a:endParaRPr>
           </a:p>
         </p:txBody>
@@ -7993,20 +7781,13 @@
     </p:spTree>
     <p:extLst>
       <p:ext uri="{BB962C8B-B14F-4D97-AF65-F5344CB8AC3E}">
-        <p14:creationId xmlns:p14="http://schemas.microsoft.com/office/powerpoint/2010/main" val="2925648136"/>
+        <p14:creationId xmlns:p14="http://schemas.microsoft.com/office/powerpoint/2010/main" val="1319233991"/>
       </p:ext>
     </p:extLst>
   </p:cSld>
   <p:clrMapOvr>
     <a:masterClrMapping/>
   </p:clrMapOvr>
-  <p:timing>
-    <p:tnLst>
-      <p:par>
-        <p:cTn id="1" dur="indefinite" restart="never" nodeType="tmRoot"/>
-      </p:par>
-    </p:tnLst>
-  </p:timing>
 </p:sld>
 </file>
 
@@ -8049,47 +7830,75 @@
           </a:bodyPr>
           <a:lstStyle/>
           <a:p>
-            <a:pPr marL="0" indent="0" algn="ctr">
+            <a:pPr algn="ctr">
               <a:buNone/>
             </a:pPr>
             <a:r>
-              <a:rPr lang="zh-TW" altLang="en-US" sz="4800" b="1" dirty="0">
+              <a:rPr lang="zh-CN" altLang="en-US" sz="4800" b="1" dirty="0">
                 <a:solidFill>
                   <a:srgbClr val="660033"/>
                 </a:solidFill>
-                <a:latin typeface="Microsoft JhengHei" pitchFamily="34" charset="-120"/>
-                <a:ea typeface="Microsoft JhengHei" pitchFamily="34" charset="-120"/>
-              </a:rPr>
-              <a:t>我是個罪人蒙恩典</a:t>
-            </a:r>
-            <a:endParaRPr lang="en-US" altLang="zh-TW" sz="4800" b="1" dirty="0">
+                <a:effectLst>
+                  <a:outerShdw blurRad="50000" dist="30000" dir="5400000" algn="tl" rotWithShape="0">
+                    <a:srgbClr val="000000">
+                      <a:alpha val="30000"/>
+                    </a:srgbClr>
+                  </a:outerShdw>
+                </a:effectLst>
+                <a:latin typeface="微軟正黑體" pitchFamily="34" charset="-120"/>
+                <a:ea typeface="微軟正黑體" pitchFamily="34" charset="-120"/>
+              </a:rPr>
+              <a:t>免我們的債</a:t>
+            </a:r>
+            <a:endParaRPr lang="en-US" altLang="zh-CN" sz="4800" b="1" dirty="0">
               <a:solidFill>
                 <a:srgbClr val="660033"/>
               </a:solidFill>
-              <a:latin typeface="Microsoft JhengHei" pitchFamily="34" charset="-120"/>
-              <a:ea typeface="Microsoft JhengHei" pitchFamily="34" charset="-120"/>
+              <a:effectLst>
+                <a:outerShdw blurRad="50000" dist="30000" dir="5400000" algn="tl" rotWithShape="0">
+                  <a:srgbClr val="000000">
+                    <a:alpha val="30000"/>
+                  </a:srgbClr>
+                </a:outerShdw>
+              </a:effectLst>
+              <a:latin typeface="微軟正黑體" pitchFamily="34" charset="-120"/>
+              <a:ea typeface="微軟正黑體" pitchFamily="34" charset="-120"/>
             </a:endParaRPr>
           </a:p>
           <a:p>
-            <a:pPr marL="0" indent="0" algn="ctr">
+            <a:pPr algn="ctr">
               <a:buNone/>
             </a:pPr>
             <a:r>
-              <a:rPr lang="zh-TW" altLang="en-US" sz="4800" b="1" dirty="0">
+              <a:rPr lang="zh-CN" altLang="en-US" sz="4800" b="1" dirty="0">
                 <a:solidFill>
                   <a:srgbClr val="660033"/>
                 </a:solidFill>
-                <a:latin typeface="Microsoft JhengHei" pitchFamily="34" charset="-120"/>
-                <a:ea typeface="Microsoft JhengHei" pitchFamily="34" charset="-120"/>
-              </a:rPr>
-              <a:t>一切的罪惡得赦免</a:t>
-            </a:r>
-            <a:endParaRPr lang="en-US" altLang="zh-TW" sz="4800" b="1" dirty="0">
+                <a:effectLst>
+                  <a:outerShdw blurRad="50000" dist="30000" dir="5400000" algn="tl" rotWithShape="0">
+                    <a:srgbClr val="000000">
+                      <a:alpha val="30000"/>
+                    </a:srgbClr>
+                  </a:outerShdw>
+                </a:effectLst>
+                <a:latin typeface="微軟正黑體" pitchFamily="34" charset="-120"/>
+                <a:ea typeface="微軟正黑體" pitchFamily="34" charset="-120"/>
+              </a:rPr>
+              <a:t>如同我們免了人的債</a:t>
+            </a:r>
+            <a:endParaRPr lang="zh-TW" altLang="en-US" sz="4800" b="1" dirty="0">
               <a:solidFill>
                 <a:srgbClr val="660033"/>
               </a:solidFill>
-              <a:latin typeface="Microsoft JhengHei" pitchFamily="34" charset="-120"/>
-              <a:ea typeface="Microsoft JhengHei" pitchFamily="34" charset="-120"/>
+              <a:effectLst>
+                <a:outerShdw blurRad="50000" dist="30000" dir="5400000" algn="tl" rotWithShape="0">
+                  <a:srgbClr val="000000">
+                    <a:alpha val="30000"/>
+                  </a:srgbClr>
+                </a:outerShdw>
+              </a:effectLst>
+              <a:latin typeface="微軟正黑體" pitchFamily="34" charset="-120"/>
+              <a:ea typeface="微軟正黑體" pitchFamily="34" charset="-120"/>
             </a:endParaRPr>
           </a:p>
         </p:txBody>
@@ -8097,20 +7906,13 @@
     </p:spTree>
     <p:extLst>
       <p:ext uri="{BB962C8B-B14F-4D97-AF65-F5344CB8AC3E}">
-        <p14:creationId xmlns:p14="http://schemas.microsoft.com/office/powerpoint/2010/main" val="1597441377"/>
+        <p14:creationId xmlns:p14="http://schemas.microsoft.com/office/powerpoint/2010/main" val="2058767591"/>
       </p:ext>
     </p:extLst>
   </p:cSld>
   <p:clrMapOvr>
     <a:masterClrMapping/>
   </p:clrMapOvr>
-  <p:timing>
-    <p:tnLst>
-      <p:par>
-        <p:cTn id="1" dur="indefinite" restart="never" nodeType="tmRoot"/>
-      </p:par>
-    </p:tnLst>
-  </p:timing>
 </p:sld>
 </file>
 
@@ -8153,71 +7955,89 @@
           </a:bodyPr>
           <a:lstStyle/>
           <a:p>
-            <a:pPr marL="0" indent="0" algn="ctr">
+            <a:pPr algn="ctr">
               <a:buNone/>
             </a:pPr>
             <a:r>
-              <a:rPr lang="zh-TW" altLang="en-US" sz="4800" b="1" dirty="0">
+              <a:rPr lang="zh-CN" altLang="en-US" sz="4800" b="1" dirty="0">
                 <a:solidFill>
                   <a:srgbClr val="660033"/>
                 </a:solidFill>
-                <a:latin typeface="Microsoft JhengHei" pitchFamily="34" charset="-120"/>
-                <a:ea typeface="Microsoft JhengHei" pitchFamily="34" charset="-120"/>
-              </a:rPr>
-              <a:t>讚美主耶穌  榮耀都歸</a:t>
-            </a:r>
-            <a:r>
-              <a:rPr lang="zh-CN" altLang="en-US" sz="4800" b="1" dirty="0">
-                <a:solidFill>
-                  <a:srgbClr val="660033"/>
-                </a:solidFill>
-                <a:latin typeface="Microsoft JhengHei" pitchFamily="34" charset="-120"/>
-                <a:ea typeface="Microsoft JhengHei" pitchFamily="34" charset="-120"/>
-              </a:rPr>
-              <a:t>天父</a:t>
-            </a:r>
-            <a:endParaRPr lang="en-US" altLang="zh-TW" sz="4800" b="1" dirty="0">
+                <a:effectLst>
+                  <a:outerShdw blurRad="50000" dist="30000" dir="5400000" algn="tl" rotWithShape="0">
+                    <a:srgbClr val="000000">
+                      <a:alpha val="30000"/>
+                    </a:srgbClr>
+                  </a:outerShdw>
+                </a:effectLst>
+                <a:latin typeface="微軟正黑體" pitchFamily="34" charset="-120"/>
+                <a:ea typeface="微軟正黑體" pitchFamily="34" charset="-120"/>
+              </a:rPr>
+              <a:t>不叫我們遇見試探</a:t>
+            </a:r>
+            <a:endParaRPr lang="en-US" altLang="zh-CN" sz="4800" b="1" dirty="0">
               <a:solidFill>
                 <a:srgbClr val="660033"/>
               </a:solidFill>
-              <a:latin typeface="Microsoft JhengHei" pitchFamily="34" charset="-120"/>
-              <a:ea typeface="Microsoft JhengHei" pitchFamily="34" charset="-120"/>
+              <a:effectLst>
+                <a:outerShdw blurRad="50000" dist="30000" dir="5400000" algn="tl" rotWithShape="0">
+                  <a:srgbClr val="000000">
+                    <a:alpha val="30000"/>
+                  </a:srgbClr>
+                </a:outerShdw>
+              </a:effectLst>
+              <a:latin typeface="微軟正黑體" pitchFamily="34" charset="-120"/>
+              <a:ea typeface="微軟正黑體" pitchFamily="34" charset="-120"/>
             </a:endParaRPr>
           </a:p>
           <a:p>
-            <a:pPr marL="0" indent="0" algn="ctr">
+            <a:pPr algn="ctr">
               <a:buNone/>
             </a:pPr>
             <a:r>
-              <a:rPr lang="zh-TW" altLang="en-US" sz="4800" b="1" dirty="0">
+              <a:rPr lang="zh-CN" altLang="en-US" sz="4800" b="1" dirty="0">
                 <a:solidFill>
                   <a:srgbClr val="660033"/>
                 </a:solidFill>
-                <a:latin typeface="Microsoft JhengHei" pitchFamily="34" charset="-120"/>
-                <a:ea typeface="Microsoft JhengHei" pitchFamily="34" charset="-120"/>
-              </a:rPr>
-              <a:t>我只是個罪人  蒙救恩</a:t>
-            </a:r>
+                <a:effectLst>
+                  <a:outerShdw blurRad="50000" dist="30000" dir="5400000" algn="tl" rotWithShape="0">
+                    <a:srgbClr val="000000">
+                      <a:alpha val="30000"/>
+                    </a:srgbClr>
+                  </a:outerShdw>
+                </a:effectLst>
+                <a:latin typeface="微軟正黑體" pitchFamily="34" charset="-120"/>
+                <a:ea typeface="微軟正黑體" pitchFamily="34" charset="-120"/>
+              </a:rPr>
+              <a:t>救我們脫離兇惡</a:t>
+            </a:r>
+            <a:endParaRPr lang="en-US" altLang="zh-CN" sz="4800" b="1" dirty="0">
+              <a:solidFill>
+                <a:srgbClr val="660033"/>
+              </a:solidFill>
+              <a:effectLst>
+                <a:outerShdw blurRad="50000" dist="30000" dir="5400000" algn="tl" rotWithShape="0">
+                  <a:srgbClr val="000000">
+                    <a:alpha val="30000"/>
+                  </a:srgbClr>
+                </a:outerShdw>
+              </a:effectLst>
+              <a:latin typeface="微軟正黑體" pitchFamily="34" charset="-120"/>
+              <a:ea typeface="微軟正黑體" pitchFamily="34" charset="-120"/>
+            </a:endParaRPr>
           </a:p>
         </p:txBody>
       </p:sp>
     </p:spTree>
     <p:extLst>
       <p:ext uri="{BB962C8B-B14F-4D97-AF65-F5344CB8AC3E}">
-        <p14:creationId xmlns:p14="http://schemas.microsoft.com/office/powerpoint/2010/main" val="1687296971"/>
+        <p14:creationId xmlns:p14="http://schemas.microsoft.com/office/powerpoint/2010/main" val="2627005698"/>
       </p:ext>
     </p:extLst>
   </p:cSld>
   <p:clrMapOvr>
     <a:masterClrMapping/>
   </p:clrMapOvr>
-  <p:timing>
-    <p:tnLst>
-      <p:par>
-        <p:cTn id="1" dur="indefinite" restart="never" nodeType="tmRoot"/>
-      </p:par>
-    </p:tnLst>
-  </p:timing>
 </p:sld>
 </file>
 
@@ -8260,113 +8080,109 @@
           </a:bodyPr>
           <a:lstStyle/>
           <a:p>
-            <a:pPr marL="0" indent="0" algn="ctr">
+            <a:pPr algn="ctr">
               <a:buNone/>
             </a:pPr>
             <a:r>
-              <a:rPr lang="zh-TW" altLang="en-US" sz="4800" b="1" dirty="0">
+              <a:rPr lang="zh-CN" altLang="en-US" sz="4800" b="1" dirty="0">
                 <a:solidFill>
                   <a:srgbClr val="660033"/>
                 </a:solidFill>
-                <a:latin typeface="Microsoft JhengHei" pitchFamily="34" charset="-120"/>
-                <a:ea typeface="Microsoft JhengHei" pitchFamily="34" charset="-120"/>
-              </a:rPr>
-              <a:t>諒我</a:t>
-            </a:r>
-            <a:r>
-              <a:rPr lang="zh-CN" altLang="en-US" sz="4800" b="1" dirty="0">
-                <a:solidFill>
-                  <a:srgbClr val="660033"/>
-                </a:solidFill>
-                <a:latin typeface="Microsoft JhengHei" pitchFamily="34" charset="-120"/>
-                <a:ea typeface="Microsoft JhengHei" pitchFamily="34" charset="-120"/>
-              </a:rPr>
-              <a:t>這</a:t>
-            </a:r>
-            <a:r>
-              <a:rPr lang="zh-TW" altLang="en-US" sz="4800" b="1" dirty="0">
-                <a:solidFill>
-                  <a:srgbClr val="660033"/>
-                </a:solidFill>
-                <a:latin typeface="Microsoft JhengHei" pitchFamily="34" charset="-120"/>
-                <a:ea typeface="Microsoft JhengHei" pitchFamily="34" charset="-120"/>
-              </a:rPr>
-              <a:t>罪人  情不能自禁</a:t>
-            </a:r>
-            <a:endParaRPr lang="en-US" altLang="zh-TW" sz="4800" b="1" dirty="0">
+                <a:effectLst>
+                  <a:outerShdw blurRad="50000" dist="30000" dir="5400000" algn="tl" rotWithShape="0">
+                    <a:srgbClr val="000000">
+                      <a:alpha val="30000"/>
+                    </a:srgbClr>
+                  </a:outerShdw>
+                </a:effectLst>
+                <a:latin typeface="微軟正黑體" pitchFamily="34" charset="-120"/>
+                <a:ea typeface="微軟正黑體" pitchFamily="34" charset="-120"/>
+              </a:rPr>
+              <a:t>因為國度  權柄  榮耀</a:t>
+            </a:r>
+            <a:endParaRPr lang="en-US" altLang="zh-CN" sz="4800" b="1" dirty="0">
               <a:solidFill>
                 <a:srgbClr val="660033"/>
               </a:solidFill>
-              <a:latin typeface="Microsoft JhengHei" pitchFamily="34" charset="-120"/>
-              <a:ea typeface="Microsoft JhengHei" pitchFamily="34" charset="-120"/>
+              <a:effectLst>
+                <a:outerShdw blurRad="50000" dist="30000" dir="5400000" algn="tl" rotWithShape="0">
+                  <a:srgbClr val="000000">
+                    <a:alpha val="30000"/>
+                  </a:srgbClr>
+                </a:outerShdw>
+              </a:effectLst>
+              <a:latin typeface="微軟正黑體" pitchFamily="34" charset="-120"/>
+              <a:ea typeface="微軟正黑體" pitchFamily="34" charset="-120"/>
             </a:endParaRPr>
           </a:p>
           <a:p>
-            <a:pPr marL="0" indent="0" algn="ctr">
+            <a:pPr algn="ctr">
               <a:buNone/>
             </a:pPr>
             <a:r>
-              <a:rPr lang="zh-TW" altLang="en-US" sz="4800" b="1" dirty="0">
+              <a:rPr lang="zh-CN" altLang="en-US" sz="4800" b="1" dirty="0">
                 <a:solidFill>
                   <a:srgbClr val="660033"/>
                 </a:solidFill>
-                <a:latin typeface="Microsoft JhengHei" pitchFamily="34" charset="-120"/>
-                <a:ea typeface="Microsoft JhengHei" pitchFamily="34" charset="-120"/>
-              </a:rPr>
-              <a:t>只因深愛主  喜樂滿我心</a:t>
-            </a:r>
-            <a:endParaRPr lang="en-US" altLang="zh-TW" sz="4800" b="1" dirty="0">
+                <a:effectLst>
+                  <a:outerShdw blurRad="50000" dist="30000" dir="5400000" algn="tl" rotWithShape="0">
+                    <a:srgbClr val="000000">
+                      <a:alpha val="30000"/>
+                    </a:srgbClr>
+                  </a:outerShdw>
+                </a:effectLst>
+                <a:latin typeface="微軟正黑體" pitchFamily="34" charset="-120"/>
+                <a:ea typeface="微軟正黑體" pitchFamily="34" charset="-120"/>
+              </a:rPr>
+              <a:t>全是父的  直到永遠</a:t>
+            </a:r>
+            <a:r>
+              <a:rPr lang="en-US" altLang="zh-CN" sz="4800" b="1" dirty="0">
+                <a:solidFill>
+                  <a:srgbClr val="660033"/>
+                </a:solidFill>
+                <a:effectLst>
+                  <a:outerShdw blurRad="50000" dist="30000" dir="5400000" algn="tl" rotWithShape="0">
+                    <a:srgbClr val="000000">
+                      <a:alpha val="30000"/>
+                    </a:srgbClr>
+                  </a:outerShdw>
+                </a:effectLst>
+                <a:latin typeface="微軟正黑體" pitchFamily="34" charset="-120"/>
+                <a:ea typeface="微軟正黑體" pitchFamily="34" charset="-120"/>
+              </a:rPr>
+              <a:t>  </a:t>
+            </a:r>
+            <a:r>
+              <a:rPr lang="zh-CN" altLang="en-US" sz="4800" b="1" dirty="0">
+                <a:solidFill>
+                  <a:srgbClr val="660033"/>
+                </a:solidFill>
+                <a:effectLst>
+                  <a:outerShdw blurRad="50000" dist="30000" dir="5400000" algn="tl" rotWithShape="0">
+                    <a:srgbClr val="000000">
+                      <a:alpha val="30000"/>
+                    </a:srgbClr>
+                  </a:outerShdw>
+                </a:effectLst>
+                <a:latin typeface="微軟正黑體" pitchFamily="34" charset="-120"/>
+                <a:ea typeface="微軟正黑體" pitchFamily="34" charset="-120"/>
+              </a:rPr>
+              <a:t>阿門</a:t>
+            </a:r>
+            <a:endParaRPr lang="zh-TW" altLang="en-US" sz="4800" b="1" dirty="0">
               <a:solidFill>
                 <a:srgbClr val="660033"/>
               </a:solidFill>
-              <a:latin typeface="Microsoft JhengHei" pitchFamily="34" charset="-120"/>
-              <a:ea typeface="Microsoft JhengHei" pitchFamily="34" charset="-120"/>
-            </a:endParaRPr>
-          </a:p>
-        </p:txBody>
-      </p:sp>
-      <p:sp>
-        <p:nvSpPr>
-          <p:cNvPr id="3" name="TextBox 2"/>
-          <p:cNvSpPr txBox="1"/>
-          <p:nvPr/>
-        </p:nvSpPr>
-        <p:spPr>
-          <a:xfrm>
-            <a:off x="251520" y="1659230"/>
-            <a:ext cx="936104" cy="830997"/>
-          </a:xfrm>
-          <a:prstGeom prst="rect">
-            <a:avLst/>
-          </a:prstGeom>
-          <a:noFill/>
-        </p:spPr>
-        <p:txBody>
-          <a:bodyPr wrap="square" rtlCol="0">
-            <a:spAutoFit/>
-          </a:bodyPr>
-          <a:lstStyle/>
-          <a:p>
-            <a:r>
-              <a:rPr lang="en-US" sz="4800" b="1" dirty="0">
-                <a:solidFill>
-                  <a:srgbClr val="660033"/>
-                </a:solidFill>
-              </a:rPr>
-              <a:t>4</a:t>
-            </a:r>
-            <a:r>
-              <a:rPr lang="en-US" sz="4800" b="1" dirty="0" smtClean="0">
-                <a:solidFill>
-                  <a:srgbClr val="660033"/>
-                </a:solidFill>
-              </a:rPr>
-              <a:t>.</a:t>
-            </a:r>
-            <a:endParaRPr lang="vi-VN" sz="4800" b="1" dirty="0">
-              <a:solidFill>
-                <a:srgbClr val="660033"/>
-              </a:solidFill>
+              <a:effectLst>
+                <a:outerShdw blurRad="50000" dist="30000" dir="5400000" algn="tl" rotWithShape="0">
+                  <a:srgbClr val="000000">
+                    <a:alpha val="30000"/>
+                  </a:srgbClr>
+                </a:outerShdw>
+              </a:effectLst>
+              <a:latin typeface="微軟正黑體" pitchFamily="34" charset="-120"/>
+              <a:ea typeface="微軟正黑體" pitchFamily="34" charset="-120"/>
             </a:endParaRPr>
           </a:p>
         </p:txBody>
@@ -8374,20 +8190,13 @@
     </p:spTree>
     <p:extLst>
       <p:ext uri="{BB962C8B-B14F-4D97-AF65-F5344CB8AC3E}">
-        <p14:creationId xmlns:p14="http://schemas.microsoft.com/office/powerpoint/2010/main" val="624525261"/>
+        <p14:creationId xmlns:p14="http://schemas.microsoft.com/office/powerpoint/2010/main" val="3617491913"/>
       </p:ext>
     </p:extLst>
   </p:cSld>
   <p:clrMapOvr>
     <a:masterClrMapping/>
   </p:clrMapOvr>
-  <p:timing>
-    <p:tnLst>
-      <p:par>
-        <p:cTn id="1" dur="indefinite" restart="never" nodeType="tmRoot"/>
-      </p:par>
-    </p:tnLst>
-  </p:timing>
 </p:sld>
 </file>
 
@@ -8410,126 +8219,151 @@
       </p:grpSpPr>
       <p:sp>
         <p:nvSpPr>
-          <p:cNvPr id="5" name="內容版面配置區 4"/>
-          <p:cNvSpPr>
-            <a:spLocks noGrp="1"/>
-          </p:cNvSpPr>
-          <p:nvPr>
-            <p:ph idx="1"/>
+          <p:cNvPr id="2" name="標題 1"/>
+          <p:cNvSpPr>
+            <a:spLocks noGrp="1"/>
+          </p:cNvSpPr>
+          <p:nvPr>
+            <p:ph type="title" idx="4294967295"/>
           </p:nvPr>
         </p:nvSpPr>
         <p:spPr>
           <a:xfrm>
-            <a:off x="0" y="1563638"/>
-            <a:ext cx="9144000" cy="1803647"/>
+            <a:off x="0" y="1707654"/>
+            <a:ext cx="9144000" cy="628650"/>
           </a:xfrm>
         </p:spPr>
         <p:txBody>
-          <a:bodyPr anchor="ctr">
-            <a:normAutofit/>
+          <a:bodyPr>
+            <a:noAutofit/>
           </a:bodyPr>
           <a:lstStyle/>
           <a:p>
-            <a:pPr marL="0" indent="0" algn="ctr">
-              <a:buNone/>
-            </a:pPr>
-            <a:r>
-              <a:rPr lang="zh-TW" altLang="en-US" sz="4800" b="1" dirty="0">
-                <a:solidFill>
-                  <a:srgbClr val="660033"/>
-                </a:solidFill>
-                <a:latin typeface="Microsoft JhengHei" pitchFamily="34" charset="-120"/>
-                <a:ea typeface="Microsoft JhengHei" pitchFamily="34" charset="-120"/>
-              </a:rPr>
-              <a:t>讓我再說明  高聲謳吟</a:t>
-            </a:r>
-            <a:endParaRPr lang="en-US" altLang="zh-TW" sz="4800" b="1" dirty="0">
+            <a:pPr algn="ctr"/>
+            <a:r>
+              <a:rPr lang="zh-CN" altLang="en-US" sz="5400" b="1" dirty="0" smtClean="0">
+                <a:solidFill>
+                  <a:srgbClr val="000066"/>
+                </a:solidFill>
+                <a:effectLst>
+                  <a:outerShdw blurRad="38100" dist="38100" dir="2700000" algn="tl">
+                    <a:srgbClr val="000000">
+                      <a:alpha val="43137"/>
+                    </a:srgbClr>
+                  </a:outerShdw>
+                </a:effectLst>
+                <a:latin typeface="微軟正黑體" pitchFamily="34" charset="-120"/>
+                <a:ea typeface="微軟正黑體" pitchFamily="34" charset="-120"/>
+              </a:rPr>
+              <a:t>祝福</a:t>
+            </a:r>
+            <a:endParaRPr lang="zh-TW" altLang="en-US" sz="5400" b="1" dirty="0">
               <a:solidFill>
-                <a:srgbClr val="660033"/>
+                <a:srgbClr val="000066"/>
               </a:solidFill>
-              <a:latin typeface="Microsoft JhengHei" pitchFamily="34" charset="-120"/>
-              <a:ea typeface="Microsoft JhengHei" pitchFamily="34" charset="-120"/>
+              <a:effectLst>
+                <a:outerShdw blurRad="38100" dist="38100" dir="2700000" algn="tl">
+                  <a:srgbClr val="000000">
+                    <a:alpha val="43137"/>
+                  </a:srgbClr>
+                </a:outerShdw>
+              </a:effectLst>
+              <a:latin typeface="微軟正黑體" pitchFamily="34" charset="-120"/>
+              <a:ea typeface="微軟正黑體" pitchFamily="34" charset="-120"/>
             </a:endParaRPr>
           </a:p>
-          <a:p>
-            <a:pPr marL="0" indent="0" algn="ctr">
-              <a:buNone/>
-            </a:pPr>
-            <a:r>
-              <a:rPr lang="zh-TW" altLang="en-US" sz="4800" b="1" dirty="0">
-                <a:solidFill>
-                  <a:srgbClr val="660033"/>
-                </a:solidFill>
-                <a:latin typeface="Microsoft JhengHei" pitchFamily="34" charset="-120"/>
-                <a:ea typeface="Microsoft JhengHei" pitchFamily="34" charset="-120"/>
-              </a:rPr>
-              <a:t>我只是個罪人  蒙</a:t>
-            </a:r>
-            <a:r>
-              <a:rPr lang="zh-CN" altLang="en-US" sz="4800" b="1" dirty="0">
-                <a:solidFill>
-                  <a:srgbClr val="660033"/>
-                </a:solidFill>
-                <a:latin typeface="Microsoft JhengHei" pitchFamily="34" charset="-120"/>
-                <a:ea typeface="Microsoft JhengHei" pitchFamily="34" charset="-120"/>
-              </a:rPr>
-              <a:t>救</a:t>
-            </a:r>
-            <a:r>
-              <a:rPr lang="zh-TW" altLang="en-US" sz="4800" b="1" dirty="0">
-                <a:solidFill>
-                  <a:srgbClr val="660033"/>
-                </a:solidFill>
-                <a:latin typeface="Microsoft JhengHei" pitchFamily="34" charset="-120"/>
-                <a:ea typeface="Microsoft JhengHei" pitchFamily="34" charset="-120"/>
-              </a:rPr>
-              <a:t>恩</a:t>
-            </a:r>
-          </a:p>
-        </p:txBody>
-      </p:sp>
-      <p:sp>
-        <p:nvSpPr>
-          <p:cNvPr id="3" name="TextBox 2"/>
-          <p:cNvSpPr txBox="1"/>
+        </p:txBody>
+      </p:sp>
+      <p:sp>
+        <p:nvSpPr>
+          <p:cNvPr id="3" name="矩形 2"/>
+          <p:cNvSpPr/>
           <p:nvPr/>
         </p:nvSpPr>
         <p:spPr>
           <a:xfrm>
-            <a:off x="251520" y="1659230"/>
-            <a:ext cx="936104" cy="830997"/>
+            <a:off x="0" y="2427734"/>
+            <a:ext cx="9144000" cy="830997"/>
           </a:xfrm>
           <a:prstGeom prst="rect">
             <a:avLst/>
           </a:prstGeom>
-          <a:noFill/>
         </p:spPr>
         <p:txBody>
-          <a:bodyPr wrap="square" rtlCol="0">
+          <a:bodyPr wrap="square">
             <a:spAutoFit/>
           </a:bodyPr>
           <a:lstStyle/>
           <a:p>
-            <a:r>
-              <a:rPr lang="en-US" sz="4800" b="1" dirty="0">
+            <a:pPr algn="ctr"/>
+            <a:r>
+              <a:rPr lang="en-US" altLang="zh-CN" sz="4800" b="1" dirty="0" smtClean="0">
                 <a:solidFill>
                   <a:srgbClr val="660033"/>
                 </a:solidFill>
-              </a:rPr>
-              <a:t>4</a:t>
-            </a:r>
-            <a:r>
-              <a:rPr lang="en-US" sz="4800" b="1" dirty="0" smtClean="0">
+                <a:effectLst>
+                  <a:outerShdw blurRad="38100" dist="38100" dir="2700000" algn="tl">
+                    <a:srgbClr val="000000">
+                      <a:alpha val="43137"/>
+                    </a:srgbClr>
+                  </a:outerShdw>
+                </a:effectLst>
+                <a:latin typeface="微軟正黑體" pitchFamily="34" charset="-120"/>
+                <a:ea typeface="微軟正黑體" pitchFamily="34" charset="-120"/>
+                <a:cs typeface="+mj-cs"/>
+              </a:rPr>
+              <a:t>(</a:t>
+            </a:r>
+            <a:r>
+              <a:rPr lang="zh-CN" altLang="en-US" sz="4800" b="1" dirty="0" smtClean="0">
                 <a:solidFill>
                   <a:srgbClr val="660033"/>
                 </a:solidFill>
-              </a:rPr>
-              <a:t>.</a:t>
-            </a:r>
-            <a:endParaRPr lang="vi-VN" sz="4800" b="1" dirty="0">
+                <a:effectLst>
+                  <a:outerShdw blurRad="38100" dist="38100" dir="2700000" algn="tl">
+                    <a:srgbClr val="000000">
+                      <a:alpha val="43137"/>
+                    </a:srgbClr>
+                  </a:outerShdw>
+                </a:effectLst>
+                <a:latin typeface="微軟正黑體" pitchFamily="34" charset="-120"/>
+                <a:ea typeface="微軟正黑體" pitchFamily="34" charset="-120"/>
+                <a:cs typeface="+mj-cs"/>
+              </a:rPr>
+              <a:t>主禮牧師</a:t>
+            </a:r>
+            <a:r>
+              <a:rPr lang="en-US" altLang="zh-CN" sz="4800" b="1" dirty="0" smtClean="0">
+                <a:solidFill>
+                  <a:srgbClr val="660033"/>
+                </a:solidFill>
+                <a:effectLst>
+                  <a:outerShdw blurRad="38100" dist="38100" dir="2700000" algn="tl">
+                    <a:srgbClr val="000000">
+                      <a:alpha val="43137"/>
+                    </a:srgbClr>
+                  </a:outerShdw>
+                </a:effectLst>
+                <a:latin typeface="微軟正黑體" pitchFamily="34" charset="-120"/>
+                <a:ea typeface="微軟正黑體" pitchFamily="34" charset="-120"/>
+                <a:cs typeface="+mj-cs"/>
+              </a:rPr>
+              <a:t>)</a:t>
+            </a:r>
+            <a:endParaRPr lang="zh-TW" altLang="en-US" sz="4800" b="1" dirty="0" smtClean="0">
               <a:solidFill>
                 <a:srgbClr val="660033"/>
               </a:solidFill>
+              <a:effectLst>
+                <a:outerShdw blurRad="38100" dist="38100" dir="2700000" algn="tl">
+                  <a:srgbClr val="000000">
+                    <a:alpha val="43137"/>
+                  </a:srgbClr>
+                </a:outerShdw>
+              </a:effectLst>
+              <a:latin typeface="微軟正黑體" pitchFamily="34" charset="-120"/>
+              <a:ea typeface="微軟正黑體" pitchFamily="34" charset="-120"/>
+              <a:cs typeface="+mj-cs"/>
             </a:endParaRPr>
           </a:p>
         </p:txBody>
@@ -8537,7 +8371,7 @@
     </p:spTree>
     <p:extLst>
       <p:ext uri="{BB962C8B-B14F-4D97-AF65-F5344CB8AC3E}">
-        <p14:creationId xmlns:p14="http://schemas.microsoft.com/office/powerpoint/2010/main" val="814181405"/>
+        <p14:creationId xmlns:p14="http://schemas.microsoft.com/office/powerpoint/2010/main" val="1671247361"/>
       </p:ext>
     </p:extLst>
   </p:cSld>
@@ -8573,77 +8407,146 @@
       </p:grpSpPr>
       <p:sp>
         <p:nvSpPr>
-          <p:cNvPr id="5" name="內容版面配置區 4"/>
-          <p:cNvSpPr>
-            <a:spLocks noGrp="1"/>
-          </p:cNvSpPr>
-          <p:nvPr>
-            <p:ph idx="1"/>
-          </p:nvPr>
+          <p:cNvPr id="2" name="矩形 1"/>
+          <p:cNvSpPr/>
+          <p:nvPr/>
         </p:nvSpPr>
         <p:spPr>
           <a:xfrm>
-            <a:off x="0" y="1563638"/>
-            <a:ext cx="9144000" cy="1803647"/>
+            <a:off x="0" y="1570336"/>
+            <a:ext cx="9144000" cy="923330"/>
           </a:xfrm>
+          <a:prstGeom prst="rect">
+            <a:avLst/>
+          </a:prstGeom>
         </p:spPr>
         <p:txBody>
+          <a:bodyPr wrap="square">
+            <a:spAutoFit/>
+          </a:bodyPr>
+          <a:lstStyle/>
+          <a:p>
+            <a:pPr algn="ctr"/>
+            <a:r>
+              <a:rPr lang="zh-CN" altLang="en-US" sz="5400" b="1" dirty="0" smtClean="0">
+                <a:solidFill>
+                  <a:srgbClr val="000066"/>
+                </a:solidFill>
+                <a:effectLst>
+                  <a:outerShdw blurRad="50000" dist="30000" dir="5400000" algn="tl" rotWithShape="0">
+                    <a:srgbClr val="000000">
+                      <a:alpha val="30000"/>
+                    </a:srgbClr>
+                  </a:outerShdw>
+                </a:effectLst>
+                <a:latin typeface="微軟正黑體" pitchFamily="34" charset="-120"/>
+                <a:ea typeface="微軟正黑體" pitchFamily="34" charset="-120"/>
+                <a:cs typeface="+mj-cs"/>
+              </a:rPr>
+              <a:t>聚會祝福歌</a:t>
+            </a:r>
+            <a:endParaRPr lang="zh-TW" altLang="en-US" sz="5400" b="1" dirty="0" smtClean="0">
+              <a:solidFill>
+                <a:srgbClr val="000066"/>
+              </a:solidFill>
+              <a:effectLst>
+                <a:outerShdw blurRad="50000" dist="30000" dir="5400000" algn="tl" rotWithShape="0">
+                  <a:srgbClr val="000000">
+                    <a:alpha val="30000"/>
+                  </a:srgbClr>
+                </a:outerShdw>
+              </a:effectLst>
+              <a:latin typeface="微軟正黑體" pitchFamily="34" charset="-120"/>
+              <a:ea typeface="微軟正黑體" pitchFamily="34" charset="-120"/>
+              <a:cs typeface="+mj-cs"/>
+            </a:endParaRPr>
+          </a:p>
+        </p:txBody>
+      </p:sp>
+      <p:sp>
+        <p:nvSpPr>
+          <p:cNvPr id="3" name="標題 1"/>
+          <p:cNvSpPr txBox="1"/>
+          <p:nvPr/>
+        </p:nvSpPr>
+        <p:spPr>
+          <a:xfrm>
+            <a:off x="0" y="2435611"/>
+            <a:ext cx="9144000" cy="964405"/>
+          </a:xfrm>
+          <a:prstGeom prst="rect">
+            <a:avLst/>
+          </a:prstGeom>
+        </p:spPr>
+        <p:txBody>
           <a:bodyPr anchor="ctr">
-            <a:normAutofit/>
+            <a:noAutofit/>
           </a:bodyPr>
           <a:lstStyle/>
           <a:p>
-            <a:pPr marL="0" indent="0" algn="ctr">
+            <a:pPr marL="0" marR="0" lvl="0" indent="0" algn="ctr" defTabSz="914400" rtl="0" eaLnBrk="1" fontAlgn="auto" latinLnBrk="0" hangingPunct="1">
+              <a:lnSpc>
+                <a:spcPct val="100000"/>
+              </a:lnSpc>
+              <a:spcBef>
+                <a:spcPct val="0"/>
+              </a:spcBef>
+              <a:spcAft>
+                <a:spcPts val="0"/>
+              </a:spcAft>
+              <a:buClrTx/>
+              <a:buSzTx/>
+              <a:buFontTx/>
               <a:buNone/>
+              <a:defRPr/>
             </a:pPr>
             <a:r>
-              <a:rPr lang="zh-TW" altLang="en-US" sz="4800" b="1" dirty="0">
+              <a:rPr kumimoji="0" lang="zh-CN" altLang="en-US" sz="4800" b="1" i="0" u="none" strike="noStrike" kern="1200" cap="none" spc="0" normalizeH="0" baseline="0" noProof="0" dirty="0" smtClean="0">
+                <a:ln>
+                  <a:noFill/>
+                </a:ln>
                 <a:solidFill>
                   <a:srgbClr val="660033"/>
                 </a:solidFill>
-                <a:latin typeface="Microsoft JhengHei" pitchFamily="34" charset="-120"/>
-                <a:ea typeface="Microsoft JhengHei" pitchFamily="34" charset="-120"/>
-              </a:rPr>
-              <a:t>我是個罪人蒙恩典</a:t>
-            </a:r>
-            <a:endParaRPr lang="en-US" altLang="zh-TW" sz="4800" b="1" dirty="0">
+                <a:effectLst>
+                  <a:outerShdw blurRad="50000" dist="30000" dir="5400000" algn="tl" rotWithShape="0">
+                    <a:srgbClr val="000000">
+                      <a:alpha val="30000"/>
+                    </a:srgbClr>
+                  </a:outerShdw>
+                </a:effectLst>
+                <a:uLnTx/>
+                <a:uFillTx/>
+                <a:latin typeface="微軟正黑體" pitchFamily="34" charset="-120"/>
+                <a:ea typeface="微軟正黑體" pitchFamily="34" charset="-120"/>
+                <a:cs typeface="+mj-cs"/>
+              </a:rPr>
+              <a:t>本堂牧師領詩班退堂</a:t>
+            </a:r>
+            <a:endParaRPr kumimoji="0" lang="zh-TW" altLang="en-US" sz="4800" b="1" i="0" u="none" strike="noStrike" kern="1200" cap="none" spc="0" normalizeH="0" baseline="0" noProof="0" dirty="0">
+              <a:ln>
+                <a:noFill/>
+              </a:ln>
               <a:solidFill>
                 <a:srgbClr val="660033"/>
               </a:solidFill>
-              <a:latin typeface="Microsoft JhengHei" pitchFamily="34" charset="-120"/>
-              <a:ea typeface="Microsoft JhengHei" pitchFamily="34" charset="-120"/>
+              <a:effectLst>
+                <a:outerShdw blurRad="50000" dist="30000" dir="5400000" algn="tl" rotWithShape="0">
+                  <a:srgbClr val="000000">
+                    <a:alpha val="30000"/>
+                  </a:srgbClr>
+                </a:outerShdw>
+              </a:effectLst>
+              <a:uLnTx/>
+              <a:uFillTx/>
+              <a:latin typeface="微軟正黑體" pitchFamily="34" charset="-120"/>
+              <a:ea typeface="微軟正黑體" pitchFamily="34" charset="-120"/>
+              <a:cs typeface="+mj-cs"/>
             </a:endParaRPr>
           </a:p>
-          <a:p>
-            <a:pPr marL="0" indent="0" algn="ctr">
-              <a:buNone/>
-            </a:pPr>
-            <a:r>
-              <a:rPr lang="zh-TW" altLang="en-US" sz="4800" b="1" dirty="0">
-                <a:solidFill>
-                  <a:srgbClr val="660033"/>
-                </a:solidFill>
-                <a:latin typeface="Microsoft JhengHei" pitchFamily="34" charset="-120"/>
-                <a:ea typeface="Microsoft JhengHei" pitchFamily="34" charset="-120"/>
-              </a:rPr>
-              <a:t>一切的罪惡得赦免</a:t>
-            </a:r>
-            <a:endParaRPr lang="en-US" altLang="zh-TW" sz="4800" b="1" dirty="0">
-              <a:solidFill>
-                <a:srgbClr val="660033"/>
-              </a:solidFill>
-              <a:latin typeface="Microsoft JhengHei" pitchFamily="34" charset="-120"/>
-              <a:ea typeface="Microsoft JhengHei" pitchFamily="34" charset="-120"/>
-            </a:endParaRPr>
-          </a:p>
         </p:txBody>
       </p:sp>
     </p:spTree>
-    <p:extLst>
-      <p:ext uri="{BB962C8B-B14F-4D97-AF65-F5344CB8AC3E}">
-        <p14:creationId xmlns:p14="http://schemas.microsoft.com/office/powerpoint/2010/main" val="1565924508"/>
-      </p:ext>
-    </p:extLst>
   </p:cSld>
   <p:clrMapOvr>
     <a:masterClrMapping/>
@@ -8677,91 +8580,87 @@
       </p:grpSpPr>
       <p:sp>
         <p:nvSpPr>
-          <p:cNvPr id="5" name="內容版面配置區 4"/>
-          <p:cNvSpPr>
-            <a:spLocks noGrp="1"/>
-          </p:cNvSpPr>
-          <p:nvPr>
-            <p:ph idx="1"/>
+          <p:cNvPr id="4" name="標題 3"/>
+          <p:cNvSpPr>
+            <a:spLocks noGrp="1"/>
+          </p:cNvSpPr>
+          <p:nvPr>
+            <p:ph type="title"/>
           </p:nvPr>
         </p:nvSpPr>
         <p:spPr>
           <a:xfrm>
-            <a:off x="0" y="1563638"/>
-            <a:ext cx="9144000" cy="1803647"/>
+            <a:off x="0" y="2143135"/>
+            <a:ext cx="9144000" cy="857250"/>
           </a:xfrm>
         </p:spPr>
         <p:txBody>
-          <a:bodyPr anchor="ctr">
-            <a:normAutofit/>
+          <a:bodyPr>
+            <a:noAutofit/>
           </a:bodyPr>
           <a:lstStyle/>
           <a:p>
-            <a:pPr marL="0" indent="0" algn="ctr">
-              <a:buNone/>
-            </a:pPr>
-            <a:r>
-              <a:rPr lang="zh-TW" altLang="en-US" sz="4800" b="1" dirty="0">
-                <a:solidFill>
-                  <a:srgbClr val="660033"/>
-                </a:solidFill>
-                <a:latin typeface="Microsoft JhengHei" pitchFamily="34" charset="-120"/>
-                <a:ea typeface="Microsoft JhengHei" pitchFamily="34" charset="-120"/>
-              </a:rPr>
-              <a:t>讚美主耶穌  榮耀都歸</a:t>
-            </a:r>
-            <a:r>
-              <a:rPr lang="zh-CN" altLang="en-US" sz="4800" b="1" dirty="0">
-                <a:solidFill>
-                  <a:srgbClr val="660033"/>
-                </a:solidFill>
-                <a:latin typeface="Microsoft JhengHei" pitchFamily="34" charset="-120"/>
-                <a:ea typeface="Microsoft JhengHei" pitchFamily="34" charset="-120"/>
-              </a:rPr>
-              <a:t>天父</a:t>
-            </a:r>
-            <a:endParaRPr lang="en-US" altLang="zh-TW" sz="4800" b="1" dirty="0">
+            <a:r>
+              <a:rPr lang="zh-CN" altLang="en-US" sz="7200" b="1" dirty="0" smtClean="0">
+                <a:solidFill>
+                  <a:srgbClr val="000066"/>
+                </a:solidFill>
+                <a:effectLst>
+                  <a:outerShdw blurRad="38100" dist="38100" dir="2700000" algn="tl">
+                    <a:srgbClr val="000000">
+                      <a:alpha val="43137"/>
+                    </a:srgbClr>
+                  </a:outerShdw>
+                </a:effectLst>
+                <a:latin typeface="微軟正黑體" pitchFamily="34" charset="-120"/>
+                <a:ea typeface="微軟正黑體" pitchFamily="34" charset="-120"/>
+              </a:rPr>
+              <a:t>主</a:t>
+            </a:r>
+            <a:r>
+              <a:rPr lang="zh-CN" altLang="en-US" sz="7200" b="1" dirty="0">
+                <a:solidFill>
+                  <a:srgbClr val="000066"/>
+                </a:solidFill>
+                <a:effectLst>
+                  <a:outerShdw blurRad="38100" dist="38100" dir="2700000" algn="tl">
+                    <a:srgbClr val="000000">
+                      <a:alpha val="43137"/>
+                    </a:srgbClr>
+                  </a:outerShdw>
+                </a:effectLst>
+                <a:latin typeface="微軟正黑體" pitchFamily="34" charset="-120"/>
+                <a:ea typeface="微軟正黑體" pitchFamily="34" charset="-120"/>
+              </a:rPr>
+              <a:t>的愛</a:t>
+            </a:r>
+            <a:endParaRPr lang="zh-TW" altLang="en-US" sz="7200" b="1" dirty="0">
               <a:solidFill>
-                <a:srgbClr val="660033"/>
+                <a:srgbClr val="000066"/>
               </a:solidFill>
-              <a:latin typeface="Microsoft JhengHei" pitchFamily="34" charset="-120"/>
-              <a:ea typeface="Microsoft JhengHei" pitchFamily="34" charset="-120"/>
+              <a:effectLst>
+                <a:outerShdw blurRad="38100" dist="38100" dir="2700000" algn="tl">
+                  <a:srgbClr val="000000">
+                    <a:alpha val="43137"/>
+                  </a:srgbClr>
+                </a:outerShdw>
+              </a:effectLst>
+              <a:latin typeface="微軟正黑體" pitchFamily="34" charset="-120"/>
+              <a:ea typeface="微軟正黑體" pitchFamily="34" charset="-120"/>
             </a:endParaRPr>
-          </a:p>
-          <a:p>
-            <a:pPr marL="0" indent="0" algn="ctr">
-              <a:buNone/>
-            </a:pPr>
-            <a:r>
-              <a:rPr lang="zh-TW" altLang="en-US" sz="4800" b="1" dirty="0">
-                <a:solidFill>
-                  <a:srgbClr val="660033"/>
-                </a:solidFill>
-                <a:latin typeface="Microsoft JhengHei" pitchFamily="34" charset="-120"/>
-                <a:ea typeface="Microsoft JhengHei" pitchFamily="34" charset="-120"/>
-              </a:rPr>
-              <a:t>我只是個罪人  蒙救恩</a:t>
-            </a:r>
           </a:p>
         </p:txBody>
       </p:sp>
     </p:spTree>
     <p:extLst>
       <p:ext uri="{BB962C8B-B14F-4D97-AF65-F5344CB8AC3E}">
-        <p14:creationId xmlns:p14="http://schemas.microsoft.com/office/powerpoint/2010/main" val="2440705368"/>
+        <p14:creationId xmlns:p14="http://schemas.microsoft.com/office/powerpoint/2010/main" val="3707739611"/>
       </p:ext>
     </p:extLst>
   </p:cSld>
   <p:clrMapOvr>
     <a:masterClrMapping/>
   </p:clrMapOvr>
-  <p:timing>
-    <p:tnLst>
-      <p:par>
-        <p:cTn id="1" dur="indefinite" restart="never" nodeType="tmRoot"/>
-      </p:par>
-    </p:tnLst>
-  </p:timing>
 </p:sld>
 </file>
 
@@ -8872,85 +8771,71 @@
       </p:grpSpPr>
       <p:sp>
         <p:nvSpPr>
-          <p:cNvPr id="2" name="標題 1"/>
-          <p:cNvSpPr>
-            <a:spLocks noGrp="1"/>
-          </p:cNvSpPr>
-          <p:nvPr>
-            <p:ph type="title" idx="4294967295"/>
+          <p:cNvPr id="5" name="內容版面配置區 4"/>
+          <p:cNvSpPr>
+            <a:spLocks noGrp="1"/>
+          </p:cNvSpPr>
+          <p:nvPr>
+            <p:ph idx="1"/>
           </p:nvPr>
         </p:nvSpPr>
         <p:spPr>
           <a:xfrm>
-            <a:off x="149" y="2257505"/>
-            <a:ext cx="9144000" cy="628650"/>
+            <a:off x="0" y="1563638"/>
+            <a:ext cx="9144000" cy="1803647"/>
           </a:xfrm>
         </p:spPr>
         <p:txBody>
-          <a:bodyPr>
-            <a:noAutofit/>
+          <a:bodyPr anchor="ctr">
+            <a:normAutofit/>
           </a:bodyPr>
           <a:lstStyle/>
           <a:p>
-            <a:r>
-              <a:rPr lang="zh-CN" altLang="en-US" sz="7200" b="1" dirty="0">
+            <a:pPr algn="ctr">
+              <a:buNone/>
+            </a:pPr>
+            <a:r>
+              <a:rPr lang="zh-TW" altLang="en-US" sz="4800" b="1" dirty="0">
                 <a:solidFill>
                   <a:srgbClr val="000066"/>
                 </a:solidFill>
                 <a:effectLst>
-                  <a:outerShdw blurRad="38100" dist="38100" dir="2700000" algn="tl">
+                  <a:outerShdw blurRad="50000" dist="30000" dir="5400000" algn="tl" rotWithShape="0">
                     <a:srgbClr val="000000">
-                      <a:alpha val="43137"/>
+                      <a:alpha val="30000"/>
                     </a:srgbClr>
                   </a:outerShdw>
                 </a:effectLst>
                 <a:latin typeface="微軟正黑體" pitchFamily="34" charset="-120"/>
                 <a:ea typeface="微軟正黑體" pitchFamily="34" charset="-120"/>
               </a:rPr>
-              <a:t>家事分</a:t>
-            </a:r>
-            <a:r>
-              <a:rPr lang="zh-CN" altLang="en-US" sz="7200" b="1" dirty="0" smtClean="0">
+              <a:t>願主的愛與你同</a:t>
+            </a:r>
+            <a:r>
+              <a:rPr lang="zh-TW" altLang="en-US" sz="4800" b="1" dirty="0" smtClean="0">
                 <a:solidFill>
                   <a:srgbClr val="000066"/>
                 </a:solidFill>
                 <a:effectLst>
-                  <a:outerShdw blurRad="38100" dist="38100" dir="2700000" algn="tl">
+                  <a:outerShdw blurRad="50000" dist="30000" dir="5400000" algn="tl" rotWithShape="0">
                     <a:srgbClr val="000000">
-                      <a:alpha val="43137"/>
+                      <a:alpha val="30000"/>
                     </a:srgbClr>
                   </a:outerShdw>
                 </a:effectLst>
                 <a:latin typeface="微軟正黑體" pitchFamily="34" charset="-120"/>
                 <a:ea typeface="微軟正黑體" pitchFamily="34" charset="-120"/>
               </a:rPr>
-              <a:t>享代</a:t>
-            </a:r>
-            <a:r>
-              <a:rPr lang="zh-CN" altLang="en-US" sz="7200" b="1" dirty="0">
-                <a:solidFill>
-                  <a:srgbClr val="000066"/>
-                </a:solidFill>
-                <a:effectLst>
-                  <a:outerShdw blurRad="38100" dist="38100" dir="2700000" algn="tl">
-                    <a:srgbClr val="000000">
-                      <a:alpha val="43137"/>
-                    </a:srgbClr>
-                  </a:outerShdw>
-                </a:effectLst>
-                <a:latin typeface="微軟正黑體" pitchFamily="34" charset="-120"/>
-                <a:ea typeface="微軟正黑體" pitchFamily="34" charset="-120"/>
-              </a:rPr>
-              <a:t>禱</a:t>
-            </a:r>
-            <a:endParaRPr lang="zh-TW" altLang="en-US" sz="7200" b="1" dirty="0">
+              <a:t>在</a:t>
+            </a:r>
+            <a:endParaRPr lang="en-US" altLang="zh-TW" sz="4800" b="1" dirty="0">
               <a:solidFill>
                 <a:srgbClr val="000066"/>
               </a:solidFill>
               <a:effectLst>
-                <a:outerShdw blurRad="38100" dist="38100" dir="2700000" algn="tl">
+                <a:outerShdw blurRad="50000" dist="30000" dir="5400000" algn="tl" rotWithShape="0">
                   <a:srgbClr val="000000">
-                    <a:alpha val="43137"/>
+                    <a:alpha val="30000"/>
                   </a:srgbClr>
                 </a:outerShdw>
               </a:effectLst>
@@ -8958,20 +8843,88 @@
               <a:ea typeface="微軟正黑體" pitchFamily="34" charset="-120"/>
             </a:endParaRPr>
           </a:p>
+          <a:p>
+            <a:pPr algn="ctr">
+              <a:buNone/>
+            </a:pPr>
+            <a:r>
+              <a:rPr lang="zh-TW" altLang="en-US" sz="4800" b="1" dirty="0" smtClean="0">
+                <a:solidFill>
+                  <a:srgbClr val="000066"/>
+                </a:solidFill>
+                <a:effectLst>
+                  <a:outerShdw blurRad="50000" dist="30000" dir="5400000" algn="tl" rotWithShape="0">
+                    <a:srgbClr val="000000">
+                      <a:alpha val="30000"/>
+                    </a:srgbClr>
+                  </a:outerShdw>
+                </a:effectLst>
+                <a:latin typeface="微軟正黑體" pitchFamily="34" charset="-120"/>
+                <a:ea typeface="微軟正黑體" pitchFamily="34" charset="-120"/>
+              </a:rPr>
+              <a:t>無</a:t>
+            </a:r>
+            <a:r>
+              <a:rPr lang="zh-TW" altLang="en-US" sz="4800" b="1" dirty="0">
+                <a:solidFill>
+                  <a:srgbClr val="000066"/>
+                </a:solidFill>
+                <a:effectLst>
+                  <a:outerShdw blurRad="50000" dist="30000" dir="5400000" algn="tl" rotWithShape="0">
+                    <a:srgbClr val="000000">
+                      <a:alpha val="30000"/>
+                    </a:srgbClr>
+                  </a:outerShdw>
+                </a:effectLst>
+                <a:latin typeface="微軟正黑體" pitchFamily="34" charset="-120"/>
+                <a:ea typeface="微軟正黑體" pitchFamily="34" charset="-120"/>
+              </a:rPr>
+              <a:t>論你在何</a:t>
+            </a:r>
+            <a:r>
+              <a:rPr lang="zh-TW" altLang="en-US" sz="4800" b="1" dirty="0" smtClean="0">
+                <a:solidFill>
+                  <a:srgbClr val="000066"/>
+                </a:solidFill>
+                <a:effectLst>
+                  <a:outerShdw blurRad="50000" dist="30000" dir="5400000" algn="tl" rotWithShape="0">
+                    <a:srgbClr val="000000">
+                      <a:alpha val="30000"/>
+                    </a:srgbClr>
+                  </a:outerShdw>
+                </a:effectLst>
+                <a:latin typeface="微軟正黑體" pitchFamily="34" charset="-120"/>
+                <a:ea typeface="微軟正黑體" pitchFamily="34" charset="-120"/>
+              </a:rPr>
+              <a:t>方</a:t>
+            </a:r>
+            <a:endParaRPr lang="en-US" altLang="zh-TW" sz="4800" b="1" dirty="0">
+              <a:solidFill>
+                <a:srgbClr val="000066"/>
+              </a:solidFill>
+              <a:effectLst>
+                <a:outerShdw blurRad="50000" dist="30000" dir="5400000" algn="tl" rotWithShape="0">
+                  <a:srgbClr val="000000">
+                    <a:alpha val="30000"/>
+                  </a:srgbClr>
+                </a:outerShdw>
+              </a:effectLst>
+              <a:latin typeface="微軟正黑體" pitchFamily="34" charset="-120"/>
+              <a:ea typeface="微軟正黑體" pitchFamily="34" charset="-120"/>
+            </a:endParaRPr>
+          </a:p>
         </p:txBody>
       </p:sp>
     </p:spTree>
+    <p:extLst>
+      <p:ext uri="{BB962C8B-B14F-4D97-AF65-F5344CB8AC3E}">
+        <p14:creationId xmlns:p14="http://schemas.microsoft.com/office/powerpoint/2010/main" val="293433003"/>
+      </p:ext>
+    </p:extLst>
   </p:cSld>
   <p:clrMapOvr>
     <a:masterClrMapping/>
   </p:clrMapOvr>
-  <p:timing>
-    <p:tnLst>
-      <p:par>
-        <p:cTn id="1" dur="indefinite" restart="never" nodeType="tmRoot"/>
-      </p:par>
-    </p:tnLst>
-  </p:timing>
 </p:sld>
 </file>
 
@@ -8994,81 +8947,70 @@
       </p:grpSpPr>
       <p:sp>
         <p:nvSpPr>
-          <p:cNvPr id="4" name="標題 3"/>
-          <p:cNvSpPr>
-            <a:spLocks noGrp="1"/>
-          </p:cNvSpPr>
-          <p:nvPr>
-            <p:ph type="title"/>
+          <p:cNvPr id="5" name="內容版面配置區 4"/>
+          <p:cNvSpPr>
+            <a:spLocks noGrp="1"/>
+          </p:cNvSpPr>
+          <p:nvPr>
+            <p:ph idx="1"/>
           </p:nvPr>
         </p:nvSpPr>
         <p:spPr>
           <a:xfrm>
-            <a:off x="0" y="2143135"/>
-            <a:ext cx="9144000" cy="857250"/>
+            <a:off x="0" y="1563638"/>
+            <a:ext cx="9144000" cy="1803647"/>
           </a:xfrm>
         </p:spPr>
         <p:txBody>
-          <a:bodyPr>
-            <a:noAutofit/>
+          <a:bodyPr anchor="ctr">
+            <a:normAutofit/>
           </a:bodyPr>
           <a:lstStyle/>
           <a:p>
-            <a:r>
-              <a:rPr lang="zh-CN" altLang="en-US" sz="7200" b="1" dirty="0" smtClean="0">
+            <a:pPr algn="ctr">
+              <a:buNone/>
+            </a:pPr>
+            <a:r>
+              <a:rPr lang="zh-TW" altLang="en-US" sz="4800" b="1" dirty="0" smtClean="0">
                 <a:solidFill>
                   <a:srgbClr val="000066"/>
                 </a:solidFill>
                 <a:effectLst>
-                  <a:outerShdw blurRad="38100" dist="38100" dir="2700000" algn="tl">
+                  <a:outerShdw blurRad="50000" dist="30000" dir="5400000" algn="tl" rotWithShape="0">
                     <a:srgbClr val="000000">
-                      <a:alpha val="43137"/>
+                      <a:alpha val="30000"/>
                     </a:srgbClr>
                   </a:outerShdw>
                 </a:effectLst>
                 <a:latin typeface="微軟正黑體" pitchFamily="34" charset="-120"/>
                 <a:ea typeface="微軟正黑體" pitchFamily="34" charset="-120"/>
               </a:rPr>
-              <a:t>三</a:t>
-            </a:r>
-            <a:r>
-              <a:rPr lang="zh-CN" altLang="en-US" sz="7200" b="1" dirty="0">
+              <a:t>願</a:t>
+            </a:r>
+            <a:r>
+              <a:rPr lang="zh-TW" altLang="en-US" sz="4800" b="1" dirty="0">
                 <a:solidFill>
                   <a:srgbClr val="000066"/>
                 </a:solidFill>
                 <a:effectLst>
-                  <a:outerShdw blurRad="38100" dist="38100" dir="2700000" algn="tl">
+                  <a:outerShdw blurRad="50000" dist="30000" dir="5400000" algn="tl" rotWithShape="0">
                     <a:srgbClr val="000000">
-                      <a:alpha val="43137"/>
+                      <a:alpha val="30000"/>
                     </a:srgbClr>
                   </a:outerShdw>
                 </a:effectLst>
                 <a:latin typeface="微軟正黑體" pitchFamily="34" charset="-120"/>
                 <a:ea typeface="微軟正黑體" pitchFamily="34" charset="-120"/>
               </a:rPr>
-              <a:t>一頌</a:t>
-            </a:r>
-            <a:endParaRPr lang="zh-TW" altLang="en-US" sz="7200" b="1" dirty="0">
-              <a:solidFill>
-                <a:srgbClr val="000066"/>
-              </a:solidFill>
-              <a:effectLst>
-                <a:outerShdw blurRad="38100" dist="38100" dir="2700000" algn="tl">
-                  <a:srgbClr val="000000">
-                    <a:alpha val="43137"/>
-                  </a:srgbClr>
-                </a:outerShdw>
-              </a:effectLst>
-              <a:latin typeface="微軟正黑體" pitchFamily="34" charset="-120"/>
-              <a:ea typeface="微軟正黑體" pitchFamily="34" charset="-120"/>
-            </a:endParaRPr>
+              <a:t>祂祝福你心靈安康</a:t>
+            </a:r>
           </a:p>
         </p:txBody>
       </p:sp>
     </p:spTree>
     <p:extLst>
       <p:ext uri="{BB962C8B-B14F-4D97-AF65-F5344CB8AC3E}">
-        <p14:creationId xmlns:p14="http://schemas.microsoft.com/office/powerpoint/2010/main" val="3856766224"/>
+        <p14:creationId xmlns:p14="http://schemas.microsoft.com/office/powerpoint/2010/main" val="3887014078"/>
       </p:ext>
     </p:extLst>
   </p:cSld>
@@ -9121,7 +9063,7 @@
               <a:buNone/>
             </a:pPr>
             <a:r>
-              <a:rPr lang="zh-CN" altLang="en-US" sz="4800" b="1" dirty="0">
+              <a:rPr lang="zh-TW" altLang="en-US" sz="4800" b="1" dirty="0">
                 <a:solidFill>
                   <a:srgbClr val="000066"/>
                 </a:solidFill>
@@ -9135,9 +9077,9 @@
                 <a:latin typeface="微軟正黑體" pitchFamily="34" charset="-120"/>
                 <a:ea typeface="微軟正黑體" pitchFamily="34" charset="-120"/>
               </a:rPr>
-              <a:t>讚美天父愛世慈仁</a:t>
-            </a:r>
-            <a:endParaRPr lang="en-US" altLang="zh-CN" sz="4800" b="1" dirty="0">
+              <a:t>主的愛如流水淙淙</a:t>
+            </a:r>
+            <a:endParaRPr lang="en-US" altLang="zh-TW" sz="4800" b="1" dirty="0">
               <a:solidFill>
                 <a:srgbClr val="000066"/>
               </a:solidFill>
@@ -9157,7 +9099,7 @@
               <a:buNone/>
             </a:pPr>
             <a:r>
-              <a:rPr lang="zh-CN" altLang="en-US" sz="4800" b="1" dirty="0">
+              <a:rPr lang="zh-TW" altLang="en-US" sz="4800" b="1" dirty="0">
                 <a:solidFill>
                   <a:srgbClr val="000066"/>
                 </a:solidFill>
@@ -9171,9 +9113,9 @@
                 <a:latin typeface="微軟正黑體" pitchFamily="34" charset="-120"/>
                 <a:ea typeface="微軟正黑體" pitchFamily="34" charset="-120"/>
               </a:rPr>
-              <a:t>讚美耶穌代贖洪恩</a:t>
-            </a:r>
-            <a:endParaRPr lang="en-US" altLang="zh-CN" sz="4800" b="1" dirty="0">
+              <a:t>願你分享祂這愛</a:t>
+            </a:r>
+            <a:endParaRPr lang="en-US" altLang="zh-TW" sz="4800" b="1" dirty="0">
               <a:solidFill>
                 <a:srgbClr val="000066"/>
               </a:solidFill>
@@ -9193,7 +9135,7 @@
     </p:spTree>
     <p:extLst>
       <p:ext uri="{BB962C8B-B14F-4D97-AF65-F5344CB8AC3E}">
-        <p14:creationId xmlns:p14="http://schemas.microsoft.com/office/powerpoint/2010/main" val="4258810467"/>
+        <p14:creationId xmlns:p14="http://schemas.microsoft.com/office/powerpoint/2010/main" val="1828901467"/>
       </p:ext>
     </p:extLst>
   </p:cSld>
@@ -9246,7 +9188,7 @@
               <a:buNone/>
             </a:pPr>
             <a:r>
-              <a:rPr lang="zh-CN" altLang="en-US" sz="4800" b="1" dirty="0">
+              <a:rPr lang="zh-TW" altLang="en-US" sz="4800" b="1" dirty="0">
                 <a:solidFill>
                   <a:srgbClr val="000066"/>
                 </a:solidFill>
@@ -9260,65 +9202,15 @@
                 <a:latin typeface="微軟正黑體" pitchFamily="34" charset="-120"/>
                 <a:ea typeface="微軟正黑體" pitchFamily="34" charset="-120"/>
               </a:rPr>
-              <a:t>讚美聖靈開我茅塞</a:t>
-            </a:r>
-            <a:endParaRPr lang="en-US" altLang="zh-CN" sz="4800" b="1" dirty="0">
-              <a:solidFill>
-                <a:srgbClr val="000066"/>
-              </a:solidFill>
-              <a:effectLst>
-                <a:outerShdw blurRad="50000" dist="30000" dir="5400000" algn="tl" rotWithShape="0">
-                  <a:srgbClr val="000000">
-                    <a:alpha val="30000"/>
-                  </a:srgbClr>
-                </a:outerShdw>
-              </a:effectLst>
-              <a:latin typeface="微軟正黑體" pitchFamily="34" charset="-120"/>
-              <a:ea typeface="微軟正黑體" pitchFamily="34" charset="-120"/>
-            </a:endParaRPr>
-          </a:p>
-          <a:p>
-            <a:pPr algn="ctr">
-              <a:buNone/>
-            </a:pPr>
-            <a:r>
-              <a:rPr lang="zh-CN" altLang="en-US" sz="4800" b="1" dirty="0">
-                <a:solidFill>
-                  <a:srgbClr val="000066"/>
-                </a:solidFill>
-                <a:effectLst>
-                  <a:outerShdw blurRad="50000" dist="30000" dir="5400000" algn="tl" rotWithShape="0">
-                    <a:srgbClr val="000000">
-                      <a:alpha val="30000"/>
-                    </a:srgbClr>
-                  </a:outerShdw>
-                </a:effectLst>
-                <a:latin typeface="微軟正黑體" pitchFamily="34" charset="-120"/>
-                <a:ea typeface="微軟正黑體" pitchFamily="34" charset="-120"/>
-              </a:rPr>
-              <a:t>讚美三位合一真神</a:t>
-            </a:r>
-            <a:endParaRPr lang="zh-TW" altLang="en-US" sz="4800" b="1" dirty="0">
-              <a:solidFill>
-                <a:srgbClr val="000066"/>
-              </a:solidFill>
-              <a:effectLst>
-                <a:outerShdw blurRad="50000" dist="30000" dir="5400000" algn="tl" rotWithShape="0">
-                  <a:srgbClr val="000000">
-                    <a:alpha val="30000"/>
-                  </a:srgbClr>
-                </a:outerShdw>
-              </a:effectLst>
-              <a:latin typeface="微軟正黑體" pitchFamily="34" charset="-120"/>
-              <a:ea typeface="微軟正黑體" pitchFamily="34" charset="-120"/>
-            </a:endParaRPr>
+              <a:t>在那漫漫的黑夜見主光</a:t>
+            </a:r>
           </a:p>
         </p:txBody>
       </p:sp>
     </p:spTree>
     <p:extLst>
       <p:ext uri="{BB962C8B-B14F-4D97-AF65-F5344CB8AC3E}">
-        <p14:creationId xmlns:p14="http://schemas.microsoft.com/office/powerpoint/2010/main" val="3198951544"/>
+        <p14:creationId xmlns:p14="http://schemas.microsoft.com/office/powerpoint/2010/main" val="1857880961"/>
       </p:ext>
     </p:extLst>
   </p:cSld>
@@ -9347,68 +9239,54 @@
       </p:grpSpPr>
       <p:sp>
         <p:nvSpPr>
-          <p:cNvPr id="4" name="標題 3"/>
-          <p:cNvSpPr>
-            <a:spLocks noGrp="1"/>
-          </p:cNvSpPr>
-          <p:nvPr>
-            <p:ph type="title"/>
+          <p:cNvPr id="5" name="內容版面配置區 4"/>
+          <p:cNvSpPr>
+            <a:spLocks noGrp="1"/>
+          </p:cNvSpPr>
+          <p:nvPr>
+            <p:ph idx="1"/>
           </p:nvPr>
         </p:nvSpPr>
         <p:spPr>
           <a:xfrm>
-            <a:off x="0" y="2143135"/>
-            <a:ext cx="9144000" cy="857250"/>
+            <a:off x="0" y="1563638"/>
+            <a:ext cx="9144000" cy="1803647"/>
           </a:xfrm>
         </p:spPr>
         <p:txBody>
-          <a:bodyPr>
-            <a:noAutofit/>
+          <a:bodyPr anchor="ctr">
+            <a:normAutofit/>
           </a:bodyPr>
           <a:lstStyle/>
           <a:p>
-            <a:r>
-              <a:rPr lang="zh-CN" altLang="en-US" sz="7200" b="1" dirty="0" smtClean="0">
-                <a:solidFill>
-                  <a:srgbClr val="660033"/>
+            <a:pPr algn="ctr">
+              <a:buNone/>
+            </a:pPr>
+            <a:r>
+              <a:rPr lang="zh-TW" altLang="en-US" sz="4800" b="1" dirty="0">
+                <a:solidFill>
+                  <a:srgbClr val="000066"/>
                 </a:solidFill>
                 <a:effectLst>
-                  <a:outerShdw blurRad="38100" dist="38100" dir="2700000" algn="tl">
+                  <a:outerShdw blurRad="50000" dist="30000" dir="5400000" algn="tl" rotWithShape="0">
                     <a:srgbClr val="000000">
-                      <a:alpha val="43137"/>
+                      <a:alpha val="30000"/>
                     </a:srgbClr>
                   </a:outerShdw>
                 </a:effectLst>
                 <a:latin typeface="微軟正黑體" pitchFamily="34" charset="-120"/>
                 <a:ea typeface="微軟正黑體" pitchFamily="34" charset="-120"/>
               </a:rPr>
-              <a:t>公</a:t>
-            </a:r>
-            <a:r>
-              <a:rPr lang="zh-CN" altLang="en-US" sz="7200" b="1" dirty="0">
-                <a:solidFill>
-                  <a:srgbClr val="660033"/>
-                </a:solidFill>
-                <a:effectLst>
-                  <a:outerShdw blurRad="38100" dist="38100" dir="2700000" algn="tl">
-                    <a:srgbClr val="000000">
-                      <a:alpha val="43137"/>
-                    </a:srgbClr>
-                  </a:outerShdw>
-                </a:effectLst>
-                <a:latin typeface="微軟正黑體" pitchFamily="34" charset="-120"/>
-                <a:ea typeface="微軟正黑體" pitchFamily="34" charset="-120"/>
-              </a:rPr>
-              <a:t>禱文</a:t>
-            </a:r>
-            <a:endParaRPr lang="zh-TW" altLang="en-US" sz="7200" b="1" dirty="0">
+              <a:t>主的愛如流水淙淙</a:t>
+            </a:r>
+            <a:endParaRPr lang="en-US" altLang="zh-TW" sz="4800" b="1" dirty="0">
               <a:solidFill>
-                <a:srgbClr val="660033"/>
+                <a:srgbClr val="000066"/>
               </a:solidFill>
               <a:effectLst>
-                <a:outerShdw blurRad="38100" dist="38100" dir="2700000" algn="tl">
+                <a:outerShdw blurRad="50000" dist="30000" dir="5400000" algn="tl" rotWithShape="0">
                   <a:srgbClr val="000000">
-                    <a:alpha val="43137"/>
+                    <a:alpha val="30000"/>
                   </a:srgbClr>
                 </a:outerShdw>
               </a:effectLst>
@@ -9416,12 +9294,48 @@
               <a:ea typeface="微軟正黑體" pitchFamily="34" charset="-120"/>
             </a:endParaRPr>
           </a:p>
+          <a:p>
+            <a:pPr algn="ctr">
+              <a:buNone/>
+            </a:pPr>
+            <a:r>
+              <a:rPr lang="zh-TW" altLang="en-US" sz="4800" b="1" dirty="0">
+                <a:solidFill>
+                  <a:srgbClr val="000066"/>
+                </a:solidFill>
+                <a:effectLst>
+                  <a:outerShdw blurRad="50000" dist="30000" dir="5400000" algn="tl" rotWithShape="0">
+                    <a:srgbClr val="000000">
+                      <a:alpha val="30000"/>
+                    </a:srgbClr>
+                  </a:outerShdw>
+                </a:effectLst>
+                <a:latin typeface="微軟正黑體" pitchFamily="34" charset="-120"/>
+                <a:ea typeface="微軟正黑體" pitchFamily="34" charset="-120"/>
+              </a:rPr>
+              <a:t>願你分享祂這愛</a:t>
+            </a:r>
+            <a:endParaRPr lang="en-US" altLang="zh-TW" sz="4800" b="1" dirty="0">
+              <a:solidFill>
+                <a:srgbClr val="000066"/>
+              </a:solidFill>
+              <a:effectLst>
+                <a:outerShdw blurRad="50000" dist="30000" dir="5400000" algn="tl" rotWithShape="0">
+                  <a:srgbClr val="000000">
+                    <a:alpha val="30000"/>
+                  </a:srgbClr>
+                </a:outerShdw>
+              </a:effectLst>
+              <a:latin typeface="微軟正黑體" pitchFamily="34" charset="-120"/>
+              <a:ea typeface="微軟正黑體" pitchFamily="34" charset="-120"/>
+            </a:endParaRPr>
+          </a:p>
         </p:txBody>
       </p:sp>
     </p:spTree>
     <p:extLst>
       <p:ext uri="{BB962C8B-B14F-4D97-AF65-F5344CB8AC3E}">
-        <p14:creationId xmlns:p14="http://schemas.microsoft.com/office/powerpoint/2010/main" val="3678965060"/>
+        <p14:creationId xmlns:p14="http://schemas.microsoft.com/office/powerpoint/2010/main" val="3434591100"/>
       </p:ext>
     </p:extLst>
   </p:cSld>
@@ -9474,9 +9388,9 @@
               <a:buNone/>
             </a:pPr>
             <a:r>
-              <a:rPr lang="zh-CN" altLang="en-US" sz="4800" b="1" dirty="0">
-                <a:solidFill>
-                  <a:srgbClr val="660033"/>
+              <a:rPr lang="zh-TW" altLang="en-US" sz="4800" b="1" dirty="0">
+                <a:solidFill>
+                  <a:srgbClr val="000066"/>
                 </a:solidFill>
                 <a:effectLst>
                   <a:outerShdw blurRad="50000" dist="30000" dir="5400000" algn="tl" rotWithShape="0">
@@ -9488,529 +9402,15 @@
                 <a:latin typeface="微軟正黑體" pitchFamily="34" charset="-120"/>
                 <a:ea typeface="微軟正黑體" pitchFamily="34" charset="-120"/>
               </a:rPr>
-              <a:t>我們在天上的父</a:t>
-            </a:r>
-            <a:endParaRPr lang="en-US" altLang="zh-CN" sz="4800" b="1" dirty="0">
-              <a:solidFill>
-                <a:srgbClr val="660033"/>
-              </a:solidFill>
-              <a:effectLst>
-                <a:outerShdw blurRad="50000" dist="30000" dir="5400000" algn="tl" rotWithShape="0">
-                  <a:srgbClr val="000000">
-                    <a:alpha val="30000"/>
-                  </a:srgbClr>
-                </a:outerShdw>
-              </a:effectLst>
-              <a:latin typeface="微軟正黑體" pitchFamily="34" charset="-120"/>
-              <a:ea typeface="微軟正黑體" pitchFamily="34" charset="-120"/>
-            </a:endParaRPr>
-          </a:p>
-          <a:p>
-            <a:pPr algn="ctr">
-              <a:buNone/>
-            </a:pPr>
-            <a:r>
-              <a:rPr lang="zh-CN" altLang="en-US" sz="4800" b="1" dirty="0">
-                <a:solidFill>
-                  <a:srgbClr val="660033"/>
-                </a:solidFill>
-                <a:effectLst>
-                  <a:outerShdw blurRad="50000" dist="30000" dir="5400000" algn="tl" rotWithShape="0">
-                    <a:srgbClr val="000000">
-                      <a:alpha val="30000"/>
-                    </a:srgbClr>
-                  </a:outerShdw>
-                </a:effectLst>
-                <a:latin typeface="微軟正黑體" pitchFamily="34" charset="-120"/>
-                <a:ea typeface="微軟正黑體" pitchFamily="34" charset="-120"/>
-              </a:rPr>
-              <a:t>願人都尊父的名為聖</a:t>
-            </a:r>
-            <a:endParaRPr lang="en-US" altLang="zh-CN" sz="4800" b="1" dirty="0">
-              <a:solidFill>
-                <a:srgbClr val="660033"/>
-              </a:solidFill>
-              <a:effectLst>
-                <a:outerShdw blurRad="50000" dist="30000" dir="5400000" algn="tl" rotWithShape="0">
-                  <a:srgbClr val="000000">
-                    <a:alpha val="30000"/>
-                  </a:srgbClr>
-                </a:outerShdw>
-              </a:effectLst>
-              <a:latin typeface="微軟正黑體" pitchFamily="34" charset="-120"/>
-              <a:ea typeface="微軟正黑體" pitchFamily="34" charset="-120"/>
-            </a:endParaRPr>
+              <a:t>以你愛  還祂愛  永相愛</a:t>
+            </a:r>
           </a:p>
         </p:txBody>
       </p:sp>
     </p:spTree>
     <p:extLst>
       <p:ext uri="{BB962C8B-B14F-4D97-AF65-F5344CB8AC3E}">
-        <p14:creationId xmlns:p14="http://schemas.microsoft.com/office/powerpoint/2010/main" val="2306578235"/>
-      </p:ext>
-    </p:extLst>
-  </p:cSld>
-  <p:clrMapOvr>
-    <a:masterClrMapping/>
-  </p:clrMapOvr>
-</p:sld>
-</file>
-
-<file path=ppt/slides/slide46.xml><?xml version="1.0" encoding="utf-8"?>
-<p:sld xmlns:a="http://schemas.openxmlformats.org/drawingml/2006/main" xmlns:r="http://schemas.openxmlformats.org/officeDocument/2006/relationships" xmlns:p="http://schemas.openxmlformats.org/presentationml/2006/main">
-  <p:cSld>
-    <p:spTree>
-      <p:nvGrpSpPr>
-        <p:cNvPr id="1" name=""/>
-        <p:cNvGrpSpPr/>
-        <p:nvPr/>
-      </p:nvGrpSpPr>
-      <p:grpSpPr>
-        <a:xfrm>
-          <a:off x="0" y="0"/>
-          <a:ext cx="0" cy="0"/>
-          <a:chOff x="0" y="0"/>
-          <a:chExt cx="0" cy="0"/>
-        </a:xfrm>
-      </p:grpSpPr>
-      <p:sp>
-        <p:nvSpPr>
-          <p:cNvPr id="5" name="內容版面配置區 4"/>
-          <p:cNvSpPr>
-            <a:spLocks noGrp="1"/>
-          </p:cNvSpPr>
-          <p:nvPr>
-            <p:ph idx="1"/>
-          </p:nvPr>
-        </p:nvSpPr>
-        <p:spPr>
-          <a:xfrm>
-            <a:off x="0" y="1563638"/>
-            <a:ext cx="9144000" cy="1803647"/>
-          </a:xfrm>
-        </p:spPr>
-        <p:txBody>
-          <a:bodyPr anchor="ctr">
-            <a:normAutofit/>
-          </a:bodyPr>
-          <a:lstStyle/>
-          <a:p>
-            <a:pPr algn="ctr">
-              <a:buNone/>
-            </a:pPr>
-            <a:r>
-              <a:rPr lang="zh-CN" altLang="en-US" sz="4800" b="1" dirty="0">
-                <a:solidFill>
-                  <a:srgbClr val="660033"/>
-                </a:solidFill>
-                <a:effectLst>
-                  <a:outerShdw blurRad="50000" dist="30000" dir="5400000" algn="tl" rotWithShape="0">
-                    <a:srgbClr val="000000">
-                      <a:alpha val="30000"/>
-                    </a:srgbClr>
-                  </a:outerShdw>
-                </a:effectLst>
-                <a:latin typeface="微軟正黑體" pitchFamily="34" charset="-120"/>
-                <a:ea typeface="微軟正黑體" pitchFamily="34" charset="-120"/>
-              </a:rPr>
-              <a:t>願父的國降臨</a:t>
-            </a:r>
-            <a:endParaRPr lang="en-US" altLang="zh-CN" sz="4800" b="1" dirty="0">
-              <a:solidFill>
-                <a:srgbClr val="660033"/>
-              </a:solidFill>
-              <a:effectLst>
-                <a:outerShdw blurRad="50000" dist="30000" dir="5400000" algn="tl" rotWithShape="0">
-                  <a:srgbClr val="000000">
-                    <a:alpha val="30000"/>
-                  </a:srgbClr>
-                </a:outerShdw>
-              </a:effectLst>
-              <a:latin typeface="微軟正黑體" pitchFamily="34" charset="-120"/>
-              <a:ea typeface="微軟正黑體" pitchFamily="34" charset="-120"/>
-            </a:endParaRPr>
-          </a:p>
-          <a:p>
-            <a:pPr algn="ctr">
-              <a:buNone/>
-            </a:pPr>
-            <a:r>
-              <a:rPr lang="zh-CN" altLang="en-US" sz="4800" b="1" dirty="0">
-                <a:solidFill>
-                  <a:srgbClr val="660033"/>
-                </a:solidFill>
-                <a:effectLst>
-                  <a:outerShdw blurRad="50000" dist="30000" dir="5400000" algn="tl" rotWithShape="0">
-                    <a:srgbClr val="000000">
-                      <a:alpha val="30000"/>
-                    </a:srgbClr>
-                  </a:outerShdw>
-                </a:effectLst>
-                <a:latin typeface="微軟正黑體" pitchFamily="34" charset="-120"/>
-                <a:ea typeface="微軟正黑體" pitchFamily="34" charset="-120"/>
-              </a:rPr>
-              <a:t>願父的旨意行在地上</a:t>
-            </a:r>
-            <a:endParaRPr lang="en-US" altLang="zh-CN" sz="4800" b="1" dirty="0">
-              <a:solidFill>
-                <a:srgbClr val="660033"/>
-              </a:solidFill>
-              <a:effectLst>
-                <a:outerShdw blurRad="50000" dist="30000" dir="5400000" algn="tl" rotWithShape="0">
-                  <a:srgbClr val="000000">
-                    <a:alpha val="30000"/>
-                  </a:srgbClr>
-                </a:outerShdw>
-              </a:effectLst>
-              <a:latin typeface="微軟正黑體" pitchFamily="34" charset="-120"/>
-              <a:ea typeface="微軟正黑體" pitchFamily="34" charset="-120"/>
-            </a:endParaRPr>
-          </a:p>
-        </p:txBody>
-      </p:sp>
-    </p:spTree>
-    <p:extLst>
-      <p:ext uri="{BB962C8B-B14F-4D97-AF65-F5344CB8AC3E}">
-        <p14:creationId xmlns:p14="http://schemas.microsoft.com/office/powerpoint/2010/main" val="1726235318"/>
-      </p:ext>
-    </p:extLst>
-  </p:cSld>
-  <p:clrMapOvr>
-    <a:masterClrMapping/>
-  </p:clrMapOvr>
-</p:sld>
-</file>
-
-<file path=ppt/slides/slide47.xml><?xml version="1.0" encoding="utf-8"?>
-<p:sld xmlns:a="http://schemas.openxmlformats.org/drawingml/2006/main" xmlns:r="http://schemas.openxmlformats.org/officeDocument/2006/relationships" xmlns:p="http://schemas.openxmlformats.org/presentationml/2006/main">
-  <p:cSld>
-    <p:spTree>
-      <p:nvGrpSpPr>
-        <p:cNvPr id="1" name=""/>
-        <p:cNvGrpSpPr/>
-        <p:nvPr/>
-      </p:nvGrpSpPr>
-      <p:grpSpPr>
-        <a:xfrm>
-          <a:off x="0" y="0"/>
-          <a:ext cx="0" cy="0"/>
-          <a:chOff x="0" y="0"/>
-          <a:chExt cx="0" cy="0"/>
-        </a:xfrm>
-      </p:grpSpPr>
-      <p:sp>
-        <p:nvSpPr>
-          <p:cNvPr id="5" name="內容版面配置區 4"/>
-          <p:cNvSpPr>
-            <a:spLocks noGrp="1"/>
-          </p:cNvSpPr>
-          <p:nvPr>
-            <p:ph idx="1"/>
-          </p:nvPr>
-        </p:nvSpPr>
-        <p:spPr>
-          <a:xfrm>
-            <a:off x="0" y="1563638"/>
-            <a:ext cx="9144000" cy="1803647"/>
-          </a:xfrm>
-        </p:spPr>
-        <p:txBody>
-          <a:bodyPr anchor="ctr">
-            <a:normAutofit/>
-          </a:bodyPr>
-          <a:lstStyle/>
-          <a:p>
-            <a:pPr algn="ctr">
-              <a:buNone/>
-            </a:pPr>
-            <a:r>
-              <a:rPr lang="zh-CN" altLang="en-US" sz="4800" b="1" dirty="0">
-                <a:solidFill>
-                  <a:srgbClr val="660033"/>
-                </a:solidFill>
-                <a:effectLst>
-                  <a:outerShdw blurRad="50000" dist="30000" dir="5400000" algn="tl" rotWithShape="0">
-                    <a:srgbClr val="000000">
-                      <a:alpha val="30000"/>
-                    </a:srgbClr>
-                  </a:outerShdw>
-                </a:effectLst>
-                <a:latin typeface="微軟正黑體" pitchFamily="34" charset="-120"/>
-                <a:ea typeface="微軟正黑體" pitchFamily="34" charset="-120"/>
-              </a:rPr>
-              <a:t>如同行在天上</a:t>
-            </a:r>
-            <a:endParaRPr lang="zh-TW" altLang="en-US" sz="4800" b="1" dirty="0">
-              <a:solidFill>
-                <a:srgbClr val="660033"/>
-              </a:solidFill>
-              <a:effectLst>
-                <a:outerShdw blurRad="50000" dist="30000" dir="5400000" algn="tl" rotWithShape="0">
-                  <a:srgbClr val="000000">
-                    <a:alpha val="30000"/>
-                  </a:srgbClr>
-                </a:outerShdw>
-              </a:effectLst>
-              <a:latin typeface="微軟正黑體" pitchFamily="34" charset="-120"/>
-              <a:ea typeface="微軟正黑體" pitchFamily="34" charset="-120"/>
-            </a:endParaRPr>
-          </a:p>
-        </p:txBody>
-      </p:sp>
-    </p:spTree>
-    <p:extLst>
-      <p:ext uri="{BB962C8B-B14F-4D97-AF65-F5344CB8AC3E}">
-        <p14:creationId xmlns:p14="http://schemas.microsoft.com/office/powerpoint/2010/main" val="588642297"/>
-      </p:ext>
-    </p:extLst>
-  </p:cSld>
-  <p:clrMapOvr>
-    <a:masterClrMapping/>
-  </p:clrMapOvr>
-</p:sld>
-</file>
-
-<file path=ppt/slides/slide48.xml><?xml version="1.0" encoding="utf-8"?>
-<p:sld xmlns:a="http://schemas.openxmlformats.org/drawingml/2006/main" xmlns:r="http://schemas.openxmlformats.org/officeDocument/2006/relationships" xmlns:p="http://schemas.openxmlformats.org/presentationml/2006/main">
-  <p:cSld>
-    <p:spTree>
-      <p:nvGrpSpPr>
-        <p:cNvPr id="1" name=""/>
-        <p:cNvGrpSpPr/>
-        <p:nvPr/>
-      </p:nvGrpSpPr>
-      <p:grpSpPr>
-        <a:xfrm>
-          <a:off x="0" y="0"/>
-          <a:ext cx="0" cy="0"/>
-          <a:chOff x="0" y="0"/>
-          <a:chExt cx="0" cy="0"/>
-        </a:xfrm>
-      </p:grpSpPr>
-      <p:sp>
-        <p:nvSpPr>
-          <p:cNvPr id="5" name="內容版面配置區 4"/>
-          <p:cNvSpPr>
-            <a:spLocks noGrp="1"/>
-          </p:cNvSpPr>
-          <p:nvPr>
-            <p:ph idx="1"/>
-          </p:nvPr>
-        </p:nvSpPr>
-        <p:spPr>
-          <a:xfrm>
-            <a:off x="0" y="1563638"/>
-            <a:ext cx="9144000" cy="1803647"/>
-          </a:xfrm>
-        </p:spPr>
-        <p:txBody>
-          <a:bodyPr anchor="ctr">
-            <a:normAutofit/>
-          </a:bodyPr>
-          <a:lstStyle/>
-          <a:p>
-            <a:pPr algn="ctr">
-              <a:buNone/>
-            </a:pPr>
-            <a:r>
-              <a:rPr lang="zh-CN" altLang="en-US" sz="4800" b="1" dirty="0">
-                <a:solidFill>
-                  <a:srgbClr val="660033"/>
-                </a:solidFill>
-                <a:effectLst>
-                  <a:outerShdw blurRad="50000" dist="30000" dir="5400000" algn="tl" rotWithShape="0">
-                    <a:srgbClr val="000000">
-                      <a:alpha val="30000"/>
-                    </a:srgbClr>
-                  </a:outerShdw>
-                </a:effectLst>
-                <a:latin typeface="微軟正黑體" pitchFamily="34" charset="-120"/>
-                <a:ea typeface="微軟正黑體" pitchFamily="34" charset="-120"/>
-              </a:rPr>
-              <a:t>我們日用的飲食</a:t>
-            </a:r>
-            <a:endParaRPr lang="en-US" altLang="zh-CN" sz="4800" b="1" dirty="0">
-              <a:solidFill>
-                <a:srgbClr val="660033"/>
-              </a:solidFill>
-              <a:effectLst>
-                <a:outerShdw blurRad="50000" dist="30000" dir="5400000" algn="tl" rotWithShape="0">
-                  <a:srgbClr val="000000">
-                    <a:alpha val="30000"/>
-                  </a:srgbClr>
-                </a:outerShdw>
-              </a:effectLst>
-              <a:latin typeface="微軟正黑體" pitchFamily="34" charset="-120"/>
-              <a:ea typeface="微軟正黑體" pitchFamily="34" charset="-120"/>
-            </a:endParaRPr>
-          </a:p>
-          <a:p>
-            <a:pPr algn="ctr">
-              <a:buNone/>
-            </a:pPr>
-            <a:r>
-              <a:rPr lang="zh-CN" altLang="en-US" sz="4800" b="1" dirty="0">
-                <a:solidFill>
-                  <a:srgbClr val="660033"/>
-                </a:solidFill>
-                <a:effectLst>
-                  <a:outerShdw blurRad="50000" dist="30000" dir="5400000" algn="tl" rotWithShape="0">
-                    <a:srgbClr val="000000">
-                      <a:alpha val="30000"/>
-                    </a:srgbClr>
-                  </a:outerShdw>
-                </a:effectLst>
-                <a:latin typeface="微軟正黑體" pitchFamily="34" charset="-120"/>
-                <a:ea typeface="微軟正黑體" pitchFamily="34" charset="-120"/>
-              </a:rPr>
-              <a:t>今日賜給我們</a:t>
-            </a:r>
-            <a:endParaRPr lang="en-US" altLang="zh-CN" sz="4800" b="1" dirty="0">
-              <a:solidFill>
-                <a:srgbClr val="660033"/>
-              </a:solidFill>
-              <a:effectLst>
-                <a:outerShdw blurRad="50000" dist="30000" dir="5400000" algn="tl" rotWithShape="0">
-                  <a:srgbClr val="000000">
-                    <a:alpha val="30000"/>
-                  </a:srgbClr>
-                </a:outerShdw>
-              </a:effectLst>
-              <a:latin typeface="微軟正黑體" pitchFamily="34" charset="-120"/>
-              <a:ea typeface="微軟正黑體" pitchFamily="34" charset="-120"/>
-            </a:endParaRPr>
-          </a:p>
-        </p:txBody>
-      </p:sp>
-    </p:spTree>
-    <p:extLst>
-      <p:ext uri="{BB962C8B-B14F-4D97-AF65-F5344CB8AC3E}">
-        <p14:creationId xmlns:p14="http://schemas.microsoft.com/office/powerpoint/2010/main" val="1319233991"/>
-      </p:ext>
-    </p:extLst>
-  </p:cSld>
-  <p:clrMapOvr>
-    <a:masterClrMapping/>
-  </p:clrMapOvr>
-</p:sld>
-</file>
-
-<file path=ppt/slides/slide49.xml><?xml version="1.0" encoding="utf-8"?>
-<p:sld xmlns:a="http://schemas.openxmlformats.org/drawingml/2006/main" xmlns:r="http://schemas.openxmlformats.org/officeDocument/2006/relationships" xmlns:p="http://schemas.openxmlformats.org/presentationml/2006/main">
-  <p:cSld>
-    <p:spTree>
-      <p:nvGrpSpPr>
-        <p:cNvPr id="1" name=""/>
-        <p:cNvGrpSpPr/>
-        <p:nvPr/>
-      </p:nvGrpSpPr>
-      <p:grpSpPr>
-        <a:xfrm>
-          <a:off x="0" y="0"/>
-          <a:ext cx="0" cy="0"/>
-          <a:chOff x="0" y="0"/>
-          <a:chExt cx="0" cy="0"/>
-        </a:xfrm>
-      </p:grpSpPr>
-      <p:sp>
-        <p:nvSpPr>
-          <p:cNvPr id="5" name="內容版面配置區 4"/>
-          <p:cNvSpPr>
-            <a:spLocks noGrp="1"/>
-          </p:cNvSpPr>
-          <p:nvPr>
-            <p:ph idx="1"/>
-          </p:nvPr>
-        </p:nvSpPr>
-        <p:spPr>
-          <a:xfrm>
-            <a:off x="0" y="1563638"/>
-            <a:ext cx="9144000" cy="1803647"/>
-          </a:xfrm>
-        </p:spPr>
-        <p:txBody>
-          <a:bodyPr anchor="ctr">
-            <a:normAutofit/>
-          </a:bodyPr>
-          <a:lstStyle/>
-          <a:p>
-            <a:pPr algn="ctr">
-              <a:buNone/>
-            </a:pPr>
-            <a:r>
-              <a:rPr lang="zh-CN" altLang="en-US" sz="4800" b="1" dirty="0">
-                <a:solidFill>
-                  <a:srgbClr val="660033"/>
-                </a:solidFill>
-                <a:effectLst>
-                  <a:outerShdw blurRad="50000" dist="30000" dir="5400000" algn="tl" rotWithShape="0">
-                    <a:srgbClr val="000000">
-                      <a:alpha val="30000"/>
-                    </a:srgbClr>
-                  </a:outerShdw>
-                </a:effectLst>
-                <a:latin typeface="微軟正黑體" pitchFamily="34" charset="-120"/>
-                <a:ea typeface="微軟正黑體" pitchFamily="34" charset="-120"/>
-              </a:rPr>
-              <a:t>免我們的債</a:t>
-            </a:r>
-            <a:endParaRPr lang="en-US" altLang="zh-CN" sz="4800" b="1" dirty="0">
-              <a:solidFill>
-                <a:srgbClr val="660033"/>
-              </a:solidFill>
-              <a:effectLst>
-                <a:outerShdw blurRad="50000" dist="30000" dir="5400000" algn="tl" rotWithShape="0">
-                  <a:srgbClr val="000000">
-                    <a:alpha val="30000"/>
-                  </a:srgbClr>
-                </a:outerShdw>
-              </a:effectLst>
-              <a:latin typeface="微軟正黑體" pitchFamily="34" charset="-120"/>
-              <a:ea typeface="微軟正黑體" pitchFamily="34" charset="-120"/>
-            </a:endParaRPr>
-          </a:p>
-          <a:p>
-            <a:pPr algn="ctr">
-              <a:buNone/>
-            </a:pPr>
-            <a:r>
-              <a:rPr lang="zh-CN" altLang="en-US" sz="4800" b="1" dirty="0">
-                <a:solidFill>
-                  <a:srgbClr val="660033"/>
-                </a:solidFill>
-                <a:effectLst>
-                  <a:outerShdw blurRad="50000" dist="30000" dir="5400000" algn="tl" rotWithShape="0">
-                    <a:srgbClr val="000000">
-                      <a:alpha val="30000"/>
-                    </a:srgbClr>
-                  </a:outerShdw>
-                </a:effectLst>
-                <a:latin typeface="微軟正黑體" pitchFamily="34" charset="-120"/>
-                <a:ea typeface="微軟正黑體" pitchFamily="34" charset="-120"/>
-              </a:rPr>
-              <a:t>如同我們免了人的債</a:t>
-            </a:r>
-            <a:endParaRPr lang="zh-TW" altLang="en-US" sz="4800" b="1" dirty="0">
-              <a:solidFill>
-                <a:srgbClr val="660033"/>
-              </a:solidFill>
-              <a:effectLst>
-                <a:outerShdw blurRad="50000" dist="30000" dir="5400000" algn="tl" rotWithShape="0">
-                  <a:srgbClr val="000000">
-                    <a:alpha val="30000"/>
-                  </a:srgbClr>
-                </a:outerShdw>
-              </a:effectLst>
-              <a:latin typeface="微軟正黑體" pitchFamily="34" charset="-120"/>
-              <a:ea typeface="微軟正黑體" pitchFamily="34" charset="-120"/>
-            </a:endParaRPr>
-          </a:p>
-        </p:txBody>
-      </p:sp>
-    </p:spTree>
-    <p:extLst>
-      <p:ext uri="{BB962C8B-B14F-4D97-AF65-F5344CB8AC3E}">
-        <p14:creationId xmlns:p14="http://schemas.microsoft.com/office/powerpoint/2010/main" val="2058767591"/>
+        <p14:creationId xmlns:p14="http://schemas.microsoft.com/office/powerpoint/2010/main" val="608233991"/>
       </p:ext>
     </p:extLst>
   </p:cSld>
@@ -10049,7 +9449,7 @@
         </p:nvSpPr>
         <p:spPr>
           <a:xfrm>
-            <a:off x="0" y="2143135"/>
+            <a:off x="0" y="1995686"/>
             <a:ext cx="9144000" cy="857250"/>
           </a:xfrm>
         </p:spPr>
@@ -10094,1347 +9494,6 @@
         </p:txBody>
       </p:sp>
     </p:spTree>
-  </p:cSld>
-  <p:clrMapOvr>
-    <a:masterClrMapping/>
-  </p:clrMapOvr>
-</p:sld>
-</file>
-
-<file path=ppt/slides/slide50.xml><?xml version="1.0" encoding="utf-8"?>
-<p:sld xmlns:a="http://schemas.openxmlformats.org/drawingml/2006/main" xmlns:r="http://schemas.openxmlformats.org/officeDocument/2006/relationships" xmlns:p="http://schemas.openxmlformats.org/presentationml/2006/main">
-  <p:cSld>
-    <p:spTree>
-      <p:nvGrpSpPr>
-        <p:cNvPr id="1" name=""/>
-        <p:cNvGrpSpPr/>
-        <p:nvPr/>
-      </p:nvGrpSpPr>
-      <p:grpSpPr>
-        <a:xfrm>
-          <a:off x="0" y="0"/>
-          <a:ext cx="0" cy="0"/>
-          <a:chOff x="0" y="0"/>
-          <a:chExt cx="0" cy="0"/>
-        </a:xfrm>
-      </p:grpSpPr>
-      <p:sp>
-        <p:nvSpPr>
-          <p:cNvPr id="5" name="內容版面配置區 4"/>
-          <p:cNvSpPr>
-            <a:spLocks noGrp="1"/>
-          </p:cNvSpPr>
-          <p:nvPr>
-            <p:ph idx="1"/>
-          </p:nvPr>
-        </p:nvSpPr>
-        <p:spPr>
-          <a:xfrm>
-            <a:off x="0" y="1563638"/>
-            <a:ext cx="9144000" cy="1803647"/>
-          </a:xfrm>
-        </p:spPr>
-        <p:txBody>
-          <a:bodyPr anchor="ctr">
-            <a:normAutofit/>
-          </a:bodyPr>
-          <a:lstStyle/>
-          <a:p>
-            <a:pPr algn="ctr">
-              <a:buNone/>
-            </a:pPr>
-            <a:r>
-              <a:rPr lang="zh-CN" altLang="en-US" sz="4800" b="1" dirty="0">
-                <a:solidFill>
-                  <a:srgbClr val="660033"/>
-                </a:solidFill>
-                <a:effectLst>
-                  <a:outerShdw blurRad="50000" dist="30000" dir="5400000" algn="tl" rotWithShape="0">
-                    <a:srgbClr val="000000">
-                      <a:alpha val="30000"/>
-                    </a:srgbClr>
-                  </a:outerShdw>
-                </a:effectLst>
-                <a:latin typeface="微軟正黑體" pitchFamily="34" charset="-120"/>
-                <a:ea typeface="微軟正黑體" pitchFamily="34" charset="-120"/>
-              </a:rPr>
-              <a:t>不叫我們遇見試探</a:t>
-            </a:r>
-            <a:endParaRPr lang="en-US" altLang="zh-CN" sz="4800" b="1" dirty="0">
-              <a:solidFill>
-                <a:srgbClr val="660033"/>
-              </a:solidFill>
-              <a:effectLst>
-                <a:outerShdw blurRad="50000" dist="30000" dir="5400000" algn="tl" rotWithShape="0">
-                  <a:srgbClr val="000000">
-                    <a:alpha val="30000"/>
-                  </a:srgbClr>
-                </a:outerShdw>
-              </a:effectLst>
-              <a:latin typeface="微軟正黑體" pitchFamily="34" charset="-120"/>
-              <a:ea typeface="微軟正黑體" pitchFamily="34" charset="-120"/>
-            </a:endParaRPr>
-          </a:p>
-          <a:p>
-            <a:pPr algn="ctr">
-              <a:buNone/>
-            </a:pPr>
-            <a:r>
-              <a:rPr lang="zh-CN" altLang="en-US" sz="4800" b="1" dirty="0">
-                <a:solidFill>
-                  <a:srgbClr val="660033"/>
-                </a:solidFill>
-                <a:effectLst>
-                  <a:outerShdw blurRad="50000" dist="30000" dir="5400000" algn="tl" rotWithShape="0">
-                    <a:srgbClr val="000000">
-                      <a:alpha val="30000"/>
-                    </a:srgbClr>
-                  </a:outerShdw>
-                </a:effectLst>
-                <a:latin typeface="微軟正黑體" pitchFamily="34" charset="-120"/>
-                <a:ea typeface="微軟正黑體" pitchFamily="34" charset="-120"/>
-              </a:rPr>
-              <a:t>救我們脫離兇惡</a:t>
-            </a:r>
-            <a:endParaRPr lang="en-US" altLang="zh-CN" sz="4800" b="1" dirty="0">
-              <a:solidFill>
-                <a:srgbClr val="660033"/>
-              </a:solidFill>
-              <a:effectLst>
-                <a:outerShdw blurRad="50000" dist="30000" dir="5400000" algn="tl" rotWithShape="0">
-                  <a:srgbClr val="000000">
-                    <a:alpha val="30000"/>
-                  </a:srgbClr>
-                </a:outerShdw>
-              </a:effectLst>
-              <a:latin typeface="微軟正黑體" pitchFamily="34" charset="-120"/>
-              <a:ea typeface="微軟正黑體" pitchFamily="34" charset="-120"/>
-            </a:endParaRPr>
-          </a:p>
-        </p:txBody>
-      </p:sp>
-    </p:spTree>
-    <p:extLst>
-      <p:ext uri="{BB962C8B-B14F-4D97-AF65-F5344CB8AC3E}">
-        <p14:creationId xmlns:p14="http://schemas.microsoft.com/office/powerpoint/2010/main" val="2627005698"/>
-      </p:ext>
-    </p:extLst>
-  </p:cSld>
-  <p:clrMapOvr>
-    <a:masterClrMapping/>
-  </p:clrMapOvr>
-</p:sld>
-</file>
-
-<file path=ppt/slides/slide51.xml><?xml version="1.0" encoding="utf-8"?>
-<p:sld xmlns:a="http://schemas.openxmlformats.org/drawingml/2006/main" xmlns:r="http://schemas.openxmlformats.org/officeDocument/2006/relationships" xmlns:p="http://schemas.openxmlformats.org/presentationml/2006/main">
-  <p:cSld>
-    <p:spTree>
-      <p:nvGrpSpPr>
-        <p:cNvPr id="1" name=""/>
-        <p:cNvGrpSpPr/>
-        <p:nvPr/>
-      </p:nvGrpSpPr>
-      <p:grpSpPr>
-        <a:xfrm>
-          <a:off x="0" y="0"/>
-          <a:ext cx="0" cy="0"/>
-          <a:chOff x="0" y="0"/>
-          <a:chExt cx="0" cy="0"/>
-        </a:xfrm>
-      </p:grpSpPr>
-      <p:sp>
-        <p:nvSpPr>
-          <p:cNvPr id="5" name="內容版面配置區 4"/>
-          <p:cNvSpPr>
-            <a:spLocks noGrp="1"/>
-          </p:cNvSpPr>
-          <p:nvPr>
-            <p:ph idx="1"/>
-          </p:nvPr>
-        </p:nvSpPr>
-        <p:spPr>
-          <a:xfrm>
-            <a:off x="0" y="1563638"/>
-            <a:ext cx="9144000" cy="1803647"/>
-          </a:xfrm>
-        </p:spPr>
-        <p:txBody>
-          <a:bodyPr anchor="ctr">
-            <a:normAutofit/>
-          </a:bodyPr>
-          <a:lstStyle/>
-          <a:p>
-            <a:pPr algn="ctr">
-              <a:buNone/>
-            </a:pPr>
-            <a:r>
-              <a:rPr lang="zh-CN" altLang="en-US" sz="4800" b="1" dirty="0">
-                <a:solidFill>
-                  <a:srgbClr val="660033"/>
-                </a:solidFill>
-                <a:effectLst>
-                  <a:outerShdw blurRad="50000" dist="30000" dir="5400000" algn="tl" rotWithShape="0">
-                    <a:srgbClr val="000000">
-                      <a:alpha val="30000"/>
-                    </a:srgbClr>
-                  </a:outerShdw>
-                </a:effectLst>
-                <a:latin typeface="微軟正黑體" pitchFamily="34" charset="-120"/>
-                <a:ea typeface="微軟正黑體" pitchFamily="34" charset="-120"/>
-              </a:rPr>
-              <a:t>因為國度  權柄  榮耀</a:t>
-            </a:r>
-            <a:endParaRPr lang="en-US" altLang="zh-CN" sz="4800" b="1" dirty="0">
-              <a:solidFill>
-                <a:srgbClr val="660033"/>
-              </a:solidFill>
-              <a:effectLst>
-                <a:outerShdw blurRad="50000" dist="30000" dir="5400000" algn="tl" rotWithShape="0">
-                  <a:srgbClr val="000000">
-                    <a:alpha val="30000"/>
-                  </a:srgbClr>
-                </a:outerShdw>
-              </a:effectLst>
-              <a:latin typeface="微軟正黑體" pitchFamily="34" charset="-120"/>
-              <a:ea typeface="微軟正黑體" pitchFamily="34" charset="-120"/>
-            </a:endParaRPr>
-          </a:p>
-          <a:p>
-            <a:pPr algn="ctr">
-              <a:buNone/>
-            </a:pPr>
-            <a:r>
-              <a:rPr lang="zh-CN" altLang="en-US" sz="4800" b="1" dirty="0">
-                <a:solidFill>
-                  <a:srgbClr val="660033"/>
-                </a:solidFill>
-                <a:effectLst>
-                  <a:outerShdw blurRad="50000" dist="30000" dir="5400000" algn="tl" rotWithShape="0">
-                    <a:srgbClr val="000000">
-                      <a:alpha val="30000"/>
-                    </a:srgbClr>
-                  </a:outerShdw>
-                </a:effectLst>
-                <a:latin typeface="微軟正黑體" pitchFamily="34" charset="-120"/>
-                <a:ea typeface="微軟正黑體" pitchFamily="34" charset="-120"/>
-              </a:rPr>
-              <a:t>全是父的  直到永遠</a:t>
-            </a:r>
-            <a:r>
-              <a:rPr lang="en-US" altLang="zh-CN" sz="4800" b="1" dirty="0">
-                <a:solidFill>
-                  <a:srgbClr val="660033"/>
-                </a:solidFill>
-                <a:effectLst>
-                  <a:outerShdw blurRad="50000" dist="30000" dir="5400000" algn="tl" rotWithShape="0">
-                    <a:srgbClr val="000000">
-                      <a:alpha val="30000"/>
-                    </a:srgbClr>
-                  </a:outerShdw>
-                </a:effectLst>
-                <a:latin typeface="微軟正黑體" pitchFamily="34" charset="-120"/>
-                <a:ea typeface="微軟正黑體" pitchFamily="34" charset="-120"/>
-              </a:rPr>
-              <a:t>  </a:t>
-            </a:r>
-            <a:r>
-              <a:rPr lang="zh-CN" altLang="en-US" sz="4800" b="1" dirty="0">
-                <a:solidFill>
-                  <a:srgbClr val="660033"/>
-                </a:solidFill>
-                <a:effectLst>
-                  <a:outerShdw blurRad="50000" dist="30000" dir="5400000" algn="tl" rotWithShape="0">
-                    <a:srgbClr val="000000">
-                      <a:alpha val="30000"/>
-                    </a:srgbClr>
-                  </a:outerShdw>
-                </a:effectLst>
-                <a:latin typeface="微軟正黑體" pitchFamily="34" charset="-120"/>
-                <a:ea typeface="微軟正黑體" pitchFamily="34" charset="-120"/>
-              </a:rPr>
-              <a:t>阿門</a:t>
-            </a:r>
-            <a:endParaRPr lang="zh-TW" altLang="en-US" sz="4800" b="1" dirty="0">
-              <a:solidFill>
-                <a:srgbClr val="660033"/>
-              </a:solidFill>
-              <a:effectLst>
-                <a:outerShdw blurRad="50000" dist="30000" dir="5400000" algn="tl" rotWithShape="0">
-                  <a:srgbClr val="000000">
-                    <a:alpha val="30000"/>
-                  </a:srgbClr>
-                </a:outerShdw>
-              </a:effectLst>
-              <a:latin typeface="微軟正黑體" pitchFamily="34" charset="-120"/>
-              <a:ea typeface="微軟正黑體" pitchFamily="34" charset="-120"/>
-            </a:endParaRPr>
-          </a:p>
-        </p:txBody>
-      </p:sp>
-    </p:spTree>
-    <p:extLst>
-      <p:ext uri="{BB962C8B-B14F-4D97-AF65-F5344CB8AC3E}">
-        <p14:creationId xmlns:p14="http://schemas.microsoft.com/office/powerpoint/2010/main" val="3617491913"/>
-      </p:ext>
-    </p:extLst>
-  </p:cSld>
-  <p:clrMapOvr>
-    <a:masterClrMapping/>
-  </p:clrMapOvr>
-</p:sld>
-</file>
-
-<file path=ppt/slides/slide52.xml><?xml version="1.0" encoding="utf-8"?>
-<p:sld xmlns:a="http://schemas.openxmlformats.org/drawingml/2006/main" xmlns:r="http://schemas.openxmlformats.org/officeDocument/2006/relationships" xmlns:p="http://schemas.openxmlformats.org/presentationml/2006/main">
-  <p:cSld>
-    <p:spTree>
-      <p:nvGrpSpPr>
-        <p:cNvPr id="1" name=""/>
-        <p:cNvGrpSpPr/>
-        <p:nvPr/>
-      </p:nvGrpSpPr>
-      <p:grpSpPr>
-        <a:xfrm>
-          <a:off x="0" y="0"/>
-          <a:ext cx="0" cy="0"/>
-          <a:chOff x="0" y="0"/>
-          <a:chExt cx="0" cy="0"/>
-        </a:xfrm>
-      </p:grpSpPr>
-      <p:sp>
-        <p:nvSpPr>
-          <p:cNvPr id="2" name="標題 1"/>
-          <p:cNvSpPr>
-            <a:spLocks noGrp="1"/>
-          </p:cNvSpPr>
-          <p:nvPr>
-            <p:ph type="title" idx="4294967295"/>
-          </p:nvPr>
-        </p:nvSpPr>
-        <p:spPr>
-          <a:xfrm>
-            <a:off x="0" y="1707654"/>
-            <a:ext cx="9144000" cy="628650"/>
-          </a:xfrm>
-        </p:spPr>
-        <p:txBody>
-          <a:bodyPr>
-            <a:noAutofit/>
-          </a:bodyPr>
-          <a:lstStyle/>
-          <a:p>
-            <a:pPr algn="ctr"/>
-            <a:r>
-              <a:rPr lang="zh-CN" altLang="en-US" sz="5400" b="1" dirty="0" smtClean="0">
-                <a:solidFill>
-                  <a:srgbClr val="000066"/>
-                </a:solidFill>
-                <a:effectLst>
-                  <a:outerShdw blurRad="38100" dist="38100" dir="2700000" algn="tl">
-                    <a:srgbClr val="000000">
-                      <a:alpha val="43137"/>
-                    </a:srgbClr>
-                  </a:outerShdw>
-                </a:effectLst>
-                <a:latin typeface="微軟正黑體" pitchFamily="34" charset="-120"/>
-                <a:ea typeface="微軟正黑體" pitchFamily="34" charset="-120"/>
-              </a:rPr>
-              <a:t>祝福</a:t>
-            </a:r>
-            <a:endParaRPr lang="zh-TW" altLang="en-US" sz="5400" b="1" dirty="0">
-              <a:solidFill>
-                <a:srgbClr val="000066"/>
-              </a:solidFill>
-              <a:effectLst>
-                <a:outerShdw blurRad="38100" dist="38100" dir="2700000" algn="tl">
-                  <a:srgbClr val="000000">
-                    <a:alpha val="43137"/>
-                  </a:srgbClr>
-                </a:outerShdw>
-              </a:effectLst>
-              <a:latin typeface="微軟正黑體" pitchFamily="34" charset="-120"/>
-              <a:ea typeface="微軟正黑體" pitchFamily="34" charset="-120"/>
-            </a:endParaRPr>
-          </a:p>
-        </p:txBody>
-      </p:sp>
-      <p:sp>
-        <p:nvSpPr>
-          <p:cNvPr id="3" name="矩形 2"/>
-          <p:cNvSpPr/>
-          <p:nvPr/>
-        </p:nvSpPr>
-        <p:spPr>
-          <a:xfrm>
-            <a:off x="0" y="2427734"/>
-            <a:ext cx="9144000" cy="830997"/>
-          </a:xfrm>
-          <a:prstGeom prst="rect">
-            <a:avLst/>
-          </a:prstGeom>
-        </p:spPr>
-        <p:txBody>
-          <a:bodyPr wrap="square">
-            <a:spAutoFit/>
-          </a:bodyPr>
-          <a:lstStyle/>
-          <a:p>
-            <a:pPr algn="ctr"/>
-            <a:r>
-              <a:rPr lang="en-US" altLang="zh-CN" sz="4800" b="1" dirty="0" smtClean="0">
-                <a:solidFill>
-                  <a:srgbClr val="660033"/>
-                </a:solidFill>
-                <a:effectLst>
-                  <a:outerShdw blurRad="38100" dist="38100" dir="2700000" algn="tl">
-                    <a:srgbClr val="000000">
-                      <a:alpha val="43137"/>
-                    </a:srgbClr>
-                  </a:outerShdw>
-                </a:effectLst>
-                <a:latin typeface="微軟正黑體" pitchFamily="34" charset="-120"/>
-                <a:ea typeface="微軟正黑體" pitchFamily="34" charset="-120"/>
-                <a:cs typeface="+mj-cs"/>
-              </a:rPr>
-              <a:t>(</a:t>
-            </a:r>
-            <a:r>
-              <a:rPr lang="zh-CN" altLang="en-US" sz="4800" b="1" dirty="0" smtClean="0">
-                <a:solidFill>
-                  <a:srgbClr val="660033"/>
-                </a:solidFill>
-                <a:effectLst>
-                  <a:outerShdw blurRad="38100" dist="38100" dir="2700000" algn="tl">
-                    <a:srgbClr val="000000">
-                      <a:alpha val="43137"/>
-                    </a:srgbClr>
-                  </a:outerShdw>
-                </a:effectLst>
-                <a:latin typeface="微軟正黑體" pitchFamily="34" charset="-120"/>
-                <a:ea typeface="微軟正黑體" pitchFamily="34" charset="-120"/>
-                <a:cs typeface="+mj-cs"/>
-              </a:rPr>
-              <a:t>主禮牧師</a:t>
-            </a:r>
-            <a:r>
-              <a:rPr lang="en-US" altLang="zh-CN" sz="4800" b="1" dirty="0" smtClean="0">
-                <a:solidFill>
-                  <a:srgbClr val="660033"/>
-                </a:solidFill>
-                <a:effectLst>
-                  <a:outerShdw blurRad="38100" dist="38100" dir="2700000" algn="tl">
-                    <a:srgbClr val="000000">
-                      <a:alpha val="43137"/>
-                    </a:srgbClr>
-                  </a:outerShdw>
-                </a:effectLst>
-                <a:latin typeface="微軟正黑體" pitchFamily="34" charset="-120"/>
-                <a:ea typeface="微軟正黑體" pitchFamily="34" charset="-120"/>
-                <a:cs typeface="+mj-cs"/>
-              </a:rPr>
-              <a:t>)</a:t>
-            </a:r>
-            <a:endParaRPr lang="zh-TW" altLang="en-US" sz="4800" b="1" dirty="0" smtClean="0">
-              <a:solidFill>
-                <a:srgbClr val="660033"/>
-              </a:solidFill>
-              <a:effectLst>
-                <a:outerShdw blurRad="38100" dist="38100" dir="2700000" algn="tl">
-                  <a:srgbClr val="000000">
-                    <a:alpha val="43137"/>
-                  </a:srgbClr>
-                </a:outerShdw>
-              </a:effectLst>
-              <a:latin typeface="微軟正黑體" pitchFamily="34" charset="-120"/>
-              <a:ea typeface="微軟正黑體" pitchFamily="34" charset="-120"/>
-              <a:cs typeface="+mj-cs"/>
-            </a:endParaRPr>
-          </a:p>
-        </p:txBody>
-      </p:sp>
-    </p:spTree>
-    <p:extLst>
-      <p:ext uri="{BB962C8B-B14F-4D97-AF65-F5344CB8AC3E}">
-        <p14:creationId xmlns:p14="http://schemas.microsoft.com/office/powerpoint/2010/main" val="1671247361"/>
-      </p:ext>
-    </p:extLst>
-  </p:cSld>
-  <p:clrMapOvr>
-    <a:masterClrMapping/>
-  </p:clrMapOvr>
-  <p:timing>
-    <p:tnLst>
-      <p:par>
-        <p:cTn id="1" dur="indefinite" restart="never" nodeType="tmRoot"/>
-      </p:par>
-    </p:tnLst>
-  </p:timing>
-</p:sld>
-</file>
-
-<file path=ppt/slides/slide53.xml><?xml version="1.0" encoding="utf-8"?>
-<p:sld xmlns:a="http://schemas.openxmlformats.org/drawingml/2006/main" xmlns:r="http://schemas.openxmlformats.org/officeDocument/2006/relationships" xmlns:p="http://schemas.openxmlformats.org/presentationml/2006/main">
-  <p:cSld>
-    <p:spTree>
-      <p:nvGrpSpPr>
-        <p:cNvPr id="1" name=""/>
-        <p:cNvGrpSpPr/>
-        <p:nvPr/>
-      </p:nvGrpSpPr>
-      <p:grpSpPr>
-        <a:xfrm>
-          <a:off x="0" y="0"/>
-          <a:ext cx="0" cy="0"/>
-          <a:chOff x="0" y="0"/>
-          <a:chExt cx="0" cy="0"/>
-        </a:xfrm>
-      </p:grpSpPr>
-      <p:sp>
-        <p:nvSpPr>
-          <p:cNvPr id="2" name="矩形 1"/>
-          <p:cNvSpPr/>
-          <p:nvPr/>
-        </p:nvSpPr>
-        <p:spPr>
-          <a:xfrm>
-            <a:off x="0" y="1570336"/>
-            <a:ext cx="9144000" cy="923330"/>
-          </a:xfrm>
-          <a:prstGeom prst="rect">
-            <a:avLst/>
-          </a:prstGeom>
-        </p:spPr>
-        <p:txBody>
-          <a:bodyPr wrap="square">
-            <a:spAutoFit/>
-          </a:bodyPr>
-          <a:lstStyle/>
-          <a:p>
-            <a:pPr algn="ctr"/>
-            <a:r>
-              <a:rPr lang="zh-CN" altLang="en-US" sz="5400" b="1" dirty="0" smtClean="0">
-                <a:solidFill>
-                  <a:srgbClr val="000066"/>
-                </a:solidFill>
-                <a:effectLst>
-                  <a:outerShdw blurRad="50000" dist="30000" dir="5400000" algn="tl" rotWithShape="0">
-                    <a:srgbClr val="000000">
-                      <a:alpha val="30000"/>
-                    </a:srgbClr>
-                  </a:outerShdw>
-                </a:effectLst>
-                <a:latin typeface="微軟正黑體" pitchFamily="34" charset="-120"/>
-                <a:ea typeface="微軟正黑體" pitchFamily="34" charset="-120"/>
-                <a:cs typeface="+mj-cs"/>
-              </a:rPr>
-              <a:t>聚會祝福歌</a:t>
-            </a:r>
-            <a:endParaRPr lang="zh-TW" altLang="en-US" sz="5400" b="1" dirty="0" smtClean="0">
-              <a:solidFill>
-                <a:srgbClr val="000066"/>
-              </a:solidFill>
-              <a:effectLst>
-                <a:outerShdw blurRad="50000" dist="30000" dir="5400000" algn="tl" rotWithShape="0">
-                  <a:srgbClr val="000000">
-                    <a:alpha val="30000"/>
-                  </a:srgbClr>
-                </a:outerShdw>
-              </a:effectLst>
-              <a:latin typeface="微軟正黑體" pitchFamily="34" charset="-120"/>
-              <a:ea typeface="微軟正黑體" pitchFamily="34" charset="-120"/>
-              <a:cs typeface="+mj-cs"/>
-            </a:endParaRPr>
-          </a:p>
-        </p:txBody>
-      </p:sp>
-      <p:sp>
-        <p:nvSpPr>
-          <p:cNvPr id="3" name="標題 1"/>
-          <p:cNvSpPr txBox="1"/>
-          <p:nvPr/>
-        </p:nvSpPr>
-        <p:spPr>
-          <a:xfrm>
-            <a:off x="0" y="2435611"/>
-            <a:ext cx="9144000" cy="964405"/>
-          </a:xfrm>
-          <a:prstGeom prst="rect">
-            <a:avLst/>
-          </a:prstGeom>
-        </p:spPr>
-        <p:txBody>
-          <a:bodyPr anchor="ctr">
-            <a:noAutofit/>
-          </a:bodyPr>
-          <a:lstStyle/>
-          <a:p>
-            <a:pPr marL="0" marR="0" lvl="0" indent="0" algn="ctr" defTabSz="914400" rtl="0" eaLnBrk="1" fontAlgn="auto" latinLnBrk="0" hangingPunct="1">
-              <a:lnSpc>
-                <a:spcPct val="100000"/>
-              </a:lnSpc>
-              <a:spcBef>
-                <a:spcPct val="0"/>
-              </a:spcBef>
-              <a:spcAft>
-                <a:spcPts val="0"/>
-              </a:spcAft>
-              <a:buClrTx/>
-              <a:buSzTx/>
-              <a:buFontTx/>
-              <a:buNone/>
-              <a:defRPr/>
-            </a:pPr>
-            <a:r>
-              <a:rPr kumimoji="0" lang="zh-CN" altLang="en-US" sz="4800" b="1" i="0" u="none" strike="noStrike" kern="1200" cap="none" spc="0" normalizeH="0" baseline="0" noProof="0" dirty="0" smtClean="0">
-                <a:ln>
-                  <a:noFill/>
-                </a:ln>
-                <a:solidFill>
-                  <a:srgbClr val="660033"/>
-                </a:solidFill>
-                <a:effectLst>
-                  <a:outerShdw blurRad="50000" dist="30000" dir="5400000" algn="tl" rotWithShape="0">
-                    <a:srgbClr val="000000">
-                      <a:alpha val="30000"/>
-                    </a:srgbClr>
-                  </a:outerShdw>
-                </a:effectLst>
-                <a:uLnTx/>
-                <a:uFillTx/>
-                <a:latin typeface="微軟正黑體" pitchFamily="34" charset="-120"/>
-                <a:ea typeface="微軟正黑體" pitchFamily="34" charset="-120"/>
-                <a:cs typeface="+mj-cs"/>
-              </a:rPr>
-              <a:t>本堂牧師領詩班退堂</a:t>
-            </a:r>
-            <a:endParaRPr kumimoji="0" lang="zh-TW" altLang="en-US" sz="4800" b="1" i="0" u="none" strike="noStrike" kern="1200" cap="none" spc="0" normalizeH="0" baseline="0" noProof="0" dirty="0">
-              <a:ln>
-                <a:noFill/>
-              </a:ln>
-              <a:solidFill>
-                <a:srgbClr val="660033"/>
-              </a:solidFill>
-              <a:effectLst>
-                <a:outerShdw blurRad="50000" dist="30000" dir="5400000" algn="tl" rotWithShape="0">
-                  <a:srgbClr val="000000">
-                    <a:alpha val="30000"/>
-                  </a:srgbClr>
-                </a:outerShdw>
-              </a:effectLst>
-              <a:uLnTx/>
-              <a:uFillTx/>
-              <a:latin typeface="微軟正黑體" pitchFamily="34" charset="-120"/>
-              <a:ea typeface="微軟正黑體" pitchFamily="34" charset="-120"/>
-              <a:cs typeface="+mj-cs"/>
-            </a:endParaRPr>
-          </a:p>
-        </p:txBody>
-      </p:sp>
-    </p:spTree>
-  </p:cSld>
-  <p:clrMapOvr>
-    <a:masterClrMapping/>
-  </p:clrMapOvr>
-  <p:timing>
-    <p:tnLst>
-      <p:par>
-        <p:cTn id="1" dur="indefinite" restart="never" nodeType="tmRoot"/>
-      </p:par>
-    </p:tnLst>
-  </p:timing>
-</p:sld>
-</file>
-
-<file path=ppt/slides/slide54.xml><?xml version="1.0" encoding="utf-8"?>
-<p:sld xmlns:a="http://schemas.openxmlformats.org/drawingml/2006/main" xmlns:r="http://schemas.openxmlformats.org/officeDocument/2006/relationships" xmlns:p="http://schemas.openxmlformats.org/presentationml/2006/main">
-  <p:cSld>
-    <p:spTree>
-      <p:nvGrpSpPr>
-        <p:cNvPr id="1" name=""/>
-        <p:cNvGrpSpPr/>
-        <p:nvPr/>
-      </p:nvGrpSpPr>
-      <p:grpSpPr>
-        <a:xfrm>
-          <a:off x="0" y="0"/>
-          <a:ext cx="0" cy="0"/>
-          <a:chOff x="0" y="0"/>
-          <a:chExt cx="0" cy="0"/>
-        </a:xfrm>
-      </p:grpSpPr>
-      <p:sp>
-        <p:nvSpPr>
-          <p:cNvPr id="4" name="標題 3"/>
-          <p:cNvSpPr>
-            <a:spLocks noGrp="1"/>
-          </p:cNvSpPr>
-          <p:nvPr>
-            <p:ph type="title"/>
-          </p:nvPr>
-        </p:nvSpPr>
-        <p:spPr>
-          <a:xfrm>
-            <a:off x="0" y="2143135"/>
-            <a:ext cx="9144000" cy="857250"/>
-          </a:xfrm>
-        </p:spPr>
-        <p:txBody>
-          <a:bodyPr>
-            <a:noAutofit/>
-          </a:bodyPr>
-          <a:lstStyle/>
-          <a:p>
-            <a:r>
-              <a:rPr lang="zh-CN" altLang="en-US" sz="7200" b="1" dirty="0" smtClean="0">
-                <a:solidFill>
-                  <a:srgbClr val="000066"/>
-                </a:solidFill>
-                <a:effectLst>
-                  <a:outerShdw blurRad="38100" dist="38100" dir="2700000" algn="tl">
-                    <a:srgbClr val="000000">
-                      <a:alpha val="43137"/>
-                    </a:srgbClr>
-                  </a:outerShdw>
-                </a:effectLst>
-                <a:latin typeface="微軟正黑體" pitchFamily="34" charset="-120"/>
-                <a:ea typeface="微軟正黑體" pitchFamily="34" charset="-120"/>
-              </a:rPr>
-              <a:t>主</a:t>
-            </a:r>
-            <a:r>
-              <a:rPr lang="zh-CN" altLang="en-US" sz="7200" b="1" dirty="0">
-                <a:solidFill>
-                  <a:srgbClr val="000066"/>
-                </a:solidFill>
-                <a:effectLst>
-                  <a:outerShdw blurRad="38100" dist="38100" dir="2700000" algn="tl">
-                    <a:srgbClr val="000000">
-                      <a:alpha val="43137"/>
-                    </a:srgbClr>
-                  </a:outerShdw>
-                </a:effectLst>
-                <a:latin typeface="微軟正黑體" pitchFamily="34" charset="-120"/>
-                <a:ea typeface="微軟正黑體" pitchFamily="34" charset="-120"/>
-              </a:rPr>
-              <a:t>的愛</a:t>
-            </a:r>
-            <a:endParaRPr lang="zh-TW" altLang="en-US" sz="7200" b="1" dirty="0">
-              <a:solidFill>
-                <a:srgbClr val="000066"/>
-              </a:solidFill>
-              <a:effectLst>
-                <a:outerShdw blurRad="38100" dist="38100" dir="2700000" algn="tl">
-                  <a:srgbClr val="000000">
-                    <a:alpha val="43137"/>
-                  </a:srgbClr>
-                </a:outerShdw>
-              </a:effectLst>
-              <a:latin typeface="微軟正黑體" pitchFamily="34" charset="-120"/>
-              <a:ea typeface="微軟正黑體" pitchFamily="34" charset="-120"/>
-            </a:endParaRPr>
-          </a:p>
-        </p:txBody>
-      </p:sp>
-    </p:spTree>
-    <p:extLst>
-      <p:ext uri="{BB962C8B-B14F-4D97-AF65-F5344CB8AC3E}">
-        <p14:creationId xmlns:p14="http://schemas.microsoft.com/office/powerpoint/2010/main" val="3707739611"/>
-      </p:ext>
-    </p:extLst>
-  </p:cSld>
-  <p:clrMapOvr>
-    <a:masterClrMapping/>
-  </p:clrMapOvr>
-</p:sld>
-</file>
-
-<file path=ppt/slides/slide55.xml><?xml version="1.0" encoding="utf-8"?>
-<p:sld xmlns:a="http://schemas.openxmlformats.org/drawingml/2006/main" xmlns:r="http://schemas.openxmlformats.org/officeDocument/2006/relationships" xmlns:p="http://schemas.openxmlformats.org/presentationml/2006/main">
-  <p:cSld>
-    <p:spTree>
-      <p:nvGrpSpPr>
-        <p:cNvPr id="1" name=""/>
-        <p:cNvGrpSpPr/>
-        <p:nvPr/>
-      </p:nvGrpSpPr>
-      <p:grpSpPr>
-        <a:xfrm>
-          <a:off x="0" y="0"/>
-          <a:ext cx="0" cy="0"/>
-          <a:chOff x="0" y="0"/>
-          <a:chExt cx="0" cy="0"/>
-        </a:xfrm>
-      </p:grpSpPr>
-      <p:sp>
-        <p:nvSpPr>
-          <p:cNvPr id="5" name="內容版面配置區 4"/>
-          <p:cNvSpPr>
-            <a:spLocks noGrp="1"/>
-          </p:cNvSpPr>
-          <p:nvPr>
-            <p:ph idx="1"/>
-          </p:nvPr>
-        </p:nvSpPr>
-        <p:spPr>
-          <a:xfrm>
-            <a:off x="0" y="1563638"/>
-            <a:ext cx="9144000" cy="1803647"/>
-          </a:xfrm>
-        </p:spPr>
-        <p:txBody>
-          <a:bodyPr anchor="ctr">
-            <a:normAutofit/>
-          </a:bodyPr>
-          <a:lstStyle/>
-          <a:p>
-            <a:pPr algn="ctr">
-              <a:buNone/>
-            </a:pPr>
-            <a:r>
-              <a:rPr lang="zh-TW" altLang="en-US" sz="4800" b="1" dirty="0">
-                <a:solidFill>
-                  <a:srgbClr val="000066"/>
-                </a:solidFill>
-                <a:effectLst>
-                  <a:outerShdw blurRad="50000" dist="30000" dir="5400000" algn="tl" rotWithShape="0">
-                    <a:srgbClr val="000000">
-                      <a:alpha val="30000"/>
-                    </a:srgbClr>
-                  </a:outerShdw>
-                </a:effectLst>
-                <a:latin typeface="微軟正黑體" pitchFamily="34" charset="-120"/>
-                <a:ea typeface="微軟正黑體" pitchFamily="34" charset="-120"/>
-              </a:rPr>
-              <a:t>願主的愛與你同</a:t>
-            </a:r>
-            <a:r>
-              <a:rPr lang="zh-TW" altLang="en-US" sz="4800" b="1" dirty="0" smtClean="0">
-                <a:solidFill>
-                  <a:srgbClr val="000066"/>
-                </a:solidFill>
-                <a:effectLst>
-                  <a:outerShdw blurRad="50000" dist="30000" dir="5400000" algn="tl" rotWithShape="0">
-                    <a:srgbClr val="000000">
-                      <a:alpha val="30000"/>
-                    </a:srgbClr>
-                  </a:outerShdw>
-                </a:effectLst>
-                <a:latin typeface="微軟正黑體" pitchFamily="34" charset="-120"/>
-                <a:ea typeface="微軟正黑體" pitchFamily="34" charset="-120"/>
-              </a:rPr>
-              <a:t>在</a:t>
-            </a:r>
-            <a:endParaRPr lang="en-US" altLang="zh-TW" sz="4800" b="1" dirty="0">
-              <a:solidFill>
-                <a:srgbClr val="000066"/>
-              </a:solidFill>
-              <a:effectLst>
-                <a:outerShdw blurRad="50000" dist="30000" dir="5400000" algn="tl" rotWithShape="0">
-                  <a:srgbClr val="000000">
-                    <a:alpha val="30000"/>
-                  </a:srgbClr>
-                </a:outerShdw>
-              </a:effectLst>
-              <a:latin typeface="微軟正黑體" pitchFamily="34" charset="-120"/>
-              <a:ea typeface="微軟正黑體" pitchFamily="34" charset="-120"/>
-            </a:endParaRPr>
-          </a:p>
-          <a:p>
-            <a:pPr algn="ctr">
-              <a:buNone/>
-            </a:pPr>
-            <a:r>
-              <a:rPr lang="zh-TW" altLang="en-US" sz="4800" b="1" dirty="0" smtClean="0">
-                <a:solidFill>
-                  <a:srgbClr val="000066"/>
-                </a:solidFill>
-                <a:effectLst>
-                  <a:outerShdw blurRad="50000" dist="30000" dir="5400000" algn="tl" rotWithShape="0">
-                    <a:srgbClr val="000000">
-                      <a:alpha val="30000"/>
-                    </a:srgbClr>
-                  </a:outerShdw>
-                </a:effectLst>
-                <a:latin typeface="微軟正黑體" pitchFamily="34" charset="-120"/>
-                <a:ea typeface="微軟正黑體" pitchFamily="34" charset="-120"/>
-              </a:rPr>
-              <a:t>無</a:t>
-            </a:r>
-            <a:r>
-              <a:rPr lang="zh-TW" altLang="en-US" sz="4800" b="1" dirty="0">
-                <a:solidFill>
-                  <a:srgbClr val="000066"/>
-                </a:solidFill>
-                <a:effectLst>
-                  <a:outerShdw blurRad="50000" dist="30000" dir="5400000" algn="tl" rotWithShape="0">
-                    <a:srgbClr val="000000">
-                      <a:alpha val="30000"/>
-                    </a:srgbClr>
-                  </a:outerShdw>
-                </a:effectLst>
-                <a:latin typeface="微軟正黑體" pitchFamily="34" charset="-120"/>
-                <a:ea typeface="微軟正黑體" pitchFamily="34" charset="-120"/>
-              </a:rPr>
-              <a:t>論你在何</a:t>
-            </a:r>
-            <a:r>
-              <a:rPr lang="zh-TW" altLang="en-US" sz="4800" b="1" dirty="0" smtClean="0">
-                <a:solidFill>
-                  <a:srgbClr val="000066"/>
-                </a:solidFill>
-                <a:effectLst>
-                  <a:outerShdw blurRad="50000" dist="30000" dir="5400000" algn="tl" rotWithShape="0">
-                    <a:srgbClr val="000000">
-                      <a:alpha val="30000"/>
-                    </a:srgbClr>
-                  </a:outerShdw>
-                </a:effectLst>
-                <a:latin typeface="微軟正黑體" pitchFamily="34" charset="-120"/>
-                <a:ea typeface="微軟正黑體" pitchFamily="34" charset="-120"/>
-              </a:rPr>
-              <a:t>方</a:t>
-            </a:r>
-            <a:endParaRPr lang="en-US" altLang="zh-TW" sz="4800" b="1" dirty="0">
-              <a:solidFill>
-                <a:srgbClr val="000066"/>
-              </a:solidFill>
-              <a:effectLst>
-                <a:outerShdw blurRad="50000" dist="30000" dir="5400000" algn="tl" rotWithShape="0">
-                  <a:srgbClr val="000000">
-                    <a:alpha val="30000"/>
-                  </a:srgbClr>
-                </a:outerShdw>
-              </a:effectLst>
-              <a:latin typeface="微軟正黑體" pitchFamily="34" charset="-120"/>
-              <a:ea typeface="微軟正黑體" pitchFamily="34" charset="-120"/>
-            </a:endParaRPr>
-          </a:p>
-        </p:txBody>
-      </p:sp>
-    </p:spTree>
-    <p:extLst>
-      <p:ext uri="{BB962C8B-B14F-4D97-AF65-F5344CB8AC3E}">
-        <p14:creationId xmlns:p14="http://schemas.microsoft.com/office/powerpoint/2010/main" val="293433003"/>
-      </p:ext>
-    </p:extLst>
-  </p:cSld>
-  <p:clrMapOvr>
-    <a:masterClrMapping/>
-  </p:clrMapOvr>
-</p:sld>
-</file>
-
-<file path=ppt/slides/slide56.xml><?xml version="1.0" encoding="utf-8"?>
-<p:sld xmlns:a="http://schemas.openxmlformats.org/drawingml/2006/main" xmlns:r="http://schemas.openxmlformats.org/officeDocument/2006/relationships" xmlns:p="http://schemas.openxmlformats.org/presentationml/2006/main">
-  <p:cSld>
-    <p:spTree>
-      <p:nvGrpSpPr>
-        <p:cNvPr id="1" name=""/>
-        <p:cNvGrpSpPr/>
-        <p:nvPr/>
-      </p:nvGrpSpPr>
-      <p:grpSpPr>
-        <a:xfrm>
-          <a:off x="0" y="0"/>
-          <a:ext cx="0" cy="0"/>
-          <a:chOff x="0" y="0"/>
-          <a:chExt cx="0" cy="0"/>
-        </a:xfrm>
-      </p:grpSpPr>
-      <p:sp>
-        <p:nvSpPr>
-          <p:cNvPr id="5" name="內容版面配置區 4"/>
-          <p:cNvSpPr>
-            <a:spLocks noGrp="1"/>
-          </p:cNvSpPr>
-          <p:nvPr>
-            <p:ph idx="1"/>
-          </p:nvPr>
-        </p:nvSpPr>
-        <p:spPr>
-          <a:xfrm>
-            <a:off x="0" y="1563638"/>
-            <a:ext cx="9144000" cy="1803647"/>
-          </a:xfrm>
-        </p:spPr>
-        <p:txBody>
-          <a:bodyPr anchor="ctr">
-            <a:normAutofit/>
-          </a:bodyPr>
-          <a:lstStyle/>
-          <a:p>
-            <a:pPr algn="ctr">
-              <a:buNone/>
-            </a:pPr>
-            <a:r>
-              <a:rPr lang="zh-TW" altLang="en-US" sz="4800" b="1" dirty="0" smtClean="0">
-                <a:solidFill>
-                  <a:srgbClr val="000066"/>
-                </a:solidFill>
-                <a:effectLst>
-                  <a:outerShdw blurRad="50000" dist="30000" dir="5400000" algn="tl" rotWithShape="0">
-                    <a:srgbClr val="000000">
-                      <a:alpha val="30000"/>
-                    </a:srgbClr>
-                  </a:outerShdw>
-                </a:effectLst>
-                <a:latin typeface="微軟正黑體" pitchFamily="34" charset="-120"/>
-                <a:ea typeface="微軟正黑體" pitchFamily="34" charset="-120"/>
-              </a:rPr>
-              <a:t>願</a:t>
-            </a:r>
-            <a:r>
-              <a:rPr lang="zh-TW" altLang="en-US" sz="4800" b="1" dirty="0">
-                <a:solidFill>
-                  <a:srgbClr val="000066"/>
-                </a:solidFill>
-                <a:effectLst>
-                  <a:outerShdw blurRad="50000" dist="30000" dir="5400000" algn="tl" rotWithShape="0">
-                    <a:srgbClr val="000000">
-                      <a:alpha val="30000"/>
-                    </a:srgbClr>
-                  </a:outerShdw>
-                </a:effectLst>
-                <a:latin typeface="微軟正黑體" pitchFamily="34" charset="-120"/>
-                <a:ea typeface="微軟正黑體" pitchFamily="34" charset="-120"/>
-              </a:rPr>
-              <a:t>祂祝福你心靈安康</a:t>
-            </a:r>
-          </a:p>
-        </p:txBody>
-      </p:sp>
-    </p:spTree>
-    <p:extLst>
-      <p:ext uri="{BB962C8B-B14F-4D97-AF65-F5344CB8AC3E}">
-        <p14:creationId xmlns:p14="http://schemas.microsoft.com/office/powerpoint/2010/main" val="3887014078"/>
-      </p:ext>
-    </p:extLst>
-  </p:cSld>
-  <p:clrMapOvr>
-    <a:masterClrMapping/>
-  </p:clrMapOvr>
-</p:sld>
-</file>
-
-<file path=ppt/slides/slide57.xml><?xml version="1.0" encoding="utf-8"?>
-<p:sld xmlns:a="http://schemas.openxmlformats.org/drawingml/2006/main" xmlns:r="http://schemas.openxmlformats.org/officeDocument/2006/relationships" xmlns:p="http://schemas.openxmlformats.org/presentationml/2006/main">
-  <p:cSld>
-    <p:spTree>
-      <p:nvGrpSpPr>
-        <p:cNvPr id="1" name=""/>
-        <p:cNvGrpSpPr/>
-        <p:nvPr/>
-      </p:nvGrpSpPr>
-      <p:grpSpPr>
-        <a:xfrm>
-          <a:off x="0" y="0"/>
-          <a:ext cx="0" cy="0"/>
-          <a:chOff x="0" y="0"/>
-          <a:chExt cx="0" cy="0"/>
-        </a:xfrm>
-      </p:grpSpPr>
-      <p:sp>
-        <p:nvSpPr>
-          <p:cNvPr id="5" name="內容版面配置區 4"/>
-          <p:cNvSpPr>
-            <a:spLocks noGrp="1"/>
-          </p:cNvSpPr>
-          <p:nvPr>
-            <p:ph idx="1"/>
-          </p:nvPr>
-        </p:nvSpPr>
-        <p:spPr>
-          <a:xfrm>
-            <a:off x="0" y="1563638"/>
-            <a:ext cx="9144000" cy="1803647"/>
-          </a:xfrm>
-        </p:spPr>
-        <p:txBody>
-          <a:bodyPr anchor="ctr">
-            <a:normAutofit/>
-          </a:bodyPr>
-          <a:lstStyle/>
-          <a:p>
-            <a:pPr algn="ctr">
-              <a:buNone/>
-            </a:pPr>
-            <a:r>
-              <a:rPr lang="zh-TW" altLang="en-US" sz="4800" b="1" dirty="0">
-                <a:solidFill>
-                  <a:srgbClr val="000066"/>
-                </a:solidFill>
-                <a:effectLst>
-                  <a:outerShdw blurRad="50000" dist="30000" dir="5400000" algn="tl" rotWithShape="0">
-                    <a:srgbClr val="000000">
-                      <a:alpha val="30000"/>
-                    </a:srgbClr>
-                  </a:outerShdw>
-                </a:effectLst>
-                <a:latin typeface="微軟正黑體" pitchFamily="34" charset="-120"/>
-                <a:ea typeface="微軟正黑體" pitchFamily="34" charset="-120"/>
-              </a:rPr>
-              <a:t>主的愛如流水淙淙</a:t>
-            </a:r>
-            <a:endParaRPr lang="en-US" altLang="zh-TW" sz="4800" b="1" dirty="0">
-              <a:solidFill>
-                <a:srgbClr val="000066"/>
-              </a:solidFill>
-              <a:effectLst>
-                <a:outerShdw blurRad="50000" dist="30000" dir="5400000" algn="tl" rotWithShape="0">
-                  <a:srgbClr val="000000">
-                    <a:alpha val="30000"/>
-                  </a:srgbClr>
-                </a:outerShdw>
-              </a:effectLst>
-              <a:latin typeface="微軟正黑體" pitchFamily="34" charset="-120"/>
-              <a:ea typeface="微軟正黑體" pitchFamily="34" charset="-120"/>
-            </a:endParaRPr>
-          </a:p>
-          <a:p>
-            <a:pPr algn="ctr">
-              <a:buNone/>
-            </a:pPr>
-            <a:r>
-              <a:rPr lang="zh-TW" altLang="en-US" sz="4800" b="1" dirty="0">
-                <a:solidFill>
-                  <a:srgbClr val="000066"/>
-                </a:solidFill>
-                <a:effectLst>
-                  <a:outerShdw blurRad="50000" dist="30000" dir="5400000" algn="tl" rotWithShape="0">
-                    <a:srgbClr val="000000">
-                      <a:alpha val="30000"/>
-                    </a:srgbClr>
-                  </a:outerShdw>
-                </a:effectLst>
-                <a:latin typeface="微軟正黑體" pitchFamily="34" charset="-120"/>
-                <a:ea typeface="微軟正黑體" pitchFamily="34" charset="-120"/>
-              </a:rPr>
-              <a:t>願你分享祂這愛</a:t>
-            </a:r>
-            <a:endParaRPr lang="en-US" altLang="zh-TW" sz="4800" b="1" dirty="0">
-              <a:solidFill>
-                <a:srgbClr val="000066"/>
-              </a:solidFill>
-              <a:effectLst>
-                <a:outerShdw blurRad="50000" dist="30000" dir="5400000" algn="tl" rotWithShape="0">
-                  <a:srgbClr val="000000">
-                    <a:alpha val="30000"/>
-                  </a:srgbClr>
-                </a:outerShdw>
-              </a:effectLst>
-              <a:latin typeface="微軟正黑體" pitchFamily="34" charset="-120"/>
-              <a:ea typeface="微軟正黑體" pitchFamily="34" charset="-120"/>
-            </a:endParaRPr>
-          </a:p>
-        </p:txBody>
-      </p:sp>
-    </p:spTree>
-    <p:extLst>
-      <p:ext uri="{BB962C8B-B14F-4D97-AF65-F5344CB8AC3E}">
-        <p14:creationId xmlns:p14="http://schemas.microsoft.com/office/powerpoint/2010/main" val="1828901467"/>
-      </p:ext>
-    </p:extLst>
-  </p:cSld>
-  <p:clrMapOvr>
-    <a:masterClrMapping/>
-  </p:clrMapOvr>
-</p:sld>
-</file>
-
-<file path=ppt/slides/slide58.xml><?xml version="1.0" encoding="utf-8"?>
-<p:sld xmlns:a="http://schemas.openxmlformats.org/drawingml/2006/main" xmlns:r="http://schemas.openxmlformats.org/officeDocument/2006/relationships" xmlns:p="http://schemas.openxmlformats.org/presentationml/2006/main">
-  <p:cSld>
-    <p:spTree>
-      <p:nvGrpSpPr>
-        <p:cNvPr id="1" name=""/>
-        <p:cNvGrpSpPr/>
-        <p:nvPr/>
-      </p:nvGrpSpPr>
-      <p:grpSpPr>
-        <a:xfrm>
-          <a:off x="0" y="0"/>
-          <a:ext cx="0" cy="0"/>
-          <a:chOff x="0" y="0"/>
-          <a:chExt cx="0" cy="0"/>
-        </a:xfrm>
-      </p:grpSpPr>
-      <p:sp>
-        <p:nvSpPr>
-          <p:cNvPr id="5" name="內容版面配置區 4"/>
-          <p:cNvSpPr>
-            <a:spLocks noGrp="1"/>
-          </p:cNvSpPr>
-          <p:nvPr>
-            <p:ph idx="1"/>
-          </p:nvPr>
-        </p:nvSpPr>
-        <p:spPr>
-          <a:xfrm>
-            <a:off x="0" y="1563638"/>
-            <a:ext cx="9144000" cy="1803647"/>
-          </a:xfrm>
-        </p:spPr>
-        <p:txBody>
-          <a:bodyPr anchor="ctr">
-            <a:normAutofit/>
-          </a:bodyPr>
-          <a:lstStyle/>
-          <a:p>
-            <a:pPr algn="ctr">
-              <a:buNone/>
-            </a:pPr>
-            <a:r>
-              <a:rPr lang="zh-TW" altLang="en-US" sz="4800" b="1" dirty="0">
-                <a:solidFill>
-                  <a:srgbClr val="000066"/>
-                </a:solidFill>
-                <a:effectLst>
-                  <a:outerShdw blurRad="50000" dist="30000" dir="5400000" algn="tl" rotWithShape="0">
-                    <a:srgbClr val="000000">
-                      <a:alpha val="30000"/>
-                    </a:srgbClr>
-                  </a:outerShdw>
-                </a:effectLst>
-                <a:latin typeface="微軟正黑體" pitchFamily="34" charset="-120"/>
-                <a:ea typeface="微軟正黑體" pitchFamily="34" charset="-120"/>
-              </a:rPr>
-              <a:t>在那漫漫的黑夜見主光</a:t>
-            </a:r>
-          </a:p>
-        </p:txBody>
-      </p:sp>
-    </p:spTree>
-    <p:extLst>
-      <p:ext uri="{BB962C8B-B14F-4D97-AF65-F5344CB8AC3E}">
-        <p14:creationId xmlns:p14="http://schemas.microsoft.com/office/powerpoint/2010/main" val="1857880961"/>
-      </p:ext>
-    </p:extLst>
-  </p:cSld>
-  <p:clrMapOvr>
-    <a:masterClrMapping/>
-  </p:clrMapOvr>
-</p:sld>
-</file>
-
-<file path=ppt/slides/slide59.xml><?xml version="1.0" encoding="utf-8"?>
-<p:sld xmlns:a="http://schemas.openxmlformats.org/drawingml/2006/main" xmlns:r="http://schemas.openxmlformats.org/officeDocument/2006/relationships" xmlns:p="http://schemas.openxmlformats.org/presentationml/2006/main">
-  <p:cSld>
-    <p:spTree>
-      <p:nvGrpSpPr>
-        <p:cNvPr id="1" name=""/>
-        <p:cNvGrpSpPr/>
-        <p:nvPr/>
-      </p:nvGrpSpPr>
-      <p:grpSpPr>
-        <a:xfrm>
-          <a:off x="0" y="0"/>
-          <a:ext cx="0" cy="0"/>
-          <a:chOff x="0" y="0"/>
-          <a:chExt cx="0" cy="0"/>
-        </a:xfrm>
-      </p:grpSpPr>
-      <p:sp>
-        <p:nvSpPr>
-          <p:cNvPr id="5" name="內容版面配置區 4"/>
-          <p:cNvSpPr>
-            <a:spLocks noGrp="1"/>
-          </p:cNvSpPr>
-          <p:nvPr>
-            <p:ph idx="1"/>
-          </p:nvPr>
-        </p:nvSpPr>
-        <p:spPr>
-          <a:xfrm>
-            <a:off x="0" y="1563638"/>
-            <a:ext cx="9144000" cy="1803647"/>
-          </a:xfrm>
-        </p:spPr>
-        <p:txBody>
-          <a:bodyPr anchor="ctr">
-            <a:normAutofit/>
-          </a:bodyPr>
-          <a:lstStyle/>
-          <a:p>
-            <a:pPr algn="ctr">
-              <a:buNone/>
-            </a:pPr>
-            <a:r>
-              <a:rPr lang="zh-TW" altLang="en-US" sz="4800" b="1" dirty="0">
-                <a:solidFill>
-                  <a:srgbClr val="000066"/>
-                </a:solidFill>
-                <a:effectLst>
-                  <a:outerShdw blurRad="50000" dist="30000" dir="5400000" algn="tl" rotWithShape="0">
-                    <a:srgbClr val="000000">
-                      <a:alpha val="30000"/>
-                    </a:srgbClr>
-                  </a:outerShdw>
-                </a:effectLst>
-                <a:latin typeface="微軟正黑體" pitchFamily="34" charset="-120"/>
-                <a:ea typeface="微軟正黑體" pitchFamily="34" charset="-120"/>
-              </a:rPr>
-              <a:t>主的愛如流水淙淙</a:t>
-            </a:r>
-            <a:endParaRPr lang="en-US" altLang="zh-TW" sz="4800" b="1" dirty="0">
-              <a:solidFill>
-                <a:srgbClr val="000066"/>
-              </a:solidFill>
-              <a:effectLst>
-                <a:outerShdw blurRad="50000" dist="30000" dir="5400000" algn="tl" rotWithShape="0">
-                  <a:srgbClr val="000000">
-                    <a:alpha val="30000"/>
-                  </a:srgbClr>
-                </a:outerShdw>
-              </a:effectLst>
-              <a:latin typeface="微軟正黑體" pitchFamily="34" charset="-120"/>
-              <a:ea typeface="微軟正黑體" pitchFamily="34" charset="-120"/>
-            </a:endParaRPr>
-          </a:p>
-          <a:p>
-            <a:pPr algn="ctr">
-              <a:buNone/>
-            </a:pPr>
-            <a:r>
-              <a:rPr lang="zh-TW" altLang="en-US" sz="4800" b="1" dirty="0">
-                <a:solidFill>
-                  <a:srgbClr val="000066"/>
-                </a:solidFill>
-                <a:effectLst>
-                  <a:outerShdw blurRad="50000" dist="30000" dir="5400000" algn="tl" rotWithShape="0">
-                    <a:srgbClr val="000000">
-                      <a:alpha val="30000"/>
-                    </a:srgbClr>
-                  </a:outerShdw>
-                </a:effectLst>
-                <a:latin typeface="微軟正黑體" pitchFamily="34" charset="-120"/>
-                <a:ea typeface="微軟正黑體" pitchFamily="34" charset="-120"/>
-              </a:rPr>
-              <a:t>願你分享祂這愛</a:t>
-            </a:r>
-            <a:endParaRPr lang="en-US" altLang="zh-TW" sz="4800" b="1" dirty="0">
-              <a:solidFill>
-                <a:srgbClr val="000066"/>
-              </a:solidFill>
-              <a:effectLst>
-                <a:outerShdw blurRad="50000" dist="30000" dir="5400000" algn="tl" rotWithShape="0">
-                  <a:srgbClr val="000000">
-                    <a:alpha val="30000"/>
-                  </a:srgbClr>
-                </a:outerShdw>
-              </a:effectLst>
-              <a:latin typeface="微軟正黑體" pitchFamily="34" charset="-120"/>
-              <a:ea typeface="微軟正黑體" pitchFamily="34" charset="-120"/>
-            </a:endParaRPr>
-          </a:p>
-        </p:txBody>
-      </p:sp>
-    </p:spTree>
-    <p:extLst>
-      <p:ext uri="{BB962C8B-B14F-4D97-AF65-F5344CB8AC3E}">
-        <p14:creationId xmlns:p14="http://schemas.microsoft.com/office/powerpoint/2010/main" val="3434591100"/>
-      </p:ext>
-    </p:extLst>
   </p:cSld>
   <p:clrMapOvr>
     <a:masterClrMapping/>
@@ -11527,81 +9586,6 @@
         </p:txBody>
       </p:sp>
     </p:spTree>
-  </p:cSld>
-  <p:clrMapOvr>
-    <a:masterClrMapping/>
-  </p:clrMapOvr>
-</p:sld>
-</file>
-
-<file path=ppt/slides/slide60.xml><?xml version="1.0" encoding="utf-8"?>
-<p:sld xmlns:a="http://schemas.openxmlformats.org/drawingml/2006/main" xmlns:r="http://schemas.openxmlformats.org/officeDocument/2006/relationships" xmlns:p="http://schemas.openxmlformats.org/presentationml/2006/main">
-  <p:cSld>
-    <p:spTree>
-      <p:nvGrpSpPr>
-        <p:cNvPr id="1" name=""/>
-        <p:cNvGrpSpPr/>
-        <p:nvPr/>
-      </p:nvGrpSpPr>
-      <p:grpSpPr>
-        <a:xfrm>
-          <a:off x="0" y="0"/>
-          <a:ext cx="0" cy="0"/>
-          <a:chOff x="0" y="0"/>
-          <a:chExt cx="0" cy="0"/>
-        </a:xfrm>
-      </p:grpSpPr>
-      <p:sp>
-        <p:nvSpPr>
-          <p:cNvPr id="5" name="內容版面配置區 4"/>
-          <p:cNvSpPr>
-            <a:spLocks noGrp="1"/>
-          </p:cNvSpPr>
-          <p:nvPr>
-            <p:ph idx="1"/>
-          </p:nvPr>
-        </p:nvSpPr>
-        <p:spPr>
-          <a:xfrm>
-            <a:off x="0" y="1563638"/>
-            <a:ext cx="9144000" cy="1803647"/>
-          </a:xfrm>
-        </p:spPr>
-        <p:txBody>
-          <a:bodyPr anchor="ctr">
-            <a:normAutofit/>
-          </a:bodyPr>
-          <a:lstStyle/>
-          <a:p>
-            <a:pPr algn="ctr">
-              <a:buNone/>
-            </a:pPr>
-            <a:r>
-              <a:rPr lang="zh-TW" altLang="en-US" sz="4800" b="1" dirty="0">
-                <a:solidFill>
-                  <a:srgbClr val="000066"/>
-                </a:solidFill>
-                <a:effectLst>
-                  <a:outerShdw blurRad="50000" dist="30000" dir="5400000" algn="tl" rotWithShape="0">
-                    <a:srgbClr val="000000">
-                      <a:alpha val="30000"/>
-                    </a:srgbClr>
-                  </a:outerShdw>
-                </a:effectLst>
-                <a:latin typeface="微軟正黑體" pitchFamily="34" charset="-120"/>
-                <a:ea typeface="微軟正黑體" pitchFamily="34" charset="-120"/>
-              </a:rPr>
-              <a:t>以你愛  還祂愛  永相愛</a:t>
-            </a:r>
-          </a:p>
-        </p:txBody>
-      </p:sp>
-    </p:spTree>
-    <p:extLst>
-      <p:ext uri="{BB962C8B-B14F-4D97-AF65-F5344CB8AC3E}">
-        <p14:creationId xmlns:p14="http://schemas.microsoft.com/office/powerpoint/2010/main" val="608233991"/>
-      </p:ext>
-    </p:extLst>
   </p:cSld>
   <p:clrMapOvr>
     <a:masterClrMapping/>
